--- a/Documentação/Apresentação - Sprint 3.pptx
+++ b/Documentação/Apresentação - Sprint 3.pptx
@@ -9,16 +9,16 @@
     <p:sldId id="281" r:id="rId3"/>
     <p:sldId id="297" r:id="rId4"/>
     <p:sldId id="298" r:id="rId5"/>
-    <p:sldId id="293" r:id="rId6"/>
-    <p:sldId id="296" r:id="rId7"/>
-    <p:sldId id="295" r:id="rId8"/>
-    <p:sldId id="294" r:id="rId9"/>
-    <p:sldId id="292" r:id="rId10"/>
-    <p:sldId id="286" r:id="rId11"/>
-    <p:sldId id="291" r:id="rId12"/>
-    <p:sldId id="287" r:id="rId13"/>
+    <p:sldId id="296" r:id="rId6"/>
+    <p:sldId id="295" r:id="rId7"/>
+    <p:sldId id="294" r:id="rId8"/>
+    <p:sldId id="292" r:id="rId9"/>
+    <p:sldId id="286" r:id="rId10"/>
+    <p:sldId id="291" r:id="rId11"/>
+    <p:sldId id="287" r:id="rId12"/>
+    <p:sldId id="289" r:id="rId13"/>
     <p:sldId id="288" r:id="rId14"/>
-    <p:sldId id="289" r:id="rId15"/>
+    <p:sldId id="299" r:id="rId15"/>
     <p:sldId id="290" r:id="rId16"/>
   </p:sldIdLst>
   <p:sldSz cx="12192000" cy="6858000"/>
@@ -129,13 +129,724 @@
 <file path=ppt/revisionInfo.xml><?xml version="1.0" encoding="utf-8"?>
 <p1510:revInfo xmlns:a="http://schemas.openxmlformats.org/drawingml/2006/main" xmlns:r="http://schemas.openxmlformats.org/officeDocument/2006/relationships" xmlns:p1510="http://schemas.microsoft.com/office/powerpoint/2015/10/main">
   <p1510:revLst>
-    <p1510:client id="{20649838-E016-4F14-B833-D71429BBD211}" v="60" dt="2020-06-02T00:00:51.166"/>
+    <p1510:client id="{BDD547D6-9985-4471-8D69-22FBC0393EC8}" v="79" dt="2020-06-13T13:07:58.915"/>
   </p1510:revLst>
 </p1510:revInfo>
 </file>
 
 <file path=ppt/changesInfos/changesInfo1.xml><?xml version="1.0" encoding="utf-8"?>
 <pc:chgInfo xmlns:a="http://schemas.openxmlformats.org/drawingml/2006/main" xmlns:r="http://schemas.openxmlformats.org/officeDocument/2006/relationships" xmlns:ac="http://schemas.microsoft.com/office/drawing/2013/main/command" xmlns:pc="http://schemas.microsoft.com/office/powerpoint/2013/main/command">
+  <pc:docChgLst>
+    <pc:chgData name="Fernando C Correa" userId="a08d7f3c16d54179" providerId="LiveId" clId="{BDD547D6-9985-4471-8D69-22FBC0393EC8}"/>
+    <pc:docChg chg="undo custSel mod addSld delSld modSld sldOrd">
+      <pc:chgData name="Fernando C Correa" userId="a08d7f3c16d54179" providerId="LiveId" clId="{BDD547D6-9985-4471-8D69-22FBC0393EC8}" dt="2020-06-13T13:09:11.758" v="233"/>
+      <pc:docMkLst>
+        <pc:docMk/>
+      </pc:docMkLst>
+      <pc:sldChg chg="modAnim">
+        <pc:chgData name="Fernando C Correa" userId="a08d7f3c16d54179" providerId="LiveId" clId="{BDD547D6-9985-4471-8D69-22FBC0393EC8}" dt="2020-06-13T12:56:23.801" v="132"/>
+        <pc:sldMkLst>
+          <pc:docMk/>
+          <pc:sldMk cId="3542761506" sldId="281"/>
+        </pc:sldMkLst>
+      </pc:sldChg>
+      <pc:sldChg chg="addSp delSp modSp mod setBg setClrOvrMap">
+        <pc:chgData name="Fernando C Correa" userId="a08d7f3c16d54179" providerId="LiveId" clId="{BDD547D6-9985-4471-8D69-22FBC0393EC8}" dt="2020-06-13T12:55:02.601" v="128" actId="1076"/>
+        <pc:sldMkLst>
+          <pc:docMk/>
+          <pc:sldMk cId="450903840" sldId="283"/>
+        </pc:sldMkLst>
+        <pc:spChg chg="mod ord">
+          <ac:chgData name="Fernando C Correa" userId="a08d7f3c16d54179" providerId="LiveId" clId="{BDD547D6-9985-4471-8D69-22FBC0393EC8}" dt="2020-06-13T12:55:02.601" v="128" actId="1076"/>
+          <ac:spMkLst>
+            <pc:docMk/>
+            <pc:sldMk cId="450903840" sldId="283"/>
+            <ac:spMk id="3" creationId="{00000000-0000-0000-0000-000000000000}"/>
+          </ac:spMkLst>
+        </pc:spChg>
+        <pc:spChg chg="mod ord">
+          <ac:chgData name="Fernando C Correa" userId="a08d7f3c16d54179" providerId="LiveId" clId="{BDD547D6-9985-4471-8D69-22FBC0393EC8}" dt="2020-06-13T12:53:13.696" v="111" actId="1038"/>
+          <ac:spMkLst>
+            <pc:docMk/>
+            <pc:sldMk cId="450903840" sldId="283"/>
+            <ac:spMk id="7" creationId="{D34E5B9C-57DC-422A-B626-426A4E3D6AC0}"/>
+          </ac:spMkLst>
+        </pc:spChg>
+        <pc:spChg chg="add mod">
+          <ac:chgData name="Fernando C Correa" userId="a08d7f3c16d54179" providerId="LiveId" clId="{BDD547D6-9985-4471-8D69-22FBC0393EC8}" dt="2020-06-13T12:54:34.439" v="125" actId="14100"/>
+          <ac:spMkLst>
+            <pc:docMk/>
+            <pc:sldMk cId="450903840" sldId="283"/>
+            <ac:spMk id="8" creationId="{3CC0DBC5-CBEA-44F5-B257-04EE3F7AB470}"/>
+          </ac:spMkLst>
+        </pc:spChg>
+        <pc:spChg chg="add del">
+          <ac:chgData name="Fernando C Correa" userId="a08d7f3c16d54179" providerId="LiveId" clId="{BDD547D6-9985-4471-8D69-22FBC0393EC8}" dt="2020-06-13T12:50:16.547" v="3" actId="26606"/>
+          <ac:spMkLst>
+            <pc:docMk/>
+            <pc:sldMk cId="450903840" sldId="283"/>
+            <ac:spMk id="12" creationId="{71B2258F-86CA-4D4D-8270-BC05FCDEBFB3}"/>
+          </ac:spMkLst>
+        </pc:spChg>
+        <pc:spChg chg="add del">
+          <ac:chgData name="Fernando C Correa" userId="a08d7f3c16d54179" providerId="LiveId" clId="{BDD547D6-9985-4471-8D69-22FBC0393EC8}" dt="2020-06-13T12:50:38.303" v="17" actId="26606"/>
+          <ac:spMkLst>
+            <pc:docMk/>
+            <pc:sldMk cId="450903840" sldId="283"/>
+            <ac:spMk id="34" creationId="{A3BAF07C-C39E-42EB-BB22-8D46691D9735}"/>
+          </ac:spMkLst>
+        </pc:spChg>
+        <pc:spChg chg="add del">
+          <ac:chgData name="Fernando C Correa" userId="a08d7f3c16d54179" providerId="LiveId" clId="{BDD547D6-9985-4471-8D69-22FBC0393EC8}" dt="2020-06-13T12:50:33.856" v="6" actId="26606"/>
+          <ac:spMkLst>
+            <pc:docMk/>
+            <pc:sldMk cId="450903840" sldId="283"/>
+            <ac:spMk id="49" creationId="{A3BAF07C-C39E-42EB-BB22-8D46691D9735}"/>
+          </ac:spMkLst>
+        </pc:spChg>
+        <pc:spChg chg="add mod">
+          <ac:chgData name="Fernando C Correa" userId="a08d7f3c16d54179" providerId="LiveId" clId="{BDD547D6-9985-4471-8D69-22FBC0393EC8}" dt="2020-06-13T12:54:40.117" v="126" actId="14100"/>
+          <ac:spMkLst>
+            <pc:docMk/>
+            <pc:sldMk cId="450903840" sldId="283"/>
+            <ac:spMk id="71" creationId="{FA87CC4B-67E8-46A8-83ED-B27931B4A556}"/>
+          </ac:spMkLst>
+        </pc:spChg>
+        <pc:spChg chg="add del">
+          <ac:chgData name="Fernando C Correa" userId="a08d7f3c16d54179" providerId="LiveId" clId="{BDD547D6-9985-4471-8D69-22FBC0393EC8}" dt="2020-06-13T12:50:35.004" v="9" actId="26606"/>
+          <ac:spMkLst>
+            <pc:docMk/>
+            <pc:sldMk cId="450903840" sldId="283"/>
+            <ac:spMk id="72" creationId="{1FBD4BA0-5E13-4403-B4A7-40DF3A0185D3}"/>
+          </ac:spMkLst>
+        </pc:spChg>
+        <pc:spChg chg="add del">
+          <ac:chgData name="Fernando C Correa" userId="a08d7f3c16d54179" providerId="LiveId" clId="{BDD547D6-9985-4471-8D69-22FBC0393EC8}" dt="2020-06-13T12:50:35.531" v="11" actId="26606"/>
+          <ac:spMkLst>
+            <pc:docMk/>
+            <pc:sldMk cId="450903840" sldId="283"/>
+            <ac:spMk id="75" creationId="{A3BAF07C-C39E-42EB-BB22-8D46691D9735}"/>
+          </ac:spMkLst>
+        </pc:spChg>
+        <pc:spChg chg="add del">
+          <ac:chgData name="Fernando C Correa" userId="a08d7f3c16d54179" providerId="LiveId" clId="{BDD547D6-9985-4471-8D69-22FBC0393EC8}" dt="2020-06-13T12:50:36.456" v="14" actId="26606"/>
+          <ac:spMkLst>
+            <pc:docMk/>
+            <pc:sldMk cId="450903840" sldId="283"/>
+            <ac:spMk id="78" creationId="{1FBD4BA0-5E13-4403-B4A7-40DF3A0185D3}"/>
+          </ac:spMkLst>
+        </pc:spChg>
+        <pc:spChg chg="add del">
+          <ac:chgData name="Fernando C Correa" userId="a08d7f3c16d54179" providerId="LiveId" clId="{BDD547D6-9985-4471-8D69-22FBC0393EC8}" dt="2020-06-13T12:50:38.294" v="16" actId="26606"/>
+          <ac:spMkLst>
+            <pc:docMk/>
+            <pc:sldMk cId="450903840" sldId="283"/>
+            <ac:spMk id="81" creationId="{A3BAF07C-C39E-42EB-BB22-8D46691D9735}"/>
+          </ac:spMkLst>
+        </pc:spChg>
+        <pc:grpChg chg="add del">
+          <ac:chgData name="Fernando C Correa" userId="a08d7f3c16d54179" providerId="LiveId" clId="{BDD547D6-9985-4471-8D69-22FBC0393EC8}" dt="2020-06-13T12:50:38.303" v="17" actId="26606"/>
+          <ac:grpSpMkLst>
+            <pc:docMk/>
+            <pc:sldMk cId="450903840" sldId="283"/>
+            <ac:grpSpMk id="35" creationId="{D8E9CF54-0466-4261-9E62-0249E60E1886}"/>
+          </ac:grpSpMkLst>
+        </pc:grpChg>
+        <pc:grpChg chg="add del">
+          <ac:chgData name="Fernando C Correa" userId="a08d7f3c16d54179" providerId="LiveId" clId="{BDD547D6-9985-4471-8D69-22FBC0393EC8}" dt="2020-06-13T12:50:33.856" v="6" actId="26606"/>
+          <ac:grpSpMkLst>
+            <pc:docMk/>
+            <pc:sldMk cId="450903840" sldId="283"/>
+            <ac:grpSpMk id="51" creationId="{D8E9CF54-0466-4261-9E62-0249E60E1886}"/>
+          </ac:grpSpMkLst>
+        </pc:grpChg>
+        <pc:grpChg chg="add del">
+          <ac:chgData name="Fernando C Correa" userId="a08d7f3c16d54179" providerId="LiveId" clId="{BDD547D6-9985-4471-8D69-22FBC0393EC8}" dt="2020-06-13T12:50:35.004" v="9" actId="26606"/>
+          <ac:grpSpMkLst>
+            <pc:docMk/>
+            <pc:sldMk cId="450903840" sldId="283"/>
+            <ac:grpSpMk id="73" creationId="{622F0806-F5D8-4CCD-A924-6CC3D7BB26F7}"/>
+          </ac:grpSpMkLst>
+        </pc:grpChg>
+        <pc:grpChg chg="add del">
+          <ac:chgData name="Fernando C Correa" userId="a08d7f3c16d54179" providerId="LiveId" clId="{BDD547D6-9985-4471-8D69-22FBC0393EC8}" dt="2020-06-13T12:50:35.531" v="11" actId="26606"/>
+          <ac:grpSpMkLst>
+            <pc:docMk/>
+            <pc:sldMk cId="450903840" sldId="283"/>
+            <ac:grpSpMk id="76" creationId="{D8E9CF54-0466-4261-9E62-0249E60E1886}"/>
+          </ac:grpSpMkLst>
+        </pc:grpChg>
+        <pc:grpChg chg="add del">
+          <ac:chgData name="Fernando C Correa" userId="a08d7f3c16d54179" providerId="LiveId" clId="{BDD547D6-9985-4471-8D69-22FBC0393EC8}" dt="2020-06-13T12:50:36.456" v="14" actId="26606"/>
+          <ac:grpSpMkLst>
+            <pc:docMk/>
+            <pc:sldMk cId="450903840" sldId="283"/>
+            <ac:grpSpMk id="79" creationId="{622F0806-F5D8-4CCD-A924-6CC3D7BB26F7}"/>
+          </ac:grpSpMkLst>
+        </pc:grpChg>
+        <pc:grpChg chg="add del">
+          <ac:chgData name="Fernando C Correa" userId="a08d7f3c16d54179" providerId="LiveId" clId="{BDD547D6-9985-4471-8D69-22FBC0393EC8}" dt="2020-06-13T12:50:38.294" v="16" actId="26606"/>
+          <ac:grpSpMkLst>
+            <pc:docMk/>
+            <pc:sldMk cId="450903840" sldId="283"/>
+            <ac:grpSpMk id="82" creationId="{D8E9CF54-0466-4261-9E62-0249E60E1886}"/>
+          </ac:grpSpMkLst>
+        </pc:grpChg>
+        <pc:picChg chg="add del mod ord">
+          <ac:chgData name="Fernando C Correa" userId="a08d7f3c16d54179" providerId="LiveId" clId="{BDD547D6-9985-4471-8D69-22FBC0393EC8}" dt="2020-06-13T12:52:04.308" v="41" actId="478"/>
+          <ac:picMkLst>
+            <pc:docMk/>
+            <pc:sldMk cId="450903840" sldId="283"/>
+            <ac:picMk id="4" creationId="{C59658C8-2D7A-4DCD-854A-2822D1795322}"/>
+          </ac:picMkLst>
+        </pc:picChg>
+        <pc:picChg chg="add mod">
+          <ac:chgData name="Fernando C Correa" userId="a08d7f3c16d54179" providerId="LiveId" clId="{BDD547D6-9985-4471-8D69-22FBC0393EC8}" dt="2020-06-13T12:53:05.776" v="62" actId="14100"/>
+          <ac:picMkLst>
+            <pc:docMk/>
+            <pc:sldMk cId="450903840" sldId="283"/>
+            <ac:picMk id="6" creationId="{0453BD22-6FB7-433F-B358-150D1AA68C37}"/>
+          </ac:picMkLst>
+        </pc:picChg>
+      </pc:sldChg>
+      <pc:sldChg chg="addSp delSp modSp mod ord">
+        <pc:chgData name="Fernando C Correa" userId="a08d7f3c16d54179" providerId="LiveId" clId="{BDD547D6-9985-4471-8D69-22FBC0393EC8}" dt="2020-06-13T13:09:00.020" v="229"/>
+        <pc:sldMkLst>
+          <pc:docMk/>
+          <pc:sldMk cId="4264086694" sldId="288"/>
+        </pc:sldMkLst>
+        <pc:picChg chg="add mod">
+          <ac:chgData name="Fernando C Correa" userId="a08d7f3c16d54179" providerId="LiveId" clId="{BDD547D6-9985-4471-8D69-22FBC0393EC8}" dt="2020-06-13T12:58:07.073" v="151" actId="1076"/>
+          <ac:picMkLst>
+            <pc:docMk/>
+            <pc:sldMk cId="4264086694" sldId="288"/>
+            <ac:picMk id="4" creationId="{1F3BC514-CB78-4155-AF11-BB61F4A3B76D}"/>
+          </ac:picMkLst>
+        </pc:picChg>
+        <pc:picChg chg="del">
+          <ac:chgData name="Fernando C Correa" userId="a08d7f3c16d54179" providerId="LiveId" clId="{BDD547D6-9985-4471-8D69-22FBC0393EC8}" dt="2020-06-13T12:57:55.833" v="147" actId="478"/>
+          <ac:picMkLst>
+            <pc:docMk/>
+            <pc:sldMk cId="4264086694" sldId="288"/>
+            <ac:picMk id="5" creationId="{719194C0-71DB-4079-83CE-40E5CD7645C0}"/>
+          </ac:picMkLst>
+        </pc:picChg>
+      </pc:sldChg>
+      <pc:sldChg chg="ord">
+        <pc:chgData name="Fernando C Correa" userId="a08d7f3c16d54179" providerId="LiveId" clId="{BDD547D6-9985-4471-8D69-22FBC0393EC8}" dt="2020-06-13T13:09:08.312" v="231"/>
+        <pc:sldMkLst>
+          <pc:docMk/>
+          <pc:sldMk cId="1295663715" sldId="289"/>
+        </pc:sldMkLst>
+      </pc:sldChg>
+      <pc:sldChg chg="addSp delSp modSp del mod">
+        <pc:chgData name="Fernando C Correa" userId="a08d7f3c16d54179" providerId="LiveId" clId="{BDD547D6-9985-4471-8D69-22FBC0393EC8}" dt="2020-06-13T13:04:30.446" v="203" actId="47"/>
+        <pc:sldMkLst>
+          <pc:docMk/>
+          <pc:sldMk cId="2022502932" sldId="293"/>
+        </pc:sldMkLst>
+        <pc:spChg chg="add del mod">
+          <ac:chgData name="Fernando C Correa" userId="a08d7f3c16d54179" providerId="LiveId" clId="{BDD547D6-9985-4471-8D69-22FBC0393EC8}" dt="2020-06-13T13:00:22.936" v="161"/>
+          <ac:spMkLst>
+            <pc:docMk/>
+            <pc:sldMk cId="2022502932" sldId="293"/>
+            <ac:spMk id="8" creationId="{92F8AF57-C061-4F06-ABAE-7F2B3E465A0E}"/>
+          </ac:spMkLst>
+        </pc:spChg>
+        <pc:spChg chg="add mod">
+          <ac:chgData name="Fernando C Correa" userId="a08d7f3c16d54179" providerId="LiveId" clId="{BDD547D6-9985-4471-8D69-22FBC0393EC8}" dt="2020-06-13T13:00:22.936" v="161"/>
+          <ac:spMkLst>
+            <pc:docMk/>
+            <pc:sldMk cId="2022502932" sldId="293"/>
+            <ac:spMk id="11" creationId="{978FC917-94D5-4C38-AEE6-3EC089673DDA}"/>
+          </ac:spMkLst>
+        </pc:spChg>
+        <pc:spChg chg="add mod">
+          <ac:chgData name="Fernando C Correa" userId="a08d7f3c16d54179" providerId="LiveId" clId="{BDD547D6-9985-4471-8D69-22FBC0393EC8}" dt="2020-06-13T13:00:22.936" v="161"/>
+          <ac:spMkLst>
+            <pc:docMk/>
+            <pc:sldMk cId="2022502932" sldId="293"/>
+            <ac:spMk id="15" creationId="{91BB7FE2-2C0C-43E0-BF9A-3C40E087E591}"/>
+          </ac:spMkLst>
+        </pc:spChg>
+        <pc:grpChg chg="add del mod">
+          <ac:chgData name="Fernando C Correa" userId="a08d7f3c16d54179" providerId="LiveId" clId="{BDD547D6-9985-4471-8D69-22FBC0393EC8}" dt="2020-06-13T13:00:22.936" v="161"/>
+          <ac:grpSpMkLst>
+            <pc:docMk/>
+            <pc:sldMk cId="2022502932" sldId="293"/>
+            <ac:grpSpMk id="9" creationId="{3B9F2973-9CA5-4D05-AB1A-387FE8576AD9}"/>
+          </ac:grpSpMkLst>
+        </pc:grpChg>
+        <pc:graphicFrameChg chg="add mod">
+          <ac:chgData name="Fernando C Correa" userId="a08d7f3c16d54179" providerId="LiveId" clId="{BDD547D6-9985-4471-8D69-22FBC0393EC8}" dt="2020-06-13T13:02:56.944" v="202"/>
+          <ac:graphicFrameMkLst>
+            <pc:docMk/>
+            <pc:sldMk cId="2022502932" sldId="293"/>
+            <ac:graphicFrameMk id="16" creationId="{C71FC8EC-A740-40A0-B5C8-AA4B5DFF8386}"/>
+          </ac:graphicFrameMkLst>
+        </pc:graphicFrameChg>
+        <pc:picChg chg="add del">
+          <ac:chgData name="Fernando C Correa" userId="a08d7f3c16d54179" providerId="LiveId" clId="{BDD547D6-9985-4471-8D69-22FBC0393EC8}" dt="2020-06-13T13:00:39.300" v="164" actId="478"/>
+          <ac:picMkLst>
+            <pc:docMk/>
+            <pc:sldMk cId="2022502932" sldId="293"/>
+            <ac:picMk id="62" creationId="{BCC4C255-968A-4BC3-A955-63028576C8DF}"/>
+          </ac:picMkLst>
+        </pc:picChg>
+      </pc:sldChg>
+      <pc:sldChg chg="modSp">
+        <pc:chgData name="Fernando C Correa" userId="a08d7f3c16d54179" providerId="LiveId" clId="{BDD547D6-9985-4471-8D69-22FBC0393EC8}" dt="2020-06-13T13:01:59.703" v="197" actId="1076"/>
+        <pc:sldMkLst>
+          <pc:docMk/>
+          <pc:sldMk cId="2602158399" sldId="296"/>
+        </pc:sldMkLst>
+        <pc:spChg chg="mod">
+          <ac:chgData name="Fernando C Correa" userId="a08d7f3c16d54179" providerId="LiveId" clId="{BDD547D6-9985-4471-8D69-22FBC0393EC8}" dt="2020-06-13T13:01:59.703" v="197" actId="1076"/>
+          <ac:spMkLst>
+            <pc:docMk/>
+            <pc:sldMk cId="2602158399" sldId="296"/>
+            <ac:spMk id="16" creationId="{4A3D8031-17D2-483B-9165-90F4DE2D70F4}"/>
+          </ac:spMkLst>
+        </pc:spChg>
+        <pc:spChg chg="mod">
+          <ac:chgData name="Fernando C Correa" userId="a08d7f3c16d54179" providerId="LiveId" clId="{BDD547D6-9985-4471-8D69-22FBC0393EC8}" dt="2020-06-13T13:01:59.703" v="197" actId="1076"/>
+          <ac:spMkLst>
+            <pc:docMk/>
+            <pc:sldMk cId="2602158399" sldId="296"/>
+            <ac:spMk id="19" creationId="{68F6DEB3-70A3-4BF4-8B2D-6E1AB8177828}"/>
+          </ac:spMkLst>
+        </pc:spChg>
+        <pc:spChg chg="mod">
+          <ac:chgData name="Fernando C Correa" userId="a08d7f3c16d54179" providerId="LiveId" clId="{BDD547D6-9985-4471-8D69-22FBC0393EC8}" dt="2020-06-13T13:01:59.703" v="197" actId="1076"/>
+          <ac:spMkLst>
+            <pc:docMk/>
+            <pc:sldMk cId="2602158399" sldId="296"/>
+            <ac:spMk id="24" creationId="{BC17027F-7803-4FE3-8399-202BED3AB6D0}"/>
+          </ac:spMkLst>
+        </pc:spChg>
+        <pc:spChg chg="mod">
+          <ac:chgData name="Fernando C Correa" userId="a08d7f3c16d54179" providerId="LiveId" clId="{BDD547D6-9985-4471-8D69-22FBC0393EC8}" dt="2020-06-13T13:01:59.703" v="197" actId="1076"/>
+          <ac:spMkLst>
+            <pc:docMk/>
+            <pc:sldMk cId="2602158399" sldId="296"/>
+            <ac:spMk id="28" creationId="{BC469A77-A7EE-4CB4-8E4C-DCC050D57D62}"/>
+          </ac:spMkLst>
+        </pc:spChg>
+        <pc:spChg chg="mod">
+          <ac:chgData name="Fernando C Correa" userId="a08d7f3c16d54179" providerId="LiveId" clId="{BDD547D6-9985-4471-8D69-22FBC0393EC8}" dt="2020-06-13T13:01:59.703" v="197" actId="1076"/>
+          <ac:spMkLst>
+            <pc:docMk/>
+            <pc:sldMk cId="2602158399" sldId="296"/>
+            <ac:spMk id="29" creationId="{DD4324BD-4086-4848-9198-B77789BF3807}"/>
+          </ac:spMkLst>
+        </pc:spChg>
+        <pc:spChg chg="mod">
+          <ac:chgData name="Fernando C Correa" userId="a08d7f3c16d54179" providerId="LiveId" clId="{BDD547D6-9985-4471-8D69-22FBC0393EC8}" dt="2020-06-13T13:01:59.703" v="197" actId="1076"/>
+          <ac:spMkLst>
+            <pc:docMk/>
+            <pc:sldMk cId="2602158399" sldId="296"/>
+            <ac:spMk id="33" creationId="{B543B89B-768B-47EC-BB9F-C055536C22B6}"/>
+          </ac:spMkLst>
+        </pc:spChg>
+        <pc:spChg chg="mod">
+          <ac:chgData name="Fernando C Correa" userId="a08d7f3c16d54179" providerId="LiveId" clId="{BDD547D6-9985-4471-8D69-22FBC0393EC8}" dt="2020-06-13T13:01:59.703" v="197" actId="1076"/>
+          <ac:spMkLst>
+            <pc:docMk/>
+            <pc:sldMk cId="2602158399" sldId="296"/>
+            <ac:spMk id="34" creationId="{DD72A077-704A-416F-8E83-896431DAA8EB}"/>
+          </ac:spMkLst>
+        </pc:spChg>
+        <pc:spChg chg="mod">
+          <ac:chgData name="Fernando C Correa" userId="a08d7f3c16d54179" providerId="LiveId" clId="{BDD547D6-9985-4471-8D69-22FBC0393EC8}" dt="2020-06-13T13:01:59.703" v="197" actId="1076"/>
+          <ac:spMkLst>
+            <pc:docMk/>
+            <pc:sldMk cId="2602158399" sldId="296"/>
+            <ac:spMk id="38" creationId="{A8D955FA-2077-4EB9-8FEF-F1D2DBDBD31E}"/>
+          </ac:spMkLst>
+        </pc:spChg>
+        <pc:spChg chg="mod">
+          <ac:chgData name="Fernando C Correa" userId="a08d7f3c16d54179" providerId="LiveId" clId="{BDD547D6-9985-4471-8D69-22FBC0393EC8}" dt="2020-06-13T13:01:59.703" v="197" actId="1076"/>
+          <ac:spMkLst>
+            <pc:docMk/>
+            <pc:sldMk cId="2602158399" sldId="296"/>
+            <ac:spMk id="39" creationId="{36980488-C9AD-44BF-9DF1-A2E4AD27E7BB}"/>
+          </ac:spMkLst>
+        </pc:spChg>
+        <pc:spChg chg="mod">
+          <ac:chgData name="Fernando C Correa" userId="a08d7f3c16d54179" providerId="LiveId" clId="{BDD547D6-9985-4471-8D69-22FBC0393EC8}" dt="2020-06-13T13:01:59.703" v="197" actId="1076"/>
+          <ac:spMkLst>
+            <pc:docMk/>
+            <pc:sldMk cId="2602158399" sldId="296"/>
+            <ac:spMk id="43" creationId="{5F832CFE-E431-4561-9E35-78F733771B06}"/>
+          </ac:spMkLst>
+        </pc:spChg>
+        <pc:spChg chg="mod">
+          <ac:chgData name="Fernando C Correa" userId="a08d7f3c16d54179" providerId="LiveId" clId="{BDD547D6-9985-4471-8D69-22FBC0393EC8}" dt="2020-06-13T13:01:59.703" v="197" actId="1076"/>
+          <ac:spMkLst>
+            <pc:docMk/>
+            <pc:sldMk cId="2602158399" sldId="296"/>
+            <ac:spMk id="44" creationId="{29CC72C0-3F4C-4C49-A359-4F0F44E6798A}"/>
+          </ac:spMkLst>
+        </pc:spChg>
+        <pc:spChg chg="mod">
+          <ac:chgData name="Fernando C Correa" userId="a08d7f3c16d54179" providerId="LiveId" clId="{BDD547D6-9985-4471-8D69-22FBC0393EC8}" dt="2020-06-13T13:01:59.703" v="197" actId="1076"/>
+          <ac:spMkLst>
+            <pc:docMk/>
+            <pc:sldMk cId="2602158399" sldId="296"/>
+            <ac:spMk id="45" creationId="{07B75210-3294-4AF0-8C9E-3C4AA843D05E}"/>
+          </ac:spMkLst>
+        </pc:spChg>
+        <pc:spChg chg="mod">
+          <ac:chgData name="Fernando C Correa" userId="a08d7f3c16d54179" providerId="LiveId" clId="{BDD547D6-9985-4471-8D69-22FBC0393EC8}" dt="2020-06-13T13:01:59.703" v="197" actId="1076"/>
+          <ac:spMkLst>
+            <pc:docMk/>
+            <pc:sldMk cId="2602158399" sldId="296"/>
+            <ac:spMk id="49" creationId="{53BFE470-B5B2-485F-94CA-535C8684DD5F}"/>
+          </ac:spMkLst>
+        </pc:spChg>
+        <pc:spChg chg="mod">
+          <ac:chgData name="Fernando C Correa" userId="a08d7f3c16d54179" providerId="LiveId" clId="{BDD547D6-9985-4471-8D69-22FBC0393EC8}" dt="2020-06-13T13:01:59.703" v="197" actId="1076"/>
+          <ac:spMkLst>
+            <pc:docMk/>
+            <pc:sldMk cId="2602158399" sldId="296"/>
+            <ac:spMk id="51" creationId="{6D9F163E-A50B-4064-A51A-092F7651CD2E}"/>
+          </ac:spMkLst>
+        </pc:spChg>
+        <pc:spChg chg="mod">
+          <ac:chgData name="Fernando C Correa" userId="a08d7f3c16d54179" providerId="LiveId" clId="{BDD547D6-9985-4471-8D69-22FBC0393EC8}" dt="2020-06-13T13:01:59.703" v="197" actId="1076"/>
+          <ac:spMkLst>
+            <pc:docMk/>
+            <pc:sldMk cId="2602158399" sldId="296"/>
+            <ac:spMk id="54" creationId="{3C0FED55-D186-4E30-B046-59F8924FC9CC}"/>
+          </ac:spMkLst>
+        </pc:spChg>
+        <pc:spChg chg="mod">
+          <ac:chgData name="Fernando C Correa" userId="a08d7f3c16d54179" providerId="LiveId" clId="{BDD547D6-9985-4471-8D69-22FBC0393EC8}" dt="2020-06-13T13:01:59.703" v="197" actId="1076"/>
+          <ac:spMkLst>
+            <pc:docMk/>
+            <pc:sldMk cId="2602158399" sldId="296"/>
+            <ac:spMk id="55" creationId="{2613465B-707B-4386-8895-2631B29F537D}"/>
+          </ac:spMkLst>
+        </pc:spChg>
+        <pc:spChg chg="mod">
+          <ac:chgData name="Fernando C Correa" userId="a08d7f3c16d54179" providerId="LiveId" clId="{BDD547D6-9985-4471-8D69-22FBC0393EC8}" dt="2020-06-13T13:01:59.703" v="197" actId="1076"/>
+          <ac:spMkLst>
+            <pc:docMk/>
+            <pc:sldMk cId="2602158399" sldId="296"/>
+            <ac:spMk id="58" creationId="{6B8346BA-BDA4-4050-ABFE-92CA319CE764}"/>
+          </ac:spMkLst>
+        </pc:spChg>
+        <pc:spChg chg="mod">
+          <ac:chgData name="Fernando C Correa" userId="a08d7f3c16d54179" providerId="LiveId" clId="{BDD547D6-9985-4471-8D69-22FBC0393EC8}" dt="2020-06-13T13:01:59.703" v="197" actId="1076"/>
+          <ac:spMkLst>
+            <pc:docMk/>
+            <pc:sldMk cId="2602158399" sldId="296"/>
+            <ac:spMk id="60" creationId="{C788DE36-5E28-434C-A4CA-E519F0A2B096}"/>
+          </ac:spMkLst>
+        </pc:spChg>
+        <pc:grpChg chg="mod">
+          <ac:chgData name="Fernando C Correa" userId="a08d7f3c16d54179" providerId="LiveId" clId="{BDD547D6-9985-4471-8D69-22FBC0393EC8}" dt="2020-06-13T13:01:59.703" v="197" actId="1076"/>
+          <ac:grpSpMkLst>
+            <pc:docMk/>
+            <pc:sldMk cId="2602158399" sldId="296"/>
+            <ac:grpSpMk id="15" creationId="{E9FF7A15-42E9-4313-8D04-09D0569D0196}"/>
+          </ac:grpSpMkLst>
+        </pc:grpChg>
+        <pc:picChg chg="mod">
+          <ac:chgData name="Fernando C Correa" userId="a08d7f3c16d54179" providerId="LiveId" clId="{BDD547D6-9985-4471-8D69-22FBC0393EC8}" dt="2020-06-13T13:01:59.703" v="197" actId="1076"/>
+          <ac:picMkLst>
+            <pc:docMk/>
+            <pc:sldMk cId="2602158399" sldId="296"/>
+            <ac:picMk id="17" creationId="{CEA00F93-F7D1-48DB-983F-C5A172708295}"/>
+          </ac:picMkLst>
+        </pc:picChg>
+        <pc:picChg chg="mod">
+          <ac:chgData name="Fernando C Correa" userId="a08d7f3c16d54179" providerId="LiveId" clId="{BDD547D6-9985-4471-8D69-22FBC0393EC8}" dt="2020-06-13T13:01:59.703" v="197" actId="1076"/>
+          <ac:picMkLst>
+            <pc:docMk/>
+            <pc:sldMk cId="2602158399" sldId="296"/>
+            <ac:picMk id="18" creationId="{C97D3599-BEA4-4B66-B383-661ADB6AFFC1}"/>
+          </ac:picMkLst>
+        </pc:picChg>
+        <pc:picChg chg="mod">
+          <ac:chgData name="Fernando C Correa" userId="a08d7f3c16d54179" providerId="LiveId" clId="{BDD547D6-9985-4471-8D69-22FBC0393EC8}" dt="2020-06-13T13:01:59.703" v="197" actId="1076"/>
+          <ac:picMkLst>
+            <pc:docMk/>
+            <pc:sldMk cId="2602158399" sldId="296"/>
+            <ac:picMk id="25" creationId="{92D307E8-D7FA-41EF-B88B-ABB1B5B59056}"/>
+          </ac:picMkLst>
+        </pc:picChg>
+        <pc:picChg chg="mod">
+          <ac:chgData name="Fernando C Correa" userId="a08d7f3c16d54179" providerId="LiveId" clId="{BDD547D6-9985-4471-8D69-22FBC0393EC8}" dt="2020-06-13T13:01:59.703" v="197" actId="1076"/>
+          <ac:picMkLst>
+            <pc:docMk/>
+            <pc:sldMk cId="2602158399" sldId="296"/>
+            <ac:picMk id="26" creationId="{8C063EEA-A4C4-40B6-B976-B9608C85BCC9}"/>
+          </ac:picMkLst>
+        </pc:picChg>
+        <pc:picChg chg="mod">
+          <ac:chgData name="Fernando C Correa" userId="a08d7f3c16d54179" providerId="LiveId" clId="{BDD547D6-9985-4471-8D69-22FBC0393EC8}" dt="2020-06-13T13:01:59.703" v="197" actId="1076"/>
+          <ac:picMkLst>
+            <pc:docMk/>
+            <pc:sldMk cId="2602158399" sldId="296"/>
+            <ac:picMk id="27" creationId="{38044D53-D848-432F-88E7-6074D70B6F5B}"/>
+          </ac:picMkLst>
+        </pc:picChg>
+        <pc:picChg chg="mod">
+          <ac:chgData name="Fernando C Correa" userId="a08d7f3c16d54179" providerId="LiveId" clId="{BDD547D6-9985-4471-8D69-22FBC0393EC8}" dt="2020-06-13T13:01:59.703" v="197" actId="1076"/>
+          <ac:picMkLst>
+            <pc:docMk/>
+            <pc:sldMk cId="2602158399" sldId="296"/>
+            <ac:picMk id="30" creationId="{ECAA8794-23CE-4539-B7E6-2F7FCCFE38F4}"/>
+          </ac:picMkLst>
+        </pc:picChg>
+        <pc:picChg chg="mod">
+          <ac:chgData name="Fernando C Correa" userId="a08d7f3c16d54179" providerId="LiveId" clId="{BDD547D6-9985-4471-8D69-22FBC0393EC8}" dt="2020-06-13T13:01:59.703" v="197" actId="1076"/>
+          <ac:picMkLst>
+            <pc:docMk/>
+            <pc:sldMk cId="2602158399" sldId="296"/>
+            <ac:picMk id="31" creationId="{BA9A953B-A980-40BD-B59E-2615134A7AB1}"/>
+          </ac:picMkLst>
+        </pc:picChg>
+        <pc:picChg chg="mod">
+          <ac:chgData name="Fernando C Correa" userId="a08d7f3c16d54179" providerId="LiveId" clId="{BDD547D6-9985-4471-8D69-22FBC0393EC8}" dt="2020-06-13T13:01:59.703" v="197" actId="1076"/>
+          <ac:picMkLst>
+            <pc:docMk/>
+            <pc:sldMk cId="2602158399" sldId="296"/>
+            <ac:picMk id="32" creationId="{2951D1B2-EB8E-48A1-ACCC-5C3BFD1425D9}"/>
+          </ac:picMkLst>
+        </pc:picChg>
+        <pc:picChg chg="mod">
+          <ac:chgData name="Fernando C Correa" userId="a08d7f3c16d54179" providerId="LiveId" clId="{BDD547D6-9985-4471-8D69-22FBC0393EC8}" dt="2020-06-13T13:01:59.703" v="197" actId="1076"/>
+          <ac:picMkLst>
+            <pc:docMk/>
+            <pc:sldMk cId="2602158399" sldId="296"/>
+            <ac:picMk id="35" creationId="{8AB0039D-F8B3-420E-8227-F47D2BEBA607}"/>
+          </ac:picMkLst>
+        </pc:picChg>
+        <pc:picChg chg="mod">
+          <ac:chgData name="Fernando C Correa" userId="a08d7f3c16d54179" providerId="LiveId" clId="{BDD547D6-9985-4471-8D69-22FBC0393EC8}" dt="2020-06-13T13:01:59.703" v="197" actId="1076"/>
+          <ac:picMkLst>
+            <pc:docMk/>
+            <pc:sldMk cId="2602158399" sldId="296"/>
+            <ac:picMk id="36" creationId="{A281C559-BA3E-41D0-BF49-F6B298074A37}"/>
+          </ac:picMkLst>
+        </pc:picChg>
+        <pc:picChg chg="mod">
+          <ac:chgData name="Fernando C Correa" userId="a08d7f3c16d54179" providerId="LiveId" clId="{BDD547D6-9985-4471-8D69-22FBC0393EC8}" dt="2020-06-13T13:01:59.703" v="197" actId="1076"/>
+          <ac:picMkLst>
+            <pc:docMk/>
+            <pc:sldMk cId="2602158399" sldId="296"/>
+            <ac:picMk id="37" creationId="{6583B8BD-B6B5-4387-BE17-995C748EA80A}"/>
+          </ac:picMkLst>
+        </pc:picChg>
+        <pc:picChg chg="mod">
+          <ac:chgData name="Fernando C Correa" userId="a08d7f3c16d54179" providerId="LiveId" clId="{BDD547D6-9985-4471-8D69-22FBC0393EC8}" dt="2020-06-13T13:01:59.703" v="197" actId="1076"/>
+          <ac:picMkLst>
+            <pc:docMk/>
+            <pc:sldMk cId="2602158399" sldId="296"/>
+            <ac:picMk id="40" creationId="{64ACA727-5796-4D15-BB85-8C3E8D82689A}"/>
+          </ac:picMkLst>
+        </pc:picChg>
+        <pc:picChg chg="mod">
+          <ac:chgData name="Fernando C Correa" userId="a08d7f3c16d54179" providerId="LiveId" clId="{BDD547D6-9985-4471-8D69-22FBC0393EC8}" dt="2020-06-13T13:01:59.703" v="197" actId="1076"/>
+          <ac:picMkLst>
+            <pc:docMk/>
+            <pc:sldMk cId="2602158399" sldId="296"/>
+            <ac:picMk id="41" creationId="{03C4FAAE-CD60-40D1-A85C-5317DB3FBD06}"/>
+          </ac:picMkLst>
+        </pc:picChg>
+        <pc:picChg chg="mod">
+          <ac:chgData name="Fernando C Correa" userId="a08d7f3c16d54179" providerId="LiveId" clId="{BDD547D6-9985-4471-8D69-22FBC0393EC8}" dt="2020-06-13T13:01:59.703" v="197" actId="1076"/>
+          <ac:picMkLst>
+            <pc:docMk/>
+            <pc:sldMk cId="2602158399" sldId="296"/>
+            <ac:picMk id="42" creationId="{DC4B6FCE-B796-4592-8B3D-5015D9E7CFA4}"/>
+          </ac:picMkLst>
+        </pc:picChg>
+        <pc:picChg chg="mod">
+          <ac:chgData name="Fernando C Correa" userId="a08d7f3c16d54179" providerId="LiveId" clId="{BDD547D6-9985-4471-8D69-22FBC0393EC8}" dt="2020-06-13T13:01:59.703" v="197" actId="1076"/>
+          <ac:picMkLst>
+            <pc:docMk/>
+            <pc:sldMk cId="2602158399" sldId="296"/>
+            <ac:picMk id="46" creationId="{734B15F5-445F-4B51-AB61-6A15B7389B1C}"/>
+          </ac:picMkLst>
+        </pc:picChg>
+        <pc:picChg chg="mod">
+          <ac:chgData name="Fernando C Correa" userId="a08d7f3c16d54179" providerId="LiveId" clId="{BDD547D6-9985-4471-8D69-22FBC0393EC8}" dt="2020-06-13T13:01:59.703" v="197" actId="1076"/>
+          <ac:picMkLst>
+            <pc:docMk/>
+            <pc:sldMk cId="2602158399" sldId="296"/>
+            <ac:picMk id="47" creationId="{C4280094-0DF8-42AD-A3C0-637B340633DE}"/>
+          </ac:picMkLst>
+        </pc:picChg>
+        <pc:picChg chg="mod">
+          <ac:chgData name="Fernando C Correa" userId="a08d7f3c16d54179" providerId="LiveId" clId="{BDD547D6-9985-4471-8D69-22FBC0393EC8}" dt="2020-06-13T13:01:59.703" v="197" actId="1076"/>
+          <ac:picMkLst>
+            <pc:docMk/>
+            <pc:sldMk cId="2602158399" sldId="296"/>
+            <ac:picMk id="48" creationId="{5666F17B-10F4-4143-BB41-AED60D3AD81D}"/>
+          </ac:picMkLst>
+        </pc:picChg>
+        <pc:picChg chg="mod">
+          <ac:chgData name="Fernando C Correa" userId="a08d7f3c16d54179" providerId="LiveId" clId="{BDD547D6-9985-4471-8D69-22FBC0393EC8}" dt="2020-06-13T13:01:59.703" v="197" actId="1076"/>
+          <ac:picMkLst>
+            <pc:docMk/>
+            <pc:sldMk cId="2602158399" sldId="296"/>
+            <ac:picMk id="50" creationId="{B60F9C1F-22B8-416F-8FE3-5CE644519419}"/>
+          </ac:picMkLst>
+        </pc:picChg>
+        <pc:picChg chg="mod">
+          <ac:chgData name="Fernando C Correa" userId="a08d7f3c16d54179" providerId="LiveId" clId="{BDD547D6-9985-4471-8D69-22FBC0393EC8}" dt="2020-06-13T13:01:59.703" v="197" actId="1076"/>
+          <ac:picMkLst>
+            <pc:docMk/>
+            <pc:sldMk cId="2602158399" sldId="296"/>
+            <ac:picMk id="52" creationId="{BAB8CD45-7511-4C73-AA48-C8281F2E0A3C}"/>
+          </ac:picMkLst>
+        </pc:picChg>
+        <pc:picChg chg="mod">
+          <ac:chgData name="Fernando C Correa" userId="a08d7f3c16d54179" providerId="LiveId" clId="{BDD547D6-9985-4471-8D69-22FBC0393EC8}" dt="2020-06-13T13:01:59.703" v="197" actId="1076"/>
+          <ac:picMkLst>
+            <pc:docMk/>
+            <pc:sldMk cId="2602158399" sldId="296"/>
+            <ac:picMk id="53" creationId="{FA07CA02-463C-4AF8-8906-77C7CABADC4E}"/>
+          </ac:picMkLst>
+        </pc:picChg>
+        <pc:picChg chg="mod">
+          <ac:chgData name="Fernando C Correa" userId="a08d7f3c16d54179" providerId="LiveId" clId="{BDD547D6-9985-4471-8D69-22FBC0393EC8}" dt="2020-06-13T13:01:59.703" v="197" actId="1076"/>
+          <ac:picMkLst>
+            <pc:docMk/>
+            <pc:sldMk cId="2602158399" sldId="296"/>
+            <ac:picMk id="56" creationId="{31FBB08B-7667-4E85-B518-97CE8E16E6AA}"/>
+          </ac:picMkLst>
+        </pc:picChg>
+        <pc:picChg chg="mod">
+          <ac:chgData name="Fernando C Correa" userId="a08d7f3c16d54179" providerId="LiveId" clId="{BDD547D6-9985-4471-8D69-22FBC0393EC8}" dt="2020-06-13T13:01:59.703" v="197" actId="1076"/>
+          <ac:picMkLst>
+            <pc:docMk/>
+            <pc:sldMk cId="2602158399" sldId="296"/>
+            <ac:picMk id="57" creationId="{EE6D6132-A431-4A02-A427-9CE4145E3BDD}"/>
+          </ac:picMkLst>
+        </pc:picChg>
+        <pc:picChg chg="mod">
+          <ac:chgData name="Fernando C Correa" userId="a08d7f3c16d54179" providerId="LiveId" clId="{BDD547D6-9985-4471-8D69-22FBC0393EC8}" dt="2020-06-13T13:01:59.703" v="197" actId="1076"/>
+          <ac:picMkLst>
+            <pc:docMk/>
+            <pc:sldMk cId="2602158399" sldId="296"/>
+            <ac:picMk id="59" creationId="{DD63712A-C03D-4F8C-BF84-89CEAB612CF7}"/>
+          </ac:picMkLst>
+        </pc:picChg>
+        <pc:picChg chg="mod">
+          <ac:chgData name="Fernando C Correa" userId="a08d7f3c16d54179" providerId="LiveId" clId="{BDD547D6-9985-4471-8D69-22FBC0393EC8}" dt="2020-06-13T13:01:59.703" v="197" actId="1076"/>
+          <ac:picMkLst>
+            <pc:docMk/>
+            <pc:sldMk cId="2602158399" sldId="296"/>
+            <ac:picMk id="61" creationId="{6FA2A99A-D947-4B1F-A5C1-8FDF6DC5EC8D}"/>
+          </ac:picMkLst>
+        </pc:picChg>
+        <pc:cxnChg chg="mod">
+          <ac:chgData name="Fernando C Correa" userId="a08d7f3c16d54179" providerId="LiveId" clId="{BDD547D6-9985-4471-8D69-22FBC0393EC8}" dt="2020-06-13T13:01:59.703" v="197" actId="1076"/>
+          <ac:cxnSpMkLst>
+            <pc:docMk/>
+            <pc:sldMk cId="2602158399" sldId="296"/>
+            <ac:cxnSpMk id="20" creationId="{998EDA69-6C46-47A3-930F-B1430385C2AE}"/>
+          </ac:cxnSpMkLst>
+        </pc:cxnChg>
+        <pc:cxnChg chg="mod">
+          <ac:chgData name="Fernando C Correa" userId="a08d7f3c16d54179" providerId="LiveId" clId="{BDD547D6-9985-4471-8D69-22FBC0393EC8}" dt="2020-06-13T13:01:59.703" v="197" actId="1076"/>
+          <ac:cxnSpMkLst>
+            <pc:docMk/>
+            <pc:sldMk cId="2602158399" sldId="296"/>
+            <ac:cxnSpMk id="21" creationId="{A3197A14-BF0B-4428-B5BA-ACECF64C5380}"/>
+          </ac:cxnSpMkLst>
+        </pc:cxnChg>
+        <pc:cxnChg chg="mod">
+          <ac:chgData name="Fernando C Correa" userId="a08d7f3c16d54179" providerId="LiveId" clId="{BDD547D6-9985-4471-8D69-22FBC0393EC8}" dt="2020-06-13T13:01:59.703" v="197" actId="1076"/>
+          <ac:cxnSpMkLst>
+            <pc:docMk/>
+            <pc:sldMk cId="2602158399" sldId="296"/>
+            <ac:cxnSpMk id="22" creationId="{3DB8BF4F-5A09-46EC-84F2-422FA9BDD61F}"/>
+          </ac:cxnSpMkLst>
+        </pc:cxnChg>
+        <pc:cxnChg chg="mod">
+          <ac:chgData name="Fernando C Correa" userId="a08d7f3c16d54179" providerId="LiveId" clId="{BDD547D6-9985-4471-8D69-22FBC0393EC8}" dt="2020-06-13T13:01:59.703" v="197" actId="1076"/>
+          <ac:cxnSpMkLst>
+            <pc:docMk/>
+            <pc:sldMk cId="2602158399" sldId="296"/>
+            <ac:cxnSpMk id="23" creationId="{ADCB89AA-7FF1-4CB6-B761-542025321EAD}"/>
+          </ac:cxnSpMkLst>
+        </pc:cxnChg>
+      </pc:sldChg>
+      <pc:sldChg chg="modAnim">
+        <pc:chgData name="Fernando C Correa" userId="a08d7f3c16d54179" providerId="LiveId" clId="{BDD547D6-9985-4471-8D69-22FBC0393EC8}" dt="2020-06-13T12:56:44.741" v="136"/>
+        <pc:sldMkLst>
+          <pc:docMk/>
+          <pc:sldMk cId="903407908" sldId="297"/>
+        </pc:sldMkLst>
+      </pc:sldChg>
+      <pc:sldChg chg="addSp delSp modSp mod modAnim">
+        <pc:chgData name="Fernando C Correa" userId="a08d7f3c16d54179" providerId="LiveId" clId="{BDD547D6-9985-4471-8D69-22FBC0393EC8}" dt="2020-06-13T12:57:20.395" v="142"/>
+        <pc:sldMkLst>
+          <pc:docMk/>
+          <pc:sldMk cId="1350499800" sldId="298"/>
+        </pc:sldMkLst>
+        <pc:spChg chg="add del mod">
+          <ac:chgData name="Fernando C Correa" userId="a08d7f3c16d54179" providerId="LiveId" clId="{BDD547D6-9985-4471-8D69-22FBC0393EC8}" dt="2020-06-13T12:57:17.751" v="141" actId="478"/>
+          <ac:spMkLst>
+            <pc:docMk/>
+            <pc:sldMk cId="1350499800" sldId="298"/>
+            <ac:spMk id="4" creationId="{C25171A5-7E0F-403E-B684-49B155917CC2}"/>
+          </ac:spMkLst>
+        </pc:spChg>
+        <pc:graphicFrameChg chg="add del mod">
+          <ac:chgData name="Fernando C Correa" userId="a08d7f3c16d54179" providerId="LiveId" clId="{BDD547D6-9985-4471-8D69-22FBC0393EC8}" dt="2020-06-13T12:57:20.395" v="142"/>
+          <ac:graphicFrameMkLst>
+            <pc:docMk/>
+            <pc:sldMk cId="1350499800" sldId="298"/>
+            <ac:graphicFrameMk id="5" creationId="{00000000-0000-0000-0000-000000000000}"/>
+          </ac:graphicFrameMkLst>
+        </pc:graphicFrameChg>
+      </pc:sldChg>
+      <pc:sldChg chg="add del">
+        <pc:chgData name="Fernando C Correa" userId="a08d7f3c16d54179" providerId="LiveId" clId="{BDD547D6-9985-4471-8D69-22FBC0393EC8}" dt="2020-06-13T13:04:30.475" v="204" actId="47"/>
+        <pc:sldMkLst>
+          <pc:docMk/>
+          <pc:sldMk cId="1928776125" sldId="299"/>
+        </pc:sldMkLst>
+      </pc:sldChg>
+      <pc:sldChg chg="addSp delSp modSp add mod ord">
+        <pc:chgData name="Fernando C Correa" userId="a08d7f3c16d54179" providerId="LiveId" clId="{BDD547D6-9985-4471-8D69-22FBC0393EC8}" dt="2020-06-13T13:09:11.758" v="233"/>
+        <pc:sldMkLst>
+          <pc:docMk/>
+          <pc:sldMk cId="2306638093" sldId="299"/>
+        </pc:sldMkLst>
+        <pc:spChg chg="mod">
+          <ac:chgData name="Fernando C Correa" userId="a08d7f3c16d54179" providerId="LiveId" clId="{BDD547D6-9985-4471-8D69-22FBC0393EC8}" dt="2020-06-13T13:08:05.251" v="220" actId="20577"/>
+          <ac:spMkLst>
+            <pc:docMk/>
+            <pc:sldMk cId="2306638093" sldId="299"/>
+            <ac:spMk id="2" creationId="{00000000-0000-0000-0000-000000000000}"/>
+          </ac:spMkLst>
+        </pc:spChg>
+        <pc:picChg chg="add mod">
+          <ac:chgData name="Fernando C Correa" userId="a08d7f3c16d54179" providerId="LiveId" clId="{BDD547D6-9985-4471-8D69-22FBC0393EC8}" dt="2020-06-13T13:08:12.939" v="221" actId="1076"/>
+          <ac:picMkLst>
+            <pc:docMk/>
+            <pc:sldMk cId="2306638093" sldId="299"/>
+            <ac:picMk id="3" creationId="{EEAC992E-ED94-44D0-8B15-D8F5ED685DAA}"/>
+          </ac:picMkLst>
+        </pc:picChg>
+        <pc:picChg chg="del">
+          <ac:chgData name="Fernando C Correa" userId="a08d7f3c16d54179" providerId="LiveId" clId="{BDD547D6-9985-4471-8D69-22FBC0393EC8}" dt="2020-06-13T13:07:42.049" v="206" actId="478"/>
+          <ac:picMkLst>
+            <pc:docMk/>
+            <pc:sldMk cId="2306638093" sldId="299"/>
+            <ac:picMk id="11" creationId="{D1E3D129-AEE4-4620-B9D7-636720389400}"/>
+          </ac:picMkLst>
+        </pc:picChg>
+      </pc:sldChg>
+    </pc:docChg>
+  </pc:docChgLst>
   <pc:docChgLst>
     <pc:chgData name="Fernando C Correa" userId="a08d7f3c16d54179" providerId="LiveId" clId="{0FED219A-7BCA-49C3-937D-E3FA7E6DD874}"/>
     <pc:docChg chg="undo custSel mod addSld delSld modSld">
@@ -24595,7 +25306,7 @@
           <a:p>
             <a:fld id="{25037C36-C8CA-4564-9B7E-8E9BA0061FB2}" type="datetimeFigureOut">
               <a:rPr lang="pt-BR" smtClean="0"/>
-              <a:t>01/06/2020</a:t>
+              <a:t>13/06/2020</a:t>
             </a:fld>
             <a:endParaRPr lang="pt-BR"/>
           </a:p>
@@ -24793,7 +25504,7 @@
           <a:p>
             <a:fld id="{25037C36-C8CA-4564-9B7E-8E9BA0061FB2}" type="datetimeFigureOut">
               <a:rPr lang="pt-BR" smtClean="0"/>
-              <a:t>01/06/2020</a:t>
+              <a:t>13/06/2020</a:t>
             </a:fld>
             <a:endParaRPr lang="pt-BR"/>
           </a:p>
@@ -25001,7 +25712,7 @@
           <a:p>
             <a:fld id="{25037C36-C8CA-4564-9B7E-8E9BA0061FB2}" type="datetimeFigureOut">
               <a:rPr lang="pt-BR" smtClean="0"/>
-              <a:t>01/06/2020</a:t>
+              <a:t>13/06/2020</a:t>
             </a:fld>
             <a:endParaRPr lang="pt-BR"/>
           </a:p>
@@ -25199,7 +25910,7 @@
           <a:p>
             <a:fld id="{25037C36-C8CA-4564-9B7E-8E9BA0061FB2}" type="datetimeFigureOut">
               <a:rPr lang="pt-BR" smtClean="0"/>
-              <a:t>01/06/2020</a:t>
+              <a:t>13/06/2020</a:t>
             </a:fld>
             <a:endParaRPr lang="pt-BR"/>
           </a:p>
@@ -25474,7 +26185,7 @@
           <a:p>
             <a:fld id="{25037C36-C8CA-4564-9B7E-8E9BA0061FB2}" type="datetimeFigureOut">
               <a:rPr lang="pt-BR" smtClean="0"/>
-              <a:t>01/06/2020</a:t>
+              <a:t>13/06/2020</a:t>
             </a:fld>
             <a:endParaRPr lang="pt-BR"/>
           </a:p>
@@ -25739,7 +26450,7 @@
           <a:p>
             <a:fld id="{25037C36-C8CA-4564-9B7E-8E9BA0061FB2}" type="datetimeFigureOut">
               <a:rPr lang="pt-BR" smtClean="0"/>
-              <a:t>01/06/2020</a:t>
+              <a:t>13/06/2020</a:t>
             </a:fld>
             <a:endParaRPr lang="pt-BR"/>
           </a:p>
@@ -26151,7 +26862,7 @@
           <a:p>
             <a:fld id="{25037C36-C8CA-4564-9B7E-8E9BA0061FB2}" type="datetimeFigureOut">
               <a:rPr lang="pt-BR" smtClean="0"/>
-              <a:t>01/06/2020</a:t>
+              <a:t>13/06/2020</a:t>
             </a:fld>
             <a:endParaRPr lang="pt-BR"/>
           </a:p>
@@ -26292,7 +27003,7 @@
           <a:p>
             <a:fld id="{25037C36-C8CA-4564-9B7E-8E9BA0061FB2}" type="datetimeFigureOut">
               <a:rPr lang="pt-BR" smtClean="0"/>
-              <a:t>01/06/2020</a:t>
+              <a:t>13/06/2020</a:t>
             </a:fld>
             <a:endParaRPr lang="pt-BR"/>
           </a:p>
@@ -26405,7 +27116,7 @@
           <a:p>
             <a:fld id="{25037C36-C8CA-4564-9B7E-8E9BA0061FB2}" type="datetimeFigureOut">
               <a:rPr lang="pt-BR" smtClean="0"/>
-              <a:t>01/06/2020</a:t>
+              <a:t>13/06/2020</a:t>
             </a:fld>
             <a:endParaRPr lang="pt-BR"/>
           </a:p>
@@ -26716,7 +27427,7 @@
           <a:p>
             <a:fld id="{25037C36-C8CA-4564-9B7E-8E9BA0061FB2}" type="datetimeFigureOut">
               <a:rPr lang="pt-BR" smtClean="0"/>
-              <a:t>01/06/2020</a:t>
+              <a:t>13/06/2020</a:t>
             </a:fld>
             <a:endParaRPr lang="pt-BR"/>
           </a:p>
@@ -27004,7 +27715,7 @@
           <a:p>
             <a:fld id="{25037C36-C8CA-4564-9B7E-8E9BA0061FB2}" type="datetimeFigureOut">
               <a:rPr lang="pt-BR" smtClean="0"/>
-              <a:t>01/06/2020</a:t>
+              <a:t>13/06/2020</a:t>
             </a:fld>
             <a:endParaRPr lang="pt-BR"/>
           </a:p>
@@ -27245,7 +27956,7 @@
           <a:p>
             <a:fld id="{25037C36-C8CA-4564-9B7E-8E9BA0061FB2}" type="datetimeFigureOut">
               <a:rPr lang="pt-BR" smtClean="0"/>
-              <a:t>01/06/2020</a:t>
+              <a:t>13/06/2020</a:t>
             </a:fld>
             <a:endParaRPr lang="pt-BR"/>
           </a:p>
@@ -27648,6 +28359,14 @@
 <file path=ppt/slides/slide1.xml><?xml version="1.0" encoding="utf-8"?>
 <p:sld xmlns:a="http://schemas.openxmlformats.org/drawingml/2006/main" xmlns:r="http://schemas.openxmlformats.org/officeDocument/2006/relationships" xmlns:p="http://schemas.openxmlformats.org/presentationml/2006/main">
   <p:cSld>
+    <p:bg>
+      <p:bgPr>
+        <a:solidFill>
+          <a:schemeClr val="tx1"/>
+        </a:solidFill>
+        <a:effectLst/>
+      </p:bgPr>
+    </p:bg>
     <p:spTree>
       <p:nvGrpSpPr>
         <p:cNvPr id="1" name=""/>
@@ -27664,97 +28383,6 @@
       </p:grpSpPr>
       <p:sp>
         <p:nvSpPr>
-          <p:cNvPr id="3" name="Subtítulo 2"/>
-          <p:cNvSpPr>
-            <a:spLocks noGrp="1"/>
-          </p:cNvSpPr>
-          <p:nvPr>
-            <p:ph type="subTitle" idx="1"/>
-          </p:nvPr>
-        </p:nvSpPr>
-        <p:spPr>
-          <a:xfrm>
-            <a:off x="2324100" y="4706938"/>
-            <a:ext cx="9144000" cy="1655762"/>
-          </a:xfrm>
-        </p:spPr>
-        <p:txBody>
-          <a:bodyPr>
-            <a:normAutofit fontScale="55000" lnSpcReduction="20000"/>
-          </a:bodyPr>
-          <a:lstStyle/>
-          <a:p>
-            <a:pPr algn="r"/>
-            <a:r>
-              <a:rPr lang="pt-BR" dirty="0"/>
-              <a:t>Fernando Correa – 01191089</a:t>
-            </a:r>
-          </a:p>
-          <a:p>
-            <a:pPr algn="r"/>
-            <a:r>
-              <a:rPr lang="pt-BR" dirty="0"/>
-              <a:t>Gustavo Gonçalves – 01191</a:t>
-            </a:r>
-            <a:r>
-              <a:rPr lang="pt-PT" altLang="pt-BR" dirty="0"/>
-              <a:t>117</a:t>
-            </a:r>
-            <a:endParaRPr lang="pt-BR" dirty="0"/>
-          </a:p>
-          <a:p>
-            <a:pPr algn="r"/>
-            <a:r>
-              <a:rPr lang="pt-BR" dirty="0"/>
-              <a:t>Gustavo </a:t>
-            </a:r>
-            <a:r>
-              <a:rPr lang="pt-BR" dirty="0" err="1"/>
-              <a:t>Uesso</a:t>
-            </a:r>
-            <a:r>
-              <a:rPr lang="pt-BR" dirty="0"/>
-              <a:t> – 01191</a:t>
-            </a:r>
-            <a:r>
-              <a:rPr lang="pt-PT" altLang="pt-BR" dirty="0"/>
-              <a:t>012</a:t>
-            </a:r>
-            <a:endParaRPr lang="pt-BR" dirty="0"/>
-          </a:p>
-          <a:p>
-            <a:pPr algn="r"/>
-            <a:r>
-              <a:rPr lang="pt-BR" dirty="0"/>
-              <a:t>Henrique Souza – 01191043</a:t>
-            </a:r>
-          </a:p>
-          <a:p>
-            <a:pPr algn="r"/>
-            <a:r>
-              <a:rPr lang="pt-BR" dirty="0"/>
-              <a:t>Henrique Matos – 01191125</a:t>
-            </a:r>
-          </a:p>
-          <a:p>
-            <a:pPr algn="r"/>
-            <a:r>
-              <a:rPr lang="pt-BR" dirty="0"/>
-              <a:t>Oscar </a:t>
-            </a:r>
-            <a:r>
-              <a:rPr lang="pt-BR" dirty="0" err="1"/>
-              <a:t>Althausen</a:t>
-            </a:r>
-            <a:r>
-              <a:rPr lang="pt-BR" dirty="0"/>
-              <a:t> – 01191082</a:t>
-            </a:r>
-          </a:p>
-        </p:txBody>
-      </p:sp>
-      <p:sp>
-        <p:nvSpPr>
           <p:cNvPr id="7" name="Título 6">
             <a:extLst>
               <a:ext uri="{FF2B5EF4-FFF2-40B4-BE49-F238E27FC236}">
@@ -27769,496 +28397,240 @@
             <p:ph type="ctrTitle"/>
           </p:nvPr>
         </p:nvSpPr>
-        <p:spPr/>
+        <p:spPr>
+          <a:xfrm>
+            <a:off x="5622390" y="365124"/>
+            <a:ext cx="6172200" cy="1828800"/>
+          </a:xfrm>
+        </p:spPr>
         <p:txBody>
-          <a:bodyPr/>
+          <a:bodyPr vert="horz" lIns="91440" tIns="45720" rIns="91440" bIns="45720" rtlCol="0" anchor="ctr">
+            <a:normAutofit/>
+          </a:bodyPr>
           <a:lstStyle/>
           <a:p>
+            <a:pPr algn="l"/>
             <a:r>
-              <a:rPr lang="pt-BR" dirty="0"/>
+              <a:rPr lang="en-US" sz="4000" dirty="0">
+                <a:solidFill>
+                  <a:schemeClr val="bg1"/>
+                </a:solidFill>
+              </a:rPr>
               <a:t>Project: Hunter</a:t>
             </a:r>
           </a:p>
         </p:txBody>
       </p:sp>
-    </p:spTree>
-    <p:extLst>
-      <p:ext uri="{BB962C8B-B14F-4D97-AF65-F5344CB8AC3E}">
-        <p14:creationId xmlns:p14="http://schemas.microsoft.com/office/powerpoint/2010/main" val="450903840"/>
-      </p:ext>
-    </p:extLst>
-  </p:cSld>
-  <p:clrMapOvr>
-    <a:masterClrMapping/>
-  </p:clrMapOvr>
-</p:sld>
-</file>
-
-<file path=ppt/slides/slide10.xml><?xml version="1.0" encoding="utf-8"?>
-<p:sld xmlns:a="http://schemas.openxmlformats.org/drawingml/2006/main" xmlns:r="http://schemas.openxmlformats.org/officeDocument/2006/relationships" xmlns:p="http://schemas.openxmlformats.org/presentationml/2006/main">
-  <p:cSld>
-    <p:spTree>
-      <p:nvGrpSpPr>
-        <p:cNvPr id="1" name=""/>
-        <p:cNvGrpSpPr/>
-        <p:nvPr/>
-      </p:nvGrpSpPr>
-      <p:grpSpPr>
-        <a:xfrm>
-          <a:off x="0" y="0"/>
-          <a:ext cx="0" cy="0"/>
-          <a:chOff x="0" y="0"/>
-          <a:chExt cx="0" cy="0"/>
-        </a:xfrm>
-      </p:grpSpPr>
       <p:sp>
         <p:nvSpPr>
-          <p:cNvPr id="2" name="Título 1"/>
+          <p:cNvPr id="3" name="Subtítulo 2"/>
           <p:cNvSpPr>
             <a:spLocks noGrp="1"/>
           </p:cNvSpPr>
           <p:nvPr>
-            <p:ph type="title"/>
+            <p:ph type="subTitle" idx="1"/>
           </p:nvPr>
         </p:nvSpPr>
         <p:spPr>
           <a:xfrm>
-            <a:off x="1812897" y="518649"/>
-            <a:ext cx="9882278" cy="1067634"/>
+            <a:off x="6165315" y="2484501"/>
+            <a:ext cx="6172200" cy="3001899"/>
           </a:xfrm>
         </p:spPr>
         <p:txBody>
-          <a:bodyPr anchor="ctr">
+          <a:bodyPr vert="horz" lIns="91440" tIns="45720" rIns="91440" bIns="45720" rtlCol="0">
             <a:normAutofit/>
           </a:bodyPr>
           <a:lstStyle/>
           <a:p>
+            <a:pPr indent="-228600" algn="l">
+              <a:buFont typeface="Arial" panose="020B0604020202020204" pitchFamily="34" charset="0"/>
+              <a:buChar char="•"/>
+            </a:pPr>
             <a:r>
-              <a:rPr lang="pt-BR" dirty="0" err="1"/>
-              <a:t>Product</a:t>
+              <a:rPr lang="en-US" dirty="0">
+                <a:solidFill>
+                  <a:schemeClr val="bg1"/>
+                </a:solidFill>
+              </a:rPr>
+              <a:t>Fernando Correa – 01191089</a:t>
+            </a:r>
+          </a:p>
+          <a:p>
+            <a:pPr indent="-228600" algn="l">
+              <a:buFont typeface="Arial" panose="020B0604020202020204" pitchFamily="34" charset="0"/>
+              <a:buChar char="•"/>
+            </a:pPr>
+            <a:r>
+              <a:rPr lang="en-US" dirty="0">
+                <a:solidFill>
+                  <a:schemeClr val="bg1"/>
+                </a:solidFill>
+              </a:rPr>
+              <a:t>Gustavo Gonçalves – 01191</a:t>
             </a:r>
             <a:r>
-              <a:rPr lang="pt-BR" dirty="0"/>
-              <a:t> / Sprint Backlog</a:t>
+              <a:rPr lang="en-US" altLang="pt-BR" dirty="0">
+                <a:solidFill>
+                  <a:schemeClr val="bg1"/>
+                </a:solidFill>
+              </a:rPr>
+              <a:t>117</a:t>
+            </a:r>
+            <a:endParaRPr lang="en-US" dirty="0">
+              <a:solidFill>
+                <a:schemeClr val="bg1"/>
+              </a:solidFill>
+            </a:endParaRPr>
+          </a:p>
+          <a:p>
+            <a:pPr indent="-228600" algn="l">
+              <a:buFont typeface="Arial" panose="020B0604020202020204" pitchFamily="34" charset="0"/>
+              <a:buChar char="•"/>
+            </a:pPr>
+            <a:r>
+              <a:rPr lang="en-US" dirty="0">
+                <a:solidFill>
+                  <a:schemeClr val="bg1"/>
+                </a:solidFill>
+              </a:rPr>
+              <a:t>Gustavo </a:t>
+            </a:r>
+            <a:r>
+              <a:rPr lang="en-US" dirty="0" err="1">
+                <a:solidFill>
+                  <a:schemeClr val="bg1"/>
+                </a:solidFill>
+              </a:rPr>
+              <a:t>Uesso</a:t>
+            </a:r>
+            <a:r>
+              <a:rPr lang="en-US" dirty="0">
+                <a:solidFill>
+                  <a:schemeClr val="bg1"/>
+                </a:solidFill>
+              </a:rPr>
+              <a:t> – 01191</a:t>
+            </a:r>
+            <a:r>
+              <a:rPr lang="en-US" altLang="pt-BR" dirty="0">
+                <a:solidFill>
+                  <a:schemeClr val="bg1"/>
+                </a:solidFill>
+              </a:rPr>
+              <a:t>012</a:t>
+            </a:r>
+            <a:endParaRPr lang="en-US" dirty="0">
+              <a:solidFill>
+                <a:schemeClr val="bg1"/>
+              </a:solidFill>
+            </a:endParaRPr>
+          </a:p>
+          <a:p>
+            <a:pPr indent="-228600" algn="l">
+              <a:buFont typeface="Arial" panose="020B0604020202020204" pitchFamily="34" charset="0"/>
+              <a:buChar char="•"/>
+            </a:pPr>
+            <a:r>
+              <a:rPr lang="en-US" dirty="0">
+                <a:solidFill>
+                  <a:schemeClr val="bg1"/>
+                </a:solidFill>
+              </a:rPr>
+              <a:t>Henrique Souza – 01191043</a:t>
+            </a:r>
+          </a:p>
+          <a:p>
+            <a:pPr indent="-228600" algn="l">
+              <a:buFont typeface="Arial" panose="020B0604020202020204" pitchFamily="34" charset="0"/>
+              <a:buChar char="•"/>
+            </a:pPr>
+            <a:r>
+              <a:rPr lang="en-US" dirty="0">
+                <a:solidFill>
+                  <a:schemeClr val="bg1"/>
+                </a:solidFill>
+              </a:rPr>
+              <a:t>Henrique Matos – 01191125</a:t>
+            </a:r>
+          </a:p>
+          <a:p>
+            <a:pPr indent="-228600" algn="l">
+              <a:buFont typeface="Arial" panose="020B0604020202020204" pitchFamily="34" charset="0"/>
+              <a:buChar char="•"/>
+            </a:pPr>
+            <a:r>
+              <a:rPr lang="en-US" dirty="0">
+                <a:solidFill>
+                  <a:schemeClr val="bg1"/>
+                </a:solidFill>
+              </a:rPr>
+              <a:t>Oscar </a:t>
+            </a:r>
+            <a:r>
+              <a:rPr lang="en-US" dirty="0" err="1">
+                <a:solidFill>
+                  <a:schemeClr val="bg1"/>
+                </a:solidFill>
+              </a:rPr>
+              <a:t>Althausen</a:t>
+            </a:r>
+            <a:r>
+              <a:rPr lang="en-US" dirty="0">
+                <a:solidFill>
+                  <a:schemeClr val="bg1"/>
+                </a:solidFill>
+              </a:rPr>
+              <a:t> – 01191082</a:t>
             </a:r>
           </a:p>
         </p:txBody>
       </p:sp>
-      <p:grpSp>
-        <p:nvGrpSpPr>
-          <p:cNvPr id="12" name="Group 11"/>
-          <p:cNvGrpSpPr>
-            <a:grpSpLocks noGrp="1" noUngrp="1" noRot="1" noChangeAspect="1" noMove="1" noResize="1"/>
-          </p:cNvGrpSpPr>
-          <p:nvPr/>
-        </p:nvGrpSpPr>
-        <p:grpSpPr>
-          <a:xfrm>
-            <a:off x="472021" y="628863"/>
-            <a:ext cx="1128382" cy="847206"/>
-            <a:chOff x="8183879" y="1000124"/>
-            <a:chExt cx="1562267" cy="1172973"/>
-          </a:xfrm>
-        </p:grpSpPr>
-        <p:sp>
-          <p:nvSpPr>
-            <p:cNvPr id="13" name="Freeform 5"/>
-            <p:cNvSpPr/>
-            <p:nvPr/>
-          </p:nvSpPr>
-          <p:spPr bwMode="auto">
-            <a:xfrm>
-              <a:off x="8183879" y="1348782"/>
-              <a:ext cx="935037" cy="824315"/>
-            </a:xfrm>
-            <a:custGeom>
-              <a:avLst/>
-              <a:gdLst>
-                <a:gd name="T0" fmla="*/ 225 w 785"/>
-                <a:gd name="T1" fmla="*/ 692 h 692"/>
-                <a:gd name="T2" fmla="*/ 177 w 785"/>
-                <a:gd name="T3" fmla="*/ 665 h 692"/>
-                <a:gd name="T4" fmla="*/ 9 w 785"/>
-                <a:gd name="T5" fmla="*/ 374 h 692"/>
-                <a:gd name="T6" fmla="*/ 9 w 785"/>
-                <a:gd name="T7" fmla="*/ 318 h 692"/>
-                <a:gd name="T8" fmla="*/ 177 w 785"/>
-                <a:gd name="T9" fmla="*/ 27 h 692"/>
-                <a:gd name="T10" fmla="*/ 225 w 785"/>
-                <a:gd name="T11" fmla="*/ 0 h 692"/>
-                <a:gd name="T12" fmla="*/ 561 w 785"/>
-                <a:gd name="T13" fmla="*/ 0 h 692"/>
-                <a:gd name="T14" fmla="*/ 609 w 785"/>
-                <a:gd name="T15" fmla="*/ 27 h 692"/>
-                <a:gd name="T16" fmla="*/ 777 w 785"/>
-                <a:gd name="T17" fmla="*/ 318 h 692"/>
-                <a:gd name="T18" fmla="*/ 777 w 785"/>
-                <a:gd name="T19" fmla="*/ 374 h 692"/>
-                <a:gd name="T20" fmla="*/ 609 w 785"/>
-                <a:gd name="T21" fmla="*/ 665 h 692"/>
-                <a:gd name="T22" fmla="*/ 561 w 785"/>
-                <a:gd name="T23" fmla="*/ 692 h 692"/>
-                <a:gd name="T24" fmla="*/ 225 w 785"/>
-                <a:gd name="T25" fmla="*/ 692 h 692"/>
-              </a:gdLst>
-              <a:ahLst/>
-              <a:cxnLst>
-                <a:cxn ang="0">
-                  <a:pos x="T0" y="T1"/>
-                </a:cxn>
-                <a:cxn ang="0">
-                  <a:pos x="T2" y="T3"/>
-                </a:cxn>
-                <a:cxn ang="0">
-                  <a:pos x="T4" y="T5"/>
-                </a:cxn>
-                <a:cxn ang="0">
-                  <a:pos x="T6" y="T7"/>
-                </a:cxn>
-                <a:cxn ang="0">
-                  <a:pos x="T8" y="T9"/>
-                </a:cxn>
-                <a:cxn ang="0">
-                  <a:pos x="T10" y="T11"/>
-                </a:cxn>
-                <a:cxn ang="0">
-                  <a:pos x="T12" y="T13"/>
-                </a:cxn>
-                <a:cxn ang="0">
-                  <a:pos x="T14" y="T15"/>
-                </a:cxn>
-                <a:cxn ang="0">
-                  <a:pos x="T16" y="T17"/>
-                </a:cxn>
-                <a:cxn ang="0">
-                  <a:pos x="T18" y="T19"/>
-                </a:cxn>
-                <a:cxn ang="0">
-                  <a:pos x="T20" y="T21"/>
-                </a:cxn>
-                <a:cxn ang="0">
-                  <a:pos x="T22" y="T23"/>
-                </a:cxn>
-                <a:cxn ang="0">
-                  <a:pos x="T24" y="T25"/>
-                </a:cxn>
-              </a:cxnLst>
-              <a:rect l="0" t="0" r="r" b="b"/>
-              <a:pathLst>
-                <a:path w="785" h="692">
-                  <a:moveTo>
-                    <a:pt x="225" y="692"/>
-                  </a:moveTo>
-                  <a:cubicBezTo>
-                    <a:pt x="207" y="692"/>
-                    <a:pt x="185" y="680"/>
-                    <a:pt x="177" y="665"/>
-                  </a:cubicBezTo>
-                  <a:cubicBezTo>
-                    <a:pt x="9" y="374"/>
-                    <a:pt x="9" y="374"/>
-                    <a:pt x="9" y="374"/>
-                  </a:cubicBezTo>
-                  <a:cubicBezTo>
-                    <a:pt x="0" y="358"/>
-                    <a:pt x="0" y="334"/>
-                    <a:pt x="9" y="318"/>
-                  </a:cubicBezTo>
-                  <a:cubicBezTo>
-                    <a:pt x="177" y="27"/>
-                    <a:pt x="177" y="27"/>
-                    <a:pt x="177" y="27"/>
-                  </a:cubicBezTo>
-                  <a:cubicBezTo>
-                    <a:pt x="185" y="12"/>
-                    <a:pt x="207" y="0"/>
-                    <a:pt x="225" y="0"/>
-                  </a:cubicBezTo>
-                  <a:cubicBezTo>
-                    <a:pt x="561" y="0"/>
-                    <a:pt x="561" y="0"/>
-                    <a:pt x="561" y="0"/>
-                  </a:cubicBezTo>
-                  <a:cubicBezTo>
-                    <a:pt x="578" y="0"/>
-                    <a:pt x="600" y="12"/>
-                    <a:pt x="609" y="27"/>
-                  </a:cubicBezTo>
-                  <a:cubicBezTo>
-                    <a:pt x="777" y="318"/>
-                    <a:pt x="777" y="318"/>
-                    <a:pt x="777" y="318"/>
-                  </a:cubicBezTo>
-                  <a:cubicBezTo>
-                    <a:pt x="785" y="334"/>
-                    <a:pt x="785" y="358"/>
-                    <a:pt x="777" y="374"/>
-                  </a:cubicBezTo>
-                  <a:cubicBezTo>
-                    <a:pt x="609" y="665"/>
-                    <a:pt x="609" y="665"/>
-                    <a:pt x="609" y="665"/>
-                  </a:cubicBezTo>
-                  <a:cubicBezTo>
-                    <a:pt x="600" y="680"/>
-                    <a:pt x="578" y="692"/>
-                    <a:pt x="561" y="692"/>
-                  </a:cubicBezTo>
-                  <a:lnTo>
-                    <a:pt x="225" y="692"/>
-                  </a:lnTo>
-                  <a:close/>
-                </a:path>
-              </a:pathLst>
-            </a:custGeom>
-            <a:noFill/>
-            <a:ln w="28575" cmpd="sng">
-              <a:solidFill>
-                <a:schemeClr val="tx1"/>
-              </a:solidFill>
-            </a:ln>
-          </p:spPr>
-          <p:txBody>
-            <a:bodyPr vert="horz" wrap="square" lIns="91440" tIns="45720" rIns="91440" bIns="45720" numCol="1" anchor="t" anchorCtr="0" compatLnSpc="1"/>
-            <a:lstStyle/>
-            <a:p>
-              <a:endParaRPr lang="en-US"/>
-            </a:p>
-          </p:txBody>
-        </p:sp>
-        <p:sp>
-          <p:nvSpPr>
-            <p:cNvPr id="14" name="Freeform 5"/>
-            <p:cNvSpPr/>
-            <p:nvPr/>
-          </p:nvSpPr>
-          <p:spPr bwMode="auto">
-            <a:xfrm>
-              <a:off x="8983979" y="1000124"/>
-              <a:ext cx="762167" cy="671915"/>
-            </a:xfrm>
-            <a:custGeom>
-              <a:avLst/>
-              <a:gdLst>
-                <a:gd name="T0" fmla="*/ 225 w 785"/>
-                <a:gd name="T1" fmla="*/ 692 h 692"/>
-                <a:gd name="T2" fmla="*/ 177 w 785"/>
-                <a:gd name="T3" fmla="*/ 665 h 692"/>
-                <a:gd name="T4" fmla="*/ 9 w 785"/>
-                <a:gd name="T5" fmla="*/ 374 h 692"/>
-                <a:gd name="T6" fmla="*/ 9 w 785"/>
-                <a:gd name="T7" fmla="*/ 318 h 692"/>
-                <a:gd name="T8" fmla="*/ 177 w 785"/>
-                <a:gd name="T9" fmla="*/ 27 h 692"/>
-                <a:gd name="T10" fmla="*/ 225 w 785"/>
-                <a:gd name="T11" fmla="*/ 0 h 692"/>
-                <a:gd name="T12" fmla="*/ 561 w 785"/>
-                <a:gd name="T13" fmla="*/ 0 h 692"/>
-                <a:gd name="T14" fmla="*/ 609 w 785"/>
-                <a:gd name="T15" fmla="*/ 27 h 692"/>
-                <a:gd name="T16" fmla="*/ 777 w 785"/>
-                <a:gd name="T17" fmla="*/ 318 h 692"/>
-                <a:gd name="T18" fmla="*/ 777 w 785"/>
-                <a:gd name="T19" fmla="*/ 374 h 692"/>
-                <a:gd name="T20" fmla="*/ 609 w 785"/>
-                <a:gd name="T21" fmla="*/ 665 h 692"/>
-                <a:gd name="T22" fmla="*/ 561 w 785"/>
-                <a:gd name="T23" fmla="*/ 692 h 692"/>
-                <a:gd name="T24" fmla="*/ 225 w 785"/>
-                <a:gd name="T25" fmla="*/ 692 h 692"/>
-              </a:gdLst>
-              <a:ahLst/>
-              <a:cxnLst>
-                <a:cxn ang="0">
-                  <a:pos x="T0" y="T1"/>
-                </a:cxn>
-                <a:cxn ang="0">
-                  <a:pos x="T2" y="T3"/>
-                </a:cxn>
-                <a:cxn ang="0">
-                  <a:pos x="T4" y="T5"/>
-                </a:cxn>
-                <a:cxn ang="0">
-                  <a:pos x="T6" y="T7"/>
-                </a:cxn>
-                <a:cxn ang="0">
-                  <a:pos x="T8" y="T9"/>
-                </a:cxn>
-                <a:cxn ang="0">
-                  <a:pos x="T10" y="T11"/>
-                </a:cxn>
-                <a:cxn ang="0">
-                  <a:pos x="T12" y="T13"/>
-                </a:cxn>
-                <a:cxn ang="0">
-                  <a:pos x="T14" y="T15"/>
-                </a:cxn>
-                <a:cxn ang="0">
-                  <a:pos x="T16" y="T17"/>
-                </a:cxn>
-                <a:cxn ang="0">
-                  <a:pos x="T18" y="T19"/>
-                </a:cxn>
-                <a:cxn ang="0">
-                  <a:pos x="T20" y="T21"/>
-                </a:cxn>
-                <a:cxn ang="0">
-                  <a:pos x="T22" y="T23"/>
-                </a:cxn>
-                <a:cxn ang="0">
-                  <a:pos x="T24" y="T25"/>
-                </a:cxn>
-              </a:cxnLst>
-              <a:rect l="0" t="0" r="r" b="b"/>
-              <a:pathLst>
-                <a:path w="785" h="692">
-                  <a:moveTo>
-                    <a:pt x="225" y="692"/>
-                  </a:moveTo>
-                  <a:cubicBezTo>
-                    <a:pt x="207" y="692"/>
-                    <a:pt x="185" y="680"/>
-                    <a:pt x="177" y="665"/>
-                  </a:cubicBezTo>
-                  <a:cubicBezTo>
-                    <a:pt x="9" y="374"/>
-                    <a:pt x="9" y="374"/>
-                    <a:pt x="9" y="374"/>
-                  </a:cubicBezTo>
-                  <a:cubicBezTo>
-                    <a:pt x="0" y="358"/>
-                    <a:pt x="0" y="334"/>
-                    <a:pt x="9" y="318"/>
-                  </a:cubicBezTo>
-                  <a:cubicBezTo>
-                    <a:pt x="177" y="27"/>
-                    <a:pt x="177" y="27"/>
-                    <a:pt x="177" y="27"/>
-                  </a:cubicBezTo>
-                  <a:cubicBezTo>
-                    <a:pt x="185" y="12"/>
-                    <a:pt x="207" y="0"/>
-                    <a:pt x="225" y="0"/>
-                  </a:cubicBezTo>
-                  <a:cubicBezTo>
-                    <a:pt x="561" y="0"/>
-                    <a:pt x="561" y="0"/>
-                    <a:pt x="561" y="0"/>
-                  </a:cubicBezTo>
-                  <a:cubicBezTo>
-                    <a:pt x="578" y="0"/>
-                    <a:pt x="600" y="12"/>
-                    <a:pt x="609" y="27"/>
-                  </a:cubicBezTo>
-                  <a:cubicBezTo>
-                    <a:pt x="777" y="318"/>
-                    <a:pt x="777" y="318"/>
-                    <a:pt x="777" y="318"/>
-                  </a:cubicBezTo>
-                  <a:cubicBezTo>
-                    <a:pt x="785" y="334"/>
-                    <a:pt x="785" y="358"/>
-                    <a:pt x="777" y="374"/>
-                  </a:cubicBezTo>
-                  <a:cubicBezTo>
-                    <a:pt x="609" y="665"/>
-                    <a:pt x="609" y="665"/>
-                    <a:pt x="609" y="665"/>
-                  </a:cubicBezTo>
-                  <a:cubicBezTo>
-                    <a:pt x="600" y="680"/>
-                    <a:pt x="578" y="692"/>
-                    <a:pt x="561" y="692"/>
-                  </a:cubicBezTo>
-                  <a:lnTo>
-                    <a:pt x="225" y="692"/>
-                  </a:lnTo>
-                  <a:close/>
-                </a:path>
-              </a:pathLst>
-            </a:custGeom>
-            <a:noFill/>
-            <a:ln w="28575" cmpd="sng">
-              <a:solidFill>
-                <a:schemeClr val="tx1"/>
-              </a:solidFill>
-            </a:ln>
-          </p:spPr>
-          <p:txBody>
-            <a:bodyPr vert="horz" wrap="square" lIns="91440" tIns="45720" rIns="91440" bIns="45720" numCol="1" anchor="t" anchorCtr="0" compatLnSpc="1"/>
-            <a:lstStyle/>
-            <a:p>
-              <a:endParaRPr lang="en-US"/>
-            </a:p>
-          </p:txBody>
-        </p:sp>
-      </p:grpSp>
       <p:pic>
         <p:nvPicPr>
-          <p:cNvPr id="11" name="Imagem 10">
+          <p:cNvPr id="6" name="Imagem 5">
             <a:extLst>
               <a:ext uri="{FF2B5EF4-FFF2-40B4-BE49-F238E27FC236}">
-                <a16:creationId xmlns:a16="http://schemas.microsoft.com/office/drawing/2014/main" id="{8F1A4823-8682-41E7-A5C1-1ABA20505B18}"/>
+                <a16:creationId xmlns:a16="http://schemas.microsoft.com/office/drawing/2014/main" id="{0453BD22-6FB7-433F-B358-150D1AA68C37}"/>
               </a:ext>
             </a:extLst>
           </p:cNvPr>
-          <p:cNvPicPr>
-            <a:picLocks noChangeAspect="1"/>
+          <p:cNvPicPr preferRelativeResize="0">
+            <a:picLocks/>
           </p:cNvPicPr>
           <p:nvPr/>
         </p:nvPicPr>
         <p:blipFill>
-          <a:blip r:embed="rId2"/>
+          <a:blip r:embed="rId2">
+            <a:extLst>
+              <a:ext uri="{28A0092B-C50C-407E-A947-70E740481C1C}">
+                <a14:useLocalDpi xmlns:a14="http://schemas.microsoft.com/office/drawing/2010/main" val="0"/>
+              </a:ext>
+            </a:extLst>
+          </a:blip>
           <a:stretch>
             <a:fillRect/>
           </a:stretch>
         </p:blipFill>
         <p:spPr>
           <a:xfrm>
-            <a:off x="1994792" y="4571013"/>
-            <a:ext cx="8202408" cy="2102836"/>
+            <a:off x="0" y="676656"/>
+            <a:ext cx="5375405" cy="5375405"/>
           </a:xfrm>
           <a:prstGeom prst="rect">
             <a:avLst/>
           </a:prstGeom>
-        </p:spPr>
-      </p:pic>
-      <p:pic>
-        <p:nvPicPr>
-          <p:cNvPr id="15" name="Imagem 14">
-            <a:extLst>
-              <a:ext uri="{FF2B5EF4-FFF2-40B4-BE49-F238E27FC236}">
-                <a16:creationId xmlns:a16="http://schemas.microsoft.com/office/drawing/2014/main" id="{4E3D15D1-6C66-4859-8D2D-7DECB3E481F5}"/>
-              </a:ext>
-            </a:extLst>
-          </p:cNvPr>
-          <p:cNvPicPr>
-            <a:picLocks noChangeAspect="1"/>
-          </p:cNvPicPr>
-          <p:nvPr/>
-        </p:nvPicPr>
-        <p:blipFill>
-          <a:blip r:embed="rId3"/>
-          <a:stretch>
-            <a:fillRect/>
-          </a:stretch>
-        </p:blipFill>
-        <p:spPr>
-          <a:xfrm>
-            <a:off x="3643309" y="1586283"/>
-            <a:ext cx="4905375" cy="2001558"/>
-          </a:xfrm>
-          <a:prstGeom prst="rect">
-            <a:avLst/>
-          </a:prstGeom>
+          <a:solidFill>
+            <a:schemeClr val="bg1"/>
+          </a:solidFill>
         </p:spPr>
       </p:pic>
       <p:sp>
         <p:nvSpPr>
-          <p:cNvPr id="6" name="Seta: para Baixo 5">
+          <p:cNvPr id="8" name="Retângulo 7">
             <a:extLst>
               <a:ext uri="{FF2B5EF4-FFF2-40B4-BE49-F238E27FC236}">
-                <a16:creationId xmlns:a16="http://schemas.microsoft.com/office/drawing/2014/main" id="{C0FFF3D3-78AB-4F03-AEA3-F792F1C928B1}"/>
+                <a16:creationId xmlns:a16="http://schemas.microsoft.com/office/drawing/2014/main" id="{3CC0DBC5-CBEA-44F5-B257-04EE3F7AB470}"/>
               </a:ext>
             </a:extLst>
           </p:cNvPr>
@@ -28267,15 +28639,70 @@
         </p:nvSpPr>
         <p:spPr>
           <a:xfrm>
-            <a:off x="5872159" y="3679377"/>
-            <a:ext cx="447677" cy="800100"/>
+            <a:off x="-9526" y="0"/>
+            <a:ext cx="5384931" cy="676656"/>
           </a:xfrm>
-          <a:prstGeom prst="downArrow">
+          <a:prstGeom prst="rect">
             <a:avLst/>
           </a:prstGeom>
           <a:solidFill>
-            <a:srgbClr val="92D050"/>
+            <a:schemeClr val="bg1"/>
           </a:solidFill>
+          <a:ln>
+            <a:noFill/>
+          </a:ln>
+        </p:spPr>
+        <p:style>
+          <a:lnRef idx="2">
+            <a:schemeClr val="accent1">
+              <a:shade val="50000"/>
+            </a:schemeClr>
+          </a:lnRef>
+          <a:fillRef idx="1">
+            <a:schemeClr val="accent1"/>
+          </a:fillRef>
+          <a:effectRef idx="0">
+            <a:schemeClr val="accent1"/>
+          </a:effectRef>
+          <a:fontRef idx="minor">
+            <a:schemeClr val="lt1"/>
+          </a:fontRef>
+        </p:style>
+        <p:txBody>
+          <a:bodyPr rtlCol="0" anchor="ctr"/>
+          <a:lstStyle/>
+          <a:p>
+            <a:pPr algn="ctr"/>
+            <a:endParaRPr lang="pt-BR"/>
+          </a:p>
+        </p:txBody>
+      </p:sp>
+      <p:sp>
+        <p:nvSpPr>
+          <p:cNvPr id="71" name="Retângulo 70">
+            <a:extLst>
+              <a:ext uri="{FF2B5EF4-FFF2-40B4-BE49-F238E27FC236}">
+                <a16:creationId xmlns:a16="http://schemas.microsoft.com/office/drawing/2014/main" id="{FA87CC4B-67E8-46A8-83ED-B27931B4A556}"/>
+              </a:ext>
+            </a:extLst>
+          </p:cNvPr>
+          <p:cNvSpPr/>
+          <p:nvPr/>
+        </p:nvSpPr>
+        <p:spPr>
+          <a:xfrm>
+            <a:off x="-9525" y="6028944"/>
+            <a:ext cx="5384930" cy="829056"/>
+          </a:xfrm>
+          <a:prstGeom prst="rect">
+            <a:avLst/>
+          </a:prstGeom>
+          <a:solidFill>
+            <a:schemeClr val="bg1"/>
+          </a:solidFill>
+          <a:ln>
+            <a:noFill/>
+          </a:ln>
         </p:spPr>
         <p:style>
           <a:lnRef idx="2">
@@ -28305,17 +28732,17 @@
     </p:spTree>
     <p:extLst>
       <p:ext uri="{BB962C8B-B14F-4D97-AF65-F5344CB8AC3E}">
-        <p14:creationId xmlns:p14="http://schemas.microsoft.com/office/powerpoint/2010/main" val="1290913563"/>
+        <p14:creationId xmlns:p14="http://schemas.microsoft.com/office/powerpoint/2010/main" val="450903840"/>
       </p:ext>
     </p:extLst>
   </p:cSld>
   <p:clrMapOvr>
-    <a:masterClrMapping/>
+    <a:overrideClrMapping bg1="dk1" tx1="lt1" bg2="dk2" tx2="lt2" accent1="accent1" accent2="accent2" accent3="accent3" accent4="accent4" accent5="accent5" accent6="accent6" hlink="hlink" folHlink="folHlink"/>
   </p:clrMapOvr>
 </p:sld>
 </file>
 
-<file path=ppt/slides/slide11.xml><?xml version="1.0" encoding="utf-8"?>
+<file path=ppt/slides/slide10.xml><?xml version="1.0" encoding="utf-8"?>
 <p:sld xmlns:a="http://schemas.openxmlformats.org/drawingml/2006/main" xmlns:r="http://schemas.openxmlformats.org/officeDocument/2006/relationships" xmlns:p="http://schemas.openxmlformats.org/presentationml/2006/main">
   <p:cSld>
     <p:spTree>
@@ -28804,7 +29231,7 @@
 </p:sld>
 </file>
 
-<file path=ppt/slides/slide12.xml><?xml version="1.0" encoding="utf-8"?>
+<file path=ppt/slides/slide11.xml><?xml version="1.0" encoding="utf-8"?>
 <p:sld xmlns:a="http://schemas.openxmlformats.org/drawingml/2006/main" xmlns:r="http://schemas.openxmlformats.org/officeDocument/2006/relationships" xmlns:p="http://schemas.openxmlformats.org/presentationml/2006/main">
   <p:cSld>
     <p:spTree>
@@ -29293,496 +29720,7 @@
 </p:sld>
 </file>
 
-<file path=ppt/slides/slide13.xml><?xml version="1.0" encoding="utf-8"?>
-<p:sld xmlns:a="http://schemas.openxmlformats.org/drawingml/2006/main" xmlns:r="http://schemas.openxmlformats.org/officeDocument/2006/relationships" xmlns:p="http://schemas.openxmlformats.org/presentationml/2006/main">
-  <p:cSld>
-    <p:spTree>
-      <p:nvGrpSpPr>
-        <p:cNvPr id="1" name=""/>
-        <p:cNvGrpSpPr/>
-        <p:nvPr/>
-      </p:nvGrpSpPr>
-      <p:grpSpPr>
-        <a:xfrm>
-          <a:off x="0" y="0"/>
-          <a:ext cx="0" cy="0"/>
-          <a:chOff x="0" y="0"/>
-          <a:chExt cx="0" cy="0"/>
-        </a:xfrm>
-      </p:grpSpPr>
-      <p:sp useBgFill="1">
-        <p:nvSpPr>
-          <p:cNvPr id="10" name="Rectangle 9"/>
-          <p:cNvSpPr>
-            <a:spLocks noGrp="1" noRot="1" noChangeAspect="1" noMove="1" noResize="1" noEditPoints="1" noAdjustHandles="1" noChangeArrowheads="1" noChangeShapeType="1" noTextEdit="1"/>
-          </p:cNvSpPr>
-          <p:nvPr/>
-        </p:nvSpPr>
-        <p:spPr>
-          <a:xfrm>
-            <a:off x="0" y="0"/>
-            <a:ext cx="12192000" cy="6858000"/>
-          </a:xfrm>
-          <a:prstGeom prst="rect">
-            <a:avLst/>
-          </a:prstGeom>
-          <a:ln>
-            <a:noFill/>
-          </a:ln>
-        </p:spPr>
-        <p:style>
-          <a:lnRef idx="2">
-            <a:schemeClr val="accent1">
-              <a:shade val="50000"/>
-            </a:schemeClr>
-          </a:lnRef>
-          <a:fillRef idx="1">
-            <a:schemeClr val="accent1"/>
-          </a:fillRef>
-          <a:effectRef idx="0">
-            <a:schemeClr val="accent1"/>
-          </a:effectRef>
-          <a:fontRef idx="minor">
-            <a:schemeClr val="lt1"/>
-          </a:fontRef>
-        </p:style>
-        <p:txBody>
-          <a:bodyPr rtlCol="0" anchor="ctr"/>
-          <a:lstStyle/>
-          <a:p>
-            <a:pPr algn="ctr"/>
-            <a:endParaRPr lang="en-US" dirty="0"/>
-          </a:p>
-        </p:txBody>
-      </p:sp>
-      <p:sp>
-        <p:nvSpPr>
-          <p:cNvPr id="2" name="Título 1"/>
-          <p:cNvSpPr>
-            <a:spLocks noGrp="1"/>
-          </p:cNvSpPr>
-          <p:nvPr>
-            <p:ph type="title"/>
-          </p:nvPr>
-        </p:nvSpPr>
-        <p:spPr>
-          <a:xfrm>
-            <a:off x="1812897" y="518649"/>
-            <a:ext cx="9882278" cy="1067634"/>
-          </a:xfrm>
-        </p:spPr>
-        <p:txBody>
-          <a:bodyPr anchor="ctr">
-            <a:normAutofit/>
-          </a:bodyPr>
-          <a:lstStyle/>
-          <a:p>
-            <a:r>
-              <a:rPr lang="pt-BR" dirty="0"/>
-              <a:t>Desenho de Arquitetura</a:t>
-            </a:r>
-          </a:p>
-        </p:txBody>
-      </p:sp>
-      <p:grpSp>
-        <p:nvGrpSpPr>
-          <p:cNvPr id="12" name="Group 11"/>
-          <p:cNvGrpSpPr>
-            <a:grpSpLocks noGrp="1" noUngrp="1" noRot="1" noChangeAspect="1" noMove="1" noResize="1"/>
-          </p:cNvGrpSpPr>
-          <p:nvPr/>
-        </p:nvGrpSpPr>
-        <p:grpSpPr>
-          <a:xfrm>
-            <a:off x="472021" y="628863"/>
-            <a:ext cx="1128382" cy="847206"/>
-            <a:chOff x="8183879" y="1000124"/>
-            <a:chExt cx="1562267" cy="1172973"/>
-          </a:xfrm>
-        </p:grpSpPr>
-        <p:sp>
-          <p:nvSpPr>
-            <p:cNvPr id="13" name="Freeform 5"/>
-            <p:cNvSpPr/>
-            <p:nvPr/>
-          </p:nvSpPr>
-          <p:spPr bwMode="auto">
-            <a:xfrm>
-              <a:off x="8183879" y="1348782"/>
-              <a:ext cx="935037" cy="824315"/>
-            </a:xfrm>
-            <a:custGeom>
-              <a:avLst/>
-              <a:gdLst>
-                <a:gd name="T0" fmla="*/ 225 w 785"/>
-                <a:gd name="T1" fmla="*/ 692 h 692"/>
-                <a:gd name="T2" fmla="*/ 177 w 785"/>
-                <a:gd name="T3" fmla="*/ 665 h 692"/>
-                <a:gd name="T4" fmla="*/ 9 w 785"/>
-                <a:gd name="T5" fmla="*/ 374 h 692"/>
-                <a:gd name="T6" fmla="*/ 9 w 785"/>
-                <a:gd name="T7" fmla="*/ 318 h 692"/>
-                <a:gd name="T8" fmla="*/ 177 w 785"/>
-                <a:gd name="T9" fmla="*/ 27 h 692"/>
-                <a:gd name="T10" fmla="*/ 225 w 785"/>
-                <a:gd name="T11" fmla="*/ 0 h 692"/>
-                <a:gd name="T12" fmla="*/ 561 w 785"/>
-                <a:gd name="T13" fmla="*/ 0 h 692"/>
-                <a:gd name="T14" fmla="*/ 609 w 785"/>
-                <a:gd name="T15" fmla="*/ 27 h 692"/>
-                <a:gd name="T16" fmla="*/ 777 w 785"/>
-                <a:gd name="T17" fmla="*/ 318 h 692"/>
-                <a:gd name="T18" fmla="*/ 777 w 785"/>
-                <a:gd name="T19" fmla="*/ 374 h 692"/>
-                <a:gd name="T20" fmla="*/ 609 w 785"/>
-                <a:gd name="T21" fmla="*/ 665 h 692"/>
-                <a:gd name="T22" fmla="*/ 561 w 785"/>
-                <a:gd name="T23" fmla="*/ 692 h 692"/>
-                <a:gd name="T24" fmla="*/ 225 w 785"/>
-                <a:gd name="T25" fmla="*/ 692 h 692"/>
-              </a:gdLst>
-              <a:ahLst/>
-              <a:cxnLst>
-                <a:cxn ang="0">
-                  <a:pos x="T0" y="T1"/>
-                </a:cxn>
-                <a:cxn ang="0">
-                  <a:pos x="T2" y="T3"/>
-                </a:cxn>
-                <a:cxn ang="0">
-                  <a:pos x="T4" y="T5"/>
-                </a:cxn>
-                <a:cxn ang="0">
-                  <a:pos x="T6" y="T7"/>
-                </a:cxn>
-                <a:cxn ang="0">
-                  <a:pos x="T8" y="T9"/>
-                </a:cxn>
-                <a:cxn ang="0">
-                  <a:pos x="T10" y="T11"/>
-                </a:cxn>
-                <a:cxn ang="0">
-                  <a:pos x="T12" y="T13"/>
-                </a:cxn>
-                <a:cxn ang="0">
-                  <a:pos x="T14" y="T15"/>
-                </a:cxn>
-                <a:cxn ang="0">
-                  <a:pos x="T16" y="T17"/>
-                </a:cxn>
-                <a:cxn ang="0">
-                  <a:pos x="T18" y="T19"/>
-                </a:cxn>
-                <a:cxn ang="0">
-                  <a:pos x="T20" y="T21"/>
-                </a:cxn>
-                <a:cxn ang="0">
-                  <a:pos x="T22" y="T23"/>
-                </a:cxn>
-                <a:cxn ang="0">
-                  <a:pos x="T24" y="T25"/>
-                </a:cxn>
-              </a:cxnLst>
-              <a:rect l="0" t="0" r="r" b="b"/>
-              <a:pathLst>
-                <a:path w="785" h="692">
-                  <a:moveTo>
-                    <a:pt x="225" y="692"/>
-                  </a:moveTo>
-                  <a:cubicBezTo>
-                    <a:pt x="207" y="692"/>
-                    <a:pt x="185" y="680"/>
-                    <a:pt x="177" y="665"/>
-                  </a:cubicBezTo>
-                  <a:cubicBezTo>
-                    <a:pt x="9" y="374"/>
-                    <a:pt x="9" y="374"/>
-                    <a:pt x="9" y="374"/>
-                  </a:cubicBezTo>
-                  <a:cubicBezTo>
-                    <a:pt x="0" y="358"/>
-                    <a:pt x="0" y="334"/>
-                    <a:pt x="9" y="318"/>
-                  </a:cubicBezTo>
-                  <a:cubicBezTo>
-                    <a:pt x="177" y="27"/>
-                    <a:pt x="177" y="27"/>
-                    <a:pt x="177" y="27"/>
-                  </a:cubicBezTo>
-                  <a:cubicBezTo>
-                    <a:pt x="185" y="12"/>
-                    <a:pt x="207" y="0"/>
-                    <a:pt x="225" y="0"/>
-                  </a:cubicBezTo>
-                  <a:cubicBezTo>
-                    <a:pt x="561" y="0"/>
-                    <a:pt x="561" y="0"/>
-                    <a:pt x="561" y="0"/>
-                  </a:cubicBezTo>
-                  <a:cubicBezTo>
-                    <a:pt x="578" y="0"/>
-                    <a:pt x="600" y="12"/>
-                    <a:pt x="609" y="27"/>
-                  </a:cubicBezTo>
-                  <a:cubicBezTo>
-                    <a:pt x="777" y="318"/>
-                    <a:pt x="777" y="318"/>
-                    <a:pt x="777" y="318"/>
-                  </a:cubicBezTo>
-                  <a:cubicBezTo>
-                    <a:pt x="785" y="334"/>
-                    <a:pt x="785" y="358"/>
-                    <a:pt x="777" y="374"/>
-                  </a:cubicBezTo>
-                  <a:cubicBezTo>
-                    <a:pt x="609" y="665"/>
-                    <a:pt x="609" y="665"/>
-                    <a:pt x="609" y="665"/>
-                  </a:cubicBezTo>
-                  <a:cubicBezTo>
-                    <a:pt x="600" y="680"/>
-                    <a:pt x="578" y="692"/>
-                    <a:pt x="561" y="692"/>
-                  </a:cubicBezTo>
-                  <a:lnTo>
-                    <a:pt x="225" y="692"/>
-                  </a:lnTo>
-                  <a:close/>
-                </a:path>
-              </a:pathLst>
-            </a:custGeom>
-            <a:noFill/>
-            <a:ln w="28575" cmpd="sng">
-              <a:solidFill>
-                <a:schemeClr val="tx1"/>
-              </a:solidFill>
-            </a:ln>
-          </p:spPr>
-          <p:txBody>
-            <a:bodyPr vert="horz" wrap="square" lIns="91440" tIns="45720" rIns="91440" bIns="45720" numCol="1" anchor="t" anchorCtr="0" compatLnSpc="1"/>
-            <a:lstStyle/>
-            <a:p>
-              <a:endParaRPr lang="en-US"/>
-            </a:p>
-          </p:txBody>
-        </p:sp>
-        <p:sp>
-          <p:nvSpPr>
-            <p:cNvPr id="14" name="Freeform 5"/>
-            <p:cNvSpPr/>
-            <p:nvPr/>
-          </p:nvSpPr>
-          <p:spPr bwMode="auto">
-            <a:xfrm>
-              <a:off x="8983979" y="1000124"/>
-              <a:ext cx="762167" cy="671915"/>
-            </a:xfrm>
-            <a:custGeom>
-              <a:avLst/>
-              <a:gdLst>
-                <a:gd name="T0" fmla="*/ 225 w 785"/>
-                <a:gd name="T1" fmla="*/ 692 h 692"/>
-                <a:gd name="T2" fmla="*/ 177 w 785"/>
-                <a:gd name="T3" fmla="*/ 665 h 692"/>
-                <a:gd name="T4" fmla="*/ 9 w 785"/>
-                <a:gd name="T5" fmla="*/ 374 h 692"/>
-                <a:gd name="T6" fmla="*/ 9 w 785"/>
-                <a:gd name="T7" fmla="*/ 318 h 692"/>
-                <a:gd name="T8" fmla="*/ 177 w 785"/>
-                <a:gd name="T9" fmla="*/ 27 h 692"/>
-                <a:gd name="T10" fmla="*/ 225 w 785"/>
-                <a:gd name="T11" fmla="*/ 0 h 692"/>
-                <a:gd name="T12" fmla="*/ 561 w 785"/>
-                <a:gd name="T13" fmla="*/ 0 h 692"/>
-                <a:gd name="T14" fmla="*/ 609 w 785"/>
-                <a:gd name="T15" fmla="*/ 27 h 692"/>
-                <a:gd name="T16" fmla="*/ 777 w 785"/>
-                <a:gd name="T17" fmla="*/ 318 h 692"/>
-                <a:gd name="T18" fmla="*/ 777 w 785"/>
-                <a:gd name="T19" fmla="*/ 374 h 692"/>
-                <a:gd name="T20" fmla="*/ 609 w 785"/>
-                <a:gd name="T21" fmla="*/ 665 h 692"/>
-                <a:gd name="T22" fmla="*/ 561 w 785"/>
-                <a:gd name="T23" fmla="*/ 692 h 692"/>
-                <a:gd name="T24" fmla="*/ 225 w 785"/>
-                <a:gd name="T25" fmla="*/ 692 h 692"/>
-              </a:gdLst>
-              <a:ahLst/>
-              <a:cxnLst>
-                <a:cxn ang="0">
-                  <a:pos x="T0" y="T1"/>
-                </a:cxn>
-                <a:cxn ang="0">
-                  <a:pos x="T2" y="T3"/>
-                </a:cxn>
-                <a:cxn ang="0">
-                  <a:pos x="T4" y="T5"/>
-                </a:cxn>
-                <a:cxn ang="0">
-                  <a:pos x="T6" y="T7"/>
-                </a:cxn>
-                <a:cxn ang="0">
-                  <a:pos x="T8" y="T9"/>
-                </a:cxn>
-                <a:cxn ang="0">
-                  <a:pos x="T10" y="T11"/>
-                </a:cxn>
-                <a:cxn ang="0">
-                  <a:pos x="T12" y="T13"/>
-                </a:cxn>
-                <a:cxn ang="0">
-                  <a:pos x="T14" y="T15"/>
-                </a:cxn>
-                <a:cxn ang="0">
-                  <a:pos x="T16" y="T17"/>
-                </a:cxn>
-                <a:cxn ang="0">
-                  <a:pos x="T18" y="T19"/>
-                </a:cxn>
-                <a:cxn ang="0">
-                  <a:pos x="T20" y="T21"/>
-                </a:cxn>
-                <a:cxn ang="0">
-                  <a:pos x="T22" y="T23"/>
-                </a:cxn>
-                <a:cxn ang="0">
-                  <a:pos x="T24" y="T25"/>
-                </a:cxn>
-              </a:cxnLst>
-              <a:rect l="0" t="0" r="r" b="b"/>
-              <a:pathLst>
-                <a:path w="785" h="692">
-                  <a:moveTo>
-                    <a:pt x="225" y="692"/>
-                  </a:moveTo>
-                  <a:cubicBezTo>
-                    <a:pt x="207" y="692"/>
-                    <a:pt x="185" y="680"/>
-                    <a:pt x="177" y="665"/>
-                  </a:cubicBezTo>
-                  <a:cubicBezTo>
-                    <a:pt x="9" y="374"/>
-                    <a:pt x="9" y="374"/>
-                    <a:pt x="9" y="374"/>
-                  </a:cubicBezTo>
-                  <a:cubicBezTo>
-                    <a:pt x="0" y="358"/>
-                    <a:pt x="0" y="334"/>
-                    <a:pt x="9" y="318"/>
-                  </a:cubicBezTo>
-                  <a:cubicBezTo>
-                    <a:pt x="177" y="27"/>
-                    <a:pt x="177" y="27"/>
-                    <a:pt x="177" y="27"/>
-                  </a:cubicBezTo>
-                  <a:cubicBezTo>
-                    <a:pt x="185" y="12"/>
-                    <a:pt x="207" y="0"/>
-                    <a:pt x="225" y="0"/>
-                  </a:cubicBezTo>
-                  <a:cubicBezTo>
-                    <a:pt x="561" y="0"/>
-                    <a:pt x="561" y="0"/>
-                    <a:pt x="561" y="0"/>
-                  </a:cubicBezTo>
-                  <a:cubicBezTo>
-                    <a:pt x="578" y="0"/>
-                    <a:pt x="600" y="12"/>
-                    <a:pt x="609" y="27"/>
-                  </a:cubicBezTo>
-                  <a:cubicBezTo>
-                    <a:pt x="777" y="318"/>
-                    <a:pt x="777" y="318"/>
-                    <a:pt x="777" y="318"/>
-                  </a:cubicBezTo>
-                  <a:cubicBezTo>
-                    <a:pt x="785" y="334"/>
-                    <a:pt x="785" y="358"/>
-                    <a:pt x="777" y="374"/>
-                  </a:cubicBezTo>
-                  <a:cubicBezTo>
-                    <a:pt x="609" y="665"/>
-                    <a:pt x="609" y="665"/>
-                    <a:pt x="609" y="665"/>
-                  </a:cubicBezTo>
-                  <a:cubicBezTo>
-                    <a:pt x="600" y="680"/>
-                    <a:pt x="578" y="692"/>
-                    <a:pt x="561" y="692"/>
-                  </a:cubicBezTo>
-                  <a:lnTo>
-                    <a:pt x="225" y="692"/>
-                  </a:lnTo>
-                  <a:close/>
-                </a:path>
-              </a:pathLst>
-            </a:custGeom>
-            <a:noFill/>
-            <a:ln w="28575" cmpd="sng">
-              <a:solidFill>
-                <a:schemeClr val="tx1"/>
-              </a:solidFill>
-            </a:ln>
-          </p:spPr>
-          <p:txBody>
-            <a:bodyPr vert="horz" wrap="square" lIns="91440" tIns="45720" rIns="91440" bIns="45720" numCol="1" anchor="t" anchorCtr="0" compatLnSpc="1"/>
-            <a:lstStyle/>
-            <a:p>
-              <a:endParaRPr lang="en-US"/>
-            </a:p>
-          </p:txBody>
-        </p:sp>
-      </p:grpSp>
-      <p:pic>
-        <p:nvPicPr>
-          <p:cNvPr id="5" name="Imagem 4" descr="Tela de celular com texto preto sobre fundo branco&#10;&#10;Descrição gerada automaticamente">
-            <a:extLst>
-              <a:ext uri="{FF2B5EF4-FFF2-40B4-BE49-F238E27FC236}">
-                <a16:creationId xmlns:a16="http://schemas.microsoft.com/office/drawing/2014/main" id="{719194C0-71DB-4079-83CE-40E5CD7645C0}"/>
-              </a:ext>
-            </a:extLst>
-          </p:cNvPr>
-          <p:cNvPicPr>
-            <a:picLocks noChangeAspect="1"/>
-          </p:cNvPicPr>
-          <p:nvPr/>
-        </p:nvPicPr>
-        <p:blipFill>
-          <a:blip r:embed="rId2">
-            <a:extLst>
-              <a:ext uri="{28A0092B-C50C-407E-A947-70E740481C1C}">
-                <a14:useLocalDpi xmlns:a14="http://schemas.microsoft.com/office/drawing/2010/main" val="0"/>
-              </a:ext>
-            </a:extLst>
-          </a:blip>
-          <a:stretch>
-            <a:fillRect/>
-          </a:stretch>
-        </p:blipFill>
-        <p:spPr>
-          <a:xfrm>
-            <a:off x="2943225" y="1476069"/>
-            <a:ext cx="6305550" cy="5153025"/>
-          </a:xfrm>
-          <a:prstGeom prst="rect">
-            <a:avLst/>
-          </a:prstGeom>
-        </p:spPr>
-      </p:pic>
-    </p:spTree>
-    <p:extLst>
-      <p:ext uri="{BB962C8B-B14F-4D97-AF65-F5344CB8AC3E}">
-        <p14:creationId xmlns:p14="http://schemas.microsoft.com/office/powerpoint/2010/main" val="4264086694"/>
-      </p:ext>
-    </p:extLst>
-  </p:cSld>
-  <p:clrMapOvr>
-    <a:masterClrMapping/>
-  </p:clrMapOvr>
-</p:sld>
-</file>
-
-<file path=ppt/slides/slide14.xml><?xml version="1.0" encoding="utf-8"?>
+<file path=ppt/slides/slide12.xml><?xml version="1.0" encoding="utf-8"?>
 <p:sld xmlns:a="http://schemas.openxmlformats.org/drawingml/2006/main" xmlns:r="http://schemas.openxmlformats.org/officeDocument/2006/relationships" xmlns:p="http://schemas.openxmlformats.org/presentationml/2006/main">
   <p:cSld>
     <p:spTree>
@@ -30256,6 +30194,978 @@
     <p:extLst>
       <p:ext uri="{BB962C8B-B14F-4D97-AF65-F5344CB8AC3E}">
         <p14:creationId xmlns:p14="http://schemas.microsoft.com/office/powerpoint/2010/main" val="1295663715"/>
+      </p:ext>
+    </p:extLst>
+  </p:cSld>
+  <p:clrMapOvr>
+    <a:masterClrMapping/>
+  </p:clrMapOvr>
+</p:sld>
+</file>
+
+<file path=ppt/slides/slide13.xml><?xml version="1.0" encoding="utf-8"?>
+<p:sld xmlns:a="http://schemas.openxmlformats.org/drawingml/2006/main" xmlns:r="http://schemas.openxmlformats.org/officeDocument/2006/relationships" xmlns:p="http://schemas.openxmlformats.org/presentationml/2006/main">
+  <p:cSld>
+    <p:spTree>
+      <p:nvGrpSpPr>
+        <p:cNvPr id="1" name=""/>
+        <p:cNvGrpSpPr/>
+        <p:nvPr/>
+      </p:nvGrpSpPr>
+      <p:grpSpPr>
+        <a:xfrm>
+          <a:off x="0" y="0"/>
+          <a:ext cx="0" cy="0"/>
+          <a:chOff x="0" y="0"/>
+          <a:chExt cx="0" cy="0"/>
+        </a:xfrm>
+      </p:grpSpPr>
+      <p:sp useBgFill="1">
+        <p:nvSpPr>
+          <p:cNvPr id="10" name="Rectangle 9"/>
+          <p:cNvSpPr>
+            <a:spLocks noGrp="1" noRot="1" noChangeAspect="1" noMove="1" noResize="1" noEditPoints="1" noAdjustHandles="1" noChangeArrowheads="1" noChangeShapeType="1" noTextEdit="1"/>
+          </p:cNvSpPr>
+          <p:nvPr/>
+        </p:nvSpPr>
+        <p:spPr>
+          <a:xfrm>
+            <a:off x="0" y="0"/>
+            <a:ext cx="12192000" cy="6858000"/>
+          </a:xfrm>
+          <a:prstGeom prst="rect">
+            <a:avLst/>
+          </a:prstGeom>
+          <a:ln>
+            <a:noFill/>
+          </a:ln>
+        </p:spPr>
+        <p:style>
+          <a:lnRef idx="2">
+            <a:schemeClr val="accent1">
+              <a:shade val="50000"/>
+            </a:schemeClr>
+          </a:lnRef>
+          <a:fillRef idx="1">
+            <a:schemeClr val="accent1"/>
+          </a:fillRef>
+          <a:effectRef idx="0">
+            <a:schemeClr val="accent1"/>
+          </a:effectRef>
+          <a:fontRef idx="minor">
+            <a:schemeClr val="lt1"/>
+          </a:fontRef>
+        </p:style>
+        <p:txBody>
+          <a:bodyPr rtlCol="0" anchor="ctr"/>
+          <a:lstStyle/>
+          <a:p>
+            <a:pPr algn="ctr"/>
+            <a:endParaRPr lang="en-US" dirty="0"/>
+          </a:p>
+        </p:txBody>
+      </p:sp>
+      <p:sp>
+        <p:nvSpPr>
+          <p:cNvPr id="2" name="Título 1"/>
+          <p:cNvSpPr>
+            <a:spLocks noGrp="1"/>
+          </p:cNvSpPr>
+          <p:nvPr>
+            <p:ph type="title"/>
+          </p:nvPr>
+        </p:nvSpPr>
+        <p:spPr>
+          <a:xfrm>
+            <a:off x="1812897" y="518649"/>
+            <a:ext cx="9882278" cy="1067634"/>
+          </a:xfrm>
+        </p:spPr>
+        <p:txBody>
+          <a:bodyPr anchor="ctr">
+            <a:normAutofit/>
+          </a:bodyPr>
+          <a:lstStyle/>
+          <a:p>
+            <a:r>
+              <a:rPr lang="pt-BR" dirty="0"/>
+              <a:t>Desenho de Arquitetura</a:t>
+            </a:r>
+          </a:p>
+        </p:txBody>
+      </p:sp>
+      <p:grpSp>
+        <p:nvGrpSpPr>
+          <p:cNvPr id="12" name="Group 11"/>
+          <p:cNvGrpSpPr>
+            <a:grpSpLocks noGrp="1" noUngrp="1" noRot="1" noChangeAspect="1" noMove="1" noResize="1"/>
+          </p:cNvGrpSpPr>
+          <p:nvPr/>
+        </p:nvGrpSpPr>
+        <p:grpSpPr>
+          <a:xfrm>
+            <a:off x="472021" y="628863"/>
+            <a:ext cx="1128382" cy="847206"/>
+            <a:chOff x="8183879" y="1000124"/>
+            <a:chExt cx="1562267" cy="1172973"/>
+          </a:xfrm>
+        </p:grpSpPr>
+        <p:sp>
+          <p:nvSpPr>
+            <p:cNvPr id="13" name="Freeform 5"/>
+            <p:cNvSpPr/>
+            <p:nvPr/>
+          </p:nvSpPr>
+          <p:spPr bwMode="auto">
+            <a:xfrm>
+              <a:off x="8183879" y="1348782"/>
+              <a:ext cx="935037" cy="824315"/>
+            </a:xfrm>
+            <a:custGeom>
+              <a:avLst/>
+              <a:gdLst>
+                <a:gd name="T0" fmla="*/ 225 w 785"/>
+                <a:gd name="T1" fmla="*/ 692 h 692"/>
+                <a:gd name="T2" fmla="*/ 177 w 785"/>
+                <a:gd name="T3" fmla="*/ 665 h 692"/>
+                <a:gd name="T4" fmla="*/ 9 w 785"/>
+                <a:gd name="T5" fmla="*/ 374 h 692"/>
+                <a:gd name="T6" fmla="*/ 9 w 785"/>
+                <a:gd name="T7" fmla="*/ 318 h 692"/>
+                <a:gd name="T8" fmla="*/ 177 w 785"/>
+                <a:gd name="T9" fmla="*/ 27 h 692"/>
+                <a:gd name="T10" fmla="*/ 225 w 785"/>
+                <a:gd name="T11" fmla="*/ 0 h 692"/>
+                <a:gd name="T12" fmla="*/ 561 w 785"/>
+                <a:gd name="T13" fmla="*/ 0 h 692"/>
+                <a:gd name="T14" fmla="*/ 609 w 785"/>
+                <a:gd name="T15" fmla="*/ 27 h 692"/>
+                <a:gd name="T16" fmla="*/ 777 w 785"/>
+                <a:gd name="T17" fmla="*/ 318 h 692"/>
+                <a:gd name="T18" fmla="*/ 777 w 785"/>
+                <a:gd name="T19" fmla="*/ 374 h 692"/>
+                <a:gd name="T20" fmla="*/ 609 w 785"/>
+                <a:gd name="T21" fmla="*/ 665 h 692"/>
+                <a:gd name="T22" fmla="*/ 561 w 785"/>
+                <a:gd name="T23" fmla="*/ 692 h 692"/>
+                <a:gd name="T24" fmla="*/ 225 w 785"/>
+                <a:gd name="T25" fmla="*/ 692 h 692"/>
+              </a:gdLst>
+              <a:ahLst/>
+              <a:cxnLst>
+                <a:cxn ang="0">
+                  <a:pos x="T0" y="T1"/>
+                </a:cxn>
+                <a:cxn ang="0">
+                  <a:pos x="T2" y="T3"/>
+                </a:cxn>
+                <a:cxn ang="0">
+                  <a:pos x="T4" y="T5"/>
+                </a:cxn>
+                <a:cxn ang="0">
+                  <a:pos x="T6" y="T7"/>
+                </a:cxn>
+                <a:cxn ang="0">
+                  <a:pos x="T8" y="T9"/>
+                </a:cxn>
+                <a:cxn ang="0">
+                  <a:pos x="T10" y="T11"/>
+                </a:cxn>
+                <a:cxn ang="0">
+                  <a:pos x="T12" y="T13"/>
+                </a:cxn>
+                <a:cxn ang="0">
+                  <a:pos x="T14" y="T15"/>
+                </a:cxn>
+                <a:cxn ang="0">
+                  <a:pos x="T16" y="T17"/>
+                </a:cxn>
+                <a:cxn ang="0">
+                  <a:pos x="T18" y="T19"/>
+                </a:cxn>
+                <a:cxn ang="0">
+                  <a:pos x="T20" y="T21"/>
+                </a:cxn>
+                <a:cxn ang="0">
+                  <a:pos x="T22" y="T23"/>
+                </a:cxn>
+                <a:cxn ang="0">
+                  <a:pos x="T24" y="T25"/>
+                </a:cxn>
+              </a:cxnLst>
+              <a:rect l="0" t="0" r="r" b="b"/>
+              <a:pathLst>
+                <a:path w="785" h="692">
+                  <a:moveTo>
+                    <a:pt x="225" y="692"/>
+                  </a:moveTo>
+                  <a:cubicBezTo>
+                    <a:pt x="207" y="692"/>
+                    <a:pt x="185" y="680"/>
+                    <a:pt x="177" y="665"/>
+                  </a:cubicBezTo>
+                  <a:cubicBezTo>
+                    <a:pt x="9" y="374"/>
+                    <a:pt x="9" y="374"/>
+                    <a:pt x="9" y="374"/>
+                  </a:cubicBezTo>
+                  <a:cubicBezTo>
+                    <a:pt x="0" y="358"/>
+                    <a:pt x="0" y="334"/>
+                    <a:pt x="9" y="318"/>
+                  </a:cubicBezTo>
+                  <a:cubicBezTo>
+                    <a:pt x="177" y="27"/>
+                    <a:pt x="177" y="27"/>
+                    <a:pt x="177" y="27"/>
+                  </a:cubicBezTo>
+                  <a:cubicBezTo>
+                    <a:pt x="185" y="12"/>
+                    <a:pt x="207" y="0"/>
+                    <a:pt x="225" y="0"/>
+                  </a:cubicBezTo>
+                  <a:cubicBezTo>
+                    <a:pt x="561" y="0"/>
+                    <a:pt x="561" y="0"/>
+                    <a:pt x="561" y="0"/>
+                  </a:cubicBezTo>
+                  <a:cubicBezTo>
+                    <a:pt x="578" y="0"/>
+                    <a:pt x="600" y="12"/>
+                    <a:pt x="609" y="27"/>
+                  </a:cubicBezTo>
+                  <a:cubicBezTo>
+                    <a:pt x="777" y="318"/>
+                    <a:pt x="777" y="318"/>
+                    <a:pt x="777" y="318"/>
+                  </a:cubicBezTo>
+                  <a:cubicBezTo>
+                    <a:pt x="785" y="334"/>
+                    <a:pt x="785" y="358"/>
+                    <a:pt x="777" y="374"/>
+                  </a:cubicBezTo>
+                  <a:cubicBezTo>
+                    <a:pt x="609" y="665"/>
+                    <a:pt x="609" y="665"/>
+                    <a:pt x="609" y="665"/>
+                  </a:cubicBezTo>
+                  <a:cubicBezTo>
+                    <a:pt x="600" y="680"/>
+                    <a:pt x="578" y="692"/>
+                    <a:pt x="561" y="692"/>
+                  </a:cubicBezTo>
+                  <a:lnTo>
+                    <a:pt x="225" y="692"/>
+                  </a:lnTo>
+                  <a:close/>
+                </a:path>
+              </a:pathLst>
+            </a:custGeom>
+            <a:noFill/>
+            <a:ln w="28575" cmpd="sng">
+              <a:solidFill>
+                <a:schemeClr val="tx1"/>
+              </a:solidFill>
+            </a:ln>
+          </p:spPr>
+          <p:txBody>
+            <a:bodyPr vert="horz" wrap="square" lIns="91440" tIns="45720" rIns="91440" bIns="45720" numCol="1" anchor="t" anchorCtr="0" compatLnSpc="1"/>
+            <a:lstStyle/>
+            <a:p>
+              <a:endParaRPr lang="en-US"/>
+            </a:p>
+          </p:txBody>
+        </p:sp>
+        <p:sp>
+          <p:nvSpPr>
+            <p:cNvPr id="14" name="Freeform 5"/>
+            <p:cNvSpPr/>
+            <p:nvPr/>
+          </p:nvSpPr>
+          <p:spPr bwMode="auto">
+            <a:xfrm>
+              <a:off x="8983979" y="1000124"/>
+              <a:ext cx="762167" cy="671915"/>
+            </a:xfrm>
+            <a:custGeom>
+              <a:avLst/>
+              <a:gdLst>
+                <a:gd name="T0" fmla="*/ 225 w 785"/>
+                <a:gd name="T1" fmla="*/ 692 h 692"/>
+                <a:gd name="T2" fmla="*/ 177 w 785"/>
+                <a:gd name="T3" fmla="*/ 665 h 692"/>
+                <a:gd name="T4" fmla="*/ 9 w 785"/>
+                <a:gd name="T5" fmla="*/ 374 h 692"/>
+                <a:gd name="T6" fmla="*/ 9 w 785"/>
+                <a:gd name="T7" fmla="*/ 318 h 692"/>
+                <a:gd name="T8" fmla="*/ 177 w 785"/>
+                <a:gd name="T9" fmla="*/ 27 h 692"/>
+                <a:gd name="T10" fmla="*/ 225 w 785"/>
+                <a:gd name="T11" fmla="*/ 0 h 692"/>
+                <a:gd name="T12" fmla="*/ 561 w 785"/>
+                <a:gd name="T13" fmla="*/ 0 h 692"/>
+                <a:gd name="T14" fmla="*/ 609 w 785"/>
+                <a:gd name="T15" fmla="*/ 27 h 692"/>
+                <a:gd name="T16" fmla="*/ 777 w 785"/>
+                <a:gd name="T17" fmla="*/ 318 h 692"/>
+                <a:gd name="T18" fmla="*/ 777 w 785"/>
+                <a:gd name="T19" fmla="*/ 374 h 692"/>
+                <a:gd name="T20" fmla="*/ 609 w 785"/>
+                <a:gd name="T21" fmla="*/ 665 h 692"/>
+                <a:gd name="T22" fmla="*/ 561 w 785"/>
+                <a:gd name="T23" fmla="*/ 692 h 692"/>
+                <a:gd name="T24" fmla="*/ 225 w 785"/>
+                <a:gd name="T25" fmla="*/ 692 h 692"/>
+              </a:gdLst>
+              <a:ahLst/>
+              <a:cxnLst>
+                <a:cxn ang="0">
+                  <a:pos x="T0" y="T1"/>
+                </a:cxn>
+                <a:cxn ang="0">
+                  <a:pos x="T2" y="T3"/>
+                </a:cxn>
+                <a:cxn ang="0">
+                  <a:pos x="T4" y="T5"/>
+                </a:cxn>
+                <a:cxn ang="0">
+                  <a:pos x="T6" y="T7"/>
+                </a:cxn>
+                <a:cxn ang="0">
+                  <a:pos x="T8" y="T9"/>
+                </a:cxn>
+                <a:cxn ang="0">
+                  <a:pos x="T10" y="T11"/>
+                </a:cxn>
+                <a:cxn ang="0">
+                  <a:pos x="T12" y="T13"/>
+                </a:cxn>
+                <a:cxn ang="0">
+                  <a:pos x="T14" y="T15"/>
+                </a:cxn>
+                <a:cxn ang="0">
+                  <a:pos x="T16" y="T17"/>
+                </a:cxn>
+                <a:cxn ang="0">
+                  <a:pos x="T18" y="T19"/>
+                </a:cxn>
+                <a:cxn ang="0">
+                  <a:pos x="T20" y="T21"/>
+                </a:cxn>
+                <a:cxn ang="0">
+                  <a:pos x="T22" y="T23"/>
+                </a:cxn>
+                <a:cxn ang="0">
+                  <a:pos x="T24" y="T25"/>
+                </a:cxn>
+              </a:cxnLst>
+              <a:rect l="0" t="0" r="r" b="b"/>
+              <a:pathLst>
+                <a:path w="785" h="692">
+                  <a:moveTo>
+                    <a:pt x="225" y="692"/>
+                  </a:moveTo>
+                  <a:cubicBezTo>
+                    <a:pt x="207" y="692"/>
+                    <a:pt x="185" y="680"/>
+                    <a:pt x="177" y="665"/>
+                  </a:cubicBezTo>
+                  <a:cubicBezTo>
+                    <a:pt x="9" y="374"/>
+                    <a:pt x="9" y="374"/>
+                    <a:pt x="9" y="374"/>
+                  </a:cubicBezTo>
+                  <a:cubicBezTo>
+                    <a:pt x="0" y="358"/>
+                    <a:pt x="0" y="334"/>
+                    <a:pt x="9" y="318"/>
+                  </a:cubicBezTo>
+                  <a:cubicBezTo>
+                    <a:pt x="177" y="27"/>
+                    <a:pt x="177" y="27"/>
+                    <a:pt x="177" y="27"/>
+                  </a:cubicBezTo>
+                  <a:cubicBezTo>
+                    <a:pt x="185" y="12"/>
+                    <a:pt x="207" y="0"/>
+                    <a:pt x="225" y="0"/>
+                  </a:cubicBezTo>
+                  <a:cubicBezTo>
+                    <a:pt x="561" y="0"/>
+                    <a:pt x="561" y="0"/>
+                    <a:pt x="561" y="0"/>
+                  </a:cubicBezTo>
+                  <a:cubicBezTo>
+                    <a:pt x="578" y="0"/>
+                    <a:pt x="600" y="12"/>
+                    <a:pt x="609" y="27"/>
+                  </a:cubicBezTo>
+                  <a:cubicBezTo>
+                    <a:pt x="777" y="318"/>
+                    <a:pt x="777" y="318"/>
+                    <a:pt x="777" y="318"/>
+                  </a:cubicBezTo>
+                  <a:cubicBezTo>
+                    <a:pt x="785" y="334"/>
+                    <a:pt x="785" y="358"/>
+                    <a:pt x="777" y="374"/>
+                  </a:cubicBezTo>
+                  <a:cubicBezTo>
+                    <a:pt x="609" y="665"/>
+                    <a:pt x="609" y="665"/>
+                    <a:pt x="609" y="665"/>
+                  </a:cubicBezTo>
+                  <a:cubicBezTo>
+                    <a:pt x="600" y="680"/>
+                    <a:pt x="578" y="692"/>
+                    <a:pt x="561" y="692"/>
+                  </a:cubicBezTo>
+                  <a:lnTo>
+                    <a:pt x="225" y="692"/>
+                  </a:lnTo>
+                  <a:close/>
+                </a:path>
+              </a:pathLst>
+            </a:custGeom>
+            <a:noFill/>
+            <a:ln w="28575" cmpd="sng">
+              <a:solidFill>
+                <a:schemeClr val="tx1"/>
+              </a:solidFill>
+            </a:ln>
+          </p:spPr>
+          <p:txBody>
+            <a:bodyPr vert="horz" wrap="square" lIns="91440" tIns="45720" rIns="91440" bIns="45720" numCol="1" anchor="t" anchorCtr="0" compatLnSpc="1"/>
+            <a:lstStyle/>
+            <a:p>
+              <a:endParaRPr lang="en-US"/>
+            </a:p>
+          </p:txBody>
+        </p:sp>
+      </p:grpSp>
+      <p:pic>
+        <p:nvPicPr>
+          <p:cNvPr id="4" name="Imagem 3" descr="Tela de celular com texto preto sobre fundo branco&#10;&#10;Descrição gerada automaticamente">
+            <a:extLst>
+              <a:ext uri="{FF2B5EF4-FFF2-40B4-BE49-F238E27FC236}">
+                <a16:creationId xmlns:a16="http://schemas.microsoft.com/office/drawing/2014/main" id="{1F3BC514-CB78-4155-AF11-BB61F4A3B76D}"/>
+              </a:ext>
+            </a:extLst>
+          </p:cNvPr>
+          <p:cNvPicPr>
+            <a:picLocks noChangeAspect="1"/>
+          </p:cNvPicPr>
+          <p:nvPr/>
+        </p:nvPicPr>
+        <p:blipFill>
+          <a:blip r:embed="rId2">
+            <a:extLst>
+              <a:ext uri="{28A0092B-C50C-407E-A947-70E740481C1C}">
+                <a14:useLocalDpi xmlns:a14="http://schemas.microsoft.com/office/drawing/2010/main" val="0"/>
+              </a:ext>
+            </a:extLst>
+          </a:blip>
+          <a:stretch>
+            <a:fillRect/>
+          </a:stretch>
+        </p:blipFill>
+        <p:spPr>
+          <a:xfrm>
+            <a:off x="434340" y="1814309"/>
+            <a:ext cx="11323320" cy="4815664"/>
+          </a:xfrm>
+          <a:prstGeom prst="rect">
+            <a:avLst/>
+          </a:prstGeom>
+        </p:spPr>
+      </p:pic>
+    </p:spTree>
+    <p:extLst>
+      <p:ext uri="{BB962C8B-B14F-4D97-AF65-F5344CB8AC3E}">
+        <p14:creationId xmlns:p14="http://schemas.microsoft.com/office/powerpoint/2010/main" val="4264086694"/>
+      </p:ext>
+    </p:extLst>
+  </p:cSld>
+  <p:clrMapOvr>
+    <a:masterClrMapping/>
+  </p:clrMapOvr>
+</p:sld>
+</file>
+
+<file path=ppt/slides/slide14.xml><?xml version="1.0" encoding="utf-8"?>
+<p:sld xmlns:a="http://schemas.openxmlformats.org/drawingml/2006/main" xmlns:r="http://schemas.openxmlformats.org/officeDocument/2006/relationships" xmlns:p="http://schemas.openxmlformats.org/presentationml/2006/main">
+  <p:cSld>
+    <p:spTree>
+      <p:nvGrpSpPr>
+        <p:cNvPr id="1" name=""/>
+        <p:cNvGrpSpPr/>
+        <p:nvPr/>
+      </p:nvGrpSpPr>
+      <p:grpSpPr>
+        <a:xfrm>
+          <a:off x="0" y="0"/>
+          <a:ext cx="0" cy="0"/>
+          <a:chOff x="0" y="0"/>
+          <a:chExt cx="0" cy="0"/>
+        </a:xfrm>
+      </p:grpSpPr>
+      <p:sp useBgFill="1">
+        <p:nvSpPr>
+          <p:cNvPr id="10" name="Rectangle 9"/>
+          <p:cNvSpPr>
+            <a:spLocks noGrp="1" noRot="1" noChangeAspect="1" noMove="1" noResize="1" noEditPoints="1" noAdjustHandles="1" noChangeArrowheads="1" noChangeShapeType="1" noTextEdit="1"/>
+          </p:cNvSpPr>
+          <p:nvPr/>
+        </p:nvSpPr>
+        <p:spPr>
+          <a:xfrm>
+            <a:off x="0" y="0"/>
+            <a:ext cx="12192000" cy="6858000"/>
+          </a:xfrm>
+          <a:prstGeom prst="rect">
+            <a:avLst/>
+          </a:prstGeom>
+          <a:ln>
+            <a:noFill/>
+          </a:ln>
+        </p:spPr>
+        <p:style>
+          <a:lnRef idx="2">
+            <a:schemeClr val="accent1">
+              <a:shade val="50000"/>
+            </a:schemeClr>
+          </a:lnRef>
+          <a:fillRef idx="1">
+            <a:schemeClr val="accent1"/>
+          </a:fillRef>
+          <a:effectRef idx="0">
+            <a:schemeClr val="accent1"/>
+          </a:effectRef>
+          <a:fontRef idx="minor">
+            <a:schemeClr val="lt1"/>
+          </a:fontRef>
+        </p:style>
+        <p:txBody>
+          <a:bodyPr rtlCol="0" anchor="ctr"/>
+          <a:lstStyle/>
+          <a:p>
+            <a:pPr algn="ctr"/>
+            <a:endParaRPr lang="en-US" dirty="0"/>
+          </a:p>
+        </p:txBody>
+      </p:sp>
+      <p:sp>
+        <p:nvSpPr>
+          <p:cNvPr id="2" name="Título 1"/>
+          <p:cNvSpPr>
+            <a:spLocks noGrp="1"/>
+          </p:cNvSpPr>
+          <p:nvPr>
+            <p:ph type="title"/>
+          </p:nvPr>
+        </p:nvSpPr>
+        <p:spPr>
+          <a:xfrm>
+            <a:off x="1812897" y="518649"/>
+            <a:ext cx="9882278" cy="1067634"/>
+          </a:xfrm>
+        </p:spPr>
+        <p:txBody>
+          <a:bodyPr anchor="ctr">
+            <a:normAutofit/>
+          </a:bodyPr>
+          <a:lstStyle/>
+          <a:p>
+            <a:r>
+              <a:rPr lang="pt-BR" dirty="0"/>
+              <a:t>Planilha de Testes (UAT)</a:t>
+            </a:r>
+          </a:p>
+        </p:txBody>
+      </p:sp>
+      <p:grpSp>
+        <p:nvGrpSpPr>
+          <p:cNvPr id="12" name="Group 11"/>
+          <p:cNvGrpSpPr>
+            <a:grpSpLocks noGrp="1" noUngrp="1" noRot="1" noChangeAspect="1" noMove="1" noResize="1"/>
+          </p:cNvGrpSpPr>
+          <p:nvPr/>
+        </p:nvGrpSpPr>
+        <p:grpSpPr>
+          <a:xfrm>
+            <a:off x="472021" y="628863"/>
+            <a:ext cx="1128382" cy="847206"/>
+            <a:chOff x="8183879" y="1000124"/>
+            <a:chExt cx="1562267" cy="1172973"/>
+          </a:xfrm>
+        </p:grpSpPr>
+        <p:sp>
+          <p:nvSpPr>
+            <p:cNvPr id="13" name="Freeform 5"/>
+            <p:cNvSpPr/>
+            <p:nvPr/>
+          </p:nvSpPr>
+          <p:spPr bwMode="auto">
+            <a:xfrm>
+              <a:off x="8183879" y="1348782"/>
+              <a:ext cx="935037" cy="824315"/>
+            </a:xfrm>
+            <a:custGeom>
+              <a:avLst/>
+              <a:gdLst>
+                <a:gd name="T0" fmla="*/ 225 w 785"/>
+                <a:gd name="T1" fmla="*/ 692 h 692"/>
+                <a:gd name="T2" fmla="*/ 177 w 785"/>
+                <a:gd name="T3" fmla="*/ 665 h 692"/>
+                <a:gd name="T4" fmla="*/ 9 w 785"/>
+                <a:gd name="T5" fmla="*/ 374 h 692"/>
+                <a:gd name="T6" fmla="*/ 9 w 785"/>
+                <a:gd name="T7" fmla="*/ 318 h 692"/>
+                <a:gd name="T8" fmla="*/ 177 w 785"/>
+                <a:gd name="T9" fmla="*/ 27 h 692"/>
+                <a:gd name="T10" fmla="*/ 225 w 785"/>
+                <a:gd name="T11" fmla="*/ 0 h 692"/>
+                <a:gd name="T12" fmla="*/ 561 w 785"/>
+                <a:gd name="T13" fmla="*/ 0 h 692"/>
+                <a:gd name="T14" fmla="*/ 609 w 785"/>
+                <a:gd name="T15" fmla="*/ 27 h 692"/>
+                <a:gd name="T16" fmla="*/ 777 w 785"/>
+                <a:gd name="T17" fmla="*/ 318 h 692"/>
+                <a:gd name="T18" fmla="*/ 777 w 785"/>
+                <a:gd name="T19" fmla="*/ 374 h 692"/>
+                <a:gd name="T20" fmla="*/ 609 w 785"/>
+                <a:gd name="T21" fmla="*/ 665 h 692"/>
+                <a:gd name="T22" fmla="*/ 561 w 785"/>
+                <a:gd name="T23" fmla="*/ 692 h 692"/>
+                <a:gd name="T24" fmla="*/ 225 w 785"/>
+                <a:gd name="T25" fmla="*/ 692 h 692"/>
+              </a:gdLst>
+              <a:ahLst/>
+              <a:cxnLst>
+                <a:cxn ang="0">
+                  <a:pos x="T0" y="T1"/>
+                </a:cxn>
+                <a:cxn ang="0">
+                  <a:pos x="T2" y="T3"/>
+                </a:cxn>
+                <a:cxn ang="0">
+                  <a:pos x="T4" y="T5"/>
+                </a:cxn>
+                <a:cxn ang="0">
+                  <a:pos x="T6" y="T7"/>
+                </a:cxn>
+                <a:cxn ang="0">
+                  <a:pos x="T8" y="T9"/>
+                </a:cxn>
+                <a:cxn ang="0">
+                  <a:pos x="T10" y="T11"/>
+                </a:cxn>
+                <a:cxn ang="0">
+                  <a:pos x="T12" y="T13"/>
+                </a:cxn>
+                <a:cxn ang="0">
+                  <a:pos x="T14" y="T15"/>
+                </a:cxn>
+                <a:cxn ang="0">
+                  <a:pos x="T16" y="T17"/>
+                </a:cxn>
+                <a:cxn ang="0">
+                  <a:pos x="T18" y="T19"/>
+                </a:cxn>
+                <a:cxn ang="0">
+                  <a:pos x="T20" y="T21"/>
+                </a:cxn>
+                <a:cxn ang="0">
+                  <a:pos x="T22" y="T23"/>
+                </a:cxn>
+                <a:cxn ang="0">
+                  <a:pos x="T24" y="T25"/>
+                </a:cxn>
+              </a:cxnLst>
+              <a:rect l="0" t="0" r="r" b="b"/>
+              <a:pathLst>
+                <a:path w="785" h="692">
+                  <a:moveTo>
+                    <a:pt x="225" y="692"/>
+                  </a:moveTo>
+                  <a:cubicBezTo>
+                    <a:pt x="207" y="692"/>
+                    <a:pt x="185" y="680"/>
+                    <a:pt x="177" y="665"/>
+                  </a:cubicBezTo>
+                  <a:cubicBezTo>
+                    <a:pt x="9" y="374"/>
+                    <a:pt x="9" y="374"/>
+                    <a:pt x="9" y="374"/>
+                  </a:cubicBezTo>
+                  <a:cubicBezTo>
+                    <a:pt x="0" y="358"/>
+                    <a:pt x="0" y="334"/>
+                    <a:pt x="9" y="318"/>
+                  </a:cubicBezTo>
+                  <a:cubicBezTo>
+                    <a:pt x="177" y="27"/>
+                    <a:pt x="177" y="27"/>
+                    <a:pt x="177" y="27"/>
+                  </a:cubicBezTo>
+                  <a:cubicBezTo>
+                    <a:pt x="185" y="12"/>
+                    <a:pt x="207" y="0"/>
+                    <a:pt x="225" y="0"/>
+                  </a:cubicBezTo>
+                  <a:cubicBezTo>
+                    <a:pt x="561" y="0"/>
+                    <a:pt x="561" y="0"/>
+                    <a:pt x="561" y="0"/>
+                  </a:cubicBezTo>
+                  <a:cubicBezTo>
+                    <a:pt x="578" y="0"/>
+                    <a:pt x="600" y="12"/>
+                    <a:pt x="609" y="27"/>
+                  </a:cubicBezTo>
+                  <a:cubicBezTo>
+                    <a:pt x="777" y="318"/>
+                    <a:pt x="777" y="318"/>
+                    <a:pt x="777" y="318"/>
+                  </a:cubicBezTo>
+                  <a:cubicBezTo>
+                    <a:pt x="785" y="334"/>
+                    <a:pt x="785" y="358"/>
+                    <a:pt x="777" y="374"/>
+                  </a:cubicBezTo>
+                  <a:cubicBezTo>
+                    <a:pt x="609" y="665"/>
+                    <a:pt x="609" y="665"/>
+                    <a:pt x="609" y="665"/>
+                  </a:cubicBezTo>
+                  <a:cubicBezTo>
+                    <a:pt x="600" y="680"/>
+                    <a:pt x="578" y="692"/>
+                    <a:pt x="561" y="692"/>
+                  </a:cubicBezTo>
+                  <a:lnTo>
+                    <a:pt x="225" y="692"/>
+                  </a:lnTo>
+                  <a:close/>
+                </a:path>
+              </a:pathLst>
+            </a:custGeom>
+            <a:noFill/>
+            <a:ln w="28575" cmpd="sng">
+              <a:solidFill>
+                <a:schemeClr val="tx1"/>
+              </a:solidFill>
+            </a:ln>
+          </p:spPr>
+          <p:txBody>
+            <a:bodyPr vert="horz" wrap="square" lIns="91440" tIns="45720" rIns="91440" bIns="45720" numCol="1" anchor="t" anchorCtr="0" compatLnSpc="1"/>
+            <a:lstStyle/>
+            <a:p>
+              <a:endParaRPr lang="en-US"/>
+            </a:p>
+          </p:txBody>
+        </p:sp>
+        <p:sp>
+          <p:nvSpPr>
+            <p:cNvPr id="14" name="Freeform 5"/>
+            <p:cNvSpPr/>
+            <p:nvPr/>
+          </p:nvSpPr>
+          <p:spPr bwMode="auto">
+            <a:xfrm>
+              <a:off x="8983979" y="1000124"/>
+              <a:ext cx="762167" cy="671915"/>
+            </a:xfrm>
+            <a:custGeom>
+              <a:avLst/>
+              <a:gdLst>
+                <a:gd name="T0" fmla="*/ 225 w 785"/>
+                <a:gd name="T1" fmla="*/ 692 h 692"/>
+                <a:gd name="T2" fmla="*/ 177 w 785"/>
+                <a:gd name="T3" fmla="*/ 665 h 692"/>
+                <a:gd name="T4" fmla="*/ 9 w 785"/>
+                <a:gd name="T5" fmla="*/ 374 h 692"/>
+                <a:gd name="T6" fmla="*/ 9 w 785"/>
+                <a:gd name="T7" fmla="*/ 318 h 692"/>
+                <a:gd name="T8" fmla="*/ 177 w 785"/>
+                <a:gd name="T9" fmla="*/ 27 h 692"/>
+                <a:gd name="T10" fmla="*/ 225 w 785"/>
+                <a:gd name="T11" fmla="*/ 0 h 692"/>
+                <a:gd name="T12" fmla="*/ 561 w 785"/>
+                <a:gd name="T13" fmla="*/ 0 h 692"/>
+                <a:gd name="T14" fmla="*/ 609 w 785"/>
+                <a:gd name="T15" fmla="*/ 27 h 692"/>
+                <a:gd name="T16" fmla="*/ 777 w 785"/>
+                <a:gd name="T17" fmla="*/ 318 h 692"/>
+                <a:gd name="T18" fmla="*/ 777 w 785"/>
+                <a:gd name="T19" fmla="*/ 374 h 692"/>
+                <a:gd name="T20" fmla="*/ 609 w 785"/>
+                <a:gd name="T21" fmla="*/ 665 h 692"/>
+                <a:gd name="T22" fmla="*/ 561 w 785"/>
+                <a:gd name="T23" fmla="*/ 692 h 692"/>
+                <a:gd name="T24" fmla="*/ 225 w 785"/>
+                <a:gd name="T25" fmla="*/ 692 h 692"/>
+              </a:gdLst>
+              <a:ahLst/>
+              <a:cxnLst>
+                <a:cxn ang="0">
+                  <a:pos x="T0" y="T1"/>
+                </a:cxn>
+                <a:cxn ang="0">
+                  <a:pos x="T2" y="T3"/>
+                </a:cxn>
+                <a:cxn ang="0">
+                  <a:pos x="T4" y="T5"/>
+                </a:cxn>
+                <a:cxn ang="0">
+                  <a:pos x="T6" y="T7"/>
+                </a:cxn>
+                <a:cxn ang="0">
+                  <a:pos x="T8" y="T9"/>
+                </a:cxn>
+                <a:cxn ang="0">
+                  <a:pos x="T10" y="T11"/>
+                </a:cxn>
+                <a:cxn ang="0">
+                  <a:pos x="T12" y="T13"/>
+                </a:cxn>
+                <a:cxn ang="0">
+                  <a:pos x="T14" y="T15"/>
+                </a:cxn>
+                <a:cxn ang="0">
+                  <a:pos x="T16" y="T17"/>
+                </a:cxn>
+                <a:cxn ang="0">
+                  <a:pos x="T18" y="T19"/>
+                </a:cxn>
+                <a:cxn ang="0">
+                  <a:pos x="T20" y="T21"/>
+                </a:cxn>
+                <a:cxn ang="0">
+                  <a:pos x="T22" y="T23"/>
+                </a:cxn>
+                <a:cxn ang="0">
+                  <a:pos x="T24" y="T25"/>
+                </a:cxn>
+              </a:cxnLst>
+              <a:rect l="0" t="0" r="r" b="b"/>
+              <a:pathLst>
+                <a:path w="785" h="692">
+                  <a:moveTo>
+                    <a:pt x="225" y="692"/>
+                  </a:moveTo>
+                  <a:cubicBezTo>
+                    <a:pt x="207" y="692"/>
+                    <a:pt x="185" y="680"/>
+                    <a:pt x="177" y="665"/>
+                  </a:cubicBezTo>
+                  <a:cubicBezTo>
+                    <a:pt x="9" y="374"/>
+                    <a:pt x="9" y="374"/>
+                    <a:pt x="9" y="374"/>
+                  </a:cubicBezTo>
+                  <a:cubicBezTo>
+                    <a:pt x="0" y="358"/>
+                    <a:pt x="0" y="334"/>
+                    <a:pt x="9" y="318"/>
+                  </a:cubicBezTo>
+                  <a:cubicBezTo>
+                    <a:pt x="177" y="27"/>
+                    <a:pt x="177" y="27"/>
+                    <a:pt x="177" y="27"/>
+                  </a:cubicBezTo>
+                  <a:cubicBezTo>
+                    <a:pt x="185" y="12"/>
+                    <a:pt x="207" y="0"/>
+                    <a:pt x="225" y="0"/>
+                  </a:cubicBezTo>
+                  <a:cubicBezTo>
+                    <a:pt x="561" y="0"/>
+                    <a:pt x="561" y="0"/>
+                    <a:pt x="561" y="0"/>
+                  </a:cubicBezTo>
+                  <a:cubicBezTo>
+                    <a:pt x="578" y="0"/>
+                    <a:pt x="600" y="12"/>
+                    <a:pt x="609" y="27"/>
+                  </a:cubicBezTo>
+                  <a:cubicBezTo>
+                    <a:pt x="777" y="318"/>
+                    <a:pt x="777" y="318"/>
+                    <a:pt x="777" y="318"/>
+                  </a:cubicBezTo>
+                  <a:cubicBezTo>
+                    <a:pt x="785" y="334"/>
+                    <a:pt x="785" y="358"/>
+                    <a:pt x="777" y="374"/>
+                  </a:cubicBezTo>
+                  <a:cubicBezTo>
+                    <a:pt x="609" y="665"/>
+                    <a:pt x="609" y="665"/>
+                    <a:pt x="609" y="665"/>
+                  </a:cubicBezTo>
+                  <a:cubicBezTo>
+                    <a:pt x="600" y="680"/>
+                    <a:pt x="578" y="692"/>
+                    <a:pt x="561" y="692"/>
+                  </a:cubicBezTo>
+                  <a:lnTo>
+                    <a:pt x="225" y="692"/>
+                  </a:lnTo>
+                  <a:close/>
+                </a:path>
+              </a:pathLst>
+            </a:custGeom>
+            <a:noFill/>
+            <a:ln w="28575" cmpd="sng">
+              <a:solidFill>
+                <a:schemeClr val="tx1"/>
+              </a:solidFill>
+            </a:ln>
+          </p:spPr>
+          <p:txBody>
+            <a:bodyPr vert="horz" wrap="square" lIns="91440" tIns="45720" rIns="91440" bIns="45720" numCol="1" anchor="t" anchorCtr="0" compatLnSpc="1"/>
+            <a:lstStyle/>
+            <a:p>
+              <a:endParaRPr lang="en-US"/>
+            </a:p>
+          </p:txBody>
+        </p:sp>
+      </p:grpSp>
+      <p:pic>
+        <p:nvPicPr>
+          <p:cNvPr id="3" name="Imagem 2">
+            <a:extLst>
+              <a:ext uri="{FF2B5EF4-FFF2-40B4-BE49-F238E27FC236}">
+                <a16:creationId xmlns:a16="http://schemas.microsoft.com/office/drawing/2014/main" id="{EEAC992E-ED94-44D0-8B15-D8F5ED685DAA}"/>
+              </a:ext>
+            </a:extLst>
+          </p:cNvPr>
+          <p:cNvPicPr>
+            <a:picLocks noChangeAspect="1"/>
+          </p:cNvPicPr>
+          <p:nvPr/>
+        </p:nvPicPr>
+        <p:blipFill>
+          <a:blip r:embed="rId2"/>
+          <a:stretch>
+            <a:fillRect/>
+          </a:stretch>
+        </p:blipFill>
+        <p:spPr>
+          <a:xfrm>
+            <a:off x="2567634" y="2547254"/>
+            <a:ext cx="7056732" cy="2568163"/>
+          </a:xfrm>
+          <a:prstGeom prst="rect">
+            <a:avLst/>
+          </a:prstGeom>
+        </p:spPr>
+      </p:pic>
+    </p:spTree>
+    <p:extLst>
+      <p:ext uri="{BB962C8B-B14F-4D97-AF65-F5344CB8AC3E}">
+        <p14:creationId xmlns:p14="http://schemas.microsoft.com/office/powerpoint/2010/main" val="2306638093"/>
       </p:ext>
     </p:extLst>
   </p:cSld>
@@ -31421,6 +32331,262 @@
   <p:clrMapOvr>
     <a:masterClrMapping/>
   </p:clrMapOvr>
+  <p:timing>
+    <p:tnLst>
+      <p:par>
+        <p:cTn id="1" dur="indefinite" restart="never" nodeType="tmRoot">
+          <p:childTnLst>
+            <p:seq concurrent="1" nextAc="seek">
+              <p:cTn id="2" dur="indefinite" nodeType="mainSeq">
+                <p:childTnLst>
+                  <p:par>
+                    <p:cTn id="3" fill="hold">
+                      <p:stCondLst>
+                        <p:cond delay="indefinite"/>
+                      </p:stCondLst>
+                      <p:childTnLst>
+                        <p:par>
+                          <p:cTn id="4" fill="hold">
+                            <p:stCondLst>
+                              <p:cond delay="0"/>
+                            </p:stCondLst>
+                            <p:childTnLst>
+                              <p:par>
+                                <p:cTn id="5" presetID="10" presetClass="entr" presetSubtype="0" fill="hold" grpId="0" nodeType="clickEffect">
+                                  <p:stCondLst>
+                                    <p:cond delay="0"/>
+                                  </p:stCondLst>
+                                  <p:childTnLst>
+                                    <p:set>
+                                      <p:cBhvr>
+                                        <p:cTn id="6" dur="1" fill="hold">
+                                          <p:stCondLst>
+                                            <p:cond delay="0"/>
+                                          </p:stCondLst>
+                                        </p:cTn>
+                                        <p:tgtEl>
+                                          <p:spTgt spid="18"/>
+                                        </p:tgtEl>
+                                        <p:attrNameLst>
+                                          <p:attrName>style.visibility</p:attrName>
+                                        </p:attrNameLst>
+                                      </p:cBhvr>
+                                      <p:to>
+                                        <p:strVal val="visible"/>
+                                      </p:to>
+                                    </p:set>
+                                    <p:animEffect transition="in" filter="fade">
+                                      <p:cBhvr>
+                                        <p:cTn id="7" dur="500"/>
+                                        <p:tgtEl>
+                                          <p:spTgt spid="18"/>
+                                        </p:tgtEl>
+                                      </p:cBhvr>
+                                    </p:animEffect>
+                                  </p:childTnLst>
+                                </p:cTn>
+                              </p:par>
+                            </p:childTnLst>
+                          </p:cTn>
+                        </p:par>
+                      </p:childTnLst>
+                    </p:cTn>
+                  </p:par>
+                  <p:par>
+                    <p:cTn id="8" fill="hold">
+                      <p:stCondLst>
+                        <p:cond delay="indefinite"/>
+                      </p:stCondLst>
+                      <p:childTnLst>
+                        <p:par>
+                          <p:cTn id="9" fill="hold">
+                            <p:stCondLst>
+                              <p:cond delay="0"/>
+                            </p:stCondLst>
+                            <p:childTnLst>
+                              <p:par>
+                                <p:cTn id="10" presetID="10" presetClass="entr" presetSubtype="0" fill="hold" grpId="0" nodeType="clickEffect">
+                                  <p:stCondLst>
+                                    <p:cond delay="0"/>
+                                  </p:stCondLst>
+                                  <p:childTnLst>
+                                    <p:set>
+                                      <p:cBhvr>
+                                        <p:cTn id="11" dur="1" fill="hold">
+                                          <p:stCondLst>
+                                            <p:cond delay="0"/>
+                                          </p:stCondLst>
+                                        </p:cTn>
+                                        <p:tgtEl>
+                                          <p:spTgt spid="19"/>
+                                        </p:tgtEl>
+                                        <p:attrNameLst>
+                                          <p:attrName>style.visibility</p:attrName>
+                                        </p:attrNameLst>
+                                      </p:cBhvr>
+                                      <p:to>
+                                        <p:strVal val="visible"/>
+                                      </p:to>
+                                    </p:set>
+                                    <p:animEffect transition="in" filter="fade">
+                                      <p:cBhvr>
+                                        <p:cTn id="12" dur="500"/>
+                                        <p:tgtEl>
+                                          <p:spTgt spid="19"/>
+                                        </p:tgtEl>
+                                      </p:cBhvr>
+                                    </p:animEffect>
+                                  </p:childTnLst>
+                                </p:cTn>
+                              </p:par>
+                            </p:childTnLst>
+                          </p:cTn>
+                        </p:par>
+                      </p:childTnLst>
+                    </p:cTn>
+                  </p:par>
+                  <p:par>
+                    <p:cTn id="13" fill="hold">
+                      <p:stCondLst>
+                        <p:cond delay="indefinite"/>
+                      </p:stCondLst>
+                      <p:childTnLst>
+                        <p:par>
+                          <p:cTn id="14" fill="hold">
+                            <p:stCondLst>
+                              <p:cond delay="0"/>
+                            </p:stCondLst>
+                            <p:childTnLst>
+                              <p:par>
+                                <p:cTn id="15" presetID="10" presetClass="entr" presetSubtype="0" fill="hold" grpId="0" nodeType="clickEffect">
+                                  <p:stCondLst>
+                                    <p:cond delay="0"/>
+                                  </p:stCondLst>
+                                  <p:childTnLst>
+                                    <p:set>
+                                      <p:cBhvr>
+                                        <p:cTn id="16" dur="1" fill="hold">
+                                          <p:stCondLst>
+                                            <p:cond delay="0"/>
+                                          </p:stCondLst>
+                                        </p:cTn>
+                                        <p:tgtEl>
+                                          <p:spTgt spid="20"/>
+                                        </p:tgtEl>
+                                        <p:attrNameLst>
+                                          <p:attrName>style.visibility</p:attrName>
+                                        </p:attrNameLst>
+                                      </p:cBhvr>
+                                      <p:to>
+                                        <p:strVal val="visible"/>
+                                      </p:to>
+                                    </p:set>
+                                    <p:animEffect transition="in" filter="fade">
+                                      <p:cBhvr>
+                                        <p:cTn id="17" dur="500"/>
+                                        <p:tgtEl>
+                                          <p:spTgt spid="20"/>
+                                        </p:tgtEl>
+                                      </p:cBhvr>
+                                    </p:animEffect>
+                                  </p:childTnLst>
+                                </p:cTn>
+                              </p:par>
+                            </p:childTnLst>
+                          </p:cTn>
+                        </p:par>
+                      </p:childTnLst>
+                    </p:cTn>
+                  </p:par>
+                  <p:par>
+                    <p:cTn id="18" fill="hold">
+                      <p:stCondLst>
+                        <p:cond delay="indefinite"/>
+                      </p:stCondLst>
+                      <p:childTnLst>
+                        <p:par>
+                          <p:cTn id="19" fill="hold">
+                            <p:stCondLst>
+                              <p:cond delay="0"/>
+                            </p:stCondLst>
+                            <p:childTnLst>
+                              <p:par>
+                                <p:cTn id="20" presetID="10" presetClass="entr" presetSubtype="0" fill="hold" grpId="0" nodeType="clickEffect">
+                                  <p:stCondLst>
+                                    <p:cond delay="0"/>
+                                  </p:stCondLst>
+                                  <p:childTnLst>
+                                    <p:set>
+                                      <p:cBhvr>
+                                        <p:cTn id="21" dur="1" fill="hold">
+                                          <p:stCondLst>
+                                            <p:cond delay="0"/>
+                                          </p:stCondLst>
+                                        </p:cTn>
+                                        <p:tgtEl>
+                                          <p:spTgt spid="21"/>
+                                        </p:tgtEl>
+                                        <p:attrNameLst>
+                                          <p:attrName>style.visibility</p:attrName>
+                                        </p:attrNameLst>
+                                      </p:cBhvr>
+                                      <p:to>
+                                        <p:strVal val="visible"/>
+                                      </p:to>
+                                    </p:set>
+                                    <p:animEffect transition="in" filter="fade">
+                                      <p:cBhvr>
+                                        <p:cTn id="22" dur="500"/>
+                                        <p:tgtEl>
+                                          <p:spTgt spid="21"/>
+                                        </p:tgtEl>
+                                      </p:cBhvr>
+                                    </p:animEffect>
+                                  </p:childTnLst>
+                                </p:cTn>
+                              </p:par>
+                            </p:childTnLst>
+                          </p:cTn>
+                        </p:par>
+                      </p:childTnLst>
+                    </p:cTn>
+                  </p:par>
+                </p:childTnLst>
+              </p:cTn>
+              <p:prevCondLst>
+                <p:cond evt="onPrev" delay="0">
+                  <p:tgtEl>
+                    <p:sldTgt/>
+                  </p:tgtEl>
+                </p:cond>
+              </p:prevCondLst>
+              <p:nextCondLst>
+                <p:cond evt="onNext" delay="0">
+                  <p:tgtEl>
+                    <p:sldTgt/>
+                  </p:tgtEl>
+                </p:cond>
+              </p:nextCondLst>
+            </p:seq>
+          </p:childTnLst>
+        </p:cTn>
+      </p:par>
+    </p:tnLst>
+    <p:bldLst>
+      <p:bldGraphic spid="18" grpId="0">
+        <p:bldAsOne/>
+      </p:bldGraphic>
+      <p:bldGraphic spid="19" grpId="0">
+        <p:bldAsOne/>
+      </p:bldGraphic>
+      <p:bldGraphic spid="20" grpId="0">
+        <p:bldAsOne/>
+      </p:bldGraphic>
+      <p:bldGraphic spid="21" grpId="0">
+        <p:bldAsOne/>
+      </p:bldGraphic>
+    </p:bldLst>
+  </p:timing>
 </p:sld>
 </file>
 
@@ -31962,6 +33128,262 @@
   <p:clrMapOvr>
     <a:masterClrMapping/>
   </p:clrMapOvr>
+  <p:timing>
+    <p:tnLst>
+      <p:par>
+        <p:cTn id="1" dur="indefinite" restart="never" nodeType="tmRoot">
+          <p:childTnLst>
+            <p:seq concurrent="1" nextAc="seek">
+              <p:cTn id="2" dur="indefinite" nodeType="mainSeq">
+                <p:childTnLst>
+                  <p:par>
+                    <p:cTn id="3" fill="hold">
+                      <p:stCondLst>
+                        <p:cond delay="indefinite"/>
+                      </p:stCondLst>
+                      <p:childTnLst>
+                        <p:par>
+                          <p:cTn id="4" fill="hold">
+                            <p:stCondLst>
+                              <p:cond delay="0"/>
+                            </p:stCondLst>
+                            <p:childTnLst>
+                              <p:par>
+                                <p:cTn id="5" presetID="10" presetClass="entr" presetSubtype="0" fill="hold" grpId="0" nodeType="clickEffect">
+                                  <p:stCondLst>
+                                    <p:cond delay="0"/>
+                                  </p:stCondLst>
+                                  <p:childTnLst>
+                                    <p:set>
+                                      <p:cBhvr>
+                                        <p:cTn id="6" dur="1" fill="hold">
+                                          <p:stCondLst>
+                                            <p:cond delay="0"/>
+                                          </p:stCondLst>
+                                        </p:cTn>
+                                        <p:tgtEl>
+                                          <p:spTgt spid="11"/>
+                                        </p:tgtEl>
+                                        <p:attrNameLst>
+                                          <p:attrName>style.visibility</p:attrName>
+                                        </p:attrNameLst>
+                                      </p:cBhvr>
+                                      <p:to>
+                                        <p:strVal val="visible"/>
+                                      </p:to>
+                                    </p:set>
+                                    <p:animEffect transition="in" filter="fade">
+                                      <p:cBhvr>
+                                        <p:cTn id="7" dur="500"/>
+                                        <p:tgtEl>
+                                          <p:spTgt spid="11"/>
+                                        </p:tgtEl>
+                                      </p:cBhvr>
+                                    </p:animEffect>
+                                  </p:childTnLst>
+                                </p:cTn>
+                              </p:par>
+                            </p:childTnLst>
+                          </p:cTn>
+                        </p:par>
+                      </p:childTnLst>
+                    </p:cTn>
+                  </p:par>
+                  <p:par>
+                    <p:cTn id="8" fill="hold">
+                      <p:stCondLst>
+                        <p:cond delay="indefinite"/>
+                      </p:stCondLst>
+                      <p:childTnLst>
+                        <p:par>
+                          <p:cTn id="9" fill="hold">
+                            <p:stCondLst>
+                              <p:cond delay="0"/>
+                            </p:stCondLst>
+                            <p:childTnLst>
+                              <p:par>
+                                <p:cTn id="10" presetID="10" presetClass="entr" presetSubtype="0" fill="hold" grpId="0" nodeType="clickEffect">
+                                  <p:stCondLst>
+                                    <p:cond delay="0"/>
+                                  </p:stCondLst>
+                                  <p:childTnLst>
+                                    <p:set>
+                                      <p:cBhvr>
+                                        <p:cTn id="11" dur="1" fill="hold">
+                                          <p:stCondLst>
+                                            <p:cond delay="0"/>
+                                          </p:stCondLst>
+                                        </p:cTn>
+                                        <p:tgtEl>
+                                          <p:spTgt spid="16"/>
+                                        </p:tgtEl>
+                                        <p:attrNameLst>
+                                          <p:attrName>style.visibility</p:attrName>
+                                        </p:attrNameLst>
+                                      </p:cBhvr>
+                                      <p:to>
+                                        <p:strVal val="visible"/>
+                                      </p:to>
+                                    </p:set>
+                                    <p:animEffect transition="in" filter="fade">
+                                      <p:cBhvr>
+                                        <p:cTn id="12" dur="500"/>
+                                        <p:tgtEl>
+                                          <p:spTgt spid="16"/>
+                                        </p:tgtEl>
+                                      </p:cBhvr>
+                                    </p:animEffect>
+                                  </p:childTnLst>
+                                </p:cTn>
+                              </p:par>
+                            </p:childTnLst>
+                          </p:cTn>
+                        </p:par>
+                      </p:childTnLst>
+                    </p:cTn>
+                  </p:par>
+                  <p:par>
+                    <p:cTn id="13" fill="hold">
+                      <p:stCondLst>
+                        <p:cond delay="indefinite"/>
+                      </p:stCondLst>
+                      <p:childTnLst>
+                        <p:par>
+                          <p:cTn id="14" fill="hold">
+                            <p:stCondLst>
+                              <p:cond delay="0"/>
+                            </p:stCondLst>
+                            <p:childTnLst>
+                              <p:par>
+                                <p:cTn id="15" presetID="10" presetClass="entr" presetSubtype="0" fill="hold" grpId="0" nodeType="clickEffect">
+                                  <p:stCondLst>
+                                    <p:cond delay="0"/>
+                                  </p:stCondLst>
+                                  <p:childTnLst>
+                                    <p:set>
+                                      <p:cBhvr>
+                                        <p:cTn id="16" dur="1" fill="hold">
+                                          <p:stCondLst>
+                                            <p:cond delay="0"/>
+                                          </p:stCondLst>
+                                        </p:cTn>
+                                        <p:tgtEl>
+                                          <p:spTgt spid="17"/>
+                                        </p:tgtEl>
+                                        <p:attrNameLst>
+                                          <p:attrName>style.visibility</p:attrName>
+                                        </p:attrNameLst>
+                                      </p:cBhvr>
+                                      <p:to>
+                                        <p:strVal val="visible"/>
+                                      </p:to>
+                                    </p:set>
+                                    <p:animEffect transition="in" filter="fade">
+                                      <p:cBhvr>
+                                        <p:cTn id="17" dur="500"/>
+                                        <p:tgtEl>
+                                          <p:spTgt spid="17"/>
+                                        </p:tgtEl>
+                                      </p:cBhvr>
+                                    </p:animEffect>
+                                  </p:childTnLst>
+                                </p:cTn>
+                              </p:par>
+                            </p:childTnLst>
+                          </p:cTn>
+                        </p:par>
+                      </p:childTnLst>
+                    </p:cTn>
+                  </p:par>
+                  <p:par>
+                    <p:cTn id="18" fill="hold">
+                      <p:stCondLst>
+                        <p:cond delay="indefinite"/>
+                      </p:stCondLst>
+                      <p:childTnLst>
+                        <p:par>
+                          <p:cTn id="19" fill="hold">
+                            <p:stCondLst>
+                              <p:cond delay="0"/>
+                            </p:stCondLst>
+                            <p:childTnLst>
+                              <p:par>
+                                <p:cTn id="20" presetID="10" presetClass="entr" presetSubtype="0" fill="hold" grpId="0" nodeType="clickEffect">
+                                  <p:stCondLst>
+                                    <p:cond delay="0"/>
+                                  </p:stCondLst>
+                                  <p:childTnLst>
+                                    <p:set>
+                                      <p:cBhvr>
+                                        <p:cTn id="21" dur="1" fill="hold">
+                                          <p:stCondLst>
+                                            <p:cond delay="0"/>
+                                          </p:stCondLst>
+                                        </p:cTn>
+                                        <p:tgtEl>
+                                          <p:spTgt spid="15"/>
+                                        </p:tgtEl>
+                                        <p:attrNameLst>
+                                          <p:attrName>style.visibility</p:attrName>
+                                        </p:attrNameLst>
+                                      </p:cBhvr>
+                                      <p:to>
+                                        <p:strVal val="visible"/>
+                                      </p:to>
+                                    </p:set>
+                                    <p:animEffect transition="in" filter="fade">
+                                      <p:cBhvr>
+                                        <p:cTn id="22" dur="500"/>
+                                        <p:tgtEl>
+                                          <p:spTgt spid="15"/>
+                                        </p:tgtEl>
+                                      </p:cBhvr>
+                                    </p:animEffect>
+                                  </p:childTnLst>
+                                </p:cTn>
+                              </p:par>
+                            </p:childTnLst>
+                          </p:cTn>
+                        </p:par>
+                      </p:childTnLst>
+                    </p:cTn>
+                  </p:par>
+                </p:childTnLst>
+              </p:cTn>
+              <p:prevCondLst>
+                <p:cond evt="onPrev" delay="0">
+                  <p:tgtEl>
+                    <p:sldTgt/>
+                  </p:tgtEl>
+                </p:cond>
+              </p:prevCondLst>
+              <p:nextCondLst>
+                <p:cond evt="onNext" delay="0">
+                  <p:tgtEl>
+                    <p:sldTgt/>
+                  </p:tgtEl>
+                </p:cond>
+              </p:nextCondLst>
+            </p:seq>
+          </p:childTnLst>
+        </p:cTn>
+      </p:par>
+    </p:tnLst>
+    <p:bldLst>
+      <p:bldGraphic spid="11" grpId="0">
+        <p:bldAsOne/>
+      </p:bldGraphic>
+      <p:bldGraphic spid="15" grpId="0">
+        <p:bldAsOne/>
+      </p:bldGraphic>
+      <p:bldGraphic spid="16" grpId="0">
+        <p:bldAsOne/>
+      </p:bldGraphic>
+      <p:bldGraphic spid="17" grpId="0">
+        <p:bldAsOne/>
+      </p:bldGraphic>
+    </p:bldLst>
+  </p:timing>
 </p:sld>
 </file>
 
@@ -32439,496 +33861,6 @@
 </file>
 
 <file path=ppt/slides/slide5.xml><?xml version="1.0" encoding="utf-8"?>
-<p:sld xmlns:a="http://schemas.openxmlformats.org/drawingml/2006/main" xmlns:r="http://schemas.openxmlformats.org/officeDocument/2006/relationships" xmlns:p="http://schemas.openxmlformats.org/presentationml/2006/main">
-  <p:cSld>
-    <p:spTree>
-      <p:nvGrpSpPr>
-        <p:cNvPr id="1" name=""/>
-        <p:cNvGrpSpPr/>
-        <p:nvPr/>
-      </p:nvGrpSpPr>
-      <p:grpSpPr>
-        <a:xfrm>
-          <a:off x="0" y="0"/>
-          <a:ext cx="0" cy="0"/>
-          <a:chOff x="0" y="0"/>
-          <a:chExt cx="0" cy="0"/>
-        </a:xfrm>
-      </p:grpSpPr>
-      <p:sp useBgFill="1">
-        <p:nvSpPr>
-          <p:cNvPr id="10" name="Rectangle 9"/>
-          <p:cNvSpPr>
-            <a:spLocks noGrp="1" noRot="1" noChangeAspect="1" noMove="1" noResize="1" noEditPoints="1" noAdjustHandles="1" noChangeArrowheads="1" noChangeShapeType="1" noTextEdit="1"/>
-          </p:cNvSpPr>
-          <p:nvPr/>
-        </p:nvSpPr>
-        <p:spPr>
-          <a:xfrm>
-            <a:off x="0" y="0"/>
-            <a:ext cx="12192000" cy="6858000"/>
-          </a:xfrm>
-          <a:prstGeom prst="rect">
-            <a:avLst/>
-          </a:prstGeom>
-          <a:ln>
-            <a:noFill/>
-          </a:ln>
-        </p:spPr>
-        <p:style>
-          <a:lnRef idx="2">
-            <a:schemeClr val="accent1">
-              <a:shade val="50000"/>
-            </a:schemeClr>
-          </a:lnRef>
-          <a:fillRef idx="1">
-            <a:schemeClr val="accent1"/>
-          </a:fillRef>
-          <a:effectRef idx="0">
-            <a:schemeClr val="accent1"/>
-          </a:effectRef>
-          <a:fontRef idx="minor">
-            <a:schemeClr val="lt1"/>
-          </a:fontRef>
-        </p:style>
-        <p:txBody>
-          <a:bodyPr rtlCol="0" anchor="ctr"/>
-          <a:lstStyle/>
-          <a:p>
-            <a:pPr algn="ctr"/>
-            <a:endParaRPr lang="en-US" dirty="0"/>
-          </a:p>
-        </p:txBody>
-      </p:sp>
-      <p:sp>
-        <p:nvSpPr>
-          <p:cNvPr id="2" name="Título 1"/>
-          <p:cNvSpPr>
-            <a:spLocks noGrp="1"/>
-          </p:cNvSpPr>
-          <p:nvPr>
-            <p:ph type="title"/>
-          </p:nvPr>
-        </p:nvSpPr>
-        <p:spPr>
-          <a:xfrm>
-            <a:off x="1812897" y="518649"/>
-            <a:ext cx="9882278" cy="1067634"/>
-          </a:xfrm>
-        </p:spPr>
-        <p:txBody>
-          <a:bodyPr anchor="ctr">
-            <a:normAutofit/>
-          </a:bodyPr>
-          <a:lstStyle/>
-          <a:p>
-            <a:r>
-              <a:rPr lang="pt-BR" dirty="0" err="1"/>
-              <a:t>Proto-Persona</a:t>
-            </a:r>
-            <a:endParaRPr lang="pt-BR" dirty="0"/>
-          </a:p>
-        </p:txBody>
-      </p:sp>
-      <p:grpSp>
-        <p:nvGrpSpPr>
-          <p:cNvPr id="12" name="Group 11"/>
-          <p:cNvGrpSpPr>
-            <a:grpSpLocks noGrp="1" noUngrp="1" noRot="1" noChangeAspect="1" noMove="1" noResize="1"/>
-          </p:cNvGrpSpPr>
-          <p:nvPr/>
-        </p:nvGrpSpPr>
-        <p:grpSpPr>
-          <a:xfrm>
-            <a:off x="472021" y="628863"/>
-            <a:ext cx="1128382" cy="847206"/>
-            <a:chOff x="8183879" y="1000124"/>
-            <a:chExt cx="1562267" cy="1172973"/>
-          </a:xfrm>
-        </p:grpSpPr>
-        <p:sp>
-          <p:nvSpPr>
-            <p:cNvPr id="13" name="Freeform 5"/>
-            <p:cNvSpPr/>
-            <p:nvPr/>
-          </p:nvSpPr>
-          <p:spPr bwMode="auto">
-            <a:xfrm>
-              <a:off x="8183879" y="1348782"/>
-              <a:ext cx="935037" cy="824315"/>
-            </a:xfrm>
-            <a:custGeom>
-              <a:avLst/>
-              <a:gdLst>
-                <a:gd name="T0" fmla="*/ 225 w 785"/>
-                <a:gd name="T1" fmla="*/ 692 h 692"/>
-                <a:gd name="T2" fmla="*/ 177 w 785"/>
-                <a:gd name="T3" fmla="*/ 665 h 692"/>
-                <a:gd name="T4" fmla="*/ 9 w 785"/>
-                <a:gd name="T5" fmla="*/ 374 h 692"/>
-                <a:gd name="T6" fmla="*/ 9 w 785"/>
-                <a:gd name="T7" fmla="*/ 318 h 692"/>
-                <a:gd name="T8" fmla="*/ 177 w 785"/>
-                <a:gd name="T9" fmla="*/ 27 h 692"/>
-                <a:gd name="T10" fmla="*/ 225 w 785"/>
-                <a:gd name="T11" fmla="*/ 0 h 692"/>
-                <a:gd name="T12" fmla="*/ 561 w 785"/>
-                <a:gd name="T13" fmla="*/ 0 h 692"/>
-                <a:gd name="T14" fmla="*/ 609 w 785"/>
-                <a:gd name="T15" fmla="*/ 27 h 692"/>
-                <a:gd name="T16" fmla="*/ 777 w 785"/>
-                <a:gd name="T17" fmla="*/ 318 h 692"/>
-                <a:gd name="T18" fmla="*/ 777 w 785"/>
-                <a:gd name="T19" fmla="*/ 374 h 692"/>
-                <a:gd name="T20" fmla="*/ 609 w 785"/>
-                <a:gd name="T21" fmla="*/ 665 h 692"/>
-                <a:gd name="T22" fmla="*/ 561 w 785"/>
-                <a:gd name="T23" fmla="*/ 692 h 692"/>
-                <a:gd name="T24" fmla="*/ 225 w 785"/>
-                <a:gd name="T25" fmla="*/ 692 h 692"/>
-              </a:gdLst>
-              <a:ahLst/>
-              <a:cxnLst>
-                <a:cxn ang="0">
-                  <a:pos x="T0" y="T1"/>
-                </a:cxn>
-                <a:cxn ang="0">
-                  <a:pos x="T2" y="T3"/>
-                </a:cxn>
-                <a:cxn ang="0">
-                  <a:pos x="T4" y="T5"/>
-                </a:cxn>
-                <a:cxn ang="0">
-                  <a:pos x="T6" y="T7"/>
-                </a:cxn>
-                <a:cxn ang="0">
-                  <a:pos x="T8" y="T9"/>
-                </a:cxn>
-                <a:cxn ang="0">
-                  <a:pos x="T10" y="T11"/>
-                </a:cxn>
-                <a:cxn ang="0">
-                  <a:pos x="T12" y="T13"/>
-                </a:cxn>
-                <a:cxn ang="0">
-                  <a:pos x="T14" y="T15"/>
-                </a:cxn>
-                <a:cxn ang="0">
-                  <a:pos x="T16" y="T17"/>
-                </a:cxn>
-                <a:cxn ang="0">
-                  <a:pos x="T18" y="T19"/>
-                </a:cxn>
-                <a:cxn ang="0">
-                  <a:pos x="T20" y="T21"/>
-                </a:cxn>
-                <a:cxn ang="0">
-                  <a:pos x="T22" y="T23"/>
-                </a:cxn>
-                <a:cxn ang="0">
-                  <a:pos x="T24" y="T25"/>
-                </a:cxn>
-              </a:cxnLst>
-              <a:rect l="0" t="0" r="r" b="b"/>
-              <a:pathLst>
-                <a:path w="785" h="692">
-                  <a:moveTo>
-                    <a:pt x="225" y="692"/>
-                  </a:moveTo>
-                  <a:cubicBezTo>
-                    <a:pt x="207" y="692"/>
-                    <a:pt x="185" y="680"/>
-                    <a:pt x="177" y="665"/>
-                  </a:cubicBezTo>
-                  <a:cubicBezTo>
-                    <a:pt x="9" y="374"/>
-                    <a:pt x="9" y="374"/>
-                    <a:pt x="9" y="374"/>
-                  </a:cubicBezTo>
-                  <a:cubicBezTo>
-                    <a:pt x="0" y="358"/>
-                    <a:pt x="0" y="334"/>
-                    <a:pt x="9" y="318"/>
-                  </a:cubicBezTo>
-                  <a:cubicBezTo>
-                    <a:pt x="177" y="27"/>
-                    <a:pt x="177" y="27"/>
-                    <a:pt x="177" y="27"/>
-                  </a:cubicBezTo>
-                  <a:cubicBezTo>
-                    <a:pt x="185" y="12"/>
-                    <a:pt x="207" y="0"/>
-                    <a:pt x="225" y="0"/>
-                  </a:cubicBezTo>
-                  <a:cubicBezTo>
-                    <a:pt x="561" y="0"/>
-                    <a:pt x="561" y="0"/>
-                    <a:pt x="561" y="0"/>
-                  </a:cubicBezTo>
-                  <a:cubicBezTo>
-                    <a:pt x="578" y="0"/>
-                    <a:pt x="600" y="12"/>
-                    <a:pt x="609" y="27"/>
-                  </a:cubicBezTo>
-                  <a:cubicBezTo>
-                    <a:pt x="777" y="318"/>
-                    <a:pt x="777" y="318"/>
-                    <a:pt x="777" y="318"/>
-                  </a:cubicBezTo>
-                  <a:cubicBezTo>
-                    <a:pt x="785" y="334"/>
-                    <a:pt x="785" y="358"/>
-                    <a:pt x="777" y="374"/>
-                  </a:cubicBezTo>
-                  <a:cubicBezTo>
-                    <a:pt x="609" y="665"/>
-                    <a:pt x="609" y="665"/>
-                    <a:pt x="609" y="665"/>
-                  </a:cubicBezTo>
-                  <a:cubicBezTo>
-                    <a:pt x="600" y="680"/>
-                    <a:pt x="578" y="692"/>
-                    <a:pt x="561" y="692"/>
-                  </a:cubicBezTo>
-                  <a:lnTo>
-                    <a:pt x="225" y="692"/>
-                  </a:lnTo>
-                  <a:close/>
-                </a:path>
-              </a:pathLst>
-            </a:custGeom>
-            <a:noFill/>
-            <a:ln w="28575" cmpd="sng">
-              <a:solidFill>
-                <a:schemeClr val="tx1"/>
-              </a:solidFill>
-            </a:ln>
-          </p:spPr>
-          <p:txBody>
-            <a:bodyPr vert="horz" wrap="square" lIns="91440" tIns="45720" rIns="91440" bIns="45720" numCol="1" anchor="t" anchorCtr="0" compatLnSpc="1"/>
-            <a:lstStyle/>
-            <a:p>
-              <a:endParaRPr lang="en-US"/>
-            </a:p>
-          </p:txBody>
-        </p:sp>
-        <p:sp>
-          <p:nvSpPr>
-            <p:cNvPr id="14" name="Freeform 5"/>
-            <p:cNvSpPr/>
-            <p:nvPr/>
-          </p:nvSpPr>
-          <p:spPr bwMode="auto">
-            <a:xfrm>
-              <a:off x="8983979" y="1000124"/>
-              <a:ext cx="762167" cy="671915"/>
-            </a:xfrm>
-            <a:custGeom>
-              <a:avLst/>
-              <a:gdLst>
-                <a:gd name="T0" fmla="*/ 225 w 785"/>
-                <a:gd name="T1" fmla="*/ 692 h 692"/>
-                <a:gd name="T2" fmla="*/ 177 w 785"/>
-                <a:gd name="T3" fmla="*/ 665 h 692"/>
-                <a:gd name="T4" fmla="*/ 9 w 785"/>
-                <a:gd name="T5" fmla="*/ 374 h 692"/>
-                <a:gd name="T6" fmla="*/ 9 w 785"/>
-                <a:gd name="T7" fmla="*/ 318 h 692"/>
-                <a:gd name="T8" fmla="*/ 177 w 785"/>
-                <a:gd name="T9" fmla="*/ 27 h 692"/>
-                <a:gd name="T10" fmla="*/ 225 w 785"/>
-                <a:gd name="T11" fmla="*/ 0 h 692"/>
-                <a:gd name="T12" fmla="*/ 561 w 785"/>
-                <a:gd name="T13" fmla="*/ 0 h 692"/>
-                <a:gd name="T14" fmla="*/ 609 w 785"/>
-                <a:gd name="T15" fmla="*/ 27 h 692"/>
-                <a:gd name="T16" fmla="*/ 777 w 785"/>
-                <a:gd name="T17" fmla="*/ 318 h 692"/>
-                <a:gd name="T18" fmla="*/ 777 w 785"/>
-                <a:gd name="T19" fmla="*/ 374 h 692"/>
-                <a:gd name="T20" fmla="*/ 609 w 785"/>
-                <a:gd name="T21" fmla="*/ 665 h 692"/>
-                <a:gd name="T22" fmla="*/ 561 w 785"/>
-                <a:gd name="T23" fmla="*/ 692 h 692"/>
-                <a:gd name="T24" fmla="*/ 225 w 785"/>
-                <a:gd name="T25" fmla="*/ 692 h 692"/>
-              </a:gdLst>
-              <a:ahLst/>
-              <a:cxnLst>
-                <a:cxn ang="0">
-                  <a:pos x="T0" y="T1"/>
-                </a:cxn>
-                <a:cxn ang="0">
-                  <a:pos x="T2" y="T3"/>
-                </a:cxn>
-                <a:cxn ang="0">
-                  <a:pos x="T4" y="T5"/>
-                </a:cxn>
-                <a:cxn ang="0">
-                  <a:pos x="T6" y="T7"/>
-                </a:cxn>
-                <a:cxn ang="0">
-                  <a:pos x="T8" y="T9"/>
-                </a:cxn>
-                <a:cxn ang="0">
-                  <a:pos x="T10" y="T11"/>
-                </a:cxn>
-                <a:cxn ang="0">
-                  <a:pos x="T12" y="T13"/>
-                </a:cxn>
-                <a:cxn ang="0">
-                  <a:pos x="T14" y="T15"/>
-                </a:cxn>
-                <a:cxn ang="0">
-                  <a:pos x="T16" y="T17"/>
-                </a:cxn>
-                <a:cxn ang="0">
-                  <a:pos x="T18" y="T19"/>
-                </a:cxn>
-                <a:cxn ang="0">
-                  <a:pos x="T20" y="T21"/>
-                </a:cxn>
-                <a:cxn ang="0">
-                  <a:pos x="T22" y="T23"/>
-                </a:cxn>
-                <a:cxn ang="0">
-                  <a:pos x="T24" y="T25"/>
-                </a:cxn>
-              </a:cxnLst>
-              <a:rect l="0" t="0" r="r" b="b"/>
-              <a:pathLst>
-                <a:path w="785" h="692">
-                  <a:moveTo>
-                    <a:pt x="225" y="692"/>
-                  </a:moveTo>
-                  <a:cubicBezTo>
-                    <a:pt x="207" y="692"/>
-                    <a:pt x="185" y="680"/>
-                    <a:pt x="177" y="665"/>
-                  </a:cubicBezTo>
-                  <a:cubicBezTo>
-                    <a:pt x="9" y="374"/>
-                    <a:pt x="9" y="374"/>
-                    <a:pt x="9" y="374"/>
-                  </a:cubicBezTo>
-                  <a:cubicBezTo>
-                    <a:pt x="0" y="358"/>
-                    <a:pt x="0" y="334"/>
-                    <a:pt x="9" y="318"/>
-                  </a:cubicBezTo>
-                  <a:cubicBezTo>
-                    <a:pt x="177" y="27"/>
-                    <a:pt x="177" y="27"/>
-                    <a:pt x="177" y="27"/>
-                  </a:cubicBezTo>
-                  <a:cubicBezTo>
-                    <a:pt x="185" y="12"/>
-                    <a:pt x="207" y="0"/>
-                    <a:pt x="225" y="0"/>
-                  </a:cubicBezTo>
-                  <a:cubicBezTo>
-                    <a:pt x="561" y="0"/>
-                    <a:pt x="561" y="0"/>
-                    <a:pt x="561" y="0"/>
-                  </a:cubicBezTo>
-                  <a:cubicBezTo>
-                    <a:pt x="578" y="0"/>
-                    <a:pt x="600" y="12"/>
-                    <a:pt x="609" y="27"/>
-                  </a:cubicBezTo>
-                  <a:cubicBezTo>
-                    <a:pt x="777" y="318"/>
-                    <a:pt x="777" y="318"/>
-                    <a:pt x="777" y="318"/>
-                  </a:cubicBezTo>
-                  <a:cubicBezTo>
-                    <a:pt x="785" y="334"/>
-                    <a:pt x="785" y="358"/>
-                    <a:pt x="777" y="374"/>
-                  </a:cubicBezTo>
-                  <a:cubicBezTo>
-                    <a:pt x="609" y="665"/>
-                    <a:pt x="609" y="665"/>
-                    <a:pt x="609" y="665"/>
-                  </a:cubicBezTo>
-                  <a:cubicBezTo>
-                    <a:pt x="600" y="680"/>
-                    <a:pt x="578" y="692"/>
-                    <a:pt x="561" y="692"/>
-                  </a:cubicBezTo>
-                  <a:lnTo>
-                    <a:pt x="225" y="692"/>
-                  </a:lnTo>
-                  <a:close/>
-                </a:path>
-              </a:pathLst>
-            </a:custGeom>
-            <a:noFill/>
-            <a:ln w="28575" cmpd="sng">
-              <a:solidFill>
-                <a:schemeClr val="tx1"/>
-              </a:solidFill>
-            </a:ln>
-          </p:spPr>
-          <p:txBody>
-            <a:bodyPr vert="horz" wrap="square" lIns="91440" tIns="45720" rIns="91440" bIns="45720" numCol="1" anchor="t" anchorCtr="0" compatLnSpc="1"/>
-            <a:lstStyle/>
-            <a:p>
-              <a:endParaRPr lang="en-US"/>
-            </a:p>
-          </p:txBody>
-        </p:sp>
-      </p:grpSp>
-      <p:pic>
-        <p:nvPicPr>
-          <p:cNvPr id="62" name="Imagem 61">
-            <a:extLst>
-              <a:ext uri="{FF2B5EF4-FFF2-40B4-BE49-F238E27FC236}">
-                <a16:creationId xmlns:a16="http://schemas.microsoft.com/office/drawing/2014/main" id="{BCC4C255-968A-4BC3-A955-63028576C8DF}"/>
-              </a:ext>
-            </a:extLst>
-          </p:cNvPr>
-          <p:cNvPicPr>
-            <a:picLocks noChangeAspect="1"/>
-          </p:cNvPicPr>
-          <p:nvPr/>
-        </p:nvPicPr>
-        <p:blipFill>
-          <a:blip r:embed="rId2">
-            <a:extLst>
-              <a:ext uri="{28A0092B-C50C-407E-A947-70E740481C1C}">
-                <a14:useLocalDpi xmlns:a14="http://schemas.microsoft.com/office/drawing/2010/main" val="0"/>
-              </a:ext>
-            </a:extLst>
-          </a:blip>
-          <a:stretch>
-            <a:fillRect/>
-          </a:stretch>
-        </p:blipFill>
-        <p:spPr>
-          <a:xfrm>
-            <a:off x="3802856" y="1753064"/>
-            <a:ext cx="4586287" cy="4586287"/>
-          </a:xfrm>
-          <a:prstGeom prst="rect">
-            <a:avLst/>
-          </a:prstGeom>
-        </p:spPr>
-      </p:pic>
-    </p:spTree>
-    <p:extLst>
-      <p:ext uri="{BB962C8B-B14F-4D97-AF65-F5344CB8AC3E}">
-        <p14:creationId xmlns:p14="http://schemas.microsoft.com/office/powerpoint/2010/main" val="2022502932"/>
-      </p:ext>
-    </p:extLst>
-  </p:cSld>
-  <p:clrMapOvr>
-    <a:masterClrMapping/>
-  </p:clrMapOvr>
-</p:sld>
-</file>
-
-<file path=ppt/slides/slide6.xml><?xml version="1.0" encoding="utf-8"?>
 <p:sld xmlns:a="http://schemas.openxmlformats.org/drawingml/2006/main" xmlns:r="http://schemas.openxmlformats.org/officeDocument/2006/relationships" xmlns:p="http://schemas.openxmlformats.org/presentationml/2006/main">
   <p:cSld>
     <p:spTree>
@@ -35305,7 +36237,7 @@
 </p:sld>
 </file>
 
-<file path=ppt/slides/slide7.xml><?xml version="1.0" encoding="utf-8"?>
+<file path=ppt/slides/slide6.xml><?xml version="1.0" encoding="utf-8"?>
 <p:sld xmlns:a="http://schemas.openxmlformats.org/drawingml/2006/main" xmlns:r="http://schemas.openxmlformats.org/officeDocument/2006/relationships" xmlns:p="http://schemas.openxmlformats.org/presentationml/2006/main">
   <p:cSld>
     <p:spTree>
@@ -35793,7 +36725,7 @@
 </p:sld>
 </file>
 
-<file path=ppt/slides/slide8.xml><?xml version="1.0" encoding="utf-8"?>
+<file path=ppt/slides/slide7.xml><?xml version="1.0" encoding="utf-8"?>
 <p:sld xmlns:a="http://schemas.openxmlformats.org/drawingml/2006/main" xmlns:r="http://schemas.openxmlformats.org/officeDocument/2006/relationships" xmlns:p="http://schemas.openxmlformats.org/presentationml/2006/main">
   <p:cSld>
     <p:spTree>
@@ -36282,7 +37214,7 @@
 </p:sld>
 </file>
 
-<file path=ppt/slides/slide9.xml><?xml version="1.0" encoding="utf-8"?>
+<file path=ppt/slides/slide8.xml><?xml version="1.0" encoding="utf-8"?>
 <p:sld xmlns:a="http://schemas.openxmlformats.org/drawingml/2006/main" xmlns:r="http://schemas.openxmlformats.org/officeDocument/2006/relationships" xmlns:p="http://schemas.openxmlformats.org/presentationml/2006/main">
   <p:cSld>
     <p:spTree>
@@ -36765,6 +37697,527 @@
 </p:sld>
 </file>
 
+<file path=ppt/slides/slide9.xml><?xml version="1.0" encoding="utf-8"?>
+<p:sld xmlns:a="http://schemas.openxmlformats.org/drawingml/2006/main" xmlns:r="http://schemas.openxmlformats.org/officeDocument/2006/relationships" xmlns:p="http://schemas.openxmlformats.org/presentationml/2006/main">
+  <p:cSld>
+    <p:spTree>
+      <p:nvGrpSpPr>
+        <p:cNvPr id="1" name=""/>
+        <p:cNvGrpSpPr/>
+        <p:nvPr/>
+      </p:nvGrpSpPr>
+      <p:grpSpPr>
+        <a:xfrm>
+          <a:off x="0" y="0"/>
+          <a:ext cx="0" cy="0"/>
+          <a:chOff x="0" y="0"/>
+          <a:chExt cx="0" cy="0"/>
+        </a:xfrm>
+      </p:grpSpPr>
+      <p:sp>
+        <p:nvSpPr>
+          <p:cNvPr id="2" name="Título 1"/>
+          <p:cNvSpPr>
+            <a:spLocks noGrp="1"/>
+          </p:cNvSpPr>
+          <p:nvPr>
+            <p:ph type="title"/>
+          </p:nvPr>
+        </p:nvSpPr>
+        <p:spPr>
+          <a:xfrm>
+            <a:off x="1812897" y="518649"/>
+            <a:ext cx="9882278" cy="1067634"/>
+          </a:xfrm>
+        </p:spPr>
+        <p:txBody>
+          <a:bodyPr anchor="ctr">
+            <a:normAutofit/>
+          </a:bodyPr>
+          <a:lstStyle/>
+          <a:p>
+            <a:r>
+              <a:rPr lang="pt-BR" dirty="0" err="1"/>
+              <a:t>Product</a:t>
+            </a:r>
+            <a:r>
+              <a:rPr lang="pt-BR" dirty="0"/>
+              <a:t> / Sprint Backlog</a:t>
+            </a:r>
+          </a:p>
+        </p:txBody>
+      </p:sp>
+      <p:grpSp>
+        <p:nvGrpSpPr>
+          <p:cNvPr id="12" name="Group 11"/>
+          <p:cNvGrpSpPr>
+            <a:grpSpLocks noGrp="1" noUngrp="1" noRot="1" noChangeAspect="1" noMove="1" noResize="1"/>
+          </p:cNvGrpSpPr>
+          <p:nvPr/>
+        </p:nvGrpSpPr>
+        <p:grpSpPr>
+          <a:xfrm>
+            <a:off x="472021" y="628863"/>
+            <a:ext cx="1128382" cy="847206"/>
+            <a:chOff x="8183879" y="1000124"/>
+            <a:chExt cx="1562267" cy="1172973"/>
+          </a:xfrm>
+        </p:grpSpPr>
+        <p:sp>
+          <p:nvSpPr>
+            <p:cNvPr id="13" name="Freeform 5"/>
+            <p:cNvSpPr/>
+            <p:nvPr/>
+          </p:nvSpPr>
+          <p:spPr bwMode="auto">
+            <a:xfrm>
+              <a:off x="8183879" y="1348782"/>
+              <a:ext cx="935037" cy="824315"/>
+            </a:xfrm>
+            <a:custGeom>
+              <a:avLst/>
+              <a:gdLst>
+                <a:gd name="T0" fmla="*/ 225 w 785"/>
+                <a:gd name="T1" fmla="*/ 692 h 692"/>
+                <a:gd name="T2" fmla="*/ 177 w 785"/>
+                <a:gd name="T3" fmla="*/ 665 h 692"/>
+                <a:gd name="T4" fmla="*/ 9 w 785"/>
+                <a:gd name="T5" fmla="*/ 374 h 692"/>
+                <a:gd name="T6" fmla="*/ 9 w 785"/>
+                <a:gd name="T7" fmla="*/ 318 h 692"/>
+                <a:gd name="T8" fmla="*/ 177 w 785"/>
+                <a:gd name="T9" fmla="*/ 27 h 692"/>
+                <a:gd name="T10" fmla="*/ 225 w 785"/>
+                <a:gd name="T11" fmla="*/ 0 h 692"/>
+                <a:gd name="T12" fmla="*/ 561 w 785"/>
+                <a:gd name="T13" fmla="*/ 0 h 692"/>
+                <a:gd name="T14" fmla="*/ 609 w 785"/>
+                <a:gd name="T15" fmla="*/ 27 h 692"/>
+                <a:gd name="T16" fmla="*/ 777 w 785"/>
+                <a:gd name="T17" fmla="*/ 318 h 692"/>
+                <a:gd name="T18" fmla="*/ 777 w 785"/>
+                <a:gd name="T19" fmla="*/ 374 h 692"/>
+                <a:gd name="T20" fmla="*/ 609 w 785"/>
+                <a:gd name="T21" fmla="*/ 665 h 692"/>
+                <a:gd name="T22" fmla="*/ 561 w 785"/>
+                <a:gd name="T23" fmla="*/ 692 h 692"/>
+                <a:gd name="T24" fmla="*/ 225 w 785"/>
+                <a:gd name="T25" fmla="*/ 692 h 692"/>
+              </a:gdLst>
+              <a:ahLst/>
+              <a:cxnLst>
+                <a:cxn ang="0">
+                  <a:pos x="T0" y="T1"/>
+                </a:cxn>
+                <a:cxn ang="0">
+                  <a:pos x="T2" y="T3"/>
+                </a:cxn>
+                <a:cxn ang="0">
+                  <a:pos x="T4" y="T5"/>
+                </a:cxn>
+                <a:cxn ang="0">
+                  <a:pos x="T6" y="T7"/>
+                </a:cxn>
+                <a:cxn ang="0">
+                  <a:pos x="T8" y="T9"/>
+                </a:cxn>
+                <a:cxn ang="0">
+                  <a:pos x="T10" y="T11"/>
+                </a:cxn>
+                <a:cxn ang="0">
+                  <a:pos x="T12" y="T13"/>
+                </a:cxn>
+                <a:cxn ang="0">
+                  <a:pos x="T14" y="T15"/>
+                </a:cxn>
+                <a:cxn ang="0">
+                  <a:pos x="T16" y="T17"/>
+                </a:cxn>
+                <a:cxn ang="0">
+                  <a:pos x="T18" y="T19"/>
+                </a:cxn>
+                <a:cxn ang="0">
+                  <a:pos x="T20" y="T21"/>
+                </a:cxn>
+                <a:cxn ang="0">
+                  <a:pos x="T22" y="T23"/>
+                </a:cxn>
+                <a:cxn ang="0">
+                  <a:pos x="T24" y="T25"/>
+                </a:cxn>
+              </a:cxnLst>
+              <a:rect l="0" t="0" r="r" b="b"/>
+              <a:pathLst>
+                <a:path w="785" h="692">
+                  <a:moveTo>
+                    <a:pt x="225" y="692"/>
+                  </a:moveTo>
+                  <a:cubicBezTo>
+                    <a:pt x="207" y="692"/>
+                    <a:pt x="185" y="680"/>
+                    <a:pt x="177" y="665"/>
+                  </a:cubicBezTo>
+                  <a:cubicBezTo>
+                    <a:pt x="9" y="374"/>
+                    <a:pt x="9" y="374"/>
+                    <a:pt x="9" y="374"/>
+                  </a:cubicBezTo>
+                  <a:cubicBezTo>
+                    <a:pt x="0" y="358"/>
+                    <a:pt x="0" y="334"/>
+                    <a:pt x="9" y="318"/>
+                  </a:cubicBezTo>
+                  <a:cubicBezTo>
+                    <a:pt x="177" y="27"/>
+                    <a:pt x="177" y="27"/>
+                    <a:pt x="177" y="27"/>
+                  </a:cubicBezTo>
+                  <a:cubicBezTo>
+                    <a:pt x="185" y="12"/>
+                    <a:pt x="207" y="0"/>
+                    <a:pt x="225" y="0"/>
+                  </a:cubicBezTo>
+                  <a:cubicBezTo>
+                    <a:pt x="561" y="0"/>
+                    <a:pt x="561" y="0"/>
+                    <a:pt x="561" y="0"/>
+                  </a:cubicBezTo>
+                  <a:cubicBezTo>
+                    <a:pt x="578" y="0"/>
+                    <a:pt x="600" y="12"/>
+                    <a:pt x="609" y="27"/>
+                  </a:cubicBezTo>
+                  <a:cubicBezTo>
+                    <a:pt x="777" y="318"/>
+                    <a:pt x="777" y="318"/>
+                    <a:pt x="777" y="318"/>
+                  </a:cubicBezTo>
+                  <a:cubicBezTo>
+                    <a:pt x="785" y="334"/>
+                    <a:pt x="785" y="358"/>
+                    <a:pt x="777" y="374"/>
+                  </a:cubicBezTo>
+                  <a:cubicBezTo>
+                    <a:pt x="609" y="665"/>
+                    <a:pt x="609" y="665"/>
+                    <a:pt x="609" y="665"/>
+                  </a:cubicBezTo>
+                  <a:cubicBezTo>
+                    <a:pt x="600" y="680"/>
+                    <a:pt x="578" y="692"/>
+                    <a:pt x="561" y="692"/>
+                  </a:cubicBezTo>
+                  <a:lnTo>
+                    <a:pt x="225" y="692"/>
+                  </a:lnTo>
+                  <a:close/>
+                </a:path>
+              </a:pathLst>
+            </a:custGeom>
+            <a:noFill/>
+            <a:ln w="28575" cmpd="sng">
+              <a:solidFill>
+                <a:schemeClr val="tx1"/>
+              </a:solidFill>
+            </a:ln>
+          </p:spPr>
+          <p:txBody>
+            <a:bodyPr vert="horz" wrap="square" lIns="91440" tIns="45720" rIns="91440" bIns="45720" numCol="1" anchor="t" anchorCtr="0" compatLnSpc="1"/>
+            <a:lstStyle/>
+            <a:p>
+              <a:endParaRPr lang="en-US"/>
+            </a:p>
+          </p:txBody>
+        </p:sp>
+        <p:sp>
+          <p:nvSpPr>
+            <p:cNvPr id="14" name="Freeform 5"/>
+            <p:cNvSpPr/>
+            <p:nvPr/>
+          </p:nvSpPr>
+          <p:spPr bwMode="auto">
+            <a:xfrm>
+              <a:off x="8983979" y="1000124"/>
+              <a:ext cx="762167" cy="671915"/>
+            </a:xfrm>
+            <a:custGeom>
+              <a:avLst/>
+              <a:gdLst>
+                <a:gd name="T0" fmla="*/ 225 w 785"/>
+                <a:gd name="T1" fmla="*/ 692 h 692"/>
+                <a:gd name="T2" fmla="*/ 177 w 785"/>
+                <a:gd name="T3" fmla="*/ 665 h 692"/>
+                <a:gd name="T4" fmla="*/ 9 w 785"/>
+                <a:gd name="T5" fmla="*/ 374 h 692"/>
+                <a:gd name="T6" fmla="*/ 9 w 785"/>
+                <a:gd name="T7" fmla="*/ 318 h 692"/>
+                <a:gd name="T8" fmla="*/ 177 w 785"/>
+                <a:gd name="T9" fmla="*/ 27 h 692"/>
+                <a:gd name="T10" fmla="*/ 225 w 785"/>
+                <a:gd name="T11" fmla="*/ 0 h 692"/>
+                <a:gd name="T12" fmla="*/ 561 w 785"/>
+                <a:gd name="T13" fmla="*/ 0 h 692"/>
+                <a:gd name="T14" fmla="*/ 609 w 785"/>
+                <a:gd name="T15" fmla="*/ 27 h 692"/>
+                <a:gd name="T16" fmla="*/ 777 w 785"/>
+                <a:gd name="T17" fmla="*/ 318 h 692"/>
+                <a:gd name="T18" fmla="*/ 777 w 785"/>
+                <a:gd name="T19" fmla="*/ 374 h 692"/>
+                <a:gd name="T20" fmla="*/ 609 w 785"/>
+                <a:gd name="T21" fmla="*/ 665 h 692"/>
+                <a:gd name="T22" fmla="*/ 561 w 785"/>
+                <a:gd name="T23" fmla="*/ 692 h 692"/>
+                <a:gd name="T24" fmla="*/ 225 w 785"/>
+                <a:gd name="T25" fmla="*/ 692 h 692"/>
+              </a:gdLst>
+              <a:ahLst/>
+              <a:cxnLst>
+                <a:cxn ang="0">
+                  <a:pos x="T0" y="T1"/>
+                </a:cxn>
+                <a:cxn ang="0">
+                  <a:pos x="T2" y="T3"/>
+                </a:cxn>
+                <a:cxn ang="0">
+                  <a:pos x="T4" y="T5"/>
+                </a:cxn>
+                <a:cxn ang="0">
+                  <a:pos x="T6" y="T7"/>
+                </a:cxn>
+                <a:cxn ang="0">
+                  <a:pos x="T8" y="T9"/>
+                </a:cxn>
+                <a:cxn ang="0">
+                  <a:pos x="T10" y="T11"/>
+                </a:cxn>
+                <a:cxn ang="0">
+                  <a:pos x="T12" y="T13"/>
+                </a:cxn>
+                <a:cxn ang="0">
+                  <a:pos x="T14" y="T15"/>
+                </a:cxn>
+                <a:cxn ang="0">
+                  <a:pos x="T16" y="T17"/>
+                </a:cxn>
+                <a:cxn ang="0">
+                  <a:pos x="T18" y="T19"/>
+                </a:cxn>
+                <a:cxn ang="0">
+                  <a:pos x="T20" y="T21"/>
+                </a:cxn>
+                <a:cxn ang="0">
+                  <a:pos x="T22" y="T23"/>
+                </a:cxn>
+                <a:cxn ang="0">
+                  <a:pos x="T24" y="T25"/>
+                </a:cxn>
+              </a:cxnLst>
+              <a:rect l="0" t="0" r="r" b="b"/>
+              <a:pathLst>
+                <a:path w="785" h="692">
+                  <a:moveTo>
+                    <a:pt x="225" y="692"/>
+                  </a:moveTo>
+                  <a:cubicBezTo>
+                    <a:pt x="207" y="692"/>
+                    <a:pt x="185" y="680"/>
+                    <a:pt x="177" y="665"/>
+                  </a:cubicBezTo>
+                  <a:cubicBezTo>
+                    <a:pt x="9" y="374"/>
+                    <a:pt x="9" y="374"/>
+                    <a:pt x="9" y="374"/>
+                  </a:cubicBezTo>
+                  <a:cubicBezTo>
+                    <a:pt x="0" y="358"/>
+                    <a:pt x="0" y="334"/>
+                    <a:pt x="9" y="318"/>
+                  </a:cubicBezTo>
+                  <a:cubicBezTo>
+                    <a:pt x="177" y="27"/>
+                    <a:pt x="177" y="27"/>
+                    <a:pt x="177" y="27"/>
+                  </a:cubicBezTo>
+                  <a:cubicBezTo>
+                    <a:pt x="185" y="12"/>
+                    <a:pt x="207" y="0"/>
+                    <a:pt x="225" y="0"/>
+                  </a:cubicBezTo>
+                  <a:cubicBezTo>
+                    <a:pt x="561" y="0"/>
+                    <a:pt x="561" y="0"/>
+                    <a:pt x="561" y="0"/>
+                  </a:cubicBezTo>
+                  <a:cubicBezTo>
+                    <a:pt x="578" y="0"/>
+                    <a:pt x="600" y="12"/>
+                    <a:pt x="609" y="27"/>
+                  </a:cubicBezTo>
+                  <a:cubicBezTo>
+                    <a:pt x="777" y="318"/>
+                    <a:pt x="777" y="318"/>
+                    <a:pt x="777" y="318"/>
+                  </a:cubicBezTo>
+                  <a:cubicBezTo>
+                    <a:pt x="785" y="334"/>
+                    <a:pt x="785" y="358"/>
+                    <a:pt x="777" y="374"/>
+                  </a:cubicBezTo>
+                  <a:cubicBezTo>
+                    <a:pt x="609" y="665"/>
+                    <a:pt x="609" y="665"/>
+                    <a:pt x="609" y="665"/>
+                  </a:cubicBezTo>
+                  <a:cubicBezTo>
+                    <a:pt x="600" y="680"/>
+                    <a:pt x="578" y="692"/>
+                    <a:pt x="561" y="692"/>
+                  </a:cubicBezTo>
+                  <a:lnTo>
+                    <a:pt x="225" y="692"/>
+                  </a:lnTo>
+                  <a:close/>
+                </a:path>
+              </a:pathLst>
+            </a:custGeom>
+            <a:noFill/>
+            <a:ln w="28575" cmpd="sng">
+              <a:solidFill>
+                <a:schemeClr val="tx1"/>
+              </a:solidFill>
+            </a:ln>
+          </p:spPr>
+          <p:txBody>
+            <a:bodyPr vert="horz" wrap="square" lIns="91440" tIns="45720" rIns="91440" bIns="45720" numCol="1" anchor="t" anchorCtr="0" compatLnSpc="1"/>
+            <a:lstStyle/>
+            <a:p>
+              <a:endParaRPr lang="en-US"/>
+            </a:p>
+          </p:txBody>
+        </p:sp>
+      </p:grpSp>
+      <p:pic>
+        <p:nvPicPr>
+          <p:cNvPr id="11" name="Imagem 10">
+            <a:extLst>
+              <a:ext uri="{FF2B5EF4-FFF2-40B4-BE49-F238E27FC236}">
+                <a16:creationId xmlns:a16="http://schemas.microsoft.com/office/drawing/2014/main" id="{8F1A4823-8682-41E7-A5C1-1ABA20505B18}"/>
+              </a:ext>
+            </a:extLst>
+          </p:cNvPr>
+          <p:cNvPicPr>
+            <a:picLocks noChangeAspect="1"/>
+          </p:cNvPicPr>
+          <p:nvPr/>
+        </p:nvPicPr>
+        <p:blipFill>
+          <a:blip r:embed="rId2"/>
+          <a:stretch>
+            <a:fillRect/>
+          </a:stretch>
+        </p:blipFill>
+        <p:spPr>
+          <a:xfrm>
+            <a:off x="1994792" y="4571013"/>
+            <a:ext cx="8202408" cy="2102836"/>
+          </a:xfrm>
+          <a:prstGeom prst="rect">
+            <a:avLst/>
+          </a:prstGeom>
+        </p:spPr>
+      </p:pic>
+      <p:pic>
+        <p:nvPicPr>
+          <p:cNvPr id="15" name="Imagem 14">
+            <a:extLst>
+              <a:ext uri="{FF2B5EF4-FFF2-40B4-BE49-F238E27FC236}">
+                <a16:creationId xmlns:a16="http://schemas.microsoft.com/office/drawing/2014/main" id="{4E3D15D1-6C66-4859-8D2D-7DECB3E481F5}"/>
+              </a:ext>
+            </a:extLst>
+          </p:cNvPr>
+          <p:cNvPicPr>
+            <a:picLocks noChangeAspect="1"/>
+          </p:cNvPicPr>
+          <p:nvPr/>
+        </p:nvPicPr>
+        <p:blipFill>
+          <a:blip r:embed="rId3"/>
+          <a:stretch>
+            <a:fillRect/>
+          </a:stretch>
+        </p:blipFill>
+        <p:spPr>
+          <a:xfrm>
+            <a:off x="3643309" y="1586283"/>
+            <a:ext cx="4905375" cy="2001558"/>
+          </a:xfrm>
+          <a:prstGeom prst="rect">
+            <a:avLst/>
+          </a:prstGeom>
+        </p:spPr>
+      </p:pic>
+      <p:sp>
+        <p:nvSpPr>
+          <p:cNvPr id="6" name="Seta: para Baixo 5">
+            <a:extLst>
+              <a:ext uri="{FF2B5EF4-FFF2-40B4-BE49-F238E27FC236}">
+                <a16:creationId xmlns:a16="http://schemas.microsoft.com/office/drawing/2014/main" id="{C0FFF3D3-78AB-4F03-AEA3-F792F1C928B1}"/>
+              </a:ext>
+            </a:extLst>
+          </p:cNvPr>
+          <p:cNvSpPr/>
+          <p:nvPr/>
+        </p:nvSpPr>
+        <p:spPr>
+          <a:xfrm>
+            <a:off x="5872159" y="3679377"/>
+            <a:ext cx="447677" cy="800100"/>
+          </a:xfrm>
+          <a:prstGeom prst="downArrow">
+            <a:avLst/>
+          </a:prstGeom>
+          <a:solidFill>
+            <a:srgbClr val="92D050"/>
+          </a:solidFill>
+        </p:spPr>
+        <p:style>
+          <a:lnRef idx="2">
+            <a:schemeClr val="accent1">
+              <a:shade val="50000"/>
+            </a:schemeClr>
+          </a:lnRef>
+          <a:fillRef idx="1">
+            <a:schemeClr val="accent1"/>
+          </a:fillRef>
+          <a:effectRef idx="0">
+            <a:schemeClr val="accent1"/>
+          </a:effectRef>
+          <a:fontRef idx="minor">
+            <a:schemeClr val="lt1"/>
+          </a:fontRef>
+        </p:style>
+        <p:txBody>
+          <a:bodyPr rtlCol="0" anchor="ctr"/>
+          <a:lstStyle/>
+          <a:p>
+            <a:pPr algn="ctr"/>
+            <a:endParaRPr lang="pt-BR"/>
+          </a:p>
+        </p:txBody>
+      </p:sp>
+    </p:spTree>
+    <p:extLst>
+      <p:ext uri="{BB962C8B-B14F-4D97-AF65-F5344CB8AC3E}">
+        <p14:creationId xmlns:p14="http://schemas.microsoft.com/office/powerpoint/2010/main" val="1290913563"/>
+      </p:ext>
+    </p:extLst>
+  </p:cSld>
+  <p:clrMapOvr>
+    <a:masterClrMapping/>
+  </p:clrMapOvr>
+</p:sld>
+</file>
+
 <file path=ppt/theme/theme1.xml><?xml version="1.0" encoding="utf-8"?>
 <a:theme xmlns:a="http://schemas.openxmlformats.org/drawingml/2006/main" name="Tema do Office">
   <a:themeElements>

--- a/Documentação/Apresentação - Sprint 3.pptx
+++ b/Documentação/Apresentação - Sprint 3.pptx
@@ -9,17 +9,19 @@
     <p:sldId id="281" r:id="rId3"/>
     <p:sldId id="297" r:id="rId4"/>
     <p:sldId id="298" r:id="rId5"/>
-    <p:sldId id="296" r:id="rId6"/>
-    <p:sldId id="295" r:id="rId7"/>
-    <p:sldId id="294" r:id="rId8"/>
-    <p:sldId id="292" r:id="rId9"/>
-    <p:sldId id="286" r:id="rId10"/>
-    <p:sldId id="291" r:id="rId11"/>
-    <p:sldId id="287" r:id="rId12"/>
-    <p:sldId id="289" r:id="rId13"/>
-    <p:sldId id="288" r:id="rId14"/>
-    <p:sldId id="299" r:id="rId15"/>
-    <p:sldId id="290" r:id="rId16"/>
+    <p:sldId id="264" r:id="rId6"/>
+    <p:sldId id="296" r:id="rId7"/>
+    <p:sldId id="295" r:id="rId8"/>
+    <p:sldId id="294" r:id="rId9"/>
+    <p:sldId id="292" r:id="rId10"/>
+    <p:sldId id="289" r:id="rId11"/>
+    <p:sldId id="286" r:id="rId12"/>
+    <p:sldId id="300" r:id="rId13"/>
+    <p:sldId id="287" r:id="rId14"/>
+    <p:sldId id="288" r:id="rId15"/>
+    <p:sldId id="291" r:id="rId16"/>
+    <p:sldId id="299" r:id="rId17"/>
+    <p:sldId id="290" r:id="rId18"/>
   </p:sldIdLst>
   <p:sldSz cx="12192000" cy="6858000"/>
   <p:notesSz cx="6858000" cy="9144000"/>
@@ -129,13 +131,175 @@
 <file path=ppt/revisionInfo.xml><?xml version="1.0" encoding="utf-8"?>
 <p1510:revInfo xmlns:a="http://schemas.openxmlformats.org/drawingml/2006/main" xmlns:r="http://schemas.openxmlformats.org/officeDocument/2006/relationships" xmlns:p1510="http://schemas.microsoft.com/office/powerpoint/2015/10/main">
   <p1510:revLst>
-    <p1510:client id="{BDD547D6-9985-4471-8D69-22FBC0393EC8}" v="79" dt="2020-06-13T13:07:58.915"/>
+    <p1510:client id="{DAECEB32-C126-44A1-B729-3AADB1682972}" v="34" dt="2020-06-16T20:16:32.863"/>
   </p1510:revLst>
 </p1510:revInfo>
 </file>
 
 <file path=ppt/changesInfos/changesInfo1.xml><?xml version="1.0" encoding="utf-8"?>
 <pc:chgInfo xmlns:a="http://schemas.openxmlformats.org/drawingml/2006/main" xmlns:r="http://schemas.openxmlformats.org/officeDocument/2006/relationships" xmlns:ac="http://schemas.microsoft.com/office/drawing/2013/main/command" xmlns:pc="http://schemas.microsoft.com/office/powerpoint/2013/main/command">
+  <pc:docChgLst>
+    <pc:chgData name="Fernando C Correa" userId="a08d7f3c16d54179" providerId="LiveId" clId="{DAECEB32-C126-44A1-B729-3AADB1682972}"/>
+    <pc:docChg chg="custSel addSld modSld sldOrd">
+      <pc:chgData name="Fernando C Correa" userId="a08d7f3c16d54179" providerId="LiveId" clId="{DAECEB32-C126-44A1-B729-3AADB1682972}" dt="2020-06-16T20:17:21.930" v="88"/>
+      <pc:docMkLst>
+        <pc:docMk/>
+      </pc:docMkLst>
+      <pc:sldChg chg="add">
+        <pc:chgData name="Fernando C Correa" userId="a08d7f3c16d54179" providerId="LiveId" clId="{DAECEB32-C126-44A1-B729-3AADB1682972}" dt="2020-06-16T20:16:32.859" v="78"/>
+        <pc:sldMkLst>
+          <pc:docMk/>
+          <pc:sldMk cId="0" sldId="264"/>
+        </pc:sldMkLst>
+      </pc:sldChg>
+      <pc:sldChg chg="ord">
+        <pc:chgData name="Fernando C Correa" userId="a08d7f3c16d54179" providerId="LiveId" clId="{DAECEB32-C126-44A1-B729-3AADB1682972}" dt="2020-06-16T20:17:18.293" v="86"/>
+        <pc:sldMkLst>
+          <pc:docMk/>
+          <pc:sldMk cId="2582316661" sldId="287"/>
+        </pc:sldMkLst>
+      </pc:sldChg>
+      <pc:sldChg chg="ord">
+        <pc:chgData name="Fernando C Correa" userId="a08d7f3c16d54179" providerId="LiveId" clId="{DAECEB32-C126-44A1-B729-3AADB1682972}" dt="2020-06-16T20:17:21.930" v="88"/>
+        <pc:sldMkLst>
+          <pc:docMk/>
+          <pc:sldMk cId="4264086694" sldId="288"/>
+        </pc:sldMkLst>
+      </pc:sldChg>
+      <pc:sldChg chg="ord">
+        <pc:chgData name="Fernando C Correa" userId="a08d7f3c16d54179" providerId="LiveId" clId="{DAECEB32-C126-44A1-B729-3AADB1682972}" dt="2020-06-16T20:17:08.568" v="84"/>
+        <pc:sldMkLst>
+          <pc:docMk/>
+          <pc:sldMk cId="1295663715" sldId="289"/>
+        </pc:sldMkLst>
+      </pc:sldChg>
+      <pc:sldChg chg="addSp delSp modSp mod">
+        <pc:chgData name="Fernando C Correa" userId="a08d7f3c16d54179" providerId="LiveId" clId="{DAECEB32-C126-44A1-B729-3AADB1682972}" dt="2020-06-16T20:15:12.102" v="77" actId="1076"/>
+        <pc:sldMkLst>
+          <pc:docMk/>
+          <pc:sldMk cId="1034810671" sldId="291"/>
+        </pc:sldMkLst>
+        <pc:picChg chg="add mod">
+          <ac:chgData name="Fernando C Correa" userId="a08d7f3c16d54179" providerId="LiveId" clId="{DAECEB32-C126-44A1-B729-3AADB1682972}" dt="2020-06-16T20:15:12.102" v="77" actId="1076"/>
+          <ac:picMkLst>
+            <pc:docMk/>
+            <pc:sldMk cId="1034810671" sldId="291"/>
+            <ac:picMk id="4" creationId="{1BED938E-3B90-421B-BA22-8FB3C8FFB03D}"/>
+          </ac:picMkLst>
+        </pc:picChg>
+        <pc:picChg chg="del">
+          <ac:chgData name="Fernando C Correa" userId="a08d7f3c16d54179" providerId="LiveId" clId="{DAECEB32-C126-44A1-B729-3AADB1682972}" dt="2020-06-16T20:14:54.021" v="73" actId="478"/>
+          <ac:picMkLst>
+            <pc:docMk/>
+            <pc:sldMk cId="1034810671" sldId="291"/>
+            <ac:picMk id="8" creationId="{3968D855-CD48-4E97-8B57-CF08A2ABD60F}"/>
+          </ac:picMkLst>
+        </pc:picChg>
+      </pc:sldChg>
+      <pc:sldChg chg="modSp mod">
+        <pc:chgData name="Fernando C Correa" userId="a08d7f3c16d54179" providerId="LiveId" clId="{DAECEB32-C126-44A1-B729-3AADB1682972}" dt="2020-06-16T19:52:42.001" v="66" actId="1076"/>
+        <pc:sldMkLst>
+          <pc:docMk/>
+          <pc:sldMk cId="3697814180" sldId="294"/>
+        </pc:sldMkLst>
+        <pc:picChg chg="mod">
+          <ac:chgData name="Fernando C Correa" userId="a08d7f3c16d54179" providerId="LiveId" clId="{DAECEB32-C126-44A1-B729-3AADB1682972}" dt="2020-06-16T19:52:42.001" v="66" actId="1076"/>
+          <ac:picMkLst>
+            <pc:docMk/>
+            <pc:sldMk cId="3697814180" sldId="294"/>
+            <ac:picMk id="8" creationId="{F57F7578-876D-417C-8950-659CF2829DCC}"/>
+          </ac:picMkLst>
+        </pc:picChg>
+      </pc:sldChg>
+      <pc:sldChg chg="addSp delSp modSp add mod ord">
+        <pc:chgData name="Fernando C Correa" userId="a08d7f3c16d54179" providerId="LiveId" clId="{DAECEB32-C126-44A1-B729-3AADB1682972}" dt="2020-06-16T19:56:19.861" v="72" actId="1076"/>
+        <pc:sldMkLst>
+          <pc:docMk/>
+          <pc:sldMk cId="2462845540" sldId="300"/>
+        </pc:sldMkLst>
+        <pc:spChg chg="mod">
+          <ac:chgData name="Fernando C Correa" userId="a08d7f3c16d54179" providerId="LiveId" clId="{DAECEB32-C126-44A1-B729-3AADB1682972}" dt="2020-06-16T19:49:40.835" v="46" actId="20577"/>
+          <ac:spMkLst>
+            <pc:docMk/>
+            <pc:sldMk cId="2462845540" sldId="300"/>
+            <ac:spMk id="2" creationId="{00000000-0000-0000-0000-000000000000}"/>
+          </ac:spMkLst>
+        </pc:spChg>
+        <pc:spChg chg="del">
+          <ac:chgData name="Fernando C Correa" userId="a08d7f3c16d54179" providerId="LiveId" clId="{DAECEB32-C126-44A1-B729-3AADB1682972}" dt="2020-06-16T19:48:00.487" v="20" actId="478"/>
+          <ac:spMkLst>
+            <pc:docMk/>
+            <pc:sldMk cId="2462845540" sldId="300"/>
+            <ac:spMk id="10" creationId="{00000000-0000-0000-0000-000000000000}"/>
+          </ac:spMkLst>
+        </pc:spChg>
+        <pc:picChg chg="add del mod">
+          <ac:chgData name="Fernando C Correa" userId="a08d7f3c16d54179" providerId="LiveId" clId="{DAECEB32-C126-44A1-B729-3AADB1682972}" dt="2020-06-16T19:46:05.066" v="4" actId="478"/>
+          <ac:picMkLst>
+            <pc:docMk/>
+            <pc:sldMk cId="2462845540" sldId="300"/>
+            <ac:picMk id="3" creationId="{B704A7BC-0A8A-4B1B-9D05-A4A66FDFBC36}"/>
+          </ac:picMkLst>
+        </pc:picChg>
+        <pc:picChg chg="add mod">
+          <ac:chgData name="Fernando C Correa" userId="a08d7f3c16d54179" providerId="LiveId" clId="{DAECEB32-C126-44A1-B729-3AADB1682972}" dt="2020-06-16T19:56:13.809" v="70" actId="1076"/>
+          <ac:picMkLst>
+            <pc:docMk/>
+            <pc:sldMk cId="2462845540" sldId="300"/>
+            <ac:picMk id="5" creationId="{05D0ED45-D674-4D1C-9168-43929F63670A}"/>
+          </ac:picMkLst>
+        </pc:picChg>
+        <pc:picChg chg="del">
+          <ac:chgData name="Fernando C Correa" userId="a08d7f3c16d54179" providerId="LiveId" clId="{DAECEB32-C126-44A1-B729-3AADB1682972}" dt="2020-06-16T19:45:58.530" v="1" actId="478"/>
+          <ac:picMkLst>
+            <pc:docMk/>
+            <pc:sldMk cId="2462845540" sldId="300"/>
+            <ac:picMk id="8" creationId="{F57F7578-876D-417C-8950-659CF2829DCC}"/>
+          </ac:picMkLst>
+        </pc:picChg>
+        <pc:picChg chg="add del mod">
+          <ac:chgData name="Fernando C Correa" userId="a08d7f3c16d54179" providerId="LiveId" clId="{DAECEB32-C126-44A1-B729-3AADB1682972}" dt="2020-06-16T19:56:06.768" v="68" actId="478"/>
+          <ac:picMkLst>
+            <pc:docMk/>
+            <pc:sldMk cId="2462845540" sldId="300"/>
+            <ac:picMk id="15" creationId="{0E85ABA3-1D94-4E56-A367-933CC7E51027}"/>
+          </ac:picMkLst>
+        </pc:picChg>
+        <pc:picChg chg="add del">
+          <ac:chgData name="Fernando C Correa" userId="a08d7f3c16d54179" providerId="LiveId" clId="{DAECEB32-C126-44A1-B729-3AADB1682972}" dt="2020-06-16T19:48:00.487" v="20" actId="478"/>
+          <ac:picMkLst>
+            <pc:docMk/>
+            <pc:sldMk cId="2462845540" sldId="300"/>
+            <ac:picMk id="1026" creationId="{1AE3563D-E69E-405F-8AE2-6C3F957B8582}"/>
+          </ac:picMkLst>
+        </pc:picChg>
+        <pc:picChg chg="add mod">
+          <ac:chgData name="Fernando C Correa" userId="a08d7f3c16d54179" providerId="LiveId" clId="{DAECEB32-C126-44A1-B729-3AADB1682972}" dt="2020-06-16T19:56:19.861" v="72" actId="1076"/>
+          <ac:picMkLst>
+            <pc:docMk/>
+            <pc:sldMk cId="2462845540" sldId="300"/>
+            <ac:picMk id="1028" creationId="{4D52BBEE-2B65-4A2C-8909-4A9068D56737}"/>
+          </ac:picMkLst>
+        </pc:picChg>
+        <pc:picChg chg="add mod">
+          <ac:chgData name="Fernando C Correa" userId="a08d7f3c16d54179" providerId="LiveId" clId="{DAECEB32-C126-44A1-B729-3AADB1682972}" dt="2020-06-16T19:56:17.750" v="71" actId="1076"/>
+          <ac:picMkLst>
+            <pc:docMk/>
+            <pc:sldMk cId="2462845540" sldId="300"/>
+            <ac:picMk id="1030" creationId="{5FA43E33-8005-4382-9B8C-63CBEE494F0D}"/>
+          </ac:picMkLst>
+        </pc:picChg>
+        <pc:picChg chg="add del mod">
+          <ac:chgData name="Fernando C Correa" userId="a08d7f3c16d54179" providerId="LiveId" clId="{DAECEB32-C126-44A1-B729-3AADB1682972}" dt="2020-06-16T19:56:06.022" v="67" actId="478"/>
+          <ac:picMkLst>
+            <pc:docMk/>
+            <pc:sldMk cId="2462845540" sldId="300"/>
+            <ac:picMk id="1032" creationId="{2D90E7C1-77A2-43FD-ACA3-C9E93D064031}"/>
+          </ac:picMkLst>
+        </pc:picChg>
+      </pc:sldChg>
+    </pc:docChg>
+  </pc:docChgLst>
   <pc:docChgLst>
     <pc:chgData name="Fernando C Correa" userId="a08d7f3c16d54179" providerId="LiveId" clId="{BDD547D6-9985-4471-8D69-22FBC0393EC8}"/>
     <pc:docChg chg="undo custSel mod addSld delSld modSld sldOrd">
@@ -25306,7 +25470,7 @@
           <a:p>
             <a:fld id="{25037C36-C8CA-4564-9B7E-8E9BA0061FB2}" type="datetimeFigureOut">
               <a:rPr lang="pt-BR" smtClean="0"/>
-              <a:t>13/06/2020</a:t>
+              <a:t>16/06/2020</a:t>
             </a:fld>
             <a:endParaRPr lang="pt-BR"/>
           </a:p>
@@ -25504,7 +25668,7 @@
           <a:p>
             <a:fld id="{25037C36-C8CA-4564-9B7E-8E9BA0061FB2}" type="datetimeFigureOut">
               <a:rPr lang="pt-BR" smtClean="0"/>
-              <a:t>13/06/2020</a:t>
+              <a:t>16/06/2020</a:t>
             </a:fld>
             <a:endParaRPr lang="pt-BR"/>
           </a:p>
@@ -25712,7 +25876,7 @@
           <a:p>
             <a:fld id="{25037C36-C8CA-4564-9B7E-8E9BA0061FB2}" type="datetimeFigureOut">
               <a:rPr lang="pt-BR" smtClean="0"/>
-              <a:t>13/06/2020</a:t>
+              <a:t>16/06/2020</a:t>
             </a:fld>
             <a:endParaRPr lang="pt-BR"/>
           </a:p>
@@ -25910,7 +26074,7 @@
           <a:p>
             <a:fld id="{25037C36-C8CA-4564-9B7E-8E9BA0061FB2}" type="datetimeFigureOut">
               <a:rPr lang="pt-BR" smtClean="0"/>
-              <a:t>13/06/2020</a:t>
+              <a:t>16/06/2020</a:t>
             </a:fld>
             <a:endParaRPr lang="pt-BR"/>
           </a:p>
@@ -26185,7 +26349,7 @@
           <a:p>
             <a:fld id="{25037C36-C8CA-4564-9B7E-8E9BA0061FB2}" type="datetimeFigureOut">
               <a:rPr lang="pt-BR" smtClean="0"/>
-              <a:t>13/06/2020</a:t>
+              <a:t>16/06/2020</a:t>
             </a:fld>
             <a:endParaRPr lang="pt-BR"/>
           </a:p>
@@ -26450,7 +26614,7 @@
           <a:p>
             <a:fld id="{25037C36-C8CA-4564-9B7E-8E9BA0061FB2}" type="datetimeFigureOut">
               <a:rPr lang="pt-BR" smtClean="0"/>
-              <a:t>13/06/2020</a:t>
+              <a:t>16/06/2020</a:t>
             </a:fld>
             <a:endParaRPr lang="pt-BR"/>
           </a:p>
@@ -26862,7 +27026,7 @@
           <a:p>
             <a:fld id="{25037C36-C8CA-4564-9B7E-8E9BA0061FB2}" type="datetimeFigureOut">
               <a:rPr lang="pt-BR" smtClean="0"/>
-              <a:t>13/06/2020</a:t>
+              <a:t>16/06/2020</a:t>
             </a:fld>
             <a:endParaRPr lang="pt-BR"/>
           </a:p>
@@ -27003,7 +27167,7 @@
           <a:p>
             <a:fld id="{25037C36-C8CA-4564-9B7E-8E9BA0061FB2}" type="datetimeFigureOut">
               <a:rPr lang="pt-BR" smtClean="0"/>
-              <a:t>13/06/2020</a:t>
+              <a:t>16/06/2020</a:t>
             </a:fld>
             <a:endParaRPr lang="pt-BR"/>
           </a:p>
@@ -27116,7 +27280,7 @@
           <a:p>
             <a:fld id="{25037C36-C8CA-4564-9B7E-8E9BA0061FB2}" type="datetimeFigureOut">
               <a:rPr lang="pt-BR" smtClean="0"/>
-              <a:t>13/06/2020</a:t>
+              <a:t>16/06/2020</a:t>
             </a:fld>
             <a:endParaRPr lang="pt-BR"/>
           </a:p>
@@ -27427,7 +27591,7 @@
           <a:p>
             <a:fld id="{25037C36-C8CA-4564-9B7E-8E9BA0061FB2}" type="datetimeFigureOut">
               <a:rPr lang="pt-BR" smtClean="0"/>
-              <a:t>13/06/2020</a:t>
+              <a:t>16/06/2020</a:t>
             </a:fld>
             <a:endParaRPr lang="pt-BR"/>
           </a:p>
@@ -27715,7 +27879,7 @@
           <a:p>
             <a:fld id="{25037C36-C8CA-4564-9B7E-8E9BA0061FB2}" type="datetimeFigureOut">
               <a:rPr lang="pt-BR" smtClean="0"/>
-              <a:t>13/06/2020</a:t>
+              <a:t>16/06/2020</a:t>
             </a:fld>
             <a:endParaRPr lang="pt-BR"/>
           </a:p>
@@ -27956,7 +28120,7 @@
           <a:p>
             <a:fld id="{25037C36-C8CA-4564-9B7E-8E9BA0061FB2}" type="datetimeFigureOut">
               <a:rPr lang="pt-BR" smtClean="0"/>
-              <a:t>13/06/2020</a:t>
+              <a:t>16/06/2020</a:t>
             </a:fld>
             <a:endParaRPr lang="pt-BR"/>
           </a:p>
@@ -28828,7 +28992,7 @@
           <a:p>
             <a:r>
               <a:rPr lang="pt-BR" dirty="0"/>
-              <a:t>Diagrama de Classe</a:t>
+              <a:t>Planilha de Software</a:t>
             </a:r>
           </a:p>
         </p:txBody>
@@ -29184,15 +29348,974 @@
       </p:grpSp>
       <p:pic>
         <p:nvPicPr>
-          <p:cNvPr id="8" name="Imagem 7" descr="Mapa colorido com texto preto sobre fundo branco&#10;&#10;Descrição gerada automaticamente">
+          <p:cNvPr id="11" name="Imagem 10">
             <a:extLst>
               <a:ext uri="{FF2B5EF4-FFF2-40B4-BE49-F238E27FC236}">
-                <a16:creationId xmlns:a16="http://schemas.microsoft.com/office/drawing/2014/main" id="{3968D855-CD48-4E97-8B57-CF08A2ABD60F}"/>
+                <a16:creationId xmlns:a16="http://schemas.microsoft.com/office/drawing/2014/main" id="{D1E3D129-AEE4-4620-B9D7-636720389400}"/>
               </a:ext>
             </a:extLst>
           </p:cNvPr>
           <p:cNvPicPr>
             <a:picLocks noChangeAspect="1"/>
+          </p:cNvPicPr>
+          <p:nvPr/>
+        </p:nvPicPr>
+        <p:blipFill>
+          <a:blip r:embed="rId2"/>
+          <a:stretch>
+            <a:fillRect/>
+          </a:stretch>
+        </p:blipFill>
+        <p:spPr>
+          <a:xfrm>
+            <a:off x="92363" y="2261470"/>
+            <a:ext cx="12007273" cy="2821818"/>
+          </a:xfrm>
+          <a:prstGeom prst="rect">
+            <a:avLst/>
+          </a:prstGeom>
+        </p:spPr>
+      </p:pic>
+    </p:spTree>
+    <p:extLst>
+      <p:ext uri="{BB962C8B-B14F-4D97-AF65-F5344CB8AC3E}">
+        <p14:creationId xmlns:p14="http://schemas.microsoft.com/office/powerpoint/2010/main" val="1295663715"/>
+      </p:ext>
+    </p:extLst>
+  </p:cSld>
+  <p:clrMapOvr>
+    <a:masterClrMapping/>
+  </p:clrMapOvr>
+</p:sld>
+</file>
+
+<file path=ppt/slides/slide11.xml><?xml version="1.0" encoding="utf-8"?>
+<p:sld xmlns:a="http://schemas.openxmlformats.org/drawingml/2006/main" xmlns:r="http://schemas.openxmlformats.org/officeDocument/2006/relationships" xmlns:p="http://schemas.openxmlformats.org/presentationml/2006/main">
+  <p:cSld>
+    <p:spTree>
+      <p:nvGrpSpPr>
+        <p:cNvPr id="1" name=""/>
+        <p:cNvGrpSpPr/>
+        <p:nvPr/>
+      </p:nvGrpSpPr>
+      <p:grpSpPr>
+        <a:xfrm>
+          <a:off x="0" y="0"/>
+          <a:ext cx="0" cy="0"/>
+          <a:chOff x="0" y="0"/>
+          <a:chExt cx="0" cy="0"/>
+        </a:xfrm>
+      </p:grpSpPr>
+      <p:sp>
+        <p:nvSpPr>
+          <p:cNvPr id="2" name="Título 1"/>
+          <p:cNvSpPr>
+            <a:spLocks noGrp="1"/>
+          </p:cNvSpPr>
+          <p:nvPr>
+            <p:ph type="title"/>
+          </p:nvPr>
+        </p:nvSpPr>
+        <p:spPr>
+          <a:xfrm>
+            <a:off x="1812897" y="518649"/>
+            <a:ext cx="9882278" cy="1067634"/>
+          </a:xfrm>
+        </p:spPr>
+        <p:txBody>
+          <a:bodyPr anchor="ctr">
+            <a:normAutofit/>
+          </a:bodyPr>
+          <a:lstStyle/>
+          <a:p>
+            <a:r>
+              <a:rPr lang="pt-BR" dirty="0" err="1"/>
+              <a:t>Product</a:t>
+            </a:r>
+            <a:r>
+              <a:rPr lang="pt-BR" dirty="0"/>
+              <a:t> / Sprint Backlog</a:t>
+            </a:r>
+          </a:p>
+        </p:txBody>
+      </p:sp>
+      <p:grpSp>
+        <p:nvGrpSpPr>
+          <p:cNvPr id="12" name="Group 11"/>
+          <p:cNvGrpSpPr>
+            <a:grpSpLocks noGrp="1" noUngrp="1" noRot="1" noChangeAspect="1" noMove="1" noResize="1"/>
+          </p:cNvGrpSpPr>
+          <p:nvPr/>
+        </p:nvGrpSpPr>
+        <p:grpSpPr>
+          <a:xfrm>
+            <a:off x="472021" y="628863"/>
+            <a:ext cx="1128382" cy="847206"/>
+            <a:chOff x="8183879" y="1000124"/>
+            <a:chExt cx="1562267" cy="1172973"/>
+          </a:xfrm>
+        </p:grpSpPr>
+        <p:sp>
+          <p:nvSpPr>
+            <p:cNvPr id="13" name="Freeform 5"/>
+            <p:cNvSpPr/>
+            <p:nvPr/>
+          </p:nvSpPr>
+          <p:spPr bwMode="auto">
+            <a:xfrm>
+              <a:off x="8183879" y="1348782"/>
+              <a:ext cx="935037" cy="824315"/>
+            </a:xfrm>
+            <a:custGeom>
+              <a:avLst/>
+              <a:gdLst>
+                <a:gd name="T0" fmla="*/ 225 w 785"/>
+                <a:gd name="T1" fmla="*/ 692 h 692"/>
+                <a:gd name="T2" fmla="*/ 177 w 785"/>
+                <a:gd name="T3" fmla="*/ 665 h 692"/>
+                <a:gd name="T4" fmla="*/ 9 w 785"/>
+                <a:gd name="T5" fmla="*/ 374 h 692"/>
+                <a:gd name="T6" fmla="*/ 9 w 785"/>
+                <a:gd name="T7" fmla="*/ 318 h 692"/>
+                <a:gd name="T8" fmla="*/ 177 w 785"/>
+                <a:gd name="T9" fmla="*/ 27 h 692"/>
+                <a:gd name="T10" fmla="*/ 225 w 785"/>
+                <a:gd name="T11" fmla="*/ 0 h 692"/>
+                <a:gd name="T12" fmla="*/ 561 w 785"/>
+                <a:gd name="T13" fmla="*/ 0 h 692"/>
+                <a:gd name="T14" fmla="*/ 609 w 785"/>
+                <a:gd name="T15" fmla="*/ 27 h 692"/>
+                <a:gd name="T16" fmla="*/ 777 w 785"/>
+                <a:gd name="T17" fmla="*/ 318 h 692"/>
+                <a:gd name="T18" fmla="*/ 777 w 785"/>
+                <a:gd name="T19" fmla="*/ 374 h 692"/>
+                <a:gd name="T20" fmla="*/ 609 w 785"/>
+                <a:gd name="T21" fmla="*/ 665 h 692"/>
+                <a:gd name="T22" fmla="*/ 561 w 785"/>
+                <a:gd name="T23" fmla="*/ 692 h 692"/>
+                <a:gd name="T24" fmla="*/ 225 w 785"/>
+                <a:gd name="T25" fmla="*/ 692 h 692"/>
+              </a:gdLst>
+              <a:ahLst/>
+              <a:cxnLst>
+                <a:cxn ang="0">
+                  <a:pos x="T0" y="T1"/>
+                </a:cxn>
+                <a:cxn ang="0">
+                  <a:pos x="T2" y="T3"/>
+                </a:cxn>
+                <a:cxn ang="0">
+                  <a:pos x="T4" y="T5"/>
+                </a:cxn>
+                <a:cxn ang="0">
+                  <a:pos x="T6" y="T7"/>
+                </a:cxn>
+                <a:cxn ang="0">
+                  <a:pos x="T8" y="T9"/>
+                </a:cxn>
+                <a:cxn ang="0">
+                  <a:pos x="T10" y="T11"/>
+                </a:cxn>
+                <a:cxn ang="0">
+                  <a:pos x="T12" y="T13"/>
+                </a:cxn>
+                <a:cxn ang="0">
+                  <a:pos x="T14" y="T15"/>
+                </a:cxn>
+                <a:cxn ang="0">
+                  <a:pos x="T16" y="T17"/>
+                </a:cxn>
+                <a:cxn ang="0">
+                  <a:pos x="T18" y="T19"/>
+                </a:cxn>
+                <a:cxn ang="0">
+                  <a:pos x="T20" y="T21"/>
+                </a:cxn>
+                <a:cxn ang="0">
+                  <a:pos x="T22" y="T23"/>
+                </a:cxn>
+                <a:cxn ang="0">
+                  <a:pos x="T24" y="T25"/>
+                </a:cxn>
+              </a:cxnLst>
+              <a:rect l="0" t="0" r="r" b="b"/>
+              <a:pathLst>
+                <a:path w="785" h="692">
+                  <a:moveTo>
+                    <a:pt x="225" y="692"/>
+                  </a:moveTo>
+                  <a:cubicBezTo>
+                    <a:pt x="207" y="692"/>
+                    <a:pt x="185" y="680"/>
+                    <a:pt x="177" y="665"/>
+                  </a:cubicBezTo>
+                  <a:cubicBezTo>
+                    <a:pt x="9" y="374"/>
+                    <a:pt x="9" y="374"/>
+                    <a:pt x="9" y="374"/>
+                  </a:cubicBezTo>
+                  <a:cubicBezTo>
+                    <a:pt x="0" y="358"/>
+                    <a:pt x="0" y="334"/>
+                    <a:pt x="9" y="318"/>
+                  </a:cubicBezTo>
+                  <a:cubicBezTo>
+                    <a:pt x="177" y="27"/>
+                    <a:pt x="177" y="27"/>
+                    <a:pt x="177" y="27"/>
+                  </a:cubicBezTo>
+                  <a:cubicBezTo>
+                    <a:pt x="185" y="12"/>
+                    <a:pt x="207" y="0"/>
+                    <a:pt x="225" y="0"/>
+                  </a:cubicBezTo>
+                  <a:cubicBezTo>
+                    <a:pt x="561" y="0"/>
+                    <a:pt x="561" y="0"/>
+                    <a:pt x="561" y="0"/>
+                  </a:cubicBezTo>
+                  <a:cubicBezTo>
+                    <a:pt x="578" y="0"/>
+                    <a:pt x="600" y="12"/>
+                    <a:pt x="609" y="27"/>
+                  </a:cubicBezTo>
+                  <a:cubicBezTo>
+                    <a:pt x="777" y="318"/>
+                    <a:pt x="777" y="318"/>
+                    <a:pt x="777" y="318"/>
+                  </a:cubicBezTo>
+                  <a:cubicBezTo>
+                    <a:pt x="785" y="334"/>
+                    <a:pt x="785" y="358"/>
+                    <a:pt x="777" y="374"/>
+                  </a:cubicBezTo>
+                  <a:cubicBezTo>
+                    <a:pt x="609" y="665"/>
+                    <a:pt x="609" y="665"/>
+                    <a:pt x="609" y="665"/>
+                  </a:cubicBezTo>
+                  <a:cubicBezTo>
+                    <a:pt x="600" y="680"/>
+                    <a:pt x="578" y="692"/>
+                    <a:pt x="561" y="692"/>
+                  </a:cubicBezTo>
+                  <a:lnTo>
+                    <a:pt x="225" y="692"/>
+                  </a:lnTo>
+                  <a:close/>
+                </a:path>
+              </a:pathLst>
+            </a:custGeom>
+            <a:noFill/>
+            <a:ln w="28575" cmpd="sng">
+              <a:solidFill>
+                <a:schemeClr val="tx1"/>
+              </a:solidFill>
+            </a:ln>
+          </p:spPr>
+          <p:txBody>
+            <a:bodyPr vert="horz" wrap="square" lIns="91440" tIns="45720" rIns="91440" bIns="45720" numCol="1" anchor="t" anchorCtr="0" compatLnSpc="1"/>
+            <a:lstStyle/>
+            <a:p>
+              <a:endParaRPr lang="en-US"/>
+            </a:p>
+          </p:txBody>
+        </p:sp>
+        <p:sp>
+          <p:nvSpPr>
+            <p:cNvPr id="14" name="Freeform 5"/>
+            <p:cNvSpPr/>
+            <p:nvPr/>
+          </p:nvSpPr>
+          <p:spPr bwMode="auto">
+            <a:xfrm>
+              <a:off x="8983979" y="1000124"/>
+              <a:ext cx="762167" cy="671915"/>
+            </a:xfrm>
+            <a:custGeom>
+              <a:avLst/>
+              <a:gdLst>
+                <a:gd name="T0" fmla="*/ 225 w 785"/>
+                <a:gd name="T1" fmla="*/ 692 h 692"/>
+                <a:gd name="T2" fmla="*/ 177 w 785"/>
+                <a:gd name="T3" fmla="*/ 665 h 692"/>
+                <a:gd name="T4" fmla="*/ 9 w 785"/>
+                <a:gd name="T5" fmla="*/ 374 h 692"/>
+                <a:gd name="T6" fmla="*/ 9 w 785"/>
+                <a:gd name="T7" fmla="*/ 318 h 692"/>
+                <a:gd name="T8" fmla="*/ 177 w 785"/>
+                <a:gd name="T9" fmla="*/ 27 h 692"/>
+                <a:gd name="T10" fmla="*/ 225 w 785"/>
+                <a:gd name="T11" fmla="*/ 0 h 692"/>
+                <a:gd name="T12" fmla="*/ 561 w 785"/>
+                <a:gd name="T13" fmla="*/ 0 h 692"/>
+                <a:gd name="T14" fmla="*/ 609 w 785"/>
+                <a:gd name="T15" fmla="*/ 27 h 692"/>
+                <a:gd name="T16" fmla="*/ 777 w 785"/>
+                <a:gd name="T17" fmla="*/ 318 h 692"/>
+                <a:gd name="T18" fmla="*/ 777 w 785"/>
+                <a:gd name="T19" fmla="*/ 374 h 692"/>
+                <a:gd name="T20" fmla="*/ 609 w 785"/>
+                <a:gd name="T21" fmla="*/ 665 h 692"/>
+                <a:gd name="T22" fmla="*/ 561 w 785"/>
+                <a:gd name="T23" fmla="*/ 692 h 692"/>
+                <a:gd name="T24" fmla="*/ 225 w 785"/>
+                <a:gd name="T25" fmla="*/ 692 h 692"/>
+              </a:gdLst>
+              <a:ahLst/>
+              <a:cxnLst>
+                <a:cxn ang="0">
+                  <a:pos x="T0" y="T1"/>
+                </a:cxn>
+                <a:cxn ang="0">
+                  <a:pos x="T2" y="T3"/>
+                </a:cxn>
+                <a:cxn ang="0">
+                  <a:pos x="T4" y="T5"/>
+                </a:cxn>
+                <a:cxn ang="0">
+                  <a:pos x="T6" y="T7"/>
+                </a:cxn>
+                <a:cxn ang="0">
+                  <a:pos x="T8" y="T9"/>
+                </a:cxn>
+                <a:cxn ang="0">
+                  <a:pos x="T10" y="T11"/>
+                </a:cxn>
+                <a:cxn ang="0">
+                  <a:pos x="T12" y="T13"/>
+                </a:cxn>
+                <a:cxn ang="0">
+                  <a:pos x="T14" y="T15"/>
+                </a:cxn>
+                <a:cxn ang="0">
+                  <a:pos x="T16" y="T17"/>
+                </a:cxn>
+                <a:cxn ang="0">
+                  <a:pos x="T18" y="T19"/>
+                </a:cxn>
+                <a:cxn ang="0">
+                  <a:pos x="T20" y="T21"/>
+                </a:cxn>
+                <a:cxn ang="0">
+                  <a:pos x="T22" y="T23"/>
+                </a:cxn>
+                <a:cxn ang="0">
+                  <a:pos x="T24" y="T25"/>
+                </a:cxn>
+              </a:cxnLst>
+              <a:rect l="0" t="0" r="r" b="b"/>
+              <a:pathLst>
+                <a:path w="785" h="692">
+                  <a:moveTo>
+                    <a:pt x="225" y="692"/>
+                  </a:moveTo>
+                  <a:cubicBezTo>
+                    <a:pt x="207" y="692"/>
+                    <a:pt x="185" y="680"/>
+                    <a:pt x="177" y="665"/>
+                  </a:cubicBezTo>
+                  <a:cubicBezTo>
+                    <a:pt x="9" y="374"/>
+                    <a:pt x="9" y="374"/>
+                    <a:pt x="9" y="374"/>
+                  </a:cubicBezTo>
+                  <a:cubicBezTo>
+                    <a:pt x="0" y="358"/>
+                    <a:pt x="0" y="334"/>
+                    <a:pt x="9" y="318"/>
+                  </a:cubicBezTo>
+                  <a:cubicBezTo>
+                    <a:pt x="177" y="27"/>
+                    <a:pt x="177" y="27"/>
+                    <a:pt x="177" y="27"/>
+                  </a:cubicBezTo>
+                  <a:cubicBezTo>
+                    <a:pt x="185" y="12"/>
+                    <a:pt x="207" y="0"/>
+                    <a:pt x="225" y="0"/>
+                  </a:cubicBezTo>
+                  <a:cubicBezTo>
+                    <a:pt x="561" y="0"/>
+                    <a:pt x="561" y="0"/>
+                    <a:pt x="561" y="0"/>
+                  </a:cubicBezTo>
+                  <a:cubicBezTo>
+                    <a:pt x="578" y="0"/>
+                    <a:pt x="600" y="12"/>
+                    <a:pt x="609" y="27"/>
+                  </a:cubicBezTo>
+                  <a:cubicBezTo>
+                    <a:pt x="777" y="318"/>
+                    <a:pt x="777" y="318"/>
+                    <a:pt x="777" y="318"/>
+                  </a:cubicBezTo>
+                  <a:cubicBezTo>
+                    <a:pt x="785" y="334"/>
+                    <a:pt x="785" y="358"/>
+                    <a:pt x="777" y="374"/>
+                  </a:cubicBezTo>
+                  <a:cubicBezTo>
+                    <a:pt x="609" y="665"/>
+                    <a:pt x="609" y="665"/>
+                    <a:pt x="609" y="665"/>
+                  </a:cubicBezTo>
+                  <a:cubicBezTo>
+                    <a:pt x="600" y="680"/>
+                    <a:pt x="578" y="692"/>
+                    <a:pt x="561" y="692"/>
+                  </a:cubicBezTo>
+                  <a:lnTo>
+                    <a:pt x="225" y="692"/>
+                  </a:lnTo>
+                  <a:close/>
+                </a:path>
+              </a:pathLst>
+            </a:custGeom>
+            <a:noFill/>
+            <a:ln w="28575" cmpd="sng">
+              <a:solidFill>
+                <a:schemeClr val="tx1"/>
+              </a:solidFill>
+            </a:ln>
+          </p:spPr>
+          <p:txBody>
+            <a:bodyPr vert="horz" wrap="square" lIns="91440" tIns="45720" rIns="91440" bIns="45720" numCol="1" anchor="t" anchorCtr="0" compatLnSpc="1"/>
+            <a:lstStyle/>
+            <a:p>
+              <a:endParaRPr lang="en-US"/>
+            </a:p>
+          </p:txBody>
+        </p:sp>
+      </p:grpSp>
+      <p:pic>
+        <p:nvPicPr>
+          <p:cNvPr id="11" name="Imagem 10">
+            <a:extLst>
+              <a:ext uri="{FF2B5EF4-FFF2-40B4-BE49-F238E27FC236}">
+                <a16:creationId xmlns:a16="http://schemas.microsoft.com/office/drawing/2014/main" id="{8F1A4823-8682-41E7-A5C1-1ABA20505B18}"/>
+              </a:ext>
+            </a:extLst>
+          </p:cNvPr>
+          <p:cNvPicPr>
+            <a:picLocks noChangeAspect="1"/>
+          </p:cNvPicPr>
+          <p:nvPr/>
+        </p:nvPicPr>
+        <p:blipFill>
+          <a:blip r:embed="rId2"/>
+          <a:stretch>
+            <a:fillRect/>
+          </a:stretch>
+        </p:blipFill>
+        <p:spPr>
+          <a:xfrm>
+            <a:off x="1994792" y="4571013"/>
+            <a:ext cx="8202408" cy="2102836"/>
+          </a:xfrm>
+          <a:prstGeom prst="rect">
+            <a:avLst/>
+          </a:prstGeom>
+        </p:spPr>
+      </p:pic>
+      <p:pic>
+        <p:nvPicPr>
+          <p:cNvPr id="15" name="Imagem 14">
+            <a:extLst>
+              <a:ext uri="{FF2B5EF4-FFF2-40B4-BE49-F238E27FC236}">
+                <a16:creationId xmlns:a16="http://schemas.microsoft.com/office/drawing/2014/main" id="{4E3D15D1-6C66-4859-8D2D-7DECB3E481F5}"/>
+              </a:ext>
+            </a:extLst>
+          </p:cNvPr>
+          <p:cNvPicPr>
+            <a:picLocks noChangeAspect="1"/>
+          </p:cNvPicPr>
+          <p:nvPr/>
+        </p:nvPicPr>
+        <p:blipFill>
+          <a:blip r:embed="rId3"/>
+          <a:stretch>
+            <a:fillRect/>
+          </a:stretch>
+        </p:blipFill>
+        <p:spPr>
+          <a:xfrm>
+            <a:off x="3643309" y="1586283"/>
+            <a:ext cx="4905375" cy="2001558"/>
+          </a:xfrm>
+          <a:prstGeom prst="rect">
+            <a:avLst/>
+          </a:prstGeom>
+        </p:spPr>
+      </p:pic>
+      <p:sp>
+        <p:nvSpPr>
+          <p:cNvPr id="6" name="Seta: para Baixo 5">
+            <a:extLst>
+              <a:ext uri="{FF2B5EF4-FFF2-40B4-BE49-F238E27FC236}">
+                <a16:creationId xmlns:a16="http://schemas.microsoft.com/office/drawing/2014/main" id="{C0FFF3D3-78AB-4F03-AEA3-F792F1C928B1}"/>
+              </a:ext>
+            </a:extLst>
+          </p:cNvPr>
+          <p:cNvSpPr/>
+          <p:nvPr/>
+        </p:nvSpPr>
+        <p:spPr>
+          <a:xfrm>
+            <a:off x="5872159" y="3679377"/>
+            <a:ext cx="447677" cy="800100"/>
+          </a:xfrm>
+          <a:prstGeom prst="downArrow">
+            <a:avLst/>
+          </a:prstGeom>
+          <a:solidFill>
+            <a:srgbClr val="92D050"/>
+          </a:solidFill>
+        </p:spPr>
+        <p:style>
+          <a:lnRef idx="2">
+            <a:schemeClr val="accent1">
+              <a:shade val="50000"/>
+            </a:schemeClr>
+          </a:lnRef>
+          <a:fillRef idx="1">
+            <a:schemeClr val="accent1"/>
+          </a:fillRef>
+          <a:effectRef idx="0">
+            <a:schemeClr val="accent1"/>
+          </a:effectRef>
+          <a:fontRef idx="minor">
+            <a:schemeClr val="lt1"/>
+          </a:fontRef>
+        </p:style>
+        <p:txBody>
+          <a:bodyPr rtlCol="0" anchor="ctr"/>
+          <a:lstStyle/>
+          <a:p>
+            <a:pPr algn="ctr"/>
+            <a:endParaRPr lang="pt-BR"/>
+          </a:p>
+        </p:txBody>
+      </p:sp>
+    </p:spTree>
+    <p:extLst>
+      <p:ext uri="{BB962C8B-B14F-4D97-AF65-F5344CB8AC3E}">
+        <p14:creationId xmlns:p14="http://schemas.microsoft.com/office/powerpoint/2010/main" val="1290913563"/>
+      </p:ext>
+    </p:extLst>
+  </p:cSld>
+  <p:clrMapOvr>
+    <a:masterClrMapping/>
+  </p:clrMapOvr>
+</p:sld>
+</file>
+
+<file path=ppt/slides/slide12.xml><?xml version="1.0" encoding="utf-8"?>
+<p:sld xmlns:a="http://schemas.openxmlformats.org/drawingml/2006/main" xmlns:r="http://schemas.openxmlformats.org/officeDocument/2006/relationships" xmlns:p="http://schemas.openxmlformats.org/presentationml/2006/main">
+  <p:cSld>
+    <p:spTree>
+      <p:nvGrpSpPr>
+        <p:cNvPr id="1" name=""/>
+        <p:cNvGrpSpPr/>
+        <p:nvPr/>
+      </p:nvGrpSpPr>
+      <p:grpSpPr>
+        <a:xfrm>
+          <a:off x="0" y="0"/>
+          <a:ext cx="0" cy="0"/>
+          <a:chOff x="0" y="0"/>
+          <a:chExt cx="0" cy="0"/>
+        </a:xfrm>
+      </p:grpSpPr>
+      <p:sp>
+        <p:nvSpPr>
+          <p:cNvPr id="2" name="Título 1"/>
+          <p:cNvSpPr>
+            <a:spLocks noGrp="1"/>
+          </p:cNvSpPr>
+          <p:nvPr>
+            <p:ph type="title"/>
+          </p:nvPr>
+        </p:nvSpPr>
+        <p:spPr>
+          <a:xfrm>
+            <a:off x="1812897" y="518649"/>
+            <a:ext cx="9882278" cy="1067634"/>
+          </a:xfrm>
+        </p:spPr>
+        <p:txBody>
+          <a:bodyPr anchor="ctr">
+            <a:normAutofit/>
+          </a:bodyPr>
+          <a:lstStyle/>
+          <a:p>
+            <a:r>
+              <a:rPr lang="pt-BR" dirty="0"/>
+              <a:t>Planejamento</a:t>
+            </a:r>
+          </a:p>
+        </p:txBody>
+      </p:sp>
+      <p:grpSp>
+        <p:nvGrpSpPr>
+          <p:cNvPr id="12" name="Group 11"/>
+          <p:cNvGrpSpPr>
+            <a:grpSpLocks noGrp="1" noUngrp="1" noRot="1" noChangeAspect="1" noMove="1" noResize="1"/>
+          </p:cNvGrpSpPr>
+          <p:nvPr/>
+        </p:nvGrpSpPr>
+        <p:grpSpPr>
+          <a:xfrm>
+            <a:off x="472021" y="628863"/>
+            <a:ext cx="1128382" cy="847206"/>
+            <a:chOff x="8183879" y="1000124"/>
+            <a:chExt cx="1562267" cy="1172973"/>
+          </a:xfrm>
+        </p:grpSpPr>
+        <p:sp>
+          <p:nvSpPr>
+            <p:cNvPr id="13" name="Freeform 5"/>
+            <p:cNvSpPr/>
+            <p:nvPr/>
+          </p:nvSpPr>
+          <p:spPr bwMode="auto">
+            <a:xfrm>
+              <a:off x="8183879" y="1348782"/>
+              <a:ext cx="935037" cy="824315"/>
+            </a:xfrm>
+            <a:custGeom>
+              <a:avLst/>
+              <a:gdLst>
+                <a:gd name="T0" fmla="*/ 225 w 785"/>
+                <a:gd name="T1" fmla="*/ 692 h 692"/>
+                <a:gd name="T2" fmla="*/ 177 w 785"/>
+                <a:gd name="T3" fmla="*/ 665 h 692"/>
+                <a:gd name="T4" fmla="*/ 9 w 785"/>
+                <a:gd name="T5" fmla="*/ 374 h 692"/>
+                <a:gd name="T6" fmla="*/ 9 w 785"/>
+                <a:gd name="T7" fmla="*/ 318 h 692"/>
+                <a:gd name="T8" fmla="*/ 177 w 785"/>
+                <a:gd name="T9" fmla="*/ 27 h 692"/>
+                <a:gd name="T10" fmla="*/ 225 w 785"/>
+                <a:gd name="T11" fmla="*/ 0 h 692"/>
+                <a:gd name="T12" fmla="*/ 561 w 785"/>
+                <a:gd name="T13" fmla="*/ 0 h 692"/>
+                <a:gd name="T14" fmla="*/ 609 w 785"/>
+                <a:gd name="T15" fmla="*/ 27 h 692"/>
+                <a:gd name="T16" fmla="*/ 777 w 785"/>
+                <a:gd name="T17" fmla="*/ 318 h 692"/>
+                <a:gd name="T18" fmla="*/ 777 w 785"/>
+                <a:gd name="T19" fmla="*/ 374 h 692"/>
+                <a:gd name="T20" fmla="*/ 609 w 785"/>
+                <a:gd name="T21" fmla="*/ 665 h 692"/>
+                <a:gd name="T22" fmla="*/ 561 w 785"/>
+                <a:gd name="T23" fmla="*/ 692 h 692"/>
+                <a:gd name="T24" fmla="*/ 225 w 785"/>
+                <a:gd name="T25" fmla="*/ 692 h 692"/>
+              </a:gdLst>
+              <a:ahLst/>
+              <a:cxnLst>
+                <a:cxn ang="0">
+                  <a:pos x="T0" y="T1"/>
+                </a:cxn>
+                <a:cxn ang="0">
+                  <a:pos x="T2" y="T3"/>
+                </a:cxn>
+                <a:cxn ang="0">
+                  <a:pos x="T4" y="T5"/>
+                </a:cxn>
+                <a:cxn ang="0">
+                  <a:pos x="T6" y="T7"/>
+                </a:cxn>
+                <a:cxn ang="0">
+                  <a:pos x="T8" y="T9"/>
+                </a:cxn>
+                <a:cxn ang="0">
+                  <a:pos x="T10" y="T11"/>
+                </a:cxn>
+                <a:cxn ang="0">
+                  <a:pos x="T12" y="T13"/>
+                </a:cxn>
+                <a:cxn ang="0">
+                  <a:pos x="T14" y="T15"/>
+                </a:cxn>
+                <a:cxn ang="0">
+                  <a:pos x="T16" y="T17"/>
+                </a:cxn>
+                <a:cxn ang="0">
+                  <a:pos x="T18" y="T19"/>
+                </a:cxn>
+                <a:cxn ang="0">
+                  <a:pos x="T20" y="T21"/>
+                </a:cxn>
+                <a:cxn ang="0">
+                  <a:pos x="T22" y="T23"/>
+                </a:cxn>
+                <a:cxn ang="0">
+                  <a:pos x="T24" y="T25"/>
+                </a:cxn>
+              </a:cxnLst>
+              <a:rect l="0" t="0" r="r" b="b"/>
+              <a:pathLst>
+                <a:path w="785" h="692">
+                  <a:moveTo>
+                    <a:pt x="225" y="692"/>
+                  </a:moveTo>
+                  <a:cubicBezTo>
+                    <a:pt x="207" y="692"/>
+                    <a:pt x="185" y="680"/>
+                    <a:pt x="177" y="665"/>
+                  </a:cubicBezTo>
+                  <a:cubicBezTo>
+                    <a:pt x="9" y="374"/>
+                    <a:pt x="9" y="374"/>
+                    <a:pt x="9" y="374"/>
+                  </a:cubicBezTo>
+                  <a:cubicBezTo>
+                    <a:pt x="0" y="358"/>
+                    <a:pt x="0" y="334"/>
+                    <a:pt x="9" y="318"/>
+                  </a:cubicBezTo>
+                  <a:cubicBezTo>
+                    <a:pt x="177" y="27"/>
+                    <a:pt x="177" y="27"/>
+                    <a:pt x="177" y="27"/>
+                  </a:cubicBezTo>
+                  <a:cubicBezTo>
+                    <a:pt x="185" y="12"/>
+                    <a:pt x="207" y="0"/>
+                    <a:pt x="225" y="0"/>
+                  </a:cubicBezTo>
+                  <a:cubicBezTo>
+                    <a:pt x="561" y="0"/>
+                    <a:pt x="561" y="0"/>
+                    <a:pt x="561" y="0"/>
+                  </a:cubicBezTo>
+                  <a:cubicBezTo>
+                    <a:pt x="578" y="0"/>
+                    <a:pt x="600" y="12"/>
+                    <a:pt x="609" y="27"/>
+                  </a:cubicBezTo>
+                  <a:cubicBezTo>
+                    <a:pt x="777" y="318"/>
+                    <a:pt x="777" y="318"/>
+                    <a:pt x="777" y="318"/>
+                  </a:cubicBezTo>
+                  <a:cubicBezTo>
+                    <a:pt x="785" y="334"/>
+                    <a:pt x="785" y="358"/>
+                    <a:pt x="777" y="374"/>
+                  </a:cubicBezTo>
+                  <a:cubicBezTo>
+                    <a:pt x="609" y="665"/>
+                    <a:pt x="609" y="665"/>
+                    <a:pt x="609" y="665"/>
+                  </a:cubicBezTo>
+                  <a:cubicBezTo>
+                    <a:pt x="600" y="680"/>
+                    <a:pt x="578" y="692"/>
+                    <a:pt x="561" y="692"/>
+                  </a:cubicBezTo>
+                  <a:lnTo>
+                    <a:pt x="225" y="692"/>
+                  </a:lnTo>
+                  <a:close/>
+                </a:path>
+              </a:pathLst>
+            </a:custGeom>
+            <a:noFill/>
+            <a:ln w="28575" cmpd="sng">
+              <a:solidFill>
+                <a:schemeClr val="tx1"/>
+              </a:solidFill>
+            </a:ln>
+          </p:spPr>
+          <p:txBody>
+            <a:bodyPr vert="horz" wrap="square" lIns="91440" tIns="45720" rIns="91440" bIns="45720" numCol="1" anchor="t" anchorCtr="0" compatLnSpc="1"/>
+            <a:lstStyle/>
+            <a:p>
+              <a:endParaRPr lang="en-US"/>
+            </a:p>
+          </p:txBody>
+        </p:sp>
+        <p:sp>
+          <p:nvSpPr>
+            <p:cNvPr id="14" name="Freeform 5"/>
+            <p:cNvSpPr/>
+            <p:nvPr/>
+          </p:nvSpPr>
+          <p:spPr bwMode="auto">
+            <a:xfrm>
+              <a:off x="8983979" y="1000124"/>
+              <a:ext cx="762167" cy="671915"/>
+            </a:xfrm>
+            <a:custGeom>
+              <a:avLst/>
+              <a:gdLst>
+                <a:gd name="T0" fmla="*/ 225 w 785"/>
+                <a:gd name="T1" fmla="*/ 692 h 692"/>
+                <a:gd name="T2" fmla="*/ 177 w 785"/>
+                <a:gd name="T3" fmla="*/ 665 h 692"/>
+                <a:gd name="T4" fmla="*/ 9 w 785"/>
+                <a:gd name="T5" fmla="*/ 374 h 692"/>
+                <a:gd name="T6" fmla="*/ 9 w 785"/>
+                <a:gd name="T7" fmla="*/ 318 h 692"/>
+                <a:gd name="T8" fmla="*/ 177 w 785"/>
+                <a:gd name="T9" fmla="*/ 27 h 692"/>
+                <a:gd name="T10" fmla="*/ 225 w 785"/>
+                <a:gd name="T11" fmla="*/ 0 h 692"/>
+                <a:gd name="T12" fmla="*/ 561 w 785"/>
+                <a:gd name="T13" fmla="*/ 0 h 692"/>
+                <a:gd name="T14" fmla="*/ 609 w 785"/>
+                <a:gd name="T15" fmla="*/ 27 h 692"/>
+                <a:gd name="T16" fmla="*/ 777 w 785"/>
+                <a:gd name="T17" fmla="*/ 318 h 692"/>
+                <a:gd name="T18" fmla="*/ 777 w 785"/>
+                <a:gd name="T19" fmla="*/ 374 h 692"/>
+                <a:gd name="T20" fmla="*/ 609 w 785"/>
+                <a:gd name="T21" fmla="*/ 665 h 692"/>
+                <a:gd name="T22" fmla="*/ 561 w 785"/>
+                <a:gd name="T23" fmla="*/ 692 h 692"/>
+                <a:gd name="T24" fmla="*/ 225 w 785"/>
+                <a:gd name="T25" fmla="*/ 692 h 692"/>
+              </a:gdLst>
+              <a:ahLst/>
+              <a:cxnLst>
+                <a:cxn ang="0">
+                  <a:pos x="T0" y="T1"/>
+                </a:cxn>
+                <a:cxn ang="0">
+                  <a:pos x="T2" y="T3"/>
+                </a:cxn>
+                <a:cxn ang="0">
+                  <a:pos x="T4" y="T5"/>
+                </a:cxn>
+                <a:cxn ang="0">
+                  <a:pos x="T6" y="T7"/>
+                </a:cxn>
+                <a:cxn ang="0">
+                  <a:pos x="T8" y="T9"/>
+                </a:cxn>
+                <a:cxn ang="0">
+                  <a:pos x="T10" y="T11"/>
+                </a:cxn>
+                <a:cxn ang="0">
+                  <a:pos x="T12" y="T13"/>
+                </a:cxn>
+                <a:cxn ang="0">
+                  <a:pos x="T14" y="T15"/>
+                </a:cxn>
+                <a:cxn ang="0">
+                  <a:pos x="T16" y="T17"/>
+                </a:cxn>
+                <a:cxn ang="0">
+                  <a:pos x="T18" y="T19"/>
+                </a:cxn>
+                <a:cxn ang="0">
+                  <a:pos x="T20" y="T21"/>
+                </a:cxn>
+                <a:cxn ang="0">
+                  <a:pos x="T22" y="T23"/>
+                </a:cxn>
+                <a:cxn ang="0">
+                  <a:pos x="T24" y="T25"/>
+                </a:cxn>
+              </a:cxnLst>
+              <a:rect l="0" t="0" r="r" b="b"/>
+              <a:pathLst>
+                <a:path w="785" h="692">
+                  <a:moveTo>
+                    <a:pt x="225" y="692"/>
+                  </a:moveTo>
+                  <a:cubicBezTo>
+                    <a:pt x="207" y="692"/>
+                    <a:pt x="185" y="680"/>
+                    <a:pt x="177" y="665"/>
+                  </a:cubicBezTo>
+                  <a:cubicBezTo>
+                    <a:pt x="9" y="374"/>
+                    <a:pt x="9" y="374"/>
+                    <a:pt x="9" y="374"/>
+                  </a:cubicBezTo>
+                  <a:cubicBezTo>
+                    <a:pt x="0" y="358"/>
+                    <a:pt x="0" y="334"/>
+                    <a:pt x="9" y="318"/>
+                  </a:cubicBezTo>
+                  <a:cubicBezTo>
+                    <a:pt x="177" y="27"/>
+                    <a:pt x="177" y="27"/>
+                    <a:pt x="177" y="27"/>
+                  </a:cubicBezTo>
+                  <a:cubicBezTo>
+                    <a:pt x="185" y="12"/>
+                    <a:pt x="207" y="0"/>
+                    <a:pt x="225" y="0"/>
+                  </a:cubicBezTo>
+                  <a:cubicBezTo>
+                    <a:pt x="561" y="0"/>
+                    <a:pt x="561" y="0"/>
+                    <a:pt x="561" y="0"/>
+                  </a:cubicBezTo>
+                  <a:cubicBezTo>
+                    <a:pt x="578" y="0"/>
+                    <a:pt x="600" y="12"/>
+                    <a:pt x="609" y="27"/>
+                  </a:cubicBezTo>
+                  <a:cubicBezTo>
+                    <a:pt x="777" y="318"/>
+                    <a:pt x="777" y="318"/>
+                    <a:pt x="777" y="318"/>
+                  </a:cubicBezTo>
+                  <a:cubicBezTo>
+                    <a:pt x="785" y="334"/>
+                    <a:pt x="785" y="358"/>
+                    <a:pt x="777" y="374"/>
+                  </a:cubicBezTo>
+                  <a:cubicBezTo>
+                    <a:pt x="609" y="665"/>
+                    <a:pt x="609" y="665"/>
+                    <a:pt x="609" y="665"/>
+                  </a:cubicBezTo>
+                  <a:cubicBezTo>
+                    <a:pt x="600" y="680"/>
+                    <a:pt x="578" y="692"/>
+                    <a:pt x="561" y="692"/>
+                  </a:cubicBezTo>
+                  <a:lnTo>
+                    <a:pt x="225" y="692"/>
+                  </a:lnTo>
+                  <a:close/>
+                </a:path>
+              </a:pathLst>
+            </a:custGeom>
+            <a:noFill/>
+            <a:ln w="28575" cmpd="sng">
+              <a:solidFill>
+                <a:schemeClr val="tx1"/>
+              </a:solidFill>
+            </a:ln>
+          </p:spPr>
+          <p:txBody>
+            <a:bodyPr vert="horz" wrap="square" lIns="91440" tIns="45720" rIns="91440" bIns="45720" numCol="1" anchor="t" anchorCtr="0" compatLnSpc="1"/>
+            <a:lstStyle/>
+            <a:p>
+              <a:endParaRPr lang="en-US"/>
+            </a:p>
+          </p:txBody>
+        </p:sp>
+      </p:grpSp>
+      <p:pic>
+        <p:nvPicPr>
+          <p:cNvPr id="1028" name="Picture 4" descr="Discord Icon for Metro UI Icon Set by Craftplacer on DeviantArt">
+            <a:extLst>
+              <a:ext uri="{FF2B5EF4-FFF2-40B4-BE49-F238E27FC236}">
+                <a16:creationId xmlns:a16="http://schemas.microsoft.com/office/drawing/2014/main" id="{4D52BBEE-2B65-4A2C-8909-4A9068D56737}"/>
+              </a:ext>
+            </a:extLst>
+          </p:cNvPr>
+          <p:cNvPicPr>
+            <a:picLocks noChangeAspect="1" noChangeArrowheads="1"/>
           </p:cNvPicPr>
           <p:nvPr/>
         </p:nvPicPr>
@@ -29204,14 +30327,111 @@
               </a:ext>
             </a:extLst>
           </a:blip>
+          <a:srcRect/>
+          <a:stretch>
+            <a:fillRect/>
+          </a:stretch>
+        </p:blipFill>
+        <p:spPr bwMode="auto">
+          <a:xfrm>
+            <a:off x="7408287" y="2742295"/>
+            <a:ext cx="1373405" cy="1373405"/>
+          </a:xfrm>
+          <a:prstGeom prst="rect">
+            <a:avLst/>
+          </a:prstGeom>
+          <a:noFill/>
+          <a:extLst>
+            <a:ext uri="{909E8E84-426E-40DD-AFC4-6F175D3DCCD1}">
+              <a14:hiddenFill xmlns:a14="http://schemas.microsoft.com/office/drawing/2010/main">
+                <a:solidFill>
+                  <a:srgbClr val="FFFFFF"/>
+                </a:solidFill>
+              </a14:hiddenFill>
+            </a:ext>
+          </a:extLst>
+        </p:spPr>
+      </p:pic>
+      <p:pic>
+        <p:nvPicPr>
+          <p:cNvPr id="1030" name="Picture 6" descr="Planner - Free logo icons">
+            <a:extLst>
+              <a:ext uri="{FF2B5EF4-FFF2-40B4-BE49-F238E27FC236}">
+                <a16:creationId xmlns:a16="http://schemas.microsoft.com/office/drawing/2014/main" id="{5FA43E33-8005-4382-9B8C-63CBEE494F0D}"/>
+              </a:ext>
+            </a:extLst>
+          </p:cNvPr>
+          <p:cNvPicPr>
+            <a:picLocks noChangeAspect="1" noChangeArrowheads="1"/>
+          </p:cNvPicPr>
+          <p:nvPr/>
+        </p:nvPicPr>
+        <p:blipFill>
+          <a:blip r:embed="rId3">
+            <a:extLst>
+              <a:ext uri="{28A0092B-C50C-407E-A947-70E740481C1C}">
+                <a14:useLocalDpi xmlns:a14="http://schemas.microsoft.com/office/drawing/2010/main" val="0"/>
+              </a:ext>
+            </a:extLst>
+          </a:blip>
+          <a:srcRect/>
+          <a:stretch>
+            <a:fillRect/>
+          </a:stretch>
+        </p:blipFill>
+        <p:spPr bwMode="auto">
+          <a:xfrm>
+            <a:off x="3410309" y="2742295"/>
+            <a:ext cx="1373404" cy="1373404"/>
+          </a:xfrm>
+          <a:prstGeom prst="rect">
+            <a:avLst/>
+          </a:prstGeom>
+          <a:noFill/>
+          <a:extLst>
+            <a:ext uri="{909E8E84-426E-40DD-AFC4-6F175D3DCCD1}">
+              <a14:hiddenFill xmlns:a14="http://schemas.microsoft.com/office/drawing/2010/main">
+                <a:solidFill>
+                  <a:srgbClr val="FFFFFF"/>
+                </a:solidFill>
+              </a14:hiddenFill>
+            </a:ext>
+          </a:extLst>
+        </p:spPr>
+      </p:pic>
+      <p:pic>
+        <p:nvPicPr>
+          <p:cNvPr id="5" name="Gráfico 4" descr="Adicionar">
+            <a:extLst>
+              <a:ext uri="{FF2B5EF4-FFF2-40B4-BE49-F238E27FC236}">
+                <a16:creationId xmlns:a16="http://schemas.microsoft.com/office/drawing/2014/main" id="{05D0ED45-D674-4D1C-9168-43929F63670A}"/>
+              </a:ext>
+            </a:extLst>
+          </p:cNvPr>
+          <p:cNvPicPr>
+            <a:picLocks noChangeAspect="1"/>
+          </p:cNvPicPr>
+          <p:nvPr/>
+        </p:nvPicPr>
+        <p:blipFill>
+          <a:blip r:embed="rId4">
+            <a:extLst>
+              <a:ext uri="{28A0092B-C50C-407E-A947-70E740481C1C}">
+                <a14:useLocalDpi xmlns:a14="http://schemas.microsoft.com/office/drawing/2010/main" val="0"/>
+              </a:ext>
+              <a:ext uri="{96DAC541-7B7A-43D3-8B79-37D633B846F1}">
+                <asvg:svgBlip xmlns:asvg="http://schemas.microsoft.com/office/drawing/2016/SVG/main" r:embed="rId5"/>
+              </a:ext>
+            </a:extLst>
+          </a:blip>
           <a:stretch>
             <a:fillRect/>
           </a:stretch>
         </p:blipFill>
         <p:spPr>
           <a:xfrm>
-            <a:off x="2052637" y="1947750"/>
-            <a:ext cx="8086725" cy="4548783"/>
+            <a:off x="5638800" y="2971797"/>
+            <a:ext cx="914400" cy="914400"/>
           </a:xfrm>
           <a:prstGeom prst="rect">
             <a:avLst/>
@@ -29221,7 +30441,7 @@
     </p:spTree>
     <p:extLst>
       <p:ext uri="{BB962C8B-B14F-4D97-AF65-F5344CB8AC3E}">
-        <p14:creationId xmlns:p14="http://schemas.microsoft.com/office/powerpoint/2010/main" val="1034810671"/>
+        <p14:creationId xmlns:p14="http://schemas.microsoft.com/office/powerpoint/2010/main" val="2462845540"/>
       </p:ext>
     </p:extLst>
   </p:cSld>
@@ -29231,7 +30451,7 @@
 </p:sld>
 </file>
 
-<file path=ppt/slides/slide11.xml><?xml version="1.0" encoding="utf-8"?>
+<file path=ppt/slides/slide13.xml><?xml version="1.0" encoding="utf-8"?>
 <p:sld xmlns:a="http://schemas.openxmlformats.org/drawingml/2006/main" xmlns:r="http://schemas.openxmlformats.org/officeDocument/2006/relationships" xmlns:p="http://schemas.openxmlformats.org/presentationml/2006/main">
   <p:cSld>
     <p:spTree>
@@ -29720,490 +30940,7 @@
 </p:sld>
 </file>
 
-<file path=ppt/slides/slide12.xml><?xml version="1.0" encoding="utf-8"?>
-<p:sld xmlns:a="http://schemas.openxmlformats.org/drawingml/2006/main" xmlns:r="http://schemas.openxmlformats.org/officeDocument/2006/relationships" xmlns:p="http://schemas.openxmlformats.org/presentationml/2006/main">
-  <p:cSld>
-    <p:spTree>
-      <p:nvGrpSpPr>
-        <p:cNvPr id="1" name=""/>
-        <p:cNvGrpSpPr/>
-        <p:nvPr/>
-      </p:nvGrpSpPr>
-      <p:grpSpPr>
-        <a:xfrm>
-          <a:off x="0" y="0"/>
-          <a:ext cx="0" cy="0"/>
-          <a:chOff x="0" y="0"/>
-          <a:chExt cx="0" cy="0"/>
-        </a:xfrm>
-      </p:grpSpPr>
-      <p:sp useBgFill="1">
-        <p:nvSpPr>
-          <p:cNvPr id="10" name="Rectangle 9"/>
-          <p:cNvSpPr>
-            <a:spLocks noGrp="1" noRot="1" noChangeAspect="1" noMove="1" noResize="1" noEditPoints="1" noAdjustHandles="1" noChangeArrowheads="1" noChangeShapeType="1" noTextEdit="1"/>
-          </p:cNvSpPr>
-          <p:nvPr/>
-        </p:nvSpPr>
-        <p:spPr>
-          <a:xfrm>
-            <a:off x="0" y="0"/>
-            <a:ext cx="12192000" cy="6858000"/>
-          </a:xfrm>
-          <a:prstGeom prst="rect">
-            <a:avLst/>
-          </a:prstGeom>
-          <a:ln>
-            <a:noFill/>
-          </a:ln>
-        </p:spPr>
-        <p:style>
-          <a:lnRef idx="2">
-            <a:schemeClr val="accent1">
-              <a:shade val="50000"/>
-            </a:schemeClr>
-          </a:lnRef>
-          <a:fillRef idx="1">
-            <a:schemeClr val="accent1"/>
-          </a:fillRef>
-          <a:effectRef idx="0">
-            <a:schemeClr val="accent1"/>
-          </a:effectRef>
-          <a:fontRef idx="minor">
-            <a:schemeClr val="lt1"/>
-          </a:fontRef>
-        </p:style>
-        <p:txBody>
-          <a:bodyPr rtlCol="0" anchor="ctr"/>
-          <a:lstStyle/>
-          <a:p>
-            <a:pPr algn="ctr"/>
-            <a:endParaRPr lang="en-US" dirty="0"/>
-          </a:p>
-        </p:txBody>
-      </p:sp>
-      <p:sp>
-        <p:nvSpPr>
-          <p:cNvPr id="2" name="Título 1"/>
-          <p:cNvSpPr>
-            <a:spLocks noGrp="1"/>
-          </p:cNvSpPr>
-          <p:nvPr>
-            <p:ph type="title"/>
-          </p:nvPr>
-        </p:nvSpPr>
-        <p:spPr>
-          <a:xfrm>
-            <a:off x="1812897" y="518649"/>
-            <a:ext cx="9882278" cy="1067634"/>
-          </a:xfrm>
-        </p:spPr>
-        <p:txBody>
-          <a:bodyPr anchor="ctr">
-            <a:normAutofit/>
-          </a:bodyPr>
-          <a:lstStyle/>
-          <a:p>
-            <a:r>
-              <a:rPr lang="pt-BR" dirty="0"/>
-              <a:t>Planilha de Software</a:t>
-            </a:r>
-          </a:p>
-        </p:txBody>
-      </p:sp>
-      <p:grpSp>
-        <p:nvGrpSpPr>
-          <p:cNvPr id="12" name="Group 11"/>
-          <p:cNvGrpSpPr>
-            <a:grpSpLocks noGrp="1" noUngrp="1" noRot="1" noChangeAspect="1" noMove="1" noResize="1"/>
-          </p:cNvGrpSpPr>
-          <p:nvPr/>
-        </p:nvGrpSpPr>
-        <p:grpSpPr>
-          <a:xfrm>
-            <a:off x="472021" y="628863"/>
-            <a:ext cx="1128382" cy="847206"/>
-            <a:chOff x="8183879" y="1000124"/>
-            <a:chExt cx="1562267" cy="1172973"/>
-          </a:xfrm>
-        </p:grpSpPr>
-        <p:sp>
-          <p:nvSpPr>
-            <p:cNvPr id="13" name="Freeform 5"/>
-            <p:cNvSpPr/>
-            <p:nvPr/>
-          </p:nvSpPr>
-          <p:spPr bwMode="auto">
-            <a:xfrm>
-              <a:off x="8183879" y="1348782"/>
-              <a:ext cx="935037" cy="824315"/>
-            </a:xfrm>
-            <a:custGeom>
-              <a:avLst/>
-              <a:gdLst>
-                <a:gd name="T0" fmla="*/ 225 w 785"/>
-                <a:gd name="T1" fmla="*/ 692 h 692"/>
-                <a:gd name="T2" fmla="*/ 177 w 785"/>
-                <a:gd name="T3" fmla="*/ 665 h 692"/>
-                <a:gd name="T4" fmla="*/ 9 w 785"/>
-                <a:gd name="T5" fmla="*/ 374 h 692"/>
-                <a:gd name="T6" fmla="*/ 9 w 785"/>
-                <a:gd name="T7" fmla="*/ 318 h 692"/>
-                <a:gd name="T8" fmla="*/ 177 w 785"/>
-                <a:gd name="T9" fmla="*/ 27 h 692"/>
-                <a:gd name="T10" fmla="*/ 225 w 785"/>
-                <a:gd name="T11" fmla="*/ 0 h 692"/>
-                <a:gd name="T12" fmla="*/ 561 w 785"/>
-                <a:gd name="T13" fmla="*/ 0 h 692"/>
-                <a:gd name="T14" fmla="*/ 609 w 785"/>
-                <a:gd name="T15" fmla="*/ 27 h 692"/>
-                <a:gd name="T16" fmla="*/ 777 w 785"/>
-                <a:gd name="T17" fmla="*/ 318 h 692"/>
-                <a:gd name="T18" fmla="*/ 777 w 785"/>
-                <a:gd name="T19" fmla="*/ 374 h 692"/>
-                <a:gd name="T20" fmla="*/ 609 w 785"/>
-                <a:gd name="T21" fmla="*/ 665 h 692"/>
-                <a:gd name="T22" fmla="*/ 561 w 785"/>
-                <a:gd name="T23" fmla="*/ 692 h 692"/>
-                <a:gd name="T24" fmla="*/ 225 w 785"/>
-                <a:gd name="T25" fmla="*/ 692 h 692"/>
-              </a:gdLst>
-              <a:ahLst/>
-              <a:cxnLst>
-                <a:cxn ang="0">
-                  <a:pos x="T0" y="T1"/>
-                </a:cxn>
-                <a:cxn ang="0">
-                  <a:pos x="T2" y="T3"/>
-                </a:cxn>
-                <a:cxn ang="0">
-                  <a:pos x="T4" y="T5"/>
-                </a:cxn>
-                <a:cxn ang="0">
-                  <a:pos x="T6" y="T7"/>
-                </a:cxn>
-                <a:cxn ang="0">
-                  <a:pos x="T8" y="T9"/>
-                </a:cxn>
-                <a:cxn ang="0">
-                  <a:pos x="T10" y="T11"/>
-                </a:cxn>
-                <a:cxn ang="0">
-                  <a:pos x="T12" y="T13"/>
-                </a:cxn>
-                <a:cxn ang="0">
-                  <a:pos x="T14" y="T15"/>
-                </a:cxn>
-                <a:cxn ang="0">
-                  <a:pos x="T16" y="T17"/>
-                </a:cxn>
-                <a:cxn ang="0">
-                  <a:pos x="T18" y="T19"/>
-                </a:cxn>
-                <a:cxn ang="0">
-                  <a:pos x="T20" y="T21"/>
-                </a:cxn>
-                <a:cxn ang="0">
-                  <a:pos x="T22" y="T23"/>
-                </a:cxn>
-                <a:cxn ang="0">
-                  <a:pos x="T24" y="T25"/>
-                </a:cxn>
-              </a:cxnLst>
-              <a:rect l="0" t="0" r="r" b="b"/>
-              <a:pathLst>
-                <a:path w="785" h="692">
-                  <a:moveTo>
-                    <a:pt x="225" y="692"/>
-                  </a:moveTo>
-                  <a:cubicBezTo>
-                    <a:pt x="207" y="692"/>
-                    <a:pt x="185" y="680"/>
-                    <a:pt x="177" y="665"/>
-                  </a:cubicBezTo>
-                  <a:cubicBezTo>
-                    <a:pt x="9" y="374"/>
-                    <a:pt x="9" y="374"/>
-                    <a:pt x="9" y="374"/>
-                  </a:cubicBezTo>
-                  <a:cubicBezTo>
-                    <a:pt x="0" y="358"/>
-                    <a:pt x="0" y="334"/>
-                    <a:pt x="9" y="318"/>
-                  </a:cubicBezTo>
-                  <a:cubicBezTo>
-                    <a:pt x="177" y="27"/>
-                    <a:pt x="177" y="27"/>
-                    <a:pt x="177" y="27"/>
-                  </a:cubicBezTo>
-                  <a:cubicBezTo>
-                    <a:pt x="185" y="12"/>
-                    <a:pt x="207" y="0"/>
-                    <a:pt x="225" y="0"/>
-                  </a:cubicBezTo>
-                  <a:cubicBezTo>
-                    <a:pt x="561" y="0"/>
-                    <a:pt x="561" y="0"/>
-                    <a:pt x="561" y="0"/>
-                  </a:cubicBezTo>
-                  <a:cubicBezTo>
-                    <a:pt x="578" y="0"/>
-                    <a:pt x="600" y="12"/>
-                    <a:pt x="609" y="27"/>
-                  </a:cubicBezTo>
-                  <a:cubicBezTo>
-                    <a:pt x="777" y="318"/>
-                    <a:pt x="777" y="318"/>
-                    <a:pt x="777" y="318"/>
-                  </a:cubicBezTo>
-                  <a:cubicBezTo>
-                    <a:pt x="785" y="334"/>
-                    <a:pt x="785" y="358"/>
-                    <a:pt x="777" y="374"/>
-                  </a:cubicBezTo>
-                  <a:cubicBezTo>
-                    <a:pt x="609" y="665"/>
-                    <a:pt x="609" y="665"/>
-                    <a:pt x="609" y="665"/>
-                  </a:cubicBezTo>
-                  <a:cubicBezTo>
-                    <a:pt x="600" y="680"/>
-                    <a:pt x="578" y="692"/>
-                    <a:pt x="561" y="692"/>
-                  </a:cubicBezTo>
-                  <a:lnTo>
-                    <a:pt x="225" y="692"/>
-                  </a:lnTo>
-                  <a:close/>
-                </a:path>
-              </a:pathLst>
-            </a:custGeom>
-            <a:noFill/>
-            <a:ln w="28575" cmpd="sng">
-              <a:solidFill>
-                <a:schemeClr val="tx1"/>
-              </a:solidFill>
-            </a:ln>
-          </p:spPr>
-          <p:txBody>
-            <a:bodyPr vert="horz" wrap="square" lIns="91440" tIns="45720" rIns="91440" bIns="45720" numCol="1" anchor="t" anchorCtr="0" compatLnSpc="1"/>
-            <a:lstStyle/>
-            <a:p>
-              <a:endParaRPr lang="en-US"/>
-            </a:p>
-          </p:txBody>
-        </p:sp>
-        <p:sp>
-          <p:nvSpPr>
-            <p:cNvPr id="14" name="Freeform 5"/>
-            <p:cNvSpPr/>
-            <p:nvPr/>
-          </p:nvSpPr>
-          <p:spPr bwMode="auto">
-            <a:xfrm>
-              <a:off x="8983979" y="1000124"/>
-              <a:ext cx="762167" cy="671915"/>
-            </a:xfrm>
-            <a:custGeom>
-              <a:avLst/>
-              <a:gdLst>
-                <a:gd name="T0" fmla="*/ 225 w 785"/>
-                <a:gd name="T1" fmla="*/ 692 h 692"/>
-                <a:gd name="T2" fmla="*/ 177 w 785"/>
-                <a:gd name="T3" fmla="*/ 665 h 692"/>
-                <a:gd name="T4" fmla="*/ 9 w 785"/>
-                <a:gd name="T5" fmla="*/ 374 h 692"/>
-                <a:gd name="T6" fmla="*/ 9 w 785"/>
-                <a:gd name="T7" fmla="*/ 318 h 692"/>
-                <a:gd name="T8" fmla="*/ 177 w 785"/>
-                <a:gd name="T9" fmla="*/ 27 h 692"/>
-                <a:gd name="T10" fmla="*/ 225 w 785"/>
-                <a:gd name="T11" fmla="*/ 0 h 692"/>
-                <a:gd name="T12" fmla="*/ 561 w 785"/>
-                <a:gd name="T13" fmla="*/ 0 h 692"/>
-                <a:gd name="T14" fmla="*/ 609 w 785"/>
-                <a:gd name="T15" fmla="*/ 27 h 692"/>
-                <a:gd name="T16" fmla="*/ 777 w 785"/>
-                <a:gd name="T17" fmla="*/ 318 h 692"/>
-                <a:gd name="T18" fmla="*/ 777 w 785"/>
-                <a:gd name="T19" fmla="*/ 374 h 692"/>
-                <a:gd name="T20" fmla="*/ 609 w 785"/>
-                <a:gd name="T21" fmla="*/ 665 h 692"/>
-                <a:gd name="T22" fmla="*/ 561 w 785"/>
-                <a:gd name="T23" fmla="*/ 692 h 692"/>
-                <a:gd name="T24" fmla="*/ 225 w 785"/>
-                <a:gd name="T25" fmla="*/ 692 h 692"/>
-              </a:gdLst>
-              <a:ahLst/>
-              <a:cxnLst>
-                <a:cxn ang="0">
-                  <a:pos x="T0" y="T1"/>
-                </a:cxn>
-                <a:cxn ang="0">
-                  <a:pos x="T2" y="T3"/>
-                </a:cxn>
-                <a:cxn ang="0">
-                  <a:pos x="T4" y="T5"/>
-                </a:cxn>
-                <a:cxn ang="0">
-                  <a:pos x="T6" y="T7"/>
-                </a:cxn>
-                <a:cxn ang="0">
-                  <a:pos x="T8" y="T9"/>
-                </a:cxn>
-                <a:cxn ang="0">
-                  <a:pos x="T10" y="T11"/>
-                </a:cxn>
-                <a:cxn ang="0">
-                  <a:pos x="T12" y="T13"/>
-                </a:cxn>
-                <a:cxn ang="0">
-                  <a:pos x="T14" y="T15"/>
-                </a:cxn>
-                <a:cxn ang="0">
-                  <a:pos x="T16" y="T17"/>
-                </a:cxn>
-                <a:cxn ang="0">
-                  <a:pos x="T18" y="T19"/>
-                </a:cxn>
-                <a:cxn ang="0">
-                  <a:pos x="T20" y="T21"/>
-                </a:cxn>
-                <a:cxn ang="0">
-                  <a:pos x="T22" y="T23"/>
-                </a:cxn>
-                <a:cxn ang="0">
-                  <a:pos x="T24" y="T25"/>
-                </a:cxn>
-              </a:cxnLst>
-              <a:rect l="0" t="0" r="r" b="b"/>
-              <a:pathLst>
-                <a:path w="785" h="692">
-                  <a:moveTo>
-                    <a:pt x="225" y="692"/>
-                  </a:moveTo>
-                  <a:cubicBezTo>
-                    <a:pt x="207" y="692"/>
-                    <a:pt x="185" y="680"/>
-                    <a:pt x="177" y="665"/>
-                  </a:cubicBezTo>
-                  <a:cubicBezTo>
-                    <a:pt x="9" y="374"/>
-                    <a:pt x="9" y="374"/>
-                    <a:pt x="9" y="374"/>
-                  </a:cubicBezTo>
-                  <a:cubicBezTo>
-                    <a:pt x="0" y="358"/>
-                    <a:pt x="0" y="334"/>
-                    <a:pt x="9" y="318"/>
-                  </a:cubicBezTo>
-                  <a:cubicBezTo>
-                    <a:pt x="177" y="27"/>
-                    <a:pt x="177" y="27"/>
-                    <a:pt x="177" y="27"/>
-                  </a:cubicBezTo>
-                  <a:cubicBezTo>
-                    <a:pt x="185" y="12"/>
-                    <a:pt x="207" y="0"/>
-                    <a:pt x="225" y="0"/>
-                  </a:cubicBezTo>
-                  <a:cubicBezTo>
-                    <a:pt x="561" y="0"/>
-                    <a:pt x="561" y="0"/>
-                    <a:pt x="561" y="0"/>
-                  </a:cubicBezTo>
-                  <a:cubicBezTo>
-                    <a:pt x="578" y="0"/>
-                    <a:pt x="600" y="12"/>
-                    <a:pt x="609" y="27"/>
-                  </a:cubicBezTo>
-                  <a:cubicBezTo>
-                    <a:pt x="777" y="318"/>
-                    <a:pt x="777" y="318"/>
-                    <a:pt x="777" y="318"/>
-                  </a:cubicBezTo>
-                  <a:cubicBezTo>
-                    <a:pt x="785" y="334"/>
-                    <a:pt x="785" y="358"/>
-                    <a:pt x="777" y="374"/>
-                  </a:cubicBezTo>
-                  <a:cubicBezTo>
-                    <a:pt x="609" y="665"/>
-                    <a:pt x="609" y="665"/>
-                    <a:pt x="609" y="665"/>
-                  </a:cubicBezTo>
-                  <a:cubicBezTo>
-                    <a:pt x="600" y="680"/>
-                    <a:pt x="578" y="692"/>
-                    <a:pt x="561" y="692"/>
-                  </a:cubicBezTo>
-                  <a:lnTo>
-                    <a:pt x="225" y="692"/>
-                  </a:lnTo>
-                  <a:close/>
-                </a:path>
-              </a:pathLst>
-            </a:custGeom>
-            <a:noFill/>
-            <a:ln w="28575" cmpd="sng">
-              <a:solidFill>
-                <a:schemeClr val="tx1"/>
-              </a:solidFill>
-            </a:ln>
-          </p:spPr>
-          <p:txBody>
-            <a:bodyPr vert="horz" wrap="square" lIns="91440" tIns="45720" rIns="91440" bIns="45720" numCol="1" anchor="t" anchorCtr="0" compatLnSpc="1"/>
-            <a:lstStyle/>
-            <a:p>
-              <a:endParaRPr lang="en-US"/>
-            </a:p>
-          </p:txBody>
-        </p:sp>
-      </p:grpSp>
-      <p:pic>
-        <p:nvPicPr>
-          <p:cNvPr id="11" name="Imagem 10">
-            <a:extLst>
-              <a:ext uri="{FF2B5EF4-FFF2-40B4-BE49-F238E27FC236}">
-                <a16:creationId xmlns:a16="http://schemas.microsoft.com/office/drawing/2014/main" id="{D1E3D129-AEE4-4620-B9D7-636720389400}"/>
-              </a:ext>
-            </a:extLst>
-          </p:cNvPr>
-          <p:cNvPicPr>
-            <a:picLocks noChangeAspect="1"/>
-          </p:cNvPicPr>
-          <p:nvPr/>
-        </p:nvPicPr>
-        <p:blipFill>
-          <a:blip r:embed="rId2"/>
-          <a:stretch>
-            <a:fillRect/>
-          </a:stretch>
-        </p:blipFill>
-        <p:spPr>
-          <a:xfrm>
-            <a:off x="92363" y="2261470"/>
-            <a:ext cx="12007273" cy="2821818"/>
-          </a:xfrm>
-          <a:prstGeom prst="rect">
-            <a:avLst/>
-          </a:prstGeom>
-        </p:spPr>
-      </p:pic>
-    </p:spTree>
-    <p:extLst>
-      <p:ext uri="{BB962C8B-B14F-4D97-AF65-F5344CB8AC3E}">
-        <p14:creationId xmlns:p14="http://schemas.microsoft.com/office/powerpoint/2010/main" val="1295663715"/>
-      </p:ext>
-    </p:extLst>
-  </p:cSld>
-  <p:clrMapOvr>
-    <a:masterClrMapping/>
-  </p:clrMapOvr>
-</p:sld>
-</file>
-
-<file path=ppt/slides/slide13.xml><?xml version="1.0" encoding="utf-8"?>
+<file path=ppt/slides/slide14.xml><?xml version="1.0" encoding="utf-8"?>
 <p:sld xmlns:a="http://schemas.openxmlformats.org/drawingml/2006/main" xmlns:r="http://schemas.openxmlformats.org/officeDocument/2006/relationships" xmlns:p="http://schemas.openxmlformats.org/presentationml/2006/main">
   <p:cSld>
     <p:spTree>
@@ -30692,7 +31429,496 @@
 </p:sld>
 </file>
 
-<file path=ppt/slides/slide14.xml><?xml version="1.0" encoding="utf-8"?>
+<file path=ppt/slides/slide15.xml><?xml version="1.0" encoding="utf-8"?>
+<p:sld xmlns:a="http://schemas.openxmlformats.org/drawingml/2006/main" xmlns:r="http://schemas.openxmlformats.org/officeDocument/2006/relationships" xmlns:p="http://schemas.openxmlformats.org/presentationml/2006/main">
+  <p:cSld>
+    <p:spTree>
+      <p:nvGrpSpPr>
+        <p:cNvPr id="1" name=""/>
+        <p:cNvGrpSpPr/>
+        <p:nvPr/>
+      </p:nvGrpSpPr>
+      <p:grpSpPr>
+        <a:xfrm>
+          <a:off x="0" y="0"/>
+          <a:ext cx="0" cy="0"/>
+          <a:chOff x="0" y="0"/>
+          <a:chExt cx="0" cy="0"/>
+        </a:xfrm>
+      </p:grpSpPr>
+      <p:sp useBgFill="1">
+        <p:nvSpPr>
+          <p:cNvPr id="10" name="Rectangle 9"/>
+          <p:cNvSpPr>
+            <a:spLocks noGrp="1" noRot="1" noChangeAspect="1" noMove="1" noResize="1" noEditPoints="1" noAdjustHandles="1" noChangeArrowheads="1" noChangeShapeType="1" noTextEdit="1"/>
+          </p:cNvSpPr>
+          <p:nvPr/>
+        </p:nvSpPr>
+        <p:spPr>
+          <a:xfrm>
+            <a:off x="0" y="0"/>
+            <a:ext cx="12192000" cy="6858000"/>
+          </a:xfrm>
+          <a:prstGeom prst="rect">
+            <a:avLst/>
+          </a:prstGeom>
+          <a:ln>
+            <a:noFill/>
+          </a:ln>
+        </p:spPr>
+        <p:style>
+          <a:lnRef idx="2">
+            <a:schemeClr val="accent1">
+              <a:shade val="50000"/>
+            </a:schemeClr>
+          </a:lnRef>
+          <a:fillRef idx="1">
+            <a:schemeClr val="accent1"/>
+          </a:fillRef>
+          <a:effectRef idx="0">
+            <a:schemeClr val="accent1"/>
+          </a:effectRef>
+          <a:fontRef idx="minor">
+            <a:schemeClr val="lt1"/>
+          </a:fontRef>
+        </p:style>
+        <p:txBody>
+          <a:bodyPr rtlCol="0" anchor="ctr"/>
+          <a:lstStyle/>
+          <a:p>
+            <a:pPr algn="ctr"/>
+            <a:endParaRPr lang="en-US" dirty="0"/>
+          </a:p>
+        </p:txBody>
+      </p:sp>
+      <p:sp>
+        <p:nvSpPr>
+          <p:cNvPr id="2" name="Título 1"/>
+          <p:cNvSpPr>
+            <a:spLocks noGrp="1"/>
+          </p:cNvSpPr>
+          <p:nvPr>
+            <p:ph type="title"/>
+          </p:nvPr>
+        </p:nvSpPr>
+        <p:spPr>
+          <a:xfrm>
+            <a:off x="1812897" y="518649"/>
+            <a:ext cx="9882278" cy="1067634"/>
+          </a:xfrm>
+        </p:spPr>
+        <p:txBody>
+          <a:bodyPr anchor="ctr">
+            <a:normAutofit/>
+          </a:bodyPr>
+          <a:lstStyle/>
+          <a:p>
+            <a:r>
+              <a:rPr lang="pt-BR" dirty="0"/>
+              <a:t>Diagrama de Classe</a:t>
+            </a:r>
+          </a:p>
+        </p:txBody>
+      </p:sp>
+      <p:grpSp>
+        <p:nvGrpSpPr>
+          <p:cNvPr id="12" name="Group 11"/>
+          <p:cNvGrpSpPr>
+            <a:grpSpLocks noGrp="1" noUngrp="1" noRot="1" noChangeAspect="1" noMove="1" noResize="1"/>
+          </p:cNvGrpSpPr>
+          <p:nvPr/>
+        </p:nvGrpSpPr>
+        <p:grpSpPr>
+          <a:xfrm>
+            <a:off x="472021" y="628863"/>
+            <a:ext cx="1128382" cy="847206"/>
+            <a:chOff x="8183879" y="1000124"/>
+            <a:chExt cx="1562267" cy="1172973"/>
+          </a:xfrm>
+        </p:grpSpPr>
+        <p:sp>
+          <p:nvSpPr>
+            <p:cNvPr id="13" name="Freeform 5"/>
+            <p:cNvSpPr/>
+            <p:nvPr/>
+          </p:nvSpPr>
+          <p:spPr bwMode="auto">
+            <a:xfrm>
+              <a:off x="8183879" y="1348782"/>
+              <a:ext cx="935037" cy="824315"/>
+            </a:xfrm>
+            <a:custGeom>
+              <a:avLst/>
+              <a:gdLst>
+                <a:gd name="T0" fmla="*/ 225 w 785"/>
+                <a:gd name="T1" fmla="*/ 692 h 692"/>
+                <a:gd name="T2" fmla="*/ 177 w 785"/>
+                <a:gd name="T3" fmla="*/ 665 h 692"/>
+                <a:gd name="T4" fmla="*/ 9 w 785"/>
+                <a:gd name="T5" fmla="*/ 374 h 692"/>
+                <a:gd name="T6" fmla="*/ 9 w 785"/>
+                <a:gd name="T7" fmla="*/ 318 h 692"/>
+                <a:gd name="T8" fmla="*/ 177 w 785"/>
+                <a:gd name="T9" fmla="*/ 27 h 692"/>
+                <a:gd name="T10" fmla="*/ 225 w 785"/>
+                <a:gd name="T11" fmla="*/ 0 h 692"/>
+                <a:gd name="T12" fmla="*/ 561 w 785"/>
+                <a:gd name="T13" fmla="*/ 0 h 692"/>
+                <a:gd name="T14" fmla="*/ 609 w 785"/>
+                <a:gd name="T15" fmla="*/ 27 h 692"/>
+                <a:gd name="T16" fmla="*/ 777 w 785"/>
+                <a:gd name="T17" fmla="*/ 318 h 692"/>
+                <a:gd name="T18" fmla="*/ 777 w 785"/>
+                <a:gd name="T19" fmla="*/ 374 h 692"/>
+                <a:gd name="T20" fmla="*/ 609 w 785"/>
+                <a:gd name="T21" fmla="*/ 665 h 692"/>
+                <a:gd name="T22" fmla="*/ 561 w 785"/>
+                <a:gd name="T23" fmla="*/ 692 h 692"/>
+                <a:gd name="T24" fmla="*/ 225 w 785"/>
+                <a:gd name="T25" fmla="*/ 692 h 692"/>
+              </a:gdLst>
+              <a:ahLst/>
+              <a:cxnLst>
+                <a:cxn ang="0">
+                  <a:pos x="T0" y="T1"/>
+                </a:cxn>
+                <a:cxn ang="0">
+                  <a:pos x="T2" y="T3"/>
+                </a:cxn>
+                <a:cxn ang="0">
+                  <a:pos x="T4" y="T5"/>
+                </a:cxn>
+                <a:cxn ang="0">
+                  <a:pos x="T6" y="T7"/>
+                </a:cxn>
+                <a:cxn ang="0">
+                  <a:pos x="T8" y="T9"/>
+                </a:cxn>
+                <a:cxn ang="0">
+                  <a:pos x="T10" y="T11"/>
+                </a:cxn>
+                <a:cxn ang="0">
+                  <a:pos x="T12" y="T13"/>
+                </a:cxn>
+                <a:cxn ang="0">
+                  <a:pos x="T14" y="T15"/>
+                </a:cxn>
+                <a:cxn ang="0">
+                  <a:pos x="T16" y="T17"/>
+                </a:cxn>
+                <a:cxn ang="0">
+                  <a:pos x="T18" y="T19"/>
+                </a:cxn>
+                <a:cxn ang="0">
+                  <a:pos x="T20" y="T21"/>
+                </a:cxn>
+                <a:cxn ang="0">
+                  <a:pos x="T22" y="T23"/>
+                </a:cxn>
+                <a:cxn ang="0">
+                  <a:pos x="T24" y="T25"/>
+                </a:cxn>
+              </a:cxnLst>
+              <a:rect l="0" t="0" r="r" b="b"/>
+              <a:pathLst>
+                <a:path w="785" h="692">
+                  <a:moveTo>
+                    <a:pt x="225" y="692"/>
+                  </a:moveTo>
+                  <a:cubicBezTo>
+                    <a:pt x="207" y="692"/>
+                    <a:pt x="185" y="680"/>
+                    <a:pt x="177" y="665"/>
+                  </a:cubicBezTo>
+                  <a:cubicBezTo>
+                    <a:pt x="9" y="374"/>
+                    <a:pt x="9" y="374"/>
+                    <a:pt x="9" y="374"/>
+                  </a:cubicBezTo>
+                  <a:cubicBezTo>
+                    <a:pt x="0" y="358"/>
+                    <a:pt x="0" y="334"/>
+                    <a:pt x="9" y="318"/>
+                  </a:cubicBezTo>
+                  <a:cubicBezTo>
+                    <a:pt x="177" y="27"/>
+                    <a:pt x="177" y="27"/>
+                    <a:pt x="177" y="27"/>
+                  </a:cubicBezTo>
+                  <a:cubicBezTo>
+                    <a:pt x="185" y="12"/>
+                    <a:pt x="207" y="0"/>
+                    <a:pt x="225" y="0"/>
+                  </a:cubicBezTo>
+                  <a:cubicBezTo>
+                    <a:pt x="561" y="0"/>
+                    <a:pt x="561" y="0"/>
+                    <a:pt x="561" y="0"/>
+                  </a:cubicBezTo>
+                  <a:cubicBezTo>
+                    <a:pt x="578" y="0"/>
+                    <a:pt x="600" y="12"/>
+                    <a:pt x="609" y="27"/>
+                  </a:cubicBezTo>
+                  <a:cubicBezTo>
+                    <a:pt x="777" y="318"/>
+                    <a:pt x="777" y="318"/>
+                    <a:pt x="777" y="318"/>
+                  </a:cubicBezTo>
+                  <a:cubicBezTo>
+                    <a:pt x="785" y="334"/>
+                    <a:pt x="785" y="358"/>
+                    <a:pt x="777" y="374"/>
+                  </a:cubicBezTo>
+                  <a:cubicBezTo>
+                    <a:pt x="609" y="665"/>
+                    <a:pt x="609" y="665"/>
+                    <a:pt x="609" y="665"/>
+                  </a:cubicBezTo>
+                  <a:cubicBezTo>
+                    <a:pt x="600" y="680"/>
+                    <a:pt x="578" y="692"/>
+                    <a:pt x="561" y="692"/>
+                  </a:cubicBezTo>
+                  <a:lnTo>
+                    <a:pt x="225" y="692"/>
+                  </a:lnTo>
+                  <a:close/>
+                </a:path>
+              </a:pathLst>
+            </a:custGeom>
+            <a:noFill/>
+            <a:ln w="28575" cmpd="sng">
+              <a:solidFill>
+                <a:schemeClr val="tx1"/>
+              </a:solidFill>
+            </a:ln>
+          </p:spPr>
+          <p:txBody>
+            <a:bodyPr vert="horz" wrap="square" lIns="91440" tIns="45720" rIns="91440" bIns="45720" numCol="1" anchor="t" anchorCtr="0" compatLnSpc="1"/>
+            <a:lstStyle/>
+            <a:p>
+              <a:endParaRPr lang="en-US"/>
+            </a:p>
+          </p:txBody>
+        </p:sp>
+        <p:sp>
+          <p:nvSpPr>
+            <p:cNvPr id="14" name="Freeform 5"/>
+            <p:cNvSpPr/>
+            <p:nvPr/>
+          </p:nvSpPr>
+          <p:spPr bwMode="auto">
+            <a:xfrm>
+              <a:off x="8983979" y="1000124"/>
+              <a:ext cx="762167" cy="671915"/>
+            </a:xfrm>
+            <a:custGeom>
+              <a:avLst/>
+              <a:gdLst>
+                <a:gd name="T0" fmla="*/ 225 w 785"/>
+                <a:gd name="T1" fmla="*/ 692 h 692"/>
+                <a:gd name="T2" fmla="*/ 177 w 785"/>
+                <a:gd name="T3" fmla="*/ 665 h 692"/>
+                <a:gd name="T4" fmla="*/ 9 w 785"/>
+                <a:gd name="T5" fmla="*/ 374 h 692"/>
+                <a:gd name="T6" fmla="*/ 9 w 785"/>
+                <a:gd name="T7" fmla="*/ 318 h 692"/>
+                <a:gd name="T8" fmla="*/ 177 w 785"/>
+                <a:gd name="T9" fmla="*/ 27 h 692"/>
+                <a:gd name="T10" fmla="*/ 225 w 785"/>
+                <a:gd name="T11" fmla="*/ 0 h 692"/>
+                <a:gd name="T12" fmla="*/ 561 w 785"/>
+                <a:gd name="T13" fmla="*/ 0 h 692"/>
+                <a:gd name="T14" fmla="*/ 609 w 785"/>
+                <a:gd name="T15" fmla="*/ 27 h 692"/>
+                <a:gd name="T16" fmla="*/ 777 w 785"/>
+                <a:gd name="T17" fmla="*/ 318 h 692"/>
+                <a:gd name="T18" fmla="*/ 777 w 785"/>
+                <a:gd name="T19" fmla="*/ 374 h 692"/>
+                <a:gd name="T20" fmla="*/ 609 w 785"/>
+                <a:gd name="T21" fmla="*/ 665 h 692"/>
+                <a:gd name="T22" fmla="*/ 561 w 785"/>
+                <a:gd name="T23" fmla="*/ 692 h 692"/>
+                <a:gd name="T24" fmla="*/ 225 w 785"/>
+                <a:gd name="T25" fmla="*/ 692 h 692"/>
+              </a:gdLst>
+              <a:ahLst/>
+              <a:cxnLst>
+                <a:cxn ang="0">
+                  <a:pos x="T0" y="T1"/>
+                </a:cxn>
+                <a:cxn ang="0">
+                  <a:pos x="T2" y="T3"/>
+                </a:cxn>
+                <a:cxn ang="0">
+                  <a:pos x="T4" y="T5"/>
+                </a:cxn>
+                <a:cxn ang="0">
+                  <a:pos x="T6" y="T7"/>
+                </a:cxn>
+                <a:cxn ang="0">
+                  <a:pos x="T8" y="T9"/>
+                </a:cxn>
+                <a:cxn ang="0">
+                  <a:pos x="T10" y="T11"/>
+                </a:cxn>
+                <a:cxn ang="0">
+                  <a:pos x="T12" y="T13"/>
+                </a:cxn>
+                <a:cxn ang="0">
+                  <a:pos x="T14" y="T15"/>
+                </a:cxn>
+                <a:cxn ang="0">
+                  <a:pos x="T16" y="T17"/>
+                </a:cxn>
+                <a:cxn ang="0">
+                  <a:pos x="T18" y="T19"/>
+                </a:cxn>
+                <a:cxn ang="0">
+                  <a:pos x="T20" y="T21"/>
+                </a:cxn>
+                <a:cxn ang="0">
+                  <a:pos x="T22" y="T23"/>
+                </a:cxn>
+                <a:cxn ang="0">
+                  <a:pos x="T24" y="T25"/>
+                </a:cxn>
+              </a:cxnLst>
+              <a:rect l="0" t="0" r="r" b="b"/>
+              <a:pathLst>
+                <a:path w="785" h="692">
+                  <a:moveTo>
+                    <a:pt x="225" y="692"/>
+                  </a:moveTo>
+                  <a:cubicBezTo>
+                    <a:pt x="207" y="692"/>
+                    <a:pt x="185" y="680"/>
+                    <a:pt x="177" y="665"/>
+                  </a:cubicBezTo>
+                  <a:cubicBezTo>
+                    <a:pt x="9" y="374"/>
+                    <a:pt x="9" y="374"/>
+                    <a:pt x="9" y="374"/>
+                  </a:cubicBezTo>
+                  <a:cubicBezTo>
+                    <a:pt x="0" y="358"/>
+                    <a:pt x="0" y="334"/>
+                    <a:pt x="9" y="318"/>
+                  </a:cubicBezTo>
+                  <a:cubicBezTo>
+                    <a:pt x="177" y="27"/>
+                    <a:pt x="177" y="27"/>
+                    <a:pt x="177" y="27"/>
+                  </a:cubicBezTo>
+                  <a:cubicBezTo>
+                    <a:pt x="185" y="12"/>
+                    <a:pt x="207" y="0"/>
+                    <a:pt x="225" y="0"/>
+                  </a:cubicBezTo>
+                  <a:cubicBezTo>
+                    <a:pt x="561" y="0"/>
+                    <a:pt x="561" y="0"/>
+                    <a:pt x="561" y="0"/>
+                  </a:cubicBezTo>
+                  <a:cubicBezTo>
+                    <a:pt x="578" y="0"/>
+                    <a:pt x="600" y="12"/>
+                    <a:pt x="609" y="27"/>
+                  </a:cubicBezTo>
+                  <a:cubicBezTo>
+                    <a:pt x="777" y="318"/>
+                    <a:pt x="777" y="318"/>
+                    <a:pt x="777" y="318"/>
+                  </a:cubicBezTo>
+                  <a:cubicBezTo>
+                    <a:pt x="785" y="334"/>
+                    <a:pt x="785" y="358"/>
+                    <a:pt x="777" y="374"/>
+                  </a:cubicBezTo>
+                  <a:cubicBezTo>
+                    <a:pt x="609" y="665"/>
+                    <a:pt x="609" y="665"/>
+                    <a:pt x="609" y="665"/>
+                  </a:cubicBezTo>
+                  <a:cubicBezTo>
+                    <a:pt x="600" y="680"/>
+                    <a:pt x="578" y="692"/>
+                    <a:pt x="561" y="692"/>
+                  </a:cubicBezTo>
+                  <a:lnTo>
+                    <a:pt x="225" y="692"/>
+                  </a:lnTo>
+                  <a:close/>
+                </a:path>
+              </a:pathLst>
+            </a:custGeom>
+            <a:noFill/>
+            <a:ln w="28575" cmpd="sng">
+              <a:solidFill>
+                <a:schemeClr val="tx1"/>
+              </a:solidFill>
+            </a:ln>
+          </p:spPr>
+          <p:txBody>
+            <a:bodyPr vert="horz" wrap="square" lIns="91440" tIns="45720" rIns="91440" bIns="45720" numCol="1" anchor="t" anchorCtr="0" compatLnSpc="1"/>
+            <a:lstStyle/>
+            <a:p>
+              <a:endParaRPr lang="en-US"/>
+            </a:p>
+          </p:txBody>
+        </p:sp>
+      </p:grpSp>
+      <p:pic>
+        <p:nvPicPr>
+          <p:cNvPr id="4" name="Imagem 3" descr="Tela de celular com texto preto sobre fundo branco&#10;&#10;Descrição gerada automaticamente">
+            <a:extLst>
+              <a:ext uri="{FF2B5EF4-FFF2-40B4-BE49-F238E27FC236}">
+                <a16:creationId xmlns:a16="http://schemas.microsoft.com/office/drawing/2014/main" id="{1BED938E-3B90-421B-BA22-8FB3C8FFB03D}"/>
+              </a:ext>
+            </a:extLst>
+          </p:cNvPr>
+          <p:cNvPicPr>
+            <a:picLocks noChangeAspect="1"/>
+          </p:cNvPicPr>
+          <p:nvPr/>
+        </p:nvPicPr>
+        <p:blipFill>
+          <a:blip r:embed="rId2">
+            <a:extLst>
+              <a:ext uri="{28A0092B-C50C-407E-A947-70E740481C1C}">
+                <a14:useLocalDpi xmlns:a14="http://schemas.microsoft.com/office/drawing/2010/main" val="0"/>
+              </a:ext>
+            </a:extLst>
+          </a:blip>
+          <a:stretch>
+            <a:fillRect/>
+          </a:stretch>
+        </p:blipFill>
+        <p:spPr>
+          <a:xfrm>
+            <a:off x="2662237" y="1586283"/>
+            <a:ext cx="6867525" cy="4962525"/>
+          </a:xfrm>
+          <a:prstGeom prst="rect">
+            <a:avLst/>
+          </a:prstGeom>
+        </p:spPr>
+      </p:pic>
+    </p:spTree>
+    <p:extLst>
+      <p:ext uri="{BB962C8B-B14F-4D97-AF65-F5344CB8AC3E}">
+        <p14:creationId xmlns:p14="http://schemas.microsoft.com/office/powerpoint/2010/main" val="1034810671"/>
+      </p:ext>
+    </p:extLst>
+  </p:cSld>
+  <p:clrMapOvr>
+    <a:masterClrMapping/>
+  </p:clrMapOvr>
+</p:sld>
+</file>
+
+<file path=ppt/slides/slide16.xml><?xml version="1.0" encoding="utf-8"?>
 <p:sld xmlns:a="http://schemas.openxmlformats.org/drawingml/2006/main" xmlns:r="http://schemas.openxmlformats.org/officeDocument/2006/relationships" xmlns:p="http://schemas.openxmlformats.org/presentationml/2006/main">
   <p:cSld>
     <p:spTree>
@@ -31175,7 +32401,7 @@
 </p:sld>
 </file>
 
-<file path=ppt/slides/slide15.xml><?xml version="1.0" encoding="utf-8"?>
+<file path=ppt/slides/slide17.xml><?xml version="1.0" encoding="utf-8"?>
 <p:sld xmlns:a="http://schemas.openxmlformats.org/drawingml/2006/main" xmlns:r="http://schemas.openxmlformats.org/officeDocument/2006/relationships" xmlns:p="http://schemas.openxmlformats.org/presentationml/2006/main">
   <p:cSld>
     <p:spTree>
@@ -33877,6 +35103,84 @@
           <a:chExt cx="0" cy="0"/>
         </a:xfrm>
       </p:grpSpPr>
+      <p:sp>
+        <p:nvSpPr>
+          <p:cNvPr id="2" name="Título 1"/>
+          <p:cNvSpPr>
+            <a:spLocks noGrp="1"/>
+          </p:cNvSpPr>
+          <p:nvPr>
+            <p:ph type="title"/>
+          </p:nvPr>
+        </p:nvSpPr>
+        <p:spPr/>
+        <p:txBody>
+          <a:bodyPr/>
+          <a:lstStyle/>
+          <a:p>
+            <a:r>
+              <a:rPr lang="pt-BR" dirty="0" err="1"/>
+              <a:t>Proto-Persona</a:t>
+            </a:r>
+            <a:endParaRPr lang="pt-BR" dirty="0"/>
+          </a:p>
+        </p:txBody>
+      </p:sp>
+      <p:pic>
+        <p:nvPicPr>
+          <p:cNvPr id="4" name="Imagem 3"/>
+          <p:cNvPicPr>
+            <a:picLocks noChangeAspect="1"/>
+          </p:cNvPicPr>
+          <p:nvPr/>
+        </p:nvPicPr>
+        <p:blipFill>
+          <a:blip r:embed="rId2">
+            <a:extLst>
+              <a:ext uri="{28A0092B-C50C-407E-A947-70E740481C1C}">
+                <a14:useLocalDpi xmlns:a14="http://schemas.microsoft.com/office/drawing/2010/main" val="0"/>
+              </a:ext>
+            </a:extLst>
+          </a:blip>
+          <a:stretch>
+            <a:fillRect/>
+          </a:stretch>
+        </p:blipFill>
+        <p:spPr>
+          <a:xfrm>
+            <a:off x="3802856" y="1690688"/>
+            <a:ext cx="4586287" cy="4586287"/>
+          </a:xfrm>
+          <a:prstGeom prst="rect">
+            <a:avLst/>
+          </a:prstGeom>
+        </p:spPr>
+      </p:pic>
+    </p:spTree>
+  </p:cSld>
+  <p:clrMapOvr>
+    <a:masterClrMapping/>
+  </p:clrMapOvr>
+</p:sld>
+</file>
+
+<file path=ppt/slides/slide6.xml><?xml version="1.0" encoding="utf-8"?>
+<p:sld xmlns:a="http://schemas.openxmlformats.org/drawingml/2006/main" xmlns:r="http://schemas.openxmlformats.org/officeDocument/2006/relationships" xmlns:p="http://schemas.openxmlformats.org/presentationml/2006/main">
+  <p:cSld>
+    <p:spTree>
+      <p:nvGrpSpPr>
+        <p:cNvPr id="1" name=""/>
+        <p:cNvGrpSpPr/>
+        <p:nvPr/>
+      </p:nvGrpSpPr>
+      <p:grpSpPr>
+        <a:xfrm>
+          <a:off x="0" y="0"/>
+          <a:ext cx="0" cy="0"/>
+          <a:chOff x="0" y="0"/>
+          <a:chExt cx="0" cy="0"/>
+        </a:xfrm>
+      </p:grpSpPr>
       <p:sp useBgFill="1">
         <p:nvSpPr>
           <p:cNvPr id="10" name="Rectangle 9"/>
@@ -36237,7 +37541,7 @@
 </p:sld>
 </file>
 
-<file path=ppt/slides/slide6.xml><?xml version="1.0" encoding="utf-8"?>
+<file path=ppt/slides/slide7.xml><?xml version="1.0" encoding="utf-8"?>
 <p:sld xmlns:a="http://schemas.openxmlformats.org/drawingml/2006/main" xmlns:r="http://schemas.openxmlformats.org/officeDocument/2006/relationships" xmlns:p="http://schemas.openxmlformats.org/presentationml/2006/main">
   <p:cSld>
     <p:spTree>
@@ -36725,7 +38029,7 @@
 </p:sld>
 </file>
 
-<file path=ppt/slides/slide7.xml><?xml version="1.0" encoding="utf-8"?>
+<file path=ppt/slides/slide8.xml><?xml version="1.0" encoding="utf-8"?>
 <p:sld xmlns:a="http://schemas.openxmlformats.org/drawingml/2006/main" xmlns:r="http://schemas.openxmlformats.org/officeDocument/2006/relationships" xmlns:p="http://schemas.openxmlformats.org/presentationml/2006/main">
   <p:cSld>
     <p:spTree>
@@ -37193,8 +38497,8 @@
         </p:blipFill>
         <p:spPr>
           <a:xfrm>
-            <a:off x="2073725" y="2025809"/>
-            <a:ext cx="8044549" cy="4313542"/>
+            <a:off x="1717380" y="1874296"/>
+            <a:ext cx="8757239" cy="4695691"/>
           </a:xfrm>
           <a:prstGeom prst="rect">
             <a:avLst/>
@@ -37214,7 +38518,7 @@
 </p:sld>
 </file>
 
-<file path=ppt/slides/slide8.xml><?xml version="1.0" encoding="utf-8"?>
+<file path=ppt/slides/slide9.xml><?xml version="1.0" encoding="utf-8"?>
 <p:sld xmlns:a="http://schemas.openxmlformats.org/drawingml/2006/main" xmlns:r="http://schemas.openxmlformats.org/officeDocument/2006/relationships" xmlns:p="http://schemas.openxmlformats.org/presentationml/2006/main">
   <p:cSld>
     <p:spTree>
@@ -37697,527 +39001,6 @@
 </p:sld>
 </file>
 
-<file path=ppt/slides/slide9.xml><?xml version="1.0" encoding="utf-8"?>
-<p:sld xmlns:a="http://schemas.openxmlformats.org/drawingml/2006/main" xmlns:r="http://schemas.openxmlformats.org/officeDocument/2006/relationships" xmlns:p="http://schemas.openxmlformats.org/presentationml/2006/main">
-  <p:cSld>
-    <p:spTree>
-      <p:nvGrpSpPr>
-        <p:cNvPr id="1" name=""/>
-        <p:cNvGrpSpPr/>
-        <p:nvPr/>
-      </p:nvGrpSpPr>
-      <p:grpSpPr>
-        <a:xfrm>
-          <a:off x="0" y="0"/>
-          <a:ext cx="0" cy="0"/>
-          <a:chOff x="0" y="0"/>
-          <a:chExt cx="0" cy="0"/>
-        </a:xfrm>
-      </p:grpSpPr>
-      <p:sp>
-        <p:nvSpPr>
-          <p:cNvPr id="2" name="Título 1"/>
-          <p:cNvSpPr>
-            <a:spLocks noGrp="1"/>
-          </p:cNvSpPr>
-          <p:nvPr>
-            <p:ph type="title"/>
-          </p:nvPr>
-        </p:nvSpPr>
-        <p:spPr>
-          <a:xfrm>
-            <a:off x="1812897" y="518649"/>
-            <a:ext cx="9882278" cy="1067634"/>
-          </a:xfrm>
-        </p:spPr>
-        <p:txBody>
-          <a:bodyPr anchor="ctr">
-            <a:normAutofit/>
-          </a:bodyPr>
-          <a:lstStyle/>
-          <a:p>
-            <a:r>
-              <a:rPr lang="pt-BR" dirty="0" err="1"/>
-              <a:t>Product</a:t>
-            </a:r>
-            <a:r>
-              <a:rPr lang="pt-BR" dirty="0"/>
-              <a:t> / Sprint Backlog</a:t>
-            </a:r>
-          </a:p>
-        </p:txBody>
-      </p:sp>
-      <p:grpSp>
-        <p:nvGrpSpPr>
-          <p:cNvPr id="12" name="Group 11"/>
-          <p:cNvGrpSpPr>
-            <a:grpSpLocks noGrp="1" noUngrp="1" noRot="1" noChangeAspect="1" noMove="1" noResize="1"/>
-          </p:cNvGrpSpPr>
-          <p:nvPr/>
-        </p:nvGrpSpPr>
-        <p:grpSpPr>
-          <a:xfrm>
-            <a:off x="472021" y="628863"/>
-            <a:ext cx="1128382" cy="847206"/>
-            <a:chOff x="8183879" y="1000124"/>
-            <a:chExt cx="1562267" cy="1172973"/>
-          </a:xfrm>
-        </p:grpSpPr>
-        <p:sp>
-          <p:nvSpPr>
-            <p:cNvPr id="13" name="Freeform 5"/>
-            <p:cNvSpPr/>
-            <p:nvPr/>
-          </p:nvSpPr>
-          <p:spPr bwMode="auto">
-            <a:xfrm>
-              <a:off x="8183879" y="1348782"/>
-              <a:ext cx="935037" cy="824315"/>
-            </a:xfrm>
-            <a:custGeom>
-              <a:avLst/>
-              <a:gdLst>
-                <a:gd name="T0" fmla="*/ 225 w 785"/>
-                <a:gd name="T1" fmla="*/ 692 h 692"/>
-                <a:gd name="T2" fmla="*/ 177 w 785"/>
-                <a:gd name="T3" fmla="*/ 665 h 692"/>
-                <a:gd name="T4" fmla="*/ 9 w 785"/>
-                <a:gd name="T5" fmla="*/ 374 h 692"/>
-                <a:gd name="T6" fmla="*/ 9 w 785"/>
-                <a:gd name="T7" fmla="*/ 318 h 692"/>
-                <a:gd name="T8" fmla="*/ 177 w 785"/>
-                <a:gd name="T9" fmla="*/ 27 h 692"/>
-                <a:gd name="T10" fmla="*/ 225 w 785"/>
-                <a:gd name="T11" fmla="*/ 0 h 692"/>
-                <a:gd name="T12" fmla="*/ 561 w 785"/>
-                <a:gd name="T13" fmla="*/ 0 h 692"/>
-                <a:gd name="T14" fmla="*/ 609 w 785"/>
-                <a:gd name="T15" fmla="*/ 27 h 692"/>
-                <a:gd name="T16" fmla="*/ 777 w 785"/>
-                <a:gd name="T17" fmla="*/ 318 h 692"/>
-                <a:gd name="T18" fmla="*/ 777 w 785"/>
-                <a:gd name="T19" fmla="*/ 374 h 692"/>
-                <a:gd name="T20" fmla="*/ 609 w 785"/>
-                <a:gd name="T21" fmla="*/ 665 h 692"/>
-                <a:gd name="T22" fmla="*/ 561 w 785"/>
-                <a:gd name="T23" fmla="*/ 692 h 692"/>
-                <a:gd name="T24" fmla="*/ 225 w 785"/>
-                <a:gd name="T25" fmla="*/ 692 h 692"/>
-              </a:gdLst>
-              <a:ahLst/>
-              <a:cxnLst>
-                <a:cxn ang="0">
-                  <a:pos x="T0" y="T1"/>
-                </a:cxn>
-                <a:cxn ang="0">
-                  <a:pos x="T2" y="T3"/>
-                </a:cxn>
-                <a:cxn ang="0">
-                  <a:pos x="T4" y="T5"/>
-                </a:cxn>
-                <a:cxn ang="0">
-                  <a:pos x="T6" y="T7"/>
-                </a:cxn>
-                <a:cxn ang="0">
-                  <a:pos x="T8" y="T9"/>
-                </a:cxn>
-                <a:cxn ang="0">
-                  <a:pos x="T10" y="T11"/>
-                </a:cxn>
-                <a:cxn ang="0">
-                  <a:pos x="T12" y="T13"/>
-                </a:cxn>
-                <a:cxn ang="0">
-                  <a:pos x="T14" y="T15"/>
-                </a:cxn>
-                <a:cxn ang="0">
-                  <a:pos x="T16" y="T17"/>
-                </a:cxn>
-                <a:cxn ang="0">
-                  <a:pos x="T18" y="T19"/>
-                </a:cxn>
-                <a:cxn ang="0">
-                  <a:pos x="T20" y="T21"/>
-                </a:cxn>
-                <a:cxn ang="0">
-                  <a:pos x="T22" y="T23"/>
-                </a:cxn>
-                <a:cxn ang="0">
-                  <a:pos x="T24" y="T25"/>
-                </a:cxn>
-              </a:cxnLst>
-              <a:rect l="0" t="0" r="r" b="b"/>
-              <a:pathLst>
-                <a:path w="785" h="692">
-                  <a:moveTo>
-                    <a:pt x="225" y="692"/>
-                  </a:moveTo>
-                  <a:cubicBezTo>
-                    <a:pt x="207" y="692"/>
-                    <a:pt x="185" y="680"/>
-                    <a:pt x="177" y="665"/>
-                  </a:cubicBezTo>
-                  <a:cubicBezTo>
-                    <a:pt x="9" y="374"/>
-                    <a:pt x="9" y="374"/>
-                    <a:pt x="9" y="374"/>
-                  </a:cubicBezTo>
-                  <a:cubicBezTo>
-                    <a:pt x="0" y="358"/>
-                    <a:pt x="0" y="334"/>
-                    <a:pt x="9" y="318"/>
-                  </a:cubicBezTo>
-                  <a:cubicBezTo>
-                    <a:pt x="177" y="27"/>
-                    <a:pt x="177" y="27"/>
-                    <a:pt x="177" y="27"/>
-                  </a:cubicBezTo>
-                  <a:cubicBezTo>
-                    <a:pt x="185" y="12"/>
-                    <a:pt x="207" y="0"/>
-                    <a:pt x="225" y="0"/>
-                  </a:cubicBezTo>
-                  <a:cubicBezTo>
-                    <a:pt x="561" y="0"/>
-                    <a:pt x="561" y="0"/>
-                    <a:pt x="561" y="0"/>
-                  </a:cubicBezTo>
-                  <a:cubicBezTo>
-                    <a:pt x="578" y="0"/>
-                    <a:pt x="600" y="12"/>
-                    <a:pt x="609" y="27"/>
-                  </a:cubicBezTo>
-                  <a:cubicBezTo>
-                    <a:pt x="777" y="318"/>
-                    <a:pt x="777" y="318"/>
-                    <a:pt x="777" y="318"/>
-                  </a:cubicBezTo>
-                  <a:cubicBezTo>
-                    <a:pt x="785" y="334"/>
-                    <a:pt x="785" y="358"/>
-                    <a:pt x="777" y="374"/>
-                  </a:cubicBezTo>
-                  <a:cubicBezTo>
-                    <a:pt x="609" y="665"/>
-                    <a:pt x="609" y="665"/>
-                    <a:pt x="609" y="665"/>
-                  </a:cubicBezTo>
-                  <a:cubicBezTo>
-                    <a:pt x="600" y="680"/>
-                    <a:pt x="578" y="692"/>
-                    <a:pt x="561" y="692"/>
-                  </a:cubicBezTo>
-                  <a:lnTo>
-                    <a:pt x="225" y="692"/>
-                  </a:lnTo>
-                  <a:close/>
-                </a:path>
-              </a:pathLst>
-            </a:custGeom>
-            <a:noFill/>
-            <a:ln w="28575" cmpd="sng">
-              <a:solidFill>
-                <a:schemeClr val="tx1"/>
-              </a:solidFill>
-            </a:ln>
-          </p:spPr>
-          <p:txBody>
-            <a:bodyPr vert="horz" wrap="square" lIns="91440" tIns="45720" rIns="91440" bIns="45720" numCol="1" anchor="t" anchorCtr="0" compatLnSpc="1"/>
-            <a:lstStyle/>
-            <a:p>
-              <a:endParaRPr lang="en-US"/>
-            </a:p>
-          </p:txBody>
-        </p:sp>
-        <p:sp>
-          <p:nvSpPr>
-            <p:cNvPr id="14" name="Freeform 5"/>
-            <p:cNvSpPr/>
-            <p:nvPr/>
-          </p:nvSpPr>
-          <p:spPr bwMode="auto">
-            <a:xfrm>
-              <a:off x="8983979" y="1000124"/>
-              <a:ext cx="762167" cy="671915"/>
-            </a:xfrm>
-            <a:custGeom>
-              <a:avLst/>
-              <a:gdLst>
-                <a:gd name="T0" fmla="*/ 225 w 785"/>
-                <a:gd name="T1" fmla="*/ 692 h 692"/>
-                <a:gd name="T2" fmla="*/ 177 w 785"/>
-                <a:gd name="T3" fmla="*/ 665 h 692"/>
-                <a:gd name="T4" fmla="*/ 9 w 785"/>
-                <a:gd name="T5" fmla="*/ 374 h 692"/>
-                <a:gd name="T6" fmla="*/ 9 w 785"/>
-                <a:gd name="T7" fmla="*/ 318 h 692"/>
-                <a:gd name="T8" fmla="*/ 177 w 785"/>
-                <a:gd name="T9" fmla="*/ 27 h 692"/>
-                <a:gd name="T10" fmla="*/ 225 w 785"/>
-                <a:gd name="T11" fmla="*/ 0 h 692"/>
-                <a:gd name="T12" fmla="*/ 561 w 785"/>
-                <a:gd name="T13" fmla="*/ 0 h 692"/>
-                <a:gd name="T14" fmla="*/ 609 w 785"/>
-                <a:gd name="T15" fmla="*/ 27 h 692"/>
-                <a:gd name="T16" fmla="*/ 777 w 785"/>
-                <a:gd name="T17" fmla="*/ 318 h 692"/>
-                <a:gd name="T18" fmla="*/ 777 w 785"/>
-                <a:gd name="T19" fmla="*/ 374 h 692"/>
-                <a:gd name="T20" fmla="*/ 609 w 785"/>
-                <a:gd name="T21" fmla="*/ 665 h 692"/>
-                <a:gd name="T22" fmla="*/ 561 w 785"/>
-                <a:gd name="T23" fmla="*/ 692 h 692"/>
-                <a:gd name="T24" fmla="*/ 225 w 785"/>
-                <a:gd name="T25" fmla="*/ 692 h 692"/>
-              </a:gdLst>
-              <a:ahLst/>
-              <a:cxnLst>
-                <a:cxn ang="0">
-                  <a:pos x="T0" y="T1"/>
-                </a:cxn>
-                <a:cxn ang="0">
-                  <a:pos x="T2" y="T3"/>
-                </a:cxn>
-                <a:cxn ang="0">
-                  <a:pos x="T4" y="T5"/>
-                </a:cxn>
-                <a:cxn ang="0">
-                  <a:pos x="T6" y="T7"/>
-                </a:cxn>
-                <a:cxn ang="0">
-                  <a:pos x="T8" y="T9"/>
-                </a:cxn>
-                <a:cxn ang="0">
-                  <a:pos x="T10" y="T11"/>
-                </a:cxn>
-                <a:cxn ang="0">
-                  <a:pos x="T12" y="T13"/>
-                </a:cxn>
-                <a:cxn ang="0">
-                  <a:pos x="T14" y="T15"/>
-                </a:cxn>
-                <a:cxn ang="0">
-                  <a:pos x="T16" y="T17"/>
-                </a:cxn>
-                <a:cxn ang="0">
-                  <a:pos x="T18" y="T19"/>
-                </a:cxn>
-                <a:cxn ang="0">
-                  <a:pos x="T20" y="T21"/>
-                </a:cxn>
-                <a:cxn ang="0">
-                  <a:pos x="T22" y="T23"/>
-                </a:cxn>
-                <a:cxn ang="0">
-                  <a:pos x="T24" y="T25"/>
-                </a:cxn>
-              </a:cxnLst>
-              <a:rect l="0" t="0" r="r" b="b"/>
-              <a:pathLst>
-                <a:path w="785" h="692">
-                  <a:moveTo>
-                    <a:pt x="225" y="692"/>
-                  </a:moveTo>
-                  <a:cubicBezTo>
-                    <a:pt x="207" y="692"/>
-                    <a:pt x="185" y="680"/>
-                    <a:pt x="177" y="665"/>
-                  </a:cubicBezTo>
-                  <a:cubicBezTo>
-                    <a:pt x="9" y="374"/>
-                    <a:pt x="9" y="374"/>
-                    <a:pt x="9" y="374"/>
-                  </a:cubicBezTo>
-                  <a:cubicBezTo>
-                    <a:pt x="0" y="358"/>
-                    <a:pt x="0" y="334"/>
-                    <a:pt x="9" y="318"/>
-                  </a:cubicBezTo>
-                  <a:cubicBezTo>
-                    <a:pt x="177" y="27"/>
-                    <a:pt x="177" y="27"/>
-                    <a:pt x="177" y="27"/>
-                  </a:cubicBezTo>
-                  <a:cubicBezTo>
-                    <a:pt x="185" y="12"/>
-                    <a:pt x="207" y="0"/>
-                    <a:pt x="225" y="0"/>
-                  </a:cubicBezTo>
-                  <a:cubicBezTo>
-                    <a:pt x="561" y="0"/>
-                    <a:pt x="561" y="0"/>
-                    <a:pt x="561" y="0"/>
-                  </a:cubicBezTo>
-                  <a:cubicBezTo>
-                    <a:pt x="578" y="0"/>
-                    <a:pt x="600" y="12"/>
-                    <a:pt x="609" y="27"/>
-                  </a:cubicBezTo>
-                  <a:cubicBezTo>
-                    <a:pt x="777" y="318"/>
-                    <a:pt x="777" y="318"/>
-                    <a:pt x="777" y="318"/>
-                  </a:cubicBezTo>
-                  <a:cubicBezTo>
-                    <a:pt x="785" y="334"/>
-                    <a:pt x="785" y="358"/>
-                    <a:pt x="777" y="374"/>
-                  </a:cubicBezTo>
-                  <a:cubicBezTo>
-                    <a:pt x="609" y="665"/>
-                    <a:pt x="609" y="665"/>
-                    <a:pt x="609" y="665"/>
-                  </a:cubicBezTo>
-                  <a:cubicBezTo>
-                    <a:pt x="600" y="680"/>
-                    <a:pt x="578" y="692"/>
-                    <a:pt x="561" y="692"/>
-                  </a:cubicBezTo>
-                  <a:lnTo>
-                    <a:pt x="225" y="692"/>
-                  </a:lnTo>
-                  <a:close/>
-                </a:path>
-              </a:pathLst>
-            </a:custGeom>
-            <a:noFill/>
-            <a:ln w="28575" cmpd="sng">
-              <a:solidFill>
-                <a:schemeClr val="tx1"/>
-              </a:solidFill>
-            </a:ln>
-          </p:spPr>
-          <p:txBody>
-            <a:bodyPr vert="horz" wrap="square" lIns="91440" tIns="45720" rIns="91440" bIns="45720" numCol="1" anchor="t" anchorCtr="0" compatLnSpc="1"/>
-            <a:lstStyle/>
-            <a:p>
-              <a:endParaRPr lang="en-US"/>
-            </a:p>
-          </p:txBody>
-        </p:sp>
-      </p:grpSp>
-      <p:pic>
-        <p:nvPicPr>
-          <p:cNvPr id="11" name="Imagem 10">
-            <a:extLst>
-              <a:ext uri="{FF2B5EF4-FFF2-40B4-BE49-F238E27FC236}">
-                <a16:creationId xmlns:a16="http://schemas.microsoft.com/office/drawing/2014/main" id="{8F1A4823-8682-41E7-A5C1-1ABA20505B18}"/>
-              </a:ext>
-            </a:extLst>
-          </p:cNvPr>
-          <p:cNvPicPr>
-            <a:picLocks noChangeAspect="1"/>
-          </p:cNvPicPr>
-          <p:nvPr/>
-        </p:nvPicPr>
-        <p:blipFill>
-          <a:blip r:embed="rId2"/>
-          <a:stretch>
-            <a:fillRect/>
-          </a:stretch>
-        </p:blipFill>
-        <p:spPr>
-          <a:xfrm>
-            <a:off x="1994792" y="4571013"/>
-            <a:ext cx="8202408" cy="2102836"/>
-          </a:xfrm>
-          <a:prstGeom prst="rect">
-            <a:avLst/>
-          </a:prstGeom>
-        </p:spPr>
-      </p:pic>
-      <p:pic>
-        <p:nvPicPr>
-          <p:cNvPr id="15" name="Imagem 14">
-            <a:extLst>
-              <a:ext uri="{FF2B5EF4-FFF2-40B4-BE49-F238E27FC236}">
-                <a16:creationId xmlns:a16="http://schemas.microsoft.com/office/drawing/2014/main" id="{4E3D15D1-6C66-4859-8D2D-7DECB3E481F5}"/>
-              </a:ext>
-            </a:extLst>
-          </p:cNvPr>
-          <p:cNvPicPr>
-            <a:picLocks noChangeAspect="1"/>
-          </p:cNvPicPr>
-          <p:nvPr/>
-        </p:nvPicPr>
-        <p:blipFill>
-          <a:blip r:embed="rId3"/>
-          <a:stretch>
-            <a:fillRect/>
-          </a:stretch>
-        </p:blipFill>
-        <p:spPr>
-          <a:xfrm>
-            <a:off x="3643309" y="1586283"/>
-            <a:ext cx="4905375" cy="2001558"/>
-          </a:xfrm>
-          <a:prstGeom prst="rect">
-            <a:avLst/>
-          </a:prstGeom>
-        </p:spPr>
-      </p:pic>
-      <p:sp>
-        <p:nvSpPr>
-          <p:cNvPr id="6" name="Seta: para Baixo 5">
-            <a:extLst>
-              <a:ext uri="{FF2B5EF4-FFF2-40B4-BE49-F238E27FC236}">
-                <a16:creationId xmlns:a16="http://schemas.microsoft.com/office/drawing/2014/main" id="{C0FFF3D3-78AB-4F03-AEA3-F792F1C928B1}"/>
-              </a:ext>
-            </a:extLst>
-          </p:cNvPr>
-          <p:cNvSpPr/>
-          <p:nvPr/>
-        </p:nvSpPr>
-        <p:spPr>
-          <a:xfrm>
-            <a:off x="5872159" y="3679377"/>
-            <a:ext cx="447677" cy="800100"/>
-          </a:xfrm>
-          <a:prstGeom prst="downArrow">
-            <a:avLst/>
-          </a:prstGeom>
-          <a:solidFill>
-            <a:srgbClr val="92D050"/>
-          </a:solidFill>
-        </p:spPr>
-        <p:style>
-          <a:lnRef idx="2">
-            <a:schemeClr val="accent1">
-              <a:shade val="50000"/>
-            </a:schemeClr>
-          </a:lnRef>
-          <a:fillRef idx="1">
-            <a:schemeClr val="accent1"/>
-          </a:fillRef>
-          <a:effectRef idx="0">
-            <a:schemeClr val="accent1"/>
-          </a:effectRef>
-          <a:fontRef idx="minor">
-            <a:schemeClr val="lt1"/>
-          </a:fontRef>
-        </p:style>
-        <p:txBody>
-          <a:bodyPr rtlCol="0" anchor="ctr"/>
-          <a:lstStyle/>
-          <a:p>
-            <a:pPr algn="ctr"/>
-            <a:endParaRPr lang="pt-BR"/>
-          </a:p>
-        </p:txBody>
-      </p:sp>
-    </p:spTree>
-    <p:extLst>
-      <p:ext uri="{BB962C8B-B14F-4D97-AF65-F5344CB8AC3E}">
-        <p14:creationId xmlns:p14="http://schemas.microsoft.com/office/powerpoint/2010/main" val="1290913563"/>
-      </p:ext>
-    </p:extLst>
-  </p:cSld>
-  <p:clrMapOvr>
-    <a:masterClrMapping/>
-  </p:clrMapOvr>
-</p:sld>
-</file>
-
 <file path=ppt/theme/theme1.xml><?xml version="1.0" encoding="utf-8"?>
 <a:theme xmlns:a="http://schemas.openxmlformats.org/drawingml/2006/main" name="Tema do Office">
   <a:themeElements>

--- a/Documentação/Apresentação - Sprint 3.pptx
+++ b/Documentação/Apresentação - Sprint 3.pptx
@@ -12,8 +12,8 @@
     <p:sldId id="264" r:id="rId6"/>
     <p:sldId id="296" r:id="rId7"/>
     <p:sldId id="295" r:id="rId8"/>
-    <p:sldId id="294" r:id="rId9"/>
-    <p:sldId id="292" r:id="rId10"/>
+    <p:sldId id="292" r:id="rId9"/>
+    <p:sldId id="294" r:id="rId10"/>
     <p:sldId id="289" r:id="rId11"/>
     <p:sldId id="286" r:id="rId12"/>
     <p:sldId id="300" r:id="rId13"/>
@@ -131,7 +131,7 @@
 <file path=ppt/revisionInfo.xml><?xml version="1.0" encoding="utf-8"?>
 <p1510:revInfo xmlns:a="http://schemas.openxmlformats.org/drawingml/2006/main" xmlns:r="http://schemas.openxmlformats.org/officeDocument/2006/relationships" xmlns:p1510="http://schemas.microsoft.com/office/powerpoint/2015/10/main">
   <p1510:revLst>
-    <p1510:client id="{DAECEB32-C126-44A1-B729-3AADB1682972}" v="34" dt="2020-06-16T20:16:32.863"/>
+    <p1510:client id="{DAECEB32-C126-44A1-B729-3AADB1682972}" v="46" dt="2020-06-16T21:47:58.424"/>
   </p1510:revLst>
 </p1510:revInfo>
 </file>
@@ -140,8 +140,8 @@
 <pc:chgInfo xmlns:a="http://schemas.openxmlformats.org/drawingml/2006/main" xmlns:r="http://schemas.openxmlformats.org/officeDocument/2006/relationships" xmlns:ac="http://schemas.microsoft.com/office/drawing/2013/main/command" xmlns:pc="http://schemas.microsoft.com/office/powerpoint/2013/main/command">
   <pc:docChgLst>
     <pc:chgData name="Fernando C Correa" userId="a08d7f3c16d54179" providerId="LiveId" clId="{DAECEB32-C126-44A1-B729-3AADB1682972}"/>
-    <pc:docChg chg="custSel addSld modSld sldOrd">
-      <pc:chgData name="Fernando C Correa" userId="a08d7f3c16d54179" providerId="LiveId" clId="{DAECEB32-C126-44A1-B729-3AADB1682972}" dt="2020-06-16T20:17:21.930" v="88"/>
+    <pc:docChg chg="undo custSel addSld modSld sldOrd">
+      <pc:chgData name="Fernando C Correa" userId="a08d7f3c16d54179" providerId="LiveId" clId="{DAECEB32-C126-44A1-B729-3AADB1682972}" dt="2020-06-16T21:47:58.423" v="149" actId="1076"/>
       <pc:docMkLst>
         <pc:docMk/>
       </pc:docMkLst>
@@ -174,6 +174,93 @@
         </pc:sldMkLst>
       </pc:sldChg>
       <pc:sldChg chg="addSp delSp modSp mod">
+        <pc:chgData name="Fernando C Correa" userId="a08d7f3c16d54179" providerId="LiveId" clId="{DAECEB32-C126-44A1-B729-3AADB1682972}" dt="2020-06-16T20:51:13.782" v="128" actId="1076"/>
+        <pc:sldMkLst>
+          <pc:docMk/>
+          <pc:sldMk cId="1001627628" sldId="290"/>
+        </pc:sldMkLst>
+        <pc:grpChg chg="del">
+          <ac:chgData name="Fernando C Correa" userId="a08d7f3c16d54179" providerId="LiveId" clId="{DAECEB32-C126-44A1-B729-3AADB1682972}" dt="2020-06-16T20:51:12.389" v="127" actId="478"/>
+          <ac:grpSpMkLst>
+            <pc:docMk/>
+            <pc:sldMk cId="1001627628" sldId="290"/>
+            <ac:grpSpMk id="11" creationId="{E4EA4F72-EFE3-4F09-A7E7-6AABF9ABBF18}"/>
+          </ac:grpSpMkLst>
+        </pc:grpChg>
+        <pc:picChg chg="add del">
+          <ac:chgData name="Fernando C Correa" userId="a08d7f3c16d54179" providerId="LiveId" clId="{DAECEB32-C126-44A1-B729-3AADB1682972}" dt="2020-06-16T20:48:49.865" v="96"/>
+          <ac:picMkLst>
+            <pc:docMk/>
+            <pc:sldMk cId="1001627628" sldId="290"/>
+            <ac:picMk id="3" creationId="{2CEEE7BF-8D17-4379-AAED-E345EDE50F01}"/>
+          </ac:picMkLst>
+        </pc:picChg>
+        <pc:picChg chg="add mod">
+          <ac:chgData name="Fernando C Correa" userId="a08d7f3c16d54179" providerId="LiveId" clId="{DAECEB32-C126-44A1-B729-3AADB1682972}" dt="2020-06-16T20:49:15.529" v="105" actId="1076"/>
+          <ac:picMkLst>
+            <pc:docMk/>
+            <pc:sldMk cId="1001627628" sldId="290"/>
+            <ac:picMk id="4" creationId="{EF1B15BB-D535-47AA-9FA1-D1125164EE2C}"/>
+          </ac:picMkLst>
+        </pc:picChg>
+        <pc:picChg chg="add del">
+          <ac:chgData name="Fernando C Correa" userId="a08d7f3c16d54179" providerId="LiveId" clId="{DAECEB32-C126-44A1-B729-3AADB1682972}" dt="2020-06-16T20:50:12.803" v="108"/>
+          <ac:picMkLst>
+            <pc:docMk/>
+            <pc:sldMk cId="1001627628" sldId="290"/>
+            <ac:picMk id="5" creationId="{57B42D8F-8F08-4DDC-B52B-83270FC6B39C}"/>
+          </ac:picMkLst>
+        </pc:picChg>
+        <pc:picChg chg="add mod">
+          <ac:chgData name="Fernando C Correa" userId="a08d7f3c16d54179" providerId="LiveId" clId="{DAECEB32-C126-44A1-B729-3AADB1682972}" dt="2020-06-16T20:50:48.877" v="121" actId="1076"/>
+          <ac:picMkLst>
+            <pc:docMk/>
+            <pc:sldMk cId="1001627628" sldId="290"/>
+            <ac:picMk id="6" creationId="{86E18F85-66AB-4286-98CE-080A6189E506}"/>
+          </ac:picMkLst>
+        </pc:picChg>
+        <pc:picChg chg="add mod">
+          <ac:chgData name="Fernando C Correa" userId="a08d7f3c16d54179" providerId="LiveId" clId="{DAECEB32-C126-44A1-B729-3AADB1682972}" dt="2020-06-16T20:51:13.782" v="128" actId="1076"/>
+          <ac:picMkLst>
+            <pc:docMk/>
+            <pc:sldMk cId="1001627628" sldId="290"/>
+            <ac:picMk id="7" creationId="{639E2F4F-9550-4925-80F7-305D25DF9580}"/>
+          </ac:picMkLst>
+        </pc:picChg>
+        <pc:picChg chg="topLvl">
+          <ac:chgData name="Fernando C Correa" userId="a08d7f3c16d54179" providerId="LiveId" clId="{DAECEB32-C126-44A1-B729-3AADB1682972}" dt="2020-06-16T20:51:12.389" v="127" actId="478"/>
+          <ac:picMkLst>
+            <pc:docMk/>
+            <pc:sldMk cId="1001627628" sldId="290"/>
+            <ac:picMk id="15" creationId="{E3972336-02C1-47CD-97B1-80ABC70FA9B7}"/>
+          </ac:picMkLst>
+        </pc:picChg>
+        <pc:picChg chg="add del mod">
+          <ac:chgData name="Fernando C Correa" userId="a08d7f3c16d54179" providerId="LiveId" clId="{DAECEB32-C126-44A1-B729-3AADB1682972}" dt="2020-06-16T20:49:11.465" v="104" actId="478"/>
+          <ac:picMkLst>
+            <pc:docMk/>
+            <pc:sldMk cId="1001627628" sldId="290"/>
+            <ac:picMk id="16" creationId="{20781BF0-8212-4D1A-9E98-63B0F1909496}"/>
+          </ac:picMkLst>
+        </pc:picChg>
+        <pc:picChg chg="add del mod">
+          <ac:chgData name="Fernando C Correa" userId="a08d7f3c16d54179" providerId="LiveId" clId="{DAECEB32-C126-44A1-B729-3AADB1682972}" dt="2020-06-16T20:50:41.242" v="120" actId="478"/>
+          <ac:picMkLst>
+            <pc:docMk/>
+            <pc:sldMk cId="1001627628" sldId="290"/>
+            <ac:picMk id="17" creationId="{040851DC-21ED-45C7-8F74-D947F2610DF4}"/>
+          </ac:picMkLst>
+        </pc:picChg>
+        <pc:picChg chg="del topLvl">
+          <ac:chgData name="Fernando C Correa" userId="a08d7f3c16d54179" providerId="LiveId" clId="{DAECEB32-C126-44A1-B729-3AADB1682972}" dt="2020-06-16T20:51:12.389" v="127" actId="478"/>
+          <ac:picMkLst>
+            <pc:docMk/>
+            <pc:sldMk cId="1001627628" sldId="290"/>
+            <ac:picMk id="18" creationId="{E06E4486-40EB-49C0-BDD4-6308F01F4996}"/>
+          </ac:picMkLst>
+        </pc:picChg>
+      </pc:sldChg>
+      <pc:sldChg chg="addSp delSp modSp mod">
         <pc:chgData name="Fernando C Correa" userId="a08d7f3c16d54179" providerId="LiveId" clId="{DAECEB32-C126-44A1-B729-3AADB1682972}" dt="2020-06-16T20:15:12.102" v="77" actId="1076"/>
         <pc:sldMkLst>
           <pc:docMk/>
@@ -196,6 +283,13 @@
           </ac:picMkLst>
         </pc:picChg>
       </pc:sldChg>
+      <pc:sldChg chg="ord">
+        <pc:chgData name="Fernando C Correa" userId="a08d7f3c16d54179" providerId="LiveId" clId="{DAECEB32-C126-44A1-B729-3AADB1682972}" dt="2020-06-16T21:44:13.447" v="144"/>
+        <pc:sldMkLst>
+          <pc:docMk/>
+          <pc:sldMk cId="1133719789" sldId="292"/>
+        </pc:sldMkLst>
+      </pc:sldChg>
       <pc:sldChg chg="modSp mod">
         <pc:chgData name="Fernando C Correa" userId="a08d7f3c16d54179" providerId="LiveId" clId="{DAECEB32-C126-44A1-B729-3AADB1682972}" dt="2020-06-16T19:52:42.001" v="66" actId="1076"/>
         <pc:sldMkLst>
@@ -211,8 +305,46 @@
           </ac:picMkLst>
         </pc:picChg>
       </pc:sldChg>
+      <pc:sldChg chg="modSp mod">
+        <pc:chgData name="Fernando C Correa" userId="a08d7f3c16d54179" providerId="LiveId" clId="{DAECEB32-C126-44A1-B729-3AADB1682972}" dt="2020-06-16T20:28:57.933" v="89" actId="20577"/>
+        <pc:sldMkLst>
+          <pc:docMk/>
+          <pc:sldMk cId="244390866" sldId="295"/>
+        </pc:sldMkLst>
+        <pc:spChg chg="mod">
+          <ac:chgData name="Fernando C Correa" userId="a08d7f3c16d54179" providerId="LiveId" clId="{DAECEB32-C126-44A1-B729-3AADB1682972}" dt="2020-06-16T20:28:57.933" v="89" actId="20577"/>
+          <ac:spMkLst>
+            <pc:docMk/>
+            <pc:sldMk cId="244390866" sldId="295"/>
+            <ac:spMk id="2" creationId="{00000000-0000-0000-0000-000000000000}"/>
+          </ac:spMkLst>
+        </pc:spChg>
+      </pc:sldChg>
+      <pc:sldChg chg="addSp delSp modSp mod">
+        <pc:chgData name="Fernando C Correa" userId="a08d7f3c16d54179" providerId="LiveId" clId="{DAECEB32-C126-44A1-B729-3AADB1682972}" dt="2020-06-16T21:18:47.371" v="142" actId="1076"/>
+        <pc:sldMkLst>
+          <pc:docMk/>
+          <pc:sldMk cId="2602158399" sldId="296"/>
+        </pc:sldMkLst>
+        <pc:grpChg chg="del">
+          <ac:chgData name="Fernando C Correa" userId="a08d7f3c16d54179" providerId="LiveId" clId="{DAECEB32-C126-44A1-B729-3AADB1682972}" dt="2020-06-16T21:18:23.630" v="135" actId="478"/>
+          <ac:grpSpMkLst>
+            <pc:docMk/>
+            <pc:sldMk cId="2602158399" sldId="296"/>
+            <ac:grpSpMk id="15" creationId="{E9FF7A15-42E9-4313-8D04-09D0569D0196}"/>
+          </ac:grpSpMkLst>
+        </pc:grpChg>
+        <pc:picChg chg="add mod modCrop">
+          <ac:chgData name="Fernando C Correa" userId="a08d7f3c16d54179" providerId="LiveId" clId="{DAECEB32-C126-44A1-B729-3AADB1682972}" dt="2020-06-16T21:18:47.371" v="142" actId="1076"/>
+          <ac:picMkLst>
+            <pc:docMk/>
+            <pc:sldMk cId="2602158399" sldId="296"/>
+            <ac:picMk id="4" creationId="{3B8A8F53-123C-4439-9517-915F069EB640}"/>
+          </ac:picMkLst>
+        </pc:picChg>
+      </pc:sldChg>
       <pc:sldChg chg="addSp delSp modSp add mod ord">
-        <pc:chgData name="Fernando C Correa" userId="a08d7f3c16d54179" providerId="LiveId" clId="{DAECEB32-C126-44A1-B729-3AADB1682972}" dt="2020-06-16T19:56:19.861" v="72" actId="1076"/>
+        <pc:chgData name="Fernando C Correa" userId="a08d7f3c16d54179" providerId="LiveId" clId="{DAECEB32-C126-44A1-B729-3AADB1682972}" dt="2020-06-16T21:47:58.423" v="149" actId="1076"/>
         <pc:sldMkLst>
           <pc:docMk/>
           <pc:sldMk cId="2462845540" sldId="300"/>
@@ -241,8 +373,8 @@
             <ac:picMk id="3" creationId="{B704A7BC-0A8A-4B1B-9D05-A4A66FDFBC36}"/>
           </ac:picMkLst>
         </pc:picChg>
-        <pc:picChg chg="add mod">
-          <ac:chgData name="Fernando C Correa" userId="a08d7f3c16d54179" providerId="LiveId" clId="{DAECEB32-C126-44A1-B729-3AADB1682972}" dt="2020-06-16T19:56:13.809" v="70" actId="1076"/>
+        <pc:picChg chg="add del mod">
+          <ac:chgData name="Fernando C Correa" userId="a08d7f3c16d54179" providerId="LiveId" clId="{DAECEB32-C126-44A1-B729-3AADB1682972}" dt="2020-06-16T21:47:50.792" v="148" actId="478"/>
           <ac:picMkLst>
             <pc:docMk/>
             <pc:sldMk cId="2462845540" sldId="300"/>
@@ -274,7 +406,7 @@
           </ac:picMkLst>
         </pc:picChg>
         <pc:picChg chg="add mod">
-          <ac:chgData name="Fernando C Correa" userId="a08d7f3c16d54179" providerId="LiveId" clId="{DAECEB32-C126-44A1-B729-3AADB1682972}" dt="2020-06-16T19:56:19.861" v="72" actId="1076"/>
+          <ac:chgData name="Fernando C Correa" userId="a08d7f3c16d54179" providerId="LiveId" clId="{DAECEB32-C126-44A1-B729-3AADB1682972}" dt="2020-06-16T21:47:47.765" v="146" actId="1076"/>
           <ac:picMkLst>
             <pc:docMk/>
             <pc:sldMk cId="2462845540" sldId="300"/>
@@ -282,7 +414,7 @@
           </ac:picMkLst>
         </pc:picChg>
         <pc:picChg chg="add mod">
-          <ac:chgData name="Fernando C Correa" userId="a08d7f3c16d54179" providerId="LiveId" clId="{DAECEB32-C126-44A1-B729-3AADB1682972}" dt="2020-06-16T19:56:17.750" v="71" actId="1076"/>
+          <ac:chgData name="Fernando C Correa" userId="a08d7f3c16d54179" providerId="LiveId" clId="{DAECEB32-C126-44A1-B729-3AADB1682972}" dt="2020-06-16T21:47:58.423" v="149" actId="1076"/>
           <ac:picMkLst>
             <pc:docMk/>
             <pc:sldMk cId="2462845540" sldId="300"/>
@@ -30334,7 +30466,7 @@
         </p:blipFill>
         <p:spPr bwMode="auto">
           <a:xfrm>
-            <a:off x="7408287" y="2742295"/>
+            <a:off x="1600403" y="2224761"/>
             <a:ext cx="1373405" cy="1373405"/>
           </a:xfrm>
           <a:prstGeom prst="rect">
@@ -30381,7 +30513,7 @@
         </p:blipFill>
         <p:spPr bwMode="auto">
           <a:xfrm>
-            <a:off x="3410309" y="2742295"/>
+            <a:off x="1600403" y="4526707"/>
             <a:ext cx="1373404" cy="1373404"/>
           </a:xfrm>
           <a:prstGeom prst="rect">
@@ -30397,45 +30529,6 @@
               </a14:hiddenFill>
             </a:ext>
           </a:extLst>
-        </p:spPr>
-      </p:pic>
-      <p:pic>
-        <p:nvPicPr>
-          <p:cNvPr id="5" name="Gráfico 4" descr="Adicionar">
-            <a:extLst>
-              <a:ext uri="{FF2B5EF4-FFF2-40B4-BE49-F238E27FC236}">
-                <a16:creationId xmlns:a16="http://schemas.microsoft.com/office/drawing/2014/main" id="{05D0ED45-D674-4D1C-9168-43929F63670A}"/>
-              </a:ext>
-            </a:extLst>
-          </p:cNvPr>
-          <p:cNvPicPr>
-            <a:picLocks noChangeAspect="1"/>
-          </p:cNvPicPr>
-          <p:nvPr/>
-        </p:nvPicPr>
-        <p:blipFill>
-          <a:blip r:embed="rId4">
-            <a:extLst>
-              <a:ext uri="{28A0092B-C50C-407E-A947-70E740481C1C}">
-                <a14:useLocalDpi xmlns:a14="http://schemas.microsoft.com/office/drawing/2010/main" val="0"/>
-              </a:ext>
-              <a:ext uri="{96DAC541-7B7A-43D3-8B79-37D633B846F1}">
-                <asvg:svgBlip xmlns:asvg="http://schemas.microsoft.com/office/drawing/2016/SVG/main" r:embed="rId5"/>
-              </a:ext>
-            </a:extLst>
-          </a:blip>
-          <a:stretch>
-            <a:fillRect/>
-          </a:stretch>
-        </p:blipFill>
-        <p:spPr>
-          <a:xfrm>
-            <a:off x="5638800" y="2971797"/>
-            <a:ext cx="914400" cy="914400"/>
-          </a:xfrm>
-          <a:prstGeom prst="rect">
-            <a:avLst/>
-          </a:prstGeom>
         </p:spPr>
       </p:pic>
     </p:spTree>
@@ -32841,147 +32934,126 @@
           </p:txBody>
         </p:sp>
       </p:grpSp>
-      <p:grpSp>
-        <p:nvGrpSpPr>
-          <p:cNvPr id="11" name="Agrupar 10">
+      <p:pic>
+        <p:nvPicPr>
+          <p:cNvPr id="15" name="Imagem 14">
             <a:extLst>
               <a:ext uri="{FF2B5EF4-FFF2-40B4-BE49-F238E27FC236}">
-                <a16:creationId xmlns:a16="http://schemas.microsoft.com/office/drawing/2014/main" id="{E4EA4F72-EFE3-4F09-A7E7-6AABF9ABBF18}"/>
+                <a16:creationId xmlns:a16="http://schemas.microsoft.com/office/drawing/2014/main" id="{E3972336-02C1-47CD-97B1-80ABC70FA9B7}"/>
               </a:ext>
             </a:extLst>
           </p:cNvPr>
-          <p:cNvGrpSpPr/>
+          <p:cNvPicPr>
+            <a:picLocks noChangeAspect="1"/>
+          </p:cNvPicPr>
           <p:nvPr/>
-        </p:nvGrpSpPr>
-        <p:grpSpPr>
+        </p:nvPicPr>
+        <p:blipFill>
+          <a:blip r:embed="rId2"/>
+          <a:stretch>
+            <a:fillRect/>
+          </a:stretch>
+        </p:blipFill>
+        <p:spPr>
           <a:xfrm>
             <a:off x="0" y="2215146"/>
             <a:ext cx="12200965" cy="3535986"/>
-            <a:chOff x="0" y="0"/>
-            <a:chExt cx="12192000" cy="3535986"/>
           </a:xfrm>
-        </p:grpSpPr>
-        <p:pic>
-          <p:nvPicPr>
-            <p:cNvPr id="15" name="Imagem 14">
-              <a:extLst>
-                <a:ext uri="{FF2B5EF4-FFF2-40B4-BE49-F238E27FC236}">
-                  <a16:creationId xmlns:a16="http://schemas.microsoft.com/office/drawing/2014/main" id="{E3972336-02C1-47CD-97B1-80ABC70FA9B7}"/>
-                </a:ext>
-              </a:extLst>
-            </p:cNvPr>
-            <p:cNvPicPr>
-              <a:picLocks noChangeAspect="1"/>
-            </p:cNvPicPr>
-            <p:nvPr/>
-          </p:nvPicPr>
-          <p:blipFill>
-            <a:blip r:embed="rId2"/>
-            <a:stretch>
-              <a:fillRect/>
-            </a:stretch>
-          </p:blipFill>
-          <p:spPr>
-            <a:xfrm>
-              <a:off x="0" y="0"/>
-              <a:ext cx="12192000" cy="3535986"/>
-            </a:xfrm>
-            <a:prstGeom prst="rect">
-              <a:avLst/>
-            </a:prstGeom>
-          </p:spPr>
-        </p:pic>
-        <p:pic>
-          <p:nvPicPr>
-            <p:cNvPr id="16" name="Imagem 15" descr="Tela de celular com texto preto sobre fundo branco&#10;&#10;Descrição gerada automaticamente">
-              <a:extLst>
-                <a:ext uri="{FF2B5EF4-FFF2-40B4-BE49-F238E27FC236}">
-                  <a16:creationId xmlns:a16="http://schemas.microsoft.com/office/drawing/2014/main" id="{20781BF0-8212-4D1A-9E98-63B0F1909496}"/>
-                </a:ext>
-              </a:extLst>
-            </p:cNvPr>
-            <p:cNvPicPr>
-              <a:picLocks noChangeAspect="1"/>
-            </p:cNvPicPr>
-            <p:nvPr/>
-          </p:nvPicPr>
-          <p:blipFill>
-            <a:blip r:embed="rId3"/>
-            <a:stretch>
-              <a:fillRect/>
-            </a:stretch>
-          </p:blipFill>
-          <p:spPr>
-            <a:xfrm>
-              <a:off x="528831" y="786040"/>
-              <a:ext cx="3246120" cy="1963902"/>
-            </a:xfrm>
-            <a:prstGeom prst="rect">
-              <a:avLst/>
-            </a:prstGeom>
-          </p:spPr>
-        </p:pic>
-        <p:pic>
-          <p:nvPicPr>
-            <p:cNvPr id="17" name="Imagem 16" descr="Tela de celular com texto preto sobre fundo branco&#10;&#10;Descrição gerada automaticamente">
-              <a:extLst>
-                <a:ext uri="{FF2B5EF4-FFF2-40B4-BE49-F238E27FC236}">
-                  <a16:creationId xmlns:a16="http://schemas.microsoft.com/office/drawing/2014/main" id="{040851DC-21ED-45C7-8F74-D947F2610DF4}"/>
-                </a:ext>
-              </a:extLst>
-            </p:cNvPr>
-            <p:cNvPicPr>
-              <a:picLocks noChangeAspect="1"/>
-            </p:cNvPicPr>
-            <p:nvPr/>
-          </p:nvPicPr>
-          <p:blipFill>
-            <a:blip r:embed="rId4"/>
-            <a:stretch>
-              <a:fillRect/>
-            </a:stretch>
-          </p:blipFill>
-          <p:spPr>
-            <a:xfrm>
-              <a:off x="4472940" y="887483"/>
-              <a:ext cx="3246120" cy="1761019"/>
-            </a:xfrm>
-            <a:prstGeom prst="rect">
-              <a:avLst/>
-            </a:prstGeom>
-          </p:spPr>
-        </p:pic>
-        <p:pic>
-          <p:nvPicPr>
-            <p:cNvPr id="18" name="Imagem 17" descr="Tela de celular com texto preto sobre fundo branco&#10;&#10;Descrição gerada automaticamente">
-              <a:extLst>
-                <a:ext uri="{FF2B5EF4-FFF2-40B4-BE49-F238E27FC236}">
-                  <a16:creationId xmlns:a16="http://schemas.microsoft.com/office/drawing/2014/main" id="{E06E4486-40EB-49C0-BDD4-6308F01F4996}"/>
-                </a:ext>
-              </a:extLst>
-            </p:cNvPr>
-            <p:cNvPicPr>
-              <a:picLocks noChangeAspect="1"/>
-            </p:cNvPicPr>
-            <p:nvPr/>
-          </p:nvPicPr>
-          <p:blipFill>
-            <a:blip r:embed="rId5"/>
-            <a:stretch>
-              <a:fillRect/>
-            </a:stretch>
-          </p:blipFill>
-          <p:spPr>
-            <a:xfrm>
-              <a:off x="8417049" y="1301361"/>
-              <a:ext cx="3246120" cy="933259"/>
-            </a:xfrm>
-            <a:prstGeom prst="rect">
-              <a:avLst/>
-            </a:prstGeom>
-          </p:spPr>
-        </p:pic>
-      </p:grpSp>
+          <a:prstGeom prst="rect">
+            <a:avLst/>
+          </a:prstGeom>
+        </p:spPr>
+      </p:pic>
+      <p:pic>
+        <p:nvPicPr>
+          <p:cNvPr id="4" name="Imagem 3">
+            <a:extLst>
+              <a:ext uri="{FF2B5EF4-FFF2-40B4-BE49-F238E27FC236}">
+                <a16:creationId xmlns:a16="http://schemas.microsoft.com/office/drawing/2014/main" id="{EF1B15BB-D535-47AA-9FA1-D1125164EE2C}"/>
+              </a:ext>
+            </a:extLst>
+          </p:cNvPr>
+          <p:cNvPicPr>
+            <a:picLocks noChangeAspect="1"/>
+          </p:cNvPicPr>
+          <p:nvPr/>
+        </p:nvPicPr>
+        <p:blipFill>
+          <a:blip r:embed="rId3"/>
+          <a:stretch>
+            <a:fillRect/>
+          </a:stretch>
+        </p:blipFill>
+        <p:spPr>
+          <a:xfrm>
+            <a:off x="4471746" y="3090493"/>
+            <a:ext cx="3248507" cy="1965600"/>
+          </a:xfrm>
+          <a:prstGeom prst="rect">
+            <a:avLst/>
+          </a:prstGeom>
+        </p:spPr>
+      </p:pic>
+      <p:pic>
+        <p:nvPicPr>
+          <p:cNvPr id="6" name="Imagem 5">
+            <a:extLst>
+              <a:ext uri="{FF2B5EF4-FFF2-40B4-BE49-F238E27FC236}">
+                <a16:creationId xmlns:a16="http://schemas.microsoft.com/office/drawing/2014/main" id="{86E18F85-66AB-4286-98CE-080A6189E506}"/>
+              </a:ext>
+            </a:extLst>
+          </p:cNvPr>
+          <p:cNvPicPr>
+            <a:picLocks noChangeAspect="1"/>
+          </p:cNvPicPr>
+          <p:nvPr/>
+        </p:nvPicPr>
+        <p:blipFill>
+          <a:blip r:embed="rId4"/>
+          <a:stretch>
+            <a:fillRect/>
+          </a:stretch>
+        </p:blipFill>
+        <p:spPr>
+          <a:xfrm>
+            <a:off x="654203" y="2663073"/>
+            <a:ext cx="3114558" cy="2640126"/>
+          </a:xfrm>
+          <a:prstGeom prst="rect">
+            <a:avLst/>
+          </a:prstGeom>
+        </p:spPr>
+      </p:pic>
+      <p:pic>
+        <p:nvPicPr>
+          <p:cNvPr id="7" name="Imagem 6">
+            <a:extLst>
+              <a:ext uri="{FF2B5EF4-FFF2-40B4-BE49-F238E27FC236}">
+                <a16:creationId xmlns:a16="http://schemas.microsoft.com/office/drawing/2014/main" id="{639E2F4F-9550-4925-80F7-305D25DF9580}"/>
+              </a:ext>
+            </a:extLst>
+          </p:cNvPr>
+          <p:cNvPicPr>
+            <a:picLocks noChangeAspect="1"/>
+          </p:cNvPicPr>
+          <p:nvPr/>
+        </p:nvPicPr>
+        <p:blipFill>
+          <a:blip r:embed="rId5"/>
+          <a:stretch>
+            <a:fillRect/>
+          </a:stretch>
+        </p:blipFill>
+        <p:spPr>
+          <a:xfrm>
+            <a:off x="8450311" y="3521362"/>
+            <a:ext cx="3248507" cy="1103862"/>
+          </a:xfrm>
+          <a:prstGeom prst="rect">
+            <a:avLst/>
+          </a:prstGeom>
+        </p:spPr>
+      </p:pic>
     </p:spTree>
     <p:extLst>
       <p:ext uri="{BB962C8B-B14F-4D97-AF65-F5344CB8AC3E}">
@@ -35605,1929 +35677,41 @@
           </p:txBody>
         </p:sp>
       </p:grpSp>
-      <p:grpSp>
-        <p:nvGrpSpPr>
-          <p:cNvPr id="15" name="Agrupar 14">
+      <p:pic>
+        <p:nvPicPr>
+          <p:cNvPr id="4" name="Imagem 3" descr="Uma imagem contendo texto, screenshot&#10;&#10;Descrição gerada automaticamente">
             <a:extLst>
               <a:ext uri="{FF2B5EF4-FFF2-40B4-BE49-F238E27FC236}">
-                <a16:creationId xmlns:a16="http://schemas.microsoft.com/office/drawing/2014/main" id="{E9FF7A15-42E9-4313-8D04-09D0569D0196}"/>
+                <a16:creationId xmlns:a16="http://schemas.microsoft.com/office/drawing/2014/main" id="{3B8A8F53-123C-4439-9517-915F069EB640}"/>
               </a:ext>
             </a:extLst>
           </p:cNvPr>
-          <p:cNvGrpSpPr/>
+          <p:cNvPicPr>
+            <a:picLocks noChangeAspect="1"/>
+          </p:cNvPicPr>
           <p:nvPr/>
-        </p:nvGrpSpPr>
-        <p:grpSpPr>
-          <a:xfrm>
-            <a:off x="1190846" y="2602767"/>
-            <a:ext cx="9810308" cy="2629641"/>
-            <a:chOff x="733984" y="3429000"/>
-            <a:chExt cx="9810308" cy="2629641"/>
-          </a:xfrm>
-        </p:grpSpPr>
-        <p:sp>
-          <p:nvSpPr>
-            <p:cNvPr id="16" name="Retângulo 15">
-              <a:extLst>
-                <a:ext uri="{FF2B5EF4-FFF2-40B4-BE49-F238E27FC236}">
-                  <a16:creationId xmlns:a16="http://schemas.microsoft.com/office/drawing/2014/main" id="{4A3D8031-17D2-483B-9165-90F4DE2D70F4}"/>
-                </a:ext>
-              </a:extLst>
-            </p:cNvPr>
-            <p:cNvSpPr/>
-            <p:nvPr/>
-          </p:nvSpPr>
-          <p:spPr>
-            <a:xfrm>
-              <a:off x="733984" y="3429000"/>
-              <a:ext cx="9810308" cy="2629641"/>
-            </a:xfrm>
-            <a:prstGeom prst="rect">
-              <a:avLst/>
-            </a:prstGeom>
-            <a:noFill/>
-            <a:ln>
-              <a:solidFill>
-                <a:schemeClr val="tx1"/>
-              </a:solidFill>
-            </a:ln>
-          </p:spPr>
-          <p:style>
-            <a:lnRef idx="2">
-              <a:schemeClr val="accent1">
-                <a:shade val="50000"/>
-              </a:schemeClr>
-            </a:lnRef>
-            <a:fillRef idx="1">
-              <a:schemeClr val="accent1"/>
-            </a:fillRef>
-            <a:effectRef idx="0">
-              <a:schemeClr val="accent1"/>
-            </a:effectRef>
-            <a:fontRef idx="minor">
-              <a:schemeClr val="lt1"/>
-            </a:fontRef>
-          </p:style>
-          <p:txBody>
-            <a:bodyPr rtlCol="0" anchor="ctr"/>
-            <a:lstStyle/>
-            <a:p>
-              <a:pPr algn="ctr"/>
-              <a:endParaRPr lang="pt-BR"/>
-            </a:p>
-          </p:txBody>
-        </p:sp>
-        <p:pic>
-          <p:nvPicPr>
-            <p:cNvPr id="17" name="Imagem 16" descr="Desenho de personagem de desenho animado&#10;&#10;Descrição gerada automaticamente">
-              <a:extLst>
-                <a:ext uri="{FF2B5EF4-FFF2-40B4-BE49-F238E27FC236}">
-                  <a16:creationId xmlns:a16="http://schemas.microsoft.com/office/drawing/2014/main" id="{CEA00F93-F7D1-48DB-983F-C5A172708295}"/>
-                </a:ext>
-              </a:extLst>
-            </p:cNvPr>
-            <p:cNvPicPr>
-              <a:picLocks noChangeAspect="1"/>
-            </p:cNvPicPr>
-            <p:nvPr/>
-          </p:nvPicPr>
-          <p:blipFill>
-            <a:blip r:embed="rId2" cstate="print">
-              <a:extLst>
-                <a:ext uri="{28A0092B-C50C-407E-A947-70E740481C1C}">
-                  <a14:useLocalDpi xmlns:a14="http://schemas.microsoft.com/office/drawing/2010/main" val="0"/>
-                </a:ext>
-              </a:extLst>
-            </a:blip>
-            <a:stretch>
-              <a:fillRect/>
-            </a:stretch>
-          </p:blipFill>
-          <p:spPr>
-            <a:xfrm>
-              <a:off x="733984" y="3630072"/>
-              <a:ext cx="733995" cy="733995"/>
-            </a:xfrm>
-            <a:prstGeom prst="rect">
-              <a:avLst/>
-            </a:prstGeom>
-          </p:spPr>
-        </p:pic>
-        <p:pic>
-          <p:nvPicPr>
-            <p:cNvPr id="18" name="Imagem 17" descr="Uma imagem contendo relógio, desenho&#10;&#10;Descrição gerada automaticamente">
-              <a:extLst>
-                <a:ext uri="{FF2B5EF4-FFF2-40B4-BE49-F238E27FC236}">
-                  <a16:creationId xmlns:a16="http://schemas.microsoft.com/office/drawing/2014/main" id="{C97D3599-BEA4-4B66-B383-661ADB6AFFC1}"/>
-                </a:ext>
-              </a:extLst>
-            </p:cNvPr>
-            <p:cNvPicPr>
-              <a:picLocks noChangeAspect="1"/>
-            </p:cNvPicPr>
-            <p:nvPr/>
-          </p:nvPicPr>
-          <p:blipFill>
-            <a:blip r:embed="rId3" cstate="print">
-              <a:extLst>
-                <a:ext uri="{28A0092B-C50C-407E-A947-70E740481C1C}">
-                  <a14:useLocalDpi xmlns:a14="http://schemas.microsoft.com/office/drawing/2010/main" val="0"/>
-                </a:ext>
-              </a:extLst>
-            </a:blip>
-            <a:stretch>
-              <a:fillRect/>
-            </a:stretch>
-          </p:blipFill>
-          <p:spPr>
-            <a:xfrm flipH="1">
-              <a:off x="2201974" y="3661714"/>
-              <a:ext cx="791067" cy="791067"/>
-            </a:xfrm>
-            <a:prstGeom prst="rect">
-              <a:avLst/>
-            </a:prstGeom>
-          </p:spPr>
-        </p:pic>
-        <p:sp>
-          <p:nvSpPr>
-            <p:cNvPr id="19" name="Seta: para a Direita 18">
-              <a:extLst>
-                <a:ext uri="{FF2B5EF4-FFF2-40B4-BE49-F238E27FC236}">
-                  <a16:creationId xmlns:a16="http://schemas.microsoft.com/office/drawing/2014/main" id="{68F6DEB3-70A3-4BF4-8B2D-6E1AB8177828}"/>
-                </a:ext>
-              </a:extLst>
-            </p:cNvPr>
-            <p:cNvSpPr/>
-            <p:nvPr/>
-          </p:nvSpPr>
-          <p:spPr>
-            <a:xfrm>
-              <a:off x="1521314" y="3892742"/>
-              <a:ext cx="563527" cy="208654"/>
-            </a:xfrm>
-            <a:prstGeom prst="rightArrow">
-              <a:avLst/>
-            </a:prstGeom>
-            <a:ln>
-              <a:solidFill>
-                <a:schemeClr val="tx1"/>
-              </a:solidFill>
-            </a:ln>
-          </p:spPr>
-          <p:style>
-            <a:lnRef idx="2">
-              <a:schemeClr val="accent6"/>
-            </a:lnRef>
-            <a:fillRef idx="1">
-              <a:schemeClr val="lt1"/>
-            </a:fillRef>
-            <a:effectRef idx="0">
-              <a:schemeClr val="accent6"/>
-            </a:effectRef>
-            <a:fontRef idx="minor">
-              <a:schemeClr val="dk1"/>
-            </a:fontRef>
-          </p:style>
-          <p:txBody>
-            <a:bodyPr rtlCol="0" anchor="ctr"/>
-            <a:lstStyle/>
-            <a:p>
-              <a:pPr algn="ctr"/>
-              <a:endParaRPr lang="pt-BR"/>
-            </a:p>
-          </p:txBody>
-        </p:sp>
-        <p:cxnSp>
-          <p:nvCxnSpPr>
-            <p:cNvPr id="20" name="Conector reto 19">
-              <a:extLst>
-                <a:ext uri="{FF2B5EF4-FFF2-40B4-BE49-F238E27FC236}">
-                  <a16:creationId xmlns:a16="http://schemas.microsoft.com/office/drawing/2014/main" id="{998EDA69-6C46-47A3-930F-B1430385C2AE}"/>
-                </a:ext>
-              </a:extLst>
-            </p:cNvPr>
-            <p:cNvCxnSpPr/>
-            <p:nvPr/>
-          </p:nvCxnSpPr>
-          <p:spPr>
-            <a:xfrm>
-              <a:off x="3466552" y="3429000"/>
-              <a:ext cx="0" cy="2629641"/>
-            </a:xfrm>
-            <a:prstGeom prst="line">
-              <a:avLst/>
-            </a:prstGeom>
-            <a:ln>
-              <a:solidFill>
-                <a:schemeClr val="tx1"/>
-              </a:solidFill>
-            </a:ln>
-          </p:spPr>
-          <p:style>
-            <a:lnRef idx="1">
-              <a:schemeClr val="accent1"/>
-            </a:lnRef>
-            <a:fillRef idx="0">
-              <a:schemeClr val="accent1"/>
-            </a:fillRef>
-            <a:effectRef idx="0">
-              <a:schemeClr val="accent1"/>
-            </a:effectRef>
-            <a:fontRef idx="minor">
-              <a:schemeClr val="tx1"/>
-            </a:fontRef>
-          </p:style>
-        </p:cxnSp>
-        <p:cxnSp>
-          <p:nvCxnSpPr>
-            <p:cNvPr id="21" name="Conector reto 20">
-              <a:extLst>
-                <a:ext uri="{FF2B5EF4-FFF2-40B4-BE49-F238E27FC236}">
-                  <a16:creationId xmlns:a16="http://schemas.microsoft.com/office/drawing/2014/main" id="{A3197A14-BF0B-4428-B5BA-ACECF64C5380}"/>
-                </a:ext>
-              </a:extLst>
-            </p:cNvPr>
-            <p:cNvCxnSpPr/>
-            <p:nvPr/>
-          </p:nvCxnSpPr>
-          <p:spPr>
-            <a:xfrm>
-              <a:off x="5766729" y="3429000"/>
-              <a:ext cx="0" cy="2629641"/>
-            </a:xfrm>
-            <a:prstGeom prst="line">
-              <a:avLst/>
-            </a:prstGeom>
-            <a:ln>
-              <a:solidFill>
-                <a:schemeClr val="tx1"/>
-              </a:solidFill>
-            </a:ln>
-          </p:spPr>
-          <p:style>
-            <a:lnRef idx="1">
-              <a:schemeClr val="accent1"/>
-            </a:lnRef>
-            <a:fillRef idx="0">
-              <a:schemeClr val="accent1"/>
-            </a:fillRef>
-            <a:effectRef idx="0">
-              <a:schemeClr val="accent1"/>
-            </a:effectRef>
-            <a:fontRef idx="minor">
-              <a:schemeClr val="tx1"/>
-            </a:fontRef>
-          </p:style>
-        </p:cxnSp>
-        <p:cxnSp>
-          <p:nvCxnSpPr>
-            <p:cNvPr id="22" name="Conector reto 21">
-              <a:extLst>
-                <a:ext uri="{FF2B5EF4-FFF2-40B4-BE49-F238E27FC236}">
-                  <a16:creationId xmlns:a16="http://schemas.microsoft.com/office/drawing/2014/main" id="{3DB8BF4F-5A09-46EC-84F2-422FA9BDD61F}"/>
-                </a:ext>
-              </a:extLst>
-            </p:cNvPr>
-            <p:cNvCxnSpPr/>
-            <p:nvPr/>
-          </p:nvCxnSpPr>
-          <p:spPr>
-            <a:xfrm>
-              <a:off x="8109436" y="3429000"/>
-              <a:ext cx="0" cy="2629641"/>
-            </a:xfrm>
-            <a:prstGeom prst="line">
-              <a:avLst/>
-            </a:prstGeom>
-            <a:ln>
-              <a:solidFill>
-                <a:schemeClr val="tx1"/>
-              </a:solidFill>
-            </a:ln>
-          </p:spPr>
-          <p:style>
-            <a:lnRef idx="1">
-              <a:schemeClr val="accent1"/>
-            </a:lnRef>
-            <a:fillRef idx="0">
-              <a:schemeClr val="accent1"/>
-            </a:fillRef>
-            <a:effectRef idx="0">
-              <a:schemeClr val="accent1"/>
-            </a:effectRef>
-            <a:fontRef idx="minor">
-              <a:schemeClr val="tx1"/>
-            </a:fontRef>
-          </p:style>
-        </p:cxnSp>
-        <p:cxnSp>
-          <p:nvCxnSpPr>
-            <p:cNvPr id="23" name="Conector reto 22">
-              <a:extLst>
-                <a:ext uri="{FF2B5EF4-FFF2-40B4-BE49-F238E27FC236}">
-                  <a16:creationId xmlns:a16="http://schemas.microsoft.com/office/drawing/2014/main" id="{ADCB89AA-7FF1-4CB6-B761-542025321EAD}"/>
-                </a:ext>
-              </a:extLst>
-            </p:cNvPr>
-            <p:cNvCxnSpPr>
-              <a:stCxn id="16" idx="3"/>
-              <a:endCxn id="16" idx="1"/>
-            </p:cNvCxnSpPr>
-            <p:nvPr/>
-          </p:nvCxnSpPr>
-          <p:spPr>
-            <a:xfrm flipH="1">
-              <a:off x="733984" y="4743821"/>
-              <a:ext cx="9810308" cy="0"/>
-            </a:xfrm>
-            <a:prstGeom prst="line">
-              <a:avLst/>
-            </a:prstGeom>
-            <a:ln>
-              <a:solidFill>
-                <a:schemeClr val="tx1"/>
-              </a:solidFill>
-            </a:ln>
-          </p:spPr>
-          <p:style>
-            <a:lnRef idx="1">
-              <a:schemeClr val="accent1"/>
-            </a:lnRef>
-            <a:fillRef idx="0">
-              <a:schemeClr val="accent1"/>
-            </a:fillRef>
-            <a:effectRef idx="0">
-              <a:schemeClr val="accent1"/>
-            </a:effectRef>
-            <a:fontRef idx="minor">
-              <a:schemeClr val="tx1"/>
-            </a:fontRef>
-          </p:style>
-        </p:cxnSp>
-        <p:sp>
-          <p:nvSpPr>
-            <p:cNvPr id="24" name="CaixaDeTexto 23">
-              <a:extLst>
-                <a:ext uri="{FF2B5EF4-FFF2-40B4-BE49-F238E27FC236}">
-                  <a16:creationId xmlns:a16="http://schemas.microsoft.com/office/drawing/2014/main" id="{BC17027F-7803-4FE3-8399-202BED3AB6D0}"/>
-                </a:ext>
-              </a:extLst>
-            </p:cNvPr>
-            <p:cNvSpPr txBox="1"/>
-            <p:nvPr/>
-          </p:nvSpPr>
-          <p:spPr>
-            <a:xfrm>
-              <a:off x="775584" y="4480468"/>
-              <a:ext cx="2649368" cy="215444"/>
-            </a:xfrm>
-            <a:prstGeom prst="rect">
-              <a:avLst/>
-            </a:prstGeom>
-            <a:noFill/>
-            <a:ln>
-              <a:solidFill>
-                <a:schemeClr val="tx1"/>
-              </a:solidFill>
-            </a:ln>
-          </p:spPr>
-          <p:txBody>
-            <a:bodyPr wrap="square" rtlCol="0">
-              <a:spAutoFit/>
-            </a:bodyPr>
-            <a:lstStyle/>
-            <a:p>
-              <a:r>
-                <a:rPr lang="pt-BR" sz="800" dirty="0"/>
-                <a:t>Usuário procurando uma equipe para jogar acessa o site</a:t>
-              </a:r>
-            </a:p>
-          </p:txBody>
-        </p:sp>
-        <p:pic>
-          <p:nvPicPr>
-            <p:cNvPr id="25" name="Picture 2" descr="Resultado de imagem para site">
-              <a:extLst>
-                <a:ext uri="{FF2B5EF4-FFF2-40B4-BE49-F238E27FC236}">
-                  <a16:creationId xmlns:a16="http://schemas.microsoft.com/office/drawing/2014/main" id="{92D307E8-D7FA-41EF-B88B-ABB1B5B59056}"/>
-                </a:ext>
-              </a:extLst>
-            </p:cNvPr>
-            <p:cNvPicPr>
-              <a:picLocks noChangeAspect="1" noChangeArrowheads="1"/>
-            </p:cNvPicPr>
-            <p:nvPr/>
-          </p:nvPicPr>
-          <p:blipFill>
-            <a:blip r:embed="rId4" cstate="print">
-              <a:extLst>
-                <a:ext uri="{28A0092B-C50C-407E-A947-70E740481C1C}">
-                  <a14:useLocalDpi xmlns:a14="http://schemas.microsoft.com/office/drawing/2010/main" val="0"/>
-                </a:ext>
-              </a:extLst>
-            </a:blip>
-            <a:srcRect/>
-            <a:stretch>
-              <a:fillRect/>
-            </a:stretch>
-          </p:blipFill>
-          <p:spPr bwMode="auto">
-            <a:xfrm>
-              <a:off x="2218174" y="3840741"/>
-              <a:ext cx="764233" cy="305693"/>
-            </a:xfrm>
-            <a:prstGeom prst="rect">
-              <a:avLst/>
-            </a:prstGeom>
-            <a:noFill/>
+        </p:nvPicPr>
+        <p:blipFill rotWithShape="1">
+          <a:blip r:embed="rId2">
             <a:extLst>
-              <a:ext uri="{909E8E84-426E-40DD-AFC4-6F175D3DCCD1}">
-                <a14:hiddenFill xmlns:a14="http://schemas.microsoft.com/office/drawing/2010/main">
-                  <a:solidFill>
-                    <a:srgbClr val="FFFFFF"/>
-                  </a:solidFill>
-                </a14:hiddenFill>
+              <a:ext uri="{28A0092B-C50C-407E-A947-70E740481C1C}">
+                <a14:useLocalDpi xmlns:a14="http://schemas.microsoft.com/office/drawing/2010/main" val="0"/>
               </a:ext>
             </a:extLst>
-          </p:spPr>
-        </p:pic>
-        <p:pic>
-          <p:nvPicPr>
-            <p:cNvPr id="26" name="Imagem 25" descr="Desenho de personagem de desenho animado&#10;&#10;Descrição gerada automaticamente">
-              <a:extLst>
-                <a:ext uri="{FF2B5EF4-FFF2-40B4-BE49-F238E27FC236}">
-                  <a16:creationId xmlns:a16="http://schemas.microsoft.com/office/drawing/2014/main" id="{8C063EEA-A4C4-40B6-B976-B9608C85BCC9}"/>
-                </a:ext>
-              </a:extLst>
-            </p:cNvPr>
-            <p:cNvPicPr>
-              <a:picLocks noChangeAspect="1"/>
-            </p:cNvPicPr>
-            <p:nvPr/>
-          </p:nvPicPr>
-          <p:blipFill>
-            <a:blip r:embed="rId2" cstate="print">
-              <a:extLst>
-                <a:ext uri="{28A0092B-C50C-407E-A947-70E740481C1C}">
-                  <a14:useLocalDpi xmlns:a14="http://schemas.microsoft.com/office/drawing/2010/main" val="0"/>
-                </a:ext>
-              </a:extLst>
-            </a:blip>
-            <a:stretch>
-              <a:fillRect/>
-            </a:stretch>
-          </p:blipFill>
-          <p:spPr>
-            <a:xfrm>
-              <a:off x="3441152" y="3672346"/>
-              <a:ext cx="733995" cy="733995"/>
-            </a:xfrm>
-            <a:prstGeom prst="rect">
-              <a:avLst/>
-            </a:prstGeom>
-          </p:spPr>
-        </p:pic>
-        <p:pic>
-          <p:nvPicPr>
-            <p:cNvPr id="27" name="Imagem 26" descr="Uma imagem contendo relógio, desenho&#10;&#10;Descrição gerada automaticamente">
-              <a:extLst>
-                <a:ext uri="{FF2B5EF4-FFF2-40B4-BE49-F238E27FC236}">
-                  <a16:creationId xmlns:a16="http://schemas.microsoft.com/office/drawing/2014/main" id="{38044D53-D848-432F-88E7-6074D70B6F5B}"/>
-                </a:ext>
-              </a:extLst>
-            </p:cNvPr>
-            <p:cNvPicPr>
-              <a:picLocks noChangeAspect="1"/>
-            </p:cNvPicPr>
-            <p:nvPr/>
-          </p:nvPicPr>
-          <p:blipFill>
-            <a:blip r:embed="rId3" cstate="print">
-              <a:extLst>
-                <a:ext uri="{28A0092B-C50C-407E-A947-70E740481C1C}">
-                  <a14:useLocalDpi xmlns:a14="http://schemas.microsoft.com/office/drawing/2010/main" val="0"/>
-                </a:ext>
-              </a:extLst>
-            </a:blip>
-            <a:stretch>
-              <a:fillRect/>
-            </a:stretch>
-          </p:blipFill>
-          <p:spPr>
-            <a:xfrm flipH="1">
-              <a:off x="4909142" y="3703988"/>
-              <a:ext cx="791067" cy="791067"/>
-            </a:xfrm>
-            <a:prstGeom prst="rect">
-              <a:avLst/>
-            </a:prstGeom>
-          </p:spPr>
-        </p:pic>
-        <p:sp>
-          <p:nvSpPr>
-            <p:cNvPr id="28" name="Seta: para a Direita 27">
-              <a:extLst>
-                <a:ext uri="{FF2B5EF4-FFF2-40B4-BE49-F238E27FC236}">
-                  <a16:creationId xmlns:a16="http://schemas.microsoft.com/office/drawing/2014/main" id="{BC469A77-A7EE-4CB4-8E4C-DCC050D57D62}"/>
-                </a:ext>
-              </a:extLst>
-            </p:cNvPr>
-            <p:cNvSpPr/>
-            <p:nvPr/>
-          </p:nvSpPr>
-          <p:spPr>
-            <a:xfrm>
-              <a:off x="4228482" y="3935016"/>
-              <a:ext cx="563527" cy="208654"/>
-            </a:xfrm>
-            <a:prstGeom prst="rightArrow">
-              <a:avLst/>
-            </a:prstGeom>
-            <a:ln>
-              <a:solidFill>
-                <a:schemeClr val="tx1"/>
-              </a:solidFill>
-            </a:ln>
-          </p:spPr>
-          <p:style>
-            <a:lnRef idx="2">
-              <a:schemeClr val="accent6"/>
-            </a:lnRef>
-            <a:fillRef idx="1">
-              <a:schemeClr val="lt1"/>
-            </a:fillRef>
-            <a:effectRef idx="0">
-              <a:schemeClr val="accent6"/>
-            </a:effectRef>
-            <a:fontRef idx="minor">
-              <a:schemeClr val="dk1"/>
-            </a:fontRef>
-          </p:style>
-          <p:txBody>
-            <a:bodyPr rtlCol="0" anchor="ctr"/>
-            <a:lstStyle/>
-            <a:p>
-              <a:pPr algn="ctr"/>
-              <a:endParaRPr lang="pt-BR"/>
-            </a:p>
-          </p:txBody>
-        </p:sp>
-        <p:sp>
-          <p:nvSpPr>
-            <p:cNvPr id="29" name="CaixaDeTexto 28">
-              <a:extLst>
-                <a:ext uri="{FF2B5EF4-FFF2-40B4-BE49-F238E27FC236}">
-                  <a16:creationId xmlns:a16="http://schemas.microsoft.com/office/drawing/2014/main" id="{DD4324BD-4086-4848-9198-B77789BF3807}"/>
-                </a:ext>
-              </a:extLst>
-            </p:cNvPr>
-            <p:cNvSpPr txBox="1"/>
-            <p:nvPr/>
-          </p:nvSpPr>
-          <p:spPr>
-            <a:xfrm>
-              <a:off x="4047223" y="4488720"/>
-              <a:ext cx="1248109" cy="215444"/>
-            </a:xfrm>
-            <a:prstGeom prst="rect">
-              <a:avLst/>
-            </a:prstGeom>
-            <a:noFill/>
-            <a:ln>
-              <a:solidFill>
-                <a:schemeClr val="tx1"/>
-              </a:solidFill>
-            </a:ln>
-          </p:spPr>
-          <p:txBody>
-            <a:bodyPr wrap="square" rtlCol="0">
-              <a:spAutoFit/>
-            </a:bodyPr>
-            <a:lstStyle/>
-            <a:p>
-              <a:r>
-                <a:rPr lang="pt-BR" sz="800" dirty="0"/>
-                <a:t>Cadastra seu perfil</a:t>
-              </a:r>
-            </a:p>
-          </p:txBody>
-        </p:sp>
-        <p:pic>
-          <p:nvPicPr>
-            <p:cNvPr id="30" name="Imagem 29" descr="Tela de computador com texto preto sobre fundo branco&#10;&#10;Descrição gerada automaticamente">
-              <a:extLst>
-                <a:ext uri="{FF2B5EF4-FFF2-40B4-BE49-F238E27FC236}">
-                  <a16:creationId xmlns:a16="http://schemas.microsoft.com/office/drawing/2014/main" id="{ECAA8794-23CE-4539-B7E6-2F7FCCFE38F4}"/>
-                </a:ext>
-              </a:extLst>
-            </p:cNvPr>
-            <p:cNvPicPr>
-              <a:picLocks noChangeAspect="1"/>
-            </p:cNvPicPr>
-            <p:nvPr/>
-          </p:nvPicPr>
-          <p:blipFill>
-            <a:blip r:embed="rId5" cstate="print">
-              <a:extLst>
-                <a:ext uri="{28A0092B-C50C-407E-A947-70E740481C1C}">
-                  <a14:useLocalDpi xmlns:a14="http://schemas.microsoft.com/office/drawing/2010/main" val="0"/>
-                </a:ext>
-              </a:extLst>
-            </a:blip>
-            <a:stretch>
-              <a:fillRect/>
-            </a:stretch>
-          </p:blipFill>
-          <p:spPr>
-            <a:xfrm>
-              <a:off x="4932539" y="3869068"/>
-              <a:ext cx="744272" cy="392153"/>
-            </a:xfrm>
-            <a:prstGeom prst="rect">
-              <a:avLst/>
-            </a:prstGeom>
-          </p:spPr>
-        </p:pic>
-        <p:pic>
-          <p:nvPicPr>
-            <p:cNvPr id="31" name="Imagem 30" descr="Desenho de personagem de desenho animado&#10;&#10;Descrição gerada automaticamente">
-              <a:extLst>
-                <a:ext uri="{FF2B5EF4-FFF2-40B4-BE49-F238E27FC236}">
-                  <a16:creationId xmlns:a16="http://schemas.microsoft.com/office/drawing/2014/main" id="{BA9A953B-A980-40BD-B59E-2615134A7AB1}"/>
-                </a:ext>
-              </a:extLst>
-            </p:cNvPr>
-            <p:cNvPicPr>
-              <a:picLocks noChangeAspect="1"/>
-            </p:cNvPicPr>
-            <p:nvPr/>
-          </p:nvPicPr>
-          <p:blipFill>
-            <a:blip r:embed="rId2" cstate="print">
-              <a:extLst>
-                <a:ext uri="{28A0092B-C50C-407E-A947-70E740481C1C}">
-                  <a14:useLocalDpi xmlns:a14="http://schemas.microsoft.com/office/drawing/2010/main" val="0"/>
-                </a:ext>
-              </a:extLst>
-            </a:blip>
-            <a:stretch>
-              <a:fillRect/>
-            </a:stretch>
-          </p:blipFill>
-          <p:spPr>
-            <a:xfrm>
-              <a:off x="5794618" y="3671664"/>
-              <a:ext cx="733995" cy="733995"/>
-            </a:xfrm>
-            <a:prstGeom prst="rect">
-              <a:avLst/>
-            </a:prstGeom>
-          </p:spPr>
-        </p:pic>
-        <p:pic>
-          <p:nvPicPr>
-            <p:cNvPr id="32" name="Imagem 31" descr="Uma imagem contendo relógio, desenho&#10;&#10;Descrição gerada automaticamente">
-              <a:extLst>
-                <a:ext uri="{FF2B5EF4-FFF2-40B4-BE49-F238E27FC236}">
-                  <a16:creationId xmlns:a16="http://schemas.microsoft.com/office/drawing/2014/main" id="{2951D1B2-EB8E-48A1-ACCC-5C3BFD1425D9}"/>
-                </a:ext>
-              </a:extLst>
-            </p:cNvPr>
-            <p:cNvPicPr>
-              <a:picLocks noChangeAspect="1"/>
-            </p:cNvPicPr>
-            <p:nvPr/>
-          </p:nvPicPr>
-          <p:blipFill>
-            <a:blip r:embed="rId3" cstate="print">
-              <a:extLst>
-                <a:ext uri="{28A0092B-C50C-407E-A947-70E740481C1C}">
-                  <a14:useLocalDpi xmlns:a14="http://schemas.microsoft.com/office/drawing/2010/main" val="0"/>
-                </a:ext>
-              </a:extLst>
-            </a:blip>
-            <a:stretch>
-              <a:fillRect/>
-            </a:stretch>
-          </p:blipFill>
-          <p:spPr>
-            <a:xfrm flipH="1">
-              <a:off x="7262608" y="3703306"/>
-              <a:ext cx="791067" cy="791067"/>
-            </a:xfrm>
-            <a:prstGeom prst="rect">
-              <a:avLst/>
-            </a:prstGeom>
-          </p:spPr>
-        </p:pic>
-        <p:sp>
-          <p:nvSpPr>
-            <p:cNvPr id="33" name="Seta: para a Direita 32">
-              <a:extLst>
-                <a:ext uri="{FF2B5EF4-FFF2-40B4-BE49-F238E27FC236}">
-                  <a16:creationId xmlns:a16="http://schemas.microsoft.com/office/drawing/2014/main" id="{B543B89B-768B-47EC-BB9F-C055536C22B6}"/>
-                </a:ext>
-              </a:extLst>
-            </p:cNvPr>
-            <p:cNvSpPr/>
-            <p:nvPr/>
-          </p:nvSpPr>
-          <p:spPr>
-            <a:xfrm>
-              <a:off x="6581948" y="3934334"/>
-              <a:ext cx="563527" cy="208654"/>
-            </a:xfrm>
-            <a:prstGeom prst="rightArrow">
-              <a:avLst/>
-            </a:prstGeom>
-            <a:ln>
-              <a:solidFill>
-                <a:schemeClr val="tx1"/>
-              </a:solidFill>
-            </a:ln>
-          </p:spPr>
-          <p:style>
-            <a:lnRef idx="2">
-              <a:schemeClr val="accent6"/>
-            </a:lnRef>
-            <a:fillRef idx="1">
-              <a:schemeClr val="lt1"/>
-            </a:fillRef>
-            <a:effectRef idx="0">
-              <a:schemeClr val="accent6"/>
-            </a:effectRef>
-            <a:fontRef idx="minor">
-              <a:schemeClr val="dk1"/>
-            </a:fontRef>
-          </p:style>
-          <p:txBody>
-            <a:bodyPr rtlCol="0" anchor="ctr"/>
-            <a:lstStyle/>
-            <a:p>
-              <a:pPr algn="ctr"/>
-              <a:endParaRPr lang="pt-BR"/>
-            </a:p>
-          </p:txBody>
-        </p:sp>
-        <p:sp>
-          <p:nvSpPr>
-            <p:cNvPr id="34" name="CaixaDeTexto 33">
-              <a:extLst>
-                <a:ext uri="{FF2B5EF4-FFF2-40B4-BE49-F238E27FC236}">
-                  <a16:creationId xmlns:a16="http://schemas.microsoft.com/office/drawing/2014/main" id="{DD72A077-704A-416F-8E83-896431DAA8EB}"/>
-                </a:ext>
-              </a:extLst>
-            </p:cNvPr>
-            <p:cNvSpPr txBox="1"/>
-            <p:nvPr/>
-          </p:nvSpPr>
-          <p:spPr>
-            <a:xfrm>
-              <a:off x="6344435" y="4497071"/>
-              <a:ext cx="1403928" cy="215444"/>
-            </a:xfrm>
-            <a:prstGeom prst="rect">
-              <a:avLst/>
-            </a:prstGeom>
-            <a:noFill/>
-            <a:ln>
-              <a:solidFill>
-                <a:schemeClr val="tx1"/>
-              </a:solidFill>
-            </a:ln>
-          </p:spPr>
-          <p:txBody>
-            <a:bodyPr wrap="square" rtlCol="0">
-              <a:spAutoFit/>
-            </a:bodyPr>
-            <a:lstStyle/>
-            <a:p>
-              <a:r>
-                <a:rPr lang="pt-BR" sz="800" dirty="0"/>
-                <a:t>Selecionar o jogo desejado</a:t>
-              </a:r>
-            </a:p>
-          </p:txBody>
-        </p:sp>
-        <p:pic>
-          <p:nvPicPr>
-            <p:cNvPr id="35" name="Imagem 34" descr="Pessoas de moto&#10;&#10;Descrição gerada automaticamente">
-              <a:extLst>
-                <a:ext uri="{FF2B5EF4-FFF2-40B4-BE49-F238E27FC236}">
-                  <a16:creationId xmlns:a16="http://schemas.microsoft.com/office/drawing/2014/main" id="{8AB0039D-F8B3-420E-8227-F47D2BEBA607}"/>
-                </a:ext>
-              </a:extLst>
-            </p:cNvPr>
-            <p:cNvPicPr>
-              <a:picLocks noChangeAspect="1"/>
-            </p:cNvPicPr>
-            <p:nvPr/>
-          </p:nvPicPr>
-          <p:blipFill>
-            <a:blip r:embed="rId6" cstate="print">
-              <a:extLst>
-                <a:ext uri="{28A0092B-C50C-407E-A947-70E740481C1C}">
-                  <a14:useLocalDpi xmlns:a14="http://schemas.microsoft.com/office/drawing/2010/main" val="0"/>
-                </a:ext>
-              </a:extLst>
-            </a:blip>
-            <a:stretch>
-              <a:fillRect/>
-            </a:stretch>
-          </p:blipFill>
-          <p:spPr>
-            <a:xfrm>
-              <a:off x="7275600" y="3873484"/>
-              <a:ext cx="761884" cy="309668"/>
-            </a:xfrm>
-            <a:prstGeom prst="rect">
-              <a:avLst/>
-            </a:prstGeom>
-          </p:spPr>
-        </p:pic>
-        <p:pic>
-          <p:nvPicPr>
-            <p:cNvPr id="36" name="Imagem 35" descr="Desenho de personagem de desenho animado&#10;&#10;Descrição gerada automaticamente">
-              <a:extLst>
-                <a:ext uri="{FF2B5EF4-FFF2-40B4-BE49-F238E27FC236}">
-                  <a16:creationId xmlns:a16="http://schemas.microsoft.com/office/drawing/2014/main" id="{A281C559-BA3E-41D0-BF49-F6B298074A37}"/>
-                </a:ext>
-              </a:extLst>
-            </p:cNvPr>
-            <p:cNvPicPr>
-              <a:picLocks noChangeAspect="1"/>
-            </p:cNvPicPr>
-            <p:nvPr/>
-          </p:nvPicPr>
-          <p:blipFill>
-            <a:blip r:embed="rId2" cstate="print">
-              <a:extLst>
-                <a:ext uri="{28A0092B-C50C-407E-A947-70E740481C1C}">
-                  <a14:useLocalDpi xmlns:a14="http://schemas.microsoft.com/office/drawing/2010/main" val="0"/>
-                </a:ext>
-              </a:extLst>
-            </a:blip>
-            <a:stretch>
-              <a:fillRect/>
-            </a:stretch>
-          </p:blipFill>
-          <p:spPr>
-            <a:xfrm>
-              <a:off x="8151916" y="3671664"/>
-              <a:ext cx="733995" cy="733995"/>
-            </a:xfrm>
-            <a:prstGeom prst="rect">
-              <a:avLst/>
-            </a:prstGeom>
-          </p:spPr>
-        </p:pic>
-        <p:pic>
-          <p:nvPicPr>
-            <p:cNvPr id="37" name="Imagem 36" descr="Uma imagem contendo relógio, desenho&#10;&#10;Descrição gerada automaticamente">
-              <a:extLst>
-                <a:ext uri="{FF2B5EF4-FFF2-40B4-BE49-F238E27FC236}">
-                  <a16:creationId xmlns:a16="http://schemas.microsoft.com/office/drawing/2014/main" id="{6583B8BD-B6B5-4387-BE17-995C748EA80A}"/>
-                </a:ext>
-              </a:extLst>
-            </p:cNvPr>
-            <p:cNvPicPr>
-              <a:picLocks noChangeAspect="1"/>
-            </p:cNvPicPr>
-            <p:nvPr/>
-          </p:nvPicPr>
-          <p:blipFill>
-            <a:blip r:embed="rId3" cstate="print">
-              <a:extLst>
-                <a:ext uri="{28A0092B-C50C-407E-A947-70E740481C1C}">
-                  <a14:useLocalDpi xmlns:a14="http://schemas.microsoft.com/office/drawing/2010/main" val="0"/>
-                </a:ext>
-              </a:extLst>
-            </a:blip>
-            <a:stretch>
-              <a:fillRect/>
-            </a:stretch>
-          </p:blipFill>
-          <p:spPr>
-            <a:xfrm flipH="1">
-              <a:off x="9619906" y="3703306"/>
-              <a:ext cx="791067" cy="791067"/>
-            </a:xfrm>
-            <a:prstGeom prst="rect">
-              <a:avLst/>
-            </a:prstGeom>
-          </p:spPr>
-        </p:pic>
-        <p:sp>
-          <p:nvSpPr>
-            <p:cNvPr id="38" name="CaixaDeTexto 37">
-              <a:extLst>
-                <a:ext uri="{FF2B5EF4-FFF2-40B4-BE49-F238E27FC236}">
-                  <a16:creationId xmlns:a16="http://schemas.microsoft.com/office/drawing/2014/main" id="{A8D955FA-2077-4EB9-8FEF-F1D2DBDBD31E}"/>
-                </a:ext>
-              </a:extLst>
-            </p:cNvPr>
-            <p:cNvSpPr txBox="1"/>
-            <p:nvPr/>
-          </p:nvSpPr>
-          <p:spPr>
-            <a:xfrm>
-              <a:off x="8614930" y="4480468"/>
-              <a:ext cx="1638597" cy="215444"/>
-            </a:xfrm>
-            <a:prstGeom prst="rect">
-              <a:avLst/>
-            </a:prstGeom>
-            <a:noFill/>
-            <a:ln>
-              <a:solidFill>
-                <a:schemeClr val="tx1"/>
-              </a:solidFill>
-            </a:ln>
-          </p:spPr>
-          <p:txBody>
-            <a:bodyPr wrap="square" rtlCol="0">
-              <a:spAutoFit/>
-            </a:bodyPr>
-            <a:lstStyle/>
-            <a:p>
-              <a:r>
-                <a:rPr lang="pt-BR" sz="800" dirty="0"/>
-                <a:t>Seleciona o nível de Skill da equipe</a:t>
-              </a:r>
-            </a:p>
-          </p:txBody>
-        </p:sp>
-        <p:sp>
-          <p:nvSpPr>
-            <p:cNvPr id="39" name="Seta: para a Direita 38">
-              <a:extLst>
-                <a:ext uri="{FF2B5EF4-FFF2-40B4-BE49-F238E27FC236}">
-                  <a16:creationId xmlns:a16="http://schemas.microsoft.com/office/drawing/2014/main" id="{36980488-C9AD-44BF-9DF1-A2E4AD27E7BB}"/>
-                </a:ext>
-              </a:extLst>
-            </p:cNvPr>
-            <p:cNvSpPr/>
-            <p:nvPr/>
-          </p:nvSpPr>
-          <p:spPr>
-            <a:xfrm>
-              <a:off x="8905639" y="3934334"/>
-              <a:ext cx="563527" cy="208654"/>
-            </a:xfrm>
-            <a:prstGeom prst="rightArrow">
-              <a:avLst/>
-            </a:prstGeom>
-            <a:ln>
-              <a:solidFill>
-                <a:schemeClr val="tx1"/>
-              </a:solidFill>
-            </a:ln>
-          </p:spPr>
-          <p:style>
-            <a:lnRef idx="2">
-              <a:schemeClr val="accent6"/>
-            </a:lnRef>
-            <a:fillRef idx="1">
-              <a:schemeClr val="lt1"/>
-            </a:fillRef>
-            <a:effectRef idx="0">
-              <a:schemeClr val="accent6"/>
-            </a:effectRef>
-            <a:fontRef idx="minor">
-              <a:schemeClr val="dk1"/>
-            </a:fontRef>
-          </p:style>
-          <p:txBody>
-            <a:bodyPr rtlCol="0" anchor="ctr"/>
-            <a:lstStyle/>
-            <a:p>
-              <a:pPr algn="ctr"/>
-              <a:endParaRPr lang="pt-BR"/>
-            </a:p>
-          </p:txBody>
-        </p:sp>
-        <p:pic>
-          <p:nvPicPr>
-            <p:cNvPr id="40" name="Picture 4" descr="Resultado de imagem para skill gamers">
-              <a:extLst>
-                <a:ext uri="{FF2B5EF4-FFF2-40B4-BE49-F238E27FC236}">
-                  <a16:creationId xmlns:a16="http://schemas.microsoft.com/office/drawing/2014/main" id="{64ACA727-5796-4D15-BB85-8C3E8D82689A}"/>
-                </a:ext>
-              </a:extLst>
-            </p:cNvPr>
-            <p:cNvPicPr>
-              <a:picLocks noChangeAspect="1" noChangeArrowheads="1"/>
-            </p:cNvPicPr>
-            <p:nvPr/>
-          </p:nvPicPr>
-          <p:blipFill>
-            <a:blip r:embed="rId7" cstate="print">
-              <a:extLst>
-                <a:ext uri="{28A0092B-C50C-407E-A947-70E740481C1C}">
-                  <a14:useLocalDpi xmlns:a14="http://schemas.microsoft.com/office/drawing/2010/main" val="0"/>
-                </a:ext>
-              </a:extLst>
-            </a:blip>
-            <a:srcRect/>
-            <a:stretch>
-              <a:fillRect/>
-            </a:stretch>
-          </p:blipFill>
-          <p:spPr bwMode="auto">
-            <a:xfrm flipH="1">
-              <a:off x="9634498" y="3869068"/>
-              <a:ext cx="747290" cy="348490"/>
-            </a:xfrm>
-            <a:prstGeom prst="rect">
-              <a:avLst/>
-            </a:prstGeom>
-            <a:noFill/>
-            <a:extLst>
-              <a:ext uri="{909E8E84-426E-40DD-AFC4-6F175D3DCCD1}">
-                <a14:hiddenFill xmlns:a14="http://schemas.microsoft.com/office/drawing/2010/main">
-                  <a:solidFill>
-                    <a:srgbClr val="FFFFFF"/>
-                  </a:solidFill>
-                </a14:hiddenFill>
-              </a:ext>
-            </a:extLst>
-          </p:spPr>
-        </p:pic>
-        <p:pic>
-          <p:nvPicPr>
-            <p:cNvPr id="41" name="Imagem 40" descr="Desenho de personagem de desenho animado&#10;&#10;Descrição gerada automaticamente">
-              <a:extLst>
-                <a:ext uri="{FF2B5EF4-FFF2-40B4-BE49-F238E27FC236}">
-                  <a16:creationId xmlns:a16="http://schemas.microsoft.com/office/drawing/2014/main" id="{03C4FAAE-CD60-40D1-A85C-5317DB3FBD06}"/>
-                </a:ext>
-              </a:extLst>
-            </p:cNvPr>
-            <p:cNvPicPr>
-              <a:picLocks noChangeAspect="1"/>
-            </p:cNvPicPr>
-            <p:nvPr/>
-          </p:nvPicPr>
-          <p:blipFill>
-            <a:blip r:embed="rId2" cstate="print">
-              <a:extLst>
-                <a:ext uri="{28A0092B-C50C-407E-A947-70E740481C1C}">
-                  <a14:useLocalDpi xmlns:a14="http://schemas.microsoft.com/office/drawing/2010/main" val="0"/>
-                </a:ext>
-              </a:extLst>
-            </a:blip>
-            <a:stretch>
-              <a:fillRect/>
-            </a:stretch>
-          </p:blipFill>
-          <p:spPr>
-            <a:xfrm>
-              <a:off x="3385649" y="4886026"/>
-              <a:ext cx="733995" cy="733995"/>
-            </a:xfrm>
-            <a:prstGeom prst="rect">
-              <a:avLst/>
-            </a:prstGeom>
-          </p:spPr>
-        </p:pic>
-        <p:pic>
-          <p:nvPicPr>
-            <p:cNvPr id="42" name="Imagem 41" descr="Uma imagem contendo relógio, desenho&#10;&#10;Descrição gerada automaticamente">
-              <a:extLst>
-                <a:ext uri="{FF2B5EF4-FFF2-40B4-BE49-F238E27FC236}">
-                  <a16:creationId xmlns:a16="http://schemas.microsoft.com/office/drawing/2014/main" id="{DC4B6FCE-B796-4592-8B3D-5015D9E7CFA4}"/>
-                </a:ext>
-              </a:extLst>
-            </p:cNvPr>
-            <p:cNvPicPr>
-              <a:picLocks noChangeAspect="1"/>
-            </p:cNvPicPr>
-            <p:nvPr/>
-          </p:nvPicPr>
-          <p:blipFill>
-            <a:blip r:embed="rId3" cstate="print">
-              <a:extLst>
-                <a:ext uri="{28A0092B-C50C-407E-A947-70E740481C1C}">
-                  <a14:useLocalDpi xmlns:a14="http://schemas.microsoft.com/office/drawing/2010/main" val="0"/>
-                </a:ext>
-              </a:extLst>
-            </a:blip>
-            <a:stretch>
-              <a:fillRect/>
-            </a:stretch>
-          </p:blipFill>
-          <p:spPr>
-            <a:xfrm flipH="1">
-              <a:off x="4853639" y="4917668"/>
-              <a:ext cx="791067" cy="791067"/>
-            </a:xfrm>
-            <a:prstGeom prst="rect">
-              <a:avLst/>
-            </a:prstGeom>
-          </p:spPr>
-        </p:pic>
-        <p:sp>
-          <p:nvSpPr>
-            <p:cNvPr id="43" name="CaixaDeTexto 42">
-              <a:extLst>
-                <a:ext uri="{FF2B5EF4-FFF2-40B4-BE49-F238E27FC236}">
-                  <a16:creationId xmlns:a16="http://schemas.microsoft.com/office/drawing/2014/main" id="{5F832CFE-E431-4561-9E35-78F733771B06}"/>
-                </a:ext>
-              </a:extLst>
-            </p:cNvPr>
-            <p:cNvSpPr txBox="1"/>
-            <p:nvPr/>
-          </p:nvSpPr>
-          <p:spPr>
-            <a:xfrm>
-              <a:off x="3547456" y="5708735"/>
-              <a:ext cx="2176711" cy="215444"/>
-            </a:xfrm>
-            <a:prstGeom prst="rect">
-              <a:avLst/>
-            </a:prstGeom>
-            <a:noFill/>
-            <a:ln>
-              <a:solidFill>
-                <a:schemeClr val="tx1"/>
-              </a:solidFill>
-            </a:ln>
-          </p:spPr>
-          <p:txBody>
-            <a:bodyPr wrap="square" rtlCol="0">
-              <a:spAutoFit/>
-            </a:bodyPr>
-            <a:lstStyle/>
-            <a:p>
-              <a:r>
-                <a:rPr lang="pt-BR" sz="800" dirty="0"/>
-                <a:t>Usuário solicita partida com a equipe desejada</a:t>
-              </a:r>
-            </a:p>
-          </p:txBody>
-        </p:sp>
-        <p:sp>
-          <p:nvSpPr>
-            <p:cNvPr id="44" name="Seta: para a Direita 43">
-              <a:extLst>
-                <a:ext uri="{FF2B5EF4-FFF2-40B4-BE49-F238E27FC236}">
-                  <a16:creationId xmlns:a16="http://schemas.microsoft.com/office/drawing/2014/main" id="{29CC72C0-3F4C-4C49-A359-4F0F44E6798A}"/>
-                </a:ext>
-              </a:extLst>
-            </p:cNvPr>
-            <p:cNvSpPr/>
-            <p:nvPr/>
-          </p:nvSpPr>
-          <p:spPr>
-            <a:xfrm>
-              <a:off x="4139372" y="5148696"/>
-              <a:ext cx="563527" cy="208654"/>
-            </a:xfrm>
-            <a:prstGeom prst="rightArrow">
-              <a:avLst/>
-            </a:prstGeom>
-            <a:ln>
-              <a:solidFill>
-                <a:schemeClr val="tx1"/>
-              </a:solidFill>
-            </a:ln>
-          </p:spPr>
-          <p:style>
-            <a:lnRef idx="2">
-              <a:schemeClr val="accent6"/>
-            </a:lnRef>
-            <a:fillRef idx="1">
-              <a:schemeClr val="lt1"/>
-            </a:fillRef>
-            <a:effectRef idx="0">
-              <a:schemeClr val="accent6"/>
-            </a:effectRef>
-            <a:fontRef idx="minor">
-              <a:schemeClr val="dk1"/>
-            </a:fontRef>
-          </p:style>
-          <p:txBody>
-            <a:bodyPr rtlCol="0" anchor="ctr"/>
-            <a:lstStyle/>
-            <a:p>
-              <a:pPr algn="ctr"/>
-              <a:endParaRPr lang="pt-BR"/>
-            </a:p>
-          </p:txBody>
-        </p:sp>
-        <p:sp>
-          <p:nvSpPr>
-            <p:cNvPr id="45" name="AutoShape 6" descr="Resultado de imagem para jogo online em grupos">
-              <a:extLst>
-                <a:ext uri="{FF2B5EF4-FFF2-40B4-BE49-F238E27FC236}">
-                  <a16:creationId xmlns:a16="http://schemas.microsoft.com/office/drawing/2014/main" id="{07B75210-3294-4AF0-8C9E-3C4AA843D05E}"/>
-                </a:ext>
-              </a:extLst>
-            </p:cNvPr>
-            <p:cNvSpPr>
-              <a:spLocks noChangeAspect="1" noChangeArrowheads="1"/>
-            </p:cNvSpPr>
-            <p:nvPr/>
-          </p:nvSpPr>
-          <p:spPr bwMode="auto">
-            <a:xfrm>
-              <a:off x="5486738" y="5124150"/>
-              <a:ext cx="304800" cy="304800"/>
-            </a:xfrm>
-            <a:prstGeom prst="rect">
-              <a:avLst/>
-            </a:prstGeom>
-            <a:noFill/>
-            <a:extLst>
-              <a:ext uri="{909E8E84-426E-40DD-AFC4-6F175D3DCCD1}">
-                <a14:hiddenFill xmlns:a14="http://schemas.microsoft.com/office/drawing/2010/main">
-                  <a:solidFill>
-                    <a:srgbClr val="FFFFFF"/>
-                  </a:solidFill>
-                </a14:hiddenFill>
-              </a:ext>
-            </a:extLst>
-          </p:spPr>
-          <p:txBody>
-            <a:bodyPr vert="horz" wrap="square" lIns="91440" tIns="45720" rIns="91440" bIns="45720" numCol="1" anchor="t" anchorCtr="0" compatLnSpc="1"/>
-            <a:lstStyle/>
-            <a:p>
-              <a:endParaRPr lang="pt-BR"/>
-            </a:p>
-          </p:txBody>
-        </p:sp>
-        <p:pic>
-          <p:nvPicPr>
-            <p:cNvPr id="46" name="Picture 8" descr="Resultado de imagem para jogo online em grupos">
-              <a:extLst>
-                <a:ext uri="{FF2B5EF4-FFF2-40B4-BE49-F238E27FC236}">
-                  <a16:creationId xmlns:a16="http://schemas.microsoft.com/office/drawing/2014/main" id="{734B15F5-445F-4B51-AB61-6A15B7389B1C}"/>
-                </a:ext>
-              </a:extLst>
-            </p:cNvPr>
-            <p:cNvPicPr>
-              <a:picLocks noChangeAspect="1" noChangeArrowheads="1"/>
-            </p:cNvPicPr>
-            <p:nvPr/>
-          </p:nvPicPr>
-          <p:blipFill>
-            <a:blip r:embed="rId8" cstate="print">
-              <a:extLst>
-                <a:ext uri="{28A0092B-C50C-407E-A947-70E740481C1C}">
-                  <a14:useLocalDpi xmlns:a14="http://schemas.microsoft.com/office/drawing/2010/main" val="0"/>
-                </a:ext>
-              </a:extLst>
-            </a:blip>
-            <a:srcRect/>
-            <a:stretch>
-              <a:fillRect/>
-            </a:stretch>
-          </p:blipFill>
-          <p:spPr bwMode="auto">
-            <a:xfrm>
-              <a:off x="4867462" y="5096526"/>
-              <a:ext cx="736717" cy="304433"/>
-            </a:xfrm>
-            <a:prstGeom prst="rect">
-              <a:avLst/>
-            </a:prstGeom>
-            <a:noFill/>
-            <a:extLst>
-              <a:ext uri="{909E8E84-426E-40DD-AFC4-6F175D3DCCD1}">
-                <a14:hiddenFill xmlns:a14="http://schemas.microsoft.com/office/drawing/2010/main">
-                  <a:solidFill>
-                    <a:srgbClr val="FFFFFF"/>
-                  </a:solidFill>
-                </a14:hiddenFill>
-              </a:ext>
-            </a:extLst>
-          </p:spPr>
-        </p:pic>
-        <p:pic>
-          <p:nvPicPr>
-            <p:cNvPr id="47" name="Imagem 46" descr="Desenho de personagem de desenho animado&#10;&#10;Descrição gerada automaticamente">
-              <a:extLst>
-                <a:ext uri="{FF2B5EF4-FFF2-40B4-BE49-F238E27FC236}">
-                  <a16:creationId xmlns:a16="http://schemas.microsoft.com/office/drawing/2014/main" id="{C4280094-0DF8-42AD-A3C0-637B340633DE}"/>
-                </a:ext>
-              </a:extLst>
-            </p:cNvPr>
-            <p:cNvPicPr>
-              <a:picLocks noChangeAspect="1"/>
-            </p:cNvPicPr>
-            <p:nvPr/>
-          </p:nvPicPr>
-          <p:blipFill>
-            <a:blip r:embed="rId2" cstate="print">
-              <a:extLst>
-                <a:ext uri="{28A0092B-C50C-407E-A947-70E740481C1C}">
-                  <a14:useLocalDpi xmlns:a14="http://schemas.microsoft.com/office/drawing/2010/main" val="0"/>
-                </a:ext>
-              </a:extLst>
-            </a:blip>
-            <a:stretch>
-              <a:fillRect/>
-            </a:stretch>
-          </p:blipFill>
-          <p:spPr>
-            <a:xfrm>
-              <a:off x="2471117" y="4886026"/>
-              <a:ext cx="733995" cy="733995"/>
-            </a:xfrm>
-            <a:prstGeom prst="rect">
-              <a:avLst/>
-            </a:prstGeom>
-          </p:spPr>
-        </p:pic>
-        <p:pic>
-          <p:nvPicPr>
-            <p:cNvPr id="48" name="Imagem 47" descr="Uma imagem contendo relógio, desenho&#10;&#10;Descrição gerada automaticamente">
-              <a:extLst>
-                <a:ext uri="{FF2B5EF4-FFF2-40B4-BE49-F238E27FC236}">
-                  <a16:creationId xmlns:a16="http://schemas.microsoft.com/office/drawing/2014/main" id="{5666F17B-10F4-4143-BB41-AED60D3AD81D}"/>
-                </a:ext>
-              </a:extLst>
-            </p:cNvPr>
-            <p:cNvPicPr>
-              <a:picLocks noChangeAspect="1"/>
-            </p:cNvPicPr>
-            <p:nvPr/>
-          </p:nvPicPr>
-          <p:blipFill>
-            <a:blip r:embed="rId3" cstate="print">
-              <a:extLst>
-                <a:ext uri="{28A0092B-C50C-407E-A947-70E740481C1C}">
-                  <a14:useLocalDpi xmlns:a14="http://schemas.microsoft.com/office/drawing/2010/main" val="0"/>
-                </a:ext>
-              </a:extLst>
-            </a:blip>
-            <a:stretch>
-              <a:fillRect/>
-            </a:stretch>
-          </p:blipFill>
-          <p:spPr>
-            <a:xfrm flipH="1">
-              <a:off x="824835" y="4901764"/>
-              <a:ext cx="791067" cy="791067"/>
-            </a:xfrm>
-            <a:prstGeom prst="rect">
-              <a:avLst/>
-            </a:prstGeom>
-          </p:spPr>
-        </p:pic>
-        <p:sp>
-          <p:nvSpPr>
-            <p:cNvPr id="49" name="Seta: para a Direita 48">
-              <a:extLst>
-                <a:ext uri="{FF2B5EF4-FFF2-40B4-BE49-F238E27FC236}">
-                  <a16:creationId xmlns:a16="http://schemas.microsoft.com/office/drawing/2014/main" id="{53BFE470-B5B2-485F-94CA-535C8684DD5F}"/>
-                </a:ext>
-              </a:extLst>
-            </p:cNvPr>
-            <p:cNvSpPr/>
-            <p:nvPr/>
-          </p:nvSpPr>
-          <p:spPr>
-            <a:xfrm>
-              <a:off x="1865111" y="5170477"/>
-              <a:ext cx="563527" cy="208654"/>
-            </a:xfrm>
-            <a:prstGeom prst="rightArrow">
-              <a:avLst/>
-            </a:prstGeom>
-            <a:ln>
-              <a:solidFill>
-                <a:schemeClr val="tx1"/>
-              </a:solidFill>
-            </a:ln>
-          </p:spPr>
-          <p:style>
-            <a:lnRef idx="2">
-              <a:schemeClr val="accent6"/>
-            </a:lnRef>
-            <a:fillRef idx="1">
-              <a:schemeClr val="lt1"/>
-            </a:fillRef>
-            <a:effectRef idx="0">
-              <a:schemeClr val="accent6"/>
-            </a:effectRef>
-            <a:fontRef idx="minor">
-              <a:schemeClr val="dk1"/>
-            </a:fontRef>
-          </p:style>
-          <p:txBody>
-            <a:bodyPr rtlCol="0" anchor="ctr"/>
-            <a:lstStyle/>
-            <a:p>
-              <a:pPr algn="ctr"/>
-              <a:endParaRPr lang="pt-BR"/>
-            </a:p>
-          </p:txBody>
-        </p:sp>
-        <p:pic>
-          <p:nvPicPr>
-            <p:cNvPr id="50" name="Picture 8" descr="Resultado de imagem para jogo online em grupos">
-              <a:extLst>
-                <a:ext uri="{FF2B5EF4-FFF2-40B4-BE49-F238E27FC236}">
-                  <a16:creationId xmlns:a16="http://schemas.microsoft.com/office/drawing/2014/main" id="{B60F9C1F-22B8-416F-8FE3-5CE644519419}"/>
-                </a:ext>
-              </a:extLst>
-            </p:cNvPr>
-            <p:cNvPicPr>
-              <a:picLocks noChangeAspect="1" noChangeArrowheads="1"/>
-            </p:cNvPicPr>
-            <p:nvPr/>
-          </p:nvPicPr>
-          <p:blipFill>
-            <a:blip r:embed="rId8" cstate="print">
-              <a:extLst>
-                <a:ext uri="{28A0092B-C50C-407E-A947-70E740481C1C}">
-                  <a14:useLocalDpi xmlns:a14="http://schemas.microsoft.com/office/drawing/2010/main" val="0"/>
-                </a:ext>
-              </a:extLst>
-            </a:blip>
-            <a:srcRect/>
-            <a:stretch>
-              <a:fillRect/>
-            </a:stretch>
-          </p:blipFill>
-          <p:spPr bwMode="auto">
-            <a:xfrm>
-              <a:off x="838658" y="5080622"/>
-              <a:ext cx="736717" cy="304433"/>
-            </a:xfrm>
-            <a:prstGeom prst="rect">
-              <a:avLst/>
-            </a:prstGeom>
-            <a:noFill/>
-            <a:extLst>
-              <a:ext uri="{909E8E84-426E-40DD-AFC4-6F175D3DCCD1}">
-                <a14:hiddenFill xmlns:a14="http://schemas.microsoft.com/office/drawing/2010/main">
-                  <a:solidFill>
-                    <a:srgbClr val="FFFFFF"/>
-                  </a:solidFill>
-                </a14:hiddenFill>
-              </a:ext>
-            </a:extLst>
-          </p:spPr>
-        </p:pic>
-        <p:sp>
-          <p:nvSpPr>
-            <p:cNvPr id="51" name="CaixaDeTexto 50">
-              <a:extLst>
-                <a:ext uri="{FF2B5EF4-FFF2-40B4-BE49-F238E27FC236}">
-                  <a16:creationId xmlns:a16="http://schemas.microsoft.com/office/drawing/2014/main" id="{6D9F163E-A50B-4064-A51A-092F7651CD2E}"/>
-                </a:ext>
-              </a:extLst>
-            </p:cNvPr>
-            <p:cNvSpPr txBox="1"/>
-            <p:nvPr/>
-          </p:nvSpPr>
-          <p:spPr>
-            <a:xfrm>
-              <a:off x="1222172" y="5710032"/>
-              <a:ext cx="1638597" cy="215444"/>
-            </a:xfrm>
-            <a:prstGeom prst="rect">
-              <a:avLst/>
-            </a:prstGeom>
-            <a:noFill/>
-            <a:ln>
-              <a:solidFill>
-                <a:schemeClr val="tx1"/>
-              </a:solidFill>
-            </a:ln>
-          </p:spPr>
-          <p:txBody>
-            <a:bodyPr wrap="square" rtlCol="0">
-              <a:spAutoFit/>
-            </a:bodyPr>
-            <a:lstStyle/>
-            <a:p>
-              <a:r>
-                <a:rPr lang="pt-BR" sz="800" dirty="0"/>
-                <a:t>Sistema indica melhores equipes</a:t>
-              </a:r>
-            </a:p>
-          </p:txBody>
-        </p:sp>
-        <p:pic>
-          <p:nvPicPr>
-            <p:cNvPr id="52" name="Imagem 51" descr="Desenho de personagem de desenho animado&#10;&#10;Descrição gerada automaticamente">
-              <a:extLst>
-                <a:ext uri="{FF2B5EF4-FFF2-40B4-BE49-F238E27FC236}">
-                  <a16:creationId xmlns:a16="http://schemas.microsoft.com/office/drawing/2014/main" id="{BAB8CD45-7511-4C73-AA48-C8281F2E0A3C}"/>
-                </a:ext>
-              </a:extLst>
-            </p:cNvPr>
-            <p:cNvPicPr>
-              <a:picLocks noChangeAspect="1"/>
-            </p:cNvPicPr>
-            <p:nvPr/>
-          </p:nvPicPr>
-          <p:blipFill>
-            <a:blip r:embed="rId2" cstate="print">
-              <a:extLst>
-                <a:ext uri="{28A0092B-C50C-407E-A947-70E740481C1C}">
-                  <a14:useLocalDpi xmlns:a14="http://schemas.microsoft.com/office/drawing/2010/main" val="0"/>
-                </a:ext>
-              </a:extLst>
-            </a:blip>
-            <a:stretch>
-              <a:fillRect/>
-            </a:stretch>
-          </p:blipFill>
-          <p:spPr>
-            <a:xfrm>
-              <a:off x="5703189" y="4903120"/>
-              <a:ext cx="733995" cy="733995"/>
-            </a:xfrm>
-            <a:prstGeom prst="rect">
-              <a:avLst/>
-            </a:prstGeom>
-          </p:spPr>
-        </p:pic>
-        <p:pic>
-          <p:nvPicPr>
-            <p:cNvPr id="53" name="Imagem 52" descr="Uma imagem contendo relógio, desenho&#10;&#10;Descrição gerada automaticamente">
-              <a:extLst>
-                <a:ext uri="{FF2B5EF4-FFF2-40B4-BE49-F238E27FC236}">
-                  <a16:creationId xmlns:a16="http://schemas.microsoft.com/office/drawing/2014/main" id="{FA07CA02-463C-4AF8-8906-77C7CABADC4E}"/>
-                </a:ext>
-              </a:extLst>
-            </p:cNvPr>
-            <p:cNvPicPr>
-              <a:picLocks noChangeAspect="1"/>
-            </p:cNvPicPr>
-            <p:nvPr/>
-          </p:nvPicPr>
-          <p:blipFill>
-            <a:blip r:embed="rId3" cstate="print">
-              <a:extLst>
-                <a:ext uri="{28A0092B-C50C-407E-A947-70E740481C1C}">
-                  <a14:useLocalDpi xmlns:a14="http://schemas.microsoft.com/office/drawing/2010/main" val="0"/>
-                </a:ext>
-              </a:extLst>
-            </a:blip>
-            <a:stretch>
-              <a:fillRect/>
-            </a:stretch>
-          </p:blipFill>
-          <p:spPr>
-            <a:xfrm flipH="1">
-              <a:off x="7171179" y="4934762"/>
-              <a:ext cx="791067" cy="791067"/>
-            </a:xfrm>
-            <a:prstGeom prst="rect">
-              <a:avLst/>
-            </a:prstGeom>
-          </p:spPr>
-        </p:pic>
-        <p:sp>
-          <p:nvSpPr>
-            <p:cNvPr id="54" name="CaixaDeTexto 53">
-              <a:extLst>
-                <a:ext uri="{FF2B5EF4-FFF2-40B4-BE49-F238E27FC236}">
-                  <a16:creationId xmlns:a16="http://schemas.microsoft.com/office/drawing/2014/main" id="{3C0FED55-D186-4E30-B046-59F8924FC9CC}"/>
-                </a:ext>
-              </a:extLst>
-            </p:cNvPr>
-            <p:cNvSpPr txBox="1"/>
-            <p:nvPr/>
-          </p:nvSpPr>
-          <p:spPr>
-            <a:xfrm>
-              <a:off x="6344435" y="5724511"/>
-              <a:ext cx="1155442" cy="215444"/>
-            </a:xfrm>
-            <a:prstGeom prst="rect">
-              <a:avLst/>
-            </a:prstGeom>
-            <a:noFill/>
-            <a:ln>
-              <a:solidFill>
-                <a:schemeClr val="tx1"/>
-              </a:solidFill>
-            </a:ln>
-          </p:spPr>
-          <p:txBody>
-            <a:bodyPr wrap="square" rtlCol="0">
-              <a:spAutoFit/>
-            </a:bodyPr>
-            <a:lstStyle/>
-            <a:p>
-              <a:r>
-                <a:rPr lang="pt-BR" sz="800" dirty="0"/>
-                <a:t>Usuário inicia partida</a:t>
-              </a:r>
-            </a:p>
-          </p:txBody>
-        </p:sp>
-        <p:sp>
-          <p:nvSpPr>
-            <p:cNvPr id="55" name="Seta: para a Direita 54">
-              <a:extLst>
-                <a:ext uri="{FF2B5EF4-FFF2-40B4-BE49-F238E27FC236}">
-                  <a16:creationId xmlns:a16="http://schemas.microsoft.com/office/drawing/2014/main" id="{2613465B-707B-4386-8895-2631B29F537D}"/>
-                </a:ext>
-              </a:extLst>
-            </p:cNvPr>
-            <p:cNvSpPr/>
-            <p:nvPr/>
-          </p:nvSpPr>
-          <p:spPr>
-            <a:xfrm>
-              <a:off x="6456912" y="5165790"/>
-              <a:ext cx="563527" cy="208654"/>
-            </a:xfrm>
-            <a:prstGeom prst="rightArrow">
-              <a:avLst/>
-            </a:prstGeom>
-            <a:ln>
-              <a:solidFill>
-                <a:schemeClr val="tx1"/>
-              </a:solidFill>
-            </a:ln>
-          </p:spPr>
-          <p:style>
-            <a:lnRef idx="2">
-              <a:schemeClr val="accent6"/>
-            </a:lnRef>
-            <a:fillRef idx="1">
-              <a:schemeClr val="lt1"/>
-            </a:fillRef>
-            <a:effectRef idx="0">
-              <a:schemeClr val="accent6"/>
-            </a:effectRef>
-            <a:fontRef idx="minor">
-              <a:schemeClr val="dk1"/>
-            </a:fontRef>
-          </p:style>
-          <p:txBody>
-            <a:bodyPr rtlCol="0" anchor="ctr"/>
-            <a:lstStyle/>
-            <a:p>
-              <a:pPr algn="ctr"/>
-              <a:endParaRPr lang="pt-BR"/>
-            </a:p>
-          </p:txBody>
-        </p:sp>
-        <p:pic>
-          <p:nvPicPr>
-            <p:cNvPr id="56" name="Picture 10" descr="Resultado de imagem para jogo online">
-              <a:extLst>
-                <a:ext uri="{FF2B5EF4-FFF2-40B4-BE49-F238E27FC236}">
-                  <a16:creationId xmlns:a16="http://schemas.microsoft.com/office/drawing/2014/main" id="{31FBB08B-7667-4E85-B518-97CE8E16E6AA}"/>
-                </a:ext>
-              </a:extLst>
-            </p:cNvPr>
-            <p:cNvPicPr>
-              <a:picLocks noChangeAspect="1" noChangeArrowheads="1"/>
-            </p:cNvPicPr>
-            <p:nvPr/>
-          </p:nvPicPr>
-          <p:blipFill>
-            <a:blip r:embed="rId9" cstate="print">
-              <a:extLst>
-                <a:ext uri="{28A0092B-C50C-407E-A947-70E740481C1C}">
-                  <a14:useLocalDpi xmlns:a14="http://schemas.microsoft.com/office/drawing/2010/main" val="0"/>
-                </a:ext>
-              </a:extLst>
-            </a:blip>
-            <a:srcRect/>
-            <a:stretch>
-              <a:fillRect/>
-            </a:stretch>
-          </p:blipFill>
-          <p:spPr bwMode="auto">
-            <a:xfrm>
-              <a:off x="7202205" y="5086874"/>
-              <a:ext cx="742677" cy="314085"/>
-            </a:xfrm>
-            <a:prstGeom prst="rect">
-              <a:avLst/>
-            </a:prstGeom>
-            <a:noFill/>
-            <a:extLst>
-              <a:ext uri="{909E8E84-426E-40DD-AFC4-6F175D3DCCD1}">
-                <a14:hiddenFill xmlns:a14="http://schemas.microsoft.com/office/drawing/2010/main">
-                  <a:solidFill>
-                    <a:srgbClr val="FFFFFF"/>
-                  </a:solidFill>
-                </a14:hiddenFill>
-              </a:ext>
-            </a:extLst>
-          </p:spPr>
-        </p:pic>
-        <p:pic>
-          <p:nvPicPr>
-            <p:cNvPr id="57" name="Imagem 56" descr="Desenho de personagem de desenho animado&#10;&#10;Descrição gerada automaticamente">
-              <a:extLst>
-                <a:ext uri="{FF2B5EF4-FFF2-40B4-BE49-F238E27FC236}">
-                  <a16:creationId xmlns:a16="http://schemas.microsoft.com/office/drawing/2014/main" id="{EE6D6132-A431-4A02-A427-9CE4145E3BDD}"/>
-                </a:ext>
-              </a:extLst>
-            </p:cNvPr>
-            <p:cNvPicPr>
-              <a:picLocks noChangeAspect="1"/>
-            </p:cNvPicPr>
-            <p:nvPr/>
-          </p:nvPicPr>
-          <p:blipFill>
-            <a:blip r:embed="rId2" cstate="print">
-              <a:extLst>
-                <a:ext uri="{28A0092B-C50C-407E-A947-70E740481C1C}">
-                  <a14:useLocalDpi xmlns:a14="http://schemas.microsoft.com/office/drawing/2010/main" val="0"/>
-                </a:ext>
-              </a:extLst>
-            </a:blip>
-            <a:stretch>
-              <a:fillRect/>
-            </a:stretch>
-          </p:blipFill>
-          <p:spPr>
-            <a:xfrm>
-              <a:off x="8167418" y="4886025"/>
-              <a:ext cx="733995" cy="733995"/>
-            </a:xfrm>
-            <a:prstGeom prst="rect">
-              <a:avLst/>
-            </a:prstGeom>
-          </p:spPr>
-        </p:pic>
-        <p:sp>
-          <p:nvSpPr>
-            <p:cNvPr id="58" name="CaixaDeTexto 57">
-              <a:extLst>
-                <a:ext uri="{FF2B5EF4-FFF2-40B4-BE49-F238E27FC236}">
-                  <a16:creationId xmlns:a16="http://schemas.microsoft.com/office/drawing/2014/main" id="{6B8346BA-BDA4-4050-ABFE-92CA319CE764}"/>
-                </a:ext>
-              </a:extLst>
-            </p:cNvPr>
-            <p:cNvSpPr txBox="1"/>
-            <p:nvPr/>
-          </p:nvSpPr>
-          <p:spPr>
-            <a:xfrm>
-              <a:off x="8181964" y="5724511"/>
-              <a:ext cx="2246373" cy="215444"/>
-            </a:xfrm>
-            <a:prstGeom prst="rect">
-              <a:avLst/>
-            </a:prstGeom>
-            <a:noFill/>
-            <a:ln>
-              <a:solidFill>
-                <a:schemeClr val="tx1"/>
-              </a:solidFill>
-            </a:ln>
-          </p:spPr>
-          <p:txBody>
-            <a:bodyPr wrap="square" rtlCol="0">
-              <a:spAutoFit/>
-            </a:bodyPr>
-            <a:lstStyle/>
-            <a:p>
-              <a:r>
-                <a:rPr lang="pt-BR" sz="800" dirty="0"/>
-                <a:t>Usuário encerra partida com melhor performance</a:t>
-              </a:r>
-            </a:p>
-          </p:txBody>
-        </p:sp>
-        <p:pic>
-          <p:nvPicPr>
-            <p:cNvPr id="59" name="Imagem 58" descr="Uma imagem contendo relógio, desenho&#10;&#10;Descrição gerada automaticamente">
-              <a:extLst>
-                <a:ext uri="{FF2B5EF4-FFF2-40B4-BE49-F238E27FC236}">
-                  <a16:creationId xmlns:a16="http://schemas.microsoft.com/office/drawing/2014/main" id="{DD63712A-C03D-4F8C-BF84-89CEAB612CF7}"/>
-                </a:ext>
-              </a:extLst>
-            </p:cNvPr>
-            <p:cNvPicPr>
-              <a:picLocks noChangeAspect="1"/>
-            </p:cNvPicPr>
-            <p:nvPr/>
-          </p:nvPicPr>
-          <p:blipFill>
-            <a:blip r:embed="rId3" cstate="print">
-              <a:extLst>
-                <a:ext uri="{28A0092B-C50C-407E-A947-70E740481C1C}">
-                  <a14:useLocalDpi xmlns:a14="http://schemas.microsoft.com/office/drawing/2010/main" val="0"/>
-                </a:ext>
-              </a:extLst>
-            </a:blip>
-            <a:stretch>
-              <a:fillRect/>
-            </a:stretch>
-          </p:blipFill>
-          <p:spPr>
-            <a:xfrm flipH="1">
-              <a:off x="9637270" y="4893542"/>
-              <a:ext cx="791067" cy="791067"/>
-            </a:xfrm>
-            <a:prstGeom prst="rect">
-              <a:avLst/>
-            </a:prstGeom>
-          </p:spPr>
-        </p:pic>
-        <p:sp>
-          <p:nvSpPr>
-            <p:cNvPr id="60" name="Seta: para a Direita 59">
-              <a:extLst>
-                <a:ext uri="{FF2B5EF4-FFF2-40B4-BE49-F238E27FC236}">
-                  <a16:creationId xmlns:a16="http://schemas.microsoft.com/office/drawing/2014/main" id="{C788DE36-5E28-434C-A4CA-E519F0A2B096}"/>
-                </a:ext>
-              </a:extLst>
-            </p:cNvPr>
-            <p:cNvSpPr/>
-            <p:nvPr/>
-          </p:nvSpPr>
-          <p:spPr>
-            <a:xfrm>
-              <a:off x="8932439" y="5126221"/>
-              <a:ext cx="563527" cy="208654"/>
-            </a:xfrm>
-            <a:prstGeom prst="rightArrow">
-              <a:avLst/>
-            </a:prstGeom>
-            <a:ln>
-              <a:solidFill>
-                <a:schemeClr val="tx1"/>
-              </a:solidFill>
-            </a:ln>
-          </p:spPr>
-          <p:style>
-            <a:lnRef idx="2">
-              <a:schemeClr val="accent6"/>
-            </a:lnRef>
-            <a:fillRef idx="1">
-              <a:schemeClr val="lt1"/>
-            </a:fillRef>
-            <a:effectRef idx="0">
-              <a:schemeClr val="accent6"/>
-            </a:effectRef>
-            <a:fontRef idx="minor">
-              <a:schemeClr val="dk1"/>
-            </a:fontRef>
-          </p:style>
-          <p:txBody>
-            <a:bodyPr rtlCol="0" anchor="ctr"/>
-            <a:lstStyle/>
-            <a:p>
-              <a:pPr algn="ctr"/>
-              <a:endParaRPr lang="pt-BR"/>
-            </a:p>
-          </p:txBody>
-        </p:sp>
-        <p:pic>
-          <p:nvPicPr>
-            <p:cNvPr id="61" name="Picture 14" descr="Resultado de imagem para winner jogo">
-              <a:extLst>
-                <a:ext uri="{FF2B5EF4-FFF2-40B4-BE49-F238E27FC236}">
-                  <a16:creationId xmlns:a16="http://schemas.microsoft.com/office/drawing/2014/main" id="{6FA2A99A-D947-4B1F-A5C1-8FDF6DC5EC8D}"/>
-                </a:ext>
-              </a:extLst>
-            </p:cNvPr>
-            <p:cNvPicPr>
-              <a:picLocks noChangeAspect="1" noChangeArrowheads="1"/>
-            </p:cNvPicPr>
-            <p:nvPr/>
-          </p:nvPicPr>
-          <p:blipFill>
-            <a:blip r:embed="rId10" cstate="print">
-              <a:extLst>
-                <a:ext uri="{28A0092B-C50C-407E-A947-70E740481C1C}">
-                  <a14:useLocalDpi xmlns:a14="http://schemas.microsoft.com/office/drawing/2010/main" val="0"/>
-                </a:ext>
-              </a:extLst>
-            </a:blip>
-            <a:srcRect/>
-            <a:stretch>
-              <a:fillRect/>
-            </a:stretch>
-          </p:blipFill>
-          <p:spPr bwMode="auto">
-            <a:xfrm>
-              <a:off x="9676087" y="5056679"/>
-              <a:ext cx="705701" cy="317766"/>
-            </a:xfrm>
-            <a:prstGeom prst="rect">
-              <a:avLst/>
-            </a:prstGeom>
-            <a:noFill/>
-            <a:extLst>
-              <a:ext uri="{909E8E84-426E-40DD-AFC4-6F175D3DCCD1}">
-                <a14:hiddenFill xmlns:a14="http://schemas.microsoft.com/office/drawing/2010/main">
-                  <a:solidFill>
-                    <a:srgbClr val="FFFFFF"/>
-                  </a:solidFill>
-                </a14:hiddenFill>
-              </a:ext>
-            </a:extLst>
-          </p:spPr>
-        </p:pic>
-      </p:grpSp>
+          </a:blip>
+          <a:srcRect t="23994" b="27786"/>
+          <a:stretch/>
+        </p:blipFill>
+        <p:spPr>
+          <a:xfrm>
+            <a:off x="837870" y="2466972"/>
+            <a:ext cx="10516259" cy="2852420"/>
+          </a:xfrm>
+          <a:prstGeom prst="rect">
+            <a:avLst/>
+          </a:prstGeom>
+        </p:spPr>
+      </p:pic>
     </p:spTree>
     <p:extLst>
       <p:ext uri="{BB962C8B-B14F-4D97-AF65-F5344CB8AC3E}">
@@ -37627,7 +35811,7 @@
           <a:p>
             <a:r>
               <a:rPr lang="pt-BR" dirty="0"/>
-              <a:t>BPM</a:t>
+              <a:t>BPMN</a:t>
             </a:r>
           </a:p>
         </p:txBody>
@@ -38115,7 +36299,7 @@
           <a:p>
             <a:r>
               <a:rPr lang="pt-BR" dirty="0"/>
-              <a:t>Desenho de Solução</a:t>
+              <a:t>Planilha de Requisitos</a:t>
             </a:r>
           </a:p>
         </p:txBody>
@@ -38471,10 +36655,10 @@
       </p:grpSp>
       <p:pic>
         <p:nvPicPr>
-          <p:cNvPr id="8" name="Imagem 7" descr="Tela de jogo de vídeo game&#10;&#10;Descrição gerada automaticamente">
+          <p:cNvPr id="9" name="Imagem 8">
             <a:extLst>
               <a:ext uri="{FF2B5EF4-FFF2-40B4-BE49-F238E27FC236}">
-                <a16:creationId xmlns:a16="http://schemas.microsoft.com/office/drawing/2014/main" id="{F57F7578-876D-417C-8950-659CF2829DCC}"/>
+                <a16:creationId xmlns:a16="http://schemas.microsoft.com/office/drawing/2014/main" id="{1F8FFC06-1BCE-4133-BFC4-47909DC42705}"/>
               </a:ext>
             </a:extLst>
           </p:cNvPr>
@@ -38484,21 +36668,15 @@
           <p:nvPr/>
         </p:nvPicPr>
         <p:blipFill>
-          <a:blip r:embed="rId2" cstate="print">
-            <a:extLst>
-              <a:ext uri="{28A0092B-C50C-407E-A947-70E740481C1C}">
-                <a14:useLocalDpi xmlns:a14="http://schemas.microsoft.com/office/drawing/2010/main" val="0"/>
-              </a:ext>
-            </a:extLst>
-          </a:blip>
+          <a:blip r:embed="rId2"/>
           <a:stretch>
             <a:fillRect/>
           </a:stretch>
         </p:blipFill>
         <p:spPr>
           <a:xfrm>
-            <a:off x="1717380" y="1874296"/>
-            <a:ext cx="8757239" cy="4695691"/>
+            <a:off x="2057050" y="1774575"/>
+            <a:ext cx="8077900" cy="4564776"/>
           </a:xfrm>
           <a:prstGeom prst="rect">
             <a:avLst/>
@@ -38508,7 +36686,7 @@
     </p:spTree>
     <p:extLst>
       <p:ext uri="{BB962C8B-B14F-4D97-AF65-F5344CB8AC3E}">
-        <p14:creationId xmlns:p14="http://schemas.microsoft.com/office/powerpoint/2010/main" val="3697814180"/>
+        <p14:creationId xmlns:p14="http://schemas.microsoft.com/office/powerpoint/2010/main" val="1133719789"/>
       </p:ext>
     </p:extLst>
   </p:cSld>
@@ -38604,7 +36782,7 @@
           <a:p>
             <a:r>
               <a:rPr lang="pt-BR" dirty="0"/>
-              <a:t>Planilha de Requisitos</a:t>
+              <a:t>Desenho de Solução</a:t>
             </a:r>
           </a:p>
         </p:txBody>
@@ -38960,10 +37138,10 @@
       </p:grpSp>
       <p:pic>
         <p:nvPicPr>
-          <p:cNvPr id="9" name="Imagem 8">
+          <p:cNvPr id="8" name="Imagem 7" descr="Tela de jogo de vídeo game&#10;&#10;Descrição gerada automaticamente">
             <a:extLst>
               <a:ext uri="{FF2B5EF4-FFF2-40B4-BE49-F238E27FC236}">
-                <a16:creationId xmlns:a16="http://schemas.microsoft.com/office/drawing/2014/main" id="{1F8FFC06-1BCE-4133-BFC4-47909DC42705}"/>
+                <a16:creationId xmlns:a16="http://schemas.microsoft.com/office/drawing/2014/main" id="{F57F7578-876D-417C-8950-659CF2829DCC}"/>
               </a:ext>
             </a:extLst>
           </p:cNvPr>
@@ -38973,15 +37151,21 @@
           <p:nvPr/>
         </p:nvPicPr>
         <p:blipFill>
-          <a:blip r:embed="rId2"/>
+          <a:blip r:embed="rId2" cstate="print">
+            <a:extLst>
+              <a:ext uri="{28A0092B-C50C-407E-A947-70E740481C1C}">
+                <a14:useLocalDpi xmlns:a14="http://schemas.microsoft.com/office/drawing/2010/main" val="0"/>
+              </a:ext>
+            </a:extLst>
+          </a:blip>
           <a:stretch>
             <a:fillRect/>
           </a:stretch>
         </p:blipFill>
         <p:spPr>
           <a:xfrm>
-            <a:off x="2057050" y="1774575"/>
-            <a:ext cx="8077900" cy="4564776"/>
+            <a:off x="1717380" y="1874296"/>
+            <a:ext cx="8757239" cy="4695691"/>
           </a:xfrm>
           <a:prstGeom prst="rect">
             <a:avLst/>
@@ -38991,7 +37175,7 @@
     </p:spTree>
     <p:extLst>
       <p:ext uri="{BB962C8B-B14F-4D97-AF65-F5344CB8AC3E}">
-        <p14:creationId xmlns:p14="http://schemas.microsoft.com/office/powerpoint/2010/main" val="1133719789"/>
+        <p14:creationId xmlns:p14="http://schemas.microsoft.com/office/powerpoint/2010/main" val="3697814180"/>
       </p:ext>
     </p:extLst>
   </p:cSld>

--- a/Documentação/Apresentação - Sprint 3.pptx
+++ b/Documentação/Apresentação - Sprint 3.pptx
@@ -9,17 +9,17 @@
     <p:sldId id="281" r:id="rId3"/>
     <p:sldId id="297" r:id="rId4"/>
     <p:sldId id="298" r:id="rId5"/>
-    <p:sldId id="264" r:id="rId6"/>
-    <p:sldId id="296" r:id="rId7"/>
-    <p:sldId id="295" r:id="rId8"/>
-    <p:sldId id="292" r:id="rId9"/>
+    <p:sldId id="296" r:id="rId6"/>
+    <p:sldId id="303" r:id="rId7"/>
+    <p:sldId id="292" r:id="rId8"/>
+    <p:sldId id="295" r:id="rId9"/>
     <p:sldId id="294" r:id="rId10"/>
     <p:sldId id="289" r:id="rId11"/>
-    <p:sldId id="286" r:id="rId12"/>
+    <p:sldId id="307" r:id="rId12"/>
     <p:sldId id="300" r:id="rId13"/>
     <p:sldId id="287" r:id="rId14"/>
-    <p:sldId id="288" r:id="rId15"/>
-    <p:sldId id="291" r:id="rId16"/>
+    <p:sldId id="304" r:id="rId15"/>
+    <p:sldId id="305" r:id="rId16"/>
     <p:sldId id="299" r:id="rId17"/>
     <p:sldId id="290" r:id="rId18"/>
   </p:sldIdLst>
@@ -131,7 +131,7 @@
 <file path=ppt/revisionInfo.xml><?xml version="1.0" encoding="utf-8"?>
 <p1510:revInfo xmlns:a="http://schemas.openxmlformats.org/drawingml/2006/main" xmlns:r="http://schemas.openxmlformats.org/officeDocument/2006/relationships" xmlns:p1510="http://schemas.microsoft.com/office/powerpoint/2015/10/main">
   <p1510:revLst>
-    <p1510:client id="{DAECEB32-C126-44A1-B729-3AADB1682972}" v="46" dt="2020-06-16T21:47:58.424"/>
+    <p1510:client id="{DAECEB32-C126-44A1-B729-3AADB1682972}" v="517" dt="2020-06-17T02:43:04.844"/>
   </p1510:revLst>
 </p1510:revInfo>
 </file>
@@ -140,45 +140,347 @@
 <pc:chgInfo xmlns:a="http://schemas.openxmlformats.org/drawingml/2006/main" xmlns:r="http://schemas.openxmlformats.org/officeDocument/2006/relationships" xmlns:ac="http://schemas.microsoft.com/office/drawing/2013/main/command" xmlns:pc="http://schemas.microsoft.com/office/powerpoint/2013/main/command">
   <pc:docChgLst>
     <pc:chgData name="Fernando C Correa" userId="a08d7f3c16d54179" providerId="LiveId" clId="{DAECEB32-C126-44A1-B729-3AADB1682972}"/>
-    <pc:docChg chg="undo custSel addSld modSld sldOrd">
-      <pc:chgData name="Fernando C Correa" userId="a08d7f3c16d54179" providerId="LiveId" clId="{DAECEB32-C126-44A1-B729-3AADB1682972}" dt="2020-06-16T21:47:58.423" v="149" actId="1076"/>
+    <pc:docChg chg="undo custSel addSld delSld modSld sldOrd">
+      <pc:chgData name="Fernando C Correa" userId="a08d7f3c16d54179" providerId="LiveId" clId="{DAECEB32-C126-44A1-B729-3AADB1682972}" dt="2020-06-17T02:43:38.305" v="1946" actId="1035"/>
       <pc:docMkLst>
         <pc:docMk/>
       </pc:docMkLst>
-      <pc:sldChg chg="add">
-        <pc:chgData name="Fernando C Correa" userId="a08d7f3c16d54179" providerId="LiveId" clId="{DAECEB32-C126-44A1-B729-3AADB1682972}" dt="2020-06-16T20:16:32.859" v="78"/>
+      <pc:sldChg chg="addSp modSp add del mod modAnim">
+        <pc:chgData name="Fernando C Correa" userId="a08d7f3c16d54179" providerId="LiveId" clId="{DAECEB32-C126-44A1-B729-3AADB1682972}" dt="2020-06-16T23:52:25.126" v="657" actId="2696"/>
         <pc:sldMkLst>
           <pc:docMk/>
           <pc:sldMk cId="0" sldId="264"/>
         </pc:sldMkLst>
+        <pc:picChg chg="mod">
+          <ac:chgData name="Fernando C Correa" userId="a08d7f3c16d54179" providerId="LiveId" clId="{DAECEB32-C126-44A1-B729-3AADB1682972}" dt="2020-06-16T23:46:48.244" v="546" actId="1076"/>
+          <ac:picMkLst>
+            <pc:docMk/>
+            <pc:sldMk cId="0" sldId="264"/>
+            <ac:picMk id="4" creationId="{00000000-0000-0000-0000-000000000000}"/>
+          </ac:picMkLst>
+        </pc:picChg>
+        <pc:picChg chg="add mod">
+          <ac:chgData name="Fernando C Correa" userId="a08d7f3c16d54179" providerId="LiveId" clId="{DAECEB32-C126-44A1-B729-3AADB1682972}" dt="2020-06-16T23:47:48.346" v="552" actId="1076"/>
+          <ac:picMkLst>
+            <pc:docMk/>
+            <pc:sldMk cId="0" sldId="264"/>
+            <ac:picMk id="5" creationId="{7A65702D-88BF-4DBA-9323-920BA15A8173}"/>
+          </ac:picMkLst>
+        </pc:picChg>
       </pc:sldChg>
-      <pc:sldChg chg="ord">
-        <pc:chgData name="Fernando C Correa" userId="a08d7f3c16d54179" providerId="LiveId" clId="{DAECEB32-C126-44A1-B729-3AADB1682972}" dt="2020-06-16T20:17:18.293" v="86"/>
+      <pc:sldChg chg="modSp modAnim">
+        <pc:chgData name="Fernando C Correa" userId="a08d7f3c16d54179" providerId="LiveId" clId="{DAECEB32-C126-44A1-B729-3AADB1682972}" dt="2020-06-17T01:48:57.748" v="1328" actId="20577"/>
+        <pc:sldMkLst>
+          <pc:docMk/>
+          <pc:sldMk cId="3542761506" sldId="281"/>
+        </pc:sldMkLst>
+        <pc:spChg chg="mod">
+          <ac:chgData name="Fernando C Correa" userId="a08d7f3c16d54179" providerId="LiveId" clId="{DAECEB32-C126-44A1-B729-3AADB1682972}" dt="2020-06-17T01:48:57.748" v="1328" actId="20577"/>
+          <ac:spMkLst>
+            <pc:docMk/>
+            <pc:sldMk cId="3542761506" sldId="281"/>
+            <ac:spMk id="2" creationId="{00000000-0000-0000-0000-000000000000}"/>
+          </ac:spMkLst>
+        </pc:spChg>
+      </pc:sldChg>
+      <pc:sldChg chg="addSp delSp modSp del mod">
+        <pc:chgData name="Fernando C Correa" userId="a08d7f3c16d54179" providerId="LiveId" clId="{DAECEB32-C126-44A1-B729-3AADB1682972}" dt="2020-06-17T01:22:07.612" v="1067" actId="47"/>
+        <pc:sldMkLst>
+          <pc:docMk/>
+          <pc:sldMk cId="1290913563" sldId="286"/>
+        </pc:sldMkLst>
+        <pc:spChg chg="mod">
+          <ac:chgData name="Fernando C Correa" userId="a08d7f3c16d54179" providerId="LiveId" clId="{DAECEB32-C126-44A1-B729-3AADB1682972}" dt="2020-06-17T01:05:30.054" v="915" actId="20577"/>
+          <ac:spMkLst>
+            <pc:docMk/>
+            <pc:sldMk cId="1290913563" sldId="286"/>
+            <ac:spMk id="2" creationId="{00000000-0000-0000-0000-000000000000}"/>
+          </ac:spMkLst>
+        </pc:spChg>
+        <pc:spChg chg="add mod">
+          <ac:chgData name="Fernando C Correa" userId="a08d7f3c16d54179" providerId="LiveId" clId="{DAECEB32-C126-44A1-B729-3AADB1682972}" dt="2020-06-17T01:21:19.096" v="1065"/>
+          <ac:spMkLst>
+            <pc:docMk/>
+            <pc:sldMk cId="1290913563" sldId="286"/>
+            <ac:spMk id="3" creationId="{ADC9990C-DB22-4C9E-AE0D-AFC17340A299}"/>
+          </ac:spMkLst>
+        </pc:spChg>
+        <pc:spChg chg="add del mod">
+          <ac:chgData name="Fernando C Correa" userId="a08d7f3c16d54179" providerId="LiveId" clId="{DAECEB32-C126-44A1-B729-3AADB1682972}" dt="2020-06-17T01:21:12.474" v="1053" actId="478"/>
+          <ac:spMkLst>
+            <pc:docMk/>
+            <pc:sldMk cId="1290913563" sldId="286"/>
+            <ac:spMk id="6" creationId="{C0FFF3D3-78AB-4F03-AEA3-F792F1C928B1}"/>
+          </ac:spMkLst>
+        </pc:spChg>
+        <pc:spChg chg="add mod">
+          <ac:chgData name="Fernando C Correa" userId="a08d7f3c16d54179" providerId="LiveId" clId="{DAECEB32-C126-44A1-B729-3AADB1682972}" dt="2020-06-17T01:06:31.961" v="950" actId="20577"/>
+          <ac:spMkLst>
+            <pc:docMk/>
+            <pc:sldMk cId="1290913563" sldId="286"/>
+            <ac:spMk id="10" creationId="{82A90620-2111-419C-8CC8-504DF323835F}"/>
+          </ac:spMkLst>
+        </pc:spChg>
+        <pc:picChg chg="add del mod modCrop">
+          <ac:chgData name="Fernando C Correa" userId="a08d7f3c16d54179" providerId="LiveId" clId="{DAECEB32-C126-44A1-B729-3AADB1682972}" dt="2020-06-17T01:21:15.701" v="1059" actId="478"/>
+          <ac:picMkLst>
+            <pc:docMk/>
+            <pc:sldMk cId="1290913563" sldId="286"/>
+            <ac:picMk id="4" creationId="{D4BB69D1-B7D1-40C5-AD81-DECBEAAE5E0F}"/>
+          </ac:picMkLst>
+        </pc:picChg>
+        <pc:picChg chg="add del mod">
+          <ac:chgData name="Fernando C Correa" userId="a08d7f3c16d54179" providerId="LiveId" clId="{DAECEB32-C126-44A1-B729-3AADB1682972}" dt="2020-06-17T01:21:15.296" v="1058"/>
+          <ac:picMkLst>
+            <pc:docMk/>
+            <pc:sldMk cId="1290913563" sldId="286"/>
+            <ac:picMk id="5" creationId="{FBACC7CA-267A-4720-8553-65FD46F1C96F}"/>
+          </ac:picMkLst>
+        </pc:picChg>
+        <pc:picChg chg="add del mod">
+          <ac:chgData name="Fernando C Correa" userId="a08d7f3c16d54179" providerId="LiveId" clId="{DAECEB32-C126-44A1-B729-3AADB1682972}" dt="2020-06-17T01:21:11.925" v="1052" actId="478"/>
+          <ac:picMkLst>
+            <pc:docMk/>
+            <pc:sldMk cId="1290913563" sldId="286"/>
+            <ac:picMk id="11" creationId="{8F1A4823-8682-41E7-A5C1-1ABA20505B18}"/>
+          </ac:picMkLst>
+        </pc:picChg>
+        <pc:picChg chg="del">
+          <ac:chgData name="Fernando C Correa" userId="a08d7f3c16d54179" providerId="LiveId" clId="{DAECEB32-C126-44A1-B729-3AADB1682972}" dt="2020-06-17T01:14:20.251" v="981" actId="478"/>
+          <ac:picMkLst>
+            <pc:docMk/>
+            <pc:sldMk cId="1290913563" sldId="286"/>
+            <ac:picMk id="15" creationId="{4E3D15D1-6C66-4859-8D2D-7DECB3E481F5}"/>
+          </ac:picMkLst>
+        </pc:picChg>
+      </pc:sldChg>
+      <pc:sldChg chg="addSp delSp modSp mod ord modAnim">
+        <pc:chgData name="Fernando C Correa" userId="a08d7f3c16d54179" providerId="LiveId" clId="{DAECEB32-C126-44A1-B729-3AADB1682972}" dt="2020-06-17T02:30:11.096" v="1735"/>
         <pc:sldMkLst>
           <pc:docMk/>
           <pc:sldMk cId="2582316661" sldId="287"/>
         </pc:sldMkLst>
+        <pc:spChg chg="mod">
+          <ac:chgData name="Fernando C Correa" userId="a08d7f3c16d54179" providerId="LiveId" clId="{DAECEB32-C126-44A1-B729-3AADB1682972}" dt="2020-06-17T02:17:43.528" v="1489" actId="20577"/>
+          <ac:spMkLst>
+            <pc:docMk/>
+            <pc:sldMk cId="2582316661" sldId="287"/>
+            <ac:spMk id="2" creationId="{00000000-0000-0000-0000-000000000000}"/>
+          </ac:spMkLst>
+        </pc:spChg>
+        <pc:spChg chg="add mod">
+          <ac:chgData name="Fernando C Correa" userId="a08d7f3c16d54179" providerId="LiveId" clId="{DAECEB32-C126-44A1-B729-3AADB1682972}" dt="2020-06-17T01:00:22.837" v="881" actId="403"/>
+          <ac:spMkLst>
+            <pc:docMk/>
+            <pc:sldMk cId="2582316661" sldId="287"/>
+            <ac:spMk id="3" creationId="{19035CAF-1C8B-4AE3-8033-3A58E61E6860}"/>
+          </ac:spMkLst>
+        </pc:spChg>
+        <pc:spChg chg="add mod">
+          <ac:chgData name="Fernando C Correa" userId="a08d7f3c16d54179" providerId="LiveId" clId="{DAECEB32-C126-44A1-B729-3AADB1682972}" dt="2020-06-17T00:58:47.618" v="865" actId="1035"/>
+          <ac:spMkLst>
+            <pc:docMk/>
+            <pc:sldMk cId="2582316661" sldId="287"/>
+            <ac:spMk id="9" creationId="{9DB075A3-56FB-45D0-9830-D7302566A0CB}"/>
+          </ac:spMkLst>
+        </pc:spChg>
+        <pc:spChg chg="add mod">
+          <ac:chgData name="Fernando C Correa" userId="a08d7f3c16d54179" providerId="LiveId" clId="{DAECEB32-C126-44A1-B729-3AADB1682972}" dt="2020-06-17T00:58:30.837" v="861" actId="1076"/>
+          <ac:spMkLst>
+            <pc:docMk/>
+            <pc:sldMk cId="2582316661" sldId="287"/>
+            <ac:spMk id="11" creationId="{16EB44B9-02AC-4947-965B-A08DBFC98023}"/>
+          </ac:spMkLst>
+        </pc:spChg>
+        <pc:spChg chg="add mod">
+          <ac:chgData name="Fernando C Correa" userId="a08d7f3c16d54179" providerId="LiveId" clId="{DAECEB32-C126-44A1-B729-3AADB1682972}" dt="2020-06-17T02:18:06.350" v="1511" actId="20577"/>
+          <ac:spMkLst>
+            <pc:docMk/>
+            <pc:sldMk cId="2582316661" sldId="287"/>
+            <ac:spMk id="15" creationId="{C818B3F3-69A1-4565-9EAF-104558DDDC7F}"/>
+          </ac:spMkLst>
+        </pc:spChg>
+        <pc:spChg chg="add del mod">
+          <ac:chgData name="Fernando C Correa" userId="a08d7f3c16d54179" providerId="LiveId" clId="{DAECEB32-C126-44A1-B729-3AADB1682972}" dt="2020-06-17T02:26:13.430" v="1685" actId="478"/>
+          <ac:spMkLst>
+            <pc:docMk/>
+            <pc:sldMk cId="2582316661" sldId="287"/>
+            <ac:spMk id="16" creationId="{B04DD2A7-5F80-4014-B800-C1E90F6A5FFE}"/>
+          </ac:spMkLst>
+        </pc:spChg>
+        <pc:spChg chg="add mod">
+          <ac:chgData name="Fernando C Correa" userId="a08d7f3c16d54179" providerId="LiveId" clId="{DAECEB32-C126-44A1-B729-3AADB1682972}" dt="2020-06-17T02:26:13.715" v="1686"/>
+          <ac:spMkLst>
+            <pc:docMk/>
+            <pc:sldMk cId="2582316661" sldId="287"/>
+            <ac:spMk id="17" creationId="{114594CB-68F1-49C6-9921-056A0B010C8E}"/>
+          </ac:spMkLst>
+        </pc:spChg>
+        <pc:picChg chg="mod">
+          <ac:chgData name="Fernando C Correa" userId="a08d7f3c16d54179" providerId="LiveId" clId="{DAECEB32-C126-44A1-B729-3AADB1682972}" dt="2020-06-17T01:01:31.102" v="891" actId="1076"/>
+          <ac:picMkLst>
+            <pc:docMk/>
+            <pc:sldMk cId="2582316661" sldId="287"/>
+            <ac:picMk id="4" creationId="{CE59E904-DE2E-44FD-8FAC-39DBA644EE5C}"/>
+          </ac:picMkLst>
+        </pc:picChg>
       </pc:sldChg>
-      <pc:sldChg chg="ord">
-        <pc:chgData name="Fernando C Correa" userId="a08d7f3c16d54179" providerId="LiveId" clId="{DAECEB32-C126-44A1-B729-3AADB1682972}" dt="2020-06-16T20:17:21.930" v="88"/>
+      <pc:sldChg chg="del ord">
+        <pc:chgData name="Fernando C Correa" userId="a08d7f3c16d54179" providerId="LiveId" clId="{DAECEB32-C126-44A1-B729-3AADB1682972}" dt="2020-06-17T01:02:49.942" v="893" actId="47"/>
         <pc:sldMkLst>
           <pc:docMk/>
           <pc:sldMk cId="4264086694" sldId="288"/>
         </pc:sldMkLst>
       </pc:sldChg>
-      <pc:sldChg chg="ord">
-        <pc:chgData name="Fernando C Correa" userId="a08d7f3c16d54179" providerId="LiveId" clId="{DAECEB32-C126-44A1-B729-3AADB1682972}" dt="2020-06-16T20:17:08.568" v="84"/>
+      <pc:sldChg chg="addSp modSp mod ord modAnim">
+        <pc:chgData name="Fernando C Correa" userId="a08d7f3c16d54179" providerId="LiveId" clId="{DAECEB32-C126-44A1-B729-3AADB1682972}" dt="2020-06-17T02:43:04.844" v="1943"/>
         <pc:sldMkLst>
           <pc:docMk/>
           <pc:sldMk cId="1295663715" sldId="289"/>
         </pc:sldMkLst>
+        <pc:spChg chg="mod">
+          <ac:chgData name="Fernando C Correa" userId="a08d7f3c16d54179" providerId="LiveId" clId="{DAECEB32-C126-44A1-B729-3AADB1682972}" dt="2020-06-17T02:34:03.691" v="1771"/>
+          <ac:spMkLst>
+            <pc:docMk/>
+            <pc:sldMk cId="1295663715" sldId="289"/>
+            <ac:spMk id="2" creationId="{00000000-0000-0000-0000-000000000000}"/>
+          </ac:spMkLst>
+        </pc:spChg>
+        <pc:spChg chg="add mod">
+          <ac:chgData name="Fernando C Correa" userId="a08d7f3c16d54179" providerId="LiveId" clId="{DAECEB32-C126-44A1-B729-3AADB1682972}" dt="2020-06-17T02:41:16.250" v="1915"/>
+          <ac:spMkLst>
+            <pc:docMk/>
+            <pc:sldMk cId="1295663715" sldId="289"/>
+            <ac:spMk id="8" creationId="{348AA170-19B8-4A63-90A8-909245589B0D}"/>
+          </ac:spMkLst>
+        </pc:spChg>
+        <pc:spChg chg="add mod">
+          <ac:chgData name="Fernando C Correa" userId="a08d7f3c16d54179" providerId="LiveId" clId="{DAECEB32-C126-44A1-B729-3AADB1682972}" dt="2020-06-17T02:41:29.637" v="1918" actId="14861"/>
+          <ac:spMkLst>
+            <pc:docMk/>
+            <pc:sldMk cId="1295663715" sldId="289"/>
+            <ac:spMk id="9" creationId="{6F8FD17E-2A3E-4994-BB19-C36F5C73DAF1}"/>
+          </ac:spMkLst>
+        </pc:spChg>
+        <pc:spChg chg="add mod">
+          <ac:chgData name="Fernando C Correa" userId="a08d7f3c16d54179" providerId="LiveId" clId="{DAECEB32-C126-44A1-B729-3AADB1682972}" dt="2020-06-17T02:41:16.250" v="1915"/>
+          <ac:spMkLst>
+            <pc:docMk/>
+            <pc:sldMk cId="1295663715" sldId="289"/>
+            <ac:spMk id="15" creationId="{E01DF4B4-465C-4836-823C-8ACF07B4A04E}"/>
+          </ac:spMkLst>
+        </pc:spChg>
+        <pc:spChg chg="add mod">
+          <ac:chgData name="Fernando C Correa" userId="a08d7f3c16d54179" providerId="LiveId" clId="{DAECEB32-C126-44A1-B729-3AADB1682972}" dt="2020-06-17T02:41:16.250" v="1915"/>
+          <ac:spMkLst>
+            <pc:docMk/>
+            <pc:sldMk cId="1295663715" sldId="289"/>
+            <ac:spMk id="16" creationId="{E7C95CF2-0E96-45FD-84F0-F8B4B80A1B9D}"/>
+          </ac:spMkLst>
+        </pc:spChg>
+        <pc:spChg chg="add mod">
+          <ac:chgData name="Fernando C Correa" userId="a08d7f3c16d54179" providerId="LiveId" clId="{DAECEB32-C126-44A1-B729-3AADB1682972}" dt="2020-06-17T02:41:16.250" v="1915"/>
+          <ac:spMkLst>
+            <pc:docMk/>
+            <pc:sldMk cId="1295663715" sldId="289"/>
+            <ac:spMk id="17" creationId="{4761BB05-E8FC-4963-83D4-851EAED86DFA}"/>
+          </ac:spMkLst>
+        </pc:spChg>
+        <pc:spChg chg="add mod">
+          <ac:chgData name="Fernando C Correa" userId="a08d7f3c16d54179" providerId="LiveId" clId="{DAECEB32-C126-44A1-B729-3AADB1682972}" dt="2020-06-17T02:41:37.094" v="1921" actId="1035"/>
+          <ac:spMkLst>
+            <pc:docMk/>
+            <pc:sldMk cId="1295663715" sldId="289"/>
+            <ac:spMk id="18" creationId="{DA8A93A9-B515-40BF-A842-1BA9BACDDF03}"/>
+          </ac:spMkLst>
+        </pc:spChg>
+        <pc:picChg chg="mod">
+          <ac:chgData name="Fernando C Correa" userId="a08d7f3c16d54179" providerId="LiveId" clId="{DAECEB32-C126-44A1-B729-3AADB1682972}" dt="2020-06-17T02:35:39.226" v="1829" actId="1076"/>
+          <ac:picMkLst>
+            <pc:docMk/>
+            <pc:sldMk cId="1295663715" sldId="289"/>
+            <ac:picMk id="11" creationId="{D1E3D129-AEE4-4620-B9D7-636720389400}"/>
+          </ac:picMkLst>
+        </pc:picChg>
       </pc:sldChg>
-      <pc:sldChg chg="addSp delSp modSp mod">
-        <pc:chgData name="Fernando C Correa" userId="a08d7f3c16d54179" providerId="LiveId" clId="{DAECEB32-C126-44A1-B729-3AADB1682972}" dt="2020-06-16T20:51:13.782" v="128" actId="1076"/>
+      <pc:sldChg chg="addSp delSp modSp mod modAnim">
+        <pc:chgData name="Fernando C Correa" userId="a08d7f3c16d54179" providerId="LiveId" clId="{DAECEB32-C126-44A1-B729-3AADB1682972}" dt="2020-06-17T02:31:00.021" v="1747"/>
         <pc:sldMkLst>
           <pc:docMk/>
           <pc:sldMk cId="1001627628" sldId="290"/>
         </pc:sldMkLst>
+        <pc:spChg chg="mod">
+          <ac:chgData name="Fernando C Correa" userId="a08d7f3c16d54179" providerId="LiveId" clId="{DAECEB32-C126-44A1-B729-3AADB1682972}" dt="2020-06-17T02:19:14.312" v="1534" actId="20577"/>
+          <ac:spMkLst>
+            <pc:docMk/>
+            <pc:sldMk cId="1001627628" sldId="290"/>
+            <ac:spMk id="2" creationId="{00000000-0000-0000-0000-000000000000}"/>
+          </ac:spMkLst>
+        </pc:spChg>
+        <pc:spChg chg="add mod">
+          <ac:chgData name="Fernando C Correa" userId="a08d7f3c16d54179" providerId="LiveId" clId="{DAECEB32-C126-44A1-B729-3AADB1682972}" dt="2020-06-17T02:23:21.750" v="1649" actId="14861"/>
+          <ac:spMkLst>
+            <pc:docMk/>
+            <pc:sldMk cId="1001627628" sldId="290"/>
+            <ac:spMk id="16" creationId="{EF23E5A8-6F84-4594-8BB9-57898F4F956C}"/>
+          </ac:spMkLst>
+        </pc:spChg>
+        <pc:spChg chg="add mod">
+          <ac:chgData name="Fernando C Correa" userId="a08d7f3c16d54179" providerId="LiveId" clId="{DAECEB32-C126-44A1-B729-3AADB1682972}" dt="2020-06-17T02:22:47.598" v="1605" actId="1076"/>
+          <ac:spMkLst>
+            <pc:docMk/>
+            <pc:sldMk cId="1001627628" sldId="290"/>
+            <ac:spMk id="17" creationId="{58B8F891-5766-456B-A822-47FAD62143AD}"/>
+          </ac:spMkLst>
+        </pc:spChg>
+        <pc:spChg chg="add mod">
+          <ac:chgData name="Fernando C Correa" userId="a08d7f3c16d54179" providerId="LiveId" clId="{DAECEB32-C126-44A1-B729-3AADB1682972}" dt="2020-06-17T02:22:23.553" v="1601"/>
+          <ac:spMkLst>
+            <pc:docMk/>
+            <pc:sldMk cId="1001627628" sldId="290"/>
+            <ac:spMk id="18" creationId="{E72E18B1-BBBF-45A0-994C-3F38AD146859}"/>
+          </ac:spMkLst>
+        </pc:spChg>
+        <pc:spChg chg="add mod">
+          <ac:chgData name="Fernando C Correa" userId="a08d7f3c16d54179" providerId="LiveId" clId="{DAECEB32-C126-44A1-B729-3AADB1682972}" dt="2020-06-17T02:22:23.553" v="1601"/>
+          <ac:spMkLst>
+            <pc:docMk/>
+            <pc:sldMk cId="1001627628" sldId="290"/>
+            <ac:spMk id="19" creationId="{CA019AD7-4970-43AB-9C11-F7BD91047774}"/>
+          </ac:spMkLst>
+        </pc:spChg>
+        <pc:spChg chg="add del mod">
+          <ac:chgData name="Fernando C Correa" userId="a08d7f3c16d54179" providerId="LiveId" clId="{DAECEB32-C126-44A1-B729-3AADB1682972}" dt="2020-06-17T02:26:25.679" v="1691" actId="478"/>
+          <ac:spMkLst>
+            <pc:docMk/>
+            <pc:sldMk cId="1001627628" sldId="290"/>
+            <ac:spMk id="20" creationId="{80FF1167-5AFF-4BE3-B1C1-D4B299D491F8}"/>
+          </ac:spMkLst>
+        </pc:spChg>
+        <pc:spChg chg="add mod">
+          <ac:chgData name="Fernando C Correa" userId="a08d7f3c16d54179" providerId="LiveId" clId="{DAECEB32-C126-44A1-B729-3AADB1682972}" dt="2020-06-17T02:26:32.360" v="1693" actId="14861"/>
+          <ac:spMkLst>
+            <pc:docMk/>
+            <pc:sldMk cId="1001627628" sldId="290"/>
+            <ac:spMk id="21" creationId="{4FCE83B2-ED4D-4145-A0B8-FA43DCFD9FFE}"/>
+          </ac:spMkLst>
+        </pc:spChg>
+        <pc:grpChg chg="add del mod">
+          <ac:chgData name="Fernando C Correa" userId="a08d7f3c16d54179" providerId="LiveId" clId="{DAECEB32-C126-44A1-B729-3AADB1682972}" dt="2020-06-17T02:20:13.041" v="1553" actId="165"/>
+          <ac:grpSpMkLst>
+            <pc:docMk/>
+            <pc:sldMk cId="1001627628" sldId="290"/>
+            <ac:grpSpMk id="3" creationId="{FE4DA8BA-FBC5-45F0-9417-7339509D2D96}"/>
+          </ac:grpSpMkLst>
+        </pc:grpChg>
+        <pc:grpChg chg="add mod">
+          <ac:chgData name="Fernando C Correa" userId="a08d7f3c16d54179" providerId="LiveId" clId="{DAECEB32-C126-44A1-B729-3AADB1682972}" dt="2020-06-17T02:29:42.855" v="1732" actId="1076"/>
+          <ac:grpSpMkLst>
+            <pc:docMk/>
+            <pc:sldMk cId="1001627628" sldId="290"/>
+            <ac:grpSpMk id="5" creationId="{47A4E389-A66A-4606-888E-8E12D8DD919F}"/>
+          </ac:grpSpMkLst>
+        </pc:grpChg>
         <pc:grpChg chg="del">
           <ac:chgData name="Fernando C Correa" userId="a08d7f3c16d54179" providerId="LiveId" clId="{DAECEB32-C126-44A1-B729-3AADB1682972}" dt="2020-06-16T20:51:12.389" v="127" actId="478"/>
           <ac:grpSpMkLst>
@@ -195,8 +497,8 @@
             <ac:picMk id="3" creationId="{2CEEE7BF-8D17-4379-AAED-E345EDE50F01}"/>
           </ac:picMkLst>
         </pc:picChg>
-        <pc:picChg chg="add mod">
-          <ac:chgData name="Fernando C Correa" userId="a08d7f3c16d54179" providerId="LiveId" clId="{DAECEB32-C126-44A1-B729-3AADB1682972}" dt="2020-06-16T20:49:15.529" v="105" actId="1076"/>
+        <pc:picChg chg="add del mod topLvl">
+          <ac:chgData name="Fernando C Correa" userId="a08d7f3c16d54179" providerId="LiveId" clId="{DAECEB32-C126-44A1-B729-3AADB1682972}" dt="2020-06-17T02:29:21.906" v="1725" actId="478"/>
           <ac:picMkLst>
             <pc:docMk/>
             <pc:sldMk cId="1001627628" sldId="290"/>
@@ -211,24 +513,24 @@
             <ac:picMk id="5" creationId="{57B42D8F-8F08-4DDC-B52B-83270FC6B39C}"/>
           </ac:picMkLst>
         </pc:picChg>
-        <pc:picChg chg="add mod">
-          <ac:chgData name="Fernando C Correa" userId="a08d7f3c16d54179" providerId="LiveId" clId="{DAECEB32-C126-44A1-B729-3AADB1682972}" dt="2020-06-16T20:50:48.877" v="121" actId="1076"/>
+        <pc:picChg chg="add del mod topLvl">
+          <ac:chgData name="Fernando C Correa" userId="a08d7f3c16d54179" providerId="LiveId" clId="{DAECEB32-C126-44A1-B729-3AADB1682972}" dt="2020-06-17T02:29:22.372" v="1726" actId="478"/>
           <ac:picMkLst>
             <pc:docMk/>
             <pc:sldMk cId="1001627628" sldId="290"/>
             <ac:picMk id="6" creationId="{86E18F85-66AB-4286-98CE-080A6189E506}"/>
           </ac:picMkLst>
         </pc:picChg>
-        <pc:picChg chg="add mod">
-          <ac:chgData name="Fernando C Correa" userId="a08d7f3c16d54179" providerId="LiveId" clId="{DAECEB32-C126-44A1-B729-3AADB1682972}" dt="2020-06-16T20:51:13.782" v="128" actId="1076"/>
+        <pc:picChg chg="add del mod topLvl">
+          <ac:chgData name="Fernando C Correa" userId="a08d7f3c16d54179" providerId="LiveId" clId="{DAECEB32-C126-44A1-B729-3AADB1682972}" dt="2020-06-17T02:29:23.430" v="1728" actId="478"/>
           <ac:picMkLst>
             <pc:docMk/>
             <pc:sldMk cId="1001627628" sldId="290"/>
             <ac:picMk id="7" creationId="{639E2F4F-9550-4925-80F7-305D25DF9580}"/>
           </ac:picMkLst>
         </pc:picChg>
-        <pc:picChg chg="topLvl">
-          <ac:chgData name="Fernando C Correa" userId="a08d7f3c16d54179" providerId="LiveId" clId="{DAECEB32-C126-44A1-B729-3AADB1682972}" dt="2020-06-16T20:51:12.389" v="127" actId="478"/>
+        <pc:picChg chg="add del mod topLvl">
+          <ac:chgData name="Fernando C Correa" userId="a08d7f3c16d54179" providerId="LiveId" clId="{DAECEB32-C126-44A1-B729-3AADB1682972}" dt="2020-06-17T02:29:23.034" v="1727" actId="478"/>
           <ac:picMkLst>
             <pc:docMk/>
             <pc:sldMk cId="1001627628" sldId="290"/>
@@ -259,9 +561,41 @@
             <ac:picMk id="18" creationId="{E06E4486-40EB-49C0-BDD4-6308F01F4996}"/>
           </ac:picMkLst>
         </pc:picChg>
+        <pc:picChg chg="add mod">
+          <ac:chgData name="Fernando C Correa" userId="a08d7f3c16d54179" providerId="LiveId" clId="{DAECEB32-C126-44A1-B729-3AADB1682972}" dt="2020-06-17T02:29:34.883" v="1730" actId="164"/>
+          <ac:picMkLst>
+            <pc:docMk/>
+            <pc:sldMk cId="1001627628" sldId="290"/>
+            <ac:picMk id="22" creationId="{8D54C705-47F9-4144-8360-13503B9AABC4}"/>
+          </ac:picMkLst>
+        </pc:picChg>
+        <pc:picChg chg="add mod">
+          <ac:chgData name="Fernando C Correa" userId="a08d7f3c16d54179" providerId="LiveId" clId="{DAECEB32-C126-44A1-B729-3AADB1682972}" dt="2020-06-17T02:29:34.883" v="1730" actId="164"/>
+          <ac:picMkLst>
+            <pc:docMk/>
+            <pc:sldMk cId="1001627628" sldId="290"/>
+            <ac:picMk id="23" creationId="{5A516734-AEA0-4764-B0B6-A4E4D46DFBF7}"/>
+          </ac:picMkLst>
+        </pc:picChg>
+        <pc:picChg chg="add mod">
+          <ac:chgData name="Fernando C Correa" userId="a08d7f3c16d54179" providerId="LiveId" clId="{DAECEB32-C126-44A1-B729-3AADB1682972}" dt="2020-06-17T02:29:34.883" v="1730" actId="164"/>
+          <ac:picMkLst>
+            <pc:docMk/>
+            <pc:sldMk cId="1001627628" sldId="290"/>
+            <ac:picMk id="24" creationId="{D36C2A91-41AB-42D7-B966-BD1F43686DCE}"/>
+          </ac:picMkLst>
+        </pc:picChg>
+        <pc:picChg chg="add mod">
+          <ac:chgData name="Fernando C Correa" userId="a08d7f3c16d54179" providerId="LiveId" clId="{DAECEB32-C126-44A1-B729-3AADB1682972}" dt="2020-06-17T02:29:34.883" v="1730" actId="164"/>
+          <ac:picMkLst>
+            <pc:docMk/>
+            <pc:sldMk cId="1001627628" sldId="290"/>
+            <ac:picMk id="25" creationId="{092F571E-673D-4044-9922-F99EF299C1E8}"/>
+          </ac:picMkLst>
+        </pc:picChg>
       </pc:sldChg>
-      <pc:sldChg chg="addSp delSp modSp mod">
-        <pc:chgData name="Fernando C Correa" userId="a08d7f3c16d54179" providerId="LiveId" clId="{DAECEB32-C126-44A1-B729-3AADB1682972}" dt="2020-06-16T20:15:12.102" v="77" actId="1076"/>
+      <pc:sldChg chg="addSp delSp modSp del mod">
+        <pc:chgData name="Fernando C Correa" userId="a08d7f3c16d54179" providerId="LiveId" clId="{DAECEB32-C126-44A1-B729-3AADB1682972}" dt="2020-06-17T01:02:48.552" v="892" actId="47"/>
         <pc:sldMkLst>
           <pc:docMk/>
           <pc:sldMk cId="1034810671" sldId="291"/>
@@ -283,21 +617,277 @@
           </ac:picMkLst>
         </pc:picChg>
       </pc:sldChg>
-      <pc:sldChg chg="ord">
-        <pc:chgData name="Fernando C Correa" userId="a08d7f3c16d54179" providerId="LiveId" clId="{DAECEB32-C126-44A1-B729-3AADB1682972}" dt="2020-06-16T21:44:13.447" v="144"/>
+      <pc:sldChg chg="addSp delSp modSp mod ord modAnim">
+        <pc:chgData name="Fernando C Correa" userId="a08d7f3c16d54179" providerId="LiveId" clId="{DAECEB32-C126-44A1-B729-3AADB1682972}" dt="2020-06-17T02:43:38.305" v="1946" actId="1035"/>
         <pc:sldMkLst>
           <pc:docMk/>
           <pc:sldMk cId="1133719789" sldId="292"/>
         </pc:sldMkLst>
+        <pc:spChg chg="mod">
+          <ac:chgData name="Fernando C Correa" userId="a08d7f3c16d54179" providerId="LiveId" clId="{DAECEB32-C126-44A1-B729-3AADB1682972}" dt="2020-06-17T01:49:48.265" v="1339" actId="20577"/>
+          <ac:spMkLst>
+            <pc:docMk/>
+            <pc:sldMk cId="1133719789" sldId="292"/>
+            <ac:spMk id="2" creationId="{00000000-0000-0000-0000-000000000000}"/>
+          </ac:spMkLst>
+        </pc:spChg>
+        <pc:spChg chg="add del mod">
+          <ac:chgData name="Fernando C Correa" userId="a08d7f3c16d54179" providerId="LiveId" clId="{DAECEB32-C126-44A1-B729-3AADB1682972}" dt="2020-06-17T01:44:03.929" v="1273" actId="478"/>
+          <ac:spMkLst>
+            <pc:docMk/>
+            <pc:sldMk cId="1133719789" sldId="292"/>
+            <ac:spMk id="8" creationId="{100D0501-C208-4D52-BB83-B46B58A14494}"/>
+          </ac:spMkLst>
+        </pc:spChg>
+        <pc:spChg chg="add del mod">
+          <ac:chgData name="Fernando C Correa" userId="a08d7f3c16d54179" providerId="LiveId" clId="{DAECEB32-C126-44A1-B729-3AADB1682972}" dt="2020-06-17T01:44:02.352" v="1272" actId="478"/>
+          <ac:spMkLst>
+            <pc:docMk/>
+            <pc:sldMk cId="1133719789" sldId="292"/>
+            <ac:spMk id="11" creationId="{1FB947FA-E56F-405D-8DE0-4B99C927F88B}"/>
+          </ac:spMkLst>
+        </pc:spChg>
+        <pc:spChg chg="add del mod">
+          <ac:chgData name="Fernando C Correa" userId="a08d7f3c16d54179" providerId="LiveId" clId="{DAECEB32-C126-44A1-B729-3AADB1682972}" dt="2020-06-17T01:55:16.131" v="1421" actId="478"/>
+          <ac:spMkLst>
+            <pc:docMk/>
+            <pc:sldMk cId="1133719789" sldId="292"/>
+            <ac:spMk id="15" creationId="{50862E59-0086-484E-A27F-F905223CB386}"/>
+          </ac:spMkLst>
+        </pc:spChg>
+        <pc:spChg chg="add del mod">
+          <ac:chgData name="Fernando C Correa" userId="a08d7f3c16d54179" providerId="LiveId" clId="{DAECEB32-C126-44A1-B729-3AADB1682972}" dt="2020-06-17T01:55:16.131" v="1421" actId="478"/>
+          <ac:spMkLst>
+            <pc:docMk/>
+            <pc:sldMk cId="1133719789" sldId="292"/>
+            <ac:spMk id="16" creationId="{8546C8D4-D84C-48A5-947E-91047C3D05E2}"/>
+          </ac:spMkLst>
+        </pc:spChg>
+        <pc:spChg chg="add del mod">
+          <ac:chgData name="Fernando C Correa" userId="a08d7f3c16d54179" providerId="LiveId" clId="{DAECEB32-C126-44A1-B729-3AADB1682972}" dt="2020-06-17T01:55:16.131" v="1421" actId="478"/>
+          <ac:spMkLst>
+            <pc:docMk/>
+            <pc:sldMk cId="1133719789" sldId="292"/>
+            <ac:spMk id="17" creationId="{73A57A06-BDA0-4028-8162-698A21C1C005}"/>
+          </ac:spMkLst>
+        </pc:spChg>
+        <pc:spChg chg="add del mod">
+          <ac:chgData name="Fernando C Correa" userId="a08d7f3c16d54179" providerId="LiveId" clId="{DAECEB32-C126-44A1-B729-3AADB1682972}" dt="2020-06-17T01:55:16.131" v="1421" actId="478"/>
+          <ac:spMkLst>
+            <pc:docMk/>
+            <pc:sldMk cId="1133719789" sldId="292"/>
+            <ac:spMk id="18" creationId="{BF6C8972-DEAF-42C3-8508-D54305EC0DFD}"/>
+          </ac:spMkLst>
+        </pc:spChg>
+        <pc:spChg chg="add del mod">
+          <ac:chgData name="Fernando C Correa" userId="a08d7f3c16d54179" providerId="LiveId" clId="{DAECEB32-C126-44A1-B729-3AADB1682972}" dt="2020-06-17T01:55:16.131" v="1421" actId="478"/>
+          <ac:spMkLst>
+            <pc:docMk/>
+            <pc:sldMk cId="1133719789" sldId="292"/>
+            <ac:spMk id="19" creationId="{AFC76C44-5525-412A-816B-37810D290FE1}"/>
+          </ac:spMkLst>
+        </pc:spChg>
+        <pc:spChg chg="add del mod">
+          <ac:chgData name="Fernando C Correa" userId="a08d7f3c16d54179" providerId="LiveId" clId="{DAECEB32-C126-44A1-B729-3AADB1682972}" dt="2020-06-17T01:56:15.226" v="1435" actId="478"/>
+          <ac:spMkLst>
+            <pc:docMk/>
+            <pc:sldMk cId="1133719789" sldId="292"/>
+            <ac:spMk id="20" creationId="{1876AF6B-8771-40DE-8BF7-81BE0607CF31}"/>
+          </ac:spMkLst>
+        </pc:spChg>
+        <pc:spChg chg="add del mod">
+          <ac:chgData name="Fernando C Correa" userId="a08d7f3c16d54179" providerId="LiveId" clId="{DAECEB32-C126-44A1-B729-3AADB1682972}" dt="2020-06-17T02:31:50.431" v="1753" actId="478"/>
+          <ac:spMkLst>
+            <pc:docMk/>
+            <pc:sldMk cId="1133719789" sldId="292"/>
+            <ac:spMk id="21" creationId="{6EFC9E13-B947-42F3-8559-58B8161D1524}"/>
+          </ac:spMkLst>
+        </pc:spChg>
+        <pc:spChg chg="add del mod">
+          <ac:chgData name="Fernando C Correa" userId="a08d7f3c16d54179" providerId="LiveId" clId="{DAECEB32-C126-44A1-B729-3AADB1682972}" dt="2020-06-17T02:31:50.431" v="1753" actId="478"/>
+          <ac:spMkLst>
+            <pc:docMk/>
+            <pc:sldMk cId="1133719789" sldId="292"/>
+            <ac:spMk id="22" creationId="{EFFA5066-FBB3-414A-A52E-C81A93761281}"/>
+          </ac:spMkLst>
+        </pc:spChg>
+        <pc:spChg chg="add del mod">
+          <ac:chgData name="Fernando C Correa" userId="a08d7f3c16d54179" providerId="LiveId" clId="{DAECEB32-C126-44A1-B729-3AADB1682972}" dt="2020-06-17T02:31:50.431" v="1753" actId="478"/>
+          <ac:spMkLst>
+            <pc:docMk/>
+            <pc:sldMk cId="1133719789" sldId="292"/>
+            <ac:spMk id="23" creationId="{EE9FF0B2-227B-4C64-BE5D-15D40D11178F}"/>
+          </ac:spMkLst>
+        </pc:spChg>
+        <pc:spChg chg="add del mod">
+          <ac:chgData name="Fernando C Correa" userId="a08d7f3c16d54179" providerId="LiveId" clId="{DAECEB32-C126-44A1-B729-3AADB1682972}" dt="2020-06-17T02:31:50.431" v="1753" actId="478"/>
+          <ac:spMkLst>
+            <pc:docMk/>
+            <pc:sldMk cId="1133719789" sldId="292"/>
+            <ac:spMk id="24" creationId="{893C28A0-AA48-4E7C-808E-AA077E296288}"/>
+          </ac:spMkLst>
+        </pc:spChg>
+        <pc:spChg chg="add del mod">
+          <ac:chgData name="Fernando C Correa" userId="a08d7f3c16d54179" providerId="LiveId" clId="{DAECEB32-C126-44A1-B729-3AADB1682972}" dt="2020-06-17T02:41:01.220" v="1904" actId="478"/>
+          <ac:spMkLst>
+            <pc:docMk/>
+            <pc:sldMk cId="1133719789" sldId="292"/>
+            <ac:spMk id="25" creationId="{5C37E21A-99CB-45C8-956C-1E5511212340}"/>
+          </ac:spMkLst>
+        </pc:spChg>
+        <pc:spChg chg="add del mod">
+          <ac:chgData name="Fernando C Correa" userId="a08d7f3c16d54179" providerId="LiveId" clId="{DAECEB32-C126-44A1-B729-3AADB1682972}" dt="2020-06-17T02:41:02.234" v="1905" actId="478"/>
+          <ac:spMkLst>
+            <pc:docMk/>
+            <pc:sldMk cId="1133719789" sldId="292"/>
+            <ac:spMk id="26" creationId="{1DAF1F2A-44B2-4A58-BAEC-E89D274D2CA7}"/>
+          </ac:spMkLst>
+        </pc:spChg>
+        <pc:spChg chg="add del mod">
+          <ac:chgData name="Fernando C Correa" userId="a08d7f3c16d54179" providerId="LiveId" clId="{DAECEB32-C126-44A1-B729-3AADB1682972}" dt="2020-06-17T02:41:03.214" v="1906" actId="478"/>
+          <ac:spMkLst>
+            <pc:docMk/>
+            <pc:sldMk cId="1133719789" sldId="292"/>
+            <ac:spMk id="27" creationId="{95C6FE59-418B-4261-BD26-EBEAE75B9167}"/>
+          </ac:spMkLst>
+        </pc:spChg>
+        <pc:spChg chg="add del mod">
+          <ac:chgData name="Fernando C Correa" userId="a08d7f3c16d54179" providerId="LiveId" clId="{DAECEB32-C126-44A1-B729-3AADB1682972}" dt="2020-06-17T02:41:05.470" v="1907" actId="478"/>
+          <ac:spMkLst>
+            <pc:docMk/>
+            <pc:sldMk cId="1133719789" sldId="292"/>
+            <ac:spMk id="28" creationId="{051E44C7-2E46-4AE6-B2D3-B3A74AAB0BE3}"/>
+          </ac:spMkLst>
+        </pc:spChg>
+        <pc:spChg chg="add mod">
+          <ac:chgData name="Fernando C Correa" userId="a08d7f3c16d54179" providerId="LiveId" clId="{DAECEB32-C126-44A1-B729-3AADB1682972}" dt="2020-06-17T02:41:06.395" v="1908"/>
+          <ac:spMkLst>
+            <pc:docMk/>
+            <pc:sldMk cId="1133719789" sldId="292"/>
+            <ac:spMk id="29" creationId="{A1657144-AF5E-408F-9E61-BD940D345385}"/>
+          </ac:spMkLst>
+        </pc:spChg>
+        <pc:spChg chg="add mod">
+          <ac:chgData name="Fernando C Correa" userId="a08d7f3c16d54179" providerId="LiveId" clId="{DAECEB32-C126-44A1-B729-3AADB1682972}" dt="2020-06-17T02:42:19.724" v="1937" actId="14861"/>
+          <ac:spMkLst>
+            <pc:docMk/>
+            <pc:sldMk cId="1133719789" sldId="292"/>
+            <ac:spMk id="30" creationId="{050664DE-319C-4C8E-B8DF-C970A34688B9}"/>
+          </ac:spMkLst>
+        </pc:spChg>
+        <pc:spChg chg="add mod">
+          <ac:chgData name="Fernando C Correa" userId="a08d7f3c16d54179" providerId="LiveId" clId="{DAECEB32-C126-44A1-B729-3AADB1682972}" dt="2020-06-17T02:43:38.305" v="1946" actId="1035"/>
+          <ac:spMkLst>
+            <pc:docMk/>
+            <pc:sldMk cId="1133719789" sldId="292"/>
+            <ac:spMk id="31" creationId="{76319E44-84CF-41F9-8A19-12D147AA52B8}"/>
+          </ac:spMkLst>
+        </pc:spChg>
+        <pc:spChg chg="add mod">
+          <ac:chgData name="Fernando C Correa" userId="a08d7f3c16d54179" providerId="LiveId" clId="{DAECEB32-C126-44A1-B729-3AADB1682972}" dt="2020-06-17T02:41:06.395" v="1908"/>
+          <ac:spMkLst>
+            <pc:docMk/>
+            <pc:sldMk cId="1133719789" sldId="292"/>
+            <ac:spMk id="32" creationId="{1B683343-351F-4A9A-A7FA-3CDF6D0F1804}"/>
+          </ac:spMkLst>
+        </pc:spChg>
+        <pc:spChg chg="add mod">
+          <ac:chgData name="Fernando C Correa" userId="a08d7f3c16d54179" providerId="LiveId" clId="{DAECEB32-C126-44A1-B729-3AADB1682972}" dt="2020-06-17T02:41:06.395" v="1908"/>
+          <ac:spMkLst>
+            <pc:docMk/>
+            <pc:sldMk cId="1133719789" sldId="292"/>
+            <ac:spMk id="33" creationId="{7A61C4D9-9EF7-4FA7-96B3-518920507396}"/>
+          </ac:spMkLst>
+        </pc:spChg>
+        <pc:spChg chg="add mod">
+          <ac:chgData name="Fernando C Correa" userId="a08d7f3c16d54179" providerId="LiveId" clId="{DAECEB32-C126-44A1-B729-3AADB1682972}" dt="2020-06-17T02:41:06.395" v="1908"/>
+          <ac:spMkLst>
+            <pc:docMk/>
+            <pc:sldMk cId="1133719789" sldId="292"/>
+            <ac:spMk id="34" creationId="{5E51E72A-94AB-4D54-9578-8E482782613D}"/>
+          </ac:spMkLst>
+        </pc:spChg>
+        <pc:picChg chg="mod">
+          <ac:chgData name="Fernando C Correa" userId="a08d7f3c16d54179" providerId="LiveId" clId="{DAECEB32-C126-44A1-B729-3AADB1682972}" dt="2020-06-17T02:35:25.486" v="1826" actId="1076"/>
+          <ac:picMkLst>
+            <pc:docMk/>
+            <pc:sldMk cId="1133719789" sldId="292"/>
+            <ac:picMk id="9" creationId="{1F8FFC06-1BCE-4133-BFC4-47909DC42705}"/>
+          </ac:picMkLst>
+        </pc:picChg>
       </pc:sldChg>
-      <pc:sldChg chg="modSp mod">
-        <pc:chgData name="Fernando C Correa" userId="a08d7f3c16d54179" providerId="LiveId" clId="{DAECEB32-C126-44A1-B729-3AADB1682972}" dt="2020-06-16T19:52:42.001" v="66" actId="1076"/>
+      <pc:sldChg chg="addSp delSp modSp mod modAnim">
+        <pc:chgData name="Fernando C Correa" userId="a08d7f3c16d54179" providerId="LiveId" clId="{DAECEB32-C126-44A1-B729-3AADB1682972}" dt="2020-06-17T02:42:40.166" v="1940"/>
         <pc:sldMkLst>
           <pc:docMk/>
           <pc:sldMk cId="3697814180" sldId="294"/>
         </pc:sldMkLst>
-        <pc:picChg chg="mod">
-          <ac:chgData name="Fernando C Correa" userId="a08d7f3c16d54179" providerId="LiveId" clId="{DAECEB32-C126-44A1-B729-3AADB1682972}" dt="2020-06-16T19:52:42.001" v="66" actId="1076"/>
+        <pc:spChg chg="mod">
+          <ac:chgData name="Fernando C Correa" userId="a08d7f3c16d54179" providerId="LiveId" clId="{DAECEB32-C126-44A1-B729-3AADB1682972}" dt="2020-06-17T02:34:01.009" v="1770"/>
+          <ac:spMkLst>
+            <pc:docMk/>
+            <pc:sldMk cId="3697814180" sldId="294"/>
+            <ac:spMk id="2" creationId="{00000000-0000-0000-0000-000000000000}"/>
+          </ac:spMkLst>
+        </pc:spChg>
+        <pc:spChg chg="add mod">
+          <ac:chgData name="Fernando C Correa" userId="a08d7f3c16d54179" providerId="LiveId" clId="{DAECEB32-C126-44A1-B729-3AADB1682972}" dt="2020-06-17T02:41:14.551" v="1914"/>
+          <ac:spMkLst>
+            <pc:docMk/>
+            <pc:sldMk cId="3697814180" sldId="294"/>
+            <ac:spMk id="11" creationId="{8EDF2009-2F02-48C7-BDA7-12762DFBACAD}"/>
+          </ac:spMkLst>
+        </pc:spChg>
+        <pc:spChg chg="add mod">
+          <ac:chgData name="Fernando C Correa" userId="a08d7f3c16d54179" providerId="LiveId" clId="{DAECEB32-C126-44A1-B729-3AADB1682972}" dt="2020-06-17T02:41:42.753" v="1923" actId="14861"/>
+          <ac:spMkLst>
+            <pc:docMk/>
+            <pc:sldMk cId="3697814180" sldId="294"/>
+            <ac:spMk id="15" creationId="{09C80A9F-46E9-4D57-BC1B-12B5ACE33AC8}"/>
+          </ac:spMkLst>
+        </pc:spChg>
+        <pc:spChg chg="add mod">
+          <ac:chgData name="Fernando C Correa" userId="a08d7f3c16d54179" providerId="LiveId" clId="{DAECEB32-C126-44A1-B729-3AADB1682972}" dt="2020-06-17T02:41:14.551" v="1914"/>
+          <ac:spMkLst>
+            <pc:docMk/>
+            <pc:sldMk cId="3697814180" sldId="294"/>
+            <ac:spMk id="16" creationId="{5A45E2C7-6875-4531-89AC-DFCCC35DF660}"/>
+          </ac:spMkLst>
+        </pc:spChg>
+        <pc:spChg chg="add mod">
+          <ac:chgData name="Fernando C Correa" userId="a08d7f3c16d54179" providerId="LiveId" clId="{DAECEB32-C126-44A1-B729-3AADB1682972}" dt="2020-06-17T02:41:14.551" v="1914"/>
+          <ac:spMkLst>
+            <pc:docMk/>
+            <pc:sldMk cId="3697814180" sldId="294"/>
+            <ac:spMk id="17" creationId="{901B5BC6-D638-4BE0-B37B-1A203C864D2E}"/>
+          </ac:spMkLst>
+        </pc:spChg>
+        <pc:spChg chg="add mod">
+          <ac:chgData name="Fernando C Correa" userId="a08d7f3c16d54179" providerId="LiveId" clId="{DAECEB32-C126-44A1-B729-3AADB1682972}" dt="2020-06-17T02:41:50.945" v="1926" actId="1035"/>
+          <ac:spMkLst>
+            <pc:docMk/>
+            <pc:sldMk cId="3697814180" sldId="294"/>
+            <ac:spMk id="18" creationId="{28727A08-76AD-4CC1-81E1-A9E265979E09}"/>
+          </ac:spMkLst>
+        </pc:spChg>
+        <pc:spChg chg="add mod">
+          <ac:chgData name="Fernando C Correa" userId="a08d7f3c16d54179" providerId="LiveId" clId="{DAECEB32-C126-44A1-B729-3AADB1682972}" dt="2020-06-17T02:41:14.551" v="1914"/>
+          <ac:spMkLst>
+            <pc:docMk/>
+            <pc:sldMk cId="3697814180" sldId="294"/>
+            <ac:spMk id="19" creationId="{780807C2-BAF7-460E-A962-492C349F6F41}"/>
+          </ac:spMkLst>
+        </pc:spChg>
+        <pc:picChg chg="add mod">
+          <ac:chgData name="Fernando C Correa" userId="a08d7f3c16d54179" providerId="LiveId" clId="{DAECEB32-C126-44A1-B729-3AADB1682972}" dt="2020-06-17T02:35:35.789" v="1828" actId="1076"/>
+          <ac:picMkLst>
+            <pc:docMk/>
+            <pc:sldMk cId="3697814180" sldId="294"/>
+            <ac:picMk id="4" creationId="{21FC4F3E-E211-47D7-8ACC-E0A2CA159B1A}"/>
+          </ac:picMkLst>
+        </pc:picChg>
+        <pc:picChg chg="del mod">
+          <ac:chgData name="Fernando C Correa" userId="a08d7f3c16d54179" providerId="LiveId" clId="{DAECEB32-C126-44A1-B729-3AADB1682972}" dt="2020-06-17T00:37:45.756" v="760" actId="478"/>
           <ac:picMkLst>
             <pc:docMk/>
             <pc:sldMk cId="3697814180" sldId="294"/>
@@ -305,27 +895,355 @@
           </ac:picMkLst>
         </pc:picChg>
       </pc:sldChg>
-      <pc:sldChg chg="modSp mod">
-        <pc:chgData name="Fernando C Correa" userId="a08d7f3c16d54179" providerId="LiveId" clId="{DAECEB32-C126-44A1-B729-3AADB1682972}" dt="2020-06-16T20:28:57.933" v="89" actId="20577"/>
+      <pc:sldChg chg="addSp delSp modSp mod modAnim">
+        <pc:chgData name="Fernando C Correa" userId="a08d7f3c16d54179" providerId="LiveId" clId="{DAECEB32-C126-44A1-B729-3AADB1682972}" dt="2020-06-17T02:42:05.025" v="1932" actId="1035"/>
         <pc:sldMkLst>
           <pc:docMk/>
           <pc:sldMk cId="244390866" sldId="295"/>
         </pc:sldMkLst>
         <pc:spChg chg="mod">
-          <ac:chgData name="Fernando C Correa" userId="a08d7f3c16d54179" providerId="LiveId" clId="{DAECEB32-C126-44A1-B729-3AADB1682972}" dt="2020-06-16T20:28:57.933" v="89" actId="20577"/>
+          <ac:chgData name="Fernando C Correa" userId="a08d7f3c16d54179" providerId="LiveId" clId="{DAECEB32-C126-44A1-B729-3AADB1682972}" dt="2020-06-17T01:49:52.169" v="1352" actId="20577"/>
           <ac:spMkLst>
             <pc:docMk/>
             <pc:sldMk cId="244390866" sldId="295"/>
             <ac:spMk id="2" creationId="{00000000-0000-0000-0000-000000000000}"/>
           </ac:spMkLst>
         </pc:spChg>
+        <pc:spChg chg="add del mod">
+          <ac:chgData name="Fernando C Correa" userId="a08d7f3c16d54179" providerId="LiveId" clId="{DAECEB32-C126-44A1-B729-3AADB1682972}" dt="2020-06-17T01:44:12.983" v="1296" actId="478"/>
+          <ac:spMkLst>
+            <pc:docMk/>
+            <pc:sldMk cId="244390866" sldId="295"/>
+            <ac:spMk id="15" creationId="{70D321B4-DD15-44BF-A39D-2BDBDAF4905E}"/>
+          </ac:spMkLst>
+        </pc:spChg>
+        <pc:spChg chg="add del mod">
+          <ac:chgData name="Fernando C Correa" userId="a08d7f3c16d54179" providerId="LiveId" clId="{DAECEB32-C126-44A1-B729-3AADB1682972}" dt="2020-06-17T01:44:12.983" v="1296" actId="478"/>
+          <ac:spMkLst>
+            <pc:docMk/>
+            <pc:sldMk cId="244390866" sldId="295"/>
+            <ac:spMk id="16" creationId="{1C108D5C-3A5E-4C73-90AC-E2101F00C505}"/>
+          </ac:spMkLst>
+        </pc:spChg>
+        <pc:spChg chg="add del mod">
+          <ac:chgData name="Fernando C Correa" userId="a08d7f3c16d54179" providerId="LiveId" clId="{DAECEB32-C126-44A1-B729-3AADB1682972}" dt="2020-06-17T01:55:18.773" v="1423" actId="478"/>
+          <ac:spMkLst>
+            <pc:docMk/>
+            <pc:sldMk cId="244390866" sldId="295"/>
+            <ac:spMk id="17" creationId="{707431A0-847E-41C2-AB78-3E392D9B4000}"/>
+          </ac:spMkLst>
+        </pc:spChg>
+        <pc:spChg chg="add del mod">
+          <ac:chgData name="Fernando C Correa" userId="a08d7f3c16d54179" providerId="LiveId" clId="{DAECEB32-C126-44A1-B729-3AADB1682972}" dt="2020-06-17T01:55:18.773" v="1423" actId="478"/>
+          <ac:spMkLst>
+            <pc:docMk/>
+            <pc:sldMk cId="244390866" sldId="295"/>
+            <ac:spMk id="18" creationId="{A26D93EB-807A-4DCC-A4E7-7F86FCA8E558}"/>
+          </ac:spMkLst>
+        </pc:spChg>
+        <pc:spChg chg="add del mod">
+          <ac:chgData name="Fernando C Correa" userId="a08d7f3c16d54179" providerId="LiveId" clId="{DAECEB32-C126-44A1-B729-3AADB1682972}" dt="2020-06-17T01:55:18.773" v="1423" actId="478"/>
+          <ac:spMkLst>
+            <pc:docMk/>
+            <pc:sldMk cId="244390866" sldId="295"/>
+            <ac:spMk id="19" creationId="{DD0828F4-8D8B-40CA-96F0-C63275AC5D34}"/>
+          </ac:spMkLst>
+        </pc:spChg>
+        <pc:spChg chg="add del mod">
+          <ac:chgData name="Fernando C Correa" userId="a08d7f3c16d54179" providerId="LiveId" clId="{DAECEB32-C126-44A1-B729-3AADB1682972}" dt="2020-06-17T01:55:18.773" v="1423" actId="478"/>
+          <ac:spMkLst>
+            <pc:docMk/>
+            <pc:sldMk cId="244390866" sldId="295"/>
+            <ac:spMk id="20" creationId="{0EFA3667-3B3F-4A48-8B3A-D37DD984E665}"/>
+          </ac:spMkLst>
+        </pc:spChg>
+        <pc:spChg chg="add del mod">
+          <ac:chgData name="Fernando C Correa" userId="a08d7f3c16d54179" providerId="LiveId" clId="{DAECEB32-C126-44A1-B729-3AADB1682972}" dt="2020-06-17T01:55:18.773" v="1423" actId="478"/>
+          <ac:spMkLst>
+            <pc:docMk/>
+            <pc:sldMk cId="244390866" sldId="295"/>
+            <ac:spMk id="21" creationId="{00CCE6D4-733D-4217-A027-5F2EC497C697}"/>
+          </ac:spMkLst>
+        </pc:spChg>
+        <pc:spChg chg="add del mod">
+          <ac:chgData name="Fernando C Correa" userId="a08d7f3c16d54179" providerId="LiveId" clId="{DAECEB32-C126-44A1-B729-3AADB1682972}" dt="2020-06-17T01:55:24.466" v="1425" actId="478"/>
+          <ac:spMkLst>
+            <pc:docMk/>
+            <pc:sldMk cId="244390866" sldId="295"/>
+            <ac:spMk id="22" creationId="{5E86E159-B072-4751-B493-D514DEB68E84}"/>
+          </ac:spMkLst>
+        </pc:spChg>
+        <pc:spChg chg="add del mod">
+          <ac:chgData name="Fernando C Correa" userId="a08d7f3c16d54179" providerId="LiveId" clId="{DAECEB32-C126-44A1-B729-3AADB1682972}" dt="2020-06-17T02:31:45.503" v="1752" actId="478"/>
+          <ac:spMkLst>
+            <pc:docMk/>
+            <pc:sldMk cId="244390866" sldId="295"/>
+            <ac:spMk id="23" creationId="{51EA033F-DC27-469C-A87E-F289087CCF2D}"/>
+          </ac:spMkLst>
+        </pc:spChg>
+        <pc:spChg chg="add del mod">
+          <ac:chgData name="Fernando C Correa" userId="a08d7f3c16d54179" providerId="LiveId" clId="{DAECEB32-C126-44A1-B729-3AADB1682972}" dt="2020-06-17T02:31:45.503" v="1752" actId="478"/>
+          <ac:spMkLst>
+            <pc:docMk/>
+            <pc:sldMk cId="244390866" sldId="295"/>
+            <ac:spMk id="24" creationId="{80E36AE2-0903-49A2-962B-BDFBAAAD9054}"/>
+          </ac:spMkLst>
+        </pc:spChg>
+        <pc:spChg chg="add del mod">
+          <ac:chgData name="Fernando C Correa" userId="a08d7f3c16d54179" providerId="LiveId" clId="{DAECEB32-C126-44A1-B729-3AADB1682972}" dt="2020-06-17T02:31:45.503" v="1752" actId="478"/>
+          <ac:spMkLst>
+            <pc:docMk/>
+            <pc:sldMk cId="244390866" sldId="295"/>
+            <ac:spMk id="25" creationId="{A0F7CDE4-CA4A-4670-B2DB-68DAD25BF45C}"/>
+          </ac:spMkLst>
+        </pc:spChg>
+        <pc:spChg chg="add del mod">
+          <ac:chgData name="Fernando C Correa" userId="a08d7f3c16d54179" providerId="LiveId" clId="{DAECEB32-C126-44A1-B729-3AADB1682972}" dt="2020-06-17T02:31:45.503" v="1752" actId="478"/>
+          <ac:spMkLst>
+            <pc:docMk/>
+            <pc:sldMk cId="244390866" sldId="295"/>
+            <ac:spMk id="26" creationId="{E61F3BF5-5141-4F12-A484-8F7765709D2B}"/>
+          </ac:spMkLst>
+        </pc:spChg>
+        <pc:spChg chg="add del mod">
+          <ac:chgData name="Fernando C Correa" userId="a08d7f3c16d54179" providerId="LiveId" clId="{DAECEB32-C126-44A1-B729-3AADB1682972}" dt="2020-06-17T02:41:08.987" v="1909" actId="478"/>
+          <ac:spMkLst>
+            <pc:docMk/>
+            <pc:sldMk cId="244390866" sldId="295"/>
+            <ac:spMk id="27" creationId="{2924F776-B2F4-43F3-B0B8-39EE2F0130D6}"/>
+          </ac:spMkLst>
+        </pc:spChg>
+        <pc:spChg chg="add del mod">
+          <ac:chgData name="Fernando C Correa" userId="a08d7f3c16d54179" providerId="LiveId" clId="{DAECEB32-C126-44A1-B729-3AADB1682972}" dt="2020-06-17T02:41:10.007" v="1910" actId="478"/>
+          <ac:spMkLst>
+            <pc:docMk/>
+            <pc:sldMk cId="244390866" sldId="295"/>
+            <ac:spMk id="28" creationId="{CA6D821E-ACBA-4143-961E-75E1FBBAD60A}"/>
+          </ac:spMkLst>
+        </pc:spChg>
+        <pc:spChg chg="add del mod">
+          <ac:chgData name="Fernando C Correa" userId="a08d7f3c16d54179" providerId="LiveId" clId="{DAECEB32-C126-44A1-B729-3AADB1682972}" dt="2020-06-17T02:41:10.586" v="1911" actId="478"/>
+          <ac:spMkLst>
+            <pc:docMk/>
+            <pc:sldMk cId="244390866" sldId="295"/>
+            <ac:spMk id="29" creationId="{FD8E68AD-9AF8-410D-8361-93980EF26B7F}"/>
+          </ac:spMkLst>
+        </pc:spChg>
+        <pc:spChg chg="add del mod">
+          <ac:chgData name="Fernando C Correa" userId="a08d7f3c16d54179" providerId="LiveId" clId="{DAECEB32-C126-44A1-B729-3AADB1682972}" dt="2020-06-17T02:41:11.183" v="1912" actId="478"/>
+          <ac:spMkLst>
+            <pc:docMk/>
+            <pc:sldMk cId="244390866" sldId="295"/>
+            <ac:spMk id="30" creationId="{E253C523-CBF3-4C51-990A-833754FDDBC6}"/>
+          </ac:spMkLst>
+        </pc:spChg>
+        <pc:spChg chg="add mod">
+          <ac:chgData name="Fernando C Correa" userId="a08d7f3c16d54179" providerId="LiveId" clId="{DAECEB32-C126-44A1-B729-3AADB1682972}" dt="2020-06-17T02:41:12.113" v="1913"/>
+          <ac:spMkLst>
+            <pc:docMk/>
+            <pc:sldMk cId="244390866" sldId="295"/>
+            <ac:spMk id="31" creationId="{D60C8166-18CD-4C69-AF27-80CD76588BF4}"/>
+          </ac:spMkLst>
+        </pc:spChg>
+        <pc:spChg chg="add mod">
+          <ac:chgData name="Fernando C Correa" userId="a08d7f3c16d54179" providerId="LiveId" clId="{DAECEB32-C126-44A1-B729-3AADB1682972}" dt="2020-06-17T02:41:57.683" v="1929" actId="1036"/>
+          <ac:spMkLst>
+            <pc:docMk/>
+            <pc:sldMk cId="244390866" sldId="295"/>
+            <ac:spMk id="32" creationId="{93397BB8-2445-4308-B20F-E71B9D0C130D}"/>
+          </ac:spMkLst>
+        </pc:spChg>
+        <pc:spChg chg="add mod">
+          <ac:chgData name="Fernando C Correa" userId="a08d7f3c16d54179" providerId="LiveId" clId="{DAECEB32-C126-44A1-B729-3AADB1682972}" dt="2020-06-17T02:41:12.113" v="1913"/>
+          <ac:spMkLst>
+            <pc:docMk/>
+            <pc:sldMk cId="244390866" sldId="295"/>
+            <ac:spMk id="33" creationId="{DDFB502B-FCC1-4F3A-8757-216A944D8BBE}"/>
+          </ac:spMkLst>
+        </pc:spChg>
+        <pc:spChg chg="add mod">
+          <ac:chgData name="Fernando C Correa" userId="a08d7f3c16d54179" providerId="LiveId" clId="{DAECEB32-C126-44A1-B729-3AADB1682972}" dt="2020-06-17T02:42:05.025" v="1932" actId="1035"/>
+          <ac:spMkLst>
+            <pc:docMk/>
+            <pc:sldMk cId="244390866" sldId="295"/>
+            <ac:spMk id="34" creationId="{007E6495-B930-4DD7-93E1-E74FF0F17F86}"/>
+          </ac:spMkLst>
+        </pc:spChg>
+        <pc:spChg chg="add mod">
+          <ac:chgData name="Fernando C Correa" userId="a08d7f3c16d54179" providerId="LiveId" clId="{DAECEB32-C126-44A1-B729-3AADB1682972}" dt="2020-06-17T02:41:12.113" v="1913"/>
+          <ac:spMkLst>
+            <pc:docMk/>
+            <pc:sldMk cId="244390866" sldId="295"/>
+            <ac:spMk id="35" creationId="{EA88C6C0-C770-43D9-A157-5771E6FCCF86}"/>
+          </ac:spMkLst>
+        </pc:spChg>
+        <pc:spChg chg="add mod">
+          <ac:chgData name="Fernando C Correa" userId="a08d7f3c16d54179" providerId="LiveId" clId="{DAECEB32-C126-44A1-B729-3AADB1682972}" dt="2020-06-17T02:41:12.113" v="1913"/>
+          <ac:spMkLst>
+            <pc:docMk/>
+            <pc:sldMk cId="244390866" sldId="295"/>
+            <ac:spMk id="36" creationId="{46625C5E-DFD4-4BC4-B341-FB7024ED34A0}"/>
+          </ac:spMkLst>
+        </pc:spChg>
+        <pc:picChg chg="add mod">
+          <ac:chgData name="Fernando C Correa" userId="a08d7f3c16d54179" providerId="LiveId" clId="{DAECEB32-C126-44A1-B729-3AADB1682972}" dt="2020-06-17T02:35:30.162" v="1827" actId="1076"/>
+          <ac:picMkLst>
+            <pc:docMk/>
+            <pc:sldMk cId="244390866" sldId="295"/>
+            <ac:picMk id="4" creationId="{FD2437F9-163B-4909-8EB6-FF66395CFCA8}"/>
+          </ac:picMkLst>
+        </pc:picChg>
+        <pc:picChg chg="del">
+          <ac:chgData name="Fernando C Correa" userId="a08d7f3c16d54179" providerId="LiveId" clId="{DAECEB32-C126-44A1-B729-3AADB1682972}" dt="2020-06-16T23:58:54.718" v="658" actId="478"/>
+          <ac:picMkLst>
+            <pc:docMk/>
+            <pc:sldMk cId="244390866" sldId="295"/>
+            <ac:picMk id="11" creationId="{5E5FFD33-0256-424A-8BC7-4179A52A21E0}"/>
+          </ac:picMkLst>
+        </pc:picChg>
       </pc:sldChg>
-      <pc:sldChg chg="addSp delSp modSp mod">
-        <pc:chgData name="Fernando C Correa" userId="a08d7f3c16d54179" providerId="LiveId" clId="{DAECEB32-C126-44A1-B729-3AADB1682972}" dt="2020-06-16T21:18:47.371" v="142" actId="1076"/>
+      <pc:sldChg chg="addSp delSp modSp mod ord delAnim modAnim">
+        <pc:chgData name="Fernando C Correa" userId="a08d7f3c16d54179" providerId="LiveId" clId="{DAECEB32-C126-44A1-B729-3AADB1682972}" dt="2020-06-17T02:40:29.529" v="1902" actId="1037"/>
         <pc:sldMkLst>
           <pc:docMk/>
           <pc:sldMk cId="2602158399" sldId="296"/>
         </pc:sldMkLst>
+        <pc:spChg chg="mod">
+          <ac:chgData name="Fernando C Correa" userId="a08d7f3c16d54179" providerId="LiveId" clId="{DAECEB32-C126-44A1-B729-3AADB1682972}" dt="2020-06-16T23:49:38.968" v="586" actId="20577"/>
+          <ac:spMkLst>
+            <pc:docMk/>
+            <pc:sldMk cId="2602158399" sldId="296"/>
+            <ac:spMk id="2" creationId="{00000000-0000-0000-0000-000000000000}"/>
+          </ac:spMkLst>
+        </pc:spChg>
+        <pc:spChg chg="add del mod topLvl">
+          <ac:chgData name="Fernando C Correa" userId="a08d7f3c16d54179" providerId="LiveId" clId="{DAECEB32-C126-44A1-B729-3AADB1682972}" dt="2020-06-17T01:25:29.691" v="1088" actId="478"/>
+          <ac:spMkLst>
+            <pc:docMk/>
+            <pc:sldMk cId="2602158399" sldId="296"/>
+            <ac:spMk id="3" creationId="{415B03D9-DB79-4EA4-8F71-81D4EAB861DF}"/>
+          </ac:spMkLst>
+        </pc:spChg>
+        <pc:spChg chg="add del mod">
+          <ac:chgData name="Fernando C Correa" userId="a08d7f3c16d54179" providerId="LiveId" clId="{DAECEB32-C126-44A1-B729-3AADB1682972}" dt="2020-06-17T01:53:13.912" v="1410" actId="478"/>
+          <ac:spMkLst>
+            <pc:docMk/>
+            <pc:sldMk cId="2602158399" sldId="296"/>
+            <ac:spMk id="7" creationId="{73FB2FD1-ECDB-477E-ACF4-9C001DC1DEC2}"/>
+          </ac:spMkLst>
+        </pc:spChg>
+        <pc:spChg chg="add del mod">
+          <ac:chgData name="Fernando C Correa" userId="a08d7f3c16d54179" providerId="LiveId" clId="{DAECEB32-C126-44A1-B729-3AADB1682972}" dt="2020-06-17T01:54:37.488" v="1416" actId="478"/>
+          <ac:spMkLst>
+            <pc:docMk/>
+            <pc:sldMk cId="2602158399" sldId="296"/>
+            <ac:spMk id="9" creationId="{DE5E99F9-37E0-41C9-A6C9-D7CD23F4BA11}"/>
+          </ac:spMkLst>
+        </pc:spChg>
+        <pc:spChg chg="add mod">
+          <ac:chgData name="Fernando C Correa" userId="a08d7f3c16d54179" providerId="LiveId" clId="{DAECEB32-C126-44A1-B729-3AADB1682972}" dt="2020-06-16T23:51:35.481" v="650" actId="164"/>
+          <ac:spMkLst>
+            <pc:docMk/>
+            <pc:sldMk cId="2602158399" sldId="296"/>
+            <ac:spMk id="11" creationId="{42AF36B1-0B69-4AA7-9D2F-A7F74B8B6360}"/>
+          </ac:spMkLst>
+        </pc:spChg>
+        <pc:spChg chg="add del mod">
+          <ac:chgData name="Fernando C Correa" userId="a08d7f3c16d54179" providerId="LiveId" clId="{DAECEB32-C126-44A1-B729-3AADB1682972}" dt="2020-06-17T01:24:17.306" v="1084" actId="478"/>
+          <ac:spMkLst>
+            <pc:docMk/>
+            <pc:sldMk cId="2602158399" sldId="296"/>
+            <ac:spMk id="15" creationId="{E9FF7445-76A3-4BA1-8B14-665F23D3A567}"/>
+          </ac:spMkLst>
+        </pc:spChg>
+        <pc:spChg chg="add mod ord">
+          <ac:chgData name="Fernando C Correa" userId="a08d7f3c16d54179" providerId="LiveId" clId="{DAECEB32-C126-44A1-B729-3AADB1682972}" dt="2020-06-17T02:40:29.529" v="1902" actId="1037"/>
+          <ac:spMkLst>
+            <pc:docMk/>
+            <pc:sldMk cId="2602158399" sldId="296"/>
+            <ac:spMk id="16" creationId="{B929AAFC-5FD1-4FBC-9997-0574514F2D6D}"/>
+          </ac:spMkLst>
+        </pc:spChg>
+        <pc:spChg chg="add mod">
+          <ac:chgData name="Fernando C Correa" userId="a08d7f3c16d54179" providerId="LiveId" clId="{DAECEB32-C126-44A1-B729-3AADB1682972}" dt="2020-06-17T02:38:37.810" v="1868" actId="1076"/>
+          <ac:spMkLst>
+            <pc:docMk/>
+            <pc:sldMk cId="2602158399" sldId="296"/>
+            <ac:spMk id="17" creationId="{F7374B40-D7D8-4146-9028-B7AE3FA19233}"/>
+          </ac:spMkLst>
+        </pc:spChg>
+        <pc:spChg chg="add mod">
+          <ac:chgData name="Fernando C Correa" userId="a08d7f3c16d54179" providerId="LiveId" clId="{DAECEB32-C126-44A1-B729-3AADB1682972}" dt="2020-06-17T02:38:37.810" v="1868" actId="1076"/>
+          <ac:spMkLst>
+            <pc:docMk/>
+            <pc:sldMk cId="2602158399" sldId="296"/>
+            <ac:spMk id="18" creationId="{0579A070-173E-4D8B-98FC-347B77DB9ADE}"/>
+          </ac:spMkLst>
+        </pc:spChg>
+        <pc:spChg chg="add mod">
+          <ac:chgData name="Fernando C Correa" userId="a08d7f3c16d54179" providerId="LiveId" clId="{DAECEB32-C126-44A1-B729-3AADB1682972}" dt="2020-06-17T02:38:37.810" v="1868" actId="1076"/>
+          <ac:spMkLst>
+            <pc:docMk/>
+            <pc:sldMk cId="2602158399" sldId="296"/>
+            <ac:spMk id="19" creationId="{D02F0A36-42C0-442F-B708-AE0077EDEF45}"/>
+          </ac:spMkLst>
+        </pc:spChg>
+        <pc:spChg chg="add del">
+          <ac:chgData name="Fernando C Correa" userId="a08d7f3c16d54179" providerId="LiveId" clId="{DAECEB32-C126-44A1-B729-3AADB1682972}" dt="2020-06-17T01:58:34.020" v="1456" actId="478"/>
+          <ac:spMkLst>
+            <pc:docMk/>
+            <pc:sldMk cId="2602158399" sldId="296"/>
+            <ac:spMk id="20" creationId="{14F4DDF6-A2C9-4848-851C-F5D45FBF2987}"/>
+          </ac:spMkLst>
+        </pc:spChg>
+        <pc:spChg chg="add ord">
+          <ac:chgData name="Fernando C Correa" userId="a08d7f3c16d54179" providerId="LiveId" clId="{DAECEB32-C126-44A1-B729-3AADB1682972}" dt="2020-06-17T01:58:47.952" v="1458" actId="167"/>
+          <ac:spMkLst>
+            <pc:docMk/>
+            <pc:sldMk cId="2602158399" sldId="296"/>
+            <ac:spMk id="21" creationId="{DEDAC65E-5A44-4D6B-8FD8-DE7536913038}"/>
+          </ac:spMkLst>
+        </pc:spChg>
+        <pc:spChg chg="add del mod">
+          <ac:chgData name="Fernando C Correa" userId="a08d7f3c16d54179" providerId="LiveId" clId="{DAECEB32-C126-44A1-B729-3AADB1682972}" dt="2020-06-17T01:59:38.190" v="1474" actId="11529"/>
+          <ac:spMkLst>
+            <pc:docMk/>
+            <pc:sldMk cId="2602158399" sldId="296"/>
+            <ac:spMk id="22" creationId="{4645B119-9819-4AF8-B23E-940291934B69}"/>
+          </ac:spMkLst>
+        </pc:spChg>
+        <pc:spChg chg="add mod">
+          <ac:chgData name="Fernando C Correa" userId="a08d7f3c16d54179" providerId="LiveId" clId="{DAECEB32-C126-44A1-B729-3AADB1682972}" dt="2020-06-17T02:38:37.810" v="1868" actId="1076"/>
+          <ac:spMkLst>
+            <pc:docMk/>
+            <pc:sldMk cId="2602158399" sldId="296"/>
+            <ac:spMk id="23" creationId="{AEDD1AB6-8654-4748-AFEB-266F993341D8}"/>
+          </ac:spMkLst>
+        </pc:spChg>
+        <pc:spChg chg="add mod">
+          <ac:chgData name="Fernando C Correa" userId="a08d7f3c16d54179" providerId="LiveId" clId="{DAECEB32-C126-44A1-B729-3AADB1682972}" dt="2020-06-17T02:38:37.810" v="1868" actId="1076"/>
+          <ac:spMkLst>
+            <pc:docMk/>
+            <pc:sldMk cId="2602158399" sldId="296"/>
+            <ac:spMk id="24" creationId="{E02B5E74-D9F0-4003-BD68-3101ACF02AC9}"/>
+          </ac:spMkLst>
+        </pc:spChg>
+        <pc:grpChg chg="add del mod">
+          <ac:chgData name="Fernando C Correa" userId="a08d7f3c16d54179" providerId="LiveId" clId="{DAECEB32-C126-44A1-B729-3AADB1682972}" dt="2020-06-17T01:25:29.691" v="1088" actId="478"/>
+          <ac:grpSpMkLst>
+            <pc:docMk/>
+            <pc:sldMk cId="2602158399" sldId="296"/>
+            <ac:grpSpMk id="5" creationId="{6FAAF7DE-43D4-44F2-B91B-7964DB50D745}"/>
+          </ac:grpSpMkLst>
+        </pc:grpChg>
+        <pc:grpChg chg="add del mod">
+          <ac:chgData name="Fernando C Correa" userId="a08d7f3c16d54179" providerId="LiveId" clId="{DAECEB32-C126-44A1-B729-3AADB1682972}" dt="2020-06-17T00:40:30.437" v="767" actId="21"/>
+          <ac:grpSpMkLst>
+            <pc:docMk/>
+            <pc:sldMk cId="2602158399" sldId="296"/>
+            <ac:grpSpMk id="6" creationId="{96338F10-A041-4372-B2F5-A664726D9BA0}"/>
+          </ac:grpSpMkLst>
+        </pc:grpChg>
         <pc:grpChg chg="del">
           <ac:chgData name="Fernando C Correa" userId="a08d7f3c16d54179" providerId="LiveId" clId="{DAECEB32-C126-44A1-B729-3AADB1682972}" dt="2020-06-16T21:18:23.630" v="135" actId="478"/>
           <ac:grpSpMkLst>
@@ -335,26 +1253,167 @@
           </ac:grpSpMkLst>
         </pc:grpChg>
         <pc:picChg chg="add mod modCrop">
-          <ac:chgData name="Fernando C Correa" userId="a08d7f3c16d54179" providerId="LiveId" clId="{DAECEB32-C126-44A1-B729-3AADB1682972}" dt="2020-06-16T21:18:47.371" v="142" actId="1076"/>
+          <ac:chgData name="Fernando C Correa" userId="a08d7f3c16d54179" providerId="LiveId" clId="{DAECEB32-C126-44A1-B729-3AADB1682972}" dt="2020-06-16T23:52:10.868" v="654" actId="1076"/>
           <ac:picMkLst>
             <pc:docMk/>
             <pc:sldMk cId="2602158399" sldId="296"/>
             <ac:picMk id="4" creationId="{3B8A8F53-123C-4439-9517-915F069EB640}"/>
           </ac:picMkLst>
         </pc:picChg>
+        <pc:picChg chg="add mod topLvl">
+          <ac:chgData name="Fernando C Correa" userId="a08d7f3c16d54179" providerId="LiveId" clId="{DAECEB32-C126-44A1-B729-3AADB1682972}" dt="2020-06-17T01:31:36.502" v="1168" actId="1076"/>
+          <ac:picMkLst>
+            <pc:docMk/>
+            <pc:sldMk cId="2602158399" sldId="296"/>
+            <ac:picMk id="8" creationId="{E7887945-5460-4B49-BFA8-1466756D37A0}"/>
+          </ac:picMkLst>
+        </pc:picChg>
+      </pc:sldChg>
+      <pc:sldChg chg="modSp modAnim">
+        <pc:chgData name="Fernando C Correa" userId="a08d7f3c16d54179" providerId="LiveId" clId="{DAECEB32-C126-44A1-B729-3AADB1682972}" dt="2020-06-17T01:49:02.661" v="1329"/>
+        <pc:sldMkLst>
+          <pc:docMk/>
+          <pc:sldMk cId="903407908" sldId="297"/>
+        </pc:sldMkLst>
+        <pc:spChg chg="mod">
+          <ac:chgData name="Fernando C Correa" userId="a08d7f3c16d54179" providerId="LiveId" clId="{DAECEB32-C126-44A1-B729-3AADB1682972}" dt="2020-06-17T01:49:02.661" v="1329"/>
+          <ac:spMkLst>
+            <pc:docMk/>
+            <pc:sldMk cId="903407908" sldId="297"/>
+            <ac:spMk id="2" creationId="{00000000-0000-0000-0000-000000000000}"/>
+          </ac:spMkLst>
+        </pc:spChg>
+      </pc:sldChg>
+      <pc:sldChg chg="modSp">
+        <pc:chgData name="Fernando C Correa" userId="a08d7f3c16d54179" providerId="LiveId" clId="{DAECEB32-C126-44A1-B729-3AADB1682972}" dt="2020-06-17T01:49:04.530" v="1330"/>
+        <pc:sldMkLst>
+          <pc:docMk/>
+          <pc:sldMk cId="1350499800" sldId="298"/>
+        </pc:sldMkLst>
+        <pc:spChg chg="mod">
+          <ac:chgData name="Fernando C Correa" userId="a08d7f3c16d54179" providerId="LiveId" clId="{DAECEB32-C126-44A1-B729-3AADB1682972}" dt="2020-06-17T01:49:04.530" v="1330"/>
+          <ac:spMkLst>
+            <pc:docMk/>
+            <pc:sldMk cId="1350499800" sldId="298"/>
+            <ac:spMk id="2" creationId="{00000000-0000-0000-0000-000000000000}"/>
+          </ac:spMkLst>
+        </pc:spChg>
+      </pc:sldChg>
+      <pc:sldChg chg="addSp delSp modSp mod modAnim">
+        <pc:chgData name="Fernando C Correa" userId="a08d7f3c16d54179" providerId="LiveId" clId="{DAECEB32-C126-44A1-B729-3AADB1682972}" dt="2020-06-17T02:30:45.288" v="1744"/>
+        <pc:sldMkLst>
+          <pc:docMk/>
+          <pc:sldMk cId="2306638093" sldId="299"/>
+        </pc:sldMkLst>
+        <pc:spChg chg="mod">
+          <ac:chgData name="Fernando C Correa" userId="a08d7f3c16d54179" providerId="LiveId" clId="{DAECEB32-C126-44A1-B729-3AADB1682972}" dt="2020-06-17T02:18:52.853" v="1525"/>
+          <ac:spMkLst>
+            <pc:docMk/>
+            <pc:sldMk cId="2306638093" sldId="299"/>
+            <ac:spMk id="2" creationId="{00000000-0000-0000-0000-000000000000}"/>
+          </ac:spMkLst>
+        </pc:spChg>
+        <pc:spChg chg="add mod">
+          <ac:chgData name="Fernando C Correa" userId="a08d7f3c16d54179" providerId="LiveId" clId="{DAECEB32-C126-44A1-B729-3AADB1682972}" dt="2020-06-17T02:18:28.655" v="1519" actId="403"/>
+          <ac:spMkLst>
+            <pc:docMk/>
+            <pc:sldMk cId="2306638093" sldId="299"/>
+            <ac:spMk id="8" creationId="{76B61B70-686C-4452-8B44-A25D894711B0}"/>
+          </ac:spMkLst>
+        </pc:spChg>
+        <pc:spChg chg="add mod">
+          <ac:chgData name="Fernando C Correa" userId="a08d7f3c16d54179" providerId="LiveId" clId="{DAECEB32-C126-44A1-B729-3AADB1682972}" dt="2020-06-17T02:18:16.657" v="1515"/>
+          <ac:spMkLst>
+            <pc:docMk/>
+            <pc:sldMk cId="2306638093" sldId="299"/>
+            <ac:spMk id="9" creationId="{222C1FF2-278B-4340-9D9F-C78F6E5CF15B}"/>
+          </ac:spMkLst>
+        </pc:spChg>
+        <pc:spChg chg="add mod">
+          <ac:chgData name="Fernando C Correa" userId="a08d7f3c16d54179" providerId="LiveId" clId="{DAECEB32-C126-44A1-B729-3AADB1682972}" dt="2020-06-17T02:18:16.657" v="1515"/>
+          <ac:spMkLst>
+            <pc:docMk/>
+            <pc:sldMk cId="2306638093" sldId="299"/>
+            <ac:spMk id="11" creationId="{4E984021-D7FD-4490-8DBE-80F9AF9A814D}"/>
+          </ac:spMkLst>
+        </pc:spChg>
+        <pc:spChg chg="add mod">
+          <ac:chgData name="Fernando C Correa" userId="a08d7f3c16d54179" providerId="LiveId" clId="{DAECEB32-C126-44A1-B729-3AADB1682972}" dt="2020-06-17T02:18:22.857" v="1517" actId="14861"/>
+          <ac:spMkLst>
+            <pc:docMk/>
+            <pc:sldMk cId="2306638093" sldId="299"/>
+            <ac:spMk id="15" creationId="{CBB9C317-0489-467D-AFF5-5A6026DDF8C0}"/>
+          </ac:spMkLst>
+        </pc:spChg>
+        <pc:spChg chg="add del mod">
+          <ac:chgData name="Fernando C Correa" userId="a08d7f3c16d54179" providerId="LiveId" clId="{DAECEB32-C126-44A1-B729-3AADB1682972}" dt="2020-06-17T02:23:58.925" v="1663" actId="478"/>
+          <ac:spMkLst>
+            <pc:docMk/>
+            <pc:sldMk cId="2306638093" sldId="299"/>
+            <ac:spMk id="16" creationId="{74578A1D-92D6-4816-8506-2830C9C44E93}"/>
+          </ac:spMkLst>
+        </pc:spChg>
+        <pc:spChg chg="add del mod">
+          <ac:chgData name="Fernando C Correa" userId="a08d7f3c16d54179" providerId="LiveId" clId="{DAECEB32-C126-44A1-B729-3AADB1682972}" dt="2020-06-17T02:25:25.528" v="1677"/>
+          <ac:spMkLst>
+            <pc:docMk/>
+            <pc:sldMk cId="2306638093" sldId="299"/>
+            <ac:spMk id="17" creationId="{A384F257-E03F-432B-AABC-47833AA5A85E}"/>
+          </ac:spMkLst>
+        </pc:spChg>
+        <pc:spChg chg="add mod">
+          <ac:chgData name="Fernando C Correa" userId="a08d7f3c16d54179" providerId="LiveId" clId="{DAECEB32-C126-44A1-B729-3AADB1682972}" dt="2020-06-17T02:26:21.802" v="1689"/>
+          <ac:spMkLst>
+            <pc:docMk/>
+            <pc:sldMk cId="2306638093" sldId="299"/>
+            <ac:spMk id="19" creationId="{801D3AE1-4492-47FE-B780-B74F5D1C0856}"/>
+          </ac:spMkLst>
+        </pc:spChg>
+        <pc:picChg chg="mod">
+          <ac:chgData name="Fernando C Correa" userId="a08d7f3c16d54179" providerId="LiveId" clId="{DAECEB32-C126-44A1-B729-3AADB1682972}" dt="2020-06-17T02:18:36.702" v="1522" actId="1076"/>
+          <ac:picMkLst>
+            <pc:docMk/>
+            <pc:sldMk cId="2306638093" sldId="299"/>
+            <ac:picMk id="3" creationId="{EEAC992E-ED94-44D0-8B15-D8F5ED685DAA}"/>
+          </ac:picMkLst>
+        </pc:picChg>
+        <pc:picChg chg="add del mod">
+          <ac:chgData name="Fernando C Correa" userId="a08d7f3c16d54179" providerId="LiveId" clId="{DAECEB32-C126-44A1-B729-3AADB1682972}" dt="2020-06-17T02:25:30.146" v="1679" actId="478"/>
+          <ac:picMkLst>
+            <pc:docMk/>
+            <pc:sldMk cId="2306638093" sldId="299"/>
+            <ac:picMk id="18" creationId="{C7833F18-91D0-486C-A64F-4D8D5CB571E8}"/>
+          </ac:picMkLst>
+        </pc:picChg>
       </pc:sldChg>
       <pc:sldChg chg="addSp delSp modSp add mod ord">
-        <pc:chgData name="Fernando C Correa" userId="a08d7f3c16d54179" providerId="LiveId" clId="{DAECEB32-C126-44A1-B729-3AADB1682972}" dt="2020-06-16T21:47:58.423" v="149" actId="1076"/>
+        <pc:chgData name="Fernando C Correa" userId="a08d7f3c16d54179" providerId="LiveId" clId="{DAECEB32-C126-44A1-B729-3AADB1682972}" dt="2020-06-17T01:12:39.378" v="974" actId="20577"/>
         <pc:sldMkLst>
           <pc:docMk/>
           <pc:sldMk cId="2462845540" sldId="300"/>
         </pc:sldMkLst>
         <pc:spChg chg="mod">
-          <ac:chgData name="Fernando C Correa" userId="a08d7f3c16d54179" providerId="LiveId" clId="{DAECEB32-C126-44A1-B729-3AADB1682972}" dt="2020-06-16T19:49:40.835" v="46" actId="20577"/>
+          <ac:chgData name="Fernando C Correa" userId="a08d7f3c16d54179" providerId="LiveId" clId="{DAECEB32-C126-44A1-B729-3AADB1682972}" dt="2020-06-16T23:38:07.351" v="408" actId="20577"/>
           <ac:spMkLst>
             <pc:docMk/>
             <pc:sldMk cId="2462845540" sldId="300"/>
             <ac:spMk id="2" creationId="{00000000-0000-0000-0000-000000000000}"/>
+          </ac:spMkLst>
+        </pc:spChg>
+        <pc:spChg chg="add mod">
+          <ac:chgData name="Fernando C Correa" userId="a08d7f3c16d54179" providerId="LiveId" clId="{DAECEB32-C126-44A1-B729-3AADB1682972}" dt="2020-06-17T01:12:19.592" v="963" actId="14100"/>
+          <ac:spMkLst>
+            <pc:docMk/>
+            <pc:sldMk cId="2462845540" sldId="300"/>
+            <ac:spMk id="3" creationId="{0A469168-9659-4B5B-9B7B-D50FEC1E813C}"/>
+          </ac:spMkLst>
+        </pc:spChg>
+        <pc:spChg chg="add del mod">
+          <ac:chgData name="Fernando C Correa" userId="a08d7f3c16d54179" providerId="LiveId" clId="{DAECEB32-C126-44A1-B729-3AADB1682972}" dt="2020-06-16T23:31:12.989" v="222" actId="478"/>
+          <ac:spMkLst>
+            <pc:docMk/>
+            <pc:sldMk cId="2462845540" sldId="300"/>
+            <ac:spMk id="9" creationId="{DBBB2635-D3D3-43AA-B39C-534ED30D4390}"/>
           </ac:spMkLst>
         </pc:spChg>
         <pc:spChg chg="del">
@@ -365,12 +1424,28 @@
             <ac:spMk id="10" creationId="{00000000-0000-0000-0000-000000000000}"/>
           </ac:spMkLst>
         </pc:spChg>
+        <pc:spChg chg="add mod">
+          <ac:chgData name="Fernando C Correa" userId="a08d7f3c16d54179" providerId="LiveId" clId="{DAECEB32-C126-44A1-B729-3AADB1682972}" dt="2020-06-17T01:12:39.378" v="974" actId="20577"/>
+          <ac:spMkLst>
+            <pc:docMk/>
+            <pc:sldMk cId="2462845540" sldId="300"/>
+            <ac:spMk id="11" creationId="{FB2E8868-434F-4638-9E06-D8C315433624}"/>
+          </ac:spMkLst>
+        </pc:spChg>
         <pc:picChg chg="add del mod">
           <ac:chgData name="Fernando C Correa" userId="a08d7f3c16d54179" providerId="LiveId" clId="{DAECEB32-C126-44A1-B729-3AADB1682972}" dt="2020-06-16T19:46:05.066" v="4" actId="478"/>
           <ac:picMkLst>
             <pc:docMk/>
             <pc:sldMk cId="2462845540" sldId="300"/>
             <ac:picMk id="3" creationId="{B704A7BC-0A8A-4B1B-9D05-A4A66FDFBC36}"/>
+          </ac:picMkLst>
+        </pc:picChg>
+        <pc:picChg chg="add mod">
+          <ac:chgData name="Fernando C Correa" userId="a08d7f3c16d54179" providerId="LiveId" clId="{DAECEB32-C126-44A1-B729-3AADB1682972}" dt="2020-06-17T00:10:22.850" v="672" actId="1076"/>
+          <ac:picMkLst>
+            <pc:docMk/>
+            <pc:sldMk cId="2462845540" sldId="300"/>
+            <ac:picMk id="4" creationId="{DC48B066-7753-45E3-BCE0-FF0376C71B93}"/>
           </ac:picMkLst>
         </pc:picChg>
         <pc:picChg chg="add del mod">
@@ -397,6 +1472,14 @@
             <ac:picMk id="15" creationId="{0E85ABA3-1D94-4E56-A367-933CC7E51027}"/>
           </ac:picMkLst>
         </pc:picChg>
+        <pc:picChg chg="add mod">
+          <ac:chgData name="Fernando C Correa" userId="a08d7f3c16d54179" providerId="LiveId" clId="{DAECEB32-C126-44A1-B729-3AADB1682972}" dt="2020-06-17T00:10:45.303" v="755" actId="1037"/>
+          <ac:picMkLst>
+            <pc:docMk/>
+            <pc:sldMk cId="2462845540" sldId="300"/>
+            <ac:picMk id="1026" creationId="{1356F577-AD0C-4D62-AF08-6365B660B8E0}"/>
+          </ac:picMkLst>
+        </pc:picChg>
         <pc:picChg chg="add del">
           <ac:chgData name="Fernando C Correa" userId="a08d7f3c16d54179" providerId="LiveId" clId="{DAECEB32-C126-44A1-B729-3AADB1682972}" dt="2020-06-16T19:48:00.487" v="20" actId="478"/>
           <ac:picMkLst>
@@ -405,8 +1488,8 @@
             <ac:picMk id="1026" creationId="{1AE3563D-E69E-405F-8AE2-6C3F957B8582}"/>
           </ac:picMkLst>
         </pc:picChg>
-        <pc:picChg chg="add mod">
-          <ac:chgData name="Fernando C Correa" userId="a08d7f3c16d54179" providerId="LiveId" clId="{DAECEB32-C126-44A1-B729-3AADB1682972}" dt="2020-06-16T21:47:47.765" v="146" actId="1076"/>
+        <pc:picChg chg="add del mod">
+          <ac:chgData name="Fernando C Correa" userId="a08d7f3c16d54179" providerId="LiveId" clId="{DAECEB32-C126-44A1-B729-3AADB1682972}" dt="2020-06-17T00:10:10.842" v="667" actId="478"/>
           <ac:picMkLst>
             <pc:docMk/>
             <pc:sldMk cId="2462845540" sldId="300"/>
@@ -414,7 +1497,7 @@
           </ac:picMkLst>
         </pc:picChg>
         <pc:picChg chg="add mod">
-          <ac:chgData name="Fernando C Correa" userId="a08d7f3c16d54179" providerId="LiveId" clId="{DAECEB32-C126-44A1-B729-3AADB1682972}" dt="2020-06-16T21:47:58.423" v="149" actId="1076"/>
+          <ac:chgData name="Fernando C Correa" userId="a08d7f3c16d54179" providerId="LiveId" clId="{DAECEB32-C126-44A1-B729-3AADB1682972}" dt="2020-06-17T00:10:33.981" v="675" actId="166"/>
           <ac:picMkLst>
             <pc:docMk/>
             <pc:sldMk cId="2462845540" sldId="300"/>
@@ -427,6 +1510,534 @@
             <pc:docMk/>
             <pc:sldMk cId="2462845540" sldId="300"/>
             <ac:picMk id="1032" creationId="{2D90E7C1-77A2-43FD-ACA3-C9E93D064031}"/>
+          </ac:picMkLst>
+        </pc:picChg>
+      </pc:sldChg>
+      <pc:sldChg chg="add del">
+        <pc:chgData name="Fernando C Correa" userId="a08d7f3c16d54179" providerId="LiveId" clId="{DAECEB32-C126-44A1-B729-3AADB1682972}" dt="2020-06-17T00:41:20.116" v="773" actId="47"/>
+        <pc:sldMkLst>
+          <pc:docMk/>
+          <pc:sldMk cId="227931716" sldId="301"/>
+        </pc:sldMkLst>
+      </pc:sldChg>
+      <pc:sldChg chg="add del ord">
+        <pc:chgData name="Fernando C Correa" userId="a08d7f3c16d54179" providerId="LiveId" clId="{DAECEB32-C126-44A1-B729-3AADB1682972}" dt="2020-06-17T00:41:20.905" v="774" actId="47"/>
+        <pc:sldMkLst>
+          <pc:docMk/>
+          <pc:sldMk cId="1426705781" sldId="302"/>
+        </pc:sldMkLst>
+      </pc:sldChg>
+      <pc:sldChg chg="addSp delSp modSp add mod delAnim modAnim">
+        <pc:chgData name="Fernando C Correa" userId="a08d7f3c16d54179" providerId="LiveId" clId="{DAECEB32-C126-44A1-B729-3AADB1682972}" dt="2020-06-17T02:40:29.846" v="1903" actId="1038"/>
+        <pc:sldMkLst>
+          <pc:docMk/>
+          <pc:sldMk cId="1298849621" sldId="303"/>
+        </pc:sldMkLst>
+        <pc:spChg chg="del">
+          <ac:chgData name="Fernando C Correa" userId="a08d7f3c16d54179" providerId="LiveId" clId="{DAECEB32-C126-44A1-B729-3AADB1682972}" dt="2020-06-17T02:38:51.506" v="1873" actId="478"/>
+          <ac:spMkLst>
+            <pc:docMk/>
+            <pc:sldMk cId="1298849621" sldId="303"/>
+            <ac:spMk id="10" creationId="{00000000-0000-0000-0000-000000000000}"/>
+          </ac:spMkLst>
+        </pc:spChg>
+        <pc:spChg chg="del mod topLvl">
+          <ac:chgData name="Fernando C Correa" userId="a08d7f3c16d54179" providerId="LiveId" clId="{DAECEB32-C126-44A1-B729-3AADB1682972}" dt="2020-06-17T01:25:22.450" v="1087" actId="478"/>
+          <ac:spMkLst>
+            <pc:docMk/>
+            <pc:sldMk cId="1298849621" sldId="303"/>
+            <ac:spMk id="16" creationId="{91E883F1-8EF7-411E-A05E-24165369F0A7}"/>
+          </ac:spMkLst>
+        </pc:spChg>
+        <pc:spChg chg="add del mod">
+          <ac:chgData name="Fernando C Correa" userId="a08d7f3c16d54179" providerId="LiveId" clId="{DAECEB32-C126-44A1-B729-3AADB1682972}" dt="2020-06-17T01:24:34.097" v="1086" actId="478"/>
+          <ac:spMkLst>
+            <pc:docMk/>
+            <pc:sldMk cId="1298849621" sldId="303"/>
+            <ac:spMk id="17" creationId="{37959AA7-8A52-4962-9CB0-85BA95E1CD04}"/>
+          </ac:spMkLst>
+        </pc:spChg>
+        <pc:spChg chg="add del mod">
+          <ac:chgData name="Fernando C Correa" userId="a08d7f3c16d54179" providerId="LiveId" clId="{DAECEB32-C126-44A1-B729-3AADB1682972}" dt="2020-06-17T01:59:57.501" v="1476" actId="478"/>
+          <ac:spMkLst>
+            <pc:docMk/>
+            <pc:sldMk cId="1298849621" sldId="303"/>
+            <ac:spMk id="18" creationId="{DEF22804-DE74-451E-A09C-614AD3888324}"/>
+          </ac:spMkLst>
+        </pc:spChg>
+        <pc:spChg chg="add del mod">
+          <ac:chgData name="Fernando C Correa" userId="a08d7f3c16d54179" providerId="LiveId" clId="{DAECEB32-C126-44A1-B729-3AADB1682972}" dt="2020-06-17T01:59:58.361" v="1477" actId="478"/>
+          <ac:spMkLst>
+            <pc:docMk/>
+            <pc:sldMk cId="1298849621" sldId="303"/>
+            <ac:spMk id="19" creationId="{242142D5-57C5-4228-AD6A-DBB98CE772E5}"/>
+          </ac:spMkLst>
+        </pc:spChg>
+        <pc:spChg chg="add del mod">
+          <ac:chgData name="Fernando C Correa" userId="a08d7f3c16d54179" providerId="LiveId" clId="{DAECEB32-C126-44A1-B729-3AADB1682972}" dt="2020-06-17T01:55:12.959" v="1419" actId="478"/>
+          <ac:spMkLst>
+            <pc:docMk/>
+            <pc:sldMk cId="1298849621" sldId="303"/>
+            <ac:spMk id="20" creationId="{32B0225A-99F4-4622-96DE-05FA18A6AA9D}"/>
+          </ac:spMkLst>
+        </pc:spChg>
+        <pc:spChg chg="add del mod">
+          <ac:chgData name="Fernando C Correa" userId="a08d7f3c16d54179" providerId="LiveId" clId="{DAECEB32-C126-44A1-B729-3AADB1682972}" dt="2020-06-17T02:31:54.753" v="1754" actId="478"/>
+          <ac:spMkLst>
+            <pc:docMk/>
+            <pc:sldMk cId="1298849621" sldId="303"/>
+            <ac:spMk id="21" creationId="{00B7053D-99FF-40D3-AE66-E13492C3277A}"/>
+          </ac:spMkLst>
+        </pc:spChg>
+        <pc:spChg chg="add del mod">
+          <ac:chgData name="Fernando C Correa" userId="a08d7f3c16d54179" providerId="LiveId" clId="{DAECEB32-C126-44A1-B729-3AADB1682972}" dt="2020-06-17T02:31:54.753" v="1754" actId="478"/>
+          <ac:spMkLst>
+            <pc:docMk/>
+            <pc:sldMk cId="1298849621" sldId="303"/>
+            <ac:spMk id="22" creationId="{6DA62363-5008-4733-BD21-E712CEB152A4}"/>
+          </ac:spMkLst>
+        </pc:spChg>
+        <pc:spChg chg="add del mod">
+          <ac:chgData name="Fernando C Correa" userId="a08d7f3c16d54179" providerId="LiveId" clId="{DAECEB32-C126-44A1-B729-3AADB1682972}" dt="2020-06-17T02:31:54.753" v="1754" actId="478"/>
+          <ac:spMkLst>
+            <pc:docMk/>
+            <pc:sldMk cId="1298849621" sldId="303"/>
+            <ac:spMk id="23" creationId="{EC5D6182-CD8C-4BD1-AD7B-8DFF28ABCB9D}"/>
+          </ac:spMkLst>
+        </pc:spChg>
+        <pc:spChg chg="add del mod">
+          <ac:chgData name="Fernando C Correa" userId="a08d7f3c16d54179" providerId="LiveId" clId="{DAECEB32-C126-44A1-B729-3AADB1682972}" dt="2020-06-17T02:31:54.753" v="1754" actId="478"/>
+          <ac:spMkLst>
+            <pc:docMk/>
+            <pc:sldMk cId="1298849621" sldId="303"/>
+            <ac:spMk id="24" creationId="{BD1C89E2-7181-4D5B-939B-8F641A1DDB0E}"/>
+          </ac:spMkLst>
+        </pc:spChg>
+        <pc:spChg chg="add del mod">
+          <ac:chgData name="Fernando C Correa" userId="a08d7f3c16d54179" providerId="LiveId" clId="{DAECEB32-C126-44A1-B729-3AADB1682972}" dt="2020-06-17T02:37:58.836" v="1862" actId="478"/>
+          <ac:spMkLst>
+            <pc:docMk/>
+            <pc:sldMk cId="1298849621" sldId="303"/>
+            <ac:spMk id="25" creationId="{F27E6D77-6963-49CB-BD12-906C80BF6DE5}"/>
+          </ac:spMkLst>
+        </pc:spChg>
+        <pc:spChg chg="add del mod">
+          <ac:chgData name="Fernando C Correa" userId="a08d7f3c16d54179" providerId="LiveId" clId="{DAECEB32-C126-44A1-B729-3AADB1682972}" dt="2020-06-17T02:37:58.836" v="1862" actId="478"/>
+          <ac:spMkLst>
+            <pc:docMk/>
+            <pc:sldMk cId="1298849621" sldId="303"/>
+            <ac:spMk id="26" creationId="{63AEC2EC-CC6C-4DEB-A57A-87060E136C08}"/>
+          </ac:spMkLst>
+        </pc:spChg>
+        <pc:spChg chg="add del mod">
+          <ac:chgData name="Fernando C Correa" userId="a08d7f3c16d54179" providerId="LiveId" clId="{DAECEB32-C126-44A1-B729-3AADB1682972}" dt="2020-06-17T02:37:58.836" v="1862" actId="478"/>
+          <ac:spMkLst>
+            <pc:docMk/>
+            <pc:sldMk cId="1298849621" sldId="303"/>
+            <ac:spMk id="27" creationId="{EDF86E12-CBB2-4A6C-B35C-78F93692FDB1}"/>
+          </ac:spMkLst>
+        </pc:spChg>
+        <pc:spChg chg="add del mod">
+          <ac:chgData name="Fernando C Correa" userId="a08d7f3c16d54179" providerId="LiveId" clId="{DAECEB32-C126-44A1-B729-3AADB1682972}" dt="2020-06-17T02:37:58.836" v="1862" actId="478"/>
+          <ac:spMkLst>
+            <pc:docMk/>
+            <pc:sldMk cId="1298849621" sldId="303"/>
+            <ac:spMk id="28" creationId="{0A5BCCCD-83A4-49F4-8232-52B31F155EE1}"/>
+          </ac:spMkLst>
+        </pc:spChg>
+        <pc:spChg chg="add del mod">
+          <ac:chgData name="Fernando C Correa" userId="a08d7f3c16d54179" providerId="LiveId" clId="{DAECEB32-C126-44A1-B729-3AADB1682972}" dt="2020-06-17T02:38:48.568" v="1869" actId="478"/>
+          <ac:spMkLst>
+            <pc:docMk/>
+            <pc:sldMk cId="1298849621" sldId="303"/>
+            <ac:spMk id="29" creationId="{3CFCE5F1-644F-482F-8E08-0A5FBA4637AB}"/>
+          </ac:spMkLst>
+        </pc:spChg>
+        <pc:spChg chg="add del mod">
+          <ac:chgData name="Fernando C Correa" userId="a08d7f3c16d54179" providerId="LiveId" clId="{DAECEB32-C126-44A1-B729-3AADB1682972}" dt="2020-06-17T02:38:49.355" v="1870" actId="478"/>
+          <ac:spMkLst>
+            <pc:docMk/>
+            <pc:sldMk cId="1298849621" sldId="303"/>
+            <ac:spMk id="30" creationId="{C3969BE2-0CDD-4E70-9FA5-197423473D1C}"/>
+          </ac:spMkLst>
+        </pc:spChg>
+        <pc:spChg chg="add del mod">
+          <ac:chgData name="Fernando C Correa" userId="a08d7f3c16d54179" providerId="LiveId" clId="{DAECEB32-C126-44A1-B729-3AADB1682972}" dt="2020-06-17T02:38:50.502" v="1871" actId="478"/>
+          <ac:spMkLst>
+            <pc:docMk/>
+            <pc:sldMk cId="1298849621" sldId="303"/>
+            <ac:spMk id="31" creationId="{9075C745-F0D0-4E91-A8CA-43E0C0072B84}"/>
+          </ac:spMkLst>
+        </pc:spChg>
+        <pc:spChg chg="add del mod">
+          <ac:chgData name="Fernando C Correa" userId="a08d7f3c16d54179" providerId="LiveId" clId="{DAECEB32-C126-44A1-B729-3AADB1682972}" dt="2020-06-17T02:38:50.993" v="1872" actId="478"/>
+          <ac:spMkLst>
+            <pc:docMk/>
+            <pc:sldMk cId="1298849621" sldId="303"/>
+            <ac:spMk id="32" creationId="{02B406BA-6615-4D0E-82B4-D113E632B645}"/>
+          </ac:spMkLst>
+        </pc:spChg>
+        <pc:spChg chg="add del mod">
+          <ac:chgData name="Fernando C Correa" userId="a08d7f3c16d54179" providerId="LiveId" clId="{DAECEB32-C126-44A1-B729-3AADB1682972}" dt="2020-06-17T02:38:55.054" v="1875" actId="478"/>
+          <ac:spMkLst>
+            <pc:docMk/>
+            <pc:sldMk cId="1298849621" sldId="303"/>
+            <ac:spMk id="33" creationId="{9621423B-9269-4EA1-8C8D-C00C631CC754}"/>
+          </ac:spMkLst>
+        </pc:spChg>
+        <pc:spChg chg="add del mod">
+          <ac:chgData name="Fernando C Correa" userId="a08d7f3c16d54179" providerId="LiveId" clId="{DAECEB32-C126-44A1-B729-3AADB1682972}" dt="2020-06-17T02:38:55.944" v="1876" actId="478"/>
+          <ac:spMkLst>
+            <pc:docMk/>
+            <pc:sldMk cId="1298849621" sldId="303"/>
+            <ac:spMk id="34" creationId="{ED55CABA-14AB-4329-ADE1-E3355AB00079}"/>
+          </ac:spMkLst>
+        </pc:spChg>
+        <pc:spChg chg="add mod">
+          <ac:chgData name="Fernando C Correa" userId="a08d7f3c16d54179" providerId="LiveId" clId="{DAECEB32-C126-44A1-B729-3AADB1682972}" dt="2020-06-17T02:39:08.254" v="1881" actId="1036"/>
+          <ac:spMkLst>
+            <pc:docMk/>
+            <pc:sldMk cId="1298849621" sldId="303"/>
+            <ac:spMk id="35" creationId="{DD2EBC17-698B-4BC0-839E-5442A0E6E9BB}"/>
+          </ac:spMkLst>
+        </pc:spChg>
+        <pc:spChg chg="add mod">
+          <ac:chgData name="Fernando C Correa" userId="a08d7f3c16d54179" providerId="LiveId" clId="{DAECEB32-C126-44A1-B729-3AADB1682972}" dt="2020-06-17T02:40:29.846" v="1903" actId="1038"/>
+          <ac:spMkLst>
+            <pc:docMk/>
+            <pc:sldMk cId="1298849621" sldId="303"/>
+            <ac:spMk id="36" creationId="{C909FB2D-4E94-48D6-A874-6DA2AE5A1A51}"/>
+          </ac:spMkLst>
+        </pc:spChg>
+        <pc:spChg chg="add mod">
+          <ac:chgData name="Fernando C Correa" userId="a08d7f3c16d54179" providerId="LiveId" clId="{DAECEB32-C126-44A1-B729-3AADB1682972}" dt="2020-06-17T02:38:57.299" v="1877"/>
+          <ac:spMkLst>
+            <pc:docMk/>
+            <pc:sldMk cId="1298849621" sldId="303"/>
+            <ac:spMk id="37" creationId="{AABFD444-1308-42F0-B888-45A1A45045DB}"/>
+          </ac:spMkLst>
+        </pc:spChg>
+        <pc:spChg chg="add mod">
+          <ac:chgData name="Fernando C Correa" userId="a08d7f3c16d54179" providerId="LiveId" clId="{DAECEB32-C126-44A1-B729-3AADB1682972}" dt="2020-06-17T02:38:57.299" v="1877"/>
+          <ac:spMkLst>
+            <pc:docMk/>
+            <pc:sldMk cId="1298849621" sldId="303"/>
+            <ac:spMk id="38" creationId="{30E43F49-6ED1-4CE3-B5B0-D29C8F780C70}"/>
+          </ac:spMkLst>
+        </pc:spChg>
+        <pc:spChg chg="add mod">
+          <ac:chgData name="Fernando C Correa" userId="a08d7f3c16d54179" providerId="LiveId" clId="{DAECEB32-C126-44A1-B729-3AADB1682972}" dt="2020-06-17T02:38:57.299" v="1877"/>
+          <ac:spMkLst>
+            <pc:docMk/>
+            <pc:sldMk cId="1298849621" sldId="303"/>
+            <ac:spMk id="39" creationId="{365E7FF9-A331-4A8B-BA0F-81BB6DF0F86D}"/>
+          </ac:spMkLst>
+        </pc:spChg>
+        <pc:spChg chg="add mod">
+          <ac:chgData name="Fernando C Correa" userId="a08d7f3c16d54179" providerId="LiveId" clId="{DAECEB32-C126-44A1-B729-3AADB1682972}" dt="2020-06-17T02:39:00.922" v="1878" actId="404"/>
+          <ac:spMkLst>
+            <pc:docMk/>
+            <pc:sldMk cId="1298849621" sldId="303"/>
+            <ac:spMk id="40" creationId="{FAD746AB-1F96-4F3A-8333-7F5F79BCF21E}"/>
+          </ac:spMkLst>
+        </pc:spChg>
+        <pc:grpChg chg="del">
+          <ac:chgData name="Fernando C Correa" userId="a08d7f3c16d54179" providerId="LiveId" clId="{DAECEB32-C126-44A1-B729-3AADB1682972}" dt="2020-06-17T00:40:34.349" v="769" actId="478"/>
+          <ac:grpSpMkLst>
+            <pc:docMk/>
+            <pc:sldMk cId="1298849621" sldId="303"/>
+            <ac:grpSpMk id="5" creationId="{6FAAF7DE-43D4-44F2-B91B-7964DB50D745}"/>
+          </ac:grpSpMkLst>
+        </pc:grpChg>
+        <pc:grpChg chg="add del mod">
+          <ac:chgData name="Fernando C Correa" userId="a08d7f3c16d54179" providerId="LiveId" clId="{DAECEB32-C126-44A1-B729-3AADB1682972}" dt="2020-06-17T01:25:22.450" v="1087" actId="478"/>
+          <ac:grpSpMkLst>
+            <pc:docMk/>
+            <pc:sldMk cId="1298849621" sldId="303"/>
+            <ac:grpSpMk id="11" creationId="{13A90E00-530A-4F48-802E-B5B7BCD2F114}"/>
+          </ac:grpSpMkLst>
+        </pc:grpChg>
+        <pc:picChg chg="mod topLvl">
+          <ac:chgData name="Fernando C Correa" userId="a08d7f3c16d54179" providerId="LiveId" clId="{DAECEB32-C126-44A1-B729-3AADB1682972}" dt="2020-06-17T02:00:05.442" v="1478" actId="1076"/>
+          <ac:picMkLst>
+            <pc:docMk/>
+            <pc:sldMk cId="1298849621" sldId="303"/>
+            <ac:picMk id="15" creationId="{9EFFC1ED-EB5D-40C9-8C8D-2B87AAB8168C}"/>
+          </ac:picMkLst>
+        </pc:picChg>
+      </pc:sldChg>
+      <pc:sldChg chg="addSp delSp modSp add mod modAnim">
+        <pc:chgData name="Fernando C Correa" userId="a08d7f3c16d54179" providerId="LiveId" clId="{DAECEB32-C126-44A1-B729-3AADB1682972}" dt="2020-06-17T02:30:23.844" v="1738"/>
+        <pc:sldMkLst>
+          <pc:docMk/>
+          <pc:sldMk cId="2190780406" sldId="304"/>
+        </pc:sldMkLst>
+        <pc:spChg chg="mod">
+          <ac:chgData name="Fernando C Correa" userId="a08d7f3c16d54179" providerId="LiveId" clId="{DAECEB32-C126-44A1-B729-3AADB1682972}" dt="2020-06-17T02:17:47.791" v="1490"/>
+          <ac:spMkLst>
+            <pc:docMk/>
+            <pc:sldMk cId="2190780406" sldId="304"/>
+            <ac:spMk id="2" creationId="{00000000-0000-0000-0000-000000000000}"/>
+          </ac:spMkLst>
+        </pc:spChg>
+        <pc:spChg chg="mod">
+          <ac:chgData name="Fernando C Correa" userId="a08d7f3c16d54179" providerId="LiveId" clId="{DAECEB32-C126-44A1-B729-3AADB1682972}" dt="2020-06-17T01:00:57.801" v="883" actId="14861"/>
+          <ac:spMkLst>
+            <pc:docMk/>
+            <pc:sldMk cId="2190780406" sldId="304"/>
+            <ac:spMk id="9" creationId="{9DB075A3-56FB-45D0-9830-D7302566A0CB}"/>
+          </ac:spMkLst>
+        </pc:spChg>
+        <pc:spChg chg="add mod">
+          <ac:chgData name="Fernando C Correa" userId="a08d7f3c16d54179" providerId="LiveId" clId="{DAECEB32-C126-44A1-B729-3AADB1682972}" dt="2020-06-17T02:18:09.190" v="1512"/>
+          <ac:spMkLst>
+            <pc:docMk/>
+            <pc:sldMk cId="2190780406" sldId="304"/>
+            <ac:spMk id="16" creationId="{DE7433E1-F016-48B0-8744-19C111456B85}"/>
+          </ac:spMkLst>
+        </pc:spChg>
+        <pc:spChg chg="add del mod">
+          <ac:chgData name="Fernando C Correa" userId="a08d7f3c16d54179" providerId="LiveId" clId="{DAECEB32-C126-44A1-B729-3AADB1682972}" dt="2020-06-17T02:23:51.499" v="1659" actId="478"/>
+          <ac:spMkLst>
+            <pc:docMk/>
+            <pc:sldMk cId="2190780406" sldId="304"/>
+            <ac:spMk id="17" creationId="{F1BCBA0F-55D5-4849-8768-F16C59B94E83}"/>
+          </ac:spMkLst>
+        </pc:spChg>
+        <pc:spChg chg="add del mod">
+          <ac:chgData name="Fernando C Correa" userId="a08d7f3c16d54179" providerId="LiveId" clId="{DAECEB32-C126-44A1-B729-3AADB1682972}" dt="2020-06-17T02:23:50.367" v="1658" actId="478"/>
+          <ac:spMkLst>
+            <pc:docMk/>
+            <pc:sldMk cId="2190780406" sldId="304"/>
+            <ac:spMk id="18" creationId="{659942B3-24BD-4014-AF22-BADF5133F2EC}"/>
+          </ac:spMkLst>
+        </pc:spChg>
+        <pc:spChg chg="add del mod">
+          <ac:chgData name="Fernando C Correa" userId="a08d7f3c16d54179" providerId="LiveId" clId="{DAECEB32-C126-44A1-B729-3AADB1682972}" dt="2020-06-17T02:25:56.668" v="1681" actId="478"/>
+          <ac:spMkLst>
+            <pc:docMk/>
+            <pc:sldMk cId="2190780406" sldId="304"/>
+            <ac:spMk id="19" creationId="{974D8D49-F80C-48C7-856E-1EF50F0BAE56}"/>
+          </ac:spMkLst>
+        </pc:spChg>
+        <pc:spChg chg="add mod">
+          <ac:chgData name="Fernando C Correa" userId="a08d7f3c16d54179" providerId="LiveId" clId="{DAECEB32-C126-44A1-B729-3AADB1682972}" dt="2020-06-17T02:26:04.959" v="1684" actId="1035"/>
+          <ac:spMkLst>
+            <pc:docMk/>
+            <pc:sldMk cId="2190780406" sldId="304"/>
+            <ac:spMk id="20" creationId="{E81768B2-0974-4D89-BB1D-234A1ECBF059}"/>
+          </ac:spMkLst>
+        </pc:spChg>
+        <pc:picChg chg="del">
+          <ac:chgData name="Fernando C Correa" userId="a08d7f3c16d54179" providerId="LiveId" clId="{DAECEB32-C126-44A1-B729-3AADB1682972}" dt="2020-06-17T00:59:04.878" v="868" actId="478"/>
+          <ac:picMkLst>
+            <pc:docMk/>
+            <pc:sldMk cId="2190780406" sldId="304"/>
+            <ac:picMk id="4" creationId="{CE59E904-DE2E-44FD-8FAC-39DBA644EE5C}"/>
+          </ac:picMkLst>
+        </pc:picChg>
+        <pc:picChg chg="add mod">
+          <ac:chgData name="Fernando C Correa" userId="a08d7f3c16d54179" providerId="LiveId" clId="{DAECEB32-C126-44A1-B729-3AADB1682972}" dt="2020-06-17T02:18:44.471" v="1524" actId="1076"/>
+          <ac:picMkLst>
+            <pc:docMk/>
+            <pc:sldMk cId="2190780406" sldId="304"/>
+            <ac:picMk id="15" creationId="{A03E8544-6208-4BA9-93EB-9C6D1B7FED2F}"/>
+          </ac:picMkLst>
+        </pc:picChg>
+      </pc:sldChg>
+      <pc:sldChg chg="addSp delSp modSp add mod modAnim">
+        <pc:chgData name="Fernando C Correa" userId="a08d7f3c16d54179" providerId="LiveId" clId="{DAECEB32-C126-44A1-B729-3AADB1682972}" dt="2020-06-17T02:30:34.018" v="1741"/>
+        <pc:sldMkLst>
+          <pc:docMk/>
+          <pc:sldMk cId="1108433508" sldId="305"/>
+        </pc:sldMkLst>
+        <pc:spChg chg="mod">
+          <ac:chgData name="Fernando C Correa" userId="a08d7f3c16d54179" providerId="LiveId" clId="{DAECEB32-C126-44A1-B729-3AADB1682972}" dt="2020-06-17T02:17:48.948" v="1491"/>
+          <ac:spMkLst>
+            <pc:docMk/>
+            <pc:sldMk cId="1108433508" sldId="305"/>
+            <ac:spMk id="2" creationId="{00000000-0000-0000-0000-000000000000}"/>
+          </ac:spMkLst>
+        </pc:spChg>
+        <pc:spChg chg="mod">
+          <ac:chgData name="Fernando C Correa" userId="a08d7f3c16d54179" providerId="LiveId" clId="{DAECEB32-C126-44A1-B729-3AADB1682972}" dt="2020-06-17T01:01:13.897" v="886" actId="14861"/>
+          <ac:spMkLst>
+            <pc:docMk/>
+            <pc:sldMk cId="1108433508" sldId="305"/>
+            <ac:spMk id="11" creationId="{16EB44B9-02AC-4947-965B-A08DBFC98023}"/>
+          </ac:spMkLst>
+        </pc:spChg>
+        <pc:spChg chg="add mod">
+          <ac:chgData name="Fernando C Correa" userId="a08d7f3c16d54179" providerId="LiveId" clId="{DAECEB32-C126-44A1-B729-3AADB1682972}" dt="2020-06-17T02:18:10.048" v="1513"/>
+          <ac:spMkLst>
+            <pc:docMk/>
+            <pc:sldMk cId="1108433508" sldId="305"/>
+            <ac:spMk id="16" creationId="{9CAE165D-3AF6-4FCE-B520-4EEFC17CCA76}"/>
+          </ac:spMkLst>
+        </pc:spChg>
+        <pc:spChg chg="add del mod">
+          <ac:chgData name="Fernando C Correa" userId="a08d7f3c16d54179" providerId="LiveId" clId="{DAECEB32-C126-44A1-B729-3AADB1682972}" dt="2020-06-17T02:23:55.170" v="1661" actId="478"/>
+          <ac:spMkLst>
+            <pc:docMk/>
+            <pc:sldMk cId="1108433508" sldId="305"/>
+            <ac:spMk id="17" creationId="{870486AD-7A8E-4215-93BE-A1A37CCB92F5}"/>
+          </ac:spMkLst>
+        </pc:spChg>
+        <pc:spChg chg="add del mod">
+          <ac:chgData name="Fernando C Correa" userId="a08d7f3c16d54179" providerId="LiveId" clId="{DAECEB32-C126-44A1-B729-3AADB1682972}" dt="2020-06-17T02:26:18.629" v="1687" actId="478"/>
+          <ac:spMkLst>
+            <pc:docMk/>
+            <pc:sldMk cId="1108433508" sldId="305"/>
+            <ac:spMk id="18" creationId="{74EB7E30-C5B4-4282-A710-7697524D2F24}"/>
+          </ac:spMkLst>
+        </pc:spChg>
+        <pc:spChg chg="add mod">
+          <ac:chgData name="Fernando C Correa" userId="a08d7f3c16d54179" providerId="LiveId" clId="{DAECEB32-C126-44A1-B729-3AADB1682972}" dt="2020-06-17T02:26:18.871" v="1688"/>
+          <ac:spMkLst>
+            <pc:docMk/>
+            <pc:sldMk cId="1108433508" sldId="305"/>
+            <ac:spMk id="19" creationId="{A35B23B1-1021-49FF-AFA3-419F50FF7B69}"/>
+          </ac:spMkLst>
+        </pc:spChg>
+        <pc:picChg chg="del">
+          <ac:chgData name="Fernando C Correa" userId="a08d7f3c16d54179" providerId="LiveId" clId="{DAECEB32-C126-44A1-B729-3AADB1682972}" dt="2020-06-17T00:59:23.905" v="876" actId="478"/>
+          <ac:picMkLst>
+            <pc:docMk/>
+            <pc:sldMk cId="1108433508" sldId="305"/>
+            <ac:picMk id="4" creationId="{CE59E904-DE2E-44FD-8FAC-39DBA644EE5C}"/>
+          </ac:picMkLst>
+        </pc:picChg>
+        <pc:picChg chg="add mod">
+          <ac:chgData name="Fernando C Correa" userId="a08d7f3c16d54179" providerId="LiveId" clId="{DAECEB32-C126-44A1-B729-3AADB1682972}" dt="2020-06-17T02:18:39.473" v="1523" actId="1076"/>
+          <ac:picMkLst>
+            <pc:docMk/>
+            <pc:sldMk cId="1108433508" sldId="305"/>
+            <ac:picMk id="15" creationId="{62BC3115-E732-4ECB-969D-3C5D1EFDDC7C}"/>
+          </ac:picMkLst>
+        </pc:picChg>
+      </pc:sldChg>
+      <pc:sldChg chg="addSp delSp modSp add del mod">
+        <pc:chgData name="Fernando C Correa" userId="a08d7f3c16d54179" providerId="LiveId" clId="{DAECEB32-C126-44A1-B729-3AADB1682972}" dt="2020-06-17T01:22:10.330" v="1068" actId="47"/>
+        <pc:sldMkLst>
+          <pc:docMk/>
+          <pc:sldMk cId="4089909747" sldId="306"/>
+        </pc:sldMkLst>
+        <pc:spChg chg="add del mod">
+          <ac:chgData name="Fernando C Correa" userId="a08d7f3c16d54179" providerId="LiveId" clId="{DAECEB32-C126-44A1-B729-3AADB1682972}" dt="2020-06-17T01:21:10.871" v="1049" actId="478"/>
+          <ac:spMkLst>
+            <pc:docMk/>
+            <pc:sldMk cId="4089909747" sldId="306"/>
+            <ac:spMk id="16" creationId="{C2FFB967-D7A9-4302-B5ED-452AA0E310E3}"/>
+          </ac:spMkLst>
+        </pc:spChg>
+        <pc:spChg chg="add mod">
+          <ac:chgData name="Fernando C Correa" userId="a08d7f3c16d54179" providerId="LiveId" clId="{DAECEB32-C126-44A1-B729-3AADB1682972}" dt="2020-06-17T01:21:18.065" v="1063" actId="404"/>
+          <ac:spMkLst>
+            <pc:docMk/>
+            <pc:sldMk cId="4089909747" sldId="306"/>
+            <ac:spMk id="17" creationId="{35C698DF-301F-4EDE-B6DA-F4F0DF2CCC68}"/>
+          </ac:spMkLst>
+        </pc:spChg>
+        <pc:spChg chg="add mod">
+          <ac:chgData name="Fernando C Correa" userId="a08d7f3c16d54179" providerId="LiveId" clId="{DAECEB32-C126-44A1-B729-3AADB1682972}" dt="2020-06-17T01:21:16.906" v="1061" actId="14861"/>
+          <ac:spMkLst>
+            <pc:docMk/>
+            <pc:sldMk cId="4089909747" sldId="306"/>
+            <ac:spMk id="18" creationId="{610213D2-BACA-4B72-A835-AFEB1589A77E}"/>
+          </ac:spMkLst>
+        </pc:spChg>
+        <pc:picChg chg="add mod">
+          <ac:chgData name="Fernando C Correa" userId="a08d7f3c16d54179" providerId="LiveId" clId="{DAECEB32-C126-44A1-B729-3AADB1682972}" dt="2020-06-17T01:21:10.514" v="1048" actId="1076"/>
+          <ac:picMkLst>
+            <pc:docMk/>
+            <pc:sldMk cId="4089909747" sldId="306"/>
+            <ac:picMk id="3" creationId="{29CBDD1E-0AF7-45F9-84D5-EB37009A651F}"/>
+          </ac:picMkLst>
+        </pc:picChg>
+        <pc:picChg chg="add del mod modCrop">
+          <ac:chgData name="Fernando C Correa" userId="a08d7f3c16d54179" providerId="LiveId" clId="{DAECEB32-C126-44A1-B729-3AADB1682972}" dt="2020-06-17T01:21:10.871" v="1049" actId="478"/>
+          <ac:picMkLst>
+            <pc:docMk/>
+            <pc:sldMk cId="4089909747" sldId="306"/>
+            <ac:picMk id="10" creationId="{0F6FBFBF-7EA7-4332-BC5B-850168EEA23E}"/>
+          </ac:picMkLst>
+        </pc:picChg>
+        <pc:picChg chg="del">
+          <ac:chgData name="Fernando C Correa" userId="a08d7f3c16d54179" providerId="LiveId" clId="{DAECEB32-C126-44A1-B729-3AADB1682972}" dt="2020-06-17T01:15:27.431" v="988" actId="478"/>
+          <ac:picMkLst>
+            <pc:docMk/>
+            <pc:sldMk cId="4089909747" sldId="306"/>
+            <ac:picMk id="11" creationId="{8F1A4823-8682-41E7-A5C1-1ABA20505B18}"/>
+          </ac:picMkLst>
+        </pc:picChg>
+        <pc:picChg chg="add del mod">
+          <ac:chgData name="Fernando C Correa" userId="a08d7f3c16d54179" providerId="LiveId" clId="{DAECEB32-C126-44A1-B729-3AADB1682972}" dt="2020-06-17T01:15:44.163" v="998" actId="478"/>
+          <ac:picMkLst>
+            <pc:docMk/>
+            <pc:sldMk cId="4089909747" sldId="306"/>
+            <ac:picMk id="15" creationId="{4E3D15D1-6C66-4859-8D2D-7DECB3E481F5}"/>
+          </ac:picMkLst>
+        </pc:picChg>
+      </pc:sldChg>
+      <pc:sldChg chg="modSp add mod">
+        <pc:chgData name="Fernando C Correa" userId="a08d7f3c16d54179" providerId="LiveId" clId="{DAECEB32-C126-44A1-B729-3AADB1682972}" dt="2020-06-17T01:22:18.711" v="1080" actId="20577"/>
+        <pc:sldMkLst>
+          <pc:docMk/>
+          <pc:sldMk cId="2406040227" sldId="307"/>
+        </pc:sldMkLst>
+        <pc:spChg chg="mod">
+          <ac:chgData name="Fernando C Correa" userId="a08d7f3c16d54179" providerId="LiveId" clId="{DAECEB32-C126-44A1-B729-3AADB1682972}" dt="2020-06-17T01:22:18.711" v="1080" actId="20577"/>
+          <ac:spMkLst>
+            <pc:docMk/>
+            <pc:sldMk cId="2406040227" sldId="307"/>
+            <ac:spMk id="2" creationId="{00000000-0000-0000-0000-000000000000}"/>
+          </ac:spMkLst>
+        </pc:spChg>
+      </pc:sldChg>
+      <pc:sldChg chg="delSp modSp add del mod">
+        <pc:chgData name="Fernando C Correa" userId="a08d7f3c16d54179" providerId="LiveId" clId="{DAECEB32-C126-44A1-B729-3AADB1682972}" dt="2020-06-17T02:31:03.540" v="1748" actId="47"/>
+        <pc:sldMkLst>
+          <pc:docMk/>
+          <pc:sldMk cId="4245811857" sldId="308"/>
+        </pc:sldMkLst>
+        <pc:grpChg chg="del mod">
+          <ac:chgData name="Fernando C Correa" userId="a08d7f3c16d54179" providerId="LiveId" clId="{DAECEB32-C126-44A1-B729-3AADB1682972}" dt="2020-06-17T02:28:09.227" v="1710" actId="165"/>
+          <ac:grpSpMkLst>
+            <pc:docMk/>
+            <pc:sldMk cId="4245811857" sldId="308"/>
+            <ac:grpSpMk id="11" creationId="{E4EA4F72-EFE3-4F09-A7E7-6AABF9ABBF18}"/>
+          </ac:grpSpMkLst>
+        </pc:grpChg>
+        <pc:picChg chg="mod topLvl">
+          <ac:chgData name="Fernando C Correa" userId="a08d7f3c16d54179" providerId="LiveId" clId="{DAECEB32-C126-44A1-B729-3AADB1682972}" dt="2020-06-17T02:29:00.873" v="1722" actId="14100"/>
+          <ac:picMkLst>
+            <pc:docMk/>
+            <pc:sldMk cId="4245811857" sldId="308"/>
+            <ac:picMk id="15" creationId="{E3972336-02C1-47CD-97B1-80ABC70FA9B7}"/>
+          </ac:picMkLst>
+        </pc:picChg>
+        <pc:picChg chg="mod topLvl">
+          <ac:chgData name="Fernando C Correa" userId="a08d7f3c16d54179" providerId="LiveId" clId="{DAECEB32-C126-44A1-B729-3AADB1682972}" dt="2020-06-17T02:28:48.863" v="1719" actId="1036"/>
+          <ac:picMkLst>
+            <pc:docMk/>
+            <pc:sldMk cId="4245811857" sldId="308"/>
+            <ac:picMk id="16" creationId="{20781BF0-8212-4D1A-9E98-63B0F1909496}"/>
+          </ac:picMkLst>
+        </pc:picChg>
+        <pc:picChg chg="mod topLvl">
+          <ac:chgData name="Fernando C Correa" userId="a08d7f3c16d54179" providerId="LiveId" clId="{DAECEB32-C126-44A1-B729-3AADB1682972}" dt="2020-06-17T02:29:06.078" v="1723" actId="1076"/>
+          <ac:picMkLst>
+            <pc:docMk/>
+            <pc:sldMk cId="4245811857" sldId="308"/>
+            <ac:picMk id="17" creationId="{040851DC-21ED-45C7-8F74-D947F2610DF4}"/>
+          </ac:picMkLst>
+        </pc:picChg>
+        <pc:picChg chg="mod topLvl">
+          <ac:chgData name="Fernando C Correa" userId="a08d7f3c16d54179" providerId="LiveId" clId="{DAECEB32-C126-44A1-B729-3AADB1682972}" dt="2020-06-17T02:29:13.692" v="1724" actId="1076"/>
+          <ac:picMkLst>
+            <pc:docMk/>
+            <pc:sldMk cId="4245811857" sldId="308"/>
+            <ac:picMk id="18" creationId="{E06E4486-40EB-49C0-BDD4-6308F01F4996}"/>
           </ac:picMkLst>
         </pc:picChg>
       </pc:sldChg>
@@ -29124,7 +30735,7 @@
           <a:p>
             <a:r>
               <a:rPr lang="pt-BR" dirty="0"/>
-              <a:t>Planilha de Software</a:t>
+              <a:t>Artefatos</a:t>
             </a:r>
           </a:p>
         </p:txBody>
@@ -29500,7 +31111,7 @@
         </p:blipFill>
         <p:spPr>
           <a:xfrm>
-            <a:off x="92363" y="2261470"/>
+            <a:off x="92363" y="2575175"/>
             <a:ext cx="12007273" cy="2821818"/>
           </a:xfrm>
           <a:prstGeom prst="rect">
@@ -29508,6 +31119,230 @@
           </a:prstGeom>
         </p:spPr>
       </p:pic>
+      <p:sp>
+        <p:nvSpPr>
+          <p:cNvPr id="8" name="CaixaDeTexto 7">
+            <a:extLst>
+              <a:ext uri="{FF2B5EF4-FFF2-40B4-BE49-F238E27FC236}">
+                <a16:creationId xmlns:a16="http://schemas.microsoft.com/office/drawing/2014/main" id="{348AA170-19B8-4A63-90A8-909245589B0D}"/>
+              </a:ext>
+            </a:extLst>
+          </p:cNvPr>
+          <p:cNvSpPr txBox="1"/>
+          <p:nvPr/>
+        </p:nvSpPr>
+        <p:spPr>
+          <a:xfrm>
+            <a:off x="2244588" y="1320341"/>
+            <a:ext cx="1597469" cy="338554"/>
+          </a:xfrm>
+          <a:prstGeom prst="rect">
+            <a:avLst/>
+          </a:prstGeom>
+          <a:noFill/>
+          <a:effectLst/>
+        </p:spPr>
+        <p:txBody>
+          <a:bodyPr wrap="square" rtlCol="0">
+            <a:spAutoFit/>
+          </a:bodyPr>
+          <a:lstStyle/>
+          <a:p>
+            <a:r>
+              <a:rPr lang="pt-BR" sz="1600" dirty="0" err="1"/>
+              <a:t>Proto-persona</a:t>
+            </a:r>
+            <a:endParaRPr lang="pt-BR" dirty="0"/>
+          </a:p>
+        </p:txBody>
+      </p:sp>
+      <p:sp>
+        <p:nvSpPr>
+          <p:cNvPr id="9" name="CaixaDeTexto 8">
+            <a:extLst>
+              <a:ext uri="{FF2B5EF4-FFF2-40B4-BE49-F238E27FC236}">
+                <a16:creationId xmlns:a16="http://schemas.microsoft.com/office/drawing/2014/main" id="{6F8FD17E-2A3E-4994-BB19-C36F5C73DAF1}"/>
+              </a:ext>
+            </a:extLst>
+          </p:cNvPr>
+          <p:cNvSpPr txBox="1"/>
+          <p:nvPr/>
+        </p:nvSpPr>
+        <p:spPr>
+          <a:xfrm>
+            <a:off x="3847413" y="1320341"/>
+            <a:ext cx="1321542" cy="338554"/>
+          </a:xfrm>
+          <a:prstGeom prst="rect">
+            <a:avLst/>
+          </a:prstGeom>
+          <a:noFill/>
+          <a:effectLst/>
+        </p:spPr>
+        <p:txBody>
+          <a:bodyPr wrap="square" rtlCol="0">
+            <a:spAutoFit/>
+          </a:bodyPr>
+          <a:lstStyle/>
+          <a:p>
+            <a:r>
+              <a:rPr lang="pt-BR" sz="1600" dirty="0" err="1"/>
+              <a:t>StoryBoard</a:t>
+            </a:r>
+            <a:endParaRPr lang="pt-BR" sz="1600" dirty="0"/>
+          </a:p>
+        </p:txBody>
+      </p:sp>
+      <p:sp>
+        <p:nvSpPr>
+          <p:cNvPr id="15" name="CaixaDeTexto 14">
+            <a:extLst>
+              <a:ext uri="{FF2B5EF4-FFF2-40B4-BE49-F238E27FC236}">
+                <a16:creationId xmlns:a16="http://schemas.microsoft.com/office/drawing/2014/main" id="{E01DF4B4-465C-4836-823C-8ACF07B4A04E}"/>
+              </a:ext>
+            </a:extLst>
+          </p:cNvPr>
+          <p:cNvSpPr txBox="1"/>
+          <p:nvPr/>
+        </p:nvSpPr>
+        <p:spPr>
+          <a:xfrm>
+            <a:off x="5285150" y="1320341"/>
+            <a:ext cx="1199701" cy="338554"/>
+          </a:xfrm>
+          <a:prstGeom prst="rect">
+            <a:avLst/>
+          </a:prstGeom>
+          <a:noFill/>
+          <a:effectLst/>
+        </p:spPr>
+        <p:txBody>
+          <a:bodyPr wrap="square" rtlCol="0">
+            <a:spAutoFit/>
+          </a:bodyPr>
+          <a:lstStyle/>
+          <a:p>
+            <a:r>
+              <a:rPr lang="pt-BR" sz="1600" dirty="0"/>
+              <a:t>Requisitos</a:t>
+            </a:r>
+            <a:endParaRPr lang="pt-BR" dirty="0"/>
+          </a:p>
+        </p:txBody>
+      </p:sp>
+      <p:sp>
+        <p:nvSpPr>
+          <p:cNvPr id="16" name="CaixaDeTexto 15">
+            <a:extLst>
+              <a:ext uri="{FF2B5EF4-FFF2-40B4-BE49-F238E27FC236}">
+                <a16:creationId xmlns:a16="http://schemas.microsoft.com/office/drawing/2014/main" id="{E7C95CF2-0E96-45FD-84F0-F8B4B80A1B9D}"/>
+              </a:ext>
+            </a:extLst>
+          </p:cNvPr>
+          <p:cNvSpPr txBox="1"/>
+          <p:nvPr/>
+        </p:nvSpPr>
+        <p:spPr>
+          <a:xfrm>
+            <a:off x="6661200" y="1320341"/>
+            <a:ext cx="898530" cy="338554"/>
+          </a:xfrm>
+          <a:prstGeom prst="rect">
+            <a:avLst/>
+          </a:prstGeom>
+          <a:noFill/>
+        </p:spPr>
+        <p:txBody>
+          <a:bodyPr wrap="square" rtlCol="0">
+            <a:spAutoFit/>
+          </a:bodyPr>
+          <a:lstStyle/>
+          <a:p>
+            <a:r>
+              <a:rPr lang="pt-BR" sz="1600" dirty="0"/>
+              <a:t>BPMN</a:t>
+            </a:r>
+            <a:endParaRPr lang="pt-BR" dirty="0"/>
+          </a:p>
+        </p:txBody>
+      </p:sp>
+      <p:sp>
+        <p:nvSpPr>
+          <p:cNvPr id="17" name="CaixaDeTexto 16">
+            <a:extLst>
+              <a:ext uri="{FF2B5EF4-FFF2-40B4-BE49-F238E27FC236}">
+                <a16:creationId xmlns:a16="http://schemas.microsoft.com/office/drawing/2014/main" id="{4761BB05-E8FC-4963-83D4-851EAED86DFA}"/>
+              </a:ext>
+            </a:extLst>
+          </p:cNvPr>
+          <p:cNvSpPr txBox="1"/>
+          <p:nvPr/>
+        </p:nvSpPr>
+        <p:spPr>
+          <a:xfrm>
+            <a:off x="7709972" y="1320341"/>
+            <a:ext cx="2070837" cy="338554"/>
+          </a:xfrm>
+          <a:prstGeom prst="rect">
+            <a:avLst/>
+          </a:prstGeom>
+          <a:noFill/>
+        </p:spPr>
+        <p:txBody>
+          <a:bodyPr wrap="square" rtlCol="0">
+            <a:spAutoFit/>
+          </a:bodyPr>
+          <a:lstStyle/>
+          <a:p>
+            <a:r>
+              <a:rPr lang="pt-BR" sz="1600" dirty="0"/>
+              <a:t>Desenho de Solução</a:t>
+            </a:r>
+          </a:p>
+        </p:txBody>
+      </p:sp>
+      <p:sp>
+        <p:nvSpPr>
+          <p:cNvPr id="18" name="CaixaDeTexto 17">
+            <a:extLst>
+              <a:ext uri="{FF2B5EF4-FFF2-40B4-BE49-F238E27FC236}">
+                <a16:creationId xmlns:a16="http://schemas.microsoft.com/office/drawing/2014/main" id="{DA8A93A9-B515-40BF-A842-1BA9BACDDF03}"/>
+              </a:ext>
+            </a:extLst>
+          </p:cNvPr>
+          <p:cNvSpPr txBox="1"/>
+          <p:nvPr/>
+        </p:nvSpPr>
+        <p:spPr>
+          <a:xfrm>
+            <a:off x="9864699" y="1310816"/>
+            <a:ext cx="2277975" cy="369332"/>
+          </a:xfrm>
+          <a:prstGeom prst="rect">
+            <a:avLst/>
+          </a:prstGeom>
+          <a:noFill/>
+          <a:effectLst>
+            <a:outerShdw blurRad="50800" dist="38100" dir="5400000" algn="t" rotWithShape="0">
+              <a:prstClr val="black">
+                <a:alpha val="40000"/>
+              </a:prstClr>
+            </a:outerShdw>
+          </a:effectLst>
+        </p:spPr>
+        <p:txBody>
+          <a:bodyPr wrap="square" rtlCol="0">
+            <a:spAutoFit/>
+          </a:bodyPr>
+          <a:lstStyle/>
+          <a:p>
+            <a:r>
+              <a:rPr lang="pt-BR" dirty="0"/>
+              <a:t>Planilha de Software</a:t>
+            </a:r>
+          </a:p>
+        </p:txBody>
+      </p:sp>
     </p:spTree>
     <p:extLst>
       <p:ext uri="{BB962C8B-B14F-4D97-AF65-F5344CB8AC3E}">
@@ -29518,6 +31353,237 @@
   <p:clrMapOvr>
     <a:masterClrMapping/>
   </p:clrMapOvr>
+  <p:timing>
+    <p:tnLst>
+      <p:par>
+        <p:cTn id="1" dur="indefinite" restart="never" nodeType="tmRoot">
+          <p:childTnLst>
+            <p:seq concurrent="1" nextAc="seek">
+              <p:cTn id="2" dur="indefinite" nodeType="mainSeq">
+                <p:childTnLst>
+                  <p:par>
+                    <p:cTn id="3" fill="hold">
+                      <p:stCondLst>
+                        <p:cond delay="indefinite"/>
+                        <p:cond evt="onBegin" delay="0">
+                          <p:tn val="2"/>
+                        </p:cond>
+                      </p:stCondLst>
+                      <p:childTnLst>
+                        <p:par>
+                          <p:cTn id="4" fill="hold">
+                            <p:stCondLst>
+                              <p:cond delay="0"/>
+                            </p:stCondLst>
+                            <p:childTnLst>
+                              <p:par>
+                                <p:cTn id="5" presetID="53" presetClass="entr" presetSubtype="16" fill="hold" nodeType="withEffect">
+                                  <p:stCondLst>
+                                    <p:cond delay="0"/>
+                                  </p:stCondLst>
+                                  <p:childTnLst>
+                                    <p:set>
+                                      <p:cBhvr>
+                                        <p:cTn id="6" dur="1" fill="hold">
+                                          <p:stCondLst>
+                                            <p:cond delay="0"/>
+                                          </p:stCondLst>
+                                        </p:cTn>
+                                        <p:tgtEl>
+                                          <p:spTgt spid="11"/>
+                                        </p:tgtEl>
+                                        <p:attrNameLst>
+                                          <p:attrName>style.visibility</p:attrName>
+                                        </p:attrNameLst>
+                                      </p:cBhvr>
+                                      <p:to>
+                                        <p:strVal val="visible"/>
+                                      </p:to>
+                                    </p:set>
+                                    <p:anim calcmode="lin" valueType="num">
+                                      <p:cBhvr>
+                                        <p:cTn id="7" dur="500" fill="hold"/>
+                                        <p:tgtEl>
+                                          <p:spTgt spid="11"/>
+                                        </p:tgtEl>
+                                        <p:attrNameLst>
+                                          <p:attrName>ppt_w</p:attrName>
+                                        </p:attrNameLst>
+                                      </p:cBhvr>
+                                      <p:tavLst>
+                                        <p:tav tm="0">
+                                          <p:val>
+                                            <p:fltVal val="0"/>
+                                          </p:val>
+                                        </p:tav>
+                                        <p:tav tm="100000">
+                                          <p:val>
+                                            <p:strVal val="#ppt_w"/>
+                                          </p:val>
+                                        </p:tav>
+                                      </p:tavLst>
+                                    </p:anim>
+                                    <p:anim calcmode="lin" valueType="num">
+                                      <p:cBhvr>
+                                        <p:cTn id="8" dur="500" fill="hold"/>
+                                        <p:tgtEl>
+                                          <p:spTgt spid="11"/>
+                                        </p:tgtEl>
+                                        <p:attrNameLst>
+                                          <p:attrName>ppt_h</p:attrName>
+                                        </p:attrNameLst>
+                                      </p:cBhvr>
+                                      <p:tavLst>
+                                        <p:tav tm="0">
+                                          <p:val>
+                                            <p:fltVal val="0"/>
+                                          </p:val>
+                                        </p:tav>
+                                        <p:tav tm="100000">
+                                          <p:val>
+                                            <p:strVal val="#ppt_h"/>
+                                          </p:val>
+                                        </p:tav>
+                                      </p:tavLst>
+                                    </p:anim>
+                                    <p:animEffect transition="in" filter="fade">
+                                      <p:cBhvr>
+                                        <p:cTn id="9" dur="500"/>
+                                        <p:tgtEl>
+                                          <p:spTgt spid="11"/>
+                                        </p:tgtEl>
+                                      </p:cBhvr>
+                                    </p:animEffect>
+                                  </p:childTnLst>
+                                </p:cTn>
+                              </p:par>
+                            </p:childTnLst>
+                          </p:cTn>
+                        </p:par>
+                      </p:childTnLst>
+                    </p:cTn>
+                  </p:par>
+                  <p:par>
+                    <p:cTn id="10" fill="hold">
+                      <p:stCondLst>
+                        <p:cond delay="indefinite"/>
+                      </p:stCondLst>
+                      <p:childTnLst>
+                        <p:par>
+                          <p:cTn id="11" fill="hold">
+                            <p:stCondLst>
+                              <p:cond delay="0"/>
+                            </p:stCondLst>
+                            <p:childTnLst>
+                              <p:par>
+                                <p:cTn id="12" presetID="53" presetClass="exit" presetSubtype="32" fill="hold" nodeType="clickEffect">
+                                  <p:stCondLst>
+                                    <p:cond delay="0"/>
+                                  </p:stCondLst>
+                                  <p:childTnLst>
+                                    <p:anim calcmode="lin" valueType="num">
+                                      <p:cBhvr>
+                                        <p:cTn id="13" dur="500"/>
+                                        <p:tgtEl>
+                                          <p:spTgt spid="11"/>
+                                        </p:tgtEl>
+                                        <p:attrNameLst>
+                                          <p:attrName>ppt_w</p:attrName>
+                                        </p:attrNameLst>
+                                      </p:cBhvr>
+                                      <p:tavLst>
+                                        <p:tav tm="0">
+                                          <p:val>
+                                            <p:strVal val="ppt_w"/>
+                                          </p:val>
+                                        </p:tav>
+                                        <p:tav tm="100000">
+                                          <p:val>
+                                            <p:fltVal val="0"/>
+                                          </p:val>
+                                        </p:tav>
+                                      </p:tavLst>
+                                    </p:anim>
+                                    <p:anim calcmode="lin" valueType="num">
+                                      <p:cBhvr>
+                                        <p:cTn id="14" dur="500"/>
+                                        <p:tgtEl>
+                                          <p:spTgt spid="11"/>
+                                        </p:tgtEl>
+                                        <p:attrNameLst>
+                                          <p:attrName>ppt_h</p:attrName>
+                                        </p:attrNameLst>
+                                      </p:cBhvr>
+                                      <p:tavLst>
+                                        <p:tav tm="0">
+                                          <p:val>
+                                            <p:strVal val="ppt_h"/>
+                                          </p:val>
+                                        </p:tav>
+                                        <p:tav tm="100000">
+                                          <p:val>
+                                            <p:fltVal val="0"/>
+                                          </p:val>
+                                        </p:tav>
+                                      </p:tavLst>
+                                    </p:anim>
+                                    <p:animEffect transition="out" filter="fade">
+                                      <p:cBhvr>
+                                        <p:cTn id="15" dur="500"/>
+                                        <p:tgtEl>
+                                          <p:spTgt spid="11"/>
+                                        </p:tgtEl>
+                                      </p:cBhvr>
+                                    </p:animEffect>
+                                    <p:set>
+                                      <p:cBhvr>
+                                        <p:cTn id="16" dur="1" fill="hold">
+                                          <p:stCondLst>
+                                            <p:cond delay="499"/>
+                                          </p:stCondLst>
+                                        </p:cTn>
+                                        <p:tgtEl>
+                                          <p:spTgt spid="11"/>
+                                        </p:tgtEl>
+                                        <p:attrNameLst>
+                                          <p:attrName>style.visibility</p:attrName>
+                                        </p:attrNameLst>
+                                      </p:cBhvr>
+                                      <p:to>
+                                        <p:strVal val="hidden"/>
+                                      </p:to>
+                                    </p:set>
+                                  </p:childTnLst>
+                                </p:cTn>
+                              </p:par>
+                            </p:childTnLst>
+                          </p:cTn>
+                        </p:par>
+                      </p:childTnLst>
+                    </p:cTn>
+                  </p:par>
+                </p:childTnLst>
+              </p:cTn>
+              <p:prevCondLst>
+                <p:cond evt="onPrev" delay="0">
+                  <p:tgtEl>
+                    <p:sldTgt/>
+                  </p:tgtEl>
+                </p:cond>
+              </p:prevCondLst>
+              <p:nextCondLst>
+                <p:cond evt="onNext" delay="0">
+                  <p:tgtEl>
+                    <p:sldTgt/>
+                  </p:tgtEl>
+                </p:cond>
+              </p:nextCondLst>
+            </p:seq>
+          </p:childTnLst>
+        </p:cTn>
+      </p:par>
+    </p:tnLst>
+  </p:timing>
 </p:sld>
 </file>
 
@@ -29561,12 +31627,8 @@
           <a:lstStyle/>
           <a:p>
             <a:r>
-              <a:rPr lang="pt-BR" dirty="0" err="1"/>
-              <a:t>Product</a:t>
-            </a:r>
-            <a:r>
               <a:rPr lang="pt-BR" dirty="0"/>
-              <a:t> / Sprint Backlog</a:t>
+              <a:t>Planejamento</a:t>
             </a:r>
           </a:p>
         </p:txBody>
@@ -30032,7 +32094,7 @@
     </p:spTree>
     <p:extLst>
       <p:ext uri="{BB962C8B-B14F-4D97-AF65-F5344CB8AC3E}">
-        <p14:creationId xmlns:p14="http://schemas.microsoft.com/office/powerpoint/2010/main" val="1290913563"/>
+        <p14:creationId xmlns:p14="http://schemas.microsoft.com/office/powerpoint/2010/main" val="2406040227"/>
       </p:ext>
     </p:extLst>
   </p:cSld>
@@ -30083,7 +32145,7 @@
           <a:p>
             <a:r>
               <a:rPr lang="pt-BR" dirty="0"/>
-              <a:t>Planejamento</a:t>
+              <a:t>Planejamento x Pandemia</a:t>
             </a:r>
           </a:p>
         </p:txBody>
@@ -30437,12 +32499,98 @@
           </p:txBody>
         </p:sp>
       </p:grpSp>
+      <p:sp>
+        <p:nvSpPr>
+          <p:cNvPr id="3" name="CaixaDeTexto 2">
+            <a:extLst>
+              <a:ext uri="{FF2B5EF4-FFF2-40B4-BE49-F238E27FC236}">
+                <a16:creationId xmlns:a16="http://schemas.microsoft.com/office/drawing/2014/main" id="{0A469168-9659-4B5B-9B7B-D50FEC1E813C}"/>
+              </a:ext>
+            </a:extLst>
+          </p:cNvPr>
+          <p:cNvSpPr txBox="1"/>
+          <p:nvPr/>
+        </p:nvSpPr>
+        <p:spPr>
+          <a:xfrm>
+            <a:off x="3653792" y="2224760"/>
+            <a:ext cx="5273548" cy="2031325"/>
+          </a:xfrm>
+          <a:prstGeom prst="rect">
+            <a:avLst/>
+          </a:prstGeom>
+          <a:noFill/>
+        </p:spPr>
+        <p:txBody>
+          <a:bodyPr wrap="square" rtlCol="0">
+            <a:spAutoFit/>
+          </a:bodyPr>
+          <a:lstStyle/>
+          <a:p>
+            <a:r>
+              <a:rPr lang="pt-BR" dirty="0"/>
+              <a:t>PLANNER</a:t>
+            </a:r>
+          </a:p>
+          <a:p>
+            <a:pPr marL="285750" indent="-285750">
+              <a:buFontTx/>
+              <a:buChar char="-"/>
+            </a:pPr>
+            <a:endParaRPr lang="pt-BR" dirty="0"/>
+          </a:p>
+          <a:p>
+            <a:pPr marL="285750" indent="-285750">
+              <a:buFontTx/>
+              <a:buChar char="-"/>
+            </a:pPr>
+            <a:r>
+              <a:rPr lang="pt-BR" dirty="0"/>
+              <a:t>Gestão de tempo</a:t>
+            </a:r>
+          </a:p>
+          <a:p>
+            <a:pPr marL="285750" indent="-285750">
+              <a:buFontTx/>
+              <a:buChar char="-"/>
+            </a:pPr>
+            <a:r>
+              <a:rPr lang="pt-BR" dirty="0"/>
+              <a:t>Análise de entregas</a:t>
+            </a:r>
+          </a:p>
+          <a:p>
+            <a:pPr marL="285750" indent="-285750">
+              <a:buFontTx/>
+              <a:buChar char="-"/>
+            </a:pPr>
+            <a:r>
+              <a:rPr lang="pt-BR" dirty="0"/>
+              <a:t>Acompanhamento</a:t>
+            </a:r>
+          </a:p>
+          <a:p>
+            <a:pPr marL="285750" indent="-285750">
+              <a:buFontTx/>
+              <a:buChar char="-"/>
+            </a:pPr>
+            <a:endParaRPr lang="pt-BR" dirty="0"/>
+          </a:p>
+          <a:p>
+            <a:pPr marL="285750" indent="-285750">
+              <a:buFontTx/>
+              <a:buChar char="-"/>
+            </a:pPr>
+            <a:endParaRPr lang="pt-BR" dirty="0"/>
+          </a:p>
+        </p:txBody>
+      </p:sp>
       <p:pic>
         <p:nvPicPr>
-          <p:cNvPr id="1028" name="Picture 4" descr="Discord Icon for Metro UI Icon Set by Craftplacer on DeviantArt">
+          <p:cNvPr id="1026" name="Picture 2" descr="Entenda o perigo da covid-19 se comparada a outras doenças | Poder360">
             <a:extLst>
               <a:ext uri="{FF2B5EF4-FFF2-40B4-BE49-F238E27FC236}">
-                <a16:creationId xmlns:a16="http://schemas.microsoft.com/office/drawing/2014/main" id="{4D52BBEE-2B65-4A2C-8909-4A9068D56737}"/>
+                <a16:creationId xmlns:a16="http://schemas.microsoft.com/office/drawing/2014/main" id="{1356F577-AD0C-4D62-AF08-6365B660B8E0}"/>
               </a:ext>
             </a:extLst>
           </p:cNvPr>
@@ -30466,8 +32614,127 @@
         </p:blipFill>
         <p:spPr bwMode="auto">
           <a:xfrm>
-            <a:off x="1600403" y="2224761"/>
-            <a:ext cx="1373405" cy="1373405"/>
+            <a:off x="8975637" y="3153302"/>
+            <a:ext cx="1851109" cy="1373404"/>
+          </a:xfrm>
+          <a:prstGeom prst="rect">
+            <a:avLst/>
+          </a:prstGeom>
+          <a:noFill/>
+          <a:extLst>
+            <a:ext uri="{909E8E84-426E-40DD-AFC4-6F175D3DCCD1}">
+              <a14:hiddenFill xmlns:a14="http://schemas.microsoft.com/office/drawing/2010/main">
+                <a:solidFill>
+                  <a:srgbClr val="FFFFFF"/>
+                </a:solidFill>
+              </a14:hiddenFill>
+            </a:ext>
+          </a:extLst>
+        </p:spPr>
+      </p:pic>
+      <p:sp>
+        <p:nvSpPr>
+          <p:cNvPr id="11" name="CaixaDeTexto 10">
+            <a:extLst>
+              <a:ext uri="{FF2B5EF4-FFF2-40B4-BE49-F238E27FC236}">
+                <a16:creationId xmlns:a16="http://schemas.microsoft.com/office/drawing/2014/main" id="{FB2E8868-434F-4638-9E06-D8C315433624}"/>
+              </a:ext>
+            </a:extLst>
+          </p:cNvPr>
+          <p:cNvSpPr txBox="1"/>
+          <p:nvPr/>
+        </p:nvSpPr>
+        <p:spPr>
+          <a:xfrm>
+            <a:off x="3653792" y="4256085"/>
+            <a:ext cx="5273548" cy="1477328"/>
+          </a:xfrm>
+          <a:prstGeom prst="rect">
+            <a:avLst/>
+          </a:prstGeom>
+          <a:noFill/>
+        </p:spPr>
+        <p:txBody>
+          <a:bodyPr wrap="square" rtlCol="0">
+            <a:spAutoFit/>
+          </a:bodyPr>
+          <a:lstStyle/>
+          <a:p>
+            <a:r>
+              <a:rPr lang="pt-BR" dirty="0"/>
+              <a:t>DISCORD</a:t>
+            </a:r>
+          </a:p>
+          <a:p>
+            <a:pPr marL="285750" indent="-285750">
+              <a:buFontTx/>
+              <a:buChar char="-"/>
+            </a:pPr>
+            <a:endParaRPr lang="pt-BR" dirty="0"/>
+          </a:p>
+          <a:p>
+            <a:pPr marL="285750" indent="-285750">
+              <a:buFontTx/>
+              <a:buChar char="-"/>
+            </a:pPr>
+            <a:r>
+              <a:rPr lang="pt-BR" dirty="0"/>
+              <a:t>Comunicação a distância</a:t>
+            </a:r>
+          </a:p>
+          <a:p>
+            <a:pPr marL="285750" indent="-285750">
+              <a:buFontTx/>
+              <a:buChar char="-"/>
+            </a:pPr>
+            <a:r>
+              <a:rPr lang="pt-BR" dirty="0"/>
+              <a:t>Trabalho simultâneo</a:t>
+            </a:r>
+          </a:p>
+          <a:p>
+            <a:pPr marL="285750" indent="-285750">
+              <a:buFontTx/>
+              <a:buChar char="-"/>
+            </a:pPr>
+            <a:r>
+              <a:rPr lang="pt-BR" dirty="0"/>
+              <a:t>Compartilhamento de arquivos</a:t>
+            </a:r>
+          </a:p>
+        </p:txBody>
+      </p:sp>
+      <p:pic>
+        <p:nvPicPr>
+          <p:cNvPr id="4" name="Picture 4" descr="Discord Free Icon of Social Media Set - Flat Design">
+            <a:extLst>
+              <a:ext uri="{FF2B5EF4-FFF2-40B4-BE49-F238E27FC236}">
+                <a16:creationId xmlns:a16="http://schemas.microsoft.com/office/drawing/2014/main" id="{DC48B066-7753-45E3-BCE0-FF0376C71B93}"/>
+              </a:ext>
+            </a:extLst>
+          </p:cNvPr>
+          <p:cNvPicPr>
+            <a:picLocks noChangeAspect="1" noChangeArrowheads="1"/>
+          </p:cNvPicPr>
+          <p:nvPr/>
+        </p:nvPicPr>
+        <p:blipFill>
+          <a:blip r:embed="rId3">
+            <a:extLst>
+              <a:ext uri="{28A0092B-C50C-407E-A947-70E740481C1C}">
+                <a14:useLocalDpi xmlns:a14="http://schemas.microsoft.com/office/drawing/2010/main" val="0"/>
+              </a:ext>
+            </a:extLst>
+          </a:blip>
+          <a:srcRect/>
+          <a:stretch>
+            <a:fillRect/>
+          </a:stretch>
+        </p:blipFill>
+        <p:spPr bwMode="auto">
+          <a:xfrm>
+            <a:off x="1548440" y="4249706"/>
+            <a:ext cx="1477329" cy="1477329"/>
           </a:xfrm>
           <a:prstGeom prst="rect">
             <a:avLst/>
@@ -30499,7 +32766,7 @@
           <p:nvPr/>
         </p:nvPicPr>
         <p:blipFill>
-          <a:blip r:embed="rId3">
+          <a:blip r:embed="rId4">
             <a:extLst>
               <a:ext uri="{28A0092B-C50C-407E-A947-70E740481C1C}">
                 <a14:useLocalDpi xmlns:a14="http://schemas.microsoft.com/office/drawing/2010/main" val="0"/>
@@ -30513,7 +32780,7 @@
         </p:blipFill>
         <p:spPr bwMode="auto">
           <a:xfrm>
-            <a:off x="1600403" y="4526707"/>
+            <a:off x="1600403" y="2224760"/>
             <a:ext cx="1373404" cy="1373404"/>
           </a:xfrm>
           <a:prstGeom prst="rect">
@@ -30630,7 +32897,7 @@
           <a:p>
             <a:r>
               <a:rPr lang="pt-BR" dirty="0"/>
-              <a:t>Modelagem de Dados</a:t>
+              <a:t>Aplicação</a:t>
             </a:r>
           </a:p>
         </p:txBody>
@@ -31012,14 +33279,197 @@
         </p:blipFill>
         <p:spPr>
           <a:xfrm>
-            <a:off x="3785783" y="1476069"/>
-            <a:ext cx="4620434" cy="5381931"/>
+            <a:off x="5468518" y="762324"/>
+            <a:ext cx="4910585" cy="5719902"/>
           </a:xfrm>
           <a:prstGeom prst="rect">
             <a:avLst/>
           </a:prstGeom>
         </p:spPr>
       </p:pic>
+      <p:sp>
+        <p:nvSpPr>
+          <p:cNvPr id="3" name="CaixaDeTexto 2">
+            <a:extLst>
+              <a:ext uri="{FF2B5EF4-FFF2-40B4-BE49-F238E27FC236}">
+                <a16:creationId xmlns:a16="http://schemas.microsoft.com/office/drawing/2014/main" id="{19035CAF-1C8B-4AE3-8033-3A58E61E6860}"/>
+              </a:ext>
+            </a:extLst>
+          </p:cNvPr>
+          <p:cNvSpPr txBox="1"/>
+          <p:nvPr/>
+        </p:nvSpPr>
+        <p:spPr>
+          <a:xfrm>
+            <a:off x="496827" y="2172092"/>
+            <a:ext cx="3288958" cy="400110"/>
+          </a:xfrm>
+          <a:prstGeom prst="rect">
+            <a:avLst/>
+          </a:prstGeom>
+          <a:noFill/>
+          <a:effectLst>
+            <a:outerShdw blurRad="50800" dist="38100" dir="5400000" algn="t" rotWithShape="0">
+              <a:prstClr val="black">
+                <a:alpha val="40000"/>
+              </a:prstClr>
+            </a:outerShdw>
+          </a:effectLst>
+        </p:spPr>
+        <p:txBody>
+          <a:bodyPr wrap="square" rtlCol="0">
+            <a:spAutoFit/>
+          </a:bodyPr>
+          <a:lstStyle/>
+          <a:p>
+            <a:r>
+              <a:rPr lang="pt-BR" sz="2000" dirty="0"/>
+              <a:t>- Modelagem de Dados</a:t>
+            </a:r>
+          </a:p>
+        </p:txBody>
+      </p:sp>
+      <p:sp>
+        <p:nvSpPr>
+          <p:cNvPr id="9" name="CaixaDeTexto 8">
+            <a:extLst>
+              <a:ext uri="{FF2B5EF4-FFF2-40B4-BE49-F238E27FC236}">
+                <a16:creationId xmlns:a16="http://schemas.microsoft.com/office/drawing/2014/main" id="{9DB075A3-56FB-45D0-9830-D7302566A0CB}"/>
+              </a:ext>
+            </a:extLst>
+          </p:cNvPr>
+          <p:cNvSpPr txBox="1"/>
+          <p:nvPr/>
+        </p:nvSpPr>
+        <p:spPr>
+          <a:xfrm>
+            <a:off x="484424" y="2757243"/>
+            <a:ext cx="3288958" cy="369332"/>
+          </a:xfrm>
+          <a:prstGeom prst="rect">
+            <a:avLst/>
+          </a:prstGeom>
+          <a:noFill/>
+        </p:spPr>
+        <p:txBody>
+          <a:bodyPr wrap="square" rtlCol="0">
+            <a:spAutoFit/>
+          </a:bodyPr>
+          <a:lstStyle/>
+          <a:p>
+            <a:r>
+              <a:rPr lang="pt-BR" dirty="0"/>
+              <a:t>- Desenho de Arquitetura</a:t>
+            </a:r>
+          </a:p>
+        </p:txBody>
+      </p:sp>
+      <p:sp>
+        <p:nvSpPr>
+          <p:cNvPr id="11" name="CaixaDeTexto 10">
+            <a:extLst>
+              <a:ext uri="{FF2B5EF4-FFF2-40B4-BE49-F238E27FC236}">
+                <a16:creationId xmlns:a16="http://schemas.microsoft.com/office/drawing/2014/main" id="{16EB44B9-02AC-4947-965B-A08DBFC98023}"/>
+              </a:ext>
+            </a:extLst>
+          </p:cNvPr>
+          <p:cNvSpPr txBox="1"/>
+          <p:nvPr/>
+        </p:nvSpPr>
+        <p:spPr>
+          <a:xfrm>
+            <a:off x="472021" y="3350933"/>
+            <a:ext cx="3288958" cy="369332"/>
+          </a:xfrm>
+          <a:prstGeom prst="rect">
+            <a:avLst/>
+          </a:prstGeom>
+          <a:noFill/>
+        </p:spPr>
+        <p:txBody>
+          <a:bodyPr wrap="square" rtlCol="0">
+            <a:spAutoFit/>
+          </a:bodyPr>
+          <a:lstStyle/>
+          <a:p>
+            <a:r>
+              <a:rPr lang="pt-BR" dirty="0"/>
+              <a:t>- Diagrama de Classe</a:t>
+            </a:r>
+          </a:p>
+        </p:txBody>
+      </p:sp>
+      <p:sp>
+        <p:nvSpPr>
+          <p:cNvPr id="15" name="CaixaDeTexto 14">
+            <a:extLst>
+              <a:ext uri="{FF2B5EF4-FFF2-40B4-BE49-F238E27FC236}">
+                <a16:creationId xmlns:a16="http://schemas.microsoft.com/office/drawing/2014/main" id="{C818B3F3-69A1-4565-9EAF-104558DDDC7F}"/>
+              </a:ext>
+            </a:extLst>
+          </p:cNvPr>
+          <p:cNvSpPr txBox="1"/>
+          <p:nvPr/>
+        </p:nvSpPr>
+        <p:spPr>
+          <a:xfrm>
+            <a:off x="472021" y="3944623"/>
+            <a:ext cx="3288958" cy="369332"/>
+          </a:xfrm>
+          <a:prstGeom prst="rect">
+            <a:avLst/>
+          </a:prstGeom>
+          <a:noFill/>
+        </p:spPr>
+        <p:txBody>
+          <a:bodyPr wrap="square" rtlCol="0">
+            <a:spAutoFit/>
+          </a:bodyPr>
+          <a:lstStyle/>
+          <a:p>
+            <a:r>
+              <a:rPr lang="pt-BR" dirty="0"/>
+              <a:t>- Planilha de Testes</a:t>
+            </a:r>
+          </a:p>
+        </p:txBody>
+      </p:sp>
+      <p:sp>
+        <p:nvSpPr>
+          <p:cNvPr id="17" name="CaixaDeTexto 16">
+            <a:extLst>
+              <a:ext uri="{FF2B5EF4-FFF2-40B4-BE49-F238E27FC236}">
+                <a16:creationId xmlns:a16="http://schemas.microsoft.com/office/drawing/2014/main" id="{114594CB-68F1-49C6-9921-056A0B010C8E}"/>
+              </a:ext>
+            </a:extLst>
+          </p:cNvPr>
+          <p:cNvSpPr txBox="1"/>
+          <p:nvPr/>
+        </p:nvSpPr>
+        <p:spPr>
+          <a:xfrm>
+            <a:off x="496827" y="4519325"/>
+            <a:ext cx="3288958" cy="369332"/>
+          </a:xfrm>
+          <a:prstGeom prst="rect">
+            <a:avLst/>
+          </a:prstGeom>
+          <a:noFill/>
+          <a:effectLst/>
+        </p:spPr>
+        <p:txBody>
+          <a:bodyPr wrap="square" rtlCol="0">
+            <a:spAutoFit/>
+          </a:bodyPr>
+          <a:lstStyle/>
+          <a:p>
+            <a:r>
+              <a:rPr lang="pt-BR" dirty="0"/>
+              <a:t>- Arquivo de Exportação</a:t>
+            </a:r>
+          </a:p>
+        </p:txBody>
+      </p:sp>
     </p:spTree>
     <p:extLst>
       <p:ext uri="{BB962C8B-B14F-4D97-AF65-F5344CB8AC3E}">
@@ -31030,6 +33480,237 @@
   <p:clrMapOvr>
     <a:masterClrMapping/>
   </p:clrMapOvr>
+  <p:timing>
+    <p:tnLst>
+      <p:par>
+        <p:cTn id="1" dur="indefinite" restart="never" nodeType="tmRoot">
+          <p:childTnLst>
+            <p:seq concurrent="1" nextAc="seek">
+              <p:cTn id="2" dur="indefinite" nodeType="mainSeq">
+                <p:childTnLst>
+                  <p:par>
+                    <p:cTn id="3" fill="hold">
+                      <p:stCondLst>
+                        <p:cond delay="indefinite"/>
+                        <p:cond evt="onBegin" delay="0">
+                          <p:tn val="2"/>
+                        </p:cond>
+                      </p:stCondLst>
+                      <p:childTnLst>
+                        <p:par>
+                          <p:cTn id="4" fill="hold">
+                            <p:stCondLst>
+                              <p:cond delay="0"/>
+                            </p:stCondLst>
+                            <p:childTnLst>
+                              <p:par>
+                                <p:cTn id="5" presetID="53" presetClass="entr" presetSubtype="16" fill="hold" nodeType="withEffect">
+                                  <p:stCondLst>
+                                    <p:cond delay="0"/>
+                                  </p:stCondLst>
+                                  <p:childTnLst>
+                                    <p:set>
+                                      <p:cBhvr>
+                                        <p:cTn id="6" dur="1" fill="hold">
+                                          <p:stCondLst>
+                                            <p:cond delay="0"/>
+                                          </p:stCondLst>
+                                        </p:cTn>
+                                        <p:tgtEl>
+                                          <p:spTgt spid="4"/>
+                                        </p:tgtEl>
+                                        <p:attrNameLst>
+                                          <p:attrName>style.visibility</p:attrName>
+                                        </p:attrNameLst>
+                                      </p:cBhvr>
+                                      <p:to>
+                                        <p:strVal val="visible"/>
+                                      </p:to>
+                                    </p:set>
+                                    <p:anim calcmode="lin" valueType="num">
+                                      <p:cBhvr>
+                                        <p:cTn id="7" dur="500" fill="hold"/>
+                                        <p:tgtEl>
+                                          <p:spTgt spid="4"/>
+                                        </p:tgtEl>
+                                        <p:attrNameLst>
+                                          <p:attrName>ppt_w</p:attrName>
+                                        </p:attrNameLst>
+                                      </p:cBhvr>
+                                      <p:tavLst>
+                                        <p:tav tm="0">
+                                          <p:val>
+                                            <p:fltVal val="0"/>
+                                          </p:val>
+                                        </p:tav>
+                                        <p:tav tm="100000">
+                                          <p:val>
+                                            <p:strVal val="#ppt_w"/>
+                                          </p:val>
+                                        </p:tav>
+                                      </p:tavLst>
+                                    </p:anim>
+                                    <p:anim calcmode="lin" valueType="num">
+                                      <p:cBhvr>
+                                        <p:cTn id="8" dur="500" fill="hold"/>
+                                        <p:tgtEl>
+                                          <p:spTgt spid="4"/>
+                                        </p:tgtEl>
+                                        <p:attrNameLst>
+                                          <p:attrName>ppt_h</p:attrName>
+                                        </p:attrNameLst>
+                                      </p:cBhvr>
+                                      <p:tavLst>
+                                        <p:tav tm="0">
+                                          <p:val>
+                                            <p:fltVal val="0"/>
+                                          </p:val>
+                                        </p:tav>
+                                        <p:tav tm="100000">
+                                          <p:val>
+                                            <p:strVal val="#ppt_h"/>
+                                          </p:val>
+                                        </p:tav>
+                                      </p:tavLst>
+                                    </p:anim>
+                                    <p:animEffect transition="in" filter="fade">
+                                      <p:cBhvr>
+                                        <p:cTn id="9" dur="500"/>
+                                        <p:tgtEl>
+                                          <p:spTgt spid="4"/>
+                                        </p:tgtEl>
+                                      </p:cBhvr>
+                                    </p:animEffect>
+                                  </p:childTnLst>
+                                </p:cTn>
+                              </p:par>
+                            </p:childTnLst>
+                          </p:cTn>
+                        </p:par>
+                      </p:childTnLst>
+                    </p:cTn>
+                  </p:par>
+                  <p:par>
+                    <p:cTn id="10" fill="hold">
+                      <p:stCondLst>
+                        <p:cond delay="indefinite"/>
+                      </p:stCondLst>
+                      <p:childTnLst>
+                        <p:par>
+                          <p:cTn id="11" fill="hold">
+                            <p:stCondLst>
+                              <p:cond delay="0"/>
+                            </p:stCondLst>
+                            <p:childTnLst>
+                              <p:par>
+                                <p:cTn id="12" presetID="53" presetClass="exit" presetSubtype="32" fill="hold" nodeType="clickEffect">
+                                  <p:stCondLst>
+                                    <p:cond delay="0"/>
+                                  </p:stCondLst>
+                                  <p:childTnLst>
+                                    <p:anim calcmode="lin" valueType="num">
+                                      <p:cBhvr>
+                                        <p:cTn id="13" dur="500"/>
+                                        <p:tgtEl>
+                                          <p:spTgt spid="4"/>
+                                        </p:tgtEl>
+                                        <p:attrNameLst>
+                                          <p:attrName>ppt_w</p:attrName>
+                                        </p:attrNameLst>
+                                      </p:cBhvr>
+                                      <p:tavLst>
+                                        <p:tav tm="0">
+                                          <p:val>
+                                            <p:strVal val="ppt_w"/>
+                                          </p:val>
+                                        </p:tav>
+                                        <p:tav tm="100000">
+                                          <p:val>
+                                            <p:fltVal val="0"/>
+                                          </p:val>
+                                        </p:tav>
+                                      </p:tavLst>
+                                    </p:anim>
+                                    <p:anim calcmode="lin" valueType="num">
+                                      <p:cBhvr>
+                                        <p:cTn id="14" dur="500"/>
+                                        <p:tgtEl>
+                                          <p:spTgt spid="4"/>
+                                        </p:tgtEl>
+                                        <p:attrNameLst>
+                                          <p:attrName>ppt_h</p:attrName>
+                                        </p:attrNameLst>
+                                      </p:cBhvr>
+                                      <p:tavLst>
+                                        <p:tav tm="0">
+                                          <p:val>
+                                            <p:strVal val="ppt_h"/>
+                                          </p:val>
+                                        </p:tav>
+                                        <p:tav tm="100000">
+                                          <p:val>
+                                            <p:fltVal val="0"/>
+                                          </p:val>
+                                        </p:tav>
+                                      </p:tavLst>
+                                    </p:anim>
+                                    <p:animEffect transition="out" filter="fade">
+                                      <p:cBhvr>
+                                        <p:cTn id="15" dur="500"/>
+                                        <p:tgtEl>
+                                          <p:spTgt spid="4"/>
+                                        </p:tgtEl>
+                                      </p:cBhvr>
+                                    </p:animEffect>
+                                    <p:set>
+                                      <p:cBhvr>
+                                        <p:cTn id="16" dur="1" fill="hold">
+                                          <p:stCondLst>
+                                            <p:cond delay="499"/>
+                                          </p:stCondLst>
+                                        </p:cTn>
+                                        <p:tgtEl>
+                                          <p:spTgt spid="4"/>
+                                        </p:tgtEl>
+                                        <p:attrNameLst>
+                                          <p:attrName>style.visibility</p:attrName>
+                                        </p:attrNameLst>
+                                      </p:cBhvr>
+                                      <p:to>
+                                        <p:strVal val="hidden"/>
+                                      </p:to>
+                                    </p:set>
+                                  </p:childTnLst>
+                                </p:cTn>
+                              </p:par>
+                            </p:childTnLst>
+                          </p:cTn>
+                        </p:par>
+                      </p:childTnLst>
+                    </p:cTn>
+                  </p:par>
+                </p:childTnLst>
+              </p:cTn>
+              <p:prevCondLst>
+                <p:cond evt="onPrev" delay="0">
+                  <p:tgtEl>
+                    <p:sldTgt/>
+                  </p:tgtEl>
+                </p:cond>
+              </p:prevCondLst>
+              <p:nextCondLst>
+                <p:cond evt="onNext" delay="0">
+                  <p:tgtEl>
+                    <p:sldTgt/>
+                  </p:tgtEl>
+                </p:cond>
+              </p:nextCondLst>
+            </p:seq>
+          </p:childTnLst>
+        </p:cTn>
+      </p:par>
+    </p:tnLst>
+  </p:timing>
 </p:sld>
 </file>
 
@@ -31119,7 +33800,7 @@
           <a:p>
             <a:r>
               <a:rPr lang="pt-BR" dirty="0"/>
-              <a:t>Desenho de Arquitetura</a:t>
+              <a:t>Aplicação</a:t>
             </a:r>
           </a:p>
         </p:txBody>
@@ -31473,12 +34154,124 @@
           </p:txBody>
         </p:sp>
       </p:grpSp>
+      <p:sp>
+        <p:nvSpPr>
+          <p:cNvPr id="3" name="CaixaDeTexto 2">
+            <a:extLst>
+              <a:ext uri="{FF2B5EF4-FFF2-40B4-BE49-F238E27FC236}">
+                <a16:creationId xmlns:a16="http://schemas.microsoft.com/office/drawing/2014/main" id="{19035CAF-1C8B-4AE3-8033-3A58E61E6860}"/>
+              </a:ext>
+            </a:extLst>
+          </p:cNvPr>
+          <p:cNvSpPr txBox="1"/>
+          <p:nvPr/>
+        </p:nvSpPr>
+        <p:spPr>
+          <a:xfrm>
+            <a:off x="496827" y="2172092"/>
+            <a:ext cx="3288958" cy="369332"/>
+          </a:xfrm>
+          <a:prstGeom prst="rect">
+            <a:avLst/>
+          </a:prstGeom>
+          <a:noFill/>
+        </p:spPr>
+        <p:txBody>
+          <a:bodyPr wrap="square" rtlCol="0">
+            <a:spAutoFit/>
+          </a:bodyPr>
+          <a:lstStyle/>
+          <a:p>
+            <a:r>
+              <a:rPr lang="pt-BR" dirty="0"/>
+              <a:t>- Modelagem de Dados</a:t>
+            </a:r>
+          </a:p>
+        </p:txBody>
+      </p:sp>
+      <p:sp>
+        <p:nvSpPr>
+          <p:cNvPr id="9" name="CaixaDeTexto 8">
+            <a:extLst>
+              <a:ext uri="{FF2B5EF4-FFF2-40B4-BE49-F238E27FC236}">
+                <a16:creationId xmlns:a16="http://schemas.microsoft.com/office/drawing/2014/main" id="{9DB075A3-56FB-45D0-9830-D7302566A0CB}"/>
+              </a:ext>
+            </a:extLst>
+          </p:cNvPr>
+          <p:cNvSpPr txBox="1"/>
+          <p:nvPr/>
+        </p:nvSpPr>
+        <p:spPr>
+          <a:xfrm>
+            <a:off x="484424" y="2757243"/>
+            <a:ext cx="3288958" cy="400110"/>
+          </a:xfrm>
+          <a:prstGeom prst="rect">
+            <a:avLst/>
+          </a:prstGeom>
+          <a:noFill/>
+          <a:effectLst>
+            <a:outerShdw blurRad="50800" dist="38100" dir="5400000" algn="t" rotWithShape="0">
+              <a:prstClr val="black">
+                <a:alpha val="40000"/>
+              </a:prstClr>
+            </a:outerShdw>
+          </a:effectLst>
+        </p:spPr>
+        <p:txBody>
+          <a:bodyPr wrap="square" rtlCol="0">
+            <a:spAutoFit/>
+          </a:bodyPr>
+          <a:lstStyle/>
+          <a:p>
+            <a:r>
+              <a:rPr lang="pt-BR" sz="2000" dirty="0"/>
+              <a:t>- Desenho de Arquitetura</a:t>
+            </a:r>
+          </a:p>
+        </p:txBody>
+      </p:sp>
+      <p:sp>
+        <p:nvSpPr>
+          <p:cNvPr id="11" name="CaixaDeTexto 10">
+            <a:extLst>
+              <a:ext uri="{FF2B5EF4-FFF2-40B4-BE49-F238E27FC236}">
+                <a16:creationId xmlns:a16="http://schemas.microsoft.com/office/drawing/2014/main" id="{16EB44B9-02AC-4947-965B-A08DBFC98023}"/>
+              </a:ext>
+            </a:extLst>
+          </p:cNvPr>
+          <p:cNvSpPr txBox="1"/>
+          <p:nvPr/>
+        </p:nvSpPr>
+        <p:spPr>
+          <a:xfrm>
+            <a:off x="472021" y="3350933"/>
+            <a:ext cx="3288958" cy="369332"/>
+          </a:xfrm>
+          <a:prstGeom prst="rect">
+            <a:avLst/>
+          </a:prstGeom>
+          <a:noFill/>
+        </p:spPr>
+        <p:txBody>
+          <a:bodyPr wrap="square" rtlCol="0">
+            <a:spAutoFit/>
+          </a:bodyPr>
+          <a:lstStyle/>
+          <a:p>
+            <a:r>
+              <a:rPr lang="pt-BR" dirty="0"/>
+              <a:t>- Diagrama de Classe</a:t>
+            </a:r>
+          </a:p>
+        </p:txBody>
+      </p:sp>
       <p:pic>
         <p:nvPicPr>
-          <p:cNvPr id="4" name="Imagem 3" descr="Tela de celular com texto preto sobre fundo branco&#10;&#10;Descrição gerada automaticamente">
+          <p:cNvPr id="15" name="Imagem 14" descr="Tela de celular com texto preto sobre fundo branco&#10;&#10;Descrição gerada automaticamente">
             <a:extLst>
               <a:ext uri="{FF2B5EF4-FFF2-40B4-BE49-F238E27FC236}">
-                <a16:creationId xmlns:a16="http://schemas.microsoft.com/office/drawing/2014/main" id="{1F3BC514-CB78-4155-AF11-BB61F4A3B76D}"/>
+                <a16:creationId xmlns:a16="http://schemas.microsoft.com/office/drawing/2014/main" id="{A03E8544-6208-4BA9-93EB-9C6D1B7FED2F}"/>
               </a:ext>
             </a:extLst>
           </p:cNvPr>
@@ -31501,24 +34294,326 @@
         </p:blipFill>
         <p:spPr>
           <a:xfrm>
-            <a:off x="434340" y="1814309"/>
-            <a:ext cx="11323320" cy="4815664"/>
+            <a:off x="3486149" y="1924032"/>
+            <a:ext cx="8447149" cy="3592465"/>
           </a:xfrm>
           <a:prstGeom prst="rect">
             <a:avLst/>
           </a:prstGeom>
         </p:spPr>
       </p:pic>
+      <p:sp>
+        <p:nvSpPr>
+          <p:cNvPr id="16" name="CaixaDeTexto 15">
+            <a:extLst>
+              <a:ext uri="{FF2B5EF4-FFF2-40B4-BE49-F238E27FC236}">
+                <a16:creationId xmlns:a16="http://schemas.microsoft.com/office/drawing/2014/main" id="{DE7433E1-F016-48B0-8744-19C111456B85}"/>
+              </a:ext>
+            </a:extLst>
+          </p:cNvPr>
+          <p:cNvSpPr txBox="1"/>
+          <p:nvPr/>
+        </p:nvSpPr>
+        <p:spPr>
+          <a:xfrm>
+            <a:off x="472021" y="3944623"/>
+            <a:ext cx="3288958" cy="369332"/>
+          </a:xfrm>
+          <a:prstGeom prst="rect">
+            <a:avLst/>
+          </a:prstGeom>
+          <a:noFill/>
+        </p:spPr>
+        <p:txBody>
+          <a:bodyPr wrap="square" rtlCol="0">
+            <a:spAutoFit/>
+          </a:bodyPr>
+          <a:lstStyle/>
+          <a:p>
+            <a:r>
+              <a:rPr lang="pt-BR" dirty="0"/>
+              <a:t>- Planilha de Testes</a:t>
+            </a:r>
+          </a:p>
+        </p:txBody>
+      </p:sp>
+      <p:sp>
+        <p:nvSpPr>
+          <p:cNvPr id="20" name="CaixaDeTexto 19">
+            <a:extLst>
+              <a:ext uri="{FF2B5EF4-FFF2-40B4-BE49-F238E27FC236}">
+                <a16:creationId xmlns:a16="http://schemas.microsoft.com/office/drawing/2014/main" id="{E81768B2-0974-4D89-BB1D-234A1ECBF059}"/>
+              </a:ext>
+            </a:extLst>
+          </p:cNvPr>
+          <p:cNvSpPr txBox="1"/>
+          <p:nvPr/>
+        </p:nvSpPr>
+        <p:spPr>
+          <a:xfrm>
+            <a:off x="496827" y="4519325"/>
+            <a:ext cx="3288958" cy="369332"/>
+          </a:xfrm>
+          <a:prstGeom prst="rect">
+            <a:avLst/>
+          </a:prstGeom>
+          <a:noFill/>
+          <a:effectLst/>
+        </p:spPr>
+        <p:txBody>
+          <a:bodyPr wrap="square" rtlCol="0">
+            <a:spAutoFit/>
+          </a:bodyPr>
+          <a:lstStyle/>
+          <a:p>
+            <a:r>
+              <a:rPr lang="pt-BR" dirty="0"/>
+              <a:t>- Arquivo de Exportação</a:t>
+            </a:r>
+          </a:p>
+        </p:txBody>
+      </p:sp>
     </p:spTree>
     <p:extLst>
       <p:ext uri="{BB962C8B-B14F-4D97-AF65-F5344CB8AC3E}">
-        <p14:creationId xmlns:p14="http://schemas.microsoft.com/office/powerpoint/2010/main" val="4264086694"/>
+        <p14:creationId xmlns:p14="http://schemas.microsoft.com/office/powerpoint/2010/main" val="2190780406"/>
       </p:ext>
     </p:extLst>
   </p:cSld>
   <p:clrMapOvr>
     <a:masterClrMapping/>
   </p:clrMapOvr>
+  <p:timing>
+    <p:tnLst>
+      <p:par>
+        <p:cTn id="1" dur="indefinite" restart="never" nodeType="tmRoot">
+          <p:childTnLst>
+            <p:seq concurrent="1" nextAc="seek">
+              <p:cTn id="2" dur="indefinite" nodeType="mainSeq">
+                <p:childTnLst>
+                  <p:par>
+                    <p:cTn id="3" fill="hold">
+                      <p:stCondLst>
+                        <p:cond delay="indefinite"/>
+                        <p:cond evt="onBegin" delay="0">
+                          <p:tn val="2"/>
+                        </p:cond>
+                      </p:stCondLst>
+                      <p:childTnLst>
+                        <p:par>
+                          <p:cTn id="4" fill="hold">
+                            <p:stCondLst>
+                              <p:cond delay="0"/>
+                            </p:stCondLst>
+                            <p:childTnLst>
+                              <p:par>
+                                <p:cTn id="5" presetID="53" presetClass="entr" presetSubtype="16" fill="hold" nodeType="withEffect">
+                                  <p:stCondLst>
+                                    <p:cond delay="0"/>
+                                  </p:stCondLst>
+                                  <p:childTnLst>
+                                    <p:set>
+                                      <p:cBhvr>
+                                        <p:cTn id="6" dur="1" fill="hold">
+                                          <p:stCondLst>
+                                            <p:cond delay="0"/>
+                                          </p:stCondLst>
+                                        </p:cTn>
+                                        <p:tgtEl>
+                                          <p:spTgt spid="15"/>
+                                        </p:tgtEl>
+                                        <p:attrNameLst>
+                                          <p:attrName>style.visibility</p:attrName>
+                                        </p:attrNameLst>
+                                      </p:cBhvr>
+                                      <p:to>
+                                        <p:strVal val="visible"/>
+                                      </p:to>
+                                    </p:set>
+                                    <p:anim calcmode="lin" valueType="num">
+                                      <p:cBhvr>
+                                        <p:cTn id="7" dur="500" fill="hold"/>
+                                        <p:tgtEl>
+                                          <p:spTgt spid="15"/>
+                                        </p:tgtEl>
+                                        <p:attrNameLst>
+                                          <p:attrName>ppt_w</p:attrName>
+                                        </p:attrNameLst>
+                                      </p:cBhvr>
+                                      <p:tavLst>
+                                        <p:tav tm="0">
+                                          <p:val>
+                                            <p:fltVal val="0"/>
+                                          </p:val>
+                                        </p:tav>
+                                        <p:tav tm="100000">
+                                          <p:val>
+                                            <p:strVal val="#ppt_w"/>
+                                          </p:val>
+                                        </p:tav>
+                                      </p:tavLst>
+                                    </p:anim>
+                                    <p:anim calcmode="lin" valueType="num">
+                                      <p:cBhvr>
+                                        <p:cTn id="8" dur="500" fill="hold"/>
+                                        <p:tgtEl>
+                                          <p:spTgt spid="15"/>
+                                        </p:tgtEl>
+                                        <p:attrNameLst>
+                                          <p:attrName>ppt_h</p:attrName>
+                                        </p:attrNameLst>
+                                      </p:cBhvr>
+                                      <p:tavLst>
+                                        <p:tav tm="0">
+                                          <p:val>
+                                            <p:fltVal val="0"/>
+                                          </p:val>
+                                        </p:tav>
+                                        <p:tav tm="100000">
+                                          <p:val>
+                                            <p:strVal val="#ppt_h"/>
+                                          </p:val>
+                                        </p:tav>
+                                      </p:tavLst>
+                                    </p:anim>
+                                    <p:animEffect transition="in" filter="fade">
+                                      <p:cBhvr>
+                                        <p:cTn id="9" dur="500"/>
+                                        <p:tgtEl>
+                                          <p:spTgt spid="15"/>
+                                        </p:tgtEl>
+                                      </p:cBhvr>
+                                    </p:animEffect>
+                                  </p:childTnLst>
+                                </p:cTn>
+                              </p:par>
+                            </p:childTnLst>
+                          </p:cTn>
+                        </p:par>
+                      </p:childTnLst>
+                    </p:cTn>
+                  </p:par>
+                  <p:par>
+                    <p:cTn id="10" fill="hold">
+                      <p:stCondLst>
+                        <p:cond delay="indefinite"/>
+                      </p:stCondLst>
+                      <p:childTnLst>
+                        <p:par>
+                          <p:cTn id="11" fill="hold">
+                            <p:stCondLst>
+                              <p:cond delay="0"/>
+                            </p:stCondLst>
+                            <p:childTnLst>
+                              <p:par>
+                                <p:cTn id="12" presetID="53" presetClass="exit" presetSubtype="32" fill="hold" nodeType="clickEffect">
+                                  <p:stCondLst>
+                                    <p:cond delay="0"/>
+                                  </p:stCondLst>
+                                  <p:childTnLst>
+                                    <p:anim calcmode="lin" valueType="num">
+                                      <p:cBhvr>
+                                        <p:cTn id="13" dur="500"/>
+                                        <p:tgtEl>
+                                          <p:spTgt spid="15"/>
+                                        </p:tgtEl>
+                                        <p:attrNameLst>
+                                          <p:attrName>ppt_w</p:attrName>
+                                        </p:attrNameLst>
+                                      </p:cBhvr>
+                                      <p:tavLst>
+                                        <p:tav tm="0">
+                                          <p:val>
+                                            <p:strVal val="ppt_w"/>
+                                          </p:val>
+                                        </p:tav>
+                                        <p:tav tm="100000">
+                                          <p:val>
+                                            <p:fltVal val="0"/>
+                                          </p:val>
+                                        </p:tav>
+                                      </p:tavLst>
+                                    </p:anim>
+                                    <p:anim calcmode="lin" valueType="num">
+                                      <p:cBhvr>
+                                        <p:cTn id="14" dur="500"/>
+                                        <p:tgtEl>
+                                          <p:spTgt spid="15"/>
+                                        </p:tgtEl>
+                                        <p:attrNameLst>
+                                          <p:attrName>ppt_h</p:attrName>
+                                        </p:attrNameLst>
+                                      </p:cBhvr>
+                                      <p:tavLst>
+                                        <p:tav tm="0">
+                                          <p:val>
+                                            <p:strVal val="ppt_h"/>
+                                          </p:val>
+                                        </p:tav>
+                                        <p:tav tm="100000">
+                                          <p:val>
+                                            <p:fltVal val="0"/>
+                                          </p:val>
+                                        </p:tav>
+                                      </p:tavLst>
+                                    </p:anim>
+                                    <p:animEffect transition="out" filter="fade">
+                                      <p:cBhvr>
+                                        <p:cTn id="15" dur="500"/>
+                                        <p:tgtEl>
+                                          <p:spTgt spid="15"/>
+                                        </p:tgtEl>
+                                      </p:cBhvr>
+                                    </p:animEffect>
+                                    <p:set>
+                                      <p:cBhvr>
+                                        <p:cTn id="16" dur="1" fill="hold">
+                                          <p:stCondLst>
+                                            <p:cond delay="499"/>
+                                          </p:stCondLst>
+                                        </p:cTn>
+                                        <p:tgtEl>
+                                          <p:spTgt spid="15"/>
+                                        </p:tgtEl>
+                                        <p:attrNameLst>
+                                          <p:attrName>style.visibility</p:attrName>
+                                        </p:attrNameLst>
+                                      </p:cBhvr>
+                                      <p:to>
+                                        <p:strVal val="hidden"/>
+                                      </p:to>
+                                    </p:set>
+                                  </p:childTnLst>
+                                </p:cTn>
+                              </p:par>
+                            </p:childTnLst>
+                          </p:cTn>
+                        </p:par>
+                      </p:childTnLst>
+                    </p:cTn>
+                  </p:par>
+                </p:childTnLst>
+              </p:cTn>
+              <p:prevCondLst>
+                <p:cond evt="onPrev" delay="0">
+                  <p:tgtEl>
+                    <p:sldTgt/>
+                  </p:tgtEl>
+                </p:cond>
+              </p:prevCondLst>
+              <p:nextCondLst>
+                <p:cond evt="onNext" delay="0">
+                  <p:tgtEl>
+                    <p:sldTgt/>
+                  </p:tgtEl>
+                </p:cond>
+              </p:nextCondLst>
+            </p:seq>
+          </p:childTnLst>
+        </p:cTn>
+      </p:par>
+    </p:tnLst>
+  </p:timing>
 </p:sld>
 </file>
 
@@ -31608,7 +34703,7 @@
           <a:p>
             <a:r>
               <a:rPr lang="pt-BR" dirty="0"/>
-              <a:t>Diagrama de Classe</a:t>
+              <a:t>Aplicação</a:t>
             </a:r>
           </a:p>
         </p:txBody>
@@ -31962,12 +35057,124 @@
           </p:txBody>
         </p:sp>
       </p:grpSp>
+      <p:sp>
+        <p:nvSpPr>
+          <p:cNvPr id="3" name="CaixaDeTexto 2">
+            <a:extLst>
+              <a:ext uri="{FF2B5EF4-FFF2-40B4-BE49-F238E27FC236}">
+                <a16:creationId xmlns:a16="http://schemas.microsoft.com/office/drawing/2014/main" id="{19035CAF-1C8B-4AE3-8033-3A58E61E6860}"/>
+              </a:ext>
+            </a:extLst>
+          </p:cNvPr>
+          <p:cNvSpPr txBox="1"/>
+          <p:nvPr/>
+        </p:nvSpPr>
+        <p:spPr>
+          <a:xfrm>
+            <a:off x="496827" y="2172092"/>
+            <a:ext cx="3288958" cy="369332"/>
+          </a:xfrm>
+          <a:prstGeom prst="rect">
+            <a:avLst/>
+          </a:prstGeom>
+          <a:noFill/>
+        </p:spPr>
+        <p:txBody>
+          <a:bodyPr wrap="square" rtlCol="0">
+            <a:spAutoFit/>
+          </a:bodyPr>
+          <a:lstStyle/>
+          <a:p>
+            <a:r>
+              <a:rPr lang="pt-BR" dirty="0"/>
+              <a:t>- Modelagem de Dados</a:t>
+            </a:r>
+          </a:p>
+        </p:txBody>
+      </p:sp>
+      <p:sp>
+        <p:nvSpPr>
+          <p:cNvPr id="9" name="CaixaDeTexto 8">
+            <a:extLst>
+              <a:ext uri="{FF2B5EF4-FFF2-40B4-BE49-F238E27FC236}">
+                <a16:creationId xmlns:a16="http://schemas.microsoft.com/office/drawing/2014/main" id="{9DB075A3-56FB-45D0-9830-D7302566A0CB}"/>
+              </a:ext>
+            </a:extLst>
+          </p:cNvPr>
+          <p:cNvSpPr txBox="1"/>
+          <p:nvPr/>
+        </p:nvSpPr>
+        <p:spPr>
+          <a:xfrm>
+            <a:off x="484424" y="2757243"/>
+            <a:ext cx="3288958" cy="369332"/>
+          </a:xfrm>
+          <a:prstGeom prst="rect">
+            <a:avLst/>
+          </a:prstGeom>
+          <a:noFill/>
+        </p:spPr>
+        <p:txBody>
+          <a:bodyPr wrap="square" rtlCol="0">
+            <a:spAutoFit/>
+          </a:bodyPr>
+          <a:lstStyle/>
+          <a:p>
+            <a:r>
+              <a:rPr lang="pt-BR" dirty="0"/>
+              <a:t>- Desenho de Arquitetura</a:t>
+            </a:r>
+          </a:p>
+        </p:txBody>
+      </p:sp>
+      <p:sp>
+        <p:nvSpPr>
+          <p:cNvPr id="11" name="CaixaDeTexto 10">
+            <a:extLst>
+              <a:ext uri="{FF2B5EF4-FFF2-40B4-BE49-F238E27FC236}">
+                <a16:creationId xmlns:a16="http://schemas.microsoft.com/office/drawing/2014/main" id="{16EB44B9-02AC-4947-965B-A08DBFC98023}"/>
+              </a:ext>
+            </a:extLst>
+          </p:cNvPr>
+          <p:cNvSpPr txBox="1"/>
+          <p:nvPr/>
+        </p:nvSpPr>
+        <p:spPr>
+          <a:xfrm>
+            <a:off x="472021" y="3350933"/>
+            <a:ext cx="3288958" cy="400110"/>
+          </a:xfrm>
+          <a:prstGeom prst="rect">
+            <a:avLst/>
+          </a:prstGeom>
+          <a:noFill/>
+          <a:effectLst>
+            <a:outerShdw blurRad="50800" dist="38100" algn="l" rotWithShape="0">
+              <a:prstClr val="black">
+                <a:alpha val="40000"/>
+              </a:prstClr>
+            </a:outerShdw>
+          </a:effectLst>
+        </p:spPr>
+        <p:txBody>
+          <a:bodyPr wrap="square" rtlCol="0">
+            <a:spAutoFit/>
+          </a:bodyPr>
+          <a:lstStyle/>
+          <a:p>
+            <a:r>
+              <a:rPr lang="pt-BR" sz="2000" dirty="0"/>
+              <a:t>- Diagrama de Classe</a:t>
+            </a:r>
+          </a:p>
+        </p:txBody>
+      </p:sp>
       <p:pic>
         <p:nvPicPr>
-          <p:cNvPr id="4" name="Imagem 3" descr="Tela de celular com texto preto sobre fundo branco&#10;&#10;Descrição gerada automaticamente">
+          <p:cNvPr id="15" name="Imagem 14" descr="Tela de celular com texto preto sobre fundo branco&#10;&#10;Descrição gerada automaticamente">
             <a:extLst>
               <a:ext uri="{FF2B5EF4-FFF2-40B4-BE49-F238E27FC236}">
-                <a16:creationId xmlns:a16="http://schemas.microsoft.com/office/drawing/2014/main" id="{1BED938E-3B90-421B-BA22-8FB3C8FFB03D}"/>
+                <a16:creationId xmlns:a16="http://schemas.microsoft.com/office/drawing/2014/main" id="{62BC3115-E732-4ECB-969D-3C5D1EFDDC7C}"/>
               </a:ext>
             </a:extLst>
           </p:cNvPr>
@@ -31990,7 +35197,7 @@
         </p:blipFill>
         <p:spPr>
           <a:xfrm>
-            <a:off x="2662237" y="1586283"/>
+            <a:off x="3973473" y="1476069"/>
             <a:ext cx="6867525" cy="4962525"/>
           </a:xfrm>
           <a:prstGeom prst="rect">
@@ -31998,16 +35205,318 @@
           </a:prstGeom>
         </p:spPr>
       </p:pic>
+      <p:sp>
+        <p:nvSpPr>
+          <p:cNvPr id="16" name="CaixaDeTexto 15">
+            <a:extLst>
+              <a:ext uri="{FF2B5EF4-FFF2-40B4-BE49-F238E27FC236}">
+                <a16:creationId xmlns:a16="http://schemas.microsoft.com/office/drawing/2014/main" id="{9CAE165D-3AF6-4FCE-B520-4EEFC17CCA76}"/>
+              </a:ext>
+            </a:extLst>
+          </p:cNvPr>
+          <p:cNvSpPr txBox="1"/>
+          <p:nvPr/>
+        </p:nvSpPr>
+        <p:spPr>
+          <a:xfrm>
+            <a:off x="472021" y="3944623"/>
+            <a:ext cx="3288958" cy="369332"/>
+          </a:xfrm>
+          <a:prstGeom prst="rect">
+            <a:avLst/>
+          </a:prstGeom>
+          <a:noFill/>
+        </p:spPr>
+        <p:txBody>
+          <a:bodyPr wrap="square" rtlCol="0">
+            <a:spAutoFit/>
+          </a:bodyPr>
+          <a:lstStyle/>
+          <a:p>
+            <a:r>
+              <a:rPr lang="pt-BR" dirty="0"/>
+              <a:t>- Planilha de Testes</a:t>
+            </a:r>
+          </a:p>
+        </p:txBody>
+      </p:sp>
+      <p:sp>
+        <p:nvSpPr>
+          <p:cNvPr id="19" name="CaixaDeTexto 18">
+            <a:extLst>
+              <a:ext uri="{FF2B5EF4-FFF2-40B4-BE49-F238E27FC236}">
+                <a16:creationId xmlns:a16="http://schemas.microsoft.com/office/drawing/2014/main" id="{A35B23B1-1021-49FF-AFA3-419F50FF7B69}"/>
+              </a:ext>
+            </a:extLst>
+          </p:cNvPr>
+          <p:cNvSpPr txBox="1"/>
+          <p:nvPr/>
+        </p:nvSpPr>
+        <p:spPr>
+          <a:xfrm>
+            <a:off x="496827" y="4519325"/>
+            <a:ext cx="3288958" cy="369332"/>
+          </a:xfrm>
+          <a:prstGeom prst="rect">
+            <a:avLst/>
+          </a:prstGeom>
+          <a:noFill/>
+          <a:effectLst/>
+        </p:spPr>
+        <p:txBody>
+          <a:bodyPr wrap="square" rtlCol="0">
+            <a:spAutoFit/>
+          </a:bodyPr>
+          <a:lstStyle/>
+          <a:p>
+            <a:r>
+              <a:rPr lang="pt-BR" dirty="0"/>
+              <a:t>- Arquivo de Exportação</a:t>
+            </a:r>
+          </a:p>
+        </p:txBody>
+      </p:sp>
     </p:spTree>
     <p:extLst>
       <p:ext uri="{BB962C8B-B14F-4D97-AF65-F5344CB8AC3E}">
-        <p14:creationId xmlns:p14="http://schemas.microsoft.com/office/powerpoint/2010/main" val="1034810671"/>
+        <p14:creationId xmlns:p14="http://schemas.microsoft.com/office/powerpoint/2010/main" val="1108433508"/>
       </p:ext>
     </p:extLst>
   </p:cSld>
   <p:clrMapOvr>
     <a:masterClrMapping/>
   </p:clrMapOvr>
+  <p:timing>
+    <p:tnLst>
+      <p:par>
+        <p:cTn id="1" dur="indefinite" restart="never" nodeType="tmRoot">
+          <p:childTnLst>
+            <p:seq concurrent="1" nextAc="seek">
+              <p:cTn id="2" dur="indefinite" nodeType="mainSeq">
+                <p:childTnLst>
+                  <p:par>
+                    <p:cTn id="3" fill="hold">
+                      <p:stCondLst>
+                        <p:cond delay="indefinite"/>
+                        <p:cond evt="onBegin" delay="0">
+                          <p:tn val="2"/>
+                        </p:cond>
+                      </p:stCondLst>
+                      <p:childTnLst>
+                        <p:par>
+                          <p:cTn id="4" fill="hold">
+                            <p:stCondLst>
+                              <p:cond delay="0"/>
+                            </p:stCondLst>
+                            <p:childTnLst>
+                              <p:par>
+                                <p:cTn id="5" presetID="53" presetClass="entr" presetSubtype="16" fill="hold" nodeType="withEffect">
+                                  <p:stCondLst>
+                                    <p:cond delay="0"/>
+                                  </p:stCondLst>
+                                  <p:childTnLst>
+                                    <p:set>
+                                      <p:cBhvr>
+                                        <p:cTn id="6" dur="1" fill="hold">
+                                          <p:stCondLst>
+                                            <p:cond delay="0"/>
+                                          </p:stCondLst>
+                                        </p:cTn>
+                                        <p:tgtEl>
+                                          <p:spTgt spid="15"/>
+                                        </p:tgtEl>
+                                        <p:attrNameLst>
+                                          <p:attrName>style.visibility</p:attrName>
+                                        </p:attrNameLst>
+                                      </p:cBhvr>
+                                      <p:to>
+                                        <p:strVal val="visible"/>
+                                      </p:to>
+                                    </p:set>
+                                    <p:anim calcmode="lin" valueType="num">
+                                      <p:cBhvr>
+                                        <p:cTn id="7" dur="500" fill="hold"/>
+                                        <p:tgtEl>
+                                          <p:spTgt spid="15"/>
+                                        </p:tgtEl>
+                                        <p:attrNameLst>
+                                          <p:attrName>ppt_w</p:attrName>
+                                        </p:attrNameLst>
+                                      </p:cBhvr>
+                                      <p:tavLst>
+                                        <p:tav tm="0">
+                                          <p:val>
+                                            <p:fltVal val="0"/>
+                                          </p:val>
+                                        </p:tav>
+                                        <p:tav tm="100000">
+                                          <p:val>
+                                            <p:strVal val="#ppt_w"/>
+                                          </p:val>
+                                        </p:tav>
+                                      </p:tavLst>
+                                    </p:anim>
+                                    <p:anim calcmode="lin" valueType="num">
+                                      <p:cBhvr>
+                                        <p:cTn id="8" dur="500" fill="hold"/>
+                                        <p:tgtEl>
+                                          <p:spTgt spid="15"/>
+                                        </p:tgtEl>
+                                        <p:attrNameLst>
+                                          <p:attrName>ppt_h</p:attrName>
+                                        </p:attrNameLst>
+                                      </p:cBhvr>
+                                      <p:tavLst>
+                                        <p:tav tm="0">
+                                          <p:val>
+                                            <p:fltVal val="0"/>
+                                          </p:val>
+                                        </p:tav>
+                                        <p:tav tm="100000">
+                                          <p:val>
+                                            <p:strVal val="#ppt_h"/>
+                                          </p:val>
+                                        </p:tav>
+                                      </p:tavLst>
+                                    </p:anim>
+                                    <p:animEffect transition="in" filter="fade">
+                                      <p:cBhvr>
+                                        <p:cTn id="9" dur="500"/>
+                                        <p:tgtEl>
+                                          <p:spTgt spid="15"/>
+                                        </p:tgtEl>
+                                      </p:cBhvr>
+                                    </p:animEffect>
+                                  </p:childTnLst>
+                                </p:cTn>
+                              </p:par>
+                            </p:childTnLst>
+                          </p:cTn>
+                        </p:par>
+                      </p:childTnLst>
+                    </p:cTn>
+                  </p:par>
+                  <p:par>
+                    <p:cTn id="10" fill="hold">
+                      <p:stCondLst>
+                        <p:cond delay="indefinite"/>
+                      </p:stCondLst>
+                      <p:childTnLst>
+                        <p:par>
+                          <p:cTn id="11" fill="hold">
+                            <p:stCondLst>
+                              <p:cond delay="0"/>
+                            </p:stCondLst>
+                            <p:childTnLst>
+                              <p:par>
+                                <p:cTn id="12" presetID="53" presetClass="exit" presetSubtype="32" fill="hold" nodeType="clickEffect">
+                                  <p:stCondLst>
+                                    <p:cond delay="0"/>
+                                  </p:stCondLst>
+                                  <p:childTnLst>
+                                    <p:anim calcmode="lin" valueType="num">
+                                      <p:cBhvr>
+                                        <p:cTn id="13" dur="500"/>
+                                        <p:tgtEl>
+                                          <p:spTgt spid="15"/>
+                                        </p:tgtEl>
+                                        <p:attrNameLst>
+                                          <p:attrName>ppt_w</p:attrName>
+                                        </p:attrNameLst>
+                                      </p:cBhvr>
+                                      <p:tavLst>
+                                        <p:tav tm="0">
+                                          <p:val>
+                                            <p:strVal val="ppt_w"/>
+                                          </p:val>
+                                        </p:tav>
+                                        <p:tav tm="100000">
+                                          <p:val>
+                                            <p:fltVal val="0"/>
+                                          </p:val>
+                                        </p:tav>
+                                      </p:tavLst>
+                                    </p:anim>
+                                    <p:anim calcmode="lin" valueType="num">
+                                      <p:cBhvr>
+                                        <p:cTn id="14" dur="500"/>
+                                        <p:tgtEl>
+                                          <p:spTgt spid="15"/>
+                                        </p:tgtEl>
+                                        <p:attrNameLst>
+                                          <p:attrName>ppt_h</p:attrName>
+                                        </p:attrNameLst>
+                                      </p:cBhvr>
+                                      <p:tavLst>
+                                        <p:tav tm="0">
+                                          <p:val>
+                                            <p:strVal val="ppt_h"/>
+                                          </p:val>
+                                        </p:tav>
+                                        <p:tav tm="100000">
+                                          <p:val>
+                                            <p:fltVal val="0"/>
+                                          </p:val>
+                                        </p:tav>
+                                      </p:tavLst>
+                                    </p:anim>
+                                    <p:animEffect transition="out" filter="fade">
+                                      <p:cBhvr>
+                                        <p:cTn id="15" dur="500"/>
+                                        <p:tgtEl>
+                                          <p:spTgt spid="15"/>
+                                        </p:tgtEl>
+                                      </p:cBhvr>
+                                    </p:animEffect>
+                                    <p:set>
+                                      <p:cBhvr>
+                                        <p:cTn id="16" dur="1" fill="hold">
+                                          <p:stCondLst>
+                                            <p:cond delay="499"/>
+                                          </p:stCondLst>
+                                        </p:cTn>
+                                        <p:tgtEl>
+                                          <p:spTgt spid="15"/>
+                                        </p:tgtEl>
+                                        <p:attrNameLst>
+                                          <p:attrName>style.visibility</p:attrName>
+                                        </p:attrNameLst>
+                                      </p:cBhvr>
+                                      <p:to>
+                                        <p:strVal val="hidden"/>
+                                      </p:to>
+                                    </p:set>
+                                  </p:childTnLst>
+                                </p:cTn>
+                              </p:par>
+                            </p:childTnLst>
+                          </p:cTn>
+                        </p:par>
+                      </p:childTnLst>
+                    </p:cTn>
+                  </p:par>
+                </p:childTnLst>
+              </p:cTn>
+              <p:prevCondLst>
+                <p:cond evt="onPrev" delay="0">
+                  <p:tgtEl>
+                    <p:sldTgt/>
+                  </p:tgtEl>
+                </p:cond>
+              </p:prevCondLst>
+              <p:nextCondLst>
+                <p:cond evt="onNext" delay="0">
+                  <p:tgtEl>
+                    <p:sldTgt/>
+                  </p:tgtEl>
+                </p:cond>
+              </p:nextCondLst>
+            </p:seq>
+          </p:childTnLst>
+        </p:cTn>
+      </p:par>
+    </p:tnLst>
+  </p:timing>
 </p:sld>
 </file>
 
@@ -32097,7 +35606,7 @@
           <a:p>
             <a:r>
               <a:rPr lang="pt-BR" dirty="0"/>
-              <a:t>Planilha de Testes (UAT)</a:t>
+              <a:t>Aplicação</a:t>
             </a:r>
           </a:p>
         </p:txBody>
@@ -32473,14 +35982,198 @@
         </p:blipFill>
         <p:spPr>
           <a:xfrm>
-            <a:off x="2567634" y="2547254"/>
-            <a:ext cx="7056732" cy="2568163"/>
+            <a:off x="3501894" y="2407866"/>
+            <a:ext cx="7421785" cy="2701017"/>
           </a:xfrm>
           <a:prstGeom prst="rect">
             <a:avLst/>
           </a:prstGeom>
         </p:spPr>
       </p:pic>
+      <p:sp>
+        <p:nvSpPr>
+          <p:cNvPr id="8" name="CaixaDeTexto 7">
+            <a:extLst>
+              <a:ext uri="{FF2B5EF4-FFF2-40B4-BE49-F238E27FC236}">
+                <a16:creationId xmlns:a16="http://schemas.microsoft.com/office/drawing/2014/main" id="{76B61B70-686C-4452-8B44-A25D894711B0}"/>
+              </a:ext>
+            </a:extLst>
+          </p:cNvPr>
+          <p:cNvSpPr txBox="1"/>
+          <p:nvPr/>
+        </p:nvSpPr>
+        <p:spPr>
+          <a:xfrm>
+            <a:off x="472021" y="3944623"/>
+            <a:ext cx="3288958" cy="400110"/>
+          </a:xfrm>
+          <a:prstGeom prst="rect">
+            <a:avLst/>
+          </a:prstGeom>
+          <a:noFill/>
+          <a:effectLst>
+            <a:outerShdw blurRad="50800" dist="38100" algn="l" rotWithShape="0">
+              <a:prstClr val="black">
+                <a:alpha val="40000"/>
+              </a:prstClr>
+            </a:outerShdw>
+          </a:effectLst>
+        </p:spPr>
+        <p:txBody>
+          <a:bodyPr wrap="square" rtlCol="0">
+            <a:spAutoFit/>
+          </a:bodyPr>
+          <a:lstStyle/>
+          <a:p>
+            <a:r>
+              <a:rPr lang="pt-BR" sz="2000" dirty="0"/>
+              <a:t>- Planilha de Testes</a:t>
+            </a:r>
+          </a:p>
+        </p:txBody>
+      </p:sp>
+      <p:sp>
+        <p:nvSpPr>
+          <p:cNvPr id="9" name="CaixaDeTexto 8">
+            <a:extLst>
+              <a:ext uri="{FF2B5EF4-FFF2-40B4-BE49-F238E27FC236}">
+                <a16:creationId xmlns:a16="http://schemas.microsoft.com/office/drawing/2014/main" id="{222C1FF2-278B-4340-9D9F-C78F6E5CF15B}"/>
+              </a:ext>
+            </a:extLst>
+          </p:cNvPr>
+          <p:cNvSpPr txBox="1"/>
+          <p:nvPr/>
+        </p:nvSpPr>
+        <p:spPr>
+          <a:xfrm>
+            <a:off x="496827" y="2172092"/>
+            <a:ext cx="3288958" cy="369332"/>
+          </a:xfrm>
+          <a:prstGeom prst="rect">
+            <a:avLst/>
+          </a:prstGeom>
+          <a:noFill/>
+        </p:spPr>
+        <p:txBody>
+          <a:bodyPr wrap="square" rtlCol="0">
+            <a:spAutoFit/>
+          </a:bodyPr>
+          <a:lstStyle/>
+          <a:p>
+            <a:r>
+              <a:rPr lang="pt-BR" dirty="0"/>
+              <a:t>- Modelagem de Dados</a:t>
+            </a:r>
+          </a:p>
+        </p:txBody>
+      </p:sp>
+      <p:sp>
+        <p:nvSpPr>
+          <p:cNvPr id="11" name="CaixaDeTexto 10">
+            <a:extLst>
+              <a:ext uri="{FF2B5EF4-FFF2-40B4-BE49-F238E27FC236}">
+                <a16:creationId xmlns:a16="http://schemas.microsoft.com/office/drawing/2014/main" id="{4E984021-D7FD-4490-8DBE-80F9AF9A814D}"/>
+              </a:ext>
+            </a:extLst>
+          </p:cNvPr>
+          <p:cNvSpPr txBox="1"/>
+          <p:nvPr/>
+        </p:nvSpPr>
+        <p:spPr>
+          <a:xfrm>
+            <a:off x="484424" y="2757243"/>
+            <a:ext cx="3288958" cy="369332"/>
+          </a:xfrm>
+          <a:prstGeom prst="rect">
+            <a:avLst/>
+          </a:prstGeom>
+          <a:noFill/>
+        </p:spPr>
+        <p:txBody>
+          <a:bodyPr wrap="square" rtlCol="0">
+            <a:spAutoFit/>
+          </a:bodyPr>
+          <a:lstStyle/>
+          <a:p>
+            <a:r>
+              <a:rPr lang="pt-BR" dirty="0"/>
+              <a:t>- Desenho de Arquitetura</a:t>
+            </a:r>
+          </a:p>
+        </p:txBody>
+      </p:sp>
+      <p:sp>
+        <p:nvSpPr>
+          <p:cNvPr id="15" name="CaixaDeTexto 14">
+            <a:extLst>
+              <a:ext uri="{FF2B5EF4-FFF2-40B4-BE49-F238E27FC236}">
+                <a16:creationId xmlns:a16="http://schemas.microsoft.com/office/drawing/2014/main" id="{CBB9C317-0489-467D-AFF5-5A6026DDF8C0}"/>
+              </a:ext>
+            </a:extLst>
+          </p:cNvPr>
+          <p:cNvSpPr txBox="1"/>
+          <p:nvPr/>
+        </p:nvSpPr>
+        <p:spPr>
+          <a:xfrm>
+            <a:off x="472021" y="3350933"/>
+            <a:ext cx="3288958" cy="369332"/>
+          </a:xfrm>
+          <a:prstGeom prst="rect">
+            <a:avLst/>
+          </a:prstGeom>
+          <a:noFill/>
+          <a:effectLst/>
+        </p:spPr>
+        <p:txBody>
+          <a:bodyPr wrap="square" rtlCol="0">
+            <a:spAutoFit/>
+          </a:bodyPr>
+          <a:lstStyle/>
+          <a:p>
+            <a:r>
+              <a:rPr lang="pt-BR" dirty="0"/>
+              <a:t>- Diagrama de Classe</a:t>
+            </a:r>
+          </a:p>
+        </p:txBody>
+      </p:sp>
+      <p:sp>
+        <p:nvSpPr>
+          <p:cNvPr id="19" name="CaixaDeTexto 18">
+            <a:extLst>
+              <a:ext uri="{FF2B5EF4-FFF2-40B4-BE49-F238E27FC236}">
+                <a16:creationId xmlns:a16="http://schemas.microsoft.com/office/drawing/2014/main" id="{801D3AE1-4492-47FE-B780-B74F5D1C0856}"/>
+              </a:ext>
+            </a:extLst>
+          </p:cNvPr>
+          <p:cNvSpPr txBox="1"/>
+          <p:nvPr/>
+        </p:nvSpPr>
+        <p:spPr>
+          <a:xfrm>
+            <a:off x="496827" y="4519325"/>
+            <a:ext cx="3288958" cy="369332"/>
+          </a:xfrm>
+          <a:prstGeom prst="rect">
+            <a:avLst/>
+          </a:prstGeom>
+          <a:noFill/>
+          <a:effectLst/>
+        </p:spPr>
+        <p:txBody>
+          <a:bodyPr wrap="square" rtlCol="0">
+            <a:spAutoFit/>
+          </a:bodyPr>
+          <a:lstStyle/>
+          <a:p>
+            <a:r>
+              <a:rPr lang="pt-BR" dirty="0"/>
+              <a:t>- Arquivo de Exportação</a:t>
+            </a:r>
+          </a:p>
+        </p:txBody>
+      </p:sp>
     </p:spTree>
     <p:extLst>
       <p:ext uri="{BB962C8B-B14F-4D97-AF65-F5344CB8AC3E}">
@@ -32491,6 +36184,237 @@
   <p:clrMapOvr>
     <a:masterClrMapping/>
   </p:clrMapOvr>
+  <p:timing>
+    <p:tnLst>
+      <p:par>
+        <p:cTn id="1" dur="indefinite" restart="never" nodeType="tmRoot">
+          <p:childTnLst>
+            <p:seq concurrent="1" nextAc="seek">
+              <p:cTn id="2" dur="indefinite" nodeType="mainSeq">
+                <p:childTnLst>
+                  <p:par>
+                    <p:cTn id="3" fill="hold">
+                      <p:stCondLst>
+                        <p:cond delay="indefinite"/>
+                        <p:cond evt="onBegin" delay="0">
+                          <p:tn val="2"/>
+                        </p:cond>
+                      </p:stCondLst>
+                      <p:childTnLst>
+                        <p:par>
+                          <p:cTn id="4" fill="hold">
+                            <p:stCondLst>
+                              <p:cond delay="0"/>
+                            </p:stCondLst>
+                            <p:childTnLst>
+                              <p:par>
+                                <p:cTn id="5" presetID="53" presetClass="entr" presetSubtype="16" fill="hold" nodeType="withEffect">
+                                  <p:stCondLst>
+                                    <p:cond delay="0"/>
+                                  </p:stCondLst>
+                                  <p:childTnLst>
+                                    <p:set>
+                                      <p:cBhvr>
+                                        <p:cTn id="6" dur="1" fill="hold">
+                                          <p:stCondLst>
+                                            <p:cond delay="0"/>
+                                          </p:stCondLst>
+                                        </p:cTn>
+                                        <p:tgtEl>
+                                          <p:spTgt spid="3"/>
+                                        </p:tgtEl>
+                                        <p:attrNameLst>
+                                          <p:attrName>style.visibility</p:attrName>
+                                        </p:attrNameLst>
+                                      </p:cBhvr>
+                                      <p:to>
+                                        <p:strVal val="visible"/>
+                                      </p:to>
+                                    </p:set>
+                                    <p:anim calcmode="lin" valueType="num">
+                                      <p:cBhvr>
+                                        <p:cTn id="7" dur="500" fill="hold"/>
+                                        <p:tgtEl>
+                                          <p:spTgt spid="3"/>
+                                        </p:tgtEl>
+                                        <p:attrNameLst>
+                                          <p:attrName>ppt_w</p:attrName>
+                                        </p:attrNameLst>
+                                      </p:cBhvr>
+                                      <p:tavLst>
+                                        <p:tav tm="0">
+                                          <p:val>
+                                            <p:fltVal val="0"/>
+                                          </p:val>
+                                        </p:tav>
+                                        <p:tav tm="100000">
+                                          <p:val>
+                                            <p:strVal val="#ppt_w"/>
+                                          </p:val>
+                                        </p:tav>
+                                      </p:tavLst>
+                                    </p:anim>
+                                    <p:anim calcmode="lin" valueType="num">
+                                      <p:cBhvr>
+                                        <p:cTn id="8" dur="500" fill="hold"/>
+                                        <p:tgtEl>
+                                          <p:spTgt spid="3"/>
+                                        </p:tgtEl>
+                                        <p:attrNameLst>
+                                          <p:attrName>ppt_h</p:attrName>
+                                        </p:attrNameLst>
+                                      </p:cBhvr>
+                                      <p:tavLst>
+                                        <p:tav tm="0">
+                                          <p:val>
+                                            <p:fltVal val="0"/>
+                                          </p:val>
+                                        </p:tav>
+                                        <p:tav tm="100000">
+                                          <p:val>
+                                            <p:strVal val="#ppt_h"/>
+                                          </p:val>
+                                        </p:tav>
+                                      </p:tavLst>
+                                    </p:anim>
+                                    <p:animEffect transition="in" filter="fade">
+                                      <p:cBhvr>
+                                        <p:cTn id="9" dur="500"/>
+                                        <p:tgtEl>
+                                          <p:spTgt spid="3"/>
+                                        </p:tgtEl>
+                                      </p:cBhvr>
+                                    </p:animEffect>
+                                  </p:childTnLst>
+                                </p:cTn>
+                              </p:par>
+                            </p:childTnLst>
+                          </p:cTn>
+                        </p:par>
+                      </p:childTnLst>
+                    </p:cTn>
+                  </p:par>
+                  <p:par>
+                    <p:cTn id="10" fill="hold">
+                      <p:stCondLst>
+                        <p:cond delay="indefinite"/>
+                      </p:stCondLst>
+                      <p:childTnLst>
+                        <p:par>
+                          <p:cTn id="11" fill="hold">
+                            <p:stCondLst>
+                              <p:cond delay="0"/>
+                            </p:stCondLst>
+                            <p:childTnLst>
+                              <p:par>
+                                <p:cTn id="12" presetID="53" presetClass="exit" presetSubtype="32" fill="hold" nodeType="clickEffect">
+                                  <p:stCondLst>
+                                    <p:cond delay="0"/>
+                                  </p:stCondLst>
+                                  <p:childTnLst>
+                                    <p:anim calcmode="lin" valueType="num">
+                                      <p:cBhvr>
+                                        <p:cTn id="13" dur="500"/>
+                                        <p:tgtEl>
+                                          <p:spTgt spid="3"/>
+                                        </p:tgtEl>
+                                        <p:attrNameLst>
+                                          <p:attrName>ppt_w</p:attrName>
+                                        </p:attrNameLst>
+                                      </p:cBhvr>
+                                      <p:tavLst>
+                                        <p:tav tm="0">
+                                          <p:val>
+                                            <p:strVal val="ppt_w"/>
+                                          </p:val>
+                                        </p:tav>
+                                        <p:tav tm="100000">
+                                          <p:val>
+                                            <p:fltVal val="0"/>
+                                          </p:val>
+                                        </p:tav>
+                                      </p:tavLst>
+                                    </p:anim>
+                                    <p:anim calcmode="lin" valueType="num">
+                                      <p:cBhvr>
+                                        <p:cTn id="14" dur="500"/>
+                                        <p:tgtEl>
+                                          <p:spTgt spid="3"/>
+                                        </p:tgtEl>
+                                        <p:attrNameLst>
+                                          <p:attrName>ppt_h</p:attrName>
+                                        </p:attrNameLst>
+                                      </p:cBhvr>
+                                      <p:tavLst>
+                                        <p:tav tm="0">
+                                          <p:val>
+                                            <p:strVal val="ppt_h"/>
+                                          </p:val>
+                                        </p:tav>
+                                        <p:tav tm="100000">
+                                          <p:val>
+                                            <p:fltVal val="0"/>
+                                          </p:val>
+                                        </p:tav>
+                                      </p:tavLst>
+                                    </p:anim>
+                                    <p:animEffect transition="out" filter="fade">
+                                      <p:cBhvr>
+                                        <p:cTn id="15" dur="500"/>
+                                        <p:tgtEl>
+                                          <p:spTgt spid="3"/>
+                                        </p:tgtEl>
+                                      </p:cBhvr>
+                                    </p:animEffect>
+                                    <p:set>
+                                      <p:cBhvr>
+                                        <p:cTn id="16" dur="1" fill="hold">
+                                          <p:stCondLst>
+                                            <p:cond delay="499"/>
+                                          </p:stCondLst>
+                                        </p:cTn>
+                                        <p:tgtEl>
+                                          <p:spTgt spid="3"/>
+                                        </p:tgtEl>
+                                        <p:attrNameLst>
+                                          <p:attrName>style.visibility</p:attrName>
+                                        </p:attrNameLst>
+                                      </p:cBhvr>
+                                      <p:to>
+                                        <p:strVal val="hidden"/>
+                                      </p:to>
+                                    </p:set>
+                                  </p:childTnLst>
+                                </p:cTn>
+                              </p:par>
+                            </p:childTnLst>
+                          </p:cTn>
+                        </p:par>
+                      </p:childTnLst>
+                    </p:cTn>
+                  </p:par>
+                </p:childTnLst>
+              </p:cTn>
+              <p:prevCondLst>
+                <p:cond evt="onPrev" delay="0">
+                  <p:tgtEl>
+                    <p:sldTgt/>
+                  </p:tgtEl>
+                </p:cond>
+              </p:prevCondLst>
+              <p:nextCondLst>
+                <p:cond evt="onNext" delay="0">
+                  <p:tgtEl>
+                    <p:sldTgt/>
+                  </p:tgtEl>
+                </p:cond>
+              </p:nextCondLst>
+            </p:seq>
+          </p:childTnLst>
+        </p:cTn>
+      </p:par>
+    </p:tnLst>
+  </p:timing>
 </p:sld>
 </file>
 
@@ -32580,7 +36504,7 @@
           <a:p>
             <a:r>
               <a:rPr lang="pt-BR" dirty="0"/>
-              <a:t>Documento de Layout</a:t>
+              <a:t>Aplicação</a:t>
             </a:r>
           </a:p>
         </p:txBody>
@@ -32934,126 +36858,331 @@
           </p:txBody>
         </p:sp>
       </p:grpSp>
-      <p:pic>
-        <p:nvPicPr>
-          <p:cNvPr id="15" name="Imagem 14">
+      <p:sp>
+        <p:nvSpPr>
+          <p:cNvPr id="16" name="CaixaDeTexto 15">
             <a:extLst>
               <a:ext uri="{FF2B5EF4-FFF2-40B4-BE49-F238E27FC236}">
-                <a16:creationId xmlns:a16="http://schemas.microsoft.com/office/drawing/2014/main" id="{E3972336-02C1-47CD-97B1-80ABC70FA9B7}"/>
+                <a16:creationId xmlns:a16="http://schemas.microsoft.com/office/drawing/2014/main" id="{EF23E5A8-6F84-4594-8BB9-57898F4F956C}"/>
               </a:ext>
             </a:extLst>
           </p:cNvPr>
-          <p:cNvPicPr>
-            <a:picLocks noChangeAspect="1"/>
-          </p:cNvPicPr>
+          <p:cNvSpPr txBox="1"/>
           <p:nvPr/>
-        </p:nvPicPr>
-        <p:blipFill>
-          <a:blip r:embed="rId2"/>
-          <a:stretch>
-            <a:fillRect/>
-          </a:stretch>
-        </p:blipFill>
+        </p:nvSpPr>
         <p:spPr>
           <a:xfrm>
-            <a:off x="0" y="2215146"/>
-            <a:ext cx="12200965" cy="3535986"/>
+            <a:off x="472021" y="3944623"/>
+            <a:ext cx="3288958" cy="369332"/>
           </a:xfrm>
           <a:prstGeom prst="rect">
             <a:avLst/>
           </a:prstGeom>
+          <a:noFill/>
+          <a:effectLst/>
         </p:spPr>
-      </p:pic>
-      <p:pic>
-        <p:nvPicPr>
-          <p:cNvPr id="4" name="Imagem 3">
+        <p:txBody>
+          <a:bodyPr wrap="square" rtlCol="0">
+            <a:spAutoFit/>
+          </a:bodyPr>
+          <a:lstStyle/>
+          <a:p>
+            <a:r>
+              <a:rPr lang="pt-BR" dirty="0"/>
+              <a:t>- Planilha de Testes</a:t>
+            </a:r>
+          </a:p>
+        </p:txBody>
+      </p:sp>
+      <p:sp>
+        <p:nvSpPr>
+          <p:cNvPr id="17" name="CaixaDeTexto 16">
             <a:extLst>
               <a:ext uri="{FF2B5EF4-FFF2-40B4-BE49-F238E27FC236}">
-                <a16:creationId xmlns:a16="http://schemas.microsoft.com/office/drawing/2014/main" id="{EF1B15BB-D535-47AA-9FA1-D1125164EE2C}"/>
+                <a16:creationId xmlns:a16="http://schemas.microsoft.com/office/drawing/2014/main" id="{58B8F891-5766-456B-A822-47FAD62143AD}"/>
               </a:ext>
             </a:extLst>
           </p:cNvPr>
-          <p:cNvPicPr>
-            <a:picLocks noChangeAspect="1"/>
-          </p:cNvPicPr>
+          <p:cNvSpPr txBox="1"/>
           <p:nvPr/>
-        </p:nvPicPr>
-        <p:blipFill>
-          <a:blip r:embed="rId3"/>
-          <a:stretch>
-            <a:fillRect/>
-          </a:stretch>
-        </p:blipFill>
+        </p:nvSpPr>
         <p:spPr>
           <a:xfrm>
-            <a:off x="4471746" y="3090493"/>
-            <a:ext cx="3248507" cy="1965600"/>
+            <a:off x="496827" y="2172092"/>
+            <a:ext cx="3288958" cy="369332"/>
           </a:xfrm>
           <a:prstGeom prst="rect">
             <a:avLst/>
           </a:prstGeom>
+          <a:noFill/>
         </p:spPr>
-      </p:pic>
-      <p:pic>
-        <p:nvPicPr>
-          <p:cNvPr id="6" name="Imagem 5">
+        <p:txBody>
+          <a:bodyPr wrap="square" rtlCol="0">
+            <a:spAutoFit/>
+          </a:bodyPr>
+          <a:lstStyle/>
+          <a:p>
+            <a:r>
+              <a:rPr lang="pt-BR" dirty="0"/>
+              <a:t>- Modelagem de Dados</a:t>
+            </a:r>
+          </a:p>
+        </p:txBody>
+      </p:sp>
+      <p:sp>
+        <p:nvSpPr>
+          <p:cNvPr id="18" name="CaixaDeTexto 17">
             <a:extLst>
               <a:ext uri="{FF2B5EF4-FFF2-40B4-BE49-F238E27FC236}">
-                <a16:creationId xmlns:a16="http://schemas.microsoft.com/office/drawing/2014/main" id="{86E18F85-66AB-4286-98CE-080A6189E506}"/>
+                <a16:creationId xmlns:a16="http://schemas.microsoft.com/office/drawing/2014/main" id="{E72E18B1-BBBF-45A0-994C-3F38AD146859}"/>
               </a:ext>
             </a:extLst>
           </p:cNvPr>
-          <p:cNvPicPr>
-            <a:picLocks noChangeAspect="1"/>
-          </p:cNvPicPr>
+          <p:cNvSpPr txBox="1"/>
           <p:nvPr/>
-        </p:nvPicPr>
-        <p:blipFill>
-          <a:blip r:embed="rId4"/>
-          <a:stretch>
-            <a:fillRect/>
-          </a:stretch>
-        </p:blipFill>
+        </p:nvSpPr>
         <p:spPr>
           <a:xfrm>
-            <a:off x="654203" y="2663073"/>
-            <a:ext cx="3114558" cy="2640126"/>
+            <a:off x="484424" y="2757243"/>
+            <a:ext cx="3288958" cy="369332"/>
           </a:xfrm>
           <a:prstGeom prst="rect">
             <a:avLst/>
           </a:prstGeom>
+          <a:noFill/>
         </p:spPr>
-      </p:pic>
-      <p:pic>
-        <p:nvPicPr>
-          <p:cNvPr id="7" name="Imagem 6">
+        <p:txBody>
+          <a:bodyPr wrap="square" rtlCol="0">
+            <a:spAutoFit/>
+          </a:bodyPr>
+          <a:lstStyle/>
+          <a:p>
+            <a:r>
+              <a:rPr lang="pt-BR" dirty="0"/>
+              <a:t>- Desenho de Arquitetura</a:t>
+            </a:r>
+          </a:p>
+        </p:txBody>
+      </p:sp>
+      <p:sp>
+        <p:nvSpPr>
+          <p:cNvPr id="19" name="CaixaDeTexto 18">
             <a:extLst>
               <a:ext uri="{FF2B5EF4-FFF2-40B4-BE49-F238E27FC236}">
-                <a16:creationId xmlns:a16="http://schemas.microsoft.com/office/drawing/2014/main" id="{639E2F4F-9550-4925-80F7-305D25DF9580}"/>
+                <a16:creationId xmlns:a16="http://schemas.microsoft.com/office/drawing/2014/main" id="{CA019AD7-4970-43AB-9C11-F7BD91047774}"/>
               </a:ext>
             </a:extLst>
           </p:cNvPr>
-          <p:cNvPicPr>
-            <a:picLocks noChangeAspect="1"/>
-          </p:cNvPicPr>
+          <p:cNvSpPr txBox="1"/>
           <p:nvPr/>
-        </p:nvPicPr>
-        <p:blipFill>
-          <a:blip r:embed="rId5"/>
-          <a:stretch>
-            <a:fillRect/>
-          </a:stretch>
-        </p:blipFill>
+        </p:nvSpPr>
         <p:spPr>
           <a:xfrm>
-            <a:off x="8450311" y="3521362"/>
-            <a:ext cx="3248507" cy="1103862"/>
+            <a:off x="472021" y="3350933"/>
+            <a:ext cx="3288958" cy="369332"/>
           </a:xfrm>
           <a:prstGeom prst="rect">
             <a:avLst/>
           </a:prstGeom>
+          <a:noFill/>
+          <a:effectLst/>
         </p:spPr>
-      </p:pic>
+        <p:txBody>
+          <a:bodyPr wrap="square" rtlCol="0">
+            <a:spAutoFit/>
+          </a:bodyPr>
+          <a:lstStyle/>
+          <a:p>
+            <a:r>
+              <a:rPr lang="pt-BR" dirty="0"/>
+              <a:t>- Diagrama de Classe</a:t>
+            </a:r>
+          </a:p>
+        </p:txBody>
+      </p:sp>
+      <p:sp>
+        <p:nvSpPr>
+          <p:cNvPr id="21" name="CaixaDeTexto 20">
+            <a:extLst>
+              <a:ext uri="{FF2B5EF4-FFF2-40B4-BE49-F238E27FC236}">
+                <a16:creationId xmlns:a16="http://schemas.microsoft.com/office/drawing/2014/main" id="{4FCE83B2-ED4D-4145-A0B8-FA43DCFD9FFE}"/>
+              </a:ext>
+            </a:extLst>
+          </p:cNvPr>
+          <p:cNvSpPr txBox="1"/>
+          <p:nvPr/>
+        </p:nvSpPr>
+        <p:spPr>
+          <a:xfrm>
+            <a:off x="496827" y="4519325"/>
+            <a:ext cx="3288958" cy="400110"/>
+          </a:xfrm>
+          <a:prstGeom prst="rect">
+            <a:avLst/>
+          </a:prstGeom>
+          <a:noFill/>
+          <a:effectLst>
+            <a:outerShdw blurRad="50800" dist="38100" algn="l" rotWithShape="0">
+              <a:prstClr val="black">
+                <a:alpha val="40000"/>
+              </a:prstClr>
+            </a:outerShdw>
+          </a:effectLst>
+        </p:spPr>
+        <p:txBody>
+          <a:bodyPr wrap="square" rtlCol="0">
+            <a:spAutoFit/>
+          </a:bodyPr>
+          <a:lstStyle/>
+          <a:p>
+            <a:r>
+              <a:rPr lang="pt-BR" sz="2000" dirty="0"/>
+              <a:t>- Arquivo de Exportação</a:t>
+            </a:r>
+          </a:p>
+        </p:txBody>
+      </p:sp>
+      <p:grpSp>
+        <p:nvGrpSpPr>
+          <p:cNvPr id="5" name="Agrupar 4">
+            <a:extLst>
+              <a:ext uri="{FF2B5EF4-FFF2-40B4-BE49-F238E27FC236}">
+                <a16:creationId xmlns:a16="http://schemas.microsoft.com/office/drawing/2014/main" id="{47A4E389-A66A-4606-888E-8E12D8DD919F}"/>
+              </a:ext>
+            </a:extLst>
+          </p:cNvPr>
+          <p:cNvGrpSpPr/>
+          <p:nvPr/>
+        </p:nvGrpSpPr>
+        <p:grpSpPr>
+          <a:xfrm>
+            <a:off x="6254635" y="0"/>
+            <a:ext cx="4029075" cy="6858002"/>
+            <a:chOff x="6867524" y="-2"/>
+            <a:chExt cx="4029075" cy="6858002"/>
+          </a:xfrm>
+        </p:grpSpPr>
+        <p:pic>
+          <p:nvPicPr>
+            <p:cNvPr id="22" name="Imagem 21">
+              <a:extLst>
+                <a:ext uri="{FF2B5EF4-FFF2-40B4-BE49-F238E27FC236}">
+                  <a16:creationId xmlns:a16="http://schemas.microsoft.com/office/drawing/2014/main" id="{8D54C705-47F9-4144-8360-13503B9AABC4}"/>
+                </a:ext>
+              </a:extLst>
+            </p:cNvPr>
+            <p:cNvPicPr>
+              <a:picLocks noChangeAspect="1"/>
+            </p:cNvPicPr>
+            <p:nvPr/>
+          </p:nvPicPr>
+          <p:blipFill>
+            <a:blip r:embed="rId2"/>
+            <a:stretch>
+              <a:fillRect/>
+            </a:stretch>
+          </p:blipFill>
+          <p:spPr>
+            <a:xfrm rot="5400000">
+              <a:off x="5453061" y="1414461"/>
+              <a:ext cx="6858002" cy="4029075"/>
+            </a:xfrm>
+            <a:prstGeom prst="rect">
+              <a:avLst/>
+            </a:prstGeom>
+          </p:spPr>
+        </p:pic>
+        <p:pic>
+          <p:nvPicPr>
+            <p:cNvPr id="23" name="Imagem 22" descr="Tela de celular com texto preto sobre fundo branco&#10;&#10;Descrição gerada automaticamente">
+              <a:extLst>
+                <a:ext uri="{FF2B5EF4-FFF2-40B4-BE49-F238E27FC236}">
+                  <a16:creationId xmlns:a16="http://schemas.microsoft.com/office/drawing/2014/main" id="{5A516734-AEA0-4764-B0B6-A4E4D46DFBF7}"/>
+                </a:ext>
+              </a:extLst>
+            </p:cNvPr>
+            <p:cNvPicPr>
+              <a:picLocks noChangeAspect="1"/>
+            </p:cNvPicPr>
+            <p:nvPr/>
+          </p:nvPicPr>
+          <p:blipFill>
+            <a:blip r:embed="rId3"/>
+            <a:stretch>
+              <a:fillRect/>
+            </a:stretch>
+          </p:blipFill>
+          <p:spPr>
+            <a:xfrm>
+              <a:off x="7260144" y="225003"/>
+              <a:ext cx="3248507" cy="1963902"/>
+            </a:xfrm>
+            <a:prstGeom prst="rect">
+              <a:avLst/>
+            </a:prstGeom>
+          </p:spPr>
+        </p:pic>
+        <p:pic>
+          <p:nvPicPr>
+            <p:cNvPr id="24" name="Imagem 23" descr="Tela de celular com texto preto sobre fundo branco&#10;&#10;Descrição gerada automaticamente">
+              <a:extLst>
+                <a:ext uri="{FF2B5EF4-FFF2-40B4-BE49-F238E27FC236}">
+                  <a16:creationId xmlns:a16="http://schemas.microsoft.com/office/drawing/2014/main" id="{D36C2A91-41AB-42D7-B966-BD1F43686DCE}"/>
+                </a:ext>
+              </a:extLst>
+            </p:cNvPr>
+            <p:cNvPicPr>
+              <a:picLocks noChangeAspect="1"/>
+            </p:cNvPicPr>
+            <p:nvPr/>
+          </p:nvPicPr>
+          <p:blipFill>
+            <a:blip r:embed="rId4"/>
+            <a:stretch>
+              <a:fillRect/>
+            </a:stretch>
+          </p:blipFill>
+          <p:spPr>
+            <a:xfrm>
+              <a:off x="7260144" y="2548488"/>
+              <a:ext cx="3248507" cy="1761019"/>
+            </a:xfrm>
+            <a:prstGeom prst="rect">
+              <a:avLst/>
+            </a:prstGeom>
+          </p:spPr>
+        </p:pic>
+        <p:pic>
+          <p:nvPicPr>
+            <p:cNvPr id="25" name="Imagem 24" descr="Tela de celular com texto preto sobre fundo branco&#10;&#10;Descrição gerada automaticamente">
+              <a:extLst>
+                <a:ext uri="{FF2B5EF4-FFF2-40B4-BE49-F238E27FC236}">
+                  <a16:creationId xmlns:a16="http://schemas.microsoft.com/office/drawing/2014/main" id="{092F571E-673D-4044-9922-F99EF299C1E8}"/>
+                </a:ext>
+              </a:extLst>
+            </p:cNvPr>
+            <p:cNvPicPr>
+              <a:picLocks noChangeAspect="1"/>
+            </p:cNvPicPr>
+            <p:nvPr/>
+          </p:nvPicPr>
+          <p:blipFill>
+            <a:blip r:embed="rId5"/>
+            <a:stretch>
+              <a:fillRect/>
+            </a:stretch>
+          </p:blipFill>
+          <p:spPr>
+            <a:xfrm>
+              <a:off x="7260144" y="5044169"/>
+              <a:ext cx="3248507" cy="933259"/>
+            </a:xfrm>
+            <a:prstGeom prst="rect">
+              <a:avLst/>
+            </a:prstGeom>
+          </p:spPr>
+        </p:pic>
+      </p:grpSp>
     </p:spTree>
     <p:extLst>
       <p:ext uri="{BB962C8B-B14F-4D97-AF65-F5344CB8AC3E}">
@@ -33064,6 +37193,237 @@
   <p:clrMapOvr>
     <a:masterClrMapping/>
   </p:clrMapOvr>
+  <p:timing>
+    <p:tnLst>
+      <p:par>
+        <p:cTn id="1" dur="indefinite" restart="never" nodeType="tmRoot">
+          <p:childTnLst>
+            <p:seq concurrent="1" nextAc="seek">
+              <p:cTn id="2" dur="indefinite" nodeType="mainSeq">
+                <p:childTnLst>
+                  <p:par>
+                    <p:cTn id="3" fill="hold">
+                      <p:stCondLst>
+                        <p:cond delay="indefinite"/>
+                        <p:cond evt="onBegin" delay="0">
+                          <p:tn val="2"/>
+                        </p:cond>
+                      </p:stCondLst>
+                      <p:childTnLst>
+                        <p:par>
+                          <p:cTn id="4" fill="hold">
+                            <p:stCondLst>
+                              <p:cond delay="0"/>
+                            </p:stCondLst>
+                            <p:childTnLst>
+                              <p:par>
+                                <p:cTn id="5" presetID="53" presetClass="entr" presetSubtype="16" fill="hold" nodeType="withEffect">
+                                  <p:stCondLst>
+                                    <p:cond delay="0"/>
+                                  </p:stCondLst>
+                                  <p:childTnLst>
+                                    <p:set>
+                                      <p:cBhvr>
+                                        <p:cTn id="6" dur="1" fill="hold">
+                                          <p:stCondLst>
+                                            <p:cond delay="0"/>
+                                          </p:stCondLst>
+                                        </p:cTn>
+                                        <p:tgtEl>
+                                          <p:spTgt spid="5"/>
+                                        </p:tgtEl>
+                                        <p:attrNameLst>
+                                          <p:attrName>style.visibility</p:attrName>
+                                        </p:attrNameLst>
+                                      </p:cBhvr>
+                                      <p:to>
+                                        <p:strVal val="visible"/>
+                                      </p:to>
+                                    </p:set>
+                                    <p:anim calcmode="lin" valueType="num">
+                                      <p:cBhvr>
+                                        <p:cTn id="7" dur="500" fill="hold"/>
+                                        <p:tgtEl>
+                                          <p:spTgt spid="5"/>
+                                        </p:tgtEl>
+                                        <p:attrNameLst>
+                                          <p:attrName>ppt_w</p:attrName>
+                                        </p:attrNameLst>
+                                      </p:cBhvr>
+                                      <p:tavLst>
+                                        <p:tav tm="0">
+                                          <p:val>
+                                            <p:fltVal val="0"/>
+                                          </p:val>
+                                        </p:tav>
+                                        <p:tav tm="100000">
+                                          <p:val>
+                                            <p:strVal val="#ppt_w"/>
+                                          </p:val>
+                                        </p:tav>
+                                      </p:tavLst>
+                                    </p:anim>
+                                    <p:anim calcmode="lin" valueType="num">
+                                      <p:cBhvr>
+                                        <p:cTn id="8" dur="500" fill="hold"/>
+                                        <p:tgtEl>
+                                          <p:spTgt spid="5"/>
+                                        </p:tgtEl>
+                                        <p:attrNameLst>
+                                          <p:attrName>ppt_h</p:attrName>
+                                        </p:attrNameLst>
+                                      </p:cBhvr>
+                                      <p:tavLst>
+                                        <p:tav tm="0">
+                                          <p:val>
+                                            <p:fltVal val="0"/>
+                                          </p:val>
+                                        </p:tav>
+                                        <p:tav tm="100000">
+                                          <p:val>
+                                            <p:strVal val="#ppt_h"/>
+                                          </p:val>
+                                        </p:tav>
+                                      </p:tavLst>
+                                    </p:anim>
+                                    <p:animEffect transition="in" filter="fade">
+                                      <p:cBhvr>
+                                        <p:cTn id="9" dur="500"/>
+                                        <p:tgtEl>
+                                          <p:spTgt spid="5"/>
+                                        </p:tgtEl>
+                                      </p:cBhvr>
+                                    </p:animEffect>
+                                  </p:childTnLst>
+                                </p:cTn>
+                              </p:par>
+                            </p:childTnLst>
+                          </p:cTn>
+                        </p:par>
+                      </p:childTnLst>
+                    </p:cTn>
+                  </p:par>
+                  <p:par>
+                    <p:cTn id="10" fill="hold">
+                      <p:stCondLst>
+                        <p:cond delay="indefinite"/>
+                      </p:stCondLst>
+                      <p:childTnLst>
+                        <p:par>
+                          <p:cTn id="11" fill="hold">
+                            <p:stCondLst>
+                              <p:cond delay="0"/>
+                            </p:stCondLst>
+                            <p:childTnLst>
+                              <p:par>
+                                <p:cTn id="12" presetID="53" presetClass="exit" presetSubtype="32" fill="hold" nodeType="clickEffect">
+                                  <p:stCondLst>
+                                    <p:cond delay="0"/>
+                                  </p:stCondLst>
+                                  <p:childTnLst>
+                                    <p:anim calcmode="lin" valueType="num">
+                                      <p:cBhvr>
+                                        <p:cTn id="13" dur="500"/>
+                                        <p:tgtEl>
+                                          <p:spTgt spid="5"/>
+                                        </p:tgtEl>
+                                        <p:attrNameLst>
+                                          <p:attrName>ppt_w</p:attrName>
+                                        </p:attrNameLst>
+                                      </p:cBhvr>
+                                      <p:tavLst>
+                                        <p:tav tm="0">
+                                          <p:val>
+                                            <p:strVal val="ppt_w"/>
+                                          </p:val>
+                                        </p:tav>
+                                        <p:tav tm="100000">
+                                          <p:val>
+                                            <p:fltVal val="0"/>
+                                          </p:val>
+                                        </p:tav>
+                                      </p:tavLst>
+                                    </p:anim>
+                                    <p:anim calcmode="lin" valueType="num">
+                                      <p:cBhvr>
+                                        <p:cTn id="14" dur="500"/>
+                                        <p:tgtEl>
+                                          <p:spTgt spid="5"/>
+                                        </p:tgtEl>
+                                        <p:attrNameLst>
+                                          <p:attrName>ppt_h</p:attrName>
+                                        </p:attrNameLst>
+                                      </p:cBhvr>
+                                      <p:tavLst>
+                                        <p:tav tm="0">
+                                          <p:val>
+                                            <p:strVal val="ppt_h"/>
+                                          </p:val>
+                                        </p:tav>
+                                        <p:tav tm="100000">
+                                          <p:val>
+                                            <p:fltVal val="0"/>
+                                          </p:val>
+                                        </p:tav>
+                                      </p:tavLst>
+                                    </p:anim>
+                                    <p:animEffect transition="out" filter="fade">
+                                      <p:cBhvr>
+                                        <p:cTn id="15" dur="500"/>
+                                        <p:tgtEl>
+                                          <p:spTgt spid="5"/>
+                                        </p:tgtEl>
+                                      </p:cBhvr>
+                                    </p:animEffect>
+                                    <p:set>
+                                      <p:cBhvr>
+                                        <p:cTn id="16" dur="1" fill="hold">
+                                          <p:stCondLst>
+                                            <p:cond delay="499"/>
+                                          </p:stCondLst>
+                                        </p:cTn>
+                                        <p:tgtEl>
+                                          <p:spTgt spid="5"/>
+                                        </p:tgtEl>
+                                        <p:attrNameLst>
+                                          <p:attrName>style.visibility</p:attrName>
+                                        </p:attrNameLst>
+                                      </p:cBhvr>
+                                      <p:to>
+                                        <p:strVal val="hidden"/>
+                                      </p:to>
+                                    </p:set>
+                                  </p:childTnLst>
+                                </p:cTn>
+                              </p:par>
+                            </p:childTnLst>
+                          </p:cTn>
+                        </p:par>
+                      </p:childTnLst>
+                    </p:cTn>
+                  </p:par>
+                </p:childTnLst>
+              </p:cTn>
+              <p:prevCondLst>
+                <p:cond evt="onPrev" delay="0">
+                  <p:tgtEl>
+                    <p:sldTgt/>
+                  </p:tgtEl>
+                </p:cond>
+              </p:prevCondLst>
+              <p:nextCondLst>
+                <p:cond evt="onNext" delay="0">
+                  <p:tgtEl>
+                    <p:sldTgt/>
+                  </p:tgtEl>
+                </p:cond>
+              </p:nextCondLst>
+            </p:seq>
+          </p:childTnLst>
+        </p:cTn>
+      </p:par>
+    </p:tnLst>
+  </p:timing>
 </p:sld>
 </file>
 
@@ -33125,7 +37485,7 @@
           <a:lstStyle/>
           <a:p>
             <a:pPr algn="ctr"/>
-            <a:endParaRPr lang="en-US"/>
+            <a:endParaRPr lang="en-US" dirty="0"/>
           </a:p>
         </p:txBody>
       </p:sp>
@@ -33153,7 +37513,7 @@
           <a:p>
             <a:r>
               <a:rPr lang="pt-BR" dirty="0"/>
-              <a:t>Contexto</a:t>
+              <a:t>Introdução - Contexto</a:t>
             </a:r>
           </a:p>
         </p:txBody>
@@ -33641,6 +38001,9 @@
                     <p:cTn id="3" fill="hold">
                       <p:stCondLst>
                         <p:cond delay="indefinite"/>
+                        <p:cond evt="onBegin" delay="0">
+                          <p:tn val="2"/>
+                        </p:cond>
                       </p:stCondLst>
                       <p:childTnLst>
                         <p:par>
@@ -33650,7 +38013,7 @@
                             </p:stCondLst>
                             <p:childTnLst>
                               <p:par>
-                                <p:cTn id="5" presetID="10" presetClass="entr" presetSubtype="0" fill="hold" grpId="0" nodeType="clickEffect">
+                                <p:cTn id="5" presetID="10" presetClass="entr" presetSubtype="0" fill="hold" grpId="0" nodeType="withEffect">
                                   <p:stCondLst>
                                     <p:cond delay="0"/>
                                   </p:stCondLst>
@@ -33974,7 +38337,7 @@
           <a:p>
             <a:r>
               <a:rPr lang="pt-BR" dirty="0"/>
-              <a:t>Justificativa</a:t>
+              <a:t>Introdução - Justificativa</a:t>
             </a:r>
           </a:p>
         </p:txBody>
@@ -34438,6 +38801,9 @@
                     <p:cTn id="3" fill="hold">
                       <p:stCondLst>
                         <p:cond delay="indefinite"/>
+                        <p:cond evt="onBegin" delay="0">
+                          <p:tn val="2"/>
+                        </p:cond>
                       </p:stCondLst>
                       <p:childTnLst>
                         <p:par>
@@ -34447,7 +38813,7 @@
                             </p:stCondLst>
                             <p:childTnLst>
                               <p:par>
-                                <p:cTn id="5" presetID="10" presetClass="entr" presetSubtype="0" fill="hold" grpId="0" nodeType="clickEffect">
+                                <p:cTn id="5" presetID="10" presetClass="entr" presetSubtype="0" fill="hold" grpId="0" nodeType="withEffect">
                                   <p:stCondLst>
                                     <p:cond delay="0"/>
                                   </p:stCondLst>
@@ -34771,7 +39137,7 @@
           <a:p>
             <a:r>
               <a:rPr lang="pt-BR" dirty="0"/>
-              <a:t>Objetivo</a:t>
+              <a:t>Introdução - Objetivo</a:t>
             </a:r>
           </a:p>
         </p:txBody>
@@ -35177,101 +39543,24 @@
       </p:grpSpPr>
       <p:sp>
         <p:nvSpPr>
-          <p:cNvPr id="2" name="Título 1"/>
-          <p:cNvSpPr>
-            <a:spLocks noGrp="1"/>
-          </p:cNvSpPr>
-          <p:nvPr>
-            <p:ph type="title"/>
-          </p:nvPr>
-        </p:nvSpPr>
-        <p:spPr/>
-        <p:txBody>
-          <a:bodyPr/>
-          <a:lstStyle/>
-          <a:p>
-            <a:r>
-              <a:rPr lang="pt-BR" dirty="0" err="1"/>
-              <a:t>Proto-Persona</a:t>
-            </a:r>
-            <a:endParaRPr lang="pt-BR" dirty="0"/>
-          </a:p>
-        </p:txBody>
-      </p:sp>
-      <p:pic>
-        <p:nvPicPr>
-          <p:cNvPr id="4" name="Imagem 3"/>
-          <p:cNvPicPr>
-            <a:picLocks noChangeAspect="1"/>
-          </p:cNvPicPr>
-          <p:nvPr/>
-        </p:nvPicPr>
-        <p:blipFill>
-          <a:blip r:embed="rId2">
+          <p:cNvPr id="21" name="Retângulo: Cantos Arredondados 20">
             <a:extLst>
-              <a:ext uri="{28A0092B-C50C-407E-A947-70E740481C1C}">
-                <a14:useLocalDpi xmlns:a14="http://schemas.microsoft.com/office/drawing/2010/main" val="0"/>
+              <a:ext uri="{FF2B5EF4-FFF2-40B4-BE49-F238E27FC236}">
+                <a16:creationId xmlns:a16="http://schemas.microsoft.com/office/drawing/2014/main" id="{DEDAC65E-5A44-4D6B-8FD8-DE7536913038}"/>
               </a:ext>
             </a:extLst>
-          </a:blip>
-          <a:stretch>
-            <a:fillRect/>
-          </a:stretch>
-        </p:blipFill>
-        <p:spPr>
-          <a:xfrm>
-            <a:off x="3802856" y="1690688"/>
-            <a:ext cx="4586287" cy="4586287"/>
-          </a:xfrm>
-          <a:prstGeom prst="rect">
-            <a:avLst/>
-          </a:prstGeom>
-        </p:spPr>
-      </p:pic>
-    </p:spTree>
-  </p:cSld>
-  <p:clrMapOvr>
-    <a:masterClrMapping/>
-  </p:clrMapOvr>
-</p:sld>
-</file>
-
-<file path=ppt/slides/slide6.xml><?xml version="1.0" encoding="utf-8"?>
-<p:sld xmlns:a="http://schemas.openxmlformats.org/drawingml/2006/main" xmlns:r="http://schemas.openxmlformats.org/officeDocument/2006/relationships" xmlns:p="http://schemas.openxmlformats.org/presentationml/2006/main">
-  <p:cSld>
-    <p:spTree>
-      <p:nvGrpSpPr>
-        <p:cNvPr id="1" name=""/>
-        <p:cNvGrpSpPr/>
-        <p:nvPr/>
-      </p:nvGrpSpPr>
-      <p:grpSpPr>
-        <a:xfrm>
-          <a:off x="0" y="0"/>
-          <a:ext cx="0" cy="0"/>
-          <a:chOff x="0" y="0"/>
-          <a:chExt cx="0" cy="0"/>
-        </a:xfrm>
-      </p:grpSpPr>
-      <p:sp useBgFill="1">
-        <p:nvSpPr>
-          <p:cNvPr id="10" name="Rectangle 9"/>
-          <p:cNvSpPr>
-            <a:spLocks noGrp="1" noRot="1" noChangeAspect="1" noMove="1" noResize="1" noEditPoints="1" noAdjustHandles="1" noChangeArrowheads="1" noChangeShapeType="1" noTextEdit="1"/>
-          </p:cNvSpPr>
+          </p:cNvPr>
+          <p:cNvSpPr/>
           <p:nvPr/>
         </p:nvSpPr>
         <p:spPr>
           <a:xfrm>
-            <a:off x="0" y="0"/>
-            <a:ext cx="12192000" cy="6858000"/>
+            <a:off x="2797869" y="1386044"/>
+            <a:ext cx="1639080" cy="369332"/>
           </a:xfrm>
-          <a:prstGeom prst="rect">
+          <a:prstGeom prst="roundRect">
             <a:avLst/>
           </a:prstGeom>
-          <a:ln>
-            <a:noFill/>
-          </a:ln>
         </p:spPr>
         <p:style>
           <a:lnRef idx="2">
@@ -35294,454 +39583,10 @@
           <a:lstStyle/>
           <a:p>
             <a:pPr algn="ctr"/>
-            <a:endParaRPr lang="en-US" dirty="0"/>
+            <a:endParaRPr lang="pt-BR"/>
           </a:p>
         </p:txBody>
       </p:sp>
-      <p:sp>
-        <p:nvSpPr>
-          <p:cNvPr id="2" name="Título 1"/>
-          <p:cNvSpPr>
-            <a:spLocks noGrp="1"/>
-          </p:cNvSpPr>
-          <p:nvPr>
-            <p:ph type="title"/>
-          </p:nvPr>
-        </p:nvSpPr>
-        <p:spPr>
-          <a:xfrm>
-            <a:off x="1812897" y="518649"/>
-            <a:ext cx="9882278" cy="1067634"/>
-          </a:xfrm>
-        </p:spPr>
-        <p:txBody>
-          <a:bodyPr anchor="ctr">
-            <a:normAutofit/>
-          </a:bodyPr>
-          <a:lstStyle/>
-          <a:p>
-            <a:r>
-              <a:rPr lang="pt-BR" dirty="0" err="1"/>
-              <a:t>StoryBoard</a:t>
-            </a:r>
-            <a:endParaRPr lang="pt-BR" dirty="0"/>
-          </a:p>
-        </p:txBody>
-      </p:sp>
-      <p:grpSp>
-        <p:nvGrpSpPr>
-          <p:cNvPr id="12" name="Group 11"/>
-          <p:cNvGrpSpPr>
-            <a:grpSpLocks noGrp="1" noUngrp="1" noRot="1" noChangeAspect="1" noMove="1" noResize="1"/>
-          </p:cNvGrpSpPr>
-          <p:nvPr/>
-        </p:nvGrpSpPr>
-        <p:grpSpPr>
-          <a:xfrm>
-            <a:off x="472021" y="628863"/>
-            <a:ext cx="1128382" cy="847206"/>
-            <a:chOff x="8183879" y="1000124"/>
-            <a:chExt cx="1562267" cy="1172973"/>
-          </a:xfrm>
-        </p:grpSpPr>
-        <p:sp>
-          <p:nvSpPr>
-            <p:cNvPr id="13" name="Freeform 5"/>
-            <p:cNvSpPr/>
-            <p:nvPr/>
-          </p:nvSpPr>
-          <p:spPr bwMode="auto">
-            <a:xfrm>
-              <a:off x="8183879" y="1348782"/>
-              <a:ext cx="935037" cy="824315"/>
-            </a:xfrm>
-            <a:custGeom>
-              <a:avLst/>
-              <a:gdLst>
-                <a:gd name="T0" fmla="*/ 225 w 785"/>
-                <a:gd name="T1" fmla="*/ 692 h 692"/>
-                <a:gd name="T2" fmla="*/ 177 w 785"/>
-                <a:gd name="T3" fmla="*/ 665 h 692"/>
-                <a:gd name="T4" fmla="*/ 9 w 785"/>
-                <a:gd name="T5" fmla="*/ 374 h 692"/>
-                <a:gd name="T6" fmla="*/ 9 w 785"/>
-                <a:gd name="T7" fmla="*/ 318 h 692"/>
-                <a:gd name="T8" fmla="*/ 177 w 785"/>
-                <a:gd name="T9" fmla="*/ 27 h 692"/>
-                <a:gd name="T10" fmla="*/ 225 w 785"/>
-                <a:gd name="T11" fmla="*/ 0 h 692"/>
-                <a:gd name="T12" fmla="*/ 561 w 785"/>
-                <a:gd name="T13" fmla="*/ 0 h 692"/>
-                <a:gd name="T14" fmla="*/ 609 w 785"/>
-                <a:gd name="T15" fmla="*/ 27 h 692"/>
-                <a:gd name="T16" fmla="*/ 777 w 785"/>
-                <a:gd name="T17" fmla="*/ 318 h 692"/>
-                <a:gd name="T18" fmla="*/ 777 w 785"/>
-                <a:gd name="T19" fmla="*/ 374 h 692"/>
-                <a:gd name="T20" fmla="*/ 609 w 785"/>
-                <a:gd name="T21" fmla="*/ 665 h 692"/>
-                <a:gd name="T22" fmla="*/ 561 w 785"/>
-                <a:gd name="T23" fmla="*/ 692 h 692"/>
-                <a:gd name="T24" fmla="*/ 225 w 785"/>
-                <a:gd name="T25" fmla="*/ 692 h 692"/>
-              </a:gdLst>
-              <a:ahLst/>
-              <a:cxnLst>
-                <a:cxn ang="0">
-                  <a:pos x="T0" y="T1"/>
-                </a:cxn>
-                <a:cxn ang="0">
-                  <a:pos x="T2" y="T3"/>
-                </a:cxn>
-                <a:cxn ang="0">
-                  <a:pos x="T4" y="T5"/>
-                </a:cxn>
-                <a:cxn ang="0">
-                  <a:pos x="T6" y="T7"/>
-                </a:cxn>
-                <a:cxn ang="0">
-                  <a:pos x="T8" y="T9"/>
-                </a:cxn>
-                <a:cxn ang="0">
-                  <a:pos x="T10" y="T11"/>
-                </a:cxn>
-                <a:cxn ang="0">
-                  <a:pos x="T12" y="T13"/>
-                </a:cxn>
-                <a:cxn ang="0">
-                  <a:pos x="T14" y="T15"/>
-                </a:cxn>
-                <a:cxn ang="0">
-                  <a:pos x="T16" y="T17"/>
-                </a:cxn>
-                <a:cxn ang="0">
-                  <a:pos x="T18" y="T19"/>
-                </a:cxn>
-                <a:cxn ang="0">
-                  <a:pos x="T20" y="T21"/>
-                </a:cxn>
-                <a:cxn ang="0">
-                  <a:pos x="T22" y="T23"/>
-                </a:cxn>
-                <a:cxn ang="0">
-                  <a:pos x="T24" y="T25"/>
-                </a:cxn>
-              </a:cxnLst>
-              <a:rect l="0" t="0" r="r" b="b"/>
-              <a:pathLst>
-                <a:path w="785" h="692">
-                  <a:moveTo>
-                    <a:pt x="225" y="692"/>
-                  </a:moveTo>
-                  <a:cubicBezTo>
-                    <a:pt x="207" y="692"/>
-                    <a:pt x="185" y="680"/>
-                    <a:pt x="177" y="665"/>
-                  </a:cubicBezTo>
-                  <a:cubicBezTo>
-                    <a:pt x="9" y="374"/>
-                    <a:pt x="9" y="374"/>
-                    <a:pt x="9" y="374"/>
-                  </a:cubicBezTo>
-                  <a:cubicBezTo>
-                    <a:pt x="0" y="358"/>
-                    <a:pt x="0" y="334"/>
-                    <a:pt x="9" y="318"/>
-                  </a:cubicBezTo>
-                  <a:cubicBezTo>
-                    <a:pt x="177" y="27"/>
-                    <a:pt x="177" y="27"/>
-                    <a:pt x="177" y="27"/>
-                  </a:cubicBezTo>
-                  <a:cubicBezTo>
-                    <a:pt x="185" y="12"/>
-                    <a:pt x="207" y="0"/>
-                    <a:pt x="225" y="0"/>
-                  </a:cubicBezTo>
-                  <a:cubicBezTo>
-                    <a:pt x="561" y="0"/>
-                    <a:pt x="561" y="0"/>
-                    <a:pt x="561" y="0"/>
-                  </a:cubicBezTo>
-                  <a:cubicBezTo>
-                    <a:pt x="578" y="0"/>
-                    <a:pt x="600" y="12"/>
-                    <a:pt x="609" y="27"/>
-                  </a:cubicBezTo>
-                  <a:cubicBezTo>
-                    <a:pt x="777" y="318"/>
-                    <a:pt x="777" y="318"/>
-                    <a:pt x="777" y="318"/>
-                  </a:cubicBezTo>
-                  <a:cubicBezTo>
-                    <a:pt x="785" y="334"/>
-                    <a:pt x="785" y="358"/>
-                    <a:pt x="777" y="374"/>
-                  </a:cubicBezTo>
-                  <a:cubicBezTo>
-                    <a:pt x="609" y="665"/>
-                    <a:pt x="609" y="665"/>
-                    <a:pt x="609" y="665"/>
-                  </a:cubicBezTo>
-                  <a:cubicBezTo>
-                    <a:pt x="600" y="680"/>
-                    <a:pt x="578" y="692"/>
-                    <a:pt x="561" y="692"/>
-                  </a:cubicBezTo>
-                  <a:lnTo>
-                    <a:pt x="225" y="692"/>
-                  </a:lnTo>
-                  <a:close/>
-                </a:path>
-              </a:pathLst>
-            </a:custGeom>
-            <a:noFill/>
-            <a:ln w="28575" cmpd="sng">
-              <a:solidFill>
-                <a:schemeClr val="tx1"/>
-              </a:solidFill>
-            </a:ln>
-          </p:spPr>
-          <p:txBody>
-            <a:bodyPr vert="horz" wrap="square" lIns="91440" tIns="45720" rIns="91440" bIns="45720" numCol="1" anchor="t" anchorCtr="0" compatLnSpc="1"/>
-            <a:lstStyle/>
-            <a:p>
-              <a:endParaRPr lang="en-US"/>
-            </a:p>
-          </p:txBody>
-        </p:sp>
-        <p:sp>
-          <p:nvSpPr>
-            <p:cNvPr id="14" name="Freeform 5"/>
-            <p:cNvSpPr/>
-            <p:nvPr/>
-          </p:nvSpPr>
-          <p:spPr bwMode="auto">
-            <a:xfrm>
-              <a:off x="8983979" y="1000124"/>
-              <a:ext cx="762167" cy="671915"/>
-            </a:xfrm>
-            <a:custGeom>
-              <a:avLst/>
-              <a:gdLst>
-                <a:gd name="T0" fmla="*/ 225 w 785"/>
-                <a:gd name="T1" fmla="*/ 692 h 692"/>
-                <a:gd name="T2" fmla="*/ 177 w 785"/>
-                <a:gd name="T3" fmla="*/ 665 h 692"/>
-                <a:gd name="T4" fmla="*/ 9 w 785"/>
-                <a:gd name="T5" fmla="*/ 374 h 692"/>
-                <a:gd name="T6" fmla="*/ 9 w 785"/>
-                <a:gd name="T7" fmla="*/ 318 h 692"/>
-                <a:gd name="T8" fmla="*/ 177 w 785"/>
-                <a:gd name="T9" fmla="*/ 27 h 692"/>
-                <a:gd name="T10" fmla="*/ 225 w 785"/>
-                <a:gd name="T11" fmla="*/ 0 h 692"/>
-                <a:gd name="T12" fmla="*/ 561 w 785"/>
-                <a:gd name="T13" fmla="*/ 0 h 692"/>
-                <a:gd name="T14" fmla="*/ 609 w 785"/>
-                <a:gd name="T15" fmla="*/ 27 h 692"/>
-                <a:gd name="T16" fmla="*/ 777 w 785"/>
-                <a:gd name="T17" fmla="*/ 318 h 692"/>
-                <a:gd name="T18" fmla="*/ 777 w 785"/>
-                <a:gd name="T19" fmla="*/ 374 h 692"/>
-                <a:gd name="T20" fmla="*/ 609 w 785"/>
-                <a:gd name="T21" fmla="*/ 665 h 692"/>
-                <a:gd name="T22" fmla="*/ 561 w 785"/>
-                <a:gd name="T23" fmla="*/ 692 h 692"/>
-                <a:gd name="T24" fmla="*/ 225 w 785"/>
-                <a:gd name="T25" fmla="*/ 692 h 692"/>
-              </a:gdLst>
-              <a:ahLst/>
-              <a:cxnLst>
-                <a:cxn ang="0">
-                  <a:pos x="T0" y="T1"/>
-                </a:cxn>
-                <a:cxn ang="0">
-                  <a:pos x="T2" y="T3"/>
-                </a:cxn>
-                <a:cxn ang="0">
-                  <a:pos x="T4" y="T5"/>
-                </a:cxn>
-                <a:cxn ang="0">
-                  <a:pos x="T6" y="T7"/>
-                </a:cxn>
-                <a:cxn ang="0">
-                  <a:pos x="T8" y="T9"/>
-                </a:cxn>
-                <a:cxn ang="0">
-                  <a:pos x="T10" y="T11"/>
-                </a:cxn>
-                <a:cxn ang="0">
-                  <a:pos x="T12" y="T13"/>
-                </a:cxn>
-                <a:cxn ang="0">
-                  <a:pos x="T14" y="T15"/>
-                </a:cxn>
-                <a:cxn ang="0">
-                  <a:pos x="T16" y="T17"/>
-                </a:cxn>
-                <a:cxn ang="0">
-                  <a:pos x="T18" y="T19"/>
-                </a:cxn>
-                <a:cxn ang="0">
-                  <a:pos x="T20" y="T21"/>
-                </a:cxn>
-                <a:cxn ang="0">
-                  <a:pos x="T22" y="T23"/>
-                </a:cxn>
-                <a:cxn ang="0">
-                  <a:pos x="T24" y="T25"/>
-                </a:cxn>
-              </a:cxnLst>
-              <a:rect l="0" t="0" r="r" b="b"/>
-              <a:pathLst>
-                <a:path w="785" h="692">
-                  <a:moveTo>
-                    <a:pt x="225" y="692"/>
-                  </a:moveTo>
-                  <a:cubicBezTo>
-                    <a:pt x="207" y="692"/>
-                    <a:pt x="185" y="680"/>
-                    <a:pt x="177" y="665"/>
-                  </a:cubicBezTo>
-                  <a:cubicBezTo>
-                    <a:pt x="9" y="374"/>
-                    <a:pt x="9" y="374"/>
-                    <a:pt x="9" y="374"/>
-                  </a:cubicBezTo>
-                  <a:cubicBezTo>
-                    <a:pt x="0" y="358"/>
-                    <a:pt x="0" y="334"/>
-                    <a:pt x="9" y="318"/>
-                  </a:cubicBezTo>
-                  <a:cubicBezTo>
-                    <a:pt x="177" y="27"/>
-                    <a:pt x="177" y="27"/>
-                    <a:pt x="177" y="27"/>
-                  </a:cubicBezTo>
-                  <a:cubicBezTo>
-                    <a:pt x="185" y="12"/>
-                    <a:pt x="207" y="0"/>
-                    <a:pt x="225" y="0"/>
-                  </a:cubicBezTo>
-                  <a:cubicBezTo>
-                    <a:pt x="561" y="0"/>
-                    <a:pt x="561" y="0"/>
-                    <a:pt x="561" y="0"/>
-                  </a:cubicBezTo>
-                  <a:cubicBezTo>
-                    <a:pt x="578" y="0"/>
-                    <a:pt x="600" y="12"/>
-                    <a:pt x="609" y="27"/>
-                  </a:cubicBezTo>
-                  <a:cubicBezTo>
-                    <a:pt x="777" y="318"/>
-                    <a:pt x="777" y="318"/>
-                    <a:pt x="777" y="318"/>
-                  </a:cubicBezTo>
-                  <a:cubicBezTo>
-                    <a:pt x="785" y="334"/>
-                    <a:pt x="785" y="358"/>
-                    <a:pt x="777" y="374"/>
-                  </a:cubicBezTo>
-                  <a:cubicBezTo>
-                    <a:pt x="609" y="665"/>
-                    <a:pt x="609" y="665"/>
-                    <a:pt x="609" y="665"/>
-                  </a:cubicBezTo>
-                  <a:cubicBezTo>
-                    <a:pt x="600" y="680"/>
-                    <a:pt x="578" y="692"/>
-                    <a:pt x="561" y="692"/>
-                  </a:cubicBezTo>
-                  <a:lnTo>
-                    <a:pt x="225" y="692"/>
-                  </a:lnTo>
-                  <a:close/>
-                </a:path>
-              </a:pathLst>
-            </a:custGeom>
-            <a:noFill/>
-            <a:ln w="28575" cmpd="sng">
-              <a:solidFill>
-                <a:schemeClr val="tx1"/>
-              </a:solidFill>
-            </a:ln>
-          </p:spPr>
-          <p:txBody>
-            <a:bodyPr vert="horz" wrap="square" lIns="91440" tIns="45720" rIns="91440" bIns="45720" numCol="1" anchor="t" anchorCtr="0" compatLnSpc="1"/>
-            <a:lstStyle/>
-            <a:p>
-              <a:endParaRPr lang="en-US"/>
-            </a:p>
-          </p:txBody>
-        </p:sp>
-      </p:grpSp>
-      <p:pic>
-        <p:nvPicPr>
-          <p:cNvPr id="4" name="Imagem 3" descr="Uma imagem contendo texto, screenshot&#10;&#10;Descrição gerada automaticamente">
-            <a:extLst>
-              <a:ext uri="{FF2B5EF4-FFF2-40B4-BE49-F238E27FC236}">
-                <a16:creationId xmlns:a16="http://schemas.microsoft.com/office/drawing/2014/main" id="{3B8A8F53-123C-4439-9517-915F069EB640}"/>
-              </a:ext>
-            </a:extLst>
-          </p:cNvPr>
-          <p:cNvPicPr>
-            <a:picLocks noChangeAspect="1"/>
-          </p:cNvPicPr>
-          <p:nvPr/>
-        </p:nvPicPr>
-        <p:blipFill rotWithShape="1">
-          <a:blip r:embed="rId2">
-            <a:extLst>
-              <a:ext uri="{28A0092B-C50C-407E-A947-70E740481C1C}">
-                <a14:useLocalDpi xmlns:a14="http://schemas.microsoft.com/office/drawing/2010/main" val="0"/>
-              </a:ext>
-            </a:extLst>
-          </a:blip>
-          <a:srcRect t="23994" b="27786"/>
-          <a:stretch/>
-        </p:blipFill>
-        <p:spPr>
-          <a:xfrm>
-            <a:off x="837870" y="2466972"/>
-            <a:ext cx="10516259" cy="2852420"/>
-          </a:xfrm>
-          <a:prstGeom prst="rect">
-            <a:avLst/>
-          </a:prstGeom>
-        </p:spPr>
-      </p:pic>
-    </p:spTree>
-    <p:extLst>
-      <p:ext uri="{BB962C8B-B14F-4D97-AF65-F5344CB8AC3E}">
-        <p14:creationId xmlns:p14="http://schemas.microsoft.com/office/powerpoint/2010/main" val="2602158399"/>
-      </p:ext>
-    </p:extLst>
-  </p:cSld>
-  <p:clrMapOvr>
-    <a:masterClrMapping/>
-  </p:clrMapOvr>
-</p:sld>
-</file>
-
-<file path=ppt/slides/slide7.xml><?xml version="1.0" encoding="utf-8"?>
-<p:sld xmlns:a="http://schemas.openxmlformats.org/drawingml/2006/main" xmlns:r="http://schemas.openxmlformats.org/officeDocument/2006/relationships" xmlns:p="http://schemas.openxmlformats.org/presentationml/2006/main">
-  <p:cSld>
-    <p:spTree>
-      <p:nvGrpSpPr>
-        <p:cNvPr id="1" name=""/>
-        <p:cNvGrpSpPr/>
-        <p:nvPr/>
-      </p:nvGrpSpPr>
-      <p:grpSpPr>
-        <a:xfrm>
-          <a:off x="0" y="0"/>
-          <a:ext cx="0" cy="0"/>
-          <a:chOff x="0" y="0"/>
-          <a:chExt cx="0" cy="0"/>
-        </a:xfrm>
-      </p:grpSpPr>
       <p:sp useBgFill="1">
         <p:nvSpPr>
           <p:cNvPr id="10" name="Rectangle 9"/>
@@ -35811,7 +39656,7 @@
           <a:p>
             <a:r>
               <a:rPr lang="pt-BR" dirty="0"/>
-              <a:t>BPMN</a:t>
+              <a:t>Artefatos</a:t>
             </a:r>
           </a:p>
         </p:txBody>
@@ -36167,10 +40012,907 @@
       </p:grpSp>
       <p:pic>
         <p:nvPicPr>
-          <p:cNvPr id="11" name="Imagem 10" descr="Uma imagem contendo placa, preto, rua, estacionado&#10;&#10;Descrição gerada automaticamente">
+          <p:cNvPr id="8" name="Imagem 7">
             <a:extLst>
               <a:ext uri="{FF2B5EF4-FFF2-40B4-BE49-F238E27FC236}">
-                <a16:creationId xmlns:a16="http://schemas.microsoft.com/office/drawing/2014/main" id="{5E5FFD33-0256-424A-8BC7-4179A52A21E0}"/>
+                <a16:creationId xmlns:a16="http://schemas.microsoft.com/office/drawing/2014/main" id="{E7887945-5460-4B49-BFA8-1466756D37A0}"/>
+              </a:ext>
+            </a:extLst>
+          </p:cNvPr>
+          <p:cNvPicPr>
+            <a:picLocks noChangeAspect="1"/>
+          </p:cNvPicPr>
+          <p:nvPr/>
+        </p:nvPicPr>
+        <p:blipFill>
+          <a:blip r:embed="rId2">
+            <a:extLst>
+              <a:ext uri="{28A0092B-C50C-407E-A947-70E740481C1C}">
+                <a14:useLocalDpi xmlns:a14="http://schemas.microsoft.com/office/drawing/2010/main" val="0"/>
+              </a:ext>
+            </a:extLst>
+          </a:blip>
+          <a:stretch>
+            <a:fillRect/>
+          </a:stretch>
+        </p:blipFill>
+        <p:spPr>
+          <a:xfrm>
+            <a:off x="4232682" y="2104932"/>
+            <a:ext cx="3726636" cy="3726636"/>
+          </a:xfrm>
+          <a:prstGeom prst="rect">
+            <a:avLst/>
+          </a:prstGeom>
+        </p:spPr>
+      </p:pic>
+      <p:sp>
+        <p:nvSpPr>
+          <p:cNvPr id="16" name="CaixaDeTexto 15">
+            <a:extLst>
+              <a:ext uri="{FF2B5EF4-FFF2-40B4-BE49-F238E27FC236}">
+                <a16:creationId xmlns:a16="http://schemas.microsoft.com/office/drawing/2014/main" id="{B929AAFC-5FD1-4FBC-9997-0574514F2D6D}"/>
+              </a:ext>
+            </a:extLst>
+          </p:cNvPr>
+          <p:cNvSpPr txBox="1"/>
+          <p:nvPr/>
+        </p:nvSpPr>
+        <p:spPr>
+          <a:xfrm>
+            <a:off x="2244588" y="1310816"/>
+            <a:ext cx="1597469" cy="369332"/>
+          </a:xfrm>
+          <a:prstGeom prst="rect">
+            <a:avLst/>
+          </a:prstGeom>
+          <a:noFill/>
+          <a:effectLst>
+            <a:outerShdw blurRad="50800" dist="38100" dir="5400000" algn="t" rotWithShape="0">
+              <a:prstClr val="black">
+                <a:alpha val="40000"/>
+              </a:prstClr>
+            </a:outerShdw>
+          </a:effectLst>
+        </p:spPr>
+        <p:txBody>
+          <a:bodyPr wrap="square" rtlCol="0">
+            <a:spAutoFit/>
+          </a:bodyPr>
+          <a:lstStyle/>
+          <a:p>
+            <a:r>
+              <a:rPr lang="pt-BR" dirty="0" err="1"/>
+              <a:t>Proto-persona</a:t>
+            </a:r>
+            <a:endParaRPr lang="pt-BR" dirty="0"/>
+          </a:p>
+        </p:txBody>
+      </p:sp>
+      <p:sp>
+        <p:nvSpPr>
+          <p:cNvPr id="17" name="CaixaDeTexto 16">
+            <a:extLst>
+              <a:ext uri="{FF2B5EF4-FFF2-40B4-BE49-F238E27FC236}">
+                <a16:creationId xmlns:a16="http://schemas.microsoft.com/office/drawing/2014/main" id="{F7374B40-D7D8-4146-9028-B7AE3FA19233}"/>
+              </a:ext>
+            </a:extLst>
+          </p:cNvPr>
+          <p:cNvSpPr txBox="1"/>
+          <p:nvPr/>
+        </p:nvSpPr>
+        <p:spPr>
+          <a:xfrm>
+            <a:off x="3847413" y="1320341"/>
+            <a:ext cx="1321542" cy="338554"/>
+          </a:xfrm>
+          <a:prstGeom prst="rect">
+            <a:avLst/>
+          </a:prstGeom>
+          <a:noFill/>
+        </p:spPr>
+        <p:txBody>
+          <a:bodyPr wrap="square" rtlCol="0">
+            <a:spAutoFit/>
+          </a:bodyPr>
+          <a:lstStyle/>
+          <a:p>
+            <a:r>
+              <a:rPr lang="pt-BR" sz="1600" dirty="0" err="1"/>
+              <a:t>StoryBoard</a:t>
+            </a:r>
+            <a:endParaRPr lang="pt-BR" dirty="0"/>
+          </a:p>
+        </p:txBody>
+      </p:sp>
+      <p:sp>
+        <p:nvSpPr>
+          <p:cNvPr id="18" name="CaixaDeTexto 17">
+            <a:extLst>
+              <a:ext uri="{FF2B5EF4-FFF2-40B4-BE49-F238E27FC236}">
+                <a16:creationId xmlns:a16="http://schemas.microsoft.com/office/drawing/2014/main" id="{0579A070-173E-4D8B-98FC-347B77DB9ADE}"/>
+              </a:ext>
+            </a:extLst>
+          </p:cNvPr>
+          <p:cNvSpPr txBox="1"/>
+          <p:nvPr/>
+        </p:nvSpPr>
+        <p:spPr>
+          <a:xfrm>
+            <a:off x="5285150" y="1320341"/>
+            <a:ext cx="1199701" cy="338554"/>
+          </a:xfrm>
+          <a:prstGeom prst="rect">
+            <a:avLst/>
+          </a:prstGeom>
+          <a:noFill/>
+          <a:effectLst/>
+        </p:spPr>
+        <p:txBody>
+          <a:bodyPr wrap="square" rtlCol="0">
+            <a:spAutoFit/>
+          </a:bodyPr>
+          <a:lstStyle/>
+          <a:p>
+            <a:r>
+              <a:rPr lang="pt-BR" sz="1600" dirty="0"/>
+              <a:t>Requisitos</a:t>
+            </a:r>
+            <a:endParaRPr lang="pt-BR" dirty="0"/>
+          </a:p>
+        </p:txBody>
+      </p:sp>
+      <p:sp>
+        <p:nvSpPr>
+          <p:cNvPr id="19" name="CaixaDeTexto 18">
+            <a:extLst>
+              <a:ext uri="{FF2B5EF4-FFF2-40B4-BE49-F238E27FC236}">
+                <a16:creationId xmlns:a16="http://schemas.microsoft.com/office/drawing/2014/main" id="{D02F0A36-42C0-442F-B708-AE0077EDEF45}"/>
+              </a:ext>
+            </a:extLst>
+          </p:cNvPr>
+          <p:cNvSpPr txBox="1"/>
+          <p:nvPr/>
+        </p:nvSpPr>
+        <p:spPr>
+          <a:xfrm>
+            <a:off x="6661200" y="1320341"/>
+            <a:ext cx="898530" cy="338554"/>
+          </a:xfrm>
+          <a:prstGeom prst="rect">
+            <a:avLst/>
+          </a:prstGeom>
+          <a:noFill/>
+        </p:spPr>
+        <p:txBody>
+          <a:bodyPr wrap="square" rtlCol="0">
+            <a:spAutoFit/>
+          </a:bodyPr>
+          <a:lstStyle/>
+          <a:p>
+            <a:r>
+              <a:rPr lang="pt-BR" sz="1600" dirty="0"/>
+              <a:t>BPMN</a:t>
+            </a:r>
+            <a:endParaRPr lang="pt-BR" dirty="0"/>
+          </a:p>
+        </p:txBody>
+      </p:sp>
+      <p:sp>
+        <p:nvSpPr>
+          <p:cNvPr id="23" name="CaixaDeTexto 22">
+            <a:extLst>
+              <a:ext uri="{FF2B5EF4-FFF2-40B4-BE49-F238E27FC236}">
+                <a16:creationId xmlns:a16="http://schemas.microsoft.com/office/drawing/2014/main" id="{AEDD1AB6-8654-4748-AFEB-266F993341D8}"/>
+              </a:ext>
+            </a:extLst>
+          </p:cNvPr>
+          <p:cNvSpPr txBox="1"/>
+          <p:nvPr/>
+        </p:nvSpPr>
+        <p:spPr>
+          <a:xfrm>
+            <a:off x="7709972" y="1320341"/>
+            <a:ext cx="2070837" cy="338554"/>
+          </a:xfrm>
+          <a:prstGeom prst="rect">
+            <a:avLst/>
+          </a:prstGeom>
+          <a:noFill/>
+        </p:spPr>
+        <p:txBody>
+          <a:bodyPr wrap="square" rtlCol="0">
+            <a:spAutoFit/>
+          </a:bodyPr>
+          <a:lstStyle/>
+          <a:p>
+            <a:r>
+              <a:rPr lang="pt-BR" sz="1600" dirty="0"/>
+              <a:t>Desenho de Solução</a:t>
+            </a:r>
+          </a:p>
+        </p:txBody>
+      </p:sp>
+      <p:sp>
+        <p:nvSpPr>
+          <p:cNvPr id="24" name="CaixaDeTexto 23">
+            <a:extLst>
+              <a:ext uri="{FF2B5EF4-FFF2-40B4-BE49-F238E27FC236}">
+                <a16:creationId xmlns:a16="http://schemas.microsoft.com/office/drawing/2014/main" id="{E02B5E74-D9F0-4003-BD68-3101ACF02AC9}"/>
+              </a:ext>
+            </a:extLst>
+          </p:cNvPr>
+          <p:cNvSpPr txBox="1"/>
+          <p:nvPr/>
+        </p:nvSpPr>
+        <p:spPr>
+          <a:xfrm>
+            <a:off x="9864699" y="1320341"/>
+            <a:ext cx="2277975" cy="369332"/>
+          </a:xfrm>
+          <a:prstGeom prst="rect">
+            <a:avLst/>
+          </a:prstGeom>
+          <a:noFill/>
+        </p:spPr>
+        <p:txBody>
+          <a:bodyPr wrap="square" rtlCol="0">
+            <a:spAutoFit/>
+          </a:bodyPr>
+          <a:lstStyle/>
+          <a:p>
+            <a:r>
+              <a:rPr lang="pt-BR" dirty="0"/>
+              <a:t>Planilha de Software</a:t>
+            </a:r>
+          </a:p>
+        </p:txBody>
+      </p:sp>
+    </p:spTree>
+    <p:extLst>
+      <p:ext uri="{BB962C8B-B14F-4D97-AF65-F5344CB8AC3E}">
+        <p14:creationId xmlns:p14="http://schemas.microsoft.com/office/powerpoint/2010/main" val="2602158399"/>
+      </p:ext>
+    </p:extLst>
+  </p:cSld>
+  <p:clrMapOvr>
+    <a:masterClrMapping/>
+  </p:clrMapOvr>
+  <p:timing>
+    <p:tnLst>
+      <p:par>
+        <p:cTn id="1" dur="indefinite" restart="never" nodeType="tmRoot">
+          <p:childTnLst>
+            <p:seq concurrent="1" nextAc="seek">
+              <p:cTn id="2" dur="indefinite" nodeType="mainSeq">
+                <p:childTnLst>
+                  <p:par>
+                    <p:cTn id="3" fill="hold">
+                      <p:stCondLst>
+                        <p:cond delay="indefinite"/>
+                        <p:cond evt="onBegin" delay="0">
+                          <p:tn val="2"/>
+                        </p:cond>
+                      </p:stCondLst>
+                      <p:childTnLst>
+                        <p:par>
+                          <p:cTn id="4" fill="hold">
+                            <p:stCondLst>
+                              <p:cond delay="0"/>
+                            </p:stCondLst>
+                            <p:childTnLst>
+                              <p:par>
+                                <p:cTn id="5" presetID="53" presetClass="entr" presetSubtype="16" fill="hold" nodeType="withEffect">
+                                  <p:stCondLst>
+                                    <p:cond delay="0"/>
+                                  </p:stCondLst>
+                                  <p:childTnLst>
+                                    <p:set>
+                                      <p:cBhvr>
+                                        <p:cTn id="6" dur="1" fill="hold">
+                                          <p:stCondLst>
+                                            <p:cond delay="0"/>
+                                          </p:stCondLst>
+                                        </p:cTn>
+                                        <p:tgtEl>
+                                          <p:spTgt spid="8"/>
+                                        </p:tgtEl>
+                                        <p:attrNameLst>
+                                          <p:attrName>style.visibility</p:attrName>
+                                        </p:attrNameLst>
+                                      </p:cBhvr>
+                                      <p:to>
+                                        <p:strVal val="visible"/>
+                                      </p:to>
+                                    </p:set>
+                                    <p:anim calcmode="lin" valueType="num">
+                                      <p:cBhvr>
+                                        <p:cTn id="7" dur="500" fill="hold"/>
+                                        <p:tgtEl>
+                                          <p:spTgt spid="8"/>
+                                        </p:tgtEl>
+                                        <p:attrNameLst>
+                                          <p:attrName>ppt_w</p:attrName>
+                                        </p:attrNameLst>
+                                      </p:cBhvr>
+                                      <p:tavLst>
+                                        <p:tav tm="0">
+                                          <p:val>
+                                            <p:fltVal val="0"/>
+                                          </p:val>
+                                        </p:tav>
+                                        <p:tav tm="100000">
+                                          <p:val>
+                                            <p:strVal val="#ppt_w"/>
+                                          </p:val>
+                                        </p:tav>
+                                      </p:tavLst>
+                                    </p:anim>
+                                    <p:anim calcmode="lin" valueType="num">
+                                      <p:cBhvr>
+                                        <p:cTn id="8" dur="500" fill="hold"/>
+                                        <p:tgtEl>
+                                          <p:spTgt spid="8"/>
+                                        </p:tgtEl>
+                                        <p:attrNameLst>
+                                          <p:attrName>ppt_h</p:attrName>
+                                        </p:attrNameLst>
+                                      </p:cBhvr>
+                                      <p:tavLst>
+                                        <p:tav tm="0">
+                                          <p:val>
+                                            <p:fltVal val="0"/>
+                                          </p:val>
+                                        </p:tav>
+                                        <p:tav tm="100000">
+                                          <p:val>
+                                            <p:strVal val="#ppt_h"/>
+                                          </p:val>
+                                        </p:tav>
+                                      </p:tavLst>
+                                    </p:anim>
+                                    <p:animEffect transition="in" filter="fade">
+                                      <p:cBhvr>
+                                        <p:cTn id="9" dur="500"/>
+                                        <p:tgtEl>
+                                          <p:spTgt spid="8"/>
+                                        </p:tgtEl>
+                                      </p:cBhvr>
+                                    </p:animEffect>
+                                  </p:childTnLst>
+                                </p:cTn>
+                              </p:par>
+                            </p:childTnLst>
+                          </p:cTn>
+                        </p:par>
+                      </p:childTnLst>
+                    </p:cTn>
+                  </p:par>
+                  <p:par>
+                    <p:cTn id="10" fill="hold">
+                      <p:stCondLst>
+                        <p:cond delay="indefinite"/>
+                      </p:stCondLst>
+                      <p:childTnLst>
+                        <p:par>
+                          <p:cTn id="11" fill="hold">
+                            <p:stCondLst>
+                              <p:cond delay="0"/>
+                            </p:stCondLst>
+                            <p:childTnLst>
+                              <p:par>
+                                <p:cTn id="12" presetID="53" presetClass="exit" presetSubtype="32" fill="hold" nodeType="clickEffect">
+                                  <p:stCondLst>
+                                    <p:cond delay="0"/>
+                                  </p:stCondLst>
+                                  <p:childTnLst>
+                                    <p:anim calcmode="lin" valueType="num">
+                                      <p:cBhvr>
+                                        <p:cTn id="13" dur="500"/>
+                                        <p:tgtEl>
+                                          <p:spTgt spid="8"/>
+                                        </p:tgtEl>
+                                        <p:attrNameLst>
+                                          <p:attrName>ppt_w</p:attrName>
+                                        </p:attrNameLst>
+                                      </p:cBhvr>
+                                      <p:tavLst>
+                                        <p:tav tm="0">
+                                          <p:val>
+                                            <p:strVal val="ppt_w"/>
+                                          </p:val>
+                                        </p:tav>
+                                        <p:tav tm="100000">
+                                          <p:val>
+                                            <p:fltVal val="0"/>
+                                          </p:val>
+                                        </p:tav>
+                                      </p:tavLst>
+                                    </p:anim>
+                                    <p:anim calcmode="lin" valueType="num">
+                                      <p:cBhvr>
+                                        <p:cTn id="14" dur="500"/>
+                                        <p:tgtEl>
+                                          <p:spTgt spid="8"/>
+                                        </p:tgtEl>
+                                        <p:attrNameLst>
+                                          <p:attrName>ppt_h</p:attrName>
+                                        </p:attrNameLst>
+                                      </p:cBhvr>
+                                      <p:tavLst>
+                                        <p:tav tm="0">
+                                          <p:val>
+                                            <p:strVal val="ppt_h"/>
+                                          </p:val>
+                                        </p:tav>
+                                        <p:tav tm="100000">
+                                          <p:val>
+                                            <p:fltVal val="0"/>
+                                          </p:val>
+                                        </p:tav>
+                                      </p:tavLst>
+                                    </p:anim>
+                                    <p:animEffect transition="out" filter="fade">
+                                      <p:cBhvr>
+                                        <p:cTn id="15" dur="500"/>
+                                        <p:tgtEl>
+                                          <p:spTgt spid="8"/>
+                                        </p:tgtEl>
+                                      </p:cBhvr>
+                                    </p:animEffect>
+                                    <p:set>
+                                      <p:cBhvr>
+                                        <p:cTn id="16" dur="1" fill="hold">
+                                          <p:stCondLst>
+                                            <p:cond delay="499"/>
+                                          </p:stCondLst>
+                                        </p:cTn>
+                                        <p:tgtEl>
+                                          <p:spTgt spid="8"/>
+                                        </p:tgtEl>
+                                        <p:attrNameLst>
+                                          <p:attrName>style.visibility</p:attrName>
+                                        </p:attrNameLst>
+                                      </p:cBhvr>
+                                      <p:to>
+                                        <p:strVal val="hidden"/>
+                                      </p:to>
+                                    </p:set>
+                                  </p:childTnLst>
+                                </p:cTn>
+                              </p:par>
+                            </p:childTnLst>
+                          </p:cTn>
+                        </p:par>
+                      </p:childTnLst>
+                    </p:cTn>
+                  </p:par>
+                </p:childTnLst>
+              </p:cTn>
+              <p:prevCondLst>
+                <p:cond evt="onPrev" delay="0">
+                  <p:tgtEl>
+                    <p:sldTgt/>
+                  </p:tgtEl>
+                </p:cond>
+              </p:prevCondLst>
+              <p:nextCondLst>
+                <p:cond evt="onNext" delay="0">
+                  <p:tgtEl>
+                    <p:sldTgt/>
+                  </p:tgtEl>
+                </p:cond>
+              </p:nextCondLst>
+            </p:seq>
+          </p:childTnLst>
+        </p:cTn>
+      </p:par>
+    </p:tnLst>
+  </p:timing>
+</p:sld>
+</file>
+
+<file path=ppt/slides/slide6.xml><?xml version="1.0" encoding="utf-8"?>
+<p:sld xmlns:a="http://schemas.openxmlformats.org/drawingml/2006/main" xmlns:r="http://schemas.openxmlformats.org/officeDocument/2006/relationships" xmlns:p="http://schemas.openxmlformats.org/presentationml/2006/main">
+  <p:cSld>
+    <p:spTree>
+      <p:nvGrpSpPr>
+        <p:cNvPr id="1" name=""/>
+        <p:cNvGrpSpPr/>
+        <p:nvPr/>
+      </p:nvGrpSpPr>
+      <p:grpSpPr>
+        <a:xfrm>
+          <a:off x="0" y="0"/>
+          <a:ext cx="0" cy="0"/>
+          <a:chOff x="0" y="0"/>
+          <a:chExt cx="0" cy="0"/>
+        </a:xfrm>
+      </p:grpSpPr>
+      <p:sp>
+        <p:nvSpPr>
+          <p:cNvPr id="2" name="Título 1"/>
+          <p:cNvSpPr>
+            <a:spLocks noGrp="1"/>
+          </p:cNvSpPr>
+          <p:nvPr>
+            <p:ph type="title"/>
+          </p:nvPr>
+        </p:nvSpPr>
+        <p:spPr>
+          <a:xfrm>
+            <a:off x="1812897" y="518649"/>
+            <a:ext cx="9882278" cy="1067634"/>
+          </a:xfrm>
+        </p:spPr>
+        <p:txBody>
+          <a:bodyPr anchor="ctr">
+            <a:normAutofit/>
+          </a:bodyPr>
+          <a:lstStyle/>
+          <a:p>
+            <a:r>
+              <a:rPr lang="pt-BR" dirty="0"/>
+              <a:t>Artefatos</a:t>
+            </a:r>
+          </a:p>
+        </p:txBody>
+      </p:sp>
+      <p:grpSp>
+        <p:nvGrpSpPr>
+          <p:cNvPr id="12" name="Group 11"/>
+          <p:cNvGrpSpPr>
+            <a:grpSpLocks noGrp="1" noUngrp="1" noRot="1" noChangeAspect="1" noMove="1" noResize="1"/>
+          </p:cNvGrpSpPr>
+          <p:nvPr/>
+        </p:nvGrpSpPr>
+        <p:grpSpPr>
+          <a:xfrm>
+            <a:off x="472021" y="628863"/>
+            <a:ext cx="1128382" cy="847206"/>
+            <a:chOff x="8183879" y="1000124"/>
+            <a:chExt cx="1562267" cy="1172973"/>
+          </a:xfrm>
+        </p:grpSpPr>
+        <p:sp>
+          <p:nvSpPr>
+            <p:cNvPr id="13" name="Freeform 5"/>
+            <p:cNvSpPr/>
+            <p:nvPr/>
+          </p:nvSpPr>
+          <p:spPr bwMode="auto">
+            <a:xfrm>
+              <a:off x="8183879" y="1348782"/>
+              <a:ext cx="935037" cy="824315"/>
+            </a:xfrm>
+            <a:custGeom>
+              <a:avLst/>
+              <a:gdLst>
+                <a:gd name="T0" fmla="*/ 225 w 785"/>
+                <a:gd name="T1" fmla="*/ 692 h 692"/>
+                <a:gd name="T2" fmla="*/ 177 w 785"/>
+                <a:gd name="T3" fmla="*/ 665 h 692"/>
+                <a:gd name="T4" fmla="*/ 9 w 785"/>
+                <a:gd name="T5" fmla="*/ 374 h 692"/>
+                <a:gd name="T6" fmla="*/ 9 w 785"/>
+                <a:gd name="T7" fmla="*/ 318 h 692"/>
+                <a:gd name="T8" fmla="*/ 177 w 785"/>
+                <a:gd name="T9" fmla="*/ 27 h 692"/>
+                <a:gd name="T10" fmla="*/ 225 w 785"/>
+                <a:gd name="T11" fmla="*/ 0 h 692"/>
+                <a:gd name="T12" fmla="*/ 561 w 785"/>
+                <a:gd name="T13" fmla="*/ 0 h 692"/>
+                <a:gd name="T14" fmla="*/ 609 w 785"/>
+                <a:gd name="T15" fmla="*/ 27 h 692"/>
+                <a:gd name="T16" fmla="*/ 777 w 785"/>
+                <a:gd name="T17" fmla="*/ 318 h 692"/>
+                <a:gd name="T18" fmla="*/ 777 w 785"/>
+                <a:gd name="T19" fmla="*/ 374 h 692"/>
+                <a:gd name="T20" fmla="*/ 609 w 785"/>
+                <a:gd name="T21" fmla="*/ 665 h 692"/>
+                <a:gd name="T22" fmla="*/ 561 w 785"/>
+                <a:gd name="T23" fmla="*/ 692 h 692"/>
+                <a:gd name="T24" fmla="*/ 225 w 785"/>
+                <a:gd name="T25" fmla="*/ 692 h 692"/>
+              </a:gdLst>
+              <a:ahLst/>
+              <a:cxnLst>
+                <a:cxn ang="0">
+                  <a:pos x="T0" y="T1"/>
+                </a:cxn>
+                <a:cxn ang="0">
+                  <a:pos x="T2" y="T3"/>
+                </a:cxn>
+                <a:cxn ang="0">
+                  <a:pos x="T4" y="T5"/>
+                </a:cxn>
+                <a:cxn ang="0">
+                  <a:pos x="T6" y="T7"/>
+                </a:cxn>
+                <a:cxn ang="0">
+                  <a:pos x="T8" y="T9"/>
+                </a:cxn>
+                <a:cxn ang="0">
+                  <a:pos x="T10" y="T11"/>
+                </a:cxn>
+                <a:cxn ang="0">
+                  <a:pos x="T12" y="T13"/>
+                </a:cxn>
+                <a:cxn ang="0">
+                  <a:pos x="T14" y="T15"/>
+                </a:cxn>
+                <a:cxn ang="0">
+                  <a:pos x="T16" y="T17"/>
+                </a:cxn>
+                <a:cxn ang="0">
+                  <a:pos x="T18" y="T19"/>
+                </a:cxn>
+                <a:cxn ang="0">
+                  <a:pos x="T20" y="T21"/>
+                </a:cxn>
+                <a:cxn ang="0">
+                  <a:pos x="T22" y="T23"/>
+                </a:cxn>
+                <a:cxn ang="0">
+                  <a:pos x="T24" y="T25"/>
+                </a:cxn>
+              </a:cxnLst>
+              <a:rect l="0" t="0" r="r" b="b"/>
+              <a:pathLst>
+                <a:path w="785" h="692">
+                  <a:moveTo>
+                    <a:pt x="225" y="692"/>
+                  </a:moveTo>
+                  <a:cubicBezTo>
+                    <a:pt x="207" y="692"/>
+                    <a:pt x="185" y="680"/>
+                    <a:pt x="177" y="665"/>
+                  </a:cubicBezTo>
+                  <a:cubicBezTo>
+                    <a:pt x="9" y="374"/>
+                    <a:pt x="9" y="374"/>
+                    <a:pt x="9" y="374"/>
+                  </a:cubicBezTo>
+                  <a:cubicBezTo>
+                    <a:pt x="0" y="358"/>
+                    <a:pt x="0" y="334"/>
+                    <a:pt x="9" y="318"/>
+                  </a:cubicBezTo>
+                  <a:cubicBezTo>
+                    <a:pt x="177" y="27"/>
+                    <a:pt x="177" y="27"/>
+                    <a:pt x="177" y="27"/>
+                  </a:cubicBezTo>
+                  <a:cubicBezTo>
+                    <a:pt x="185" y="12"/>
+                    <a:pt x="207" y="0"/>
+                    <a:pt x="225" y="0"/>
+                  </a:cubicBezTo>
+                  <a:cubicBezTo>
+                    <a:pt x="561" y="0"/>
+                    <a:pt x="561" y="0"/>
+                    <a:pt x="561" y="0"/>
+                  </a:cubicBezTo>
+                  <a:cubicBezTo>
+                    <a:pt x="578" y="0"/>
+                    <a:pt x="600" y="12"/>
+                    <a:pt x="609" y="27"/>
+                  </a:cubicBezTo>
+                  <a:cubicBezTo>
+                    <a:pt x="777" y="318"/>
+                    <a:pt x="777" y="318"/>
+                    <a:pt x="777" y="318"/>
+                  </a:cubicBezTo>
+                  <a:cubicBezTo>
+                    <a:pt x="785" y="334"/>
+                    <a:pt x="785" y="358"/>
+                    <a:pt x="777" y="374"/>
+                  </a:cubicBezTo>
+                  <a:cubicBezTo>
+                    <a:pt x="609" y="665"/>
+                    <a:pt x="609" y="665"/>
+                    <a:pt x="609" y="665"/>
+                  </a:cubicBezTo>
+                  <a:cubicBezTo>
+                    <a:pt x="600" y="680"/>
+                    <a:pt x="578" y="692"/>
+                    <a:pt x="561" y="692"/>
+                  </a:cubicBezTo>
+                  <a:lnTo>
+                    <a:pt x="225" y="692"/>
+                  </a:lnTo>
+                  <a:close/>
+                </a:path>
+              </a:pathLst>
+            </a:custGeom>
+            <a:noFill/>
+            <a:ln w="28575" cmpd="sng">
+              <a:solidFill>
+                <a:schemeClr val="tx1"/>
+              </a:solidFill>
+            </a:ln>
+          </p:spPr>
+          <p:txBody>
+            <a:bodyPr vert="horz" wrap="square" lIns="91440" tIns="45720" rIns="91440" bIns="45720" numCol="1" anchor="t" anchorCtr="0" compatLnSpc="1"/>
+            <a:lstStyle/>
+            <a:p>
+              <a:endParaRPr lang="en-US"/>
+            </a:p>
+          </p:txBody>
+        </p:sp>
+        <p:sp>
+          <p:nvSpPr>
+            <p:cNvPr id="14" name="Freeform 5"/>
+            <p:cNvSpPr/>
+            <p:nvPr/>
+          </p:nvSpPr>
+          <p:spPr bwMode="auto">
+            <a:xfrm>
+              <a:off x="8983979" y="1000124"/>
+              <a:ext cx="762167" cy="671915"/>
+            </a:xfrm>
+            <a:custGeom>
+              <a:avLst/>
+              <a:gdLst>
+                <a:gd name="T0" fmla="*/ 225 w 785"/>
+                <a:gd name="T1" fmla="*/ 692 h 692"/>
+                <a:gd name="T2" fmla="*/ 177 w 785"/>
+                <a:gd name="T3" fmla="*/ 665 h 692"/>
+                <a:gd name="T4" fmla="*/ 9 w 785"/>
+                <a:gd name="T5" fmla="*/ 374 h 692"/>
+                <a:gd name="T6" fmla="*/ 9 w 785"/>
+                <a:gd name="T7" fmla="*/ 318 h 692"/>
+                <a:gd name="T8" fmla="*/ 177 w 785"/>
+                <a:gd name="T9" fmla="*/ 27 h 692"/>
+                <a:gd name="T10" fmla="*/ 225 w 785"/>
+                <a:gd name="T11" fmla="*/ 0 h 692"/>
+                <a:gd name="T12" fmla="*/ 561 w 785"/>
+                <a:gd name="T13" fmla="*/ 0 h 692"/>
+                <a:gd name="T14" fmla="*/ 609 w 785"/>
+                <a:gd name="T15" fmla="*/ 27 h 692"/>
+                <a:gd name="T16" fmla="*/ 777 w 785"/>
+                <a:gd name="T17" fmla="*/ 318 h 692"/>
+                <a:gd name="T18" fmla="*/ 777 w 785"/>
+                <a:gd name="T19" fmla="*/ 374 h 692"/>
+                <a:gd name="T20" fmla="*/ 609 w 785"/>
+                <a:gd name="T21" fmla="*/ 665 h 692"/>
+                <a:gd name="T22" fmla="*/ 561 w 785"/>
+                <a:gd name="T23" fmla="*/ 692 h 692"/>
+                <a:gd name="T24" fmla="*/ 225 w 785"/>
+                <a:gd name="T25" fmla="*/ 692 h 692"/>
+              </a:gdLst>
+              <a:ahLst/>
+              <a:cxnLst>
+                <a:cxn ang="0">
+                  <a:pos x="T0" y="T1"/>
+                </a:cxn>
+                <a:cxn ang="0">
+                  <a:pos x="T2" y="T3"/>
+                </a:cxn>
+                <a:cxn ang="0">
+                  <a:pos x="T4" y="T5"/>
+                </a:cxn>
+                <a:cxn ang="0">
+                  <a:pos x="T6" y="T7"/>
+                </a:cxn>
+                <a:cxn ang="0">
+                  <a:pos x="T8" y="T9"/>
+                </a:cxn>
+                <a:cxn ang="0">
+                  <a:pos x="T10" y="T11"/>
+                </a:cxn>
+                <a:cxn ang="0">
+                  <a:pos x="T12" y="T13"/>
+                </a:cxn>
+                <a:cxn ang="0">
+                  <a:pos x="T14" y="T15"/>
+                </a:cxn>
+                <a:cxn ang="0">
+                  <a:pos x="T16" y="T17"/>
+                </a:cxn>
+                <a:cxn ang="0">
+                  <a:pos x="T18" y="T19"/>
+                </a:cxn>
+                <a:cxn ang="0">
+                  <a:pos x="T20" y="T21"/>
+                </a:cxn>
+                <a:cxn ang="0">
+                  <a:pos x="T22" y="T23"/>
+                </a:cxn>
+                <a:cxn ang="0">
+                  <a:pos x="T24" y="T25"/>
+                </a:cxn>
+              </a:cxnLst>
+              <a:rect l="0" t="0" r="r" b="b"/>
+              <a:pathLst>
+                <a:path w="785" h="692">
+                  <a:moveTo>
+                    <a:pt x="225" y="692"/>
+                  </a:moveTo>
+                  <a:cubicBezTo>
+                    <a:pt x="207" y="692"/>
+                    <a:pt x="185" y="680"/>
+                    <a:pt x="177" y="665"/>
+                  </a:cubicBezTo>
+                  <a:cubicBezTo>
+                    <a:pt x="9" y="374"/>
+                    <a:pt x="9" y="374"/>
+                    <a:pt x="9" y="374"/>
+                  </a:cubicBezTo>
+                  <a:cubicBezTo>
+                    <a:pt x="0" y="358"/>
+                    <a:pt x="0" y="334"/>
+                    <a:pt x="9" y="318"/>
+                  </a:cubicBezTo>
+                  <a:cubicBezTo>
+                    <a:pt x="177" y="27"/>
+                    <a:pt x="177" y="27"/>
+                    <a:pt x="177" y="27"/>
+                  </a:cubicBezTo>
+                  <a:cubicBezTo>
+                    <a:pt x="185" y="12"/>
+                    <a:pt x="207" y="0"/>
+                    <a:pt x="225" y="0"/>
+                  </a:cubicBezTo>
+                  <a:cubicBezTo>
+                    <a:pt x="561" y="0"/>
+                    <a:pt x="561" y="0"/>
+                    <a:pt x="561" y="0"/>
+                  </a:cubicBezTo>
+                  <a:cubicBezTo>
+                    <a:pt x="578" y="0"/>
+                    <a:pt x="600" y="12"/>
+                    <a:pt x="609" y="27"/>
+                  </a:cubicBezTo>
+                  <a:cubicBezTo>
+                    <a:pt x="777" y="318"/>
+                    <a:pt x="777" y="318"/>
+                    <a:pt x="777" y="318"/>
+                  </a:cubicBezTo>
+                  <a:cubicBezTo>
+                    <a:pt x="785" y="334"/>
+                    <a:pt x="785" y="358"/>
+                    <a:pt x="777" y="374"/>
+                  </a:cubicBezTo>
+                  <a:cubicBezTo>
+                    <a:pt x="609" y="665"/>
+                    <a:pt x="609" y="665"/>
+                    <a:pt x="609" y="665"/>
+                  </a:cubicBezTo>
+                  <a:cubicBezTo>
+                    <a:pt x="600" y="680"/>
+                    <a:pt x="578" y="692"/>
+                    <a:pt x="561" y="692"/>
+                  </a:cubicBezTo>
+                  <a:lnTo>
+                    <a:pt x="225" y="692"/>
+                  </a:lnTo>
+                  <a:close/>
+                </a:path>
+              </a:pathLst>
+            </a:custGeom>
+            <a:noFill/>
+            <a:ln w="28575" cmpd="sng">
+              <a:solidFill>
+                <a:schemeClr val="tx1"/>
+              </a:solidFill>
+            </a:ln>
+          </p:spPr>
+          <p:txBody>
+            <a:bodyPr vert="horz" wrap="square" lIns="91440" tIns="45720" rIns="91440" bIns="45720" numCol="1" anchor="t" anchorCtr="0" compatLnSpc="1"/>
+            <a:lstStyle/>
+            <a:p>
+              <a:endParaRPr lang="en-US"/>
+            </a:p>
+          </p:txBody>
+        </p:sp>
+      </p:grpSp>
+      <p:pic>
+        <p:nvPicPr>
+          <p:cNvPr id="15" name="Imagem 14" descr="Uma imagem contendo texto, screenshot&#10;&#10;Descrição gerada automaticamente">
+            <a:extLst>
+              <a:ext uri="{FF2B5EF4-FFF2-40B4-BE49-F238E27FC236}">
+                <a16:creationId xmlns:a16="http://schemas.microsoft.com/office/drawing/2014/main" id="{9EFFC1ED-EB5D-40C9-8C8D-2B87AAB8168C}"/>
               </a:ext>
             </a:extLst>
           </p:cNvPr>
@@ -36187,33 +40929,487 @@
               </a:ext>
             </a:extLst>
           </a:blip>
-          <a:srcRect r="12424"/>
+          <a:srcRect t="23994" b="27786"/>
           <a:stretch/>
         </p:blipFill>
         <p:spPr>
           <a:xfrm>
-            <a:off x="757382" y="2221852"/>
-            <a:ext cx="10677236" cy="3528465"/>
+            <a:off x="732133" y="2231729"/>
+            <a:ext cx="10727733" cy="2909780"/>
           </a:xfrm>
           <a:prstGeom prst="rect">
             <a:avLst/>
           </a:prstGeom>
         </p:spPr>
       </p:pic>
+      <p:sp>
+        <p:nvSpPr>
+          <p:cNvPr id="35" name="CaixaDeTexto 34">
+            <a:extLst>
+              <a:ext uri="{FF2B5EF4-FFF2-40B4-BE49-F238E27FC236}">
+                <a16:creationId xmlns:a16="http://schemas.microsoft.com/office/drawing/2014/main" id="{DD2EBC17-698B-4BC0-839E-5442A0E6E9BB}"/>
+              </a:ext>
+            </a:extLst>
+          </p:cNvPr>
+          <p:cNvSpPr txBox="1"/>
+          <p:nvPr/>
+        </p:nvSpPr>
+        <p:spPr>
+          <a:xfrm>
+            <a:off x="2244588" y="1320341"/>
+            <a:ext cx="1597469" cy="338554"/>
+          </a:xfrm>
+          <a:prstGeom prst="rect">
+            <a:avLst/>
+          </a:prstGeom>
+          <a:noFill/>
+          <a:effectLst/>
+        </p:spPr>
+        <p:txBody>
+          <a:bodyPr wrap="square" rtlCol="0">
+            <a:spAutoFit/>
+          </a:bodyPr>
+          <a:lstStyle/>
+          <a:p>
+            <a:r>
+              <a:rPr lang="pt-BR" sz="1600" dirty="0" err="1"/>
+              <a:t>Proto-persona</a:t>
+            </a:r>
+            <a:endParaRPr lang="pt-BR" dirty="0"/>
+          </a:p>
+        </p:txBody>
+      </p:sp>
+      <p:sp>
+        <p:nvSpPr>
+          <p:cNvPr id="36" name="CaixaDeTexto 35">
+            <a:extLst>
+              <a:ext uri="{FF2B5EF4-FFF2-40B4-BE49-F238E27FC236}">
+                <a16:creationId xmlns:a16="http://schemas.microsoft.com/office/drawing/2014/main" id="{C909FB2D-4E94-48D6-A874-6DA2AE5A1A51}"/>
+              </a:ext>
+            </a:extLst>
+          </p:cNvPr>
+          <p:cNvSpPr txBox="1"/>
+          <p:nvPr/>
+        </p:nvSpPr>
+        <p:spPr>
+          <a:xfrm>
+            <a:off x="3847413" y="1310816"/>
+            <a:ext cx="1321542" cy="369332"/>
+          </a:xfrm>
+          <a:prstGeom prst="rect">
+            <a:avLst/>
+          </a:prstGeom>
+          <a:noFill/>
+          <a:effectLst>
+            <a:outerShdw blurRad="50800" dist="38100" dir="5400000" algn="t" rotWithShape="0">
+              <a:prstClr val="black">
+                <a:alpha val="40000"/>
+              </a:prstClr>
+            </a:outerShdw>
+          </a:effectLst>
+        </p:spPr>
+        <p:txBody>
+          <a:bodyPr wrap="square" rtlCol="0">
+            <a:spAutoFit/>
+          </a:bodyPr>
+          <a:lstStyle/>
+          <a:p>
+            <a:r>
+              <a:rPr lang="pt-BR" dirty="0" err="1"/>
+              <a:t>StoryBoard</a:t>
+            </a:r>
+            <a:endParaRPr lang="pt-BR" dirty="0"/>
+          </a:p>
+        </p:txBody>
+      </p:sp>
+      <p:sp>
+        <p:nvSpPr>
+          <p:cNvPr id="37" name="CaixaDeTexto 36">
+            <a:extLst>
+              <a:ext uri="{FF2B5EF4-FFF2-40B4-BE49-F238E27FC236}">
+                <a16:creationId xmlns:a16="http://schemas.microsoft.com/office/drawing/2014/main" id="{AABFD444-1308-42F0-B888-45A1A45045DB}"/>
+              </a:ext>
+            </a:extLst>
+          </p:cNvPr>
+          <p:cNvSpPr txBox="1"/>
+          <p:nvPr/>
+        </p:nvSpPr>
+        <p:spPr>
+          <a:xfrm>
+            <a:off x="5285150" y="1320341"/>
+            <a:ext cx="1199701" cy="338554"/>
+          </a:xfrm>
+          <a:prstGeom prst="rect">
+            <a:avLst/>
+          </a:prstGeom>
+          <a:noFill/>
+          <a:effectLst/>
+        </p:spPr>
+        <p:txBody>
+          <a:bodyPr wrap="square" rtlCol="0">
+            <a:spAutoFit/>
+          </a:bodyPr>
+          <a:lstStyle/>
+          <a:p>
+            <a:r>
+              <a:rPr lang="pt-BR" sz="1600" dirty="0"/>
+              <a:t>Requisitos</a:t>
+            </a:r>
+            <a:endParaRPr lang="pt-BR" dirty="0"/>
+          </a:p>
+        </p:txBody>
+      </p:sp>
+      <p:sp>
+        <p:nvSpPr>
+          <p:cNvPr id="38" name="CaixaDeTexto 37">
+            <a:extLst>
+              <a:ext uri="{FF2B5EF4-FFF2-40B4-BE49-F238E27FC236}">
+                <a16:creationId xmlns:a16="http://schemas.microsoft.com/office/drawing/2014/main" id="{30E43F49-6ED1-4CE3-B5B0-D29C8F780C70}"/>
+              </a:ext>
+            </a:extLst>
+          </p:cNvPr>
+          <p:cNvSpPr txBox="1"/>
+          <p:nvPr/>
+        </p:nvSpPr>
+        <p:spPr>
+          <a:xfrm>
+            <a:off x="6661200" y="1320341"/>
+            <a:ext cx="898530" cy="338554"/>
+          </a:xfrm>
+          <a:prstGeom prst="rect">
+            <a:avLst/>
+          </a:prstGeom>
+          <a:noFill/>
+        </p:spPr>
+        <p:txBody>
+          <a:bodyPr wrap="square" rtlCol="0">
+            <a:spAutoFit/>
+          </a:bodyPr>
+          <a:lstStyle/>
+          <a:p>
+            <a:r>
+              <a:rPr lang="pt-BR" sz="1600" dirty="0"/>
+              <a:t>BPMN</a:t>
+            </a:r>
+            <a:endParaRPr lang="pt-BR" dirty="0"/>
+          </a:p>
+        </p:txBody>
+      </p:sp>
+      <p:sp>
+        <p:nvSpPr>
+          <p:cNvPr id="39" name="CaixaDeTexto 38">
+            <a:extLst>
+              <a:ext uri="{FF2B5EF4-FFF2-40B4-BE49-F238E27FC236}">
+                <a16:creationId xmlns:a16="http://schemas.microsoft.com/office/drawing/2014/main" id="{365E7FF9-A331-4A8B-BA0F-81BB6DF0F86D}"/>
+              </a:ext>
+            </a:extLst>
+          </p:cNvPr>
+          <p:cNvSpPr txBox="1"/>
+          <p:nvPr/>
+        </p:nvSpPr>
+        <p:spPr>
+          <a:xfrm>
+            <a:off x="7709972" y="1320341"/>
+            <a:ext cx="2070837" cy="338554"/>
+          </a:xfrm>
+          <a:prstGeom prst="rect">
+            <a:avLst/>
+          </a:prstGeom>
+          <a:noFill/>
+        </p:spPr>
+        <p:txBody>
+          <a:bodyPr wrap="square" rtlCol="0">
+            <a:spAutoFit/>
+          </a:bodyPr>
+          <a:lstStyle/>
+          <a:p>
+            <a:r>
+              <a:rPr lang="pt-BR" sz="1600" dirty="0"/>
+              <a:t>Desenho de Solução</a:t>
+            </a:r>
+          </a:p>
+        </p:txBody>
+      </p:sp>
+      <p:sp>
+        <p:nvSpPr>
+          <p:cNvPr id="40" name="CaixaDeTexto 39">
+            <a:extLst>
+              <a:ext uri="{FF2B5EF4-FFF2-40B4-BE49-F238E27FC236}">
+                <a16:creationId xmlns:a16="http://schemas.microsoft.com/office/drawing/2014/main" id="{FAD746AB-1F96-4F3A-8333-7F5F79BCF21E}"/>
+              </a:ext>
+            </a:extLst>
+          </p:cNvPr>
+          <p:cNvSpPr txBox="1"/>
+          <p:nvPr/>
+        </p:nvSpPr>
+        <p:spPr>
+          <a:xfrm>
+            <a:off x="9864699" y="1320341"/>
+            <a:ext cx="2277975" cy="338554"/>
+          </a:xfrm>
+          <a:prstGeom prst="rect">
+            <a:avLst/>
+          </a:prstGeom>
+          <a:noFill/>
+        </p:spPr>
+        <p:txBody>
+          <a:bodyPr wrap="square" rtlCol="0">
+            <a:spAutoFit/>
+          </a:bodyPr>
+          <a:lstStyle/>
+          <a:p>
+            <a:r>
+              <a:rPr lang="pt-BR" sz="1600" dirty="0"/>
+              <a:t>Planilha de Software</a:t>
+            </a:r>
+          </a:p>
+        </p:txBody>
+      </p:sp>
     </p:spTree>
     <p:extLst>
       <p:ext uri="{BB962C8B-B14F-4D97-AF65-F5344CB8AC3E}">
-        <p14:creationId xmlns:p14="http://schemas.microsoft.com/office/powerpoint/2010/main" val="244390866"/>
+        <p14:creationId xmlns:p14="http://schemas.microsoft.com/office/powerpoint/2010/main" val="1298849621"/>
       </p:ext>
     </p:extLst>
   </p:cSld>
   <p:clrMapOvr>
     <a:masterClrMapping/>
   </p:clrMapOvr>
+  <p:timing>
+    <p:tnLst>
+      <p:par>
+        <p:cTn id="1" dur="indefinite" restart="never" nodeType="tmRoot">
+          <p:childTnLst>
+            <p:seq concurrent="1" nextAc="seek">
+              <p:cTn id="2" dur="indefinite" nodeType="mainSeq">
+                <p:childTnLst>
+                  <p:par>
+                    <p:cTn id="3" fill="hold">
+                      <p:stCondLst>
+                        <p:cond delay="indefinite"/>
+                        <p:cond evt="onBegin" delay="0">
+                          <p:tn val="2"/>
+                        </p:cond>
+                      </p:stCondLst>
+                      <p:childTnLst>
+                        <p:par>
+                          <p:cTn id="4" fill="hold">
+                            <p:stCondLst>
+                              <p:cond delay="0"/>
+                            </p:stCondLst>
+                            <p:childTnLst>
+                              <p:par>
+                                <p:cTn id="5" presetID="53" presetClass="entr" presetSubtype="16" fill="hold" nodeType="withEffect">
+                                  <p:stCondLst>
+                                    <p:cond delay="0"/>
+                                  </p:stCondLst>
+                                  <p:childTnLst>
+                                    <p:set>
+                                      <p:cBhvr>
+                                        <p:cTn id="6" dur="1" fill="hold">
+                                          <p:stCondLst>
+                                            <p:cond delay="0"/>
+                                          </p:stCondLst>
+                                        </p:cTn>
+                                        <p:tgtEl>
+                                          <p:spTgt spid="15"/>
+                                        </p:tgtEl>
+                                        <p:attrNameLst>
+                                          <p:attrName>style.visibility</p:attrName>
+                                        </p:attrNameLst>
+                                      </p:cBhvr>
+                                      <p:to>
+                                        <p:strVal val="visible"/>
+                                      </p:to>
+                                    </p:set>
+                                    <p:anim calcmode="lin" valueType="num">
+                                      <p:cBhvr>
+                                        <p:cTn id="7" dur="500" fill="hold"/>
+                                        <p:tgtEl>
+                                          <p:spTgt spid="15"/>
+                                        </p:tgtEl>
+                                        <p:attrNameLst>
+                                          <p:attrName>ppt_w</p:attrName>
+                                        </p:attrNameLst>
+                                      </p:cBhvr>
+                                      <p:tavLst>
+                                        <p:tav tm="0">
+                                          <p:val>
+                                            <p:fltVal val="0"/>
+                                          </p:val>
+                                        </p:tav>
+                                        <p:tav tm="100000">
+                                          <p:val>
+                                            <p:strVal val="#ppt_w"/>
+                                          </p:val>
+                                        </p:tav>
+                                      </p:tavLst>
+                                    </p:anim>
+                                    <p:anim calcmode="lin" valueType="num">
+                                      <p:cBhvr>
+                                        <p:cTn id="8" dur="500" fill="hold"/>
+                                        <p:tgtEl>
+                                          <p:spTgt spid="15"/>
+                                        </p:tgtEl>
+                                        <p:attrNameLst>
+                                          <p:attrName>ppt_h</p:attrName>
+                                        </p:attrNameLst>
+                                      </p:cBhvr>
+                                      <p:tavLst>
+                                        <p:tav tm="0">
+                                          <p:val>
+                                            <p:fltVal val="0"/>
+                                          </p:val>
+                                        </p:tav>
+                                        <p:tav tm="100000">
+                                          <p:val>
+                                            <p:strVal val="#ppt_h"/>
+                                          </p:val>
+                                        </p:tav>
+                                      </p:tavLst>
+                                    </p:anim>
+                                    <p:animEffect transition="in" filter="fade">
+                                      <p:cBhvr>
+                                        <p:cTn id="9" dur="500"/>
+                                        <p:tgtEl>
+                                          <p:spTgt spid="15"/>
+                                        </p:tgtEl>
+                                      </p:cBhvr>
+                                    </p:animEffect>
+                                  </p:childTnLst>
+                                </p:cTn>
+                              </p:par>
+                            </p:childTnLst>
+                          </p:cTn>
+                        </p:par>
+                      </p:childTnLst>
+                    </p:cTn>
+                  </p:par>
+                  <p:par>
+                    <p:cTn id="10" fill="hold">
+                      <p:stCondLst>
+                        <p:cond delay="indefinite"/>
+                      </p:stCondLst>
+                      <p:childTnLst>
+                        <p:par>
+                          <p:cTn id="11" fill="hold">
+                            <p:stCondLst>
+                              <p:cond delay="0"/>
+                            </p:stCondLst>
+                            <p:childTnLst>
+                              <p:par>
+                                <p:cTn id="12" presetID="53" presetClass="exit" presetSubtype="32" fill="hold" nodeType="clickEffect">
+                                  <p:stCondLst>
+                                    <p:cond delay="0"/>
+                                  </p:stCondLst>
+                                  <p:childTnLst>
+                                    <p:anim calcmode="lin" valueType="num">
+                                      <p:cBhvr>
+                                        <p:cTn id="13" dur="500"/>
+                                        <p:tgtEl>
+                                          <p:spTgt spid="15"/>
+                                        </p:tgtEl>
+                                        <p:attrNameLst>
+                                          <p:attrName>ppt_w</p:attrName>
+                                        </p:attrNameLst>
+                                      </p:cBhvr>
+                                      <p:tavLst>
+                                        <p:tav tm="0">
+                                          <p:val>
+                                            <p:strVal val="ppt_w"/>
+                                          </p:val>
+                                        </p:tav>
+                                        <p:tav tm="100000">
+                                          <p:val>
+                                            <p:fltVal val="0"/>
+                                          </p:val>
+                                        </p:tav>
+                                      </p:tavLst>
+                                    </p:anim>
+                                    <p:anim calcmode="lin" valueType="num">
+                                      <p:cBhvr>
+                                        <p:cTn id="14" dur="500"/>
+                                        <p:tgtEl>
+                                          <p:spTgt spid="15"/>
+                                        </p:tgtEl>
+                                        <p:attrNameLst>
+                                          <p:attrName>ppt_h</p:attrName>
+                                        </p:attrNameLst>
+                                      </p:cBhvr>
+                                      <p:tavLst>
+                                        <p:tav tm="0">
+                                          <p:val>
+                                            <p:strVal val="ppt_h"/>
+                                          </p:val>
+                                        </p:tav>
+                                        <p:tav tm="100000">
+                                          <p:val>
+                                            <p:fltVal val="0"/>
+                                          </p:val>
+                                        </p:tav>
+                                      </p:tavLst>
+                                    </p:anim>
+                                    <p:animEffect transition="out" filter="fade">
+                                      <p:cBhvr>
+                                        <p:cTn id="15" dur="500"/>
+                                        <p:tgtEl>
+                                          <p:spTgt spid="15"/>
+                                        </p:tgtEl>
+                                      </p:cBhvr>
+                                    </p:animEffect>
+                                    <p:set>
+                                      <p:cBhvr>
+                                        <p:cTn id="16" dur="1" fill="hold">
+                                          <p:stCondLst>
+                                            <p:cond delay="499"/>
+                                          </p:stCondLst>
+                                        </p:cTn>
+                                        <p:tgtEl>
+                                          <p:spTgt spid="15"/>
+                                        </p:tgtEl>
+                                        <p:attrNameLst>
+                                          <p:attrName>style.visibility</p:attrName>
+                                        </p:attrNameLst>
+                                      </p:cBhvr>
+                                      <p:to>
+                                        <p:strVal val="hidden"/>
+                                      </p:to>
+                                    </p:set>
+                                  </p:childTnLst>
+                                </p:cTn>
+                              </p:par>
+                            </p:childTnLst>
+                          </p:cTn>
+                        </p:par>
+                      </p:childTnLst>
+                    </p:cTn>
+                  </p:par>
+                </p:childTnLst>
+              </p:cTn>
+              <p:prevCondLst>
+                <p:cond evt="onPrev" delay="0">
+                  <p:tgtEl>
+                    <p:sldTgt/>
+                  </p:tgtEl>
+                </p:cond>
+              </p:prevCondLst>
+              <p:nextCondLst>
+                <p:cond evt="onNext" delay="0">
+                  <p:tgtEl>
+                    <p:sldTgt/>
+                  </p:tgtEl>
+                </p:cond>
+              </p:nextCondLst>
+            </p:seq>
+          </p:childTnLst>
+        </p:cTn>
+      </p:par>
+    </p:tnLst>
+  </p:timing>
 </p:sld>
 </file>
 
-<file path=ppt/slides/slide8.xml><?xml version="1.0" encoding="utf-8"?>
+<file path=ppt/slides/slide7.xml><?xml version="1.0" encoding="utf-8"?>
 <p:sld xmlns:a="http://schemas.openxmlformats.org/drawingml/2006/main" xmlns:r="http://schemas.openxmlformats.org/officeDocument/2006/relationships" xmlns:p="http://schemas.openxmlformats.org/presentationml/2006/main">
   <p:cSld>
     <p:spTree>
@@ -36299,7 +41495,7 @@
           <a:p>
             <a:r>
               <a:rPr lang="pt-BR" dirty="0"/>
-              <a:t>Planilha de Requisitos</a:t>
+              <a:t>Artefatos</a:t>
             </a:r>
           </a:p>
         </p:txBody>
@@ -36675,14 +41871,236 @@
         </p:blipFill>
         <p:spPr>
           <a:xfrm>
-            <a:off x="2057050" y="1774575"/>
-            <a:ext cx="8077900" cy="4564776"/>
+            <a:off x="2219150" y="2084484"/>
+            <a:ext cx="7753700" cy="4381572"/>
           </a:xfrm>
           <a:prstGeom prst="rect">
             <a:avLst/>
           </a:prstGeom>
         </p:spPr>
       </p:pic>
+      <p:sp>
+        <p:nvSpPr>
+          <p:cNvPr id="29" name="CaixaDeTexto 28">
+            <a:extLst>
+              <a:ext uri="{FF2B5EF4-FFF2-40B4-BE49-F238E27FC236}">
+                <a16:creationId xmlns:a16="http://schemas.microsoft.com/office/drawing/2014/main" id="{A1657144-AF5E-408F-9E61-BD940D345385}"/>
+              </a:ext>
+            </a:extLst>
+          </p:cNvPr>
+          <p:cNvSpPr txBox="1"/>
+          <p:nvPr/>
+        </p:nvSpPr>
+        <p:spPr>
+          <a:xfrm>
+            <a:off x="2244588" y="1320341"/>
+            <a:ext cx="1597469" cy="338554"/>
+          </a:xfrm>
+          <a:prstGeom prst="rect">
+            <a:avLst/>
+          </a:prstGeom>
+          <a:noFill/>
+          <a:effectLst/>
+        </p:spPr>
+        <p:txBody>
+          <a:bodyPr wrap="square" rtlCol="0">
+            <a:spAutoFit/>
+          </a:bodyPr>
+          <a:lstStyle/>
+          <a:p>
+            <a:r>
+              <a:rPr lang="pt-BR" sz="1600" dirty="0" err="1"/>
+              <a:t>Proto-persona</a:t>
+            </a:r>
+            <a:endParaRPr lang="pt-BR" dirty="0"/>
+          </a:p>
+        </p:txBody>
+      </p:sp>
+      <p:sp>
+        <p:nvSpPr>
+          <p:cNvPr id="30" name="CaixaDeTexto 29">
+            <a:extLst>
+              <a:ext uri="{FF2B5EF4-FFF2-40B4-BE49-F238E27FC236}">
+                <a16:creationId xmlns:a16="http://schemas.microsoft.com/office/drawing/2014/main" id="{050664DE-319C-4C8E-B8DF-C970A34688B9}"/>
+              </a:ext>
+            </a:extLst>
+          </p:cNvPr>
+          <p:cNvSpPr txBox="1"/>
+          <p:nvPr/>
+        </p:nvSpPr>
+        <p:spPr>
+          <a:xfrm>
+            <a:off x="3847413" y="1320341"/>
+            <a:ext cx="1321542" cy="338554"/>
+          </a:xfrm>
+          <a:prstGeom prst="rect">
+            <a:avLst/>
+          </a:prstGeom>
+          <a:noFill/>
+          <a:effectLst/>
+        </p:spPr>
+        <p:txBody>
+          <a:bodyPr wrap="square" rtlCol="0">
+            <a:spAutoFit/>
+          </a:bodyPr>
+          <a:lstStyle/>
+          <a:p>
+            <a:r>
+              <a:rPr lang="pt-BR" sz="1600" dirty="0" err="1"/>
+              <a:t>StoryBoard</a:t>
+            </a:r>
+            <a:endParaRPr lang="pt-BR" dirty="0"/>
+          </a:p>
+        </p:txBody>
+      </p:sp>
+      <p:sp>
+        <p:nvSpPr>
+          <p:cNvPr id="31" name="CaixaDeTexto 30">
+            <a:extLst>
+              <a:ext uri="{FF2B5EF4-FFF2-40B4-BE49-F238E27FC236}">
+                <a16:creationId xmlns:a16="http://schemas.microsoft.com/office/drawing/2014/main" id="{76319E44-84CF-41F9-8A19-12D147AA52B8}"/>
+              </a:ext>
+            </a:extLst>
+          </p:cNvPr>
+          <p:cNvSpPr txBox="1"/>
+          <p:nvPr/>
+        </p:nvSpPr>
+        <p:spPr>
+          <a:xfrm>
+            <a:off x="5285150" y="1310816"/>
+            <a:ext cx="1199701" cy="369332"/>
+          </a:xfrm>
+          <a:prstGeom prst="rect">
+            <a:avLst/>
+          </a:prstGeom>
+          <a:noFill/>
+          <a:effectLst>
+            <a:outerShdw blurRad="50800" dist="38100" dir="5400000" algn="t" rotWithShape="0">
+              <a:prstClr val="black">
+                <a:alpha val="40000"/>
+              </a:prstClr>
+            </a:outerShdw>
+          </a:effectLst>
+        </p:spPr>
+        <p:txBody>
+          <a:bodyPr wrap="square" rtlCol="0">
+            <a:spAutoFit/>
+          </a:bodyPr>
+          <a:lstStyle/>
+          <a:p>
+            <a:r>
+              <a:rPr lang="pt-BR" dirty="0"/>
+              <a:t>Requisitos</a:t>
+            </a:r>
+          </a:p>
+        </p:txBody>
+      </p:sp>
+      <p:sp>
+        <p:nvSpPr>
+          <p:cNvPr id="32" name="CaixaDeTexto 31">
+            <a:extLst>
+              <a:ext uri="{FF2B5EF4-FFF2-40B4-BE49-F238E27FC236}">
+                <a16:creationId xmlns:a16="http://schemas.microsoft.com/office/drawing/2014/main" id="{1B683343-351F-4A9A-A7FA-3CDF6D0F1804}"/>
+              </a:ext>
+            </a:extLst>
+          </p:cNvPr>
+          <p:cNvSpPr txBox="1"/>
+          <p:nvPr/>
+        </p:nvSpPr>
+        <p:spPr>
+          <a:xfrm>
+            <a:off x="6661200" y="1320341"/>
+            <a:ext cx="898530" cy="338554"/>
+          </a:xfrm>
+          <a:prstGeom prst="rect">
+            <a:avLst/>
+          </a:prstGeom>
+          <a:noFill/>
+        </p:spPr>
+        <p:txBody>
+          <a:bodyPr wrap="square" rtlCol="0">
+            <a:spAutoFit/>
+          </a:bodyPr>
+          <a:lstStyle/>
+          <a:p>
+            <a:r>
+              <a:rPr lang="pt-BR" sz="1600" dirty="0"/>
+              <a:t>BPMN</a:t>
+            </a:r>
+            <a:endParaRPr lang="pt-BR" dirty="0"/>
+          </a:p>
+        </p:txBody>
+      </p:sp>
+      <p:sp>
+        <p:nvSpPr>
+          <p:cNvPr id="33" name="CaixaDeTexto 32">
+            <a:extLst>
+              <a:ext uri="{FF2B5EF4-FFF2-40B4-BE49-F238E27FC236}">
+                <a16:creationId xmlns:a16="http://schemas.microsoft.com/office/drawing/2014/main" id="{7A61C4D9-9EF7-4FA7-96B3-518920507396}"/>
+              </a:ext>
+            </a:extLst>
+          </p:cNvPr>
+          <p:cNvSpPr txBox="1"/>
+          <p:nvPr/>
+        </p:nvSpPr>
+        <p:spPr>
+          <a:xfrm>
+            <a:off x="7709972" y="1320341"/>
+            <a:ext cx="2070837" cy="338554"/>
+          </a:xfrm>
+          <a:prstGeom prst="rect">
+            <a:avLst/>
+          </a:prstGeom>
+          <a:noFill/>
+        </p:spPr>
+        <p:txBody>
+          <a:bodyPr wrap="square" rtlCol="0">
+            <a:spAutoFit/>
+          </a:bodyPr>
+          <a:lstStyle/>
+          <a:p>
+            <a:r>
+              <a:rPr lang="pt-BR" sz="1600" dirty="0"/>
+              <a:t>Desenho de Solução</a:t>
+            </a:r>
+          </a:p>
+        </p:txBody>
+      </p:sp>
+      <p:sp>
+        <p:nvSpPr>
+          <p:cNvPr id="34" name="CaixaDeTexto 33">
+            <a:extLst>
+              <a:ext uri="{FF2B5EF4-FFF2-40B4-BE49-F238E27FC236}">
+                <a16:creationId xmlns:a16="http://schemas.microsoft.com/office/drawing/2014/main" id="{5E51E72A-94AB-4D54-9578-8E482782613D}"/>
+              </a:ext>
+            </a:extLst>
+          </p:cNvPr>
+          <p:cNvSpPr txBox="1"/>
+          <p:nvPr/>
+        </p:nvSpPr>
+        <p:spPr>
+          <a:xfrm>
+            <a:off x="9864699" y="1320341"/>
+            <a:ext cx="2277975" cy="338554"/>
+          </a:xfrm>
+          <a:prstGeom prst="rect">
+            <a:avLst/>
+          </a:prstGeom>
+          <a:noFill/>
+        </p:spPr>
+        <p:txBody>
+          <a:bodyPr wrap="square" rtlCol="0">
+            <a:spAutoFit/>
+          </a:bodyPr>
+          <a:lstStyle/>
+          <a:p>
+            <a:r>
+              <a:rPr lang="pt-BR" sz="1600" dirty="0"/>
+              <a:t>Planilha de Software</a:t>
+            </a:r>
+          </a:p>
+        </p:txBody>
+      </p:sp>
     </p:spTree>
     <p:extLst>
       <p:ext uri="{BB962C8B-B14F-4D97-AF65-F5344CB8AC3E}">
@@ -36693,10 +42111,241 @@
   <p:clrMapOvr>
     <a:masterClrMapping/>
   </p:clrMapOvr>
+  <p:timing>
+    <p:tnLst>
+      <p:par>
+        <p:cTn id="1" dur="indefinite" restart="never" nodeType="tmRoot">
+          <p:childTnLst>
+            <p:seq concurrent="1" nextAc="seek">
+              <p:cTn id="2" dur="indefinite" nodeType="mainSeq">
+                <p:childTnLst>
+                  <p:par>
+                    <p:cTn id="3" fill="hold">
+                      <p:stCondLst>
+                        <p:cond delay="indefinite"/>
+                        <p:cond evt="onBegin" delay="0">
+                          <p:tn val="2"/>
+                        </p:cond>
+                      </p:stCondLst>
+                      <p:childTnLst>
+                        <p:par>
+                          <p:cTn id="4" fill="hold">
+                            <p:stCondLst>
+                              <p:cond delay="0"/>
+                            </p:stCondLst>
+                            <p:childTnLst>
+                              <p:par>
+                                <p:cTn id="5" presetID="53" presetClass="entr" presetSubtype="16" fill="hold" nodeType="withEffect">
+                                  <p:stCondLst>
+                                    <p:cond delay="0"/>
+                                  </p:stCondLst>
+                                  <p:childTnLst>
+                                    <p:set>
+                                      <p:cBhvr>
+                                        <p:cTn id="6" dur="1" fill="hold">
+                                          <p:stCondLst>
+                                            <p:cond delay="0"/>
+                                          </p:stCondLst>
+                                        </p:cTn>
+                                        <p:tgtEl>
+                                          <p:spTgt spid="9"/>
+                                        </p:tgtEl>
+                                        <p:attrNameLst>
+                                          <p:attrName>style.visibility</p:attrName>
+                                        </p:attrNameLst>
+                                      </p:cBhvr>
+                                      <p:to>
+                                        <p:strVal val="visible"/>
+                                      </p:to>
+                                    </p:set>
+                                    <p:anim calcmode="lin" valueType="num">
+                                      <p:cBhvr>
+                                        <p:cTn id="7" dur="500" fill="hold"/>
+                                        <p:tgtEl>
+                                          <p:spTgt spid="9"/>
+                                        </p:tgtEl>
+                                        <p:attrNameLst>
+                                          <p:attrName>ppt_w</p:attrName>
+                                        </p:attrNameLst>
+                                      </p:cBhvr>
+                                      <p:tavLst>
+                                        <p:tav tm="0">
+                                          <p:val>
+                                            <p:fltVal val="0"/>
+                                          </p:val>
+                                        </p:tav>
+                                        <p:tav tm="100000">
+                                          <p:val>
+                                            <p:strVal val="#ppt_w"/>
+                                          </p:val>
+                                        </p:tav>
+                                      </p:tavLst>
+                                    </p:anim>
+                                    <p:anim calcmode="lin" valueType="num">
+                                      <p:cBhvr>
+                                        <p:cTn id="8" dur="500" fill="hold"/>
+                                        <p:tgtEl>
+                                          <p:spTgt spid="9"/>
+                                        </p:tgtEl>
+                                        <p:attrNameLst>
+                                          <p:attrName>ppt_h</p:attrName>
+                                        </p:attrNameLst>
+                                      </p:cBhvr>
+                                      <p:tavLst>
+                                        <p:tav tm="0">
+                                          <p:val>
+                                            <p:fltVal val="0"/>
+                                          </p:val>
+                                        </p:tav>
+                                        <p:tav tm="100000">
+                                          <p:val>
+                                            <p:strVal val="#ppt_h"/>
+                                          </p:val>
+                                        </p:tav>
+                                      </p:tavLst>
+                                    </p:anim>
+                                    <p:animEffect transition="in" filter="fade">
+                                      <p:cBhvr>
+                                        <p:cTn id="9" dur="500"/>
+                                        <p:tgtEl>
+                                          <p:spTgt spid="9"/>
+                                        </p:tgtEl>
+                                      </p:cBhvr>
+                                    </p:animEffect>
+                                  </p:childTnLst>
+                                </p:cTn>
+                              </p:par>
+                            </p:childTnLst>
+                          </p:cTn>
+                        </p:par>
+                      </p:childTnLst>
+                    </p:cTn>
+                  </p:par>
+                  <p:par>
+                    <p:cTn id="10" fill="hold">
+                      <p:stCondLst>
+                        <p:cond delay="indefinite"/>
+                      </p:stCondLst>
+                      <p:childTnLst>
+                        <p:par>
+                          <p:cTn id="11" fill="hold">
+                            <p:stCondLst>
+                              <p:cond delay="0"/>
+                            </p:stCondLst>
+                            <p:childTnLst>
+                              <p:par>
+                                <p:cTn id="12" presetID="53" presetClass="exit" presetSubtype="32" fill="hold" nodeType="clickEffect">
+                                  <p:stCondLst>
+                                    <p:cond delay="0"/>
+                                  </p:stCondLst>
+                                  <p:childTnLst>
+                                    <p:anim calcmode="lin" valueType="num">
+                                      <p:cBhvr>
+                                        <p:cTn id="13" dur="500"/>
+                                        <p:tgtEl>
+                                          <p:spTgt spid="9"/>
+                                        </p:tgtEl>
+                                        <p:attrNameLst>
+                                          <p:attrName>ppt_w</p:attrName>
+                                        </p:attrNameLst>
+                                      </p:cBhvr>
+                                      <p:tavLst>
+                                        <p:tav tm="0">
+                                          <p:val>
+                                            <p:strVal val="ppt_w"/>
+                                          </p:val>
+                                        </p:tav>
+                                        <p:tav tm="100000">
+                                          <p:val>
+                                            <p:fltVal val="0"/>
+                                          </p:val>
+                                        </p:tav>
+                                      </p:tavLst>
+                                    </p:anim>
+                                    <p:anim calcmode="lin" valueType="num">
+                                      <p:cBhvr>
+                                        <p:cTn id="14" dur="500"/>
+                                        <p:tgtEl>
+                                          <p:spTgt spid="9"/>
+                                        </p:tgtEl>
+                                        <p:attrNameLst>
+                                          <p:attrName>ppt_h</p:attrName>
+                                        </p:attrNameLst>
+                                      </p:cBhvr>
+                                      <p:tavLst>
+                                        <p:tav tm="0">
+                                          <p:val>
+                                            <p:strVal val="ppt_h"/>
+                                          </p:val>
+                                        </p:tav>
+                                        <p:tav tm="100000">
+                                          <p:val>
+                                            <p:fltVal val="0"/>
+                                          </p:val>
+                                        </p:tav>
+                                      </p:tavLst>
+                                    </p:anim>
+                                    <p:animEffect transition="out" filter="fade">
+                                      <p:cBhvr>
+                                        <p:cTn id="15" dur="500"/>
+                                        <p:tgtEl>
+                                          <p:spTgt spid="9"/>
+                                        </p:tgtEl>
+                                      </p:cBhvr>
+                                    </p:animEffect>
+                                    <p:set>
+                                      <p:cBhvr>
+                                        <p:cTn id="16" dur="1" fill="hold">
+                                          <p:stCondLst>
+                                            <p:cond delay="499"/>
+                                          </p:stCondLst>
+                                        </p:cTn>
+                                        <p:tgtEl>
+                                          <p:spTgt spid="9"/>
+                                        </p:tgtEl>
+                                        <p:attrNameLst>
+                                          <p:attrName>style.visibility</p:attrName>
+                                        </p:attrNameLst>
+                                      </p:cBhvr>
+                                      <p:to>
+                                        <p:strVal val="hidden"/>
+                                      </p:to>
+                                    </p:set>
+                                  </p:childTnLst>
+                                </p:cTn>
+                              </p:par>
+                            </p:childTnLst>
+                          </p:cTn>
+                        </p:par>
+                      </p:childTnLst>
+                    </p:cTn>
+                  </p:par>
+                </p:childTnLst>
+              </p:cTn>
+              <p:prevCondLst>
+                <p:cond evt="onPrev" delay="0">
+                  <p:tgtEl>
+                    <p:sldTgt/>
+                  </p:tgtEl>
+                </p:cond>
+              </p:prevCondLst>
+              <p:nextCondLst>
+                <p:cond evt="onNext" delay="0">
+                  <p:tgtEl>
+                    <p:sldTgt/>
+                  </p:tgtEl>
+                </p:cond>
+              </p:nextCondLst>
+            </p:seq>
+          </p:childTnLst>
+        </p:cTn>
+      </p:par>
+    </p:tnLst>
+  </p:timing>
 </p:sld>
 </file>
 
-<file path=ppt/slides/slide9.xml><?xml version="1.0" encoding="utf-8"?>
+<file path=ppt/slides/slide8.xml><?xml version="1.0" encoding="utf-8"?>
 <p:sld xmlns:a="http://schemas.openxmlformats.org/drawingml/2006/main" xmlns:r="http://schemas.openxmlformats.org/officeDocument/2006/relationships" xmlns:p="http://schemas.openxmlformats.org/presentationml/2006/main">
   <p:cSld>
     <p:spTree>
@@ -36782,7 +42431,7 @@
           <a:p>
             <a:r>
               <a:rPr lang="pt-BR" dirty="0"/>
-              <a:t>Desenho de Solução</a:t>
+              <a:t>Artefatos</a:t>
             </a:r>
           </a:p>
         </p:txBody>
@@ -37138,10 +42787,10 @@
       </p:grpSp>
       <p:pic>
         <p:nvPicPr>
-          <p:cNvPr id="8" name="Imagem 7" descr="Tela de jogo de vídeo game&#10;&#10;Descrição gerada automaticamente">
+          <p:cNvPr id="4" name="Imagem 3" descr="Tela de celular com texto preto sobre fundo branco&#10;&#10;Descrição gerada automaticamente">
             <a:extLst>
               <a:ext uri="{FF2B5EF4-FFF2-40B4-BE49-F238E27FC236}">
-                <a16:creationId xmlns:a16="http://schemas.microsoft.com/office/drawing/2014/main" id="{F57F7578-876D-417C-8950-659CF2829DCC}"/>
+                <a16:creationId xmlns:a16="http://schemas.microsoft.com/office/drawing/2014/main" id="{FD2437F9-163B-4909-8EB6-FF66395CFCA8}"/>
               </a:ext>
             </a:extLst>
           </p:cNvPr>
@@ -37151,7 +42800,7 @@
           <p:nvPr/>
         </p:nvPicPr>
         <p:blipFill>
-          <a:blip r:embed="rId2" cstate="print">
+          <a:blip r:embed="rId2">
             <a:extLst>
               <a:ext uri="{28A0092B-C50C-407E-A947-70E740481C1C}">
                 <a14:useLocalDpi xmlns:a14="http://schemas.microsoft.com/office/drawing/2010/main" val="0"/>
@@ -37164,14 +42813,1181 @@
         </p:blipFill>
         <p:spPr>
           <a:xfrm>
-            <a:off x="1717380" y="1874296"/>
-            <a:ext cx="8757239" cy="4695691"/>
+            <a:off x="450368" y="2388921"/>
+            <a:ext cx="11291263" cy="3262170"/>
           </a:xfrm>
           <a:prstGeom prst="rect">
             <a:avLst/>
           </a:prstGeom>
         </p:spPr>
       </p:pic>
+      <p:sp>
+        <p:nvSpPr>
+          <p:cNvPr id="31" name="CaixaDeTexto 30">
+            <a:extLst>
+              <a:ext uri="{FF2B5EF4-FFF2-40B4-BE49-F238E27FC236}">
+                <a16:creationId xmlns:a16="http://schemas.microsoft.com/office/drawing/2014/main" id="{D60C8166-18CD-4C69-AF27-80CD76588BF4}"/>
+              </a:ext>
+            </a:extLst>
+          </p:cNvPr>
+          <p:cNvSpPr txBox="1"/>
+          <p:nvPr/>
+        </p:nvSpPr>
+        <p:spPr>
+          <a:xfrm>
+            <a:off x="2244588" y="1320341"/>
+            <a:ext cx="1597469" cy="338554"/>
+          </a:xfrm>
+          <a:prstGeom prst="rect">
+            <a:avLst/>
+          </a:prstGeom>
+          <a:noFill/>
+          <a:effectLst/>
+        </p:spPr>
+        <p:txBody>
+          <a:bodyPr wrap="square" rtlCol="0">
+            <a:spAutoFit/>
+          </a:bodyPr>
+          <a:lstStyle/>
+          <a:p>
+            <a:r>
+              <a:rPr lang="pt-BR" sz="1600" dirty="0" err="1"/>
+              <a:t>Proto-persona</a:t>
+            </a:r>
+            <a:endParaRPr lang="pt-BR" dirty="0"/>
+          </a:p>
+        </p:txBody>
+      </p:sp>
+      <p:sp>
+        <p:nvSpPr>
+          <p:cNvPr id="32" name="CaixaDeTexto 31">
+            <a:extLst>
+              <a:ext uri="{FF2B5EF4-FFF2-40B4-BE49-F238E27FC236}">
+                <a16:creationId xmlns:a16="http://schemas.microsoft.com/office/drawing/2014/main" id="{93397BB8-2445-4308-B20F-E71B9D0C130D}"/>
+              </a:ext>
+            </a:extLst>
+          </p:cNvPr>
+          <p:cNvSpPr txBox="1"/>
+          <p:nvPr/>
+        </p:nvSpPr>
+        <p:spPr>
+          <a:xfrm>
+            <a:off x="3847413" y="1320341"/>
+            <a:ext cx="1321542" cy="338554"/>
+          </a:xfrm>
+          <a:prstGeom prst="rect">
+            <a:avLst/>
+          </a:prstGeom>
+          <a:noFill/>
+          <a:effectLst/>
+        </p:spPr>
+        <p:txBody>
+          <a:bodyPr wrap="square" rtlCol="0">
+            <a:spAutoFit/>
+          </a:bodyPr>
+          <a:lstStyle/>
+          <a:p>
+            <a:r>
+              <a:rPr lang="pt-BR" sz="1600" dirty="0" err="1"/>
+              <a:t>StoryBoard</a:t>
+            </a:r>
+            <a:endParaRPr lang="pt-BR" dirty="0"/>
+          </a:p>
+        </p:txBody>
+      </p:sp>
+      <p:sp>
+        <p:nvSpPr>
+          <p:cNvPr id="33" name="CaixaDeTexto 32">
+            <a:extLst>
+              <a:ext uri="{FF2B5EF4-FFF2-40B4-BE49-F238E27FC236}">
+                <a16:creationId xmlns:a16="http://schemas.microsoft.com/office/drawing/2014/main" id="{DDFB502B-FCC1-4F3A-8757-216A944D8BBE}"/>
+              </a:ext>
+            </a:extLst>
+          </p:cNvPr>
+          <p:cNvSpPr txBox="1"/>
+          <p:nvPr/>
+        </p:nvSpPr>
+        <p:spPr>
+          <a:xfrm>
+            <a:off x="5285150" y="1320341"/>
+            <a:ext cx="1199701" cy="338554"/>
+          </a:xfrm>
+          <a:prstGeom prst="rect">
+            <a:avLst/>
+          </a:prstGeom>
+          <a:noFill/>
+          <a:effectLst/>
+        </p:spPr>
+        <p:txBody>
+          <a:bodyPr wrap="square" rtlCol="0">
+            <a:spAutoFit/>
+          </a:bodyPr>
+          <a:lstStyle/>
+          <a:p>
+            <a:r>
+              <a:rPr lang="pt-BR" sz="1600" dirty="0"/>
+              <a:t>Requisitos</a:t>
+            </a:r>
+            <a:endParaRPr lang="pt-BR" dirty="0"/>
+          </a:p>
+        </p:txBody>
+      </p:sp>
+      <p:sp>
+        <p:nvSpPr>
+          <p:cNvPr id="34" name="CaixaDeTexto 33">
+            <a:extLst>
+              <a:ext uri="{FF2B5EF4-FFF2-40B4-BE49-F238E27FC236}">
+                <a16:creationId xmlns:a16="http://schemas.microsoft.com/office/drawing/2014/main" id="{007E6495-B930-4DD7-93E1-E74FF0F17F86}"/>
+              </a:ext>
+            </a:extLst>
+          </p:cNvPr>
+          <p:cNvSpPr txBox="1"/>
+          <p:nvPr/>
+        </p:nvSpPr>
+        <p:spPr>
+          <a:xfrm>
+            <a:off x="6661200" y="1310816"/>
+            <a:ext cx="898530" cy="369332"/>
+          </a:xfrm>
+          <a:prstGeom prst="rect">
+            <a:avLst/>
+          </a:prstGeom>
+          <a:noFill/>
+          <a:effectLst>
+            <a:outerShdw blurRad="50800" dist="38100" dir="5400000" algn="t" rotWithShape="0">
+              <a:prstClr val="black">
+                <a:alpha val="40000"/>
+              </a:prstClr>
+            </a:outerShdw>
+          </a:effectLst>
+        </p:spPr>
+        <p:txBody>
+          <a:bodyPr wrap="square" rtlCol="0">
+            <a:spAutoFit/>
+          </a:bodyPr>
+          <a:lstStyle/>
+          <a:p>
+            <a:r>
+              <a:rPr lang="pt-BR" dirty="0"/>
+              <a:t>BPMN</a:t>
+            </a:r>
+          </a:p>
+        </p:txBody>
+      </p:sp>
+      <p:sp>
+        <p:nvSpPr>
+          <p:cNvPr id="35" name="CaixaDeTexto 34">
+            <a:extLst>
+              <a:ext uri="{FF2B5EF4-FFF2-40B4-BE49-F238E27FC236}">
+                <a16:creationId xmlns:a16="http://schemas.microsoft.com/office/drawing/2014/main" id="{EA88C6C0-C770-43D9-A157-5771E6FCCF86}"/>
+              </a:ext>
+            </a:extLst>
+          </p:cNvPr>
+          <p:cNvSpPr txBox="1"/>
+          <p:nvPr/>
+        </p:nvSpPr>
+        <p:spPr>
+          <a:xfrm>
+            <a:off x="7709972" y="1320341"/>
+            <a:ext cx="2070837" cy="338554"/>
+          </a:xfrm>
+          <a:prstGeom prst="rect">
+            <a:avLst/>
+          </a:prstGeom>
+          <a:noFill/>
+        </p:spPr>
+        <p:txBody>
+          <a:bodyPr wrap="square" rtlCol="0">
+            <a:spAutoFit/>
+          </a:bodyPr>
+          <a:lstStyle/>
+          <a:p>
+            <a:r>
+              <a:rPr lang="pt-BR" sz="1600" dirty="0"/>
+              <a:t>Desenho de Solução</a:t>
+            </a:r>
+          </a:p>
+        </p:txBody>
+      </p:sp>
+      <p:sp>
+        <p:nvSpPr>
+          <p:cNvPr id="36" name="CaixaDeTexto 35">
+            <a:extLst>
+              <a:ext uri="{FF2B5EF4-FFF2-40B4-BE49-F238E27FC236}">
+                <a16:creationId xmlns:a16="http://schemas.microsoft.com/office/drawing/2014/main" id="{46625C5E-DFD4-4BC4-B341-FB7024ED34A0}"/>
+              </a:ext>
+            </a:extLst>
+          </p:cNvPr>
+          <p:cNvSpPr txBox="1"/>
+          <p:nvPr/>
+        </p:nvSpPr>
+        <p:spPr>
+          <a:xfrm>
+            <a:off x="9864699" y="1320341"/>
+            <a:ext cx="2277975" cy="338554"/>
+          </a:xfrm>
+          <a:prstGeom prst="rect">
+            <a:avLst/>
+          </a:prstGeom>
+          <a:noFill/>
+        </p:spPr>
+        <p:txBody>
+          <a:bodyPr wrap="square" rtlCol="0">
+            <a:spAutoFit/>
+          </a:bodyPr>
+          <a:lstStyle/>
+          <a:p>
+            <a:r>
+              <a:rPr lang="pt-BR" sz="1600" dirty="0"/>
+              <a:t>Planilha de Software</a:t>
+            </a:r>
+          </a:p>
+        </p:txBody>
+      </p:sp>
+    </p:spTree>
+    <p:extLst>
+      <p:ext uri="{BB962C8B-B14F-4D97-AF65-F5344CB8AC3E}">
+        <p14:creationId xmlns:p14="http://schemas.microsoft.com/office/powerpoint/2010/main" val="244390866"/>
+      </p:ext>
+    </p:extLst>
+  </p:cSld>
+  <p:clrMapOvr>
+    <a:masterClrMapping/>
+  </p:clrMapOvr>
+  <p:timing>
+    <p:tnLst>
+      <p:par>
+        <p:cTn id="1" dur="indefinite" restart="never" nodeType="tmRoot">
+          <p:childTnLst>
+            <p:seq concurrent="1" nextAc="seek">
+              <p:cTn id="2" dur="indefinite" nodeType="mainSeq">
+                <p:childTnLst>
+                  <p:par>
+                    <p:cTn id="3" fill="hold">
+                      <p:stCondLst>
+                        <p:cond delay="indefinite"/>
+                        <p:cond evt="onBegin" delay="0">
+                          <p:tn val="2"/>
+                        </p:cond>
+                      </p:stCondLst>
+                      <p:childTnLst>
+                        <p:par>
+                          <p:cTn id="4" fill="hold">
+                            <p:stCondLst>
+                              <p:cond delay="0"/>
+                            </p:stCondLst>
+                            <p:childTnLst>
+                              <p:par>
+                                <p:cTn id="5" presetID="53" presetClass="entr" presetSubtype="16" fill="hold" nodeType="withEffect">
+                                  <p:stCondLst>
+                                    <p:cond delay="0"/>
+                                  </p:stCondLst>
+                                  <p:childTnLst>
+                                    <p:set>
+                                      <p:cBhvr>
+                                        <p:cTn id="6" dur="1" fill="hold">
+                                          <p:stCondLst>
+                                            <p:cond delay="0"/>
+                                          </p:stCondLst>
+                                        </p:cTn>
+                                        <p:tgtEl>
+                                          <p:spTgt spid="4"/>
+                                        </p:tgtEl>
+                                        <p:attrNameLst>
+                                          <p:attrName>style.visibility</p:attrName>
+                                        </p:attrNameLst>
+                                      </p:cBhvr>
+                                      <p:to>
+                                        <p:strVal val="visible"/>
+                                      </p:to>
+                                    </p:set>
+                                    <p:anim calcmode="lin" valueType="num">
+                                      <p:cBhvr>
+                                        <p:cTn id="7" dur="500" fill="hold"/>
+                                        <p:tgtEl>
+                                          <p:spTgt spid="4"/>
+                                        </p:tgtEl>
+                                        <p:attrNameLst>
+                                          <p:attrName>ppt_w</p:attrName>
+                                        </p:attrNameLst>
+                                      </p:cBhvr>
+                                      <p:tavLst>
+                                        <p:tav tm="0">
+                                          <p:val>
+                                            <p:fltVal val="0"/>
+                                          </p:val>
+                                        </p:tav>
+                                        <p:tav tm="100000">
+                                          <p:val>
+                                            <p:strVal val="#ppt_w"/>
+                                          </p:val>
+                                        </p:tav>
+                                      </p:tavLst>
+                                    </p:anim>
+                                    <p:anim calcmode="lin" valueType="num">
+                                      <p:cBhvr>
+                                        <p:cTn id="8" dur="500" fill="hold"/>
+                                        <p:tgtEl>
+                                          <p:spTgt spid="4"/>
+                                        </p:tgtEl>
+                                        <p:attrNameLst>
+                                          <p:attrName>ppt_h</p:attrName>
+                                        </p:attrNameLst>
+                                      </p:cBhvr>
+                                      <p:tavLst>
+                                        <p:tav tm="0">
+                                          <p:val>
+                                            <p:fltVal val="0"/>
+                                          </p:val>
+                                        </p:tav>
+                                        <p:tav tm="100000">
+                                          <p:val>
+                                            <p:strVal val="#ppt_h"/>
+                                          </p:val>
+                                        </p:tav>
+                                      </p:tavLst>
+                                    </p:anim>
+                                    <p:animEffect transition="in" filter="fade">
+                                      <p:cBhvr>
+                                        <p:cTn id="9" dur="500"/>
+                                        <p:tgtEl>
+                                          <p:spTgt spid="4"/>
+                                        </p:tgtEl>
+                                      </p:cBhvr>
+                                    </p:animEffect>
+                                  </p:childTnLst>
+                                </p:cTn>
+                              </p:par>
+                            </p:childTnLst>
+                          </p:cTn>
+                        </p:par>
+                      </p:childTnLst>
+                    </p:cTn>
+                  </p:par>
+                  <p:par>
+                    <p:cTn id="10" fill="hold">
+                      <p:stCondLst>
+                        <p:cond delay="indefinite"/>
+                      </p:stCondLst>
+                      <p:childTnLst>
+                        <p:par>
+                          <p:cTn id="11" fill="hold">
+                            <p:stCondLst>
+                              <p:cond delay="0"/>
+                            </p:stCondLst>
+                            <p:childTnLst>
+                              <p:par>
+                                <p:cTn id="12" presetID="53" presetClass="exit" presetSubtype="32" fill="hold" nodeType="clickEffect">
+                                  <p:stCondLst>
+                                    <p:cond delay="0"/>
+                                  </p:stCondLst>
+                                  <p:childTnLst>
+                                    <p:anim calcmode="lin" valueType="num">
+                                      <p:cBhvr>
+                                        <p:cTn id="13" dur="500"/>
+                                        <p:tgtEl>
+                                          <p:spTgt spid="4"/>
+                                        </p:tgtEl>
+                                        <p:attrNameLst>
+                                          <p:attrName>ppt_w</p:attrName>
+                                        </p:attrNameLst>
+                                      </p:cBhvr>
+                                      <p:tavLst>
+                                        <p:tav tm="0">
+                                          <p:val>
+                                            <p:strVal val="ppt_w"/>
+                                          </p:val>
+                                        </p:tav>
+                                        <p:tav tm="100000">
+                                          <p:val>
+                                            <p:fltVal val="0"/>
+                                          </p:val>
+                                        </p:tav>
+                                      </p:tavLst>
+                                    </p:anim>
+                                    <p:anim calcmode="lin" valueType="num">
+                                      <p:cBhvr>
+                                        <p:cTn id="14" dur="500"/>
+                                        <p:tgtEl>
+                                          <p:spTgt spid="4"/>
+                                        </p:tgtEl>
+                                        <p:attrNameLst>
+                                          <p:attrName>ppt_h</p:attrName>
+                                        </p:attrNameLst>
+                                      </p:cBhvr>
+                                      <p:tavLst>
+                                        <p:tav tm="0">
+                                          <p:val>
+                                            <p:strVal val="ppt_h"/>
+                                          </p:val>
+                                        </p:tav>
+                                        <p:tav tm="100000">
+                                          <p:val>
+                                            <p:fltVal val="0"/>
+                                          </p:val>
+                                        </p:tav>
+                                      </p:tavLst>
+                                    </p:anim>
+                                    <p:animEffect transition="out" filter="fade">
+                                      <p:cBhvr>
+                                        <p:cTn id="15" dur="500"/>
+                                        <p:tgtEl>
+                                          <p:spTgt spid="4"/>
+                                        </p:tgtEl>
+                                      </p:cBhvr>
+                                    </p:animEffect>
+                                    <p:set>
+                                      <p:cBhvr>
+                                        <p:cTn id="16" dur="1" fill="hold">
+                                          <p:stCondLst>
+                                            <p:cond delay="499"/>
+                                          </p:stCondLst>
+                                        </p:cTn>
+                                        <p:tgtEl>
+                                          <p:spTgt spid="4"/>
+                                        </p:tgtEl>
+                                        <p:attrNameLst>
+                                          <p:attrName>style.visibility</p:attrName>
+                                        </p:attrNameLst>
+                                      </p:cBhvr>
+                                      <p:to>
+                                        <p:strVal val="hidden"/>
+                                      </p:to>
+                                    </p:set>
+                                  </p:childTnLst>
+                                </p:cTn>
+                              </p:par>
+                            </p:childTnLst>
+                          </p:cTn>
+                        </p:par>
+                      </p:childTnLst>
+                    </p:cTn>
+                  </p:par>
+                </p:childTnLst>
+              </p:cTn>
+              <p:prevCondLst>
+                <p:cond evt="onPrev" delay="0">
+                  <p:tgtEl>
+                    <p:sldTgt/>
+                  </p:tgtEl>
+                </p:cond>
+              </p:prevCondLst>
+              <p:nextCondLst>
+                <p:cond evt="onNext" delay="0">
+                  <p:tgtEl>
+                    <p:sldTgt/>
+                  </p:tgtEl>
+                </p:cond>
+              </p:nextCondLst>
+            </p:seq>
+          </p:childTnLst>
+        </p:cTn>
+      </p:par>
+    </p:tnLst>
+  </p:timing>
+</p:sld>
+</file>
+
+<file path=ppt/slides/slide9.xml><?xml version="1.0" encoding="utf-8"?>
+<p:sld xmlns:a="http://schemas.openxmlformats.org/drawingml/2006/main" xmlns:r="http://schemas.openxmlformats.org/officeDocument/2006/relationships" xmlns:p="http://schemas.openxmlformats.org/presentationml/2006/main">
+  <p:cSld>
+    <p:spTree>
+      <p:nvGrpSpPr>
+        <p:cNvPr id="1" name=""/>
+        <p:cNvGrpSpPr/>
+        <p:nvPr/>
+      </p:nvGrpSpPr>
+      <p:grpSpPr>
+        <a:xfrm>
+          <a:off x="0" y="0"/>
+          <a:ext cx="0" cy="0"/>
+          <a:chOff x="0" y="0"/>
+          <a:chExt cx="0" cy="0"/>
+        </a:xfrm>
+      </p:grpSpPr>
+      <p:sp useBgFill="1">
+        <p:nvSpPr>
+          <p:cNvPr id="10" name="Rectangle 9"/>
+          <p:cNvSpPr>
+            <a:spLocks noGrp="1" noRot="1" noChangeAspect="1" noMove="1" noResize="1" noEditPoints="1" noAdjustHandles="1" noChangeArrowheads="1" noChangeShapeType="1" noTextEdit="1"/>
+          </p:cNvSpPr>
+          <p:nvPr/>
+        </p:nvSpPr>
+        <p:spPr>
+          <a:xfrm>
+            <a:off x="0" y="0"/>
+            <a:ext cx="12192000" cy="6858000"/>
+          </a:xfrm>
+          <a:prstGeom prst="rect">
+            <a:avLst/>
+          </a:prstGeom>
+          <a:ln>
+            <a:noFill/>
+          </a:ln>
+        </p:spPr>
+        <p:style>
+          <a:lnRef idx="2">
+            <a:schemeClr val="accent1">
+              <a:shade val="50000"/>
+            </a:schemeClr>
+          </a:lnRef>
+          <a:fillRef idx="1">
+            <a:schemeClr val="accent1"/>
+          </a:fillRef>
+          <a:effectRef idx="0">
+            <a:schemeClr val="accent1"/>
+          </a:effectRef>
+          <a:fontRef idx="minor">
+            <a:schemeClr val="lt1"/>
+          </a:fontRef>
+        </p:style>
+        <p:txBody>
+          <a:bodyPr rtlCol="0" anchor="ctr"/>
+          <a:lstStyle/>
+          <a:p>
+            <a:pPr algn="ctr"/>
+            <a:endParaRPr lang="en-US" dirty="0"/>
+          </a:p>
+        </p:txBody>
+      </p:sp>
+      <p:sp>
+        <p:nvSpPr>
+          <p:cNvPr id="2" name="Título 1"/>
+          <p:cNvSpPr>
+            <a:spLocks noGrp="1"/>
+          </p:cNvSpPr>
+          <p:nvPr>
+            <p:ph type="title"/>
+          </p:nvPr>
+        </p:nvSpPr>
+        <p:spPr>
+          <a:xfrm>
+            <a:off x="1812897" y="518649"/>
+            <a:ext cx="9882278" cy="1067634"/>
+          </a:xfrm>
+        </p:spPr>
+        <p:txBody>
+          <a:bodyPr anchor="ctr">
+            <a:normAutofit/>
+          </a:bodyPr>
+          <a:lstStyle/>
+          <a:p>
+            <a:r>
+              <a:rPr lang="pt-BR" dirty="0"/>
+              <a:t>Artefatos</a:t>
+            </a:r>
+          </a:p>
+        </p:txBody>
+      </p:sp>
+      <p:grpSp>
+        <p:nvGrpSpPr>
+          <p:cNvPr id="12" name="Group 11"/>
+          <p:cNvGrpSpPr>
+            <a:grpSpLocks noGrp="1" noUngrp="1" noRot="1" noChangeAspect="1" noMove="1" noResize="1"/>
+          </p:cNvGrpSpPr>
+          <p:nvPr/>
+        </p:nvGrpSpPr>
+        <p:grpSpPr>
+          <a:xfrm>
+            <a:off x="472021" y="628863"/>
+            <a:ext cx="1128382" cy="847206"/>
+            <a:chOff x="8183879" y="1000124"/>
+            <a:chExt cx="1562267" cy="1172973"/>
+          </a:xfrm>
+        </p:grpSpPr>
+        <p:sp>
+          <p:nvSpPr>
+            <p:cNvPr id="13" name="Freeform 5"/>
+            <p:cNvSpPr/>
+            <p:nvPr/>
+          </p:nvSpPr>
+          <p:spPr bwMode="auto">
+            <a:xfrm>
+              <a:off x="8183879" y="1348782"/>
+              <a:ext cx="935037" cy="824315"/>
+            </a:xfrm>
+            <a:custGeom>
+              <a:avLst/>
+              <a:gdLst>
+                <a:gd name="T0" fmla="*/ 225 w 785"/>
+                <a:gd name="T1" fmla="*/ 692 h 692"/>
+                <a:gd name="T2" fmla="*/ 177 w 785"/>
+                <a:gd name="T3" fmla="*/ 665 h 692"/>
+                <a:gd name="T4" fmla="*/ 9 w 785"/>
+                <a:gd name="T5" fmla="*/ 374 h 692"/>
+                <a:gd name="T6" fmla="*/ 9 w 785"/>
+                <a:gd name="T7" fmla="*/ 318 h 692"/>
+                <a:gd name="T8" fmla="*/ 177 w 785"/>
+                <a:gd name="T9" fmla="*/ 27 h 692"/>
+                <a:gd name="T10" fmla="*/ 225 w 785"/>
+                <a:gd name="T11" fmla="*/ 0 h 692"/>
+                <a:gd name="T12" fmla="*/ 561 w 785"/>
+                <a:gd name="T13" fmla="*/ 0 h 692"/>
+                <a:gd name="T14" fmla="*/ 609 w 785"/>
+                <a:gd name="T15" fmla="*/ 27 h 692"/>
+                <a:gd name="T16" fmla="*/ 777 w 785"/>
+                <a:gd name="T17" fmla="*/ 318 h 692"/>
+                <a:gd name="T18" fmla="*/ 777 w 785"/>
+                <a:gd name="T19" fmla="*/ 374 h 692"/>
+                <a:gd name="T20" fmla="*/ 609 w 785"/>
+                <a:gd name="T21" fmla="*/ 665 h 692"/>
+                <a:gd name="T22" fmla="*/ 561 w 785"/>
+                <a:gd name="T23" fmla="*/ 692 h 692"/>
+                <a:gd name="T24" fmla="*/ 225 w 785"/>
+                <a:gd name="T25" fmla="*/ 692 h 692"/>
+              </a:gdLst>
+              <a:ahLst/>
+              <a:cxnLst>
+                <a:cxn ang="0">
+                  <a:pos x="T0" y="T1"/>
+                </a:cxn>
+                <a:cxn ang="0">
+                  <a:pos x="T2" y="T3"/>
+                </a:cxn>
+                <a:cxn ang="0">
+                  <a:pos x="T4" y="T5"/>
+                </a:cxn>
+                <a:cxn ang="0">
+                  <a:pos x="T6" y="T7"/>
+                </a:cxn>
+                <a:cxn ang="0">
+                  <a:pos x="T8" y="T9"/>
+                </a:cxn>
+                <a:cxn ang="0">
+                  <a:pos x="T10" y="T11"/>
+                </a:cxn>
+                <a:cxn ang="0">
+                  <a:pos x="T12" y="T13"/>
+                </a:cxn>
+                <a:cxn ang="0">
+                  <a:pos x="T14" y="T15"/>
+                </a:cxn>
+                <a:cxn ang="0">
+                  <a:pos x="T16" y="T17"/>
+                </a:cxn>
+                <a:cxn ang="0">
+                  <a:pos x="T18" y="T19"/>
+                </a:cxn>
+                <a:cxn ang="0">
+                  <a:pos x="T20" y="T21"/>
+                </a:cxn>
+                <a:cxn ang="0">
+                  <a:pos x="T22" y="T23"/>
+                </a:cxn>
+                <a:cxn ang="0">
+                  <a:pos x="T24" y="T25"/>
+                </a:cxn>
+              </a:cxnLst>
+              <a:rect l="0" t="0" r="r" b="b"/>
+              <a:pathLst>
+                <a:path w="785" h="692">
+                  <a:moveTo>
+                    <a:pt x="225" y="692"/>
+                  </a:moveTo>
+                  <a:cubicBezTo>
+                    <a:pt x="207" y="692"/>
+                    <a:pt x="185" y="680"/>
+                    <a:pt x="177" y="665"/>
+                  </a:cubicBezTo>
+                  <a:cubicBezTo>
+                    <a:pt x="9" y="374"/>
+                    <a:pt x="9" y="374"/>
+                    <a:pt x="9" y="374"/>
+                  </a:cubicBezTo>
+                  <a:cubicBezTo>
+                    <a:pt x="0" y="358"/>
+                    <a:pt x="0" y="334"/>
+                    <a:pt x="9" y="318"/>
+                  </a:cubicBezTo>
+                  <a:cubicBezTo>
+                    <a:pt x="177" y="27"/>
+                    <a:pt x="177" y="27"/>
+                    <a:pt x="177" y="27"/>
+                  </a:cubicBezTo>
+                  <a:cubicBezTo>
+                    <a:pt x="185" y="12"/>
+                    <a:pt x="207" y="0"/>
+                    <a:pt x="225" y="0"/>
+                  </a:cubicBezTo>
+                  <a:cubicBezTo>
+                    <a:pt x="561" y="0"/>
+                    <a:pt x="561" y="0"/>
+                    <a:pt x="561" y="0"/>
+                  </a:cubicBezTo>
+                  <a:cubicBezTo>
+                    <a:pt x="578" y="0"/>
+                    <a:pt x="600" y="12"/>
+                    <a:pt x="609" y="27"/>
+                  </a:cubicBezTo>
+                  <a:cubicBezTo>
+                    <a:pt x="777" y="318"/>
+                    <a:pt x="777" y="318"/>
+                    <a:pt x="777" y="318"/>
+                  </a:cubicBezTo>
+                  <a:cubicBezTo>
+                    <a:pt x="785" y="334"/>
+                    <a:pt x="785" y="358"/>
+                    <a:pt x="777" y="374"/>
+                  </a:cubicBezTo>
+                  <a:cubicBezTo>
+                    <a:pt x="609" y="665"/>
+                    <a:pt x="609" y="665"/>
+                    <a:pt x="609" y="665"/>
+                  </a:cubicBezTo>
+                  <a:cubicBezTo>
+                    <a:pt x="600" y="680"/>
+                    <a:pt x="578" y="692"/>
+                    <a:pt x="561" y="692"/>
+                  </a:cubicBezTo>
+                  <a:lnTo>
+                    <a:pt x="225" y="692"/>
+                  </a:lnTo>
+                  <a:close/>
+                </a:path>
+              </a:pathLst>
+            </a:custGeom>
+            <a:noFill/>
+            <a:ln w="28575" cmpd="sng">
+              <a:solidFill>
+                <a:schemeClr val="tx1"/>
+              </a:solidFill>
+            </a:ln>
+          </p:spPr>
+          <p:txBody>
+            <a:bodyPr vert="horz" wrap="square" lIns="91440" tIns="45720" rIns="91440" bIns="45720" numCol="1" anchor="t" anchorCtr="0" compatLnSpc="1"/>
+            <a:lstStyle/>
+            <a:p>
+              <a:endParaRPr lang="en-US"/>
+            </a:p>
+          </p:txBody>
+        </p:sp>
+        <p:sp>
+          <p:nvSpPr>
+            <p:cNvPr id="14" name="Freeform 5"/>
+            <p:cNvSpPr/>
+            <p:nvPr/>
+          </p:nvSpPr>
+          <p:spPr bwMode="auto">
+            <a:xfrm>
+              <a:off x="8983979" y="1000124"/>
+              <a:ext cx="762167" cy="671915"/>
+            </a:xfrm>
+            <a:custGeom>
+              <a:avLst/>
+              <a:gdLst>
+                <a:gd name="T0" fmla="*/ 225 w 785"/>
+                <a:gd name="T1" fmla="*/ 692 h 692"/>
+                <a:gd name="T2" fmla="*/ 177 w 785"/>
+                <a:gd name="T3" fmla="*/ 665 h 692"/>
+                <a:gd name="T4" fmla="*/ 9 w 785"/>
+                <a:gd name="T5" fmla="*/ 374 h 692"/>
+                <a:gd name="T6" fmla="*/ 9 w 785"/>
+                <a:gd name="T7" fmla="*/ 318 h 692"/>
+                <a:gd name="T8" fmla="*/ 177 w 785"/>
+                <a:gd name="T9" fmla="*/ 27 h 692"/>
+                <a:gd name="T10" fmla="*/ 225 w 785"/>
+                <a:gd name="T11" fmla="*/ 0 h 692"/>
+                <a:gd name="T12" fmla="*/ 561 w 785"/>
+                <a:gd name="T13" fmla="*/ 0 h 692"/>
+                <a:gd name="T14" fmla="*/ 609 w 785"/>
+                <a:gd name="T15" fmla="*/ 27 h 692"/>
+                <a:gd name="T16" fmla="*/ 777 w 785"/>
+                <a:gd name="T17" fmla="*/ 318 h 692"/>
+                <a:gd name="T18" fmla="*/ 777 w 785"/>
+                <a:gd name="T19" fmla="*/ 374 h 692"/>
+                <a:gd name="T20" fmla="*/ 609 w 785"/>
+                <a:gd name="T21" fmla="*/ 665 h 692"/>
+                <a:gd name="T22" fmla="*/ 561 w 785"/>
+                <a:gd name="T23" fmla="*/ 692 h 692"/>
+                <a:gd name="T24" fmla="*/ 225 w 785"/>
+                <a:gd name="T25" fmla="*/ 692 h 692"/>
+              </a:gdLst>
+              <a:ahLst/>
+              <a:cxnLst>
+                <a:cxn ang="0">
+                  <a:pos x="T0" y="T1"/>
+                </a:cxn>
+                <a:cxn ang="0">
+                  <a:pos x="T2" y="T3"/>
+                </a:cxn>
+                <a:cxn ang="0">
+                  <a:pos x="T4" y="T5"/>
+                </a:cxn>
+                <a:cxn ang="0">
+                  <a:pos x="T6" y="T7"/>
+                </a:cxn>
+                <a:cxn ang="0">
+                  <a:pos x="T8" y="T9"/>
+                </a:cxn>
+                <a:cxn ang="0">
+                  <a:pos x="T10" y="T11"/>
+                </a:cxn>
+                <a:cxn ang="0">
+                  <a:pos x="T12" y="T13"/>
+                </a:cxn>
+                <a:cxn ang="0">
+                  <a:pos x="T14" y="T15"/>
+                </a:cxn>
+                <a:cxn ang="0">
+                  <a:pos x="T16" y="T17"/>
+                </a:cxn>
+                <a:cxn ang="0">
+                  <a:pos x="T18" y="T19"/>
+                </a:cxn>
+                <a:cxn ang="0">
+                  <a:pos x="T20" y="T21"/>
+                </a:cxn>
+                <a:cxn ang="0">
+                  <a:pos x="T22" y="T23"/>
+                </a:cxn>
+                <a:cxn ang="0">
+                  <a:pos x="T24" y="T25"/>
+                </a:cxn>
+              </a:cxnLst>
+              <a:rect l="0" t="0" r="r" b="b"/>
+              <a:pathLst>
+                <a:path w="785" h="692">
+                  <a:moveTo>
+                    <a:pt x="225" y="692"/>
+                  </a:moveTo>
+                  <a:cubicBezTo>
+                    <a:pt x="207" y="692"/>
+                    <a:pt x="185" y="680"/>
+                    <a:pt x="177" y="665"/>
+                  </a:cubicBezTo>
+                  <a:cubicBezTo>
+                    <a:pt x="9" y="374"/>
+                    <a:pt x="9" y="374"/>
+                    <a:pt x="9" y="374"/>
+                  </a:cubicBezTo>
+                  <a:cubicBezTo>
+                    <a:pt x="0" y="358"/>
+                    <a:pt x="0" y="334"/>
+                    <a:pt x="9" y="318"/>
+                  </a:cubicBezTo>
+                  <a:cubicBezTo>
+                    <a:pt x="177" y="27"/>
+                    <a:pt x="177" y="27"/>
+                    <a:pt x="177" y="27"/>
+                  </a:cubicBezTo>
+                  <a:cubicBezTo>
+                    <a:pt x="185" y="12"/>
+                    <a:pt x="207" y="0"/>
+                    <a:pt x="225" y="0"/>
+                  </a:cubicBezTo>
+                  <a:cubicBezTo>
+                    <a:pt x="561" y="0"/>
+                    <a:pt x="561" y="0"/>
+                    <a:pt x="561" y="0"/>
+                  </a:cubicBezTo>
+                  <a:cubicBezTo>
+                    <a:pt x="578" y="0"/>
+                    <a:pt x="600" y="12"/>
+                    <a:pt x="609" y="27"/>
+                  </a:cubicBezTo>
+                  <a:cubicBezTo>
+                    <a:pt x="777" y="318"/>
+                    <a:pt x="777" y="318"/>
+                    <a:pt x="777" y="318"/>
+                  </a:cubicBezTo>
+                  <a:cubicBezTo>
+                    <a:pt x="785" y="334"/>
+                    <a:pt x="785" y="358"/>
+                    <a:pt x="777" y="374"/>
+                  </a:cubicBezTo>
+                  <a:cubicBezTo>
+                    <a:pt x="609" y="665"/>
+                    <a:pt x="609" y="665"/>
+                    <a:pt x="609" y="665"/>
+                  </a:cubicBezTo>
+                  <a:cubicBezTo>
+                    <a:pt x="600" y="680"/>
+                    <a:pt x="578" y="692"/>
+                    <a:pt x="561" y="692"/>
+                  </a:cubicBezTo>
+                  <a:lnTo>
+                    <a:pt x="225" y="692"/>
+                  </a:lnTo>
+                  <a:close/>
+                </a:path>
+              </a:pathLst>
+            </a:custGeom>
+            <a:noFill/>
+            <a:ln w="28575" cmpd="sng">
+              <a:solidFill>
+                <a:schemeClr val="tx1"/>
+              </a:solidFill>
+            </a:ln>
+          </p:spPr>
+          <p:txBody>
+            <a:bodyPr vert="horz" wrap="square" lIns="91440" tIns="45720" rIns="91440" bIns="45720" numCol="1" anchor="t" anchorCtr="0" compatLnSpc="1"/>
+            <a:lstStyle/>
+            <a:p>
+              <a:endParaRPr lang="en-US"/>
+            </a:p>
+          </p:txBody>
+        </p:sp>
+      </p:grpSp>
+      <p:pic>
+        <p:nvPicPr>
+          <p:cNvPr id="4" name="Imagem 3" descr="Uma imagem contendo televisão, tela, monitor, assistindo&#10;&#10;Descrição gerada automaticamente">
+            <a:extLst>
+              <a:ext uri="{FF2B5EF4-FFF2-40B4-BE49-F238E27FC236}">
+                <a16:creationId xmlns:a16="http://schemas.microsoft.com/office/drawing/2014/main" id="{21FC4F3E-E211-47D7-8ACC-E0A2CA159B1A}"/>
+              </a:ext>
+            </a:extLst>
+          </p:cNvPr>
+          <p:cNvPicPr>
+            <a:picLocks noChangeAspect="1"/>
+          </p:cNvPicPr>
+          <p:nvPr/>
+        </p:nvPicPr>
+        <p:blipFill>
+          <a:blip r:embed="rId2">
+            <a:extLst>
+              <a:ext uri="{28A0092B-C50C-407E-A947-70E740481C1C}">
+                <a14:useLocalDpi xmlns:a14="http://schemas.microsoft.com/office/drawing/2010/main" val="0"/>
+              </a:ext>
+            </a:extLst>
+          </a:blip>
+          <a:stretch>
+            <a:fillRect/>
+          </a:stretch>
+        </p:blipFill>
+        <p:spPr>
+          <a:xfrm>
+            <a:off x="1767840" y="2253036"/>
+            <a:ext cx="8656320" cy="3938211"/>
+          </a:xfrm>
+          <a:prstGeom prst="rect">
+            <a:avLst/>
+          </a:prstGeom>
+        </p:spPr>
+      </p:pic>
+      <p:sp>
+        <p:nvSpPr>
+          <p:cNvPr id="11" name="CaixaDeTexto 10">
+            <a:extLst>
+              <a:ext uri="{FF2B5EF4-FFF2-40B4-BE49-F238E27FC236}">
+                <a16:creationId xmlns:a16="http://schemas.microsoft.com/office/drawing/2014/main" id="{8EDF2009-2F02-48C7-BDA7-12762DFBACAD}"/>
+              </a:ext>
+            </a:extLst>
+          </p:cNvPr>
+          <p:cNvSpPr txBox="1"/>
+          <p:nvPr/>
+        </p:nvSpPr>
+        <p:spPr>
+          <a:xfrm>
+            <a:off x="2244588" y="1320341"/>
+            <a:ext cx="1597469" cy="338554"/>
+          </a:xfrm>
+          <a:prstGeom prst="rect">
+            <a:avLst/>
+          </a:prstGeom>
+          <a:noFill/>
+          <a:effectLst/>
+        </p:spPr>
+        <p:txBody>
+          <a:bodyPr wrap="square" rtlCol="0">
+            <a:spAutoFit/>
+          </a:bodyPr>
+          <a:lstStyle/>
+          <a:p>
+            <a:r>
+              <a:rPr lang="pt-BR" sz="1600" dirty="0" err="1"/>
+              <a:t>Proto-persona</a:t>
+            </a:r>
+            <a:endParaRPr lang="pt-BR" dirty="0"/>
+          </a:p>
+        </p:txBody>
+      </p:sp>
+      <p:sp>
+        <p:nvSpPr>
+          <p:cNvPr id="15" name="CaixaDeTexto 14">
+            <a:extLst>
+              <a:ext uri="{FF2B5EF4-FFF2-40B4-BE49-F238E27FC236}">
+                <a16:creationId xmlns:a16="http://schemas.microsoft.com/office/drawing/2014/main" id="{09C80A9F-46E9-4D57-BC1B-12B5ACE33AC8}"/>
+              </a:ext>
+            </a:extLst>
+          </p:cNvPr>
+          <p:cNvSpPr txBox="1"/>
+          <p:nvPr/>
+        </p:nvSpPr>
+        <p:spPr>
+          <a:xfrm>
+            <a:off x="3847413" y="1310816"/>
+            <a:ext cx="1321542" cy="338554"/>
+          </a:xfrm>
+          <a:prstGeom prst="rect">
+            <a:avLst/>
+          </a:prstGeom>
+          <a:noFill/>
+          <a:effectLst/>
+        </p:spPr>
+        <p:txBody>
+          <a:bodyPr wrap="square" rtlCol="0">
+            <a:spAutoFit/>
+          </a:bodyPr>
+          <a:lstStyle/>
+          <a:p>
+            <a:r>
+              <a:rPr lang="pt-BR" sz="1600" dirty="0" err="1"/>
+              <a:t>StoryBoard</a:t>
+            </a:r>
+            <a:endParaRPr lang="pt-BR" dirty="0"/>
+          </a:p>
+        </p:txBody>
+      </p:sp>
+      <p:sp>
+        <p:nvSpPr>
+          <p:cNvPr id="16" name="CaixaDeTexto 15">
+            <a:extLst>
+              <a:ext uri="{FF2B5EF4-FFF2-40B4-BE49-F238E27FC236}">
+                <a16:creationId xmlns:a16="http://schemas.microsoft.com/office/drawing/2014/main" id="{5A45E2C7-6875-4531-89AC-DFCCC35DF660}"/>
+              </a:ext>
+            </a:extLst>
+          </p:cNvPr>
+          <p:cNvSpPr txBox="1"/>
+          <p:nvPr/>
+        </p:nvSpPr>
+        <p:spPr>
+          <a:xfrm>
+            <a:off x="5285150" y="1320341"/>
+            <a:ext cx="1199701" cy="338554"/>
+          </a:xfrm>
+          <a:prstGeom prst="rect">
+            <a:avLst/>
+          </a:prstGeom>
+          <a:noFill/>
+          <a:effectLst/>
+        </p:spPr>
+        <p:txBody>
+          <a:bodyPr wrap="square" rtlCol="0">
+            <a:spAutoFit/>
+          </a:bodyPr>
+          <a:lstStyle/>
+          <a:p>
+            <a:r>
+              <a:rPr lang="pt-BR" sz="1600" dirty="0"/>
+              <a:t>Requisitos</a:t>
+            </a:r>
+            <a:endParaRPr lang="pt-BR" dirty="0"/>
+          </a:p>
+        </p:txBody>
+      </p:sp>
+      <p:sp>
+        <p:nvSpPr>
+          <p:cNvPr id="17" name="CaixaDeTexto 16">
+            <a:extLst>
+              <a:ext uri="{FF2B5EF4-FFF2-40B4-BE49-F238E27FC236}">
+                <a16:creationId xmlns:a16="http://schemas.microsoft.com/office/drawing/2014/main" id="{901B5BC6-D638-4BE0-B37B-1A203C864D2E}"/>
+              </a:ext>
+            </a:extLst>
+          </p:cNvPr>
+          <p:cNvSpPr txBox="1"/>
+          <p:nvPr/>
+        </p:nvSpPr>
+        <p:spPr>
+          <a:xfrm>
+            <a:off x="6661200" y="1320341"/>
+            <a:ext cx="898530" cy="338554"/>
+          </a:xfrm>
+          <a:prstGeom prst="rect">
+            <a:avLst/>
+          </a:prstGeom>
+          <a:noFill/>
+        </p:spPr>
+        <p:txBody>
+          <a:bodyPr wrap="square" rtlCol="0">
+            <a:spAutoFit/>
+          </a:bodyPr>
+          <a:lstStyle/>
+          <a:p>
+            <a:r>
+              <a:rPr lang="pt-BR" sz="1600" dirty="0"/>
+              <a:t>BPMN</a:t>
+            </a:r>
+            <a:endParaRPr lang="pt-BR" dirty="0"/>
+          </a:p>
+        </p:txBody>
+      </p:sp>
+      <p:sp>
+        <p:nvSpPr>
+          <p:cNvPr id="18" name="CaixaDeTexto 17">
+            <a:extLst>
+              <a:ext uri="{FF2B5EF4-FFF2-40B4-BE49-F238E27FC236}">
+                <a16:creationId xmlns:a16="http://schemas.microsoft.com/office/drawing/2014/main" id="{28727A08-76AD-4CC1-81E1-A9E265979E09}"/>
+              </a:ext>
+            </a:extLst>
+          </p:cNvPr>
+          <p:cNvSpPr txBox="1"/>
+          <p:nvPr/>
+        </p:nvSpPr>
+        <p:spPr>
+          <a:xfrm>
+            <a:off x="7709972" y="1310816"/>
+            <a:ext cx="2070837" cy="369332"/>
+          </a:xfrm>
+          <a:prstGeom prst="rect">
+            <a:avLst/>
+          </a:prstGeom>
+          <a:noFill/>
+          <a:effectLst>
+            <a:outerShdw blurRad="50800" dist="38100" dir="5400000" algn="t" rotWithShape="0">
+              <a:prstClr val="black">
+                <a:alpha val="40000"/>
+              </a:prstClr>
+            </a:outerShdw>
+          </a:effectLst>
+        </p:spPr>
+        <p:txBody>
+          <a:bodyPr wrap="square" rtlCol="0">
+            <a:spAutoFit/>
+          </a:bodyPr>
+          <a:lstStyle/>
+          <a:p>
+            <a:r>
+              <a:rPr lang="pt-BR" dirty="0"/>
+              <a:t>Desenho de Solução</a:t>
+            </a:r>
+          </a:p>
+        </p:txBody>
+      </p:sp>
+      <p:sp>
+        <p:nvSpPr>
+          <p:cNvPr id="19" name="CaixaDeTexto 18">
+            <a:extLst>
+              <a:ext uri="{FF2B5EF4-FFF2-40B4-BE49-F238E27FC236}">
+                <a16:creationId xmlns:a16="http://schemas.microsoft.com/office/drawing/2014/main" id="{780807C2-BAF7-460E-A962-492C349F6F41}"/>
+              </a:ext>
+            </a:extLst>
+          </p:cNvPr>
+          <p:cNvSpPr txBox="1"/>
+          <p:nvPr/>
+        </p:nvSpPr>
+        <p:spPr>
+          <a:xfrm>
+            <a:off x="9864699" y="1320341"/>
+            <a:ext cx="2277975" cy="338554"/>
+          </a:xfrm>
+          <a:prstGeom prst="rect">
+            <a:avLst/>
+          </a:prstGeom>
+          <a:noFill/>
+        </p:spPr>
+        <p:txBody>
+          <a:bodyPr wrap="square" rtlCol="0">
+            <a:spAutoFit/>
+          </a:bodyPr>
+          <a:lstStyle/>
+          <a:p>
+            <a:r>
+              <a:rPr lang="pt-BR" sz="1600" dirty="0"/>
+              <a:t>Planilha de Software</a:t>
+            </a:r>
+          </a:p>
+        </p:txBody>
+      </p:sp>
     </p:spTree>
     <p:extLst>
       <p:ext uri="{BB962C8B-B14F-4D97-AF65-F5344CB8AC3E}">
@@ -37182,6 +43998,237 @@
   <p:clrMapOvr>
     <a:masterClrMapping/>
   </p:clrMapOvr>
+  <p:timing>
+    <p:tnLst>
+      <p:par>
+        <p:cTn id="1" dur="indefinite" restart="never" nodeType="tmRoot">
+          <p:childTnLst>
+            <p:seq concurrent="1" nextAc="seek">
+              <p:cTn id="2" dur="indefinite" nodeType="mainSeq">
+                <p:childTnLst>
+                  <p:par>
+                    <p:cTn id="3" fill="hold">
+                      <p:stCondLst>
+                        <p:cond delay="indefinite"/>
+                        <p:cond evt="onBegin" delay="0">
+                          <p:tn val="2"/>
+                        </p:cond>
+                      </p:stCondLst>
+                      <p:childTnLst>
+                        <p:par>
+                          <p:cTn id="4" fill="hold">
+                            <p:stCondLst>
+                              <p:cond delay="0"/>
+                            </p:stCondLst>
+                            <p:childTnLst>
+                              <p:par>
+                                <p:cTn id="5" presetID="53" presetClass="entr" presetSubtype="16" fill="hold" nodeType="withEffect">
+                                  <p:stCondLst>
+                                    <p:cond delay="0"/>
+                                  </p:stCondLst>
+                                  <p:childTnLst>
+                                    <p:set>
+                                      <p:cBhvr>
+                                        <p:cTn id="6" dur="1" fill="hold">
+                                          <p:stCondLst>
+                                            <p:cond delay="0"/>
+                                          </p:stCondLst>
+                                        </p:cTn>
+                                        <p:tgtEl>
+                                          <p:spTgt spid="4"/>
+                                        </p:tgtEl>
+                                        <p:attrNameLst>
+                                          <p:attrName>style.visibility</p:attrName>
+                                        </p:attrNameLst>
+                                      </p:cBhvr>
+                                      <p:to>
+                                        <p:strVal val="visible"/>
+                                      </p:to>
+                                    </p:set>
+                                    <p:anim calcmode="lin" valueType="num">
+                                      <p:cBhvr>
+                                        <p:cTn id="7" dur="500" fill="hold"/>
+                                        <p:tgtEl>
+                                          <p:spTgt spid="4"/>
+                                        </p:tgtEl>
+                                        <p:attrNameLst>
+                                          <p:attrName>ppt_w</p:attrName>
+                                        </p:attrNameLst>
+                                      </p:cBhvr>
+                                      <p:tavLst>
+                                        <p:tav tm="0">
+                                          <p:val>
+                                            <p:fltVal val="0"/>
+                                          </p:val>
+                                        </p:tav>
+                                        <p:tav tm="100000">
+                                          <p:val>
+                                            <p:strVal val="#ppt_w"/>
+                                          </p:val>
+                                        </p:tav>
+                                      </p:tavLst>
+                                    </p:anim>
+                                    <p:anim calcmode="lin" valueType="num">
+                                      <p:cBhvr>
+                                        <p:cTn id="8" dur="500" fill="hold"/>
+                                        <p:tgtEl>
+                                          <p:spTgt spid="4"/>
+                                        </p:tgtEl>
+                                        <p:attrNameLst>
+                                          <p:attrName>ppt_h</p:attrName>
+                                        </p:attrNameLst>
+                                      </p:cBhvr>
+                                      <p:tavLst>
+                                        <p:tav tm="0">
+                                          <p:val>
+                                            <p:fltVal val="0"/>
+                                          </p:val>
+                                        </p:tav>
+                                        <p:tav tm="100000">
+                                          <p:val>
+                                            <p:strVal val="#ppt_h"/>
+                                          </p:val>
+                                        </p:tav>
+                                      </p:tavLst>
+                                    </p:anim>
+                                    <p:animEffect transition="in" filter="fade">
+                                      <p:cBhvr>
+                                        <p:cTn id="9" dur="500"/>
+                                        <p:tgtEl>
+                                          <p:spTgt spid="4"/>
+                                        </p:tgtEl>
+                                      </p:cBhvr>
+                                    </p:animEffect>
+                                  </p:childTnLst>
+                                </p:cTn>
+                              </p:par>
+                            </p:childTnLst>
+                          </p:cTn>
+                        </p:par>
+                      </p:childTnLst>
+                    </p:cTn>
+                  </p:par>
+                  <p:par>
+                    <p:cTn id="10" fill="hold">
+                      <p:stCondLst>
+                        <p:cond delay="indefinite"/>
+                      </p:stCondLst>
+                      <p:childTnLst>
+                        <p:par>
+                          <p:cTn id="11" fill="hold">
+                            <p:stCondLst>
+                              <p:cond delay="0"/>
+                            </p:stCondLst>
+                            <p:childTnLst>
+                              <p:par>
+                                <p:cTn id="12" presetID="53" presetClass="exit" presetSubtype="32" fill="hold" nodeType="clickEffect">
+                                  <p:stCondLst>
+                                    <p:cond delay="0"/>
+                                  </p:stCondLst>
+                                  <p:childTnLst>
+                                    <p:anim calcmode="lin" valueType="num">
+                                      <p:cBhvr>
+                                        <p:cTn id="13" dur="500"/>
+                                        <p:tgtEl>
+                                          <p:spTgt spid="4"/>
+                                        </p:tgtEl>
+                                        <p:attrNameLst>
+                                          <p:attrName>ppt_w</p:attrName>
+                                        </p:attrNameLst>
+                                      </p:cBhvr>
+                                      <p:tavLst>
+                                        <p:tav tm="0">
+                                          <p:val>
+                                            <p:strVal val="ppt_w"/>
+                                          </p:val>
+                                        </p:tav>
+                                        <p:tav tm="100000">
+                                          <p:val>
+                                            <p:fltVal val="0"/>
+                                          </p:val>
+                                        </p:tav>
+                                      </p:tavLst>
+                                    </p:anim>
+                                    <p:anim calcmode="lin" valueType="num">
+                                      <p:cBhvr>
+                                        <p:cTn id="14" dur="500"/>
+                                        <p:tgtEl>
+                                          <p:spTgt spid="4"/>
+                                        </p:tgtEl>
+                                        <p:attrNameLst>
+                                          <p:attrName>ppt_h</p:attrName>
+                                        </p:attrNameLst>
+                                      </p:cBhvr>
+                                      <p:tavLst>
+                                        <p:tav tm="0">
+                                          <p:val>
+                                            <p:strVal val="ppt_h"/>
+                                          </p:val>
+                                        </p:tav>
+                                        <p:tav tm="100000">
+                                          <p:val>
+                                            <p:fltVal val="0"/>
+                                          </p:val>
+                                        </p:tav>
+                                      </p:tavLst>
+                                    </p:anim>
+                                    <p:animEffect transition="out" filter="fade">
+                                      <p:cBhvr>
+                                        <p:cTn id="15" dur="500"/>
+                                        <p:tgtEl>
+                                          <p:spTgt spid="4"/>
+                                        </p:tgtEl>
+                                      </p:cBhvr>
+                                    </p:animEffect>
+                                    <p:set>
+                                      <p:cBhvr>
+                                        <p:cTn id="16" dur="1" fill="hold">
+                                          <p:stCondLst>
+                                            <p:cond delay="499"/>
+                                          </p:stCondLst>
+                                        </p:cTn>
+                                        <p:tgtEl>
+                                          <p:spTgt spid="4"/>
+                                        </p:tgtEl>
+                                        <p:attrNameLst>
+                                          <p:attrName>style.visibility</p:attrName>
+                                        </p:attrNameLst>
+                                      </p:cBhvr>
+                                      <p:to>
+                                        <p:strVal val="hidden"/>
+                                      </p:to>
+                                    </p:set>
+                                  </p:childTnLst>
+                                </p:cTn>
+                              </p:par>
+                            </p:childTnLst>
+                          </p:cTn>
+                        </p:par>
+                      </p:childTnLst>
+                    </p:cTn>
+                  </p:par>
+                </p:childTnLst>
+              </p:cTn>
+              <p:prevCondLst>
+                <p:cond evt="onPrev" delay="0">
+                  <p:tgtEl>
+                    <p:sldTgt/>
+                  </p:tgtEl>
+                </p:cond>
+              </p:prevCondLst>
+              <p:nextCondLst>
+                <p:cond evt="onNext" delay="0">
+                  <p:tgtEl>
+                    <p:sldTgt/>
+                  </p:tgtEl>
+                </p:cond>
+              </p:nextCondLst>
+            </p:seq>
+          </p:childTnLst>
+        </p:cTn>
+      </p:par>
+    </p:tnLst>
+  </p:timing>
 </p:sld>
 </file>
 

--- a/Documentação/Apresentação - Sprint 3.pptx
+++ b/Documentação/Apresentação - Sprint 3.pptx
@@ -131,7 +131,7 @@
 <file path=ppt/revisionInfo.xml><?xml version="1.0" encoding="utf-8"?>
 <p1510:revInfo xmlns:a="http://schemas.openxmlformats.org/drawingml/2006/main" xmlns:r="http://schemas.openxmlformats.org/officeDocument/2006/relationships" xmlns:p1510="http://schemas.microsoft.com/office/powerpoint/2015/10/main">
   <p1510:revLst>
-    <p1510:client id="{DAECEB32-C126-44A1-B729-3AADB1682972}" v="517" dt="2020-06-17T02:43:04.844"/>
+    <p1510:client id="{DAECEB32-C126-44A1-B729-3AADB1682972}" v="523" dt="2020-06-17T02:53:41.780"/>
   </p1510:revLst>
 </p1510:revInfo>
 </file>
@@ -141,7 +141,7 @@
   <pc:docChgLst>
     <pc:chgData name="Fernando C Correa" userId="a08d7f3c16d54179" providerId="LiveId" clId="{DAECEB32-C126-44A1-B729-3AADB1682972}"/>
     <pc:docChg chg="undo custSel addSld delSld modSld sldOrd">
-      <pc:chgData name="Fernando C Correa" userId="a08d7f3c16d54179" providerId="LiveId" clId="{DAECEB32-C126-44A1-B729-3AADB1682972}" dt="2020-06-17T02:43:38.305" v="1946" actId="1035"/>
+      <pc:chgData name="Fernando C Correa" userId="a08d7f3c16d54179" providerId="LiveId" clId="{DAECEB32-C126-44A1-B729-3AADB1682972}" dt="2020-06-17T02:54:38.800" v="2096" actId="1035"/>
       <pc:docMkLst>
         <pc:docMk/>
       </pc:docMkLst>
@@ -168,18 +168,42 @@
           </ac:picMkLst>
         </pc:picChg>
       </pc:sldChg>
-      <pc:sldChg chg="modSp modAnim">
-        <pc:chgData name="Fernando C Correa" userId="a08d7f3c16d54179" providerId="LiveId" clId="{DAECEB32-C126-44A1-B729-3AADB1682972}" dt="2020-06-17T01:48:57.748" v="1328" actId="20577"/>
+      <pc:sldChg chg="addSp modSp mod modAnim">
+        <pc:chgData name="Fernando C Correa" userId="a08d7f3c16d54179" providerId="LiveId" clId="{DAECEB32-C126-44A1-B729-3AADB1682972}" dt="2020-06-17T02:53:24.961" v="2059" actId="1076"/>
         <pc:sldMkLst>
           <pc:docMk/>
           <pc:sldMk cId="3542761506" sldId="281"/>
         </pc:sldMkLst>
         <pc:spChg chg="mod">
-          <ac:chgData name="Fernando C Correa" userId="a08d7f3c16d54179" providerId="LiveId" clId="{DAECEB32-C126-44A1-B729-3AADB1682972}" dt="2020-06-17T01:48:57.748" v="1328" actId="20577"/>
+          <ac:chgData name="Fernando C Correa" userId="a08d7f3c16d54179" providerId="LiveId" clId="{DAECEB32-C126-44A1-B729-3AADB1682972}" dt="2020-06-17T02:52:36.148" v="1960" actId="20577"/>
           <ac:spMkLst>
             <pc:docMk/>
             <pc:sldMk cId="3542761506" sldId="281"/>
             <ac:spMk id="2" creationId="{00000000-0000-0000-0000-000000000000}"/>
+          </ac:spMkLst>
+        </pc:spChg>
+        <pc:spChg chg="add mod">
+          <ac:chgData name="Fernando C Correa" userId="a08d7f3c16d54179" providerId="LiveId" clId="{DAECEB32-C126-44A1-B729-3AADB1682972}" dt="2020-06-17T02:52:39.799" v="1968" actId="20577"/>
+          <ac:spMkLst>
+            <pc:docMk/>
+            <pc:sldMk cId="3542761506" sldId="281"/>
+            <ac:spMk id="11" creationId="{F6860C7B-45AB-4527-8D46-334216B4FAC7}"/>
+          </ac:spMkLst>
+        </pc:spChg>
+        <pc:spChg chg="add mod">
+          <ac:chgData name="Fernando C Correa" userId="a08d7f3c16d54179" providerId="LiveId" clId="{DAECEB32-C126-44A1-B729-3AADB1682972}" dt="2020-06-17T02:53:24.961" v="2059" actId="1076"/>
+          <ac:spMkLst>
+            <pc:docMk/>
+            <pc:sldMk cId="3542761506" sldId="281"/>
+            <ac:spMk id="15" creationId="{DF55296A-B4B1-4455-AEC8-E88599BF720B}"/>
+          </ac:spMkLst>
+        </pc:spChg>
+        <pc:spChg chg="add mod">
+          <ac:chgData name="Fernando C Correa" userId="a08d7f3c16d54179" providerId="LiveId" clId="{DAECEB32-C126-44A1-B729-3AADB1682972}" dt="2020-06-17T02:53:24.961" v="2059" actId="1076"/>
+          <ac:spMkLst>
+            <pc:docMk/>
+            <pc:sldMk cId="3542761506" sldId="281"/>
+            <ac:spMk id="16" creationId="{3CA46EF6-3532-4FFA-BE31-84EB0DB00941}"/>
           </ac:spMkLst>
         </pc:spChg>
       </pc:sldChg>
@@ -1269,33 +1293,121 @@
           </ac:picMkLst>
         </pc:picChg>
       </pc:sldChg>
-      <pc:sldChg chg="modSp modAnim">
-        <pc:chgData name="Fernando C Correa" userId="a08d7f3c16d54179" providerId="LiveId" clId="{DAECEB32-C126-44A1-B729-3AADB1682972}" dt="2020-06-17T01:49:02.661" v="1329"/>
+      <pc:sldChg chg="addSp delSp modSp mod modAnim">
+        <pc:chgData name="Fernando C Correa" userId="a08d7f3c16d54179" providerId="LiveId" clId="{DAECEB32-C126-44A1-B729-3AADB1682972}" dt="2020-06-17T02:54:14.840" v="2071" actId="1038"/>
         <pc:sldMkLst>
           <pc:docMk/>
           <pc:sldMk cId="903407908" sldId="297"/>
         </pc:sldMkLst>
         <pc:spChg chg="mod">
-          <ac:chgData name="Fernando C Correa" userId="a08d7f3c16d54179" providerId="LiveId" clId="{DAECEB32-C126-44A1-B729-3AADB1682972}" dt="2020-06-17T01:49:02.661" v="1329"/>
+          <ac:chgData name="Fernando C Correa" userId="a08d7f3c16d54179" providerId="LiveId" clId="{DAECEB32-C126-44A1-B729-3AADB1682972}" dt="2020-06-17T02:52:33.565" v="1957" actId="20577"/>
           <ac:spMkLst>
             <pc:docMk/>
             <pc:sldMk cId="903407908" sldId="297"/>
             <ac:spMk id="2" creationId="{00000000-0000-0000-0000-000000000000}"/>
           </ac:spMkLst>
         </pc:spChg>
+        <pc:spChg chg="add del mod">
+          <ac:chgData name="Fernando C Correa" userId="a08d7f3c16d54179" providerId="LiveId" clId="{DAECEB32-C126-44A1-B729-3AADB1682972}" dt="2020-06-17T02:52:18.956" v="1949"/>
+          <ac:spMkLst>
+            <pc:docMk/>
+            <pc:sldMk cId="903407908" sldId="297"/>
+            <ac:spMk id="18" creationId="{7B8B747E-9DE3-4591-98FD-6F242200B481}"/>
+          </ac:spMkLst>
+        </pc:spChg>
+        <pc:spChg chg="add del mod">
+          <ac:chgData name="Fernando C Correa" userId="a08d7f3c16d54179" providerId="LiveId" clId="{DAECEB32-C126-44A1-B729-3AADB1682972}" dt="2020-06-17T02:52:18.956" v="1949"/>
+          <ac:spMkLst>
+            <pc:docMk/>
+            <pc:sldMk cId="903407908" sldId="297"/>
+            <ac:spMk id="19" creationId="{C2056704-906D-4A43-981B-0C82E8F81CFB}"/>
+          </ac:spMkLst>
+        </pc:spChg>
+        <pc:spChg chg="add del mod">
+          <ac:chgData name="Fernando C Correa" userId="a08d7f3c16d54179" providerId="LiveId" clId="{DAECEB32-C126-44A1-B729-3AADB1682972}" dt="2020-06-17T02:52:18.956" v="1949"/>
+          <ac:spMkLst>
+            <pc:docMk/>
+            <pc:sldMk cId="903407908" sldId="297"/>
+            <ac:spMk id="20" creationId="{AB1F2FA3-2A9F-42CB-9D7D-AB377DBA90A6}"/>
+          </ac:spMkLst>
+        </pc:spChg>
+        <pc:spChg chg="add mod">
+          <ac:chgData name="Fernando C Correa" userId="a08d7f3c16d54179" providerId="LiveId" clId="{DAECEB32-C126-44A1-B729-3AADB1682972}" dt="2020-06-17T02:52:50.851" v="2002" actId="20577"/>
+          <ac:spMkLst>
+            <pc:docMk/>
+            <pc:sldMk cId="903407908" sldId="297"/>
+            <ac:spMk id="21" creationId="{4BBC1F64-6A9A-4756-AE3A-5530F848BDB4}"/>
+          </ac:spMkLst>
+        </pc:spChg>
+        <pc:spChg chg="add mod">
+          <ac:chgData name="Fernando C Correa" userId="a08d7f3c16d54179" providerId="LiveId" clId="{DAECEB32-C126-44A1-B729-3AADB1682972}" dt="2020-06-17T02:54:14.840" v="2071" actId="1038"/>
+          <ac:spMkLst>
+            <pc:docMk/>
+            <pc:sldMk cId="903407908" sldId="297"/>
+            <ac:spMk id="22" creationId="{5FFDAF72-6237-4B4A-A954-A30A3C1FCBF2}"/>
+          </ac:spMkLst>
+        </pc:spChg>
+        <pc:spChg chg="add del mod">
+          <ac:chgData name="Fernando C Correa" userId="a08d7f3c16d54179" providerId="LiveId" clId="{DAECEB32-C126-44A1-B729-3AADB1682972}" dt="2020-06-17T02:53:47.680" v="2063" actId="478"/>
+          <ac:spMkLst>
+            <pc:docMk/>
+            <pc:sldMk cId="903407908" sldId="297"/>
+            <ac:spMk id="23" creationId="{D8C59A70-562F-40D3-A4DE-5E7DAB2E4FD2}"/>
+          </ac:spMkLst>
+        </pc:spChg>
+        <pc:spChg chg="add del mod">
+          <ac:chgData name="Fernando C Correa" userId="a08d7f3c16d54179" providerId="LiveId" clId="{DAECEB32-C126-44A1-B729-3AADB1682972}" dt="2020-06-17T02:53:58.518" v="2067" actId="478"/>
+          <ac:spMkLst>
+            <pc:docMk/>
+            <pc:sldMk cId="903407908" sldId="297"/>
+            <ac:spMk id="24" creationId="{566E65F7-9B29-4662-B30B-62FB59DACB57}"/>
+          </ac:spMkLst>
+        </pc:spChg>
+        <pc:spChg chg="add mod">
+          <ac:chgData name="Fernando C Correa" userId="a08d7f3c16d54179" providerId="LiveId" clId="{DAECEB32-C126-44A1-B729-3AADB1682972}" dt="2020-06-17T02:53:41.780" v="2062"/>
+          <ac:spMkLst>
+            <pc:docMk/>
+            <pc:sldMk cId="903407908" sldId="297"/>
+            <ac:spMk id="25" creationId="{58201C95-5404-4900-AA68-CFFD1575D4E1}"/>
+          </ac:spMkLst>
+        </pc:spChg>
       </pc:sldChg>
-      <pc:sldChg chg="modSp">
-        <pc:chgData name="Fernando C Correa" userId="a08d7f3c16d54179" providerId="LiveId" clId="{DAECEB32-C126-44A1-B729-3AADB1682972}" dt="2020-06-17T01:49:04.530" v="1330"/>
+      <pc:sldChg chg="addSp modSp mod">
+        <pc:chgData name="Fernando C Correa" userId="a08d7f3c16d54179" providerId="LiveId" clId="{DAECEB32-C126-44A1-B729-3AADB1682972}" dt="2020-06-17T02:54:38.800" v="2096" actId="1035"/>
         <pc:sldMkLst>
           <pc:docMk/>
           <pc:sldMk cId="1350499800" sldId="298"/>
         </pc:sldMkLst>
         <pc:spChg chg="mod">
-          <ac:chgData name="Fernando C Correa" userId="a08d7f3c16d54179" providerId="LiveId" clId="{DAECEB32-C126-44A1-B729-3AADB1682972}" dt="2020-06-17T01:49:04.530" v="1330"/>
+          <ac:chgData name="Fernando C Correa" userId="a08d7f3c16d54179" providerId="LiveId" clId="{DAECEB32-C126-44A1-B729-3AADB1682972}" dt="2020-06-17T02:52:31.251" v="1954" actId="20577"/>
           <ac:spMkLst>
             <pc:docMk/>
             <pc:sldMk cId="1350499800" sldId="298"/>
             <ac:spMk id="2" creationId="{00000000-0000-0000-0000-000000000000}"/>
+          </ac:spMkLst>
+        </pc:spChg>
+        <pc:spChg chg="add mod">
+          <ac:chgData name="Fernando C Correa" userId="a08d7f3c16d54179" providerId="LiveId" clId="{DAECEB32-C126-44A1-B729-3AADB1682972}" dt="2020-06-17T02:53:02.012" v="2036" actId="20577"/>
+          <ac:spMkLst>
+            <pc:docMk/>
+            <pc:sldMk cId="1350499800" sldId="298"/>
+            <ac:spMk id="8" creationId="{9839AFDD-8E4F-4858-BBB3-0373BB83BE39}"/>
+          </ac:spMkLst>
+        </pc:spChg>
+        <pc:spChg chg="add mod">
+          <ac:chgData name="Fernando C Correa" userId="a08d7f3c16d54179" providerId="LiveId" clId="{DAECEB32-C126-44A1-B729-3AADB1682972}" dt="2020-06-17T02:54:32.804" v="2095" actId="1038"/>
+          <ac:spMkLst>
+            <pc:docMk/>
+            <pc:sldMk cId="1350499800" sldId="298"/>
+            <ac:spMk id="9" creationId="{97F2FEA5-53F9-420C-8D02-55CB953267D0}"/>
+          </ac:spMkLst>
+        </pc:spChg>
+        <pc:spChg chg="add mod">
+          <ac:chgData name="Fernando C Correa" userId="a08d7f3c16d54179" providerId="LiveId" clId="{DAECEB32-C126-44A1-B729-3AADB1682972}" dt="2020-06-17T02:54:38.800" v="2096" actId="1035"/>
+          <ac:spMkLst>
+            <pc:docMk/>
+            <pc:sldMk cId="1350499800" sldId="298"/>
+            <ac:spMk id="11" creationId="{6E983EDC-9D44-4171-BB6B-3CD66677F0D3}"/>
           </ac:spMkLst>
         </pc:spChg>
       </pc:sldChg>
@@ -37513,7 +37625,7 @@
           <a:p>
             <a:r>
               <a:rPr lang="pt-BR" dirty="0"/>
-              <a:t>Introdução - Contexto</a:t>
+              <a:t>Introdução</a:t>
             </a:r>
           </a:p>
         </p:txBody>
@@ -37979,6 +38091,121 @@
           </a:graphicData>
         </a:graphic>
       </p:graphicFrame>
+      <p:sp>
+        <p:nvSpPr>
+          <p:cNvPr id="11" name="CaixaDeTexto 10">
+            <a:extLst>
+              <a:ext uri="{FF2B5EF4-FFF2-40B4-BE49-F238E27FC236}">
+                <a16:creationId xmlns:a16="http://schemas.microsoft.com/office/drawing/2014/main" id="{F6860C7B-45AB-4527-8D46-334216B4FAC7}"/>
+              </a:ext>
+            </a:extLst>
+          </p:cNvPr>
+          <p:cNvSpPr txBox="1"/>
+          <p:nvPr/>
+        </p:nvSpPr>
+        <p:spPr>
+          <a:xfrm>
+            <a:off x="2244588" y="1310816"/>
+            <a:ext cx="1597469" cy="369332"/>
+          </a:xfrm>
+          <a:prstGeom prst="rect">
+            <a:avLst/>
+          </a:prstGeom>
+          <a:noFill/>
+          <a:effectLst>
+            <a:outerShdw blurRad="50800" dist="38100" dir="5400000" algn="t" rotWithShape="0">
+              <a:prstClr val="black">
+                <a:alpha val="40000"/>
+              </a:prstClr>
+            </a:outerShdw>
+          </a:effectLst>
+        </p:spPr>
+        <p:txBody>
+          <a:bodyPr wrap="square" rtlCol="0">
+            <a:spAutoFit/>
+          </a:bodyPr>
+          <a:lstStyle/>
+          <a:p>
+            <a:r>
+              <a:rPr lang="pt-BR" dirty="0"/>
+              <a:t>Contexto</a:t>
+            </a:r>
+          </a:p>
+        </p:txBody>
+      </p:sp>
+      <p:sp>
+        <p:nvSpPr>
+          <p:cNvPr id="15" name="CaixaDeTexto 14">
+            <a:extLst>
+              <a:ext uri="{FF2B5EF4-FFF2-40B4-BE49-F238E27FC236}">
+                <a16:creationId xmlns:a16="http://schemas.microsoft.com/office/drawing/2014/main" id="{DF55296A-B4B1-4455-AEC8-E88599BF720B}"/>
+              </a:ext>
+            </a:extLst>
+          </p:cNvPr>
+          <p:cNvSpPr txBox="1"/>
+          <p:nvPr/>
+        </p:nvSpPr>
+        <p:spPr>
+          <a:xfrm>
+            <a:off x="3540015" y="1341594"/>
+            <a:ext cx="1321542" cy="338554"/>
+          </a:xfrm>
+          <a:prstGeom prst="rect">
+            <a:avLst/>
+          </a:prstGeom>
+          <a:noFill/>
+        </p:spPr>
+        <p:txBody>
+          <a:bodyPr wrap="square" rtlCol="0">
+            <a:spAutoFit/>
+          </a:bodyPr>
+          <a:lstStyle/>
+          <a:p>
+            <a:r>
+              <a:rPr lang="pt-BR" sz="1600" dirty="0"/>
+              <a:t>Justificativa</a:t>
+            </a:r>
+            <a:endParaRPr lang="pt-BR" dirty="0"/>
+          </a:p>
+        </p:txBody>
+      </p:sp>
+      <p:sp>
+        <p:nvSpPr>
+          <p:cNvPr id="16" name="CaixaDeTexto 15">
+            <a:extLst>
+              <a:ext uri="{FF2B5EF4-FFF2-40B4-BE49-F238E27FC236}">
+                <a16:creationId xmlns:a16="http://schemas.microsoft.com/office/drawing/2014/main" id="{3CA46EF6-3532-4FFA-BE31-84EB0DB00941}"/>
+              </a:ext>
+            </a:extLst>
+          </p:cNvPr>
+          <p:cNvSpPr txBox="1"/>
+          <p:nvPr/>
+        </p:nvSpPr>
+        <p:spPr>
+          <a:xfrm>
+            <a:off x="4977752" y="1341594"/>
+            <a:ext cx="1199701" cy="338554"/>
+          </a:xfrm>
+          <a:prstGeom prst="rect">
+            <a:avLst/>
+          </a:prstGeom>
+          <a:noFill/>
+          <a:effectLst/>
+        </p:spPr>
+        <p:txBody>
+          <a:bodyPr wrap="square" rtlCol="0">
+            <a:spAutoFit/>
+          </a:bodyPr>
+          <a:lstStyle/>
+          <a:p>
+            <a:r>
+              <a:rPr lang="pt-BR" sz="1600" dirty="0"/>
+              <a:t>Objetivos</a:t>
+            </a:r>
+            <a:endParaRPr lang="pt-BR" dirty="0"/>
+          </a:p>
+        </p:txBody>
+      </p:sp>
     </p:spTree>
     <p:extLst>
       <p:ext uri="{BB962C8B-B14F-4D97-AF65-F5344CB8AC3E}">
@@ -38337,7 +38564,7 @@
           <a:p>
             <a:r>
               <a:rPr lang="pt-BR" dirty="0"/>
-              <a:t>Introdução - Justificativa</a:t>
+              <a:t>Introdução</a:t>
             </a:r>
           </a:p>
         </p:txBody>
@@ -38779,6 +39006,122 @@
           </a:graphicData>
         </a:graphic>
       </p:graphicFrame>
+      <p:sp>
+        <p:nvSpPr>
+          <p:cNvPr id="21" name="CaixaDeTexto 20">
+            <a:extLst>
+              <a:ext uri="{FF2B5EF4-FFF2-40B4-BE49-F238E27FC236}">
+                <a16:creationId xmlns:a16="http://schemas.microsoft.com/office/drawing/2014/main" id="{4BBC1F64-6A9A-4756-AE3A-5530F848BDB4}"/>
+              </a:ext>
+            </a:extLst>
+          </p:cNvPr>
+          <p:cNvSpPr txBox="1"/>
+          <p:nvPr/>
+        </p:nvSpPr>
+        <p:spPr>
+          <a:xfrm>
+            <a:off x="2244588" y="1320341"/>
+            <a:ext cx="1597469" cy="338554"/>
+          </a:xfrm>
+          <a:prstGeom prst="rect">
+            <a:avLst/>
+          </a:prstGeom>
+          <a:noFill/>
+          <a:effectLst/>
+        </p:spPr>
+        <p:txBody>
+          <a:bodyPr wrap="square" rtlCol="0">
+            <a:spAutoFit/>
+          </a:bodyPr>
+          <a:lstStyle/>
+          <a:p>
+            <a:r>
+              <a:rPr lang="pt-BR" sz="1600" dirty="0"/>
+              <a:t>Contexto</a:t>
+            </a:r>
+            <a:endParaRPr lang="pt-BR" dirty="0"/>
+          </a:p>
+        </p:txBody>
+      </p:sp>
+      <p:sp>
+        <p:nvSpPr>
+          <p:cNvPr id="22" name="CaixaDeTexto 21">
+            <a:extLst>
+              <a:ext uri="{FF2B5EF4-FFF2-40B4-BE49-F238E27FC236}">
+                <a16:creationId xmlns:a16="http://schemas.microsoft.com/office/drawing/2014/main" id="{5FFDAF72-6237-4B4A-A954-A30A3C1FCBF2}"/>
+              </a:ext>
+            </a:extLst>
+          </p:cNvPr>
+          <p:cNvSpPr txBox="1"/>
+          <p:nvPr/>
+        </p:nvSpPr>
+        <p:spPr>
+          <a:xfrm>
+            <a:off x="3489710" y="1310816"/>
+            <a:ext cx="1321542" cy="369332"/>
+          </a:xfrm>
+          <a:prstGeom prst="rect">
+            <a:avLst/>
+          </a:prstGeom>
+          <a:noFill/>
+          <a:effectLst>
+            <a:outerShdw blurRad="50800" dist="38100" dir="5400000" algn="t" rotWithShape="0">
+              <a:prstClr val="black">
+                <a:alpha val="40000"/>
+              </a:prstClr>
+            </a:outerShdw>
+          </a:effectLst>
+        </p:spPr>
+        <p:txBody>
+          <a:bodyPr wrap="square" rtlCol="0">
+            <a:spAutoFit/>
+          </a:bodyPr>
+          <a:lstStyle/>
+          <a:p>
+            <a:r>
+              <a:rPr lang="pt-BR" dirty="0"/>
+              <a:t>Justificativa</a:t>
+            </a:r>
+          </a:p>
+        </p:txBody>
+      </p:sp>
+      <p:sp>
+        <p:nvSpPr>
+          <p:cNvPr id="25" name="CaixaDeTexto 24">
+            <a:extLst>
+              <a:ext uri="{FF2B5EF4-FFF2-40B4-BE49-F238E27FC236}">
+                <a16:creationId xmlns:a16="http://schemas.microsoft.com/office/drawing/2014/main" id="{58201C95-5404-4900-AA68-CFFD1575D4E1}"/>
+              </a:ext>
+            </a:extLst>
+          </p:cNvPr>
+          <p:cNvSpPr txBox="1"/>
+          <p:nvPr/>
+        </p:nvSpPr>
+        <p:spPr>
+          <a:xfrm>
+            <a:off x="4977752" y="1341594"/>
+            <a:ext cx="1199701" cy="338554"/>
+          </a:xfrm>
+          <a:prstGeom prst="rect">
+            <a:avLst/>
+          </a:prstGeom>
+          <a:noFill/>
+          <a:effectLst/>
+        </p:spPr>
+        <p:txBody>
+          <a:bodyPr wrap="square" rtlCol="0">
+            <a:spAutoFit/>
+          </a:bodyPr>
+          <a:lstStyle/>
+          <a:p>
+            <a:r>
+              <a:rPr lang="pt-BR" sz="1600" dirty="0"/>
+              <a:t>Objetivos</a:t>
+            </a:r>
+            <a:endParaRPr lang="pt-BR" dirty="0"/>
+          </a:p>
+        </p:txBody>
+      </p:sp>
     </p:spTree>
     <p:extLst>
       <p:ext uri="{BB962C8B-B14F-4D97-AF65-F5344CB8AC3E}">
@@ -39137,7 +39480,7 @@
           <a:p>
             <a:r>
               <a:rPr lang="pt-BR" dirty="0"/>
-              <a:t>Introdução - Objetivo</a:t>
+              <a:t>Introdução</a:t>
             </a:r>
           </a:p>
         </p:txBody>
@@ -39511,6 +39854,122 @@
           </a:graphicData>
         </a:graphic>
       </p:graphicFrame>
+      <p:sp>
+        <p:nvSpPr>
+          <p:cNvPr id="8" name="CaixaDeTexto 7">
+            <a:extLst>
+              <a:ext uri="{FF2B5EF4-FFF2-40B4-BE49-F238E27FC236}">
+                <a16:creationId xmlns:a16="http://schemas.microsoft.com/office/drawing/2014/main" id="{9839AFDD-8E4F-4858-BBB3-0373BB83BE39}"/>
+              </a:ext>
+            </a:extLst>
+          </p:cNvPr>
+          <p:cNvSpPr txBox="1"/>
+          <p:nvPr/>
+        </p:nvSpPr>
+        <p:spPr>
+          <a:xfrm>
+            <a:off x="2244588" y="1320341"/>
+            <a:ext cx="1597469" cy="338554"/>
+          </a:xfrm>
+          <a:prstGeom prst="rect">
+            <a:avLst/>
+          </a:prstGeom>
+          <a:noFill/>
+          <a:effectLst/>
+        </p:spPr>
+        <p:txBody>
+          <a:bodyPr wrap="square" rtlCol="0">
+            <a:spAutoFit/>
+          </a:bodyPr>
+          <a:lstStyle/>
+          <a:p>
+            <a:r>
+              <a:rPr lang="pt-BR" sz="1600" dirty="0"/>
+              <a:t>Contexto</a:t>
+            </a:r>
+            <a:endParaRPr lang="pt-BR" dirty="0"/>
+          </a:p>
+        </p:txBody>
+      </p:sp>
+      <p:sp>
+        <p:nvSpPr>
+          <p:cNvPr id="9" name="CaixaDeTexto 8">
+            <a:extLst>
+              <a:ext uri="{FF2B5EF4-FFF2-40B4-BE49-F238E27FC236}">
+                <a16:creationId xmlns:a16="http://schemas.microsoft.com/office/drawing/2014/main" id="{97F2FEA5-53F9-420C-8D02-55CB953267D0}"/>
+              </a:ext>
+            </a:extLst>
+          </p:cNvPr>
+          <p:cNvSpPr txBox="1"/>
+          <p:nvPr/>
+        </p:nvSpPr>
+        <p:spPr>
+          <a:xfrm>
+            <a:off x="3501186" y="1320341"/>
+            <a:ext cx="1321542" cy="338554"/>
+          </a:xfrm>
+          <a:prstGeom prst="rect">
+            <a:avLst/>
+          </a:prstGeom>
+          <a:noFill/>
+          <a:effectLst/>
+        </p:spPr>
+        <p:txBody>
+          <a:bodyPr wrap="square" rtlCol="0">
+            <a:spAutoFit/>
+          </a:bodyPr>
+          <a:lstStyle/>
+          <a:p>
+            <a:r>
+              <a:rPr lang="pt-BR" sz="1600" dirty="0"/>
+              <a:t>Justificativa</a:t>
+            </a:r>
+            <a:endParaRPr lang="pt-BR" dirty="0"/>
+          </a:p>
+        </p:txBody>
+      </p:sp>
+      <p:sp>
+        <p:nvSpPr>
+          <p:cNvPr id="11" name="CaixaDeTexto 10">
+            <a:extLst>
+              <a:ext uri="{FF2B5EF4-FFF2-40B4-BE49-F238E27FC236}">
+                <a16:creationId xmlns:a16="http://schemas.microsoft.com/office/drawing/2014/main" id="{6E983EDC-9D44-4171-BB6B-3CD66677F0D3}"/>
+              </a:ext>
+            </a:extLst>
+          </p:cNvPr>
+          <p:cNvSpPr txBox="1"/>
+          <p:nvPr/>
+        </p:nvSpPr>
+        <p:spPr>
+          <a:xfrm>
+            <a:off x="4888402" y="1296074"/>
+            <a:ext cx="1199701" cy="369332"/>
+          </a:xfrm>
+          <a:prstGeom prst="rect">
+            <a:avLst/>
+          </a:prstGeom>
+          <a:noFill/>
+          <a:effectLst>
+            <a:outerShdw blurRad="50800" dist="38100" dir="5400000" algn="t" rotWithShape="0">
+              <a:prstClr val="black">
+                <a:alpha val="40000"/>
+              </a:prstClr>
+            </a:outerShdw>
+          </a:effectLst>
+        </p:spPr>
+        <p:txBody>
+          <a:bodyPr wrap="square" rtlCol="0">
+            <a:spAutoFit/>
+          </a:bodyPr>
+          <a:lstStyle/>
+          <a:p>
+            <a:r>
+              <a:rPr lang="pt-BR" dirty="0"/>
+              <a:t>Objetivos</a:t>
+            </a:r>
+          </a:p>
+        </p:txBody>
+      </p:sp>
     </p:spTree>
     <p:extLst>
       <p:ext uri="{BB962C8B-B14F-4D97-AF65-F5344CB8AC3E}">

--- a/Documentação/Apresentação - Sprint 3.pptx
+++ b/Documentação/Apresentação - Sprint 3.pptx
@@ -141,7 +141,7 @@
   <pc:docChgLst>
     <pc:chgData name="Fernando C Correa" userId="a08d7f3c16d54179" providerId="LiveId" clId="{DAECEB32-C126-44A1-B729-3AADB1682972}"/>
     <pc:docChg chg="undo custSel addSld delSld modSld sldOrd">
-      <pc:chgData name="Fernando C Correa" userId="a08d7f3c16d54179" providerId="LiveId" clId="{DAECEB32-C126-44A1-B729-3AADB1682972}" dt="2020-06-17T02:54:38.800" v="2096" actId="1035"/>
+      <pc:chgData name="Fernando C Correa" userId="a08d7f3c16d54179" providerId="LiveId" clId="{DAECEB32-C126-44A1-B729-3AADB1682972}" dt="2020-06-17T15:51:28.331" v="2097" actId="1035"/>
       <pc:docMkLst>
         <pc:docMk/>
       </pc:docMkLst>
@@ -841,7 +841,7 @@
         </pc:picChg>
       </pc:sldChg>
       <pc:sldChg chg="addSp delSp modSp mod modAnim">
-        <pc:chgData name="Fernando C Correa" userId="a08d7f3c16d54179" providerId="LiveId" clId="{DAECEB32-C126-44A1-B729-3AADB1682972}" dt="2020-06-17T02:42:40.166" v="1940"/>
+        <pc:chgData name="Fernando C Correa" userId="a08d7f3c16d54179" providerId="LiveId" clId="{DAECEB32-C126-44A1-B729-3AADB1682972}" dt="2020-06-17T15:51:28.331" v="2097" actId="1035"/>
         <pc:sldMkLst>
           <pc:docMk/>
           <pc:sldMk cId="3697814180" sldId="294"/>
@@ -887,7 +887,7 @@
           </ac:spMkLst>
         </pc:spChg>
         <pc:spChg chg="add mod">
-          <ac:chgData name="Fernando C Correa" userId="a08d7f3c16d54179" providerId="LiveId" clId="{DAECEB32-C126-44A1-B729-3AADB1682972}" dt="2020-06-17T02:41:50.945" v="1926" actId="1035"/>
+          <ac:chgData name="Fernando C Correa" userId="a08d7f3c16d54179" providerId="LiveId" clId="{DAECEB32-C126-44A1-B729-3AADB1682972}" dt="2020-06-17T15:51:28.331" v="2097" actId="1035"/>
           <ac:spMkLst>
             <pc:docMk/>
             <pc:sldMk cId="3697814180" sldId="294"/>
@@ -27325,7 +27325,7 @@
           <a:p>
             <a:fld id="{25037C36-C8CA-4564-9B7E-8E9BA0061FB2}" type="datetimeFigureOut">
               <a:rPr lang="pt-BR" smtClean="0"/>
-              <a:t>16/06/2020</a:t>
+              <a:t>17/06/2020</a:t>
             </a:fld>
             <a:endParaRPr lang="pt-BR"/>
           </a:p>
@@ -27523,7 +27523,7 @@
           <a:p>
             <a:fld id="{25037C36-C8CA-4564-9B7E-8E9BA0061FB2}" type="datetimeFigureOut">
               <a:rPr lang="pt-BR" smtClean="0"/>
-              <a:t>16/06/2020</a:t>
+              <a:t>17/06/2020</a:t>
             </a:fld>
             <a:endParaRPr lang="pt-BR"/>
           </a:p>
@@ -27731,7 +27731,7 @@
           <a:p>
             <a:fld id="{25037C36-C8CA-4564-9B7E-8E9BA0061FB2}" type="datetimeFigureOut">
               <a:rPr lang="pt-BR" smtClean="0"/>
-              <a:t>16/06/2020</a:t>
+              <a:t>17/06/2020</a:t>
             </a:fld>
             <a:endParaRPr lang="pt-BR"/>
           </a:p>
@@ -27929,7 +27929,7 @@
           <a:p>
             <a:fld id="{25037C36-C8CA-4564-9B7E-8E9BA0061FB2}" type="datetimeFigureOut">
               <a:rPr lang="pt-BR" smtClean="0"/>
-              <a:t>16/06/2020</a:t>
+              <a:t>17/06/2020</a:t>
             </a:fld>
             <a:endParaRPr lang="pt-BR"/>
           </a:p>
@@ -28204,7 +28204,7 @@
           <a:p>
             <a:fld id="{25037C36-C8CA-4564-9B7E-8E9BA0061FB2}" type="datetimeFigureOut">
               <a:rPr lang="pt-BR" smtClean="0"/>
-              <a:t>16/06/2020</a:t>
+              <a:t>17/06/2020</a:t>
             </a:fld>
             <a:endParaRPr lang="pt-BR"/>
           </a:p>
@@ -28469,7 +28469,7 @@
           <a:p>
             <a:fld id="{25037C36-C8CA-4564-9B7E-8E9BA0061FB2}" type="datetimeFigureOut">
               <a:rPr lang="pt-BR" smtClean="0"/>
-              <a:t>16/06/2020</a:t>
+              <a:t>17/06/2020</a:t>
             </a:fld>
             <a:endParaRPr lang="pt-BR"/>
           </a:p>
@@ -28881,7 +28881,7 @@
           <a:p>
             <a:fld id="{25037C36-C8CA-4564-9B7E-8E9BA0061FB2}" type="datetimeFigureOut">
               <a:rPr lang="pt-BR" smtClean="0"/>
-              <a:t>16/06/2020</a:t>
+              <a:t>17/06/2020</a:t>
             </a:fld>
             <a:endParaRPr lang="pt-BR"/>
           </a:p>
@@ -29022,7 +29022,7 @@
           <a:p>
             <a:fld id="{25037C36-C8CA-4564-9B7E-8E9BA0061FB2}" type="datetimeFigureOut">
               <a:rPr lang="pt-BR" smtClean="0"/>
-              <a:t>16/06/2020</a:t>
+              <a:t>17/06/2020</a:t>
             </a:fld>
             <a:endParaRPr lang="pt-BR"/>
           </a:p>
@@ -29135,7 +29135,7 @@
           <a:p>
             <a:fld id="{25037C36-C8CA-4564-9B7E-8E9BA0061FB2}" type="datetimeFigureOut">
               <a:rPr lang="pt-BR" smtClean="0"/>
-              <a:t>16/06/2020</a:t>
+              <a:t>17/06/2020</a:t>
             </a:fld>
             <a:endParaRPr lang="pt-BR"/>
           </a:p>
@@ -29446,7 +29446,7 @@
           <a:p>
             <a:fld id="{25037C36-C8CA-4564-9B7E-8E9BA0061FB2}" type="datetimeFigureOut">
               <a:rPr lang="pt-BR" smtClean="0"/>
-              <a:t>16/06/2020</a:t>
+              <a:t>17/06/2020</a:t>
             </a:fld>
             <a:endParaRPr lang="pt-BR"/>
           </a:p>
@@ -29734,7 +29734,7 @@
           <a:p>
             <a:fld id="{25037C36-C8CA-4564-9B7E-8E9BA0061FB2}" type="datetimeFigureOut">
               <a:rPr lang="pt-BR" smtClean="0"/>
-              <a:t>16/06/2020</a:t>
+              <a:t>17/06/2020</a:t>
             </a:fld>
             <a:endParaRPr lang="pt-BR"/>
           </a:p>
@@ -29975,7 +29975,7 @@
           <a:p>
             <a:fld id="{25037C36-C8CA-4564-9B7E-8E9BA0061FB2}" type="datetimeFigureOut">
               <a:rPr lang="pt-BR" smtClean="0"/>
-              <a:t>16/06/2020</a:t>
+              <a:t>17/06/2020</a:t>
             </a:fld>
             <a:endParaRPr lang="pt-BR"/>
           </a:p>
@@ -44384,7 +44384,7 @@
         </p:nvSpPr>
         <p:spPr>
           <a:xfrm>
-            <a:off x="7709972" y="1310816"/>
+            <a:off x="7709972" y="1301938"/>
             <a:ext cx="2070837" cy="369332"/>
           </a:xfrm>
           <a:prstGeom prst="rect">

--- a/Documentação/Apresentação - Sprint 3.pptx
+++ b/Documentação/Apresentação - Sprint 3.pptx
@@ -19,9 +19,11 @@
     <p:sldId id="300" r:id="rId13"/>
     <p:sldId id="287" r:id="rId14"/>
     <p:sldId id="304" r:id="rId15"/>
-    <p:sldId id="305" r:id="rId16"/>
-    <p:sldId id="299" r:id="rId17"/>
-    <p:sldId id="290" r:id="rId18"/>
+    <p:sldId id="309" r:id="rId16"/>
+    <p:sldId id="308" r:id="rId17"/>
+    <p:sldId id="305" r:id="rId18"/>
+    <p:sldId id="299" r:id="rId19"/>
+    <p:sldId id="290" r:id="rId20"/>
   </p:sldIdLst>
   <p:sldSz cx="12192000" cy="6858000"/>
   <p:notesSz cx="6858000" cy="9144000"/>
@@ -131,7 +133,7 @@
 <file path=ppt/revisionInfo.xml><?xml version="1.0" encoding="utf-8"?>
 <p1510:revInfo xmlns:a="http://schemas.openxmlformats.org/drawingml/2006/main" xmlns:r="http://schemas.openxmlformats.org/officeDocument/2006/relationships" xmlns:p1510="http://schemas.microsoft.com/office/powerpoint/2015/10/main">
   <p1510:revLst>
-    <p1510:client id="{DAECEB32-C126-44A1-B729-3AADB1682972}" v="523" dt="2020-06-17T02:53:41.780"/>
+    <p1510:client id="{DAECEB32-C126-44A1-B729-3AADB1682972}" v="543" dt="2020-06-18T22:40:15.195"/>
   </p1510:revLst>
 </p1510:revInfo>
 </file>
@@ -141,7 +143,7 @@
   <pc:docChgLst>
     <pc:chgData name="Fernando C Correa" userId="a08d7f3c16d54179" providerId="LiveId" clId="{DAECEB32-C126-44A1-B729-3AADB1682972}"/>
     <pc:docChg chg="undo custSel addSld delSld modSld sldOrd">
-      <pc:chgData name="Fernando C Correa" userId="a08d7f3c16d54179" providerId="LiveId" clId="{DAECEB32-C126-44A1-B729-3AADB1682972}" dt="2020-06-17T15:51:28.331" v="2097" actId="1035"/>
+      <pc:chgData name="Fernando C Correa" userId="a08d7f3c16d54179" providerId="LiveId" clId="{DAECEB32-C126-44A1-B729-3AADB1682972}" dt="2020-06-18T22:40:15.195" v="2142"/>
       <pc:docMkLst>
         <pc:docMk/>
       </pc:docMkLst>
@@ -279,7 +281,7 @@
         </pc:picChg>
       </pc:sldChg>
       <pc:sldChg chg="addSp delSp modSp mod ord modAnim">
-        <pc:chgData name="Fernando C Correa" userId="a08d7f3c16d54179" providerId="LiveId" clId="{DAECEB32-C126-44A1-B729-3AADB1682972}" dt="2020-06-17T02:30:11.096" v="1735"/>
+        <pc:chgData name="Fernando C Correa" userId="a08d7f3c16d54179" providerId="LiveId" clId="{DAECEB32-C126-44A1-B729-3AADB1682972}" dt="2020-06-18T22:39:20.964" v="2135"/>
         <pc:sldMkLst>
           <pc:docMk/>
           <pc:sldMk cId="2582316661" sldId="287"/>
@@ -642,7 +644,7 @@
         </pc:picChg>
       </pc:sldChg>
       <pc:sldChg chg="addSp delSp modSp mod ord modAnim">
-        <pc:chgData name="Fernando C Correa" userId="a08d7f3c16d54179" providerId="LiveId" clId="{DAECEB32-C126-44A1-B729-3AADB1682972}" dt="2020-06-17T02:43:38.305" v="1946" actId="1035"/>
+        <pc:chgData name="Fernando C Correa" userId="a08d7f3c16d54179" providerId="LiveId" clId="{DAECEB32-C126-44A1-B729-3AADB1682972}" dt="2020-06-18T22:39:42.892" v="2138"/>
         <pc:sldMkLst>
           <pc:docMk/>
           <pc:sldMk cId="1133719789" sldId="292"/>
@@ -841,7 +843,7 @@
         </pc:picChg>
       </pc:sldChg>
       <pc:sldChg chg="addSp delSp modSp mod modAnim">
-        <pc:chgData name="Fernando C Correa" userId="a08d7f3c16d54179" providerId="LiveId" clId="{DAECEB32-C126-44A1-B729-3AADB1682972}" dt="2020-06-17T15:51:28.331" v="2097" actId="1035"/>
+        <pc:chgData name="Fernando C Correa" userId="a08d7f3c16d54179" providerId="LiveId" clId="{DAECEB32-C126-44A1-B729-3AADB1682972}" dt="2020-06-18T22:39:49.404" v="2140"/>
         <pc:sldMkLst>
           <pc:docMk/>
           <pc:sldMk cId="3697814180" sldId="294"/>
@@ -920,7 +922,7 @@
         </pc:picChg>
       </pc:sldChg>
       <pc:sldChg chg="addSp delSp modSp mod modAnim">
-        <pc:chgData name="Fernando C Correa" userId="a08d7f3c16d54179" providerId="LiveId" clId="{DAECEB32-C126-44A1-B729-3AADB1682972}" dt="2020-06-17T02:42:05.025" v="1932" actId="1035"/>
+        <pc:chgData name="Fernando C Correa" userId="a08d7f3c16d54179" providerId="LiveId" clId="{DAECEB32-C126-44A1-B729-3AADB1682972}" dt="2020-06-18T22:39:45.765" v="2139"/>
         <pc:sldMkLst>
           <pc:docMk/>
           <pc:sldMk cId="244390866" sldId="295"/>
@@ -1127,7 +1129,7 @@
         </pc:picChg>
       </pc:sldChg>
       <pc:sldChg chg="addSp delSp modSp mod ord delAnim modAnim">
-        <pc:chgData name="Fernando C Correa" userId="a08d7f3c16d54179" providerId="LiveId" clId="{DAECEB32-C126-44A1-B729-3AADB1682972}" dt="2020-06-17T02:40:29.529" v="1902" actId="1037"/>
+        <pc:chgData name="Fernando C Correa" userId="a08d7f3c16d54179" providerId="LiveId" clId="{DAECEB32-C126-44A1-B729-3AADB1682972}" dt="2020-06-18T22:39:31.583" v="2136"/>
         <pc:sldMkLst>
           <pc:docMk/>
           <pc:sldMk cId="2602158399" sldId="296"/>
@@ -1412,7 +1414,7 @@
         </pc:spChg>
       </pc:sldChg>
       <pc:sldChg chg="addSp delSp modSp mod modAnim">
-        <pc:chgData name="Fernando C Correa" userId="a08d7f3c16d54179" providerId="LiveId" clId="{DAECEB32-C126-44A1-B729-3AADB1682972}" dt="2020-06-17T02:30:45.288" v="1744"/>
+        <pc:chgData name="Fernando C Correa" userId="a08d7f3c16d54179" providerId="LiveId" clId="{DAECEB32-C126-44A1-B729-3AADB1682972}" dt="2020-06-18T22:40:08.667" v="2141"/>
         <pc:sldMkLst>
           <pc:docMk/>
           <pc:sldMk cId="2306638093" sldId="299"/>
@@ -1640,7 +1642,7 @@
         </pc:sldMkLst>
       </pc:sldChg>
       <pc:sldChg chg="addSp delSp modSp add mod delAnim modAnim">
-        <pc:chgData name="Fernando C Correa" userId="a08d7f3c16d54179" providerId="LiveId" clId="{DAECEB32-C126-44A1-B729-3AADB1682972}" dt="2020-06-17T02:40:29.846" v="1903" actId="1038"/>
+        <pc:chgData name="Fernando C Correa" userId="a08d7f3c16d54179" providerId="LiveId" clId="{DAECEB32-C126-44A1-B729-3AADB1682972}" dt="2020-06-18T22:39:34.202" v="2137"/>
         <pc:sldMkLst>
           <pc:docMk/>
           <pc:sldMk cId="1298849621" sldId="303"/>
@@ -1878,8 +1880,8 @@
           </ac:picMkLst>
         </pc:picChg>
       </pc:sldChg>
-      <pc:sldChg chg="addSp delSp modSp add mod modAnim">
-        <pc:chgData name="Fernando C Correa" userId="a08d7f3c16d54179" providerId="LiveId" clId="{DAECEB32-C126-44A1-B729-3AADB1682972}" dt="2020-06-17T02:30:23.844" v="1738"/>
+      <pc:sldChg chg="addSp delSp modSp add mod delAnim modAnim">
+        <pc:chgData name="Fernando C Correa" userId="a08d7f3c16d54179" providerId="LiveId" clId="{DAECEB32-C126-44A1-B729-3AADB1682972}" dt="2020-06-18T22:39:04.278" v="2134"/>
         <pc:sldMkLst>
           <pc:docMk/>
           <pc:sldMk cId="2190780406" sldId="304"/>
@@ -1948,17 +1950,41 @@
             <ac:picMk id="4" creationId="{CE59E904-DE2E-44FD-8FAC-39DBA644EE5C}"/>
           </ac:picMkLst>
         </pc:picChg>
-        <pc:picChg chg="add mod">
-          <ac:chgData name="Fernando C Correa" userId="a08d7f3c16d54179" providerId="LiveId" clId="{DAECEB32-C126-44A1-B729-3AADB1682972}" dt="2020-06-17T02:18:44.471" v="1524" actId="1076"/>
+        <pc:picChg chg="add del mod">
+          <ac:chgData name="Fernando C Correa" userId="a08d7f3c16d54179" providerId="LiveId" clId="{DAECEB32-C126-44A1-B729-3AADB1682972}" dt="2020-06-18T22:34:54.829" v="2117" actId="478"/>
+          <ac:picMkLst>
+            <pc:docMk/>
+            <pc:sldMk cId="2190780406" sldId="304"/>
+            <ac:picMk id="5" creationId="{89752C3D-A82D-43D5-9165-13EE32B69AE5}"/>
+          </ac:picMkLst>
+        </pc:picChg>
+        <pc:picChg chg="add del mod">
+          <ac:chgData name="Fernando C Correa" userId="a08d7f3c16d54179" providerId="LiveId" clId="{DAECEB32-C126-44A1-B729-3AADB1682972}" dt="2020-06-18T22:36:17.834" v="2124" actId="478"/>
+          <ac:picMkLst>
+            <pc:docMk/>
+            <pc:sldMk cId="2190780406" sldId="304"/>
+            <ac:picMk id="7" creationId="{91554513-C358-446F-ABDC-9AC81E9B4E24}"/>
+          </ac:picMkLst>
+        </pc:picChg>
+        <pc:picChg chg="add del mod">
+          <ac:chgData name="Fernando C Correa" userId="a08d7f3c16d54179" providerId="LiveId" clId="{DAECEB32-C126-44A1-B729-3AADB1682972}" dt="2020-06-18T22:33:16.915" v="2099" actId="478"/>
           <ac:picMkLst>
             <pc:docMk/>
             <pc:sldMk cId="2190780406" sldId="304"/>
             <ac:picMk id="15" creationId="{A03E8544-6208-4BA9-93EB-9C6D1B7FED2F}"/>
           </ac:picMkLst>
         </pc:picChg>
+        <pc:picChg chg="add mod">
+          <ac:chgData name="Fernando C Correa" userId="a08d7f3c16d54179" providerId="LiveId" clId="{DAECEB32-C126-44A1-B729-3AADB1682972}" dt="2020-06-18T22:38:54.383" v="2132" actId="1076"/>
+          <ac:picMkLst>
+            <pc:docMk/>
+            <pc:sldMk cId="2190780406" sldId="304"/>
+            <ac:picMk id="17" creationId="{08DAA0A6-4CA7-4D6E-B5EA-8E5E5D8DDEC5}"/>
+          </ac:picMkLst>
+        </pc:picChg>
       </pc:sldChg>
       <pc:sldChg chg="addSp delSp modSp add mod modAnim">
-        <pc:chgData name="Fernando C Correa" userId="a08d7f3c16d54179" providerId="LiveId" clId="{DAECEB32-C126-44A1-B729-3AADB1682972}" dt="2020-06-17T02:30:34.018" v="1741"/>
+        <pc:chgData name="Fernando C Correa" userId="a08d7f3c16d54179" providerId="LiveId" clId="{DAECEB32-C126-44A1-B729-3AADB1682972}" dt="2020-06-18T22:40:15.195" v="2142"/>
         <pc:sldMkLst>
           <pc:docMk/>
           <pc:sldMk cId="1108433508" sldId="305"/>
@@ -2106,6 +2132,29 @@
           </ac:spMkLst>
         </pc:spChg>
       </pc:sldChg>
+      <pc:sldChg chg="addSp delSp modSp add mod delAnim modAnim">
+        <pc:chgData name="Fernando C Correa" userId="a08d7f3c16d54179" providerId="LiveId" clId="{DAECEB32-C126-44A1-B729-3AADB1682972}" dt="2020-06-18T22:35:59.168" v="2122"/>
+        <pc:sldMkLst>
+          <pc:docMk/>
+          <pc:sldMk cId="1166053751" sldId="308"/>
+        </pc:sldMkLst>
+        <pc:picChg chg="add mod">
+          <ac:chgData name="Fernando C Correa" userId="a08d7f3c16d54179" providerId="LiveId" clId="{DAECEB32-C126-44A1-B729-3AADB1682972}" dt="2020-06-18T22:33:43.104" v="2107" actId="1076"/>
+          <ac:picMkLst>
+            <pc:docMk/>
+            <pc:sldMk cId="1166053751" sldId="308"/>
+            <ac:picMk id="5" creationId="{C0EB70A9-CA61-4D0B-9BF3-2C20CA891859}"/>
+          </ac:picMkLst>
+        </pc:picChg>
+        <pc:picChg chg="del">
+          <ac:chgData name="Fernando C Correa" userId="a08d7f3c16d54179" providerId="LiveId" clId="{DAECEB32-C126-44A1-B729-3AADB1682972}" dt="2020-06-18T22:33:19.238" v="2100" actId="478"/>
+          <ac:picMkLst>
+            <pc:docMk/>
+            <pc:sldMk cId="1166053751" sldId="308"/>
+            <ac:picMk id="15" creationId="{A03E8544-6208-4BA9-93EB-9C6D1B7FED2F}"/>
+          </ac:picMkLst>
+        </pc:picChg>
+      </pc:sldChg>
       <pc:sldChg chg="delSp modSp add del mod">
         <pc:chgData name="Fernando C Correa" userId="a08d7f3c16d54179" providerId="LiveId" clId="{DAECEB32-C126-44A1-B729-3AADB1682972}" dt="2020-06-17T02:31:03.540" v="1748" actId="47"/>
         <pc:sldMkLst>
@@ -2152,6 +2201,13 @@
             <ac:picMk id="18" creationId="{E06E4486-40EB-49C0-BDD4-6308F01F4996}"/>
           </ac:picMkLst>
         </pc:picChg>
+      </pc:sldChg>
+      <pc:sldChg chg="add">
+        <pc:chgData name="Fernando C Correa" userId="a08d7f3c16d54179" providerId="LiveId" clId="{DAECEB32-C126-44A1-B729-3AADB1682972}" dt="2020-06-18T22:36:15.291" v="2123"/>
+        <pc:sldMkLst>
+          <pc:docMk/>
+          <pc:sldMk cId="1834702266" sldId="309"/>
+        </pc:sldMkLst>
       </pc:sldChg>
     </pc:docChg>
   </pc:docChgLst>
@@ -27325,7 +27381,7 @@
           <a:p>
             <a:fld id="{25037C36-C8CA-4564-9B7E-8E9BA0061FB2}" type="datetimeFigureOut">
               <a:rPr lang="pt-BR" smtClean="0"/>
-              <a:t>17/06/2020</a:t>
+              <a:t>18/06/2020</a:t>
             </a:fld>
             <a:endParaRPr lang="pt-BR"/>
           </a:p>
@@ -27523,7 +27579,7 @@
           <a:p>
             <a:fld id="{25037C36-C8CA-4564-9B7E-8E9BA0061FB2}" type="datetimeFigureOut">
               <a:rPr lang="pt-BR" smtClean="0"/>
-              <a:t>17/06/2020</a:t>
+              <a:t>18/06/2020</a:t>
             </a:fld>
             <a:endParaRPr lang="pt-BR"/>
           </a:p>
@@ -27731,7 +27787,7 @@
           <a:p>
             <a:fld id="{25037C36-C8CA-4564-9B7E-8E9BA0061FB2}" type="datetimeFigureOut">
               <a:rPr lang="pt-BR" smtClean="0"/>
-              <a:t>17/06/2020</a:t>
+              <a:t>18/06/2020</a:t>
             </a:fld>
             <a:endParaRPr lang="pt-BR"/>
           </a:p>
@@ -27929,7 +27985,7 @@
           <a:p>
             <a:fld id="{25037C36-C8CA-4564-9B7E-8E9BA0061FB2}" type="datetimeFigureOut">
               <a:rPr lang="pt-BR" smtClean="0"/>
-              <a:t>17/06/2020</a:t>
+              <a:t>18/06/2020</a:t>
             </a:fld>
             <a:endParaRPr lang="pt-BR"/>
           </a:p>
@@ -28204,7 +28260,7 @@
           <a:p>
             <a:fld id="{25037C36-C8CA-4564-9B7E-8E9BA0061FB2}" type="datetimeFigureOut">
               <a:rPr lang="pt-BR" smtClean="0"/>
-              <a:t>17/06/2020</a:t>
+              <a:t>18/06/2020</a:t>
             </a:fld>
             <a:endParaRPr lang="pt-BR"/>
           </a:p>
@@ -28469,7 +28525,7 @@
           <a:p>
             <a:fld id="{25037C36-C8CA-4564-9B7E-8E9BA0061FB2}" type="datetimeFigureOut">
               <a:rPr lang="pt-BR" smtClean="0"/>
-              <a:t>17/06/2020</a:t>
+              <a:t>18/06/2020</a:t>
             </a:fld>
             <a:endParaRPr lang="pt-BR"/>
           </a:p>
@@ -28881,7 +28937,7 @@
           <a:p>
             <a:fld id="{25037C36-C8CA-4564-9B7E-8E9BA0061FB2}" type="datetimeFigureOut">
               <a:rPr lang="pt-BR" smtClean="0"/>
-              <a:t>17/06/2020</a:t>
+              <a:t>18/06/2020</a:t>
             </a:fld>
             <a:endParaRPr lang="pt-BR"/>
           </a:p>
@@ -29022,7 +29078,7 @@
           <a:p>
             <a:fld id="{25037C36-C8CA-4564-9B7E-8E9BA0061FB2}" type="datetimeFigureOut">
               <a:rPr lang="pt-BR" smtClean="0"/>
-              <a:t>17/06/2020</a:t>
+              <a:t>18/06/2020</a:t>
             </a:fld>
             <a:endParaRPr lang="pt-BR"/>
           </a:p>
@@ -29135,7 +29191,7 @@
           <a:p>
             <a:fld id="{25037C36-C8CA-4564-9B7E-8E9BA0061FB2}" type="datetimeFigureOut">
               <a:rPr lang="pt-BR" smtClean="0"/>
-              <a:t>17/06/2020</a:t>
+              <a:t>18/06/2020</a:t>
             </a:fld>
             <a:endParaRPr lang="pt-BR"/>
           </a:p>
@@ -29446,7 +29502,7 @@
           <a:p>
             <a:fld id="{25037C36-C8CA-4564-9B7E-8E9BA0061FB2}" type="datetimeFigureOut">
               <a:rPr lang="pt-BR" smtClean="0"/>
-              <a:t>17/06/2020</a:t>
+              <a:t>18/06/2020</a:t>
             </a:fld>
             <a:endParaRPr lang="pt-BR"/>
           </a:p>
@@ -29734,7 +29790,7 @@
           <a:p>
             <a:fld id="{25037C36-C8CA-4564-9B7E-8E9BA0061FB2}" type="datetimeFigureOut">
               <a:rPr lang="pt-BR" smtClean="0"/>
-              <a:t>17/06/2020</a:t>
+              <a:t>18/06/2020</a:t>
             </a:fld>
             <a:endParaRPr lang="pt-BR"/>
           </a:p>
@@ -29975,7 +30031,7 @@
           <a:p>
             <a:fld id="{25037C36-C8CA-4564-9B7E-8E9BA0061FB2}" type="datetimeFigureOut">
               <a:rPr lang="pt-BR" smtClean="0"/>
-              <a:t>17/06/2020</a:t>
+              <a:t>18/06/2020</a:t>
             </a:fld>
             <a:endParaRPr lang="pt-BR"/>
           </a:p>
@@ -33702,105 +33758,6 @@
                       </p:childTnLst>
                     </p:cTn>
                   </p:par>
-                  <p:par>
-                    <p:cTn id="10" fill="hold">
-                      <p:stCondLst>
-                        <p:cond delay="indefinite"/>
-                      </p:stCondLst>
-                      <p:childTnLst>
-                        <p:par>
-                          <p:cTn id="11" fill="hold">
-                            <p:stCondLst>
-                              <p:cond delay="0"/>
-                            </p:stCondLst>
-                            <p:childTnLst>
-                              <p:par>
-                                <p:cTn id="12" presetID="53" presetClass="exit" presetSubtype="32" fill="hold" nodeType="clickEffect">
-                                  <p:stCondLst>
-                                    <p:cond delay="0"/>
-                                  </p:stCondLst>
-                                  <p:childTnLst>
-                                    <p:anim calcmode="lin" valueType="num">
-                                      <p:cBhvr>
-                                        <p:cTn id="13" dur="500"/>
-                                        <p:tgtEl>
-                                          <p:spTgt spid="4"/>
-                                        </p:tgtEl>
-                                        <p:attrNameLst>
-                                          <p:attrName>ppt_w</p:attrName>
-                                        </p:attrNameLst>
-                                      </p:cBhvr>
-                                      <p:tavLst>
-                                        <p:tav tm="0">
-                                          <p:val>
-                                            <p:strVal val="ppt_w"/>
-                                          </p:val>
-                                        </p:tav>
-                                        <p:tav tm="100000">
-                                          <p:val>
-                                            <p:fltVal val="0"/>
-                                          </p:val>
-                                        </p:tav>
-                                      </p:tavLst>
-                                    </p:anim>
-                                    <p:anim calcmode="lin" valueType="num">
-                                      <p:cBhvr>
-                                        <p:cTn id="14" dur="500"/>
-                                        <p:tgtEl>
-                                          <p:spTgt spid="4"/>
-                                        </p:tgtEl>
-                                        <p:attrNameLst>
-                                          <p:attrName>ppt_h</p:attrName>
-                                        </p:attrNameLst>
-                                      </p:cBhvr>
-                                      <p:tavLst>
-                                        <p:tav tm="0">
-                                          <p:val>
-                                            <p:strVal val="ppt_h"/>
-                                          </p:val>
-                                        </p:tav>
-                                        <p:tav tm="100000">
-                                          <p:val>
-                                            <p:fltVal val="0"/>
-                                          </p:val>
-                                        </p:tav>
-                                      </p:tavLst>
-                                    </p:anim>
-                                    <p:animEffect transition="out" filter="fade">
-                                      <p:cBhvr>
-                                        <p:cTn id="15" dur="500"/>
-                                        <p:tgtEl>
-                                          <p:spTgt spid="4"/>
-                                        </p:tgtEl>
-                                      </p:cBhvr>
-                                    </p:animEffect>
-                                    <p:set>
-                                      <p:cBhvr>
-                                        <p:cTn id="16" dur="1" fill="hold">
-                                          <p:stCondLst>
-                                            <p:cond delay="499"/>
-                                          </p:stCondLst>
-                                        </p:cTn>
-                                        <p:tgtEl>
-                                          <p:spTgt spid="4"/>
-                                        </p:tgtEl>
-                                        <p:attrNameLst>
-                                          <p:attrName>style.visibility</p:attrName>
-                                        </p:attrNameLst>
-                                      </p:cBhvr>
-                                      <p:to>
-                                        <p:strVal val="hidden"/>
-                                      </p:to>
-                                    </p:set>
-                                  </p:childTnLst>
-                                </p:cTn>
-                              </p:par>
-                            </p:childTnLst>
-                          </p:cTn>
-                        </p:par>
-                      </p:childTnLst>
-                    </p:cTn>
-                  </p:par>
                 </p:childTnLst>
               </p:cTn>
               <p:prevCondLst>
@@ -34378,42 +34335,6 @@
           </a:p>
         </p:txBody>
       </p:sp>
-      <p:pic>
-        <p:nvPicPr>
-          <p:cNvPr id="15" name="Imagem 14" descr="Tela de celular com texto preto sobre fundo branco&#10;&#10;Descrição gerada automaticamente">
-            <a:extLst>
-              <a:ext uri="{FF2B5EF4-FFF2-40B4-BE49-F238E27FC236}">
-                <a16:creationId xmlns:a16="http://schemas.microsoft.com/office/drawing/2014/main" id="{A03E8544-6208-4BA9-93EB-9C6D1B7FED2F}"/>
-              </a:ext>
-            </a:extLst>
-          </p:cNvPr>
-          <p:cNvPicPr>
-            <a:picLocks noChangeAspect="1"/>
-          </p:cNvPicPr>
-          <p:nvPr/>
-        </p:nvPicPr>
-        <p:blipFill>
-          <a:blip r:embed="rId2">
-            <a:extLst>
-              <a:ext uri="{28A0092B-C50C-407E-A947-70E740481C1C}">
-                <a14:useLocalDpi xmlns:a14="http://schemas.microsoft.com/office/drawing/2010/main" val="0"/>
-              </a:ext>
-            </a:extLst>
-          </a:blip>
-          <a:stretch>
-            <a:fillRect/>
-          </a:stretch>
-        </p:blipFill>
-        <p:spPr>
-          <a:xfrm>
-            <a:off x="3486149" y="1924032"/>
-            <a:ext cx="8447149" cy="3592465"/>
-          </a:xfrm>
-          <a:prstGeom prst="rect">
-            <a:avLst/>
-          </a:prstGeom>
-        </p:spPr>
-      </p:pic>
       <p:sp>
         <p:nvSpPr>
           <p:cNvPr id="16" name="CaixaDeTexto 15">
@@ -34485,6 +34406,42 @@
           </a:p>
         </p:txBody>
       </p:sp>
+      <p:pic>
+        <p:nvPicPr>
+          <p:cNvPr id="17" name="Imagem 16" descr="Tela de celular com texto preto sobre fundo branco&#10;&#10;Descrição gerada automaticamente">
+            <a:extLst>
+              <a:ext uri="{FF2B5EF4-FFF2-40B4-BE49-F238E27FC236}">
+                <a16:creationId xmlns:a16="http://schemas.microsoft.com/office/drawing/2014/main" id="{08DAA0A6-4CA7-4D6E-B5EA-8E5E5D8DDEC5}"/>
+              </a:ext>
+            </a:extLst>
+          </p:cNvPr>
+          <p:cNvPicPr>
+            <a:picLocks noChangeAspect="1"/>
+          </p:cNvPicPr>
+          <p:nvPr/>
+        </p:nvPicPr>
+        <p:blipFill>
+          <a:blip r:embed="rId2">
+            <a:extLst>
+              <a:ext uri="{28A0092B-C50C-407E-A947-70E740481C1C}">
+                <a14:useLocalDpi xmlns:a14="http://schemas.microsoft.com/office/drawing/2010/main" val="0"/>
+              </a:ext>
+            </a:extLst>
+          </a:blip>
+          <a:stretch>
+            <a:fillRect/>
+          </a:stretch>
+        </p:blipFill>
+        <p:spPr>
+          <a:xfrm>
+            <a:off x="3368462" y="1691786"/>
+            <a:ext cx="8692699" cy="3687625"/>
+          </a:xfrm>
+          <a:prstGeom prst="rect">
+            <a:avLst/>
+          </a:prstGeom>
+        </p:spPr>
+      </p:pic>
     </p:spTree>
     <p:extLst>
       <p:ext uri="{BB962C8B-B14F-4D97-AF65-F5344CB8AC3E}">
@@ -34532,7 +34489,7 @@
                                           </p:stCondLst>
                                         </p:cTn>
                                         <p:tgtEl>
-                                          <p:spTgt spid="15"/>
+                                          <p:spTgt spid="17"/>
                                         </p:tgtEl>
                                         <p:attrNameLst>
                                           <p:attrName>style.visibility</p:attrName>
@@ -34546,7 +34503,7 @@
                                       <p:cBhvr>
                                         <p:cTn id="7" dur="500" fill="hold"/>
                                         <p:tgtEl>
-                                          <p:spTgt spid="15"/>
+                                          <p:spTgt spid="17"/>
                                         </p:tgtEl>
                                         <p:attrNameLst>
                                           <p:attrName>ppt_w</p:attrName>
@@ -34569,7 +34526,7 @@
                                       <p:cBhvr>
                                         <p:cTn id="8" dur="500" fill="hold"/>
                                         <p:tgtEl>
-                                          <p:spTgt spid="15"/>
+                                          <p:spTgt spid="17"/>
                                         </p:tgtEl>
                                         <p:attrNameLst>
                                           <p:attrName>ppt_h</p:attrName>
@@ -34592,109 +34549,10 @@
                                       <p:cBhvr>
                                         <p:cTn id="9" dur="500"/>
                                         <p:tgtEl>
-                                          <p:spTgt spid="15"/>
+                                          <p:spTgt spid="17"/>
                                         </p:tgtEl>
                                       </p:cBhvr>
                                     </p:animEffect>
-                                  </p:childTnLst>
-                                </p:cTn>
-                              </p:par>
-                            </p:childTnLst>
-                          </p:cTn>
-                        </p:par>
-                      </p:childTnLst>
-                    </p:cTn>
-                  </p:par>
-                  <p:par>
-                    <p:cTn id="10" fill="hold">
-                      <p:stCondLst>
-                        <p:cond delay="indefinite"/>
-                      </p:stCondLst>
-                      <p:childTnLst>
-                        <p:par>
-                          <p:cTn id="11" fill="hold">
-                            <p:stCondLst>
-                              <p:cond delay="0"/>
-                            </p:stCondLst>
-                            <p:childTnLst>
-                              <p:par>
-                                <p:cTn id="12" presetID="53" presetClass="exit" presetSubtype="32" fill="hold" nodeType="clickEffect">
-                                  <p:stCondLst>
-                                    <p:cond delay="0"/>
-                                  </p:stCondLst>
-                                  <p:childTnLst>
-                                    <p:anim calcmode="lin" valueType="num">
-                                      <p:cBhvr>
-                                        <p:cTn id="13" dur="500"/>
-                                        <p:tgtEl>
-                                          <p:spTgt spid="15"/>
-                                        </p:tgtEl>
-                                        <p:attrNameLst>
-                                          <p:attrName>ppt_w</p:attrName>
-                                        </p:attrNameLst>
-                                      </p:cBhvr>
-                                      <p:tavLst>
-                                        <p:tav tm="0">
-                                          <p:val>
-                                            <p:strVal val="ppt_w"/>
-                                          </p:val>
-                                        </p:tav>
-                                        <p:tav tm="100000">
-                                          <p:val>
-                                            <p:fltVal val="0"/>
-                                          </p:val>
-                                        </p:tav>
-                                      </p:tavLst>
-                                    </p:anim>
-                                    <p:anim calcmode="lin" valueType="num">
-                                      <p:cBhvr>
-                                        <p:cTn id="14" dur="500"/>
-                                        <p:tgtEl>
-                                          <p:spTgt spid="15"/>
-                                        </p:tgtEl>
-                                        <p:attrNameLst>
-                                          <p:attrName>ppt_h</p:attrName>
-                                        </p:attrNameLst>
-                                      </p:cBhvr>
-                                      <p:tavLst>
-                                        <p:tav tm="0">
-                                          <p:val>
-                                            <p:strVal val="ppt_h"/>
-                                          </p:val>
-                                        </p:tav>
-                                        <p:tav tm="100000">
-                                          <p:val>
-                                            <p:fltVal val="0"/>
-                                          </p:val>
-                                        </p:tav>
-                                      </p:tavLst>
-                                    </p:anim>
-                                    <p:animEffect transition="out" filter="fade">
-                                      <p:cBhvr>
-                                        <p:cTn id="15" dur="500"/>
-                                        <p:tgtEl>
-                                          <p:spTgt spid="15"/>
-                                        </p:tgtEl>
-                                      </p:cBhvr>
-                                    </p:animEffect>
-                                    <p:set>
-                                      <p:cBhvr>
-                                        <p:cTn id="16" dur="1" fill="hold">
-                                          <p:stCondLst>
-                                            <p:cond delay="499"/>
-                                          </p:stCondLst>
-                                        </p:cTn>
-                                        <p:tgtEl>
-                                          <p:spTgt spid="15"/>
-                                        </p:tgtEl>
-                                        <p:attrNameLst>
-                                          <p:attrName>style.visibility</p:attrName>
-                                        </p:attrNameLst>
-                                      </p:cBhvr>
-                                      <p:to>
-                                        <p:strVal val="hidden"/>
-                                      </p:to>
-                                    </p:set>
                                   </p:childTnLst>
                                 </p:cTn>
                               </p:par>
@@ -34730,6 +34588,1614 @@
 </file>
 
 <file path=ppt/slides/slide15.xml><?xml version="1.0" encoding="utf-8"?>
+<p:sld xmlns:a="http://schemas.openxmlformats.org/drawingml/2006/main" xmlns:r="http://schemas.openxmlformats.org/officeDocument/2006/relationships" xmlns:p="http://schemas.openxmlformats.org/presentationml/2006/main">
+  <p:cSld>
+    <p:spTree>
+      <p:nvGrpSpPr>
+        <p:cNvPr id="1" name=""/>
+        <p:cNvGrpSpPr/>
+        <p:nvPr/>
+      </p:nvGrpSpPr>
+      <p:grpSpPr>
+        <a:xfrm>
+          <a:off x="0" y="0"/>
+          <a:ext cx="0" cy="0"/>
+          <a:chOff x="0" y="0"/>
+          <a:chExt cx="0" cy="0"/>
+        </a:xfrm>
+      </p:grpSpPr>
+      <p:sp useBgFill="1">
+        <p:nvSpPr>
+          <p:cNvPr id="10" name="Rectangle 9"/>
+          <p:cNvSpPr>
+            <a:spLocks noGrp="1" noRot="1" noChangeAspect="1" noMove="1" noResize="1" noEditPoints="1" noAdjustHandles="1" noChangeArrowheads="1" noChangeShapeType="1" noTextEdit="1"/>
+          </p:cNvSpPr>
+          <p:nvPr/>
+        </p:nvSpPr>
+        <p:spPr>
+          <a:xfrm>
+            <a:off x="0" y="0"/>
+            <a:ext cx="12192000" cy="6858000"/>
+          </a:xfrm>
+          <a:prstGeom prst="rect">
+            <a:avLst/>
+          </a:prstGeom>
+          <a:ln>
+            <a:noFill/>
+          </a:ln>
+        </p:spPr>
+        <p:style>
+          <a:lnRef idx="2">
+            <a:schemeClr val="accent1">
+              <a:shade val="50000"/>
+            </a:schemeClr>
+          </a:lnRef>
+          <a:fillRef idx="1">
+            <a:schemeClr val="accent1"/>
+          </a:fillRef>
+          <a:effectRef idx="0">
+            <a:schemeClr val="accent1"/>
+          </a:effectRef>
+          <a:fontRef idx="minor">
+            <a:schemeClr val="lt1"/>
+          </a:fontRef>
+        </p:style>
+        <p:txBody>
+          <a:bodyPr rtlCol="0" anchor="ctr"/>
+          <a:lstStyle/>
+          <a:p>
+            <a:pPr algn="ctr"/>
+            <a:endParaRPr lang="en-US" dirty="0"/>
+          </a:p>
+        </p:txBody>
+      </p:sp>
+      <p:sp>
+        <p:nvSpPr>
+          <p:cNvPr id="2" name="Título 1"/>
+          <p:cNvSpPr>
+            <a:spLocks noGrp="1"/>
+          </p:cNvSpPr>
+          <p:nvPr>
+            <p:ph type="title"/>
+          </p:nvPr>
+        </p:nvSpPr>
+        <p:spPr>
+          <a:xfrm>
+            <a:off x="1812897" y="518649"/>
+            <a:ext cx="9882278" cy="1067634"/>
+          </a:xfrm>
+        </p:spPr>
+        <p:txBody>
+          <a:bodyPr anchor="ctr">
+            <a:normAutofit/>
+          </a:bodyPr>
+          <a:lstStyle/>
+          <a:p>
+            <a:r>
+              <a:rPr lang="pt-BR" dirty="0"/>
+              <a:t>Aplicação</a:t>
+            </a:r>
+          </a:p>
+        </p:txBody>
+      </p:sp>
+      <p:grpSp>
+        <p:nvGrpSpPr>
+          <p:cNvPr id="12" name="Group 11"/>
+          <p:cNvGrpSpPr>
+            <a:grpSpLocks noGrp="1" noUngrp="1" noRot="1" noChangeAspect="1" noMove="1" noResize="1"/>
+          </p:cNvGrpSpPr>
+          <p:nvPr/>
+        </p:nvGrpSpPr>
+        <p:grpSpPr>
+          <a:xfrm>
+            <a:off x="472021" y="628863"/>
+            <a:ext cx="1128382" cy="847206"/>
+            <a:chOff x="8183879" y="1000124"/>
+            <a:chExt cx="1562267" cy="1172973"/>
+          </a:xfrm>
+        </p:grpSpPr>
+        <p:sp>
+          <p:nvSpPr>
+            <p:cNvPr id="13" name="Freeform 5"/>
+            <p:cNvSpPr/>
+            <p:nvPr/>
+          </p:nvSpPr>
+          <p:spPr bwMode="auto">
+            <a:xfrm>
+              <a:off x="8183879" y="1348782"/>
+              <a:ext cx="935037" cy="824315"/>
+            </a:xfrm>
+            <a:custGeom>
+              <a:avLst/>
+              <a:gdLst>
+                <a:gd name="T0" fmla="*/ 225 w 785"/>
+                <a:gd name="T1" fmla="*/ 692 h 692"/>
+                <a:gd name="T2" fmla="*/ 177 w 785"/>
+                <a:gd name="T3" fmla="*/ 665 h 692"/>
+                <a:gd name="T4" fmla="*/ 9 w 785"/>
+                <a:gd name="T5" fmla="*/ 374 h 692"/>
+                <a:gd name="T6" fmla="*/ 9 w 785"/>
+                <a:gd name="T7" fmla="*/ 318 h 692"/>
+                <a:gd name="T8" fmla="*/ 177 w 785"/>
+                <a:gd name="T9" fmla="*/ 27 h 692"/>
+                <a:gd name="T10" fmla="*/ 225 w 785"/>
+                <a:gd name="T11" fmla="*/ 0 h 692"/>
+                <a:gd name="T12" fmla="*/ 561 w 785"/>
+                <a:gd name="T13" fmla="*/ 0 h 692"/>
+                <a:gd name="T14" fmla="*/ 609 w 785"/>
+                <a:gd name="T15" fmla="*/ 27 h 692"/>
+                <a:gd name="T16" fmla="*/ 777 w 785"/>
+                <a:gd name="T17" fmla="*/ 318 h 692"/>
+                <a:gd name="T18" fmla="*/ 777 w 785"/>
+                <a:gd name="T19" fmla="*/ 374 h 692"/>
+                <a:gd name="T20" fmla="*/ 609 w 785"/>
+                <a:gd name="T21" fmla="*/ 665 h 692"/>
+                <a:gd name="T22" fmla="*/ 561 w 785"/>
+                <a:gd name="T23" fmla="*/ 692 h 692"/>
+                <a:gd name="T24" fmla="*/ 225 w 785"/>
+                <a:gd name="T25" fmla="*/ 692 h 692"/>
+              </a:gdLst>
+              <a:ahLst/>
+              <a:cxnLst>
+                <a:cxn ang="0">
+                  <a:pos x="T0" y="T1"/>
+                </a:cxn>
+                <a:cxn ang="0">
+                  <a:pos x="T2" y="T3"/>
+                </a:cxn>
+                <a:cxn ang="0">
+                  <a:pos x="T4" y="T5"/>
+                </a:cxn>
+                <a:cxn ang="0">
+                  <a:pos x="T6" y="T7"/>
+                </a:cxn>
+                <a:cxn ang="0">
+                  <a:pos x="T8" y="T9"/>
+                </a:cxn>
+                <a:cxn ang="0">
+                  <a:pos x="T10" y="T11"/>
+                </a:cxn>
+                <a:cxn ang="0">
+                  <a:pos x="T12" y="T13"/>
+                </a:cxn>
+                <a:cxn ang="0">
+                  <a:pos x="T14" y="T15"/>
+                </a:cxn>
+                <a:cxn ang="0">
+                  <a:pos x="T16" y="T17"/>
+                </a:cxn>
+                <a:cxn ang="0">
+                  <a:pos x="T18" y="T19"/>
+                </a:cxn>
+                <a:cxn ang="0">
+                  <a:pos x="T20" y="T21"/>
+                </a:cxn>
+                <a:cxn ang="0">
+                  <a:pos x="T22" y="T23"/>
+                </a:cxn>
+                <a:cxn ang="0">
+                  <a:pos x="T24" y="T25"/>
+                </a:cxn>
+              </a:cxnLst>
+              <a:rect l="0" t="0" r="r" b="b"/>
+              <a:pathLst>
+                <a:path w="785" h="692">
+                  <a:moveTo>
+                    <a:pt x="225" y="692"/>
+                  </a:moveTo>
+                  <a:cubicBezTo>
+                    <a:pt x="207" y="692"/>
+                    <a:pt x="185" y="680"/>
+                    <a:pt x="177" y="665"/>
+                  </a:cubicBezTo>
+                  <a:cubicBezTo>
+                    <a:pt x="9" y="374"/>
+                    <a:pt x="9" y="374"/>
+                    <a:pt x="9" y="374"/>
+                  </a:cubicBezTo>
+                  <a:cubicBezTo>
+                    <a:pt x="0" y="358"/>
+                    <a:pt x="0" y="334"/>
+                    <a:pt x="9" y="318"/>
+                  </a:cubicBezTo>
+                  <a:cubicBezTo>
+                    <a:pt x="177" y="27"/>
+                    <a:pt x="177" y="27"/>
+                    <a:pt x="177" y="27"/>
+                  </a:cubicBezTo>
+                  <a:cubicBezTo>
+                    <a:pt x="185" y="12"/>
+                    <a:pt x="207" y="0"/>
+                    <a:pt x="225" y="0"/>
+                  </a:cubicBezTo>
+                  <a:cubicBezTo>
+                    <a:pt x="561" y="0"/>
+                    <a:pt x="561" y="0"/>
+                    <a:pt x="561" y="0"/>
+                  </a:cubicBezTo>
+                  <a:cubicBezTo>
+                    <a:pt x="578" y="0"/>
+                    <a:pt x="600" y="12"/>
+                    <a:pt x="609" y="27"/>
+                  </a:cubicBezTo>
+                  <a:cubicBezTo>
+                    <a:pt x="777" y="318"/>
+                    <a:pt x="777" y="318"/>
+                    <a:pt x="777" y="318"/>
+                  </a:cubicBezTo>
+                  <a:cubicBezTo>
+                    <a:pt x="785" y="334"/>
+                    <a:pt x="785" y="358"/>
+                    <a:pt x="777" y="374"/>
+                  </a:cubicBezTo>
+                  <a:cubicBezTo>
+                    <a:pt x="609" y="665"/>
+                    <a:pt x="609" y="665"/>
+                    <a:pt x="609" y="665"/>
+                  </a:cubicBezTo>
+                  <a:cubicBezTo>
+                    <a:pt x="600" y="680"/>
+                    <a:pt x="578" y="692"/>
+                    <a:pt x="561" y="692"/>
+                  </a:cubicBezTo>
+                  <a:lnTo>
+                    <a:pt x="225" y="692"/>
+                  </a:lnTo>
+                  <a:close/>
+                </a:path>
+              </a:pathLst>
+            </a:custGeom>
+            <a:noFill/>
+            <a:ln w="28575" cmpd="sng">
+              <a:solidFill>
+                <a:schemeClr val="tx1"/>
+              </a:solidFill>
+            </a:ln>
+          </p:spPr>
+          <p:txBody>
+            <a:bodyPr vert="horz" wrap="square" lIns="91440" tIns="45720" rIns="91440" bIns="45720" numCol="1" anchor="t" anchorCtr="0" compatLnSpc="1"/>
+            <a:lstStyle/>
+            <a:p>
+              <a:endParaRPr lang="en-US"/>
+            </a:p>
+          </p:txBody>
+        </p:sp>
+        <p:sp>
+          <p:nvSpPr>
+            <p:cNvPr id="14" name="Freeform 5"/>
+            <p:cNvSpPr/>
+            <p:nvPr/>
+          </p:nvSpPr>
+          <p:spPr bwMode="auto">
+            <a:xfrm>
+              <a:off x="8983979" y="1000124"/>
+              <a:ext cx="762167" cy="671915"/>
+            </a:xfrm>
+            <a:custGeom>
+              <a:avLst/>
+              <a:gdLst>
+                <a:gd name="T0" fmla="*/ 225 w 785"/>
+                <a:gd name="T1" fmla="*/ 692 h 692"/>
+                <a:gd name="T2" fmla="*/ 177 w 785"/>
+                <a:gd name="T3" fmla="*/ 665 h 692"/>
+                <a:gd name="T4" fmla="*/ 9 w 785"/>
+                <a:gd name="T5" fmla="*/ 374 h 692"/>
+                <a:gd name="T6" fmla="*/ 9 w 785"/>
+                <a:gd name="T7" fmla="*/ 318 h 692"/>
+                <a:gd name="T8" fmla="*/ 177 w 785"/>
+                <a:gd name="T9" fmla="*/ 27 h 692"/>
+                <a:gd name="T10" fmla="*/ 225 w 785"/>
+                <a:gd name="T11" fmla="*/ 0 h 692"/>
+                <a:gd name="T12" fmla="*/ 561 w 785"/>
+                <a:gd name="T13" fmla="*/ 0 h 692"/>
+                <a:gd name="T14" fmla="*/ 609 w 785"/>
+                <a:gd name="T15" fmla="*/ 27 h 692"/>
+                <a:gd name="T16" fmla="*/ 777 w 785"/>
+                <a:gd name="T17" fmla="*/ 318 h 692"/>
+                <a:gd name="T18" fmla="*/ 777 w 785"/>
+                <a:gd name="T19" fmla="*/ 374 h 692"/>
+                <a:gd name="T20" fmla="*/ 609 w 785"/>
+                <a:gd name="T21" fmla="*/ 665 h 692"/>
+                <a:gd name="T22" fmla="*/ 561 w 785"/>
+                <a:gd name="T23" fmla="*/ 692 h 692"/>
+                <a:gd name="T24" fmla="*/ 225 w 785"/>
+                <a:gd name="T25" fmla="*/ 692 h 692"/>
+              </a:gdLst>
+              <a:ahLst/>
+              <a:cxnLst>
+                <a:cxn ang="0">
+                  <a:pos x="T0" y="T1"/>
+                </a:cxn>
+                <a:cxn ang="0">
+                  <a:pos x="T2" y="T3"/>
+                </a:cxn>
+                <a:cxn ang="0">
+                  <a:pos x="T4" y="T5"/>
+                </a:cxn>
+                <a:cxn ang="0">
+                  <a:pos x="T6" y="T7"/>
+                </a:cxn>
+                <a:cxn ang="0">
+                  <a:pos x="T8" y="T9"/>
+                </a:cxn>
+                <a:cxn ang="0">
+                  <a:pos x="T10" y="T11"/>
+                </a:cxn>
+                <a:cxn ang="0">
+                  <a:pos x="T12" y="T13"/>
+                </a:cxn>
+                <a:cxn ang="0">
+                  <a:pos x="T14" y="T15"/>
+                </a:cxn>
+                <a:cxn ang="0">
+                  <a:pos x="T16" y="T17"/>
+                </a:cxn>
+                <a:cxn ang="0">
+                  <a:pos x="T18" y="T19"/>
+                </a:cxn>
+                <a:cxn ang="0">
+                  <a:pos x="T20" y="T21"/>
+                </a:cxn>
+                <a:cxn ang="0">
+                  <a:pos x="T22" y="T23"/>
+                </a:cxn>
+                <a:cxn ang="0">
+                  <a:pos x="T24" y="T25"/>
+                </a:cxn>
+              </a:cxnLst>
+              <a:rect l="0" t="0" r="r" b="b"/>
+              <a:pathLst>
+                <a:path w="785" h="692">
+                  <a:moveTo>
+                    <a:pt x="225" y="692"/>
+                  </a:moveTo>
+                  <a:cubicBezTo>
+                    <a:pt x="207" y="692"/>
+                    <a:pt x="185" y="680"/>
+                    <a:pt x="177" y="665"/>
+                  </a:cubicBezTo>
+                  <a:cubicBezTo>
+                    <a:pt x="9" y="374"/>
+                    <a:pt x="9" y="374"/>
+                    <a:pt x="9" y="374"/>
+                  </a:cubicBezTo>
+                  <a:cubicBezTo>
+                    <a:pt x="0" y="358"/>
+                    <a:pt x="0" y="334"/>
+                    <a:pt x="9" y="318"/>
+                  </a:cubicBezTo>
+                  <a:cubicBezTo>
+                    <a:pt x="177" y="27"/>
+                    <a:pt x="177" y="27"/>
+                    <a:pt x="177" y="27"/>
+                  </a:cubicBezTo>
+                  <a:cubicBezTo>
+                    <a:pt x="185" y="12"/>
+                    <a:pt x="207" y="0"/>
+                    <a:pt x="225" y="0"/>
+                  </a:cubicBezTo>
+                  <a:cubicBezTo>
+                    <a:pt x="561" y="0"/>
+                    <a:pt x="561" y="0"/>
+                    <a:pt x="561" y="0"/>
+                  </a:cubicBezTo>
+                  <a:cubicBezTo>
+                    <a:pt x="578" y="0"/>
+                    <a:pt x="600" y="12"/>
+                    <a:pt x="609" y="27"/>
+                  </a:cubicBezTo>
+                  <a:cubicBezTo>
+                    <a:pt x="777" y="318"/>
+                    <a:pt x="777" y="318"/>
+                    <a:pt x="777" y="318"/>
+                  </a:cubicBezTo>
+                  <a:cubicBezTo>
+                    <a:pt x="785" y="334"/>
+                    <a:pt x="785" y="358"/>
+                    <a:pt x="777" y="374"/>
+                  </a:cubicBezTo>
+                  <a:cubicBezTo>
+                    <a:pt x="609" y="665"/>
+                    <a:pt x="609" y="665"/>
+                    <a:pt x="609" y="665"/>
+                  </a:cubicBezTo>
+                  <a:cubicBezTo>
+                    <a:pt x="600" y="680"/>
+                    <a:pt x="578" y="692"/>
+                    <a:pt x="561" y="692"/>
+                  </a:cubicBezTo>
+                  <a:lnTo>
+                    <a:pt x="225" y="692"/>
+                  </a:lnTo>
+                  <a:close/>
+                </a:path>
+              </a:pathLst>
+            </a:custGeom>
+            <a:noFill/>
+            <a:ln w="28575" cmpd="sng">
+              <a:solidFill>
+                <a:schemeClr val="tx1"/>
+              </a:solidFill>
+            </a:ln>
+          </p:spPr>
+          <p:txBody>
+            <a:bodyPr vert="horz" wrap="square" lIns="91440" tIns="45720" rIns="91440" bIns="45720" numCol="1" anchor="t" anchorCtr="0" compatLnSpc="1"/>
+            <a:lstStyle/>
+            <a:p>
+              <a:endParaRPr lang="en-US"/>
+            </a:p>
+          </p:txBody>
+        </p:sp>
+      </p:grpSp>
+      <p:sp>
+        <p:nvSpPr>
+          <p:cNvPr id="3" name="CaixaDeTexto 2">
+            <a:extLst>
+              <a:ext uri="{FF2B5EF4-FFF2-40B4-BE49-F238E27FC236}">
+                <a16:creationId xmlns:a16="http://schemas.microsoft.com/office/drawing/2014/main" id="{19035CAF-1C8B-4AE3-8033-3A58E61E6860}"/>
+              </a:ext>
+            </a:extLst>
+          </p:cNvPr>
+          <p:cNvSpPr txBox="1"/>
+          <p:nvPr/>
+        </p:nvSpPr>
+        <p:spPr>
+          <a:xfrm>
+            <a:off x="496827" y="2172092"/>
+            <a:ext cx="3288958" cy="369332"/>
+          </a:xfrm>
+          <a:prstGeom prst="rect">
+            <a:avLst/>
+          </a:prstGeom>
+          <a:noFill/>
+        </p:spPr>
+        <p:txBody>
+          <a:bodyPr wrap="square" rtlCol="0">
+            <a:spAutoFit/>
+          </a:bodyPr>
+          <a:lstStyle/>
+          <a:p>
+            <a:r>
+              <a:rPr lang="pt-BR" dirty="0"/>
+              <a:t>- Modelagem de Dados</a:t>
+            </a:r>
+          </a:p>
+        </p:txBody>
+      </p:sp>
+      <p:sp>
+        <p:nvSpPr>
+          <p:cNvPr id="9" name="CaixaDeTexto 8">
+            <a:extLst>
+              <a:ext uri="{FF2B5EF4-FFF2-40B4-BE49-F238E27FC236}">
+                <a16:creationId xmlns:a16="http://schemas.microsoft.com/office/drawing/2014/main" id="{9DB075A3-56FB-45D0-9830-D7302566A0CB}"/>
+              </a:ext>
+            </a:extLst>
+          </p:cNvPr>
+          <p:cNvSpPr txBox="1"/>
+          <p:nvPr/>
+        </p:nvSpPr>
+        <p:spPr>
+          <a:xfrm>
+            <a:off x="484424" y="2757243"/>
+            <a:ext cx="3288958" cy="400110"/>
+          </a:xfrm>
+          <a:prstGeom prst="rect">
+            <a:avLst/>
+          </a:prstGeom>
+          <a:noFill/>
+          <a:effectLst>
+            <a:outerShdw blurRad="50800" dist="38100" dir="5400000" algn="t" rotWithShape="0">
+              <a:prstClr val="black">
+                <a:alpha val="40000"/>
+              </a:prstClr>
+            </a:outerShdw>
+          </a:effectLst>
+        </p:spPr>
+        <p:txBody>
+          <a:bodyPr wrap="square" rtlCol="0">
+            <a:spAutoFit/>
+          </a:bodyPr>
+          <a:lstStyle/>
+          <a:p>
+            <a:r>
+              <a:rPr lang="pt-BR" sz="2000" dirty="0"/>
+              <a:t>- Desenho de Arquitetura</a:t>
+            </a:r>
+          </a:p>
+        </p:txBody>
+      </p:sp>
+      <p:sp>
+        <p:nvSpPr>
+          <p:cNvPr id="11" name="CaixaDeTexto 10">
+            <a:extLst>
+              <a:ext uri="{FF2B5EF4-FFF2-40B4-BE49-F238E27FC236}">
+                <a16:creationId xmlns:a16="http://schemas.microsoft.com/office/drawing/2014/main" id="{16EB44B9-02AC-4947-965B-A08DBFC98023}"/>
+              </a:ext>
+            </a:extLst>
+          </p:cNvPr>
+          <p:cNvSpPr txBox="1"/>
+          <p:nvPr/>
+        </p:nvSpPr>
+        <p:spPr>
+          <a:xfrm>
+            <a:off x="472021" y="3350933"/>
+            <a:ext cx="3288958" cy="369332"/>
+          </a:xfrm>
+          <a:prstGeom prst="rect">
+            <a:avLst/>
+          </a:prstGeom>
+          <a:noFill/>
+        </p:spPr>
+        <p:txBody>
+          <a:bodyPr wrap="square" rtlCol="0">
+            <a:spAutoFit/>
+          </a:bodyPr>
+          <a:lstStyle/>
+          <a:p>
+            <a:r>
+              <a:rPr lang="pt-BR" dirty="0"/>
+              <a:t>- Diagrama de Classe</a:t>
+            </a:r>
+          </a:p>
+        </p:txBody>
+      </p:sp>
+      <p:sp>
+        <p:nvSpPr>
+          <p:cNvPr id="16" name="CaixaDeTexto 15">
+            <a:extLst>
+              <a:ext uri="{FF2B5EF4-FFF2-40B4-BE49-F238E27FC236}">
+                <a16:creationId xmlns:a16="http://schemas.microsoft.com/office/drawing/2014/main" id="{DE7433E1-F016-48B0-8744-19C111456B85}"/>
+              </a:ext>
+            </a:extLst>
+          </p:cNvPr>
+          <p:cNvSpPr txBox="1"/>
+          <p:nvPr/>
+        </p:nvSpPr>
+        <p:spPr>
+          <a:xfrm>
+            <a:off x="472021" y="3944623"/>
+            <a:ext cx="3288958" cy="369332"/>
+          </a:xfrm>
+          <a:prstGeom prst="rect">
+            <a:avLst/>
+          </a:prstGeom>
+          <a:noFill/>
+        </p:spPr>
+        <p:txBody>
+          <a:bodyPr wrap="square" rtlCol="0">
+            <a:spAutoFit/>
+          </a:bodyPr>
+          <a:lstStyle/>
+          <a:p>
+            <a:r>
+              <a:rPr lang="pt-BR" dirty="0"/>
+              <a:t>- Planilha de Testes</a:t>
+            </a:r>
+          </a:p>
+        </p:txBody>
+      </p:sp>
+      <p:sp>
+        <p:nvSpPr>
+          <p:cNvPr id="20" name="CaixaDeTexto 19">
+            <a:extLst>
+              <a:ext uri="{FF2B5EF4-FFF2-40B4-BE49-F238E27FC236}">
+                <a16:creationId xmlns:a16="http://schemas.microsoft.com/office/drawing/2014/main" id="{E81768B2-0974-4D89-BB1D-234A1ECBF059}"/>
+              </a:ext>
+            </a:extLst>
+          </p:cNvPr>
+          <p:cNvSpPr txBox="1"/>
+          <p:nvPr/>
+        </p:nvSpPr>
+        <p:spPr>
+          <a:xfrm>
+            <a:off x="496827" y="4519325"/>
+            <a:ext cx="3288958" cy="369332"/>
+          </a:xfrm>
+          <a:prstGeom prst="rect">
+            <a:avLst/>
+          </a:prstGeom>
+          <a:noFill/>
+          <a:effectLst/>
+        </p:spPr>
+        <p:txBody>
+          <a:bodyPr wrap="square" rtlCol="0">
+            <a:spAutoFit/>
+          </a:bodyPr>
+          <a:lstStyle/>
+          <a:p>
+            <a:r>
+              <a:rPr lang="pt-BR" dirty="0"/>
+              <a:t>- Arquivo de Exportação</a:t>
+            </a:r>
+          </a:p>
+        </p:txBody>
+      </p:sp>
+      <p:pic>
+        <p:nvPicPr>
+          <p:cNvPr id="7" name="Imagem 6" descr="Tela de celular com texto preto sobre fundo branco&#10;&#10;Descrição gerada automaticamente">
+            <a:extLst>
+              <a:ext uri="{FF2B5EF4-FFF2-40B4-BE49-F238E27FC236}">
+                <a16:creationId xmlns:a16="http://schemas.microsoft.com/office/drawing/2014/main" id="{91554513-C358-446F-ABDC-9AC81E9B4E24}"/>
+              </a:ext>
+            </a:extLst>
+          </p:cNvPr>
+          <p:cNvPicPr>
+            <a:picLocks noChangeAspect="1"/>
+          </p:cNvPicPr>
+          <p:nvPr/>
+        </p:nvPicPr>
+        <p:blipFill>
+          <a:blip r:embed="rId2">
+            <a:extLst>
+              <a:ext uri="{28A0092B-C50C-407E-A947-70E740481C1C}">
+                <a14:useLocalDpi xmlns:a14="http://schemas.microsoft.com/office/drawing/2010/main" val="0"/>
+              </a:ext>
+            </a:extLst>
+          </a:blip>
+          <a:stretch>
+            <a:fillRect/>
+          </a:stretch>
+        </p:blipFill>
+        <p:spPr>
+          <a:xfrm>
+            <a:off x="4521091" y="1138990"/>
+            <a:ext cx="6505575" cy="5162550"/>
+          </a:xfrm>
+          <a:prstGeom prst="rect">
+            <a:avLst/>
+          </a:prstGeom>
+        </p:spPr>
+      </p:pic>
+    </p:spTree>
+    <p:extLst>
+      <p:ext uri="{BB962C8B-B14F-4D97-AF65-F5344CB8AC3E}">
+        <p14:creationId xmlns:p14="http://schemas.microsoft.com/office/powerpoint/2010/main" val="1834702266"/>
+      </p:ext>
+    </p:extLst>
+  </p:cSld>
+  <p:clrMapOvr>
+    <a:masterClrMapping/>
+  </p:clrMapOvr>
+  <p:timing>
+    <p:tnLst>
+      <p:par>
+        <p:cTn id="1" dur="indefinite" restart="never" nodeType="tmRoot">
+          <p:childTnLst>
+            <p:seq concurrent="1" nextAc="seek">
+              <p:cTn id="2" dur="indefinite" nodeType="mainSeq">
+                <p:childTnLst>
+                  <p:par>
+                    <p:cTn id="3" fill="hold">
+                      <p:stCondLst>
+                        <p:cond delay="indefinite"/>
+                        <p:cond evt="onBegin" delay="0">
+                          <p:tn val="2"/>
+                        </p:cond>
+                      </p:stCondLst>
+                      <p:childTnLst>
+                        <p:par>
+                          <p:cTn id="4" fill="hold">
+                            <p:stCondLst>
+                              <p:cond delay="0"/>
+                            </p:stCondLst>
+                            <p:childTnLst>
+                              <p:par>
+                                <p:cTn id="5" presetID="53" presetClass="entr" presetSubtype="16" fill="hold" nodeType="withEffect">
+                                  <p:stCondLst>
+                                    <p:cond delay="0"/>
+                                  </p:stCondLst>
+                                  <p:childTnLst>
+                                    <p:set>
+                                      <p:cBhvr>
+                                        <p:cTn id="6" dur="1" fill="hold">
+                                          <p:stCondLst>
+                                            <p:cond delay="0"/>
+                                          </p:stCondLst>
+                                        </p:cTn>
+                                        <p:tgtEl>
+                                          <p:spTgt spid="7"/>
+                                        </p:tgtEl>
+                                        <p:attrNameLst>
+                                          <p:attrName>style.visibility</p:attrName>
+                                        </p:attrNameLst>
+                                      </p:cBhvr>
+                                      <p:to>
+                                        <p:strVal val="visible"/>
+                                      </p:to>
+                                    </p:set>
+                                    <p:anim calcmode="lin" valueType="num">
+                                      <p:cBhvr>
+                                        <p:cTn id="7" dur="500" fill="hold"/>
+                                        <p:tgtEl>
+                                          <p:spTgt spid="7"/>
+                                        </p:tgtEl>
+                                        <p:attrNameLst>
+                                          <p:attrName>ppt_w</p:attrName>
+                                        </p:attrNameLst>
+                                      </p:cBhvr>
+                                      <p:tavLst>
+                                        <p:tav tm="0">
+                                          <p:val>
+                                            <p:fltVal val="0"/>
+                                          </p:val>
+                                        </p:tav>
+                                        <p:tav tm="100000">
+                                          <p:val>
+                                            <p:strVal val="#ppt_w"/>
+                                          </p:val>
+                                        </p:tav>
+                                      </p:tavLst>
+                                    </p:anim>
+                                    <p:anim calcmode="lin" valueType="num">
+                                      <p:cBhvr>
+                                        <p:cTn id="8" dur="500" fill="hold"/>
+                                        <p:tgtEl>
+                                          <p:spTgt spid="7"/>
+                                        </p:tgtEl>
+                                        <p:attrNameLst>
+                                          <p:attrName>ppt_h</p:attrName>
+                                        </p:attrNameLst>
+                                      </p:cBhvr>
+                                      <p:tavLst>
+                                        <p:tav tm="0">
+                                          <p:val>
+                                            <p:fltVal val="0"/>
+                                          </p:val>
+                                        </p:tav>
+                                        <p:tav tm="100000">
+                                          <p:val>
+                                            <p:strVal val="#ppt_h"/>
+                                          </p:val>
+                                        </p:tav>
+                                      </p:tavLst>
+                                    </p:anim>
+                                    <p:animEffect transition="in" filter="fade">
+                                      <p:cBhvr>
+                                        <p:cTn id="9" dur="500"/>
+                                        <p:tgtEl>
+                                          <p:spTgt spid="7"/>
+                                        </p:tgtEl>
+                                      </p:cBhvr>
+                                    </p:animEffect>
+                                  </p:childTnLst>
+                                </p:cTn>
+                              </p:par>
+                            </p:childTnLst>
+                          </p:cTn>
+                        </p:par>
+                      </p:childTnLst>
+                    </p:cTn>
+                  </p:par>
+                </p:childTnLst>
+              </p:cTn>
+              <p:prevCondLst>
+                <p:cond evt="onPrev" delay="0">
+                  <p:tgtEl>
+                    <p:sldTgt/>
+                  </p:tgtEl>
+                </p:cond>
+              </p:prevCondLst>
+              <p:nextCondLst>
+                <p:cond evt="onNext" delay="0">
+                  <p:tgtEl>
+                    <p:sldTgt/>
+                  </p:tgtEl>
+                </p:cond>
+              </p:nextCondLst>
+            </p:seq>
+          </p:childTnLst>
+        </p:cTn>
+      </p:par>
+    </p:tnLst>
+  </p:timing>
+</p:sld>
+</file>
+
+<file path=ppt/slides/slide16.xml><?xml version="1.0" encoding="utf-8"?>
+<p:sld xmlns:a="http://schemas.openxmlformats.org/drawingml/2006/main" xmlns:r="http://schemas.openxmlformats.org/officeDocument/2006/relationships" xmlns:p="http://schemas.openxmlformats.org/presentationml/2006/main">
+  <p:cSld>
+    <p:spTree>
+      <p:nvGrpSpPr>
+        <p:cNvPr id="1" name=""/>
+        <p:cNvGrpSpPr/>
+        <p:nvPr/>
+      </p:nvGrpSpPr>
+      <p:grpSpPr>
+        <a:xfrm>
+          <a:off x="0" y="0"/>
+          <a:ext cx="0" cy="0"/>
+          <a:chOff x="0" y="0"/>
+          <a:chExt cx="0" cy="0"/>
+        </a:xfrm>
+      </p:grpSpPr>
+      <p:sp useBgFill="1">
+        <p:nvSpPr>
+          <p:cNvPr id="10" name="Rectangle 9"/>
+          <p:cNvSpPr>
+            <a:spLocks noGrp="1" noRot="1" noChangeAspect="1" noMove="1" noResize="1" noEditPoints="1" noAdjustHandles="1" noChangeArrowheads="1" noChangeShapeType="1" noTextEdit="1"/>
+          </p:cNvSpPr>
+          <p:nvPr/>
+        </p:nvSpPr>
+        <p:spPr>
+          <a:xfrm>
+            <a:off x="0" y="0"/>
+            <a:ext cx="12192000" cy="6858000"/>
+          </a:xfrm>
+          <a:prstGeom prst="rect">
+            <a:avLst/>
+          </a:prstGeom>
+          <a:ln>
+            <a:noFill/>
+          </a:ln>
+        </p:spPr>
+        <p:style>
+          <a:lnRef idx="2">
+            <a:schemeClr val="accent1">
+              <a:shade val="50000"/>
+            </a:schemeClr>
+          </a:lnRef>
+          <a:fillRef idx="1">
+            <a:schemeClr val="accent1"/>
+          </a:fillRef>
+          <a:effectRef idx="0">
+            <a:schemeClr val="accent1"/>
+          </a:effectRef>
+          <a:fontRef idx="minor">
+            <a:schemeClr val="lt1"/>
+          </a:fontRef>
+        </p:style>
+        <p:txBody>
+          <a:bodyPr rtlCol="0" anchor="ctr"/>
+          <a:lstStyle/>
+          <a:p>
+            <a:pPr algn="ctr"/>
+            <a:endParaRPr lang="en-US" dirty="0"/>
+          </a:p>
+        </p:txBody>
+      </p:sp>
+      <p:sp>
+        <p:nvSpPr>
+          <p:cNvPr id="2" name="Título 1"/>
+          <p:cNvSpPr>
+            <a:spLocks noGrp="1"/>
+          </p:cNvSpPr>
+          <p:nvPr>
+            <p:ph type="title"/>
+          </p:nvPr>
+        </p:nvSpPr>
+        <p:spPr>
+          <a:xfrm>
+            <a:off x="1812897" y="518649"/>
+            <a:ext cx="9882278" cy="1067634"/>
+          </a:xfrm>
+        </p:spPr>
+        <p:txBody>
+          <a:bodyPr anchor="ctr">
+            <a:normAutofit/>
+          </a:bodyPr>
+          <a:lstStyle/>
+          <a:p>
+            <a:r>
+              <a:rPr lang="pt-BR" dirty="0"/>
+              <a:t>Aplicação</a:t>
+            </a:r>
+          </a:p>
+        </p:txBody>
+      </p:sp>
+      <p:grpSp>
+        <p:nvGrpSpPr>
+          <p:cNvPr id="12" name="Group 11"/>
+          <p:cNvGrpSpPr>
+            <a:grpSpLocks noGrp="1" noUngrp="1" noRot="1" noChangeAspect="1" noMove="1" noResize="1"/>
+          </p:cNvGrpSpPr>
+          <p:nvPr/>
+        </p:nvGrpSpPr>
+        <p:grpSpPr>
+          <a:xfrm>
+            <a:off x="472021" y="628863"/>
+            <a:ext cx="1128382" cy="847206"/>
+            <a:chOff x="8183879" y="1000124"/>
+            <a:chExt cx="1562267" cy="1172973"/>
+          </a:xfrm>
+        </p:grpSpPr>
+        <p:sp>
+          <p:nvSpPr>
+            <p:cNvPr id="13" name="Freeform 5"/>
+            <p:cNvSpPr/>
+            <p:nvPr/>
+          </p:nvSpPr>
+          <p:spPr bwMode="auto">
+            <a:xfrm>
+              <a:off x="8183879" y="1348782"/>
+              <a:ext cx="935037" cy="824315"/>
+            </a:xfrm>
+            <a:custGeom>
+              <a:avLst/>
+              <a:gdLst>
+                <a:gd name="T0" fmla="*/ 225 w 785"/>
+                <a:gd name="T1" fmla="*/ 692 h 692"/>
+                <a:gd name="T2" fmla="*/ 177 w 785"/>
+                <a:gd name="T3" fmla="*/ 665 h 692"/>
+                <a:gd name="T4" fmla="*/ 9 w 785"/>
+                <a:gd name="T5" fmla="*/ 374 h 692"/>
+                <a:gd name="T6" fmla="*/ 9 w 785"/>
+                <a:gd name="T7" fmla="*/ 318 h 692"/>
+                <a:gd name="T8" fmla="*/ 177 w 785"/>
+                <a:gd name="T9" fmla="*/ 27 h 692"/>
+                <a:gd name="T10" fmla="*/ 225 w 785"/>
+                <a:gd name="T11" fmla="*/ 0 h 692"/>
+                <a:gd name="T12" fmla="*/ 561 w 785"/>
+                <a:gd name="T13" fmla="*/ 0 h 692"/>
+                <a:gd name="T14" fmla="*/ 609 w 785"/>
+                <a:gd name="T15" fmla="*/ 27 h 692"/>
+                <a:gd name="T16" fmla="*/ 777 w 785"/>
+                <a:gd name="T17" fmla="*/ 318 h 692"/>
+                <a:gd name="T18" fmla="*/ 777 w 785"/>
+                <a:gd name="T19" fmla="*/ 374 h 692"/>
+                <a:gd name="T20" fmla="*/ 609 w 785"/>
+                <a:gd name="T21" fmla="*/ 665 h 692"/>
+                <a:gd name="T22" fmla="*/ 561 w 785"/>
+                <a:gd name="T23" fmla="*/ 692 h 692"/>
+                <a:gd name="T24" fmla="*/ 225 w 785"/>
+                <a:gd name="T25" fmla="*/ 692 h 692"/>
+              </a:gdLst>
+              <a:ahLst/>
+              <a:cxnLst>
+                <a:cxn ang="0">
+                  <a:pos x="T0" y="T1"/>
+                </a:cxn>
+                <a:cxn ang="0">
+                  <a:pos x="T2" y="T3"/>
+                </a:cxn>
+                <a:cxn ang="0">
+                  <a:pos x="T4" y="T5"/>
+                </a:cxn>
+                <a:cxn ang="0">
+                  <a:pos x="T6" y="T7"/>
+                </a:cxn>
+                <a:cxn ang="0">
+                  <a:pos x="T8" y="T9"/>
+                </a:cxn>
+                <a:cxn ang="0">
+                  <a:pos x="T10" y="T11"/>
+                </a:cxn>
+                <a:cxn ang="0">
+                  <a:pos x="T12" y="T13"/>
+                </a:cxn>
+                <a:cxn ang="0">
+                  <a:pos x="T14" y="T15"/>
+                </a:cxn>
+                <a:cxn ang="0">
+                  <a:pos x="T16" y="T17"/>
+                </a:cxn>
+                <a:cxn ang="0">
+                  <a:pos x="T18" y="T19"/>
+                </a:cxn>
+                <a:cxn ang="0">
+                  <a:pos x="T20" y="T21"/>
+                </a:cxn>
+                <a:cxn ang="0">
+                  <a:pos x="T22" y="T23"/>
+                </a:cxn>
+                <a:cxn ang="0">
+                  <a:pos x="T24" y="T25"/>
+                </a:cxn>
+              </a:cxnLst>
+              <a:rect l="0" t="0" r="r" b="b"/>
+              <a:pathLst>
+                <a:path w="785" h="692">
+                  <a:moveTo>
+                    <a:pt x="225" y="692"/>
+                  </a:moveTo>
+                  <a:cubicBezTo>
+                    <a:pt x="207" y="692"/>
+                    <a:pt x="185" y="680"/>
+                    <a:pt x="177" y="665"/>
+                  </a:cubicBezTo>
+                  <a:cubicBezTo>
+                    <a:pt x="9" y="374"/>
+                    <a:pt x="9" y="374"/>
+                    <a:pt x="9" y="374"/>
+                  </a:cubicBezTo>
+                  <a:cubicBezTo>
+                    <a:pt x="0" y="358"/>
+                    <a:pt x="0" y="334"/>
+                    <a:pt x="9" y="318"/>
+                  </a:cubicBezTo>
+                  <a:cubicBezTo>
+                    <a:pt x="177" y="27"/>
+                    <a:pt x="177" y="27"/>
+                    <a:pt x="177" y="27"/>
+                  </a:cubicBezTo>
+                  <a:cubicBezTo>
+                    <a:pt x="185" y="12"/>
+                    <a:pt x="207" y="0"/>
+                    <a:pt x="225" y="0"/>
+                  </a:cubicBezTo>
+                  <a:cubicBezTo>
+                    <a:pt x="561" y="0"/>
+                    <a:pt x="561" y="0"/>
+                    <a:pt x="561" y="0"/>
+                  </a:cubicBezTo>
+                  <a:cubicBezTo>
+                    <a:pt x="578" y="0"/>
+                    <a:pt x="600" y="12"/>
+                    <a:pt x="609" y="27"/>
+                  </a:cubicBezTo>
+                  <a:cubicBezTo>
+                    <a:pt x="777" y="318"/>
+                    <a:pt x="777" y="318"/>
+                    <a:pt x="777" y="318"/>
+                  </a:cubicBezTo>
+                  <a:cubicBezTo>
+                    <a:pt x="785" y="334"/>
+                    <a:pt x="785" y="358"/>
+                    <a:pt x="777" y="374"/>
+                  </a:cubicBezTo>
+                  <a:cubicBezTo>
+                    <a:pt x="609" y="665"/>
+                    <a:pt x="609" y="665"/>
+                    <a:pt x="609" y="665"/>
+                  </a:cubicBezTo>
+                  <a:cubicBezTo>
+                    <a:pt x="600" y="680"/>
+                    <a:pt x="578" y="692"/>
+                    <a:pt x="561" y="692"/>
+                  </a:cubicBezTo>
+                  <a:lnTo>
+                    <a:pt x="225" y="692"/>
+                  </a:lnTo>
+                  <a:close/>
+                </a:path>
+              </a:pathLst>
+            </a:custGeom>
+            <a:noFill/>
+            <a:ln w="28575" cmpd="sng">
+              <a:solidFill>
+                <a:schemeClr val="tx1"/>
+              </a:solidFill>
+            </a:ln>
+          </p:spPr>
+          <p:txBody>
+            <a:bodyPr vert="horz" wrap="square" lIns="91440" tIns="45720" rIns="91440" bIns="45720" numCol="1" anchor="t" anchorCtr="0" compatLnSpc="1"/>
+            <a:lstStyle/>
+            <a:p>
+              <a:endParaRPr lang="en-US"/>
+            </a:p>
+          </p:txBody>
+        </p:sp>
+        <p:sp>
+          <p:nvSpPr>
+            <p:cNvPr id="14" name="Freeform 5"/>
+            <p:cNvSpPr/>
+            <p:nvPr/>
+          </p:nvSpPr>
+          <p:spPr bwMode="auto">
+            <a:xfrm>
+              <a:off x="8983979" y="1000124"/>
+              <a:ext cx="762167" cy="671915"/>
+            </a:xfrm>
+            <a:custGeom>
+              <a:avLst/>
+              <a:gdLst>
+                <a:gd name="T0" fmla="*/ 225 w 785"/>
+                <a:gd name="T1" fmla="*/ 692 h 692"/>
+                <a:gd name="T2" fmla="*/ 177 w 785"/>
+                <a:gd name="T3" fmla="*/ 665 h 692"/>
+                <a:gd name="T4" fmla="*/ 9 w 785"/>
+                <a:gd name="T5" fmla="*/ 374 h 692"/>
+                <a:gd name="T6" fmla="*/ 9 w 785"/>
+                <a:gd name="T7" fmla="*/ 318 h 692"/>
+                <a:gd name="T8" fmla="*/ 177 w 785"/>
+                <a:gd name="T9" fmla="*/ 27 h 692"/>
+                <a:gd name="T10" fmla="*/ 225 w 785"/>
+                <a:gd name="T11" fmla="*/ 0 h 692"/>
+                <a:gd name="T12" fmla="*/ 561 w 785"/>
+                <a:gd name="T13" fmla="*/ 0 h 692"/>
+                <a:gd name="T14" fmla="*/ 609 w 785"/>
+                <a:gd name="T15" fmla="*/ 27 h 692"/>
+                <a:gd name="T16" fmla="*/ 777 w 785"/>
+                <a:gd name="T17" fmla="*/ 318 h 692"/>
+                <a:gd name="T18" fmla="*/ 777 w 785"/>
+                <a:gd name="T19" fmla="*/ 374 h 692"/>
+                <a:gd name="T20" fmla="*/ 609 w 785"/>
+                <a:gd name="T21" fmla="*/ 665 h 692"/>
+                <a:gd name="T22" fmla="*/ 561 w 785"/>
+                <a:gd name="T23" fmla="*/ 692 h 692"/>
+                <a:gd name="T24" fmla="*/ 225 w 785"/>
+                <a:gd name="T25" fmla="*/ 692 h 692"/>
+              </a:gdLst>
+              <a:ahLst/>
+              <a:cxnLst>
+                <a:cxn ang="0">
+                  <a:pos x="T0" y="T1"/>
+                </a:cxn>
+                <a:cxn ang="0">
+                  <a:pos x="T2" y="T3"/>
+                </a:cxn>
+                <a:cxn ang="0">
+                  <a:pos x="T4" y="T5"/>
+                </a:cxn>
+                <a:cxn ang="0">
+                  <a:pos x="T6" y="T7"/>
+                </a:cxn>
+                <a:cxn ang="0">
+                  <a:pos x="T8" y="T9"/>
+                </a:cxn>
+                <a:cxn ang="0">
+                  <a:pos x="T10" y="T11"/>
+                </a:cxn>
+                <a:cxn ang="0">
+                  <a:pos x="T12" y="T13"/>
+                </a:cxn>
+                <a:cxn ang="0">
+                  <a:pos x="T14" y="T15"/>
+                </a:cxn>
+                <a:cxn ang="0">
+                  <a:pos x="T16" y="T17"/>
+                </a:cxn>
+                <a:cxn ang="0">
+                  <a:pos x="T18" y="T19"/>
+                </a:cxn>
+                <a:cxn ang="0">
+                  <a:pos x="T20" y="T21"/>
+                </a:cxn>
+                <a:cxn ang="0">
+                  <a:pos x="T22" y="T23"/>
+                </a:cxn>
+                <a:cxn ang="0">
+                  <a:pos x="T24" y="T25"/>
+                </a:cxn>
+              </a:cxnLst>
+              <a:rect l="0" t="0" r="r" b="b"/>
+              <a:pathLst>
+                <a:path w="785" h="692">
+                  <a:moveTo>
+                    <a:pt x="225" y="692"/>
+                  </a:moveTo>
+                  <a:cubicBezTo>
+                    <a:pt x="207" y="692"/>
+                    <a:pt x="185" y="680"/>
+                    <a:pt x="177" y="665"/>
+                  </a:cubicBezTo>
+                  <a:cubicBezTo>
+                    <a:pt x="9" y="374"/>
+                    <a:pt x="9" y="374"/>
+                    <a:pt x="9" y="374"/>
+                  </a:cubicBezTo>
+                  <a:cubicBezTo>
+                    <a:pt x="0" y="358"/>
+                    <a:pt x="0" y="334"/>
+                    <a:pt x="9" y="318"/>
+                  </a:cubicBezTo>
+                  <a:cubicBezTo>
+                    <a:pt x="177" y="27"/>
+                    <a:pt x="177" y="27"/>
+                    <a:pt x="177" y="27"/>
+                  </a:cubicBezTo>
+                  <a:cubicBezTo>
+                    <a:pt x="185" y="12"/>
+                    <a:pt x="207" y="0"/>
+                    <a:pt x="225" y="0"/>
+                  </a:cubicBezTo>
+                  <a:cubicBezTo>
+                    <a:pt x="561" y="0"/>
+                    <a:pt x="561" y="0"/>
+                    <a:pt x="561" y="0"/>
+                  </a:cubicBezTo>
+                  <a:cubicBezTo>
+                    <a:pt x="578" y="0"/>
+                    <a:pt x="600" y="12"/>
+                    <a:pt x="609" y="27"/>
+                  </a:cubicBezTo>
+                  <a:cubicBezTo>
+                    <a:pt x="777" y="318"/>
+                    <a:pt x="777" y="318"/>
+                    <a:pt x="777" y="318"/>
+                  </a:cubicBezTo>
+                  <a:cubicBezTo>
+                    <a:pt x="785" y="334"/>
+                    <a:pt x="785" y="358"/>
+                    <a:pt x="777" y="374"/>
+                  </a:cubicBezTo>
+                  <a:cubicBezTo>
+                    <a:pt x="609" y="665"/>
+                    <a:pt x="609" y="665"/>
+                    <a:pt x="609" y="665"/>
+                  </a:cubicBezTo>
+                  <a:cubicBezTo>
+                    <a:pt x="600" y="680"/>
+                    <a:pt x="578" y="692"/>
+                    <a:pt x="561" y="692"/>
+                  </a:cubicBezTo>
+                  <a:lnTo>
+                    <a:pt x="225" y="692"/>
+                  </a:lnTo>
+                  <a:close/>
+                </a:path>
+              </a:pathLst>
+            </a:custGeom>
+            <a:noFill/>
+            <a:ln w="28575" cmpd="sng">
+              <a:solidFill>
+                <a:schemeClr val="tx1"/>
+              </a:solidFill>
+            </a:ln>
+          </p:spPr>
+          <p:txBody>
+            <a:bodyPr vert="horz" wrap="square" lIns="91440" tIns="45720" rIns="91440" bIns="45720" numCol="1" anchor="t" anchorCtr="0" compatLnSpc="1"/>
+            <a:lstStyle/>
+            <a:p>
+              <a:endParaRPr lang="en-US"/>
+            </a:p>
+          </p:txBody>
+        </p:sp>
+      </p:grpSp>
+      <p:sp>
+        <p:nvSpPr>
+          <p:cNvPr id="3" name="CaixaDeTexto 2">
+            <a:extLst>
+              <a:ext uri="{FF2B5EF4-FFF2-40B4-BE49-F238E27FC236}">
+                <a16:creationId xmlns:a16="http://schemas.microsoft.com/office/drawing/2014/main" id="{19035CAF-1C8B-4AE3-8033-3A58E61E6860}"/>
+              </a:ext>
+            </a:extLst>
+          </p:cNvPr>
+          <p:cNvSpPr txBox="1"/>
+          <p:nvPr/>
+        </p:nvSpPr>
+        <p:spPr>
+          <a:xfrm>
+            <a:off x="496827" y="2172092"/>
+            <a:ext cx="3288958" cy="369332"/>
+          </a:xfrm>
+          <a:prstGeom prst="rect">
+            <a:avLst/>
+          </a:prstGeom>
+          <a:noFill/>
+        </p:spPr>
+        <p:txBody>
+          <a:bodyPr wrap="square" rtlCol="0">
+            <a:spAutoFit/>
+          </a:bodyPr>
+          <a:lstStyle/>
+          <a:p>
+            <a:r>
+              <a:rPr lang="pt-BR" dirty="0"/>
+              <a:t>- Modelagem de Dados</a:t>
+            </a:r>
+          </a:p>
+        </p:txBody>
+      </p:sp>
+      <p:sp>
+        <p:nvSpPr>
+          <p:cNvPr id="9" name="CaixaDeTexto 8">
+            <a:extLst>
+              <a:ext uri="{FF2B5EF4-FFF2-40B4-BE49-F238E27FC236}">
+                <a16:creationId xmlns:a16="http://schemas.microsoft.com/office/drawing/2014/main" id="{9DB075A3-56FB-45D0-9830-D7302566A0CB}"/>
+              </a:ext>
+            </a:extLst>
+          </p:cNvPr>
+          <p:cNvSpPr txBox="1"/>
+          <p:nvPr/>
+        </p:nvSpPr>
+        <p:spPr>
+          <a:xfrm>
+            <a:off x="484424" y="2757243"/>
+            <a:ext cx="3288958" cy="400110"/>
+          </a:xfrm>
+          <a:prstGeom prst="rect">
+            <a:avLst/>
+          </a:prstGeom>
+          <a:noFill/>
+          <a:effectLst>
+            <a:outerShdw blurRad="50800" dist="38100" dir="5400000" algn="t" rotWithShape="0">
+              <a:prstClr val="black">
+                <a:alpha val="40000"/>
+              </a:prstClr>
+            </a:outerShdw>
+          </a:effectLst>
+        </p:spPr>
+        <p:txBody>
+          <a:bodyPr wrap="square" rtlCol="0">
+            <a:spAutoFit/>
+          </a:bodyPr>
+          <a:lstStyle/>
+          <a:p>
+            <a:r>
+              <a:rPr lang="pt-BR" sz="2000" dirty="0"/>
+              <a:t>- Desenho de Arquitetura</a:t>
+            </a:r>
+          </a:p>
+        </p:txBody>
+      </p:sp>
+      <p:sp>
+        <p:nvSpPr>
+          <p:cNvPr id="11" name="CaixaDeTexto 10">
+            <a:extLst>
+              <a:ext uri="{FF2B5EF4-FFF2-40B4-BE49-F238E27FC236}">
+                <a16:creationId xmlns:a16="http://schemas.microsoft.com/office/drawing/2014/main" id="{16EB44B9-02AC-4947-965B-A08DBFC98023}"/>
+              </a:ext>
+            </a:extLst>
+          </p:cNvPr>
+          <p:cNvSpPr txBox="1"/>
+          <p:nvPr/>
+        </p:nvSpPr>
+        <p:spPr>
+          <a:xfrm>
+            <a:off x="472021" y="3350933"/>
+            <a:ext cx="3288958" cy="369332"/>
+          </a:xfrm>
+          <a:prstGeom prst="rect">
+            <a:avLst/>
+          </a:prstGeom>
+          <a:noFill/>
+        </p:spPr>
+        <p:txBody>
+          <a:bodyPr wrap="square" rtlCol="0">
+            <a:spAutoFit/>
+          </a:bodyPr>
+          <a:lstStyle/>
+          <a:p>
+            <a:r>
+              <a:rPr lang="pt-BR" dirty="0"/>
+              <a:t>- Diagrama de Classe</a:t>
+            </a:r>
+          </a:p>
+        </p:txBody>
+      </p:sp>
+      <p:sp>
+        <p:nvSpPr>
+          <p:cNvPr id="16" name="CaixaDeTexto 15">
+            <a:extLst>
+              <a:ext uri="{FF2B5EF4-FFF2-40B4-BE49-F238E27FC236}">
+                <a16:creationId xmlns:a16="http://schemas.microsoft.com/office/drawing/2014/main" id="{DE7433E1-F016-48B0-8744-19C111456B85}"/>
+              </a:ext>
+            </a:extLst>
+          </p:cNvPr>
+          <p:cNvSpPr txBox="1"/>
+          <p:nvPr/>
+        </p:nvSpPr>
+        <p:spPr>
+          <a:xfrm>
+            <a:off x="472021" y="3944623"/>
+            <a:ext cx="3288958" cy="369332"/>
+          </a:xfrm>
+          <a:prstGeom prst="rect">
+            <a:avLst/>
+          </a:prstGeom>
+          <a:noFill/>
+        </p:spPr>
+        <p:txBody>
+          <a:bodyPr wrap="square" rtlCol="0">
+            <a:spAutoFit/>
+          </a:bodyPr>
+          <a:lstStyle/>
+          <a:p>
+            <a:r>
+              <a:rPr lang="pt-BR" dirty="0"/>
+              <a:t>- Planilha de Testes</a:t>
+            </a:r>
+          </a:p>
+        </p:txBody>
+      </p:sp>
+      <p:sp>
+        <p:nvSpPr>
+          <p:cNvPr id="20" name="CaixaDeTexto 19">
+            <a:extLst>
+              <a:ext uri="{FF2B5EF4-FFF2-40B4-BE49-F238E27FC236}">
+                <a16:creationId xmlns:a16="http://schemas.microsoft.com/office/drawing/2014/main" id="{E81768B2-0974-4D89-BB1D-234A1ECBF059}"/>
+              </a:ext>
+            </a:extLst>
+          </p:cNvPr>
+          <p:cNvSpPr txBox="1"/>
+          <p:nvPr/>
+        </p:nvSpPr>
+        <p:spPr>
+          <a:xfrm>
+            <a:off x="496827" y="4519325"/>
+            <a:ext cx="3288958" cy="369332"/>
+          </a:xfrm>
+          <a:prstGeom prst="rect">
+            <a:avLst/>
+          </a:prstGeom>
+          <a:noFill/>
+          <a:effectLst/>
+        </p:spPr>
+        <p:txBody>
+          <a:bodyPr wrap="square" rtlCol="0">
+            <a:spAutoFit/>
+          </a:bodyPr>
+          <a:lstStyle/>
+          <a:p>
+            <a:r>
+              <a:rPr lang="pt-BR" dirty="0"/>
+              <a:t>- Arquivo de Exportação</a:t>
+            </a:r>
+          </a:p>
+        </p:txBody>
+      </p:sp>
+      <p:pic>
+        <p:nvPicPr>
+          <p:cNvPr id="5" name="Imagem 4" descr="Texto preto sobre fundo branco&#10;&#10;Descrição gerada automaticamente">
+            <a:extLst>
+              <a:ext uri="{FF2B5EF4-FFF2-40B4-BE49-F238E27FC236}">
+                <a16:creationId xmlns:a16="http://schemas.microsoft.com/office/drawing/2014/main" id="{C0EB70A9-CA61-4D0B-9BF3-2C20CA891859}"/>
+              </a:ext>
+            </a:extLst>
+          </p:cNvPr>
+          <p:cNvPicPr>
+            <a:picLocks noChangeAspect="1"/>
+          </p:cNvPicPr>
+          <p:nvPr/>
+        </p:nvPicPr>
+        <p:blipFill>
+          <a:blip r:embed="rId2">
+            <a:extLst>
+              <a:ext uri="{28A0092B-C50C-407E-A947-70E740481C1C}">
+                <a14:useLocalDpi xmlns:a14="http://schemas.microsoft.com/office/drawing/2010/main" val="0"/>
+              </a:ext>
+            </a:extLst>
+          </a:blip>
+          <a:stretch>
+            <a:fillRect/>
+          </a:stretch>
+        </p:blipFill>
+        <p:spPr>
+          <a:xfrm>
+            <a:off x="4730497" y="782644"/>
+            <a:ext cx="6287194" cy="5875241"/>
+          </a:xfrm>
+          <a:prstGeom prst="rect">
+            <a:avLst/>
+          </a:prstGeom>
+        </p:spPr>
+      </p:pic>
+    </p:spTree>
+    <p:extLst>
+      <p:ext uri="{BB962C8B-B14F-4D97-AF65-F5344CB8AC3E}">
+        <p14:creationId xmlns:p14="http://schemas.microsoft.com/office/powerpoint/2010/main" val="1166053751"/>
+      </p:ext>
+    </p:extLst>
+  </p:cSld>
+  <p:clrMapOvr>
+    <a:masterClrMapping/>
+  </p:clrMapOvr>
+  <p:timing>
+    <p:tnLst>
+      <p:par>
+        <p:cTn id="1" dur="indefinite" restart="never" nodeType="tmRoot">
+          <p:childTnLst>
+            <p:seq concurrent="1" nextAc="seek">
+              <p:cTn id="2" dur="indefinite" nodeType="mainSeq">
+                <p:childTnLst>
+                  <p:par>
+                    <p:cTn id="3" fill="hold">
+                      <p:stCondLst>
+                        <p:cond delay="indefinite"/>
+                        <p:cond evt="onBegin" delay="0">
+                          <p:tn val="2"/>
+                        </p:cond>
+                      </p:stCondLst>
+                      <p:childTnLst>
+                        <p:par>
+                          <p:cTn id="4" fill="hold">
+                            <p:stCondLst>
+                              <p:cond delay="0"/>
+                            </p:stCondLst>
+                            <p:childTnLst>
+                              <p:par>
+                                <p:cTn id="5" presetID="53" presetClass="entr" presetSubtype="16" fill="hold" nodeType="withEffect">
+                                  <p:stCondLst>
+                                    <p:cond delay="0"/>
+                                  </p:stCondLst>
+                                  <p:childTnLst>
+                                    <p:set>
+                                      <p:cBhvr>
+                                        <p:cTn id="6" dur="1" fill="hold">
+                                          <p:stCondLst>
+                                            <p:cond delay="0"/>
+                                          </p:stCondLst>
+                                        </p:cTn>
+                                        <p:tgtEl>
+                                          <p:spTgt spid="5"/>
+                                        </p:tgtEl>
+                                        <p:attrNameLst>
+                                          <p:attrName>style.visibility</p:attrName>
+                                        </p:attrNameLst>
+                                      </p:cBhvr>
+                                      <p:to>
+                                        <p:strVal val="visible"/>
+                                      </p:to>
+                                    </p:set>
+                                    <p:anim calcmode="lin" valueType="num">
+                                      <p:cBhvr>
+                                        <p:cTn id="7" dur="500" fill="hold"/>
+                                        <p:tgtEl>
+                                          <p:spTgt spid="5"/>
+                                        </p:tgtEl>
+                                        <p:attrNameLst>
+                                          <p:attrName>ppt_w</p:attrName>
+                                        </p:attrNameLst>
+                                      </p:cBhvr>
+                                      <p:tavLst>
+                                        <p:tav tm="0">
+                                          <p:val>
+                                            <p:fltVal val="0"/>
+                                          </p:val>
+                                        </p:tav>
+                                        <p:tav tm="100000">
+                                          <p:val>
+                                            <p:strVal val="#ppt_w"/>
+                                          </p:val>
+                                        </p:tav>
+                                      </p:tavLst>
+                                    </p:anim>
+                                    <p:anim calcmode="lin" valueType="num">
+                                      <p:cBhvr>
+                                        <p:cTn id="8" dur="500" fill="hold"/>
+                                        <p:tgtEl>
+                                          <p:spTgt spid="5"/>
+                                        </p:tgtEl>
+                                        <p:attrNameLst>
+                                          <p:attrName>ppt_h</p:attrName>
+                                        </p:attrNameLst>
+                                      </p:cBhvr>
+                                      <p:tavLst>
+                                        <p:tav tm="0">
+                                          <p:val>
+                                            <p:fltVal val="0"/>
+                                          </p:val>
+                                        </p:tav>
+                                        <p:tav tm="100000">
+                                          <p:val>
+                                            <p:strVal val="#ppt_h"/>
+                                          </p:val>
+                                        </p:tav>
+                                      </p:tavLst>
+                                    </p:anim>
+                                    <p:animEffect transition="in" filter="fade">
+                                      <p:cBhvr>
+                                        <p:cTn id="9" dur="500"/>
+                                        <p:tgtEl>
+                                          <p:spTgt spid="5"/>
+                                        </p:tgtEl>
+                                      </p:cBhvr>
+                                    </p:animEffect>
+                                  </p:childTnLst>
+                                </p:cTn>
+                              </p:par>
+                            </p:childTnLst>
+                          </p:cTn>
+                        </p:par>
+                      </p:childTnLst>
+                    </p:cTn>
+                  </p:par>
+                </p:childTnLst>
+              </p:cTn>
+              <p:prevCondLst>
+                <p:cond evt="onPrev" delay="0">
+                  <p:tgtEl>
+                    <p:sldTgt/>
+                  </p:tgtEl>
+                </p:cond>
+              </p:prevCondLst>
+              <p:nextCondLst>
+                <p:cond evt="onNext" delay="0">
+                  <p:tgtEl>
+                    <p:sldTgt/>
+                  </p:tgtEl>
+                </p:cond>
+              </p:nextCondLst>
+            </p:seq>
+          </p:childTnLst>
+        </p:cTn>
+      </p:par>
+    </p:tnLst>
+  </p:timing>
+</p:sld>
+</file>
+
+<file path=ppt/slides/slide17.xml><?xml version="1.0" encoding="utf-8"?>
 <p:sld xmlns:a="http://schemas.openxmlformats.org/drawingml/2006/main" xmlns:r="http://schemas.openxmlformats.org/officeDocument/2006/relationships" xmlns:p="http://schemas.openxmlformats.org/presentationml/2006/main">
   <p:cSld>
     <p:spTree>
@@ -35508,105 +36974,6 @@
                       </p:childTnLst>
                     </p:cTn>
                   </p:par>
-                  <p:par>
-                    <p:cTn id="10" fill="hold">
-                      <p:stCondLst>
-                        <p:cond delay="indefinite"/>
-                      </p:stCondLst>
-                      <p:childTnLst>
-                        <p:par>
-                          <p:cTn id="11" fill="hold">
-                            <p:stCondLst>
-                              <p:cond delay="0"/>
-                            </p:stCondLst>
-                            <p:childTnLst>
-                              <p:par>
-                                <p:cTn id="12" presetID="53" presetClass="exit" presetSubtype="32" fill="hold" nodeType="clickEffect">
-                                  <p:stCondLst>
-                                    <p:cond delay="0"/>
-                                  </p:stCondLst>
-                                  <p:childTnLst>
-                                    <p:anim calcmode="lin" valueType="num">
-                                      <p:cBhvr>
-                                        <p:cTn id="13" dur="500"/>
-                                        <p:tgtEl>
-                                          <p:spTgt spid="15"/>
-                                        </p:tgtEl>
-                                        <p:attrNameLst>
-                                          <p:attrName>ppt_w</p:attrName>
-                                        </p:attrNameLst>
-                                      </p:cBhvr>
-                                      <p:tavLst>
-                                        <p:tav tm="0">
-                                          <p:val>
-                                            <p:strVal val="ppt_w"/>
-                                          </p:val>
-                                        </p:tav>
-                                        <p:tav tm="100000">
-                                          <p:val>
-                                            <p:fltVal val="0"/>
-                                          </p:val>
-                                        </p:tav>
-                                      </p:tavLst>
-                                    </p:anim>
-                                    <p:anim calcmode="lin" valueType="num">
-                                      <p:cBhvr>
-                                        <p:cTn id="14" dur="500"/>
-                                        <p:tgtEl>
-                                          <p:spTgt spid="15"/>
-                                        </p:tgtEl>
-                                        <p:attrNameLst>
-                                          <p:attrName>ppt_h</p:attrName>
-                                        </p:attrNameLst>
-                                      </p:cBhvr>
-                                      <p:tavLst>
-                                        <p:tav tm="0">
-                                          <p:val>
-                                            <p:strVal val="ppt_h"/>
-                                          </p:val>
-                                        </p:tav>
-                                        <p:tav tm="100000">
-                                          <p:val>
-                                            <p:fltVal val="0"/>
-                                          </p:val>
-                                        </p:tav>
-                                      </p:tavLst>
-                                    </p:anim>
-                                    <p:animEffect transition="out" filter="fade">
-                                      <p:cBhvr>
-                                        <p:cTn id="15" dur="500"/>
-                                        <p:tgtEl>
-                                          <p:spTgt spid="15"/>
-                                        </p:tgtEl>
-                                      </p:cBhvr>
-                                    </p:animEffect>
-                                    <p:set>
-                                      <p:cBhvr>
-                                        <p:cTn id="16" dur="1" fill="hold">
-                                          <p:stCondLst>
-                                            <p:cond delay="499"/>
-                                          </p:stCondLst>
-                                        </p:cTn>
-                                        <p:tgtEl>
-                                          <p:spTgt spid="15"/>
-                                        </p:tgtEl>
-                                        <p:attrNameLst>
-                                          <p:attrName>style.visibility</p:attrName>
-                                        </p:attrNameLst>
-                                      </p:cBhvr>
-                                      <p:to>
-                                        <p:strVal val="hidden"/>
-                                      </p:to>
-                                    </p:set>
-                                  </p:childTnLst>
-                                </p:cTn>
-                              </p:par>
-                            </p:childTnLst>
-                          </p:cTn>
-                        </p:par>
-                      </p:childTnLst>
-                    </p:cTn>
-                  </p:par>
                 </p:childTnLst>
               </p:cTn>
               <p:prevCondLst>
@@ -35632,7 +36999,7 @@
 </p:sld>
 </file>
 
-<file path=ppt/slides/slide16.xml><?xml version="1.0" encoding="utf-8"?>
+<file path=ppt/slides/slide18.xml><?xml version="1.0" encoding="utf-8"?>
 <p:sld xmlns:a="http://schemas.openxmlformats.org/drawingml/2006/main" xmlns:r="http://schemas.openxmlformats.org/officeDocument/2006/relationships" xmlns:p="http://schemas.openxmlformats.org/presentationml/2006/main">
   <p:cSld>
     <p:spTree>
@@ -36406,105 +37773,6 @@
                       </p:childTnLst>
                     </p:cTn>
                   </p:par>
-                  <p:par>
-                    <p:cTn id="10" fill="hold">
-                      <p:stCondLst>
-                        <p:cond delay="indefinite"/>
-                      </p:stCondLst>
-                      <p:childTnLst>
-                        <p:par>
-                          <p:cTn id="11" fill="hold">
-                            <p:stCondLst>
-                              <p:cond delay="0"/>
-                            </p:stCondLst>
-                            <p:childTnLst>
-                              <p:par>
-                                <p:cTn id="12" presetID="53" presetClass="exit" presetSubtype="32" fill="hold" nodeType="clickEffect">
-                                  <p:stCondLst>
-                                    <p:cond delay="0"/>
-                                  </p:stCondLst>
-                                  <p:childTnLst>
-                                    <p:anim calcmode="lin" valueType="num">
-                                      <p:cBhvr>
-                                        <p:cTn id="13" dur="500"/>
-                                        <p:tgtEl>
-                                          <p:spTgt spid="3"/>
-                                        </p:tgtEl>
-                                        <p:attrNameLst>
-                                          <p:attrName>ppt_w</p:attrName>
-                                        </p:attrNameLst>
-                                      </p:cBhvr>
-                                      <p:tavLst>
-                                        <p:tav tm="0">
-                                          <p:val>
-                                            <p:strVal val="ppt_w"/>
-                                          </p:val>
-                                        </p:tav>
-                                        <p:tav tm="100000">
-                                          <p:val>
-                                            <p:fltVal val="0"/>
-                                          </p:val>
-                                        </p:tav>
-                                      </p:tavLst>
-                                    </p:anim>
-                                    <p:anim calcmode="lin" valueType="num">
-                                      <p:cBhvr>
-                                        <p:cTn id="14" dur="500"/>
-                                        <p:tgtEl>
-                                          <p:spTgt spid="3"/>
-                                        </p:tgtEl>
-                                        <p:attrNameLst>
-                                          <p:attrName>ppt_h</p:attrName>
-                                        </p:attrNameLst>
-                                      </p:cBhvr>
-                                      <p:tavLst>
-                                        <p:tav tm="0">
-                                          <p:val>
-                                            <p:strVal val="ppt_h"/>
-                                          </p:val>
-                                        </p:tav>
-                                        <p:tav tm="100000">
-                                          <p:val>
-                                            <p:fltVal val="0"/>
-                                          </p:val>
-                                        </p:tav>
-                                      </p:tavLst>
-                                    </p:anim>
-                                    <p:animEffect transition="out" filter="fade">
-                                      <p:cBhvr>
-                                        <p:cTn id="15" dur="500"/>
-                                        <p:tgtEl>
-                                          <p:spTgt spid="3"/>
-                                        </p:tgtEl>
-                                      </p:cBhvr>
-                                    </p:animEffect>
-                                    <p:set>
-                                      <p:cBhvr>
-                                        <p:cTn id="16" dur="1" fill="hold">
-                                          <p:stCondLst>
-                                            <p:cond delay="499"/>
-                                          </p:stCondLst>
-                                        </p:cTn>
-                                        <p:tgtEl>
-                                          <p:spTgt spid="3"/>
-                                        </p:tgtEl>
-                                        <p:attrNameLst>
-                                          <p:attrName>style.visibility</p:attrName>
-                                        </p:attrNameLst>
-                                      </p:cBhvr>
-                                      <p:to>
-                                        <p:strVal val="hidden"/>
-                                      </p:to>
-                                    </p:set>
-                                  </p:childTnLst>
-                                </p:cTn>
-                              </p:par>
-                            </p:childTnLst>
-                          </p:cTn>
-                        </p:par>
-                      </p:childTnLst>
-                    </p:cTn>
-                  </p:par>
                 </p:childTnLst>
               </p:cTn>
               <p:prevCondLst>
@@ -36530,7 +37798,7 @@
 </p:sld>
 </file>
 
-<file path=ppt/slides/slide17.xml><?xml version="1.0" encoding="utf-8"?>
+<file path=ppt/slides/slide19.xml><?xml version="1.0" encoding="utf-8"?>
 <p:sld xmlns:a="http://schemas.openxmlformats.org/drawingml/2006/main" xmlns:r="http://schemas.openxmlformats.org/officeDocument/2006/relationships" xmlns:p="http://schemas.openxmlformats.org/presentationml/2006/main">
   <p:cSld>
     <p:spTree>
@@ -40847,105 +42115,6 @@
                       </p:childTnLst>
                     </p:cTn>
                   </p:par>
-                  <p:par>
-                    <p:cTn id="10" fill="hold">
-                      <p:stCondLst>
-                        <p:cond delay="indefinite"/>
-                      </p:stCondLst>
-                      <p:childTnLst>
-                        <p:par>
-                          <p:cTn id="11" fill="hold">
-                            <p:stCondLst>
-                              <p:cond delay="0"/>
-                            </p:stCondLst>
-                            <p:childTnLst>
-                              <p:par>
-                                <p:cTn id="12" presetID="53" presetClass="exit" presetSubtype="32" fill="hold" nodeType="clickEffect">
-                                  <p:stCondLst>
-                                    <p:cond delay="0"/>
-                                  </p:stCondLst>
-                                  <p:childTnLst>
-                                    <p:anim calcmode="lin" valueType="num">
-                                      <p:cBhvr>
-                                        <p:cTn id="13" dur="500"/>
-                                        <p:tgtEl>
-                                          <p:spTgt spid="8"/>
-                                        </p:tgtEl>
-                                        <p:attrNameLst>
-                                          <p:attrName>ppt_w</p:attrName>
-                                        </p:attrNameLst>
-                                      </p:cBhvr>
-                                      <p:tavLst>
-                                        <p:tav tm="0">
-                                          <p:val>
-                                            <p:strVal val="ppt_w"/>
-                                          </p:val>
-                                        </p:tav>
-                                        <p:tav tm="100000">
-                                          <p:val>
-                                            <p:fltVal val="0"/>
-                                          </p:val>
-                                        </p:tav>
-                                      </p:tavLst>
-                                    </p:anim>
-                                    <p:anim calcmode="lin" valueType="num">
-                                      <p:cBhvr>
-                                        <p:cTn id="14" dur="500"/>
-                                        <p:tgtEl>
-                                          <p:spTgt spid="8"/>
-                                        </p:tgtEl>
-                                        <p:attrNameLst>
-                                          <p:attrName>ppt_h</p:attrName>
-                                        </p:attrNameLst>
-                                      </p:cBhvr>
-                                      <p:tavLst>
-                                        <p:tav tm="0">
-                                          <p:val>
-                                            <p:strVal val="ppt_h"/>
-                                          </p:val>
-                                        </p:tav>
-                                        <p:tav tm="100000">
-                                          <p:val>
-                                            <p:fltVal val="0"/>
-                                          </p:val>
-                                        </p:tav>
-                                      </p:tavLst>
-                                    </p:anim>
-                                    <p:animEffect transition="out" filter="fade">
-                                      <p:cBhvr>
-                                        <p:cTn id="15" dur="500"/>
-                                        <p:tgtEl>
-                                          <p:spTgt spid="8"/>
-                                        </p:tgtEl>
-                                      </p:cBhvr>
-                                    </p:animEffect>
-                                    <p:set>
-                                      <p:cBhvr>
-                                        <p:cTn id="16" dur="1" fill="hold">
-                                          <p:stCondLst>
-                                            <p:cond delay="499"/>
-                                          </p:stCondLst>
-                                        </p:cTn>
-                                        <p:tgtEl>
-                                          <p:spTgt spid="8"/>
-                                        </p:tgtEl>
-                                        <p:attrNameLst>
-                                          <p:attrName>style.visibility</p:attrName>
-                                        </p:attrNameLst>
-                                      </p:cBhvr>
-                                      <p:to>
-                                        <p:strVal val="hidden"/>
-                                      </p:to>
-                                    </p:set>
-                                  </p:childTnLst>
-                                </p:cTn>
-                              </p:par>
-                            </p:childTnLst>
-                          </p:cTn>
-                        </p:par>
-                      </p:childTnLst>
-                    </p:cTn>
-                  </p:par>
                 </p:childTnLst>
               </p:cTn>
               <p:prevCondLst>
@@ -41744,105 +42913,6 @@
                       </p:childTnLst>
                     </p:cTn>
                   </p:par>
-                  <p:par>
-                    <p:cTn id="10" fill="hold">
-                      <p:stCondLst>
-                        <p:cond delay="indefinite"/>
-                      </p:stCondLst>
-                      <p:childTnLst>
-                        <p:par>
-                          <p:cTn id="11" fill="hold">
-                            <p:stCondLst>
-                              <p:cond delay="0"/>
-                            </p:stCondLst>
-                            <p:childTnLst>
-                              <p:par>
-                                <p:cTn id="12" presetID="53" presetClass="exit" presetSubtype="32" fill="hold" nodeType="clickEffect">
-                                  <p:stCondLst>
-                                    <p:cond delay="0"/>
-                                  </p:stCondLst>
-                                  <p:childTnLst>
-                                    <p:anim calcmode="lin" valueType="num">
-                                      <p:cBhvr>
-                                        <p:cTn id="13" dur="500"/>
-                                        <p:tgtEl>
-                                          <p:spTgt spid="15"/>
-                                        </p:tgtEl>
-                                        <p:attrNameLst>
-                                          <p:attrName>ppt_w</p:attrName>
-                                        </p:attrNameLst>
-                                      </p:cBhvr>
-                                      <p:tavLst>
-                                        <p:tav tm="0">
-                                          <p:val>
-                                            <p:strVal val="ppt_w"/>
-                                          </p:val>
-                                        </p:tav>
-                                        <p:tav tm="100000">
-                                          <p:val>
-                                            <p:fltVal val="0"/>
-                                          </p:val>
-                                        </p:tav>
-                                      </p:tavLst>
-                                    </p:anim>
-                                    <p:anim calcmode="lin" valueType="num">
-                                      <p:cBhvr>
-                                        <p:cTn id="14" dur="500"/>
-                                        <p:tgtEl>
-                                          <p:spTgt spid="15"/>
-                                        </p:tgtEl>
-                                        <p:attrNameLst>
-                                          <p:attrName>ppt_h</p:attrName>
-                                        </p:attrNameLst>
-                                      </p:cBhvr>
-                                      <p:tavLst>
-                                        <p:tav tm="0">
-                                          <p:val>
-                                            <p:strVal val="ppt_h"/>
-                                          </p:val>
-                                        </p:tav>
-                                        <p:tav tm="100000">
-                                          <p:val>
-                                            <p:fltVal val="0"/>
-                                          </p:val>
-                                        </p:tav>
-                                      </p:tavLst>
-                                    </p:anim>
-                                    <p:animEffect transition="out" filter="fade">
-                                      <p:cBhvr>
-                                        <p:cTn id="15" dur="500"/>
-                                        <p:tgtEl>
-                                          <p:spTgt spid="15"/>
-                                        </p:tgtEl>
-                                      </p:cBhvr>
-                                    </p:animEffect>
-                                    <p:set>
-                                      <p:cBhvr>
-                                        <p:cTn id="16" dur="1" fill="hold">
-                                          <p:stCondLst>
-                                            <p:cond delay="499"/>
-                                          </p:stCondLst>
-                                        </p:cTn>
-                                        <p:tgtEl>
-                                          <p:spTgt spid="15"/>
-                                        </p:tgtEl>
-                                        <p:attrNameLst>
-                                          <p:attrName>style.visibility</p:attrName>
-                                        </p:attrNameLst>
-                                      </p:cBhvr>
-                                      <p:to>
-                                        <p:strVal val="hidden"/>
-                                      </p:to>
-                                    </p:set>
-                                  </p:childTnLst>
-                                </p:cTn>
-                              </p:par>
-                            </p:childTnLst>
-                          </p:cTn>
-                        </p:par>
-                      </p:childTnLst>
-                    </p:cTn>
-                  </p:par>
                 </p:childTnLst>
               </p:cTn>
               <p:prevCondLst>
@@ -42680,105 +43750,6 @@
                       </p:childTnLst>
                     </p:cTn>
                   </p:par>
-                  <p:par>
-                    <p:cTn id="10" fill="hold">
-                      <p:stCondLst>
-                        <p:cond delay="indefinite"/>
-                      </p:stCondLst>
-                      <p:childTnLst>
-                        <p:par>
-                          <p:cTn id="11" fill="hold">
-                            <p:stCondLst>
-                              <p:cond delay="0"/>
-                            </p:stCondLst>
-                            <p:childTnLst>
-                              <p:par>
-                                <p:cTn id="12" presetID="53" presetClass="exit" presetSubtype="32" fill="hold" nodeType="clickEffect">
-                                  <p:stCondLst>
-                                    <p:cond delay="0"/>
-                                  </p:stCondLst>
-                                  <p:childTnLst>
-                                    <p:anim calcmode="lin" valueType="num">
-                                      <p:cBhvr>
-                                        <p:cTn id="13" dur="500"/>
-                                        <p:tgtEl>
-                                          <p:spTgt spid="9"/>
-                                        </p:tgtEl>
-                                        <p:attrNameLst>
-                                          <p:attrName>ppt_w</p:attrName>
-                                        </p:attrNameLst>
-                                      </p:cBhvr>
-                                      <p:tavLst>
-                                        <p:tav tm="0">
-                                          <p:val>
-                                            <p:strVal val="ppt_w"/>
-                                          </p:val>
-                                        </p:tav>
-                                        <p:tav tm="100000">
-                                          <p:val>
-                                            <p:fltVal val="0"/>
-                                          </p:val>
-                                        </p:tav>
-                                      </p:tavLst>
-                                    </p:anim>
-                                    <p:anim calcmode="lin" valueType="num">
-                                      <p:cBhvr>
-                                        <p:cTn id="14" dur="500"/>
-                                        <p:tgtEl>
-                                          <p:spTgt spid="9"/>
-                                        </p:tgtEl>
-                                        <p:attrNameLst>
-                                          <p:attrName>ppt_h</p:attrName>
-                                        </p:attrNameLst>
-                                      </p:cBhvr>
-                                      <p:tavLst>
-                                        <p:tav tm="0">
-                                          <p:val>
-                                            <p:strVal val="ppt_h"/>
-                                          </p:val>
-                                        </p:tav>
-                                        <p:tav tm="100000">
-                                          <p:val>
-                                            <p:fltVal val="0"/>
-                                          </p:val>
-                                        </p:tav>
-                                      </p:tavLst>
-                                    </p:anim>
-                                    <p:animEffect transition="out" filter="fade">
-                                      <p:cBhvr>
-                                        <p:cTn id="15" dur="500"/>
-                                        <p:tgtEl>
-                                          <p:spTgt spid="9"/>
-                                        </p:tgtEl>
-                                      </p:cBhvr>
-                                    </p:animEffect>
-                                    <p:set>
-                                      <p:cBhvr>
-                                        <p:cTn id="16" dur="1" fill="hold">
-                                          <p:stCondLst>
-                                            <p:cond delay="499"/>
-                                          </p:stCondLst>
-                                        </p:cTn>
-                                        <p:tgtEl>
-                                          <p:spTgt spid="9"/>
-                                        </p:tgtEl>
-                                        <p:attrNameLst>
-                                          <p:attrName>style.visibility</p:attrName>
-                                        </p:attrNameLst>
-                                      </p:cBhvr>
-                                      <p:to>
-                                        <p:strVal val="hidden"/>
-                                      </p:to>
-                                    </p:set>
-                                  </p:childTnLst>
-                                </p:cTn>
-                              </p:par>
-                            </p:childTnLst>
-                          </p:cTn>
-                        </p:par>
-                      </p:childTnLst>
-                    </p:cTn>
-                  </p:par>
                 </p:childTnLst>
               </p:cTn>
               <p:prevCondLst>
@@ -43614,105 +44585,6 @@
                                         </p:tgtEl>
                                       </p:cBhvr>
                                     </p:animEffect>
-                                  </p:childTnLst>
-                                </p:cTn>
-                              </p:par>
-                            </p:childTnLst>
-                          </p:cTn>
-                        </p:par>
-                      </p:childTnLst>
-                    </p:cTn>
-                  </p:par>
-                  <p:par>
-                    <p:cTn id="10" fill="hold">
-                      <p:stCondLst>
-                        <p:cond delay="indefinite"/>
-                      </p:stCondLst>
-                      <p:childTnLst>
-                        <p:par>
-                          <p:cTn id="11" fill="hold">
-                            <p:stCondLst>
-                              <p:cond delay="0"/>
-                            </p:stCondLst>
-                            <p:childTnLst>
-                              <p:par>
-                                <p:cTn id="12" presetID="53" presetClass="exit" presetSubtype="32" fill="hold" nodeType="clickEffect">
-                                  <p:stCondLst>
-                                    <p:cond delay="0"/>
-                                  </p:stCondLst>
-                                  <p:childTnLst>
-                                    <p:anim calcmode="lin" valueType="num">
-                                      <p:cBhvr>
-                                        <p:cTn id="13" dur="500"/>
-                                        <p:tgtEl>
-                                          <p:spTgt spid="4"/>
-                                        </p:tgtEl>
-                                        <p:attrNameLst>
-                                          <p:attrName>ppt_w</p:attrName>
-                                        </p:attrNameLst>
-                                      </p:cBhvr>
-                                      <p:tavLst>
-                                        <p:tav tm="0">
-                                          <p:val>
-                                            <p:strVal val="ppt_w"/>
-                                          </p:val>
-                                        </p:tav>
-                                        <p:tav tm="100000">
-                                          <p:val>
-                                            <p:fltVal val="0"/>
-                                          </p:val>
-                                        </p:tav>
-                                      </p:tavLst>
-                                    </p:anim>
-                                    <p:anim calcmode="lin" valueType="num">
-                                      <p:cBhvr>
-                                        <p:cTn id="14" dur="500"/>
-                                        <p:tgtEl>
-                                          <p:spTgt spid="4"/>
-                                        </p:tgtEl>
-                                        <p:attrNameLst>
-                                          <p:attrName>ppt_h</p:attrName>
-                                        </p:attrNameLst>
-                                      </p:cBhvr>
-                                      <p:tavLst>
-                                        <p:tav tm="0">
-                                          <p:val>
-                                            <p:strVal val="ppt_h"/>
-                                          </p:val>
-                                        </p:tav>
-                                        <p:tav tm="100000">
-                                          <p:val>
-                                            <p:fltVal val="0"/>
-                                          </p:val>
-                                        </p:tav>
-                                      </p:tavLst>
-                                    </p:anim>
-                                    <p:animEffect transition="out" filter="fade">
-                                      <p:cBhvr>
-                                        <p:cTn id="15" dur="500"/>
-                                        <p:tgtEl>
-                                          <p:spTgt spid="4"/>
-                                        </p:tgtEl>
-                                      </p:cBhvr>
-                                    </p:animEffect>
-                                    <p:set>
-                                      <p:cBhvr>
-                                        <p:cTn id="16" dur="1" fill="hold">
-                                          <p:stCondLst>
-                                            <p:cond delay="499"/>
-                                          </p:stCondLst>
-                                        </p:cTn>
-                                        <p:tgtEl>
-                                          <p:spTgt spid="4"/>
-                                        </p:tgtEl>
-                                        <p:attrNameLst>
-                                          <p:attrName>style.visibility</p:attrName>
-                                        </p:attrNameLst>
-                                      </p:cBhvr>
-                                      <p:to>
-                                        <p:strVal val="hidden"/>
-                                      </p:to>
-                                    </p:set>
                                   </p:childTnLst>
                                 </p:cTn>
                               </p:par>
@@ -44567,105 +45439,6 @@
                       </p:childTnLst>
                     </p:cTn>
                   </p:par>
-                  <p:par>
-                    <p:cTn id="10" fill="hold">
-                      <p:stCondLst>
-                        <p:cond delay="indefinite"/>
-                      </p:stCondLst>
-                      <p:childTnLst>
-                        <p:par>
-                          <p:cTn id="11" fill="hold">
-                            <p:stCondLst>
-                              <p:cond delay="0"/>
-                            </p:stCondLst>
-                            <p:childTnLst>
-                              <p:par>
-                                <p:cTn id="12" presetID="53" presetClass="exit" presetSubtype="32" fill="hold" nodeType="clickEffect">
-                                  <p:stCondLst>
-                                    <p:cond delay="0"/>
-                                  </p:stCondLst>
-                                  <p:childTnLst>
-                                    <p:anim calcmode="lin" valueType="num">
-                                      <p:cBhvr>
-                                        <p:cTn id="13" dur="500"/>
-                                        <p:tgtEl>
-                                          <p:spTgt spid="4"/>
-                                        </p:tgtEl>
-                                        <p:attrNameLst>
-                                          <p:attrName>ppt_w</p:attrName>
-                                        </p:attrNameLst>
-                                      </p:cBhvr>
-                                      <p:tavLst>
-                                        <p:tav tm="0">
-                                          <p:val>
-                                            <p:strVal val="ppt_w"/>
-                                          </p:val>
-                                        </p:tav>
-                                        <p:tav tm="100000">
-                                          <p:val>
-                                            <p:fltVal val="0"/>
-                                          </p:val>
-                                        </p:tav>
-                                      </p:tavLst>
-                                    </p:anim>
-                                    <p:anim calcmode="lin" valueType="num">
-                                      <p:cBhvr>
-                                        <p:cTn id="14" dur="500"/>
-                                        <p:tgtEl>
-                                          <p:spTgt spid="4"/>
-                                        </p:tgtEl>
-                                        <p:attrNameLst>
-                                          <p:attrName>ppt_h</p:attrName>
-                                        </p:attrNameLst>
-                                      </p:cBhvr>
-                                      <p:tavLst>
-                                        <p:tav tm="0">
-                                          <p:val>
-                                            <p:strVal val="ppt_h"/>
-                                          </p:val>
-                                        </p:tav>
-                                        <p:tav tm="100000">
-                                          <p:val>
-                                            <p:fltVal val="0"/>
-                                          </p:val>
-                                        </p:tav>
-                                      </p:tavLst>
-                                    </p:anim>
-                                    <p:animEffect transition="out" filter="fade">
-                                      <p:cBhvr>
-                                        <p:cTn id="15" dur="500"/>
-                                        <p:tgtEl>
-                                          <p:spTgt spid="4"/>
-                                        </p:tgtEl>
-                                      </p:cBhvr>
-                                    </p:animEffect>
-                                    <p:set>
-                                      <p:cBhvr>
-                                        <p:cTn id="16" dur="1" fill="hold">
-                                          <p:stCondLst>
-                                            <p:cond delay="499"/>
-                                          </p:stCondLst>
-                                        </p:cTn>
-                                        <p:tgtEl>
-                                          <p:spTgt spid="4"/>
-                                        </p:tgtEl>
-                                        <p:attrNameLst>
-                                          <p:attrName>style.visibility</p:attrName>
-                                        </p:attrNameLst>
-                                      </p:cBhvr>
-                                      <p:to>
-                                        <p:strVal val="hidden"/>
-                                      </p:to>
-                                    </p:set>
-                                  </p:childTnLst>
-                                </p:cTn>
-                              </p:par>
-                            </p:childTnLst>
-                          </p:cTn>
-                        </p:par>
-                      </p:childTnLst>
-                    </p:cTn>
-                  </p:par>
                 </p:childTnLst>
               </p:cTn>
               <p:prevCondLst>

--- a/Documentação/Apresentação - Sprint 3.pptx
+++ b/Documentação/Apresentação - Sprint 3.pptx
@@ -9,21 +9,22 @@
     <p:sldId id="281" r:id="rId3"/>
     <p:sldId id="297" r:id="rId4"/>
     <p:sldId id="298" r:id="rId5"/>
-    <p:sldId id="296" r:id="rId6"/>
-    <p:sldId id="303" r:id="rId7"/>
-    <p:sldId id="292" r:id="rId8"/>
-    <p:sldId id="295" r:id="rId9"/>
-    <p:sldId id="294" r:id="rId10"/>
-    <p:sldId id="289" r:id="rId11"/>
-    <p:sldId id="307" r:id="rId12"/>
-    <p:sldId id="300" r:id="rId13"/>
-    <p:sldId id="287" r:id="rId14"/>
-    <p:sldId id="304" r:id="rId15"/>
-    <p:sldId id="309" r:id="rId16"/>
-    <p:sldId id="308" r:id="rId17"/>
-    <p:sldId id="305" r:id="rId18"/>
-    <p:sldId id="299" r:id="rId19"/>
-    <p:sldId id="290" r:id="rId20"/>
+    <p:sldId id="310" r:id="rId6"/>
+    <p:sldId id="296" r:id="rId7"/>
+    <p:sldId id="303" r:id="rId8"/>
+    <p:sldId id="292" r:id="rId9"/>
+    <p:sldId id="295" r:id="rId10"/>
+    <p:sldId id="294" r:id="rId11"/>
+    <p:sldId id="289" r:id="rId12"/>
+    <p:sldId id="307" r:id="rId13"/>
+    <p:sldId id="300" r:id="rId14"/>
+    <p:sldId id="287" r:id="rId15"/>
+    <p:sldId id="304" r:id="rId16"/>
+    <p:sldId id="309" r:id="rId17"/>
+    <p:sldId id="308" r:id="rId18"/>
+    <p:sldId id="305" r:id="rId19"/>
+    <p:sldId id="299" r:id="rId20"/>
+    <p:sldId id="290" r:id="rId21"/>
   </p:sldIdLst>
   <p:sldSz cx="12192000" cy="6858000"/>
   <p:notesSz cx="6858000" cy="9144000"/>
@@ -133,6 +134,7 @@
 <file path=ppt/revisionInfo.xml><?xml version="1.0" encoding="utf-8"?>
 <p1510:revInfo xmlns:a="http://schemas.openxmlformats.org/drawingml/2006/main" xmlns:r="http://schemas.openxmlformats.org/officeDocument/2006/relationships" xmlns:p1510="http://schemas.microsoft.com/office/powerpoint/2015/10/main">
   <p1510:revLst>
+    <p1510:client id="{6EC4B758-B45F-42C0-A207-A6CC0CF2CC0F}" v="119" dt="2020-06-19T00:19:14.926"/>
     <p1510:client id="{DAECEB32-C126-44A1-B729-3AADB1682972}" v="543" dt="2020-06-18T22:40:15.195"/>
   </p1510:revLst>
 </p1510:revInfo>
@@ -3496,6 +3498,190 @@
             <pc:docMk/>
             <pc:sldMk cId="1001627628" sldId="290"/>
             <ac:picMk id="18" creationId="{E06E4486-40EB-49C0-BDD4-6308F01F4996}"/>
+          </ac:picMkLst>
+        </pc:picChg>
+      </pc:sldChg>
+    </pc:docChg>
+  </pc:docChgLst>
+  <pc:docChgLst>
+    <pc:chgData name="Fernando C Correa" userId="a08d7f3c16d54179" providerId="LiveId" clId="{6EC4B758-B45F-42C0-A207-A6CC0CF2CC0F}"/>
+    <pc:docChg chg="custSel addSld modSld sldOrd">
+      <pc:chgData name="Fernando C Correa" userId="a08d7f3c16d54179" providerId="LiveId" clId="{6EC4B758-B45F-42C0-A207-A6CC0CF2CC0F}" dt="2020-06-19T00:19:22.161" v="126"/>
+      <pc:docMkLst>
+        <pc:docMk/>
+      </pc:docMkLst>
+      <pc:sldChg chg="addSp delSp modSp add mod ord delAnim">
+        <pc:chgData name="Fernando C Correa" userId="a08d7f3c16d54179" providerId="LiveId" clId="{6EC4B758-B45F-42C0-A207-A6CC0CF2CC0F}" dt="2020-06-19T00:19:22.161" v="126"/>
+        <pc:sldMkLst>
+          <pc:docMk/>
+          <pc:sldMk cId="1216557380" sldId="310"/>
+        </pc:sldMkLst>
+        <pc:spChg chg="add del">
+          <ac:chgData name="Fernando C Correa" userId="a08d7f3c16d54179" providerId="LiveId" clId="{6EC4B758-B45F-42C0-A207-A6CC0CF2CC0F}" dt="2020-06-19T00:02:47.623" v="27" actId="478"/>
+          <ac:spMkLst>
+            <pc:docMk/>
+            <pc:sldMk cId="1216557380" sldId="310"/>
+            <ac:spMk id="3" creationId="{C4067438-8CD2-439C-9D91-898636A2B2ED}"/>
+          </ac:spMkLst>
+        </pc:spChg>
+        <pc:spChg chg="del mod">
+          <ac:chgData name="Fernando C Correa" userId="a08d7f3c16d54179" providerId="LiveId" clId="{6EC4B758-B45F-42C0-A207-A6CC0CF2CC0F}" dt="2020-06-18T23:50:40.874" v="6" actId="478"/>
+          <ac:spMkLst>
+            <pc:docMk/>
+            <pc:sldMk cId="1216557380" sldId="310"/>
+            <ac:spMk id="10" creationId="{00000000-0000-0000-0000-000000000000}"/>
+          </ac:spMkLst>
+        </pc:spChg>
+        <pc:spChg chg="del">
+          <ac:chgData name="Fernando C Correa" userId="a08d7f3c16d54179" providerId="LiveId" clId="{6EC4B758-B45F-42C0-A207-A6CC0CF2CC0F}" dt="2020-06-19T00:18:34.884" v="122" actId="478"/>
+          <ac:spMkLst>
+            <pc:docMk/>
+            <pc:sldMk cId="1216557380" sldId="310"/>
+            <ac:spMk id="16" creationId="{B929AAFC-5FD1-4FBC-9997-0574514F2D6D}"/>
+          </ac:spMkLst>
+        </pc:spChg>
+        <pc:spChg chg="del">
+          <ac:chgData name="Fernando C Correa" userId="a08d7f3c16d54179" providerId="LiveId" clId="{6EC4B758-B45F-42C0-A207-A6CC0CF2CC0F}" dt="2020-06-18T23:50:51.130" v="9" actId="478"/>
+          <ac:spMkLst>
+            <pc:docMk/>
+            <pc:sldMk cId="1216557380" sldId="310"/>
+            <ac:spMk id="21" creationId="{DEDAC65E-5A44-4D6B-8FD8-DE7536913038}"/>
+          </ac:spMkLst>
+        </pc:spChg>
+        <pc:spChg chg="add mod">
+          <ac:chgData name="Fernando C Correa" userId="a08d7f3c16d54179" providerId="LiveId" clId="{6EC4B758-B45F-42C0-A207-A6CC0CF2CC0F}" dt="2020-06-19T00:18:35.134" v="123"/>
+          <ac:spMkLst>
+            <pc:docMk/>
+            <pc:sldMk cId="1216557380" sldId="310"/>
+            <ac:spMk id="33" creationId="{4EC138E7-6E1A-465A-ABCA-96536386FA2F}"/>
+          </ac:spMkLst>
+        </pc:spChg>
+        <pc:picChg chg="add del mod">
+          <ac:chgData name="Fernando C Correa" userId="a08d7f3c16d54179" providerId="LiveId" clId="{6EC4B758-B45F-42C0-A207-A6CC0CF2CC0F}" dt="2020-06-19T00:03:02.717" v="30" actId="478"/>
+          <ac:picMkLst>
+            <pc:docMk/>
+            <pc:sldMk cId="1216557380" sldId="310"/>
+            <ac:picMk id="5" creationId="{02D9D256-F4A8-41E8-B5B9-7C389446A865}"/>
+          </ac:picMkLst>
+        </pc:picChg>
+        <pc:picChg chg="add del mod">
+          <ac:chgData name="Fernando C Correa" userId="a08d7f3c16d54179" providerId="LiveId" clId="{6EC4B758-B45F-42C0-A207-A6CC0CF2CC0F}" dt="2020-06-19T00:03:52.186" v="32" actId="478"/>
+          <ac:picMkLst>
+            <pc:docMk/>
+            <pc:sldMk cId="1216557380" sldId="310"/>
+            <ac:picMk id="7" creationId="{88BA9433-256E-4C5B-8E78-A369A413C4B6}"/>
+          </ac:picMkLst>
+        </pc:picChg>
+        <pc:picChg chg="del">
+          <ac:chgData name="Fernando C Correa" userId="a08d7f3c16d54179" providerId="LiveId" clId="{6EC4B758-B45F-42C0-A207-A6CC0CF2CC0F}" dt="2020-06-18T23:50:07.842" v="1" actId="478"/>
+          <ac:picMkLst>
+            <pc:docMk/>
+            <pc:sldMk cId="1216557380" sldId="310"/>
+            <ac:picMk id="8" creationId="{E7887945-5460-4B49-BFA8-1466756D37A0}"/>
+          </ac:picMkLst>
+        </pc:picChg>
+        <pc:picChg chg="add del mod">
+          <ac:chgData name="Fernando C Correa" userId="a08d7f3c16d54179" providerId="LiveId" clId="{6EC4B758-B45F-42C0-A207-A6CC0CF2CC0F}" dt="2020-06-18T23:50:40.874" v="6" actId="478"/>
+          <ac:picMkLst>
+            <pc:docMk/>
+            <pc:sldMk cId="1216557380" sldId="310"/>
+            <ac:picMk id="1026" creationId="{E2C4D506-071C-451A-A25B-277474AEA927}"/>
+          </ac:picMkLst>
+        </pc:picChg>
+        <pc:picChg chg="add mod">
+          <ac:chgData name="Fernando C Correa" userId="a08d7f3c16d54179" providerId="LiveId" clId="{6EC4B758-B45F-42C0-A207-A6CC0CF2CC0F}" dt="2020-06-19T00:18:01.635" v="116" actId="1076"/>
+          <ac:picMkLst>
+            <pc:docMk/>
+            <pc:sldMk cId="1216557380" sldId="310"/>
+            <ac:picMk id="1028" creationId="{D76B89FC-867A-4147-BA71-9560870E80C8}"/>
+          </ac:picMkLst>
+        </pc:picChg>
+        <pc:picChg chg="add mod">
+          <ac:chgData name="Fernando C Correa" userId="a08d7f3c16d54179" providerId="LiveId" clId="{6EC4B758-B45F-42C0-A207-A6CC0CF2CC0F}" dt="2020-06-19T00:17:48.852" v="113" actId="1076"/>
+          <ac:picMkLst>
+            <pc:docMk/>
+            <pc:sldMk cId="1216557380" sldId="310"/>
+            <ac:picMk id="1030" creationId="{1D444095-F87C-4CAA-AEB0-70F655079581}"/>
+          </ac:picMkLst>
+        </pc:picChg>
+        <pc:picChg chg="add del mod">
+          <ac:chgData name="Fernando C Correa" userId="a08d7f3c16d54179" providerId="LiveId" clId="{6EC4B758-B45F-42C0-A207-A6CC0CF2CC0F}" dt="2020-06-19T00:04:42.394" v="35" actId="478"/>
+          <ac:picMkLst>
+            <pc:docMk/>
+            <pc:sldMk cId="1216557380" sldId="310"/>
+            <ac:picMk id="1032" creationId="{DC985500-6753-4439-BD58-630E0B60A8D5}"/>
+          </ac:picMkLst>
+        </pc:picChg>
+        <pc:picChg chg="add del mod">
+          <ac:chgData name="Fernando C Correa" userId="a08d7f3c16d54179" providerId="LiveId" clId="{6EC4B758-B45F-42C0-A207-A6CC0CF2CC0F}" dt="2020-06-19T00:12:40.871" v="38" actId="478"/>
+          <ac:picMkLst>
+            <pc:docMk/>
+            <pc:sldMk cId="1216557380" sldId="310"/>
+            <ac:picMk id="1034" creationId="{F4FBE164-AFE1-4910-B468-1BEFB859B3E4}"/>
+          </ac:picMkLst>
+        </pc:picChg>
+        <pc:picChg chg="add mod">
+          <ac:chgData name="Fernando C Correa" userId="a08d7f3c16d54179" providerId="LiveId" clId="{6EC4B758-B45F-42C0-A207-A6CC0CF2CC0F}" dt="2020-06-19T00:18:04.970" v="117" actId="1076"/>
+          <ac:picMkLst>
+            <pc:docMk/>
+            <pc:sldMk cId="1216557380" sldId="310"/>
+            <ac:picMk id="1036" creationId="{4CB63698-D978-4CD6-8FD1-C022074D72D7}"/>
+          </ac:picMkLst>
+        </pc:picChg>
+        <pc:picChg chg="add mod">
+          <ac:chgData name="Fernando C Correa" userId="a08d7f3c16d54179" providerId="LiveId" clId="{6EC4B758-B45F-42C0-A207-A6CC0CF2CC0F}" dt="2020-06-19T00:18:07.101" v="118" actId="1076"/>
+          <ac:picMkLst>
+            <pc:docMk/>
+            <pc:sldMk cId="1216557380" sldId="310"/>
+            <ac:picMk id="1038" creationId="{1070BA75-767B-4C56-BCD0-3A6C324EE9BC}"/>
+          </ac:picMkLst>
+        </pc:picChg>
+        <pc:picChg chg="add mod">
+          <ac:chgData name="Fernando C Correa" userId="a08d7f3c16d54179" providerId="LiveId" clId="{6EC4B758-B45F-42C0-A207-A6CC0CF2CC0F}" dt="2020-06-19T00:18:11.926" v="119" actId="1076"/>
+          <ac:picMkLst>
+            <pc:docMk/>
+            <pc:sldMk cId="1216557380" sldId="310"/>
+            <ac:picMk id="1040" creationId="{3E94C683-13A5-473D-84E5-0EC77570D1A9}"/>
+          </ac:picMkLst>
+        </pc:picChg>
+        <pc:picChg chg="add del mod">
+          <ac:chgData name="Fernando C Correa" userId="a08d7f3c16d54179" providerId="LiveId" clId="{6EC4B758-B45F-42C0-A207-A6CC0CF2CC0F}" dt="2020-06-19T00:02:09.582" v="25" actId="478"/>
+          <ac:picMkLst>
+            <pc:docMk/>
+            <pc:sldMk cId="1216557380" sldId="310"/>
+            <ac:picMk id="1042" creationId="{F976BB1D-A18D-4721-B4A5-05E33E45C8BE}"/>
+          </ac:picMkLst>
+        </pc:picChg>
+        <pc:picChg chg="add del mod">
+          <ac:chgData name="Fernando C Correa" userId="a08d7f3c16d54179" providerId="LiveId" clId="{6EC4B758-B45F-42C0-A207-A6CC0CF2CC0F}" dt="2020-06-19T00:02:09.582" v="25" actId="478"/>
+          <ac:picMkLst>
+            <pc:docMk/>
+            <pc:sldMk cId="1216557380" sldId="310"/>
+            <ac:picMk id="1044" creationId="{28885620-9074-4DE9-A28C-FC338FFEDBCF}"/>
+          </ac:picMkLst>
+        </pc:picChg>
+        <pc:picChg chg="add mod">
+          <ac:chgData name="Fernando C Correa" userId="a08d7f3c16d54179" providerId="LiveId" clId="{6EC4B758-B45F-42C0-A207-A6CC0CF2CC0F}" dt="2020-06-19T00:17:58.209" v="115" actId="1076"/>
+          <ac:picMkLst>
+            <pc:docMk/>
+            <pc:sldMk cId="1216557380" sldId="310"/>
+            <ac:picMk id="1048" creationId="{02423DA5-E5A7-4204-9F15-B1C2DA32315D}"/>
+          </ac:picMkLst>
+        </pc:picChg>
+        <pc:picChg chg="add mod">
+          <ac:chgData name="Fernando C Correa" userId="a08d7f3c16d54179" providerId="LiveId" clId="{6EC4B758-B45F-42C0-A207-A6CC0CF2CC0F}" dt="2020-06-19T00:19:14.925" v="124" actId="1076"/>
+          <ac:picMkLst>
+            <pc:docMk/>
+            <pc:sldMk cId="1216557380" sldId="310"/>
+            <ac:picMk id="1050" creationId="{3436FD7C-0729-4A23-ABA2-8DE8F6568403}"/>
+          </ac:picMkLst>
+        </pc:picChg>
+        <pc:picChg chg="add mod">
+          <ac:chgData name="Fernando C Correa" userId="a08d7f3c16d54179" providerId="LiveId" clId="{6EC4B758-B45F-42C0-A207-A6CC0CF2CC0F}" dt="2020-06-19T00:17:54.236" v="114" actId="1076"/>
+          <ac:picMkLst>
+            <pc:docMk/>
+            <pc:sldMk cId="1216557380" sldId="310"/>
+            <ac:picMk id="1052" creationId="{393BA934-075A-4034-B5AE-B620E367AEAB}"/>
           </ac:picMkLst>
         </pc:picChg>
       </pc:sldChg>
@@ -31259,6 +31445,851 @@
       </p:grpSp>
       <p:pic>
         <p:nvPicPr>
+          <p:cNvPr id="4" name="Imagem 3" descr="Uma imagem contendo televisão, tela, monitor, assistindo&#10;&#10;Descrição gerada automaticamente">
+            <a:extLst>
+              <a:ext uri="{FF2B5EF4-FFF2-40B4-BE49-F238E27FC236}">
+                <a16:creationId xmlns:a16="http://schemas.microsoft.com/office/drawing/2014/main" id="{21FC4F3E-E211-47D7-8ACC-E0A2CA159B1A}"/>
+              </a:ext>
+            </a:extLst>
+          </p:cNvPr>
+          <p:cNvPicPr>
+            <a:picLocks noChangeAspect="1"/>
+          </p:cNvPicPr>
+          <p:nvPr/>
+        </p:nvPicPr>
+        <p:blipFill>
+          <a:blip r:embed="rId2">
+            <a:extLst>
+              <a:ext uri="{28A0092B-C50C-407E-A947-70E740481C1C}">
+                <a14:useLocalDpi xmlns:a14="http://schemas.microsoft.com/office/drawing/2010/main" val="0"/>
+              </a:ext>
+            </a:extLst>
+          </a:blip>
+          <a:stretch>
+            <a:fillRect/>
+          </a:stretch>
+        </p:blipFill>
+        <p:spPr>
+          <a:xfrm>
+            <a:off x="1767840" y="2253036"/>
+            <a:ext cx="8656320" cy="3938211"/>
+          </a:xfrm>
+          <a:prstGeom prst="rect">
+            <a:avLst/>
+          </a:prstGeom>
+        </p:spPr>
+      </p:pic>
+      <p:sp>
+        <p:nvSpPr>
+          <p:cNvPr id="11" name="CaixaDeTexto 10">
+            <a:extLst>
+              <a:ext uri="{FF2B5EF4-FFF2-40B4-BE49-F238E27FC236}">
+                <a16:creationId xmlns:a16="http://schemas.microsoft.com/office/drawing/2014/main" id="{8EDF2009-2F02-48C7-BDA7-12762DFBACAD}"/>
+              </a:ext>
+            </a:extLst>
+          </p:cNvPr>
+          <p:cNvSpPr txBox="1"/>
+          <p:nvPr/>
+        </p:nvSpPr>
+        <p:spPr>
+          <a:xfrm>
+            <a:off x="2244588" y="1320341"/>
+            <a:ext cx="1597469" cy="338554"/>
+          </a:xfrm>
+          <a:prstGeom prst="rect">
+            <a:avLst/>
+          </a:prstGeom>
+          <a:noFill/>
+          <a:effectLst/>
+        </p:spPr>
+        <p:txBody>
+          <a:bodyPr wrap="square" rtlCol="0">
+            <a:spAutoFit/>
+          </a:bodyPr>
+          <a:lstStyle/>
+          <a:p>
+            <a:r>
+              <a:rPr lang="pt-BR" sz="1600" dirty="0" err="1"/>
+              <a:t>Proto-persona</a:t>
+            </a:r>
+            <a:endParaRPr lang="pt-BR" dirty="0"/>
+          </a:p>
+        </p:txBody>
+      </p:sp>
+      <p:sp>
+        <p:nvSpPr>
+          <p:cNvPr id="15" name="CaixaDeTexto 14">
+            <a:extLst>
+              <a:ext uri="{FF2B5EF4-FFF2-40B4-BE49-F238E27FC236}">
+                <a16:creationId xmlns:a16="http://schemas.microsoft.com/office/drawing/2014/main" id="{09C80A9F-46E9-4D57-BC1B-12B5ACE33AC8}"/>
+              </a:ext>
+            </a:extLst>
+          </p:cNvPr>
+          <p:cNvSpPr txBox="1"/>
+          <p:nvPr/>
+        </p:nvSpPr>
+        <p:spPr>
+          <a:xfrm>
+            <a:off x="3847413" y="1310816"/>
+            <a:ext cx="1321542" cy="338554"/>
+          </a:xfrm>
+          <a:prstGeom prst="rect">
+            <a:avLst/>
+          </a:prstGeom>
+          <a:noFill/>
+          <a:effectLst/>
+        </p:spPr>
+        <p:txBody>
+          <a:bodyPr wrap="square" rtlCol="0">
+            <a:spAutoFit/>
+          </a:bodyPr>
+          <a:lstStyle/>
+          <a:p>
+            <a:r>
+              <a:rPr lang="pt-BR" sz="1600" dirty="0" err="1"/>
+              <a:t>StoryBoard</a:t>
+            </a:r>
+            <a:endParaRPr lang="pt-BR" dirty="0"/>
+          </a:p>
+        </p:txBody>
+      </p:sp>
+      <p:sp>
+        <p:nvSpPr>
+          <p:cNvPr id="16" name="CaixaDeTexto 15">
+            <a:extLst>
+              <a:ext uri="{FF2B5EF4-FFF2-40B4-BE49-F238E27FC236}">
+                <a16:creationId xmlns:a16="http://schemas.microsoft.com/office/drawing/2014/main" id="{5A45E2C7-6875-4531-89AC-DFCCC35DF660}"/>
+              </a:ext>
+            </a:extLst>
+          </p:cNvPr>
+          <p:cNvSpPr txBox="1"/>
+          <p:nvPr/>
+        </p:nvSpPr>
+        <p:spPr>
+          <a:xfrm>
+            <a:off x="5285150" y="1320341"/>
+            <a:ext cx="1199701" cy="338554"/>
+          </a:xfrm>
+          <a:prstGeom prst="rect">
+            <a:avLst/>
+          </a:prstGeom>
+          <a:noFill/>
+          <a:effectLst/>
+        </p:spPr>
+        <p:txBody>
+          <a:bodyPr wrap="square" rtlCol="0">
+            <a:spAutoFit/>
+          </a:bodyPr>
+          <a:lstStyle/>
+          <a:p>
+            <a:r>
+              <a:rPr lang="pt-BR" sz="1600" dirty="0"/>
+              <a:t>Requisitos</a:t>
+            </a:r>
+            <a:endParaRPr lang="pt-BR" dirty="0"/>
+          </a:p>
+        </p:txBody>
+      </p:sp>
+      <p:sp>
+        <p:nvSpPr>
+          <p:cNvPr id="17" name="CaixaDeTexto 16">
+            <a:extLst>
+              <a:ext uri="{FF2B5EF4-FFF2-40B4-BE49-F238E27FC236}">
+                <a16:creationId xmlns:a16="http://schemas.microsoft.com/office/drawing/2014/main" id="{901B5BC6-D638-4BE0-B37B-1A203C864D2E}"/>
+              </a:ext>
+            </a:extLst>
+          </p:cNvPr>
+          <p:cNvSpPr txBox="1"/>
+          <p:nvPr/>
+        </p:nvSpPr>
+        <p:spPr>
+          <a:xfrm>
+            <a:off x="6661200" y="1320341"/>
+            <a:ext cx="898530" cy="338554"/>
+          </a:xfrm>
+          <a:prstGeom prst="rect">
+            <a:avLst/>
+          </a:prstGeom>
+          <a:noFill/>
+        </p:spPr>
+        <p:txBody>
+          <a:bodyPr wrap="square" rtlCol="0">
+            <a:spAutoFit/>
+          </a:bodyPr>
+          <a:lstStyle/>
+          <a:p>
+            <a:r>
+              <a:rPr lang="pt-BR" sz="1600" dirty="0"/>
+              <a:t>BPMN</a:t>
+            </a:r>
+            <a:endParaRPr lang="pt-BR" dirty="0"/>
+          </a:p>
+        </p:txBody>
+      </p:sp>
+      <p:sp>
+        <p:nvSpPr>
+          <p:cNvPr id="18" name="CaixaDeTexto 17">
+            <a:extLst>
+              <a:ext uri="{FF2B5EF4-FFF2-40B4-BE49-F238E27FC236}">
+                <a16:creationId xmlns:a16="http://schemas.microsoft.com/office/drawing/2014/main" id="{28727A08-76AD-4CC1-81E1-A9E265979E09}"/>
+              </a:ext>
+            </a:extLst>
+          </p:cNvPr>
+          <p:cNvSpPr txBox="1"/>
+          <p:nvPr/>
+        </p:nvSpPr>
+        <p:spPr>
+          <a:xfrm>
+            <a:off x="7709972" y="1301938"/>
+            <a:ext cx="2070837" cy="369332"/>
+          </a:xfrm>
+          <a:prstGeom prst="rect">
+            <a:avLst/>
+          </a:prstGeom>
+          <a:noFill/>
+          <a:effectLst>
+            <a:outerShdw blurRad="50800" dist="38100" dir="5400000" algn="t" rotWithShape="0">
+              <a:prstClr val="black">
+                <a:alpha val="40000"/>
+              </a:prstClr>
+            </a:outerShdw>
+          </a:effectLst>
+        </p:spPr>
+        <p:txBody>
+          <a:bodyPr wrap="square" rtlCol="0">
+            <a:spAutoFit/>
+          </a:bodyPr>
+          <a:lstStyle/>
+          <a:p>
+            <a:r>
+              <a:rPr lang="pt-BR" dirty="0"/>
+              <a:t>Desenho de Solução</a:t>
+            </a:r>
+          </a:p>
+        </p:txBody>
+      </p:sp>
+      <p:sp>
+        <p:nvSpPr>
+          <p:cNvPr id="19" name="CaixaDeTexto 18">
+            <a:extLst>
+              <a:ext uri="{FF2B5EF4-FFF2-40B4-BE49-F238E27FC236}">
+                <a16:creationId xmlns:a16="http://schemas.microsoft.com/office/drawing/2014/main" id="{780807C2-BAF7-460E-A962-492C349F6F41}"/>
+              </a:ext>
+            </a:extLst>
+          </p:cNvPr>
+          <p:cNvSpPr txBox="1"/>
+          <p:nvPr/>
+        </p:nvSpPr>
+        <p:spPr>
+          <a:xfrm>
+            <a:off x="9864699" y="1320341"/>
+            <a:ext cx="2277975" cy="338554"/>
+          </a:xfrm>
+          <a:prstGeom prst="rect">
+            <a:avLst/>
+          </a:prstGeom>
+          <a:noFill/>
+        </p:spPr>
+        <p:txBody>
+          <a:bodyPr wrap="square" rtlCol="0">
+            <a:spAutoFit/>
+          </a:bodyPr>
+          <a:lstStyle/>
+          <a:p>
+            <a:r>
+              <a:rPr lang="pt-BR" sz="1600" dirty="0"/>
+              <a:t>Planilha de Software</a:t>
+            </a:r>
+          </a:p>
+        </p:txBody>
+      </p:sp>
+    </p:spTree>
+    <p:extLst>
+      <p:ext uri="{BB962C8B-B14F-4D97-AF65-F5344CB8AC3E}">
+        <p14:creationId xmlns:p14="http://schemas.microsoft.com/office/powerpoint/2010/main" val="3697814180"/>
+      </p:ext>
+    </p:extLst>
+  </p:cSld>
+  <p:clrMapOvr>
+    <a:masterClrMapping/>
+  </p:clrMapOvr>
+  <p:timing>
+    <p:tnLst>
+      <p:par>
+        <p:cTn id="1" dur="indefinite" restart="never" nodeType="tmRoot">
+          <p:childTnLst>
+            <p:seq concurrent="1" nextAc="seek">
+              <p:cTn id="2" dur="indefinite" nodeType="mainSeq">
+                <p:childTnLst>
+                  <p:par>
+                    <p:cTn id="3" fill="hold">
+                      <p:stCondLst>
+                        <p:cond delay="indefinite"/>
+                        <p:cond evt="onBegin" delay="0">
+                          <p:tn val="2"/>
+                        </p:cond>
+                      </p:stCondLst>
+                      <p:childTnLst>
+                        <p:par>
+                          <p:cTn id="4" fill="hold">
+                            <p:stCondLst>
+                              <p:cond delay="0"/>
+                            </p:stCondLst>
+                            <p:childTnLst>
+                              <p:par>
+                                <p:cTn id="5" presetID="53" presetClass="entr" presetSubtype="16" fill="hold" nodeType="withEffect">
+                                  <p:stCondLst>
+                                    <p:cond delay="0"/>
+                                  </p:stCondLst>
+                                  <p:childTnLst>
+                                    <p:set>
+                                      <p:cBhvr>
+                                        <p:cTn id="6" dur="1" fill="hold">
+                                          <p:stCondLst>
+                                            <p:cond delay="0"/>
+                                          </p:stCondLst>
+                                        </p:cTn>
+                                        <p:tgtEl>
+                                          <p:spTgt spid="4"/>
+                                        </p:tgtEl>
+                                        <p:attrNameLst>
+                                          <p:attrName>style.visibility</p:attrName>
+                                        </p:attrNameLst>
+                                      </p:cBhvr>
+                                      <p:to>
+                                        <p:strVal val="visible"/>
+                                      </p:to>
+                                    </p:set>
+                                    <p:anim calcmode="lin" valueType="num">
+                                      <p:cBhvr>
+                                        <p:cTn id="7" dur="500" fill="hold"/>
+                                        <p:tgtEl>
+                                          <p:spTgt spid="4"/>
+                                        </p:tgtEl>
+                                        <p:attrNameLst>
+                                          <p:attrName>ppt_w</p:attrName>
+                                        </p:attrNameLst>
+                                      </p:cBhvr>
+                                      <p:tavLst>
+                                        <p:tav tm="0">
+                                          <p:val>
+                                            <p:fltVal val="0"/>
+                                          </p:val>
+                                        </p:tav>
+                                        <p:tav tm="100000">
+                                          <p:val>
+                                            <p:strVal val="#ppt_w"/>
+                                          </p:val>
+                                        </p:tav>
+                                      </p:tavLst>
+                                    </p:anim>
+                                    <p:anim calcmode="lin" valueType="num">
+                                      <p:cBhvr>
+                                        <p:cTn id="8" dur="500" fill="hold"/>
+                                        <p:tgtEl>
+                                          <p:spTgt spid="4"/>
+                                        </p:tgtEl>
+                                        <p:attrNameLst>
+                                          <p:attrName>ppt_h</p:attrName>
+                                        </p:attrNameLst>
+                                      </p:cBhvr>
+                                      <p:tavLst>
+                                        <p:tav tm="0">
+                                          <p:val>
+                                            <p:fltVal val="0"/>
+                                          </p:val>
+                                        </p:tav>
+                                        <p:tav tm="100000">
+                                          <p:val>
+                                            <p:strVal val="#ppt_h"/>
+                                          </p:val>
+                                        </p:tav>
+                                      </p:tavLst>
+                                    </p:anim>
+                                    <p:animEffect transition="in" filter="fade">
+                                      <p:cBhvr>
+                                        <p:cTn id="9" dur="500"/>
+                                        <p:tgtEl>
+                                          <p:spTgt spid="4"/>
+                                        </p:tgtEl>
+                                      </p:cBhvr>
+                                    </p:animEffect>
+                                  </p:childTnLst>
+                                </p:cTn>
+                              </p:par>
+                            </p:childTnLst>
+                          </p:cTn>
+                        </p:par>
+                      </p:childTnLst>
+                    </p:cTn>
+                  </p:par>
+                </p:childTnLst>
+              </p:cTn>
+              <p:prevCondLst>
+                <p:cond evt="onPrev" delay="0">
+                  <p:tgtEl>
+                    <p:sldTgt/>
+                  </p:tgtEl>
+                </p:cond>
+              </p:prevCondLst>
+              <p:nextCondLst>
+                <p:cond evt="onNext" delay="0">
+                  <p:tgtEl>
+                    <p:sldTgt/>
+                  </p:tgtEl>
+                </p:cond>
+              </p:nextCondLst>
+            </p:seq>
+          </p:childTnLst>
+        </p:cTn>
+      </p:par>
+    </p:tnLst>
+  </p:timing>
+</p:sld>
+</file>
+
+<file path=ppt/slides/slide11.xml><?xml version="1.0" encoding="utf-8"?>
+<p:sld xmlns:a="http://schemas.openxmlformats.org/drawingml/2006/main" xmlns:r="http://schemas.openxmlformats.org/officeDocument/2006/relationships" xmlns:p="http://schemas.openxmlformats.org/presentationml/2006/main">
+  <p:cSld>
+    <p:spTree>
+      <p:nvGrpSpPr>
+        <p:cNvPr id="1" name=""/>
+        <p:cNvGrpSpPr/>
+        <p:nvPr/>
+      </p:nvGrpSpPr>
+      <p:grpSpPr>
+        <a:xfrm>
+          <a:off x="0" y="0"/>
+          <a:ext cx="0" cy="0"/>
+          <a:chOff x="0" y="0"/>
+          <a:chExt cx="0" cy="0"/>
+        </a:xfrm>
+      </p:grpSpPr>
+      <p:sp useBgFill="1">
+        <p:nvSpPr>
+          <p:cNvPr id="10" name="Rectangle 9"/>
+          <p:cNvSpPr>
+            <a:spLocks noGrp="1" noRot="1" noChangeAspect="1" noMove="1" noResize="1" noEditPoints="1" noAdjustHandles="1" noChangeArrowheads="1" noChangeShapeType="1" noTextEdit="1"/>
+          </p:cNvSpPr>
+          <p:nvPr/>
+        </p:nvSpPr>
+        <p:spPr>
+          <a:xfrm>
+            <a:off x="0" y="0"/>
+            <a:ext cx="12192000" cy="6858000"/>
+          </a:xfrm>
+          <a:prstGeom prst="rect">
+            <a:avLst/>
+          </a:prstGeom>
+          <a:ln>
+            <a:noFill/>
+          </a:ln>
+        </p:spPr>
+        <p:style>
+          <a:lnRef idx="2">
+            <a:schemeClr val="accent1">
+              <a:shade val="50000"/>
+            </a:schemeClr>
+          </a:lnRef>
+          <a:fillRef idx="1">
+            <a:schemeClr val="accent1"/>
+          </a:fillRef>
+          <a:effectRef idx="0">
+            <a:schemeClr val="accent1"/>
+          </a:effectRef>
+          <a:fontRef idx="minor">
+            <a:schemeClr val="lt1"/>
+          </a:fontRef>
+        </p:style>
+        <p:txBody>
+          <a:bodyPr rtlCol="0" anchor="ctr"/>
+          <a:lstStyle/>
+          <a:p>
+            <a:pPr algn="ctr"/>
+            <a:endParaRPr lang="en-US" dirty="0"/>
+          </a:p>
+        </p:txBody>
+      </p:sp>
+      <p:sp>
+        <p:nvSpPr>
+          <p:cNvPr id="2" name="Título 1"/>
+          <p:cNvSpPr>
+            <a:spLocks noGrp="1"/>
+          </p:cNvSpPr>
+          <p:nvPr>
+            <p:ph type="title"/>
+          </p:nvPr>
+        </p:nvSpPr>
+        <p:spPr>
+          <a:xfrm>
+            <a:off x="1812897" y="518649"/>
+            <a:ext cx="9882278" cy="1067634"/>
+          </a:xfrm>
+        </p:spPr>
+        <p:txBody>
+          <a:bodyPr anchor="ctr">
+            <a:normAutofit/>
+          </a:bodyPr>
+          <a:lstStyle/>
+          <a:p>
+            <a:r>
+              <a:rPr lang="pt-BR" dirty="0"/>
+              <a:t>Artefatos</a:t>
+            </a:r>
+          </a:p>
+        </p:txBody>
+      </p:sp>
+      <p:grpSp>
+        <p:nvGrpSpPr>
+          <p:cNvPr id="12" name="Group 11"/>
+          <p:cNvGrpSpPr>
+            <a:grpSpLocks noGrp="1" noUngrp="1" noRot="1" noChangeAspect="1" noMove="1" noResize="1"/>
+          </p:cNvGrpSpPr>
+          <p:nvPr/>
+        </p:nvGrpSpPr>
+        <p:grpSpPr>
+          <a:xfrm>
+            <a:off x="472021" y="628863"/>
+            <a:ext cx="1128382" cy="847206"/>
+            <a:chOff x="8183879" y="1000124"/>
+            <a:chExt cx="1562267" cy="1172973"/>
+          </a:xfrm>
+        </p:grpSpPr>
+        <p:sp>
+          <p:nvSpPr>
+            <p:cNvPr id="13" name="Freeform 5"/>
+            <p:cNvSpPr/>
+            <p:nvPr/>
+          </p:nvSpPr>
+          <p:spPr bwMode="auto">
+            <a:xfrm>
+              <a:off x="8183879" y="1348782"/>
+              <a:ext cx="935037" cy="824315"/>
+            </a:xfrm>
+            <a:custGeom>
+              <a:avLst/>
+              <a:gdLst>
+                <a:gd name="T0" fmla="*/ 225 w 785"/>
+                <a:gd name="T1" fmla="*/ 692 h 692"/>
+                <a:gd name="T2" fmla="*/ 177 w 785"/>
+                <a:gd name="T3" fmla="*/ 665 h 692"/>
+                <a:gd name="T4" fmla="*/ 9 w 785"/>
+                <a:gd name="T5" fmla="*/ 374 h 692"/>
+                <a:gd name="T6" fmla="*/ 9 w 785"/>
+                <a:gd name="T7" fmla="*/ 318 h 692"/>
+                <a:gd name="T8" fmla="*/ 177 w 785"/>
+                <a:gd name="T9" fmla="*/ 27 h 692"/>
+                <a:gd name="T10" fmla="*/ 225 w 785"/>
+                <a:gd name="T11" fmla="*/ 0 h 692"/>
+                <a:gd name="T12" fmla="*/ 561 w 785"/>
+                <a:gd name="T13" fmla="*/ 0 h 692"/>
+                <a:gd name="T14" fmla="*/ 609 w 785"/>
+                <a:gd name="T15" fmla="*/ 27 h 692"/>
+                <a:gd name="T16" fmla="*/ 777 w 785"/>
+                <a:gd name="T17" fmla="*/ 318 h 692"/>
+                <a:gd name="T18" fmla="*/ 777 w 785"/>
+                <a:gd name="T19" fmla="*/ 374 h 692"/>
+                <a:gd name="T20" fmla="*/ 609 w 785"/>
+                <a:gd name="T21" fmla="*/ 665 h 692"/>
+                <a:gd name="T22" fmla="*/ 561 w 785"/>
+                <a:gd name="T23" fmla="*/ 692 h 692"/>
+                <a:gd name="T24" fmla="*/ 225 w 785"/>
+                <a:gd name="T25" fmla="*/ 692 h 692"/>
+              </a:gdLst>
+              <a:ahLst/>
+              <a:cxnLst>
+                <a:cxn ang="0">
+                  <a:pos x="T0" y="T1"/>
+                </a:cxn>
+                <a:cxn ang="0">
+                  <a:pos x="T2" y="T3"/>
+                </a:cxn>
+                <a:cxn ang="0">
+                  <a:pos x="T4" y="T5"/>
+                </a:cxn>
+                <a:cxn ang="0">
+                  <a:pos x="T6" y="T7"/>
+                </a:cxn>
+                <a:cxn ang="0">
+                  <a:pos x="T8" y="T9"/>
+                </a:cxn>
+                <a:cxn ang="0">
+                  <a:pos x="T10" y="T11"/>
+                </a:cxn>
+                <a:cxn ang="0">
+                  <a:pos x="T12" y="T13"/>
+                </a:cxn>
+                <a:cxn ang="0">
+                  <a:pos x="T14" y="T15"/>
+                </a:cxn>
+                <a:cxn ang="0">
+                  <a:pos x="T16" y="T17"/>
+                </a:cxn>
+                <a:cxn ang="0">
+                  <a:pos x="T18" y="T19"/>
+                </a:cxn>
+                <a:cxn ang="0">
+                  <a:pos x="T20" y="T21"/>
+                </a:cxn>
+                <a:cxn ang="0">
+                  <a:pos x="T22" y="T23"/>
+                </a:cxn>
+                <a:cxn ang="0">
+                  <a:pos x="T24" y="T25"/>
+                </a:cxn>
+              </a:cxnLst>
+              <a:rect l="0" t="0" r="r" b="b"/>
+              <a:pathLst>
+                <a:path w="785" h="692">
+                  <a:moveTo>
+                    <a:pt x="225" y="692"/>
+                  </a:moveTo>
+                  <a:cubicBezTo>
+                    <a:pt x="207" y="692"/>
+                    <a:pt x="185" y="680"/>
+                    <a:pt x="177" y="665"/>
+                  </a:cubicBezTo>
+                  <a:cubicBezTo>
+                    <a:pt x="9" y="374"/>
+                    <a:pt x="9" y="374"/>
+                    <a:pt x="9" y="374"/>
+                  </a:cubicBezTo>
+                  <a:cubicBezTo>
+                    <a:pt x="0" y="358"/>
+                    <a:pt x="0" y="334"/>
+                    <a:pt x="9" y="318"/>
+                  </a:cubicBezTo>
+                  <a:cubicBezTo>
+                    <a:pt x="177" y="27"/>
+                    <a:pt x="177" y="27"/>
+                    <a:pt x="177" y="27"/>
+                  </a:cubicBezTo>
+                  <a:cubicBezTo>
+                    <a:pt x="185" y="12"/>
+                    <a:pt x="207" y="0"/>
+                    <a:pt x="225" y="0"/>
+                  </a:cubicBezTo>
+                  <a:cubicBezTo>
+                    <a:pt x="561" y="0"/>
+                    <a:pt x="561" y="0"/>
+                    <a:pt x="561" y="0"/>
+                  </a:cubicBezTo>
+                  <a:cubicBezTo>
+                    <a:pt x="578" y="0"/>
+                    <a:pt x="600" y="12"/>
+                    <a:pt x="609" y="27"/>
+                  </a:cubicBezTo>
+                  <a:cubicBezTo>
+                    <a:pt x="777" y="318"/>
+                    <a:pt x="777" y="318"/>
+                    <a:pt x="777" y="318"/>
+                  </a:cubicBezTo>
+                  <a:cubicBezTo>
+                    <a:pt x="785" y="334"/>
+                    <a:pt x="785" y="358"/>
+                    <a:pt x="777" y="374"/>
+                  </a:cubicBezTo>
+                  <a:cubicBezTo>
+                    <a:pt x="609" y="665"/>
+                    <a:pt x="609" y="665"/>
+                    <a:pt x="609" y="665"/>
+                  </a:cubicBezTo>
+                  <a:cubicBezTo>
+                    <a:pt x="600" y="680"/>
+                    <a:pt x="578" y="692"/>
+                    <a:pt x="561" y="692"/>
+                  </a:cubicBezTo>
+                  <a:lnTo>
+                    <a:pt x="225" y="692"/>
+                  </a:lnTo>
+                  <a:close/>
+                </a:path>
+              </a:pathLst>
+            </a:custGeom>
+            <a:noFill/>
+            <a:ln w="28575" cmpd="sng">
+              <a:solidFill>
+                <a:schemeClr val="tx1"/>
+              </a:solidFill>
+            </a:ln>
+          </p:spPr>
+          <p:txBody>
+            <a:bodyPr vert="horz" wrap="square" lIns="91440" tIns="45720" rIns="91440" bIns="45720" numCol="1" anchor="t" anchorCtr="0" compatLnSpc="1"/>
+            <a:lstStyle/>
+            <a:p>
+              <a:endParaRPr lang="en-US"/>
+            </a:p>
+          </p:txBody>
+        </p:sp>
+        <p:sp>
+          <p:nvSpPr>
+            <p:cNvPr id="14" name="Freeform 5"/>
+            <p:cNvSpPr/>
+            <p:nvPr/>
+          </p:nvSpPr>
+          <p:spPr bwMode="auto">
+            <a:xfrm>
+              <a:off x="8983979" y="1000124"/>
+              <a:ext cx="762167" cy="671915"/>
+            </a:xfrm>
+            <a:custGeom>
+              <a:avLst/>
+              <a:gdLst>
+                <a:gd name="T0" fmla="*/ 225 w 785"/>
+                <a:gd name="T1" fmla="*/ 692 h 692"/>
+                <a:gd name="T2" fmla="*/ 177 w 785"/>
+                <a:gd name="T3" fmla="*/ 665 h 692"/>
+                <a:gd name="T4" fmla="*/ 9 w 785"/>
+                <a:gd name="T5" fmla="*/ 374 h 692"/>
+                <a:gd name="T6" fmla="*/ 9 w 785"/>
+                <a:gd name="T7" fmla="*/ 318 h 692"/>
+                <a:gd name="T8" fmla="*/ 177 w 785"/>
+                <a:gd name="T9" fmla="*/ 27 h 692"/>
+                <a:gd name="T10" fmla="*/ 225 w 785"/>
+                <a:gd name="T11" fmla="*/ 0 h 692"/>
+                <a:gd name="T12" fmla="*/ 561 w 785"/>
+                <a:gd name="T13" fmla="*/ 0 h 692"/>
+                <a:gd name="T14" fmla="*/ 609 w 785"/>
+                <a:gd name="T15" fmla="*/ 27 h 692"/>
+                <a:gd name="T16" fmla="*/ 777 w 785"/>
+                <a:gd name="T17" fmla="*/ 318 h 692"/>
+                <a:gd name="T18" fmla="*/ 777 w 785"/>
+                <a:gd name="T19" fmla="*/ 374 h 692"/>
+                <a:gd name="T20" fmla="*/ 609 w 785"/>
+                <a:gd name="T21" fmla="*/ 665 h 692"/>
+                <a:gd name="T22" fmla="*/ 561 w 785"/>
+                <a:gd name="T23" fmla="*/ 692 h 692"/>
+                <a:gd name="T24" fmla="*/ 225 w 785"/>
+                <a:gd name="T25" fmla="*/ 692 h 692"/>
+              </a:gdLst>
+              <a:ahLst/>
+              <a:cxnLst>
+                <a:cxn ang="0">
+                  <a:pos x="T0" y="T1"/>
+                </a:cxn>
+                <a:cxn ang="0">
+                  <a:pos x="T2" y="T3"/>
+                </a:cxn>
+                <a:cxn ang="0">
+                  <a:pos x="T4" y="T5"/>
+                </a:cxn>
+                <a:cxn ang="0">
+                  <a:pos x="T6" y="T7"/>
+                </a:cxn>
+                <a:cxn ang="0">
+                  <a:pos x="T8" y="T9"/>
+                </a:cxn>
+                <a:cxn ang="0">
+                  <a:pos x="T10" y="T11"/>
+                </a:cxn>
+                <a:cxn ang="0">
+                  <a:pos x="T12" y="T13"/>
+                </a:cxn>
+                <a:cxn ang="0">
+                  <a:pos x="T14" y="T15"/>
+                </a:cxn>
+                <a:cxn ang="0">
+                  <a:pos x="T16" y="T17"/>
+                </a:cxn>
+                <a:cxn ang="0">
+                  <a:pos x="T18" y="T19"/>
+                </a:cxn>
+                <a:cxn ang="0">
+                  <a:pos x="T20" y="T21"/>
+                </a:cxn>
+                <a:cxn ang="0">
+                  <a:pos x="T22" y="T23"/>
+                </a:cxn>
+                <a:cxn ang="0">
+                  <a:pos x="T24" y="T25"/>
+                </a:cxn>
+              </a:cxnLst>
+              <a:rect l="0" t="0" r="r" b="b"/>
+              <a:pathLst>
+                <a:path w="785" h="692">
+                  <a:moveTo>
+                    <a:pt x="225" y="692"/>
+                  </a:moveTo>
+                  <a:cubicBezTo>
+                    <a:pt x="207" y="692"/>
+                    <a:pt x="185" y="680"/>
+                    <a:pt x="177" y="665"/>
+                  </a:cubicBezTo>
+                  <a:cubicBezTo>
+                    <a:pt x="9" y="374"/>
+                    <a:pt x="9" y="374"/>
+                    <a:pt x="9" y="374"/>
+                  </a:cubicBezTo>
+                  <a:cubicBezTo>
+                    <a:pt x="0" y="358"/>
+                    <a:pt x="0" y="334"/>
+                    <a:pt x="9" y="318"/>
+                  </a:cubicBezTo>
+                  <a:cubicBezTo>
+                    <a:pt x="177" y="27"/>
+                    <a:pt x="177" y="27"/>
+                    <a:pt x="177" y="27"/>
+                  </a:cubicBezTo>
+                  <a:cubicBezTo>
+                    <a:pt x="185" y="12"/>
+                    <a:pt x="207" y="0"/>
+                    <a:pt x="225" y="0"/>
+                  </a:cubicBezTo>
+                  <a:cubicBezTo>
+                    <a:pt x="561" y="0"/>
+                    <a:pt x="561" y="0"/>
+                    <a:pt x="561" y="0"/>
+                  </a:cubicBezTo>
+                  <a:cubicBezTo>
+                    <a:pt x="578" y="0"/>
+                    <a:pt x="600" y="12"/>
+                    <a:pt x="609" y="27"/>
+                  </a:cubicBezTo>
+                  <a:cubicBezTo>
+                    <a:pt x="777" y="318"/>
+                    <a:pt x="777" y="318"/>
+                    <a:pt x="777" y="318"/>
+                  </a:cubicBezTo>
+                  <a:cubicBezTo>
+                    <a:pt x="785" y="334"/>
+                    <a:pt x="785" y="358"/>
+                    <a:pt x="777" y="374"/>
+                  </a:cubicBezTo>
+                  <a:cubicBezTo>
+                    <a:pt x="609" y="665"/>
+                    <a:pt x="609" y="665"/>
+                    <a:pt x="609" y="665"/>
+                  </a:cubicBezTo>
+                  <a:cubicBezTo>
+                    <a:pt x="600" y="680"/>
+                    <a:pt x="578" y="692"/>
+                    <a:pt x="561" y="692"/>
+                  </a:cubicBezTo>
+                  <a:lnTo>
+                    <a:pt x="225" y="692"/>
+                  </a:lnTo>
+                  <a:close/>
+                </a:path>
+              </a:pathLst>
+            </a:custGeom>
+            <a:noFill/>
+            <a:ln w="28575" cmpd="sng">
+              <a:solidFill>
+                <a:schemeClr val="tx1"/>
+              </a:solidFill>
+            </a:ln>
+          </p:spPr>
+          <p:txBody>
+            <a:bodyPr vert="horz" wrap="square" lIns="91440" tIns="45720" rIns="91440" bIns="45720" numCol="1" anchor="t" anchorCtr="0" compatLnSpc="1"/>
+            <a:lstStyle/>
+            <a:p>
+              <a:endParaRPr lang="en-US"/>
+            </a:p>
+          </p:txBody>
+        </p:sp>
+      </p:grpSp>
+      <p:pic>
+        <p:nvPicPr>
           <p:cNvPr id="11" name="Imagem 10">
             <a:extLst>
               <a:ext uri="{FF2B5EF4-FFF2-40B4-BE49-F238E27FC236}">
@@ -31755,7 +32786,7 @@
 </p:sld>
 </file>
 
-<file path=ppt/slides/slide11.xml><?xml version="1.0" encoding="utf-8"?>
+<file path=ppt/slides/slide12.xml><?xml version="1.0" encoding="utf-8"?>
 <p:sld xmlns:a="http://schemas.openxmlformats.org/drawingml/2006/main" xmlns:r="http://schemas.openxmlformats.org/officeDocument/2006/relationships" xmlns:p="http://schemas.openxmlformats.org/presentationml/2006/main">
   <p:cSld>
     <p:spTree>
@@ -32272,7 +33303,7 @@
 </p:sld>
 </file>
 
-<file path=ppt/slides/slide12.xml><?xml version="1.0" encoding="utf-8"?>
+<file path=ppt/slides/slide13.xml><?xml version="1.0" encoding="utf-8"?>
 <p:sld xmlns:a="http://schemas.openxmlformats.org/drawingml/2006/main" xmlns:r="http://schemas.openxmlformats.org/officeDocument/2006/relationships" xmlns:p="http://schemas.openxmlformats.org/presentationml/2006/main">
   <p:cSld>
     <p:spTree>
@@ -32979,7 +34010,7 @@
 </p:sld>
 </file>
 
-<file path=ppt/slides/slide13.xml><?xml version="1.0" encoding="utf-8"?>
+<file path=ppt/slides/slide14.xml><?xml version="1.0" encoding="utf-8"?>
 <p:sld xmlns:a="http://schemas.openxmlformats.org/drawingml/2006/main" xmlns:r="http://schemas.openxmlformats.org/officeDocument/2006/relationships" xmlns:p="http://schemas.openxmlformats.org/presentationml/2006/main">
   <p:cSld>
     <p:spTree>
@@ -33783,7 +34814,7 @@
 </p:sld>
 </file>
 
-<file path=ppt/slides/slide14.xml><?xml version="1.0" encoding="utf-8"?>
+<file path=ppt/slides/slide15.xml><?xml version="1.0" encoding="utf-8"?>
 <p:sld xmlns:a="http://schemas.openxmlformats.org/drawingml/2006/main" xmlns:r="http://schemas.openxmlformats.org/officeDocument/2006/relationships" xmlns:p="http://schemas.openxmlformats.org/presentationml/2006/main">
   <p:cSld>
     <p:spTree>
@@ -34587,7 +35618,7 @@
 </p:sld>
 </file>
 
-<file path=ppt/slides/slide15.xml><?xml version="1.0" encoding="utf-8"?>
+<file path=ppt/slides/slide16.xml><?xml version="1.0" encoding="utf-8"?>
 <p:sld xmlns:a="http://schemas.openxmlformats.org/drawingml/2006/main" xmlns:r="http://schemas.openxmlformats.org/officeDocument/2006/relationships" xmlns:p="http://schemas.openxmlformats.org/presentationml/2006/main">
   <p:cSld>
     <p:spTree>
@@ -35391,7 +36422,7 @@
 </p:sld>
 </file>
 
-<file path=ppt/slides/slide16.xml><?xml version="1.0" encoding="utf-8"?>
+<file path=ppt/slides/slide17.xml><?xml version="1.0" encoding="utf-8"?>
 <p:sld xmlns:a="http://schemas.openxmlformats.org/drawingml/2006/main" xmlns:r="http://schemas.openxmlformats.org/officeDocument/2006/relationships" xmlns:p="http://schemas.openxmlformats.org/presentationml/2006/main">
   <p:cSld>
     <p:spTree>
@@ -36195,7 +37226,7 @@
 </p:sld>
 </file>
 
-<file path=ppt/slides/slide17.xml><?xml version="1.0" encoding="utf-8"?>
+<file path=ppt/slides/slide18.xml><?xml version="1.0" encoding="utf-8"?>
 <p:sld xmlns:a="http://schemas.openxmlformats.org/drawingml/2006/main" xmlns:r="http://schemas.openxmlformats.org/officeDocument/2006/relationships" xmlns:p="http://schemas.openxmlformats.org/presentationml/2006/main">
   <p:cSld>
     <p:spTree>
@@ -36999,7 +38030,7 @@
 </p:sld>
 </file>
 
-<file path=ppt/slides/slide18.xml><?xml version="1.0" encoding="utf-8"?>
+<file path=ppt/slides/slide19.xml><?xml version="1.0" encoding="utf-8"?>
 <p:sld xmlns:a="http://schemas.openxmlformats.org/drawingml/2006/main" xmlns:r="http://schemas.openxmlformats.org/officeDocument/2006/relationships" xmlns:p="http://schemas.openxmlformats.org/presentationml/2006/main">
   <p:cSld>
     <p:spTree>
@@ -37798,7 +38829,946 @@
 </p:sld>
 </file>
 
-<file path=ppt/slides/slide19.xml><?xml version="1.0" encoding="utf-8"?>
+<file path=ppt/slides/slide2.xml><?xml version="1.0" encoding="utf-8"?>
+<p:sld xmlns:a="http://schemas.openxmlformats.org/drawingml/2006/main" xmlns:r="http://schemas.openxmlformats.org/officeDocument/2006/relationships" xmlns:p="http://schemas.openxmlformats.org/presentationml/2006/main">
+  <p:cSld>
+    <p:spTree>
+      <p:nvGrpSpPr>
+        <p:cNvPr id="1" name=""/>
+        <p:cNvGrpSpPr/>
+        <p:nvPr/>
+      </p:nvGrpSpPr>
+      <p:grpSpPr>
+        <a:xfrm>
+          <a:off x="0" y="0"/>
+          <a:ext cx="0" cy="0"/>
+          <a:chOff x="0" y="0"/>
+          <a:chExt cx="0" cy="0"/>
+        </a:xfrm>
+      </p:grpSpPr>
+      <p:sp useBgFill="1">
+        <p:nvSpPr>
+          <p:cNvPr id="10" name="Rectangle 9"/>
+          <p:cNvSpPr>
+            <a:spLocks noGrp="1" noRot="1" noChangeAspect="1" noMove="1" noResize="1" noEditPoints="1" noAdjustHandles="1" noChangeArrowheads="1" noChangeShapeType="1" noTextEdit="1"/>
+          </p:cNvSpPr>
+          <p:nvPr/>
+        </p:nvSpPr>
+        <p:spPr>
+          <a:xfrm>
+            <a:off x="0" y="0"/>
+            <a:ext cx="12192000" cy="6858000"/>
+          </a:xfrm>
+          <a:prstGeom prst="rect">
+            <a:avLst/>
+          </a:prstGeom>
+          <a:ln>
+            <a:noFill/>
+          </a:ln>
+        </p:spPr>
+        <p:style>
+          <a:lnRef idx="2">
+            <a:schemeClr val="accent1">
+              <a:shade val="50000"/>
+            </a:schemeClr>
+          </a:lnRef>
+          <a:fillRef idx="1">
+            <a:schemeClr val="accent1"/>
+          </a:fillRef>
+          <a:effectRef idx="0">
+            <a:schemeClr val="accent1"/>
+          </a:effectRef>
+          <a:fontRef idx="minor">
+            <a:schemeClr val="lt1"/>
+          </a:fontRef>
+        </p:style>
+        <p:txBody>
+          <a:bodyPr rtlCol="0" anchor="ctr"/>
+          <a:lstStyle/>
+          <a:p>
+            <a:pPr algn="ctr"/>
+            <a:endParaRPr lang="en-US" dirty="0"/>
+          </a:p>
+        </p:txBody>
+      </p:sp>
+      <p:sp>
+        <p:nvSpPr>
+          <p:cNvPr id="2" name="Título 1"/>
+          <p:cNvSpPr>
+            <a:spLocks noGrp="1"/>
+          </p:cNvSpPr>
+          <p:nvPr>
+            <p:ph type="title"/>
+          </p:nvPr>
+        </p:nvSpPr>
+        <p:spPr>
+          <a:xfrm>
+            <a:off x="1812897" y="518649"/>
+            <a:ext cx="9882278" cy="1067634"/>
+          </a:xfrm>
+        </p:spPr>
+        <p:txBody>
+          <a:bodyPr anchor="ctr">
+            <a:normAutofit/>
+          </a:bodyPr>
+          <a:lstStyle/>
+          <a:p>
+            <a:r>
+              <a:rPr lang="pt-BR" dirty="0"/>
+              <a:t>Introdução</a:t>
+            </a:r>
+          </a:p>
+        </p:txBody>
+      </p:sp>
+      <p:grpSp>
+        <p:nvGrpSpPr>
+          <p:cNvPr id="12" name="Group 11"/>
+          <p:cNvGrpSpPr>
+            <a:grpSpLocks noGrp="1" noUngrp="1" noRot="1" noChangeAspect="1" noMove="1" noResize="1"/>
+          </p:cNvGrpSpPr>
+          <p:nvPr/>
+        </p:nvGrpSpPr>
+        <p:grpSpPr>
+          <a:xfrm>
+            <a:off x="472021" y="628863"/>
+            <a:ext cx="1128382" cy="847206"/>
+            <a:chOff x="8183879" y="1000124"/>
+            <a:chExt cx="1562267" cy="1172973"/>
+          </a:xfrm>
+        </p:grpSpPr>
+        <p:sp>
+          <p:nvSpPr>
+            <p:cNvPr id="13" name="Freeform 5"/>
+            <p:cNvSpPr/>
+            <p:nvPr/>
+          </p:nvSpPr>
+          <p:spPr bwMode="auto">
+            <a:xfrm>
+              <a:off x="8183879" y="1348782"/>
+              <a:ext cx="935037" cy="824315"/>
+            </a:xfrm>
+            <a:custGeom>
+              <a:avLst/>
+              <a:gdLst>
+                <a:gd name="T0" fmla="*/ 225 w 785"/>
+                <a:gd name="T1" fmla="*/ 692 h 692"/>
+                <a:gd name="T2" fmla="*/ 177 w 785"/>
+                <a:gd name="T3" fmla="*/ 665 h 692"/>
+                <a:gd name="T4" fmla="*/ 9 w 785"/>
+                <a:gd name="T5" fmla="*/ 374 h 692"/>
+                <a:gd name="T6" fmla="*/ 9 w 785"/>
+                <a:gd name="T7" fmla="*/ 318 h 692"/>
+                <a:gd name="T8" fmla="*/ 177 w 785"/>
+                <a:gd name="T9" fmla="*/ 27 h 692"/>
+                <a:gd name="T10" fmla="*/ 225 w 785"/>
+                <a:gd name="T11" fmla="*/ 0 h 692"/>
+                <a:gd name="T12" fmla="*/ 561 w 785"/>
+                <a:gd name="T13" fmla="*/ 0 h 692"/>
+                <a:gd name="T14" fmla="*/ 609 w 785"/>
+                <a:gd name="T15" fmla="*/ 27 h 692"/>
+                <a:gd name="T16" fmla="*/ 777 w 785"/>
+                <a:gd name="T17" fmla="*/ 318 h 692"/>
+                <a:gd name="T18" fmla="*/ 777 w 785"/>
+                <a:gd name="T19" fmla="*/ 374 h 692"/>
+                <a:gd name="T20" fmla="*/ 609 w 785"/>
+                <a:gd name="T21" fmla="*/ 665 h 692"/>
+                <a:gd name="T22" fmla="*/ 561 w 785"/>
+                <a:gd name="T23" fmla="*/ 692 h 692"/>
+                <a:gd name="T24" fmla="*/ 225 w 785"/>
+                <a:gd name="T25" fmla="*/ 692 h 692"/>
+              </a:gdLst>
+              <a:ahLst/>
+              <a:cxnLst>
+                <a:cxn ang="0">
+                  <a:pos x="T0" y="T1"/>
+                </a:cxn>
+                <a:cxn ang="0">
+                  <a:pos x="T2" y="T3"/>
+                </a:cxn>
+                <a:cxn ang="0">
+                  <a:pos x="T4" y="T5"/>
+                </a:cxn>
+                <a:cxn ang="0">
+                  <a:pos x="T6" y="T7"/>
+                </a:cxn>
+                <a:cxn ang="0">
+                  <a:pos x="T8" y="T9"/>
+                </a:cxn>
+                <a:cxn ang="0">
+                  <a:pos x="T10" y="T11"/>
+                </a:cxn>
+                <a:cxn ang="0">
+                  <a:pos x="T12" y="T13"/>
+                </a:cxn>
+                <a:cxn ang="0">
+                  <a:pos x="T14" y="T15"/>
+                </a:cxn>
+                <a:cxn ang="0">
+                  <a:pos x="T16" y="T17"/>
+                </a:cxn>
+                <a:cxn ang="0">
+                  <a:pos x="T18" y="T19"/>
+                </a:cxn>
+                <a:cxn ang="0">
+                  <a:pos x="T20" y="T21"/>
+                </a:cxn>
+                <a:cxn ang="0">
+                  <a:pos x="T22" y="T23"/>
+                </a:cxn>
+                <a:cxn ang="0">
+                  <a:pos x="T24" y="T25"/>
+                </a:cxn>
+              </a:cxnLst>
+              <a:rect l="0" t="0" r="r" b="b"/>
+              <a:pathLst>
+                <a:path w="785" h="692">
+                  <a:moveTo>
+                    <a:pt x="225" y="692"/>
+                  </a:moveTo>
+                  <a:cubicBezTo>
+                    <a:pt x="207" y="692"/>
+                    <a:pt x="185" y="680"/>
+                    <a:pt x="177" y="665"/>
+                  </a:cubicBezTo>
+                  <a:cubicBezTo>
+                    <a:pt x="9" y="374"/>
+                    <a:pt x="9" y="374"/>
+                    <a:pt x="9" y="374"/>
+                  </a:cubicBezTo>
+                  <a:cubicBezTo>
+                    <a:pt x="0" y="358"/>
+                    <a:pt x="0" y="334"/>
+                    <a:pt x="9" y="318"/>
+                  </a:cubicBezTo>
+                  <a:cubicBezTo>
+                    <a:pt x="177" y="27"/>
+                    <a:pt x="177" y="27"/>
+                    <a:pt x="177" y="27"/>
+                  </a:cubicBezTo>
+                  <a:cubicBezTo>
+                    <a:pt x="185" y="12"/>
+                    <a:pt x="207" y="0"/>
+                    <a:pt x="225" y="0"/>
+                  </a:cubicBezTo>
+                  <a:cubicBezTo>
+                    <a:pt x="561" y="0"/>
+                    <a:pt x="561" y="0"/>
+                    <a:pt x="561" y="0"/>
+                  </a:cubicBezTo>
+                  <a:cubicBezTo>
+                    <a:pt x="578" y="0"/>
+                    <a:pt x="600" y="12"/>
+                    <a:pt x="609" y="27"/>
+                  </a:cubicBezTo>
+                  <a:cubicBezTo>
+                    <a:pt x="777" y="318"/>
+                    <a:pt x="777" y="318"/>
+                    <a:pt x="777" y="318"/>
+                  </a:cubicBezTo>
+                  <a:cubicBezTo>
+                    <a:pt x="785" y="334"/>
+                    <a:pt x="785" y="358"/>
+                    <a:pt x="777" y="374"/>
+                  </a:cubicBezTo>
+                  <a:cubicBezTo>
+                    <a:pt x="609" y="665"/>
+                    <a:pt x="609" y="665"/>
+                    <a:pt x="609" y="665"/>
+                  </a:cubicBezTo>
+                  <a:cubicBezTo>
+                    <a:pt x="600" y="680"/>
+                    <a:pt x="578" y="692"/>
+                    <a:pt x="561" y="692"/>
+                  </a:cubicBezTo>
+                  <a:lnTo>
+                    <a:pt x="225" y="692"/>
+                  </a:lnTo>
+                  <a:close/>
+                </a:path>
+              </a:pathLst>
+            </a:custGeom>
+            <a:noFill/>
+            <a:ln w="28575" cmpd="sng">
+              <a:solidFill>
+                <a:schemeClr val="tx1"/>
+              </a:solidFill>
+            </a:ln>
+          </p:spPr>
+          <p:txBody>
+            <a:bodyPr vert="horz" wrap="square" lIns="91440" tIns="45720" rIns="91440" bIns="45720" numCol="1" anchor="t" anchorCtr="0" compatLnSpc="1"/>
+            <a:lstStyle/>
+            <a:p>
+              <a:endParaRPr lang="en-US"/>
+            </a:p>
+          </p:txBody>
+        </p:sp>
+        <p:sp>
+          <p:nvSpPr>
+            <p:cNvPr id="14" name="Freeform 5"/>
+            <p:cNvSpPr/>
+            <p:nvPr/>
+          </p:nvSpPr>
+          <p:spPr bwMode="auto">
+            <a:xfrm>
+              <a:off x="8983979" y="1000124"/>
+              <a:ext cx="762167" cy="671915"/>
+            </a:xfrm>
+            <a:custGeom>
+              <a:avLst/>
+              <a:gdLst>
+                <a:gd name="T0" fmla="*/ 225 w 785"/>
+                <a:gd name="T1" fmla="*/ 692 h 692"/>
+                <a:gd name="T2" fmla="*/ 177 w 785"/>
+                <a:gd name="T3" fmla="*/ 665 h 692"/>
+                <a:gd name="T4" fmla="*/ 9 w 785"/>
+                <a:gd name="T5" fmla="*/ 374 h 692"/>
+                <a:gd name="T6" fmla="*/ 9 w 785"/>
+                <a:gd name="T7" fmla="*/ 318 h 692"/>
+                <a:gd name="T8" fmla="*/ 177 w 785"/>
+                <a:gd name="T9" fmla="*/ 27 h 692"/>
+                <a:gd name="T10" fmla="*/ 225 w 785"/>
+                <a:gd name="T11" fmla="*/ 0 h 692"/>
+                <a:gd name="T12" fmla="*/ 561 w 785"/>
+                <a:gd name="T13" fmla="*/ 0 h 692"/>
+                <a:gd name="T14" fmla="*/ 609 w 785"/>
+                <a:gd name="T15" fmla="*/ 27 h 692"/>
+                <a:gd name="T16" fmla="*/ 777 w 785"/>
+                <a:gd name="T17" fmla="*/ 318 h 692"/>
+                <a:gd name="T18" fmla="*/ 777 w 785"/>
+                <a:gd name="T19" fmla="*/ 374 h 692"/>
+                <a:gd name="T20" fmla="*/ 609 w 785"/>
+                <a:gd name="T21" fmla="*/ 665 h 692"/>
+                <a:gd name="T22" fmla="*/ 561 w 785"/>
+                <a:gd name="T23" fmla="*/ 692 h 692"/>
+                <a:gd name="T24" fmla="*/ 225 w 785"/>
+                <a:gd name="T25" fmla="*/ 692 h 692"/>
+              </a:gdLst>
+              <a:ahLst/>
+              <a:cxnLst>
+                <a:cxn ang="0">
+                  <a:pos x="T0" y="T1"/>
+                </a:cxn>
+                <a:cxn ang="0">
+                  <a:pos x="T2" y="T3"/>
+                </a:cxn>
+                <a:cxn ang="0">
+                  <a:pos x="T4" y="T5"/>
+                </a:cxn>
+                <a:cxn ang="0">
+                  <a:pos x="T6" y="T7"/>
+                </a:cxn>
+                <a:cxn ang="0">
+                  <a:pos x="T8" y="T9"/>
+                </a:cxn>
+                <a:cxn ang="0">
+                  <a:pos x="T10" y="T11"/>
+                </a:cxn>
+                <a:cxn ang="0">
+                  <a:pos x="T12" y="T13"/>
+                </a:cxn>
+                <a:cxn ang="0">
+                  <a:pos x="T14" y="T15"/>
+                </a:cxn>
+                <a:cxn ang="0">
+                  <a:pos x="T16" y="T17"/>
+                </a:cxn>
+                <a:cxn ang="0">
+                  <a:pos x="T18" y="T19"/>
+                </a:cxn>
+                <a:cxn ang="0">
+                  <a:pos x="T20" y="T21"/>
+                </a:cxn>
+                <a:cxn ang="0">
+                  <a:pos x="T22" y="T23"/>
+                </a:cxn>
+                <a:cxn ang="0">
+                  <a:pos x="T24" y="T25"/>
+                </a:cxn>
+              </a:cxnLst>
+              <a:rect l="0" t="0" r="r" b="b"/>
+              <a:pathLst>
+                <a:path w="785" h="692">
+                  <a:moveTo>
+                    <a:pt x="225" y="692"/>
+                  </a:moveTo>
+                  <a:cubicBezTo>
+                    <a:pt x="207" y="692"/>
+                    <a:pt x="185" y="680"/>
+                    <a:pt x="177" y="665"/>
+                  </a:cubicBezTo>
+                  <a:cubicBezTo>
+                    <a:pt x="9" y="374"/>
+                    <a:pt x="9" y="374"/>
+                    <a:pt x="9" y="374"/>
+                  </a:cubicBezTo>
+                  <a:cubicBezTo>
+                    <a:pt x="0" y="358"/>
+                    <a:pt x="0" y="334"/>
+                    <a:pt x="9" y="318"/>
+                  </a:cubicBezTo>
+                  <a:cubicBezTo>
+                    <a:pt x="177" y="27"/>
+                    <a:pt x="177" y="27"/>
+                    <a:pt x="177" y="27"/>
+                  </a:cubicBezTo>
+                  <a:cubicBezTo>
+                    <a:pt x="185" y="12"/>
+                    <a:pt x="207" y="0"/>
+                    <a:pt x="225" y="0"/>
+                  </a:cubicBezTo>
+                  <a:cubicBezTo>
+                    <a:pt x="561" y="0"/>
+                    <a:pt x="561" y="0"/>
+                    <a:pt x="561" y="0"/>
+                  </a:cubicBezTo>
+                  <a:cubicBezTo>
+                    <a:pt x="578" y="0"/>
+                    <a:pt x="600" y="12"/>
+                    <a:pt x="609" y="27"/>
+                  </a:cubicBezTo>
+                  <a:cubicBezTo>
+                    <a:pt x="777" y="318"/>
+                    <a:pt x="777" y="318"/>
+                    <a:pt x="777" y="318"/>
+                  </a:cubicBezTo>
+                  <a:cubicBezTo>
+                    <a:pt x="785" y="334"/>
+                    <a:pt x="785" y="358"/>
+                    <a:pt x="777" y="374"/>
+                  </a:cubicBezTo>
+                  <a:cubicBezTo>
+                    <a:pt x="609" y="665"/>
+                    <a:pt x="609" y="665"/>
+                    <a:pt x="609" y="665"/>
+                  </a:cubicBezTo>
+                  <a:cubicBezTo>
+                    <a:pt x="600" y="680"/>
+                    <a:pt x="578" y="692"/>
+                    <a:pt x="561" y="692"/>
+                  </a:cubicBezTo>
+                  <a:lnTo>
+                    <a:pt x="225" y="692"/>
+                  </a:lnTo>
+                  <a:close/>
+                </a:path>
+              </a:pathLst>
+            </a:custGeom>
+            <a:noFill/>
+            <a:ln w="28575" cmpd="sng">
+              <a:solidFill>
+                <a:schemeClr val="tx1"/>
+              </a:solidFill>
+            </a:ln>
+          </p:spPr>
+          <p:txBody>
+            <a:bodyPr vert="horz" wrap="square" lIns="91440" tIns="45720" rIns="91440" bIns="45720" numCol="1" anchor="t" anchorCtr="0" compatLnSpc="1"/>
+            <a:lstStyle/>
+            <a:p>
+              <a:endParaRPr lang="en-US"/>
+            </a:p>
+          </p:txBody>
+        </p:sp>
+      </p:grpSp>
+      <p:graphicFrame>
+        <p:nvGraphicFramePr>
+          <p:cNvPr id="18" name="Espaço Reservado para Conteúdo 2">
+            <a:extLst>
+              <a:ext uri="{FF2B5EF4-FFF2-40B4-BE49-F238E27FC236}">
+                <a16:creationId xmlns:a16="http://schemas.microsoft.com/office/drawing/2014/main" id="{12C96808-542B-4991-9581-AE14B1E67086}"/>
+              </a:ext>
+            </a:extLst>
+          </p:cNvPr>
+          <p:cNvGraphicFramePr/>
+          <p:nvPr>
+            <p:extLst>
+              <p:ext uri="{D42A27DB-BD31-4B8C-83A1-F6EECF244321}">
+                <p14:modId xmlns:p14="http://schemas.microsoft.com/office/powerpoint/2010/main" val="1113287193"/>
+              </p:ext>
+            </p:extLst>
+          </p:nvPr>
+        </p:nvGraphicFramePr>
+        <p:xfrm>
+          <a:off x="-1019500" y="2968216"/>
+          <a:ext cx="4832507" cy="2035736"/>
+        </p:xfrm>
+        <a:graphic>
+          <a:graphicData uri="http://schemas.openxmlformats.org/drawingml/2006/diagram">
+            <dgm:relIds xmlns:dgm="http://schemas.openxmlformats.org/drawingml/2006/diagram" xmlns:r="http://schemas.openxmlformats.org/officeDocument/2006/relationships" r:dm="rId2" r:lo="rId3" r:qs="rId4" r:cs="rId5"/>
+          </a:graphicData>
+        </a:graphic>
+      </p:graphicFrame>
+      <p:graphicFrame>
+        <p:nvGraphicFramePr>
+          <p:cNvPr id="19" name="Espaço Reservado para Conteúdo 2">
+            <a:extLst>
+              <a:ext uri="{FF2B5EF4-FFF2-40B4-BE49-F238E27FC236}">
+                <a16:creationId xmlns:a16="http://schemas.microsoft.com/office/drawing/2014/main" id="{99615D19-2E5C-45B7-AF0E-A3BF1E3F9505}"/>
+              </a:ext>
+            </a:extLst>
+          </p:cNvPr>
+          <p:cNvGraphicFramePr/>
+          <p:nvPr>
+            <p:extLst>
+              <p:ext uri="{D42A27DB-BD31-4B8C-83A1-F6EECF244321}">
+                <p14:modId xmlns:p14="http://schemas.microsoft.com/office/powerpoint/2010/main" val="161565781"/>
+              </p:ext>
+            </p:extLst>
+          </p:nvPr>
+        </p:nvGraphicFramePr>
+        <p:xfrm>
+          <a:off x="2134143" y="2968216"/>
+          <a:ext cx="4832507" cy="2035736"/>
+        </p:xfrm>
+        <a:graphic>
+          <a:graphicData uri="http://schemas.openxmlformats.org/drawingml/2006/diagram">
+            <dgm:relIds xmlns:dgm="http://schemas.openxmlformats.org/drawingml/2006/diagram" xmlns:r="http://schemas.openxmlformats.org/officeDocument/2006/relationships" r:dm="rId7" r:lo="rId8" r:qs="rId9" r:cs="rId10"/>
+          </a:graphicData>
+        </a:graphic>
+      </p:graphicFrame>
+      <p:graphicFrame>
+        <p:nvGraphicFramePr>
+          <p:cNvPr id="20" name="Espaço Reservado para Conteúdo 2">
+            <a:extLst>
+              <a:ext uri="{FF2B5EF4-FFF2-40B4-BE49-F238E27FC236}">
+                <a16:creationId xmlns:a16="http://schemas.microsoft.com/office/drawing/2014/main" id="{2DAF5B7C-D3C3-45E6-8701-9B123B18B538}"/>
+              </a:ext>
+            </a:extLst>
+          </p:cNvPr>
+          <p:cNvGraphicFramePr/>
+          <p:nvPr>
+            <p:extLst>
+              <p:ext uri="{D42A27DB-BD31-4B8C-83A1-F6EECF244321}">
+                <p14:modId xmlns:p14="http://schemas.microsoft.com/office/powerpoint/2010/main" val="760971150"/>
+              </p:ext>
+            </p:extLst>
+          </p:nvPr>
+        </p:nvGraphicFramePr>
+        <p:xfrm>
+          <a:off x="5220164" y="2968216"/>
+          <a:ext cx="4832507" cy="2035736"/>
+        </p:xfrm>
+        <a:graphic>
+          <a:graphicData uri="http://schemas.openxmlformats.org/drawingml/2006/diagram">
+            <dgm:relIds xmlns:dgm="http://schemas.openxmlformats.org/drawingml/2006/diagram" xmlns:r="http://schemas.openxmlformats.org/officeDocument/2006/relationships" r:dm="rId12" r:lo="rId13" r:qs="rId14" r:cs="rId15"/>
+          </a:graphicData>
+        </a:graphic>
+      </p:graphicFrame>
+      <p:graphicFrame>
+        <p:nvGraphicFramePr>
+          <p:cNvPr id="21" name="Espaço Reservado para Conteúdo 2">
+            <a:extLst>
+              <a:ext uri="{FF2B5EF4-FFF2-40B4-BE49-F238E27FC236}">
+                <a16:creationId xmlns:a16="http://schemas.microsoft.com/office/drawing/2014/main" id="{035A8964-6457-465A-A6ED-9C822747FFCD}"/>
+              </a:ext>
+            </a:extLst>
+          </p:cNvPr>
+          <p:cNvGraphicFramePr/>
+          <p:nvPr>
+            <p:extLst>
+              <p:ext uri="{D42A27DB-BD31-4B8C-83A1-F6EECF244321}">
+                <p14:modId xmlns:p14="http://schemas.microsoft.com/office/powerpoint/2010/main" val="673441981"/>
+              </p:ext>
+            </p:extLst>
+          </p:nvPr>
+        </p:nvGraphicFramePr>
+        <p:xfrm>
+          <a:off x="8167216" y="2968216"/>
+          <a:ext cx="4832507" cy="2035736"/>
+        </p:xfrm>
+        <a:graphic>
+          <a:graphicData uri="http://schemas.openxmlformats.org/drawingml/2006/diagram">
+            <dgm:relIds xmlns:dgm="http://schemas.openxmlformats.org/drawingml/2006/diagram" xmlns:r="http://schemas.openxmlformats.org/officeDocument/2006/relationships" r:dm="rId17" r:lo="rId18" r:qs="rId19" r:cs="rId20"/>
+          </a:graphicData>
+        </a:graphic>
+      </p:graphicFrame>
+      <p:sp>
+        <p:nvSpPr>
+          <p:cNvPr id="11" name="CaixaDeTexto 10">
+            <a:extLst>
+              <a:ext uri="{FF2B5EF4-FFF2-40B4-BE49-F238E27FC236}">
+                <a16:creationId xmlns:a16="http://schemas.microsoft.com/office/drawing/2014/main" id="{F6860C7B-45AB-4527-8D46-334216B4FAC7}"/>
+              </a:ext>
+            </a:extLst>
+          </p:cNvPr>
+          <p:cNvSpPr txBox="1"/>
+          <p:nvPr/>
+        </p:nvSpPr>
+        <p:spPr>
+          <a:xfrm>
+            <a:off x="2244588" y="1310816"/>
+            <a:ext cx="1597469" cy="369332"/>
+          </a:xfrm>
+          <a:prstGeom prst="rect">
+            <a:avLst/>
+          </a:prstGeom>
+          <a:noFill/>
+          <a:effectLst>
+            <a:outerShdw blurRad="50800" dist="38100" dir="5400000" algn="t" rotWithShape="0">
+              <a:prstClr val="black">
+                <a:alpha val="40000"/>
+              </a:prstClr>
+            </a:outerShdw>
+          </a:effectLst>
+        </p:spPr>
+        <p:txBody>
+          <a:bodyPr wrap="square" rtlCol="0">
+            <a:spAutoFit/>
+          </a:bodyPr>
+          <a:lstStyle/>
+          <a:p>
+            <a:r>
+              <a:rPr lang="pt-BR" dirty="0"/>
+              <a:t>Contexto</a:t>
+            </a:r>
+          </a:p>
+        </p:txBody>
+      </p:sp>
+      <p:sp>
+        <p:nvSpPr>
+          <p:cNvPr id="15" name="CaixaDeTexto 14">
+            <a:extLst>
+              <a:ext uri="{FF2B5EF4-FFF2-40B4-BE49-F238E27FC236}">
+                <a16:creationId xmlns:a16="http://schemas.microsoft.com/office/drawing/2014/main" id="{DF55296A-B4B1-4455-AEC8-E88599BF720B}"/>
+              </a:ext>
+            </a:extLst>
+          </p:cNvPr>
+          <p:cNvSpPr txBox="1"/>
+          <p:nvPr/>
+        </p:nvSpPr>
+        <p:spPr>
+          <a:xfrm>
+            <a:off x="3540015" y="1341594"/>
+            <a:ext cx="1321542" cy="338554"/>
+          </a:xfrm>
+          <a:prstGeom prst="rect">
+            <a:avLst/>
+          </a:prstGeom>
+          <a:noFill/>
+        </p:spPr>
+        <p:txBody>
+          <a:bodyPr wrap="square" rtlCol="0">
+            <a:spAutoFit/>
+          </a:bodyPr>
+          <a:lstStyle/>
+          <a:p>
+            <a:r>
+              <a:rPr lang="pt-BR" sz="1600" dirty="0"/>
+              <a:t>Justificativa</a:t>
+            </a:r>
+            <a:endParaRPr lang="pt-BR" dirty="0"/>
+          </a:p>
+        </p:txBody>
+      </p:sp>
+      <p:sp>
+        <p:nvSpPr>
+          <p:cNvPr id="16" name="CaixaDeTexto 15">
+            <a:extLst>
+              <a:ext uri="{FF2B5EF4-FFF2-40B4-BE49-F238E27FC236}">
+                <a16:creationId xmlns:a16="http://schemas.microsoft.com/office/drawing/2014/main" id="{3CA46EF6-3532-4FFA-BE31-84EB0DB00941}"/>
+              </a:ext>
+            </a:extLst>
+          </p:cNvPr>
+          <p:cNvSpPr txBox="1"/>
+          <p:nvPr/>
+        </p:nvSpPr>
+        <p:spPr>
+          <a:xfrm>
+            <a:off x="4977752" y="1341594"/>
+            <a:ext cx="1199701" cy="338554"/>
+          </a:xfrm>
+          <a:prstGeom prst="rect">
+            <a:avLst/>
+          </a:prstGeom>
+          <a:noFill/>
+          <a:effectLst/>
+        </p:spPr>
+        <p:txBody>
+          <a:bodyPr wrap="square" rtlCol="0">
+            <a:spAutoFit/>
+          </a:bodyPr>
+          <a:lstStyle/>
+          <a:p>
+            <a:r>
+              <a:rPr lang="pt-BR" sz="1600" dirty="0"/>
+              <a:t>Objetivos</a:t>
+            </a:r>
+            <a:endParaRPr lang="pt-BR" dirty="0"/>
+          </a:p>
+        </p:txBody>
+      </p:sp>
+    </p:spTree>
+    <p:extLst>
+      <p:ext uri="{BB962C8B-B14F-4D97-AF65-F5344CB8AC3E}">
+        <p14:creationId xmlns:p14="http://schemas.microsoft.com/office/powerpoint/2010/main" val="3542761506"/>
+      </p:ext>
+    </p:extLst>
+  </p:cSld>
+  <p:clrMapOvr>
+    <a:masterClrMapping/>
+  </p:clrMapOvr>
+  <p:timing>
+    <p:tnLst>
+      <p:par>
+        <p:cTn id="1" dur="indefinite" restart="never" nodeType="tmRoot">
+          <p:childTnLst>
+            <p:seq concurrent="1" nextAc="seek">
+              <p:cTn id="2" dur="indefinite" nodeType="mainSeq">
+                <p:childTnLst>
+                  <p:par>
+                    <p:cTn id="3" fill="hold">
+                      <p:stCondLst>
+                        <p:cond delay="indefinite"/>
+                        <p:cond evt="onBegin" delay="0">
+                          <p:tn val="2"/>
+                        </p:cond>
+                      </p:stCondLst>
+                      <p:childTnLst>
+                        <p:par>
+                          <p:cTn id="4" fill="hold">
+                            <p:stCondLst>
+                              <p:cond delay="0"/>
+                            </p:stCondLst>
+                            <p:childTnLst>
+                              <p:par>
+                                <p:cTn id="5" presetID="10" presetClass="entr" presetSubtype="0" fill="hold" grpId="0" nodeType="withEffect">
+                                  <p:stCondLst>
+                                    <p:cond delay="0"/>
+                                  </p:stCondLst>
+                                  <p:childTnLst>
+                                    <p:set>
+                                      <p:cBhvr>
+                                        <p:cTn id="6" dur="1" fill="hold">
+                                          <p:stCondLst>
+                                            <p:cond delay="0"/>
+                                          </p:stCondLst>
+                                        </p:cTn>
+                                        <p:tgtEl>
+                                          <p:spTgt spid="18"/>
+                                        </p:tgtEl>
+                                        <p:attrNameLst>
+                                          <p:attrName>style.visibility</p:attrName>
+                                        </p:attrNameLst>
+                                      </p:cBhvr>
+                                      <p:to>
+                                        <p:strVal val="visible"/>
+                                      </p:to>
+                                    </p:set>
+                                    <p:animEffect transition="in" filter="fade">
+                                      <p:cBhvr>
+                                        <p:cTn id="7" dur="500"/>
+                                        <p:tgtEl>
+                                          <p:spTgt spid="18"/>
+                                        </p:tgtEl>
+                                      </p:cBhvr>
+                                    </p:animEffect>
+                                  </p:childTnLst>
+                                </p:cTn>
+                              </p:par>
+                            </p:childTnLst>
+                          </p:cTn>
+                        </p:par>
+                      </p:childTnLst>
+                    </p:cTn>
+                  </p:par>
+                  <p:par>
+                    <p:cTn id="8" fill="hold">
+                      <p:stCondLst>
+                        <p:cond delay="indefinite"/>
+                      </p:stCondLst>
+                      <p:childTnLst>
+                        <p:par>
+                          <p:cTn id="9" fill="hold">
+                            <p:stCondLst>
+                              <p:cond delay="0"/>
+                            </p:stCondLst>
+                            <p:childTnLst>
+                              <p:par>
+                                <p:cTn id="10" presetID="10" presetClass="entr" presetSubtype="0" fill="hold" grpId="0" nodeType="clickEffect">
+                                  <p:stCondLst>
+                                    <p:cond delay="0"/>
+                                  </p:stCondLst>
+                                  <p:childTnLst>
+                                    <p:set>
+                                      <p:cBhvr>
+                                        <p:cTn id="11" dur="1" fill="hold">
+                                          <p:stCondLst>
+                                            <p:cond delay="0"/>
+                                          </p:stCondLst>
+                                        </p:cTn>
+                                        <p:tgtEl>
+                                          <p:spTgt spid="19"/>
+                                        </p:tgtEl>
+                                        <p:attrNameLst>
+                                          <p:attrName>style.visibility</p:attrName>
+                                        </p:attrNameLst>
+                                      </p:cBhvr>
+                                      <p:to>
+                                        <p:strVal val="visible"/>
+                                      </p:to>
+                                    </p:set>
+                                    <p:animEffect transition="in" filter="fade">
+                                      <p:cBhvr>
+                                        <p:cTn id="12" dur="500"/>
+                                        <p:tgtEl>
+                                          <p:spTgt spid="19"/>
+                                        </p:tgtEl>
+                                      </p:cBhvr>
+                                    </p:animEffect>
+                                  </p:childTnLst>
+                                </p:cTn>
+                              </p:par>
+                            </p:childTnLst>
+                          </p:cTn>
+                        </p:par>
+                      </p:childTnLst>
+                    </p:cTn>
+                  </p:par>
+                  <p:par>
+                    <p:cTn id="13" fill="hold">
+                      <p:stCondLst>
+                        <p:cond delay="indefinite"/>
+                      </p:stCondLst>
+                      <p:childTnLst>
+                        <p:par>
+                          <p:cTn id="14" fill="hold">
+                            <p:stCondLst>
+                              <p:cond delay="0"/>
+                            </p:stCondLst>
+                            <p:childTnLst>
+                              <p:par>
+                                <p:cTn id="15" presetID="10" presetClass="entr" presetSubtype="0" fill="hold" grpId="0" nodeType="clickEffect">
+                                  <p:stCondLst>
+                                    <p:cond delay="0"/>
+                                  </p:stCondLst>
+                                  <p:childTnLst>
+                                    <p:set>
+                                      <p:cBhvr>
+                                        <p:cTn id="16" dur="1" fill="hold">
+                                          <p:stCondLst>
+                                            <p:cond delay="0"/>
+                                          </p:stCondLst>
+                                        </p:cTn>
+                                        <p:tgtEl>
+                                          <p:spTgt spid="20"/>
+                                        </p:tgtEl>
+                                        <p:attrNameLst>
+                                          <p:attrName>style.visibility</p:attrName>
+                                        </p:attrNameLst>
+                                      </p:cBhvr>
+                                      <p:to>
+                                        <p:strVal val="visible"/>
+                                      </p:to>
+                                    </p:set>
+                                    <p:animEffect transition="in" filter="fade">
+                                      <p:cBhvr>
+                                        <p:cTn id="17" dur="500"/>
+                                        <p:tgtEl>
+                                          <p:spTgt spid="20"/>
+                                        </p:tgtEl>
+                                      </p:cBhvr>
+                                    </p:animEffect>
+                                  </p:childTnLst>
+                                </p:cTn>
+                              </p:par>
+                            </p:childTnLst>
+                          </p:cTn>
+                        </p:par>
+                      </p:childTnLst>
+                    </p:cTn>
+                  </p:par>
+                  <p:par>
+                    <p:cTn id="18" fill="hold">
+                      <p:stCondLst>
+                        <p:cond delay="indefinite"/>
+                      </p:stCondLst>
+                      <p:childTnLst>
+                        <p:par>
+                          <p:cTn id="19" fill="hold">
+                            <p:stCondLst>
+                              <p:cond delay="0"/>
+                            </p:stCondLst>
+                            <p:childTnLst>
+                              <p:par>
+                                <p:cTn id="20" presetID="10" presetClass="entr" presetSubtype="0" fill="hold" grpId="0" nodeType="clickEffect">
+                                  <p:stCondLst>
+                                    <p:cond delay="0"/>
+                                  </p:stCondLst>
+                                  <p:childTnLst>
+                                    <p:set>
+                                      <p:cBhvr>
+                                        <p:cTn id="21" dur="1" fill="hold">
+                                          <p:stCondLst>
+                                            <p:cond delay="0"/>
+                                          </p:stCondLst>
+                                        </p:cTn>
+                                        <p:tgtEl>
+                                          <p:spTgt spid="21"/>
+                                        </p:tgtEl>
+                                        <p:attrNameLst>
+                                          <p:attrName>style.visibility</p:attrName>
+                                        </p:attrNameLst>
+                                      </p:cBhvr>
+                                      <p:to>
+                                        <p:strVal val="visible"/>
+                                      </p:to>
+                                    </p:set>
+                                    <p:animEffect transition="in" filter="fade">
+                                      <p:cBhvr>
+                                        <p:cTn id="22" dur="500"/>
+                                        <p:tgtEl>
+                                          <p:spTgt spid="21"/>
+                                        </p:tgtEl>
+                                      </p:cBhvr>
+                                    </p:animEffect>
+                                  </p:childTnLst>
+                                </p:cTn>
+                              </p:par>
+                            </p:childTnLst>
+                          </p:cTn>
+                        </p:par>
+                      </p:childTnLst>
+                    </p:cTn>
+                  </p:par>
+                </p:childTnLst>
+              </p:cTn>
+              <p:prevCondLst>
+                <p:cond evt="onPrev" delay="0">
+                  <p:tgtEl>
+                    <p:sldTgt/>
+                  </p:tgtEl>
+                </p:cond>
+              </p:prevCondLst>
+              <p:nextCondLst>
+                <p:cond evt="onNext" delay="0">
+                  <p:tgtEl>
+                    <p:sldTgt/>
+                  </p:tgtEl>
+                </p:cond>
+              </p:nextCondLst>
+            </p:seq>
+          </p:childTnLst>
+        </p:cTn>
+      </p:par>
+    </p:tnLst>
+    <p:bldLst>
+      <p:bldGraphic spid="18" grpId="0">
+        <p:bldAsOne/>
+      </p:bldGraphic>
+      <p:bldGraphic spid="19" grpId="0">
+        <p:bldAsOne/>
+      </p:bldGraphic>
+      <p:bldGraphic spid="20" grpId="0">
+        <p:bldAsOne/>
+      </p:bldGraphic>
+      <p:bldGraphic spid="21" grpId="0">
+        <p:bldAsOne/>
+      </p:bldGraphic>
+    </p:bldLst>
+  </p:timing>
+</p:sld>
+</file>
+
+<file path=ppt/slides/slide20.xml><?xml version="1.0" encoding="utf-8"?>
 <p:sld xmlns:a="http://schemas.openxmlformats.org/drawingml/2006/main" xmlns:r="http://schemas.openxmlformats.org/officeDocument/2006/relationships" xmlns:p="http://schemas.openxmlformats.org/presentationml/2006/main">
   <p:cSld>
     <p:spTree>
@@ -38803,945 +40773,6 @@
         </p:cTn>
       </p:par>
     </p:tnLst>
-  </p:timing>
-</p:sld>
-</file>
-
-<file path=ppt/slides/slide2.xml><?xml version="1.0" encoding="utf-8"?>
-<p:sld xmlns:a="http://schemas.openxmlformats.org/drawingml/2006/main" xmlns:r="http://schemas.openxmlformats.org/officeDocument/2006/relationships" xmlns:p="http://schemas.openxmlformats.org/presentationml/2006/main">
-  <p:cSld>
-    <p:spTree>
-      <p:nvGrpSpPr>
-        <p:cNvPr id="1" name=""/>
-        <p:cNvGrpSpPr/>
-        <p:nvPr/>
-      </p:nvGrpSpPr>
-      <p:grpSpPr>
-        <a:xfrm>
-          <a:off x="0" y="0"/>
-          <a:ext cx="0" cy="0"/>
-          <a:chOff x="0" y="0"/>
-          <a:chExt cx="0" cy="0"/>
-        </a:xfrm>
-      </p:grpSpPr>
-      <p:sp useBgFill="1">
-        <p:nvSpPr>
-          <p:cNvPr id="10" name="Rectangle 9"/>
-          <p:cNvSpPr>
-            <a:spLocks noGrp="1" noRot="1" noChangeAspect="1" noMove="1" noResize="1" noEditPoints="1" noAdjustHandles="1" noChangeArrowheads="1" noChangeShapeType="1" noTextEdit="1"/>
-          </p:cNvSpPr>
-          <p:nvPr/>
-        </p:nvSpPr>
-        <p:spPr>
-          <a:xfrm>
-            <a:off x="0" y="0"/>
-            <a:ext cx="12192000" cy="6858000"/>
-          </a:xfrm>
-          <a:prstGeom prst="rect">
-            <a:avLst/>
-          </a:prstGeom>
-          <a:ln>
-            <a:noFill/>
-          </a:ln>
-        </p:spPr>
-        <p:style>
-          <a:lnRef idx="2">
-            <a:schemeClr val="accent1">
-              <a:shade val="50000"/>
-            </a:schemeClr>
-          </a:lnRef>
-          <a:fillRef idx="1">
-            <a:schemeClr val="accent1"/>
-          </a:fillRef>
-          <a:effectRef idx="0">
-            <a:schemeClr val="accent1"/>
-          </a:effectRef>
-          <a:fontRef idx="minor">
-            <a:schemeClr val="lt1"/>
-          </a:fontRef>
-        </p:style>
-        <p:txBody>
-          <a:bodyPr rtlCol="0" anchor="ctr"/>
-          <a:lstStyle/>
-          <a:p>
-            <a:pPr algn="ctr"/>
-            <a:endParaRPr lang="en-US" dirty="0"/>
-          </a:p>
-        </p:txBody>
-      </p:sp>
-      <p:sp>
-        <p:nvSpPr>
-          <p:cNvPr id="2" name="Título 1"/>
-          <p:cNvSpPr>
-            <a:spLocks noGrp="1"/>
-          </p:cNvSpPr>
-          <p:nvPr>
-            <p:ph type="title"/>
-          </p:nvPr>
-        </p:nvSpPr>
-        <p:spPr>
-          <a:xfrm>
-            <a:off x="1812897" y="518649"/>
-            <a:ext cx="9882278" cy="1067634"/>
-          </a:xfrm>
-        </p:spPr>
-        <p:txBody>
-          <a:bodyPr anchor="ctr">
-            <a:normAutofit/>
-          </a:bodyPr>
-          <a:lstStyle/>
-          <a:p>
-            <a:r>
-              <a:rPr lang="pt-BR" dirty="0"/>
-              <a:t>Introdução</a:t>
-            </a:r>
-          </a:p>
-        </p:txBody>
-      </p:sp>
-      <p:grpSp>
-        <p:nvGrpSpPr>
-          <p:cNvPr id="12" name="Group 11"/>
-          <p:cNvGrpSpPr>
-            <a:grpSpLocks noGrp="1" noUngrp="1" noRot="1" noChangeAspect="1" noMove="1" noResize="1"/>
-          </p:cNvGrpSpPr>
-          <p:nvPr/>
-        </p:nvGrpSpPr>
-        <p:grpSpPr>
-          <a:xfrm>
-            <a:off x="472021" y="628863"/>
-            <a:ext cx="1128382" cy="847206"/>
-            <a:chOff x="8183879" y="1000124"/>
-            <a:chExt cx="1562267" cy="1172973"/>
-          </a:xfrm>
-        </p:grpSpPr>
-        <p:sp>
-          <p:nvSpPr>
-            <p:cNvPr id="13" name="Freeform 5"/>
-            <p:cNvSpPr/>
-            <p:nvPr/>
-          </p:nvSpPr>
-          <p:spPr bwMode="auto">
-            <a:xfrm>
-              <a:off x="8183879" y="1348782"/>
-              <a:ext cx="935037" cy="824315"/>
-            </a:xfrm>
-            <a:custGeom>
-              <a:avLst/>
-              <a:gdLst>
-                <a:gd name="T0" fmla="*/ 225 w 785"/>
-                <a:gd name="T1" fmla="*/ 692 h 692"/>
-                <a:gd name="T2" fmla="*/ 177 w 785"/>
-                <a:gd name="T3" fmla="*/ 665 h 692"/>
-                <a:gd name="T4" fmla="*/ 9 w 785"/>
-                <a:gd name="T5" fmla="*/ 374 h 692"/>
-                <a:gd name="T6" fmla="*/ 9 w 785"/>
-                <a:gd name="T7" fmla="*/ 318 h 692"/>
-                <a:gd name="T8" fmla="*/ 177 w 785"/>
-                <a:gd name="T9" fmla="*/ 27 h 692"/>
-                <a:gd name="T10" fmla="*/ 225 w 785"/>
-                <a:gd name="T11" fmla="*/ 0 h 692"/>
-                <a:gd name="T12" fmla="*/ 561 w 785"/>
-                <a:gd name="T13" fmla="*/ 0 h 692"/>
-                <a:gd name="T14" fmla="*/ 609 w 785"/>
-                <a:gd name="T15" fmla="*/ 27 h 692"/>
-                <a:gd name="T16" fmla="*/ 777 w 785"/>
-                <a:gd name="T17" fmla="*/ 318 h 692"/>
-                <a:gd name="T18" fmla="*/ 777 w 785"/>
-                <a:gd name="T19" fmla="*/ 374 h 692"/>
-                <a:gd name="T20" fmla="*/ 609 w 785"/>
-                <a:gd name="T21" fmla="*/ 665 h 692"/>
-                <a:gd name="T22" fmla="*/ 561 w 785"/>
-                <a:gd name="T23" fmla="*/ 692 h 692"/>
-                <a:gd name="T24" fmla="*/ 225 w 785"/>
-                <a:gd name="T25" fmla="*/ 692 h 692"/>
-              </a:gdLst>
-              <a:ahLst/>
-              <a:cxnLst>
-                <a:cxn ang="0">
-                  <a:pos x="T0" y="T1"/>
-                </a:cxn>
-                <a:cxn ang="0">
-                  <a:pos x="T2" y="T3"/>
-                </a:cxn>
-                <a:cxn ang="0">
-                  <a:pos x="T4" y="T5"/>
-                </a:cxn>
-                <a:cxn ang="0">
-                  <a:pos x="T6" y="T7"/>
-                </a:cxn>
-                <a:cxn ang="0">
-                  <a:pos x="T8" y="T9"/>
-                </a:cxn>
-                <a:cxn ang="0">
-                  <a:pos x="T10" y="T11"/>
-                </a:cxn>
-                <a:cxn ang="0">
-                  <a:pos x="T12" y="T13"/>
-                </a:cxn>
-                <a:cxn ang="0">
-                  <a:pos x="T14" y="T15"/>
-                </a:cxn>
-                <a:cxn ang="0">
-                  <a:pos x="T16" y="T17"/>
-                </a:cxn>
-                <a:cxn ang="0">
-                  <a:pos x="T18" y="T19"/>
-                </a:cxn>
-                <a:cxn ang="0">
-                  <a:pos x="T20" y="T21"/>
-                </a:cxn>
-                <a:cxn ang="0">
-                  <a:pos x="T22" y="T23"/>
-                </a:cxn>
-                <a:cxn ang="0">
-                  <a:pos x="T24" y="T25"/>
-                </a:cxn>
-              </a:cxnLst>
-              <a:rect l="0" t="0" r="r" b="b"/>
-              <a:pathLst>
-                <a:path w="785" h="692">
-                  <a:moveTo>
-                    <a:pt x="225" y="692"/>
-                  </a:moveTo>
-                  <a:cubicBezTo>
-                    <a:pt x="207" y="692"/>
-                    <a:pt x="185" y="680"/>
-                    <a:pt x="177" y="665"/>
-                  </a:cubicBezTo>
-                  <a:cubicBezTo>
-                    <a:pt x="9" y="374"/>
-                    <a:pt x="9" y="374"/>
-                    <a:pt x="9" y="374"/>
-                  </a:cubicBezTo>
-                  <a:cubicBezTo>
-                    <a:pt x="0" y="358"/>
-                    <a:pt x="0" y="334"/>
-                    <a:pt x="9" y="318"/>
-                  </a:cubicBezTo>
-                  <a:cubicBezTo>
-                    <a:pt x="177" y="27"/>
-                    <a:pt x="177" y="27"/>
-                    <a:pt x="177" y="27"/>
-                  </a:cubicBezTo>
-                  <a:cubicBezTo>
-                    <a:pt x="185" y="12"/>
-                    <a:pt x="207" y="0"/>
-                    <a:pt x="225" y="0"/>
-                  </a:cubicBezTo>
-                  <a:cubicBezTo>
-                    <a:pt x="561" y="0"/>
-                    <a:pt x="561" y="0"/>
-                    <a:pt x="561" y="0"/>
-                  </a:cubicBezTo>
-                  <a:cubicBezTo>
-                    <a:pt x="578" y="0"/>
-                    <a:pt x="600" y="12"/>
-                    <a:pt x="609" y="27"/>
-                  </a:cubicBezTo>
-                  <a:cubicBezTo>
-                    <a:pt x="777" y="318"/>
-                    <a:pt x="777" y="318"/>
-                    <a:pt x="777" y="318"/>
-                  </a:cubicBezTo>
-                  <a:cubicBezTo>
-                    <a:pt x="785" y="334"/>
-                    <a:pt x="785" y="358"/>
-                    <a:pt x="777" y="374"/>
-                  </a:cubicBezTo>
-                  <a:cubicBezTo>
-                    <a:pt x="609" y="665"/>
-                    <a:pt x="609" y="665"/>
-                    <a:pt x="609" y="665"/>
-                  </a:cubicBezTo>
-                  <a:cubicBezTo>
-                    <a:pt x="600" y="680"/>
-                    <a:pt x="578" y="692"/>
-                    <a:pt x="561" y="692"/>
-                  </a:cubicBezTo>
-                  <a:lnTo>
-                    <a:pt x="225" y="692"/>
-                  </a:lnTo>
-                  <a:close/>
-                </a:path>
-              </a:pathLst>
-            </a:custGeom>
-            <a:noFill/>
-            <a:ln w="28575" cmpd="sng">
-              <a:solidFill>
-                <a:schemeClr val="tx1"/>
-              </a:solidFill>
-            </a:ln>
-          </p:spPr>
-          <p:txBody>
-            <a:bodyPr vert="horz" wrap="square" lIns="91440" tIns="45720" rIns="91440" bIns="45720" numCol="1" anchor="t" anchorCtr="0" compatLnSpc="1"/>
-            <a:lstStyle/>
-            <a:p>
-              <a:endParaRPr lang="en-US"/>
-            </a:p>
-          </p:txBody>
-        </p:sp>
-        <p:sp>
-          <p:nvSpPr>
-            <p:cNvPr id="14" name="Freeform 5"/>
-            <p:cNvSpPr/>
-            <p:nvPr/>
-          </p:nvSpPr>
-          <p:spPr bwMode="auto">
-            <a:xfrm>
-              <a:off x="8983979" y="1000124"/>
-              <a:ext cx="762167" cy="671915"/>
-            </a:xfrm>
-            <a:custGeom>
-              <a:avLst/>
-              <a:gdLst>
-                <a:gd name="T0" fmla="*/ 225 w 785"/>
-                <a:gd name="T1" fmla="*/ 692 h 692"/>
-                <a:gd name="T2" fmla="*/ 177 w 785"/>
-                <a:gd name="T3" fmla="*/ 665 h 692"/>
-                <a:gd name="T4" fmla="*/ 9 w 785"/>
-                <a:gd name="T5" fmla="*/ 374 h 692"/>
-                <a:gd name="T6" fmla="*/ 9 w 785"/>
-                <a:gd name="T7" fmla="*/ 318 h 692"/>
-                <a:gd name="T8" fmla="*/ 177 w 785"/>
-                <a:gd name="T9" fmla="*/ 27 h 692"/>
-                <a:gd name="T10" fmla="*/ 225 w 785"/>
-                <a:gd name="T11" fmla="*/ 0 h 692"/>
-                <a:gd name="T12" fmla="*/ 561 w 785"/>
-                <a:gd name="T13" fmla="*/ 0 h 692"/>
-                <a:gd name="T14" fmla="*/ 609 w 785"/>
-                <a:gd name="T15" fmla="*/ 27 h 692"/>
-                <a:gd name="T16" fmla="*/ 777 w 785"/>
-                <a:gd name="T17" fmla="*/ 318 h 692"/>
-                <a:gd name="T18" fmla="*/ 777 w 785"/>
-                <a:gd name="T19" fmla="*/ 374 h 692"/>
-                <a:gd name="T20" fmla="*/ 609 w 785"/>
-                <a:gd name="T21" fmla="*/ 665 h 692"/>
-                <a:gd name="T22" fmla="*/ 561 w 785"/>
-                <a:gd name="T23" fmla="*/ 692 h 692"/>
-                <a:gd name="T24" fmla="*/ 225 w 785"/>
-                <a:gd name="T25" fmla="*/ 692 h 692"/>
-              </a:gdLst>
-              <a:ahLst/>
-              <a:cxnLst>
-                <a:cxn ang="0">
-                  <a:pos x="T0" y="T1"/>
-                </a:cxn>
-                <a:cxn ang="0">
-                  <a:pos x="T2" y="T3"/>
-                </a:cxn>
-                <a:cxn ang="0">
-                  <a:pos x="T4" y="T5"/>
-                </a:cxn>
-                <a:cxn ang="0">
-                  <a:pos x="T6" y="T7"/>
-                </a:cxn>
-                <a:cxn ang="0">
-                  <a:pos x="T8" y="T9"/>
-                </a:cxn>
-                <a:cxn ang="0">
-                  <a:pos x="T10" y="T11"/>
-                </a:cxn>
-                <a:cxn ang="0">
-                  <a:pos x="T12" y="T13"/>
-                </a:cxn>
-                <a:cxn ang="0">
-                  <a:pos x="T14" y="T15"/>
-                </a:cxn>
-                <a:cxn ang="0">
-                  <a:pos x="T16" y="T17"/>
-                </a:cxn>
-                <a:cxn ang="0">
-                  <a:pos x="T18" y="T19"/>
-                </a:cxn>
-                <a:cxn ang="0">
-                  <a:pos x="T20" y="T21"/>
-                </a:cxn>
-                <a:cxn ang="0">
-                  <a:pos x="T22" y="T23"/>
-                </a:cxn>
-                <a:cxn ang="0">
-                  <a:pos x="T24" y="T25"/>
-                </a:cxn>
-              </a:cxnLst>
-              <a:rect l="0" t="0" r="r" b="b"/>
-              <a:pathLst>
-                <a:path w="785" h="692">
-                  <a:moveTo>
-                    <a:pt x="225" y="692"/>
-                  </a:moveTo>
-                  <a:cubicBezTo>
-                    <a:pt x="207" y="692"/>
-                    <a:pt x="185" y="680"/>
-                    <a:pt x="177" y="665"/>
-                  </a:cubicBezTo>
-                  <a:cubicBezTo>
-                    <a:pt x="9" y="374"/>
-                    <a:pt x="9" y="374"/>
-                    <a:pt x="9" y="374"/>
-                  </a:cubicBezTo>
-                  <a:cubicBezTo>
-                    <a:pt x="0" y="358"/>
-                    <a:pt x="0" y="334"/>
-                    <a:pt x="9" y="318"/>
-                  </a:cubicBezTo>
-                  <a:cubicBezTo>
-                    <a:pt x="177" y="27"/>
-                    <a:pt x="177" y="27"/>
-                    <a:pt x="177" y="27"/>
-                  </a:cubicBezTo>
-                  <a:cubicBezTo>
-                    <a:pt x="185" y="12"/>
-                    <a:pt x="207" y="0"/>
-                    <a:pt x="225" y="0"/>
-                  </a:cubicBezTo>
-                  <a:cubicBezTo>
-                    <a:pt x="561" y="0"/>
-                    <a:pt x="561" y="0"/>
-                    <a:pt x="561" y="0"/>
-                  </a:cubicBezTo>
-                  <a:cubicBezTo>
-                    <a:pt x="578" y="0"/>
-                    <a:pt x="600" y="12"/>
-                    <a:pt x="609" y="27"/>
-                  </a:cubicBezTo>
-                  <a:cubicBezTo>
-                    <a:pt x="777" y="318"/>
-                    <a:pt x="777" y="318"/>
-                    <a:pt x="777" y="318"/>
-                  </a:cubicBezTo>
-                  <a:cubicBezTo>
-                    <a:pt x="785" y="334"/>
-                    <a:pt x="785" y="358"/>
-                    <a:pt x="777" y="374"/>
-                  </a:cubicBezTo>
-                  <a:cubicBezTo>
-                    <a:pt x="609" y="665"/>
-                    <a:pt x="609" y="665"/>
-                    <a:pt x="609" y="665"/>
-                  </a:cubicBezTo>
-                  <a:cubicBezTo>
-                    <a:pt x="600" y="680"/>
-                    <a:pt x="578" y="692"/>
-                    <a:pt x="561" y="692"/>
-                  </a:cubicBezTo>
-                  <a:lnTo>
-                    <a:pt x="225" y="692"/>
-                  </a:lnTo>
-                  <a:close/>
-                </a:path>
-              </a:pathLst>
-            </a:custGeom>
-            <a:noFill/>
-            <a:ln w="28575" cmpd="sng">
-              <a:solidFill>
-                <a:schemeClr val="tx1"/>
-              </a:solidFill>
-            </a:ln>
-          </p:spPr>
-          <p:txBody>
-            <a:bodyPr vert="horz" wrap="square" lIns="91440" tIns="45720" rIns="91440" bIns="45720" numCol="1" anchor="t" anchorCtr="0" compatLnSpc="1"/>
-            <a:lstStyle/>
-            <a:p>
-              <a:endParaRPr lang="en-US"/>
-            </a:p>
-          </p:txBody>
-        </p:sp>
-      </p:grpSp>
-      <p:graphicFrame>
-        <p:nvGraphicFramePr>
-          <p:cNvPr id="18" name="Espaço Reservado para Conteúdo 2">
-            <a:extLst>
-              <a:ext uri="{FF2B5EF4-FFF2-40B4-BE49-F238E27FC236}">
-                <a16:creationId xmlns:a16="http://schemas.microsoft.com/office/drawing/2014/main" id="{12C96808-542B-4991-9581-AE14B1E67086}"/>
-              </a:ext>
-            </a:extLst>
-          </p:cNvPr>
-          <p:cNvGraphicFramePr/>
-          <p:nvPr>
-            <p:extLst>
-              <p:ext uri="{D42A27DB-BD31-4B8C-83A1-F6EECF244321}">
-                <p14:modId xmlns:p14="http://schemas.microsoft.com/office/powerpoint/2010/main" val="1113287193"/>
-              </p:ext>
-            </p:extLst>
-          </p:nvPr>
-        </p:nvGraphicFramePr>
-        <p:xfrm>
-          <a:off x="-1019500" y="2968216"/>
-          <a:ext cx="4832507" cy="2035736"/>
-        </p:xfrm>
-        <a:graphic>
-          <a:graphicData uri="http://schemas.openxmlformats.org/drawingml/2006/diagram">
-            <dgm:relIds xmlns:dgm="http://schemas.openxmlformats.org/drawingml/2006/diagram" xmlns:r="http://schemas.openxmlformats.org/officeDocument/2006/relationships" r:dm="rId2" r:lo="rId3" r:qs="rId4" r:cs="rId5"/>
-          </a:graphicData>
-        </a:graphic>
-      </p:graphicFrame>
-      <p:graphicFrame>
-        <p:nvGraphicFramePr>
-          <p:cNvPr id="19" name="Espaço Reservado para Conteúdo 2">
-            <a:extLst>
-              <a:ext uri="{FF2B5EF4-FFF2-40B4-BE49-F238E27FC236}">
-                <a16:creationId xmlns:a16="http://schemas.microsoft.com/office/drawing/2014/main" id="{99615D19-2E5C-45B7-AF0E-A3BF1E3F9505}"/>
-              </a:ext>
-            </a:extLst>
-          </p:cNvPr>
-          <p:cNvGraphicFramePr/>
-          <p:nvPr>
-            <p:extLst>
-              <p:ext uri="{D42A27DB-BD31-4B8C-83A1-F6EECF244321}">
-                <p14:modId xmlns:p14="http://schemas.microsoft.com/office/powerpoint/2010/main" val="161565781"/>
-              </p:ext>
-            </p:extLst>
-          </p:nvPr>
-        </p:nvGraphicFramePr>
-        <p:xfrm>
-          <a:off x="2134143" y="2968216"/>
-          <a:ext cx="4832507" cy="2035736"/>
-        </p:xfrm>
-        <a:graphic>
-          <a:graphicData uri="http://schemas.openxmlformats.org/drawingml/2006/diagram">
-            <dgm:relIds xmlns:dgm="http://schemas.openxmlformats.org/drawingml/2006/diagram" xmlns:r="http://schemas.openxmlformats.org/officeDocument/2006/relationships" r:dm="rId7" r:lo="rId8" r:qs="rId9" r:cs="rId10"/>
-          </a:graphicData>
-        </a:graphic>
-      </p:graphicFrame>
-      <p:graphicFrame>
-        <p:nvGraphicFramePr>
-          <p:cNvPr id="20" name="Espaço Reservado para Conteúdo 2">
-            <a:extLst>
-              <a:ext uri="{FF2B5EF4-FFF2-40B4-BE49-F238E27FC236}">
-                <a16:creationId xmlns:a16="http://schemas.microsoft.com/office/drawing/2014/main" id="{2DAF5B7C-D3C3-45E6-8701-9B123B18B538}"/>
-              </a:ext>
-            </a:extLst>
-          </p:cNvPr>
-          <p:cNvGraphicFramePr/>
-          <p:nvPr>
-            <p:extLst>
-              <p:ext uri="{D42A27DB-BD31-4B8C-83A1-F6EECF244321}">
-                <p14:modId xmlns:p14="http://schemas.microsoft.com/office/powerpoint/2010/main" val="760971150"/>
-              </p:ext>
-            </p:extLst>
-          </p:nvPr>
-        </p:nvGraphicFramePr>
-        <p:xfrm>
-          <a:off x="5220164" y="2968216"/>
-          <a:ext cx="4832507" cy="2035736"/>
-        </p:xfrm>
-        <a:graphic>
-          <a:graphicData uri="http://schemas.openxmlformats.org/drawingml/2006/diagram">
-            <dgm:relIds xmlns:dgm="http://schemas.openxmlformats.org/drawingml/2006/diagram" xmlns:r="http://schemas.openxmlformats.org/officeDocument/2006/relationships" r:dm="rId12" r:lo="rId13" r:qs="rId14" r:cs="rId15"/>
-          </a:graphicData>
-        </a:graphic>
-      </p:graphicFrame>
-      <p:graphicFrame>
-        <p:nvGraphicFramePr>
-          <p:cNvPr id="21" name="Espaço Reservado para Conteúdo 2">
-            <a:extLst>
-              <a:ext uri="{FF2B5EF4-FFF2-40B4-BE49-F238E27FC236}">
-                <a16:creationId xmlns:a16="http://schemas.microsoft.com/office/drawing/2014/main" id="{035A8964-6457-465A-A6ED-9C822747FFCD}"/>
-              </a:ext>
-            </a:extLst>
-          </p:cNvPr>
-          <p:cNvGraphicFramePr/>
-          <p:nvPr>
-            <p:extLst>
-              <p:ext uri="{D42A27DB-BD31-4B8C-83A1-F6EECF244321}">
-                <p14:modId xmlns:p14="http://schemas.microsoft.com/office/powerpoint/2010/main" val="673441981"/>
-              </p:ext>
-            </p:extLst>
-          </p:nvPr>
-        </p:nvGraphicFramePr>
-        <p:xfrm>
-          <a:off x="8167216" y="2968216"/>
-          <a:ext cx="4832507" cy="2035736"/>
-        </p:xfrm>
-        <a:graphic>
-          <a:graphicData uri="http://schemas.openxmlformats.org/drawingml/2006/diagram">
-            <dgm:relIds xmlns:dgm="http://schemas.openxmlformats.org/drawingml/2006/diagram" xmlns:r="http://schemas.openxmlformats.org/officeDocument/2006/relationships" r:dm="rId17" r:lo="rId18" r:qs="rId19" r:cs="rId20"/>
-          </a:graphicData>
-        </a:graphic>
-      </p:graphicFrame>
-      <p:sp>
-        <p:nvSpPr>
-          <p:cNvPr id="11" name="CaixaDeTexto 10">
-            <a:extLst>
-              <a:ext uri="{FF2B5EF4-FFF2-40B4-BE49-F238E27FC236}">
-                <a16:creationId xmlns:a16="http://schemas.microsoft.com/office/drawing/2014/main" id="{F6860C7B-45AB-4527-8D46-334216B4FAC7}"/>
-              </a:ext>
-            </a:extLst>
-          </p:cNvPr>
-          <p:cNvSpPr txBox="1"/>
-          <p:nvPr/>
-        </p:nvSpPr>
-        <p:spPr>
-          <a:xfrm>
-            <a:off x="2244588" y="1310816"/>
-            <a:ext cx="1597469" cy="369332"/>
-          </a:xfrm>
-          <a:prstGeom prst="rect">
-            <a:avLst/>
-          </a:prstGeom>
-          <a:noFill/>
-          <a:effectLst>
-            <a:outerShdw blurRad="50800" dist="38100" dir="5400000" algn="t" rotWithShape="0">
-              <a:prstClr val="black">
-                <a:alpha val="40000"/>
-              </a:prstClr>
-            </a:outerShdw>
-          </a:effectLst>
-        </p:spPr>
-        <p:txBody>
-          <a:bodyPr wrap="square" rtlCol="0">
-            <a:spAutoFit/>
-          </a:bodyPr>
-          <a:lstStyle/>
-          <a:p>
-            <a:r>
-              <a:rPr lang="pt-BR" dirty="0"/>
-              <a:t>Contexto</a:t>
-            </a:r>
-          </a:p>
-        </p:txBody>
-      </p:sp>
-      <p:sp>
-        <p:nvSpPr>
-          <p:cNvPr id="15" name="CaixaDeTexto 14">
-            <a:extLst>
-              <a:ext uri="{FF2B5EF4-FFF2-40B4-BE49-F238E27FC236}">
-                <a16:creationId xmlns:a16="http://schemas.microsoft.com/office/drawing/2014/main" id="{DF55296A-B4B1-4455-AEC8-E88599BF720B}"/>
-              </a:ext>
-            </a:extLst>
-          </p:cNvPr>
-          <p:cNvSpPr txBox="1"/>
-          <p:nvPr/>
-        </p:nvSpPr>
-        <p:spPr>
-          <a:xfrm>
-            <a:off x="3540015" y="1341594"/>
-            <a:ext cx="1321542" cy="338554"/>
-          </a:xfrm>
-          <a:prstGeom prst="rect">
-            <a:avLst/>
-          </a:prstGeom>
-          <a:noFill/>
-        </p:spPr>
-        <p:txBody>
-          <a:bodyPr wrap="square" rtlCol="0">
-            <a:spAutoFit/>
-          </a:bodyPr>
-          <a:lstStyle/>
-          <a:p>
-            <a:r>
-              <a:rPr lang="pt-BR" sz="1600" dirty="0"/>
-              <a:t>Justificativa</a:t>
-            </a:r>
-            <a:endParaRPr lang="pt-BR" dirty="0"/>
-          </a:p>
-        </p:txBody>
-      </p:sp>
-      <p:sp>
-        <p:nvSpPr>
-          <p:cNvPr id="16" name="CaixaDeTexto 15">
-            <a:extLst>
-              <a:ext uri="{FF2B5EF4-FFF2-40B4-BE49-F238E27FC236}">
-                <a16:creationId xmlns:a16="http://schemas.microsoft.com/office/drawing/2014/main" id="{3CA46EF6-3532-4FFA-BE31-84EB0DB00941}"/>
-              </a:ext>
-            </a:extLst>
-          </p:cNvPr>
-          <p:cNvSpPr txBox="1"/>
-          <p:nvPr/>
-        </p:nvSpPr>
-        <p:spPr>
-          <a:xfrm>
-            <a:off x="4977752" y="1341594"/>
-            <a:ext cx="1199701" cy="338554"/>
-          </a:xfrm>
-          <a:prstGeom prst="rect">
-            <a:avLst/>
-          </a:prstGeom>
-          <a:noFill/>
-          <a:effectLst/>
-        </p:spPr>
-        <p:txBody>
-          <a:bodyPr wrap="square" rtlCol="0">
-            <a:spAutoFit/>
-          </a:bodyPr>
-          <a:lstStyle/>
-          <a:p>
-            <a:r>
-              <a:rPr lang="pt-BR" sz="1600" dirty="0"/>
-              <a:t>Objetivos</a:t>
-            </a:r>
-            <a:endParaRPr lang="pt-BR" dirty="0"/>
-          </a:p>
-        </p:txBody>
-      </p:sp>
-    </p:spTree>
-    <p:extLst>
-      <p:ext uri="{BB962C8B-B14F-4D97-AF65-F5344CB8AC3E}">
-        <p14:creationId xmlns:p14="http://schemas.microsoft.com/office/powerpoint/2010/main" val="3542761506"/>
-      </p:ext>
-    </p:extLst>
-  </p:cSld>
-  <p:clrMapOvr>
-    <a:masterClrMapping/>
-  </p:clrMapOvr>
-  <p:timing>
-    <p:tnLst>
-      <p:par>
-        <p:cTn id="1" dur="indefinite" restart="never" nodeType="tmRoot">
-          <p:childTnLst>
-            <p:seq concurrent="1" nextAc="seek">
-              <p:cTn id="2" dur="indefinite" nodeType="mainSeq">
-                <p:childTnLst>
-                  <p:par>
-                    <p:cTn id="3" fill="hold">
-                      <p:stCondLst>
-                        <p:cond delay="indefinite"/>
-                        <p:cond evt="onBegin" delay="0">
-                          <p:tn val="2"/>
-                        </p:cond>
-                      </p:stCondLst>
-                      <p:childTnLst>
-                        <p:par>
-                          <p:cTn id="4" fill="hold">
-                            <p:stCondLst>
-                              <p:cond delay="0"/>
-                            </p:stCondLst>
-                            <p:childTnLst>
-                              <p:par>
-                                <p:cTn id="5" presetID="10" presetClass="entr" presetSubtype="0" fill="hold" grpId="0" nodeType="withEffect">
-                                  <p:stCondLst>
-                                    <p:cond delay="0"/>
-                                  </p:stCondLst>
-                                  <p:childTnLst>
-                                    <p:set>
-                                      <p:cBhvr>
-                                        <p:cTn id="6" dur="1" fill="hold">
-                                          <p:stCondLst>
-                                            <p:cond delay="0"/>
-                                          </p:stCondLst>
-                                        </p:cTn>
-                                        <p:tgtEl>
-                                          <p:spTgt spid="18"/>
-                                        </p:tgtEl>
-                                        <p:attrNameLst>
-                                          <p:attrName>style.visibility</p:attrName>
-                                        </p:attrNameLst>
-                                      </p:cBhvr>
-                                      <p:to>
-                                        <p:strVal val="visible"/>
-                                      </p:to>
-                                    </p:set>
-                                    <p:animEffect transition="in" filter="fade">
-                                      <p:cBhvr>
-                                        <p:cTn id="7" dur="500"/>
-                                        <p:tgtEl>
-                                          <p:spTgt spid="18"/>
-                                        </p:tgtEl>
-                                      </p:cBhvr>
-                                    </p:animEffect>
-                                  </p:childTnLst>
-                                </p:cTn>
-                              </p:par>
-                            </p:childTnLst>
-                          </p:cTn>
-                        </p:par>
-                      </p:childTnLst>
-                    </p:cTn>
-                  </p:par>
-                  <p:par>
-                    <p:cTn id="8" fill="hold">
-                      <p:stCondLst>
-                        <p:cond delay="indefinite"/>
-                      </p:stCondLst>
-                      <p:childTnLst>
-                        <p:par>
-                          <p:cTn id="9" fill="hold">
-                            <p:stCondLst>
-                              <p:cond delay="0"/>
-                            </p:stCondLst>
-                            <p:childTnLst>
-                              <p:par>
-                                <p:cTn id="10" presetID="10" presetClass="entr" presetSubtype="0" fill="hold" grpId="0" nodeType="clickEffect">
-                                  <p:stCondLst>
-                                    <p:cond delay="0"/>
-                                  </p:stCondLst>
-                                  <p:childTnLst>
-                                    <p:set>
-                                      <p:cBhvr>
-                                        <p:cTn id="11" dur="1" fill="hold">
-                                          <p:stCondLst>
-                                            <p:cond delay="0"/>
-                                          </p:stCondLst>
-                                        </p:cTn>
-                                        <p:tgtEl>
-                                          <p:spTgt spid="19"/>
-                                        </p:tgtEl>
-                                        <p:attrNameLst>
-                                          <p:attrName>style.visibility</p:attrName>
-                                        </p:attrNameLst>
-                                      </p:cBhvr>
-                                      <p:to>
-                                        <p:strVal val="visible"/>
-                                      </p:to>
-                                    </p:set>
-                                    <p:animEffect transition="in" filter="fade">
-                                      <p:cBhvr>
-                                        <p:cTn id="12" dur="500"/>
-                                        <p:tgtEl>
-                                          <p:spTgt spid="19"/>
-                                        </p:tgtEl>
-                                      </p:cBhvr>
-                                    </p:animEffect>
-                                  </p:childTnLst>
-                                </p:cTn>
-                              </p:par>
-                            </p:childTnLst>
-                          </p:cTn>
-                        </p:par>
-                      </p:childTnLst>
-                    </p:cTn>
-                  </p:par>
-                  <p:par>
-                    <p:cTn id="13" fill="hold">
-                      <p:stCondLst>
-                        <p:cond delay="indefinite"/>
-                      </p:stCondLst>
-                      <p:childTnLst>
-                        <p:par>
-                          <p:cTn id="14" fill="hold">
-                            <p:stCondLst>
-                              <p:cond delay="0"/>
-                            </p:stCondLst>
-                            <p:childTnLst>
-                              <p:par>
-                                <p:cTn id="15" presetID="10" presetClass="entr" presetSubtype="0" fill="hold" grpId="0" nodeType="clickEffect">
-                                  <p:stCondLst>
-                                    <p:cond delay="0"/>
-                                  </p:stCondLst>
-                                  <p:childTnLst>
-                                    <p:set>
-                                      <p:cBhvr>
-                                        <p:cTn id="16" dur="1" fill="hold">
-                                          <p:stCondLst>
-                                            <p:cond delay="0"/>
-                                          </p:stCondLst>
-                                        </p:cTn>
-                                        <p:tgtEl>
-                                          <p:spTgt spid="20"/>
-                                        </p:tgtEl>
-                                        <p:attrNameLst>
-                                          <p:attrName>style.visibility</p:attrName>
-                                        </p:attrNameLst>
-                                      </p:cBhvr>
-                                      <p:to>
-                                        <p:strVal val="visible"/>
-                                      </p:to>
-                                    </p:set>
-                                    <p:animEffect transition="in" filter="fade">
-                                      <p:cBhvr>
-                                        <p:cTn id="17" dur="500"/>
-                                        <p:tgtEl>
-                                          <p:spTgt spid="20"/>
-                                        </p:tgtEl>
-                                      </p:cBhvr>
-                                    </p:animEffect>
-                                  </p:childTnLst>
-                                </p:cTn>
-                              </p:par>
-                            </p:childTnLst>
-                          </p:cTn>
-                        </p:par>
-                      </p:childTnLst>
-                    </p:cTn>
-                  </p:par>
-                  <p:par>
-                    <p:cTn id="18" fill="hold">
-                      <p:stCondLst>
-                        <p:cond delay="indefinite"/>
-                      </p:stCondLst>
-                      <p:childTnLst>
-                        <p:par>
-                          <p:cTn id="19" fill="hold">
-                            <p:stCondLst>
-                              <p:cond delay="0"/>
-                            </p:stCondLst>
-                            <p:childTnLst>
-                              <p:par>
-                                <p:cTn id="20" presetID="10" presetClass="entr" presetSubtype="0" fill="hold" grpId="0" nodeType="clickEffect">
-                                  <p:stCondLst>
-                                    <p:cond delay="0"/>
-                                  </p:stCondLst>
-                                  <p:childTnLst>
-                                    <p:set>
-                                      <p:cBhvr>
-                                        <p:cTn id="21" dur="1" fill="hold">
-                                          <p:stCondLst>
-                                            <p:cond delay="0"/>
-                                          </p:stCondLst>
-                                        </p:cTn>
-                                        <p:tgtEl>
-                                          <p:spTgt spid="21"/>
-                                        </p:tgtEl>
-                                        <p:attrNameLst>
-                                          <p:attrName>style.visibility</p:attrName>
-                                        </p:attrNameLst>
-                                      </p:cBhvr>
-                                      <p:to>
-                                        <p:strVal val="visible"/>
-                                      </p:to>
-                                    </p:set>
-                                    <p:animEffect transition="in" filter="fade">
-                                      <p:cBhvr>
-                                        <p:cTn id="22" dur="500"/>
-                                        <p:tgtEl>
-                                          <p:spTgt spid="21"/>
-                                        </p:tgtEl>
-                                      </p:cBhvr>
-                                    </p:animEffect>
-                                  </p:childTnLst>
-                                </p:cTn>
-                              </p:par>
-                            </p:childTnLst>
-                          </p:cTn>
-                        </p:par>
-                      </p:childTnLst>
-                    </p:cTn>
-                  </p:par>
-                </p:childTnLst>
-              </p:cTn>
-              <p:prevCondLst>
-                <p:cond evt="onPrev" delay="0">
-                  <p:tgtEl>
-                    <p:sldTgt/>
-                  </p:tgtEl>
-                </p:cond>
-              </p:prevCondLst>
-              <p:nextCondLst>
-                <p:cond evt="onNext" delay="0">
-                  <p:tgtEl>
-                    <p:sldTgt/>
-                  </p:tgtEl>
-                </p:cond>
-              </p:nextCondLst>
-            </p:seq>
-          </p:childTnLst>
-        </p:cTn>
-      </p:par>
-    </p:tnLst>
-    <p:bldLst>
-      <p:bldGraphic spid="18" grpId="0">
-        <p:bldAsOne/>
-      </p:bldGraphic>
-      <p:bldGraphic spid="19" grpId="0">
-        <p:bldAsOne/>
-      </p:bldGraphic>
-      <p:bldGraphic spid="20" grpId="0">
-        <p:bldAsOne/>
-      </p:bldGraphic>
-      <p:bldGraphic spid="21" grpId="0">
-        <p:bldAsOne/>
-      </p:bldGraphic>
-    </p:bldLst>
   </p:timing>
 </p:sld>
 </file>
@@ -41270,6 +42301,1002 @@
       </p:grpSpPr>
       <p:sp>
         <p:nvSpPr>
+          <p:cNvPr id="2" name="Título 1"/>
+          <p:cNvSpPr>
+            <a:spLocks noGrp="1"/>
+          </p:cNvSpPr>
+          <p:nvPr>
+            <p:ph type="title"/>
+          </p:nvPr>
+        </p:nvSpPr>
+        <p:spPr>
+          <a:xfrm>
+            <a:off x="1812897" y="518649"/>
+            <a:ext cx="9882278" cy="1067634"/>
+          </a:xfrm>
+        </p:spPr>
+        <p:txBody>
+          <a:bodyPr anchor="ctr">
+            <a:normAutofit/>
+          </a:bodyPr>
+          <a:lstStyle/>
+          <a:p>
+            <a:r>
+              <a:rPr lang="pt-BR" dirty="0"/>
+              <a:t>Artefatos</a:t>
+            </a:r>
+          </a:p>
+        </p:txBody>
+      </p:sp>
+      <p:grpSp>
+        <p:nvGrpSpPr>
+          <p:cNvPr id="12" name="Group 11"/>
+          <p:cNvGrpSpPr>
+            <a:grpSpLocks noGrp="1" noUngrp="1" noRot="1" noChangeAspect="1" noMove="1" noResize="1"/>
+          </p:cNvGrpSpPr>
+          <p:nvPr/>
+        </p:nvGrpSpPr>
+        <p:grpSpPr>
+          <a:xfrm>
+            <a:off x="472021" y="628863"/>
+            <a:ext cx="1128382" cy="847206"/>
+            <a:chOff x="8183879" y="1000124"/>
+            <a:chExt cx="1562267" cy="1172973"/>
+          </a:xfrm>
+        </p:grpSpPr>
+        <p:sp>
+          <p:nvSpPr>
+            <p:cNvPr id="13" name="Freeform 5"/>
+            <p:cNvSpPr/>
+            <p:nvPr/>
+          </p:nvSpPr>
+          <p:spPr bwMode="auto">
+            <a:xfrm>
+              <a:off x="8183879" y="1348782"/>
+              <a:ext cx="935037" cy="824315"/>
+            </a:xfrm>
+            <a:custGeom>
+              <a:avLst/>
+              <a:gdLst>
+                <a:gd name="T0" fmla="*/ 225 w 785"/>
+                <a:gd name="T1" fmla="*/ 692 h 692"/>
+                <a:gd name="T2" fmla="*/ 177 w 785"/>
+                <a:gd name="T3" fmla="*/ 665 h 692"/>
+                <a:gd name="T4" fmla="*/ 9 w 785"/>
+                <a:gd name="T5" fmla="*/ 374 h 692"/>
+                <a:gd name="T6" fmla="*/ 9 w 785"/>
+                <a:gd name="T7" fmla="*/ 318 h 692"/>
+                <a:gd name="T8" fmla="*/ 177 w 785"/>
+                <a:gd name="T9" fmla="*/ 27 h 692"/>
+                <a:gd name="T10" fmla="*/ 225 w 785"/>
+                <a:gd name="T11" fmla="*/ 0 h 692"/>
+                <a:gd name="T12" fmla="*/ 561 w 785"/>
+                <a:gd name="T13" fmla="*/ 0 h 692"/>
+                <a:gd name="T14" fmla="*/ 609 w 785"/>
+                <a:gd name="T15" fmla="*/ 27 h 692"/>
+                <a:gd name="T16" fmla="*/ 777 w 785"/>
+                <a:gd name="T17" fmla="*/ 318 h 692"/>
+                <a:gd name="T18" fmla="*/ 777 w 785"/>
+                <a:gd name="T19" fmla="*/ 374 h 692"/>
+                <a:gd name="T20" fmla="*/ 609 w 785"/>
+                <a:gd name="T21" fmla="*/ 665 h 692"/>
+                <a:gd name="T22" fmla="*/ 561 w 785"/>
+                <a:gd name="T23" fmla="*/ 692 h 692"/>
+                <a:gd name="T24" fmla="*/ 225 w 785"/>
+                <a:gd name="T25" fmla="*/ 692 h 692"/>
+              </a:gdLst>
+              <a:ahLst/>
+              <a:cxnLst>
+                <a:cxn ang="0">
+                  <a:pos x="T0" y="T1"/>
+                </a:cxn>
+                <a:cxn ang="0">
+                  <a:pos x="T2" y="T3"/>
+                </a:cxn>
+                <a:cxn ang="0">
+                  <a:pos x="T4" y="T5"/>
+                </a:cxn>
+                <a:cxn ang="0">
+                  <a:pos x="T6" y="T7"/>
+                </a:cxn>
+                <a:cxn ang="0">
+                  <a:pos x="T8" y="T9"/>
+                </a:cxn>
+                <a:cxn ang="0">
+                  <a:pos x="T10" y="T11"/>
+                </a:cxn>
+                <a:cxn ang="0">
+                  <a:pos x="T12" y="T13"/>
+                </a:cxn>
+                <a:cxn ang="0">
+                  <a:pos x="T14" y="T15"/>
+                </a:cxn>
+                <a:cxn ang="0">
+                  <a:pos x="T16" y="T17"/>
+                </a:cxn>
+                <a:cxn ang="0">
+                  <a:pos x="T18" y="T19"/>
+                </a:cxn>
+                <a:cxn ang="0">
+                  <a:pos x="T20" y="T21"/>
+                </a:cxn>
+                <a:cxn ang="0">
+                  <a:pos x="T22" y="T23"/>
+                </a:cxn>
+                <a:cxn ang="0">
+                  <a:pos x="T24" y="T25"/>
+                </a:cxn>
+              </a:cxnLst>
+              <a:rect l="0" t="0" r="r" b="b"/>
+              <a:pathLst>
+                <a:path w="785" h="692">
+                  <a:moveTo>
+                    <a:pt x="225" y="692"/>
+                  </a:moveTo>
+                  <a:cubicBezTo>
+                    <a:pt x="207" y="692"/>
+                    <a:pt x="185" y="680"/>
+                    <a:pt x="177" y="665"/>
+                  </a:cubicBezTo>
+                  <a:cubicBezTo>
+                    <a:pt x="9" y="374"/>
+                    <a:pt x="9" y="374"/>
+                    <a:pt x="9" y="374"/>
+                  </a:cubicBezTo>
+                  <a:cubicBezTo>
+                    <a:pt x="0" y="358"/>
+                    <a:pt x="0" y="334"/>
+                    <a:pt x="9" y="318"/>
+                  </a:cubicBezTo>
+                  <a:cubicBezTo>
+                    <a:pt x="177" y="27"/>
+                    <a:pt x="177" y="27"/>
+                    <a:pt x="177" y="27"/>
+                  </a:cubicBezTo>
+                  <a:cubicBezTo>
+                    <a:pt x="185" y="12"/>
+                    <a:pt x="207" y="0"/>
+                    <a:pt x="225" y="0"/>
+                  </a:cubicBezTo>
+                  <a:cubicBezTo>
+                    <a:pt x="561" y="0"/>
+                    <a:pt x="561" y="0"/>
+                    <a:pt x="561" y="0"/>
+                  </a:cubicBezTo>
+                  <a:cubicBezTo>
+                    <a:pt x="578" y="0"/>
+                    <a:pt x="600" y="12"/>
+                    <a:pt x="609" y="27"/>
+                  </a:cubicBezTo>
+                  <a:cubicBezTo>
+                    <a:pt x="777" y="318"/>
+                    <a:pt x="777" y="318"/>
+                    <a:pt x="777" y="318"/>
+                  </a:cubicBezTo>
+                  <a:cubicBezTo>
+                    <a:pt x="785" y="334"/>
+                    <a:pt x="785" y="358"/>
+                    <a:pt x="777" y="374"/>
+                  </a:cubicBezTo>
+                  <a:cubicBezTo>
+                    <a:pt x="609" y="665"/>
+                    <a:pt x="609" y="665"/>
+                    <a:pt x="609" y="665"/>
+                  </a:cubicBezTo>
+                  <a:cubicBezTo>
+                    <a:pt x="600" y="680"/>
+                    <a:pt x="578" y="692"/>
+                    <a:pt x="561" y="692"/>
+                  </a:cubicBezTo>
+                  <a:lnTo>
+                    <a:pt x="225" y="692"/>
+                  </a:lnTo>
+                  <a:close/>
+                </a:path>
+              </a:pathLst>
+            </a:custGeom>
+            <a:noFill/>
+            <a:ln w="28575" cmpd="sng">
+              <a:solidFill>
+                <a:schemeClr val="tx1"/>
+              </a:solidFill>
+            </a:ln>
+          </p:spPr>
+          <p:txBody>
+            <a:bodyPr vert="horz" wrap="square" lIns="91440" tIns="45720" rIns="91440" bIns="45720" numCol="1" anchor="t" anchorCtr="0" compatLnSpc="1"/>
+            <a:lstStyle/>
+            <a:p>
+              <a:endParaRPr lang="en-US"/>
+            </a:p>
+          </p:txBody>
+        </p:sp>
+        <p:sp>
+          <p:nvSpPr>
+            <p:cNvPr id="14" name="Freeform 5"/>
+            <p:cNvSpPr/>
+            <p:nvPr/>
+          </p:nvSpPr>
+          <p:spPr bwMode="auto">
+            <a:xfrm>
+              <a:off x="8983979" y="1000124"/>
+              <a:ext cx="762167" cy="671915"/>
+            </a:xfrm>
+            <a:custGeom>
+              <a:avLst/>
+              <a:gdLst>
+                <a:gd name="T0" fmla="*/ 225 w 785"/>
+                <a:gd name="T1" fmla="*/ 692 h 692"/>
+                <a:gd name="T2" fmla="*/ 177 w 785"/>
+                <a:gd name="T3" fmla="*/ 665 h 692"/>
+                <a:gd name="T4" fmla="*/ 9 w 785"/>
+                <a:gd name="T5" fmla="*/ 374 h 692"/>
+                <a:gd name="T6" fmla="*/ 9 w 785"/>
+                <a:gd name="T7" fmla="*/ 318 h 692"/>
+                <a:gd name="T8" fmla="*/ 177 w 785"/>
+                <a:gd name="T9" fmla="*/ 27 h 692"/>
+                <a:gd name="T10" fmla="*/ 225 w 785"/>
+                <a:gd name="T11" fmla="*/ 0 h 692"/>
+                <a:gd name="T12" fmla="*/ 561 w 785"/>
+                <a:gd name="T13" fmla="*/ 0 h 692"/>
+                <a:gd name="T14" fmla="*/ 609 w 785"/>
+                <a:gd name="T15" fmla="*/ 27 h 692"/>
+                <a:gd name="T16" fmla="*/ 777 w 785"/>
+                <a:gd name="T17" fmla="*/ 318 h 692"/>
+                <a:gd name="T18" fmla="*/ 777 w 785"/>
+                <a:gd name="T19" fmla="*/ 374 h 692"/>
+                <a:gd name="T20" fmla="*/ 609 w 785"/>
+                <a:gd name="T21" fmla="*/ 665 h 692"/>
+                <a:gd name="T22" fmla="*/ 561 w 785"/>
+                <a:gd name="T23" fmla="*/ 692 h 692"/>
+                <a:gd name="T24" fmla="*/ 225 w 785"/>
+                <a:gd name="T25" fmla="*/ 692 h 692"/>
+              </a:gdLst>
+              <a:ahLst/>
+              <a:cxnLst>
+                <a:cxn ang="0">
+                  <a:pos x="T0" y="T1"/>
+                </a:cxn>
+                <a:cxn ang="0">
+                  <a:pos x="T2" y="T3"/>
+                </a:cxn>
+                <a:cxn ang="0">
+                  <a:pos x="T4" y="T5"/>
+                </a:cxn>
+                <a:cxn ang="0">
+                  <a:pos x="T6" y="T7"/>
+                </a:cxn>
+                <a:cxn ang="0">
+                  <a:pos x="T8" y="T9"/>
+                </a:cxn>
+                <a:cxn ang="0">
+                  <a:pos x="T10" y="T11"/>
+                </a:cxn>
+                <a:cxn ang="0">
+                  <a:pos x="T12" y="T13"/>
+                </a:cxn>
+                <a:cxn ang="0">
+                  <a:pos x="T14" y="T15"/>
+                </a:cxn>
+                <a:cxn ang="0">
+                  <a:pos x="T16" y="T17"/>
+                </a:cxn>
+                <a:cxn ang="0">
+                  <a:pos x="T18" y="T19"/>
+                </a:cxn>
+                <a:cxn ang="0">
+                  <a:pos x="T20" y="T21"/>
+                </a:cxn>
+                <a:cxn ang="0">
+                  <a:pos x="T22" y="T23"/>
+                </a:cxn>
+                <a:cxn ang="0">
+                  <a:pos x="T24" y="T25"/>
+                </a:cxn>
+              </a:cxnLst>
+              <a:rect l="0" t="0" r="r" b="b"/>
+              <a:pathLst>
+                <a:path w="785" h="692">
+                  <a:moveTo>
+                    <a:pt x="225" y="692"/>
+                  </a:moveTo>
+                  <a:cubicBezTo>
+                    <a:pt x="207" y="692"/>
+                    <a:pt x="185" y="680"/>
+                    <a:pt x="177" y="665"/>
+                  </a:cubicBezTo>
+                  <a:cubicBezTo>
+                    <a:pt x="9" y="374"/>
+                    <a:pt x="9" y="374"/>
+                    <a:pt x="9" y="374"/>
+                  </a:cubicBezTo>
+                  <a:cubicBezTo>
+                    <a:pt x="0" y="358"/>
+                    <a:pt x="0" y="334"/>
+                    <a:pt x="9" y="318"/>
+                  </a:cubicBezTo>
+                  <a:cubicBezTo>
+                    <a:pt x="177" y="27"/>
+                    <a:pt x="177" y="27"/>
+                    <a:pt x="177" y="27"/>
+                  </a:cubicBezTo>
+                  <a:cubicBezTo>
+                    <a:pt x="185" y="12"/>
+                    <a:pt x="207" y="0"/>
+                    <a:pt x="225" y="0"/>
+                  </a:cubicBezTo>
+                  <a:cubicBezTo>
+                    <a:pt x="561" y="0"/>
+                    <a:pt x="561" y="0"/>
+                    <a:pt x="561" y="0"/>
+                  </a:cubicBezTo>
+                  <a:cubicBezTo>
+                    <a:pt x="578" y="0"/>
+                    <a:pt x="600" y="12"/>
+                    <a:pt x="609" y="27"/>
+                  </a:cubicBezTo>
+                  <a:cubicBezTo>
+                    <a:pt x="777" y="318"/>
+                    <a:pt x="777" y="318"/>
+                    <a:pt x="777" y="318"/>
+                  </a:cubicBezTo>
+                  <a:cubicBezTo>
+                    <a:pt x="785" y="334"/>
+                    <a:pt x="785" y="358"/>
+                    <a:pt x="777" y="374"/>
+                  </a:cubicBezTo>
+                  <a:cubicBezTo>
+                    <a:pt x="609" y="665"/>
+                    <a:pt x="609" y="665"/>
+                    <a:pt x="609" y="665"/>
+                  </a:cubicBezTo>
+                  <a:cubicBezTo>
+                    <a:pt x="600" y="680"/>
+                    <a:pt x="578" y="692"/>
+                    <a:pt x="561" y="692"/>
+                  </a:cubicBezTo>
+                  <a:lnTo>
+                    <a:pt x="225" y="692"/>
+                  </a:lnTo>
+                  <a:close/>
+                </a:path>
+              </a:pathLst>
+            </a:custGeom>
+            <a:noFill/>
+            <a:ln w="28575" cmpd="sng">
+              <a:solidFill>
+                <a:schemeClr val="tx1"/>
+              </a:solidFill>
+            </a:ln>
+          </p:spPr>
+          <p:txBody>
+            <a:bodyPr vert="horz" wrap="square" lIns="91440" tIns="45720" rIns="91440" bIns="45720" numCol="1" anchor="t" anchorCtr="0" compatLnSpc="1"/>
+            <a:lstStyle/>
+            <a:p>
+              <a:endParaRPr lang="en-US"/>
+            </a:p>
+          </p:txBody>
+        </p:sp>
+      </p:grpSp>
+      <p:sp>
+        <p:nvSpPr>
+          <p:cNvPr id="17" name="CaixaDeTexto 16">
+            <a:extLst>
+              <a:ext uri="{FF2B5EF4-FFF2-40B4-BE49-F238E27FC236}">
+                <a16:creationId xmlns:a16="http://schemas.microsoft.com/office/drawing/2014/main" id="{F7374B40-D7D8-4146-9028-B7AE3FA19233}"/>
+              </a:ext>
+            </a:extLst>
+          </p:cNvPr>
+          <p:cNvSpPr txBox="1"/>
+          <p:nvPr/>
+        </p:nvSpPr>
+        <p:spPr>
+          <a:xfrm>
+            <a:off x="3847413" y="1320341"/>
+            <a:ext cx="1321542" cy="338554"/>
+          </a:xfrm>
+          <a:prstGeom prst="rect">
+            <a:avLst/>
+          </a:prstGeom>
+          <a:noFill/>
+        </p:spPr>
+        <p:txBody>
+          <a:bodyPr wrap="square" rtlCol="0">
+            <a:spAutoFit/>
+          </a:bodyPr>
+          <a:lstStyle/>
+          <a:p>
+            <a:r>
+              <a:rPr lang="pt-BR" sz="1600" dirty="0" err="1"/>
+              <a:t>StoryBoard</a:t>
+            </a:r>
+            <a:endParaRPr lang="pt-BR" dirty="0"/>
+          </a:p>
+        </p:txBody>
+      </p:sp>
+      <p:sp>
+        <p:nvSpPr>
+          <p:cNvPr id="18" name="CaixaDeTexto 17">
+            <a:extLst>
+              <a:ext uri="{FF2B5EF4-FFF2-40B4-BE49-F238E27FC236}">
+                <a16:creationId xmlns:a16="http://schemas.microsoft.com/office/drawing/2014/main" id="{0579A070-173E-4D8B-98FC-347B77DB9ADE}"/>
+              </a:ext>
+            </a:extLst>
+          </p:cNvPr>
+          <p:cNvSpPr txBox="1"/>
+          <p:nvPr/>
+        </p:nvSpPr>
+        <p:spPr>
+          <a:xfrm>
+            <a:off x="5285150" y="1320341"/>
+            <a:ext cx="1199701" cy="338554"/>
+          </a:xfrm>
+          <a:prstGeom prst="rect">
+            <a:avLst/>
+          </a:prstGeom>
+          <a:noFill/>
+          <a:effectLst/>
+        </p:spPr>
+        <p:txBody>
+          <a:bodyPr wrap="square" rtlCol="0">
+            <a:spAutoFit/>
+          </a:bodyPr>
+          <a:lstStyle/>
+          <a:p>
+            <a:r>
+              <a:rPr lang="pt-BR" sz="1600" dirty="0"/>
+              <a:t>Requisitos</a:t>
+            </a:r>
+            <a:endParaRPr lang="pt-BR" dirty="0"/>
+          </a:p>
+        </p:txBody>
+      </p:sp>
+      <p:sp>
+        <p:nvSpPr>
+          <p:cNvPr id="19" name="CaixaDeTexto 18">
+            <a:extLst>
+              <a:ext uri="{FF2B5EF4-FFF2-40B4-BE49-F238E27FC236}">
+                <a16:creationId xmlns:a16="http://schemas.microsoft.com/office/drawing/2014/main" id="{D02F0A36-42C0-442F-B708-AE0077EDEF45}"/>
+              </a:ext>
+            </a:extLst>
+          </p:cNvPr>
+          <p:cNvSpPr txBox="1"/>
+          <p:nvPr/>
+        </p:nvSpPr>
+        <p:spPr>
+          <a:xfrm>
+            <a:off x="6661200" y="1320341"/>
+            <a:ext cx="898530" cy="338554"/>
+          </a:xfrm>
+          <a:prstGeom prst="rect">
+            <a:avLst/>
+          </a:prstGeom>
+          <a:noFill/>
+        </p:spPr>
+        <p:txBody>
+          <a:bodyPr wrap="square" rtlCol="0">
+            <a:spAutoFit/>
+          </a:bodyPr>
+          <a:lstStyle/>
+          <a:p>
+            <a:r>
+              <a:rPr lang="pt-BR" sz="1600" dirty="0"/>
+              <a:t>BPMN</a:t>
+            </a:r>
+            <a:endParaRPr lang="pt-BR" dirty="0"/>
+          </a:p>
+        </p:txBody>
+      </p:sp>
+      <p:sp>
+        <p:nvSpPr>
+          <p:cNvPr id="23" name="CaixaDeTexto 22">
+            <a:extLst>
+              <a:ext uri="{FF2B5EF4-FFF2-40B4-BE49-F238E27FC236}">
+                <a16:creationId xmlns:a16="http://schemas.microsoft.com/office/drawing/2014/main" id="{AEDD1AB6-8654-4748-AFEB-266F993341D8}"/>
+              </a:ext>
+            </a:extLst>
+          </p:cNvPr>
+          <p:cNvSpPr txBox="1"/>
+          <p:nvPr/>
+        </p:nvSpPr>
+        <p:spPr>
+          <a:xfrm>
+            <a:off x="7709972" y="1320341"/>
+            <a:ext cx="2070837" cy="338554"/>
+          </a:xfrm>
+          <a:prstGeom prst="rect">
+            <a:avLst/>
+          </a:prstGeom>
+          <a:noFill/>
+        </p:spPr>
+        <p:txBody>
+          <a:bodyPr wrap="square" rtlCol="0">
+            <a:spAutoFit/>
+          </a:bodyPr>
+          <a:lstStyle/>
+          <a:p>
+            <a:r>
+              <a:rPr lang="pt-BR" sz="1600" dirty="0"/>
+              <a:t>Desenho de Solução</a:t>
+            </a:r>
+          </a:p>
+        </p:txBody>
+      </p:sp>
+      <p:sp>
+        <p:nvSpPr>
+          <p:cNvPr id="24" name="CaixaDeTexto 23">
+            <a:extLst>
+              <a:ext uri="{FF2B5EF4-FFF2-40B4-BE49-F238E27FC236}">
+                <a16:creationId xmlns:a16="http://schemas.microsoft.com/office/drawing/2014/main" id="{E02B5E74-D9F0-4003-BD68-3101ACF02AC9}"/>
+              </a:ext>
+            </a:extLst>
+          </p:cNvPr>
+          <p:cNvSpPr txBox="1"/>
+          <p:nvPr/>
+        </p:nvSpPr>
+        <p:spPr>
+          <a:xfrm>
+            <a:off x="9864699" y="1320341"/>
+            <a:ext cx="2277975" cy="369332"/>
+          </a:xfrm>
+          <a:prstGeom prst="rect">
+            <a:avLst/>
+          </a:prstGeom>
+          <a:noFill/>
+        </p:spPr>
+        <p:txBody>
+          <a:bodyPr wrap="square" rtlCol="0">
+            <a:spAutoFit/>
+          </a:bodyPr>
+          <a:lstStyle/>
+          <a:p>
+            <a:r>
+              <a:rPr lang="pt-BR" dirty="0"/>
+              <a:t>Planilha de Software</a:t>
+            </a:r>
+          </a:p>
+        </p:txBody>
+      </p:sp>
+      <p:pic>
+        <p:nvPicPr>
+          <p:cNvPr id="1028" name="Picture 4" descr="Visual Studio Code Vector Logo - Download Free SVG Icon ...">
+            <a:extLst>
+              <a:ext uri="{FF2B5EF4-FFF2-40B4-BE49-F238E27FC236}">
+                <a16:creationId xmlns:a16="http://schemas.microsoft.com/office/drawing/2014/main" id="{D76B89FC-867A-4147-BA71-9560870E80C8}"/>
+              </a:ext>
+            </a:extLst>
+          </p:cNvPr>
+          <p:cNvPicPr>
+            <a:picLocks noChangeAspect="1" noChangeArrowheads="1"/>
+          </p:cNvPicPr>
+          <p:nvPr/>
+        </p:nvPicPr>
+        <p:blipFill>
+          <a:blip r:embed="rId2">
+            <a:extLst>
+              <a:ext uri="{28A0092B-C50C-407E-A947-70E740481C1C}">
+                <a14:useLocalDpi xmlns:a14="http://schemas.microsoft.com/office/drawing/2010/main" val="0"/>
+              </a:ext>
+            </a:extLst>
+          </a:blip>
+          <a:srcRect/>
+          <a:stretch>
+            <a:fillRect/>
+          </a:stretch>
+        </p:blipFill>
+        <p:spPr bwMode="auto">
+          <a:xfrm>
+            <a:off x="1831345" y="4605450"/>
+            <a:ext cx="1072370" cy="1104267"/>
+          </a:xfrm>
+          <a:prstGeom prst="rect">
+            <a:avLst/>
+          </a:prstGeom>
+          <a:noFill/>
+          <a:extLst>
+            <a:ext uri="{909E8E84-426E-40DD-AFC4-6F175D3DCCD1}">
+              <a14:hiddenFill xmlns:a14="http://schemas.microsoft.com/office/drawing/2010/main">
+                <a:solidFill>
+                  <a:srgbClr val="FFFFFF"/>
+                </a:solidFill>
+              </a14:hiddenFill>
+            </a:ext>
+          </a:extLst>
+        </p:spPr>
+      </p:pic>
+      <p:pic>
+        <p:nvPicPr>
+          <p:cNvPr id="1030" name="Picture 6" descr="Intellij idea Icons - Download 58 Free Intellij idea icons here">
+            <a:extLst>
+              <a:ext uri="{FF2B5EF4-FFF2-40B4-BE49-F238E27FC236}">
+                <a16:creationId xmlns:a16="http://schemas.microsoft.com/office/drawing/2014/main" id="{1D444095-F87C-4CAA-AEB0-70F655079581}"/>
+              </a:ext>
+            </a:extLst>
+          </p:cNvPr>
+          <p:cNvPicPr>
+            <a:picLocks noChangeAspect="1" noChangeArrowheads="1"/>
+          </p:cNvPicPr>
+          <p:nvPr/>
+        </p:nvPicPr>
+        <p:blipFill>
+          <a:blip r:embed="rId3">
+            <a:extLst>
+              <a:ext uri="{28A0092B-C50C-407E-A947-70E740481C1C}">
+                <a14:useLocalDpi xmlns:a14="http://schemas.microsoft.com/office/drawing/2010/main" val="0"/>
+              </a:ext>
+            </a:extLst>
+          </a:blip>
+          <a:srcRect/>
+          <a:stretch>
+            <a:fillRect/>
+          </a:stretch>
+        </p:blipFill>
+        <p:spPr bwMode="auto">
+          <a:xfrm>
+            <a:off x="6661200" y="4587136"/>
+            <a:ext cx="1140898" cy="1140898"/>
+          </a:xfrm>
+          <a:prstGeom prst="rect">
+            <a:avLst/>
+          </a:prstGeom>
+          <a:noFill/>
+          <a:extLst>
+            <a:ext uri="{909E8E84-426E-40DD-AFC4-6F175D3DCCD1}">
+              <a14:hiddenFill xmlns:a14="http://schemas.microsoft.com/office/drawing/2010/main">
+                <a:solidFill>
+                  <a:srgbClr val="FFFFFF"/>
+                </a:solidFill>
+              </a14:hiddenFill>
+            </a:ext>
+          </a:extLst>
+        </p:spPr>
+      </p:pic>
+      <p:pic>
+        <p:nvPicPr>
+          <p:cNvPr id="1036" name="Picture 12" descr="github logo - ícones de mídia social grátis">
+            <a:extLst>
+              <a:ext uri="{FF2B5EF4-FFF2-40B4-BE49-F238E27FC236}">
+                <a16:creationId xmlns:a16="http://schemas.microsoft.com/office/drawing/2014/main" id="{4CB63698-D978-4CD6-8FD1-C022074D72D7}"/>
+              </a:ext>
+            </a:extLst>
+          </p:cNvPr>
+          <p:cNvPicPr>
+            <a:picLocks noChangeAspect="1" noChangeArrowheads="1"/>
+          </p:cNvPicPr>
+          <p:nvPr/>
+        </p:nvPicPr>
+        <p:blipFill>
+          <a:blip r:embed="rId4">
+            <a:extLst>
+              <a:ext uri="{28A0092B-C50C-407E-A947-70E740481C1C}">
+                <a14:useLocalDpi xmlns:a14="http://schemas.microsoft.com/office/drawing/2010/main" val="0"/>
+              </a:ext>
+            </a:extLst>
+          </a:blip>
+          <a:srcRect/>
+          <a:stretch>
+            <a:fillRect/>
+          </a:stretch>
+        </p:blipFill>
+        <p:spPr bwMode="auto">
+          <a:xfrm>
+            <a:off x="1762817" y="2270057"/>
+            <a:ext cx="1140898" cy="1140898"/>
+          </a:xfrm>
+          <a:prstGeom prst="rect">
+            <a:avLst/>
+          </a:prstGeom>
+          <a:noFill/>
+          <a:extLst>
+            <a:ext uri="{909E8E84-426E-40DD-AFC4-6F175D3DCCD1}">
+              <a14:hiddenFill xmlns:a14="http://schemas.microsoft.com/office/drawing/2010/main">
+                <a:solidFill>
+                  <a:srgbClr val="FFFFFF"/>
+                </a:solidFill>
+              </a14:hiddenFill>
+            </a:ext>
+          </a:extLst>
+        </p:spPr>
+      </p:pic>
+      <p:pic>
+        <p:nvPicPr>
+          <p:cNvPr id="1038" name="Picture 14" descr="Microsoft Office 365 + Asana · Asana">
+            <a:extLst>
+              <a:ext uri="{FF2B5EF4-FFF2-40B4-BE49-F238E27FC236}">
+                <a16:creationId xmlns:a16="http://schemas.microsoft.com/office/drawing/2014/main" id="{1070BA75-767B-4C56-BCD0-3A6C324EE9BC}"/>
+              </a:ext>
+            </a:extLst>
+          </p:cNvPr>
+          <p:cNvPicPr>
+            <a:picLocks noChangeAspect="1" noChangeArrowheads="1"/>
+          </p:cNvPicPr>
+          <p:nvPr/>
+        </p:nvPicPr>
+        <p:blipFill rotWithShape="1">
+          <a:blip r:embed="rId5">
+            <a:extLst>
+              <a:ext uri="{28A0092B-C50C-407E-A947-70E740481C1C}">
+                <a14:useLocalDpi xmlns:a14="http://schemas.microsoft.com/office/drawing/2010/main" val="0"/>
+              </a:ext>
+            </a:extLst>
+          </a:blip>
+          <a:srcRect t="10387" b="9872"/>
+          <a:stretch/>
+        </p:blipFill>
+        <p:spPr bwMode="auto">
+          <a:xfrm>
+            <a:off x="4060883" y="2264944"/>
+            <a:ext cx="1437165" cy="1146011"/>
+          </a:xfrm>
+          <a:prstGeom prst="rect">
+            <a:avLst/>
+          </a:prstGeom>
+          <a:noFill/>
+          <a:extLst>
+            <a:ext uri="{909E8E84-426E-40DD-AFC4-6F175D3DCCD1}">
+              <a14:hiddenFill xmlns:a14="http://schemas.microsoft.com/office/drawing/2010/main">
+                <a:solidFill>
+                  <a:srgbClr val="FFFFFF"/>
+                </a:solidFill>
+              </a14:hiddenFill>
+            </a:ext>
+          </a:extLst>
+        </p:spPr>
+      </p:pic>
+      <p:pic>
+        <p:nvPicPr>
+          <p:cNvPr id="1040" name="Picture 16" descr="Draw io Vector Logo - Download Free SVG Icon | Worldvectorlogo">
+            <a:extLst>
+              <a:ext uri="{FF2B5EF4-FFF2-40B4-BE49-F238E27FC236}">
+                <a16:creationId xmlns:a16="http://schemas.microsoft.com/office/drawing/2014/main" id="{3E94C683-13A5-473D-84E5-0EC77570D1A9}"/>
+              </a:ext>
+            </a:extLst>
+          </p:cNvPr>
+          <p:cNvPicPr>
+            <a:picLocks noChangeAspect="1" noChangeArrowheads="1"/>
+          </p:cNvPicPr>
+          <p:nvPr/>
+        </p:nvPicPr>
+        <p:blipFill rotWithShape="1">
+          <a:blip r:embed="rId6">
+            <a:extLst>
+              <a:ext uri="{28A0092B-C50C-407E-A947-70E740481C1C}">
+                <a14:useLocalDpi xmlns:a14="http://schemas.microsoft.com/office/drawing/2010/main" val="0"/>
+              </a:ext>
+            </a:extLst>
+          </a:blip>
+          <a:srcRect b="26168"/>
+          <a:stretch/>
+        </p:blipFill>
+        <p:spPr bwMode="auto">
+          <a:xfrm>
+            <a:off x="6657030" y="2264944"/>
+            <a:ext cx="1149238" cy="1140898"/>
+          </a:xfrm>
+          <a:prstGeom prst="rect">
+            <a:avLst/>
+          </a:prstGeom>
+          <a:noFill/>
+          <a:extLst>
+            <a:ext uri="{909E8E84-426E-40DD-AFC4-6F175D3DCCD1}">
+              <a14:hiddenFill xmlns:a14="http://schemas.microsoft.com/office/drawing/2010/main">
+                <a:solidFill>
+                  <a:srgbClr val="FFFFFF"/>
+                </a:solidFill>
+              </a14:hiddenFill>
+            </a:ext>
+          </a:extLst>
+        </p:spPr>
+      </p:pic>
+      <p:pic>
+        <p:nvPicPr>
+          <p:cNvPr id="1048" name="Picture 24" descr="Node Js Icon of Flat style - Available in SVG, PNG, EPS, AI &amp; Icon ...">
+            <a:extLst>
+              <a:ext uri="{FF2B5EF4-FFF2-40B4-BE49-F238E27FC236}">
+                <a16:creationId xmlns:a16="http://schemas.microsoft.com/office/drawing/2014/main" id="{02423DA5-E5A7-4204-9F15-B1C2DA32315D}"/>
+              </a:ext>
+            </a:extLst>
+          </p:cNvPr>
+          <p:cNvPicPr>
+            <a:picLocks noChangeAspect="1" noChangeArrowheads="1"/>
+          </p:cNvPicPr>
+          <p:nvPr/>
+        </p:nvPicPr>
+        <p:blipFill>
+          <a:blip r:embed="rId7">
+            <a:extLst>
+              <a:ext uri="{28A0092B-C50C-407E-A947-70E740481C1C}">
+                <a14:useLocalDpi xmlns:a14="http://schemas.microsoft.com/office/drawing/2010/main" val="0"/>
+              </a:ext>
+            </a:extLst>
+          </a:blip>
+          <a:srcRect/>
+          <a:stretch>
+            <a:fillRect/>
+          </a:stretch>
+        </p:blipFill>
+        <p:spPr bwMode="auto">
+          <a:xfrm>
+            <a:off x="4209017" y="4568820"/>
+            <a:ext cx="1140898" cy="1140898"/>
+          </a:xfrm>
+          <a:prstGeom prst="rect">
+            <a:avLst/>
+          </a:prstGeom>
+          <a:noFill/>
+          <a:extLst>
+            <a:ext uri="{909E8E84-426E-40DD-AFC4-6F175D3DCCD1}">
+              <a14:hiddenFill xmlns:a14="http://schemas.microsoft.com/office/drawing/2010/main">
+                <a:solidFill>
+                  <a:srgbClr val="FFFFFF"/>
+                </a:solidFill>
+              </a14:hiddenFill>
+            </a:ext>
+          </a:extLst>
+        </p:spPr>
+      </p:pic>
+      <p:pic>
+        <p:nvPicPr>
+          <p:cNvPr id="1050" name="Picture 26" descr="astah* UML pad na App Store">
+            <a:extLst>
+              <a:ext uri="{FF2B5EF4-FFF2-40B4-BE49-F238E27FC236}">
+                <a16:creationId xmlns:a16="http://schemas.microsoft.com/office/drawing/2014/main" id="{3436FD7C-0729-4A23-ABA2-8DE8F6568403}"/>
+              </a:ext>
+            </a:extLst>
+          </p:cNvPr>
+          <p:cNvPicPr>
+            <a:picLocks noChangeAspect="1" noChangeArrowheads="1"/>
+          </p:cNvPicPr>
+          <p:nvPr/>
+        </p:nvPicPr>
+        <p:blipFill>
+          <a:blip r:embed="rId8">
+            <a:extLst>
+              <a:ext uri="{28A0092B-C50C-407E-A947-70E740481C1C}">
+                <a14:useLocalDpi xmlns:a14="http://schemas.microsoft.com/office/drawing/2010/main" val="0"/>
+              </a:ext>
+            </a:extLst>
+          </a:blip>
+          <a:srcRect/>
+          <a:stretch>
+            <a:fillRect/>
+          </a:stretch>
+        </p:blipFill>
+        <p:spPr bwMode="auto">
+          <a:xfrm>
+            <a:off x="9121357" y="2291234"/>
+            <a:ext cx="1088318" cy="1088318"/>
+          </a:xfrm>
+          <a:prstGeom prst="rect">
+            <a:avLst/>
+          </a:prstGeom>
+          <a:noFill/>
+          <a:extLst>
+            <a:ext uri="{909E8E84-426E-40DD-AFC4-6F175D3DCCD1}">
+              <a14:hiddenFill xmlns:a14="http://schemas.microsoft.com/office/drawing/2010/main">
+                <a:solidFill>
+                  <a:srgbClr val="FFFFFF"/>
+                </a:solidFill>
+              </a14:hiddenFill>
+            </a:ext>
+          </a:extLst>
+        </p:spPr>
+      </p:pic>
+      <p:pic>
+        <p:nvPicPr>
+          <p:cNvPr id="1052" name="Picture 28" descr="Adding icon launcher for Postman Native App in Ubuntu">
+            <a:extLst>
+              <a:ext uri="{FF2B5EF4-FFF2-40B4-BE49-F238E27FC236}">
+                <a16:creationId xmlns:a16="http://schemas.microsoft.com/office/drawing/2014/main" id="{393BA934-075A-4034-B5AE-B620E367AEAB}"/>
+              </a:ext>
+            </a:extLst>
+          </p:cNvPr>
+          <p:cNvPicPr>
+            <a:picLocks noChangeAspect="1" noChangeArrowheads="1"/>
+          </p:cNvPicPr>
+          <p:nvPr/>
+        </p:nvPicPr>
+        <p:blipFill>
+          <a:blip r:embed="rId9">
+            <a:extLst>
+              <a:ext uri="{28A0092B-C50C-407E-A947-70E740481C1C}">
+                <a14:useLocalDpi xmlns:a14="http://schemas.microsoft.com/office/drawing/2010/main" val="0"/>
+              </a:ext>
+            </a:extLst>
+          </a:blip>
+          <a:srcRect/>
+          <a:stretch>
+            <a:fillRect/>
+          </a:stretch>
+        </p:blipFill>
+        <p:spPr bwMode="auto">
+          <a:xfrm>
+            <a:off x="9113383" y="4605451"/>
+            <a:ext cx="1104267" cy="1104267"/>
+          </a:xfrm>
+          <a:prstGeom prst="rect">
+            <a:avLst/>
+          </a:prstGeom>
+          <a:noFill/>
+          <a:extLst>
+            <a:ext uri="{909E8E84-426E-40DD-AFC4-6F175D3DCCD1}">
+              <a14:hiddenFill xmlns:a14="http://schemas.microsoft.com/office/drawing/2010/main">
+                <a:solidFill>
+                  <a:srgbClr val="FFFFFF"/>
+                </a:solidFill>
+              </a14:hiddenFill>
+            </a:ext>
+          </a:extLst>
+        </p:spPr>
+      </p:pic>
+      <p:sp>
+        <p:nvSpPr>
+          <p:cNvPr id="33" name="CaixaDeTexto 32">
+            <a:extLst>
+              <a:ext uri="{FF2B5EF4-FFF2-40B4-BE49-F238E27FC236}">
+                <a16:creationId xmlns:a16="http://schemas.microsoft.com/office/drawing/2014/main" id="{4EC138E7-6E1A-465A-ABCA-96536386FA2F}"/>
+              </a:ext>
+            </a:extLst>
+          </p:cNvPr>
+          <p:cNvSpPr txBox="1"/>
+          <p:nvPr/>
+        </p:nvSpPr>
+        <p:spPr>
+          <a:xfrm>
+            <a:off x="2244588" y="1320341"/>
+            <a:ext cx="1597469" cy="338554"/>
+          </a:xfrm>
+          <a:prstGeom prst="rect">
+            <a:avLst/>
+          </a:prstGeom>
+          <a:noFill/>
+          <a:effectLst/>
+        </p:spPr>
+        <p:txBody>
+          <a:bodyPr wrap="square" rtlCol="0">
+            <a:spAutoFit/>
+          </a:bodyPr>
+          <a:lstStyle/>
+          <a:p>
+            <a:r>
+              <a:rPr lang="pt-BR" sz="1600" dirty="0" err="1"/>
+              <a:t>Proto-persona</a:t>
+            </a:r>
+            <a:endParaRPr lang="pt-BR" dirty="0"/>
+          </a:p>
+        </p:txBody>
+      </p:sp>
+    </p:spTree>
+    <p:extLst>
+      <p:ext uri="{BB962C8B-B14F-4D97-AF65-F5344CB8AC3E}">
+        <p14:creationId xmlns:p14="http://schemas.microsoft.com/office/powerpoint/2010/main" val="1216557380"/>
+      </p:ext>
+    </p:extLst>
+  </p:cSld>
+  <p:clrMapOvr>
+    <a:masterClrMapping/>
+  </p:clrMapOvr>
+</p:sld>
+</file>
+
+<file path=ppt/slides/slide6.xml><?xml version="1.0" encoding="utf-8"?>
+<p:sld xmlns:a="http://schemas.openxmlformats.org/drawingml/2006/main" xmlns:r="http://schemas.openxmlformats.org/officeDocument/2006/relationships" xmlns:p="http://schemas.openxmlformats.org/presentationml/2006/main">
+  <p:cSld>
+    <p:spTree>
+      <p:nvGrpSpPr>
+        <p:cNvPr id="1" name=""/>
+        <p:cNvGrpSpPr/>
+        <p:nvPr/>
+      </p:nvGrpSpPr>
+      <p:grpSpPr>
+        <a:xfrm>
+          <a:off x="0" y="0"/>
+          <a:ext cx="0" cy="0"/>
+          <a:chOff x="0" y="0"/>
+          <a:chExt cx="0" cy="0"/>
+        </a:xfrm>
+      </p:grpSpPr>
+      <p:sp>
+        <p:nvSpPr>
           <p:cNvPr id="21" name="Retângulo: Cantos Arredondados 20">
             <a:extLst>
               <a:ext uri="{FF2B5EF4-FFF2-40B4-BE49-F238E27FC236}">
@@ -42140,7 +44167,7 @@
 </p:sld>
 </file>
 
-<file path=ppt/slides/slide6.xml><?xml version="1.0" encoding="utf-8"?>
+<file path=ppt/slides/slide7.xml><?xml version="1.0" encoding="utf-8"?>
 <p:sld xmlns:a="http://schemas.openxmlformats.org/drawingml/2006/main" xmlns:r="http://schemas.openxmlformats.org/officeDocument/2006/relationships" xmlns:p="http://schemas.openxmlformats.org/presentationml/2006/main">
   <p:cSld>
     <p:spTree>
@@ -42938,7 +44965,7 @@
 </p:sld>
 </file>
 
-<file path=ppt/slides/slide7.xml><?xml version="1.0" encoding="utf-8"?>
+<file path=ppt/slides/slide8.xml><?xml version="1.0" encoding="utf-8"?>
 <p:sld xmlns:a="http://schemas.openxmlformats.org/drawingml/2006/main" xmlns:r="http://schemas.openxmlformats.org/officeDocument/2006/relationships" xmlns:p="http://schemas.openxmlformats.org/presentationml/2006/main">
   <p:cSld>
     <p:spTree>
@@ -43775,7 +45802,7 @@
 </p:sld>
 </file>
 
-<file path=ppt/slides/slide8.xml><?xml version="1.0" encoding="utf-8"?>
+<file path=ppt/slides/slide9.xml><?xml version="1.0" encoding="utf-8"?>
 <p:sld xmlns:a="http://schemas.openxmlformats.org/drawingml/2006/main" xmlns:r="http://schemas.openxmlformats.org/officeDocument/2006/relationships" xmlns:p="http://schemas.openxmlformats.org/presentationml/2006/main">
   <p:cSld>
     <p:spTree>
@@ -44619,851 +46646,6 @@
 </p:sld>
 </file>
 
-<file path=ppt/slides/slide9.xml><?xml version="1.0" encoding="utf-8"?>
-<p:sld xmlns:a="http://schemas.openxmlformats.org/drawingml/2006/main" xmlns:r="http://schemas.openxmlformats.org/officeDocument/2006/relationships" xmlns:p="http://schemas.openxmlformats.org/presentationml/2006/main">
-  <p:cSld>
-    <p:spTree>
-      <p:nvGrpSpPr>
-        <p:cNvPr id="1" name=""/>
-        <p:cNvGrpSpPr/>
-        <p:nvPr/>
-      </p:nvGrpSpPr>
-      <p:grpSpPr>
-        <a:xfrm>
-          <a:off x="0" y="0"/>
-          <a:ext cx="0" cy="0"/>
-          <a:chOff x="0" y="0"/>
-          <a:chExt cx="0" cy="0"/>
-        </a:xfrm>
-      </p:grpSpPr>
-      <p:sp useBgFill="1">
-        <p:nvSpPr>
-          <p:cNvPr id="10" name="Rectangle 9"/>
-          <p:cNvSpPr>
-            <a:spLocks noGrp="1" noRot="1" noChangeAspect="1" noMove="1" noResize="1" noEditPoints="1" noAdjustHandles="1" noChangeArrowheads="1" noChangeShapeType="1" noTextEdit="1"/>
-          </p:cNvSpPr>
-          <p:nvPr/>
-        </p:nvSpPr>
-        <p:spPr>
-          <a:xfrm>
-            <a:off x="0" y="0"/>
-            <a:ext cx="12192000" cy="6858000"/>
-          </a:xfrm>
-          <a:prstGeom prst="rect">
-            <a:avLst/>
-          </a:prstGeom>
-          <a:ln>
-            <a:noFill/>
-          </a:ln>
-        </p:spPr>
-        <p:style>
-          <a:lnRef idx="2">
-            <a:schemeClr val="accent1">
-              <a:shade val="50000"/>
-            </a:schemeClr>
-          </a:lnRef>
-          <a:fillRef idx="1">
-            <a:schemeClr val="accent1"/>
-          </a:fillRef>
-          <a:effectRef idx="0">
-            <a:schemeClr val="accent1"/>
-          </a:effectRef>
-          <a:fontRef idx="minor">
-            <a:schemeClr val="lt1"/>
-          </a:fontRef>
-        </p:style>
-        <p:txBody>
-          <a:bodyPr rtlCol="0" anchor="ctr"/>
-          <a:lstStyle/>
-          <a:p>
-            <a:pPr algn="ctr"/>
-            <a:endParaRPr lang="en-US" dirty="0"/>
-          </a:p>
-        </p:txBody>
-      </p:sp>
-      <p:sp>
-        <p:nvSpPr>
-          <p:cNvPr id="2" name="Título 1"/>
-          <p:cNvSpPr>
-            <a:spLocks noGrp="1"/>
-          </p:cNvSpPr>
-          <p:nvPr>
-            <p:ph type="title"/>
-          </p:nvPr>
-        </p:nvSpPr>
-        <p:spPr>
-          <a:xfrm>
-            <a:off x="1812897" y="518649"/>
-            <a:ext cx="9882278" cy="1067634"/>
-          </a:xfrm>
-        </p:spPr>
-        <p:txBody>
-          <a:bodyPr anchor="ctr">
-            <a:normAutofit/>
-          </a:bodyPr>
-          <a:lstStyle/>
-          <a:p>
-            <a:r>
-              <a:rPr lang="pt-BR" dirty="0"/>
-              <a:t>Artefatos</a:t>
-            </a:r>
-          </a:p>
-        </p:txBody>
-      </p:sp>
-      <p:grpSp>
-        <p:nvGrpSpPr>
-          <p:cNvPr id="12" name="Group 11"/>
-          <p:cNvGrpSpPr>
-            <a:grpSpLocks noGrp="1" noUngrp="1" noRot="1" noChangeAspect="1" noMove="1" noResize="1"/>
-          </p:cNvGrpSpPr>
-          <p:nvPr/>
-        </p:nvGrpSpPr>
-        <p:grpSpPr>
-          <a:xfrm>
-            <a:off x="472021" y="628863"/>
-            <a:ext cx="1128382" cy="847206"/>
-            <a:chOff x="8183879" y="1000124"/>
-            <a:chExt cx="1562267" cy="1172973"/>
-          </a:xfrm>
-        </p:grpSpPr>
-        <p:sp>
-          <p:nvSpPr>
-            <p:cNvPr id="13" name="Freeform 5"/>
-            <p:cNvSpPr/>
-            <p:nvPr/>
-          </p:nvSpPr>
-          <p:spPr bwMode="auto">
-            <a:xfrm>
-              <a:off x="8183879" y="1348782"/>
-              <a:ext cx="935037" cy="824315"/>
-            </a:xfrm>
-            <a:custGeom>
-              <a:avLst/>
-              <a:gdLst>
-                <a:gd name="T0" fmla="*/ 225 w 785"/>
-                <a:gd name="T1" fmla="*/ 692 h 692"/>
-                <a:gd name="T2" fmla="*/ 177 w 785"/>
-                <a:gd name="T3" fmla="*/ 665 h 692"/>
-                <a:gd name="T4" fmla="*/ 9 w 785"/>
-                <a:gd name="T5" fmla="*/ 374 h 692"/>
-                <a:gd name="T6" fmla="*/ 9 w 785"/>
-                <a:gd name="T7" fmla="*/ 318 h 692"/>
-                <a:gd name="T8" fmla="*/ 177 w 785"/>
-                <a:gd name="T9" fmla="*/ 27 h 692"/>
-                <a:gd name="T10" fmla="*/ 225 w 785"/>
-                <a:gd name="T11" fmla="*/ 0 h 692"/>
-                <a:gd name="T12" fmla="*/ 561 w 785"/>
-                <a:gd name="T13" fmla="*/ 0 h 692"/>
-                <a:gd name="T14" fmla="*/ 609 w 785"/>
-                <a:gd name="T15" fmla="*/ 27 h 692"/>
-                <a:gd name="T16" fmla="*/ 777 w 785"/>
-                <a:gd name="T17" fmla="*/ 318 h 692"/>
-                <a:gd name="T18" fmla="*/ 777 w 785"/>
-                <a:gd name="T19" fmla="*/ 374 h 692"/>
-                <a:gd name="T20" fmla="*/ 609 w 785"/>
-                <a:gd name="T21" fmla="*/ 665 h 692"/>
-                <a:gd name="T22" fmla="*/ 561 w 785"/>
-                <a:gd name="T23" fmla="*/ 692 h 692"/>
-                <a:gd name="T24" fmla="*/ 225 w 785"/>
-                <a:gd name="T25" fmla="*/ 692 h 692"/>
-              </a:gdLst>
-              <a:ahLst/>
-              <a:cxnLst>
-                <a:cxn ang="0">
-                  <a:pos x="T0" y="T1"/>
-                </a:cxn>
-                <a:cxn ang="0">
-                  <a:pos x="T2" y="T3"/>
-                </a:cxn>
-                <a:cxn ang="0">
-                  <a:pos x="T4" y="T5"/>
-                </a:cxn>
-                <a:cxn ang="0">
-                  <a:pos x="T6" y="T7"/>
-                </a:cxn>
-                <a:cxn ang="0">
-                  <a:pos x="T8" y="T9"/>
-                </a:cxn>
-                <a:cxn ang="0">
-                  <a:pos x="T10" y="T11"/>
-                </a:cxn>
-                <a:cxn ang="0">
-                  <a:pos x="T12" y="T13"/>
-                </a:cxn>
-                <a:cxn ang="0">
-                  <a:pos x="T14" y="T15"/>
-                </a:cxn>
-                <a:cxn ang="0">
-                  <a:pos x="T16" y="T17"/>
-                </a:cxn>
-                <a:cxn ang="0">
-                  <a:pos x="T18" y="T19"/>
-                </a:cxn>
-                <a:cxn ang="0">
-                  <a:pos x="T20" y="T21"/>
-                </a:cxn>
-                <a:cxn ang="0">
-                  <a:pos x="T22" y="T23"/>
-                </a:cxn>
-                <a:cxn ang="0">
-                  <a:pos x="T24" y="T25"/>
-                </a:cxn>
-              </a:cxnLst>
-              <a:rect l="0" t="0" r="r" b="b"/>
-              <a:pathLst>
-                <a:path w="785" h="692">
-                  <a:moveTo>
-                    <a:pt x="225" y="692"/>
-                  </a:moveTo>
-                  <a:cubicBezTo>
-                    <a:pt x="207" y="692"/>
-                    <a:pt x="185" y="680"/>
-                    <a:pt x="177" y="665"/>
-                  </a:cubicBezTo>
-                  <a:cubicBezTo>
-                    <a:pt x="9" y="374"/>
-                    <a:pt x="9" y="374"/>
-                    <a:pt x="9" y="374"/>
-                  </a:cubicBezTo>
-                  <a:cubicBezTo>
-                    <a:pt x="0" y="358"/>
-                    <a:pt x="0" y="334"/>
-                    <a:pt x="9" y="318"/>
-                  </a:cubicBezTo>
-                  <a:cubicBezTo>
-                    <a:pt x="177" y="27"/>
-                    <a:pt x="177" y="27"/>
-                    <a:pt x="177" y="27"/>
-                  </a:cubicBezTo>
-                  <a:cubicBezTo>
-                    <a:pt x="185" y="12"/>
-                    <a:pt x="207" y="0"/>
-                    <a:pt x="225" y="0"/>
-                  </a:cubicBezTo>
-                  <a:cubicBezTo>
-                    <a:pt x="561" y="0"/>
-                    <a:pt x="561" y="0"/>
-                    <a:pt x="561" y="0"/>
-                  </a:cubicBezTo>
-                  <a:cubicBezTo>
-                    <a:pt x="578" y="0"/>
-                    <a:pt x="600" y="12"/>
-                    <a:pt x="609" y="27"/>
-                  </a:cubicBezTo>
-                  <a:cubicBezTo>
-                    <a:pt x="777" y="318"/>
-                    <a:pt x="777" y="318"/>
-                    <a:pt x="777" y="318"/>
-                  </a:cubicBezTo>
-                  <a:cubicBezTo>
-                    <a:pt x="785" y="334"/>
-                    <a:pt x="785" y="358"/>
-                    <a:pt x="777" y="374"/>
-                  </a:cubicBezTo>
-                  <a:cubicBezTo>
-                    <a:pt x="609" y="665"/>
-                    <a:pt x="609" y="665"/>
-                    <a:pt x="609" y="665"/>
-                  </a:cubicBezTo>
-                  <a:cubicBezTo>
-                    <a:pt x="600" y="680"/>
-                    <a:pt x="578" y="692"/>
-                    <a:pt x="561" y="692"/>
-                  </a:cubicBezTo>
-                  <a:lnTo>
-                    <a:pt x="225" y="692"/>
-                  </a:lnTo>
-                  <a:close/>
-                </a:path>
-              </a:pathLst>
-            </a:custGeom>
-            <a:noFill/>
-            <a:ln w="28575" cmpd="sng">
-              <a:solidFill>
-                <a:schemeClr val="tx1"/>
-              </a:solidFill>
-            </a:ln>
-          </p:spPr>
-          <p:txBody>
-            <a:bodyPr vert="horz" wrap="square" lIns="91440" tIns="45720" rIns="91440" bIns="45720" numCol="1" anchor="t" anchorCtr="0" compatLnSpc="1"/>
-            <a:lstStyle/>
-            <a:p>
-              <a:endParaRPr lang="en-US"/>
-            </a:p>
-          </p:txBody>
-        </p:sp>
-        <p:sp>
-          <p:nvSpPr>
-            <p:cNvPr id="14" name="Freeform 5"/>
-            <p:cNvSpPr/>
-            <p:nvPr/>
-          </p:nvSpPr>
-          <p:spPr bwMode="auto">
-            <a:xfrm>
-              <a:off x="8983979" y="1000124"/>
-              <a:ext cx="762167" cy="671915"/>
-            </a:xfrm>
-            <a:custGeom>
-              <a:avLst/>
-              <a:gdLst>
-                <a:gd name="T0" fmla="*/ 225 w 785"/>
-                <a:gd name="T1" fmla="*/ 692 h 692"/>
-                <a:gd name="T2" fmla="*/ 177 w 785"/>
-                <a:gd name="T3" fmla="*/ 665 h 692"/>
-                <a:gd name="T4" fmla="*/ 9 w 785"/>
-                <a:gd name="T5" fmla="*/ 374 h 692"/>
-                <a:gd name="T6" fmla="*/ 9 w 785"/>
-                <a:gd name="T7" fmla="*/ 318 h 692"/>
-                <a:gd name="T8" fmla="*/ 177 w 785"/>
-                <a:gd name="T9" fmla="*/ 27 h 692"/>
-                <a:gd name="T10" fmla="*/ 225 w 785"/>
-                <a:gd name="T11" fmla="*/ 0 h 692"/>
-                <a:gd name="T12" fmla="*/ 561 w 785"/>
-                <a:gd name="T13" fmla="*/ 0 h 692"/>
-                <a:gd name="T14" fmla="*/ 609 w 785"/>
-                <a:gd name="T15" fmla="*/ 27 h 692"/>
-                <a:gd name="T16" fmla="*/ 777 w 785"/>
-                <a:gd name="T17" fmla="*/ 318 h 692"/>
-                <a:gd name="T18" fmla="*/ 777 w 785"/>
-                <a:gd name="T19" fmla="*/ 374 h 692"/>
-                <a:gd name="T20" fmla="*/ 609 w 785"/>
-                <a:gd name="T21" fmla="*/ 665 h 692"/>
-                <a:gd name="T22" fmla="*/ 561 w 785"/>
-                <a:gd name="T23" fmla="*/ 692 h 692"/>
-                <a:gd name="T24" fmla="*/ 225 w 785"/>
-                <a:gd name="T25" fmla="*/ 692 h 692"/>
-              </a:gdLst>
-              <a:ahLst/>
-              <a:cxnLst>
-                <a:cxn ang="0">
-                  <a:pos x="T0" y="T1"/>
-                </a:cxn>
-                <a:cxn ang="0">
-                  <a:pos x="T2" y="T3"/>
-                </a:cxn>
-                <a:cxn ang="0">
-                  <a:pos x="T4" y="T5"/>
-                </a:cxn>
-                <a:cxn ang="0">
-                  <a:pos x="T6" y="T7"/>
-                </a:cxn>
-                <a:cxn ang="0">
-                  <a:pos x="T8" y="T9"/>
-                </a:cxn>
-                <a:cxn ang="0">
-                  <a:pos x="T10" y="T11"/>
-                </a:cxn>
-                <a:cxn ang="0">
-                  <a:pos x="T12" y="T13"/>
-                </a:cxn>
-                <a:cxn ang="0">
-                  <a:pos x="T14" y="T15"/>
-                </a:cxn>
-                <a:cxn ang="0">
-                  <a:pos x="T16" y="T17"/>
-                </a:cxn>
-                <a:cxn ang="0">
-                  <a:pos x="T18" y="T19"/>
-                </a:cxn>
-                <a:cxn ang="0">
-                  <a:pos x="T20" y="T21"/>
-                </a:cxn>
-                <a:cxn ang="0">
-                  <a:pos x="T22" y="T23"/>
-                </a:cxn>
-                <a:cxn ang="0">
-                  <a:pos x="T24" y="T25"/>
-                </a:cxn>
-              </a:cxnLst>
-              <a:rect l="0" t="0" r="r" b="b"/>
-              <a:pathLst>
-                <a:path w="785" h="692">
-                  <a:moveTo>
-                    <a:pt x="225" y="692"/>
-                  </a:moveTo>
-                  <a:cubicBezTo>
-                    <a:pt x="207" y="692"/>
-                    <a:pt x="185" y="680"/>
-                    <a:pt x="177" y="665"/>
-                  </a:cubicBezTo>
-                  <a:cubicBezTo>
-                    <a:pt x="9" y="374"/>
-                    <a:pt x="9" y="374"/>
-                    <a:pt x="9" y="374"/>
-                  </a:cubicBezTo>
-                  <a:cubicBezTo>
-                    <a:pt x="0" y="358"/>
-                    <a:pt x="0" y="334"/>
-                    <a:pt x="9" y="318"/>
-                  </a:cubicBezTo>
-                  <a:cubicBezTo>
-                    <a:pt x="177" y="27"/>
-                    <a:pt x="177" y="27"/>
-                    <a:pt x="177" y="27"/>
-                  </a:cubicBezTo>
-                  <a:cubicBezTo>
-                    <a:pt x="185" y="12"/>
-                    <a:pt x="207" y="0"/>
-                    <a:pt x="225" y="0"/>
-                  </a:cubicBezTo>
-                  <a:cubicBezTo>
-                    <a:pt x="561" y="0"/>
-                    <a:pt x="561" y="0"/>
-                    <a:pt x="561" y="0"/>
-                  </a:cubicBezTo>
-                  <a:cubicBezTo>
-                    <a:pt x="578" y="0"/>
-                    <a:pt x="600" y="12"/>
-                    <a:pt x="609" y="27"/>
-                  </a:cubicBezTo>
-                  <a:cubicBezTo>
-                    <a:pt x="777" y="318"/>
-                    <a:pt x="777" y="318"/>
-                    <a:pt x="777" y="318"/>
-                  </a:cubicBezTo>
-                  <a:cubicBezTo>
-                    <a:pt x="785" y="334"/>
-                    <a:pt x="785" y="358"/>
-                    <a:pt x="777" y="374"/>
-                  </a:cubicBezTo>
-                  <a:cubicBezTo>
-                    <a:pt x="609" y="665"/>
-                    <a:pt x="609" y="665"/>
-                    <a:pt x="609" y="665"/>
-                  </a:cubicBezTo>
-                  <a:cubicBezTo>
-                    <a:pt x="600" y="680"/>
-                    <a:pt x="578" y="692"/>
-                    <a:pt x="561" y="692"/>
-                  </a:cubicBezTo>
-                  <a:lnTo>
-                    <a:pt x="225" y="692"/>
-                  </a:lnTo>
-                  <a:close/>
-                </a:path>
-              </a:pathLst>
-            </a:custGeom>
-            <a:noFill/>
-            <a:ln w="28575" cmpd="sng">
-              <a:solidFill>
-                <a:schemeClr val="tx1"/>
-              </a:solidFill>
-            </a:ln>
-          </p:spPr>
-          <p:txBody>
-            <a:bodyPr vert="horz" wrap="square" lIns="91440" tIns="45720" rIns="91440" bIns="45720" numCol="1" anchor="t" anchorCtr="0" compatLnSpc="1"/>
-            <a:lstStyle/>
-            <a:p>
-              <a:endParaRPr lang="en-US"/>
-            </a:p>
-          </p:txBody>
-        </p:sp>
-      </p:grpSp>
-      <p:pic>
-        <p:nvPicPr>
-          <p:cNvPr id="4" name="Imagem 3" descr="Uma imagem contendo televisão, tela, monitor, assistindo&#10;&#10;Descrição gerada automaticamente">
-            <a:extLst>
-              <a:ext uri="{FF2B5EF4-FFF2-40B4-BE49-F238E27FC236}">
-                <a16:creationId xmlns:a16="http://schemas.microsoft.com/office/drawing/2014/main" id="{21FC4F3E-E211-47D7-8ACC-E0A2CA159B1A}"/>
-              </a:ext>
-            </a:extLst>
-          </p:cNvPr>
-          <p:cNvPicPr>
-            <a:picLocks noChangeAspect="1"/>
-          </p:cNvPicPr>
-          <p:nvPr/>
-        </p:nvPicPr>
-        <p:blipFill>
-          <a:blip r:embed="rId2">
-            <a:extLst>
-              <a:ext uri="{28A0092B-C50C-407E-A947-70E740481C1C}">
-                <a14:useLocalDpi xmlns:a14="http://schemas.microsoft.com/office/drawing/2010/main" val="0"/>
-              </a:ext>
-            </a:extLst>
-          </a:blip>
-          <a:stretch>
-            <a:fillRect/>
-          </a:stretch>
-        </p:blipFill>
-        <p:spPr>
-          <a:xfrm>
-            <a:off x="1767840" y="2253036"/>
-            <a:ext cx="8656320" cy="3938211"/>
-          </a:xfrm>
-          <a:prstGeom prst="rect">
-            <a:avLst/>
-          </a:prstGeom>
-        </p:spPr>
-      </p:pic>
-      <p:sp>
-        <p:nvSpPr>
-          <p:cNvPr id="11" name="CaixaDeTexto 10">
-            <a:extLst>
-              <a:ext uri="{FF2B5EF4-FFF2-40B4-BE49-F238E27FC236}">
-                <a16:creationId xmlns:a16="http://schemas.microsoft.com/office/drawing/2014/main" id="{8EDF2009-2F02-48C7-BDA7-12762DFBACAD}"/>
-              </a:ext>
-            </a:extLst>
-          </p:cNvPr>
-          <p:cNvSpPr txBox="1"/>
-          <p:nvPr/>
-        </p:nvSpPr>
-        <p:spPr>
-          <a:xfrm>
-            <a:off x="2244588" y="1320341"/>
-            <a:ext cx="1597469" cy="338554"/>
-          </a:xfrm>
-          <a:prstGeom prst="rect">
-            <a:avLst/>
-          </a:prstGeom>
-          <a:noFill/>
-          <a:effectLst/>
-        </p:spPr>
-        <p:txBody>
-          <a:bodyPr wrap="square" rtlCol="0">
-            <a:spAutoFit/>
-          </a:bodyPr>
-          <a:lstStyle/>
-          <a:p>
-            <a:r>
-              <a:rPr lang="pt-BR" sz="1600" dirty="0" err="1"/>
-              <a:t>Proto-persona</a:t>
-            </a:r>
-            <a:endParaRPr lang="pt-BR" dirty="0"/>
-          </a:p>
-        </p:txBody>
-      </p:sp>
-      <p:sp>
-        <p:nvSpPr>
-          <p:cNvPr id="15" name="CaixaDeTexto 14">
-            <a:extLst>
-              <a:ext uri="{FF2B5EF4-FFF2-40B4-BE49-F238E27FC236}">
-                <a16:creationId xmlns:a16="http://schemas.microsoft.com/office/drawing/2014/main" id="{09C80A9F-46E9-4D57-BC1B-12B5ACE33AC8}"/>
-              </a:ext>
-            </a:extLst>
-          </p:cNvPr>
-          <p:cNvSpPr txBox="1"/>
-          <p:nvPr/>
-        </p:nvSpPr>
-        <p:spPr>
-          <a:xfrm>
-            <a:off x="3847413" y="1310816"/>
-            <a:ext cx="1321542" cy="338554"/>
-          </a:xfrm>
-          <a:prstGeom prst="rect">
-            <a:avLst/>
-          </a:prstGeom>
-          <a:noFill/>
-          <a:effectLst/>
-        </p:spPr>
-        <p:txBody>
-          <a:bodyPr wrap="square" rtlCol="0">
-            <a:spAutoFit/>
-          </a:bodyPr>
-          <a:lstStyle/>
-          <a:p>
-            <a:r>
-              <a:rPr lang="pt-BR" sz="1600" dirty="0" err="1"/>
-              <a:t>StoryBoard</a:t>
-            </a:r>
-            <a:endParaRPr lang="pt-BR" dirty="0"/>
-          </a:p>
-        </p:txBody>
-      </p:sp>
-      <p:sp>
-        <p:nvSpPr>
-          <p:cNvPr id="16" name="CaixaDeTexto 15">
-            <a:extLst>
-              <a:ext uri="{FF2B5EF4-FFF2-40B4-BE49-F238E27FC236}">
-                <a16:creationId xmlns:a16="http://schemas.microsoft.com/office/drawing/2014/main" id="{5A45E2C7-6875-4531-89AC-DFCCC35DF660}"/>
-              </a:ext>
-            </a:extLst>
-          </p:cNvPr>
-          <p:cNvSpPr txBox="1"/>
-          <p:nvPr/>
-        </p:nvSpPr>
-        <p:spPr>
-          <a:xfrm>
-            <a:off x="5285150" y="1320341"/>
-            <a:ext cx="1199701" cy="338554"/>
-          </a:xfrm>
-          <a:prstGeom prst="rect">
-            <a:avLst/>
-          </a:prstGeom>
-          <a:noFill/>
-          <a:effectLst/>
-        </p:spPr>
-        <p:txBody>
-          <a:bodyPr wrap="square" rtlCol="0">
-            <a:spAutoFit/>
-          </a:bodyPr>
-          <a:lstStyle/>
-          <a:p>
-            <a:r>
-              <a:rPr lang="pt-BR" sz="1600" dirty="0"/>
-              <a:t>Requisitos</a:t>
-            </a:r>
-            <a:endParaRPr lang="pt-BR" dirty="0"/>
-          </a:p>
-        </p:txBody>
-      </p:sp>
-      <p:sp>
-        <p:nvSpPr>
-          <p:cNvPr id="17" name="CaixaDeTexto 16">
-            <a:extLst>
-              <a:ext uri="{FF2B5EF4-FFF2-40B4-BE49-F238E27FC236}">
-                <a16:creationId xmlns:a16="http://schemas.microsoft.com/office/drawing/2014/main" id="{901B5BC6-D638-4BE0-B37B-1A203C864D2E}"/>
-              </a:ext>
-            </a:extLst>
-          </p:cNvPr>
-          <p:cNvSpPr txBox="1"/>
-          <p:nvPr/>
-        </p:nvSpPr>
-        <p:spPr>
-          <a:xfrm>
-            <a:off x="6661200" y="1320341"/>
-            <a:ext cx="898530" cy="338554"/>
-          </a:xfrm>
-          <a:prstGeom prst="rect">
-            <a:avLst/>
-          </a:prstGeom>
-          <a:noFill/>
-        </p:spPr>
-        <p:txBody>
-          <a:bodyPr wrap="square" rtlCol="0">
-            <a:spAutoFit/>
-          </a:bodyPr>
-          <a:lstStyle/>
-          <a:p>
-            <a:r>
-              <a:rPr lang="pt-BR" sz="1600" dirty="0"/>
-              <a:t>BPMN</a:t>
-            </a:r>
-            <a:endParaRPr lang="pt-BR" dirty="0"/>
-          </a:p>
-        </p:txBody>
-      </p:sp>
-      <p:sp>
-        <p:nvSpPr>
-          <p:cNvPr id="18" name="CaixaDeTexto 17">
-            <a:extLst>
-              <a:ext uri="{FF2B5EF4-FFF2-40B4-BE49-F238E27FC236}">
-                <a16:creationId xmlns:a16="http://schemas.microsoft.com/office/drawing/2014/main" id="{28727A08-76AD-4CC1-81E1-A9E265979E09}"/>
-              </a:ext>
-            </a:extLst>
-          </p:cNvPr>
-          <p:cNvSpPr txBox="1"/>
-          <p:nvPr/>
-        </p:nvSpPr>
-        <p:spPr>
-          <a:xfrm>
-            <a:off x="7709972" y="1301938"/>
-            <a:ext cx="2070837" cy="369332"/>
-          </a:xfrm>
-          <a:prstGeom prst="rect">
-            <a:avLst/>
-          </a:prstGeom>
-          <a:noFill/>
-          <a:effectLst>
-            <a:outerShdw blurRad="50800" dist="38100" dir="5400000" algn="t" rotWithShape="0">
-              <a:prstClr val="black">
-                <a:alpha val="40000"/>
-              </a:prstClr>
-            </a:outerShdw>
-          </a:effectLst>
-        </p:spPr>
-        <p:txBody>
-          <a:bodyPr wrap="square" rtlCol="0">
-            <a:spAutoFit/>
-          </a:bodyPr>
-          <a:lstStyle/>
-          <a:p>
-            <a:r>
-              <a:rPr lang="pt-BR" dirty="0"/>
-              <a:t>Desenho de Solução</a:t>
-            </a:r>
-          </a:p>
-        </p:txBody>
-      </p:sp>
-      <p:sp>
-        <p:nvSpPr>
-          <p:cNvPr id="19" name="CaixaDeTexto 18">
-            <a:extLst>
-              <a:ext uri="{FF2B5EF4-FFF2-40B4-BE49-F238E27FC236}">
-                <a16:creationId xmlns:a16="http://schemas.microsoft.com/office/drawing/2014/main" id="{780807C2-BAF7-460E-A962-492C349F6F41}"/>
-              </a:ext>
-            </a:extLst>
-          </p:cNvPr>
-          <p:cNvSpPr txBox="1"/>
-          <p:nvPr/>
-        </p:nvSpPr>
-        <p:spPr>
-          <a:xfrm>
-            <a:off x="9864699" y="1320341"/>
-            <a:ext cx="2277975" cy="338554"/>
-          </a:xfrm>
-          <a:prstGeom prst="rect">
-            <a:avLst/>
-          </a:prstGeom>
-          <a:noFill/>
-        </p:spPr>
-        <p:txBody>
-          <a:bodyPr wrap="square" rtlCol="0">
-            <a:spAutoFit/>
-          </a:bodyPr>
-          <a:lstStyle/>
-          <a:p>
-            <a:r>
-              <a:rPr lang="pt-BR" sz="1600" dirty="0"/>
-              <a:t>Planilha de Software</a:t>
-            </a:r>
-          </a:p>
-        </p:txBody>
-      </p:sp>
-    </p:spTree>
-    <p:extLst>
-      <p:ext uri="{BB962C8B-B14F-4D97-AF65-F5344CB8AC3E}">
-        <p14:creationId xmlns:p14="http://schemas.microsoft.com/office/powerpoint/2010/main" val="3697814180"/>
-      </p:ext>
-    </p:extLst>
-  </p:cSld>
-  <p:clrMapOvr>
-    <a:masterClrMapping/>
-  </p:clrMapOvr>
-  <p:timing>
-    <p:tnLst>
-      <p:par>
-        <p:cTn id="1" dur="indefinite" restart="never" nodeType="tmRoot">
-          <p:childTnLst>
-            <p:seq concurrent="1" nextAc="seek">
-              <p:cTn id="2" dur="indefinite" nodeType="mainSeq">
-                <p:childTnLst>
-                  <p:par>
-                    <p:cTn id="3" fill="hold">
-                      <p:stCondLst>
-                        <p:cond delay="indefinite"/>
-                        <p:cond evt="onBegin" delay="0">
-                          <p:tn val="2"/>
-                        </p:cond>
-                      </p:stCondLst>
-                      <p:childTnLst>
-                        <p:par>
-                          <p:cTn id="4" fill="hold">
-                            <p:stCondLst>
-                              <p:cond delay="0"/>
-                            </p:stCondLst>
-                            <p:childTnLst>
-                              <p:par>
-                                <p:cTn id="5" presetID="53" presetClass="entr" presetSubtype="16" fill="hold" nodeType="withEffect">
-                                  <p:stCondLst>
-                                    <p:cond delay="0"/>
-                                  </p:stCondLst>
-                                  <p:childTnLst>
-                                    <p:set>
-                                      <p:cBhvr>
-                                        <p:cTn id="6" dur="1" fill="hold">
-                                          <p:stCondLst>
-                                            <p:cond delay="0"/>
-                                          </p:stCondLst>
-                                        </p:cTn>
-                                        <p:tgtEl>
-                                          <p:spTgt spid="4"/>
-                                        </p:tgtEl>
-                                        <p:attrNameLst>
-                                          <p:attrName>style.visibility</p:attrName>
-                                        </p:attrNameLst>
-                                      </p:cBhvr>
-                                      <p:to>
-                                        <p:strVal val="visible"/>
-                                      </p:to>
-                                    </p:set>
-                                    <p:anim calcmode="lin" valueType="num">
-                                      <p:cBhvr>
-                                        <p:cTn id="7" dur="500" fill="hold"/>
-                                        <p:tgtEl>
-                                          <p:spTgt spid="4"/>
-                                        </p:tgtEl>
-                                        <p:attrNameLst>
-                                          <p:attrName>ppt_w</p:attrName>
-                                        </p:attrNameLst>
-                                      </p:cBhvr>
-                                      <p:tavLst>
-                                        <p:tav tm="0">
-                                          <p:val>
-                                            <p:fltVal val="0"/>
-                                          </p:val>
-                                        </p:tav>
-                                        <p:tav tm="100000">
-                                          <p:val>
-                                            <p:strVal val="#ppt_w"/>
-                                          </p:val>
-                                        </p:tav>
-                                      </p:tavLst>
-                                    </p:anim>
-                                    <p:anim calcmode="lin" valueType="num">
-                                      <p:cBhvr>
-                                        <p:cTn id="8" dur="500" fill="hold"/>
-                                        <p:tgtEl>
-                                          <p:spTgt spid="4"/>
-                                        </p:tgtEl>
-                                        <p:attrNameLst>
-                                          <p:attrName>ppt_h</p:attrName>
-                                        </p:attrNameLst>
-                                      </p:cBhvr>
-                                      <p:tavLst>
-                                        <p:tav tm="0">
-                                          <p:val>
-                                            <p:fltVal val="0"/>
-                                          </p:val>
-                                        </p:tav>
-                                        <p:tav tm="100000">
-                                          <p:val>
-                                            <p:strVal val="#ppt_h"/>
-                                          </p:val>
-                                        </p:tav>
-                                      </p:tavLst>
-                                    </p:anim>
-                                    <p:animEffect transition="in" filter="fade">
-                                      <p:cBhvr>
-                                        <p:cTn id="9" dur="500"/>
-                                        <p:tgtEl>
-                                          <p:spTgt spid="4"/>
-                                        </p:tgtEl>
-                                      </p:cBhvr>
-                                    </p:animEffect>
-                                  </p:childTnLst>
-                                </p:cTn>
-                              </p:par>
-                            </p:childTnLst>
-                          </p:cTn>
-                        </p:par>
-                      </p:childTnLst>
-                    </p:cTn>
-                  </p:par>
-                </p:childTnLst>
-              </p:cTn>
-              <p:prevCondLst>
-                <p:cond evt="onPrev" delay="0">
-                  <p:tgtEl>
-                    <p:sldTgt/>
-                  </p:tgtEl>
-                </p:cond>
-              </p:prevCondLst>
-              <p:nextCondLst>
-                <p:cond evt="onNext" delay="0">
-                  <p:tgtEl>
-                    <p:sldTgt/>
-                  </p:tgtEl>
-                </p:cond>
-              </p:nextCondLst>
-            </p:seq>
-          </p:childTnLst>
-        </p:cTn>
-      </p:par>
-    </p:tnLst>
-  </p:timing>
-</p:sld>
-</file>
-
 <file path=ppt/theme/theme1.xml><?xml version="1.0" encoding="utf-8"?>
 <a:theme xmlns:a="http://schemas.openxmlformats.org/drawingml/2006/main" name="Tema do Office">
   <a:themeElements>

--- a/Documentação/Apresentação - Sprint 3.pptx
+++ b/Documentação/Apresentação - Sprint 3.pptx
@@ -14,8 +14,8 @@
     <p:sldId id="303" r:id="rId8"/>
     <p:sldId id="292" r:id="rId9"/>
     <p:sldId id="295" r:id="rId10"/>
-    <p:sldId id="294" r:id="rId11"/>
-    <p:sldId id="289" r:id="rId12"/>
+    <p:sldId id="289" r:id="rId11"/>
+    <p:sldId id="294" r:id="rId12"/>
     <p:sldId id="307" r:id="rId13"/>
     <p:sldId id="300" r:id="rId14"/>
     <p:sldId id="287" r:id="rId15"/>
@@ -134,2796 +134,13 @@
 <file path=ppt/revisionInfo.xml><?xml version="1.0" encoding="utf-8"?>
 <p1510:revInfo xmlns:a="http://schemas.openxmlformats.org/drawingml/2006/main" xmlns:r="http://schemas.openxmlformats.org/officeDocument/2006/relationships" xmlns:p1510="http://schemas.microsoft.com/office/powerpoint/2015/10/main">
   <p1510:revLst>
-    <p1510:client id="{6EC4B758-B45F-42C0-A207-A6CC0CF2CC0F}" v="119" dt="2020-06-19T00:19:14.926"/>
-    <p1510:client id="{DAECEB32-C126-44A1-B729-3AADB1682972}" v="543" dt="2020-06-18T22:40:15.195"/>
+    <p1510:client id="{A09FC4A9-89B9-4888-AEA2-D945178E12B3}" v="19" dt="2020-06-20T12:41:16.300"/>
   </p1510:revLst>
 </p1510:revInfo>
 </file>
 
 <file path=ppt/changesInfos/changesInfo1.xml><?xml version="1.0" encoding="utf-8"?>
 <pc:chgInfo xmlns:a="http://schemas.openxmlformats.org/drawingml/2006/main" xmlns:r="http://schemas.openxmlformats.org/officeDocument/2006/relationships" xmlns:ac="http://schemas.microsoft.com/office/drawing/2013/main/command" xmlns:pc="http://schemas.microsoft.com/office/powerpoint/2013/main/command">
-  <pc:docChgLst>
-    <pc:chgData name="Fernando C Correa" userId="a08d7f3c16d54179" providerId="LiveId" clId="{DAECEB32-C126-44A1-B729-3AADB1682972}"/>
-    <pc:docChg chg="undo custSel addSld delSld modSld sldOrd">
-      <pc:chgData name="Fernando C Correa" userId="a08d7f3c16d54179" providerId="LiveId" clId="{DAECEB32-C126-44A1-B729-3AADB1682972}" dt="2020-06-18T22:40:15.195" v="2142"/>
-      <pc:docMkLst>
-        <pc:docMk/>
-      </pc:docMkLst>
-      <pc:sldChg chg="addSp modSp add del mod modAnim">
-        <pc:chgData name="Fernando C Correa" userId="a08d7f3c16d54179" providerId="LiveId" clId="{DAECEB32-C126-44A1-B729-3AADB1682972}" dt="2020-06-16T23:52:25.126" v="657" actId="2696"/>
-        <pc:sldMkLst>
-          <pc:docMk/>
-          <pc:sldMk cId="0" sldId="264"/>
-        </pc:sldMkLst>
-        <pc:picChg chg="mod">
-          <ac:chgData name="Fernando C Correa" userId="a08d7f3c16d54179" providerId="LiveId" clId="{DAECEB32-C126-44A1-B729-3AADB1682972}" dt="2020-06-16T23:46:48.244" v="546" actId="1076"/>
-          <ac:picMkLst>
-            <pc:docMk/>
-            <pc:sldMk cId="0" sldId="264"/>
-            <ac:picMk id="4" creationId="{00000000-0000-0000-0000-000000000000}"/>
-          </ac:picMkLst>
-        </pc:picChg>
-        <pc:picChg chg="add mod">
-          <ac:chgData name="Fernando C Correa" userId="a08d7f3c16d54179" providerId="LiveId" clId="{DAECEB32-C126-44A1-B729-3AADB1682972}" dt="2020-06-16T23:47:48.346" v="552" actId="1076"/>
-          <ac:picMkLst>
-            <pc:docMk/>
-            <pc:sldMk cId="0" sldId="264"/>
-            <ac:picMk id="5" creationId="{7A65702D-88BF-4DBA-9323-920BA15A8173}"/>
-          </ac:picMkLst>
-        </pc:picChg>
-      </pc:sldChg>
-      <pc:sldChg chg="addSp modSp mod modAnim">
-        <pc:chgData name="Fernando C Correa" userId="a08d7f3c16d54179" providerId="LiveId" clId="{DAECEB32-C126-44A1-B729-3AADB1682972}" dt="2020-06-17T02:53:24.961" v="2059" actId="1076"/>
-        <pc:sldMkLst>
-          <pc:docMk/>
-          <pc:sldMk cId="3542761506" sldId="281"/>
-        </pc:sldMkLst>
-        <pc:spChg chg="mod">
-          <ac:chgData name="Fernando C Correa" userId="a08d7f3c16d54179" providerId="LiveId" clId="{DAECEB32-C126-44A1-B729-3AADB1682972}" dt="2020-06-17T02:52:36.148" v="1960" actId="20577"/>
-          <ac:spMkLst>
-            <pc:docMk/>
-            <pc:sldMk cId="3542761506" sldId="281"/>
-            <ac:spMk id="2" creationId="{00000000-0000-0000-0000-000000000000}"/>
-          </ac:spMkLst>
-        </pc:spChg>
-        <pc:spChg chg="add mod">
-          <ac:chgData name="Fernando C Correa" userId="a08d7f3c16d54179" providerId="LiveId" clId="{DAECEB32-C126-44A1-B729-3AADB1682972}" dt="2020-06-17T02:52:39.799" v="1968" actId="20577"/>
-          <ac:spMkLst>
-            <pc:docMk/>
-            <pc:sldMk cId="3542761506" sldId="281"/>
-            <ac:spMk id="11" creationId="{F6860C7B-45AB-4527-8D46-334216B4FAC7}"/>
-          </ac:spMkLst>
-        </pc:spChg>
-        <pc:spChg chg="add mod">
-          <ac:chgData name="Fernando C Correa" userId="a08d7f3c16d54179" providerId="LiveId" clId="{DAECEB32-C126-44A1-B729-3AADB1682972}" dt="2020-06-17T02:53:24.961" v="2059" actId="1076"/>
-          <ac:spMkLst>
-            <pc:docMk/>
-            <pc:sldMk cId="3542761506" sldId="281"/>
-            <ac:spMk id="15" creationId="{DF55296A-B4B1-4455-AEC8-E88599BF720B}"/>
-          </ac:spMkLst>
-        </pc:spChg>
-        <pc:spChg chg="add mod">
-          <ac:chgData name="Fernando C Correa" userId="a08d7f3c16d54179" providerId="LiveId" clId="{DAECEB32-C126-44A1-B729-3AADB1682972}" dt="2020-06-17T02:53:24.961" v="2059" actId="1076"/>
-          <ac:spMkLst>
-            <pc:docMk/>
-            <pc:sldMk cId="3542761506" sldId="281"/>
-            <ac:spMk id="16" creationId="{3CA46EF6-3532-4FFA-BE31-84EB0DB00941}"/>
-          </ac:spMkLst>
-        </pc:spChg>
-      </pc:sldChg>
-      <pc:sldChg chg="addSp delSp modSp del mod">
-        <pc:chgData name="Fernando C Correa" userId="a08d7f3c16d54179" providerId="LiveId" clId="{DAECEB32-C126-44A1-B729-3AADB1682972}" dt="2020-06-17T01:22:07.612" v="1067" actId="47"/>
-        <pc:sldMkLst>
-          <pc:docMk/>
-          <pc:sldMk cId="1290913563" sldId="286"/>
-        </pc:sldMkLst>
-        <pc:spChg chg="mod">
-          <ac:chgData name="Fernando C Correa" userId="a08d7f3c16d54179" providerId="LiveId" clId="{DAECEB32-C126-44A1-B729-3AADB1682972}" dt="2020-06-17T01:05:30.054" v="915" actId="20577"/>
-          <ac:spMkLst>
-            <pc:docMk/>
-            <pc:sldMk cId="1290913563" sldId="286"/>
-            <ac:spMk id="2" creationId="{00000000-0000-0000-0000-000000000000}"/>
-          </ac:spMkLst>
-        </pc:spChg>
-        <pc:spChg chg="add mod">
-          <ac:chgData name="Fernando C Correa" userId="a08d7f3c16d54179" providerId="LiveId" clId="{DAECEB32-C126-44A1-B729-3AADB1682972}" dt="2020-06-17T01:21:19.096" v="1065"/>
-          <ac:spMkLst>
-            <pc:docMk/>
-            <pc:sldMk cId="1290913563" sldId="286"/>
-            <ac:spMk id="3" creationId="{ADC9990C-DB22-4C9E-AE0D-AFC17340A299}"/>
-          </ac:spMkLst>
-        </pc:spChg>
-        <pc:spChg chg="add del mod">
-          <ac:chgData name="Fernando C Correa" userId="a08d7f3c16d54179" providerId="LiveId" clId="{DAECEB32-C126-44A1-B729-3AADB1682972}" dt="2020-06-17T01:21:12.474" v="1053" actId="478"/>
-          <ac:spMkLst>
-            <pc:docMk/>
-            <pc:sldMk cId="1290913563" sldId="286"/>
-            <ac:spMk id="6" creationId="{C0FFF3D3-78AB-4F03-AEA3-F792F1C928B1}"/>
-          </ac:spMkLst>
-        </pc:spChg>
-        <pc:spChg chg="add mod">
-          <ac:chgData name="Fernando C Correa" userId="a08d7f3c16d54179" providerId="LiveId" clId="{DAECEB32-C126-44A1-B729-3AADB1682972}" dt="2020-06-17T01:06:31.961" v="950" actId="20577"/>
-          <ac:spMkLst>
-            <pc:docMk/>
-            <pc:sldMk cId="1290913563" sldId="286"/>
-            <ac:spMk id="10" creationId="{82A90620-2111-419C-8CC8-504DF323835F}"/>
-          </ac:spMkLst>
-        </pc:spChg>
-        <pc:picChg chg="add del mod modCrop">
-          <ac:chgData name="Fernando C Correa" userId="a08d7f3c16d54179" providerId="LiveId" clId="{DAECEB32-C126-44A1-B729-3AADB1682972}" dt="2020-06-17T01:21:15.701" v="1059" actId="478"/>
-          <ac:picMkLst>
-            <pc:docMk/>
-            <pc:sldMk cId="1290913563" sldId="286"/>
-            <ac:picMk id="4" creationId="{D4BB69D1-B7D1-40C5-AD81-DECBEAAE5E0F}"/>
-          </ac:picMkLst>
-        </pc:picChg>
-        <pc:picChg chg="add del mod">
-          <ac:chgData name="Fernando C Correa" userId="a08d7f3c16d54179" providerId="LiveId" clId="{DAECEB32-C126-44A1-B729-3AADB1682972}" dt="2020-06-17T01:21:15.296" v="1058"/>
-          <ac:picMkLst>
-            <pc:docMk/>
-            <pc:sldMk cId="1290913563" sldId="286"/>
-            <ac:picMk id="5" creationId="{FBACC7CA-267A-4720-8553-65FD46F1C96F}"/>
-          </ac:picMkLst>
-        </pc:picChg>
-        <pc:picChg chg="add del mod">
-          <ac:chgData name="Fernando C Correa" userId="a08d7f3c16d54179" providerId="LiveId" clId="{DAECEB32-C126-44A1-B729-3AADB1682972}" dt="2020-06-17T01:21:11.925" v="1052" actId="478"/>
-          <ac:picMkLst>
-            <pc:docMk/>
-            <pc:sldMk cId="1290913563" sldId="286"/>
-            <ac:picMk id="11" creationId="{8F1A4823-8682-41E7-A5C1-1ABA20505B18}"/>
-          </ac:picMkLst>
-        </pc:picChg>
-        <pc:picChg chg="del">
-          <ac:chgData name="Fernando C Correa" userId="a08d7f3c16d54179" providerId="LiveId" clId="{DAECEB32-C126-44A1-B729-3AADB1682972}" dt="2020-06-17T01:14:20.251" v="981" actId="478"/>
-          <ac:picMkLst>
-            <pc:docMk/>
-            <pc:sldMk cId="1290913563" sldId="286"/>
-            <ac:picMk id="15" creationId="{4E3D15D1-6C66-4859-8D2D-7DECB3E481F5}"/>
-          </ac:picMkLst>
-        </pc:picChg>
-      </pc:sldChg>
-      <pc:sldChg chg="addSp delSp modSp mod ord modAnim">
-        <pc:chgData name="Fernando C Correa" userId="a08d7f3c16d54179" providerId="LiveId" clId="{DAECEB32-C126-44A1-B729-3AADB1682972}" dt="2020-06-18T22:39:20.964" v="2135"/>
-        <pc:sldMkLst>
-          <pc:docMk/>
-          <pc:sldMk cId="2582316661" sldId="287"/>
-        </pc:sldMkLst>
-        <pc:spChg chg="mod">
-          <ac:chgData name="Fernando C Correa" userId="a08d7f3c16d54179" providerId="LiveId" clId="{DAECEB32-C126-44A1-B729-3AADB1682972}" dt="2020-06-17T02:17:43.528" v="1489" actId="20577"/>
-          <ac:spMkLst>
-            <pc:docMk/>
-            <pc:sldMk cId="2582316661" sldId="287"/>
-            <ac:spMk id="2" creationId="{00000000-0000-0000-0000-000000000000}"/>
-          </ac:spMkLst>
-        </pc:spChg>
-        <pc:spChg chg="add mod">
-          <ac:chgData name="Fernando C Correa" userId="a08d7f3c16d54179" providerId="LiveId" clId="{DAECEB32-C126-44A1-B729-3AADB1682972}" dt="2020-06-17T01:00:22.837" v="881" actId="403"/>
-          <ac:spMkLst>
-            <pc:docMk/>
-            <pc:sldMk cId="2582316661" sldId="287"/>
-            <ac:spMk id="3" creationId="{19035CAF-1C8B-4AE3-8033-3A58E61E6860}"/>
-          </ac:spMkLst>
-        </pc:spChg>
-        <pc:spChg chg="add mod">
-          <ac:chgData name="Fernando C Correa" userId="a08d7f3c16d54179" providerId="LiveId" clId="{DAECEB32-C126-44A1-B729-3AADB1682972}" dt="2020-06-17T00:58:47.618" v="865" actId="1035"/>
-          <ac:spMkLst>
-            <pc:docMk/>
-            <pc:sldMk cId="2582316661" sldId="287"/>
-            <ac:spMk id="9" creationId="{9DB075A3-56FB-45D0-9830-D7302566A0CB}"/>
-          </ac:spMkLst>
-        </pc:spChg>
-        <pc:spChg chg="add mod">
-          <ac:chgData name="Fernando C Correa" userId="a08d7f3c16d54179" providerId="LiveId" clId="{DAECEB32-C126-44A1-B729-3AADB1682972}" dt="2020-06-17T00:58:30.837" v="861" actId="1076"/>
-          <ac:spMkLst>
-            <pc:docMk/>
-            <pc:sldMk cId="2582316661" sldId="287"/>
-            <ac:spMk id="11" creationId="{16EB44B9-02AC-4947-965B-A08DBFC98023}"/>
-          </ac:spMkLst>
-        </pc:spChg>
-        <pc:spChg chg="add mod">
-          <ac:chgData name="Fernando C Correa" userId="a08d7f3c16d54179" providerId="LiveId" clId="{DAECEB32-C126-44A1-B729-3AADB1682972}" dt="2020-06-17T02:18:06.350" v="1511" actId="20577"/>
-          <ac:spMkLst>
-            <pc:docMk/>
-            <pc:sldMk cId="2582316661" sldId="287"/>
-            <ac:spMk id="15" creationId="{C818B3F3-69A1-4565-9EAF-104558DDDC7F}"/>
-          </ac:spMkLst>
-        </pc:spChg>
-        <pc:spChg chg="add del mod">
-          <ac:chgData name="Fernando C Correa" userId="a08d7f3c16d54179" providerId="LiveId" clId="{DAECEB32-C126-44A1-B729-3AADB1682972}" dt="2020-06-17T02:26:13.430" v="1685" actId="478"/>
-          <ac:spMkLst>
-            <pc:docMk/>
-            <pc:sldMk cId="2582316661" sldId="287"/>
-            <ac:spMk id="16" creationId="{B04DD2A7-5F80-4014-B800-C1E90F6A5FFE}"/>
-          </ac:spMkLst>
-        </pc:spChg>
-        <pc:spChg chg="add mod">
-          <ac:chgData name="Fernando C Correa" userId="a08d7f3c16d54179" providerId="LiveId" clId="{DAECEB32-C126-44A1-B729-3AADB1682972}" dt="2020-06-17T02:26:13.715" v="1686"/>
-          <ac:spMkLst>
-            <pc:docMk/>
-            <pc:sldMk cId="2582316661" sldId="287"/>
-            <ac:spMk id="17" creationId="{114594CB-68F1-49C6-9921-056A0B010C8E}"/>
-          </ac:spMkLst>
-        </pc:spChg>
-        <pc:picChg chg="mod">
-          <ac:chgData name="Fernando C Correa" userId="a08d7f3c16d54179" providerId="LiveId" clId="{DAECEB32-C126-44A1-B729-3AADB1682972}" dt="2020-06-17T01:01:31.102" v="891" actId="1076"/>
-          <ac:picMkLst>
-            <pc:docMk/>
-            <pc:sldMk cId="2582316661" sldId="287"/>
-            <ac:picMk id="4" creationId="{CE59E904-DE2E-44FD-8FAC-39DBA644EE5C}"/>
-          </ac:picMkLst>
-        </pc:picChg>
-      </pc:sldChg>
-      <pc:sldChg chg="del ord">
-        <pc:chgData name="Fernando C Correa" userId="a08d7f3c16d54179" providerId="LiveId" clId="{DAECEB32-C126-44A1-B729-3AADB1682972}" dt="2020-06-17T01:02:49.942" v="893" actId="47"/>
-        <pc:sldMkLst>
-          <pc:docMk/>
-          <pc:sldMk cId="4264086694" sldId="288"/>
-        </pc:sldMkLst>
-      </pc:sldChg>
-      <pc:sldChg chg="addSp modSp mod ord modAnim">
-        <pc:chgData name="Fernando C Correa" userId="a08d7f3c16d54179" providerId="LiveId" clId="{DAECEB32-C126-44A1-B729-3AADB1682972}" dt="2020-06-17T02:43:04.844" v="1943"/>
-        <pc:sldMkLst>
-          <pc:docMk/>
-          <pc:sldMk cId="1295663715" sldId="289"/>
-        </pc:sldMkLst>
-        <pc:spChg chg="mod">
-          <ac:chgData name="Fernando C Correa" userId="a08d7f3c16d54179" providerId="LiveId" clId="{DAECEB32-C126-44A1-B729-3AADB1682972}" dt="2020-06-17T02:34:03.691" v="1771"/>
-          <ac:spMkLst>
-            <pc:docMk/>
-            <pc:sldMk cId="1295663715" sldId="289"/>
-            <ac:spMk id="2" creationId="{00000000-0000-0000-0000-000000000000}"/>
-          </ac:spMkLst>
-        </pc:spChg>
-        <pc:spChg chg="add mod">
-          <ac:chgData name="Fernando C Correa" userId="a08d7f3c16d54179" providerId="LiveId" clId="{DAECEB32-C126-44A1-B729-3AADB1682972}" dt="2020-06-17T02:41:16.250" v="1915"/>
-          <ac:spMkLst>
-            <pc:docMk/>
-            <pc:sldMk cId="1295663715" sldId="289"/>
-            <ac:spMk id="8" creationId="{348AA170-19B8-4A63-90A8-909245589B0D}"/>
-          </ac:spMkLst>
-        </pc:spChg>
-        <pc:spChg chg="add mod">
-          <ac:chgData name="Fernando C Correa" userId="a08d7f3c16d54179" providerId="LiveId" clId="{DAECEB32-C126-44A1-B729-3AADB1682972}" dt="2020-06-17T02:41:29.637" v="1918" actId="14861"/>
-          <ac:spMkLst>
-            <pc:docMk/>
-            <pc:sldMk cId="1295663715" sldId="289"/>
-            <ac:spMk id="9" creationId="{6F8FD17E-2A3E-4994-BB19-C36F5C73DAF1}"/>
-          </ac:spMkLst>
-        </pc:spChg>
-        <pc:spChg chg="add mod">
-          <ac:chgData name="Fernando C Correa" userId="a08d7f3c16d54179" providerId="LiveId" clId="{DAECEB32-C126-44A1-B729-3AADB1682972}" dt="2020-06-17T02:41:16.250" v="1915"/>
-          <ac:spMkLst>
-            <pc:docMk/>
-            <pc:sldMk cId="1295663715" sldId="289"/>
-            <ac:spMk id="15" creationId="{E01DF4B4-465C-4836-823C-8ACF07B4A04E}"/>
-          </ac:spMkLst>
-        </pc:spChg>
-        <pc:spChg chg="add mod">
-          <ac:chgData name="Fernando C Correa" userId="a08d7f3c16d54179" providerId="LiveId" clId="{DAECEB32-C126-44A1-B729-3AADB1682972}" dt="2020-06-17T02:41:16.250" v="1915"/>
-          <ac:spMkLst>
-            <pc:docMk/>
-            <pc:sldMk cId="1295663715" sldId="289"/>
-            <ac:spMk id="16" creationId="{E7C95CF2-0E96-45FD-84F0-F8B4B80A1B9D}"/>
-          </ac:spMkLst>
-        </pc:spChg>
-        <pc:spChg chg="add mod">
-          <ac:chgData name="Fernando C Correa" userId="a08d7f3c16d54179" providerId="LiveId" clId="{DAECEB32-C126-44A1-B729-3AADB1682972}" dt="2020-06-17T02:41:16.250" v="1915"/>
-          <ac:spMkLst>
-            <pc:docMk/>
-            <pc:sldMk cId="1295663715" sldId="289"/>
-            <ac:spMk id="17" creationId="{4761BB05-E8FC-4963-83D4-851EAED86DFA}"/>
-          </ac:spMkLst>
-        </pc:spChg>
-        <pc:spChg chg="add mod">
-          <ac:chgData name="Fernando C Correa" userId="a08d7f3c16d54179" providerId="LiveId" clId="{DAECEB32-C126-44A1-B729-3AADB1682972}" dt="2020-06-17T02:41:37.094" v="1921" actId="1035"/>
-          <ac:spMkLst>
-            <pc:docMk/>
-            <pc:sldMk cId="1295663715" sldId="289"/>
-            <ac:spMk id="18" creationId="{DA8A93A9-B515-40BF-A842-1BA9BACDDF03}"/>
-          </ac:spMkLst>
-        </pc:spChg>
-        <pc:picChg chg="mod">
-          <ac:chgData name="Fernando C Correa" userId="a08d7f3c16d54179" providerId="LiveId" clId="{DAECEB32-C126-44A1-B729-3AADB1682972}" dt="2020-06-17T02:35:39.226" v="1829" actId="1076"/>
-          <ac:picMkLst>
-            <pc:docMk/>
-            <pc:sldMk cId="1295663715" sldId="289"/>
-            <ac:picMk id="11" creationId="{D1E3D129-AEE4-4620-B9D7-636720389400}"/>
-          </ac:picMkLst>
-        </pc:picChg>
-      </pc:sldChg>
-      <pc:sldChg chg="addSp delSp modSp mod modAnim">
-        <pc:chgData name="Fernando C Correa" userId="a08d7f3c16d54179" providerId="LiveId" clId="{DAECEB32-C126-44A1-B729-3AADB1682972}" dt="2020-06-17T02:31:00.021" v="1747"/>
-        <pc:sldMkLst>
-          <pc:docMk/>
-          <pc:sldMk cId="1001627628" sldId="290"/>
-        </pc:sldMkLst>
-        <pc:spChg chg="mod">
-          <ac:chgData name="Fernando C Correa" userId="a08d7f3c16d54179" providerId="LiveId" clId="{DAECEB32-C126-44A1-B729-3AADB1682972}" dt="2020-06-17T02:19:14.312" v="1534" actId="20577"/>
-          <ac:spMkLst>
-            <pc:docMk/>
-            <pc:sldMk cId="1001627628" sldId="290"/>
-            <ac:spMk id="2" creationId="{00000000-0000-0000-0000-000000000000}"/>
-          </ac:spMkLst>
-        </pc:spChg>
-        <pc:spChg chg="add mod">
-          <ac:chgData name="Fernando C Correa" userId="a08d7f3c16d54179" providerId="LiveId" clId="{DAECEB32-C126-44A1-B729-3AADB1682972}" dt="2020-06-17T02:23:21.750" v="1649" actId="14861"/>
-          <ac:spMkLst>
-            <pc:docMk/>
-            <pc:sldMk cId="1001627628" sldId="290"/>
-            <ac:spMk id="16" creationId="{EF23E5A8-6F84-4594-8BB9-57898F4F956C}"/>
-          </ac:spMkLst>
-        </pc:spChg>
-        <pc:spChg chg="add mod">
-          <ac:chgData name="Fernando C Correa" userId="a08d7f3c16d54179" providerId="LiveId" clId="{DAECEB32-C126-44A1-B729-3AADB1682972}" dt="2020-06-17T02:22:47.598" v="1605" actId="1076"/>
-          <ac:spMkLst>
-            <pc:docMk/>
-            <pc:sldMk cId="1001627628" sldId="290"/>
-            <ac:spMk id="17" creationId="{58B8F891-5766-456B-A822-47FAD62143AD}"/>
-          </ac:spMkLst>
-        </pc:spChg>
-        <pc:spChg chg="add mod">
-          <ac:chgData name="Fernando C Correa" userId="a08d7f3c16d54179" providerId="LiveId" clId="{DAECEB32-C126-44A1-B729-3AADB1682972}" dt="2020-06-17T02:22:23.553" v="1601"/>
-          <ac:spMkLst>
-            <pc:docMk/>
-            <pc:sldMk cId="1001627628" sldId="290"/>
-            <ac:spMk id="18" creationId="{E72E18B1-BBBF-45A0-994C-3F38AD146859}"/>
-          </ac:spMkLst>
-        </pc:spChg>
-        <pc:spChg chg="add mod">
-          <ac:chgData name="Fernando C Correa" userId="a08d7f3c16d54179" providerId="LiveId" clId="{DAECEB32-C126-44A1-B729-3AADB1682972}" dt="2020-06-17T02:22:23.553" v="1601"/>
-          <ac:spMkLst>
-            <pc:docMk/>
-            <pc:sldMk cId="1001627628" sldId="290"/>
-            <ac:spMk id="19" creationId="{CA019AD7-4970-43AB-9C11-F7BD91047774}"/>
-          </ac:spMkLst>
-        </pc:spChg>
-        <pc:spChg chg="add del mod">
-          <ac:chgData name="Fernando C Correa" userId="a08d7f3c16d54179" providerId="LiveId" clId="{DAECEB32-C126-44A1-B729-3AADB1682972}" dt="2020-06-17T02:26:25.679" v="1691" actId="478"/>
-          <ac:spMkLst>
-            <pc:docMk/>
-            <pc:sldMk cId="1001627628" sldId="290"/>
-            <ac:spMk id="20" creationId="{80FF1167-5AFF-4BE3-B1C1-D4B299D491F8}"/>
-          </ac:spMkLst>
-        </pc:spChg>
-        <pc:spChg chg="add mod">
-          <ac:chgData name="Fernando C Correa" userId="a08d7f3c16d54179" providerId="LiveId" clId="{DAECEB32-C126-44A1-B729-3AADB1682972}" dt="2020-06-17T02:26:32.360" v="1693" actId="14861"/>
-          <ac:spMkLst>
-            <pc:docMk/>
-            <pc:sldMk cId="1001627628" sldId="290"/>
-            <ac:spMk id="21" creationId="{4FCE83B2-ED4D-4145-A0B8-FA43DCFD9FFE}"/>
-          </ac:spMkLst>
-        </pc:spChg>
-        <pc:grpChg chg="add del mod">
-          <ac:chgData name="Fernando C Correa" userId="a08d7f3c16d54179" providerId="LiveId" clId="{DAECEB32-C126-44A1-B729-3AADB1682972}" dt="2020-06-17T02:20:13.041" v="1553" actId="165"/>
-          <ac:grpSpMkLst>
-            <pc:docMk/>
-            <pc:sldMk cId="1001627628" sldId="290"/>
-            <ac:grpSpMk id="3" creationId="{FE4DA8BA-FBC5-45F0-9417-7339509D2D96}"/>
-          </ac:grpSpMkLst>
-        </pc:grpChg>
-        <pc:grpChg chg="add mod">
-          <ac:chgData name="Fernando C Correa" userId="a08d7f3c16d54179" providerId="LiveId" clId="{DAECEB32-C126-44A1-B729-3AADB1682972}" dt="2020-06-17T02:29:42.855" v="1732" actId="1076"/>
-          <ac:grpSpMkLst>
-            <pc:docMk/>
-            <pc:sldMk cId="1001627628" sldId="290"/>
-            <ac:grpSpMk id="5" creationId="{47A4E389-A66A-4606-888E-8E12D8DD919F}"/>
-          </ac:grpSpMkLst>
-        </pc:grpChg>
-        <pc:grpChg chg="del">
-          <ac:chgData name="Fernando C Correa" userId="a08d7f3c16d54179" providerId="LiveId" clId="{DAECEB32-C126-44A1-B729-3AADB1682972}" dt="2020-06-16T20:51:12.389" v="127" actId="478"/>
-          <ac:grpSpMkLst>
-            <pc:docMk/>
-            <pc:sldMk cId="1001627628" sldId="290"/>
-            <ac:grpSpMk id="11" creationId="{E4EA4F72-EFE3-4F09-A7E7-6AABF9ABBF18}"/>
-          </ac:grpSpMkLst>
-        </pc:grpChg>
-        <pc:picChg chg="add del">
-          <ac:chgData name="Fernando C Correa" userId="a08d7f3c16d54179" providerId="LiveId" clId="{DAECEB32-C126-44A1-B729-3AADB1682972}" dt="2020-06-16T20:48:49.865" v="96"/>
-          <ac:picMkLst>
-            <pc:docMk/>
-            <pc:sldMk cId="1001627628" sldId="290"/>
-            <ac:picMk id="3" creationId="{2CEEE7BF-8D17-4379-AAED-E345EDE50F01}"/>
-          </ac:picMkLst>
-        </pc:picChg>
-        <pc:picChg chg="add del mod topLvl">
-          <ac:chgData name="Fernando C Correa" userId="a08d7f3c16d54179" providerId="LiveId" clId="{DAECEB32-C126-44A1-B729-3AADB1682972}" dt="2020-06-17T02:29:21.906" v="1725" actId="478"/>
-          <ac:picMkLst>
-            <pc:docMk/>
-            <pc:sldMk cId="1001627628" sldId="290"/>
-            <ac:picMk id="4" creationId="{EF1B15BB-D535-47AA-9FA1-D1125164EE2C}"/>
-          </ac:picMkLst>
-        </pc:picChg>
-        <pc:picChg chg="add del">
-          <ac:chgData name="Fernando C Correa" userId="a08d7f3c16d54179" providerId="LiveId" clId="{DAECEB32-C126-44A1-B729-3AADB1682972}" dt="2020-06-16T20:50:12.803" v="108"/>
-          <ac:picMkLst>
-            <pc:docMk/>
-            <pc:sldMk cId="1001627628" sldId="290"/>
-            <ac:picMk id="5" creationId="{57B42D8F-8F08-4DDC-B52B-83270FC6B39C}"/>
-          </ac:picMkLst>
-        </pc:picChg>
-        <pc:picChg chg="add del mod topLvl">
-          <ac:chgData name="Fernando C Correa" userId="a08d7f3c16d54179" providerId="LiveId" clId="{DAECEB32-C126-44A1-B729-3AADB1682972}" dt="2020-06-17T02:29:22.372" v="1726" actId="478"/>
-          <ac:picMkLst>
-            <pc:docMk/>
-            <pc:sldMk cId="1001627628" sldId="290"/>
-            <ac:picMk id="6" creationId="{86E18F85-66AB-4286-98CE-080A6189E506}"/>
-          </ac:picMkLst>
-        </pc:picChg>
-        <pc:picChg chg="add del mod topLvl">
-          <ac:chgData name="Fernando C Correa" userId="a08d7f3c16d54179" providerId="LiveId" clId="{DAECEB32-C126-44A1-B729-3AADB1682972}" dt="2020-06-17T02:29:23.430" v="1728" actId="478"/>
-          <ac:picMkLst>
-            <pc:docMk/>
-            <pc:sldMk cId="1001627628" sldId="290"/>
-            <ac:picMk id="7" creationId="{639E2F4F-9550-4925-80F7-305D25DF9580}"/>
-          </ac:picMkLst>
-        </pc:picChg>
-        <pc:picChg chg="add del mod topLvl">
-          <ac:chgData name="Fernando C Correa" userId="a08d7f3c16d54179" providerId="LiveId" clId="{DAECEB32-C126-44A1-B729-3AADB1682972}" dt="2020-06-17T02:29:23.034" v="1727" actId="478"/>
-          <ac:picMkLst>
-            <pc:docMk/>
-            <pc:sldMk cId="1001627628" sldId="290"/>
-            <ac:picMk id="15" creationId="{E3972336-02C1-47CD-97B1-80ABC70FA9B7}"/>
-          </ac:picMkLst>
-        </pc:picChg>
-        <pc:picChg chg="add del mod">
-          <ac:chgData name="Fernando C Correa" userId="a08d7f3c16d54179" providerId="LiveId" clId="{DAECEB32-C126-44A1-B729-3AADB1682972}" dt="2020-06-16T20:49:11.465" v="104" actId="478"/>
-          <ac:picMkLst>
-            <pc:docMk/>
-            <pc:sldMk cId="1001627628" sldId="290"/>
-            <ac:picMk id="16" creationId="{20781BF0-8212-4D1A-9E98-63B0F1909496}"/>
-          </ac:picMkLst>
-        </pc:picChg>
-        <pc:picChg chg="add del mod">
-          <ac:chgData name="Fernando C Correa" userId="a08d7f3c16d54179" providerId="LiveId" clId="{DAECEB32-C126-44A1-B729-3AADB1682972}" dt="2020-06-16T20:50:41.242" v="120" actId="478"/>
-          <ac:picMkLst>
-            <pc:docMk/>
-            <pc:sldMk cId="1001627628" sldId="290"/>
-            <ac:picMk id="17" creationId="{040851DC-21ED-45C7-8F74-D947F2610DF4}"/>
-          </ac:picMkLst>
-        </pc:picChg>
-        <pc:picChg chg="del topLvl">
-          <ac:chgData name="Fernando C Correa" userId="a08d7f3c16d54179" providerId="LiveId" clId="{DAECEB32-C126-44A1-B729-3AADB1682972}" dt="2020-06-16T20:51:12.389" v="127" actId="478"/>
-          <ac:picMkLst>
-            <pc:docMk/>
-            <pc:sldMk cId="1001627628" sldId="290"/>
-            <ac:picMk id="18" creationId="{E06E4486-40EB-49C0-BDD4-6308F01F4996}"/>
-          </ac:picMkLst>
-        </pc:picChg>
-        <pc:picChg chg="add mod">
-          <ac:chgData name="Fernando C Correa" userId="a08d7f3c16d54179" providerId="LiveId" clId="{DAECEB32-C126-44A1-B729-3AADB1682972}" dt="2020-06-17T02:29:34.883" v="1730" actId="164"/>
-          <ac:picMkLst>
-            <pc:docMk/>
-            <pc:sldMk cId="1001627628" sldId="290"/>
-            <ac:picMk id="22" creationId="{8D54C705-47F9-4144-8360-13503B9AABC4}"/>
-          </ac:picMkLst>
-        </pc:picChg>
-        <pc:picChg chg="add mod">
-          <ac:chgData name="Fernando C Correa" userId="a08d7f3c16d54179" providerId="LiveId" clId="{DAECEB32-C126-44A1-B729-3AADB1682972}" dt="2020-06-17T02:29:34.883" v="1730" actId="164"/>
-          <ac:picMkLst>
-            <pc:docMk/>
-            <pc:sldMk cId="1001627628" sldId="290"/>
-            <ac:picMk id="23" creationId="{5A516734-AEA0-4764-B0B6-A4E4D46DFBF7}"/>
-          </ac:picMkLst>
-        </pc:picChg>
-        <pc:picChg chg="add mod">
-          <ac:chgData name="Fernando C Correa" userId="a08d7f3c16d54179" providerId="LiveId" clId="{DAECEB32-C126-44A1-B729-3AADB1682972}" dt="2020-06-17T02:29:34.883" v="1730" actId="164"/>
-          <ac:picMkLst>
-            <pc:docMk/>
-            <pc:sldMk cId="1001627628" sldId="290"/>
-            <ac:picMk id="24" creationId="{D36C2A91-41AB-42D7-B966-BD1F43686DCE}"/>
-          </ac:picMkLst>
-        </pc:picChg>
-        <pc:picChg chg="add mod">
-          <ac:chgData name="Fernando C Correa" userId="a08d7f3c16d54179" providerId="LiveId" clId="{DAECEB32-C126-44A1-B729-3AADB1682972}" dt="2020-06-17T02:29:34.883" v="1730" actId="164"/>
-          <ac:picMkLst>
-            <pc:docMk/>
-            <pc:sldMk cId="1001627628" sldId="290"/>
-            <ac:picMk id="25" creationId="{092F571E-673D-4044-9922-F99EF299C1E8}"/>
-          </ac:picMkLst>
-        </pc:picChg>
-      </pc:sldChg>
-      <pc:sldChg chg="addSp delSp modSp del mod">
-        <pc:chgData name="Fernando C Correa" userId="a08d7f3c16d54179" providerId="LiveId" clId="{DAECEB32-C126-44A1-B729-3AADB1682972}" dt="2020-06-17T01:02:48.552" v="892" actId="47"/>
-        <pc:sldMkLst>
-          <pc:docMk/>
-          <pc:sldMk cId="1034810671" sldId="291"/>
-        </pc:sldMkLst>
-        <pc:picChg chg="add mod">
-          <ac:chgData name="Fernando C Correa" userId="a08d7f3c16d54179" providerId="LiveId" clId="{DAECEB32-C126-44A1-B729-3AADB1682972}" dt="2020-06-16T20:15:12.102" v="77" actId="1076"/>
-          <ac:picMkLst>
-            <pc:docMk/>
-            <pc:sldMk cId="1034810671" sldId="291"/>
-            <ac:picMk id="4" creationId="{1BED938E-3B90-421B-BA22-8FB3C8FFB03D}"/>
-          </ac:picMkLst>
-        </pc:picChg>
-        <pc:picChg chg="del">
-          <ac:chgData name="Fernando C Correa" userId="a08d7f3c16d54179" providerId="LiveId" clId="{DAECEB32-C126-44A1-B729-3AADB1682972}" dt="2020-06-16T20:14:54.021" v="73" actId="478"/>
-          <ac:picMkLst>
-            <pc:docMk/>
-            <pc:sldMk cId="1034810671" sldId="291"/>
-            <ac:picMk id="8" creationId="{3968D855-CD48-4E97-8B57-CF08A2ABD60F}"/>
-          </ac:picMkLst>
-        </pc:picChg>
-      </pc:sldChg>
-      <pc:sldChg chg="addSp delSp modSp mod ord modAnim">
-        <pc:chgData name="Fernando C Correa" userId="a08d7f3c16d54179" providerId="LiveId" clId="{DAECEB32-C126-44A1-B729-3AADB1682972}" dt="2020-06-18T22:39:42.892" v="2138"/>
-        <pc:sldMkLst>
-          <pc:docMk/>
-          <pc:sldMk cId="1133719789" sldId="292"/>
-        </pc:sldMkLst>
-        <pc:spChg chg="mod">
-          <ac:chgData name="Fernando C Correa" userId="a08d7f3c16d54179" providerId="LiveId" clId="{DAECEB32-C126-44A1-B729-3AADB1682972}" dt="2020-06-17T01:49:48.265" v="1339" actId="20577"/>
-          <ac:spMkLst>
-            <pc:docMk/>
-            <pc:sldMk cId="1133719789" sldId="292"/>
-            <ac:spMk id="2" creationId="{00000000-0000-0000-0000-000000000000}"/>
-          </ac:spMkLst>
-        </pc:spChg>
-        <pc:spChg chg="add del mod">
-          <ac:chgData name="Fernando C Correa" userId="a08d7f3c16d54179" providerId="LiveId" clId="{DAECEB32-C126-44A1-B729-3AADB1682972}" dt="2020-06-17T01:44:03.929" v="1273" actId="478"/>
-          <ac:spMkLst>
-            <pc:docMk/>
-            <pc:sldMk cId="1133719789" sldId="292"/>
-            <ac:spMk id="8" creationId="{100D0501-C208-4D52-BB83-B46B58A14494}"/>
-          </ac:spMkLst>
-        </pc:spChg>
-        <pc:spChg chg="add del mod">
-          <ac:chgData name="Fernando C Correa" userId="a08d7f3c16d54179" providerId="LiveId" clId="{DAECEB32-C126-44A1-B729-3AADB1682972}" dt="2020-06-17T01:44:02.352" v="1272" actId="478"/>
-          <ac:spMkLst>
-            <pc:docMk/>
-            <pc:sldMk cId="1133719789" sldId="292"/>
-            <ac:spMk id="11" creationId="{1FB947FA-E56F-405D-8DE0-4B99C927F88B}"/>
-          </ac:spMkLst>
-        </pc:spChg>
-        <pc:spChg chg="add del mod">
-          <ac:chgData name="Fernando C Correa" userId="a08d7f3c16d54179" providerId="LiveId" clId="{DAECEB32-C126-44A1-B729-3AADB1682972}" dt="2020-06-17T01:55:16.131" v="1421" actId="478"/>
-          <ac:spMkLst>
-            <pc:docMk/>
-            <pc:sldMk cId="1133719789" sldId="292"/>
-            <ac:spMk id="15" creationId="{50862E59-0086-484E-A27F-F905223CB386}"/>
-          </ac:spMkLst>
-        </pc:spChg>
-        <pc:spChg chg="add del mod">
-          <ac:chgData name="Fernando C Correa" userId="a08d7f3c16d54179" providerId="LiveId" clId="{DAECEB32-C126-44A1-B729-3AADB1682972}" dt="2020-06-17T01:55:16.131" v="1421" actId="478"/>
-          <ac:spMkLst>
-            <pc:docMk/>
-            <pc:sldMk cId="1133719789" sldId="292"/>
-            <ac:spMk id="16" creationId="{8546C8D4-D84C-48A5-947E-91047C3D05E2}"/>
-          </ac:spMkLst>
-        </pc:spChg>
-        <pc:spChg chg="add del mod">
-          <ac:chgData name="Fernando C Correa" userId="a08d7f3c16d54179" providerId="LiveId" clId="{DAECEB32-C126-44A1-B729-3AADB1682972}" dt="2020-06-17T01:55:16.131" v="1421" actId="478"/>
-          <ac:spMkLst>
-            <pc:docMk/>
-            <pc:sldMk cId="1133719789" sldId="292"/>
-            <ac:spMk id="17" creationId="{73A57A06-BDA0-4028-8162-698A21C1C005}"/>
-          </ac:spMkLst>
-        </pc:spChg>
-        <pc:spChg chg="add del mod">
-          <ac:chgData name="Fernando C Correa" userId="a08d7f3c16d54179" providerId="LiveId" clId="{DAECEB32-C126-44A1-B729-3AADB1682972}" dt="2020-06-17T01:55:16.131" v="1421" actId="478"/>
-          <ac:spMkLst>
-            <pc:docMk/>
-            <pc:sldMk cId="1133719789" sldId="292"/>
-            <ac:spMk id="18" creationId="{BF6C8972-DEAF-42C3-8508-D54305EC0DFD}"/>
-          </ac:spMkLst>
-        </pc:spChg>
-        <pc:spChg chg="add del mod">
-          <ac:chgData name="Fernando C Correa" userId="a08d7f3c16d54179" providerId="LiveId" clId="{DAECEB32-C126-44A1-B729-3AADB1682972}" dt="2020-06-17T01:55:16.131" v="1421" actId="478"/>
-          <ac:spMkLst>
-            <pc:docMk/>
-            <pc:sldMk cId="1133719789" sldId="292"/>
-            <ac:spMk id="19" creationId="{AFC76C44-5525-412A-816B-37810D290FE1}"/>
-          </ac:spMkLst>
-        </pc:spChg>
-        <pc:spChg chg="add del mod">
-          <ac:chgData name="Fernando C Correa" userId="a08d7f3c16d54179" providerId="LiveId" clId="{DAECEB32-C126-44A1-B729-3AADB1682972}" dt="2020-06-17T01:56:15.226" v="1435" actId="478"/>
-          <ac:spMkLst>
-            <pc:docMk/>
-            <pc:sldMk cId="1133719789" sldId="292"/>
-            <ac:spMk id="20" creationId="{1876AF6B-8771-40DE-8BF7-81BE0607CF31}"/>
-          </ac:spMkLst>
-        </pc:spChg>
-        <pc:spChg chg="add del mod">
-          <ac:chgData name="Fernando C Correa" userId="a08d7f3c16d54179" providerId="LiveId" clId="{DAECEB32-C126-44A1-B729-3AADB1682972}" dt="2020-06-17T02:31:50.431" v="1753" actId="478"/>
-          <ac:spMkLst>
-            <pc:docMk/>
-            <pc:sldMk cId="1133719789" sldId="292"/>
-            <ac:spMk id="21" creationId="{6EFC9E13-B947-42F3-8559-58B8161D1524}"/>
-          </ac:spMkLst>
-        </pc:spChg>
-        <pc:spChg chg="add del mod">
-          <ac:chgData name="Fernando C Correa" userId="a08d7f3c16d54179" providerId="LiveId" clId="{DAECEB32-C126-44A1-B729-3AADB1682972}" dt="2020-06-17T02:31:50.431" v="1753" actId="478"/>
-          <ac:spMkLst>
-            <pc:docMk/>
-            <pc:sldMk cId="1133719789" sldId="292"/>
-            <ac:spMk id="22" creationId="{EFFA5066-FBB3-414A-A52E-C81A93761281}"/>
-          </ac:spMkLst>
-        </pc:spChg>
-        <pc:spChg chg="add del mod">
-          <ac:chgData name="Fernando C Correa" userId="a08d7f3c16d54179" providerId="LiveId" clId="{DAECEB32-C126-44A1-B729-3AADB1682972}" dt="2020-06-17T02:31:50.431" v="1753" actId="478"/>
-          <ac:spMkLst>
-            <pc:docMk/>
-            <pc:sldMk cId="1133719789" sldId="292"/>
-            <ac:spMk id="23" creationId="{EE9FF0B2-227B-4C64-BE5D-15D40D11178F}"/>
-          </ac:spMkLst>
-        </pc:spChg>
-        <pc:spChg chg="add del mod">
-          <ac:chgData name="Fernando C Correa" userId="a08d7f3c16d54179" providerId="LiveId" clId="{DAECEB32-C126-44A1-B729-3AADB1682972}" dt="2020-06-17T02:31:50.431" v="1753" actId="478"/>
-          <ac:spMkLst>
-            <pc:docMk/>
-            <pc:sldMk cId="1133719789" sldId="292"/>
-            <ac:spMk id="24" creationId="{893C28A0-AA48-4E7C-808E-AA077E296288}"/>
-          </ac:spMkLst>
-        </pc:spChg>
-        <pc:spChg chg="add del mod">
-          <ac:chgData name="Fernando C Correa" userId="a08d7f3c16d54179" providerId="LiveId" clId="{DAECEB32-C126-44A1-B729-3AADB1682972}" dt="2020-06-17T02:41:01.220" v="1904" actId="478"/>
-          <ac:spMkLst>
-            <pc:docMk/>
-            <pc:sldMk cId="1133719789" sldId="292"/>
-            <ac:spMk id="25" creationId="{5C37E21A-99CB-45C8-956C-1E5511212340}"/>
-          </ac:spMkLst>
-        </pc:spChg>
-        <pc:spChg chg="add del mod">
-          <ac:chgData name="Fernando C Correa" userId="a08d7f3c16d54179" providerId="LiveId" clId="{DAECEB32-C126-44A1-B729-3AADB1682972}" dt="2020-06-17T02:41:02.234" v="1905" actId="478"/>
-          <ac:spMkLst>
-            <pc:docMk/>
-            <pc:sldMk cId="1133719789" sldId="292"/>
-            <ac:spMk id="26" creationId="{1DAF1F2A-44B2-4A58-BAEC-E89D274D2CA7}"/>
-          </ac:spMkLst>
-        </pc:spChg>
-        <pc:spChg chg="add del mod">
-          <ac:chgData name="Fernando C Correa" userId="a08d7f3c16d54179" providerId="LiveId" clId="{DAECEB32-C126-44A1-B729-3AADB1682972}" dt="2020-06-17T02:41:03.214" v="1906" actId="478"/>
-          <ac:spMkLst>
-            <pc:docMk/>
-            <pc:sldMk cId="1133719789" sldId="292"/>
-            <ac:spMk id="27" creationId="{95C6FE59-418B-4261-BD26-EBEAE75B9167}"/>
-          </ac:spMkLst>
-        </pc:spChg>
-        <pc:spChg chg="add del mod">
-          <ac:chgData name="Fernando C Correa" userId="a08d7f3c16d54179" providerId="LiveId" clId="{DAECEB32-C126-44A1-B729-3AADB1682972}" dt="2020-06-17T02:41:05.470" v="1907" actId="478"/>
-          <ac:spMkLst>
-            <pc:docMk/>
-            <pc:sldMk cId="1133719789" sldId="292"/>
-            <ac:spMk id="28" creationId="{051E44C7-2E46-4AE6-B2D3-B3A74AAB0BE3}"/>
-          </ac:spMkLst>
-        </pc:spChg>
-        <pc:spChg chg="add mod">
-          <ac:chgData name="Fernando C Correa" userId="a08d7f3c16d54179" providerId="LiveId" clId="{DAECEB32-C126-44A1-B729-3AADB1682972}" dt="2020-06-17T02:41:06.395" v="1908"/>
-          <ac:spMkLst>
-            <pc:docMk/>
-            <pc:sldMk cId="1133719789" sldId="292"/>
-            <ac:spMk id="29" creationId="{A1657144-AF5E-408F-9E61-BD940D345385}"/>
-          </ac:spMkLst>
-        </pc:spChg>
-        <pc:spChg chg="add mod">
-          <ac:chgData name="Fernando C Correa" userId="a08d7f3c16d54179" providerId="LiveId" clId="{DAECEB32-C126-44A1-B729-3AADB1682972}" dt="2020-06-17T02:42:19.724" v="1937" actId="14861"/>
-          <ac:spMkLst>
-            <pc:docMk/>
-            <pc:sldMk cId="1133719789" sldId="292"/>
-            <ac:spMk id="30" creationId="{050664DE-319C-4C8E-B8DF-C970A34688B9}"/>
-          </ac:spMkLst>
-        </pc:spChg>
-        <pc:spChg chg="add mod">
-          <ac:chgData name="Fernando C Correa" userId="a08d7f3c16d54179" providerId="LiveId" clId="{DAECEB32-C126-44A1-B729-3AADB1682972}" dt="2020-06-17T02:43:38.305" v="1946" actId="1035"/>
-          <ac:spMkLst>
-            <pc:docMk/>
-            <pc:sldMk cId="1133719789" sldId="292"/>
-            <ac:spMk id="31" creationId="{76319E44-84CF-41F9-8A19-12D147AA52B8}"/>
-          </ac:spMkLst>
-        </pc:spChg>
-        <pc:spChg chg="add mod">
-          <ac:chgData name="Fernando C Correa" userId="a08d7f3c16d54179" providerId="LiveId" clId="{DAECEB32-C126-44A1-B729-3AADB1682972}" dt="2020-06-17T02:41:06.395" v="1908"/>
-          <ac:spMkLst>
-            <pc:docMk/>
-            <pc:sldMk cId="1133719789" sldId="292"/>
-            <ac:spMk id="32" creationId="{1B683343-351F-4A9A-A7FA-3CDF6D0F1804}"/>
-          </ac:spMkLst>
-        </pc:spChg>
-        <pc:spChg chg="add mod">
-          <ac:chgData name="Fernando C Correa" userId="a08d7f3c16d54179" providerId="LiveId" clId="{DAECEB32-C126-44A1-B729-3AADB1682972}" dt="2020-06-17T02:41:06.395" v="1908"/>
-          <ac:spMkLst>
-            <pc:docMk/>
-            <pc:sldMk cId="1133719789" sldId="292"/>
-            <ac:spMk id="33" creationId="{7A61C4D9-9EF7-4FA7-96B3-518920507396}"/>
-          </ac:spMkLst>
-        </pc:spChg>
-        <pc:spChg chg="add mod">
-          <ac:chgData name="Fernando C Correa" userId="a08d7f3c16d54179" providerId="LiveId" clId="{DAECEB32-C126-44A1-B729-3AADB1682972}" dt="2020-06-17T02:41:06.395" v="1908"/>
-          <ac:spMkLst>
-            <pc:docMk/>
-            <pc:sldMk cId="1133719789" sldId="292"/>
-            <ac:spMk id="34" creationId="{5E51E72A-94AB-4D54-9578-8E482782613D}"/>
-          </ac:spMkLst>
-        </pc:spChg>
-        <pc:picChg chg="mod">
-          <ac:chgData name="Fernando C Correa" userId="a08d7f3c16d54179" providerId="LiveId" clId="{DAECEB32-C126-44A1-B729-3AADB1682972}" dt="2020-06-17T02:35:25.486" v="1826" actId="1076"/>
-          <ac:picMkLst>
-            <pc:docMk/>
-            <pc:sldMk cId="1133719789" sldId="292"/>
-            <ac:picMk id="9" creationId="{1F8FFC06-1BCE-4133-BFC4-47909DC42705}"/>
-          </ac:picMkLst>
-        </pc:picChg>
-      </pc:sldChg>
-      <pc:sldChg chg="addSp delSp modSp mod modAnim">
-        <pc:chgData name="Fernando C Correa" userId="a08d7f3c16d54179" providerId="LiveId" clId="{DAECEB32-C126-44A1-B729-3AADB1682972}" dt="2020-06-18T22:39:49.404" v="2140"/>
-        <pc:sldMkLst>
-          <pc:docMk/>
-          <pc:sldMk cId="3697814180" sldId="294"/>
-        </pc:sldMkLst>
-        <pc:spChg chg="mod">
-          <ac:chgData name="Fernando C Correa" userId="a08d7f3c16d54179" providerId="LiveId" clId="{DAECEB32-C126-44A1-B729-3AADB1682972}" dt="2020-06-17T02:34:01.009" v="1770"/>
-          <ac:spMkLst>
-            <pc:docMk/>
-            <pc:sldMk cId="3697814180" sldId="294"/>
-            <ac:spMk id="2" creationId="{00000000-0000-0000-0000-000000000000}"/>
-          </ac:spMkLst>
-        </pc:spChg>
-        <pc:spChg chg="add mod">
-          <ac:chgData name="Fernando C Correa" userId="a08d7f3c16d54179" providerId="LiveId" clId="{DAECEB32-C126-44A1-B729-3AADB1682972}" dt="2020-06-17T02:41:14.551" v="1914"/>
-          <ac:spMkLst>
-            <pc:docMk/>
-            <pc:sldMk cId="3697814180" sldId="294"/>
-            <ac:spMk id="11" creationId="{8EDF2009-2F02-48C7-BDA7-12762DFBACAD}"/>
-          </ac:spMkLst>
-        </pc:spChg>
-        <pc:spChg chg="add mod">
-          <ac:chgData name="Fernando C Correa" userId="a08d7f3c16d54179" providerId="LiveId" clId="{DAECEB32-C126-44A1-B729-3AADB1682972}" dt="2020-06-17T02:41:42.753" v="1923" actId="14861"/>
-          <ac:spMkLst>
-            <pc:docMk/>
-            <pc:sldMk cId="3697814180" sldId="294"/>
-            <ac:spMk id="15" creationId="{09C80A9F-46E9-4D57-BC1B-12B5ACE33AC8}"/>
-          </ac:spMkLst>
-        </pc:spChg>
-        <pc:spChg chg="add mod">
-          <ac:chgData name="Fernando C Correa" userId="a08d7f3c16d54179" providerId="LiveId" clId="{DAECEB32-C126-44A1-B729-3AADB1682972}" dt="2020-06-17T02:41:14.551" v="1914"/>
-          <ac:spMkLst>
-            <pc:docMk/>
-            <pc:sldMk cId="3697814180" sldId="294"/>
-            <ac:spMk id="16" creationId="{5A45E2C7-6875-4531-89AC-DFCCC35DF660}"/>
-          </ac:spMkLst>
-        </pc:spChg>
-        <pc:spChg chg="add mod">
-          <ac:chgData name="Fernando C Correa" userId="a08d7f3c16d54179" providerId="LiveId" clId="{DAECEB32-C126-44A1-B729-3AADB1682972}" dt="2020-06-17T02:41:14.551" v="1914"/>
-          <ac:spMkLst>
-            <pc:docMk/>
-            <pc:sldMk cId="3697814180" sldId="294"/>
-            <ac:spMk id="17" creationId="{901B5BC6-D638-4BE0-B37B-1A203C864D2E}"/>
-          </ac:spMkLst>
-        </pc:spChg>
-        <pc:spChg chg="add mod">
-          <ac:chgData name="Fernando C Correa" userId="a08d7f3c16d54179" providerId="LiveId" clId="{DAECEB32-C126-44A1-B729-3AADB1682972}" dt="2020-06-17T15:51:28.331" v="2097" actId="1035"/>
-          <ac:spMkLst>
-            <pc:docMk/>
-            <pc:sldMk cId="3697814180" sldId="294"/>
-            <ac:spMk id="18" creationId="{28727A08-76AD-4CC1-81E1-A9E265979E09}"/>
-          </ac:spMkLst>
-        </pc:spChg>
-        <pc:spChg chg="add mod">
-          <ac:chgData name="Fernando C Correa" userId="a08d7f3c16d54179" providerId="LiveId" clId="{DAECEB32-C126-44A1-B729-3AADB1682972}" dt="2020-06-17T02:41:14.551" v="1914"/>
-          <ac:spMkLst>
-            <pc:docMk/>
-            <pc:sldMk cId="3697814180" sldId="294"/>
-            <ac:spMk id="19" creationId="{780807C2-BAF7-460E-A962-492C349F6F41}"/>
-          </ac:spMkLst>
-        </pc:spChg>
-        <pc:picChg chg="add mod">
-          <ac:chgData name="Fernando C Correa" userId="a08d7f3c16d54179" providerId="LiveId" clId="{DAECEB32-C126-44A1-B729-3AADB1682972}" dt="2020-06-17T02:35:35.789" v="1828" actId="1076"/>
-          <ac:picMkLst>
-            <pc:docMk/>
-            <pc:sldMk cId="3697814180" sldId="294"/>
-            <ac:picMk id="4" creationId="{21FC4F3E-E211-47D7-8ACC-E0A2CA159B1A}"/>
-          </ac:picMkLst>
-        </pc:picChg>
-        <pc:picChg chg="del mod">
-          <ac:chgData name="Fernando C Correa" userId="a08d7f3c16d54179" providerId="LiveId" clId="{DAECEB32-C126-44A1-B729-3AADB1682972}" dt="2020-06-17T00:37:45.756" v="760" actId="478"/>
-          <ac:picMkLst>
-            <pc:docMk/>
-            <pc:sldMk cId="3697814180" sldId="294"/>
-            <ac:picMk id="8" creationId="{F57F7578-876D-417C-8950-659CF2829DCC}"/>
-          </ac:picMkLst>
-        </pc:picChg>
-      </pc:sldChg>
-      <pc:sldChg chg="addSp delSp modSp mod modAnim">
-        <pc:chgData name="Fernando C Correa" userId="a08d7f3c16d54179" providerId="LiveId" clId="{DAECEB32-C126-44A1-B729-3AADB1682972}" dt="2020-06-18T22:39:45.765" v="2139"/>
-        <pc:sldMkLst>
-          <pc:docMk/>
-          <pc:sldMk cId="244390866" sldId="295"/>
-        </pc:sldMkLst>
-        <pc:spChg chg="mod">
-          <ac:chgData name="Fernando C Correa" userId="a08d7f3c16d54179" providerId="LiveId" clId="{DAECEB32-C126-44A1-B729-3AADB1682972}" dt="2020-06-17T01:49:52.169" v="1352" actId="20577"/>
-          <ac:spMkLst>
-            <pc:docMk/>
-            <pc:sldMk cId="244390866" sldId="295"/>
-            <ac:spMk id="2" creationId="{00000000-0000-0000-0000-000000000000}"/>
-          </ac:spMkLst>
-        </pc:spChg>
-        <pc:spChg chg="add del mod">
-          <ac:chgData name="Fernando C Correa" userId="a08d7f3c16d54179" providerId="LiveId" clId="{DAECEB32-C126-44A1-B729-3AADB1682972}" dt="2020-06-17T01:44:12.983" v="1296" actId="478"/>
-          <ac:spMkLst>
-            <pc:docMk/>
-            <pc:sldMk cId="244390866" sldId="295"/>
-            <ac:spMk id="15" creationId="{70D321B4-DD15-44BF-A39D-2BDBDAF4905E}"/>
-          </ac:spMkLst>
-        </pc:spChg>
-        <pc:spChg chg="add del mod">
-          <ac:chgData name="Fernando C Correa" userId="a08d7f3c16d54179" providerId="LiveId" clId="{DAECEB32-C126-44A1-B729-3AADB1682972}" dt="2020-06-17T01:44:12.983" v="1296" actId="478"/>
-          <ac:spMkLst>
-            <pc:docMk/>
-            <pc:sldMk cId="244390866" sldId="295"/>
-            <ac:spMk id="16" creationId="{1C108D5C-3A5E-4C73-90AC-E2101F00C505}"/>
-          </ac:spMkLst>
-        </pc:spChg>
-        <pc:spChg chg="add del mod">
-          <ac:chgData name="Fernando C Correa" userId="a08d7f3c16d54179" providerId="LiveId" clId="{DAECEB32-C126-44A1-B729-3AADB1682972}" dt="2020-06-17T01:55:18.773" v="1423" actId="478"/>
-          <ac:spMkLst>
-            <pc:docMk/>
-            <pc:sldMk cId="244390866" sldId="295"/>
-            <ac:spMk id="17" creationId="{707431A0-847E-41C2-AB78-3E392D9B4000}"/>
-          </ac:spMkLst>
-        </pc:spChg>
-        <pc:spChg chg="add del mod">
-          <ac:chgData name="Fernando C Correa" userId="a08d7f3c16d54179" providerId="LiveId" clId="{DAECEB32-C126-44A1-B729-3AADB1682972}" dt="2020-06-17T01:55:18.773" v="1423" actId="478"/>
-          <ac:spMkLst>
-            <pc:docMk/>
-            <pc:sldMk cId="244390866" sldId="295"/>
-            <ac:spMk id="18" creationId="{A26D93EB-807A-4DCC-A4E7-7F86FCA8E558}"/>
-          </ac:spMkLst>
-        </pc:spChg>
-        <pc:spChg chg="add del mod">
-          <ac:chgData name="Fernando C Correa" userId="a08d7f3c16d54179" providerId="LiveId" clId="{DAECEB32-C126-44A1-B729-3AADB1682972}" dt="2020-06-17T01:55:18.773" v="1423" actId="478"/>
-          <ac:spMkLst>
-            <pc:docMk/>
-            <pc:sldMk cId="244390866" sldId="295"/>
-            <ac:spMk id="19" creationId="{DD0828F4-8D8B-40CA-96F0-C63275AC5D34}"/>
-          </ac:spMkLst>
-        </pc:spChg>
-        <pc:spChg chg="add del mod">
-          <ac:chgData name="Fernando C Correa" userId="a08d7f3c16d54179" providerId="LiveId" clId="{DAECEB32-C126-44A1-B729-3AADB1682972}" dt="2020-06-17T01:55:18.773" v="1423" actId="478"/>
-          <ac:spMkLst>
-            <pc:docMk/>
-            <pc:sldMk cId="244390866" sldId="295"/>
-            <ac:spMk id="20" creationId="{0EFA3667-3B3F-4A48-8B3A-D37DD984E665}"/>
-          </ac:spMkLst>
-        </pc:spChg>
-        <pc:spChg chg="add del mod">
-          <ac:chgData name="Fernando C Correa" userId="a08d7f3c16d54179" providerId="LiveId" clId="{DAECEB32-C126-44A1-B729-3AADB1682972}" dt="2020-06-17T01:55:18.773" v="1423" actId="478"/>
-          <ac:spMkLst>
-            <pc:docMk/>
-            <pc:sldMk cId="244390866" sldId="295"/>
-            <ac:spMk id="21" creationId="{00CCE6D4-733D-4217-A027-5F2EC497C697}"/>
-          </ac:spMkLst>
-        </pc:spChg>
-        <pc:spChg chg="add del mod">
-          <ac:chgData name="Fernando C Correa" userId="a08d7f3c16d54179" providerId="LiveId" clId="{DAECEB32-C126-44A1-B729-3AADB1682972}" dt="2020-06-17T01:55:24.466" v="1425" actId="478"/>
-          <ac:spMkLst>
-            <pc:docMk/>
-            <pc:sldMk cId="244390866" sldId="295"/>
-            <ac:spMk id="22" creationId="{5E86E159-B072-4751-B493-D514DEB68E84}"/>
-          </ac:spMkLst>
-        </pc:spChg>
-        <pc:spChg chg="add del mod">
-          <ac:chgData name="Fernando C Correa" userId="a08d7f3c16d54179" providerId="LiveId" clId="{DAECEB32-C126-44A1-B729-3AADB1682972}" dt="2020-06-17T02:31:45.503" v="1752" actId="478"/>
-          <ac:spMkLst>
-            <pc:docMk/>
-            <pc:sldMk cId="244390866" sldId="295"/>
-            <ac:spMk id="23" creationId="{51EA033F-DC27-469C-A87E-F289087CCF2D}"/>
-          </ac:spMkLst>
-        </pc:spChg>
-        <pc:spChg chg="add del mod">
-          <ac:chgData name="Fernando C Correa" userId="a08d7f3c16d54179" providerId="LiveId" clId="{DAECEB32-C126-44A1-B729-3AADB1682972}" dt="2020-06-17T02:31:45.503" v="1752" actId="478"/>
-          <ac:spMkLst>
-            <pc:docMk/>
-            <pc:sldMk cId="244390866" sldId="295"/>
-            <ac:spMk id="24" creationId="{80E36AE2-0903-49A2-962B-BDFBAAAD9054}"/>
-          </ac:spMkLst>
-        </pc:spChg>
-        <pc:spChg chg="add del mod">
-          <ac:chgData name="Fernando C Correa" userId="a08d7f3c16d54179" providerId="LiveId" clId="{DAECEB32-C126-44A1-B729-3AADB1682972}" dt="2020-06-17T02:31:45.503" v="1752" actId="478"/>
-          <ac:spMkLst>
-            <pc:docMk/>
-            <pc:sldMk cId="244390866" sldId="295"/>
-            <ac:spMk id="25" creationId="{A0F7CDE4-CA4A-4670-B2DB-68DAD25BF45C}"/>
-          </ac:spMkLst>
-        </pc:spChg>
-        <pc:spChg chg="add del mod">
-          <ac:chgData name="Fernando C Correa" userId="a08d7f3c16d54179" providerId="LiveId" clId="{DAECEB32-C126-44A1-B729-3AADB1682972}" dt="2020-06-17T02:31:45.503" v="1752" actId="478"/>
-          <ac:spMkLst>
-            <pc:docMk/>
-            <pc:sldMk cId="244390866" sldId="295"/>
-            <ac:spMk id="26" creationId="{E61F3BF5-5141-4F12-A484-8F7765709D2B}"/>
-          </ac:spMkLst>
-        </pc:spChg>
-        <pc:spChg chg="add del mod">
-          <ac:chgData name="Fernando C Correa" userId="a08d7f3c16d54179" providerId="LiveId" clId="{DAECEB32-C126-44A1-B729-3AADB1682972}" dt="2020-06-17T02:41:08.987" v="1909" actId="478"/>
-          <ac:spMkLst>
-            <pc:docMk/>
-            <pc:sldMk cId="244390866" sldId="295"/>
-            <ac:spMk id="27" creationId="{2924F776-B2F4-43F3-B0B8-39EE2F0130D6}"/>
-          </ac:spMkLst>
-        </pc:spChg>
-        <pc:spChg chg="add del mod">
-          <ac:chgData name="Fernando C Correa" userId="a08d7f3c16d54179" providerId="LiveId" clId="{DAECEB32-C126-44A1-B729-3AADB1682972}" dt="2020-06-17T02:41:10.007" v="1910" actId="478"/>
-          <ac:spMkLst>
-            <pc:docMk/>
-            <pc:sldMk cId="244390866" sldId="295"/>
-            <ac:spMk id="28" creationId="{CA6D821E-ACBA-4143-961E-75E1FBBAD60A}"/>
-          </ac:spMkLst>
-        </pc:spChg>
-        <pc:spChg chg="add del mod">
-          <ac:chgData name="Fernando C Correa" userId="a08d7f3c16d54179" providerId="LiveId" clId="{DAECEB32-C126-44A1-B729-3AADB1682972}" dt="2020-06-17T02:41:10.586" v="1911" actId="478"/>
-          <ac:spMkLst>
-            <pc:docMk/>
-            <pc:sldMk cId="244390866" sldId="295"/>
-            <ac:spMk id="29" creationId="{FD8E68AD-9AF8-410D-8361-93980EF26B7F}"/>
-          </ac:spMkLst>
-        </pc:spChg>
-        <pc:spChg chg="add del mod">
-          <ac:chgData name="Fernando C Correa" userId="a08d7f3c16d54179" providerId="LiveId" clId="{DAECEB32-C126-44A1-B729-3AADB1682972}" dt="2020-06-17T02:41:11.183" v="1912" actId="478"/>
-          <ac:spMkLst>
-            <pc:docMk/>
-            <pc:sldMk cId="244390866" sldId="295"/>
-            <ac:spMk id="30" creationId="{E253C523-CBF3-4C51-990A-833754FDDBC6}"/>
-          </ac:spMkLst>
-        </pc:spChg>
-        <pc:spChg chg="add mod">
-          <ac:chgData name="Fernando C Correa" userId="a08d7f3c16d54179" providerId="LiveId" clId="{DAECEB32-C126-44A1-B729-3AADB1682972}" dt="2020-06-17T02:41:12.113" v="1913"/>
-          <ac:spMkLst>
-            <pc:docMk/>
-            <pc:sldMk cId="244390866" sldId="295"/>
-            <ac:spMk id="31" creationId="{D60C8166-18CD-4C69-AF27-80CD76588BF4}"/>
-          </ac:spMkLst>
-        </pc:spChg>
-        <pc:spChg chg="add mod">
-          <ac:chgData name="Fernando C Correa" userId="a08d7f3c16d54179" providerId="LiveId" clId="{DAECEB32-C126-44A1-B729-3AADB1682972}" dt="2020-06-17T02:41:57.683" v="1929" actId="1036"/>
-          <ac:spMkLst>
-            <pc:docMk/>
-            <pc:sldMk cId="244390866" sldId="295"/>
-            <ac:spMk id="32" creationId="{93397BB8-2445-4308-B20F-E71B9D0C130D}"/>
-          </ac:spMkLst>
-        </pc:spChg>
-        <pc:spChg chg="add mod">
-          <ac:chgData name="Fernando C Correa" userId="a08d7f3c16d54179" providerId="LiveId" clId="{DAECEB32-C126-44A1-B729-3AADB1682972}" dt="2020-06-17T02:41:12.113" v="1913"/>
-          <ac:spMkLst>
-            <pc:docMk/>
-            <pc:sldMk cId="244390866" sldId="295"/>
-            <ac:spMk id="33" creationId="{DDFB502B-FCC1-4F3A-8757-216A944D8BBE}"/>
-          </ac:spMkLst>
-        </pc:spChg>
-        <pc:spChg chg="add mod">
-          <ac:chgData name="Fernando C Correa" userId="a08d7f3c16d54179" providerId="LiveId" clId="{DAECEB32-C126-44A1-B729-3AADB1682972}" dt="2020-06-17T02:42:05.025" v="1932" actId="1035"/>
-          <ac:spMkLst>
-            <pc:docMk/>
-            <pc:sldMk cId="244390866" sldId="295"/>
-            <ac:spMk id="34" creationId="{007E6495-B930-4DD7-93E1-E74FF0F17F86}"/>
-          </ac:spMkLst>
-        </pc:spChg>
-        <pc:spChg chg="add mod">
-          <ac:chgData name="Fernando C Correa" userId="a08d7f3c16d54179" providerId="LiveId" clId="{DAECEB32-C126-44A1-B729-3AADB1682972}" dt="2020-06-17T02:41:12.113" v="1913"/>
-          <ac:spMkLst>
-            <pc:docMk/>
-            <pc:sldMk cId="244390866" sldId="295"/>
-            <ac:spMk id="35" creationId="{EA88C6C0-C770-43D9-A157-5771E6FCCF86}"/>
-          </ac:spMkLst>
-        </pc:spChg>
-        <pc:spChg chg="add mod">
-          <ac:chgData name="Fernando C Correa" userId="a08d7f3c16d54179" providerId="LiveId" clId="{DAECEB32-C126-44A1-B729-3AADB1682972}" dt="2020-06-17T02:41:12.113" v="1913"/>
-          <ac:spMkLst>
-            <pc:docMk/>
-            <pc:sldMk cId="244390866" sldId="295"/>
-            <ac:spMk id="36" creationId="{46625C5E-DFD4-4BC4-B341-FB7024ED34A0}"/>
-          </ac:spMkLst>
-        </pc:spChg>
-        <pc:picChg chg="add mod">
-          <ac:chgData name="Fernando C Correa" userId="a08d7f3c16d54179" providerId="LiveId" clId="{DAECEB32-C126-44A1-B729-3AADB1682972}" dt="2020-06-17T02:35:30.162" v="1827" actId="1076"/>
-          <ac:picMkLst>
-            <pc:docMk/>
-            <pc:sldMk cId="244390866" sldId="295"/>
-            <ac:picMk id="4" creationId="{FD2437F9-163B-4909-8EB6-FF66395CFCA8}"/>
-          </ac:picMkLst>
-        </pc:picChg>
-        <pc:picChg chg="del">
-          <ac:chgData name="Fernando C Correa" userId="a08d7f3c16d54179" providerId="LiveId" clId="{DAECEB32-C126-44A1-B729-3AADB1682972}" dt="2020-06-16T23:58:54.718" v="658" actId="478"/>
-          <ac:picMkLst>
-            <pc:docMk/>
-            <pc:sldMk cId="244390866" sldId="295"/>
-            <ac:picMk id="11" creationId="{5E5FFD33-0256-424A-8BC7-4179A52A21E0}"/>
-          </ac:picMkLst>
-        </pc:picChg>
-      </pc:sldChg>
-      <pc:sldChg chg="addSp delSp modSp mod ord delAnim modAnim">
-        <pc:chgData name="Fernando C Correa" userId="a08d7f3c16d54179" providerId="LiveId" clId="{DAECEB32-C126-44A1-B729-3AADB1682972}" dt="2020-06-18T22:39:31.583" v="2136"/>
-        <pc:sldMkLst>
-          <pc:docMk/>
-          <pc:sldMk cId="2602158399" sldId="296"/>
-        </pc:sldMkLst>
-        <pc:spChg chg="mod">
-          <ac:chgData name="Fernando C Correa" userId="a08d7f3c16d54179" providerId="LiveId" clId="{DAECEB32-C126-44A1-B729-3AADB1682972}" dt="2020-06-16T23:49:38.968" v="586" actId="20577"/>
-          <ac:spMkLst>
-            <pc:docMk/>
-            <pc:sldMk cId="2602158399" sldId="296"/>
-            <ac:spMk id="2" creationId="{00000000-0000-0000-0000-000000000000}"/>
-          </ac:spMkLst>
-        </pc:spChg>
-        <pc:spChg chg="add del mod topLvl">
-          <ac:chgData name="Fernando C Correa" userId="a08d7f3c16d54179" providerId="LiveId" clId="{DAECEB32-C126-44A1-B729-3AADB1682972}" dt="2020-06-17T01:25:29.691" v="1088" actId="478"/>
-          <ac:spMkLst>
-            <pc:docMk/>
-            <pc:sldMk cId="2602158399" sldId="296"/>
-            <ac:spMk id="3" creationId="{415B03D9-DB79-4EA4-8F71-81D4EAB861DF}"/>
-          </ac:spMkLst>
-        </pc:spChg>
-        <pc:spChg chg="add del mod">
-          <ac:chgData name="Fernando C Correa" userId="a08d7f3c16d54179" providerId="LiveId" clId="{DAECEB32-C126-44A1-B729-3AADB1682972}" dt="2020-06-17T01:53:13.912" v="1410" actId="478"/>
-          <ac:spMkLst>
-            <pc:docMk/>
-            <pc:sldMk cId="2602158399" sldId="296"/>
-            <ac:spMk id="7" creationId="{73FB2FD1-ECDB-477E-ACF4-9C001DC1DEC2}"/>
-          </ac:spMkLst>
-        </pc:spChg>
-        <pc:spChg chg="add del mod">
-          <ac:chgData name="Fernando C Correa" userId="a08d7f3c16d54179" providerId="LiveId" clId="{DAECEB32-C126-44A1-B729-3AADB1682972}" dt="2020-06-17T01:54:37.488" v="1416" actId="478"/>
-          <ac:spMkLst>
-            <pc:docMk/>
-            <pc:sldMk cId="2602158399" sldId="296"/>
-            <ac:spMk id="9" creationId="{DE5E99F9-37E0-41C9-A6C9-D7CD23F4BA11}"/>
-          </ac:spMkLst>
-        </pc:spChg>
-        <pc:spChg chg="add mod">
-          <ac:chgData name="Fernando C Correa" userId="a08d7f3c16d54179" providerId="LiveId" clId="{DAECEB32-C126-44A1-B729-3AADB1682972}" dt="2020-06-16T23:51:35.481" v="650" actId="164"/>
-          <ac:spMkLst>
-            <pc:docMk/>
-            <pc:sldMk cId="2602158399" sldId="296"/>
-            <ac:spMk id="11" creationId="{42AF36B1-0B69-4AA7-9D2F-A7F74B8B6360}"/>
-          </ac:spMkLst>
-        </pc:spChg>
-        <pc:spChg chg="add del mod">
-          <ac:chgData name="Fernando C Correa" userId="a08d7f3c16d54179" providerId="LiveId" clId="{DAECEB32-C126-44A1-B729-3AADB1682972}" dt="2020-06-17T01:24:17.306" v="1084" actId="478"/>
-          <ac:spMkLst>
-            <pc:docMk/>
-            <pc:sldMk cId="2602158399" sldId="296"/>
-            <ac:spMk id="15" creationId="{E9FF7445-76A3-4BA1-8B14-665F23D3A567}"/>
-          </ac:spMkLst>
-        </pc:spChg>
-        <pc:spChg chg="add mod ord">
-          <ac:chgData name="Fernando C Correa" userId="a08d7f3c16d54179" providerId="LiveId" clId="{DAECEB32-C126-44A1-B729-3AADB1682972}" dt="2020-06-17T02:40:29.529" v="1902" actId="1037"/>
-          <ac:spMkLst>
-            <pc:docMk/>
-            <pc:sldMk cId="2602158399" sldId="296"/>
-            <ac:spMk id="16" creationId="{B929AAFC-5FD1-4FBC-9997-0574514F2D6D}"/>
-          </ac:spMkLst>
-        </pc:spChg>
-        <pc:spChg chg="add mod">
-          <ac:chgData name="Fernando C Correa" userId="a08d7f3c16d54179" providerId="LiveId" clId="{DAECEB32-C126-44A1-B729-3AADB1682972}" dt="2020-06-17T02:38:37.810" v="1868" actId="1076"/>
-          <ac:spMkLst>
-            <pc:docMk/>
-            <pc:sldMk cId="2602158399" sldId="296"/>
-            <ac:spMk id="17" creationId="{F7374B40-D7D8-4146-9028-B7AE3FA19233}"/>
-          </ac:spMkLst>
-        </pc:spChg>
-        <pc:spChg chg="add mod">
-          <ac:chgData name="Fernando C Correa" userId="a08d7f3c16d54179" providerId="LiveId" clId="{DAECEB32-C126-44A1-B729-3AADB1682972}" dt="2020-06-17T02:38:37.810" v="1868" actId="1076"/>
-          <ac:spMkLst>
-            <pc:docMk/>
-            <pc:sldMk cId="2602158399" sldId="296"/>
-            <ac:spMk id="18" creationId="{0579A070-173E-4D8B-98FC-347B77DB9ADE}"/>
-          </ac:spMkLst>
-        </pc:spChg>
-        <pc:spChg chg="add mod">
-          <ac:chgData name="Fernando C Correa" userId="a08d7f3c16d54179" providerId="LiveId" clId="{DAECEB32-C126-44A1-B729-3AADB1682972}" dt="2020-06-17T02:38:37.810" v="1868" actId="1076"/>
-          <ac:spMkLst>
-            <pc:docMk/>
-            <pc:sldMk cId="2602158399" sldId="296"/>
-            <ac:spMk id="19" creationId="{D02F0A36-42C0-442F-B708-AE0077EDEF45}"/>
-          </ac:spMkLst>
-        </pc:spChg>
-        <pc:spChg chg="add del">
-          <ac:chgData name="Fernando C Correa" userId="a08d7f3c16d54179" providerId="LiveId" clId="{DAECEB32-C126-44A1-B729-3AADB1682972}" dt="2020-06-17T01:58:34.020" v="1456" actId="478"/>
-          <ac:spMkLst>
-            <pc:docMk/>
-            <pc:sldMk cId="2602158399" sldId="296"/>
-            <ac:spMk id="20" creationId="{14F4DDF6-A2C9-4848-851C-F5D45FBF2987}"/>
-          </ac:spMkLst>
-        </pc:spChg>
-        <pc:spChg chg="add ord">
-          <ac:chgData name="Fernando C Correa" userId="a08d7f3c16d54179" providerId="LiveId" clId="{DAECEB32-C126-44A1-B729-3AADB1682972}" dt="2020-06-17T01:58:47.952" v="1458" actId="167"/>
-          <ac:spMkLst>
-            <pc:docMk/>
-            <pc:sldMk cId="2602158399" sldId="296"/>
-            <ac:spMk id="21" creationId="{DEDAC65E-5A44-4D6B-8FD8-DE7536913038}"/>
-          </ac:spMkLst>
-        </pc:spChg>
-        <pc:spChg chg="add del mod">
-          <ac:chgData name="Fernando C Correa" userId="a08d7f3c16d54179" providerId="LiveId" clId="{DAECEB32-C126-44A1-B729-3AADB1682972}" dt="2020-06-17T01:59:38.190" v="1474" actId="11529"/>
-          <ac:spMkLst>
-            <pc:docMk/>
-            <pc:sldMk cId="2602158399" sldId="296"/>
-            <ac:spMk id="22" creationId="{4645B119-9819-4AF8-B23E-940291934B69}"/>
-          </ac:spMkLst>
-        </pc:spChg>
-        <pc:spChg chg="add mod">
-          <ac:chgData name="Fernando C Correa" userId="a08d7f3c16d54179" providerId="LiveId" clId="{DAECEB32-C126-44A1-B729-3AADB1682972}" dt="2020-06-17T02:38:37.810" v="1868" actId="1076"/>
-          <ac:spMkLst>
-            <pc:docMk/>
-            <pc:sldMk cId="2602158399" sldId="296"/>
-            <ac:spMk id="23" creationId="{AEDD1AB6-8654-4748-AFEB-266F993341D8}"/>
-          </ac:spMkLst>
-        </pc:spChg>
-        <pc:spChg chg="add mod">
-          <ac:chgData name="Fernando C Correa" userId="a08d7f3c16d54179" providerId="LiveId" clId="{DAECEB32-C126-44A1-B729-3AADB1682972}" dt="2020-06-17T02:38:37.810" v="1868" actId="1076"/>
-          <ac:spMkLst>
-            <pc:docMk/>
-            <pc:sldMk cId="2602158399" sldId="296"/>
-            <ac:spMk id="24" creationId="{E02B5E74-D9F0-4003-BD68-3101ACF02AC9}"/>
-          </ac:spMkLst>
-        </pc:spChg>
-        <pc:grpChg chg="add del mod">
-          <ac:chgData name="Fernando C Correa" userId="a08d7f3c16d54179" providerId="LiveId" clId="{DAECEB32-C126-44A1-B729-3AADB1682972}" dt="2020-06-17T01:25:29.691" v="1088" actId="478"/>
-          <ac:grpSpMkLst>
-            <pc:docMk/>
-            <pc:sldMk cId="2602158399" sldId="296"/>
-            <ac:grpSpMk id="5" creationId="{6FAAF7DE-43D4-44F2-B91B-7964DB50D745}"/>
-          </ac:grpSpMkLst>
-        </pc:grpChg>
-        <pc:grpChg chg="add del mod">
-          <ac:chgData name="Fernando C Correa" userId="a08d7f3c16d54179" providerId="LiveId" clId="{DAECEB32-C126-44A1-B729-3AADB1682972}" dt="2020-06-17T00:40:30.437" v="767" actId="21"/>
-          <ac:grpSpMkLst>
-            <pc:docMk/>
-            <pc:sldMk cId="2602158399" sldId="296"/>
-            <ac:grpSpMk id="6" creationId="{96338F10-A041-4372-B2F5-A664726D9BA0}"/>
-          </ac:grpSpMkLst>
-        </pc:grpChg>
-        <pc:grpChg chg="del">
-          <ac:chgData name="Fernando C Correa" userId="a08d7f3c16d54179" providerId="LiveId" clId="{DAECEB32-C126-44A1-B729-3AADB1682972}" dt="2020-06-16T21:18:23.630" v="135" actId="478"/>
-          <ac:grpSpMkLst>
-            <pc:docMk/>
-            <pc:sldMk cId="2602158399" sldId="296"/>
-            <ac:grpSpMk id="15" creationId="{E9FF7A15-42E9-4313-8D04-09D0569D0196}"/>
-          </ac:grpSpMkLst>
-        </pc:grpChg>
-        <pc:picChg chg="add mod modCrop">
-          <ac:chgData name="Fernando C Correa" userId="a08d7f3c16d54179" providerId="LiveId" clId="{DAECEB32-C126-44A1-B729-3AADB1682972}" dt="2020-06-16T23:52:10.868" v="654" actId="1076"/>
-          <ac:picMkLst>
-            <pc:docMk/>
-            <pc:sldMk cId="2602158399" sldId="296"/>
-            <ac:picMk id="4" creationId="{3B8A8F53-123C-4439-9517-915F069EB640}"/>
-          </ac:picMkLst>
-        </pc:picChg>
-        <pc:picChg chg="add mod topLvl">
-          <ac:chgData name="Fernando C Correa" userId="a08d7f3c16d54179" providerId="LiveId" clId="{DAECEB32-C126-44A1-B729-3AADB1682972}" dt="2020-06-17T01:31:36.502" v="1168" actId="1076"/>
-          <ac:picMkLst>
-            <pc:docMk/>
-            <pc:sldMk cId="2602158399" sldId="296"/>
-            <ac:picMk id="8" creationId="{E7887945-5460-4B49-BFA8-1466756D37A0}"/>
-          </ac:picMkLst>
-        </pc:picChg>
-      </pc:sldChg>
-      <pc:sldChg chg="addSp delSp modSp mod modAnim">
-        <pc:chgData name="Fernando C Correa" userId="a08d7f3c16d54179" providerId="LiveId" clId="{DAECEB32-C126-44A1-B729-3AADB1682972}" dt="2020-06-17T02:54:14.840" v="2071" actId="1038"/>
-        <pc:sldMkLst>
-          <pc:docMk/>
-          <pc:sldMk cId="903407908" sldId="297"/>
-        </pc:sldMkLst>
-        <pc:spChg chg="mod">
-          <ac:chgData name="Fernando C Correa" userId="a08d7f3c16d54179" providerId="LiveId" clId="{DAECEB32-C126-44A1-B729-3AADB1682972}" dt="2020-06-17T02:52:33.565" v="1957" actId="20577"/>
-          <ac:spMkLst>
-            <pc:docMk/>
-            <pc:sldMk cId="903407908" sldId="297"/>
-            <ac:spMk id="2" creationId="{00000000-0000-0000-0000-000000000000}"/>
-          </ac:spMkLst>
-        </pc:spChg>
-        <pc:spChg chg="add del mod">
-          <ac:chgData name="Fernando C Correa" userId="a08d7f3c16d54179" providerId="LiveId" clId="{DAECEB32-C126-44A1-B729-3AADB1682972}" dt="2020-06-17T02:52:18.956" v="1949"/>
-          <ac:spMkLst>
-            <pc:docMk/>
-            <pc:sldMk cId="903407908" sldId="297"/>
-            <ac:spMk id="18" creationId="{7B8B747E-9DE3-4591-98FD-6F242200B481}"/>
-          </ac:spMkLst>
-        </pc:spChg>
-        <pc:spChg chg="add del mod">
-          <ac:chgData name="Fernando C Correa" userId="a08d7f3c16d54179" providerId="LiveId" clId="{DAECEB32-C126-44A1-B729-3AADB1682972}" dt="2020-06-17T02:52:18.956" v="1949"/>
-          <ac:spMkLst>
-            <pc:docMk/>
-            <pc:sldMk cId="903407908" sldId="297"/>
-            <ac:spMk id="19" creationId="{C2056704-906D-4A43-981B-0C82E8F81CFB}"/>
-          </ac:spMkLst>
-        </pc:spChg>
-        <pc:spChg chg="add del mod">
-          <ac:chgData name="Fernando C Correa" userId="a08d7f3c16d54179" providerId="LiveId" clId="{DAECEB32-C126-44A1-B729-3AADB1682972}" dt="2020-06-17T02:52:18.956" v="1949"/>
-          <ac:spMkLst>
-            <pc:docMk/>
-            <pc:sldMk cId="903407908" sldId="297"/>
-            <ac:spMk id="20" creationId="{AB1F2FA3-2A9F-42CB-9D7D-AB377DBA90A6}"/>
-          </ac:spMkLst>
-        </pc:spChg>
-        <pc:spChg chg="add mod">
-          <ac:chgData name="Fernando C Correa" userId="a08d7f3c16d54179" providerId="LiveId" clId="{DAECEB32-C126-44A1-B729-3AADB1682972}" dt="2020-06-17T02:52:50.851" v="2002" actId="20577"/>
-          <ac:spMkLst>
-            <pc:docMk/>
-            <pc:sldMk cId="903407908" sldId="297"/>
-            <ac:spMk id="21" creationId="{4BBC1F64-6A9A-4756-AE3A-5530F848BDB4}"/>
-          </ac:spMkLst>
-        </pc:spChg>
-        <pc:spChg chg="add mod">
-          <ac:chgData name="Fernando C Correa" userId="a08d7f3c16d54179" providerId="LiveId" clId="{DAECEB32-C126-44A1-B729-3AADB1682972}" dt="2020-06-17T02:54:14.840" v="2071" actId="1038"/>
-          <ac:spMkLst>
-            <pc:docMk/>
-            <pc:sldMk cId="903407908" sldId="297"/>
-            <ac:spMk id="22" creationId="{5FFDAF72-6237-4B4A-A954-A30A3C1FCBF2}"/>
-          </ac:spMkLst>
-        </pc:spChg>
-        <pc:spChg chg="add del mod">
-          <ac:chgData name="Fernando C Correa" userId="a08d7f3c16d54179" providerId="LiveId" clId="{DAECEB32-C126-44A1-B729-3AADB1682972}" dt="2020-06-17T02:53:47.680" v="2063" actId="478"/>
-          <ac:spMkLst>
-            <pc:docMk/>
-            <pc:sldMk cId="903407908" sldId="297"/>
-            <ac:spMk id="23" creationId="{D8C59A70-562F-40D3-A4DE-5E7DAB2E4FD2}"/>
-          </ac:spMkLst>
-        </pc:spChg>
-        <pc:spChg chg="add del mod">
-          <ac:chgData name="Fernando C Correa" userId="a08d7f3c16d54179" providerId="LiveId" clId="{DAECEB32-C126-44A1-B729-3AADB1682972}" dt="2020-06-17T02:53:58.518" v="2067" actId="478"/>
-          <ac:spMkLst>
-            <pc:docMk/>
-            <pc:sldMk cId="903407908" sldId="297"/>
-            <ac:spMk id="24" creationId="{566E65F7-9B29-4662-B30B-62FB59DACB57}"/>
-          </ac:spMkLst>
-        </pc:spChg>
-        <pc:spChg chg="add mod">
-          <ac:chgData name="Fernando C Correa" userId="a08d7f3c16d54179" providerId="LiveId" clId="{DAECEB32-C126-44A1-B729-3AADB1682972}" dt="2020-06-17T02:53:41.780" v="2062"/>
-          <ac:spMkLst>
-            <pc:docMk/>
-            <pc:sldMk cId="903407908" sldId="297"/>
-            <ac:spMk id="25" creationId="{58201C95-5404-4900-AA68-CFFD1575D4E1}"/>
-          </ac:spMkLst>
-        </pc:spChg>
-      </pc:sldChg>
-      <pc:sldChg chg="addSp modSp mod">
-        <pc:chgData name="Fernando C Correa" userId="a08d7f3c16d54179" providerId="LiveId" clId="{DAECEB32-C126-44A1-B729-3AADB1682972}" dt="2020-06-17T02:54:38.800" v="2096" actId="1035"/>
-        <pc:sldMkLst>
-          <pc:docMk/>
-          <pc:sldMk cId="1350499800" sldId="298"/>
-        </pc:sldMkLst>
-        <pc:spChg chg="mod">
-          <ac:chgData name="Fernando C Correa" userId="a08d7f3c16d54179" providerId="LiveId" clId="{DAECEB32-C126-44A1-B729-3AADB1682972}" dt="2020-06-17T02:52:31.251" v="1954" actId="20577"/>
-          <ac:spMkLst>
-            <pc:docMk/>
-            <pc:sldMk cId="1350499800" sldId="298"/>
-            <ac:spMk id="2" creationId="{00000000-0000-0000-0000-000000000000}"/>
-          </ac:spMkLst>
-        </pc:spChg>
-        <pc:spChg chg="add mod">
-          <ac:chgData name="Fernando C Correa" userId="a08d7f3c16d54179" providerId="LiveId" clId="{DAECEB32-C126-44A1-B729-3AADB1682972}" dt="2020-06-17T02:53:02.012" v="2036" actId="20577"/>
-          <ac:spMkLst>
-            <pc:docMk/>
-            <pc:sldMk cId="1350499800" sldId="298"/>
-            <ac:spMk id="8" creationId="{9839AFDD-8E4F-4858-BBB3-0373BB83BE39}"/>
-          </ac:spMkLst>
-        </pc:spChg>
-        <pc:spChg chg="add mod">
-          <ac:chgData name="Fernando C Correa" userId="a08d7f3c16d54179" providerId="LiveId" clId="{DAECEB32-C126-44A1-B729-3AADB1682972}" dt="2020-06-17T02:54:32.804" v="2095" actId="1038"/>
-          <ac:spMkLst>
-            <pc:docMk/>
-            <pc:sldMk cId="1350499800" sldId="298"/>
-            <ac:spMk id="9" creationId="{97F2FEA5-53F9-420C-8D02-55CB953267D0}"/>
-          </ac:spMkLst>
-        </pc:spChg>
-        <pc:spChg chg="add mod">
-          <ac:chgData name="Fernando C Correa" userId="a08d7f3c16d54179" providerId="LiveId" clId="{DAECEB32-C126-44A1-B729-3AADB1682972}" dt="2020-06-17T02:54:38.800" v="2096" actId="1035"/>
-          <ac:spMkLst>
-            <pc:docMk/>
-            <pc:sldMk cId="1350499800" sldId="298"/>
-            <ac:spMk id="11" creationId="{6E983EDC-9D44-4171-BB6B-3CD66677F0D3}"/>
-          </ac:spMkLst>
-        </pc:spChg>
-      </pc:sldChg>
-      <pc:sldChg chg="addSp delSp modSp mod modAnim">
-        <pc:chgData name="Fernando C Correa" userId="a08d7f3c16d54179" providerId="LiveId" clId="{DAECEB32-C126-44A1-B729-3AADB1682972}" dt="2020-06-18T22:40:08.667" v="2141"/>
-        <pc:sldMkLst>
-          <pc:docMk/>
-          <pc:sldMk cId="2306638093" sldId="299"/>
-        </pc:sldMkLst>
-        <pc:spChg chg="mod">
-          <ac:chgData name="Fernando C Correa" userId="a08d7f3c16d54179" providerId="LiveId" clId="{DAECEB32-C126-44A1-B729-3AADB1682972}" dt="2020-06-17T02:18:52.853" v="1525"/>
-          <ac:spMkLst>
-            <pc:docMk/>
-            <pc:sldMk cId="2306638093" sldId="299"/>
-            <ac:spMk id="2" creationId="{00000000-0000-0000-0000-000000000000}"/>
-          </ac:spMkLst>
-        </pc:spChg>
-        <pc:spChg chg="add mod">
-          <ac:chgData name="Fernando C Correa" userId="a08d7f3c16d54179" providerId="LiveId" clId="{DAECEB32-C126-44A1-B729-3AADB1682972}" dt="2020-06-17T02:18:28.655" v="1519" actId="403"/>
-          <ac:spMkLst>
-            <pc:docMk/>
-            <pc:sldMk cId="2306638093" sldId="299"/>
-            <ac:spMk id="8" creationId="{76B61B70-686C-4452-8B44-A25D894711B0}"/>
-          </ac:spMkLst>
-        </pc:spChg>
-        <pc:spChg chg="add mod">
-          <ac:chgData name="Fernando C Correa" userId="a08d7f3c16d54179" providerId="LiveId" clId="{DAECEB32-C126-44A1-B729-3AADB1682972}" dt="2020-06-17T02:18:16.657" v="1515"/>
-          <ac:spMkLst>
-            <pc:docMk/>
-            <pc:sldMk cId="2306638093" sldId="299"/>
-            <ac:spMk id="9" creationId="{222C1FF2-278B-4340-9D9F-C78F6E5CF15B}"/>
-          </ac:spMkLst>
-        </pc:spChg>
-        <pc:spChg chg="add mod">
-          <ac:chgData name="Fernando C Correa" userId="a08d7f3c16d54179" providerId="LiveId" clId="{DAECEB32-C126-44A1-B729-3AADB1682972}" dt="2020-06-17T02:18:16.657" v="1515"/>
-          <ac:spMkLst>
-            <pc:docMk/>
-            <pc:sldMk cId="2306638093" sldId="299"/>
-            <ac:spMk id="11" creationId="{4E984021-D7FD-4490-8DBE-80F9AF9A814D}"/>
-          </ac:spMkLst>
-        </pc:spChg>
-        <pc:spChg chg="add mod">
-          <ac:chgData name="Fernando C Correa" userId="a08d7f3c16d54179" providerId="LiveId" clId="{DAECEB32-C126-44A1-B729-3AADB1682972}" dt="2020-06-17T02:18:22.857" v="1517" actId="14861"/>
-          <ac:spMkLst>
-            <pc:docMk/>
-            <pc:sldMk cId="2306638093" sldId="299"/>
-            <ac:spMk id="15" creationId="{CBB9C317-0489-467D-AFF5-5A6026DDF8C0}"/>
-          </ac:spMkLst>
-        </pc:spChg>
-        <pc:spChg chg="add del mod">
-          <ac:chgData name="Fernando C Correa" userId="a08d7f3c16d54179" providerId="LiveId" clId="{DAECEB32-C126-44A1-B729-3AADB1682972}" dt="2020-06-17T02:23:58.925" v="1663" actId="478"/>
-          <ac:spMkLst>
-            <pc:docMk/>
-            <pc:sldMk cId="2306638093" sldId="299"/>
-            <ac:spMk id="16" creationId="{74578A1D-92D6-4816-8506-2830C9C44E93}"/>
-          </ac:spMkLst>
-        </pc:spChg>
-        <pc:spChg chg="add del mod">
-          <ac:chgData name="Fernando C Correa" userId="a08d7f3c16d54179" providerId="LiveId" clId="{DAECEB32-C126-44A1-B729-3AADB1682972}" dt="2020-06-17T02:25:25.528" v="1677"/>
-          <ac:spMkLst>
-            <pc:docMk/>
-            <pc:sldMk cId="2306638093" sldId="299"/>
-            <ac:spMk id="17" creationId="{A384F257-E03F-432B-AABC-47833AA5A85E}"/>
-          </ac:spMkLst>
-        </pc:spChg>
-        <pc:spChg chg="add mod">
-          <ac:chgData name="Fernando C Correa" userId="a08d7f3c16d54179" providerId="LiveId" clId="{DAECEB32-C126-44A1-B729-3AADB1682972}" dt="2020-06-17T02:26:21.802" v="1689"/>
-          <ac:spMkLst>
-            <pc:docMk/>
-            <pc:sldMk cId="2306638093" sldId="299"/>
-            <ac:spMk id="19" creationId="{801D3AE1-4492-47FE-B780-B74F5D1C0856}"/>
-          </ac:spMkLst>
-        </pc:spChg>
-        <pc:picChg chg="mod">
-          <ac:chgData name="Fernando C Correa" userId="a08d7f3c16d54179" providerId="LiveId" clId="{DAECEB32-C126-44A1-B729-3AADB1682972}" dt="2020-06-17T02:18:36.702" v="1522" actId="1076"/>
-          <ac:picMkLst>
-            <pc:docMk/>
-            <pc:sldMk cId="2306638093" sldId="299"/>
-            <ac:picMk id="3" creationId="{EEAC992E-ED94-44D0-8B15-D8F5ED685DAA}"/>
-          </ac:picMkLst>
-        </pc:picChg>
-        <pc:picChg chg="add del mod">
-          <ac:chgData name="Fernando C Correa" userId="a08d7f3c16d54179" providerId="LiveId" clId="{DAECEB32-C126-44A1-B729-3AADB1682972}" dt="2020-06-17T02:25:30.146" v="1679" actId="478"/>
-          <ac:picMkLst>
-            <pc:docMk/>
-            <pc:sldMk cId="2306638093" sldId="299"/>
-            <ac:picMk id="18" creationId="{C7833F18-91D0-486C-A64F-4D8D5CB571E8}"/>
-          </ac:picMkLst>
-        </pc:picChg>
-      </pc:sldChg>
-      <pc:sldChg chg="addSp delSp modSp add mod ord">
-        <pc:chgData name="Fernando C Correa" userId="a08d7f3c16d54179" providerId="LiveId" clId="{DAECEB32-C126-44A1-B729-3AADB1682972}" dt="2020-06-17T01:12:39.378" v="974" actId="20577"/>
-        <pc:sldMkLst>
-          <pc:docMk/>
-          <pc:sldMk cId="2462845540" sldId="300"/>
-        </pc:sldMkLst>
-        <pc:spChg chg="mod">
-          <ac:chgData name="Fernando C Correa" userId="a08d7f3c16d54179" providerId="LiveId" clId="{DAECEB32-C126-44A1-B729-3AADB1682972}" dt="2020-06-16T23:38:07.351" v="408" actId="20577"/>
-          <ac:spMkLst>
-            <pc:docMk/>
-            <pc:sldMk cId="2462845540" sldId="300"/>
-            <ac:spMk id="2" creationId="{00000000-0000-0000-0000-000000000000}"/>
-          </ac:spMkLst>
-        </pc:spChg>
-        <pc:spChg chg="add mod">
-          <ac:chgData name="Fernando C Correa" userId="a08d7f3c16d54179" providerId="LiveId" clId="{DAECEB32-C126-44A1-B729-3AADB1682972}" dt="2020-06-17T01:12:19.592" v="963" actId="14100"/>
-          <ac:spMkLst>
-            <pc:docMk/>
-            <pc:sldMk cId="2462845540" sldId="300"/>
-            <ac:spMk id="3" creationId="{0A469168-9659-4B5B-9B7B-D50FEC1E813C}"/>
-          </ac:spMkLst>
-        </pc:spChg>
-        <pc:spChg chg="add del mod">
-          <ac:chgData name="Fernando C Correa" userId="a08d7f3c16d54179" providerId="LiveId" clId="{DAECEB32-C126-44A1-B729-3AADB1682972}" dt="2020-06-16T23:31:12.989" v="222" actId="478"/>
-          <ac:spMkLst>
-            <pc:docMk/>
-            <pc:sldMk cId="2462845540" sldId="300"/>
-            <ac:spMk id="9" creationId="{DBBB2635-D3D3-43AA-B39C-534ED30D4390}"/>
-          </ac:spMkLst>
-        </pc:spChg>
-        <pc:spChg chg="del">
-          <ac:chgData name="Fernando C Correa" userId="a08d7f3c16d54179" providerId="LiveId" clId="{DAECEB32-C126-44A1-B729-3AADB1682972}" dt="2020-06-16T19:48:00.487" v="20" actId="478"/>
-          <ac:spMkLst>
-            <pc:docMk/>
-            <pc:sldMk cId="2462845540" sldId="300"/>
-            <ac:spMk id="10" creationId="{00000000-0000-0000-0000-000000000000}"/>
-          </ac:spMkLst>
-        </pc:spChg>
-        <pc:spChg chg="add mod">
-          <ac:chgData name="Fernando C Correa" userId="a08d7f3c16d54179" providerId="LiveId" clId="{DAECEB32-C126-44A1-B729-3AADB1682972}" dt="2020-06-17T01:12:39.378" v="974" actId="20577"/>
-          <ac:spMkLst>
-            <pc:docMk/>
-            <pc:sldMk cId="2462845540" sldId="300"/>
-            <ac:spMk id="11" creationId="{FB2E8868-434F-4638-9E06-D8C315433624}"/>
-          </ac:spMkLst>
-        </pc:spChg>
-        <pc:picChg chg="add del mod">
-          <ac:chgData name="Fernando C Correa" userId="a08d7f3c16d54179" providerId="LiveId" clId="{DAECEB32-C126-44A1-B729-3AADB1682972}" dt="2020-06-16T19:46:05.066" v="4" actId="478"/>
-          <ac:picMkLst>
-            <pc:docMk/>
-            <pc:sldMk cId="2462845540" sldId="300"/>
-            <ac:picMk id="3" creationId="{B704A7BC-0A8A-4B1B-9D05-A4A66FDFBC36}"/>
-          </ac:picMkLst>
-        </pc:picChg>
-        <pc:picChg chg="add mod">
-          <ac:chgData name="Fernando C Correa" userId="a08d7f3c16d54179" providerId="LiveId" clId="{DAECEB32-C126-44A1-B729-3AADB1682972}" dt="2020-06-17T00:10:22.850" v="672" actId="1076"/>
-          <ac:picMkLst>
-            <pc:docMk/>
-            <pc:sldMk cId="2462845540" sldId="300"/>
-            <ac:picMk id="4" creationId="{DC48B066-7753-45E3-BCE0-FF0376C71B93}"/>
-          </ac:picMkLst>
-        </pc:picChg>
-        <pc:picChg chg="add del mod">
-          <ac:chgData name="Fernando C Correa" userId="a08d7f3c16d54179" providerId="LiveId" clId="{DAECEB32-C126-44A1-B729-3AADB1682972}" dt="2020-06-16T21:47:50.792" v="148" actId="478"/>
-          <ac:picMkLst>
-            <pc:docMk/>
-            <pc:sldMk cId="2462845540" sldId="300"/>
-            <ac:picMk id="5" creationId="{05D0ED45-D674-4D1C-9168-43929F63670A}"/>
-          </ac:picMkLst>
-        </pc:picChg>
-        <pc:picChg chg="del">
-          <ac:chgData name="Fernando C Correa" userId="a08d7f3c16d54179" providerId="LiveId" clId="{DAECEB32-C126-44A1-B729-3AADB1682972}" dt="2020-06-16T19:45:58.530" v="1" actId="478"/>
-          <ac:picMkLst>
-            <pc:docMk/>
-            <pc:sldMk cId="2462845540" sldId="300"/>
-            <ac:picMk id="8" creationId="{F57F7578-876D-417C-8950-659CF2829DCC}"/>
-          </ac:picMkLst>
-        </pc:picChg>
-        <pc:picChg chg="add del mod">
-          <ac:chgData name="Fernando C Correa" userId="a08d7f3c16d54179" providerId="LiveId" clId="{DAECEB32-C126-44A1-B729-3AADB1682972}" dt="2020-06-16T19:56:06.768" v="68" actId="478"/>
-          <ac:picMkLst>
-            <pc:docMk/>
-            <pc:sldMk cId="2462845540" sldId="300"/>
-            <ac:picMk id="15" creationId="{0E85ABA3-1D94-4E56-A367-933CC7E51027}"/>
-          </ac:picMkLst>
-        </pc:picChg>
-        <pc:picChg chg="add mod">
-          <ac:chgData name="Fernando C Correa" userId="a08d7f3c16d54179" providerId="LiveId" clId="{DAECEB32-C126-44A1-B729-3AADB1682972}" dt="2020-06-17T00:10:45.303" v="755" actId="1037"/>
-          <ac:picMkLst>
-            <pc:docMk/>
-            <pc:sldMk cId="2462845540" sldId="300"/>
-            <ac:picMk id="1026" creationId="{1356F577-AD0C-4D62-AF08-6365B660B8E0}"/>
-          </ac:picMkLst>
-        </pc:picChg>
-        <pc:picChg chg="add del">
-          <ac:chgData name="Fernando C Correa" userId="a08d7f3c16d54179" providerId="LiveId" clId="{DAECEB32-C126-44A1-B729-3AADB1682972}" dt="2020-06-16T19:48:00.487" v="20" actId="478"/>
-          <ac:picMkLst>
-            <pc:docMk/>
-            <pc:sldMk cId="2462845540" sldId="300"/>
-            <ac:picMk id="1026" creationId="{1AE3563D-E69E-405F-8AE2-6C3F957B8582}"/>
-          </ac:picMkLst>
-        </pc:picChg>
-        <pc:picChg chg="add del mod">
-          <ac:chgData name="Fernando C Correa" userId="a08d7f3c16d54179" providerId="LiveId" clId="{DAECEB32-C126-44A1-B729-3AADB1682972}" dt="2020-06-17T00:10:10.842" v="667" actId="478"/>
-          <ac:picMkLst>
-            <pc:docMk/>
-            <pc:sldMk cId="2462845540" sldId="300"/>
-            <ac:picMk id="1028" creationId="{4D52BBEE-2B65-4A2C-8909-4A9068D56737}"/>
-          </ac:picMkLst>
-        </pc:picChg>
-        <pc:picChg chg="add mod">
-          <ac:chgData name="Fernando C Correa" userId="a08d7f3c16d54179" providerId="LiveId" clId="{DAECEB32-C126-44A1-B729-3AADB1682972}" dt="2020-06-17T00:10:33.981" v="675" actId="166"/>
-          <ac:picMkLst>
-            <pc:docMk/>
-            <pc:sldMk cId="2462845540" sldId="300"/>
-            <ac:picMk id="1030" creationId="{5FA43E33-8005-4382-9B8C-63CBEE494F0D}"/>
-          </ac:picMkLst>
-        </pc:picChg>
-        <pc:picChg chg="add del mod">
-          <ac:chgData name="Fernando C Correa" userId="a08d7f3c16d54179" providerId="LiveId" clId="{DAECEB32-C126-44A1-B729-3AADB1682972}" dt="2020-06-16T19:56:06.022" v="67" actId="478"/>
-          <ac:picMkLst>
-            <pc:docMk/>
-            <pc:sldMk cId="2462845540" sldId="300"/>
-            <ac:picMk id="1032" creationId="{2D90E7C1-77A2-43FD-ACA3-C9E93D064031}"/>
-          </ac:picMkLst>
-        </pc:picChg>
-      </pc:sldChg>
-      <pc:sldChg chg="add del">
-        <pc:chgData name="Fernando C Correa" userId="a08d7f3c16d54179" providerId="LiveId" clId="{DAECEB32-C126-44A1-B729-3AADB1682972}" dt="2020-06-17T00:41:20.116" v="773" actId="47"/>
-        <pc:sldMkLst>
-          <pc:docMk/>
-          <pc:sldMk cId="227931716" sldId="301"/>
-        </pc:sldMkLst>
-      </pc:sldChg>
-      <pc:sldChg chg="add del ord">
-        <pc:chgData name="Fernando C Correa" userId="a08d7f3c16d54179" providerId="LiveId" clId="{DAECEB32-C126-44A1-B729-3AADB1682972}" dt="2020-06-17T00:41:20.905" v="774" actId="47"/>
-        <pc:sldMkLst>
-          <pc:docMk/>
-          <pc:sldMk cId="1426705781" sldId="302"/>
-        </pc:sldMkLst>
-      </pc:sldChg>
-      <pc:sldChg chg="addSp delSp modSp add mod delAnim modAnim">
-        <pc:chgData name="Fernando C Correa" userId="a08d7f3c16d54179" providerId="LiveId" clId="{DAECEB32-C126-44A1-B729-3AADB1682972}" dt="2020-06-18T22:39:34.202" v="2137"/>
-        <pc:sldMkLst>
-          <pc:docMk/>
-          <pc:sldMk cId="1298849621" sldId="303"/>
-        </pc:sldMkLst>
-        <pc:spChg chg="del">
-          <ac:chgData name="Fernando C Correa" userId="a08d7f3c16d54179" providerId="LiveId" clId="{DAECEB32-C126-44A1-B729-3AADB1682972}" dt="2020-06-17T02:38:51.506" v="1873" actId="478"/>
-          <ac:spMkLst>
-            <pc:docMk/>
-            <pc:sldMk cId="1298849621" sldId="303"/>
-            <ac:spMk id="10" creationId="{00000000-0000-0000-0000-000000000000}"/>
-          </ac:spMkLst>
-        </pc:spChg>
-        <pc:spChg chg="del mod topLvl">
-          <ac:chgData name="Fernando C Correa" userId="a08d7f3c16d54179" providerId="LiveId" clId="{DAECEB32-C126-44A1-B729-3AADB1682972}" dt="2020-06-17T01:25:22.450" v="1087" actId="478"/>
-          <ac:spMkLst>
-            <pc:docMk/>
-            <pc:sldMk cId="1298849621" sldId="303"/>
-            <ac:spMk id="16" creationId="{91E883F1-8EF7-411E-A05E-24165369F0A7}"/>
-          </ac:spMkLst>
-        </pc:spChg>
-        <pc:spChg chg="add del mod">
-          <ac:chgData name="Fernando C Correa" userId="a08d7f3c16d54179" providerId="LiveId" clId="{DAECEB32-C126-44A1-B729-3AADB1682972}" dt="2020-06-17T01:24:34.097" v="1086" actId="478"/>
-          <ac:spMkLst>
-            <pc:docMk/>
-            <pc:sldMk cId="1298849621" sldId="303"/>
-            <ac:spMk id="17" creationId="{37959AA7-8A52-4962-9CB0-85BA95E1CD04}"/>
-          </ac:spMkLst>
-        </pc:spChg>
-        <pc:spChg chg="add del mod">
-          <ac:chgData name="Fernando C Correa" userId="a08d7f3c16d54179" providerId="LiveId" clId="{DAECEB32-C126-44A1-B729-3AADB1682972}" dt="2020-06-17T01:59:57.501" v="1476" actId="478"/>
-          <ac:spMkLst>
-            <pc:docMk/>
-            <pc:sldMk cId="1298849621" sldId="303"/>
-            <ac:spMk id="18" creationId="{DEF22804-DE74-451E-A09C-614AD3888324}"/>
-          </ac:spMkLst>
-        </pc:spChg>
-        <pc:spChg chg="add del mod">
-          <ac:chgData name="Fernando C Correa" userId="a08d7f3c16d54179" providerId="LiveId" clId="{DAECEB32-C126-44A1-B729-3AADB1682972}" dt="2020-06-17T01:59:58.361" v="1477" actId="478"/>
-          <ac:spMkLst>
-            <pc:docMk/>
-            <pc:sldMk cId="1298849621" sldId="303"/>
-            <ac:spMk id="19" creationId="{242142D5-57C5-4228-AD6A-DBB98CE772E5}"/>
-          </ac:spMkLst>
-        </pc:spChg>
-        <pc:spChg chg="add del mod">
-          <ac:chgData name="Fernando C Correa" userId="a08d7f3c16d54179" providerId="LiveId" clId="{DAECEB32-C126-44A1-B729-3AADB1682972}" dt="2020-06-17T01:55:12.959" v="1419" actId="478"/>
-          <ac:spMkLst>
-            <pc:docMk/>
-            <pc:sldMk cId="1298849621" sldId="303"/>
-            <ac:spMk id="20" creationId="{32B0225A-99F4-4622-96DE-05FA18A6AA9D}"/>
-          </ac:spMkLst>
-        </pc:spChg>
-        <pc:spChg chg="add del mod">
-          <ac:chgData name="Fernando C Correa" userId="a08d7f3c16d54179" providerId="LiveId" clId="{DAECEB32-C126-44A1-B729-3AADB1682972}" dt="2020-06-17T02:31:54.753" v="1754" actId="478"/>
-          <ac:spMkLst>
-            <pc:docMk/>
-            <pc:sldMk cId="1298849621" sldId="303"/>
-            <ac:spMk id="21" creationId="{00B7053D-99FF-40D3-AE66-E13492C3277A}"/>
-          </ac:spMkLst>
-        </pc:spChg>
-        <pc:spChg chg="add del mod">
-          <ac:chgData name="Fernando C Correa" userId="a08d7f3c16d54179" providerId="LiveId" clId="{DAECEB32-C126-44A1-B729-3AADB1682972}" dt="2020-06-17T02:31:54.753" v="1754" actId="478"/>
-          <ac:spMkLst>
-            <pc:docMk/>
-            <pc:sldMk cId="1298849621" sldId="303"/>
-            <ac:spMk id="22" creationId="{6DA62363-5008-4733-BD21-E712CEB152A4}"/>
-          </ac:spMkLst>
-        </pc:spChg>
-        <pc:spChg chg="add del mod">
-          <ac:chgData name="Fernando C Correa" userId="a08d7f3c16d54179" providerId="LiveId" clId="{DAECEB32-C126-44A1-B729-3AADB1682972}" dt="2020-06-17T02:31:54.753" v="1754" actId="478"/>
-          <ac:spMkLst>
-            <pc:docMk/>
-            <pc:sldMk cId="1298849621" sldId="303"/>
-            <ac:spMk id="23" creationId="{EC5D6182-CD8C-4BD1-AD7B-8DFF28ABCB9D}"/>
-          </ac:spMkLst>
-        </pc:spChg>
-        <pc:spChg chg="add del mod">
-          <ac:chgData name="Fernando C Correa" userId="a08d7f3c16d54179" providerId="LiveId" clId="{DAECEB32-C126-44A1-B729-3AADB1682972}" dt="2020-06-17T02:31:54.753" v="1754" actId="478"/>
-          <ac:spMkLst>
-            <pc:docMk/>
-            <pc:sldMk cId="1298849621" sldId="303"/>
-            <ac:spMk id="24" creationId="{BD1C89E2-7181-4D5B-939B-8F641A1DDB0E}"/>
-          </ac:spMkLst>
-        </pc:spChg>
-        <pc:spChg chg="add del mod">
-          <ac:chgData name="Fernando C Correa" userId="a08d7f3c16d54179" providerId="LiveId" clId="{DAECEB32-C126-44A1-B729-3AADB1682972}" dt="2020-06-17T02:37:58.836" v="1862" actId="478"/>
-          <ac:spMkLst>
-            <pc:docMk/>
-            <pc:sldMk cId="1298849621" sldId="303"/>
-            <ac:spMk id="25" creationId="{F27E6D77-6963-49CB-BD12-906C80BF6DE5}"/>
-          </ac:spMkLst>
-        </pc:spChg>
-        <pc:spChg chg="add del mod">
-          <ac:chgData name="Fernando C Correa" userId="a08d7f3c16d54179" providerId="LiveId" clId="{DAECEB32-C126-44A1-B729-3AADB1682972}" dt="2020-06-17T02:37:58.836" v="1862" actId="478"/>
-          <ac:spMkLst>
-            <pc:docMk/>
-            <pc:sldMk cId="1298849621" sldId="303"/>
-            <ac:spMk id="26" creationId="{63AEC2EC-CC6C-4DEB-A57A-87060E136C08}"/>
-          </ac:spMkLst>
-        </pc:spChg>
-        <pc:spChg chg="add del mod">
-          <ac:chgData name="Fernando C Correa" userId="a08d7f3c16d54179" providerId="LiveId" clId="{DAECEB32-C126-44A1-B729-3AADB1682972}" dt="2020-06-17T02:37:58.836" v="1862" actId="478"/>
-          <ac:spMkLst>
-            <pc:docMk/>
-            <pc:sldMk cId="1298849621" sldId="303"/>
-            <ac:spMk id="27" creationId="{EDF86E12-CBB2-4A6C-B35C-78F93692FDB1}"/>
-          </ac:spMkLst>
-        </pc:spChg>
-        <pc:spChg chg="add del mod">
-          <ac:chgData name="Fernando C Correa" userId="a08d7f3c16d54179" providerId="LiveId" clId="{DAECEB32-C126-44A1-B729-3AADB1682972}" dt="2020-06-17T02:37:58.836" v="1862" actId="478"/>
-          <ac:spMkLst>
-            <pc:docMk/>
-            <pc:sldMk cId="1298849621" sldId="303"/>
-            <ac:spMk id="28" creationId="{0A5BCCCD-83A4-49F4-8232-52B31F155EE1}"/>
-          </ac:spMkLst>
-        </pc:spChg>
-        <pc:spChg chg="add del mod">
-          <ac:chgData name="Fernando C Correa" userId="a08d7f3c16d54179" providerId="LiveId" clId="{DAECEB32-C126-44A1-B729-3AADB1682972}" dt="2020-06-17T02:38:48.568" v="1869" actId="478"/>
-          <ac:spMkLst>
-            <pc:docMk/>
-            <pc:sldMk cId="1298849621" sldId="303"/>
-            <ac:spMk id="29" creationId="{3CFCE5F1-644F-482F-8E08-0A5FBA4637AB}"/>
-          </ac:spMkLst>
-        </pc:spChg>
-        <pc:spChg chg="add del mod">
-          <ac:chgData name="Fernando C Correa" userId="a08d7f3c16d54179" providerId="LiveId" clId="{DAECEB32-C126-44A1-B729-3AADB1682972}" dt="2020-06-17T02:38:49.355" v="1870" actId="478"/>
-          <ac:spMkLst>
-            <pc:docMk/>
-            <pc:sldMk cId="1298849621" sldId="303"/>
-            <ac:spMk id="30" creationId="{C3969BE2-0CDD-4E70-9FA5-197423473D1C}"/>
-          </ac:spMkLst>
-        </pc:spChg>
-        <pc:spChg chg="add del mod">
-          <ac:chgData name="Fernando C Correa" userId="a08d7f3c16d54179" providerId="LiveId" clId="{DAECEB32-C126-44A1-B729-3AADB1682972}" dt="2020-06-17T02:38:50.502" v="1871" actId="478"/>
-          <ac:spMkLst>
-            <pc:docMk/>
-            <pc:sldMk cId="1298849621" sldId="303"/>
-            <ac:spMk id="31" creationId="{9075C745-F0D0-4E91-A8CA-43E0C0072B84}"/>
-          </ac:spMkLst>
-        </pc:spChg>
-        <pc:spChg chg="add del mod">
-          <ac:chgData name="Fernando C Correa" userId="a08d7f3c16d54179" providerId="LiveId" clId="{DAECEB32-C126-44A1-B729-3AADB1682972}" dt="2020-06-17T02:38:50.993" v="1872" actId="478"/>
-          <ac:spMkLst>
-            <pc:docMk/>
-            <pc:sldMk cId="1298849621" sldId="303"/>
-            <ac:spMk id="32" creationId="{02B406BA-6615-4D0E-82B4-D113E632B645}"/>
-          </ac:spMkLst>
-        </pc:spChg>
-        <pc:spChg chg="add del mod">
-          <ac:chgData name="Fernando C Correa" userId="a08d7f3c16d54179" providerId="LiveId" clId="{DAECEB32-C126-44A1-B729-3AADB1682972}" dt="2020-06-17T02:38:55.054" v="1875" actId="478"/>
-          <ac:spMkLst>
-            <pc:docMk/>
-            <pc:sldMk cId="1298849621" sldId="303"/>
-            <ac:spMk id="33" creationId="{9621423B-9269-4EA1-8C8D-C00C631CC754}"/>
-          </ac:spMkLst>
-        </pc:spChg>
-        <pc:spChg chg="add del mod">
-          <ac:chgData name="Fernando C Correa" userId="a08d7f3c16d54179" providerId="LiveId" clId="{DAECEB32-C126-44A1-B729-3AADB1682972}" dt="2020-06-17T02:38:55.944" v="1876" actId="478"/>
-          <ac:spMkLst>
-            <pc:docMk/>
-            <pc:sldMk cId="1298849621" sldId="303"/>
-            <ac:spMk id="34" creationId="{ED55CABA-14AB-4329-ADE1-E3355AB00079}"/>
-          </ac:spMkLst>
-        </pc:spChg>
-        <pc:spChg chg="add mod">
-          <ac:chgData name="Fernando C Correa" userId="a08d7f3c16d54179" providerId="LiveId" clId="{DAECEB32-C126-44A1-B729-3AADB1682972}" dt="2020-06-17T02:39:08.254" v="1881" actId="1036"/>
-          <ac:spMkLst>
-            <pc:docMk/>
-            <pc:sldMk cId="1298849621" sldId="303"/>
-            <ac:spMk id="35" creationId="{DD2EBC17-698B-4BC0-839E-5442A0E6E9BB}"/>
-          </ac:spMkLst>
-        </pc:spChg>
-        <pc:spChg chg="add mod">
-          <ac:chgData name="Fernando C Correa" userId="a08d7f3c16d54179" providerId="LiveId" clId="{DAECEB32-C126-44A1-B729-3AADB1682972}" dt="2020-06-17T02:40:29.846" v="1903" actId="1038"/>
-          <ac:spMkLst>
-            <pc:docMk/>
-            <pc:sldMk cId="1298849621" sldId="303"/>
-            <ac:spMk id="36" creationId="{C909FB2D-4E94-48D6-A874-6DA2AE5A1A51}"/>
-          </ac:spMkLst>
-        </pc:spChg>
-        <pc:spChg chg="add mod">
-          <ac:chgData name="Fernando C Correa" userId="a08d7f3c16d54179" providerId="LiveId" clId="{DAECEB32-C126-44A1-B729-3AADB1682972}" dt="2020-06-17T02:38:57.299" v="1877"/>
-          <ac:spMkLst>
-            <pc:docMk/>
-            <pc:sldMk cId="1298849621" sldId="303"/>
-            <ac:spMk id="37" creationId="{AABFD444-1308-42F0-B888-45A1A45045DB}"/>
-          </ac:spMkLst>
-        </pc:spChg>
-        <pc:spChg chg="add mod">
-          <ac:chgData name="Fernando C Correa" userId="a08d7f3c16d54179" providerId="LiveId" clId="{DAECEB32-C126-44A1-B729-3AADB1682972}" dt="2020-06-17T02:38:57.299" v="1877"/>
-          <ac:spMkLst>
-            <pc:docMk/>
-            <pc:sldMk cId="1298849621" sldId="303"/>
-            <ac:spMk id="38" creationId="{30E43F49-6ED1-4CE3-B5B0-D29C8F780C70}"/>
-          </ac:spMkLst>
-        </pc:spChg>
-        <pc:spChg chg="add mod">
-          <ac:chgData name="Fernando C Correa" userId="a08d7f3c16d54179" providerId="LiveId" clId="{DAECEB32-C126-44A1-B729-3AADB1682972}" dt="2020-06-17T02:38:57.299" v="1877"/>
-          <ac:spMkLst>
-            <pc:docMk/>
-            <pc:sldMk cId="1298849621" sldId="303"/>
-            <ac:spMk id="39" creationId="{365E7FF9-A331-4A8B-BA0F-81BB6DF0F86D}"/>
-          </ac:spMkLst>
-        </pc:spChg>
-        <pc:spChg chg="add mod">
-          <ac:chgData name="Fernando C Correa" userId="a08d7f3c16d54179" providerId="LiveId" clId="{DAECEB32-C126-44A1-B729-3AADB1682972}" dt="2020-06-17T02:39:00.922" v="1878" actId="404"/>
-          <ac:spMkLst>
-            <pc:docMk/>
-            <pc:sldMk cId="1298849621" sldId="303"/>
-            <ac:spMk id="40" creationId="{FAD746AB-1F96-4F3A-8333-7F5F79BCF21E}"/>
-          </ac:spMkLst>
-        </pc:spChg>
-        <pc:grpChg chg="del">
-          <ac:chgData name="Fernando C Correa" userId="a08d7f3c16d54179" providerId="LiveId" clId="{DAECEB32-C126-44A1-B729-3AADB1682972}" dt="2020-06-17T00:40:34.349" v="769" actId="478"/>
-          <ac:grpSpMkLst>
-            <pc:docMk/>
-            <pc:sldMk cId="1298849621" sldId="303"/>
-            <ac:grpSpMk id="5" creationId="{6FAAF7DE-43D4-44F2-B91B-7964DB50D745}"/>
-          </ac:grpSpMkLst>
-        </pc:grpChg>
-        <pc:grpChg chg="add del mod">
-          <ac:chgData name="Fernando C Correa" userId="a08d7f3c16d54179" providerId="LiveId" clId="{DAECEB32-C126-44A1-B729-3AADB1682972}" dt="2020-06-17T01:25:22.450" v="1087" actId="478"/>
-          <ac:grpSpMkLst>
-            <pc:docMk/>
-            <pc:sldMk cId="1298849621" sldId="303"/>
-            <ac:grpSpMk id="11" creationId="{13A90E00-530A-4F48-802E-B5B7BCD2F114}"/>
-          </ac:grpSpMkLst>
-        </pc:grpChg>
-        <pc:picChg chg="mod topLvl">
-          <ac:chgData name="Fernando C Correa" userId="a08d7f3c16d54179" providerId="LiveId" clId="{DAECEB32-C126-44A1-B729-3AADB1682972}" dt="2020-06-17T02:00:05.442" v="1478" actId="1076"/>
-          <ac:picMkLst>
-            <pc:docMk/>
-            <pc:sldMk cId="1298849621" sldId="303"/>
-            <ac:picMk id="15" creationId="{9EFFC1ED-EB5D-40C9-8C8D-2B87AAB8168C}"/>
-          </ac:picMkLst>
-        </pc:picChg>
-      </pc:sldChg>
-      <pc:sldChg chg="addSp delSp modSp add mod delAnim modAnim">
-        <pc:chgData name="Fernando C Correa" userId="a08d7f3c16d54179" providerId="LiveId" clId="{DAECEB32-C126-44A1-B729-3AADB1682972}" dt="2020-06-18T22:39:04.278" v="2134"/>
-        <pc:sldMkLst>
-          <pc:docMk/>
-          <pc:sldMk cId="2190780406" sldId="304"/>
-        </pc:sldMkLst>
-        <pc:spChg chg="mod">
-          <ac:chgData name="Fernando C Correa" userId="a08d7f3c16d54179" providerId="LiveId" clId="{DAECEB32-C126-44A1-B729-3AADB1682972}" dt="2020-06-17T02:17:47.791" v="1490"/>
-          <ac:spMkLst>
-            <pc:docMk/>
-            <pc:sldMk cId="2190780406" sldId="304"/>
-            <ac:spMk id="2" creationId="{00000000-0000-0000-0000-000000000000}"/>
-          </ac:spMkLst>
-        </pc:spChg>
-        <pc:spChg chg="mod">
-          <ac:chgData name="Fernando C Correa" userId="a08d7f3c16d54179" providerId="LiveId" clId="{DAECEB32-C126-44A1-B729-3AADB1682972}" dt="2020-06-17T01:00:57.801" v="883" actId="14861"/>
-          <ac:spMkLst>
-            <pc:docMk/>
-            <pc:sldMk cId="2190780406" sldId="304"/>
-            <ac:spMk id="9" creationId="{9DB075A3-56FB-45D0-9830-D7302566A0CB}"/>
-          </ac:spMkLst>
-        </pc:spChg>
-        <pc:spChg chg="add mod">
-          <ac:chgData name="Fernando C Correa" userId="a08d7f3c16d54179" providerId="LiveId" clId="{DAECEB32-C126-44A1-B729-3AADB1682972}" dt="2020-06-17T02:18:09.190" v="1512"/>
-          <ac:spMkLst>
-            <pc:docMk/>
-            <pc:sldMk cId="2190780406" sldId="304"/>
-            <ac:spMk id="16" creationId="{DE7433E1-F016-48B0-8744-19C111456B85}"/>
-          </ac:spMkLst>
-        </pc:spChg>
-        <pc:spChg chg="add del mod">
-          <ac:chgData name="Fernando C Correa" userId="a08d7f3c16d54179" providerId="LiveId" clId="{DAECEB32-C126-44A1-B729-3AADB1682972}" dt="2020-06-17T02:23:51.499" v="1659" actId="478"/>
-          <ac:spMkLst>
-            <pc:docMk/>
-            <pc:sldMk cId="2190780406" sldId="304"/>
-            <ac:spMk id="17" creationId="{F1BCBA0F-55D5-4849-8768-F16C59B94E83}"/>
-          </ac:spMkLst>
-        </pc:spChg>
-        <pc:spChg chg="add del mod">
-          <ac:chgData name="Fernando C Correa" userId="a08d7f3c16d54179" providerId="LiveId" clId="{DAECEB32-C126-44A1-B729-3AADB1682972}" dt="2020-06-17T02:23:50.367" v="1658" actId="478"/>
-          <ac:spMkLst>
-            <pc:docMk/>
-            <pc:sldMk cId="2190780406" sldId="304"/>
-            <ac:spMk id="18" creationId="{659942B3-24BD-4014-AF22-BADF5133F2EC}"/>
-          </ac:spMkLst>
-        </pc:spChg>
-        <pc:spChg chg="add del mod">
-          <ac:chgData name="Fernando C Correa" userId="a08d7f3c16d54179" providerId="LiveId" clId="{DAECEB32-C126-44A1-B729-3AADB1682972}" dt="2020-06-17T02:25:56.668" v="1681" actId="478"/>
-          <ac:spMkLst>
-            <pc:docMk/>
-            <pc:sldMk cId="2190780406" sldId="304"/>
-            <ac:spMk id="19" creationId="{974D8D49-F80C-48C7-856E-1EF50F0BAE56}"/>
-          </ac:spMkLst>
-        </pc:spChg>
-        <pc:spChg chg="add mod">
-          <ac:chgData name="Fernando C Correa" userId="a08d7f3c16d54179" providerId="LiveId" clId="{DAECEB32-C126-44A1-B729-3AADB1682972}" dt="2020-06-17T02:26:04.959" v="1684" actId="1035"/>
-          <ac:spMkLst>
-            <pc:docMk/>
-            <pc:sldMk cId="2190780406" sldId="304"/>
-            <ac:spMk id="20" creationId="{E81768B2-0974-4D89-BB1D-234A1ECBF059}"/>
-          </ac:spMkLst>
-        </pc:spChg>
-        <pc:picChg chg="del">
-          <ac:chgData name="Fernando C Correa" userId="a08d7f3c16d54179" providerId="LiveId" clId="{DAECEB32-C126-44A1-B729-3AADB1682972}" dt="2020-06-17T00:59:04.878" v="868" actId="478"/>
-          <ac:picMkLst>
-            <pc:docMk/>
-            <pc:sldMk cId="2190780406" sldId="304"/>
-            <ac:picMk id="4" creationId="{CE59E904-DE2E-44FD-8FAC-39DBA644EE5C}"/>
-          </ac:picMkLst>
-        </pc:picChg>
-        <pc:picChg chg="add del mod">
-          <ac:chgData name="Fernando C Correa" userId="a08d7f3c16d54179" providerId="LiveId" clId="{DAECEB32-C126-44A1-B729-3AADB1682972}" dt="2020-06-18T22:34:54.829" v="2117" actId="478"/>
-          <ac:picMkLst>
-            <pc:docMk/>
-            <pc:sldMk cId="2190780406" sldId="304"/>
-            <ac:picMk id="5" creationId="{89752C3D-A82D-43D5-9165-13EE32B69AE5}"/>
-          </ac:picMkLst>
-        </pc:picChg>
-        <pc:picChg chg="add del mod">
-          <ac:chgData name="Fernando C Correa" userId="a08d7f3c16d54179" providerId="LiveId" clId="{DAECEB32-C126-44A1-B729-3AADB1682972}" dt="2020-06-18T22:36:17.834" v="2124" actId="478"/>
-          <ac:picMkLst>
-            <pc:docMk/>
-            <pc:sldMk cId="2190780406" sldId="304"/>
-            <ac:picMk id="7" creationId="{91554513-C358-446F-ABDC-9AC81E9B4E24}"/>
-          </ac:picMkLst>
-        </pc:picChg>
-        <pc:picChg chg="add del mod">
-          <ac:chgData name="Fernando C Correa" userId="a08d7f3c16d54179" providerId="LiveId" clId="{DAECEB32-C126-44A1-B729-3AADB1682972}" dt="2020-06-18T22:33:16.915" v="2099" actId="478"/>
-          <ac:picMkLst>
-            <pc:docMk/>
-            <pc:sldMk cId="2190780406" sldId="304"/>
-            <ac:picMk id="15" creationId="{A03E8544-6208-4BA9-93EB-9C6D1B7FED2F}"/>
-          </ac:picMkLst>
-        </pc:picChg>
-        <pc:picChg chg="add mod">
-          <ac:chgData name="Fernando C Correa" userId="a08d7f3c16d54179" providerId="LiveId" clId="{DAECEB32-C126-44A1-B729-3AADB1682972}" dt="2020-06-18T22:38:54.383" v="2132" actId="1076"/>
-          <ac:picMkLst>
-            <pc:docMk/>
-            <pc:sldMk cId="2190780406" sldId="304"/>
-            <ac:picMk id="17" creationId="{08DAA0A6-4CA7-4D6E-B5EA-8E5E5D8DDEC5}"/>
-          </ac:picMkLst>
-        </pc:picChg>
-      </pc:sldChg>
-      <pc:sldChg chg="addSp delSp modSp add mod modAnim">
-        <pc:chgData name="Fernando C Correa" userId="a08d7f3c16d54179" providerId="LiveId" clId="{DAECEB32-C126-44A1-B729-3AADB1682972}" dt="2020-06-18T22:40:15.195" v="2142"/>
-        <pc:sldMkLst>
-          <pc:docMk/>
-          <pc:sldMk cId="1108433508" sldId="305"/>
-        </pc:sldMkLst>
-        <pc:spChg chg="mod">
-          <ac:chgData name="Fernando C Correa" userId="a08d7f3c16d54179" providerId="LiveId" clId="{DAECEB32-C126-44A1-B729-3AADB1682972}" dt="2020-06-17T02:17:48.948" v="1491"/>
-          <ac:spMkLst>
-            <pc:docMk/>
-            <pc:sldMk cId="1108433508" sldId="305"/>
-            <ac:spMk id="2" creationId="{00000000-0000-0000-0000-000000000000}"/>
-          </ac:spMkLst>
-        </pc:spChg>
-        <pc:spChg chg="mod">
-          <ac:chgData name="Fernando C Correa" userId="a08d7f3c16d54179" providerId="LiveId" clId="{DAECEB32-C126-44A1-B729-3AADB1682972}" dt="2020-06-17T01:01:13.897" v="886" actId="14861"/>
-          <ac:spMkLst>
-            <pc:docMk/>
-            <pc:sldMk cId="1108433508" sldId="305"/>
-            <ac:spMk id="11" creationId="{16EB44B9-02AC-4947-965B-A08DBFC98023}"/>
-          </ac:spMkLst>
-        </pc:spChg>
-        <pc:spChg chg="add mod">
-          <ac:chgData name="Fernando C Correa" userId="a08d7f3c16d54179" providerId="LiveId" clId="{DAECEB32-C126-44A1-B729-3AADB1682972}" dt="2020-06-17T02:18:10.048" v="1513"/>
-          <ac:spMkLst>
-            <pc:docMk/>
-            <pc:sldMk cId="1108433508" sldId="305"/>
-            <ac:spMk id="16" creationId="{9CAE165D-3AF6-4FCE-B520-4EEFC17CCA76}"/>
-          </ac:spMkLst>
-        </pc:spChg>
-        <pc:spChg chg="add del mod">
-          <ac:chgData name="Fernando C Correa" userId="a08d7f3c16d54179" providerId="LiveId" clId="{DAECEB32-C126-44A1-B729-3AADB1682972}" dt="2020-06-17T02:23:55.170" v="1661" actId="478"/>
-          <ac:spMkLst>
-            <pc:docMk/>
-            <pc:sldMk cId="1108433508" sldId="305"/>
-            <ac:spMk id="17" creationId="{870486AD-7A8E-4215-93BE-A1A37CCB92F5}"/>
-          </ac:spMkLst>
-        </pc:spChg>
-        <pc:spChg chg="add del mod">
-          <ac:chgData name="Fernando C Correa" userId="a08d7f3c16d54179" providerId="LiveId" clId="{DAECEB32-C126-44A1-B729-3AADB1682972}" dt="2020-06-17T02:26:18.629" v="1687" actId="478"/>
-          <ac:spMkLst>
-            <pc:docMk/>
-            <pc:sldMk cId="1108433508" sldId="305"/>
-            <ac:spMk id="18" creationId="{74EB7E30-C5B4-4282-A710-7697524D2F24}"/>
-          </ac:spMkLst>
-        </pc:spChg>
-        <pc:spChg chg="add mod">
-          <ac:chgData name="Fernando C Correa" userId="a08d7f3c16d54179" providerId="LiveId" clId="{DAECEB32-C126-44A1-B729-3AADB1682972}" dt="2020-06-17T02:26:18.871" v="1688"/>
-          <ac:spMkLst>
-            <pc:docMk/>
-            <pc:sldMk cId="1108433508" sldId="305"/>
-            <ac:spMk id="19" creationId="{A35B23B1-1021-49FF-AFA3-419F50FF7B69}"/>
-          </ac:spMkLst>
-        </pc:spChg>
-        <pc:picChg chg="del">
-          <ac:chgData name="Fernando C Correa" userId="a08d7f3c16d54179" providerId="LiveId" clId="{DAECEB32-C126-44A1-B729-3AADB1682972}" dt="2020-06-17T00:59:23.905" v="876" actId="478"/>
-          <ac:picMkLst>
-            <pc:docMk/>
-            <pc:sldMk cId="1108433508" sldId="305"/>
-            <ac:picMk id="4" creationId="{CE59E904-DE2E-44FD-8FAC-39DBA644EE5C}"/>
-          </ac:picMkLst>
-        </pc:picChg>
-        <pc:picChg chg="add mod">
-          <ac:chgData name="Fernando C Correa" userId="a08d7f3c16d54179" providerId="LiveId" clId="{DAECEB32-C126-44A1-B729-3AADB1682972}" dt="2020-06-17T02:18:39.473" v="1523" actId="1076"/>
-          <ac:picMkLst>
-            <pc:docMk/>
-            <pc:sldMk cId="1108433508" sldId="305"/>
-            <ac:picMk id="15" creationId="{62BC3115-E732-4ECB-969D-3C5D1EFDDC7C}"/>
-          </ac:picMkLst>
-        </pc:picChg>
-      </pc:sldChg>
-      <pc:sldChg chg="addSp delSp modSp add del mod">
-        <pc:chgData name="Fernando C Correa" userId="a08d7f3c16d54179" providerId="LiveId" clId="{DAECEB32-C126-44A1-B729-3AADB1682972}" dt="2020-06-17T01:22:10.330" v="1068" actId="47"/>
-        <pc:sldMkLst>
-          <pc:docMk/>
-          <pc:sldMk cId="4089909747" sldId="306"/>
-        </pc:sldMkLst>
-        <pc:spChg chg="add del mod">
-          <ac:chgData name="Fernando C Correa" userId="a08d7f3c16d54179" providerId="LiveId" clId="{DAECEB32-C126-44A1-B729-3AADB1682972}" dt="2020-06-17T01:21:10.871" v="1049" actId="478"/>
-          <ac:spMkLst>
-            <pc:docMk/>
-            <pc:sldMk cId="4089909747" sldId="306"/>
-            <ac:spMk id="16" creationId="{C2FFB967-D7A9-4302-B5ED-452AA0E310E3}"/>
-          </ac:spMkLst>
-        </pc:spChg>
-        <pc:spChg chg="add mod">
-          <ac:chgData name="Fernando C Correa" userId="a08d7f3c16d54179" providerId="LiveId" clId="{DAECEB32-C126-44A1-B729-3AADB1682972}" dt="2020-06-17T01:21:18.065" v="1063" actId="404"/>
-          <ac:spMkLst>
-            <pc:docMk/>
-            <pc:sldMk cId="4089909747" sldId="306"/>
-            <ac:spMk id="17" creationId="{35C698DF-301F-4EDE-B6DA-F4F0DF2CCC68}"/>
-          </ac:spMkLst>
-        </pc:spChg>
-        <pc:spChg chg="add mod">
-          <ac:chgData name="Fernando C Correa" userId="a08d7f3c16d54179" providerId="LiveId" clId="{DAECEB32-C126-44A1-B729-3AADB1682972}" dt="2020-06-17T01:21:16.906" v="1061" actId="14861"/>
-          <ac:spMkLst>
-            <pc:docMk/>
-            <pc:sldMk cId="4089909747" sldId="306"/>
-            <ac:spMk id="18" creationId="{610213D2-BACA-4B72-A835-AFEB1589A77E}"/>
-          </ac:spMkLst>
-        </pc:spChg>
-        <pc:picChg chg="add mod">
-          <ac:chgData name="Fernando C Correa" userId="a08d7f3c16d54179" providerId="LiveId" clId="{DAECEB32-C126-44A1-B729-3AADB1682972}" dt="2020-06-17T01:21:10.514" v="1048" actId="1076"/>
-          <ac:picMkLst>
-            <pc:docMk/>
-            <pc:sldMk cId="4089909747" sldId="306"/>
-            <ac:picMk id="3" creationId="{29CBDD1E-0AF7-45F9-84D5-EB37009A651F}"/>
-          </ac:picMkLst>
-        </pc:picChg>
-        <pc:picChg chg="add del mod modCrop">
-          <ac:chgData name="Fernando C Correa" userId="a08d7f3c16d54179" providerId="LiveId" clId="{DAECEB32-C126-44A1-B729-3AADB1682972}" dt="2020-06-17T01:21:10.871" v="1049" actId="478"/>
-          <ac:picMkLst>
-            <pc:docMk/>
-            <pc:sldMk cId="4089909747" sldId="306"/>
-            <ac:picMk id="10" creationId="{0F6FBFBF-7EA7-4332-BC5B-850168EEA23E}"/>
-          </ac:picMkLst>
-        </pc:picChg>
-        <pc:picChg chg="del">
-          <ac:chgData name="Fernando C Correa" userId="a08d7f3c16d54179" providerId="LiveId" clId="{DAECEB32-C126-44A1-B729-3AADB1682972}" dt="2020-06-17T01:15:27.431" v="988" actId="478"/>
-          <ac:picMkLst>
-            <pc:docMk/>
-            <pc:sldMk cId="4089909747" sldId="306"/>
-            <ac:picMk id="11" creationId="{8F1A4823-8682-41E7-A5C1-1ABA20505B18}"/>
-          </ac:picMkLst>
-        </pc:picChg>
-        <pc:picChg chg="add del mod">
-          <ac:chgData name="Fernando C Correa" userId="a08d7f3c16d54179" providerId="LiveId" clId="{DAECEB32-C126-44A1-B729-3AADB1682972}" dt="2020-06-17T01:15:44.163" v="998" actId="478"/>
-          <ac:picMkLst>
-            <pc:docMk/>
-            <pc:sldMk cId="4089909747" sldId="306"/>
-            <ac:picMk id="15" creationId="{4E3D15D1-6C66-4859-8D2D-7DECB3E481F5}"/>
-          </ac:picMkLst>
-        </pc:picChg>
-      </pc:sldChg>
-      <pc:sldChg chg="modSp add mod">
-        <pc:chgData name="Fernando C Correa" userId="a08d7f3c16d54179" providerId="LiveId" clId="{DAECEB32-C126-44A1-B729-3AADB1682972}" dt="2020-06-17T01:22:18.711" v="1080" actId="20577"/>
-        <pc:sldMkLst>
-          <pc:docMk/>
-          <pc:sldMk cId="2406040227" sldId="307"/>
-        </pc:sldMkLst>
-        <pc:spChg chg="mod">
-          <ac:chgData name="Fernando C Correa" userId="a08d7f3c16d54179" providerId="LiveId" clId="{DAECEB32-C126-44A1-B729-3AADB1682972}" dt="2020-06-17T01:22:18.711" v="1080" actId="20577"/>
-          <ac:spMkLst>
-            <pc:docMk/>
-            <pc:sldMk cId="2406040227" sldId="307"/>
-            <ac:spMk id="2" creationId="{00000000-0000-0000-0000-000000000000}"/>
-          </ac:spMkLst>
-        </pc:spChg>
-      </pc:sldChg>
-      <pc:sldChg chg="addSp delSp modSp add mod delAnim modAnim">
-        <pc:chgData name="Fernando C Correa" userId="a08d7f3c16d54179" providerId="LiveId" clId="{DAECEB32-C126-44A1-B729-3AADB1682972}" dt="2020-06-18T22:35:59.168" v="2122"/>
-        <pc:sldMkLst>
-          <pc:docMk/>
-          <pc:sldMk cId="1166053751" sldId="308"/>
-        </pc:sldMkLst>
-        <pc:picChg chg="add mod">
-          <ac:chgData name="Fernando C Correa" userId="a08d7f3c16d54179" providerId="LiveId" clId="{DAECEB32-C126-44A1-B729-3AADB1682972}" dt="2020-06-18T22:33:43.104" v="2107" actId="1076"/>
-          <ac:picMkLst>
-            <pc:docMk/>
-            <pc:sldMk cId="1166053751" sldId="308"/>
-            <ac:picMk id="5" creationId="{C0EB70A9-CA61-4D0B-9BF3-2C20CA891859}"/>
-          </ac:picMkLst>
-        </pc:picChg>
-        <pc:picChg chg="del">
-          <ac:chgData name="Fernando C Correa" userId="a08d7f3c16d54179" providerId="LiveId" clId="{DAECEB32-C126-44A1-B729-3AADB1682972}" dt="2020-06-18T22:33:19.238" v="2100" actId="478"/>
-          <ac:picMkLst>
-            <pc:docMk/>
-            <pc:sldMk cId="1166053751" sldId="308"/>
-            <ac:picMk id="15" creationId="{A03E8544-6208-4BA9-93EB-9C6D1B7FED2F}"/>
-          </ac:picMkLst>
-        </pc:picChg>
-      </pc:sldChg>
-      <pc:sldChg chg="delSp modSp add del mod">
-        <pc:chgData name="Fernando C Correa" userId="a08d7f3c16d54179" providerId="LiveId" clId="{DAECEB32-C126-44A1-B729-3AADB1682972}" dt="2020-06-17T02:31:03.540" v="1748" actId="47"/>
-        <pc:sldMkLst>
-          <pc:docMk/>
-          <pc:sldMk cId="4245811857" sldId="308"/>
-        </pc:sldMkLst>
-        <pc:grpChg chg="del mod">
-          <ac:chgData name="Fernando C Correa" userId="a08d7f3c16d54179" providerId="LiveId" clId="{DAECEB32-C126-44A1-B729-3AADB1682972}" dt="2020-06-17T02:28:09.227" v="1710" actId="165"/>
-          <ac:grpSpMkLst>
-            <pc:docMk/>
-            <pc:sldMk cId="4245811857" sldId="308"/>
-            <ac:grpSpMk id="11" creationId="{E4EA4F72-EFE3-4F09-A7E7-6AABF9ABBF18}"/>
-          </ac:grpSpMkLst>
-        </pc:grpChg>
-        <pc:picChg chg="mod topLvl">
-          <ac:chgData name="Fernando C Correa" userId="a08d7f3c16d54179" providerId="LiveId" clId="{DAECEB32-C126-44A1-B729-3AADB1682972}" dt="2020-06-17T02:29:00.873" v="1722" actId="14100"/>
-          <ac:picMkLst>
-            <pc:docMk/>
-            <pc:sldMk cId="4245811857" sldId="308"/>
-            <ac:picMk id="15" creationId="{E3972336-02C1-47CD-97B1-80ABC70FA9B7}"/>
-          </ac:picMkLst>
-        </pc:picChg>
-        <pc:picChg chg="mod topLvl">
-          <ac:chgData name="Fernando C Correa" userId="a08d7f3c16d54179" providerId="LiveId" clId="{DAECEB32-C126-44A1-B729-3AADB1682972}" dt="2020-06-17T02:28:48.863" v="1719" actId="1036"/>
-          <ac:picMkLst>
-            <pc:docMk/>
-            <pc:sldMk cId="4245811857" sldId="308"/>
-            <ac:picMk id="16" creationId="{20781BF0-8212-4D1A-9E98-63B0F1909496}"/>
-          </ac:picMkLst>
-        </pc:picChg>
-        <pc:picChg chg="mod topLvl">
-          <ac:chgData name="Fernando C Correa" userId="a08d7f3c16d54179" providerId="LiveId" clId="{DAECEB32-C126-44A1-B729-3AADB1682972}" dt="2020-06-17T02:29:06.078" v="1723" actId="1076"/>
-          <ac:picMkLst>
-            <pc:docMk/>
-            <pc:sldMk cId="4245811857" sldId="308"/>
-            <ac:picMk id="17" creationId="{040851DC-21ED-45C7-8F74-D947F2610DF4}"/>
-          </ac:picMkLst>
-        </pc:picChg>
-        <pc:picChg chg="mod topLvl">
-          <ac:chgData name="Fernando C Correa" userId="a08d7f3c16d54179" providerId="LiveId" clId="{DAECEB32-C126-44A1-B729-3AADB1682972}" dt="2020-06-17T02:29:13.692" v="1724" actId="1076"/>
-          <ac:picMkLst>
-            <pc:docMk/>
-            <pc:sldMk cId="4245811857" sldId="308"/>
-            <ac:picMk id="18" creationId="{E06E4486-40EB-49C0-BDD4-6308F01F4996}"/>
-          </ac:picMkLst>
-        </pc:picChg>
-      </pc:sldChg>
-      <pc:sldChg chg="add">
-        <pc:chgData name="Fernando C Correa" userId="a08d7f3c16d54179" providerId="LiveId" clId="{DAECEB32-C126-44A1-B729-3AADB1682972}" dt="2020-06-18T22:36:15.291" v="2123"/>
-        <pc:sldMkLst>
-          <pc:docMk/>
-          <pc:sldMk cId="1834702266" sldId="309"/>
-        </pc:sldMkLst>
-      </pc:sldChg>
-    </pc:docChg>
-  </pc:docChgLst>
-  <pc:docChgLst>
-    <pc:chgData name="Fernando C Correa" userId="a08d7f3c16d54179" providerId="LiveId" clId="{BDD547D6-9985-4471-8D69-22FBC0393EC8}"/>
-    <pc:docChg chg="undo custSel mod addSld delSld modSld sldOrd">
-      <pc:chgData name="Fernando C Correa" userId="a08d7f3c16d54179" providerId="LiveId" clId="{BDD547D6-9985-4471-8D69-22FBC0393EC8}" dt="2020-06-13T13:09:11.758" v="233"/>
-      <pc:docMkLst>
-        <pc:docMk/>
-      </pc:docMkLst>
-      <pc:sldChg chg="modAnim">
-        <pc:chgData name="Fernando C Correa" userId="a08d7f3c16d54179" providerId="LiveId" clId="{BDD547D6-9985-4471-8D69-22FBC0393EC8}" dt="2020-06-13T12:56:23.801" v="132"/>
-        <pc:sldMkLst>
-          <pc:docMk/>
-          <pc:sldMk cId="3542761506" sldId="281"/>
-        </pc:sldMkLst>
-      </pc:sldChg>
-      <pc:sldChg chg="addSp delSp modSp mod setBg setClrOvrMap">
-        <pc:chgData name="Fernando C Correa" userId="a08d7f3c16d54179" providerId="LiveId" clId="{BDD547D6-9985-4471-8D69-22FBC0393EC8}" dt="2020-06-13T12:55:02.601" v="128" actId="1076"/>
-        <pc:sldMkLst>
-          <pc:docMk/>
-          <pc:sldMk cId="450903840" sldId="283"/>
-        </pc:sldMkLst>
-        <pc:spChg chg="mod ord">
-          <ac:chgData name="Fernando C Correa" userId="a08d7f3c16d54179" providerId="LiveId" clId="{BDD547D6-9985-4471-8D69-22FBC0393EC8}" dt="2020-06-13T12:55:02.601" v="128" actId="1076"/>
-          <ac:spMkLst>
-            <pc:docMk/>
-            <pc:sldMk cId="450903840" sldId="283"/>
-            <ac:spMk id="3" creationId="{00000000-0000-0000-0000-000000000000}"/>
-          </ac:spMkLst>
-        </pc:spChg>
-        <pc:spChg chg="mod ord">
-          <ac:chgData name="Fernando C Correa" userId="a08d7f3c16d54179" providerId="LiveId" clId="{BDD547D6-9985-4471-8D69-22FBC0393EC8}" dt="2020-06-13T12:53:13.696" v="111" actId="1038"/>
-          <ac:spMkLst>
-            <pc:docMk/>
-            <pc:sldMk cId="450903840" sldId="283"/>
-            <ac:spMk id="7" creationId="{D34E5B9C-57DC-422A-B626-426A4E3D6AC0}"/>
-          </ac:spMkLst>
-        </pc:spChg>
-        <pc:spChg chg="add mod">
-          <ac:chgData name="Fernando C Correa" userId="a08d7f3c16d54179" providerId="LiveId" clId="{BDD547D6-9985-4471-8D69-22FBC0393EC8}" dt="2020-06-13T12:54:34.439" v="125" actId="14100"/>
-          <ac:spMkLst>
-            <pc:docMk/>
-            <pc:sldMk cId="450903840" sldId="283"/>
-            <ac:spMk id="8" creationId="{3CC0DBC5-CBEA-44F5-B257-04EE3F7AB470}"/>
-          </ac:spMkLst>
-        </pc:spChg>
-        <pc:spChg chg="add del">
-          <ac:chgData name="Fernando C Correa" userId="a08d7f3c16d54179" providerId="LiveId" clId="{BDD547D6-9985-4471-8D69-22FBC0393EC8}" dt="2020-06-13T12:50:16.547" v="3" actId="26606"/>
-          <ac:spMkLst>
-            <pc:docMk/>
-            <pc:sldMk cId="450903840" sldId="283"/>
-            <ac:spMk id="12" creationId="{71B2258F-86CA-4D4D-8270-BC05FCDEBFB3}"/>
-          </ac:spMkLst>
-        </pc:spChg>
-        <pc:spChg chg="add del">
-          <ac:chgData name="Fernando C Correa" userId="a08d7f3c16d54179" providerId="LiveId" clId="{BDD547D6-9985-4471-8D69-22FBC0393EC8}" dt="2020-06-13T12:50:38.303" v="17" actId="26606"/>
-          <ac:spMkLst>
-            <pc:docMk/>
-            <pc:sldMk cId="450903840" sldId="283"/>
-            <ac:spMk id="34" creationId="{A3BAF07C-C39E-42EB-BB22-8D46691D9735}"/>
-          </ac:spMkLst>
-        </pc:spChg>
-        <pc:spChg chg="add del">
-          <ac:chgData name="Fernando C Correa" userId="a08d7f3c16d54179" providerId="LiveId" clId="{BDD547D6-9985-4471-8D69-22FBC0393EC8}" dt="2020-06-13T12:50:33.856" v="6" actId="26606"/>
-          <ac:spMkLst>
-            <pc:docMk/>
-            <pc:sldMk cId="450903840" sldId="283"/>
-            <ac:spMk id="49" creationId="{A3BAF07C-C39E-42EB-BB22-8D46691D9735}"/>
-          </ac:spMkLst>
-        </pc:spChg>
-        <pc:spChg chg="add mod">
-          <ac:chgData name="Fernando C Correa" userId="a08d7f3c16d54179" providerId="LiveId" clId="{BDD547D6-9985-4471-8D69-22FBC0393EC8}" dt="2020-06-13T12:54:40.117" v="126" actId="14100"/>
-          <ac:spMkLst>
-            <pc:docMk/>
-            <pc:sldMk cId="450903840" sldId="283"/>
-            <ac:spMk id="71" creationId="{FA87CC4B-67E8-46A8-83ED-B27931B4A556}"/>
-          </ac:spMkLst>
-        </pc:spChg>
-        <pc:spChg chg="add del">
-          <ac:chgData name="Fernando C Correa" userId="a08d7f3c16d54179" providerId="LiveId" clId="{BDD547D6-9985-4471-8D69-22FBC0393EC8}" dt="2020-06-13T12:50:35.004" v="9" actId="26606"/>
-          <ac:spMkLst>
-            <pc:docMk/>
-            <pc:sldMk cId="450903840" sldId="283"/>
-            <ac:spMk id="72" creationId="{1FBD4BA0-5E13-4403-B4A7-40DF3A0185D3}"/>
-          </ac:spMkLst>
-        </pc:spChg>
-        <pc:spChg chg="add del">
-          <ac:chgData name="Fernando C Correa" userId="a08d7f3c16d54179" providerId="LiveId" clId="{BDD547D6-9985-4471-8D69-22FBC0393EC8}" dt="2020-06-13T12:50:35.531" v="11" actId="26606"/>
-          <ac:spMkLst>
-            <pc:docMk/>
-            <pc:sldMk cId="450903840" sldId="283"/>
-            <ac:spMk id="75" creationId="{A3BAF07C-C39E-42EB-BB22-8D46691D9735}"/>
-          </ac:spMkLst>
-        </pc:spChg>
-        <pc:spChg chg="add del">
-          <ac:chgData name="Fernando C Correa" userId="a08d7f3c16d54179" providerId="LiveId" clId="{BDD547D6-9985-4471-8D69-22FBC0393EC8}" dt="2020-06-13T12:50:36.456" v="14" actId="26606"/>
-          <ac:spMkLst>
-            <pc:docMk/>
-            <pc:sldMk cId="450903840" sldId="283"/>
-            <ac:spMk id="78" creationId="{1FBD4BA0-5E13-4403-B4A7-40DF3A0185D3}"/>
-          </ac:spMkLst>
-        </pc:spChg>
-        <pc:spChg chg="add del">
-          <ac:chgData name="Fernando C Correa" userId="a08d7f3c16d54179" providerId="LiveId" clId="{BDD547D6-9985-4471-8D69-22FBC0393EC8}" dt="2020-06-13T12:50:38.294" v="16" actId="26606"/>
-          <ac:spMkLst>
-            <pc:docMk/>
-            <pc:sldMk cId="450903840" sldId="283"/>
-            <ac:spMk id="81" creationId="{A3BAF07C-C39E-42EB-BB22-8D46691D9735}"/>
-          </ac:spMkLst>
-        </pc:spChg>
-        <pc:grpChg chg="add del">
-          <ac:chgData name="Fernando C Correa" userId="a08d7f3c16d54179" providerId="LiveId" clId="{BDD547D6-9985-4471-8D69-22FBC0393EC8}" dt="2020-06-13T12:50:38.303" v="17" actId="26606"/>
-          <ac:grpSpMkLst>
-            <pc:docMk/>
-            <pc:sldMk cId="450903840" sldId="283"/>
-            <ac:grpSpMk id="35" creationId="{D8E9CF54-0466-4261-9E62-0249E60E1886}"/>
-          </ac:grpSpMkLst>
-        </pc:grpChg>
-        <pc:grpChg chg="add del">
-          <ac:chgData name="Fernando C Correa" userId="a08d7f3c16d54179" providerId="LiveId" clId="{BDD547D6-9985-4471-8D69-22FBC0393EC8}" dt="2020-06-13T12:50:33.856" v="6" actId="26606"/>
-          <ac:grpSpMkLst>
-            <pc:docMk/>
-            <pc:sldMk cId="450903840" sldId="283"/>
-            <ac:grpSpMk id="51" creationId="{D8E9CF54-0466-4261-9E62-0249E60E1886}"/>
-          </ac:grpSpMkLst>
-        </pc:grpChg>
-        <pc:grpChg chg="add del">
-          <ac:chgData name="Fernando C Correa" userId="a08d7f3c16d54179" providerId="LiveId" clId="{BDD547D6-9985-4471-8D69-22FBC0393EC8}" dt="2020-06-13T12:50:35.004" v="9" actId="26606"/>
-          <ac:grpSpMkLst>
-            <pc:docMk/>
-            <pc:sldMk cId="450903840" sldId="283"/>
-            <ac:grpSpMk id="73" creationId="{622F0806-F5D8-4CCD-A924-6CC3D7BB26F7}"/>
-          </ac:grpSpMkLst>
-        </pc:grpChg>
-        <pc:grpChg chg="add del">
-          <ac:chgData name="Fernando C Correa" userId="a08d7f3c16d54179" providerId="LiveId" clId="{BDD547D6-9985-4471-8D69-22FBC0393EC8}" dt="2020-06-13T12:50:35.531" v="11" actId="26606"/>
-          <ac:grpSpMkLst>
-            <pc:docMk/>
-            <pc:sldMk cId="450903840" sldId="283"/>
-            <ac:grpSpMk id="76" creationId="{D8E9CF54-0466-4261-9E62-0249E60E1886}"/>
-          </ac:grpSpMkLst>
-        </pc:grpChg>
-        <pc:grpChg chg="add del">
-          <ac:chgData name="Fernando C Correa" userId="a08d7f3c16d54179" providerId="LiveId" clId="{BDD547D6-9985-4471-8D69-22FBC0393EC8}" dt="2020-06-13T12:50:36.456" v="14" actId="26606"/>
-          <ac:grpSpMkLst>
-            <pc:docMk/>
-            <pc:sldMk cId="450903840" sldId="283"/>
-            <ac:grpSpMk id="79" creationId="{622F0806-F5D8-4CCD-A924-6CC3D7BB26F7}"/>
-          </ac:grpSpMkLst>
-        </pc:grpChg>
-        <pc:grpChg chg="add del">
-          <ac:chgData name="Fernando C Correa" userId="a08d7f3c16d54179" providerId="LiveId" clId="{BDD547D6-9985-4471-8D69-22FBC0393EC8}" dt="2020-06-13T12:50:38.294" v="16" actId="26606"/>
-          <ac:grpSpMkLst>
-            <pc:docMk/>
-            <pc:sldMk cId="450903840" sldId="283"/>
-            <ac:grpSpMk id="82" creationId="{D8E9CF54-0466-4261-9E62-0249E60E1886}"/>
-          </ac:grpSpMkLst>
-        </pc:grpChg>
-        <pc:picChg chg="add del mod ord">
-          <ac:chgData name="Fernando C Correa" userId="a08d7f3c16d54179" providerId="LiveId" clId="{BDD547D6-9985-4471-8D69-22FBC0393EC8}" dt="2020-06-13T12:52:04.308" v="41" actId="478"/>
-          <ac:picMkLst>
-            <pc:docMk/>
-            <pc:sldMk cId="450903840" sldId="283"/>
-            <ac:picMk id="4" creationId="{C59658C8-2D7A-4DCD-854A-2822D1795322}"/>
-          </ac:picMkLst>
-        </pc:picChg>
-        <pc:picChg chg="add mod">
-          <ac:chgData name="Fernando C Correa" userId="a08d7f3c16d54179" providerId="LiveId" clId="{BDD547D6-9985-4471-8D69-22FBC0393EC8}" dt="2020-06-13T12:53:05.776" v="62" actId="14100"/>
-          <ac:picMkLst>
-            <pc:docMk/>
-            <pc:sldMk cId="450903840" sldId="283"/>
-            <ac:picMk id="6" creationId="{0453BD22-6FB7-433F-B358-150D1AA68C37}"/>
-          </ac:picMkLst>
-        </pc:picChg>
-      </pc:sldChg>
-      <pc:sldChg chg="addSp delSp modSp mod ord">
-        <pc:chgData name="Fernando C Correa" userId="a08d7f3c16d54179" providerId="LiveId" clId="{BDD547D6-9985-4471-8D69-22FBC0393EC8}" dt="2020-06-13T13:09:00.020" v="229"/>
-        <pc:sldMkLst>
-          <pc:docMk/>
-          <pc:sldMk cId="4264086694" sldId="288"/>
-        </pc:sldMkLst>
-        <pc:picChg chg="add mod">
-          <ac:chgData name="Fernando C Correa" userId="a08d7f3c16d54179" providerId="LiveId" clId="{BDD547D6-9985-4471-8D69-22FBC0393EC8}" dt="2020-06-13T12:58:07.073" v="151" actId="1076"/>
-          <ac:picMkLst>
-            <pc:docMk/>
-            <pc:sldMk cId="4264086694" sldId="288"/>
-            <ac:picMk id="4" creationId="{1F3BC514-CB78-4155-AF11-BB61F4A3B76D}"/>
-          </ac:picMkLst>
-        </pc:picChg>
-        <pc:picChg chg="del">
-          <ac:chgData name="Fernando C Correa" userId="a08d7f3c16d54179" providerId="LiveId" clId="{BDD547D6-9985-4471-8D69-22FBC0393EC8}" dt="2020-06-13T12:57:55.833" v="147" actId="478"/>
-          <ac:picMkLst>
-            <pc:docMk/>
-            <pc:sldMk cId="4264086694" sldId="288"/>
-            <ac:picMk id="5" creationId="{719194C0-71DB-4079-83CE-40E5CD7645C0}"/>
-          </ac:picMkLst>
-        </pc:picChg>
-      </pc:sldChg>
-      <pc:sldChg chg="ord">
-        <pc:chgData name="Fernando C Correa" userId="a08d7f3c16d54179" providerId="LiveId" clId="{BDD547D6-9985-4471-8D69-22FBC0393EC8}" dt="2020-06-13T13:09:08.312" v="231"/>
-        <pc:sldMkLst>
-          <pc:docMk/>
-          <pc:sldMk cId="1295663715" sldId="289"/>
-        </pc:sldMkLst>
-      </pc:sldChg>
-      <pc:sldChg chg="addSp delSp modSp del mod">
-        <pc:chgData name="Fernando C Correa" userId="a08d7f3c16d54179" providerId="LiveId" clId="{BDD547D6-9985-4471-8D69-22FBC0393EC8}" dt="2020-06-13T13:04:30.446" v="203" actId="47"/>
-        <pc:sldMkLst>
-          <pc:docMk/>
-          <pc:sldMk cId="2022502932" sldId="293"/>
-        </pc:sldMkLst>
-        <pc:spChg chg="add del mod">
-          <ac:chgData name="Fernando C Correa" userId="a08d7f3c16d54179" providerId="LiveId" clId="{BDD547D6-9985-4471-8D69-22FBC0393EC8}" dt="2020-06-13T13:00:22.936" v="161"/>
-          <ac:spMkLst>
-            <pc:docMk/>
-            <pc:sldMk cId="2022502932" sldId="293"/>
-            <ac:spMk id="8" creationId="{92F8AF57-C061-4F06-ABAE-7F2B3E465A0E}"/>
-          </ac:spMkLst>
-        </pc:spChg>
-        <pc:spChg chg="add mod">
-          <ac:chgData name="Fernando C Correa" userId="a08d7f3c16d54179" providerId="LiveId" clId="{BDD547D6-9985-4471-8D69-22FBC0393EC8}" dt="2020-06-13T13:00:22.936" v="161"/>
-          <ac:spMkLst>
-            <pc:docMk/>
-            <pc:sldMk cId="2022502932" sldId="293"/>
-            <ac:spMk id="11" creationId="{978FC917-94D5-4C38-AEE6-3EC089673DDA}"/>
-          </ac:spMkLst>
-        </pc:spChg>
-        <pc:spChg chg="add mod">
-          <ac:chgData name="Fernando C Correa" userId="a08d7f3c16d54179" providerId="LiveId" clId="{BDD547D6-9985-4471-8D69-22FBC0393EC8}" dt="2020-06-13T13:00:22.936" v="161"/>
-          <ac:spMkLst>
-            <pc:docMk/>
-            <pc:sldMk cId="2022502932" sldId="293"/>
-            <ac:spMk id="15" creationId="{91BB7FE2-2C0C-43E0-BF9A-3C40E087E591}"/>
-          </ac:spMkLst>
-        </pc:spChg>
-        <pc:grpChg chg="add del mod">
-          <ac:chgData name="Fernando C Correa" userId="a08d7f3c16d54179" providerId="LiveId" clId="{BDD547D6-9985-4471-8D69-22FBC0393EC8}" dt="2020-06-13T13:00:22.936" v="161"/>
-          <ac:grpSpMkLst>
-            <pc:docMk/>
-            <pc:sldMk cId="2022502932" sldId="293"/>
-            <ac:grpSpMk id="9" creationId="{3B9F2973-9CA5-4D05-AB1A-387FE8576AD9}"/>
-          </ac:grpSpMkLst>
-        </pc:grpChg>
-        <pc:graphicFrameChg chg="add mod">
-          <ac:chgData name="Fernando C Correa" userId="a08d7f3c16d54179" providerId="LiveId" clId="{BDD547D6-9985-4471-8D69-22FBC0393EC8}" dt="2020-06-13T13:02:56.944" v="202"/>
-          <ac:graphicFrameMkLst>
-            <pc:docMk/>
-            <pc:sldMk cId="2022502932" sldId="293"/>
-            <ac:graphicFrameMk id="16" creationId="{C71FC8EC-A740-40A0-B5C8-AA4B5DFF8386}"/>
-          </ac:graphicFrameMkLst>
-        </pc:graphicFrameChg>
-        <pc:picChg chg="add del">
-          <ac:chgData name="Fernando C Correa" userId="a08d7f3c16d54179" providerId="LiveId" clId="{BDD547D6-9985-4471-8D69-22FBC0393EC8}" dt="2020-06-13T13:00:39.300" v="164" actId="478"/>
-          <ac:picMkLst>
-            <pc:docMk/>
-            <pc:sldMk cId="2022502932" sldId="293"/>
-            <ac:picMk id="62" creationId="{BCC4C255-968A-4BC3-A955-63028576C8DF}"/>
-          </ac:picMkLst>
-        </pc:picChg>
-      </pc:sldChg>
-      <pc:sldChg chg="modSp">
-        <pc:chgData name="Fernando C Correa" userId="a08d7f3c16d54179" providerId="LiveId" clId="{BDD547D6-9985-4471-8D69-22FBC0393EC8}" dt="2020-06-13T13:01:59.703" v="197" actId="1076"/>
-        <pc:sldMkLst>
-          <pc:docMk/>
-          <pc:sldMk cId="2602158399" sldId="296"/>
-        </pc:sldMkLst>
-        <pc:spChg chg="mod">
-          <ac:chgData name="Fernando C Correa" userId="a08d7f3c16d54179" providerId="LiveId" clId="{BDD547D6-9985-4471-8D69-22FBC0393EC8}" dt="2020-06-13T13:01:59.703" v="197" actId="1076"/>
-          <ac:spMkLst>
-            <pc:docMk/>
-            <pc:sldMk cId="2602158399" sldId="296"/>
-            <ac:spMk id="16" creationId="{4A3D8031-17D2-483B-9165-90F4DE2D70F4}"/>
-          </ac:spMkLst>
-        </pc:spChg>
-        <pc:spChg chg="mod">
-          <ac:chgData name="Fernando C Correa" userId="a08d7f3c16d54179" providerId="LiveId" clId="{BDD547D6-9985-4471-8D69-22FBC0393EC8}" dt="2020-06-13T13:01:59.703" v="197" actId="1076"/>
-          <ac:spMkLst>
-            <pc:docMk/>
-            <pc:sldMk cId="2602158399" sldId="296"/>
-            <ac:spMk id="19" creationId="{68F6DEB3-70A3-4BF4-8B2D-6E1AB8177828}"/>
-          </ac:spMkLst>
-        </pc:spChg>
-        <pc:spChg chg="mod">
-          <ac:chgData name="Fernando C Correa" userId="a08d7f3c16d54179" providerId="LiveId" clId="{BDD547D6-9985-4471-8D69-22FBC0393EC8}" dt="2020-06-13T13:01:59.703" v="197" actId="1076"/>
-          <ac:spMkLst>
-            <pc:docMk/>
-            <pc:sldMk cId="2602158399" sldId="296"/>
-            <ac:spMk id="24" creationId="{BC17027F-7803-4FE3-8399-202BED3AB6D0}"/>
-          </ac:spMkLst>
-        </pc:spChg>
-        <pc:spChg chg="mod">
-          <ac:chgData name="Fernando C Correa" userId="a08d7f3c16d54179" providerId="LiveId" clId="{BDD547D6-9985-4471-8D69-22FBC0393EC8}" dt="2020-06-13T13:01:59.703" v="197" actId="1076"/>
-          <ac:spMkLst>
-            <pc:docMk/>
-            <pc:sldMk cId="2602158399" sldId="296"/>
-            <ac:spMk id="28" creationId="{BC469A77-A7EE-4CB4-8E4C-DCC050D57D62}"/>
-          </ac:spMkLst>
-        </pc:spChg>
-        <pc:spChg chg="mod">
-          <ac:chgData name="Fernando C Correa" userId="a08d7f3c16d54179" providerId="LiveId" clId="{BDD547D6-9985-4471-8D69-22FBC0393EC8}" dt="2020-06-13T13:01:59.703" v="197" actId="1076"/>
-          <ac:spMkLst>
-            <pc:docMk/>
-            <pc:sldMk cId="2602158399" sldId="296"/>
-            <ac:spMk id="29" creationId="{DD4324BD-4086-4848-9198-B77789BF3807}"/>
-          </ac:spMkLst>
-        </pc:spChg>
-        <pc:spChg chg="mod">
-          <ac:chgData name="Fernando C Correa" userId="a08d7f3c16d54179" providerId="LiveId" clId="{BDD547D6-9985-4471-8D69-22FBC0393EC8}" dt="2020-06-13T13:01:59.703" v="197" actId="1076"/>
-          <ac:spMkLst>
-            <pc:docMk/>
-            <pc:sldMk cId="2602158399" sldId="296"/>
-            <ac:spMk id="33" creationId="{B543B89B-768B-47EC-BB9F-C055536C22B6}"/>
-          </ac:spMkLst>
-        </pc:spChg>
-        <pc:spChg chg="mod">
-          <ac:chgData name="Fernando C Correa" userId="a08d7f3c16d54179" providerId="LiveId" clId="{BDD547D6-9985-4471-8D69-22FBC0393EC8}" dt="2020-06-13T13:01:59.703" v="197" actId="1076"/>
-          <ac:spMkLst>
-            <pc:docMk/>
-            <pc:sldMk cId="2602158399" sldId="296"/>
-            <ac:spMk id="34" creationId="{DD72A077-704A-416F-8E83-896431DAA8EB}"/>
-          </ac:spMkLst>
-        </pc:spChg>
-        <pc:spChg chg="mod">
-          <ac:chgData name="Fernando C Correa" userId="a08d7f3c16d54179" providerId="LiveId" clId="{BDD547D6-9985-4471-8D69-22FBC0393EC8}" dt="2020-06-13T13:01:59.703" v="197" actId="1076"/>
-          <ac:spMkLst>
-            <pc:docMk/>
-            <pc:sldMk cId="2602158399" sldId="296"/>
-            <ac:spMk id="38" creationId="{A8D955FA-2077-4EB9-8FEF-F1D2DBDBD31E}"/>
-          </ac:spMkLst>
-        </pc:spChg>
-        <pc:spChg chg="mod">
-          <ac:chgData name="Fernando C Correa" userId="a08d7f3c16d54179" providerId="LiveId" clId="{BDD547D6-9985-4471-8D69-22FBC0393EC8}" dt="2020-06-13T13:01:59.703" v="197" actId="1076"/>
-          <ac:spMkLst>
-            <pc:docMk/>
-            <pc:sldMk cId="2602158399" sldId="296"/>
-            <ac:spMk id="39" creationId="{36980488-C9AD-44BF-9DF1-A2E4AD27E7BB}"/>
-          </ac:spMkLst>
-        </pc:spChg>
-        <pc:spChg chg="mod">
-          <ac:chgData name="Fernando C Correa" userId="a08d7f3c16d54179" providerId="LiveId" clId="{BDD547D6-9985-4471-8D69-22FBC0393EC8}" dt="2020-06-13T13:01:59.703" v="197" actId="1076"/>
-          <ac:spMkLst>
-            <pc:docMk/>
-            <pc:sldMk cId="2602158399" sldId="296"/>
-            <ac:spMk id="43" creationId="{5F832CFE-E431-4561-9E35-78F733771B06}"/>
-          </ac:spMkLst>
-        </pc:spChg>
-        <pc:spChg chg="mod">
-          <ac:chgData name="Fernando C Correa" userId="a08d7f3c16d54179" providerId="LiveId" clId="{BDD547D6-9985-4471-8D69-22FBC0393EC8}" dt="2020-06-13T13:01:59.703" v="197" actId="1076"/>
-          <ac:spMkLst>
-            <pc:docMk/>
-            <pc:sldMk cId="2602158399" sldId="296"/>
-            <ac:spMk id="44" creationId="{29CC72C0-3F4C-4C49-A359-4F0F44E6798A}"/>
-          </ac:spMkLst>
-        </pc:spChg>
-        <pc:spChg chg="mod">
-          <ac:chgData name="Fernando C Correa" userId="a08d7f3c16d54179" providerId="LiveId" clId="{BDD547D6-9985-4471-8D69-22FBC0393EC8}" dt="2020-06-13T13:01:59.703" v="197" actId="1076"/>
-          <ac:spMkLst>
-            <pc:docMk/>
-            <pc:sldMk cId="2602158399" sldId="296"/>
-            <ac:spMk id="45" creationId="{07B75210-3294-4AF0-8C9E-3C4AA843D05E}"/>
-          </ac:spMkLst>
-        </pc:spChg>
-        <pc:spChg chg="mod">
-          <ac:chgData name="Fernando C Correa" userId="a08d7f3c16d54179" providerId="LiveId" clId="{BDD547D6-9985-4471-8D69-22FBC0393EC8}" dt="2020-06-13T13:01:59.703" v="197" actId="1076"/>
-          <ac:spMkLst>
-            <pc:docMk/>
-            <pc:sldMk cId="2602158399" sldId="296"/>
-            <ac:spMk id="49" creationId="{53BFE470-B5B2-485F-94CA-535C8684DD5F}"/>
-          </ac:spMkLst>
-        </pc:spChg>
-        <pc:spChg chg="mod">
-          <ac:chgData name="Fernando C Correa" userId="a08d7f3c16d54179" providerId="LiveId" clId="{BDD547D6-9985-4471-8D69-22FBC0393EC8}" dt="2020-06-13T13:01:59.703" v="197" actId="1076"/>
-          <ac:spMkLst>
-            <pc:docMk/>
-            <pc:sldMk cId="2602158399" sldId="296"/>
-            <ac:spMk id="51" creationId="{6D9F163E-A50B-4064-A51A-092F7651CD2E}"/>
-          </ac:spMkLst>
-        </pc:spChg>
-        <pc:spChg chg="mod">
-          <ac:chgData name="Fernando C Correa" userId="a08d7f3c16d54179" providerId="LiveId" clId="{BDD547D6-9985-4471-8D69-22FBC0393EC8}" dt="2020-06-13T13:01:59.703" v="197" actId="1076"/>
-          <ac:spMkLst>
-            <pc:docMk/>
-            <pc:sldMk cId="2602158399" sldId="296"/>
-            <ac:spMk id="54" creationId="{3C0FED55-D186-4E30-B046-59F8924FC9CC}"/>
-          </ac:spMkLst>
-        </pc:spChg>
-        <pc:spChg chg="mod">
-          <ac:chgData name="Fernando C Correa" userId="a08d7f3c16d54179" providerId="LiveId" clId="{BDD547D6-9985-4471-8D69-22FBC0393EC8}" dt="2020-06-13T13:01:59.703" v="197" actId="1076"/>
-          <ac:spMkLst>
-            <pc:docMk/>
-            <pc:sldMk cId="2602158399" sldId="296"/>
-            <ac:spMk id="55" creationId="{2613465B-707B-4386-8895-2631B29F537D}"/>
-          </ac:spMkLst>
-        </pc:spChg>
-        <pc:spChg chg="mod">
-          <ac:chgData name="Fernando C Correa" userId="a08d7f3c16d54179" providerId="LiveId" clId="{BDD547D6-9985-4471-8D69-22FBC0393EC8}" dt="2020-06-13T13:01:59.703" v="197" actId="1076"/>
-          <ac:spMkLst>
-            <pc:docMk/>
-            <pc:sldMk cId="2602158399" sldId="296"/>
-            <ac:spMk id="58" creationId="{6B8346BA-BDA4-4050-ABFE-92CA319CE764}"/>
-          </ac:spMkLst>
-        </pc:spChg>
-        <pc:spChg chg="mod">
-          <ac:chgData name="Fernando C Correa" userId="a08d7f3c16d54179" providerId="LiveId" clId="{BDD547D6-9985-4471-8D69-22FBC0393EC8}" dt="2020-06-13T13:01:59.703" v="197" actId="1076"/>
-          <ac:spMkLst>
-            <pc:docMk/>
-            <pc:sldMk cId="2602158399" sldId="296"/>
-            <ac:spMk id="60" creationId="{C788DE36-5E28-434C-A4CA-E519F0A2B096}"/>
-          </ac:spMkLst>
-        </pc:spChg>
-        <pc:grpChg chg="mod">
-          <ac:chgData name="Fernando C Correa" userId="a08d7f3c16d54179" providerId="LiveId" clId="{BDD547D6-9985-4471-8D69-22FBC0393EC8}" dt="2020-06-13T13:01:59.703" v="197" actId="1076"/>
-          <ac:grpSpMkLst>
-            <pc:docMk/>
-            <pc:sldMk cId="2602158399" sldId="296"/>
-            <ac:grpSpMk id="15" creationId="{E9FF7A15-42E9-4313-8D04-09D0569D0196}"/>
-          </ac:grpSpMkLst>
-        </pc:grpChg>
-        <pc:picChg chg="mod">
-          <ac:chgData name="Fernando C Correa" userId="a08d7f3c16d54179" providerId="LiveId" clId="{BDD547D6-9985-4471-8D69-22FBC0393EC8}" dt="2020-06-13T13:01:59.703" v="197" actId="1076"/>
-          <ac:picMkLst>
-            <pc:docMk/>
-            <pc:sldMk cId="2602158399" sldId="296"/>
-            <ac:picMk id="17" creationId="{CEA00F93-F7D1-48DB-983F-C5A172708295}"/>
-          </ac:picMkLst>
-        </pc:picChg>
-        <pc:picChg chg="mod">
-          <ac:chgData name="Fernando C Correa" userId="a08d7f3c16d54179" providerId="LiveId" clId="{BDD547D6-9985-4471-8D69-22FBC0393EC8}" dt="2020-06-13T13:01:59.703" v="197" actId="1076"/>
-          <ac:picMkLst>
-            <pc:docMk/>
-            <pc:sldMk cId="2602158399" sldId="296"/>
-            <ac:picMk id="18" creationId="{C97D3599-BEA4-4B66-B383-661ADB6AFFC1}"/>
-          </ac:picMkLst>
-        </pc:picChg>
-        <pc:picChg chg="mod">
-          <ac:chgData name="Fernando C Correa" userId="a08d7f3c16d54179" providerId="LiveId" clId="{BDD547D6-9985-4471-8D69-22FBC0393EC8}" dt="2020-06-13T13:01:59.703" v="197" actId="1076"/>
-          <ac:picMkLst>
-            <pc:docMk/>
-            <pc:sldMk cId="2602158399" sldId="296"/>
-            <ac:picMk id="25" creationId="{92D307E8-D7FA-41EF-B88B-ABB1B5B59056}"/>
-          </ac:picMkLst>
-        </pc:picChg>
-        <pc:picChg chg="mod">
-          <ac:chgData name="Fernando C Correa" userId="a08d7f3c16d54179" providerId="LiveId" clId="{BDD547D6-9985-4471-8D69-22FBC0393EC8}" dt="2020-06-13T13:01:59.703" v="197" actId="1076"/>
-          <ac:picMkLst>
-            <pc:docMk/>
-            <pc:sldMk cId="2602158399" sldId="296"/>
-            <ac:picMk id="26" creationId="{8C063EEA-A4C4-40B6-B976-B9608C85BCC9}"/>
-          </ac:picMkLst>
-        </pc:picChg>
-        <pc:picChg chg="mod">
-          <ac:chgData name="Fernando C Correa" userId="a08d7f3c16d54179" providerId="LiveId" clId="{BDD547D6-9985-4471-8D69-22FBC0393EC8}" dt="2020-06-13T13:01:59.703" v="197" actId="1076"/>
-          <ac:picMkLst>
-            <pc:docMk/>
-            <pc:sldMk cId="2602158399" sldId="296"/>
-            <ac:picMk id="27" creationId="{38044D53-D848-432F-88E7-6074D70B6F5B}"/>
-          </ac:picMkLst>
-        </pc:picChg>
-        <pc:picChg chg="mod">
-          <ac:chgData name="Fernando C Correa" userId="a08d7f3c16d54179" providerId="LiveId" clId="{BDD547D6-9985-4471-8D69-22FBC0393EC8}" dt="2020-06-13T13:01:59.703" v="197" actId="1076"/>
-          <ac:picMkLst>
-            <pc:docMk/>
-            <pc:sldMk cId="2602158399" sldId="296"/>
-            <ac:picMk id="30" creationId="{ECAA8794-23CE-4539-B7E6-2F7FCCFE38F4}"/>
-          </ac:picMkLst>
-        </pc:picChg>
-        <pc:picChg chg="mod">
-          <ac:chgData name="Fernando C Correa" userId="a08d7f3c16d54179" providerId="LiveId" clId="{BDD547D6-9985-4471-8D69-22FBC0393EC8}" dt="2020-06-13T13:01:59.703" v="197" actId="1076"/>
-          <ac:picMkLst>
-            <pc:docMk/>
-            <pc:sldMk cId="2602158399" sldId="296"/>
-            <ac:picMk id="31" creationId="{BA9A953B-A980-40BD-B59E-2615134A7AB1}"/>
-          </ac:picMkLst>
-        </pc:picChg>
-        <pc:picChg chg="mod">
-          <ac:chgData name="Fernando C Correa" userId="a08d7f3c16d54179" providerId="LiveId" clId="{BDD547D6-9985-4471-8D69-22FBC0393EC8}" dt="2020-06-13T13:01:59.703" v="197" actId="1076"/>
-          <ac:picMkLst>
-            <pc:docMk/>
-            <pc:sldMk cId="2602158399" sldId="296"/>
-            <ac:picMk id="32" creationId="{2951D1B2-EB8E-48A1-ACCC-5C3BFD1425D9}"/>
-          </ac:picMkLst>
-        </pc:picChg>
-        <pc:picChg chg="mod">
-          <ac:chgData name="Fernando C Correa" userId="a08d7f3c16d54179" providerId="LiveId" clId="{BDD547D6-9985-4471-8D69-22FBC0393EC8}" dt="2020-06-13T13:01:59.703" v="197" actId="1076"/>
-          <ac:picMkLst>
-            <pc:docMk/>
-            <pc:sldMk cId="2602158399" sldId="296"/>
-            <ac:picMk id="35" creationId="{8AB0039D-F8B3-420E-8227-F47D2BEBA607}"/>
-          </ac:picMkLst>
-        </pc:picChg>
-        <pc:picChg chg="mod">
-          <ac:chgData name="Fernando C Correa" userId="a08d7f3c16d54179" providerId="LiveId" clId="{BDD547D6-9985-4471-8D69-22FBC0393EC8}" dt="2020-06-13T13:01:59.703" v="197" actId="1076"/>
-          <ac:picMkLst>
-            <pc:docMk/>
-            <pc:sldMk cId="2602158399" sldId="296"/>
-            <ac:picMk id="36" creationId="{A281C559-BA3E-41D0-BF49-F6B298074A37}"/>
-          </ac:picMkLst>
-        </pc:picChg>
-        <pc:picChg chg="mod">
-          <ac:chgData name="Fernando C Correa" userId="a08d7f3c16d54179" providerId="LiveId" clId="{BDD547D6-9985-4471-8D69-22FBC0393EC8}" dt="2020-06-13T13:01:59.703" v="197" actId="1076"/>
-          <ac:picMkLst>
-            <pc:docMk/>
-            <pc:sldMk cId="2602158399" sldId="296"/>
-            <ac:picMk id="37" creationId="{6583B8BD-B6B5-4387-BE17-995C748EA80A}"/>
-          </ac:picMkLst>
-        </pc:picChg>
-        <pc:picChg chg="mod">
-          <ac:chgData name="Fernando C Correa" userId="a08d7f3c16d54179" providerId="LiveId" clId="{BDD547D6-9985-4471-8D69-22FBC0393EC8}" dt="2020-06-13T13:01:59.703" v="197" actId="1076"/>
-          <ac:picMkLst>
-            <pc:docMk/>
-            <pc:sldMk cId="2602158399" sldId="296"/>
-            <ac:picMk id="40" creationId="{64ACA727-5796-4D15-BB85-8C3E8D82689A}"/>
-          </ac:picMkLst>
-        </pc:picChg>
-        <pc:picChg chg="mod">
-          <ac:chgData name="Fernando C Correa" userId="a08d7f3c16d54179" providerId="LiveId" clId="{BDD547D6-9985-4471-8D69-22FBC0393EC8}" dt="2020-06-13T13:01:59.703" v="197" actId="1076"/>
-          <ac:picMkLst>
-            <pc:docMk/>
-            <pc:sldMk cId="2602158399" sldId="296"/>
-            <ac:picMk id="41" creationId="{03C4FAAE-CD60-40D1-A85C-5317DB3FBD06}"/>
-          </ac:picMkLst>
-        </pc:picChg>
-        <pc:picChg chg="mod">
-          <ac:chgData name="Fernando C Correa" userId="a08d7f3c16d54179" providerId="LiveId" clId="{BDD547D6-9985-4471-8D69-22FBC0393EC8}" dt="2020-06-13T13:01:59.703" v="197" actId="1076"/>
-          <ac:picMkLst>
-            <pc:docMk/>
-            <pc:sldMk cId="2602158399" sldId="296"/>
-            <ac:picMk id="42" creationId="{DC4B6FCE-B796-4592-8B3D-5015D9E7CFA4}"/>
-          </ac:picMkLst>
-        </pc:picChg>
-        <pc:picChg chg="mod">
-          <ac:chgData name="Fernando C Correa" userId="a08d7f3c16d54179" providerId="LiveId" clId="{BDD547D6-9985-4471-8D69-22FBC0393EC8}" dt="2020-06-13T13:01:59.703" v="197" actId="1076"/>
-          <ac:picMkLst>
-            <pc:docMk/>
-            <pc:sldMk cId="2602158399" sldId="296"/>
-            <ac:picMk id="46" creationId="{734B15F5-445F-4B51-AB61-6A15B7389B1C}"/>
-          </ac:picMkLst>
-        </pc:picChg>
-        <pc:picChg chg="mod">
-          <ac:chgData name="Fernando C Correa" userId="a08d7f3c16d54179" providerId="LiveId" clId="{BDD547D6-9985-4471-8D69-22FBC0393EC8}" dt="2020-06-13T13:01:59.703" v="197" actId="1076"/>
-          <ac:picMkLst>
-            <pc:docMk/>
-            <pc:sldMk cId="2602158399" sldId="296"/>
-            <ac:picMk id="47" creationId="{C4280094-0DF8-42AD-A3C0-637B340633DE}"/>
-          </ac:picMkLst>
-        </pc:picChg>
-        <pc:picChg chg="mod">
-          <ac:chgData name="Fernando C Correa" userId="a08d7f3c16d54179" providerId="LiveId" clId="{BDD547D6-9985-4471-8D69-22FBC0393EC8}" dt="2020-06-13T13:01:59.703" v="197" actId="1076"/>
-          <ac:picMkLst>
-            <pc:docMk/>
-            <pc:sldMk cId="2602158399" sldId="296"/>
-            <ac:picMk id="48" creationId="{5666F17B-10F4-4143-BB41-AED60D3AD81D}"/>
-          </ac:picMkLst>
-        </pc:picChg>
-        <pc:picChg chg="mod">
-          <ac:chgData name="Fernando C Correa" userId="a08d7f3c16d54179" providerId="LiveId" clId="{BDD547D6-9985-4471-8D69-22FBC0393EC8}" dt="2020-06-13T13:01:59.703" v="197" actId="1076"/>
-          <ac:picMkLst>
-            <pc:docMk/>
-            <pc:sldMk cId="2602158399" sldId="296"/>
-            <ac:picMk id="50" creationId="{B60F9C1F-22B8-416F-8FE3-5CE644519419}"/>
-          </ac:picMkLst>
-        </pc:picChg>
-        <pc:picChg chg="mod">
-          <ac:chgData name="Fernando C Correa" userId="a08d7f3c16d54179" providerId="LiveId" clId="{BDD547D6-9985-4471-8D69-22FBC0393EC8}" dt="2020-06-13T13:01:59.703" v="197" actId="1076"/>
-          <ac:picMkLst>
-            <pc:docMk/>
-            <pc:sldMk cId="2602158399" sldId="296"/>
-            <ac:picMk id="52" creationId="{BAB8CD45-7511-4C73-AA48-C8281F2E0A3C}"/>
-          </ac:picMkLst>
-        </pc:picChg>
-        <pc:picChg chg="mod">
-          <ac:chgData name="Fernando C Correa" userId="a08d7f3c16d54179" providerId="LiveId" clId="{BDD547D6-9985-4471-8D69-22FBC0393EC8}" dt="2020-06-13T13:01:59.703" v="197" actId="1076"/>
-          <ac:picMkLst>
-            <pc:docMk/>
-            <pc:sldMk cId="2602158399" sldId="296"/>
-            <ac:picMk id="53" creationId="{FA07CA02-463C-4AF8-8906-77C7CABADC4E}"/>
-          </ac:picMkLst>
-        </pc:picChg>
-        <pc:picChg chg="mod">
-          <ac:chgData name="Fernando C Correa" userId="a08d7f3c16d54179" providerId="LiveId" clId="{BDD547D6-9985-4471-8D69-22FBC0393EC8}" dt="2020-06-13T13:01:59.703" v="197" actId="1076"/>
-          <ac:picMkLst>
-            <pc:docMk/>
-            <pc:sldMk cId="2602158399" sldId="296"/>
-            <ac:picMk id="56" creationId="{31FBB08B-7667-4E85-B518-97CE8E16E6AA}"/>
-          </ac:picMkLst>
-        </pc:picChg>
-        <pc:picChg chg="mod">
-          <ac:chgData name="Fernando C Correa" userId="a08d7f3c16d54179" providerId="LiveId" clId="{BDD547D6-9985-4471-8D69-22FBC0393EC8}" dt="2020-06-13T13:01:59.703" v="197" actId="1076"/>
-          <ac:picMkLst>
-            <pc:docMk/>
-            <pc:sldMk cId="2602158399" sldId="296"/>
-            <ac:picMk id="57" creationId="{EE6D6132-A431-4A02-A427-9CE4145E3BDD}"/>
-          </ac:picMkLst>
-        </pc:picChg>
-        <pc:picChg chg="mod">
-          <ac:chgData name="Fernando C Correa" userId="a08d7f3c16d54179" providerId="LiveId" clId="{BDD547D6-9985-4471-8D69-22FBC0393EC8}" dt="2020-06-13T13:01:59.703" v="197" actId="1076"/>
-          <ac:picMkLst>
-            <pc:docMk/>
-            <pc:sldMk cId="2602158399" sldId="296"/>
-            <ac:picMk id="59" creationId="{DD63712A-C03D-4F8C-BF84-89CEAB612CF7}"/>
-          </ac:picMkLst>
-        </pc:picChg>
-        <pc:picChg chg="mod">
-          <ac:chgData name="Fernando C Correa" userId="a08d7f3c16d54179" providerId="LiveId" clId="{BDD547D6-9985-4471-8D69-22FBC0393EC8}" dt="2020-06-13T13:01:59.703" v="197" actId="1076"/>
-          <ac:picMkLst>
-            <pc:docMk/>
-            <pc:sldMk cId="2602158399" sldId="296"/>
-            <ac:picMk id="61" creationId="{6FA2A99A-D947-4B1F-A5C1-8FDF6DC5EC8D}"/>
-          </ac:picMkLst>
-        </pc:picChg>
-        <pc:cxnChg chg="mod">
-          <ac:chgData name="Fernando C Correa" userId="a08d7f3c16d54179" providerId="LiveId" clId="{BDD547D6-9985-4471-8D69-22FBC0393EC8}" dt="2020-06-13T13:01:59.703" v="197" actId="1076"/>
-          <ac:cxnSpMkLst>
-            <pc:docMk/>
-            <pc:sldMk cId="2602158399" sldId="296"/>
-            <ac:cxnSpMk id="20" creationId="{998EDA69-6C46-47A3-930F-B1430385C2AE}"/>
-          </ac:cxnSpMkLst>
-        </pc:cxnChg>
-        <pc:cxnChg chg="mod">
-          <ac:chgData name="Fernando C Correa" userId="a08d7f3c16d54179" providerId="LiveId" clId="{BDD547D6-9985-4471-8D69-22FBC0393EC8}" dt="2020-06-13T13:01:59.703" v="197" actId="1076"/>
-          <ac:cxnSpMkLst>
-            <pc:docMk/>
-            <pc:sldMk cId="2602158399" sldId="296"/>
-            <ac:cxnSpMk id="21" creationId="{A3197A14-BF0B-4428-B5BA-ACECF64C5380}"/>
-          </ac:cxnSpMkLst>
-        </pc:cxnChg>
-        <pc:cxnChg chg="mod">
-          <ac:chgData name="Fernando C Correa" userId="a08d7f3c16d54179" providerId="LiveId" clId="{BDD547D6-9985-4471-8D69-22FBC0393EC8}" dt="2020-06-13T13:01:59.703" v="197" actId="1076"/>
-          <ac:cxnSpMkLst>
-            <pc:docMk/>
-            <pc:sldMk cId="2602158399" sldId="296"/>
-            <ac:cxnSpMk id="22" creationId="{3DB8BF4F-5A09-46EC-84F2-422FA9BDD61F}"/>
-          </ac:cxnSpMkLst>
-        </pc:cxnChg>
-        <pc:cxnChg chg="mod">
-          <ac:chgData name="Fernando C Correa" userId="a08d7f3c16d54179" providerId="LiveId" clId="{BDD547D6-9985-4471-8D69-22FBC0393EC8}" dt="2020-06-13T13:01:59.703" v="197" actId="1076"/>
-          <ac:cxnSpMkLst>
-            <pc:docMk/>
-            <pc:sldMk cId="2602158399" sldId="296"/>
-            <ac:cxnSpMk id="23" creationId="{ADCB89AA-7FF1-4CB6-B761-542025321EAD}"/>
-          </ac:cxnSpMkLst>
-        </pc:cxnChg>
-      </pc:sldChg>
-      <pc:sldChg chg="modAnim">
-        <pc:chgData name="Fernando C Correa" userId="a08d7f3c16d54179" providerId="LiveId" clId="{BDD547D6-9985-4471-8D69-22FBC0393EC8}" dt="2020-06-13T12:56:44.741" v="136"/>
-        <pc:sldMkLst>
-          <pc:docMk/>
-          <pc:sldMk cId="903407908" sldId="297"/>
-        </pc:sldMkLst>
-      </pc:sldChg>
-      <pc:sldChg chg="addSp delSp modSp mod modAnim">
-        <pc:chgData name="Fernando C Correa" userId="a08d7f3c16d54179" providerId="LiveId" clId="{BDD547D6-9985-4471-8D69-22FBC0393EC8}" dt="2020-06-13T12:57:20.395" v="142"/>
-        <pc:sldMkLst>
-          <pc:docMk/>
-          <pc:sldMk cId="1350499800" sldId="298"/>
-        </pc:sldMkLst>
-        <pc:spChg chg="add del mod">
-          <ac:chgData name="Fernando C Correa" userId="a08d7f3c16d54179" providerId="LiveId" clId="{BDD547D6-9985-4471-8D69-22FBC0393EC8}" dt="2020-06-13T12:57:17.751" v="141" actId="478"/>
-          <ac:spMkLst>
-            <pc:docMk/>
-            <pc:sldMk cId="1350499800" sldId="298"/>
-            <ac:spMk id="4" creationId="{C25171A5-7E0F-403E-B684-49B155917CC2}"/>
-          </ac:spMkLst>
-        </pc:spChg>
-        <pc:graphicFrameChg chg="add del mod">
-          <ac:chgData name="Fernando C Correa" userId="a08d7f3c16d54179" providerId="LiveId" clId="{BDD547D6-9985-4471-8D69-22FBC0393EC8}" dt="2020-06-13T12:57:20.395" v="142"/>
-          <ac:graphicFrameMkLst>
-            <pc:docMk/>
-            <pc:sldMk cId="1350499800" sldId="298"/>
-            <ac:graphicFrameMk id="5" creationId="{00000000-0000-0000-0000-000000000000}"/>
-          </ac:graphicFrameMkLst>
-        </pc:graphicFrameChg>
-      </pc:sldChg>
-      <pc:sldChg chg="add del">
-        <pc:chgData name="Fernando C Correa" userId="a08d7f3c16d54179" providerId="LiveId" clId="{BDD547D6-9985-4471-8D69-22FBC0393EC8}" dt="2020-06-13T13:04:30.475" v="204" actId="47"/>
-        <pc:sldMkLst>
-          <pc:docMk/>
-          <pc:sldMk cId="1928776125" sldId="299"/>
-        </pc:sldMkLst>
-      </pc:sldChg>
-      <pc:sldChg chg="addSp delSp modSp add mod ord">
-        <pc:chgData name="Fernando C Correa" userId="a08d7f3c16d54179" providerId="LiveId" clId="{BDD547D6-9985-4471-8D69-22FBC0393EC8}" dt="2020-06-13T13:09:11.758" v="233"/>
-        <pc:sldMkLst>
-          <pc:docMk/>
-          <pc:sldMk cId="2306638093" sldId="299"/>
-        </pc:sldMkLst>
-        <pc:spChg chg="mod">
-          <ac:chgData name="Fernando C Correa" userId="a08d7f3c16d54179" providerId="LiveId" clId="{BDD547D6-9985-4471-8D69-22FBC0393EC8}" dt="2020-06-13T13:08:05.251" v="220" actId="20577"/>
-          <ac:spMkLst>
-            <pc:docMk/>
-            <pc:sldMk cId="2306638093" sldId="299"/>
-            <ac:spMk id="2" creationId="{00000000-0000-0000-0000-000000000000}"/>
-          </ac:spMkLst>
-        </pc:spChg>
-        <pc:picChg chg="add mod">
-          <ac:chgData name="Fernando C Correa" userId="a08d7f3c16d54179" providerId="LiveId" clId="{BDD547D6-9985-4471-8D69-22FBC0393EC8}" dt="2020-06-13T13:08:12.939" v="221" actId="1076"/>
-          <ac:picMkLst>
-            <pc:docMk/>
-            <pc:sldMk cId="2306638093" sldId="299"/>
-            <ac:picMk id="3" creationId="{EEAC992E-ED94-44D0-8B15-D8F5ED685DAA}"/>
-          </ac:picMkLst>
-        </pc:picChg>
-        <pc:picChg chg="del">
-          <ac:chgData name="Fernando C Correa" userId="a08d7f3c16d54179" providerId="LiveId" clId="{BDD547D6-9985-4471-8D69-22FBC0393EC8}" dt="2020-06-13T13:07:42.049" v="206" actId="478"/>
-          <ac:picMkLst>
-            <pc:docMk/>
-            <pc:sldMk cId="2306638093" sldId="299"/>
-            <ac:picMk id="11" creationId="{D1E3D129-AEE4-4620-B9D7-636720389400}"/>
-          </ac:picMkLst>
-        </pc:picChg>
-      </pc:sldChg>
-    </pc:docChg>
-  </pc:docChgLst>
   <pc:docChgLst>
     <pc:chgData name="Fernando C Correa" userId="a08d7f3c16d54179" providerId="LiveId" clId="{0FED219A-7BCA-49C3-937D-E3FA7E6DD874}"/>
     <pc:docChg chg="undo custSel mod addSld delSld modSld">
@@ -3498,190 +715,6 @@
             <pc:docMk/>
             <pc:sldMk cId="1001627628" sldId="290"/>
             <ac:picMk id="18" creationId="{E06E4486-40EB-49C0-BDD4-6308F01F4996}"/>
-          </ac:picMkLst>
-        </pc:picChg>
-      </pc:sldChg>
-    </pc:docChg>
-  </pc:docChgLst>
-  <pc:docChgLst>
-    <pc:chgData name="Fernando C Correa" userId="a08d7f3c16d54179" providerId="LiveId" clId="{6EC4B758-B45F-42C0-A207-A6CC0CF2CC0F}"/>
-    <pc:docChg chg="custSel addSld modSld sldOrd">
-      <pc:chgData name="Fernando C Correa" userId="a08d7f3c16d54179" providerId="LiveId" clId="{6EC4B758-B45F-42C0-A207-A6CC0CF2CC0F}" dt="2020-06-19T00:19:22.161" v="126"/>
-      <pc:docMkLst>
-        <pc:docMk/>
-      </pc:docMkLst>
-      <pc:sldChg chg="addSp delSp modSp add mod ord delAnim">
-        <pc:chgData name="Fernando C Correa" userId="a08d7f3c16d54179" providerId="LiveId" clId="{6EC4B758-B45F-42C0-A207-A6CC0CF2CC0F}" dt="2020-06-19T00:19:22.161" v="126"/>
-        <pc:sldMkLst>
-          <pc:docMk/>
-          <pc:sldMk cId="1216557380" sldId="310"/>
-        </pc:sldMkLst>
-        <pc:spChg chg="add del">
-          <ac:chgData name="Fernando C Correa" userId="a08d7f3c16d54179" providerId="LiveId" clId="{6EC4B758-B45F-42C0-A207-A6CC0CF2CC0F}" dt="2020-06-19T00:02:47.623" v="27" actId="478"/>
-          <ac:spMkLst>
-            <pc:docMk/>
-            <pc:sldMk cId="1216557380" sldId="310"/>
-            <ac:spMk id="3" creationId="{C4067438-8CD2-439C-9D91-898636A2B2ED}"/>
-          </ac:spMkLst>
-        </pc:spChg>
-        <pc:spChg chg="del mod">
-          <ac:chgData name="Fernando C Correa" userId="a08d7f3c16d54179" providerId="LiveId" clId="{6EC4B758-B45F-42C0-A207-A6CC0CF2CC0F}" dt="2020-06-18T23:50:40.874" v="6" actId="478"/>
-          <ac:spMkLst>
-            <pc:docMk/>
-            <pc:sldMk cId="1216557380" sldId="310"/>
-            <ac:spMk id="10" creationId="{00000000-0000-0000-0000-000000000000}"/>
-          </ac:spMkLst>
-        </pc:spChg>
-        <pc:spChg chg="del">
-          <ac:chgData name="Fernando C Correa" userId="a08d7f3c16d54179" providerId="LiveId" clId="{6EC4B758-B45F-42C0-A207-A6CC0CF2CC0F}" dt="2020-06-19T00:18:34.884" v="122" actId="478"/>
-          <ac:spMkLst>
-            <pc:docMk/>
-            <pc:sldMk cId="1216557380" sldId="310"/>
-            <ac:spMk id="16" creationId="{B929AAFC-5FD1-4FBC-9997-0574514F2D6D}"/>
-          </ac:spMkLst>
-        </pc:spChg>
-        <pc:spChg chg="del">
-          <ac:chgData name="Fernando C Correa" userId="a08d7f3c16d54179" providerId="LiveId" clId="{6EC4B758-B45F-42C0-A207-A6CC0CF2CC0F}" dt="2020-06-18T23:50:51.130" v="9" actId="478"/>
-          <ac:spMkLst>
-            <pc:docMk/>
-            <pc:sldMk cId="1216557380" sldId="310"/>
-            <ac:spMk id="21" creationId="{DEDAC65E-5A44-4D6B-8FD8-DE7536913038}"/>
-          </ac:spMkLst>
-        </pc:spChg>
-        <pc:spChg chg="add mod">
-          <ac:chgData name="Fernando C Correa" userId="a08d7f3c16d54179" providerId="LiveId" clId="{6EC4B758-B45F-42C0-A207-A6CC0CF2CC0F}" dt="2020-06-19T00:18:35.134" v="123"/>
-          <ac:spMkLst>
-            <pc:docMk/>
-            <pc:sldMk cId="1216557380" sldId="310"/>
-            <ac:spMk id="33" creationId="{4EC138E7-6E1A-465A-ABCA-96536386FA2F}"/>
-          </ac:spMkLst>
-        </pc:spChg>
-        <pc:picChg chg="add del mod">
-          <ac:chgData name="Fernando C Correa" userId="a08d7f3c16d54179" providerId="LiveId" clId="{6EC4B758-B45F-42C0-A207-A6CC0CF2CC0F}" dt="2020-06-19T00:03:02.717" v="30" actId="478"/>
-          <ac:picMkLst>
-            <pc:docMk/>
-            <pc:sldMk cId="1216557380" sldId="310"/>
-            <ac:picMk id="5" creationId="{02D9D256-F4A8-41E8-B5B9-7C389446A865}"/>
-          </ac:picMkLst>
-        </pc:picChg>
-        <pc:picChg chg="add del mod">
-          <ac:chgData name="Fernando C Correa" userId="a08d7f3c16d54179" providerId="LiveId" clId="{6EC4B758-B45F-42C0-A207-A6CC0CF2CC0F}" dt="2020-06-19T00:03:52.186" v="32" actId="478"/>
-          <ac:picMkLst>
-            <pc:docMk/>
-            <pc:sldMk cId="1216557380" sldId="310"/>
-            <ac:picMk id="7" creationId="{88BA9433-256E-4C5B-8E78-A369A413C4B6}"/>
-          </ac:picMkLst>
-        </pc:picChg>
-        <pc:picChg chg="del">
-          <ac:chgData name="Fernando C Correa" userId="a08d7f3c16d54179" providerId="LiveId" clId="{6EC4B758-B45F-42C0-A207-A6CC0CF2CC0F}" dt="2020-06-18T23:50:07.842" v="1" actId="478"/>
-          <ac:picMkLst>
-            <pc:docMk/>
-            <pc:sldMk cId="1216557380" sldId="310"/>
-            <ac:picMk id="8" creationId="{E7887945-5460-4B49-BFA8-1466756D37A0}"/>
-          </ac:picMkLst>
-        </pc:picChg>
-        <pc:picChg chg="add del mod">
-          <ac:chgData name="Fernando C Correa" userId="a08d7f3c16d54179" providerId="LiveId" clId="{6EC4B758-B45F-42C0-A207-A6CC0CF2CC0F}" dt="2020-06-18T23:50:40.874" v="6" actId="478"/>
-          <ac:picMkLst>
-            <pc:docMk/>
-            <pc:sldMk cId="1216557380" sldId="310"/>
-            <ac:picMk id="1026" creationId="{E2C4D506-071C-451A-A25B-277474AEA927}"/>
-          </ac:picMkLst>
-        </pc:picChg>
-        <pc:picChg chg="add mod">
-          <ac:chgData name="Fernando C Correa" userId="a08d7f3c16d54179" providerId="LiveId" clId="{6EC4B758-B45F-42C0-A207-A6CC0CF2CC0F}" dt="2020-06-19T00:18:01.635" v="116" actId="1076"/>
-          <ac:picMkLst>
-            <pc:docMk/>
-            <pc:sldMk cId="1216557380" sldId="310"/>
-            <ac:picMk id="1028" creationId="{D76B89FC-867A-4147-BA71-9560870E80C8}"/>
-          </ac:picMkLst>
-        </pc:picChg>
-        <pc:picChg chg="add mod">
-          <ac:chgData name="Fernando C Correa" userId="a08d7f3c16d54179" providerId="LiveId" clId="{6EC4B758-B45F-42C0-A207-A6CC0CF2CC0F}" dt="2020-06-19T00:17:48.852" v="113" actId="1076"/>
-          <ac:picMkLst>
-            <pc:docMk/>
-            <pc:sldMk cId="1216557380" sldId="310"/>
-            <ac:picMk id="1030" creationId="{1D444095-F87C-4CAA-AEB0-70F655079581}"/>
-          </ac:picMkLst>
-        </pc:picChg>
-        <pc:picChg chg="add del mod">
-          <ac:chgData name="Fernando C Correa" userId="a08d7f3c16d54179" providerId="LiveId" clId="{6EC4B758-B45F-42C0-A207-A6CC0CF2CC0F}" dt="2020-06-19T00:04:42.394" v="35" actId="478"/>
-          <ac:picMkLst>
-            <pc:docMk/>
-            <pc:sldMk cId="1216557380" sldId="310"/>
-            <ac:picMk id="1032" creationId="{DC985500-6753-4439-BD58-630E0B60A8D5}"/>
-          </ac:picMkLst>
-        </pc:picChg>
-        <pc:picChg chg="add del mod">
-          <ac:chgData name="Fernando C Correa" userId="a08d7f3c16d54179" providerId="LiveId" clId="{6EC4B758-B45F-42C0-A207-A6CC0CF2CC0F}" dt="2020-06-19T00:12:40.871" v="38" actId="478"/>
-          <ac:picMkLst>
-            <pc:docMk/>
-            <pc:sldMk cId="1216557380" sldId="310"/>
-            <ac:picMk id="1034" creationId="{F4FBE164-AFE1-4910-B468-1BEFB859B3E4}"/>
-          </ac:picMkLst>
-        </pc:picChg>
-        <pc:picChg chg="add mod">
-          <ac:chgData name="Fernando C Correa" userId="a08d7f3c16d54179" providerId="LiveId" clId="{6EC4B758-B45F-42C0-A207-A6CC0CF2CC0F}" dt="2020-06-19T00:18:04.970" v="117" actId="1076"/>
-          <ac:picMkLst>
-            <pc:docMk/>
-            <pc:sldMk cId="1216557380" sldId="310"/>
-            <ac:picMk id="1036" creationId="{4CB63698-D978-4CD6-8FD1-C022074D72D7}"/>
-          </ac:picMkLst>
-        </pc:picChg>
-        <pc:picChg chg="add mod">
-          <ac:chgData name="Fernando C Correa" userId="a08d7f3c16d54179" providerId="LiveId" clId="{6EC4B758-B45F-42C0-A207-A6CC0CF2CC0F}" dt="2020-06-19T00:18:07.101" v="118" actId="1076"/>
-          <ac:picMkLst>
-            <pc:docMk/>
-            <pc:sldMk cId="1216557380" sldId="310"/>
-            <ac:picMk id="1038" creationId="{1070BA75-767B-4C56-BCD0-3A6C324EE9BC}"/>
-          </ac:picMkLst>
-        </pc:picChg>
-        <pc:picChg chg="add mod">
-          <ac:chgData name="Fernando C Correa" userId="a08d7f3c16d54179" providerId="LiveId" clId="{6EC4B758-B45F-42C0-A207-A6CC0CF2CC0F}" dt="2020-06-19T00:18:11.926" v="119" actId="1076"/>
-          <ac:picMkLst>
-            <pc:docMk/>
-            <pc:sldMk cId="1216557380" sldId="310"/>
-            <ac:picMk id="1040" creationId="{3E94C683-13A5-473D-84E5-0EC77570D1A9}"/>
-          </ac:picMkLst>
-        </pc:picChg>
-        <pc:picChg chg="add del mod">
-          <ac:chgData name="Fernando C Correa" userId="a08d7f3c16d54179" providerId="LiveId" clId="{6EC4B758-B45F-42C0-A207-A6CC0CF2CC0F}" dt="2020-06-19T00:02:09.582" v="25" actId="478"/>
-          <ac:picMkLst>
-            <pc:docMk/>
-            <pc:sldMk cId="1216557380" sldId="310"/>
-            <ac:picMk id="1042" creationId="{F976BB1D-A18D-4721-B4A5-05E33E45C8BE}"/>
-          </ac:picMkLst>
-        </pc:picChg>
-        <pc:picChg chg="add del mod">
-          <ac:chgData name="Fernando C Correa" userId="a08d7f3c16d54179" providerId="LiveId" clId="{6EC4B758-B45F-42C0-A207-A6CC0CF2CC0F}" dt="2020-06-19T00:02:09.582" v="25" actId="478"/>
-          <ac:picMkLst>
-            <pc:docMk/>
-            <pc:sldMk cId="1216557380" sldId="310"/>
-            <ac:picMk id="1044" creationId="{28885620-9074-4DE9-A28C-FC338FFEDBCF}"/>
-          </ac:picMkLst>
-        </pc:picChg>
-        <pc:picChg chg="add mod">
-          <ac:chgData name="Fernando C Correa" userId="a08d7f3c16d54179" providerId="LiveId" clId="{6EC4B758-B45F-42C0-A207-A6CC0CF2CC0F}" dt="2020-06-19T00:17:58.209" v="115" actId="1076"/>
-          <ac:picMkLst>
-            <pc:docMk/>
-            <pc:sldMk cId="1216557380" sldId="310"/>
-            <ac:picMk id="1048" creationId="{02423DA5-E5A7-4204-9F15-B1C2DA32315D}"/>
-          </ac:picMkLst>
-        </pc:picChg>
-        <pc:picChg chg="add mod">
-          <ac:chgData name="Fernando C Correa" userId="a08d7f3c16d54179" providerId="LiveId" clId="{6EC4B758-B45F-42C0-A207-A6CC0CF2CC0F}" dt="2020-06-19T00:19:14.925" v="124" actId="1076"/>
-          <ac:picMkLst>
-            <pc:docMk/>
-            <pc:sldMk cId="1216557380" sldId="310"/>
-            <ac:picMk id="1050" creationId="{3436FD7C-0729-4A23-ABA2-8DE8F6568403}"/>
-          </ac:picMkLst>
-        </pc:picChg>
-        <pc:picChg chg="add mod">
-          <ac:chgData name="Fernando C Correa" userId="a08d7f3c16d54179" providerId="LiveId" clId="{6EC4B758-B45F-42C0-A207-A6CC0CF2CC0F}" dt="2020-06-19T00:17:54.236" v="114" actId="1076"/>
-          <ac:picMkLst>
-            <pc:docMk/>
-            <pc:sldMk cId="1216557380" sldId="310"/>
-            <ac:picMk id="1052" creationId="{393BA934-075A-4034-B5AE-B620E367AEAB}"/>
           </ac:picMkLst>
         </pc:picChg>
       </pc:sldChg>
@@ -4584,6 +1617,3178 @@
           <pc:docMk/>
           <pc:sldMk cId="1350499800" sldId="298"/>
         </pc:sldMkLst>
+      </pc:sldChg>
+    </pc:docChg>
+  </pc:docChgLst>
+  <pc:docChgLst>
+    <pc:chgData name="Fernando C Correa" userId="a08d7f3c16d54179" providerId="LiveId" clId="{DAECEB32-C126-44A1-B729-3AADB1682972}"/>
+    <pc:docChg chg="undo custSel addSld delSld modSld sldOrd">
+      <pc:chgData name="Fernando C Correa" userId="a08d7f3c16d54179" providerId="LiveId" clId="{DAECEB32-C126-44A1-B729-3AADB1682972}" dt="2020-06-18T22:40:15.195" v="2142"/>
+      <pc:docMkLst>
+        <pc:docMk/>
+      </pc:docMkLst>
+      <pc:sldChg chg="addSp modSp add del mod modAnim">
+        <pc:chgData name="Fernando C Correa" userId="a08d7f3c16d54179" providerId="LiveId" clId="{DAECEB32-C126-44A1-B729-3AADB1682972}" dt="2020-06-16T23:52:25.126" v="657" actId="2696"/>
+        <pc:sldMkLst>
+          <pc:docMk/>
+          <pc:sldMk cId="0" sldId="264"/>
+        </pc:sldMkLst>
+        <pc:picChg chg="mod">
+          <ac:chgData name="Fernando C Correa" userId="a08d7f3c16d54179" providerId="LiveId" clId="{DAECEB32-C126-44A1-B729-3AADB1682972}" dt="2020-06-16T23:46:48.244" v="546" actId="1076"/>
+          <ac:picMkLst>
+            <pc:docMk/>
+            <pc:sldMk cId="0" sldId="264"/>
+            <ac:picMk id="4" creationId="{00000000-0000-0000-0000-000000000000}"/>
+          </ac:picMkLst>
+        </pc:picChg>
+        <pc:picChg chg="add mod">
+          <ac:chgData name="Fernando C Correa" userId="a08d7f3c16d54179" providerId="LiveId" clId="{DAECEB32-C126-44A1-B729-3AADB1682972}" dt="2020-06-16T23:47:48.346" v="552" actId="1076"/>
+          <ac:picMkLst>
+            <pc:docMk/>
+            <pc:sldMk cId="0" sldId="264"/>
+            <ac:picMk id="5" creationId="{7A65702D-88BF-4DBA-9323-920BA15A8173}"/>
+          </ac:picMkLst>
+        </pc:picChg>
+      </pc:sldChg>
+      <pc:sldChg chg="addSp modSp mod modAnim">
+        <pc:chgData name="Fernando C Correa" userId="a08d7f3c16d54179" providerId="LiveId" clId="{DAECEB32-C126-44A1-B729-3AADB1682972}" dt="2020-06-17T02:53:24.961" v="2059" actId="1076"/>
+        <pc:sldMkLst>
+          <pc:docMk/>
+          <pc:sldMk cId="3542761506" sldId="281"/>
+        </pc:sldMkLst>
+        <pc:spChg chg="mod">
+          <ac:chgData name="Fernando C Correa" userId="a08d7f3c16d54179" providerId="LiveId" clId="{DAECEB32-C126-44A1-B729-3AADB1682972}" dt="2020-06-17T02:52:36.148" v="1960" actId="20577"/>
+          <ac:spMkLst>
+            <pc:docMk/>
+            <pc:sldMk cId="3542761506" sldId="281"/>
+            <ac:spMk id="2" creationId="{00000000-0000-0000-0000-000000000000}"/>
+          </ac:spMkLst>
+        </pc:spChg>
+        <pc:spChg chg="add mod">
+          <ac:chgData name="Fernando C Correa" userId="a08d7f3c16d54179" providerId="LiveId" clId="{DAECEB32-C126-44A1-B729-3AADB1682972}" dt="2020-06-17T02:52:39.799" v="1968" actId="20577"/>
+          <ac:spMkLst>
+            <pc:docMk/>
+            <pc:sldMk cId="3542761506" sldId="281"/>
+            <ac:spMk id="11" creationId="{F6860C7B-45AB-4527-8D46-334216B4FAC7}"/>
+          </ac:spMkLst>
+        </pc:spChg>
+        <pc:spChg chg="add mod">
+          <ac:chgData name="Fernando C Correa" userId="a08d7f3c16d54179" providerId="LiveId" clId="{DAECEB32-C126-44A1-B729-3AADB1682972}" dt="2020-06-17T02:53:24.961" v="2059" actId="1076"/>
+          <ac:spMkLst>
+            <pc:docMk/>
+            <pc:sldMk cId="3542761506" sldId="281"/>
+            <ac:spMk id="15" creationId="{DF55296A-B4B1-4455-AEC8-E88599BF720B}"/>
+          </ac:spMkLst>
+        </pc:spChg>
+        <pc:spChg chg="add mod">
+          <ac:chgData name="Fernando C Correa" userId="a08d7f3c16d54179" providerId="LiveId" clId="{DAECEB32-C126-44A1-B729-3AADB1682972}" dt="2020-06-17T02:53:24.961" v="2059" actId="1076"/>
+          <ac:spMkLst>
+            <pc:docMk/>
+            <pc:sldMk cId="3542761506" sldId="281"/>
+            <ac:spMk id="16" creationId="{3CA46EF6-3532-4FFA-BE31-84EB0DB00941}"/>
+          </ac:spMkLst>
+        </pc:spChg>
+      </pc:sldChg>
+      <pc:sldChg chg="addSp delSp modSp del mod">
+        <pc:chgData name="Fernando C Correa" userId="a08d7f3c16d54179" providerId="LiveId" clId="{DAECEB32-C126-44A1-B729-3AADB1682972}" dt="2020-06-17T01:22:07.612" v="1067" actId="47"/>
+        <pc:sldMkLst>
+          <pc:docMk/>
+          <pc:sldMk cId="1290913563" sldId="286"/>
+        </pc:sldMkLst>
+        <pc:spChg chg="mod">
+          <ac:chgData name="Fernando C Correa" userId="a08d7f3c16d54179" providerId="LiveId" clId="{DAECEB32-C126-44A1-B729-3AADB1682972}" dt="2020-06-17T01:05:30.054" v="915" actId="20577"/>
+          <ac:spMkLst>
+            <pc:docMk/>
+            <pc:sldMk cId="1290913563" sldId="286"/>
+            <ac:spMk id="2" creationId="{00000000-0000-0000-0000-000000000000}"/>
+          </ac:spMkLst>
+        </pc:spChg>
+        <pc:spChg chg="add mod">
+          <ac:chgData name="Fernando C Correa" userId="a08d7f3c16d54179" providerId="LiveId" clId="{DAECEB32-C126-44A1-B729-3AADB1682972}" dt="2020-06-17T01:21:19.096" v="1065"/>
+          <ac:spMkLst>
+            <pc:docMk/>
+            <pc:sldMk cId="1290913563" sldId="286"/>
+            <ac:spMk id="3" creationId="{ADC9990C-DB22-4C9E-AE0D-AFC17340A299}"/>
+          </ac:spMkLst>
+        </pc:spChg>
+        <pc:spChg chg="add del mod">
+          <ac:chgData name="Fernando C Correa" userId="a08d7f3c16d54179" providerId="LiveId" clId="{DAECEB32-C126-44A1-B729-3AADB1682972}" dt="2020-06-17T01:21:12.474" v="1053" actId="478"/>
+          <ac:spMkLst>
+            <pc:docMk/>
+            <pc:sldMk cId="1290913563" sldId="286"/>
+            <ac:spMk id="6" creationId="{C0FFF3D3-78AB-4F03-AEA3-F792F1C928B1}"/>
+          </ac:spMkLst>
+        </pc:spChg>
+        <pc:spChg chg="add mod">
+          <ac:chgData name="Fernando C Correa" userId="a08d7f3c16d54179" providerId="LiveId" clId="{DAECEB32-C126-44A1-B729-3AADB1682972}" dt="2020-06-17T01:06:31.961" v="950" actId="20577"/>
+          <ac:spMkLst>
+            <pc:docMk/>
+            <pc:sldMk cId="1290913563" sldId="286"/>
+            <ac:spMk id="10" creationId="{82A90620-2111-419C-8CC8-504DF323835F}"/>
+          </ac:spMkLst>
+        </pc:spChg>
+        <pc:picChg chg="add del mod modCrop">
+          <ac:chgData name="Fernando C Correa" userId="a08d7f3c16d54179" providerId="LiveId" clId="{DAECEB32-C126-44A1-B729-3AADB1682972}" dt="2020-06-17T01:21:15.701" v="1059" actId="478"/>
+          <ac:picMkLst>
+            <pc:docMk/>
+            <pc:sldMk cId="1290913563" sldId="286"/>
+            <ac:picMk id="4" creationId="{D4BB69D1-B7D1-40C5-AD81-DECBEAAE5E0F}"/>
+          </ac:picMkLst>
+        </pc:picChg>
+        <pc:picChg chg="add del mod">
+          <ac:chgData name="Fernando C Correa" userId="a08d7f3c16d54179" providerId="LiveId" clId="{DAECEB32-C126-44A1-B729-3AADB1682972}" dt="2020-06-17T01:21:15.296" v="1058"/>
+          <ac:picMkLst>
+            <pc:docMk/>
+            <pc:sldMk cId="1290913563" sldId="286"/>
+            <ac:picMk id="5" creationId="{FBACC7CA-267A-4720-8553-65FD46F1C96F}"/>
+          </ac:picMkLst>
+        </pc:picChg>
+        <pc:picChg chg="add del mod">
+          <ac:chgData name="Fernando C Correa" userId="a08d7f3c16d54179" providerId="LiveId" clId="{DAECEB32-C126-44A1-B729-3AADB1682972}" dt="2020-06-17T01:21:11.925" v="1052" actId="478"/>
+          <ac:picMkLst>
+            <pc:docMk/>
+            <pc:sldMk cId="1290913563" sldId="286"/>
+            <ac:picMk id="11" creationId="{8F1A4823-8682-41E7-A5C1-1ABA20505B18}"/>
+          </ac:picMkLst>
+        </pc:picChg>
+        <pc:picChg chg="del">
+          <ac:chgData name="Fernando C Correa" userId="a08d7f3c16d54179" providerId="LiveId" clId="{DAECEB32-C126-44A1-B729-3AADB1682972}" dt="2020-06-17T01:14:20.251" v="981" actId="478"/>
+          <ac:picMkLst>
+            <pc:docMk/>
+            <pc:sldMk cId="1290913563" sldId="286"/>
+            <ac:picMk id="15" creationId="{4E3D15D1-6C66-4859-8D2D-7DECB3E481F5}"/>
+          </ac:picMkLst>
+        </pc:picChg>
+      </pc:sldChg>
+      <pc:sldChg chg="addSp delSp modSp mod ord modAnim">
+        <pc:chgData name="Fernando C Correa" userId="a08d7f3c16d54179" providerId="LiveId" clId="{DAECEB32-C126-44A1-B729-3AADB1682972}" dt="2020-06-18T22:39:20.964" v="2135"/>
+        <pc:sldMkLst>
+          <pc:docMk/>
+          <pc:sldMk cId="2582316661" sldId="287"/>
+        </pc:sldMkLst>
+        <pc:spChg chg="mod">
+          <ac:chgData name="Fernando C Correa" userId="a08d7f3c16d54179" providerId="LiveId" clId="{DAECEB32-C126-44A1-B729-3AADB1682972}" dt="2020-06-17T02:17:43.528" v="1489" actId="20577"/>
+          <ac:spMkLst>
+            <pc:docMk/>
+            <pc:sldMk cId="2582316661" sldId="287"/>
+            <ac:spMk id="2" creationId="{00000000-0000-0000-0000-000000000000}"/>
+          </ac:spMkLst>
+        </pc:spChg>
+        <pc:spChg chg="add mod">
+          <ac:chgData name="Fernando C Correa" userId="a08d7f3c16d54179" providerId="LiveId" clId="{DAECEB32-C126-44A1-B729-3AADB1682972}" dt="2020-06-17T01:00:22.837" v="881" actId="403"/>
+          <ac:spMkLst>
+            <pc:docMk/>
+            <pc:sldMk cId="2582316661" sldId="287"/>
+            <ac:spMk id="3" creationId="{19035CAF-1C8B-4AE3-8033-3A58E61E6860}"/>
+          </ac:spMkLst>
+        </pc:spChg>
+        <pc:spChg chg="add mod">
+          <ac:chgData name="Fernando C Correa" userId="a08d7f3c16d54179" providerId="LiveId" clId="{DAECEB32-C126-44A1-B729-3AADB1682972}" dt="2020-06-17T00:58:47.618" v="865" actId="1035"/>
+          <ac:spMkLst>
+            <pc:docMk/>
+            <pc:sldMk cId="2582316661" sldId="287"/>
+            <ac:spMk id="9" creationId="{9DB075A3-56FB-45D0-9830-D7302566A0CB}"/>
+          </ac:spMkLst>
+        </pc:spChg>
+        <pc:spChg chg="add mod">
+          <ac:chgData name="Fernando C Correa" userId="a08d7f3c16d54179" providerId="LiveId" clId="{DAECEB32-C126-44A1-B729-3AADB1682972}" dt="2020-06-17T00:58:30.837" v="861" actId="1076"/>
+          <ac:spMkLst>
+            <pc:docMk/>
+            <pc:sldMk cId="2582316661" sldId="287"/>
+            <ac:spMk id="11" creationId="{16EB44B9-02AC-4947-965B-A08DBFC98023}"/>
+          </ac:spMkLst>
+        </pc:spChg>
+        <pc:spChg chg="add mod">
+          <ac:chgData name="Fernando C Correa" userId="a08d7f3c16d54179" providerId="LiveId" clId="{DAECEB32-C126-44A1-B729-3AADB1682972}" dt="2020-06-17T02:18:06.350" v="1511" actId="20577"/>
+          <ac:spMkLst>
+            <pc:docMk/>
+            <pc:sldMk cId="2582316661" sldId="287"/>
+            <ac:spMk id="15" creationId="{C818B3F3-69A1-4565-9EAF-104558DDDC7F}"/>
+          </ac:spMkLst>
+        </pc:spChg>
+        <pc:spChg chg="add del mod">
+          <ac:chgData name="Fernando C Correa" userId="a08d7f3c16d54179" providerId="LiveId" clId="{DAECEB32-C126-44A1-B729-3AADB1682972}" dt="2020-06-17T02:26:13.430" v="1685" actId="478"/>
+          <ac:spMkLst>
+            <pc:docMk/>
+            <pc:sldMk cId="2582316661" sldId="287"/>
+            <ac:spMk id="16" creationId="{B04DD2A7-5F80-4014-B800-C1E90F6A5FFE}"/>
+          </ac:spMkLst>
+        </pc:spChg>
+        <pc:spChg chg="add mod">
+          <ac:chgData name="Fernando C Correa" userId="a08d7f3c16d54179" providerId="LiveId" clId="{DAECEB32-C126-44A1-B729-3AADB1682972}" dt="2020-06-17T02:26:13.715" v="1686"/>
+          <ac:spMkLst>
+            <pc:docMk/>
+            <pc:sldMk cId="2582316661" sldId="287"/>
+            <ac:spMk id="17" creationId="{114594CB-68F1-49C6-9921-056A0B010C8E}"/>
+          </ac:spMkLst>
+        </pc:spChg>
+        <pc:picChg chg="mod">
+          <ac:chgData name="Fernando C Correa" userId="a08d7f3c16d54179" providerId="LiveId" clId="{DAECEB32-C126-44A1-B729-3AADB1682972}" dt="2020-06-17T01:01:31.102" v="891" actId="1076"/>
+          <ac:picMkLst>
+            <pc:docMk/>
+            <pc:sldMk cId="2582316661" sldId="287"/>
+            <ac:picMk id="4" creationId="{CE59E904-DE2E-44FD-8FAC-39DBA644EE5C}"/>
+          </ac:picMkLst>
+        </pc:picChg>
+      </pc:sldChg>
+      <pc:sldChg chg="del ord">
+        <pc:chgData name="Fernando C Correa" userId="a08d7f3c16d54179" providerId="LiveId" clId="{DAECEB32-C126-44A1-B729-3AADB1682972}" dt="2020-06-17T01:02:49.942" v="893" actId="47"/>
+        <pc:sldMkLst>
+          <pc:docMk/>
+          <pc:sldMk cId="4264086694" sldId="288"/>
+        </pc:sldMkLst>
+      </pc:sldChg>
+      <pc:sldChg chg="addSp modSp mod ord modAnim">
+        <pc:chgData name="Fernando C Correa" userId="a08d7f3c16d54179" providerId="LiveId" clId="{DAECEB32-C126-44A1-B729-3AADB1682972}" dt="2020-06-17T02:43:04.844" v="1943"/>
+        <pc:sldMkLst>
+          <pc:docMk/>
+          <pc:sldMk cId="1295663715" sldId="289"/>
+        </pc:sldMkLst>
+        <pc:spChg chg="mod">
+          <ac:chgData name="Fernando C Correa" userId="a08d7f3c16d54179" providerId="LiveId" clId="{DAECEB32-C126-44A1-B729-3AADB1682972}" dt="2020-06-17T02:34:03.691" v="1771"/>
+          <ac:spMkLst>
+            <pc:docMk/>
+            <pc:sldMk cId="1295663715" sldId="289"/>
+            <ac:spMk id="2" creationId="{00000000-0000-0000-0000-000000000000}"/>
+          </ac:spMkLst>
+        </pc:spChg>
+        <pc:spChg chg="add mod">
+          <ac:chgData name="Fernando C Correa" userId="a08d7f3c16d54179" providerId="LiveId" clId="{DAECEB32-C126-44A1-B729-3AADB1682972}" dt="2020-06-17T02:41:16.250" v="1915"/>
+          <ac:spMkLst>
+            <pc:docMk/>
+            <pc:sldMk cId="1295663715" sldId="289"/>
+            <ac:spMk id="8" creationId="{348AA170-19B8-4A63-90A8-909245589B0D}"/>
+          </ac:spMkLst>
+        </pc:spChg>
+        <pc:spChg chg="add mod">
+          <ac:chgData name="Fernando C Correa" userId="a08d7f3c16d54179" providerId="LiveId" clId="{DAECEB32-C126-44A1-B729-3AADB1682972}" dt="2020-06-17T02:41:29.637" v="1918" actId="14861"/>
+          <ac:spMkLst>
+            <pc:docMk/>
+            <pc:sldMk cId="1295663715" sldId="289"/>
+            <ac:spMk id="9" creationId="{6F8FD17E-2A3E-4994-BB19-C36F5C73DAF1}"/>
+          </ac:spMkLst>
+        </pc:spChg>
+        <pc:spChg chg="add mod">
+          <ac:chgData name="Fernando C Correa" userId="a08d7f3c16d54179" providerId="LiveId" clId="{DAECEB32-C126-44A1-B729-3AADB1682972}" dt="2020-06-17T02:41:16.250" v="1915"/>
+          <ac:spMkLst>
+            <pc:docMk/>
+            <pc:sldMk cId="1295663715" sldId="289"/>
+            <ac:spMk id="15" creationId="{E01DF4B4-465C-4836-823C-8ACF07B4A04E}"/>
+          </ac:spMkLst>
+        </pc:spChg>
+        <pc:spChg chg="add mod">
+          <ac:chgData name="Fernando C Correa" userId="a08d7f3c16d54179" providerId="LiveId" clId="{DAECEB32-C126-44A1-B729-3AADB1682972}" dt="2020-06-17T02:41:16.250" v="1915"/>
+          <ac:spMkLst>
+            <pc:docMk/>
+            <pc:sldMk cId="1295663715" sldId="289"/>
+            <ac:spMk id="16" creationId="{E7C95CF2-0E96-45FD-84F0-F8B4B80A1B9D}"/>
+          </ac:spMkLst>
+        </pc:spChg>
+        <pc:spChg chg="add mod">
+          <ac:chgData name="Fernando C Correa" userId="a08d7f3c16d54179" providerId="LiveId" clId="{DAECEB32-C126-44A1-B729-3AADB1682972}" dt="2020-06-17T02:41:16.250" v="1915"/>
+          <ac:spMkLst>
+            <pc:docMk/>
+            <pc:sldMk cId="1295663715" sldId="289"/>
+            <ac:spMk id="17" creationId="{4761BB05-E8FC-4963-83D4-851EAED86DFA}"/>
+          </ac:spMkLst>
+        </pc:spChg>
+        <pc:spChg chg="add mod">
+          <ac:chgData name="Fernando C Correa" userId="a08d7f3c16d54179" providerId="LiveId" clId="{DAECEB32-C126-44A1-B729-3AADB1682972}" dt="2020-06-17T02:41:37.094" v="1921" actId="1035"/>
+          <ac:spMkLst>
+            <pc:docMk/>
+            <pc:sldMk cId="1295663715" sldId="289"/>
+            <ac:spMk id="18" creationId="{DA8A93A9-B515-40BF-A842-1BA9BACDDF03}"/>
+          </ac:spMkLst>
+        </pc:spChg>
+        <pc:picChg chg="mod">
+          <ac:chgData name="Fernando C Correa" userId="a08d7f3c16d54179" providerId="LiveId" clId="{DAECEB32-C126-44A1-B729-3AADB1682972}" dt="2020-06-17T02:35:39.226" v="1829" actId="1076"/>
+          <ac:picMkLst>
+            <pc:docMk/>
+            <pc:sldMk cId="1295663715" sldId="289"/>
+            <ac:picMk id="11" creationId="{D1E3D129-AEE4-4620-B9D7-636720389400}"/>
+          </ac:picMkLst>
+        </pc:picChg>
+      </pc:sldChg>
+      <pc:sldChg chg="addSp delSp modSp mod modAnim">
+        <pc:chgData name="Fernando C Correa" userId="a08d7f3c16d54179" providerId="LiveId" clId="{DAECEB32-C126-44A1-B729-3AADB1682972}" dt="2020-06-17T02:31:00.021" v="1747"/>
+        <pc:sldMkLst>
+          <pc:docMk/>
+          <pc:sldMk cId="1001627628" sldId="290"/>
+        </pc:sldMkLst>
+        <pc:spChg chg="mod">
+          <ac:chgData name="Fernando C Correa" userId="a08d7f3c16d54179" providerId="LiveId" clId="{DAECEB32-C126-44A1-B729-3AADB1682972}" dt="2020-06-17T02:19:14.312" v="1534" actId="20577"/>
+          <ac:spMkLst>
+            <pc:docMk/>
+            <pc:sldMk cId="1001627628" sldId="290"/>
+            <ac:spMk id="2" creationId="{00000000-0000-0000-0000-000000000000}"/>
+          </ac:spMkLst>
+        </pc:spChg>
+        <pc:spChg chg="add mod">
+          <ac:chgData name="Fernando C Correa" userId="a08d7f3c16d54179" providerId="LiveId" clId="{DAECEB32-C126-44A1-B729-3AADB1682972}" dt="2020-06-17T02:23:21.750" v="1649" actId="14861"/>
+          <ac:spMkLst>
+            <pc:docMk/>
+            <pc:sldMk cId="1001627628" sldId="290"/>
+            <ac:spMk id="16" creationId="{EF23E5A8-6F84-4594-8BB9-57898F4F956C}"/>
+          </ac:spMkLst>
+        </pc:spChg>
+        <pc:spChg chg="add mod">
+          <ac:chgData name="Fernando C Correa" userId="a08d7f3c16d54179" providerId="LiveId" clId="{DAECEB32-C126-44A1-B729-3AADB1682972}" dt="2020-06-17T02:22:47.598" v="1605" actId="1076"/>
+          <ac:spMkLst>
+            <pc:docMk/>
+            <pc:sldMk cId="1001627628" sldId="290"/>
+            <ac:spMk id="17" creationId="{58B8F891-5766-456B-A822-47FAD62143AD}"/>
+          </ac:spMkLst>
+        </pc:spChg>
+        <pc:spChg chg="add mod">
+          <ac:chgData name="Fernando C Correa" userId="a08d7f3c16d54179" providerId="LiveId" clId="{DAECEB32-C126-44A1-B729-3AADB1682972}" dt="2020-06-17T02:22:23.553" v="1601"/>
+          <ac:spMkLst>
+            <pc:docMk/>
+            <pc:sldMk cId="1001627628" sldId="290"/>
+            <ac:spMk id="18" creationId="{E72E18B1-BBBF-45A0-994C-3F38AD146859}"/>
+          </ac:spMkLst>
+        </pc:spChg>
+        <pc:spChg chg="add mod">
+          <ac:chgData name="Fernando C Correa" userId="a08d7f3c16d54179" providerId="LiveId" clId="{DAECEB32-C126-44A1-B729-3AADB1682972}" dt="2020-06-17T02:22:23.553" v="1601"/>
+          <ac:spMkLst>
+            <pc:docMk/>
+            <pc:sldMk cId="1001627628" sldId="290"/>
+            <ac:spMk id="19" creationId="{CA019AD7-4970-43AB-9C11-F7BD91047774}"/>
+          </ac:spMkLst>
+        </pc:spChg>
+        <pc:spChg chg="add del mod">
+          <ac:chgData name="Fernando C Correa" userId="a08d7f3c16d54179" providerId="LiveId" clId="{DAECEB32-C126-44A1-B729-3AADB1682972}" dt="2020-06-17T02:26:25.679" v="1691" actId="478"/>
+          <ac:spMkLst>
+            <pc:docMk/>
+            <pc:sldMk cId="1001627628" sldId="290"/>
+            <ac:spMk id="20" creationId="{80FF1167-5AFF-4BE3-B1C1-D4B299D491F8}"/>
+          </ac:spMkLst>
+        </pc:spChg>
+        <pc:spChg chg="add mod">
+          <ac:chgData name="Fernando C Correa" userId="a08d7f3c16d54179" providerId="LiveId" clId="{DAECEB32-C126-44A1-B729-3AADB1682972}" dt="2020-06-17T02:26:32.360" v="1693" actId="14861"/>
+          <ac:spMkLst>
+            <pc:docMk/>
+            <pc:sldMk cId="1001627628" sldId="290"/>
+            <ac:spMk id="21" creationId="{4FCE83B2-ED4D-4145-A0B8-FA43DCFD9FFE}"/>
+          </ac:spMkLst>
+        </pc:spChg>
+        <pc:grpChg chg="add del mod">
+          <ac:chgData name="Fernando C Correa" userId="a08d7f3c16d54179" providerId="LiveId" clId="{DAECEB32-C126-44A1-B729-3AADB1682972}" dt="2020-06-17T02:20:13.041" v="1553" actId="165"/>
+          <ac:grpSpMkLst>
+            <pc:docMk/>
+            <pc:sldMk cId="1001627628" sldId="290"/>
+            <ac:grpSpMk id="3" creationId="{FE4DA8BA-FBC5-45F0-9417-7339509D2D96}"/>
+          </ac:grpSpMkLst>
+        </pc:grpChg>
+        <pc:grpChg chg="add mod">
+          <ac:chgData name="Fernando C Correa" userId="a08d7f3c16d54179" providerId="LiveId" clId="{DAECEB32-C126-44A1-B729-3AADB1682972}" dt="2020-06-17T02:29:42.855" v="1732" actId="1076"/>
+          <ac:grpSpMkLst>
+            <pc:docMk/>
+            <pc:sldMk cId="1001627628" sldId="290"/>
+            <ac:grpSpMk id="5" creationId="{47A4E389-A66A-4606-888E-8E12D8DD919F}"/>
+          </ac:grpSpMkLst>
+        </pc:grpChg>
+        <pc:grpChg chg="del">
+          <ac:chgData name="Fernando C Correa" userId="a08d7f3c16d54179" providerId="LiveId" clId="{DAECEB32-C126-44A1-B729-3AADB1682972}" dt="2020-06-16T20:51:12.389" v="127" actId="478"/>
+          <ac:grpSpMkLst>
+            <pc:docMk/>
+            <pc:sldMk cId="1001627628" sldId="290"/>
+            <ac:grpSpMk id="11" creationId="{E4EA4F72-EFE3-4F09-A7E7-6AABF9ABBF18}"/>
+          </ac:grpSpMkLst>
+        </pc:grpChg>
+        <pc:picChg chg="add del">
+          <ac:chgData name="Fernando C Correa" userId="a08d7f3c16d54179" providerId="LiveId" clId="{DAECEB32-C126-44A1-B729-3AADB1682972}" dt="2020-06-16T20:48:49.865" v="96"/>
+          <ac:picMkLst>
+            <pc:docMk/>
+            <pc:sldMk cId="1001627628" sldId="290"/>
+            <ac:picMk id="3" creationId="{2CEEE7BF-8D17-4379-AAED-E345EDE50F01}"/>
+          </ac:picMkLst>
+        </pc:picChg>
+        <pc:picChg chg="add del mod topLvl">
+          <ac:chgData name="Fernando C Correa" userId="a08d7f3c16d54179" providerId="LiveId" clId="{DAECEB32-C126-44A1-B729-3AADB1682972}" dt="2020-06-17T02:29:21.906" v="1725" actId="478"/>
+          <ac:picMkLst>
+            <pc:docMk/>
+            <pc:sldMk cId="1001627628" sldId="290"/>
+            <ac:picMk id="4" creationId="{EF1B15BB-D535-47AA-9FA1-D1125164EE2C}"/>
+          </ac:picMkLst>
+        </pc:picChg>
+        <pc:picChg chg="add del">
+          <ac:chgData name="Fernando C Correa" userId="a08d7f3c16d54179" providerId="LiveId" clId="{DAECEB32-C126-44A1-B729-3AADB1682972}" dt="2020-06-16T20:50:12.803" v="108"/>
+          <ac:picMkLst>
+            <pc:docMk/>
+            <pc:sldMk cId="1001627628" sldId="290"/>
+            <ac:picMk id="5" creationId="{57B42D8F-8F08-4DDC-B52B-83270FC6B39C}"/>
+          </ac:picMkLst>
+        </pc:picChg>
+        <pc:picChg chg="add del mod topLvl">
+          <ac:chgData name="Fernando C Correa" userId="a08d7f3c16d54179" providerId="LiveId" clId="{DAECEB32-C126-44A1-B729-3AADB1682972}" dt="2020-06-17T02:29:22.372" v="1726" actId="478"/>
+          <ac:picMkLst>
+            <pc:docMk/>
+            <pc:sldMk cId="1001627628" sldId="290"/>
+            <ac:picMk id="6" creationId="{86E18F85-66AB-4286-98CE-080A6189E506}"/>
+          </ac:picMkLst>
+        </pc:picChg>
+        <pc:picChg chg="add del mod topLvl">
+          <ac:chgData name="Fernando C Correa" userId="a08d7f3c16d54179" providerId="LiveId" clId="{DAECEB32-C126-44A1-B729-3AADB1682972}" dt="2020-06-17T02:29:23.430" v="1728" actId="478"/>
+          <ac:picMkLst>
+            <pc:docMk/>
+            <pc:sldMk cId="1001627628" sldId="290"/>
+            <ac:picMk id="7" creationId="{639E2F4F-9550-4925-80F7-305D25DF9580}"/>
+          </ac:picMkLst>
+        </pc:picChg>
+        <pc:picChg chg="add del mod topLvl">
+          <ac:chgData name="Fernando C Correa" userId="a08d7f3c16d54179" providerId="LiveId" clId="{DAECEB32-C126-44A1-B729-3AADB1682972}" dt="2020-06-17T02:29:23.034" v="1727" actId="478"/>
+          <ac:picMkLst>
+            <pc:docMk/>
+            <pc:sldMk cId="1001627628" sldId="290"/>
+            <ac:picMk id="15" creationId="{E3972336-02C1-47CD-97B1-80ABC70FA9B7}"/>
+          </ac:picMkLst>
+        </pc:picChg>
+        <pc:picChg chg="add del mod">
+          <ac:chgData name="Fernando C Correa" userId="a08d7f3c16d54179" providerId="LiveId" clId="{DAECEB32-C126-44A1-B729-3AADB1682972}" dt="2020-06-16T20:49:11.465" v="104" actId="478"/>
+          <ac:picMkLst>
+            <pc:docMk/>
+            <pc:sldMk cId="1001627628" sldId="290"/>
+            <ac:picMk id="16" creationId="{20781BF0-8212-4D1A-9E98-63B0F1909496}"/>
+          </ac:picMkLst>
+        </pc:picChg>
+        <pc:picChg chg="add del mod">
+          <ac:chgData name="Fernando C Correa" userId="a08d7f3c16d54179" providerId="LiveId" clId="{DAECEB32-C126-44A1-B729-3AADB1682972}" dt="2020-06-16T20:50:41.242" v="120" actId="478"/>
+          <ac:picMkLst>
+            <pc:docMk/>
+            <pc:sldMk cId="1001627628" sldId="290"/>
+            <ac:picMk id="17" creationId="{040851DC-21ED-45C7-8F74-D947F2610DF4}"/>
+          </ac:picMkLst>
+        </pc:picChg>
+        <pc:picChg chg="del topLvl">
+          <ac:chgData name="Fernando C Correa" userId="a08d7f3c16d54179" providerId="LiveId" clId="{DAECEB32-C126-44A1-B729-3AADB1682972}" dt="2020-06-16T20:51:12.389" v="127" actId="478"/>
+          <ac:picMkLst>
+            <pc:docMk/>
+            <pc:sldMk cId="1001627628" sldId="290"/>
+            <ac:picMk id="18" creationId="{E06E4486-40EB-49C0-BDD4-6308F01F4996}"/>
+          </ac:picMkLst>
+        </pc:picChg>
+        <pc:picChg chg="add mod">
+          <ac:chgData name="Fernando C Correa" userId="a08d7f3c16d54179" providerId="LiveId" clId="{DAECEB32-C126-44A1-B729-3AADB1682972}" dt="2020-06-17T02:29:34.883" v="1730" actId="164"/>
+          <ac:picMkLst>
+            <pc:docMk/>
+            <pc:sldMk cId="1001627628" sldId="290"/>
+            <ac:picMk id="22" creationId="{8D54C705-47F9-4144-8360-13503B9AABC4}"/>
+          </ac:picMkLst>
+        </pc:picChg>
+        <pc:picChg chg="add mod">
+          <ac:chgData name="Fernando C Correa" userId="a08d7f3c16d54179" providerId="LiveId" clId="{DAECEB32-C126-44A1-B729-3AADB1682972}" dt="2020-06-17T02:29:34.883" v="1730" actId="164"/>
+          <ac:picMkLst>
+            <pc:docMk/>
+            <pc:sldMk cId="1001627628" sldId="290"/>
+            <ac:picMk id="23" creationId="{5A516734-AEA0-4764-B0B6-A4E4D46DFBF7}"/>
+          </ac:picMkLst>
+        </pc:picChg>
+        <pc:picChg chg="add mod">
+          <ac:chgData name="Fernando C Correa" userId="a08d7f3c16d54179" providerId="LiveId" clId="{DAECEB32-C126-44A1-B729-3AADB1682972}" dt="2020-06-17T02:29:34.883" v="1730" actId="164"/>
+          <ac:picMkLst>
+            <pc:docMk/>
+            <pc:sldMk cId="1001627628" sldId="290"/>
+            <ac:picMk id="24" creationId="{D36C2A91-41AB-42D7-B966-BD1F43686DCE}"/>
+          </ac:picMkLst>
+        </pc:picChg>
+        <pc:picChg chg="add mod">
+          <ac:chgData name="Fernando C Correa" userId="a08d7f3c16d54179" providerId="LiveId" clId="{DAECEB32-C126-44A1-B729-3AADB1682972}" dt="2020-06-17T02:29:34.883" v="1730" actId="164"/>
+          <ac:picMkLst>
+            <pc:docMk/>
+            <pc:sldMk cId="1001627628" sldId="290"/>
+            <ac:picMk id="25" creationId="{092F571E-673D-4044-9922-F99EF299C1E8}"/>
+          </ac:picMkLst>
+        </pc:picChg>
+      </pc:sldChg>
+      <pc:sldChg chg="addSp delSp modSp del mod">
+        <pc:chgData name="Fernando C Correa" userId="a08d7f3c16d54179" providerId="LiveId" clId="{DAECEB32-C126-44A1-B729-3AADB1682972}" dt="2020-06-17T01:02:48.552" v="892" actId="47"/>
+        <pc:sldMkLst>
+          <pc:docMk/>
+          <pc:sldMk cId="1034810671" sldId="291"/>
+        </pc:sldMkLst>
+        <pc:picChg chg="add mod">
+          <ac:chgData name="Fernando C Correa" userId="a08d7f3c16d54179" providerId="LiveId" clId="{DAECEB32-C126-44A1-B729-3AADB1682972}" dt="2020-06-16T20:15:12.102" v="77" actId="1076"/>
+          <ac:picMkLst>
+            <pc:docMk/>
+            <pc:sldMk cId="1034810671" sldId="291"/>
+            <ac:picMk id="4" creationId="{1BED938E-3B90-421B-BA22-8FB3C8FFB03D}"/>
+          </ac:picMkLst>
+        </pc:picChg>
+        <pc:picChg chg="del">
+          <ac:chgData name="Fernando C Correa" userId="a08d7f3c16d54179" providerId="LiveId" clId="{DAECEB32-C126-44A1-B729-3AADB1682972}" dt="2020-06-16T20:14:54.021" v="73" actId="478"/>
+          <ac:picMkLst>
+            <pc:docMk/>
+            <pc:sldMk cId="1034810671" sldId="291"/>
+            <ac:picMk id="8" creationId="{3968D855-CD48-4E97-8B57-CF08A2ABD60F}"/>
+          </ac:picMkLst>
+        </pc:picChg>
+      </pc:sldChg>
+      <pc:sldChg chg="addSp delSp modSp mod ord modAnim">
+        <pc:chgData name="Fernando C Correa" userId="a08d7f3c16d54179" providerId="LiveId" clId="{DAECEB32-C126-44A1-B729-3AADB1682972}" dt="2020-06-18T22:39:42.892" v="2138"/>
+        <pc:sldMkLst>
+          <pc:docMk/>
+          <pc:sldMk cId="1133719789" sldId="292"/>
+        </pc:sldMkLst>
+        <pc:spChg chg="mod">
+          <ac:chgData name="Fernando C Correa" userId="a08d7f3c16d54179" providerId="LiveId" clId="{DAECEB32-C126-44A1-B729-3AADB1682972}" dt="2020-06-17T01:49:48.265" v="1339" actId="20577"/>
+          <ac:spMkLst>
+            <pc:docMk/>
+            <pc:sldMk cId="1133719789" sldId="292"/>
+            <ac:spMk id="2" creationId="{00000000-0000-0000-0000-000000000000}"/>
+          </ac:spMkLst>
+        </pc:spChg>
+        <pc:spChg chg="add del mod">
+          <ac:chgData name="Fernando C Correa" userId="a08d7f3c16d54179" providerId="LiveId" clId="{DAECEB32-C126-44A1-B729-3AADB1682972}" dt="2020-06-17T01:44:03.929" v="1273" actId="478"/>
+          <ac:spMkLst>
+            <pc:docMk/>
+            <pc:sldMk cId="1133719789" sldId="292"/>
+            <ac:spMk id="8" creationId="{100D0501-C208-4D52-BB83-B46B58A14494}"/>
+          </ac:spMkLst>
+        </pc:spChg>
+        <pc:spChg chg="add del mod">
+          <ac:chgData name="Fernando C Correa" userId="a08d7f3c16d54179" providerId="LiveId" clId="{DAECEB32-C126-44A1-B729-3AADB1682972}" dt="2020-06-17T01:44:02.352" v="1272" actId="478"/>
+          <ac:spMkLst>
+            <pc:docMk/>
+            <pc:sldMk cId="1133719789" sldId="292"/>
+            <ac:spMk id="11" creationId="{1FB947FA-E56F-405D-8DE0-4B99C927F88B}"/>
+          </ac:spMkLst>
+        </pc:spChg>
+        <pc:spChg chg="add del mod">
+          <ac:chgData name="Fernando C Correa" userId="a08d7f3c16d54179" providerId="LiveId" clId="{DAECEB32-C126-44A1-B729-3AADB1682972}" dt="2020-06-17T01:55:16.131" v="1421" actId="478"/>
+          <ac:spMkLst>
+            <pc:docMk/>
+            <pc:sldMk cId="1133719789" sldId="292"/>
+            <ac:spMk id="15" creationId="{50862E59-0086-484E-A27F-F905223CB386}"/>
+          </ac:spMkLst>
+        </pc:spChg>
+        <pc:spChg chg="add del mod">
+          <ac:chgData name="Fernando C Correa" userId="a08d7f3c16d54179" providerId="LiveId" clId="{DAECEB32-C126-44A1-B729-3AADB1682972}" dt="2020-06-17T01:55:16.131" v="1421" actId="478"/>
+          <ac:spMkLst>
+            <pc:docMk/>
+            <pc:sldMk cId="1133719789" sldId="292"/>
+            <ac:spMk id="16" creationId="{8546C8D4-D84C-48A5-947E-91047C3D05E2}"/>
+          </ac:spMkLst>
+        </pc:spChg>
+        <pc:spChg chg="add del mod">
+          <ac:chgData name="Fernando C Correa" userId="a08d7f3c16d54179" providerId="LiveId" clId="{DAECEB32-C126-44A1-B729-3AADB1682972}" dt="2020-06-17T01:55:16.131" v="1421" actId="478"/>
+          <ac:spMkLst>
+            <pc:docMk/>
+            <pc:sldMk cId="1133719789" sldId="292"/>
+            <ac:spMk id="17" creationId="{73A57A06-BDA0-4028-8162-698A21C1C005}"/>
+          </ac:spMkLst>
+        </pc:spChg>
+        <pc:spChg chg="add del mod">
+          <ac:chgData name="Fernando C Correa" userId="a08d7f3c16d54179" providerId="LiveId" clId="{DAECEB32-C126-44A1-B729-3AADB1682972}" dt="2020-06-17T01:55:16.131" v="1421" actId="478"/>
+          <ac:spMkLst>
+            <pc:docMk/>
+            <pc:sldMk cId="1133719789" sldId="292"/>
+            <ac:spMk id="18" creationId="{BF6C8972-DEAF-42C3-8508-D54305EC0DFD}"/>
+          </ac:spMkLst>
+        </pc:spChg>
+        <pc:spChg chg="add del mod">
+          <ac:chgData name="Fernando C Correa" userId="a08d7f3c16d54179" providerId="LiveId" clId="{DAECEB32-C126-44A1-B729-3AADB1682972}" dt="2020-06-17T01:55:16.131" v="1421" actId="478"/>
+          <ac:spMkLst>
+            <pc:docMk/>
+            <pc:sldMk cId="1133719789" sldId="292"/>
+            <ac:spMk id="19" creationId="{AFC76C44-5525-412A-816B-37810D290FE1}"/>
+          </ac:spMkLst>
+        </pc:spChg>
+        <pc:spChg chg="add del mod">
+          <ac:chgData name="Fernando C Correa" userId="a08d7f3c16d54179" providerId="LiveId" clId="{DAECEB32-C126-44A1-B729-3AADB1682972}" dt="2020-06-17T01:56:15.226" v="1435" actId="478"/>
+          <ac:spMkLst>
+            <pc:docMk/>
+            <pc:sldMk cId="1133719789" sldId="292"/>
+            <ac:spMk id="20" creationId="{1876AF6B-8771-40DE-8BF7-81BE0607CF31}"/>
+          </ac:spMkLst>
+        </pc:spChg>
+        <pc:spChg chg="add del mod">
+          <ac:chgData name="Fernando C Correa" userId="a08d7f3c16d54179" providerId="LiveId" clId="{DAECEB32-C126-44A1-B729-3AADB1682972}" dt="2020-06-17T02:31:50.431" v="1753" actId="478"/>
+          <ac:spMkLst>
+            <pc:docMk/>
+            <pc:sldMk cId="1133719789" sldId="292"/>
+            <ac:spMk id="21" creationId="{6EFC9E13-B947-42F3-8559-58B8161D1524}"/>
+          </ac:spMkLst>
+        </pc:spChg>
+        <pc:spChg chg="add del mod">
+          <ac:chgData name="Fernando C Correa" userId="a08d7f3c16d54179" providerId="LiveId" clId="{DAECEB32-C126-44A1-B729-3AADB1682972}" dt="2020-06-17T02:31:50.431" v="1753" actId="478"/>
+          <ac:spMkLst>
+            <pc:docMk/>
+            <pc:sldMk cId="1133719789" sldId="292"/>
+            <ac:spMk id="22" creationId="{EFFA5066-FBB3-414A-A52E-C81A93761281}"/>
+          </ac:spMkLst>
+        </pc:spChg>
+        <pc:spChg chg="add del mod">
+          <ac:chgData name="Fernando C Correa" userId="a08d7f3c16d54179" providerId="LiveId" clId="{DAECEB32-C126-44A1-B729-3AADB1682972}" dt="2020-06-17T02:31:50.431" v="1753" actId="478"/>
+          <ac:spMkLst>
+            <pc:docMk/>
+            <pc:sldMk cId="1133719789" sldId="292"/>
+            <ac:spMk id="23" creationId="{EE9FF0B2-227B-4C64-BE5D-15D40D11178F}"/>
+          </ac:spMkLst>
+        </pc:spChg>
+        <pc:spChg chg="add del mod">
+          <ac:chgData name="Fernando C Correa" userId="a08d7f3c16d54179" providerId="LiveId" clId="{DAECEB32-C126-44A1-B729-3AADB1682972}" dt="2020-06-17T02:31:50.431" v="1753" actId="478"/>
+          <ac:spMkLst>
+            <pc:docMk/>
+            <pc:sldMk cId="1133719789" sldId="292"/>
+            <ac:spMk id="24" creationId="{893C28A0-AA48-4E7C-808E-AA077E296288}"/>
+          </ac:spMkLst>
+        </pc:spChg>
+        <pc:spChg chg="add del mod">
+          <ac:chgData name="Fernando C Correa" userId="a08d7f3c16d54179" providerId="LiveId" clId="{DAECEB32-C126-44A1-B729-3AADB1682972}" dt="2020-06-17T02:41:01.220" v="1904" actId="478"/>
+          <ac:spMkLst>
+            <pc:docMk/>
+            <pc:sldMk cId="1133719789" sldId="292"/>
+            <ac:spMk id="25" creationId="{5C37E21A-99CB-45C8-956C-1E5511212340}"/>
+          </ac:spMkLst>
+        </pc:spChg>
+        <pc:spChg chg="add del mod">
+          <ac:chgData name="Fernando C Correa" userId="a08d7f3c16d54179" providerId="LiveId" clId="{DAECEB32-C126-44A1-B729-3AADB1682972}" dt="2020-06-17T02:41:02.234" v="1905" actId="478"/>
+          <ac:spMkLst>
+            <pc:docMk/>
+            <pc:sldMk cId="1133719789" sldId="292"/>
+            <ac:spMk id="26" creationId="{1DAF1F2A-44B2-4A58-BAEC-E89D274D2CA7}"/>
+          </ac:spMkLst>
+        </pc:spChg>
+        <pc:spChg chg="add del mod">
+          <ac:chgData name="Fernando C Correa" userId="a08d7f3c16d54179" providerId="LiveId" clId="{DAECEB32-C126-44A1-B729-3AADB1682972}" dt="2020-06-17T02:41:03.214" v="1906" actId="478"/>
+          <ac:spMkLst>
+            <pc:docMk/>
+            <pc:sldMk cId="1133719789" sldId="292"/>
+            <ac:spMk id="27" creationId="{95C6FE59-418B-4261-BD26-EBEAE75B9167}"/>
+          </ac:spMkLst>
+        </pc:spChg>
+        <pc:spChg chg="add del mod">
+          <ac:chgData name="Fernando C Correa" userId="a08d7f3c16d54179" providerId="LiveId" clId="{DAECEB32-C126-44A1-B729-3AADB1682972}" dt="2020-06-17T02:41:05.470" v="1907" actId="478"/>
+          <ac:spMkLst>
+            <pc:docMk/>
+            <pc:sldMk cId="1133719789" sldId="292"/>
+            <ac:spMk id="28" creationId="{051E44C7-2E46-4AE6-B2D3-B3A74AAB0BE3}"/>
+          </ac:spMkLst>
+        </pc:spChg>
+        <pc:spChg chg="add mod">
+          <ac:chgData name="Fernando C Correa" userId="a08d7f3c16d54179" providerId="LiveId" clId="{DAECEB32-C126-44A1-B729-3AADB1682972}" dt="2020-06-17T02:41:06.395" v="1908"/>
+          <ac:spMkLst>
+            <pc:docMk/>
+            <pc:sldMk cId="1133719789" sldId="292"/>
+            <ac:spMk id="29" creationId="{A1657144-AF5E-408F-9E61-BD940D345385}"/>
+          </ac:spMkLst>
+        </pc:spChg>
+        <pc:spChg chg="add mod">
+          <ac:chgData name="Fernando C Correa" userId="a08d7f3c16d54179" providerId="LiveId" clId="{DAECEB32-C126-44A1-B729-3AADB1682972}" dt="2020-06-17T02:42:19.724" v="1937" actId="14861"/>
+          <ac:spMkLst>
+            <pc:docMk/>
+            <pc:sldMk cId="1133719789" sldId="292"/>
+            <ac:spMk id="30" creationId="{050664DE-319C-4C8E-B8DF-C970A34688B9}"/>
+          </ac:spMkLst>
+        </pc:spChg>
+        <pc:spChg chg="add mod">
+          <ac:chgData name="Fernando C Correa" userId="a08d7f3c16d54179" providerId="LiveId" clId="{DAECEB32-C126-44A1-B729-3AADB1682972}" dt="2020-06-17T02:43:38.305" v="1946" actId="1035"/>
+          <ac:spMkLst>
+            <pc:docMk/>
+            <pc:sldMk cId="1133719789" sldId="292"/>
+            <ac:spMk id="31" creationId="{76319E44-84CF-41F9-8A19-12D147AA52B8}"/>
+          </ac:spMkLst>
+        </pc:spChg>
+        <pc:spChg chg="add mod">
+          <ac:chgData name="Fernando C Correa" userId="a08d7f3c16d54179" providerId="LiveId" clId="{DAECEB32-C126-44A1-B729-3AADB1682972}" dt="2020-06-17T02:41:06.395" v="1908"/>
+          <ac:spMkLst>
+            <pc:docMk/>
+            <pc:sldMk cId="1133719789" sldId="292"/>
+            <ac:spMk id="32" creationId="{1B683343-351F-4A9A-A7FA-3CDF6D0F1804}"/>
+          </ac:spMkLst>
+        </pc:spChg>
+        <pc:spChg chg="add mod">
+          <ac:chgData name="Fernando C Correa" userId="a08d7f3c16d54179" providerId="LiveId" clId="{DAECEB32-C126-44A1-B729-3AADB1682972}" dt="2020-06-17T02:41:06.395" v="1908"/>
+          <ac:spMkLst>
+            <pc:docMk/>
+            <pc:sldMk cId="1133719789" sldId="292"/>
+            <ac:spMk id="33" creationId="{7A61C4D9-9EF7-4FA7-96B3-518920507396}"/>
+          </ac:spMkLst>
+        </pc:spChg>
+        <pc:spChg chg="add mod">
+          <ac:chgData name="Fernando C Correa" userId="a08d7f3c16d54179" providerId="LiveId" clId="{DAECEB32-C126-44A1-B729-3AADB1682972}" dt="2020-06-17T02:41:06.395" v="1908"/>
+          <ac:spMkLst>
+            <pc:docMk/>
+            <pc:sldMk cId="1133719789" sldId="292"/>
+            <ac:spMk id="34" creationId="{5E51E72A-94AB-4D54-9578-8E482782613D}"/>
+          </ac:spMkLst>
+        </pc:spChg>
+        <pc:picChg chg="mod">
+          <ac:chgData name="Fernando C Correa" userId="a08d7f3c16d54179" providerId="LiveId" clId="{DAECEB32-C126-44A1-B729-3AADB1682972}" dt="2020-06-17T02:35:25.486" v="1826" actId="1076"/>
+          <ac:picMkLst>
+            <pc:docMk/>
+            <pc:sldMk cId="1133719789" sldId="292"/>
+            <ac:picMk id="9" creationId="{1F8FFC06-1BCE-4133-BFC4-47909DC42705}"/>
+          </ac:picMkLst>
+        </pc:picChg>
+      </pc:sldChg>
+      <pc:sldChg chg="addSp delSp modSp mod modAnim">
+        <pc:chgData name="Fernando C Correa" userId="a08d7f3c16d54179" providerId="LiveId" clId="{DAECEB32-C126-44A1-B729-3AADB1682972}" dt="2020-06-18T22:39:49.404" v="2140"/>
+        <pc:sldMkLst>
+          <pc:docMk/>
+          <pc:sldMk cId="3697814180" sldId="294"/>
+        </pc:sldMkLst>
+        <pc:spChg chg="mod">
+          <ac:chgData name="Fernando C Correa" userId="a08d7f3c16d54179" providerId="LiveId" clId="{DAECEB32-C126-44A1-B729-3AADB1682972}" dt="2020-06-17T02:34:01.009" v="1770"/>
+          <ac:spMkLst>
+            <pc:docMk/>
+            <pc:sldMk cId="3697814180" sldId="294"/>
+            <ac:spMk id="2" creationId="{00000000-0000-0000-0000-000000000000}"/>
+          </ac:spMkLst>
+        </pc:spChg>
+        <pc:spChg chg="add mod">
+          <ac:chgData name="Fernando C Correa" userId="a08d7f3c16d54179" providerId="LiveId" clId="{DAECEB32-C126-44A1-B729-3AADB1682972}" dt="2020-06-17T02:41:14.551" v="1914"/>
+          <ac:spMkLst>
+            <pc:docMk/>
+            <pc:sldMk cId="3697814180" sldId="294"/>
+            <ac:spMk id="11" creationId="{8EDF2009-2F02-48C7-BDA7-12762DFBACAD}"/>
+          </ac:spMkLst>
+        </pc:spChg>
+        <pc:spChg chg="add mod">
+          <ac:chgData name="Fernando C Correa" userId="a08d7f3c16d54179" providerId="LiveId" clId="{DAECEB32-C126-44A1-B729-3AADB1682972}" dt="2020-06-17T02:41:42.753" v="1923" actId="14861"/>
+          <ac:spMkLst>
+            <pc:docMk/>
+            <pc:sldMk cId="3697814180" sldId="294"/>
+            <ac:spMk id="15" creationId="{09C80A9F-46E9-4D57-BC1B-12B5ACE33AC8}"/>
+          </ac:spMkLst>
+        </pc:spChg>
+        <pc:spChg chg="add mod">
+          <ac:chgData name="Fernando C Correa" userId="a08d7f3c16d54179" providerId="LiveId" clId="{DAECEB32-C126-44A1-B729-3AADB1682972}" dt="2020-06-17T02:41:14.551" v="1914"/>
+          <ac:spMkLst>
+            <pc:docMk/>
+            <pc:sldMk cId="3697814180" sldId="294"/>
+            <ac:spMk id="16" creationId="{5A45E2C7-6875-4531-89AC-DFCCC35DF660}"/>
+          </ac:spMkLst>
+        </pc:spChg>
+        <pc:spChg chg="add mod">
+          <ac:chgData name="Fernando C Correa" userId="a08d7f3c16d54179" providerId="LiveId" clId="{DAECEB32-C126-44A1-B729-3AADB1682972}" dt="2020-06-17T02:41:14.551" v="1914"/>
+          <ac:spMkLst>
+            <pc:docMk/>
+            <pc:sldMk cId="3697814180" sldId="294"/>
+            <ac:spMk id="17" creationId="{901B5BC6-D638-4BE0-B37B-1A203C864D2E}"/>
+          </ac:spMkLst>
+        </pc:spChg>
+        <pc:spChg chg="add mod">
+          <ac:chgData name="Fernando C Correa" userId="a08d7f3c16d54179" providerId="LiveId" clId="{DAECEB32-C126-44A1-B729-3AADB1682972}" dt="2020-06-17T15:51:28.331" v="2097" actId="1035"/>
+          <ac:spMkLst>
+            <pc:docMk/>
+            <pc:sldMk cId="3697814180" sldId="294"/>
+            <ac:spMk id="18" creationId="{28727A08-76AD-4CC1-81E1-A9E265979E09}"/>
+          </ac:spMkLst>
+        </pc:spChg>
+        <pc:spChg chg="add mod">
+          <ac:chgData name="Fernando C Correa" userId="a08d7f3c16d54179" providerId="LiveId" clId="{DAECEB32-C126-44A1-B729-3AADB1682972}" dt="2020-06-17T02:41:14.551" v="1914"/>
+          <ac:spMkLst>
+            <pc:docMk/>
+            <pc:sldMk cId="3697814180" sldId="294"/>
+            <ac:spMk id="19" creationId="{780807C2-BAF7-460E-A962-492C349F6F41}"/>
+          </ac:spMkLst>
+        </pc:spChg>
+        <pc:picChg chg="add mod">
+          <ac:chgData name="Fernando C Correa" userId="a08d7f3c16d54179" providerId="LiveId" clId="{DAECEB32-C126-44A1-B729-3AADB1682972}" dt="2020-06-17T02:35:35.789" v="1828" actId="1076"/>
+          <ac:picMkLst>
+            <pc:docMk/>
+            <pc:sldMk cId="3697814180" sldId="294"/>
+            <ac:picMk id="4" creationId="{21FC4F3E-E211-47D7-8ACC-E0A2CA159B1A}"/>
+          </ac:picMkLst>
+        </pc:picChg>
+        <pc:picChg chg="del mod">
+          <ac:chgData name="Fernando C Correa" userId="a08d7f3c16d54179" providerId="LiveId" clId="{DAECEB32-C126-44A1-B729-3AADB1682972}" dt="2020-06-17T00:37:45.756" v="760" actId="478"/>
+          <ac:picMkLst>
+            <pc:docMk/>
+            <pc:sldMk cId="3697814180" sldId="294"/>
+            <ac:picMk id="8" creationId="{F57F7578-876D-417C-8950-659CF2829DCC}"/>
+          </ac:picMkLst>
+        </pc:picChg>
+      </pc:sldChg>
+      <pc:sldChg chg="addSp delSp modSp mod modAnim">
+        <pc:chgData name="Fernando C Correa" userId="a08d7f3c16d54179" providerId="LiveId" clId="{DAECEB32-C126-44A1-B729-3AADB1682972}" dt="2020-06-18T22:39:45.765" v="2139"/>
+        <pc:sldMkLst>
+          <pc:docMk/>
+          <pc:sldMk cId="244390866" sldId="295"/>
+        </pc:sldMkLst>
+        <pc:spChg chg="mod">
+          <ac:chgData name="Fernando C Correa" userId="a08d7f3c16d54179" providerId="LiveId" clId="{DAECEB32-C126-44A1-B729-3AADB1682972}" dt="2020-06-17T01:49:52.169" v="1352" actId="20577"/>
+          <ac:spMkLst>
+            <pc:docMk/>
+            <pc:sldMk cId="244390866" sldId="295"/>
+            <ac:spMk id="2" creationId="{00000000-0000-0000-0000-000000000000}"/>
+          </ac:spMkLst>
+        </pc:spChg>
+        <pc:spChg chg="add del mod">
+          <ac:chgData name="Fernando C Correa" userId="a08d7f3c16d54179" providerId="LiveId" clId="{DAECEB32-C126-44A1-B729-3AADB1682972}" dt="2020-06-17T01:44:12.983" v="1296" actId="478"/>
+          <ac:spMkLst>
+            <pc:docMk/>
+            <pc:sldMk cId="244390866" sldId="295"/>
+            <ac:spMk id="15" creationId="{70D321B4-DD15-44BF-A39D-2BDBDAF4905E}"/>
+          </ac:spMkLst>
+        </pc:spChg>
+        <pc:spChg chg="add del mod">
+          <ac:chgData name="Fernando C Correa" userId="a08d7f3c16d54179" providerId="LiveId" clId="{DAECEB32-C126-44A1-B729-3AADB1682972}" dt="2020-06-17T01:44:12.983" v="1296" actId="478"/>
+          <ac:spMkLst>
+            <pc:docMk/>
+            <pc:sldMk cId="244390866" sldId="295"/>
+            <ac:spMk id="16" creationId="{1C108D5C-3A5E-4C73-90AC-E2101F00C505}"/>
+          </ac:spMkLst>
+        </pc:spChg>
+        <pc:spChg chg="add del mod">
+          <ac:chgData name="Fernando C Correa" userId="a08d7f3c16d54179" providerId="LiveId" clId="{DAECEB32-C126-44A1-B729-3AADB1682972}" dt="2020-06-17T01:55:18.773" v="1423" actId="478"/>
+          <ac:spMkLst>
+            <pc:docMk/>
+            <pc:sldMk cId="244390866" sldId="295"/>
+            <ac:spMk id="17" creationId="{707431A0-847E-41C2-AB78-3E392D9B4000}"/>
+          </ac:spMkLst>
+        </pc:spChg>
+        <pc:spChg chg="add del mod">
+          <ac:chgData name="Fernando C Correa" userId="a08d7f3c16d54179" providerId="LiveId" clId="{DAECEB32-C126-44A1-B729-3AADB1682972}" dt="2020-06-17T01:55:18.773" v="1423" actId="478"/>
+          <ac:spMkLst>
+            <pc:docMk/>
+            <pc:sldMk cId="244390866" sldId="295"/>
+            <ac:spMk id="18" creationId="{A26D93EB-807A-4DCC-A4E7-7F86FCA8E558}"/>
+          </ac:spMkLst>
+        </pc:spChg>
+        <pc:spChg chg="add del mod">
+          <ac:chgData name="Fernando C Correa" userId="a08d7f3c16d54179" providerId="LiveId" clId="{DAECEB32-C126-44A1-B729-3AADB1682972}" dt="2020-06-17T01:55:18.773" v="1423" actId="478"/>
+          <ac:spMkLst>
+            <pc:docMk/>
+            <pc:sldMk cId="244390866" sldId="295"/>
+            <ac:spMk id="19" creationId="{DD0828F4-8D8B-40CA-96F0-C63275AC5D34}"/>
+          </ac:spMkLst>
+        </pc:spChg>
+        <pc:spChg chg="add del mod">
+          <ac:chgData name="Fernando C Correa" userId="a08d7f3c16d54179" providerId="LiveId" clId="{DAECEB32-C126-44A1-B729-3AADB1682972}" dt="2020-06-17T01:55:18.773" v="1423" actId="478"/>
+          <ac:spMkLst>
+            <pc:docMk/>
+            <pc:sldMk cId="244390866" sldId="295"/>
+            <ac:spMk id="20" creationId="{0EFA3667-3B3F-4A48-8B3A-D37DD984E665}"/>
+          </ac:spMkLst>
+        </pc:spChg>
+        <pc:spChg chg="add del mod">
+          <ac:chgData name="Fernando C Correa" userId="a08d7f3c16d54179" providerId="LiveId" clId="{DAECEB32-C126-44A1-B729-3AADB1682972}" dt="2020-06-17T01:55:18.773" v="1423" actId="478"/>
+          <ac:spMkLst>
+            <pc:docMk/>
+            <pc:sldMk cId="244390866" sldId="295"/>
+            <ac:spMk id="21" creationId="{00CCE6D4-733D-4217-A027-5F2EC497C697}"/>
+          </ac:spMkLst>
+        </pc:spChg>
+        <pc:spChg chg="add del mod">
+          <ac:chgData name="Fernando C Correa" userId="a08d7f3c16d54179" providerId="LiveId" clId="{DAECEB32-C126-44A1-B729-3AADB1682972}" dt="2020-06-17T01:55:24.466" v="1425" actId="478"/>
+          <ac:spMkLst>
+            <pc:docMk/>
+            <pc:sldMk cId="244390866" sldId="295"/>
+            <ac:spMk id="22" creationId="{5E86E159-B072-4751-B493-D514DEB68E84}"/>
+          </ac:spMkLst>
+        </pc:spChg>
+        <pc:spChg chg="add del mod">
+          <ac:chgData name="Fernando C Correa" userId="a08d7f3c16d54179" providerId="LiveId" clId="{DAECEB32-C126-44A1-B729-3AADB1682972}" dt="2020-06-17T02:31:45.503" v="1752" actId="478"/>
+          <ac:spMkLst>
+            <pc:docMk/>
+            <pc:sldMk cId="244390866" sldId="295"/>
+            <ac:spMk id="23" creationId="{51EA033F-DC27-469C-A87E-F289087CCF2D}"/>
+          </ac:spMkLst>
+        </pc:spChg>
+        <pc:spChg chg="add del mod">
+          <ac:chgData name="Fernando C Correa" userId="a08d7f3c16d54179" providerId="LiveId" clId="{DAECEB32-C126-44A1-B729-3AADB1682972}" dt="2020-06-17T02:31:45.503" v="1752" actId="478"/>
+          <ac:spMkLst>
+            <pc:docMk/>
+            <pc:sldMk cId="244390866" sldId="295"/>
+            <ac:spMk id="24" creationId="{80E36AE2-0903-49A2-962B-BDFBAAAD9054}"/>
+          </ac:spMkLst>
+        </pc:spChg>
+        <pc:spChg chg="add del mod">
+          <ac:chgData name="Fernando C Correa" userId="a08d7f3c16d54179" providerId="LiveId" clId="{DAECEB32-C126-44A1-B729-3AADB1682972}" dt="2020-06-17T02:31:45.503" v="1752" actId="478"/>
+          <ac:spMkLst>
+            <pc:docMk/>
+            <pc:sldMk cId="244390866" sldId="295"/>
+            <ac:spMk id="25" creationId="{A0F7CDE4-CA4A-4670-B2DB-68DAD25BF45C}"/>
+          </ac:spMkLst>
+        </pc:spChg>
+        <pc:spChg chg="add del mod">
+          <ac:chgData name="Fernando C Correa" userId="a08d7f3c16d54179" providerId="LiveId" clId="{DAECEB32-C126-44A1-B729-3AADB1682972}" dt="2020-06-17T02:31:45.503" v="1752" actId="478"/>
+          <ac:spMkLst>
+            <pc:docMk/>
+            <pc:sldMk cId="244390866" sldId="295"/>
+            <ac:spMk id="26" creationId="{E61F3BF5-5141-4F12-A484-8F7765709D2B}"/>
+          </ac:spMkLst>
+        </pc:spChg>
+        <pc:spChg chg="add del mod">
+          <ac:chgData name="Fernando C Correa" userId="a08d7f3c16d54179" providerId="LiveId" clId="{DAECEB32-C126-44A1-B729-3AADB1682972}" dt="2020-06-17T02:41:08.987" v="1909" actId="478"/>
+          <ac:spMkLst>
+            <pc:docMk/>
+            <pc:sldMk cId="244390866" sldId="295"/>
+            <ac:spMk id="27" creationId="{2924F776-B2F4-43F3-B0B8-39EE2F0130D6}"/>
+          </ac:spMkLst>
+        </pc:spChg>
+        <pc:spChg chg="add del mod">
+          <ac:chgData name="Fernando C Correa" userId="a08d7f3c16d54179" providerId="LiveId" clId="{DAECEB32-C126-44A1-B729-3AADB1682972}" dt="2020-06-17T02:41:10.007" v="1910" actId="478"/>
+          <ac:spMkLst>
+            <pc:docMk/>
+            <pc:sldMk cId="244390866" sldId="295"/>
+            <ac:spMk id="28" creationId="{CA6D821E-ACBA-4143-961E-75E1FBBAD60A}"/>
+          </ac:spMkLst>
+        </pc:spChg>
+        <pc:spChg chg="add del mod">
+          <ac:chgData name="Fernando C Correa" userId="a08d7f3c16d54179" providerId="LiveId" clId="{DAECEB32-C126-44A1-B729-3AADB1682972}" dt="2020-06-17T02:41:10.586" v="1911" actId="478"/>
+          <ac:spMkLst>
+            <pc:docMk/>
+            <pc:sldMk cId="244390866" sldId="295"/>
+            <ac:spMk id="29" creationId="{FD8E68AD-9AF8-410D-8361-93980EF26B7F}"/>
+          </ac:spMkLst>
+        </pc:spChg>
+        <pc:spChg chg="add del mod">
+          <ac:chgData name="Fernando C Correa" userId="a08d7f3c16d54179" providerId="LiveId" clId="{DAECEB32-C126-44A1-B729-3AADB1682972}" dt="2020-06-17T02:41:11.183" v="1912" actId="478"/>
+          <ac:spMkLst>
+            <pc:docMk/>
+            <pc:sldMk cId="244390866" sldId="295"/>
+            <ac:spMk id="30" creationId="{E253C523-CBF3-4C51-990A-833754FDDBC6}"/>
+          </ac:spMkLst>
+        </pc:spChg>
+        <pc:spChg chg="add mod">
+          <ac:chgData name="Fernando C Correa" userId="a08d7f3c16d54179" providerId="LiveId" clId="{DAECEB32-C126-44A1-B729-3AADB1682972}" dt="2020-06-17T02:41:12.113" v="1913"/>
+          <ac:spMkLst>
+            <pc:docMk/>
+            <pc:sldMk cId="244390866" sldId="295"/>
+            <ac:spMk id="31" creationId="{D60C8166-18CD-4C69-AF27-80CD76588BF4}"/>
+          </ac:spMkLst>
+        </pc:spChg>
+        <pc:spChg chg="add mod">
+          <ac:chgData name="Fernando C Correa" userId="a08d7f3c16d54179" providerId="LiveId" clId="{DAECEB32-C126-44A1-B729-3AADB1682972}" dt="2020-06-17T02:41:57.683" v="1929" actId="1036"/>
+          <ac:spMkLst>
+            <pc:docMk/>
+            <pc:sldMk cId="244390866" sldId="295"/>
+            <ac:spMk id="32" creationId="{93397BB8-2445-4308-B20F-E71B9D0C130D}"/>
+          </ac:spMkLst>
+        </pc:spChg>
+        <pc:spChg chg="add mod">
+          <ac:chgData name="Fernando C Correa" userId="a08d7f3c16d54179" providerId="LiveId" clId="{DAECEB32-C126-44A1-B729-3AADB1682972}" dt="2020-06-17T02:41:12.113" v="1913"/>
+          <ac:spMkLst>
+            <pc:docMk/>
+            <pc:sldMk cId="244390866" sldId="295"/>
+            <ac:spMk id="33" creationId="{DDFB502B-FCC1-4F3A-8757-216A944D8BBE}"/>
+          </ac:spMkLst>
+        </pc:spChg>
+        <pc:spChg chg="add mod">
+          <ac:chgData name="Fernando C Correa" userId="a08d7f3c16d54179" providerId="LiveId" clId="{DAECEB32-C126-44A1-B729-3AADB1682972}" dt="2020-06-17T02:42:05.025" v="1932" actId="1035"/>
+          <ac:spMkLst>
+            <pc:docMk/>
+            <pc:sldMk cId="244390866" sldId="295"/>
+            <ac:spMk id="34" creationId="{007E6495-B930-4DD7-93E1-E74FF0F17F86}"/>
+          </ac:spMkLst>
+        </pc:spChg>
+        <pc:spChg chg="add mod">
+          <ac:chgData name="Fernando C Correa" userId="a08d7f3c16d54179" providerId="LiveId" clId="{DAECEB32-C126-44A1-B729-3AADB1682972}" dt="2020-06-17T02:41:12.113" v="1913"/>
+          <ac:spMkLst>
+            <pc:docMk/>
+            <pc:sldMk cId="244390866" sldId="295"/>
+            <ac:spMk id="35" creationId="{EA88C6C0-C770-43D9-A157-5771E6FCCF86}"/>
+          </ac:spMkLst>
+        </pc:spChg>
+        <pc:spChg chg="add mod">
+          <ac:chgData name="Fernando C Correa" userId="a08d7f3c16d54179" providerId="LiveId" clId="{DAECEB32-C126-44A1-B729-3AADB1682972}" dt="2020-06-17T02:41:12.113" v="1913"/>
+          <ac:spMkLst>
+            <pc:docMk/>
+            <pc:sldMk cId="244390866" sldId="295"/>
+            <ac:spMk id="36" creationId="{46625C5E-DFD4-4BC4-B341-FB7024ED34A0}"/>
+          </ac:spMkLst>
+        </pc:spChg>
+        <pc:picChg chg="add mod">
+          <ac:chgData name="Fernando C Correa" userId="a08d7f3c16d54179" providerId="LiveId" clId="{DAECEB32-C126-44A1-B729-3AADB1682972}" dt="2020-06-17T02:35:30.162" v="1827" actId="1076"/>
+          <ac:picMkLst>
+            <pc:docMk/>
+            <pc:sldMk cId="244390866" sldId="295"/>
+            <ac:picMk id="4" creationId="{FD2437F9-163B-4909-8EB6-FF66395CFCA8}"/>
+          </ac:picMkLst>
+        </pc:picChg>
+        <pc:picChg chg="del">
+          <ac:chgData name="Fernando C Correa" userId="a08d7f3c16d54179" providerId="LiveId" clId="{DAECEB32-C126-44A1-B729-3AADB1682972}" dt="2020-06-16T23:58:54.718" v="658" actId="478"/>
+          <ac:picMkLst>
+            <pc:docMk/>
+            <pc:sldMk cId="244390866" sldId="295"/>
+            <ac:picMk id="11" creationId="{5E5FFD33-0256-424A-8BC7-4179A52A21E0}"/>
+          </ac:picMkLst>
+        </pc:picChg>
+      </pc:sldChg>
+      <pc:sldChg chg="addSp delSp modSp mod ord delAnim modAnim">
+        <pc:chgData name="Fernando C Correa" userId="a08d7f3c16d54179" providerId="LiveId" clId="{DAECEB32-C126-44A1-B729-3AADB1682972}" dt="2020-06-18T22:39:31.583" v="2136"/>
+        <pc:sldMkLst>
+          <pc:docMk/>
+          <pc:sldMk cId="2602158399" sldId="296"/>
+        </pc:sldMkLst>
+        <pc:spChg chg="mod">
+          <ac:chgData name="Fernando C Correa" userId="a08d7f3c16d54179" providerId="LiveId" clId="{DAECEB32-C126-44A1-B729-3AADB1682972}" dt="2020-06-16T23:49:38.968" v="586" actId="20577"/>
+          <ac:spMkLst>
+            <pc:docMk/>
+            <pc:sldMk cId="2602158399" sldId="296"/>
+            <ac:spMk id="2" creationId="{00000000-0000-0000-0000-000000000000}"/>
+          </ac:spMkLst>
+        </pc:spChg>
+        <pc:spChg chg="add del mod topLvl">
+          <ac:chgData name="Fernando C Correa" userId="a08d7f3c16d54179" providerId="LiveId" clId="{DAECEB32-C126-44A1-B729-3AADB1682972}" dt="2020-06-17T01:25:29.691" v="1088" actId="478"/>
+          <ac:spMkLst>
+            <pc:docMk/>
+            <pc:sldMk cId="2602158399" sldId="296"/>
+            <ac:spMk id="3" creationId="{415B03D9-DB79-4EA4-8F71-81D4EAB861DF}"/>
+          </ac:spMkLst>
+        </pc:spChg>
+        <pc:spChg chg="add del mod">
+          <ac:chgData name="Fernando C Correa" userId="a08d7f3c16d54179" providerId="LiveId" clId="{DAECEB32-C126-44A1-B729-3AADB1682972}" dt="2020-06-17T01:53:13.912" v="1410" actId="478"/>
+          <ac:spMkLst>
+            <pc:docMk/>
+            <pc:sldMk cId="2602158399" sldId="296"/>
+            <ac:spMk id="7" creationId="{73FB2FD1-ECDB-477E-ACF4-9C001DC1DEC2}"/>
+          </ac:spMkLst>
+        </pc:spChg>
+        <pc:spChg chg="add del mod">
+          <ac:chgData name="Fernando C Correa" userId="a08d7f3c16d54179" providerId="LiveId" clId="{DAECEB32-C126-44A1-B729-3AADB1682972}" dt="2020-06-17T01:54:37.488" v="1416" actId="478"/>
+          <ac:spMkLst>
+            <pc:docMk/>
+            <pc:sldMk cId="2602158399" sldId="296"/>
+            <ac:spMk id="9" creationId="{DE5E99F9-37E0-41C9-A6C9-D7CD23F4BA11}"/>
+          </ac:spMkLst>
+        </pc:spChg>
+        <pc:spChg chg="add mod">
+          <ac:chgData name="Fernando C Correa" userId="a08d7f3c16d54179" providerId="LiveId" clId="{DAECEB32-C126-44A1-B729-3AADB1682972}" dt="2020-06-16T23:51:35.481" v="650" actId="164"/>
+          <ac:spMkLst>
+            <pc:docMk/>
+            <pc:sldMk cId="2602158399" sldId="296"/>
+            <ac:spMk id="11" creationId="{42AF36B1-0B69-4AA7-9D2F-A7F74B8B6360}"/>
+          </ac:spMkLst>
+        </pc:spChg>
+        <pc:spChg chg="add del mod">
+          <ac:chgData name="Fernando C Correa" userId="a08d7f3c16d54179" providerId="LiveId" clId="{DAECEB32-C126-44A1-B729-3AADB1682972}" dt="2020-06-17T01:24:17.306" v="1084" actId="478"/>
+          <ac:spMkLst>
+            <pc:docMk/>
+            <pc:sldMk cId="2602158399" sldId="296"/>
+            <ac:spMk id="15" creationId="{E9FF7445-76A3-4BA1-8B14-665F23D3A567}"/>
+          </ac:spMkLst>
+        </pc:spChg>
+        <pc:spChg chg="add mod ord">
+          <ac:chgData name="Fernando C Correa" userId="a08d7f3c16d54179" providerId="LiveId" clId="{DAECEB32-C126-44A1-B729-3AADB1682972}" dt="2020-06-17T02:40:29.529" v="1902" actId="1037"/>
+          <ac:spMkLst>
+            <pc:docMk/>
+            <pc:sldMk cId="2602158399" sldId="296"/>
+            <ac:spMk id="16" creationId="{B929AAFC-5FD1-4FBC-9997-0574514F2D6D}"/>
+          </ac:spMkLst>
+        </pc:spChg>
+        <pc:spChg chg="add mod">
+          <ac:chgData name="Fernando C Correa" userId="a08d7f3c16d54179" providerId="LiveId" clId="{DAECEB32-C126-44A1-B729-3AADB1682972}" dt="2020-06-17T02:38:37.810" v="1868" actId="1076"/>
+          <ac:spMkLst>
+            <pc:docMk/>
+            <pc:sldMk cId="2602158399" sldId="296"/>
+            <ac:spMk id="17" creationId="{F7374B40-D7D8-4146-9028-B7AE3FA19233}"/>
+          </ac:spMkLst>
+        </pc:spChg>
+        <pc:spChg chg="add mod">
+          <ac:chgData name="Fernando C Correa" userId="a08d7f3c16d54179" providerId="LiveId" clId="{DAECEB32-C126-44A1-B729-3AADB1682972}" dt="2020-06-17T02:38:37.810" v="1868" actId="1076"/>
+          <ac:spMkLst>
+            <pc:docMk/>
+            <pc:sldMk cId="2602158399" sldId="296"/>
+            <ac:spMk id="18" creationId="{0579A070-173E-4D8B-98FC-347B77DB9ADE}"/>
+          </ac:spMkLst>
+        </pc:spChg>
+        <pc:spChg chg="add mod">
+          <ac:chgData name="Fernando C Correa" userId="a08d7f3c16d54179" providerId="LiveId" clId="{DAECEB32-C126-44A1-B729-3AADB1682972}" dt="2020-06-17T02:38:37.810" v="1868" actId="1076"/>
+          <ac:spMkLst>
+            <pc:docMk/>
+            <pc:sldMk cId="2602158399" sldId="296"/>
+            <ac:spMk id="19" creationId="{D02F0A36-42C0-442F-B708-AE0077EDEF45}"/>
+          </ac:spMkLst>
+        </pc:spChg>
+        <pc:spChg chg="add del">
+          <ac:chgData name="Fernando C Correa" userId="a08d7f3c16d54179" providerId="LiveId" clId="{DAECEB32-C126-44A1-B729-3AADB1682972}" dt="2020-06-17T01:58:34.020" v="1456" actId="478"/>
+          <ac:spMkLst>
+            <pc:docMk/>
+            <pc:sldMk cId="2602158399" sldId="296"/>
+            <ac:spMk id="20" creationId="{14F4DDF6-A2C9-4848-851C-F5D45FBF2987}"/>
+          </ac:spMkLst>
+        </pc:spChg>
+        <pc:spChg chg="add ord">
+          <ac:chgData name="Fernando C Correa" userId="a08d7f3c16d54179" providerId="LiveId" clId="{DAECEB32-C126-44A1-B729-3AADB1682972}" dt="2020-06-17T01:58:47.952" v="1458" actId="167"/>
+          <ac:spMkLst>
+            <pc:docMk/>
+            <pc:sldMk cId="2602158399" sldId="296"/>
+            <ac:spMk id="21" creationId="{DEDAC65E-5A44-4D6B-8FD8-DE7536913038}"/>
+          </ac:spMkLst>
+        </pc:spChg>
+        <pc:spChg chg="add del mod">
+          <ac:chgData name="Fernando C Correa" userId="a08d7f3c16d54179" providerId="LiveId" clId="{DAECEB32-C126-44A1-B729-3AADB1682972}" dt="2020-06-17T01:59:38.190" v="1474" actId="11529"/>
+          <ac:spMkLst>
+            <pc:docMk/>
+            <pc:sldMk cId="2602158399" sldId="296"/>
+            <ac:spMk id="22" creationId="{4645B119-9819-4AF8-B23E-940291934B69}"/>
+          </ac:spMkLst>
+        </pc:spChg>
+        <pc:spChg chg="add mod">
+          <ac:chgData name="Fernando C Correa" userId="a08d7f3c16d54179" providerId="LiveId" clId="{DAECEB32-C126-44A1-B729-3AADB1682972}" dt="2020-06-17T02:38:37.810" v="1868" actId="1076"/>
+          <ac:spMkLst>
+            <pc:docMk/>
+            <pc:sldMk cId="2602158399" sldId="296"/>
+            <ac:spMk id="23" creationId="{AEDD1AB6-8654-4748-AFEB-266F993341D8}"/>
+          </ac:spMkLst>
+        </pc:spChg>
+        <pc:spChg chg="add mod">
+          <ac:chgData name="Fernando C Correa" userId="a08d7f3c16d54179" providerId="LiveId" clId="{DAECEB32-C126-44A1-B729-3AADB1682972}" dt="2020-06-17T02:38:37.810" v="1868" actId="1076"/>
+          <ac:spMkLst>
+            <pc:docMk/>
+            <pc:sldMk cId="2602158399" sldId="296"/>
+            <ac:spMk id="24" creationId="{E02B5E74-D9F0-4003-BD68-3101ACF02AC9}"/>
+          </ac:spMkLst>
+        </pc:spChg>
+        <pc:grpChg chg="add del mod">
+          <ac:chgData name="Fernando C Correa" userId="a08d7f3c16d54179" providerId="LiveId" clId="{DAECEB32-C126-44A1-B729-3AADB1682972}" dt="2020-06-17T01:25:29.691" v="1088" actId="478"/>
+          <ac:grpSpMkLst>
+            <pc:docMk/>
+            <pc:sldMk cId="2602158399" sldId="296"/>
+            <ac:grpSpMk id="5" creationId="{6FAAF7DE-43D4-44F2-B91B-7964DB50D745}"/>
+          </ac:grpSpMkLst>
+        </pc:grpChg>
+        <pc:grpChg chg="add del mod">
+          <ac:chgData name="Fernando C Correa" userId="a08d7f3c16d54179" providerId="LiveId" clId="{DAECEB32-C126-44A1-B729-3AADB1682972}" dt="2020-06-17T00:40:30.437" v="767" actId="21"/>
+          <ac:grpSpMkLst>
+            <pc:docMk/>
+            <pc:sldMk cId="2602158399" sldId="296"/>
+            <ac:grpSpMk id="6" creationId="{96338F10-A041-4372-B2F5-A664726D9BA0}"/>
+          </ac:grpSpMkLst>
+        </pc:grpChg>
+        <pc:grpChg chg="del">
+          <ac:chgData name="Fernando C Correa" userId="a08d7f3c16d54179" providerId="LiveId" clId="{DAECEB32-C126-44A1-B729-3AADB1682972}" dt="2020-06-16T21:18:23.630" v="135" actId="478"/>
+          <ac:grpSpMkLst>
+            <pc:docMk/>
+            <pc:sldMk cId="2602158399" sldId="296"/>
+            <ac:grpSpMk id="15" creationId="{E9FF7A15-42E9-4313-8D04-09D0569D0196}"/>
+          </ac:grpSpMkLst>
+        </pc:grpChg>
+        <pc:picChg chg="add mod modCrop">
+          <ac:chgData name="Fernando C Correa" userId="a08d7f3c16d54179" providerId="LiveId" clId="{DAECEB32-C126-44A1-B729-3AADB1682972}" dt="2020-06-16T23:52:10.868" v="654" actId="1076"/>
+          <ac:picMkLst>
+            <pc:docMk/>
+            <pc:sldMk cId="2602158399" sldId="296"/>
+            <ac:picMk id="4" creationId="{3B8A8F53-123C-4439-9517-915F069EB640}"/>
+          </ac:picMkLst>
+        </pc:picChg>
+        <pc:picChg chg="add mod topLvl">
+          <ac:chgData name="Fernando C Correa" userId="a08d7f3c16d54179" providerId="LiveId" clId="{DAECEB32-C126-44A1-B729-3AADB1682972}" dt="2020-06-17T01:31:36.502" v="1168" actId="1076"/>
+          <ac:picMkLst>
+            <pc:docMk/>
+            <pc:sldMk cId="2602158399" sldId="296"/>
+            <ac:picMk id="8" creationId="{E7887945-5460-4B49-BFA8-1466756D37A0}"/>
+          </ac:picMkLst>
+        </pc:picChg>
+      </pc:sldChg>
+      <pc:sldChg chg="addSp delSp modSp mod modAnim">
+        <pc:chgData name="Fernando C Correa" userId="a08d7f3c16d54179" providerId="LiveId" clId="{DAECEB32-C126-44A1-B729-3AADB1682972}" dt="2020-06-17T02:54:14.840" v="2071" actId="1038"/>
+        <pc:sldMkLst>
+          <pc:docMk/>
+          <pc:sldMk cId="903407908" sldId="297"/>
+        </pc:sldMkLst>
+        <pc:spChg chg="mod">
+          <ac:chgData name="Fernando C Correa" userId="a08d7f3c16d54179" providerId="LiveId" clId="{DAECEB32-C126-44A1-B729-3AADB1682972}" dt="2020-06-17T02:52:33.565" v="1957" actId="20577"/>
+          <ac:spMkLst>
+            <pc:docMk/>
+            <pc:sldMk cId="903407908" sldId="297"/>
+            <ac:spMk id="2" creationId="{00000000-0000-0000-0000-000000000000}"/>
+          </ac:spMkLst>
+        </pc:spChg>
+        <pc:spChg chg="add del mod">
+          <ac:chgData name="Fernando C Correa" userId="a08d7f3c16d54179" providerId="LiveId" clId="{DAECEB32-C126-44A1-B729-3AADB1682972}" dt="2020-06-17T02:52:18.956" v="1949"/>
+          <ac:spMkLst>
+            <pc:docMk/>
+            <pc:sldMk cId="903407908" sldId="297"/>
+            <ac:spMk id="18" creationId="{7B8B747E-9DE3-4591-98FD-6F242200B481}"/>
+          </ac:spMkLst>
+        </pc:spChg>
+        <pc:spChg chg="add del mod">
+          <ac:chgData name="Fernando C Correa" userId="a08d7f3c16d54179" providerId="LiveId" clId="{DAECEB32-C126-44A1-B729-3AADB1682972}" dt="2020-06-17T02:52:18.956" v="1949"/>
+          <ac:spMkLst>
+            <pc:docMk/>
+            <pc:sldMk cId="903407908" sldId="297"/>
+            <ac:spMk id="19" creationId="{C2056704-906D-4A43-981B-0C82E8F81CFB}"/>
+          </ac:spMkLst>
+        </pc:spChg>
+        <pc:spChg chg="add del mod">
+          <ac:chgData name="Fernando C Correa" userId="a08d7f3c16d54179" providerId="LiveId" clId="{DAECEB32-C126-44A1-B729-3AADB1682972}" dt="2020-06-17T02:52:18.956" v="1949"/>
+          <ac:spMkLst>
+            <pc:docMk/>
+            <pc:sldMk cId="903407908" sldId="297"/>
+            <ac:spMk id="20" creationId="{AB1F2FA3-2A9F-42CB-9D7D-AB377DBA90A6}"/>
+          </ac:spMkLst>
+        </pc:spChg>
+        <pc:spChg chg="add mod">
+          <ac:chgData name="Fernando C Correa" userId="a08d7f3c16d54179" providerId="LiveId" clId="{DAECEB32-C126-44A1-B729-3AADB1682972}" dt="2020-06-17T02:52:50.851" v="2002" actId="20577"/>
+          <ac:spMkLst>
+            <pc:docMk/>
+            <pc:sldMk cId="903407908" sldId="297"/>
+            <ac:spMk id="21" creationId="{4BBC1F64-6A9A-4756-AE3A-5530F848BDB4}"/>
+          </ac:spMkLst>
+        </pc:spChg>
+        <pc:spChg chg="add mod">
+          <ac:chgData name="Fernando C Correa" userId="a08d7f3c16d54179" providerId="LiveId" clId="{DAECEB32-C126-44A1-B729-3AADB1682972}" dt="2020-06-17T02:54:14.840" v="2071" actId="1038"/>
+          <ac:spMkLst>
+            <pc:docMk/>
+            <pc:sldMk cId="903407908" sldId="297"/>
+            <ac:spMk id="22" creationId="{5FFDAF72-6237-4B4A-A954-A30A3C1FCBF2}"/>
+          </ac:spMkLst>
+        </pc:spChg>
+        <pc:spChg chg="add del mod">
+          <ac:chgData name="Fernando C Correa" userId="a08d7f3c16d54179" providerId="LiveId" clId="{DAECEB32-C126-44A1-B729-3AADB1682972}" dt="2020-06-17T02:53:47.680" v="2063" actId="478"/>
+          <ac:spMkLst>
+            <pc:docMk/>
+            <pc:sldMk cId="903407908" sldId="297"/>
+            <ac:spMk id="23" creationId="{D8C59A70-562F-40D3-A4DE-5E7DAB2E4FD2}"/>
+          </ac:spMkLst>
+        </pc:spChg>
+        <pc:spChg chg="add del mod">
+          <ac:chgData name="Fernando C Correa" userId="a08d7f3c16d54179" providerId="LiveId" clId="{DAECEB32-C126-44A1-B729-3AADB1682972}" dt="2020-06-17T02:53:58.518" v="2067" actId="478"/>
+          <ac:spMkLst>
+            <pc:docMk/>
+            <pc:sldMk cId="903407908" sldId="297"/>
+            <ac:spMk id="24" creationId="{566E65F7-9B29-4662-B30B-62FB59DACB57}"/>
+          </ac:spMkLst>
+        </pc:spChg>
+        <pc:spChg chg="add mod">
+          <ac:chgData name="Fernando C Correa" userId="a08d7f3c16d54179" providerId="LiveId" clId="{DAECEB32-C126-44A1-B729-3AADB1682972}" dt="2020-06-17T02:53:41.780" v="2062"/>
+          <ac:spMkLst>
+            <pc:docMk/>
+            <pc:sldMk cId="903407908" sldId="297"/>
+            <ac:spMk id="25" creationId="{58201C95-5404-4900-AA68-CFFD1575D4E1}"/>
+          </ac:spMkLst>
+        </pc:spChg>
+      </pc:sldChg>
+      <pc:sldChg chg="addSp modSp mod">
+        <pc:chgData name="Fernando C Correa" userId="a08d7f3c16d54179" providerId="LiveId" clId="{DAECEB32-C126-44A1-B729-3AADB1682972}" dt="2020-06-17T02:54:38.800" v="2096" actId="1035"/>
+        <pc:sldMkLst>
+          <pc:docMk/>
+          <pc:sldMk cId="1350499800" sldId="298"/>
+        </pc:sldMkLst>
+        <pc:spChg chg="mod">
+          <ac:chgData name="Fernando C Correa" userId="a08d7f3c16d54179" providerId="LiveId" clId="{DAECEB32-C126-44A1-B729-3AADB1682972}" dt="2020-06-17T02:52:31.251" v="1954" actId="20577"/>
+          <ac:spMkLst>
+            <pc:docMk/>
+            <pc:sldMk cId="1350499800" sldId="298"/>
+            <ac:spMk id="2" creationId="{00000000-0000-0000-0000-000000000000}"/>
+          </ac:spMkLst>
+        </pc:spChg>
+        <pc:spChg chg="add mod">
+          <ac:chgData name="Fernando C Correa" userId="a08d7f3c16d54179" providerId="LiveId" clId="{DAECEB32-C126-44A1-B729-3AADB1682972}" dt="2020-06-17T02:53:02.012" v="2036" actId="20577"/>
+          <ac:spMkLst>
+            <pc:docMk/>
+            <pc:sldMk cId="1350499800" sldId="298"/>
+            <ac:spMk id="8" creationId="{9839AFDD-8E4F-4858-BBB3-0373BB83BE39}"/>
+          </ac:spMkLst>
+        </pc:spChg>
+        <pc:spChg chg="add mod">
+          <ac:chgData name="Fernando C Correa" userId="a08d7f3c16d54179" providerId="LiveId" clId="{DAECEB32-C126-44A1-B729-3AADB1682972}" dt="2020-06-17T02:54:32.804" v="2095" actId="1038"/>
+          <ac:spMkLst>
+            <pc:docMk/>
+            <pc:sldMk cId="1350499800" sldId="298"/>
+            <ac:spMk id="9" creationId="{97F2FEA5-53F9-420C-8D02-55CB953267D0}"/>
+          </ac:spMkLst>
+        </pc:spChg>
+        <pc:spChg chg="add mod">
+          <ac:chgData name="Fernando C Correa" userId="a08d7f3c16d54179" providerId="LiveId" clId="{DAECEB32-C126-44A1-B729-3AADB1682972}" dt="2020-06-17T02:54:38.800" v="2096" actId="1035"/>
+          <ac:spMkLst>
+            <pc:docMk/>
+            <pc:sldMk cId="1350499800" sldId="298"/>
+            <ac:spMk id="11" creationId="{6E983EDC-9D44-4171-BB6B-3CD66677F0D3}"/>
+          </ac:spMkLst>
+        </pc:spChg>
+      </pc:sldChg>
+      <pc:sldChg chg="addSp delSp modSp mod modAnim">
+        <pc:chgData name="Fernando C Correa" userId="a08d7f3c16d54179" providerId="LiveId" clId="{DAECEB32-C126-44A1-B729-3AADB1682972}" dt="2020-06-18T22:40:08.667" v="2141"/>
+        <pc:sldMkLst>
+          <pc:docMk/>
+          <pc:sldMk cId="2306638093" sldId="299"/>
+        </pc:sldMkLst>
+        <pc:spChg chg="mod">
+          <ac:chgData name="Fernando C Correa" userId="a08d7f3c16d54179" providerId="LiveId" clId="{DAECEB32-C126-44A1-B729-3AADB1682972}" dt="2020-06-17T02:18:52.853" v="1525"/>
+          <ac:spMkLst>
+            <pc:docMk/>
+            <pc:sldMk cId="2306638093" sldId="299"/>
+            <ac:spMk id="2" creationId="{00000000-0000-0000-0000-000000000000}"/>
+          </ac:spMkLst>
+        </pc:spChg>
+        <pc:spChg chg="add mod">
+          <ac:chgData name="Fernando C Correa" userId="a08d7f3c16d54179" providerId="LiveId" clId="{DAECEB32-C126-44A1-B729-3AADB1682972}" dt="2020-06-17T02:18:28.655" v="1519" actId="403"/>
+          <ac:spMkLst>
+            <pc:docMk/>
+            <pc:sldMk cId="2306638093" sldId="299"/>
+            <ac:spMk id="8" creationId="{76B61B70-686C-4452-8B44-A25D894711B0}"/>
+          </ac:spMkLst>
+        </pc:spChg>
+        <pc:spChg chg="add mod">
+          <ac:chgData name="Fernando C Correa" userId="a08d7f3c16d54179" providerId="LiveId" clId="{DAECEB32-C126-44A1-B729-3AADB1682972}" dt="2020-06-17T02:18:16.657" v="1515"/>
+          <ac:spMkLst>
+            <pc:docMk/>
+            <pc:sldMk cId="2306638093" sldId="299"/>
+            <ac:spMk id="9" creationId="{222C1FF2-278B-4340-9D9F-C78F6E5CF15B}"/>
+          </ac:spMkLst>
+        </pc:spChg>
+        <pc:spChg chg="add mod">
+          <ac:chgData name="Fernando C Correa" userId="a08d7f3c16d54179" providerId="LiveId" clId="{DAECEB32-C126-44A1-B729-3AADB1682972}" dt="2020-06-17T02:18:16.657" v="1515"/>
+          <ac:spMkLst>
+            <pc:docMk/>
+            <pc:sldMk cId="2306638093" sldId="299"/>
+            <ac:spMk id="11" creationId="{4E984021-D7FD-4490-8DBE-80F9AF9A814D}"/>
+          </ac:spMkLst>
+        </pc:spChg>
+        <pc:spChg chg="add mod">
+          <ac:chgData name="Fernando C Correa" userId="a08d7f3c16d54179" providerId="LiveId" clId="{DAECEB32-C126-44A1-B729-3AADB1682972}" dt="2020-06-17T02:18:22.857" v="1517" actId="14861"/>
+          <ac:spMkLst>
+            <pc:docMk/>
+            <pc:sldMk cId="2306638093" sldId="299"/>
+            <ac:spMk id="15" creationId="{CBB9C317-0489-467D-AFF5-5A6026DDF8C0}"/>
+          </ac:spMkLst>
+        </pc:spChg>
+        <pc:spChg chg="add del mod">
+          <ac:chgData name="Fernando C Correa" userId="a08d7f3c16d54179" providerId="LiveId" clId="{DAECEB32-C126-44A1-B729-3AADB1682972}" dt="2020-06-17T02:23:58.925" v="1663" actId="478"/>
+          <ac:spMkLst>
+            <pc:docMk/>
+            <pc:sldMk cId="2306638093" sldId="299"/>
+            <ac:spMk id="16" creationId="{74578A1D-92D6-4816-8506-2830C9C44E93}"/>
+          </ac:spMkLst>
+        </pc:spChg>
+        <pc:spChg chg="add del mod">
+          <ac:chgData name="Fernando C Correa" userId="a08d7f3c16d54179" providerId="LiveId" clId="{DAECEB32-C126-44A1-B729-3AADB1682972}" dt="2020-06-17T02:25:25.528" v="1677"/>
+          <ac:spMkLst>
+            <pc:docMk/>
+            <pc:sldMk cId="2306638093" sldId="299"/>
+            <ac:spMk id="17" creationId="{A384F257-E03F-432B-AABC-47833AA5A85E}"/>
+          </ac:spMkLst>
+        </pc:spChg>
+        <pc:spChg chg="add mod">
+          <ac:chgData name="Fernando C Correa" userId="a08d7f3c16d54179" providerId="LiveId" clId="{DAECEB32-C126-44A1-B729-3AADB1682972}" dt="2020-06-17T02:26:21.802" v="1689"/>
+          <ac:spMkLst>
+            <pc:docMk/>
+            <pc:sldMk cId="2306638093" sldId="299"/>
+            <ac:spMk id="19" creationId="{801D3AE1-4492-47FE-B780-B74F5D1C0856}"/>
+          </ac:spMkLst>
+        </pc:spChg>
+        <pc:picChg chg="mod">
+          <ac:chgData name="Fernando C Correa" userId="a08d7f3c16d54179" providerId="LiveId" clId="{DAECEB32-C126-44A1-B729-3AADB1682972}" dt="2020-06-17T02:18:36.702" v="1522" actId="1076"/>
+          <ac:picMkLst>
+            <pc:docMk/>
+            <pc:sldMk cId="2306638093" sldId="299"/>
+            <ac:picMk id="3" creationId="{EEAC992E-ED94-44D0-8B15-D8F5ED685DAA}"/>
+          </ac:picMkLst>
+        </pc:picChg>
+        <pc:picChg chg="add del mod">
+          <ac:chgData name="Fernando C Correa" userId="a08d7f3c16d54179" providerId="LiveId" clId="{DAECEB32-C126-44A1-B729-3AADB1682972}" dt="2020-06-17T02:25:30.146" v="1679" actId="478"/>
+          <ac:picMkLst>
+            <pc:docMk/>
+            <pc:sldMk cId="2306638093" sldId="299"/>
+            <ac:picMk id="18" creationId="{C7833F18-91D0-486C-A64F-4D8D5CB571E8}"/>
+          </ac:picMkLst>
+        </pc:picChg>
+      </pc:sldChg>
+      <pc:sldChg chg="addSp delSp modSp add mod ord">
+        <pc:chgData name="Fernando C Correa" userId="a08d7f3c16d54179" providerId="LiveId" clId="{DAECEB32-C126-44A1-B729-3AADB1682972}" dt="2020-06-17T01:12:39.378" v="974" actId="20577"/>
+        <pc:sldMkLst>
+          <pc:docMk/>
+          <pc:sldMk cId="2462845540" sldId="300"/>
+        </pc:sldMkLst>
+        <pc:spChg chg="mod">
+          <ac:chgData name="Fernando C Correa" userId="a08d7f3c16d54179" providerId="LiveId" clId="{DAECEB32-C126-44A1-B729-3AADB1682972}" dt="2020-06-16T23:38:07.351" v="408" actId="20577"/>
+          <ac:spMkLst>
+            <pc:docMk/>
+            <pc:sldMk cId="2462845540" sldId="300"/>
+            <ac:spMk id="2" creationId="{00000000-0000-0000-0000-000000000000}"/>
+          </ac:spMkLst>
+        </pc:spChg>
+        <pc:spChg chg="add mod">
+          <ac:chgData name="Fernando C Correa" userId="a08d7f3c16d54179" providerId="LiveId" clId="{DAECEB32-C126-44A1-B729-3AADB1682972}" dt="2020-06-17T01:12:19.592" v="963" actId="14100"/>
+          <ac:spMkLst>
+            <pc:docMk/>
+            <pc:sldMk cId="2462845540" sldId="300"/>
+            <ac:spMk id="3" creationId="{0A469168-9659-4B5B-9B7B-D50FEC1E813C}"/>
+          </ac:spMkLst>
+        </pc:spChg>
+        <pc:spChg chg="add del mod">
+          <ac:chgData name="Fernando C Correa" userId="a08d7f3c16d54179" providerId="LiveId" clId="{DAECEB32-C126-44A1-B729-3AADB1682972}" dt="2020-06-16T23:31:12.989" v="222" actId="478"/>
+          <ac:spMkLst>
+            <pc:docMk/>
+            <pc:sldMk cId="2462845540" sldId="300"/>
+            <ac:spMk id="9" creationId="{DBBB2635-D3D3-43AA-B39C-534ED30D4390}"/>
+          </ac:spMkLst>
+        </pc:spChg>
+        <pc:spChg chg="del">
+          <ac:chgData name="Fernando C Correa" userId="a08d7f3c16d54179" providerId="LiveId" clId="{DAECEB32-C126-44A1-B729-3AADB1682972}" dt="2020-06-16T19:48:00.487" v="20" actId="478"/>
+          <ac:spMkLst>
+            <pc:docMk/>
+            <pc:sldMk cId="2462845540" sldId="300"/>
+            <ac:spMk id="10" creationId="{00000000-0000-0000-0000-000000000000}"/>
+          </ac:spMkLst>
+        </pc:spChg>
+        <pc:spChg chg="add mod">
+          <ac:chgData name="Fernando C Correa" userId="a08d7f3c16d54179" providerId="LiveId" clId="{DAECEB32-C126-44A1-B729-3AADB1682972}" dt="2020-06-17T01:12:39.378" v="974" actId="20577"/>
+          <ac:spMkLst>
+            <pc:docMk/>
+            <pc:sldMk cId="2462845540" sldId="300"/>
+            <ac:spMk id="11" creationId="{FB2E8868-434F-4638-9E06-D8C315433624}"/>
+          </ac:spMkLst>
+        </pc:spChg>
+        <pc:picChg chg="add del mod">
+          <ac:chgData name="Fernando C Correa" userId="a08d7f3c16d54179" providerId="LiveId" clId="{DAECEB32-C126-44A1-B729-3AADB1682972}" dt="2020-06-16T19:46:05.066" v="4" actId="478"/>
+          <ac:picMkLst>
+            <pc:docMk/>
+            <pc:sldMk cId="2462845540" sldId="300"/>
+            <ac:picMk id="3" creationId="{B704A7BC-0A8A-4B1B-9D05-A4A66FDFBC36}"/>
+          </ac:picMkLst>
+        </pc:picChg>
+        <pc:picChg chg="add mod">
+          <ac:chgData name="Fernando C Correa" userId="a08d7f3c16d54179" providerId="LiveId" clId="{DAECEB32-C126-44A1-B729-3AADB1682972}" dt="2020-06-17T00:10:22.850" v="672" actId="1076"/>
+          <ac:picMkLst>
+            <pc:docMk/>
+            <pc:sldMk cId="2462845540" sldId="300"/>
+            <ac:picMk id="4" creationId="{DC48B066-7753-45E3-BCE0-FF0376C71B93}"/>
+          </ac:picMkLst>
+        </pc:picChg>
+        <pc:picChg chg="add del mod">
+          <ac:chgData name="Fernando C Correa" userId="a08d7f3c16d54179" providerId="LiveId" clId="{DAECEB32-C126-44A1-B729-3AADB1682972}" dt="2020-06-16T21:47:50.792" v="148" actId="478"/>
+          <ac:picMkLst>
+            <pc:docMk/>
+            <pc:sldMk cId="2462845540" sldId="300"/>
+            <ac:picMk id="5" creationId="{05D0ED45-D674-4D1C-9168-43929F63670A}"/>
+          </ac:picMkLst>
+        </pc:picChg>
+        <pc:picChg chg="del">
+          <ac:chgData name="Fernando C Correa" userId="a08d7f3c16d54179" providerId="LiveId" clId="{DAECEB32-C126-44A1-B729-3AADB1682972}" dt="2020-06-16T19:45:58.530" v="1" actId="478"/>
+          <ac:picMkLst>
+            <pc:docMk/>
+            <pc:sldMk cId="2462845540" sldId="300"/>
+            <ac:picMk id="8" creationId="{F57F7578-876D-417C-8950-659CF2829DCC}"/>
+          </ac:picMkLst>
+        </pc:picChg>
+        <pc:picChg chg="add del mod">
+          <ac:chgData name="Fernando C Correa" userId="a08d7f3c16d54179" providerId="LiveId" clId="{DAECEB32-C126-44A1-B729-3AADB1682972}" dt="2020-06-16T19:56:06.768" v="68" actId="478"/>
+          <ac:picMkLst>
+            <pc:docMk/>
+            <pc:sldMk cId="2462845540" sldId="300"/>
+            <ac:picMk id="15" creationId="{0E85ABA3-1D94-4E56-A367-933CC7E51027}"/>
+          </ac:picMkLst>
+        </pc:picChg>
+        <pc:picChg chg="add mod">
+          <ac:chgData name="Fernando C Correa" userId="a08d7f3c16d54179" providerId="LiveId" clId="{DAECEB32-C126-44A1-B729-3AADB1682972}" dt="2020-06-17T00:10:45.303" v="755" actId="1037"/>
+          <ac:picMkLst>
+            <pc:docMk/>
+            <pc:sldMk cId="2462845540" sldId="300"/>
+            <ac:picMk id="1026" creationId="{1356F577-AD0C-4D62-AF08-6365B660B8E0}"/>
+          </ac:picMkLst>
+        </pc:picChg>
+        <pc:picChg chg="add del">
+          <ac:chgData name="Fernando C Correa" userId="a08d7f3c16d54179" providerId="LiveId" clId="{DAECEB32-C126-44A1-B729-3AADB1682972}" dt="2020-06-16T19:48:00.487" v="20" actId="478"/>
+          <ac:picMkLst>
+            <pc:docMk/>
+            <pc:sldMk cId="2462845540" sldId="300"/>
+            <ac:picMk id="1026" creationId="{1AE3563D-E69E-405F-8AE2-6C3F957B8582}"/>
+          </ac:picMkLst>
+        </pc:picChg>
+        <pc:picChg chg="add del mod">
+          <ac:chgData name="Fernando C Correa" userId="a08d7f3c16d54179" providerId="LiveId" clId="{DAECEB32-C126-44A1-B729-3AADB1682972}" dt="2020-06-17T00:10:10.842" v="667" actId="478"/>
+          <ac:picMkLst>
+            <pc:docMk/>
+            <pc:sldMk cId="2462845540" sldId="300"/>
+            <ac:picMk id="1028" creationId="{4D52BBEE-2B65-4A2C-8909-4A9068D56737}"/>
+          </ac:picMkLst>
+        </pc:picChg>
+        <pc:picChg chg="add mod">
+          <ac:chgData name="Fernando C Correa" userId="a08d7f3c16d54179" providerId="LiveId" clId="{DAECEB32-C126-44A1-B729-3AADB1682972}" dt="2020-06-17T00:10:33.981" v="675" actId="166"/>
+          <ac:picMkLst>
+            <pc:docMk/>
+            <pc:sldMk cId="2462845540" sldId="300"/>
+            <ac:picMk id="1030" creationId="{5FA43E33-8005-4382-9B8C-63CBEE494F0D}"/>
+          </ac:picMkLst>
+        </pc:picChg>
+        <pc:picChg chg="add del mod">
+          <ac:chgData name="Fernando C Correa" userId="a08d7f3c16d54179" providerId="LiveId" clId="{DAECEB32-C126-44A1-B729-3AADB1682972}" dt="2020-06-16T19:56:06.022" v="67" actId="478"/>
+          <ac:picMkLst>
+            <pc:docMk/>
+            <pc:sldMk cId="2462845540" sldId="300"/>
+            <ac:picMk id="1032" creationId="{2D90E7C1-77A2-43FD-ACA3-C9E93D064031}"/>
+          </ac:picMkLst>
+        </pc:picChg>
+      </pc:sldChg>
+      <pc:sldChg chg="add del">
+        <pc:chgData name="Fernando C Correa" userId="a08d7f3c16d54179" providerId="LiveId" clId="{DAECEB32-C126-44A1-B729-3AADB1682972}" dt="2020-06-17T00:41:20.116" v="773" actId="47"/>
+        <pc:sldMkLst>
+          <pc:docMk/>
+          <pc:sldMk cId="227931716" sldId="301"/>
+        </pc:sldMkLst>
+      </pc:sldChg>
+      <pc:sldChg chg="add del ord">
+        <pc:chgData name="Fernando C Correa" userId="a08d7f3c16d54179" providerId="LiveId" clId="{DAECEB32-C126-44A1-B729-3AADB1682972}" dt="2020-06-17T00:41:20.905" v="774" actId="47"/>
+        <pc:sldMkLst>
+          <pc:docMk/>
+          <pc:sldMk cId="1426705781" sldId="302"/>
+        </pc:sldMkLst>
+      </pc:sldChg>
+      <pc:sldChg chg="addSp delSp modSp add mod delAnim modAnim">
+        <pc:chgData name="Fernando C Correa" userId="a08d7f3c16d54179" providerId="LiveId" clId="{DAECEB32-C126-44A1-B729-3AADB1682972}" dt="2020-06-18T22:39:34.202" v="2137"/>
+        <pc:sldMkLst>
+          <pc:docMk/>
+          <pc:sldMk cId="1298849621" sldId="303"/>
+        </pc:sldMkLst>
+        <pc:spChg chg="del">
+          <ac:chgData name="Fernando C Correa" userId="a08d7f3c16d54179" providerId="LiveId" clId="{DAECEB32-C126-44A1-B729-3AADB1682972}" dt="2020-06-17T02:38:51.506" v="1873" actId="478"/>
+          <ac:spMkLst>
+            <pc:docMk/>
+            <pc:sldMk cId="1298849621" sldId="303"/>
+            <ac:spMk id="10" creationId="{00000000-0000-0000-0000-000000000000}"/>
+          </ac:spMkLst>
+        </pc:spChg>
+        <pc:spChg chg="del mod topLvl">
+          <ac:chgData name="Fernando C Correa" userId="a08d7f3c16d54179" providerId="LiveId" clId="{DAECEB32-C126-44A1-B729-3AADB1682972}" dt="2020-06-17T01:25:22.450" v="1087" actId="478"/>
+          <ac:spMkLst>
+            <pc:docMk/>
+            <pc:sldMk cId="1298849621" sldId="303"/>
+            <ac:spMk id="16" creationId="{91E883F1-8EF7-411E-A05E-24165369F0A7}"/>
+          </ac:spMkLst>
+        </pc:spChg>
+        <pc:spChg chg="add del mod">
+          <ac:chgData name="Fernando C Correa" userId="a08d7f3c16d54179" providerId="LiveId" clId="{DAECEB32-C126-44A1-B729-3AADB1682972}" dt="2020-06-17T01:24:34.097" v="1086" actId="478"/>
+          <ac:spMkLst>
+            <pc:docMk/>
+            <pc:sldMk cId="1298849621" sldId="303"/>
+            <ac:spMk id="17" creationId="{37959AA7-8A52-4962-9CB0-85BA95E1CD04}"/>
+          </ac:spMkLst>
+        </pc:spChg>
+        <pc:spChg chg="add del mod">
+          <ac:chgData name="Fernando C Correa" userId="a08d7f3c16d54179" providerId="LiveId" clId="{DAECEB32-C126-44A1-B729-3AADB1682972}" dt="2020-06-17T01:59:57.501" v="1476" actId="478"/>
+          <ac:spMkLst>
+            <pc:docMk/>
+            <pc:sldMk cId="1298849621" sldId="303"/>
+            <ac:spMk id="18" creationId="{DEF22804-DE74-451E-A09C-614AD3888324}"/>
+          </ac:spMkLst>
+        </pc:spChg>
+        <pc:spChg chg="add del mod">
+          <ac:chgData name="Fernando C Correa" userId="a08d7f3c16d54179" providerId="LiveId" clId="{DAECEB32-C126-44A1-B729-3AADB1682972}" dt="2020-06-17T01:59:58.361" v="1477" actId="478"/>
+          <ac:spMkLst>
+            <pc:docMk/>
+            <pc:sldMk cId="1298849621" sldId="303"/>
+            <ac:spMk id="19" creationId="{242142D5-57C5-4228-AD6A-DBB98CE772E5}"/>
+          </ac:spMkLst>
+        </pc:spChg>
+        <pc:spChg chg="add del mod">
+          <ac:chgData name="Fernando C Correa" userId="a08d7f3c16d54179" providerId="LiveId" clId="{DAECEB32-C126-44A1-B729-3AADB1682972}" dt="2020-06-17T01:55:12.959" v="1419" actId="478"/>
+          <ac:spMkLst>
+            <pc:docMk/>
+            <pc:sldMk cId="1298849621" sldId="303"/>
+            <ac:spMk id="20" creationId="{32B0225A-99F4-4622-96DE-05FA18A6AA9D}"/>
+          </ac:spMkLst>
+        </pc:spChg>
+        <pc:spChg chg="add del mod">
+          <ac:chgData name="Fernando C Correa" userId="a08d7f3c16d54179" providerId="LiveId" clId="{DAECEB32-C126-44A1-B729-3AADB1682972}" dt="2020-06-17T02:31:54.753" v="1754" actId="478"/>
+          <ac:spMkLst>
+            <pc:docMk/>
+            <pc:sldMk cId="1298849621" sldId="303"/>
+            <ac:spMk id="21" creationId="{00B7053D-99FF-40D3-AE66-E13492C3277A}"/>
+          </ac:spMkLst>
+        </pc:spChg>
+        <pc:spChg chg="add del mod">
+          <ac:chgData name="Fernando C Correa" userId="a08d7f3c16d54179" providerId="LiveId" clId="{DAECEB32-C126-44A1-B729-3AADB1682972}" dt="2020-06-17T02:31:54.753" v="1754" actId="478"/>
+          <ac:spMkLst>
+            <pc:docMk/>
+            <pc:sldMk cId="1298849621" sldId="303"/>
+            <ac:spMk id="22" creationId="{6DA62363-5008-4733-BD21-E712CEB152A4}"/>
+          </ac:spMkLst>
+        </pc:spChg>
+        <pc:spChg chg="add del mod">
+          <ac:chgData name="Fernando C Correa" userId="a08d7f3c16d54179" providerId="LiveId" clId="{DAECEB32-C126-44A1-B729-3AADB1682972}" dt="2020-06-17T02:31:54.753" v="1754" actId="478"/>
+          <ac:spMkLst>
+            <pc:docMk/>
+            <pc:sldMk cId="1298849621" sldId="303"/>
+            <ac:spMk id="23" creationId="{EC5D6182-CD8C-4BD1-AD7B-8DFF28ABCB9D}"/>
+          </ac:spMkLst>
+        </pc:spChg>
+        <pc:spChg chg="add del mod">
+          <ac:chgData name="Fernando C Correa" userId="a08d7f3c16d54179" providerId="LiveId" clId="{DAECEB32-C126-44A1-B729-3AADB1682972}" dt="2020-06-17T02:31:54.753" v="1754" actId="478"/>
+          <ac:spMkLst>
+            <pc:docMk/>
+            <pc:sldMk cId="1298849621" sldId="303"/>
+            <ac:spMk id="24" creationId="{BD1C89E2-7181-4D5B-939B-8F641A1DDB0E}"/>
+          </ac:spMkLst>
+        </pc:spChg>
+        <pc:spChg chg="add del mod">
+          <ac:chgData name="Fernando C Correa" userId="a08d7f3c16d54179" providerId="LiveId" clId="{DAECEB32-C126-44A1-B729-3AADB1682972}" dt="2020-06-17T02:37:58.836" v="1862" actId="478"/>
+          <ac:spMkLst>
+            <pc:docMk/>
+            <pc:sldMk cId="1298849621" sldId="303"/>
+            <ac:spMk id="25" creationId="{F27E6D77-6963-49CB-BD12-906C80BF6DE5}"/>
+          </ac:spMkLst>
+        </pc:spChg>
+        <pc:spChg chg="add del mod">
+          <ac:chgData name="Fernando C Correa" userId="a08d7f3c16d54179" providerId="LiveId" clId="{DAECEB32-C126-44A1-B729-3AADB1682972}" dt="2020-06-17T02:37:58.836" v="1862" actId="478"/>
+          <ac:spMkLst>
+            <pc:docMk/>
+            <pc:sldMk cId="1298849621" sldId="303"/>
+            <ac:spMk id="26" creationId="{63AEC2EC-CC6C-4DEB-A57A-87060E136C08}"/>
+          </ac:spMkLst>
+        </pc:spChg>
+        <pc:spChg chg="add del mod">
+          <ac:chgData name="Fernando C Correa" userId="a08d7f3c16d54179" providerId="LiveId" clId="{DAECEB32-C126-44A1-B729-3AADB1682972}" dt="2020-06-17T02:37:58.836" v="1862" actId="478"/>
+          <ac:spMkLst>
+            <pc:docMk/>
+            <pc:sldMk cId="1298849621" sldId="303"/>
+            <ac:spMk id="27" creationId="{EDF86E12-CBB2-4A6C-B35C-78F93692FDB1}"/>
+          </ac:spMkLst>
+        </pc:spChg>
+        <pc:spChg chg="add del mod">
+          <ac:chgData name="Fernando C Correa" userId="a08d7f3c16d54179" providerId="LiveId" clId="{DAECEB32-C126-44A1-B729-3AADB1682972}" dt="2020-06-17T02:37:58.836" v="1862" actId="478"/>
+          <ac:spMkLst>
+            <pc:docMk/>
+            <pc:sldMk cId="1298849621" sldId="303"/>
+            <ac:spMk id="28" creationId="{0A5BCCCD-83A4-49F4-8232-52B31F155EE1}"/>
+          </ac:spMkLst>
+        </pc:spChg>
+        <pc:spChg chg="add del mod">
+          <ac:chgData name="Fernando C Correa" userId="a08d7f3c16d54179" providerId="LiveId" clId="{DAECEB32-C126-44A1-B729-3AADB1682972}" dt="2020-06-17T02:38:48.568" v="1869" actId="478"/>
+          <ac:spMkLst>
+            <pc:docMk/>
+            <pc:sldMk cId="1298849621" sldId="303"/>
+            <ac:spMk id="29" creationId="{3CFCE5F1-644F-482F-8E08-0A5FBA4637AB}"/>
+          </ac:spMkLst>
+        </pc:spChg>
+        <pc:spChg chg="add del mod">
+          <ac:chgData name="Fernando C Correa" userId="a08d7f3c16d54179" providerId="LiveId" clId="{DAECEB32-C126-44A1-B729-3AADB1682972}" dt="2020-06-17T02:38:49.355" v="1870" actId="478"/>
+          <ac:spMkLst>
+            <pc:docMk/>
+            <pc:sldMk cId="1298849621" sldId="303"/>
+            <ac:spMk id="30" creationId="{C3969BE2-0CDD-4E70-9FA5-197423473D1C}"/>
+          </ac:spMkLst>
+        </pc:spChg>
+        <pc:spChg chg="add del mod">
+          <ac:chgData name="Fernando C Correa" userId="a08d7f3c16d54179" providerId="LiveId" clId="{DAECEB32-C126-44A1-B729-3AADB1682972}" dt="2020-06-17T02:38:50.502" v="1871" actId="478"/>
+          <ac:spMkLst>
+            <pc:docMk/>
+            <pc:sldMk cId="1298849621" sldId="303"/>
+            <ac:spMk id="31" creationId="{9075C745-F0D0-4E91-A8CA-43E0C0072B84}"/>
+          </ac:spMkLst>
+        </pc:spChg>
+        <pc:spChg chg="add del mod">
+          <ac:chgData name="Fernando C Correa" userId="a08d7f3c16d54179" providerId="LiveId" clId="{DAECEB32-C126-44A1-B729-3AADB1682972}" dt="2020-06-17T02:38:50.993" v="1872" actId="478"/>
+          <ac:spMkLst>
+            <pc:docMk/>
+            <pc:sldMk cId="1298849621" sldId="303"/>
+            <ac:spMk id="32" creationId="{02B406BA-6615-4D0E-82B4-D113E632B645}"/>
+          </ac:spMkLst>
+        </pc:spChg>
+        <pc:spChg chg="add del mod">
+          <ac:chgData name="Fernando C Correa" userId="a08d7f3c16d54179" providerId="LiveId" clId="{DAECEB32-C126-44A1-B729-3AADB1682972}" dt="2020-06-17T02:38:55.054" v="1875" actId="478"/>
+          <ac:spMkLst>
+            <pc:docMk/>
+            <pc:sldMk cId="1298849621" sldId="303"/>
+            <ac:spMk id="33" creationId="{9621423B-9269-4EA1-8C8D-C00C631CC754}"/>
+          </ac:spMkLst>
+        </pc:spChg>
+        <pc:spChg chg="add del mod">
+          <ac:chgData name="Fernando C Correa" userId="a08d7f3c16d54179" providerId="LiveId" clId="{DAECEB32-C126-44A1-B729-3AADB1682972}" dt="2020-06-17T02:38:55.944" v="1876" actId="478"/>
+          <ac:spMkLst>
+            <pc:docMk/>
+            <pc:sldMk cId="1298849621" sldId="303"/>
+            <ac:spMk id="34" creationId="{ED55CABA-14AB-4329-ADE1-E3355AB00079}"/>
+          </ac:spMkLst>
+        </pc:spChg>
+        <pc:spChg chg="add mod">
+          <ac:chgData name="Fernando C Correa" userId="a08d7f3c16d54179" providerId="LiveId" clId="{DAECEB32-C126-44A1-B729-3AADB1682972}" dt="2020-06-17T02:39:08.254" v="1881" actId="1036"/>
+          <ac:spMkLst>
+            <pc:docMk/>
+            <pc:sldMk cId="1298849621" sldId="303"/>
+            <ac:spMk id="35" creationId="{DD2EBC17-698B-4BC0-839E-5442A0E6E9BB}"/>
+          </ac:spMkLst>
+        </pc:spChg>
+        <pc:spChg chg="add mod">
+          <ac:chgData name="Fernando C Correa" userId="a08d7f3c16d54179" providerId="LiveId" clId="{DAECEB32-C126-44A1-B729-3AADB1682972}" dt="2020-06-17T02:40:29.846" v="1903" actId="1038"/>
+          <ac:spMkLst>
+            <pc:docMk/>
+            <pc:sldMk cId="1298849621" sldId="303"/>
+            <ac:spMk id="36" creationId="{C909FB2D-4E94-48D6-A874-6DA2AE5A1A51}"/>
+          </ac:spMkLst>
+        </pc:spChg>
+        <pc:spChg chg="add mod">
+          <ac:chgData name="Fernando C Correa" userId="a08d7f3c16d54179" providerId="LiveId" clId="{DAECEB32-C126-44A1-B729-3AADB1682972}" dt="2020-06-17T02:38:57.299" v="1877"/>
+          <ac:spMkLst>
+            <pc:docMk/>
+            <pc:sldMk cId="1298849621" sldId="303"/>
+            <ac:spMk id="37" creationId="{AABFD444-1308-42F0-B888-45A1A45045DB}"/>
+          </ac:spMkLst>
+        </pc:spChg>
+        <pc:spChg chg="add mod">
+          <ac:chgData name="Fernando C Correa" userId="a08d7f3c16d54179" providerId="LiveId" clId="{DAECEB32-C126-44A1-B729-3AADB1682972}" dt="2020-06-17T02:38:57.299" v="1877"/>
+          <ac:spMkLst>
+            <pc:docMk/>
+            <pc:sldMk cId="1298849621" sldId="303"/>
+            <ac:spMk id="38" creationId="{30E43F49-6ED1-4CE3-B5B0-D29C8F780C70}"/>
+          </ac:spMkLst>
+        </pc:spChg>
+        <pc:spChg chg="add mod">
+          <ac:chgData name="Fernando C Correa" userId="a08d7f3c16d54179" providerId="LiveId" clId="{DAECEB32-C126-44A1-B729-3AADB1682972}" dt="2020-06-17T02:38:57.299" v="1877"/>
+          <ac:spMkLst>
+            <pc:docMk/>
+            <pc:sldMk cId="1298849621" sldId="303"/>
+            <ac:spMk id="39" creationId="{365E7FF9-A331-4A8B-BA0F-81BB6DF0F86D}"/>
+          </ac:spMkLst>
+        </pc:spChg>
+        <pc:spChg chg="add mod">
+          <ac:chgData name="Fernando C Correa" userId="a08d7f3c16d54179" providerId="LiveId" clId="{DAECEB32-C126-44A1-B729-3AADB1682972}" dt="2020-06-17T02:39:00.922" v="1878" actId="404"/>
+          <ac:spMkLst>
+            <pc:docMk/>
+            <pc:sldMk cId="1298849621" sldId="303"/>
+            <ac:spMk id="40" creationId="{FAD746AB-1F96-4F3A-8333-7F5F79BCF21E}"/>
+          </ac:spMkLst>
+        </pc:spChg>
+        <pc:grpChg chg="del">
+          <ac:chgData name="Fernando C Correa" userId="a08d7f3c16d54179" providerId="LiveId" clId="{DAECEB32-C126-44A1-B729-3AADB1682972}" dt="2020-06-17T00:40:34.349" v="769" actId="478"/>
+          <ac:grpSpMkLst>
+            <pc:docMk/>
+            <pc:sldMk cId="1298849621" sldId="303"/>
+            <ac:grpSpMk id="5" creationId="{6FAAF7DE-43D4-44F2-B91B-7964DB50D745}"/>
+          </ac:grpSpMkLst>
+        </pc:grpChg>
+        <pc:grpChg chg="add del mod">
+          <ac:chgData name="Fernando C Correa" userId="a08d7f3c16d54179" providerId="LiveId" clId="{DAECEB32-C126-44A1-B729-3AADB1682972}" dt="2020-06-17T01:25:22.450" v="1087" actId="478"/>
+          <ac:grpSpMkLst>
+            <pc:docMk/>
+            <pc:sldMk cId="1298849621" sldId="303"/>
+            <ac:grpSpMk id="11" creationId="{13A90E00-530A-4F48-802E-B5B7BCD2F114}"/>
+          </ac:grpSpMkLst>
+        </pc:grpChg>
+        <pc:picChg chg="mod topLvl">
+          <ac:chgData name="Fernando C Correa" userId="a08d7f3c16d54179" providerId="LiveId" clId="{DAECEB32-C126-44A1-B729-3AADB1682972}" dt="2020-06-17T02:00:05.442" v="1478" actId="1076"/>
+          <ac:picMkLst>
+            <pc:docMk/>
+            <pc:sldMk cId="1298849621" sldId="303"/>
+            <ac:picMk id="15" creationId="{9EFFC1ED-EB5D-40C9-8C8D-2B87AAB8168C}"/>
+          </ac:picMkLst>
+        </pc:picChg>
+      </pc:sldChg>
+      <pc:sldChg chg="addSp delSp modSp add mod delAnim modAnim">
+        <pc:chgData name="Fernando C Correa" userId="a08d7f3c16d54179" providerId="LiveId" clId="{DAECEB32-C126-44A1-B729-3AADB1682972}" dt="2020-06-18T22:39:04.278" v="2134"/>
+        <pc:sldMkLst>
+          <pc:docMk/>
+          <pc:sldMk cId="2190780406" sldId="304"/>
+        </pc:sldMkLst>
+        <pc:spChg chg="mod">
+          <ac:chgData name="Fernando C Correa" userId="a08d7f3c16d54179" providerId="LiveId" clId="{DAECEB32-C126-44A1-B729-3AADB1682972}" dt="2020-06-17T02:17:47.791" v="1490"/>
+          <ac:spMkLst>
+            <pc:docMk/>
+            <pc:sldMk cId="2190780406" sldId="304"/>
+            <ac:spMk id="2" creationId="{00000000-0000-0000-0000-000000000000}"/>
+          </ac:spMkLst>
+        </pc:spChg>
+        <pc:spChg chg="mod">
+          <ac:chgData name="Fernando C Correa" userId="a08d7f3c16d54179" providerId="LiveId" clId="{DAECEB32-C126-44A1-B729-3AADB1682972}" dt="2020-06-17T01:00:57.801" v="883" actId="14861"/>
+          <ac:spMkLst>
+            <pc:docMk/>
+            <pc:sldMk cId="2190780406" sldId="304"/>
+            <ac:spMk id="9" creationId="{9DB075A3-56FB-45D0-9830-D7302566A0CB}"/>
+          </ac:spMkLst>
+        </pc:spChg>
+        <pc:spChg chg="add mod">
+          <ac:chgData name="Fernando C Correa" userId="a08d7f3c16d54179" providerId="LiveId" clId="{DAECEB32-C126-44A1-B729-3AADB1682972}" dt="2020-06-17T02:18:09.190" v="1512"/>
+          <ac:spMkLst>
+            <pc:docMk/>
+            <pc:sldMk cId="2190780406" sldId="304"/>
+            <ac:spMk id="16" creationId="{DE7433E1-F016-48B0-8744-19C111456B85}"/>
+          </ac:spMkLst>
+        </pc:spChg>
+        <pc:spChg chg="add del mod">
+          <ac:chgData name="Fernando C Correa" userId="a08d7f3c16d54179" providerId="LiveId" clId="{DAECEB32-C126-44A1-B729-3AADB1682972}" dt="2020-06-17T02:23:51.499" v="1659" actId="478"/>
+          <ac:spMkLst>
+            <pc:docMk/>
+            <pc:sldMk cId="2190780406" sldId="304"/>
+            <ac:spMk id="17" creationId="{F1BCBA0F-55D5-4849-8768-F16C59B94E83}"/>
+          </ac:spMkLst>
+        </pc:spChg>
+        <pc:spChg chg="add del mod">
+          <ac:chgData name="Fernando C Correa" userId="a08d7f3c16d54179" providerId="LiveId" clId="{DAECEB32-C126-44A1-B729-3AADB1682972}" dt="2020-06-17T02:23:50.367" v="1658" actId="478"/>
+          <ac:spMkLst>
+            <pc:docMk/>
+            <pc:sldMk cId="2190780406" sldId="304"/>
+            <ac:spMk id="18" creationId="{659942B3-24BD-4014-AF22-BADF5133F2EC}"/>
+          </ac:spMkLst>
+        </pc:spChg>
+        <pc:spChg chg="add del mod">
+          <ac:chgData name="Fernando C Correa" userId="a08d7f3c16d54179" providerId="LiveId" clId="{DAECEB32-C126-44A1-B729-3AADB1682972}" dt="2020-06-17T02:25:56.668" v="1681" actId="478"/>
+          <ac:spMkLst>
+            <pc:docMk/>
+            <pc:sldMk cId="2190780406" sldId="304"/>
+            <ac:spMk id="19" creationId="{974D8D49-F80C-48C7-856E-1EF50F0BAE56}"/>
+          </ac:spMkLst>
+        </pc:spChg>
+        <pc:spChg chg="add mod">
+          <ac:chgData name="Fernando C Correa" userId="a08d7f3c16d54179" providerId="LiveId" clId="{DAECEB32-C126-44A1-B729-3AADB1682972}" dt="2020-06-17T02:26:04.959" v="1684" actId="1035"/>
+          <ac:spMkLst>
+            <pc:docMk/>
+            <pc:sldMk cId="2190780406" sldId="304"/>
+            <ac:spMk id="20" creationId="{E81768B2-0974-4D89-BB1D-234A1ECBF059}"/>
+          </ac:spMkLst>
+        </pc:spChg>
+        <pc:picChg chg="del">
+          <ac:chgData name="Fernando C Correa" userId="a08d7f3c16d54179" providerId="LiveId" clId="{DAECEB32-C126-44A1-B729-3AADB1682972}" dt="2020-06-17T00:59:04.878" v="868" actId="478"/>
+          <ac:picMkLst>
+            <pc:docMk/>
+            <pc:sldMk cId="2190780406" sldId="304"/>
+            <ac:picMk id="4" creationId="{CE59E904-DE2E-44FD-8FAC-39DBA644EE5C}"/>
+          </ac:picMkLst>
+        </pc:picChg>
+        <pc:picChg chg="add del mod">
+          <ac:chgData name="Fernando C Correa" userId="a08d7f3c16d54179" providerId="LiveId" clId="{DAECEB32-C126-44A1-B729-3AADB1682972}" dt="2020-06-18T22:34:54.829" v="2117" actId="478"/>
+          <ac:picMkLst>
+            <pc:docMk/>
+            <pc:sldMk cId="2190780406" sldId="304"/>
+            <ac:picMk id="5" creationId="{89752C3D-A82D-43D5-9165-13EE32B69AE5}"/>
+          </ac:picMkLst>
+        </pc:picChg>
+        <pc:picChg chg="add del mod">
+          <ac:chgData name="Fernando C Correa" userId="a08d7f3c16d54179" providerId="LiveId" clId="{DAECEB32-C126-44A1-B729-3AADB1682972}" dt="2020-06-18T22:36:17.834" v="2124" actId="478"/>
+          <ac:picMkLst>
+            <pc:docMk/>
+            <pc:sldMk cId="2190780406" sldId="304"/>
+            <ac:picMk id="7" creationId="{91554513-C358-446F-ABDC-9AC81E9B4E24}"/>
+          </ac:picMkLst>
+        </pc:picChg>
+        <pc:picChg chg="add del mod">
+          <ac:chgData name="Fernando C Correa" userId="a08d7f3c16d54179" providerId="LiveId" clId="{DAECEB32-C126-44A1-B729-3AADB1682972}" dt="2020-06-18T22:33:16.915" v="2099" actId="478"/>
+          <ac:picMkLst>
+            <pc:docMk/>
+            <pc:sldMk cId="2190780406" sldId="304"/>
+            <ac:picMk id="15" creationId="{A03E8544-6208-4BA9-93EB-9C6D1B7FED2F}"/>
+          </ac:picMkLst>
+        </pc:picChg>
+        <pc:picChg chg="add mod">
+          <ac:chgData name="Fernando C Correa" userId="a08d7f3c16d54179" providerId="LiveId" clId="{DAECEB32-C126-44A1-B729-3AADB1682972}" dt="2020-06-18T22:38:54.383" v="2132" actId="1076"/>
+          <ac:picMkLst>
+            <pc:docMk/>
+            <pc:sldMk cId="2190780406" sldId="304"/>
+            <ac:picMk id="17" creationId="{08DAA0A6-4CA7-4D6E-B5EA-8E5E5D8DDEC5}"/>
+          </ac:picMkLst>
+        </pc:picChg>
+      </pc:sldChg>
+      <pc:sldChg chg="addSp delSp modSp add mod modAnim">
+        <pc:chgData name="Fernando C Correa" userId="a08d7f3c16d54179" providerId="LiveId" clId="{DAECEB32-C126-44A1-B729-3AADB1682972}" dt="2020-06-18T22:40:15.195" v="2142"/>
+        <pc:sldMkLst>
+          <pc:docMk/>
+          <pc:sldMk cId="1108433508" sldId="305"/>
+        </pc:sldMkLst>
+        <pc:spChg chg="mod">
+          <ac:chgData name="Fernando C Correa" userId="a08d7f3c16d54179" providerId="LiveId" clId="{DAECEB32-C126-44A1-B729-3AADB1682972}" dt="2020-06-17T02:17:48.948" v="1491"/>
+          <ac:spMkLst>
+            <pc:docMk/>
+            <pc:sldMk cId="1108433508" sldId="305"/>
+            <ac:spMk id="2" creationId="{00000000-0000-0000-0000-000000000000}"/>
+          </ac:spMkLst>
+        </pc:spChg>
+        <pc:spChg chg="mod">
+          <ac:chgData name="Fernando C Correa" userId="a08d7f3c16d54179" providerId="LiveId" clId="{DAECEB32-C126-44A1-B729-3AADB1682972}" dt="2020-06-17T01:01:13.897" v="886" actId="14861"/>
+          <ac:spMkLst>
+            <pc:docMk/>
+            <pc:sldMk cId="1108433508" sldId="305"/>
+            <ac:spMk id="11" creationId="{16EB44B9-02AC-4947-965B-A08DBFC98023}"/>
+          </ac:spMkLst>
+        </pc:spChg>
+        <pc:spChg chg="add mod">
+          <ac:chgData name="Fernando C Correa" userId="a08d7f3c16d54179" providerId="LiveId" clId="{DAECEB32-C126-44A1-B729-3AADB1682972}" dt="2020-06-17T02:18:10.048" v="1513"/>
+          <ac:spMkLst>
+            <pc:docMk/>
+            <pc:sldMk cId="1108433508" sldId="305"/>
+            <ac:spMk id="16" creationId="{9CAE165D-3AF6-4FCE-B520-4EEFC17CCA76}"/>
+          </ac:spMkLst>
+        </pc:spChg>
+        <pc:spChg chg="add del mod">
+          <ac:chgData name="Fernando C Correa" userId="a08d7f3c16d54179" providerId="LiveId" clId="{DAECEB32-C126-44A1-B729-3AADB1682972}" dt="2020-06-17T02:23:55.170" v="1661" actId="478"/>
+          <ac:spMkLst>
+            <pc:docMk/>
+            <pc:sldMk cId="1108433508" sldId="305"/>
+            <ac:spMk id="17" creationId="{870486AD-7A8E-4215-93BE-A1A37CCB92F5}"/>
+          </ac:spMkLst>
+        </pc:spChg>
+        <pc:spChg chg="add del mod">
+          <ac:chgData name="Fernando C Correa" userId="a08d7f3c16d54179" providerId="LiveId" clId="{DAECEB32-C126-44A1-B729-3AADB1682972}" dt="2020-06-17T02:26:18.629" v="1687" actId="478"/>
+          <ac:spMkLst>
+            <pc:docMk/>
+            <pc:sldMk cId="1108433508" sldId="305"/>
+            <ac:spMk id="18" creationId="{74EB7E30-C5B4-4282-A710-7697524D2F24}"/>
+          </ac:spMkLst>
+        </pc:spChg>
+        <pc:spChg chg="add mod">
+          <ac:chgData name="Fernando C Correa" userId="a08d7f3c16d54179" providerId="LiveId" clId="{DAECEB32-C126-44A1-B729-3AADB1682972}" dt="2020-06-17T02:26:18.871" v="1688"/>
+          <ac:spMkLst>
+            <pc:docMk/>
+            <pc:sldMk cId="1108433508" sldId="305"/>
+            <ac:spMk id="19" creationId="{A35B23B1-1021-49FF-AFA3-419F50FF7B69}"/>
+          </ac:spMkLst>
+        </pc:spChg>
+        <pc:picChg chg="del">
+          <ac:chgData name="Fernando C Correa" userId="a08d7f3c16d54179" providerId="LiveId" clId="{DAECEB32-C126-44A1-B729-3AADB1682972}" dt="2020-06-17T00:59:23.905" v="876" actId="478"/>
+          <ac:picMkLst>
+            <pc:docMk/>
+            <pc:sldMk cId="1108433508" sldId="305"/>
+            <ac:picMk id="4" creationId="{CE59E904-DE2E-44FD-8FAC-39DBA644EE5C}"/>
+          </ac:picMkLst>
+        </pc:picChg>
+        <pc:picChg chg="add mod">
+          <ac:chgData name="Fernando C Correa" userId="a08d7f3c16d54179" providerId="LiveId" clId="{DAECEB32-C126-44A1-B729-3AADB1682972}" dt="2020-06-17T02:18:39.473" v="1523" actId="1076"/>
+          <ac:picMkLst>
+            <pc:docMk/>
+            <pc:sldMk cId="1108433508" sldId="305"/>
+            <ac:picMk id="15" creationId="{62BC3115-E732-4ECB-969D-3C5D1EFDDC7C}"/>
+          </ac:picMkLst>
+        </pc:picChg>
+      </pc:sldChg>
+      <pc:sldChg chg="addSp delSp modSp add del mod">
+        <pc:chgData name="Fernando C Correa" userId="a08d7f3c16d54179" providerId="LiveId" clId="{DAECEB32-C126-44A1-B729-3AADB1682972}" dt="2020-06-17T01:22:10.330" v="1068" actId="47"/>
+        <pc:sldMkLst>
+          <pc:docMk/>
+          <pc:sldMk cId="4089909747" sldId="306"/>
+        </pc:sldMkLst>
+        <pc:spChg chg="add del mod">
+          <ac:chgData name="Fernando C Correa" userId="a08d7f3c16d54179" providerId="LiveId" clId="{DAECEB32-C126-44A1-B729-3AADB1682972}" dt="2020-06-17T01:21:10.871" v="1049" actId="478"/>
+          <ac:spMkLst>
+            <pc:docMk/>
+            <pc:sldMk cId="4089909747" sldId="306"/>
+            <ac:spMk id="16" creationId="{C2FFB967-D7A9-4302-B5ED-452AA0E310E3}"/>
+          </ac:spMkLst>
+        </pc:spChg>
+        <pc:spChg chg="add mod">
+          <ac:chgData name="Fernando C Correa" userId="a08d7f3c16d54179" providerId="LiveId" clId="{DAECEB32-C126-44A1-B729-3AADB1682972}" dt="2020-06-17T01:21:18.065" v="1063" actId="404"/>
+          <ac:spMkLst>
+            <pc:docMk/>
+            <pc:sldMk cId="4089909747" sldId="306"/>
+            <ac:spMk id="17" creationId="{35C698DF-301F-4EDE-B6DA-F4F0DF2CCC68}"/>
+          </ac:spMkLst>
+        </pc:spChg>
+        <pc:spChg chg="add mod">
+          <ac:chgData name="Fernando C Correa" userId="a08d7f3c16d54179" providerId="LiveId" clId="{DAECEB32-C126-44A1-B729-3AADB1682972}" dt="2020-06-17T01:21:16.906" v="1061" actId="14861"/>
+          <ac:spMkLst>
+            <pc:docMk/>
+            <pc:sldMk cId="4089909747" sldId="306"/>
+            <ac:spMk id="18" creationId="{610213D2-BACA-4B72-A835-AFEB1589A77E}"/>
+          </ac:spMkLst>
+        </pc:spChg>
+        <pc:picChg chg="add mod">
+          <ac:chgData name="Fernando C Correa" userId="a08d7f3c16d54179" providerId="LiveId" clId="{DAECEB32-C126-44A1-B729-3AADB1682972}" dt="2020-06-17T01:21:10.514" v="1048" actId="1076"/>
+          <ac:picMkLst>
+            <pc:docMk/>
+            <pc:sldMk cId="4089909747" sldId="306"/>
+            <ac:picMk id="3" creationId="{29CBDD1E-0AF7-45F9-84D5-EB37009A651F}"/>
+          </ac:picMkLst>
+        </pc:picChg>
+        <pc:picChg chg="add del mod modCrop">
+          <ac:chgData name="Fernando C Correa" userId="a08d7f3c16d54179" providerId="LiveId" clId="{DAECEB32-C126-44A1-B729-3AADB1682972}" dt="2020-06-17T01:21:10.871" v="1049" actId="478"/>
+          <ac:picMkLst>
+            <pc:docMk/>
+            <pc:sldMk cId="4089909747" sldId="306"/>
+            <ac:picMk id="10" creationId="{0F6FBFBF-7EA7-4332-BC5B-850168EEA23E}"/>
+          </ac:picMkLst>
+        </pc:picChg>
+        <pc:picChg chg="del">
+          <ac:chgData name="Fernando C Correa" userId="a08d7f3c16d54179" providerId="LiveId" clId="{DAECEB32-C126-44A1-B729-3AADB1682972}" dt="2020-06-17T01:15:27.431" v="988" actId="478"/>
+          <ac:picMkLst>
+            <pc:docMk/>
+            <pc:sldMk cId="4089909747" sldId="306"/>
+            <ac:picMk id="11" creationId="{8F1A4823-8682-41E7-A5C1-1ABA20505B18}"/>
+          </ac:picMkLst>
+        </pc:picChg>
+        <pc:picChg chg="add del mod">
+          <ac:chgData name="Fernando C Correa" userId="a08d7f3c16d54179" providerId="LiveId" clId="{DAECEB32-C126-44A1-B729-3AADB1682972}" dt="2020-06-17T01:15:44.163" v="998" actId="478"/>
+          <ac:picMkLst>
+            <pc:docMk/>
+            <pc:sldMk cId="4089909747" sldId="306"/>
+            <ac:picMk id="15" creationId="{4E3D15D1-6C66-4859-8D2D-7DECB3E481F5}"/>
+          </ac:picMkLst>
+        </pc:picChg>
+      </pc:sldChg>
+      <pc:sldChg chg="modSp add mod">
+        <pc:chgData name="Fernando C Correa" userId="a08d7f3c16d54179" providerId="LiveId" clId="{DAECEB32-C126-44A1-B729-3AADB1682972}" dt="2020-06-17T01:22:18.711" v="1080" actId="20577"/>
+        <pc:sldMkLst>
+          <pc:docMk/>
+          <pc:sldMk cId="2406040227" sldId="307"/>
+        </pc:sldMkLst>
+        <pc:spChg chg="mod">
+          <ac:chgData name="Fernando C Correa" userId="a08d7f3c16d54179" providerId="LiveId" clId="{DAECEB32-C126-44A1-B729-3AADB1682972}" dt="2020-06-17T01:22:18.711" v="1080" actId="20577"/>
+          <ac:spMkLst>
+            <pc:docMk/>
+            <pc:sldMk cId="2406040227" sldId="307"/>
+            <ac:spMk id="2" creationId="{00000000-0000-0000-0000-000000000000}"/>
+          </ac:spMkLst>
+        </pc:spChg>
+      </pc:sldChg>
+      <pc:sldChg chg="addSp delSp modSp add mod delAnim modAnim">
+        <pc:chgData name="Fernando C Correa" userId="a08d7f3c16d54179" providerId="LiveId" clId="{DAECEB32-C126-44A1-B729-3AADB1682972}" dt="2020-06-18T22:35:59.168" v="2122"/>
+        <pc:sldMkLst>
+          <pc:docMk/>
+          <pc:sldMk cId="1166053751" sldId="308"/>
+        </pc:sldMkLst>
+        <pc:picChg chg="add mod">
+          <ac:chgData name="Fernando C Correa" userId="a08d7f3c16d54179" providerId="LiveId" clId="{DAECEB32-C126-44A1-B729-3AADB1682972}" dt="2020-06-18T22:33:43.104" v="2107" actId="1076"/>
+          <ac:picMkLst>
+            <pc:docMk/>
+            <pc:sldMk cId="1166053751" sldId="308"/>
+            <ac:picMk id="5" creationId="{C0EB70A9-CA61-4D0B-9BF3-2C20CA891859}"/>
+          </ac:picMkLst>
+        </pc:picChg>
+        <pc:picChg chg="del">
+          <ac:chgData name="Fernando C Correa" userId="a08d7f3c16d54179" providerId="LiveId" clId="{DAECEB32-C126-44A1-B729-3AADB1682972}" dt="2020-06-18T22:33:19.238" v="2100" actId="478"/>
+          <ac:picMkLst>
+            <pc:docMk/>
+            <pc:sldMk cId="1166053751" sldId="308"/>
+            <ac:picMk id="15" creationId="{A03E8544-6208-4BA9-93EB-9C6D1B7FED2F}"/>
+          </ac:picMkLst>
+        </pc:picChg>
+      </pc:sldChg>
+      <pc:sldChg chg="delSp modSp add del mod">
+        <pc:chgData name="Fernando C Correa" userId="a08d7f3c16d54179" providerId="LiveId" clId="{DAECEB32-C126-44A1-B729-3AADB1682972}" dt="2020-06-17T02:31:03.540" v="1748" actId="47"/>
+        <pc:sldMkLst>
+          <pc:docMk/>
+          <pc:sldMk cId="4245811857" sldId="308"/>
+        </pc:sldMkLst>
+        <pc:grpChg chg="del mod">
+          <ac:chgData name="Fernando C Correa" userId="a08d7f3c16d54179" providerId="LiveId" clId="{DAECEB32-C126-44A1-B729-3AADB1682972}" dt="2020-06-17T02:28:09.227" v="1710" actId="165"/>
+          <ac:grpSpMkLst>
+            <pc:docMk/>
+            <pc:sldMk cId="4245811857" sldId="308"/>
+            <ac:grpSpMk id="11" creationId="{E4EA4F72-EFE3-4F09-A7E7-6AABF9ABBF18}"/>
+          </ac:grpSpMkLst>
+        </pc:grpChg>
+        <pc:picChg chg="mod topLvl">
+          <ac:chgData name="Fernando C Correa" userId="a08d7f3c16d54179" providerId="LiveId" clId="{DAECEB32-C126-44A1-B729-3AADB1682972}" dt="2020-06-17T02:29:00.873" v="1722" actId="14100"/>
+          <ac:picMkLst>
+            <pc:docMk/>
+            <pc:sldMk cId="4245811857" sldId="308"/>
+            <ac:picMk id="15" creationId="{E3972336-02C1-47CD-97B1-80ABC70FA9B7}"/>
+          </ac:picMkLst>
+        </pc:picChg>
+        <pc:picChg chg="mod topLvl">
+          <ac:chgData name="Fernando C Correa" userId="a08d7f3c16d54179" providerId="LiveId" clId="{DAECEB32-C126-44A1-B729-3AADB1682972}" dt="2020-06-17T02:28:48.863" v="1719" actId="1036"/>
+          <ac:picMkLst>
+            <pc:docMk/>
+            <pc:sldMk cId="4245811857" sldId="308"/>
+            <ac:picMk id="16" creationId="{20781BF0-8212-4D1A-9E98-63B0F1909496}"/>
+          </ac:picMkLst>
+        </pc:picChg>
+        <pc:picChg chg="mod topLvl">
+          <ac:chgData name="Fernando C Correa" userId="a08d7f3c16d54179" providerId="LiveId" clId="{DAECEB32-C126-44A1-B729-3AADB1682972}" dt="2020-06-17T02:29:06.078" v="1723" actId="1076"/>
+          <ac:picMkLst>
+            <pc:docMk/>
+            <pc:sldMk cId="4245811857" sldId="308"/>
+            <ac:picMk id="17" creationId="{040851DC-21ED-45C7-8F74-D947F2610DF4}"/>
+          </ac:picMkLst>
+        </pc:picChg>
+        <pc:picChg chg="mod topLvl">
+          <ac:chgData name="Fernando C Correa" userId="a08d7f3c16d54179" providerId="LiveId" clId="{DAECEB32-C126-44A1-B729-3AADB1682972}" dt="2020-06-17T02:29:13.692" v="1724" actId="1076"/>
+          <ac:picMkLst>
+            <pc:docMk/>
+            <pc:sldMk cId="4245811857" sldId="308"/>
+            <ac:picMk id="18" creationId="{E06E4486-40EB-49C0-BDD4-6308F01F4996}"/>
+          </ac:picMkLst>
+        </pc:picChg>
+      </pc:sldChg>
+      <pc:sldChg chg="add">
+        <pc:chgData name="Fernando C Correa" userId="a08d7f3c16d54179" providerId="LiveId" clId="{DAECEB32-C126-44A1-B729-3AADB1682972}" dt="2020-06-18T22:36:15.291" v="2123"/>
+        <pc:sldMkLst>
+          <pc:docMk/>
+          <pc:sldMk cId="1834702266" sldId="309"/>
+        </pc:sldMkLst>
+      </pc:sldChg>
+    </pc:docChg>
+  </pc:docChgLst>
+  <pc:docChgLst>
+    <pc:chgData name="Fernando C Correa" userId="a08d7f3c16d54179" providerId="LiveId" clId="{A09FC4A9-89B9-4888-AEA2-D945178E12B3}"/>
+    <pc:docChg chg="undo custSel modSld sldOrd">
+      <pc:chgData name="Fernando C Correa" userId="a08d7f3c16d54179" providerId="LiveId" clId="{A09FC4A9-89B9-4888-AEA2-D945178E12B3}" dt="2020-06-20T12:42:10.596" v="148" actId="1037"/>
+      <pc:docMkLst>
+        <pc:docMk/>
+      </pc:docMkLst>
+      <pc:sldChg chg="addSp delSp modSp mod ord">
+        <pc:chgData name="Fernando C Correa" userId="a08d7f3c16d54179" providerId="LiveId" clId="{A09FC4A9-89B9-4888-AEA2-D945178E12B3}" dt="2020-06-20T12:41:41.491" v="98" actId="1076"/>
+        <pc:sldMkLst>
+          <pc:docMk/>
+          <pc:sldMk cId="1295663715" sldId="289"/>
+        </pc:sldMkLst>
+        <pc:spChg chg="ord">
+          <ac:chgData name="Fernando C Correa" userId="a08d7f3c16d54179" providerId="LiveId" clId="{A09FC4A9-89B9-4888-AEA2-D945178E12B3}" dt="2020-06-20T12:40:54.820" v="32" actId="167"/>
+          <ac:spMkLst>
+            <pc:docMk/>
+            <pc:sldMk cId="1295663715" sldId="289"/>
+            <ac:spMk id="10" creationId="{00000000-0000-0000-0000-000000000000}"/>
+          </ac:spMkLst>
+        </pc:spChg>
+        <pc:spChg chg="add del">
+          <ac:chgData name="Fernando C Correa" userId="a08d7f3c16d54179" providerId="LiveId" clId="{A09FC4A9-89B9-4888-AEA2-D945178E12B3}" dt="2020-06-20T12:41:07.795" v="39" actId="478"/>
+          <ac:spMkLst>
+            <pc:docMk/>
+            <pc:sldMk cId="1295663715" sldId="289"/>
+            <ac:spMk id="17" creationId="{4761BB05-E8FC-4963-83D4-851EAED86DFA}"/>
+          </ac:spMkLst>
+        </pc:spChg>
+        <pc:spChg chg="add del ord">
+          <ac:chgData name="Fernando C Correa" userId="a08d7f3c16d54179" providerId="LiveId" clId="{A09FC4A9-89B9-4888-AEA2-D945178E12B3}" dt="2020-06-20T12:41:16.072" v="44" actId="478"/>
+          <ac:spMkLst>
+            <pc:docMk/>
+            <pc:sldMk cId="1295663715" sldId="289"/>
+            <ac:spMk id="18" creationId="{DA8A93A9-B515-40BF-A842-1BA9BACDDF03}"/>
+          </ac:spMkLst>
+        </pc:spChg>
+        <pc:spChg chg="add del mod ord">
+          <ac:chgData name="Fernando C Correa" userId="a08d7f3c16d54179" providerId="LiveId" clId="{A09FC4A9-89B9-4888-AEA2-D945178E12B3}" dt="2020-06-20T12:41:04.346" v="38" actId="21"/>
+          <ac:spMkLst>
+            <pc:docMk/>
+            <pc:sldMk cId="1295663715" sldId="289"/>
+            <ac:spMk id="19" creationId="{D6DAFE08-3EB6-416E-940C-0BA817B1B286}"/>
+          </ac:spMkLst>
+        </pc:spChg>
+        <pc:spChg chg="add del mod">
+          <ac:chgData name="Fernando C Correa" userId="a08d7f3c16d54179" providerId="LiveId" clId="{A09FC4A9-89B9-4888-AEA2-D945178E12B3}" dt="2020-06-20T12:41:12.822" v="43" actId="21"/>
+          <ac:spMkLst>
+            <pc:docMk/>
+            <pc:sldMk cId="1295663715" sldId="289"/>
+            <ac:spMk id="20" creationId="{A7971381-7BB0-4BBF-86C2-C637A2718284}"/>
+          </ac:spMkLst>
+        </pc:spChg>
+        <pc:spChg chg="add del mod">
+          <ac:chgData name="Fernando C Correa" userId="a08d7f3c16d54179" providerId="LiveId" clId="{A09FC4A9-89B9-4888-AEA2-D945178E12B3}" dt="2020-06-20T12:40:52.838" v="30"/>
+          <ac:spMkLst>
+            <pc:docMk/>
+            <pc:sldMk cId="1295663715" sldId="289"/>
+            <ac:spMk id="21" creationId="{4A6D4019-8BD7-448B-AAFF-5F30FE658407}"/>
+          </ac:spMkLst>
+        </pc:spChg>
+        <pc:spChg chg="add mod">
+          <ac:chgData name="Fernando C Correa" userId="a08d7f3c16d54179" providerId="LiveId" clId="{A09FC4A9-89B9-4888-AEA2-D945178E12B3}" dt="2020-06-20T12:41:32.346" v="97" actId="14100"/>
+          <ac:spMkLst>
+            <pc:docMk/>
+            <pc:sldMk cId="1295663715" sldId="289"/>
+            <ac:spMk id="22" creationId="{276CEF92-A27F-46D5-A699-D11C071CE94C}"/>
+          </ac:spMkLst>
+        </pc:spChg>
+        <pc:spChg chg="add mod">
+          <ac:chgData name="Fernando C Correa" userId="a08d7f3c16d54179" providerId="LiveId" clId="{A09FC4A9-89B9-4888-AEA2-D945178E12B3}" dt="2020-06-20T12:41:41.491" v="98" actId="1076"/>
+          <ac:spMkLst>
+            <pc:docMk/>
+            <pc:sldMk cId="1295663715" sldId="289"/>
+            <ac:spMk id="23" creationId="{D079E717-9756-4A5D-9DAC-F0B2C45B7484}"/>
+          </ac:spMkLst>
+        </pc:spChg>
+      </pc:sldChg>
+      <pc:sldChg chg="addSp delSp modSp mod">
+        <pc:chgData name="Fernando C Correa" userId="a08d7f3c16d54179" providerId="LiveId" clId="{A09FC4A9-89B9-4888-AEA2-D945178E12B3}" dt="2020-06-20T12:42:10.596" v="148" actId="1037"/>
+        <pc:sldMkLst>
+          <pc:docMk/>
+          <pc:sldMk cId="3697814180" sldId="294"/>
+        </pc:sldMkLst>
+        <pc:spChg chg="ord">
+          <ac:chgData name="Fernando C Correa" userId="a08d7f3c16d54179" providerId="LiveId" clId="{A09FC4A9-89B9-4888-AEA2-D945178E12B3}" dt="2020-06-20T12:40:23.350" v="23" actId="167"/>
+          <ac:spMkLst>
+            <pc:docMk/>
+            <pc:sldMk cId="3697814180" sldId="294"/>
+            <ac:spMk id="10" creationId="{00000000-0000-0000-0000-000000000000}"/>
+          </ac:spMkLst>
+        </pc:spChg>
+        <pc:spChg chg="del">
+          <ac:chgData name="Fernando C Correa" userId="a08d7f3c16d54179" providerId="LiveId" clId="{A09FC4A9-89B9-4888-AEA2-D945178E12B3}" dt="2020-06-20T12:40:13.096" v="21" actId="21"/>
+          <ac:spMkLst>
+            <pc:docMk/>
+            <pc:sldMk cId="3697814180" sldId="294"/>
+            <ac:spMk id="18" creationId="{28727A08-76AD-4CC1-81E1-A9E265979E09}"/>
+          </ac:spMkLst>
+        </pc:spChg>
+        <pc:spChg chg="del">
+          <ac:chgData name="Fernando C Correa" userId="a08d7f3c16d54179" providerId="LiveId" clId="{A09FC4A9-89B9-4888-AEA2-D945178E12B3}" dt="2020-06-20T12:40:13.096" v="21" actId="21"/>
+          <ac:spMkLst>
+            <pc:docMk/>
+            <pc:sldMk cId="3697814180" sldId="294"/>
+            <ac:spMk id="19" creationId="{780807C2-BAF7-460E-A962-492C349F6F41}"/>
+          </ac:spMkLst>
+        </pc:spChg>
+        <pc:spChg chg="add mod ord">
+          <ac:chgData name="Fernando C Correa" userId="a08d7f3c16d54179" providerId="LiveId" clId="{A09FC4A9-89B9-4888-AEA2-D945178E12B3}" dt="2020-06-20T12:41:55.232" v="118" actId="20577"/>
+          <ac:spMkLst>
+            <pc:docMk/>
+            <pc:sldMk cId="3697814180" sldId="294"/>
+            <ac:spMk id="20" creationId="{5B526848-867A-48AA-8A3A-D54E0A419896}"/>
+          </ac:spMkLst>
+        </pc:spChg>
+        <pc:spChg chg="add mod ord">
+          <ac:chgData name="Fernando C Correa" userId="a08d7f3c16d54179" providerId="LiveId" clId="{A09FC4A9-89B9-4888-AEA2-D945178E12B3}" dt="2020-06-20T12:42:10.596" v="148" actId="1037"/>
+          <ac:spMkLst>
+            <pc:docMk/>
+            <pc:sldMk cId="3697814180" sldId="294"/>
+            <ac:spMk id="21" creationId="{66EB59FA-89AE-4F0D-A3A6-FCAD79115ED1}"/>
+          </ac:spMkLst>
+        </pc:spChg>
+      </pc:sldChg>
+      <pc:sldChg chg="addSp delSp modSp mod">
+        <pc:chgData name="Fernando C Correa" userId="a08d7f3c16d54179" providerId="LiveId" clId="{A09FC4A9-89B9-4888-AEA2-D945178E12B3}" dt="2020-06-20T12:25:38.920" v="16" actId="14100"/>
+        <pc:sldMkLst>
+          <pc:docMk/>
+          <pc:sldMk cId="1216557380" sldId="310"/>
+        </pc:sldMkLst>
+        <pc:picChg chg="add mod">
+          <ac:chgData name="Fernando C Correa" userId="a08d7f3c16d54179" providerId="LiveId" clId="{A09FC4A9-89B9-4888-AEA2-D945178E12B3}" dt="2020-06-20T12:25:38.920" v="16" actId="14100"/>
+          <ac:picMkLst>
+            <pc:docMk/>
+            <pc:sldMk cId="1216557380" sldId="310"/>
+            <ac:picMk id="3" creationId="{A43DF01B-3E58-4B87-B7A7-68FE79FB51EB}"/>
+          </ac:picMkLst>
+        </pc:picChg>
+        <pc:picChg chg="mod">
+          <ac:chgData name="Fernando C Correa" userId="a08d7f3c16d54179" providerId="LiveId" clId="{A09FC4A9-89B9-4888-AEA2-D945178E12B3}" dt="2020-06-20T12:25:29.372" v="13" actId="1076"/>
+          <ac:picMkLst>
+            <pc:docMk/>
+            <pc:sldMk cId="1216557380" sldId="310"/>
+            <ac:picMk id="1028" creationId="{D76B89FC-867A-4147-BA71-9560870E80C8}"/>
+          </ac:picMkLst>
+        </pc:picChg>
+        <pc:picChg chg="mod">
+          <ac:chgData name="Fernando C Correa" userId="a08d7f3c16d54179" providerId="LiveId" clId="{A09FC4A9-89B9-4888-AEA2-D945178E12B3}" dt="2020-06-20T12:25:31.982" v="14" actId="1076"/>
+          <ac:picMkLst>
+            <pc:docMk/>
+            <pc:sldMk cId="1216557380" sldId="310"/>
+            <ac:picMk id="1030" creationId="{1D444095-F87C-4CAA-AEB0-70F655079581}"/>
+          </ac:picMkLst>
+        </pc:picChg>
+        <pc:picChg chg="mod">
+          <ac:chgData name="Fernando C Correa" userId="a08d7f3c16d54179" providerId="LiveId" clId="{A09FC4A9-89B9-4888-AEA2-D945178E12B3}" dt="2020-06-20T12:18:51.484" v="8" actId="1076"/>
+          <ac:picMkLst>
+            <pc:docMk/>
+            <pc:sldMk cId="1216557380" sldId="310"/>
+            <ac:picMk id="1036" creationId="{4CB63698-D978-4CD6-8FD1-C022074D72D7}"/>
+          </ac:picMkLst>
+        </pc:picChg>
+        <pc:picChg chg="mod">
+          <ac:chgData name="Fernando C Correa" userId="a08d7f3c16d54179" providerId="LiveId" clId="{A09FC4A9-89B9-4888-AEA2-D945178E12B3}" dt="2020-06-20T12:18:51.484" v="8" actId="1076"/>
+          <ac:picMkLst>
+            <pc:docMk/>
+            <pc:sldMk cId="1216557380" sldId="310"/>
+            <ac:picMk id="1038" creationId="{1070BA75-767B-4C56-BCD0-3A6C324EE9BC}"/>
+          </ac:picMkLst>
+        </pc:picChg>
+        <pc:picChg chg="mod">
+          <ac:chgData name="Fernando C Correa" userId="a08d7f3c16d54179" providerId="LiveId" clId="{A09FC4A9-89B9-4888-AEA2-D945178E12B3}" dt="2020-06-20T12:18:51.484" v="8" actId="1076"/>
+          <ac:picMkLst>
+            <pc:docMk/>
+            <pc:sldMk cId="1216557380" sldId="310"/>
+            <ac:picMk id="1040" creationId="{3E94C683-13A5-473D-84E5-0EC77570D1A9}"/>
+          </ac:picMkLst>
+        </pc:picChg>
+        <pc:picChg chg="del">
+          <ac:chgData name="Fernando C Correa" userId="a08d7f3c16d54179" providerId="LiveId" clId="{A09FC4A9-89B9-4888-AEA2-D945178E12B3}" dt="2020-06-20T12:18:03.152" v="0" actId="478"/>
+          <ac:picMkLst>
+            <pc:docMk/>
+            <pc:sldMk cId="1216557380" sldId="310"/>
+            <ac:picMk id="1048" creationId="{02423DA5-E5A7-4204-9F15-B1C2DA32315D}"/>
+          </ac:picMkLst>
+        </pc:picChg>
+        <pc:picChg chg="mod">
+          <ac:chgData name="Fernando C Correa" userId="a08d7f3c16d54179" providerId="LiveId" clId="{A09FC4A9-89B9-4888-AEA2-D945178E12B3}" dt="2020-06-20T12:18:51.484" v="8" actId="1076"/>
+          <ac:picMkLst>
+            <pc:docMk/>
+            <pc:sldMk cId="1216557380" sldId="310"/>
+            <ac:picMk id="1050" creationId="{3436FD7C-0729-4A23-ABA2-8DE8F6568403}"/>
+          </ac:picMkLst>
+        </pc:picChg>
+        <pc:picChg chg="mod">
+          <ac:chgData name="Fernando C Correa" userId="a08d7f3c16d54179" providerId="LiveId" clId="{A09FC4A9-89B9-4888-AEA2-D945178E12B3}" dt="2020-06-20T12:25:35.085" v="15" actId="1076"/>
+          <ac:picMkLst>
+            <pc:docMk/>
+            <pc:sldMk cId="1216557380" sldId="310"/>
+            <ac:picMk id="1052" creationId="{393BA934-075A-4034-B5AE-B620E367AEAB}"/>
+          </ac:picMkLst>
+        </pc:picChg>
+      </pc:sldChg>
+    </pc:docChg>
+  </pc:docChgLst>
+  <pc:docChgLst>
+    <pc:chgData name="Fernando C Correa" userId="a08d7f3c16d54179" providerId="LiveId" clId="{BDD547D6-9985-4471-8D69-22FBC0393EC8}"/>
+    <pc:docChg chg="undo custSel mod addSld delSld modSld sldOrd">
+      <pc:chgData name="Fernando C Correa" userId="a08d7f3c16d54179" providerId="LiveId" clId="{BDD547D6-9985-4471-8D69-22FBC0393EC8}" dt="2020-06-13T13:09:11.758" v="233"/>
+      <pc:docMkLst>
+        <pc:docMk/>
+      </pc:docMkLst>
+      <pc:sldChg chg="modAnim">
+        <pc:chgData name="Fernando C Correa" userId="a08d7f3c16d54179" providerId="LiveId" clId="{BDD547D6-9985-4471-8D69-22FBC0393EC8}" dt="2020-06-13T12:56:23.801" v="132"/>
+        <pc:sldMkLst>
+          <pc:docMk/>
+          <pc:sldMk cId="3542761506" sldId="281"/>
+        </pc:sldMkLst>
+      </pc:sldChg>
+      <pc:sldChg chg="addSp delSp modSp mod setBg setClrOvrMap">
+        <pc:chgData name="Fernando C Correa" userId="a08d7f3c16d54179" providerId="LiveId" clId="{BDD547D6-9985-4471-8D69-22FBC0393EC8}" dt="2020-06-13T12:55:02.601" v="128" actId="1076"/>
+        <pc:sldMkLst>
+          <pc:docMk/>
+          <pc:sldMk cId="450903840" sldId="283"/>
+        </pc:sldMkLst>
+        <pc:spChg chg="mod ord">
+          <ac:chgData name="Fernando C Correa" userId="a08d7f3c16d54179" providerId="LiveId" clId="{BDD547D6-9985-4471-8D69-22FBC0393EC8}" dt="2020-06-13T12:55:02.601" v="128" actId="1076"/>
+          <ac:spMkLst>
+            <pc:docMk/>
+            <pc:sldMk cId="450903840" sldId="283"/>
+            <ac:spMk id="3" creationId="{00000000-0000-0000-0000-000000000000}"/>
+          </ac:spMkLst>
+        </pc:spChg>
+        <pc:spChg chg="mod ord">
+          <ac:chgData name="Fernando C Correa" userId="a08d7f3c16d54179" providerId="LiveId" clId="{BDD547D6-9985-4471-8D69-22FBC0393EC8}" dt="2020-06-13T12:53:13.696" v="111" actId="1038"/>
+          <ac:spMkLst>
+            <pc:docMk/>
+            <pc:sldMk cId="450903840" sldId="283"/>
+            <ac:spMk id="7" creationId="{D34E5B9C-57DC-422A-B626-426A4E3D6AC0}"/>
+          </ac:spMkLst>
+        </pc:spChg>
+        <pc:spChg chg="add mod">
+          <ac:chgData name="Fernando C Correa" userId="a08d7f3c16d54179" providerId="LiveId" clId="{BDD547D6-9985-4471-8D69-22FBC0393EC8}" dt="2020-06-13T12:54:34.439" v="125" actId="14100"/>
+          <ac:spMkLst>
+            <pc:docMk/>
+            <pc:sldMk cId="450903840" sldId="283"/>
+            <ac:spMk id="8" creationId="{3CC0DBC5-CBEA-44F5-B257-04EE3F7AB470}"/>
+          </ac:spMkLst>
+        </pc:spChg>
+        <pc:spChg chg="add del">
+          <ac:chgData name="Fernando C Correa" userId="a08d7f3c16d54179" providerId="LiveId" clId="{BDD547D6-9985-4471-8D69-22FBC0393EC8}" dt="2020-06-13T12:50:16.547" v="3" actId="26606"/>
+          <ac:spMkLst>
+            <pc:docMk/>
+            <pc:sldMk cId="450903840" sldId="283"/>
+            <ac:spMk id="12" creationId="{71B2258F-86CA-4D4D-8270-BC05FCDEBFB3}"/>
+          </ac:spMkLst>
+        </pc:spChg>
+        <pc:spChg chg="add del">
+          <ac:chgData name="Fernando C Correa" userId="a08d7f3c16d54179" providerId="LiveId" clId="{BDD547D6-9985-4471-8D69-22FBC0393EC8}" dt="2020-06-13T12:50:38.303" v="17" actId="26606"/>
+          <ac:spMkLst>
+            <pc:docMk/>
+            <pc:sldMk cId="450903840" sldId="283"/>
+            <ac:spMk id="34" creationId="{A3BAF07C-C39E-42EB-BB22-8D46691D9735}"/>
+          </ac:spMkLst>
+        </pc:spChg>
+        <pc:spChg chg="add del">
+          <ac:chgData name="Fernando C Correa" userId="a08d7f3c16d54179" providerId="LiveId" clId="{BDD547D6-9985-4471-8D69-22FBC0393EC8}" dt="2020-06-13T12:50:33.856" v="6" actId="26606"/>
+          <ac:spMkLst>
+            <pc:docMk/>
+            <pc:sldMk cId="450903840" sldId="283"/>
+            <ac:spMk id="49" creationId="{A3BAF07C-C39E-42EB-BB22-8D46691D9735}"/>
+          </ac:spMkLst>
+        </pc:spChg>
+        <pc:spChg chg="add mod">
+          <ac:chgData name="Fernando C Correa" userId="a08d7f3c16d54179" providerId="LiveId" clId="{BDD547D6-9985-4471-8D69-22FBC0393EC8}" dt="2020-06-13T12:54:40.117" v="126" actId="14100"/>
+          <ac:spMkLst>
+            <pc:docMk/>
+            <pc:sldMk cId="450903840" sldId="283"/>
+            <ac:spMk id="71" creationId="{FA87CC4B-67E8-46A8-83ED-B27931B4A556}"/>
+          </ac:spMkLst>
+        </pc:spChg>
+        <pc:spChg chg="add del">
+          <ac:chgData name="Fernando C Correa" userId="a08d7f3c16d54179" providerId="LiveId" clId="{BDD547D6-9985-4471-8D69-22FBC0393EC8}" dt="2020-06-13T12:50:35.004" v="9" actId="26606"/>
+          <ac:spMkLst>
+            <pc:docMk/>
+            <pc:sldMk cId="450903840" sldId="283"/>
+            <ac:spMk id="72" creationId="{1FBD4BA0-5E13-4403-B4A7-40DF3A0185D3}"/>
+          </ac:spMkLst>
+        </pc:spChg>
+        <pc:spChg chg="add del">
+          <ac:chgData name="Fernando C Correa" userId="a08d7f3c16d54179" providerId="LiveId" clId="{BDD547D6-9985-4471-8D69-22FBC0393EC8}" dt="2020-06-13T12:50:35.531" v="11" actId="26606"/>
+          <ac:spMkLst>
+            <pc:docMk/>
+            <pc:sldMk cId="450903840" sldId="283"/>
+            <ac:spMk id="75" creationId="{A3BAF07C-C39E-42EB-BB22-8D46691D9735}"/>
+          </ac:spMkLst>
+        </pc:spChg>
+        <pc:spChg chg="add del">
+          <ac:chgData name="Fernando C Correa" userId="a08d7f3c16d54179" providerId="LiveId" clId="{BDD547D6-9985-4471-8D69-22FBC0393EC8}" dt="2020-06-13T12:50:36.456" v="14" actId="26606"/>
+          <ac:spMkLst>
+            <pc:docMk/>
+            <pc:sldMk cId="450903840" sldId="283"/>
+            <ac:spMk id="78" creationId="{1FBD4BA0-5E13-4403-B4A7-40DF3A0185D3}"/>
+          </ac:spMkLst>
+        </pc:spChg>
+        <pc:spChg chg="add del">
+          <ac:chgData name="Fernando C Correa" userId="a08d7f3c16d54179" providerId="LiveId" clId="{BDD547D6-9985-4471-8D69-22FBC0393EC8}" dt="2020-06-13T12:50:38.294" v="16" actId="26606"/>
+          <ac:spMkLst>
+            <pc:docMk/>
+            <pc:sldMk cId="450903840" sldId="283"/>
+            <ac:spMk id="81" creationId="{A3BAF07C-C39E-42EB-BB22-8D46691D9735}"/>
+          </ac:spMkLst>
+        </pc:spChg>
+        <pc:grpChg chg="add del">
+          <ac:chgData name="Fernando C Correa" userId="a08d7f3c16d54179" providerId="LiveId" clId="{BDD547D6-9985-4471-8D69-22FBC0393EC8}" dt="2020-06-13T12:50:38.303" v="17" actId="26606"/>
+          <ac:grpSpMkLst>
+            <pc:docMk/>
+            <pc:sldMk cId="450903840" sldId="283"/>
+            <ac:grpSpMk id="35" creationId="{D8E9CF54-0466-4261-9E62-0249E60E1886}"/>
+          </ac:grpSpMkLst>
+        </pc:grpChg>
+        <pc:grpChg chg="add del">
+          <ac:chgData name="Fernando C Correa" userId="a08d7f3c16d54179" providerId="LiveId" clId="{BDD547D6-9985-4471-8D69-22FBC0393EC8}" dt="2020-06-13T12:50:33.856" v="6" actId="26606"/>
+          <ac:grpSpMkLst>
+            <pc:docMk/>
+            <pc:sldMk cId="450903840" sldId="283"/>
+            <ac:grpSpMk id="51" creationId="{D8E9CF54-0466-4261-9E62-0249E60E1886}"/>
+          </ac:grpSpMkLst>
+        </pc:grpChg>
+        <pc:grpChg chg="add del">
+          <ac:chgData name="Fernando C Correa" userId="a08d7f3c16d54179" providerId="LiveId" clId="{BDD547D6-9985-4471-8D69-22FBC0393EC8}" dt="2020-06-13T12:50:35.004" v="9" actId="26606"/>
+          <ac:grpSpMkLst>
+            <pc:docMk/>
+            <pc:sldMk cId="450903840" sldId="283"/>
+            <ac:grpSpMk id="73" creationId="{622F0806-F5D8-4CCD-A924-6CC3D7BB26F7}"/>
+          </ac:grpSpMkLst>
+        </pc:grpChg>
+        <pc:grpChg chg="add del">
+          <ac:chgData name="Fernando C Correa" userId="a08d7f3c16d54179" providerId="LiveId" clId="{BDD547D6-9985-4471-8D69-22FBC0393EC8}" dt="2020-06-13T12:50:35.531" v="11" actId="26606"/>
+          <ac:grpSpMkLst>
+            <pc:docMk/>
+            <pc:sldMk cId="450903840" sldId="283"/>
+            <ac:grpSpMk id="76" creationId="{D8E9CF54-0466-4261-9E62-0249E60E1886}"/>
+          </ac:grpSpMkLst>
+        </pc:grpChg>
+        <pc:grpChg chg="add del">
+          <ac:chgData name="Fernando C Correa" userId="a08d7f3c16d54179" providerId="LiveId" clId="{BDD547D6-9985-4471-8D69-22FBC0393EC8}" dt="2020-06-13T12:50:36.456" v="14" actId="26606"/>
+          <ac:grpSpMkLst>
+            <pc:docMk/>
+            <pc:sldMk cId="450903840" sldId="283"/>
+            <ac:grpSpMk id="79" creationId="{622F0806-F5D8-4CCD-A924-6CC3D7BB26F7}"/>
+          </ac:grpSpMkLst>
+        </pc:grpChg>
+        <pc:grpChg chg="add del">
+          <ac:chgData name="Fernando C Correa" userId="a08d7f3c16d54179" providerId="LiveId" clId="{BDD547D6-9985-4471-8D69-22FBC0393EC8}" dt="2020-06-13T12:50:38.294" v="16" actId="26606"/>
+          <ac:grpSpMkLst>
+            <pc:docMk/>
+            <pc:sldMk cId="450903840" sldId="283"/>
+            <ac:grpSpMk id="82" creationId="{D8E9CF54-0466-4261-9E62-0249E60E1886}"/>
+          </ac:grpSpMkLst>
+        </pc:grpChg>
+        <pc:picChg chg="add del mod ord">
+          <ac:chgData name="Fernando C Correa" userId="a08d7f3c16d54179" providerId="LiveId" clId="{BDD547D6-9985-4471-8D69-22FBC0393EC8}" dt="2020-06-13T12:52:04.308" v="41" actId="478"/>
+          <ac:picMkLst>
+            <pc:docMk/>
+            <pc:sldMk cId="450903840" sldId="283"/>
+            <ac:picMk id="4" creationId="{C59658C8-2D7A-4DCD-854A-2822D1795322}"/>
+          </ac:picMkLst>
+        </pc:picChg>
+        <pc:picChg chg="add mod">
+          <ac:chgData name="Fernando C Correa" userId="a08d7f3c16d54179" providerId="LiveId" clId="{BDD547D6-9985-4471-8D69-22FBC0393EC8}" dt="2020-06-13T12:53:05.776" v="62" actId="14100"/>
+          <ac:picMkLst>
+            <pc:docMk/>
+            <pc:sldMk cId="450903840" sldId="283"/>
+            <ac:picMk id="6" creationId="{0453BD22-6FB7-433F-B358-150D1AA68C37}"/>
+          </ac:picMkLst>
+        </pc:picChg>
+      </pc:sldChg>
+      <pc:sldChg chg="addSp delSp modSp mod ord">
+        <pc:chgData name="Fernando C Correa" userId="a08d7f3c16d54179" providerId="LiveId" clId="{BDD547D6-9985-4471-8D69-22FBC0393EC8}" dt="2020-06-13T13:09:00.020" v="229"/>
+        <pc:sldMkLst>
+          <pc:docMk/>
+          <pc:sldMk cId="4264086694" sldId="288"/>
+        </pc:sldMkLst>
+        <pc:picChg chg="add mod">
+          <ac:chgData name="Fernando C Correa" userId="a08d7f3c16d54179" providerId="LiveId" clId="{BDD547D6-9985-4471-8D69-22FBC0393EC8}" dt="2020-06-13T12:58:07.073" v="151" actId="1076"/>
+          <ac:picMkLst>
+            <pc:docMk/>
+            <pc:sldMk cId="4264086694" sldId="288"/>
+            <ac:picMk id="4" creationId="{1F3BC514-CB78-4155-AF11-BB61F4A3B76D}"/>
+          </ac:picMkLst>
+        </pc:picChg>
+        <pc:picChg chg="del">
+          <ac:chgData name="Fernando C Correa" userId="a08d7f3c16d54179" providerId="LiveId" clId="{BDD547D6-9985-4471-8D69-22FBC0393EC8}" dt="2020-06-13T12:57:55.833" v="147" actId="478"/>
+          <ac:picMkLst>
+            <pc:docMk/>
+            <pc:sldMk cId="4264086694" sldId="288"/>
+            <ac:picMk id="5" creationId="{719194C0-71DB-4079-83CE-40E5CD7645C0}"/>
+          </ac:picMkLst>
+        </pc:picChg>
+      </pc:sldChg>
+      <pc:sldChg chg="ord">
+        <pc:chgData name="Fernando C Correa" userId="a08d7f3c16d54179" providerId="LiveId" clId="{BDD547D6-9985-4471-8D69-22FBC0393EC8}" dt="2020-06-13T13:09:08.312" v="231"/>
+        <pc:sldMkLst>
+          <pc:docMk/>
+          <pc:sldMk cId="1295663715" sldId="289"/>
+        </pc:sldMkLst>
+      </pc:sldChg>
+      <pc:sldChg chg="addSp delSp modSp del mod">
+        <pc:chgData name="Fernando C Correa" userId="a08d7f3c16d54179" providerId="LiveId" clId="{BDD547D6-9985-4471-8D69-22FBC0393EC8}" dt="2020-06-13T13:04:30.446" v="203" actId="47"/>
+        <pc:sldMkLst>
+          <pc:docMk/>
+          <pc:sldMk cId="2022502932" sldId="293"/>
+        </pc:sldMkLst>
+        <pc:spChg chg="add del mod">
+          <ac:chgData name="Fernando C Correa" userId="a08d7f3c16d54179" providerId="LiveId" clId="{BDD547D6-9985-4471-8D69-22FBC0393EC8}" dt="2020-06-13T13:00:22.936" v="161"/>
+          <ac:spMkLst>
+            <pc:docMk/>
+            <pc:sldMk cId="2022502932" sldId="293"/>
+            <ac:spMk id="8" creationId="{92F8AF57-C061-4F06-ABAE-7F2B3E465A0E}"/>
+          </ac:spMkLst>
+        </pc:spChg>
+        <pc:spChg chg="add mod">
+          <ac:chgData name="Fernando C Correa" userId="a08d7f3c16d54179" providerId="LiveId" clId="{BDD547D6-9985-4471-8D69-22FBC0393EC8}" dt="2020-06-13T13:00:22.936" v="161"/>
+          <ac:spMkLst>
+            <pc:docMk/>
+            <pc:sldMk cId="2022502932" sldId="293"/>
+            <ac:spMk id="11" creationId="{978FC917-94D5-4C38-AEE6-3EC089673DDA}"/>
+          </ac:spMkLst>
+        </pc:spChg>
+        <pc:spChg chg="add mod">
+          <ac:chgData name="Fernando C Correa" userId="a08d7f3c16d54179" providerId="LiveId" clId="{BDD547D6-9985-4471-8D69-22FBC0393EC8}" dt="2020-06-13T13:00:22.936" v="161"/>
+          <ac:spMkLst>
+            <pc:docMk/>
+            <pc:sldMk cId="2022502932" sldId="293"/>
+            <ac:spMk id="15" creationId="{91BB7FE2-2C0C-43E0-BF9A-3C40E087E591}"/>
+          </ac:spMkLst>
+        </pc:spChg>
+        <pc:grpChg chg="add del mod">
+          <ac:chgData name="Fernando C Correa" userId="a08d7f3c16d54179" providerId="LiveId" clId="{BDD547D6-9985-4471-8D69-22FBC0393EC8}" dt="2020-06-13T13:00:22.936" v="161"/>
+          <ac:grpSpMkLst>
+            <pc:docMk/>
+            <pc:sldMk cId="2022502932" sldId="293"/>
+            <ac:grpSpMk id="9" creationId="{3B9F2973-9CA5-4D05-AB1A-387FE8576AD9}"/>
+          </ac:grpSpMkLst>
+        </pc:grpChg>
+        <pc:graphicFrameChg chg="add mod">
+          <ac:chgData name="Fernando C Correa" userId="a08d7f3c16d54179" providerId="LiveId" clId="{BDD547D6-9985-4471-8D69-22FBC0393EC8}" dt="2020-06-13T13:02:56.944" v="202"/>
+          <ac:graphicFrameMkLst>
+            <pc:docMk/>
+            <pc:sldMk cId="2022502932" sldId="293"/>
+            <ac:graphicFrameMk id="16" creationId="{C71FC8EC-A740-40A0-B5C8-AA4B5DFF8386}"/>
+          </ac:graphicFrameMkLst>
+        </pc:graphicFrameChg>
+        <pc:picChg chg="add del">
+          <ac:chgData name="Fernando C Correa" userId="a08d7f3c16d54179" providerId="LiveId" clId="{BDD547D6-9985-4471-8D69-22FBC0393EC8}" dt="2020-06-13T13:00:39.300" v="164" actId="478"/>
+          <ac:picMkLst>
+            <pc:docMk/>
+            <pc:sldMk cId="2022502932" sldId="293"/>
+            <ac:picMk id="62" creationId="{BCC4C255-968A-4BC3-A955-63028576C8DF}"/>
+          </ac:picMkLst>
+        </pc:picChg>
+      </pc:sldChg>
+      <pc:sldChg chg="modSp">
+        <pc:chgData name="Fernando C Correa" userId="a08d7f3c16d54179" providerId="LiveId" clId="{BDD547D6-9985-4471-8D69-22FBC0393EC8}" dt="2020-06-13T13:01:59.703" v="197" actId="1076"/>
+        <pc:sldMkLst>
+          <pc:docMk/>
+          <pc:sldMk cId="2602158399" sldId="296"/>
+        </pc:sldMkLst>
+        <pc:spChg chg="mod">
+          <ac:chgData name="Fernando C Correa" userId="a08d7f3c16d54179" providerId="LiveId" clId="{BDD547D6-9985-4471-8D69-22FBC0393EC8}" dt="2020-06-13T13:01:59.703" v="197" actId="1076"/>
+          <ac:spMkLst>
+            <pc:docMk/>
+            <pc:sldMk cId="2602158399" sldId="296"/>
+            <ac:spMk id="16" creationId="{4A3D8031-17D2-483B-9165-90F4DE2D70F4}"/>
+          </ac:spMkLst>
+        </pc:spChg>
+        <pc:spChg chg="mod">
+          <ac:chgData name="Fernando C Correa" userId="a08d7f3c16d54179" providerId="LiveId" clId="{BDD547D6-9985-4471-8D69-22FBC0393EC8}" dt="2020-06-13T13:01:59.703" v="197" actId="1076"/>
+          <ac:spMkLst>
+            <pc:docMk/>
+            <pc:sldMk cId="2602158399" sldId="296"/>
+            <ac:spMk id="19" creationId="{68F6DEB3-70A3-4BF4-8B2D-6E1AB8177828}"/>
+          </ac:spMkLst>
+        </pc:spChg>
+        <pc:spChg chg="mod">
+          <ac:chgData name="Fernando C Correa" userId="a08d7f3c16d54179" providerId="LiveId" clId="{BDD547D6-9985-4471-8D69-22FBC0393EC8}" dt="2020-06-13T13:01:59.703" v="197" actId="1076"/>
+          <ac:spMkLst>
+            <pc:docMk/>
+            <pc:sldMk cId="2602158399" sldId="296"/>
+            <ac:spMk id="24" creationId="{BC17027F-7803-4FE3-8399-202BED3AB6D0}"/>
+          </ac:spMkLst>
+        </pc:spChg>
+        <pc:spChg chg="mod">
+          <ac:chgData name="Fernando C Correa" userId="a08d7f3c16d54179" providerId="LiveId" clId="{BDD547D6-9985-4471-8D69-22FBC0393EC8}" dt="2020-06-13T13:01:59.703" v="197" actId="1076"/>
+          <ac:spMkLst>
+            <pc:docMk/>
+            <pc:sldMk cId="2602158399" sldId="296"/>
+            <ac:spMk id="28" creationId="{BC469A77-A7EE-4CB4-8E4C-DCC050D57D62}"/>
+          </ac:spMkLst>
+        </pc:spChg>
+        <pc:spChg chg="mod">
+          <ac:chgData name="Fernando C Correa" userId="a08d7f3c16d54179" providerId="LiveId" clId="{BDD547D6-9985-4471-8D69-22FBC0393EC8}" dt="2020-06-13T13:01:59.703" v="197" actId="1076"/>
+          <ac:spMkLst>
+            <pc:docMk/>
+            <pc:sldMk cId="2602158399" sldId="296"/>
+            <ac:spMk id="29" creationId="{DD4324BD-4086-4848-9198-B77789BF3807}"/>
+          </ac:spMkLst>
+        </pc:spChg>
+        <pc:spChg chg="mod">
+          <ac:chgData name="Fernando C Correa" userId="a08d7f3c16d54179" providerId="LiveId" clId="{BDD547D6-9985-4471-8D69-22FBC0393EC8}" dt="2020-06-13T13:01:59.703" v="197" actId="1076"/>
+          <ac:spMkLst>
+            <pc:docMk/>
+            <pc:sldMk cId="2602158399" sldId="296"/>
+            <ac:spMk id="33" creationId="{B543B89B-768B-47EC-BB9F-C055536C22B6}"/>
+          </ac:spMkLst>
+        </pc:spChg>
+        <pc:spChg chg="mod">
+          <ac:chgData name="Fernando C Correa" userId="a08d7f3c16d54179" providerId="LiveId" clId="{BDD547D6-9985-4471-8D69-22FBC0393EC8}" dt="2020-06-13T13:01:59.703" v="197" actId="1076"/>
+          <ac:spMkLst>
+            <pc:docMk/>
+            <pc:sldMk cId="2602158399" sldId="296"/>
+            <ac:spMk id="34" creationId="{DD72A077-704A-416F-8E83-896431DAA8EB}"/>
+          </ac:spMkLst>
+        </pc:spChg>
+        <pc:spChg chg="mod">
+          <ac:chgData name="Fernando C Correa" userId="a08d7f3c16d54179" providerId="LiveId" clId="{BDD547D6-9985-4471-8D69-22FBC0393EC8}" dt="2020-06-13T13:01:59.703" v="197" actId="1076"/>
+          <ac:spMkLst>
+            <pc:docMk/>
+            <pc:sldMk cId="2602158399" sldId="296"/>
+            <ac:spMk id="38" creationId="{A8D955FA-2077-4EB9-8FEF-F1D2DBDBD31E}"/>
+          </ac:spMkLst>
+        </pc:spChg>
+        <pc:spChg chg="mod">
+          <ac:chgData name="Fernando C Correa" userId="a08d7f3c16d54179" providerId="LiveId" clId="{BDD547D6-9985-4471-8D69-22FBC0393EC8}" dt="2020-06-13T13:01:59.703" v="197" actId="1076"/>
+          <ac:spMkLst>
+            <pc:docMk/>
+            <pc:sldMk cId="2602158399" sldId="296"/>
+            <ac:spMk id="39" creationId="{36980488-C9AD-44BF-9DF1-A2E4AD27E7BB}"/>
+          </ac:spMkLst>
+        </pc:spChg>
+        <pc:spChg chg="mod">
+          <ac:chgData name="Fernando C Correa" userId="a08d7f3c16d54179" providerId="LiveId" clId="{BDD547D6-9985-4471-8D69-22FBC0393EC8}" dt="2020-06-13T13:01:59.703" v="197" actId="1076"/>
+          <ac:spMkLst>
+            <pc:docMk/>
+            <pc:sldMk cId="2602158399" sldId="296"/>
+            <ac:spMk id="43" creationId="{5F832CFE-E431-4561-9E35-78F733771B06}"/>
+          </ac:spMkLst>
+        </pc:spChg>
+        <pc:spChg chg="mod">
+          <ac:chgData name="Fernando C Correa" userId="a08d7f3c16d54179" providerId="LiveId" clId="{BDD547D6-9985-4471-8D69-22FBC0393EC8}" dt="2020-06-13T13:01:59.703" v="197" actId="1076"/>
+          <ac:spMkLst>
+            <pc:docMk/>
+            <pc:sldMk cId="2602158399" sldId="296"/>
+            <ac:spMk id="44" creationId="{29CC72C0-3F4C-4C49-A359-4F0F44E6798A}"/>
+          </ac:spMkLst>
+        </pc:spChg>
+        <pc:spChg chg="mod">
+          <ac:chgData name="Fernando C Correa" userId="a08d7f3c16d54179" providerId="LiveId" clId="{BDD547D6-9985-4471-8D69-22FBC0393EC8}" dt="2020-06-13T13:01:59.703" v="197" actId="1076"/>
+          <ac:spMkLst>
+            <pc:docMk/>
+            <pc:sldMk cId="2602158399" sldId="296"/>
+            <ac:spMk id="45" creationId="{07B75210-3294-4AF0-8C9E-3C4AA843D05E}"/>
+          </ac:spMkLst>
+        </pc:spChg>
+        <pc:spChg chg="mod">
+          <ac:chgData name="Fernando C Correa" userId="a08d7f3c16d54179" providerId="LiveId" clId="{BDD547D6-9985-4471-8D69-22FBC0393EC8}" dt="2020-06-13T13:01:59.703" v="197" actId="1076"/>
+          <ac:spMkLst>
+            <pc:docMk/>
+            <pc:sldMk cId="2602158399" sldId="296"/>
+            <ac:spMk id="49" creationId="{53BFE470-B5B2-485F-94CA-535C8684DD5F}"/>
+          </ac:spMkLst>
+        </pc:spChg>
+        <pc:spChg chg="mod">
+          <ac:chgData name="Fernando C Correa" userId="a08d7f3c16d54179" providerId="LiveId" clId="{BDD547D6-9985-4471-8D69-22FBC0393EC8}" dt="2020-06-13T13:01:59.703" v="197" actId="1076"/>
+          <ac:spMkLst>
+            <pc:docMk/>
+            <pc:sldMk cId="2602158399" sldId="296"/>
+            <ac:spMk id="51" creationId="{6D9F163E-A50B-4064-A51A-092F7651CD2E}"/>
+          </ac:spMkLst>
+        </pc:spChg>
+        <pc:spChg chg="mod">
+          <ac:chgData name="Fernando C Correa" userId="a08d7f3c16d54179" providerId="LiveId" clId="{BDD547D6-9985-4471-8D69-22FBC0393EC8}" dt="2020-06-13T13:01:59.703" v="197" actId="1076"/>
+          <ac:spMkLst>
+            <pc:docMk/>
+            <pc:sldMk cId="2602158399" sldId="296"/>
+            <ac:spMk id="54" creationId="{3C0FED55-D186-4E30-B046-59F8924FC9CC}"/>
+          </ac:spMkLst>
+        </pc:spChg>
+        <pc:spChg chg="mod">
+          <ac:chgData name="Fernando C Correa" userId="a08d7f3c16d54179" providerId="LiveId" clId="{BDD547D6-9985-4471-8D69-22FBC0393EC8}" dt="2020-06-13T13:01:59.703" v="197" actId="1076"/>
+          <ac:spMkLst>
+            <pc:docMk/>
+            <pc:sldMk cId="2602158399" sldId="296"/>
+            <ac:spMk id="55" creationId="{2613465B-707B-4386-8895-2631B29F537D}"/>
+          </ac:spMkLst>
+        </pc:spChg>
+        <pc:spChg chg="mod">
+          <ac:chgData name="Fernando C Correa" userId="a08d7f3c16d54179" providerId="LiveId" clId="{BDD547D6-9985-4471-8D69-22FBC0393EC8}" dt="2020-06-13T13:01:59.703" v="197" actId="1076"/>
+          <ac:spMkLst>
+            <pc:docMk/>
+            <pc:sldMk cId="2602158399" sldId="296"/>
+            <ac:spMk id="58" creationId="{6B8346BA-BDA4-4050-ABFE-92CA319CE764}"/>
+          </ac:spMkLst>
+        </pc:spChg>
+        <pc:spChg chg="mod">
+          <ac:chgData name="Fernando C Correa" userId="a08d7f3c16d54179" providerId="LiveId" clId="{BDD547D6-9985-4471-8D69-22FBC0393EC8}" dt="2020-06-13T13:01:59.703" v="197" actId="1076"/>
+          <ac:spMkLst>
+            <pc:docMk/>
+            <pc:sldMk cId="2602158399" sldId="296"/>
+            <ac:spMk id="60" creationId="{C788DE36-5E28-434C-A4CA-E519F0A2B096}"/>
+          </ac:spMkLst>
+        </pc:spChg>
+        <pc:grpChg chg="mod">
+          <ac:chgData name="Fernando C Correa" userId="a08d7f3c16d54179" providerId="LiveId" clId="{BDD547D6-9985-4471-8D69-22FBC0393EC8}" dt="2020-06-13T13:01:59.703" v="197" actId="1076"/>
+          <ac:grpSpMkLst>
+            <pc:docMk/>
+            <pc:sldMk cId="2602158399" sldId="296"/>
+            <ac:grpSpMk id="15" creationId="{E9FF7A15-42E9-4313-8D04-09D0569D0196}"/>
+          </ac:grpSpMkLst>
+        </pc:grpChg>
+        <pc:picChg chg="mod">
+          <ac:chgData name="Fernando C Correa" userId="a08d7f3c16d54179" providerId="LiveId" clId="{BDD547D6-9985-4471-8D69-22FBC0393EC8}" dt="2020-06-13T13:01:59.703" v="197" actId="1076"/>
+          <ac:picMkLst>
+            <pc:docMk/>
+            <pc:sldMk cId="2602158399" sldId="296"/>
+            <ac:picMk id="17" creationId="{CEA00F93-F7D1-48DB-983F-C5A172708295}"/>
+          </ac:picMkLst>
+        </pc:picChg>
+        <pc:picChg chg="mod">
+          <ac:chgData name="Fernando C Correa" userId="a08d7f3c16d54179" providerId="LiveId" clId="{BDD547D6-9985-4471-8D69-22FBC0393EC8}" dt="2020-06-13T13:01:59.703" v="197" actId="1076"/>
+          <ac:picMkLst>
+            <pc:docMk/>
+            <pc:sldMk cId="2602158399" sldId="296"/>
+            <ac:picMk id="18" creationId="{C97D3599-BEA4-4B66-B383-661ADB6AFFC1}"/>
+          </ac:picMkLst>
+        </pc:picChg>
+        <pc:picChg chg="mod">
+          <ac:chgData name="Fernando C Correa" userId="a08d7f3c16d54179" providerId="LiveId" clId="{BDD547D6-9985-4471-8D69-22FBC0393EC8}" dt="2020-06-13T13:01:59.703" v="197" actId="1076"/>
+          <ac:picMkLst>
+            <pc:docMk/>
+            <pc:sldMk cId="2602158399" sldId="296"/>
+            <ac:picMk id="25" creationId="{92D307E8-D7FA-41EF-B88B-ABB1B5B59056}"/>
+          </ac:picMkLst>
+        </pc:picChg>
+        <pc:picChg chg="mod">
+          <ac:chgData name="Fernando C Correa" userId="a08d7f3c16d54179" providerId="LiveId" clId="{BDD547D6-9985-4471-8D69-22FBC0393EC8}" dt="2020-06-13T13:01:59.703" v="197" actId="1076"/>
+          <ac:picMkLst>
+            <pc:docMk/>
+            <pc:sldMk cId="2602158399" sldId="296"/>
+            <ac:picMk id="26" creationId="{8C063EEA-A4C4-40B6-B976-B9608C85BCC9}"/>
+          </ac:picMkLst>
+        </pc:picChg>
+        <pc:picChg chg="mod">
+          <ac:chgData name="Fernando C Correa" userId="a08d7f3c16d54179" providerId="LiveId" clId="{BDD547D6-9985-4471-8D69-22FBC0393EC8}" dt="2020-06-13T13:01:59.703" v="197" actId="1076"/>
+          <ac:picMkLst>
+            <pc:docMk/>
+            <pc:sldMk cId="2602158399" sldId="296"/>
+            <ac:picMk id="27" creationId="{38044D53-D848-432F-88E7-6074D70B6F5B}"/>
+          </ac:picMkLst>
+        </pc:picChg>
+        <pc:picChg chg="mod">
+          <ac:chgData name="Fernando C Correa" userId="a08d7f3c16d54179" providerId="LiveId" clId="{BDD547D6-9985-4471-8D69-22FBC0393EC8}" dt="2020-06-13T13:01:59.703" v="197" actId="1076"/>
+          <ac:picMkLst>
+            <pc:docMk/>
+            <pc:sldMk cId="2602158399" sldId="296"/>
+            <ac:picMk id="30" creationId="{ECAA8794-23CE-4539-B7E6-2F7FCCFE38F4}"/>
+          </ac:picMkLst>
+        </pc:picChg>
+        <pc:picChg chg="mod">
+          <ac:chgData name="Fernando C Correa" userId="a08d7f3c16d54179" providerId="LiveId" clId="{BDD547D6-9985-4471-8D69-22FBC0393EC8}" dt="2020-06-13T13:01:59.703" v="197" actId="1076"/>
+          <ac:picMkLst>
+            <pc:docMk/>
+            <pc:sldMk cId="2602158399" sldId="296"/>
+            <ac:picMk id="31" creationId="{BA9A953B-A980-40BD-B59E-2615134A7AB1}"/>
+          </ac:picMkLst>
+        </pc:picChg>
+        <pc:picChg chg="mod">
+          <ac:chgData name="Fernando C Correa" userId="a08d7f3c16d54179" providerId="LiveId" clId="{BDD547D6-9985-4471-8D69-22FBC0393EC8}" dt="2020-06-13T13:01:59.703" v="197" actId="1076"/>
+          <ac:picMkLst>
+            <pc:docMk/>
+            <pc:sldMk cId="2602158399" sldId="296"/>
+            <ac:picMk id="32" creationId="{2951D1B2-EB8E-48A1-ACCC-5C3BFD1425D9}"/>
+          </ac:picMkLst>
+        </pc:picChg>
+        <pc:picChg chg="mod">
+          <ac:chgData name="Fernando C Correa" userId="a08d7f3c16d54179" providerId="LiveId" clId="{BDD547D6-9985-4471-8D69-22FBC0393EC8}" dt="2020-06-13T13:01:59.703" v="197" actId="1076"/>
+          <ac:picMkLst>
+            <pc:docMk/>
+            <pc:sldMk cId="2602158399" sldId="296"/>
+            <ac:picMk id="35" creationId="{8AB0039D-F8B3-420E-8227-F47D2BEBA607}"/>
+          </ac:picMkLst>
+        </pc:picChg>
+        <pc:picChg chg="mod">
+          <ac:chgData name="Fernando C Correa" userId="a08d7f3c16d54179" providerId="LiveId" clId="{BDD547D6-9985-4471-8D69-22FBC0393EC8}" dt="2020-06-13T13:01:59.703" v="197" actId="1076"/>
+          <ac:picMkLst>
+            <pc:docMk/>
+            <pc:sldMk cId="2602158399" sldId="296"/>
+            <ac:picMk id="36" creationId="{A281C559-BA3E-41D0-BF49-F6B298074A37}"/>
+          </ac:picMkLst>
+        </pc:picChg>
+        <pc:picChg chg="mod">
+          <ac:chgData name="Fernando C Correa" userId="a08d7f3c16d54179" providerId="LiveId" clId="{BDD547D6-9985-4471-8D69-22FBC0393EC8}" dt="2020-06-13T13:01:59.703" v="197" actId="1076"/>
+          <ac:picMkLst>
+            <pc:docMk/>
+            <pc:sldMk cId="2602158399" sldId="296"/>
+            <ac:picMk id="37" creationId="{6583B8BD-B6B5-4387-BE17-995C748EA80A}"/>
+          </ac:picMkLst>
+        </pc:picChg>
+        <pc:picChg chg="mod">
+          <ac:chgData name="Fernando C Correa" userId="a08d7f3c16d54179" providerId="LiveId" clId="{BDD547D6-9985-4471-8D69-22FBC0393EC8}" dt="2020-06-13T13:01:59.703" v="197" actId="1076"/>
+          <ac:picMkLst>
+            <pc:docMk/>
+            <pc:sldMk cId="2602158399" sldId="296"/>
+            <ac:picMk id="40" creationId="{64ACA727-5796-4D15-BB85-8C3E8D82689A}"/>
+          </ac:picMkLst>
+        </pc:picChg>
+        <pc:picChg chg="mod">
+          <ac:chgData name="Fernando C Correa" userId="a08d7f3c16d54179" providerId="LiveId" clId="{BDD547D6-9985-4471-8D69-22FBC0393EC8}" dt="2020-06-13T13:01:59.703" v="197" actId="1076"/>
+          <ac:picMkLst>
+            <pc:docMk/>
+            <pc:sldMk cId="2602158399" sldId="296"/>
+            <ac:picMk id="41" creationId="{03C4FAAE-CD60-40D1-A85C-5317DB3FBD06}"/>
+          </ac:picMkLst>
+        </pc:picChg>
+        <pc:picChg chg="mod">
+          <ac:chgData name="Fernando C Correa" userId="a08d7f3c16d54179" providerId="LiveId" clId="{BDD547D6-9985-4471-8D69-22FBC0393EC8}" dt="2020-06-13T13:01:59.703" v="197" actId="1076"/>
+          <ac:picMkLst>
+            <pc:docMk/>
+            <pc:sldMk cId="2602158399" sldId="296"/>
+            <ac:picMk id="42" creationId="{DC4B6FCE-B796-4592-8B3D-5015D9E7CFA4}"/>
+          </ac:picMkLst>
+        </pc:picChg>
+        <pc:picChg chg="mod">
+          <ac:chgData name="Fernando C Correa" userId="a08d7f3c16d54179" providerId="LiveId" clId="{BDD547D6-9985-4471-8D69-22FBC0393EC8}" dt="2020-06-13T13:01:59.703" v="197" actId="1076"/>
+          <ac:picMkLst>
+            <pc:docMk/>
+            <pc:sldMk cId="2602158399" sldId="296"/>
+            <ac:picMk id="46" creationId="{734B15F5-445F-4B51-AB61-6A15B7389B1C}"/>
+          </ac:picMkLst>
+        </pc:picChg>
+        <pc:picChg chg="mod">
+          <ac:chgData name="Fernando C Correa" userId="a08d7f3c16d54179" providerId="LiveId" clId="{BDD547D6-9985-4471-8D69-22FBC0393EC8}" dt="2020-06-13T13:01:59.703" v="197" actId="1076"/>
+          <ac:picMkLst>
+            <pc:docMk/>
+            <pc:sldMk cId="2602158399" sldId="296"/>
+            <ac:picMk id="47" creationId="{C4280094-0DF8-42AD-A3C0-637B340633DE}"/>
+          </ac:picMkLst>
+        </pc:picChg>
+        <pc:picChg chg="mod">
+          <ac:chgData name="Fernando C Correa" userId="a08d7f3c16d54179" providerId="LiveId" clId="{BDD547D6-9985-4471-8D69-22FBC0393EC8}" dt="2020-06-13T13:01:59.703" v="197" actId="1076"/>
+          <ac:picMkLst>
+            <pc:docMk/>
+            <pc:sldMk cId="2602158399" sldId="296"/>
+            <ac:picMk id="48" creationId="{5666F17B-10F4-4143-BB41-AED60D3AD81D}"/>
+          </ac:picMkLst>
+        </pc:picChg>
+        <pc:picChg chg="mod">
+          <ac:chgData name="Fernando C Correa" userId="a08d7f3c16d54179" providerId="LiveId" clId="{BDD547D6-9985-4471-8D69-22FBC0393EC8}" dt="2020-06-13T13:01:59.703" v="197" actId="1076"/>
+          <ac:picMkLst>
+            <pc:docMk/>
+            <pc:sldMk cId="2602158399" sldId="296"/>
+            <ac:picMk id="50" creationId="{B60F9C1F-22B8-416F-8FE3-5CE644519419}"/>
+          </ac:picMkLst>
+        </pc:picChg>
+        <pc:picChg chg="mod">
+          <ac:chgData name="Fernando C Correa" userId="a08d7f3c16d54179" providerId="LiveId" clId="{BDD547D6-9985-4471-8D69-22FBC0393EC8}" dt="2020-06-13T13:01:59.703" v="197" actId="1076"/>
+          <ac:picMkLst>
+            <pc:docMk/>
+            <pc:sldMk cId="2602158399" sldId="296"/>
+            <ac:picMk id="52" creationId="{BAB8CD45-7511-4C73-AA48-C8281F2E0A3C}"/>
+          </ac:picMkLst>
+        </pc:picChg>
+        <pc:picChg chg="mod">
+          <ac:chgData name="Fernando C Correa" userId="a08d7f3c16d54179" providerId="LiveId" clId="{BDD547D6-9985-4471-8D69-22FBC0393EC8}" dt="2020-06-13T13:01:59.703" v="197" actId="1076"/>
+          <ac:picMkLst>
+            <pc:docMk/>
+            <pc:sldMk cId="2602158399" sldId="296"/>
+            <ac:picMk id="53" creationId="{FA07CA02-463C-4AF8-8906-77C7CABADC4E}"/>
+          </ac:picMkLst>
+        </pc:picChg>
+        <pc:picChg chg="mod">
+          <ac:chgData name="Fernando C Correa" userId="a08d7f3c16d54179" providerId="LiveId" clId="{BDD547D6-9985-4471-8D69-22FBC0393EC8}" dt="2020-06-13T13:01:59.703" v="197" actId="1076"/>
+          <ac:picMkLst>
+            <pc:docMk/>
+            <pc:sldMk cId="2602158399" sldId="296"/>
+            <ac:picMk id="56" creationId="{31FBB08B-7667-4E85-B518-97CE8E16E6AA}"/>
+          </ac:picMkLst>
+        </pc:picChg>
+        <pc:picChg chg="mod">
+          <ac:chgData name="Fernando C Correa" userId="a08d7f3c16d54179" providerId="LiveId" clId="{BDD547D6-9985-4471-8D69-22FBC0393EC8}" dt="2020-06-13T13:01:59.703" v="197" actId="1076"/>
+          <ac:picMkLst>
+            <pc:docMk/>
+            <pc:sldMk cId="2602158399" sldId="296"/>
+            <ac:picMk id="57" creationId="{EE6D6132-A431-4A02-A427-9CE4145E3BDD}"/>
+          </ac:picMkLst>
+        </pc:picChg>
+        <pc:picChg chg="mod">
+          <ac:chgData name="Fernando C Correa" userId="a08d7f3c16d54179" providerId="LiveId" clId="{BDD547D6-9985-4471-8D69-22FBC0393EC8}" dt="2020-06-13T13:01:59.703" v="197" actId="1076"/>
+          <ac:picMkLst>
+            <pc:docMk/>
+            <pc:sldMk cId="2602158399" sldId="296"/>
+            <ac:picMk id="59" creationId="{DD63712A-C03D-4F8C-BF84-89CEAB612CF7}"/>
+          </ac:picMkLst>
+        </pc:picChg>
+        <pc:picChg chg="mod">
+          <ac:chgData name="Fernando C Correa" userId="a08d7f3c16d54179" providerId="LiveId" clId="{BDD547D6-9985-4471-8D69-22FBC0393EC8}" dt="2020-06-13T13:01:59.703" v="197" actId="1076"/>
+          <ac:picMkLst>
+            <pc:docMk/>
+            <pc:sldMk cId="2602158399" sldId="296"/>
+            <ac:picMk id="61" creationId="{6FA2A99A-D947-4B1F-A5C1-8FDF6DC5EC8D}"/>
+          </ac:picMkLst>
+        </pc:picChg>
+        <pc:cxnChg chg="mod">
+          <ac:chgData name="Fernando C Correa" userId="a08d7f3c16d54179" providerId="LiveId" clId="{BDD547D6-9985-4471-8D69-22FBC0393EC8}" dt="2020-06-13T13:01:59.703" v="197" actId="1076"/>
+          <ac:cxnSpMkLst>
+            <pc:docMk/>
+            <pc:sldMk cId="2602158399" sldId="296"/>
+            <ac:cxnSpMk id="20" creationId="{998EDA69-6C46-47A3-930F-B1430385C2AE}"/>
+          </ac:cxnSpMkLst>
+        </pc:cxnChg>
+        <pc:cxnChg chg="mod">
+          <ac:chgData name="Fernando C Correa" userId="a08d7f3c16d54179" providerId="LiveId" clId="{BDD547D6-9985-4471-8D69-22FBC0393EC8}" dt="2020-06-13T13:01:59.703" v="197" actId="1076"/>
+          <ac:cxnSpMkLst>
+            <pc:docMk/>
+            <pc:sldMk cId="2602158399" sldId="296"/>
+            <ac:cxnSpMk id="21" creationId="{A3197A14-BF0B-4428-B5BA-ACECF64C5380}"/>
+          </ac:cxnSpMkLst>
+        </pc:cxnChg>
+        <pc:cxnChg chg="mod">
+          <ac:chgData name="Fernando C Correa" userId="a08d7f3c16d54179" providerId="LiveId" clId="{BDD547D6-9985-4471-8D69-22FBC0393EC8}" dt="2020-06-13T13:01:59.703" v="197" actId="1076"/>
+          <ac:cxnSpMkLst>
+            <pc:docMk/>
+            <pc:sldMk cId="2602158399" sldId="296"/>
+            <ac:cxnSpMk id="22" creationId="{3DB8BF4F-5A09-46EC-84F2-422FA9BDD61F}"/>
+          </ac:cxnSpMkLst>
+        </pc:cxnChg>
+        <pc:cxnChg chg="mod">
+          <ac:chgData name="Fernando C Correa" userId="a08d7f3c16d54179" providerId="LiveId" clId="{BDD547D6-9985-4471-8D69-22FBC0393EC8}" dt="2020-06-13T13:01:59.703" v="197" actId="1076"/>
+          <ac:cxnSpMkLst>
+            <pc:docMk/>
+            <pc:sldMk cId="2602158399" sldId="296"/>
+            <ac:cxnSpMk id="23" creationId="{ADCB89AA-7FF1-4CB6-B761-542025321EAD}"/>
+          </ac:cxnSpMkLst>
+        </pc:cxnChg>
+      </pc:sldChg>
+      <pc:sldChg chg="modAnim">
+        <pc:chgData name="Fernando C Correa" userId="a08d7f3c16d54179" providerId="LiveId" clId="{BDD547D6-9985-4471-8D69-22FBC0393EC8}" dt="2020-06-13T12:56:44.741" v="136"/>
+        <pc:sldMkLst>
+          <pc:docMk/>
+          <pc:sldMk cId="903407908" sldId="297"/>
+        </pc:sldMkLst>
+      </pc:sldChg>
+      <pc:sldChg chg="addSp delSp modSp mod modAnim">
+        <pc:chgData name="Fernando C Correa" userId="a08d7f3c16d54179" providerId="LiveId" clId="{BDD547D6-9985-4471-8D69-22FBC0393EC8}" dt="2020-06-13T12:57:20.395" v="142"/>
+        <pc:sldMkLst>
+          <pc:docMk/>
+          <pc:sldMk cId="1350499800" sldId="298"/>
+        </pc:sldMkLst>
+        <pc:spChg chg="add del mod">
+          <ac:chgData name="Fernando C Correa" userId="a08d7f3c16d54179" providerId="LiveId" clId="{BDD547D6-9985-4471-8D69-22FBC0393EC8}" dt="2020-06-13T12:57:17.751" v="141" actId="478"/>
+          <ac:spMkLst>
+            <pc:docMk/>
+            <pc:sldMk cId="1350499800" sldId="298"/>
+            <ac:spMk id="4" creationId="{C25171A5-7E0F-403E-B684-49B155917CC2}"/>
+          </ac:spMkLst>
+        </pc:spChg>
+        <pc:graphicFrameChg chg="add del mod">
+          <ac:chgData name="Fernando C Correa" userId="a08d7f3c16d54179" providerId="LiveId" clId="{BDD547D6-9985-4471-8D69-22FBC0393EC8}" dt="2020-06-13T12:57:20.395" v="142"/>
+          <ac:graphicFrameMkLst>
+            <pc:docMk/>
+            <pc:sldMk cId="1350499800" sldId="298"/>
+            <ac:graphicFrameMk id="5" creationId="{00000000-0000-0000-0000-000000000000}"/>
+          </ac:graphicFrameMkLst>
+        </pc:graphicFrameChg>
+      </pc:sldChg>
+      <pc:sldChg chg="add del">
+        <pc:chgData name="Fernando C Correa" userId="a08d7f3c16d54179" providerId="LiveId" clId="{BDD547D6-9985-4471-8D69-22FBC0393EC8}" dt="2020-06-13T13:04:30.475" v="204" actId="47"/>
+        <pc:sldMkLst>
+          <pc:docMk/>
+          <pc:sldMk cId="1928776125" sldId="299"/>
+        </pc:sldMkLst>
+      </pc:sldChg>
+      <pc:sldChg chg="addSp delSp modSp add mod ord">
+        <pc:chgData name="Fernando C Correa" userId="a08d7f3c16d54179" providerId="LiveId" clId="{BDD547D6-9985-4471-8D69-22FBC0393EC8}" dt="2020-06-13T13:09:11.758" v="233"/>
+        <pc:sldMkLst>
+          <pc:docMk/>
+          <pc:sldMk cId="2306638093" sldId="299"/>
+        </pc:sldMkLst>
+        <pc:spChg chg="mod">
+          <ac:chgData name="Fernando C Correa" userId="a08d7f3c16d54179" providerId="LiveId" clId="{BDD547D6-9985-4471-8D69-22FBC0393EC8}" dt="2020-06-13T13:08:05.251" v="220" actId="20577"/>
+          <ac:spMkLst>
+            <pc:docMk/>
+            <pc:sldMk cId="2306638093" sldId="299"/>
+            <ac:spMk id="2" creationId="{00000000-0000-0000-0000-000000000000}"/>
+          </ac:spMkLst>
+        </pc:spChg>
+        <pc:picChg chg="add mod">
+          <ac:chgData name="Fernando C Correa" userId="a08d7f3c16d54179" providerId="LiveId" clId="{BDD547D6-9985-4471-8D69-22FBC0393EC8}" dt="2020-06-13T13:08:12.939" v="221" actId="1076"/>
+          <ac:picMkLst>
+            <pc:docMk/>
+            <pc:sldMk cId="2306638093" sldId="299"/>
+            <ac:picMk id="3" creationId="{EEAC992E-ED94-44D0-8B15-D8F5ED685DAA}"/>
+          </ac:picMkLst>
+        </pc:picChg>
+        <pc:picChg chg="del">
+          <ac:chgData name="Fernando C Correa" userId="a08d7f3c16d54179" providerId="LiveId" clId="{BDD547D6-9985-4471-8D69-22FBC0393EC8}" dt="2020-06-13T13:07:42.049" v="206" actId="478"/>
+          <ac:picMkLst>
+            <pc:docMk/>
+            <pc:sldMk cId="2306638093" sldId="299"/>
+            <ac:picMk id="11" creationId="{D1E3D129-AEE4-4620-B9D7-636720389400}"/>
+          </ac:picMkLst>
+        </pc:picChg>
+      </pc:sldChg>
+    </pc:docChg>
+  </pc:docChgLst>
+  <pc:docChgLst>
+    <pc:chgData name="Fernando C Correa" userId="a08d7f3c16d54179" providerId="LiveId" clId="{6EC4B758-B45F-42C0-A207-A6CC0CF2CC0F}"/>
+    <pc:docChg chg="custSel addSld modSld sldOrd">
+      <pc:chgData name="Fernando C Correa" userId="a08d7f3c16d54179" providerId="LiveId" clId="{6EC4B758-B45F-42C0-A207-A6CC0CF2CC0F}" dt="2020-06-19T00:19:22.161" v="126"/>
+      <pc:docMkLst>
+        <pc:docMk/>
+      </pc:docMkLst>
+      <pc:sldChg chg="addSp delSp modSp add mod ord delAnim">
+        <pc:chgData name="Fernando C Correa" userId="a08d7f3c16d54179" providerId="LiveId" clId="{6EC4B758-B45F-42C0-A207-A6CC0CF2CC0F}" dt="2020-06-19T00:19:22.161" v="126"/>
+        <pc:sldMkLst>
+          <pc:docMk/>
+          <pc:sldMk cId="1216557380" sldId="310"/>
+        </pc:sldMkLst>
+        <pc:spChg chg="add del">
+          <ac:chgData name="Fernando C Correa" userId="a08d7f3c16d54179" providerId="LiveId" clId="{6EC4B758-B45F-42C0-A207-A6CC0CF2CC0F}" dt="2020-06-19T00:02:47.623" v="27" actId="478"/>
+          <ac:spMkLst>
+            <pc:docMk/>
+            <pc:sldMk cId="1216557380" sldId="310"/>
+            <ac:spMk id="3" creationId="{C4067438-8CD2-439C-9D91-898636A2B2ED}"/>
+          </ac:spMkLst>
+        </pc:spChg>
+        <pc:spChg chg="del mod">
+          <ac:chgData name="Fernando C Correa" userId="a08d7f3c16d54179" providerId="LiveId" clId="{6EC4B758-B45F-42C0-A207-A6CC0CF2CC0F}" dt="2020-06-18T23:50:40.874" v="6" actId="478"/>
+          <ac:spMkLst>
+            <pc:docMk/>
+            <pc:sldMk cId="1216557380" sldId="310"/>
+            <ac:spMk id="10" creationId="{00000000-0000-0000-0000-000000000000}"/>
+          </ac:spMkLst>
+        </pc:spChg>
+        <pc:spChg chg="del">
+          <ac:chgData name="Fernando C Correa" userId="a08d7f3c16d54179" providerId="LiveId" clId="{6EC4B758-B45F-42C0-A207-A6CC0CF2CC0F}" dt="2020-06-19T00:18:34.884" v="122" actId="478"/>
+          <ac:spMkLst>
+            <pc:docMk/>
+            <pc:sldMk cId="1216557380" sldId="310"/>
+            <ac:spMk id="16" creationId="{B929AAFC-5FD1-4FBC-9997-0574514F2D6D}"/>
+          </ac:spMkLst>
+        </pc:spChg>
+        <pc:spChg chg="del">
+          <ac:chgData name="Fernando C Correa" userId="a08d7f3c16d54179" providerId="LiveId" clId="{6EC4B758-B45F-42C0-A207-A6CC0CF2CC0F}" dt="2020-06-18T23:50:51.130" v="9" actId="478"/>
+          <ac:spMkLst>
+            <pc:docMk/>
+            <pc:sldMk cId="1216557380" sldId="310"/>
+            <ac:spMk id="21" creationId="{DEDAC65E-5A44-4D6B-8FD8-DE7536913038}"/>
+          </ac:spMkLst>
+        </pc:spChg>
+        <pc:spChg chg="add mod">
+          <ac:chgData name="Fernando C Correa" userId="a08d7f3c16d54179" providerId="LiveId" clId="{6EC4B758-B45F-42C0-A207-A6CC0CF2CC0F}" dt="2020-06-19T00:18:35.134" v="123"/>
+          <ac:spMkLst>
+            <pc:docMk/>
+            <pc:sldMk cId="1216557380" sldId="310"/>
+            <ac:spMk id="33" creationId="{4EC138E7-6E1A-465A-ABCA-96536386FA2F}"/>
+          </ac:spMkLst>
+        </pc:spChg>
+        <pc:picChg chg="add del mod">
+          <ac:chgData name="Fernando C Correa" userId="a08d7f3c16d54179" providerId="LiveId" clId="{6EC4B758-B45F-42C0-A207-A6CC0CF2CC0F}" dt="2020-06-19T00:03:02.717" v="30" actId="478"/>
+          <ac:picMkLst>
+            <pc:docMk/>
+            <pc:sldMk cId="1216557380" sldId="310"/>
+            <ac:picMk id="5" creationId="{02D9D256-F4A8-41E8-B5B9-7C389446A865}"/>
+          </ac:picMkLst>
+        </pc:picChg>
+        <pc:picChg chg="add del mod">
+          <ac:chgData name="Fernando C Correa" userId="a08d7f3c16d54179" providerId="LiveId" clId="{6EC4B758-B45F-42C0-A207-A6CC0CF2CC0F}" dt="2020-06-19T00:03:52.186" v="32" actId="478"/>
+          <ac:picMkLst>
+            <pc:docMk/>
+            <pc:sldMk cId="1216557380" sldId="310"/>
+            <ac:picMk id="7" creationId="{88BA9433-256E-4C5B-8E78-A369A413C4B6}"/>
+          </ac:picMkLst>
+        </pc:picChg>
+        <pc:picChg chg="del">
+          <ac:chgData name="Fernando C Correa" userId="a08d7f3c16d54179" providerId="LiveId" clId="{6EC4B758-B45F-42C0-A207-A6CC0CF2CC0F}" dt="2020-06-18T23:50:07.842" v="1" actId="478"/>
+          <ac:picMkLst>
+            <pc:docMk/>
+            <pc:sldMk cId="1216557380" sldId="310"/>
+            <ac:picMk id="8" creationId="{E7887945-5460-4B49-BFA8-1466756D37A0}"/>
+          </ac:picMkLst>
+        </pc:picChg>
+        <pc:picChg chg="add del mod">
+          <ac:chgData name="Fernando C Correa" userId="a08d7f3c16d54179" providerId="LiveId" clId="{6EC4B758-B45F-42C0-A207-A6CC0CF2CC0F}" dt="2020-06-18T23:50:40.874" v="6" actId="478"/>
+          <ac:picMkLst>
+            <pc:docMk/>
+            <pc:sldMk cId="1216557380" sldId="310"/>
+            <ac:picMk id="1026" creationId="{E2C4D506-071C-451A-A25B-277474AEA927}"/>
+          </ac:picMkLst>
+        </pc:picChg>
+        <pc:picChg chg="add mod">
+          <ac:chgData name="Fernando C Correa" userId="a08d7f3c16d54179" providerId="LiveId" clId="{6EC4B758-B45F-42C0-A207-A6CC0CF2CC0F}" dt="2020-06-19T00:18:01.635" v="116" actId="1076"/>
+          <ac:picMkLst>
+            <pc:docMk/>
+            <pc:sldMk cId="1216557380" sldId="310"/>
+            <ac:picMk id="1028" creationId="{D76B89FC-867A-4147-BA71-9560870E80C8}"/>
+          </ac:picMkLst>
+        </pc:picChg>
+        <pc:picChg chg="add mod">
+          <ac:chgData name="Fernando C Correa" userId="a08d7f3c16d54179" providerId="LiveId" clId="{6EC4B758-B45F-42C0-A207-A6CC0CF2CC0F}" dt="2020-06-19T00:17:48.852" v="113" actId="1076"/>
+          <ac:picMkLst>
+            <pc:docMk/>
+            <pc:sldMk cId="1216557380" sldId="310"/>
+            <ac:picMk id="1030" creationId="{1D444095-F87C-4CAA-AEB0-70F655079581}"/>
+          </ac:picMkLst>
+        </pc:picChg>
+        <pc:picChg chg="add del mod">
+          <ac:chgData name="Fernando C Correa" userId="a08d7f3c16d54179" providerId="LiveId" clId="{6EC4B758-B45F-42C0-A207-A6CC0CF2CC0F}" dt="2020-06-19T00:04:42.394" v="35" actId="478"/>
+          <ac:picMkLst>
+            <pc:docMk/>
+            <pc:sldMk cId="1216557380" sldId="310"/>
+            <ac:picMk id="1032" creationId="{DC985500-6753-4439-BD58-630E0B60A8D5}"/>
+          </ac:picMkLst>
+        </pc:picChg>
+        <pc:picChg chg="add del mod">
+          <ac:chgData name="Fernando C Correa" userId="a08d7f3c16d54179" providerId="LiveId" clId="{6EC4B758-B45F-42C0-A207-A6CC0CF2CC0F}" dt="2020-06-19T00:12:40.871" v="38" actId="478"/>
+          <ac:picMkLst>
+            <pc:docMk/>
+            <pc:sldMk cId="1216557380" sldId="310"/>
+            <ac:picMk id="1034" creationId="{F4FBE164-AFE1-4910-B468-1BEFB859B3E4}"/>
+          </ac:picMkLst>
+        </pc:picChg>
+        <pc:picChg chg="add mod">
+          <ac:chgData name="Fernando C Correa" userId="a08d7f3c16d54179" providerId="LiveId" clId="{6EC4B758-B45F-42C0-A207-A6CC0CF2CC0F}" dt="2020-06-19T00:18:04.970" v="117" actId="1076"/>
+          <ac:picMkLst>
+            <pc:docMk/>
+            <pc:sldMk cId="1216557380" sldId="310"/>
+            <ac:picMk id="1036" creationId="{4CB63698-D978-4CD6-8FD1-C022074D72D7}"/>
+          </ac:picMkLst>
+        </pc:picChg>
+        <pc:picChg chg="add mod">
+          <ac:chgData name="Fernando C Correa" userId="a08d7f3c16d54179" providerId="LiveId" clId="{6EC4B758-B45F-42C0-A207-A6CC0CF2CC0F}" dt="2020-06-19T00:18:07.101" v="118" actId="1076"/>
+          <ac:picMkLst>
+            <pc:docMk/>
+            <pc:sldMk cId="1216557380" sldId="310"/>
+            <ac:picMk id="1038" creationId="{1070BA75-767B-4C56-BCD0-3A6C324EE9BC}"/>
+          </ac:picMkLst>
+        </pc:picChg>
+        <pc:picChg chg="add mod">
+          <ac:chgData name="Fernando C Correa" userId="a08d7f3c16d54179" providerId="LiveId" clId="{6EC4B758-B45F-42C0-A207-A6CC0CF2CC0F}" dt="2020-06-19T00:18:11.926" v="119" actId="1076"/>
+          <ac:picMkLst>
+            <pc:docMk/>
+            <pc:sldMk cId="1216557380" sldId="310"/>
+            <ac:picMk id="1040" creationId="{3E94C683-13A5-473D-84E5-0EC77570D1A9}"/>
+          </ac:picMkLst>
+        </pc:picChg>
+        <pc:picChg chg="add del mod">
+          <ac:chgData name="Fernando C Correa" userId="a08d7f3c16d54179" providerId="LiveId" clId="{6EC4B758-B45F-42C0-A207-A6CC0CF2CC0F}" dt="2020-06-19T00:02:09.582" v="25" actId="478"/>
+          <ac:picMkLst>
+            <pc:docMk/>
+            <pc:sldMk cId="1216557380" sldId="310"/>
+            <ac:picMk id="1042" creationId="{F976BB1D-A18D-4721-B4A5-05E33E45C8BE}"/>
+          </ac:picMkLst>
+        </pc:picChg>
+        <pc:picChg chg="add del mod">
+          <ac:chgData name="Fernando C Correa" userId="a08d7f3c16d54179" providerId="LiveId" clId="{6EC4B758-B45F-42C0-A207-A6CC0CF2CC0F}" dt="2020-06-19T00:02:09.582" v="25" actId="478"/>
+          <ac:picMkLst>
+            <pc:docMk/>
+            <pc:sldMk cId="1216557380" sldId="310"/>
+            <ac:picMk id="1044" creationId="{28885620-9074-4DE9-A28C-FC338FFEDBCF}"/>
+          </ac:picMkLst>
+        </pc:picChg>
+        <pc:picChg chg="add mod">
+          <ac:chgData name="Fernando C Correa" userId="a08d7f3c16d54179" providerId="LiveId" clId="{6EC4B758-B45F-42C0-A207-A6CC0CF2CC0F}" dt="2020-06-19T00:17:58.209" v="115" actId="1076"/>
+          <ac:picMkLst>
+            <pc:docMk/>
+            <pc:sldMk cId="1216557380" sldId="310"/>
+            <ac:picMk id="1048" creationId="{02423DA5-E5A7-4204-9F15-B1C2DA32315D}"/>
+          </ac:picMkLst>
+        </pc:picChg>
+        <pc:picChg chg="add mod">
+          <ac:chgData name="Fernando C Correa" userId="a08d7f3c16d54179" providerId="LiveId" clId="{6EC4B758-B45F-42C0-A207-A6CC0CF2CC0F}" dt="2020-06-19T00:19:14.925" v="124" actId="1076"/>
+          <ac:picMkLst>
+            <pc:docMk/>
+            <pc:sldMk cId="1216557380" sldId="310"/>
+            <ac:picMk id="1050" creationId="{3436FD7C-0729-4A23-ABA2-8DE8F6568403}"/>
+          </ac:picMkLst>
+        </pc:picChg>
+        <pc:picChg chg="add mod">
+          <ac:chgData name="Fernando C Correa" userId="a08d7f3c16d54179" providerId="LiveId" clId="{6EC4B758-B45F-42C0-A207-A6CC0CF2CC0F}" dt="2020-06-19T00:17:54.236" v="114" actId="1076"/>
+          <ac:picMkLst>
+            <pc:docMk/>
+            <pc:sldMk cId="1216557380" sldId="310"/>
+            <ac:picMk id="1052" creationId="{393BA934-075A-4034-B5AE-B620E367AEAB}"/>
+          </ac:picMkLst>
+        </pc:picChg>
       </pc:sldChg>
     </pc:docChg>
   </pc:docChgLst>
@@ -27567,7 +27772,7 @@
           <a:p>
             <a:fld id="{25037C36-C8CA-4564-9B7E-8E9BA0061FB2}" type="datetimeFigureOut">
               <a:rPr lang="pt-BR" smtClean="0"/>
-              <a:t>18/06/2020</a:t>
+              <a:t>20/06/2020</a:t>
             </a:fld>
             <a:endParaRPr lang="pt-BR"/>
           </a:p>
@@ -27765,7 +27970,7 @@
           <a:p>
             <a:fld id="{25037C36-C8CA-4564-9B7E-8E9BA0061FB2}" type="datetimeFigureOut">
               <a:rPr lang="pt-BR" smtClean="0"/>
-              <a:t>18/06/2020</a:t>
+              <a:t>20/06/2020</a:t>
             </a:fld>
             <a:endParaRPr lang="pt-BR"/>
           </a:p>
@@ -27973,7 +28178,7 @@
           <a:p>
             <a:fld id="{25037C36-C8CA-4564-9B7E-8E9BA0061FB2}" type="datetimeFigureOut">
               <a:rPr lang="pt-BR" smtClean="0"/>
-              <a:t>18/06/2020</a:t>
+              <a:t>20/06/2020</a:t>
             </a:fld>
             <a:endParaRPr lang="pt-BR"/>
           </a:p>
@@ -28171,7 +28376,7 @@
           <a:p>
             <a:fld id="{25037C36-C8CA-4564-9B7E-8E9BA0061FB2}" type="datetimeFigureOut">
               <a:rPr lang="pt-BR" smtClean="0"/>
-              <a:t>18/06/2020</a:t>
+              <a:t>20/06/2020</a:t>
             </a:fld>
             <a:endParaRPr lang="pt-BR"/>
           </a:p>
@@ -28446,7 +28651,7 @@
           <a:p>
             <a:fld id="{25037C36-C8CA-4564-9B7E-8E9BA0061FB2}" type="datetimeFigureOut">
               <a:rPr lang="pt-BR" smtClean="0"/>
-              <a:t>18/06/2020</a:t>
+              <a:t>20/06/2020</a:t>
             </a:fld>
             <a:endParaRPr lang="pt-BR"/>
           </a:p>
@@ -28711,7 +28916,7 @@
           <a:p>
             <a:fld id="{25037C36-C8CA-4564-9B7E-8E9BA0061FB2}" type="datetimeFigureOut">
               <a:rPr lang="pt-BR" smtClean="0"/>
-              <a:t>18/06/2020</a:t>
+              <a:t>20/06/2020</a:t>
             </a:fld>
             <a:endParaRPr lang="pt-BR"/>
           </a:p>
@@ -29123,7 +29328,7 @@
           <a:p>
             <a:fld id="{25037C36-C8CA-4564-9B7E-8E9BA0061FB2}" type="datetimeFigureOut">
               <a:rPr lang="pt-BR" smtClean="0"/>
-              <a:t>18/06/2020</a:t>
+              <a:t>20/06/2020</a:t>
             </a:fld>
             <a:endParaRPr lang="pt-BR"/>
           </a:p>
@@ -29264,7 +29469,7 @@
           <a:p>
             <a:fld id="{25037C36-C8CA-4564-9B7E-8E9BA0061FB2}" type="datetimeFigureOut">
               <a:rPr lang="pt-BR" smtClean="0"/>
-              <a:t>18/06/2020</a:t>
+              <a:t>20/06/2020</a:t>
             </a:fld>
             <a:endParaRPr lang="pt-BR"/>
           </a:p>
@@ -29377,7 +29582,7 @@
           <a:p>
             <a:fld id="{25037C36-C8CA-4564-9B7E-8E9BA0061FB2}" type="datetimeFigureOut">
               <a:rPr lang="pt-BR" smtClean="0"/>
-              <a:t>18/06/2020</a:t>
+              <a:t>20/06/2020</a:t>
             </a:fld>
             <a:endParaRPr lang="pt-BR"/>
           </a:p>
@@ -29688,7 +29893,7 @@
           <a:p>
             <a:fld id="{25037C36-C8CA-4564-9B7E-8E9BA0061FB2}" type="datetimeFigureOut">
               <a:rPr lang="pt-BR" smtClean="0"/>
-              <a:t>18/06/2020</a:t>
+              <a:t>20/06/2020</a:t>
             </a:fld>
             <a:endParaRPr lang="pt-BR"/>
           </a:p>
@@ -29976,7 +30181,7 @@
           <a:p>
             <a:fld id="{25037C36-C8CA-4564-9B7E-8E9BA0061FB2}" type="datetimeFigureOut">
               <a:rPr lang="pt-BR" smtClean="0"/>
-              <a:t>18/06/2020</a:t>
+              <a:t>20/06/2020</a:t>
             </a:fld>
             <a:endParaRPr lang="pt-BR"/>
           </a:p>
@@ -30217,7 +30422,7 @@
           <a:p>
             <a:fld id="{25037C36-C8CA-4564-9B7E-8E9BA0061FB2}" type="datetimeFigureOut">
               <a:rPr lang="pt-BR" smtClean="0"/>
-              <a:t>18/06/2020</a:t>
+              <a:t>20/06/2020</a:t>
             </a:fld>
             <a:endParaRPr lang="pt-BR"/>
           </a:p>
@@ -31445,851 +31650,6 @@
       </p:grpSp>
       <p:pic>
         <p:nvPicPr>
-          <p:cNvPr id="4" name="Imagem 3" descr="Uma imagem contendo televisão, tela, monitor, assistindo&#10;&#10;Descrição gerada automaticamente">
-            <a:extLst>
-              <a:ext uri="{FF2B5EF4-FFF2-40B4-BE49-F238E27FC236}">
-                <a16:creationId xmlns:a16="http://schemas.microsoft.com/office/drawing/2014/main" id="{21FC4F3E-E211-47D7-8ACC-E0A2CA159B1A}"/>
-              </a:ext>
-            </a:extLst>
-          </p:cNvPr>
-          <p:cNvPicPr>
-            <a:picLocks noChangeAspect="1"/>
-          </p:cNvPicPr>
-          <p:nvPr/>
-        </p:nvPicPr>
-        <p:blipFill>
-          <a:blip r:embed="rId2">
-            <a:extLst>
-              <a:ext uri="{28A0092B-C50C-407E-A947-70E740481C1C}">
-                <a14:useLocalDpi xmlns:a14="http://schemas.microsoft.com/office/drawing/2010/main" val="0"/>
-              </a:ext>
-            </a:extLst>
-          </a:blip>
-          <a:stretch>
-            <a:fillRect/>
-          </a:stretch>
-        </p:blipFill>
-        <p:spPr>
-          <a:xfrm>
-            <a:off x="1767840" y="2253036"/>
-            <a:ext cx="8656320" cy="3938211"/>
-          </a:xfrm>
-          <a:prstGeom prst="rect">
-            <a:avLst/>
-          </a:prstGeom>
-        </p:spPr>
-      </p:pic>
-      <p:sp>
-        <p:nvSpPr>
-          <p:cNvPr id="11" name="CaixaDeTexto 10">
-            <a:extLst>
-              <a:ext uri="{FF2B5EF4-FFF2-40B4-BE49-F238E27FC236}">
-                <a16:creationId xmlns:a16="http://schemas.microsoft.com/office/drawing/2014/main" id="{8EDF2009-2F02-48C7-BDA7-12762DFBACAD}"/>
-              </a:ext>
-            </a:extLst>
-          </p:cNvPr>
-          <p:cNvSpPr txBox="1"/>
-          <p:nvPr/>
-        </p:nvSpPr>
-        <p:spPr>
-          <a:xfrm>
-            <a:off x="2244588" y="1320341"/>
-            <a:ext cx="1597469" cy="338554"/>
-          </a:xfrm>
-          <a:prstGeom prst="rect">
-            <a:avLst/>
-          </a:prstGeom>
-          <a:noFill/>
-          <a:effectLst/>
-        </p:spPr>
-        <p:txBody>
-          <a:bodyPr wrap="square" rtlCol="0">
-            <a:spAutoFit/>
-          </a:bodyPr>
-          <a:lstStyle/>
-          <a:p>
-            <a:r>
-              <a:rPr lang="pt-BR" sz="1600" dirty="0" err="1"/>
-              <a:t>Proto-persona</a:t>
-            </a:r>
-            <a:endParaRPr lang="pt-BR" dirty="0"/>
-          </a:p>
-        </p:txBody>
-      </p:sp>
-      <p:sp>
-        <p:nvSpPr>
-          <p:cNvPr id="15" name="CaixaDeTexto 14">
-            <a:extLst>
-              <a:ext uri="{FF2B5EF4-FFF2-40B4-BE49-F238E27FC236}">
-                <a16:creationId xmlns:a16="http://schemas.microsoft.com/office/drawing/2014/main" id="{09C80A9F-46E9-4D57-BC1B-12B5ACE33AC8}"/>
-              </a:ext>
-            </a:extLst>
-          </p:cNvPr>
-          <p:cNvSpPr txBox="1"/>
-          <p:nvPr/>
-        </p:nvSpPr>
-        <p:spPr>
-          <a:xfrm>
-            <a:off x="3847413" y="1310816"/>
-            <a:ext cx="1321542" cy="338554"/>
-          </a:xfrm>
-          <a:prstGeom prst="rect">
-            <a:avLst/>
-          </a:prstGeom>
-          <a:noFill/>
-          <a:effectLst/>
-        </p:spPr>
-        <p:txBody>
-          <a:bodyPr wrap="square" rtlCol="0">
-            <a:spAutoFit/>
-          </a:bodyPr>
-          <a:lstStyle/>
-          <a:p>
-            <a:r>
-              <a:rPr lang="pt-BR" sz="1600" dirty="0" err="1"/>
-              <a:t>StoryBoard</a:t>
-            </a:r>
-            <a:endParaRPr lang="pt-BR" dirty="0"/>
-          </a:p>
-        </p:txBody>
-      </p:sp>
-      <p:sp>
-        <p:nvSpPr>
-          <p:cNvPr id="16" name="CaixaDeTexto 15">
-            <a:extLst>
-              <a:ext uri="{FF2B5EF4-FFF2-40B4-BE49-F238E27FC236}">
-                <a16:creationId xmlns:a16="http://schemas.microsoft.com/office/drawing/2014/main" id="{5A45E2C7-6875-4531-89AC-DFCCC35DF660}"/>
-              </a:ext>
-            </a:extLst>
-          </p:cNvPr>
-          <p:cNvSpPr txBox="1"/>
-          <p:nvPr/>
-        </p:nvSpPr>
-        <p:spPr>
-          <a:xfrm>
-            <a:off x="5285150" y="1320341"/>
-            <a:ext cx="1199701" cy="338554"/>
-          </a:xfrm>
-          <a:prstGeom prst="rect">
-            <a:avLst/>
-          </a:prstGeom>
-          <a:noFill/>
-          <a:effectLst/>
-        </p:spPr>
-        <p:txBody>
-          <a:bodyPr wrap="square" rtlCol="0">
-            <a:spAutoFit/>
-          </a:bodyPr>
-          <a:lstStyle/>
-          <a:p>
-            <a:r>
-              <a:rPr lang="pt-BR" sz="1600" dirty="0"/>
-              <a:t>Requisitos</a:t>
-            </a:r>
-            <a:endParaRPr lang="pt-BR" dirty="0"/>
-          </a:p>
-        </p:txBody>
-      </p:sp>
-      <p:sp>
-        <p:nvSpPr>
-          <p:cNvPr id="17" name="CaixaDeTexto 16">
-            <a:extLst>
-              <a:ext uri="{FF2B5EF4-FFF2-40B4-BE49-F238E27FC236}">
-                <a16:creationId xmlns:a16="http://schemas.microsoft.com/office/drawing/2014/main" id="{901B5BC6-D638-4BE0-B37B-1A203C864D2E}"/>
-              </a:ext>
-            </a:extLst>
-          </p:cNvPr>
-          <p:cNvSpPr txBox="1"/>
-          <p:nvPr/>
-        </p:nvSpPr>
-        <p:spPr>
-          <a:xfrm>
-            <a:off x="6661200" y="1320341"/>
-            <a:ext cx="898530" cy="338554"/>
-          </a:xfrm>
-          <a:prstGeom prst="rect">
-            <a:avLst/>
-          </a:prstGeom>
-          <a:noFill/>
-        </p:spPr>
-        <p:txBody>
-          <a:bodyPr wrap="square" rtlCol="0">
-            <a:spAutoFit/>
-          </a:bodyPr>
-          <a:lstStyle/>
-          <a:p>
-            <a:r>
-              <a:rPr lang="pt-BR" sz="1600" dirty="0"/>
-              <a:t>BPMN</a:t>
-            </a:r>
-            <a:endParaRPr lang="pt-BR" dirty="0"/>
-          </a:p>
-        </p:txBody>
-      </p:sp>
-      <p:sp>
-        <p:nvSpPr>
-          <p:cNvPr id="18" name="CaixaDeTexto 17">
-            <a:extLst>
-              <a:ext uri="{FF2B5EF4-FFF2-40B4-BE49-F238E27FC236}">
-                <a16:creationId xmlns:a16="http://schemas.microsoft.com/office/drawing/2014/main" id="{28727A08-76AD-4CC1-81E1-A9E265979E09}"/>
-              </a:ext>
-            </a:extLst>
-          </p:cNvPr>
-          <p:cNvSpPr txBox="1"/>
-          <p:nvPr/>
-        </p:nvSpPr>
-        <p:spPr>
-          <a:xfrm>
-            <a:off x="7709972" y="1301938"/>
-            <a:ext cx="2070837" cy="369332"/>
-          </a:xfrm>
-          <a:prstGeom prst="rect">
-            <a:avLst/>
-          </a:prstGeom>
-          <a:noFill/>
-          <a:effectLst>
-            <a:outerShdw blurRad="50800" dist="38100" dir="5400000" algn="t" rotWithShape="0">
-              <a:prstClr val="black">
-                <a:alpha val="40000"/>
-              </a:prstClr>
-            </a:outerShdw>
-          </a:effectLst>
-        </p:spPr>
-        <p:txBody>
-          <a:bodyPr wrap="square" rtlCol="0">
-            <a:spAutoFit/>
-          </a:bodyPr>
-          <a:lstStyle/>
-          <a:p>
-            <a:r>
-              <a:rPr lang="pt-BR" dirty="0"/>
-              <a:t>Desenho de Solução</a:t>
-            </a:r>
-          </a:p>
-        </p:txBody>
-      </p:sp>
-      <p:sp>
-        <p:nvSpPr>
-          <p:cNvPr id="19" name="CaixaDeTexto 18">
-            <a:extLst>
-              <a:ext uri="{FF2B5EF4-FFF2-40B4-BE49-F238E27FC236}">
-                <a16:creationId xmlns:a16="http://schemas.microsoft.com/office/drawing/2014/main" id="{780807C2-BAF7-460E-A962-492C349F6F41}"/>
-              </a:ext>
-            </a:extLst>
-          </p:cNvPr>
-          <p:cNvSpPr txBox="1"/>
-          <p:nvPr/>
-        </p:nvSpPr>
-        <p:spPr>
-          <a:xfrm>
-            <a:off x="9864699" y="1320341"/>
-            <a:ext cx="2277975" cy="338554"/>
-          </a:xfrm>
-          <a:prstGeom prst="rect">
-            <a:avLst/>
-          </a:prstGeom>
-          <a:noFill/>
-        </p:spPr>
-        <p:txBody>
-          <a:bodyPr wrap="square" rtlCol="0">
-            <a:spAutoFit/>
-          </a:bodyPr>
-          <a:lstStyle/>
-          <a:p>
-            <a:r>
-              <a:rPr lang="pt-BR" sz="1600" dirty="0"/>
-              <a:t>Planilha de Software</a:t>
-            </a:r>
-          </a:p>
-        </p:txBody>
-      </p:sp>
-    </p:spTree>
-    <p:extLst>
-      <p:ext uri="{BB962C8B-B14F-4D97-AF65-F5344CB8AC3E}">
-        <p14:creationId xmlns:p14="http://schemas.microsoft.com/office/powerpoint/2010/main" val="3697814180"/>
-      </p:ext>
-    </p:extLst>
-  </p:cSld>
-  <p:clrMapOvr>
-    <a:masterClrMapping/>
-  </p:clrMapOvr>
-  <p:timing>
-    <p:tnLst>
-      <p:par>
-        <p:cTn id="1" dur="indefinite" restart="never" nodeType="tmRoot">
-          <p:childTnLst>
-            <p:seq concurrent="1" nextAc="seek">
-              <p:cTn id="2" dur="indefinite" nodeType="mainSeq">
-                <p:childTnLst>
-                  <p:par>
-                    <p:cTn id="3" fill="hold">
-                      <p:stCondLst>
-                        <p:cond delay="indefinite"/>
-                        <p:cond evt="onBegin" delay="0">
-                          <p:tn val="2"/>
-                        </p:cond>
-                      </p:stCondLst>
-                      <p:childTnLst>
-                        <p:par>
-                          <p:cTn id="4" fill="hold">
-                            <p:stCondLst>
-                              <p:cond delay="0"/>
-                            </p:stCondLst>
-                            <p:childTnLst>
-                              <p:par>
-                                <p:cTn id="5" presetID="53" presetClass="entr" presetSubtype="16" fill="hold" nodeType="withEffect">
-                                  <p:stCondLst>
-                                    <p:cond delay="0"/>
-                                  </p:stCondLst>
-                                  <p:childTnLst>
-                                    <p:set>
-                                      <p:cBhvr>
-                                        <p:cTn id="6" dur="1" fill="hold">
-                                          <p:stCondLst>
-                                            <p:cond delay="0"/>
-                                          </p:stCondLst>
-                                        </p:cTn>
-                                        <p:tgtEl>
-                                          <p:spTgt spid="4"/>
-                                        </p:tgtEl>
-                                        <p:attrNameLst>
-                                          <p:attrName>style.visibility</p:attrName>
-                                        </p:attrNameLst>
-                                      </p:cBhvr>
-                                      <p:to>
-                                        <p:strVal val="visible"/>
-                                      </p:to>
-                                    </p:set>
-                                    <p:anim calcmode="lin" valueType="num">
-                                      <p:cBhvr>
-                                        <p:cTn id="7" dur="500" fill="hold"/>
-                                        <p:tgtEl>
-                                          <p:spTgt spid="4"/>
-                                        </p:tgtEl>
-                                        <p:attrNameLst>
-                                          <p:attrName>ppt_w</p:attrName>
-                                        </p:attrNameLst>
-                                      </p:cBhvr>
-                                      <p:tavLst>
-                                        <p:tav tm="0">
-                                          <p:val>
-                                            <p:fltVal val="0"/>
-                                          </p:val>
-                                        </p:tav>
-                                        <p:tav tm="100000">
-                                          <p:val>
-                                            <p:strVal val="#ppt_w"/>
-                                          </p:val>
-                                        </p:tav>
-                                      </p:tavLst>
-                                    </p:anim>
-                                    <p:anim calcmode="lin" valueType="num">
-                                      <p:cBhvr>
-                                        <p:cTn id="8" dur="500" fill="hold"/>
-                                        <p:tgtEl>
-                                          <p:spTgt spid="4"/>
-                                        </p:tgtEl>
-                                        <p:attrNameLst>
-                                          <p:attrName>ppt_h</p:attrName>
-                                        </p:attrNameLst>
-                                      </p:cBhvr>
-                                      <p:tavLst>
-                                        <p:tav tm="0">
-                                          <p:val>
-                                            <p:fltVal val="0"/>
-                                          </p:val>
-                                        </p:tav>
-                                        <p:tav tm="100000">
-                                          <p:val>
-                                            <p:strVal val="#ppt_h"/>
-                                          </p:val>
-                                        </p:tav>
-                                      </p:tavLst>
-                                    </p:anim>
-                                    <p:animEffect transition="in" filter="fade">
-                                      <p:cBhvr>
-                                        <p:cTn id="9" dur="500"/>
-                                        <p:tgtEl>
-                                          <p:spTgt spid="4"/>
-                                        </p:tgtEl>
-                                      </p:cBhvr>
-                                    </p:animEffect>
-                                  </p:childTnLst>
-                                </p:cTn>
-                              </p:par>
-                            </p:childTnLst>
-                          </p:cTn>
-                        </p:par>
-                      </p:childTnLst>
-                    </p:cTn>
-                  </p:par>
-                </p:childTnLst>
-              </p:cTn>
-              <p:prevCondLst>
-                <p:cond evt="onPrev" delay="0">
-                  <p:tgtEl>
-                    <p:sldTgt/>
-                  </p:tgtEl>
-                </p:cond>
-              </p:prevCondLst>
-              <p:nextCondLst>
-                <p:cond evt="onNext" delay="0">
-                  <p:tgtEl>
-                    <p:sldTgt/>
-                  </p:tgtEl>
-                </p:cond>
-              </p:nextCondLst>
-            </p:seq>
-          </p:childTnLst>
-        </p:cTn>
-      </p:par>
-    </p:tnLst>
-  </p:timing>
-</p:sld>
-</file>
-
-<file path=ppt/slides/slide11.xml><?xml version="1.0" encoding="utf-8"?>
-<p:sld xmlns:a="http://schemas.openxmlformats.org/drawingml/2006/main" xmlns:r="http://schemas.openxmlformats.org/officeDocument/2006/relationships" xmlns:p="http://schemas.openxmlformats.org/presentationml/2006/main">
-  <p:cSld>
-    <p:spTree>
-      <p:nvGrpSpPr>
-        <p:cNvPr id="1" name=""/>
-        <p:cNvGrpSpPr/>
-        <p:nvPr/>
-      </p:nvGrpSpPr>
-      <p:grpSpPr>
-        <a:xfrm>
-          <a:off x="0" y="0"/>
-          <a:ext cx="0" cy="0"/>
-          <a:chOff x="0" y="0"/>
-          <a:chExt cx="0" cy="0"/>
-        </a:xfrm>
-      </p:grpSpPr>
-      <p:sp useBgFill="1">
-        <p:nvSpPr>
-          <p:cNvPr id="10" name="Rectangle 9"/>
-          <p:cNvSpPr>
-            <a:spLocks noGrp="1" noRot="1" noChangeAspect="1" noMove="1" noResize="1" noEditPoints="1" noAdjustHandles="1" noChangeArrowheads="1" noChangeShapeType="1" noTextEdit="1"/>
-          </p:cNvSpPr>
-          <p:nvPr/>
-        </p:nvSpPr>
-        <p:spPr>
-          <a:xfrm>
-            <a:off x="0" y="0"/>
-            <a:ext cx="12192000" cy="6858000"/>
-          </a:xfrm>
-          <a:prstGeom prst="rect">
-            <a:avLst/>
-          </a:prstGeom>
-          <a:ln>
-            <a:noFill/>
-          </a:ln>
-        </p:spPr>
-        <p:style>
-          <a:lnRef idx="2">
-            <a:schemeClr val="accent1">
-              <a:shade val="50000"/>
-            </a:schemeClr>
-          </a:lnRef>
-          <a:fillRef idx="1">
-            <a:schemeClr val="accent1"/>
-          </a:fillRef>
-          <a:effectRef idx="0">
-            <a:schemeClr val="accent1"/>
-          </a:effectRef>
-          <a:fontRef idx="minor">
-            <a:schemeClr val="lt1"/>
-          </a:fontRef>
-        </p:style>
-        <p:txBody>
-          <a:bodyPr rtlCol="0" anchor="ctr"/>
-          <a:lstStyle/>
-          <a:p>
-            <a:pPr algn="ctr"/>
-            <a:endParaRPr lang="en-US" dirty="0"/>
-          </a:p>
-        </p:txBody>
-      </p:sp>
-      <p:sp>
-        <p:nvSpPr>
-          <p:cNvPr id="2" name="Título 1"/>
-          <p:cNvSpPr>
-            <a:spLocks noGrp="1"/>
-          </p:cNvSpPr>
-          <p:nvPr>
-            <p:ph type="title"/>
-          </p:nvPr>
-        </p:nvSpPr>
-        <p:spPr>
-          <a:xfrm>
-            <a:off x="1812897" y="518649"/>
-            <a:ext cx="9882278" cy="1067634"/>
-          </a:xfrm>
-        </p:spPr>
-        <p:txBody>
-          <a:bodyPr anchor="ctr">
-            <a:normAutofit/>
-          </a:bodyPr>
-          <a:lstStyle/>
-          <a:p>
-            <a:r>
-              <a:rPr lang="pt-BR" dirty="0"/>
-              <a:t>Artefatos</a:t>
-            </a:r>
-          </a:p>
-        </p:txBody>
-      </p:sp>
-      <p:grpSp>
-        <p:nvGrpSpPr>
-          <p:cNvPr id="12" name="Group 11"/>
-          <p:cNvGrpSpPr>
-            <a:grpSpLocks noGrp="1" noUngrp="1" noRot="1" noChangeAspect="1" noMove="1" noResize="1"/>
-          </p:cNvGrpSpPr>
-          <p:nvPr/>
-        </p:nvGrpSpPr>
-        <p:grpSpPr>
-          <a:xfrm>
-            <a:off x="472021" y="628863"/>
-            <a:ext cx="1128382" cy="847206"/>
-            <a:chOff x="8183879" y="1000124"/>
-            <a:chExt cx="1562267" cy="1172973"/>
-          </a:xfrm>
-        </p:grpSpPr>
-        <p:sp>
-          <p:nvSpPr>
-            <p:cNvPr id="13" name="Freeform 5"/>
-            <p:cNvSpPr/>
-            <p:nvPr/>
-          </p:nvSpPr>
-          <p:spPr bwMode="auto">
-            <a:xfrm>
-              <a:off x="8183879" y="1348782"/>
-              <a:ext cx="935037" cy="824315"/>
-            </a:xfrm>
-            <a:custGeom>
-              <a:avLst/>
-              <a:gdLst>
-                <a:gd name="T0" fmla="*/ 225 w 785"/>
-                <a:gd name="T1" fmla="*/ 692 h 692"/>
-                <a:gd name="T2" fmla="*/ 177 w 785"/>
-                <a:gd name="T3" fmla="*/ 665 h 692"/>
-                <a:gd name="T4" fmla="*/ 9 w 785"/>
-                <a:gd name="T5" fmla="*/ 374 h 692"/>
-                <a:gd name="T6" fmla="*/ 9 w 785"/>
-                <a:gd name="T7" fmla="*/ 318 h 692"/>
-                <a:gd name="T8" fmla="*/ 177 w 785"/>
-                <a:gd name="T9" fmla="*/ 27 h 692"/>
-                <a:gd name="T10" fmla="*/ 225 w 785"/>
-                <a:gd name="T11" fmla="*/ 0 h 692"/>
-                <a:gd name="T12" fmla="*/ 561 w 785"/>
-                <a:gd name="T13" fmla="*/ 0 h 692"/>
-                <a:gd name="T14" fmla="*/ 609 w 785"/>
-                <a:gd name="T15" fmla="*/ 27 h 692"/>
-                <a:gd name="T16" fmla="*/ 777 w 785"/>
-                <a:gd name="T17" fmla="*/ 318 h 692"/>
-                <a:gd name="T18" fmla="*/ 777 w 785"/>
-                <a:gd name="T19" fmla="*/ 374 h 692"/>
-                <a:gd name="T20" fmla="*/ 609 w 785"/>
-                <a:gd name="T21" fmla="*/ 665 h 692"/>
-                <a:gd name="T22" fmla="*/ 561 w 785"/>
-                <a:gd name="T23" fmla="*/ 692 h 692"/>
-                <a:gd name="T24" fmla="*/ 225 w 785"/>
-                <a:gd name="T25" fmla="*/ 692 h 692"/>
-              </a:gdLst>
-              <a:ahLst/>
-              <a:cxnLst>
-                <a:cxn ang="0">
-                  <a:pos x="T0" y="T1"/>
-                </a:cxn>
-                <a:cxn ang="0">
-                  <a:pos x="T2" y="T3"/>
-                </a:cxn>
-                <a:cxn ang="0">
-                  <a:pos x="T4" y="T5"/>
-                </a:cxn>
-                <a:cxn ang="0">
-                  <a:pos x="T6" y="T7"/>
-                </a:cxn>
-                <a:cxn ang="0">
-                  <a:pos x="T8" y="T9"/>
-                </a:cxn>
-                <a:cxn ang="0">
-                  <a:pos x="T10" y="T11"/>
-                </a:cxn>
-                <a:cxn ang="0">
-                  <a:pos x="T12" y="T13"/>
-                </a:cxn>
-                <a:cxn ang="0">
-                  <a:pos x="T14" y="T15"/>
-                </a:cxn>
-                <a:cxn ang="0">
-                  <a:pos x="T16" y="T17"/>
-                </a:cxn>
-                <a:cxn ang="0">
-                  <a:pos x="T18" y="T19"/>
-                </a:cxn>
-                <a:cxn ang="0">
-                  <a:pos x="T20" y="T21"/>
-                </a:cxn>
-                <a:cxn ang="0">
-                  <a:pos x="T22" y="T23"/>
-                </a:cxn>
-                <a:cxn ang="0">
-                  <a:pos x="T24" y="T25"/>
-                </a:cxn>
-              </a:cxnLst>
-              <a:rect l="0" t="0" r="r" b="b"/>
-              <a:pathLst>
-                <a:path w="785" h="692">
-                  <a:moveTo>
-                    <a:pt x="225" y="692"/>
-                  </a:moveTo>
-                  <a:cubicBezTo>
-                    <a:pt x="207" y="692"/>
-                    <a:pt x="185" y="680"/>
-                    <a:pt x="177" y="665"/>
-                  </a:cubicBezTo>
-                  <a:cubicBezTo>
-                    <a:pt x="9" y="374"/>
-                    <a:pt x="9" y="374"/>
-                    <a:pt x="9" y="374"/>
-                  </a:cubicBezTo>
-                  <a:cubicBezTo>
-                    <a:pt x="0" y="358"/>
-                    <a:pt x="0" y="334"/>
-                    <a:pt x="9" y="318"/>
-                  </a:cubicBezTo>
-                  <a:cubicBezTo>
-                    <a:pt x="177" y="27"/>
-                    <a:pt x="177" y="27"/>
-                    <a:pt x="177" y="27"/>
-                  </a:cubicBezTo>
-                  <a:cubicBezTo>
-                    <a:pt x="185" y="12"/>
-                    <a:pt x="207" y="0"/>
-                    <a:pt x="225" y="0"/>
-                  </a:cubicBezTo>
-                  <a:cubicBezTo>
-                    <a:pt x="561" y="0"/>
-                    <a:pt x="561" y="0"/>
-                    <a:pt x="561" y="0"/>
-                  </a:cubicBezTo>
-                  <a:cubicBezTo>
-                    <a:pt x="578" y="0"/>
-                    <a:pt x="600" y="12"/>
-                    <a:pt x="609" y="27"/>
-                  </a:cubicBezTo>
-                  <a:cubicBezTo>
-                    <a:pt x="777" y="318"/>
-                    <a:pt x="777" y="318"/>
-                    <a:pt x="777" y="318"/>
-                  </a:cubicBezTo>
-                  <a:cubicBezTo>
-                    <a:pt x="785" y="334"/>
-                    <a:pt x="785" y="358"/>
-                    <a:pt x="777" y="374"/>
-                  </a:cubicBezTo>
-                  <a:cubicBezTo>
-                    <a:pt x="609" y="665"/>
-                    <a:pt x="609" y="665"/>
-                    <a:pt x="609" y="665"/>
-                  </a:cubicBezTo>
-                  <a:cubicBezTo>
-                    <a:pt x="600" y="680"/>
-                    <a:pt x="578" y="692"/>
-                    <a:pt x="561" y="692"/>
-                  </a:cubicBezTo>
-                  <a:lnTo>
-                    <a:pt x="225" y="692"/>
-                  </a:lnTo>
-                  <a:close/>
-                </a:path>
-              </a:pathLst>
-            </a:custGeom>
-            <a:noFill/>
-            <a:ln w="28575" cmpd="sng">
-              <a:solidFill>
-                <a:schemeClr val="tx1"/>
-              </a:solidFill>
-            </a:ln>
-          </p:spPr>
-          <p:txBody>
-            <a:bodyPr vert="horz" wrap="square" lIns="91440" tIns="45720" rIns="91440" bIns="45720" numCol="1" anchor="t" anchorCtr="0" compatLnSpc="1"/>
-            <a:lstStyle/>
-            <a:p>
-              <a:endParaRPr lang="en-US"/>
-            </a:p>
-          </p:txBody>
-        </p:sp>
-        <p:sp>
-          <p:nvSpPr>
-            <p:cNvPr id="14" name="Freeform 5"/>
-            <p:cNvSpPr/>
-            <p:nvPr/>
-          </p:nvSpPr>
-          <p:spPr bwMode="auto">
-            <a:xfrm>
-              <a:off x="8983979" y="1000124"/>
-              <a:ext cx="762167" cy="671915"/>
-            </a:xfrm>
-            <a:custGeom>
-              <a:avLst/>
-              <a:gdLst>
-                <a:gd name="T0" fmla="*/ 225 w 785"/>
-                <a:gd name="T1" fmla="*/ 692 h 692"/>
-                <a:gd name="T2" fmla="*/ 177 w 785"/>
-                <a:gd name="T3" fmla="*/ 665 h 692"/>
-                <a:gd name="T4" fmla="*/ 9 w 785"/>
-                <a:gd name="T5" fmla="*/ 374 h 692"/>
-                <a:gd name="T6" fmla="*/ 9 w 785"/>
-                <a:gd name="T7" fmla="*/ 318 h 692"/>
-                <a:gd name="T8" fmla="*/ 177 w 785"/>
-                <a:gd name="T9" fmla="*/ 27 h 692"/>
-                <a:gd name="T10" fmla="*/ 225 w 785"/>
-                <a:gd name="T11" fmla="*/ 0 h 692"/>
-                <a:gd name="T12" fmla="*/ 561 w 785"/>
-                <a:gd name="T13" fmla="*/ 0 h 692"/>
-                <a:gd name="T14" fmla="*/ 609 w 785"/>
-                <a:gd name="T15" fmla="*/ 27 h 692"/>
-                <a:gd name="T16" fmla="*/ 777 w 785"/>
-                <a:gd name="T17" fmla="*/ 318 h 692"/>
-                <a:gd name="T18" fmla="*/ 777 w 785"/>
-                <a:gd name="T19" fmla="*/ 374 h 692"/>
-                <a:gd name="T20" fmla="*/ 609 w 785"/>
-                <a:gd name="T21" fmla="*/ 665 h 692"/>
-                <a:gd name="T22" fmla="*/ 561 w 785"/>
-                <a:gd name="T23" fmla="*/ 692 h 692"/>
-                <a:gd name="T24" fmla="*/ 225 w 785"/>
-                <a:gd name="T25" fmla="*/ 692 h 692"/>
-              </a:gdLst>
-              <a:ahLst/>
-              <a:cxnLst>
-                <a:cxn ang="0">
-                  <a:pos x="T0" y="T1"/>
-                </a:cxn>
-                <a:cxn ang="0">
-                  <a:pos x="T2" y="T3"/>
-                </a:cxn>
-                <a:cxn ang="0">
-                  <a:pos x="T4" y="T5"/>
-                </a:cxn>
-                <a:cxn ang="0">
-                  <a:pos x="T6" y="T7"/>
-                </a:cxn>
-                <a:cxn ang="0">
-                  <a:pos x="T8" y="T9"/>
-                </a:cxn>
-                <a:cxn ang="0">
-                  <a:pos x="T10" y="T11"/>
-                </a:cxn>
-                <a:cxn ang="0">
-                  <a:pos x="T12" y="T13"/>
-                </a:cxn>
-                <a:cxn ang="0">
-                  <a:pos x="T14" y="T15"/>
-                </a:cxn>
-                <a:cxn ang="0">
-                  <a:pos x="T16" y="T17"/>
-                </a:cxn>
-                <a:cxn ang="0">
-                  <a:pos x="T18" y="T19"/>
-                </a:cxn>
-                <a:cxn ang="0">
-                  <a:pos x="T20" y="T21"/>
-                </a:cxn>
-                <a:cxn ang="0">
-                  <a:pos x="T22" y="T23"/>
-                </a:cxn>
-                <a:cxn ang="0">
-                  <a:pos x="T24" y="T25"/>
-                </a:cxn>
-              </a:cxnLst>
-              <a:rect l="0" t="0" r="r" b="b"/>
-              <a:pathLst>
-                <a:path w="785" h="692">
-                  <a:moveTo>
-                    <a:pt x="225" y="692"/>
-                  </a:moveTo>
-                  <a:cubicBezTo>
-                    <a:pt x="207" y="692"/>
-                    <a:pt x="185" y="680"/>
-                    <a:pt x="177" y="665"/>
-                  </a:cubicBezTo>
-                  <a:cubicBezTo>
-                    <a:pt x="9" y="374"/>
-                    <a:pt x="9" y="374"/>
-                    <a:pt x="9" y="374"/>
-                  </a:cubicBezTo>
-                  <a:cubicBezTo>
-                    <a:pt x="0" y="358"/>
-                    <a:pt x="0" y="334"/>
-                    <a:pt x="9" y="318"/>
-                  </a:cubicBezTo>
-                  <a:cubicBezTo>
-                    <a:pt x="177" y="27"/>
-                    <a:pt x="177" y="27"/>
-                    <a:pt x="177" y="27"/>
-                  </a:cubicBezTo>
-                  <a:cubicBezTo>
-                    <a:pt x="185" y="12"/>
-                    <a:pt x="207" y="0"/>
-                    <a:pt x="225" y="0"/>
-                  </a:cubicBezTo>
-                  <a:cubicBezTo>
-                    <a:pt x="561" y="0"/>
-                    <a:pt x="561" y="0"/>
-                    <a:pt x="561" y="0"/>
-                  </a:cubicBezTo>
-                  <a:cubicBezTo>
-                    <a:pt x="578" y="0"/>
-                    <a:pt x="600" y="12"/>
-                    <a:pt x="609" y="27"/>
-                  </a:cubicBezTo>
-                  <a:cubicBezTo>
-                    <a:pt x="777" y="318"/>
-                    <a:pt x="777" y="318"/>
-                    <a:pt x="777" y="318"/>
-                  </a:cubicBezTo>
-                  <a:cubicBezTo>
-                    <a:pt x="785" y="334"/>
-                    <a:pt x="785" y="358"/>
-                    <a:pt x="777" y="374"/>
-                  </a:cubicBezTo>
-                  <a:cubicBezTo>
-                    <a:pt x="609" y="665"/>
-                    <a:pt x="609" y="665"/>
-                    <a:pt x="609" y="665"/>
-                  </a:cubicBezTo>
-                  <a:cubicBezTo>
-                    <a:pt x="600" y="680"/>
-                    <a:pt x="578" y="692"/>
-                    <a:pt x="561" y="692"/>
-                  </a:cubicBezTo>
-                  <a:lnTo>
-                    <a:pt x="225" y="692"/>
-                  </a:lnTo>
-                  <a:close/>
-                </a:path>
-              </a:pathLst>
-            </a:custGeom>
-            <a:noFill/>
-            <a:ln w="28575" cmpd="sng">
-              <a:solidFill>
-                <a:schemeClr val="tx1"/>
-              </a:solidFill>
-            </a:ln>
-          </p:spPr>
-          <p:txBody>
-            <a:bodyPr vert="horz" wrap="square" lIns="91440" tIns="45720" rIns="91440" bIns="45720" numCol="1" anchor="t" anchorCtr="0" compatLnSpc="1"/>
-            <a:lstStyle/>
-            <a:p>
-              <a:endParaRPr lang="en-US"/>
-            </a:p>
-          </p:txBody>
-        </p:sp>
-      </p:grpSp>
-      <p:pic>
-        <p:nvPicPr>
           <p:cNvPr id="11" name="Imagem 10">
             <a:extLst>
               <a:ext uri="{FF2B5EF4-FFF2-40B4-BE49-F238E27FC236}">
@@ -32467,10 +31827,10 @@
       </p:sp>
       <p:sp>
         <p:nvSpPr>
-          <p:cNvPr id="17" name="CaixaDeTexto 16">
+          <p:cNvPr id="22" name="CaixaDeTexto 21">
             <a:extLst>
               <a:ext uri="{FF2B5EF4-FFF2-40B4-BE49-F238E27FC236}">
-                <a16:creationId xmlns:a16="http://schemas.microsoft.com/office/drawing/2014/main" id="{4761BB05-E8FC-4963-83D4-851EAED86DFA}"/>
+                <a16:creationId xmlns:a16="http://schemas.microsoft.com/office/drawing/2014/main" id="{276CEF92-A27F-46D5-A699-D11C071CE94C}"/>
               </a:ext>
             </a:extLst>
           </p:cNvPr>
@@ -32479,43 +31839,8 @@
         </p:nvSpPr>
         <p:spPr>
           <a:xfrm>
-            <a:off x="7709972" y="1320341"/>
-            <a:ext cx="2070837" cy="338554"/>
-          </a:xfrm>
-          <a:prstGeom prst="rect">
-            <a:avLst/>
-          </a:prstGeom>
-          <a:noFill/>
-        </p:spPr>
-        <p:txBody>
-          <a:bodyPr wrap="square" rtlCol="0">
-            <a:spAutoFit/>
-          </a:bodyPr>
-          <a:lstStyle/>
-          <a:p>
-            <a:r>
-              <a:rPr lang="pt-BR" sz="1600" dirty="0"/>
-              <a:t>Desenho de Solução</a:t>
-            </a:r>
-          </a:p>
-        </p:txBody>
-      </p:sp>
-      <p:sp>
-        <p:nvSpPr>
-          <p:cNvPr id="18" name="CaixaDeTexto 17">
-            <a:extLst>
-              <a:ext uri="{FF2B5EF4-FFF2-40B4-BE49-F238E27FC236}">
-                <a16:creationId xmlns:a16="http://schemas.microsoft.com/office/drawing/2014/main" id="{DA8A93A9-B515-40BF-A842-1BA9BACDDF03}"/>
-              </a:ext>
-            </a:extLst>
-          </p:cNvPr>
-          <p:cNvSpPr txBox="1"/>
-          <p:nvPr/>
-        </p:nvSpPr>
-        <p:spPr>
-          <a:xfrm>
-            <a:off x="9864699" y="1310816"/>
-            <a:ext cx="2277975" cy="369332"/>
+            <a:off x="7709972" y="1301938"/>
+            <a:ext cx="2154727" cy="369332"/>
           </a:xfrm>
           <a:prstGeom prst="rect">
             <a:avLst/>
@@ -32538,6 +31863,41 @@
             <a:r>
               <a:rPr lang="pt-BR" dirty="0"/>
               <a:t>Planilha de Software</a:t>
+            </a:r>
+          </a:p>
+        </p:txBody>
+      </p:sp>
+      <p:sp>
+        <p:nvSpPr>
+          <p:cNvPr id="23" name="CaixaDeTexto 22">
+            <a:extLst>
+              <a:ext uri="{FF2B5EF4-FFF2-40B4-BE49-F238E27FC236}">
+                <a16:creationId xmlns:a16="http://schemas.microsoft.com/office/drawing/2014/main" id="{D079E717-9756-4A5D-9DAC-F0B2C45B7484}"/>
+              </a:ext>
+            </a:extLst>
+          </p:cNvPr>
+          <p:cNvSpPr txBox="1"/>
+          <p:nvPr/>
+        </p:nvSpPr>
+        <p:spPr>
+          <a:xfrm>
+            <a:off x="9989146" y="1332716"/>
+            <a:ext cx="2277975" cy="338554"/>
+          </a:xfrm>
+          <a:prstGeom prst="rect">
+            <a:avLst/>
+          </a:prstGeom>
+          <a:noFill/>
+        </p:spPr>
+        <p:txBody>
+          <a:bodyPr wrap="square" rtlCol="0">
+            <a:spAutoFit/>
+          </a:bodyPr>
+          <a:lstStyle/>
+          <a:p>
+            <a:r>
+              <a:rPr lang="pt-BR" sz="1600" dirty="0"/>
+              <a:t>Desenho de Solução</a:t>
             </a:r>
           </a:p>
         </p:txBody>
@@ -32752,6 +32112,851 @@
                                         <p:strVal val="hidden"/>
                                       </p:to>
                                     </p:set>
+                                  </p:childTnLst>
+                                </p:cTn>
+                              </p:par>
+                            </p:childTnLst>
+                          </p:cTn>
+                        </p:par>
+                      </p:childTnLst>
+                    </p:cTn>
+                  </p:par>
+                </p:childTnLst>
+              </p:cTn>
+              <p:prevCondLst>
+                <p:cond evt="onPrev" delay="0">
+                  <p:tgtEl>
+                    <p:sldTgt/>
+                  </p:tgtEl>
+                </p:cond>
+              </p:prevCondLst>
+              <p:nextCondLst>
+                <p:cond evt="onNext" delay="0">
+                  <p:tgtEl>
+                    <p:sldTgt/>
+                  </p:tgtEl>
+                </p:cond>
+              </p:nextCondLst>
+            </p:seq>
+          </p:childTnLst>
+        </p:cTn>
+      </p:par>
+    </p:tnLst>
+  </p:timing>
+</p:sld>
+</file>
+
+<file path=ppt/slides/slide11.xml><?xml version="1.0" encoding="utf-8"?>
+<p:sld xmlns:a="http://schemas.openxmlformats.org/drawingml/2006/main" xmlns:r="http://schemas.openxmlformats.org/officeDocument/2006/relationships" xmlns:p="http://schemas.openxmlformats.org/presentationml/2006/main">
+  <p:cSld>
+    <p:spTree>
+      <p:nvGrpSpPr>
+        <p:cNvPr id="1" name=""/>
+        <p:cNvGrpSpPr/>
+        <p:nvPr/>
+      </p:nvGrpSpPr>
+      <p:grpSpPr>
+        <a:xfrm>
+          <a:off x="0" y="0"/>
+          <a:ext cx="0" cy="0"/>
+          <a:chOff x="0" y="0"/>
+          <a:chExt cx="0" cy="0"/>
+        </a:xfrm>
+      </p:grpSpPr>
+      <p:sp useBgFill="1">
+        <p:nvSpPr>
+          <p:cNvPr id="10" name="Rectangle 9"/>
+          <p:cNvSpPr>
+            <a:spLocks noGrp="1" noRot="1" noChangeAspect="1" noMove="1" noResize="1" noEditPoints="1" noAdjustHandles="1" noChangeArrowheads="1" noChangeShapeType="1" noTextEdit="1"/>
+          </p:cNvSpPr>
+          <p:nvPr/>
+        </p:nvSpPr>
+        <p:spPr>
+          <a:xfrm>
+            <a:off x="0" y="0"/>
+            <a:ext cx="12192000" cy="6858000"/>
+          </a:xfrm>
+          <a:prstGeom prst="rect">
+            <a:avLst/>
+          </a:prstGeom>
+          <a:ln>
+            <a:noFill/>
+          </a:ln>
+        </p:spPr>
+        <p:style>
+          <a:lnRef idx="2">
+            <a:schemeClr val="accent1">
+              <a:shade val="50000"/>
+            </a:schemeClr>
+          </a:lnRef>
+          <a:fillRef idx="1">
+            <a:schemeClr val="accent1"/>
+          </a:fillRef>
+          <a:effectRef idx="0">
+            <a:schemeClr val="accent1"/>
+          </a:effectRef>
+          <a:fontRef idx="minor">
+            <a:schemeClr val="lt1"/>
+          </a:fontRef>
+        </p:style>
+        <p:txBody>
+          <a:bodyPr rtlCol="0" anchor="ctr"/>
+          <a:lstStyle/>
+          <a:p>
+            <a:pPr algn="ctr"/>
+            <a:endParaRPr lang="en-US" dirty="0"/>
+          </a:p>
+        </p:txBody>
+      </p:sp>
+      <p:sp>
+        <p:nvSpPr>
+          <p:cNvPr id="20" name="CaixaDeTexto 19">
+            <a:extLst>
+              <a:ext uri="{FF2B5EF4-FFF2-40B4-BE49-F238E27FC236}">
+                <a16:creationId xmlns:a16="http://schemas.microsoft.com/office/drawing/2014/main" id="{5B526848-867A-48AA-8A3A-D54E0A419896}"/>
+              </a:ext>
+            </a:extLst>
+          </p:cNvPr>
+          <p:cNvSpPr txBox="1"/>
+          <p:nvPr/>
+        </p:nvSpPr>
+        <p:spPr>
+          <a:xfrm>
+            <a:off x="7709972" y="1320341"/>
+            <a:ext cx="2070837" cy="338554"/>
+          </a:xfrm>
+          <a:prstGeom prst="rect">
+            <a:avLst/>
+          </a:prstGeom>
+          <a:noFill/>
+        </p:spPr>
+        <p:txBody>
+          <a:bodyPr wrap="square" rtlCol="0">
+            <a:spAutoFit/>
+          </a:bodyPr>
+          <a:lstStyle/>
+          <a:p>
+            <a:r>
+              <a:rPr lang="pt-BR" sz="1600" dirty="0"/>
+              <a:t>Planilha de Software</a:t>
+            </a:r>
+          </a:p>
+        </p:txBody>
+      </p:sp>
+      <p:sp>
+        <p:nvSpPr>
+          <p:cNvPr id="21" name="CaixaDeTexto 20">
+            <a:extLst>
+              <a:ext uri="{FF2B5EF4-FFF2-40B4-BE49-F238E27FC236}">
+                <a16:creationId xmlns:a16="http://schemas.microsoft.com/office/drawing/2014/main" id="{66EB59FA-89AE-4F0D-A3A6-FCAD79115ED1}"/>
+              </a:ext>
+            </a:extLst>
+          </p:cNvPr>
+          <p:cNvSpPr txBox="1"/>
+          <p:nvPr/>
+        </p:nvSpPr>
+        <p:spPr>
+          <a:xfrm>
+            <a:off x="9820309" y="1301938"/>
+            <a:ext cx="2277975" cy="369332"/>
+          </a:xfrm>
+          <a:prstGeom prst="rect">
+            <a:avLst/>
+          </a:prstGeom>
+          <a:noFill/>
+          <a:effectLst>
+            <a:outerShdw blurRad="50800" dist="38100" dir="5400000" algn="t" rotWithShape="0">
+              <a:prstClr val="black">
+                <a:alpha val="40000"/>
+              </a:prstClr>
+            </a:outerShdw>
+          </a:effectLst>
+        </p:spPr>
+        <p:txBody>
+          <a:bodyPr wrap="square" rtlCol="0">
+            <a:spAutoFit/>
+          </a:bodyPr>
+          <a:lstStyle/>
+          <a:p>
+            <a:r>
+              <a:rPr lang="pt-BR" dirty="0"/>
+              <a:t>Desenho de Solução</a:t>
+            </a:r>
+          </a:p>
+        </p:txBody>
+      </p:sp>
+      <p:sp>
+        <p:nvSpPr>
+          <p:cNvPr id="2" name="Título 1"/>
+          <p:cNvSpPr>
+            <a:spLocks noGrp="1"/>
+          </p:cNvSpPr>
+          <p:nvPr>
+            <p:ph type="title"/>
+          </p:nvPr>
+        </p:nvSpPr>
+        <p:spPr>
+          <a:xfrm>
+            <a:off x="1812897" y="518649"/>
+            <a:ext cx="9882278" cy="1067634"/>
+          </a:xfrm>
+        </p:spPr>
+        <p:txBody>
+          <a:bodyPr anchor="ctr">
+            <a:normAutofit/>
+          </a:bodyPr>
+          <a:lstStyle/>
+          <a:p>
+            <a:r>
+              <a:rPr lang="pt-BR" dirty="0"/>
+              <a:t>Artefatos</a:t>
+            </a:r>
+          </a:p>
+        </p:txBody>
+      </p:sp>
+      <p:grpSp>
+        <p:nvGrpSpPr>
+          <p:cNvPr id="12" name="Group 11"/>
+          <p:cNvGrpSpPr>
+            <a:grpSpLocks noGrp="1" noUngrp="1" noRot="1" noChangeAspect="1" noMove="1" noResize="1"/>
+          </p:cNvGrpSpPr>
+          <p:nvPr/>
+        </p:nvGrpSpPr>
+        <p:grpSpPr>
+          <a:xfrm>
+            <a:off x="472021" y="628863"/>
+            <a:ext cx="1128382" cy="847206"/>
+            <a:chOff x="8183879" y="1000124"/>
+            <a:chExt cx="1562267" cy="1172973"/>
+          </a:xfrm>
+        </p:grpSpPr>
+        <p:sp>
+          <p:nvSpPr>
+            <p:cNvPr id="13" name="Freeform 5"/>
+            <p:cNvSpPr/>
+            <p:nvPr/>
+          </p:nvSpPr>
+          <p:spPr bwMode="auto">
+            <a:xfrm>
+              <a:off x="8183879" y="1348782"/>
+              <a:ext cx="935037" cy="824315"/>
+            </a:xfrm>
+            <a:custGeom>
+              <a:avLst/>
+              <a:gdLst>
+                <a:gd name="T0" fmla="*/ 225 w 785"/>
+                <a:gd name="T1" fmla="*/ 692 h 692"/>
+                <a:gd name="T2" fmla="*/ 177 w 785"/>
+                <a:gd name="T3" fmla="*/ 665 h 692"/>
+                <a:gd name="T4" fmla="*/ 9 w 785"/>
+                <a:gd name="T5" fmla="*/ 374 h 692"/>
+                <a:gd name="T6" fmla="*/ 9 w 785"/>
+                <a:gd name="T7" fmla="*/ 318 h 692"/>
+                <a:gd name="T8" fmla="*/ 177 w 785"/>
+                <a:gd name="T9" fmla="*/ 27 h 692"/>
+                <a:gd name="T10" fmla="*/ 225 w 785"/>
+                <a:gd name="T11" fmla="*/ 0 h 692"/>
+                <a:gd name="T12" fmla="*/ 561 w 785"/>
+                <a:gd name="T13" fmla="*/ 0 h 692"/>
+                <a:gd name="T14" fmla="*/ 609 w 785"/>
+                <a:gd name="T15" fmla="*/ 27 h 692"/>
+                <a:gd name="T16" fmla="*/ 777 w 785"/>
+                <a:gd name="T17" fmla="*/ 318 h 692"/>
+                <a:gd name="T18" fmla="*/ 777 w 785"/>
+                <a:gd name="T19" fmla="*/ 374 h 692"/>
+                <a:gd name="T20" fmla="*/ 609 w 785"/>
+                <a:gd name="T21" fmla="*/ 665 h 692"/>
+                <a:gd name="T22" fmla="*/ 561 w 785"/>
+                <a:gd name="T23" fmla="*/ 692 h 692"/>
+                <a:gd name="T24" fmla="*/ 225 w 785"/>
+                <a:gd name="T25" fmla="*/ 692 h 692"/>
+              </a:gdLst>
+              <a:ahLst/>
+              <a:cxnLst>
+                <a:cxn ang="0">
+                  <a:pos x="T0" y="T1"/>
+                </a:cxn>
+                <a:cxn ang="0">
+                  <a:pos x="T2" y="T3"/>
+                </a:cxn>
+                <a:cxn ang="0">
+                  <a:pos x="T4" y="T5"/>
+                </a:cxn>
+                <a:cxn ang="0">
+                  <a:pos x="T6" y="T7"/>
+                </a:cxn>
+                <a:cxn ang="0">
+                  <a:pos x="T8" y="T9"/>
+                </a:cxn>
+                <a:cxn ang="0">
+                  <a:pos x="T10" y="T11"/>
+                </a:cxn>
+                <a:cxn ang="0">
+                  <a:pos x="T12" y="T13"/>
+                </a:cxn>
+                <a:cxn ang="0">
+                  <a:pos x="T14" y="T15"/>
+                </a:cxn>
+                <a:cxn ang="0">
+                  <a:pos x="T16" y="T17"/>
+                </a:cxn>
+                <a:cxn ang="0">
+                  <a:pos x="T18" y="T19"/>
+                </a:cxn>
+                <a:cxn ang="0">
+                  <a:pos x="T20" y="T21"/>
+                </a:cxn>
+                <a:cxn ang="0">
+                  <a:pos x="T22" y="T23"/>
+                </a:cxn>
+                <a:cxn ang="0">
+                  <a:pos x="T24" y="T25"/>
+                </a:cxn>
+              </a:cxnLst>
+              <a:rect l="0" t="0" r="r" b="b"/>
+              <a:pathLst>
+                <a:path w="785" h="692">
+                  <a:moveTo>
+                    <a:pt x="225" y="692"/>
+                  </a:moveTo>
+                  <a:cubicBezTo>
+                    <a:pt x="207" y="692"/>
+                    <a:pt x="185" y="680"/>
+                    <a:pt x="177" y="665"/>
+                  </a:cubicBezTo>
+                  <a:cubicBezTo>
+                    <a:pt x="9" y="374"/>
+                    <a:pt x="9" y="374"/>
+                    <a:pt x="9" y="374"/>
+                  </a:cubicBezTo>
+                  <a:cubicBezTo>
+                    <a:pt x="0" y="358"/>
+                    <a:pt x="0" y="334"/>
+                    <a:pt x="9" y="318"/>
+                  </a:cubicBezTo>
+                  <a:cubicBezTo>
+                    <a:pt x="177" y="27"/>
+                    <a:pt x="177" y="27"/>
+                    <a:pt x="177" y="27"/>
+                  </a:cubicBezTo>
+                  <a:cubicBezTo>
+                    <a:pt x="185" y="12"/>
+                    <a:pt x="207" y="0"/>
+                    <a:pt x="225" y="0"/>
+                  </a:cubicBezTo>
+                  <a:cubicBezTo>
+                    <a:pt x="561" y="0"/>
+                    <a:pt x="561" y="0"/>
+                    <a:pt x="561" y="0"/>
+                  </a:cubicBezTo>
+                  <a:cubicBezTo>
+                    <a:pt x="578" y="0"/>
+                    <a:pt x="600" y="12"/>
+                    <a:pt x="609" y="27"/>
+                  </a:cubicBezTo>
+                  <a:cubicBezTo>
+                    <a:pt x="777" y="318"/>
+                    <a:pt x="777" y="318"/>
+                    <a:pt x="777" y="318"/>
+                  </a:cubicBezTo>
+                  <a:cubicBezTo>
+                    <a:pt x="785" y="334"/>
+                    <a:pt x="785" y="358"/>
+                    <a:pt x="777" y="374"/>
+                  </a:cubicBezTo>
+                  <a:cubicBezTo>
+                    <a:pt x="609" y="665"/>
+                    <a:pt x="609" y="665"/>
+                    <a:pt x="609" y="665"/>
+                  </a:cubicBezTo>
+                  <a:cubicBezTo>
+                    <a:pt x="600" y="680"/>
+                    <a:pt x="578" y="692"/>
+                    <a:pt x="561" y="692"/>
+                  </a:cubicBezTo>
+                  <a:lnTo>
+                    <a:pt x="225" y="692"/>
+                  </a:lnTo>
+                  <a:close/>
+                </a:path>
+              </a:pathLst>
+            </a:custGeom>
+            <a:noFill/>
+            <a:ln w="28575" cmpd="sng">
+              <a:solidFill>
+                <a:schemeClr val="tx1"/>
+              </a:solidFill>
+            </a:ln>
+          </p:spPr>
+          <p:txBody>
+            <a:bodyPr vert="horz" wrap="square" lIns="91440" tIns="45720" rIns="91440" bIns="45720" numCol="1" anchor="t" anchorCtr="0" compatLnSpc="1"/>
+            <a:lstStyle/>
+            <a:p>
+              <a:endParaRPr lang="en-US"/>
+            </a:p>
+          </p:txBody>
+        </p:sp>
+        <p:sp>
+          <p:nvSpPr>
+            <p:cNvPr id="14" name="Freeform 5"/>
+            <p:cNvSpPr/>
+            <p:nvPr/>
+          </p:nvSpPr>
+          <p:spPr bwMode="auto">
+            <a:xfrm>
+              <a:off x="8983979" y="1000124"/>
+              <a:ext cx="762167" cy="671915"/>
+            </a:xfrm>
+            <a:custGeom>
+              <a:avLst/>
+              <a:gdLst>
+                <a:gd name="T0" fmla="*/ 225 w 785"/>
+                <a:gd name="T1" fmla="*/ 692 h 692"/>
+                <a:gd name="T2" fmla="*/ 177 w 785"/>
+                <a:gd name="T3" fmla="*/ 665 h 692"/>
+                <a:gd name="T4" fmla="*/ 9 w 785"/>
+                <a:gd name="T5" fmla="*/ 374 h 692"/>
+                <a:gd name="T6" fmla="*/ 9 w 785"/>
+                <a:gd name="T7" fmla="*/ 318 h 692"/>
+                <a:gd name="T8" fmla="*/ 177 w 785"/>
+                <a:gd name="T9" fmla="*/ 27 h 692"/>
+                <a:gd name="T10" fmla="*/ 225 w 785"/>
+                <a:gd name="T11" fmla="*/ 0 h 692"/>
+                <a:gd name="T12" fmla="*/ 561 w 785"/>
+                <a:gd name="T13" fmla="*/ 0 h 692"/>
+                <a:gd name="T14" fmla="*/ 609 w 785"/>
+                <a:gd name="T15" fmla="*/ 27 h 692"/>
+                <a:gd name="T16" fmla="*/ 777 w 785"/>
+                <a:gd name="T17" fmla="*/ 318 h 692"/>
+                <a:gd name="T18" fmla="*/ 777 w 785"/>
+                <a:gd name="T19" fmla="*/ 374 h 692"/>
+                <a:gd name="T20" fmla="*/ 609 w 785"/>
+                <a:gd name="T21" fmla="*/ 665 h 692"/>
+                <a:gd name="T22" fmla="*/ 561 w 785"/>
+                <a:gd name="T23" fmla="*/ 692 h 692"/>
+                <a:gd name="T24" fmla="*/ 225 w 785"/>
+                <a:gd name="T25" fmla="*/ 692 h 692"/>
+              </a:gdLst>
+              <a:ahLst/>
+              <a:cxnLst>
+                <a:cxn ang="0">
+                  <a:pos x="T0" y="T1"/>
+                </a:cxn>
+                <a:cxn ang="0">
+                  <a:pos x="T2" y="T3"/>
+                </a:cxn>
+                <a:cxn ang="0">
+                  <a:pos x="T4" y="T5"/>
+                </a:cxn>
+                <a:cxn ang="0">
+                  <a:pos x="T6" y="T7"/>
+                </a:cxn>
+                <a:cxn ang="0">
+                  <a:pos x="T8" y="T9"/>
+                </a:cxn>
+                <a:cxn ang="0">
+                  <a:pos x="T10" y="T11"/>
+                </a:cxn>
+                <a:cxn ang="0">
+                  <a:pos x="T12" y="T13"/>
+                </a:cxn>
+                <a:cxn ang="0">
+                  <a:pos x="T14" y="T15"/>
+                </a:cxn>
+                <a:cxn ang="0">
+                  <a:pos x="T16" y="T17"/>
+                </a:cxn>
+                <a:cxn ang="0">
+                  <a:pos x="T18" y="T19"/>
+                </a:cxn>
+                <a:cxn ang="0">
+                  <a:pos x="T20" y="T21"/>
+                </a:cxn>
+                <a:cxn ang="0">
+                  <a:pos x="T22" y="T23"/>
+                </a:cxn>
+                <a:cxn ang="0">
+                  <a:pos x="T24" y="T25"/>
+                </a:cxn>
+              </a:cxnLst>
+              <a:rect l="0" t="0" r="r" b="b"/>
+              <a:pathLst>
+                <a:path w="785" h="692">
+                  <a:moveTo>
+                    <a:pt x="225" y="692"/>
+                  </a:moveTo>
+                  <a:cubicBezTo>
+                    <a:pt x="207" y="692"/>
+                    <a:pt x="185" y="680"/>
+                    <a:pt x="177" y="665"/>
+                  </a:cubicBezTo>
+                  <a:cubicBezTo>
+                    <a:pt x="9" y="374"/>
+                    <a:pt x="9" y="374"/>
+                    <a:pt x="9" y="374"/>
+                  </a:cubicBezTo>
+                  <a:cubicBezTo>
+                    <a:pt x="0" y="358"/>
+                    <a:pt x="0" y="334"/>
+                    <a:pt x="9" y="318"/>
+                  </a:cubicBezTo>
+                  <a:cubicBezTo>
+                    <a:pt x="177" y="27"/>
+                    <a:pt x="177" y="27"/>
+                    <a:pt x="177" y="27"/>
+                  </a:cubicBezTo>
+                  <a:cubicBezTo>
+                    <a:pt x="185" y="12"/>
+                    <a:pt x="207" y="0"/>
+                    <a:pt x="225" y="0"/>
+                  </a:cubicBezTo>
+                  <a:cubicBezTo>
+                    <a:pt x="561" y="0"/>
+                    <a:pt x="561" y="0"/>
+                    <a:pt x="561" y="0"/>
+                  </a:cubicBezTo>
+                  <a:cubicBezTo>
+                    <a:pt x="578" y="0"/>
+                    <a:pt x="600" y="12"/>
+                    <a:pt x="609" y="27"/>
+                  </a:cubicBezTo>
+                  <a:cubicBezTo>
+                    <a:pt x="777" y="318"/>
+                    <a:pt x="777" y="318"/>
+                    <a:pt x="777" y="318"/>
+                  </a:cubicBezTo>
+                  <a:cubicBezTo>
+                    <a:pt x="785" y="334"/>
+                    <a:pt x="785" y="358"/>
+                    <a:pt x="777" y="374"/>
+                  </a:cubicBezTo>
+                  <a:cubicBezTo>
+                    <a:pt x="609" y="665"/>
+                    <a:pt x="609" y="665"/>
+                    <a:pt x="609" y="665"/>
+                  </a:cubicBezTo>
+                  <a:cubicBezTo>
+                    <a:pt x="600" y="680"/>
+                    <a:pt x="578" y="692"/>
+                    <a:pt x="561" y="692"/>
+                  </a:cubicBezTo>
+                  <a:lnTo>
+                    <a:pt x="225" y="692"/>
+                  </a:lnTo>
+                  <a:close/>
+                </a:path>
+              </a:pathLst>
+            </a:custGeom>
+            <a:noFill/>
+            <a:ln w="28575" cmpd="sng">
+              <a:solidFill>
+                <a:schemeClr val="tx1"/>
+              </a:solidFill>
+            </a:ln>
+          </p:spPr>
+          <p:txBody>
+            <a:bodyPr vert="horz" wrap="square" lIns="91440" tIns="45720" rIns="91440" bIns="45720" numCol="1" anchor="t" anchorCtr="0" compatLnSpc="1"/>
+            <a:lstStyle/>
+            <a:p>
+              <a:endParaRPr lang="en-US"/>
+            </a:p>
+          </p:txBody>
+        </p:sp>
+      </p:grpSp>
+      <p:pic>
+        <p:nvPicPr>
+          <p:cNvPr id="4" name="Imagem 3" descr="Uma imagem contendo televisão, tela, monitor, assistindo&#10;&#10;Descrição gerada automaticamente">
+            <a:extLst>
+              <a:ext uri="{FF2B5EF4-FFF2-40B4-BE49-F238E27FC236}">
+                <a16:creationId xmlns:a16="http://schemas.microsoft.com/office/drawing/2014/main" id="{21FC4F3E-E211-47D7-8ACC-E0A2CA159B1A}"/>
+              </a:ext>
+            </a:extLst>
+          </p:cNvPr>
+          <p:cNvPicPr>
+            <a:picLocks noChangeAspect="1"/>
+          </p:cNvPicPr>
+          <p:nvPr/>
+        </p:nvPicPr>
+        <p:blipFill>
+          <a:blip r:embed="rId2">
+            <a:extLst>
+              <a:ext uri="{28A0092B-C50C-407E-A947-70E740481C1C}">
+                <a14:useLocalDpi xmlns:a14="http://schemas.microsoft.com/office/drawing/2010/main" val="0"/>
+              </a:ext>
+            </a:extLst>
+          </a:blip>
+          <a:stretch>
+            <a:fillRect/>
+          </a:stretch>
+        </p:blipFill>
+        <p:spPr>
+          <a:xfrm>
+            <a:off x="1767840" y="2253036"/>
+            <a:ext cx="8656320" cy="3938211"/>
+          </a:xfrm>
+          <a:prstGeom prst="rect">
+            <a:avLst/>
+          </a:prstGeom>
+        </p:spPr>
+      </p:pic>
+      <p:sp>
+        <p:nvSpPr>
+          <p:cNvPr id="11" name="CaixaDeTexto 10">
+            <a:extLst>
+              <a:ext uri="{FF2B5EF4-FFF2-40B4-BE49-F238E27FC236}">
+                <a16:creationId xmlns:a16="http://schemas.microsoft.com/office/drawing/2014/main" id="{8EDF2009-2F02-48C7-BDA7-12762DFBACAD}"/>
+              </a:ext>
+            </a:extLst>
+          </p:cNvPr>
+          <p:cNvSpPr txBox="1"/>
+          <p:nvPr/>
+        </p:nvSpPr>
+        <p:spPr>
+          <a:xfrm>
+            <a:off x="2244588" y="1320341"/>
+            <a:ext cx="1597469" cy="338554"/>
+          </a:xfrm>
+          <a:prstGeom prst="rect">
+            <a:avLst/>
+          </a:prstGeom>
+          <a:noFill/>
+          <a:effectLst/>
+        </p:spPr>
+        <p:txBody>
+          <a:bodyPr wrap="square" rtlCol="0">
+            <a:spAutoFit/>
+          </a:bodyPr>
+          <a:lstStyle/>
+          <a:p>
+            <a:r>
+              <a:rPr lang="pt-BR" sz="1600" dirty="0" err="1"/>
+              <a:t>Proto-persona</a:t>
+            </a:r>
+            <a:endParaRPr lang="pt-BR" dirty="0"/>
+          </a:p>
+        </p:txBody>
+      </p:sp>
+      <p:sp>
+        <p:nvSpPr>
+          <p:cNvPr id="15" name="CaixaDeTexto 14">
+            <a:extLst>
+              <a:ext uri="{FF2B5EF4-FFF2-40B4-BE49-F238E27FC236}">
+                <a16:creationId xmlns:a16="http://schemas.microsoft.com/office/drawing/2014/main" id="{09C80A9F-46E9-4D57-BC1B-12B5ACE33AC8}"/>
+              </a:ext>
+            </a:extLst>
+          </p:cNvPr>
+          <p:cNvSpPr txBox="1"/>
+          <p:nvPr/>
+        </p:nvSpPr>
+        <p:spPr>
+          <a:xfrm>
+            <a:off x="3847413" y="1310816"/>
+            <a:ext cx="1321542" cy="338554"/>
+          </a:xfrm>
+          <a:prstGeom prst="rect">
+            <a:avLst/>
+          </a:prstGeom>
+          <a:noFill/>
+          <a:effectLst/>
+        </p:spPr>
+        <p:txBody>
+          <a:bodyPr wrap="square" rtlCol="0">
+            <a:spAutoFit/>
+          </a:bodyPr>
+          <a:lstStyle/>
+          <a:p>
+            <a:r>
+              <a:rPr lang="pt-BR" sz="1600" dirty="0" err="1"/>
+              <a:t>StoryBoard</a:t>
+            </a:r>
+            <a:endParaRPr lang="pt-BR" dirty="0"/>
+          </a:p>
+        </p:txBody>
+      </p:sp>
+      <p:sp>
+        <p:nvSpPr>
+          <p:cNvPr id="16" name="CaixaDeTexto 15">
+            <a:extLst>
+              <a:ext uri="{FF2B5EF4-FFF2-40B4-BE49-F238E27FC236}">
+                <a16:creationId xmlns:a16="http://schemas.microsoft.com/office/drawing/2014/main" id="{5A45E2C7-6875-4531-89AC-DFCCC35DF660}"/>
+              </a:ext>
+            </a:extLst>
+          </p:cNvPr>
+          <p:cNvSpPr txBox="1"/>
+          <p:nvPr/>
+        </p:nvSpPr>
+        <p:spPr>
+          <a:xfrm>
+            <a:off x="5285150" y="1320341"/>
+            <a:ext cx="1199701" cy="338554"/>
+          </a:xfrm>
+          <a:prstGeom prst="rect">
+            <a:avLst/>
+          </a:prstGeom>
+          <a:noFill/>
+          <a:effectLst/>
+        </p:spPr>
+        <p:txBody>
+          <a:bodyPr wrap="square" rtlCol="0">
+            <a:spAutoFit/>
+          </a:bodyPr>
+          <a:lstStyle/>
+          <a:p>
+            <a:r>
+              <a:rPr lang="pt-BR" sz="1600" dirty="0"/>
+              <a:t>Requisitos</a:t>
+            </a:r>
+            <a:endParaRPr lang="pt-BR" dirty="0"/>
+          </a:p>
+        </p:txBody>
+      </p:sp>
+      <p:sp>
+        <p:nvSpPr>
+          <p:cNvPr id="17" name="CaixaDeTexto 16">
+            <a:extLst>
+              <a:ext uri="{FF2B5EF4-FFF2-40B4-BE49-F238E27FC236}">
+                <a16:creationId xmlns:a16="http://schemas.microsoft.com/office/drawing/2014/main" id="{901B5BC6-D638-4BE0-B37B-1A203C864D2E}"/>
+              </a:ext>
+            </a:extLst>
+          </p:cNvPr>
+          <p:cNvSpPr txBox="1"/>
+          <p:nvPr/>
+        </p:nvSpPr>
+        <p:spPr>
+          <a:xfrm>
+            <a:off x="6661200" y="1320341"/>
+            <a:ext cx="898530" cy="338554"/>
+          </a:xfrm>
+          <a:prstGeom prst="rect">
+            <a:avLst/>
+          </a:prstGeom>
+          <a:noFill/>
+        </p:spPr>
+        <p:txBody>
+          <a:bodyPr wrap="square" rtlCol="0">
+            <a:spAutoFit/>
+          </a:bodyPr>
+          <a:lstStyle/>
+          <a:p>
+            <a:r>
+              <a:rPr lang="pt-BR" sz="1600" dirty="0"/>
+              <a:t>BPMN</a:t>
+            </a:r>
+            <a:endParaRPr lang="pt-BR" dirty="0"/>
+          </a:p>
+        </p:txBody>
+      </p:sp>
+    </p:spTree>
+    <p:extLst>
+      <p:ext uri="{BB962C8B-B14F-4D97-AF65-F5344CB8AC3E}">
+        <p14:creationId xmlns:p14="http://schemas.microsoft.com/office/powerpoint/2010/main" val="3697814180"/>
+      </p:ext>
+    </p:extLst>
+  </p:cSld>
+  <p:clrMapOvr>
+    <a:masterClrMapping/>
+  </p:clrMapOvr>
+  <p:timing>
+    <p:tnLst>
+      <p:par>
+        <p:cTn id="1" dur="indefinite" restart="never" nodeType="tmRoot">
+          <p:childTnLst>
+            <p:seq concurrent="1" nextAc="seek">
+              <p:cTn id="2" dur="indefinite" nodeType="mainSeq">
+                <p:childTnLst>
+                  <p:par>
+                    <p:cTn id="3" fill="hold">
+                      <p:stCondLst>
+                        <p:cond delay="indefinite"/>
+                        <p:cond evt="onBegin" delay="0">
+                          <p:tn val="2"/>
+                        </p:cond>
+                      </p:stCondLst>
+                      <p:childTnLst>
+                        <p:par>
+                          <p:cTn id="4" fill="hold">
+                            <p:stCondLst>
+                              <p:cond delay="0"/>
+                            </p:stCondLst>
+                            <p:childTnLst>
+                              <p:par>
+                                <p:cTn id="5" presetID="53" presetClass="entr" presetSubtype="16" fill="hold" nodeType="withEffect">
+                                  <p:stCondLst>
+                                    <p:cond delay="0"/>
+                                  </p:stCondLst>
+                                  <p:childTnLst>
+                                    <p:set>
+                                      <p:cBhvr>
+                                        <p:cTn id="6" dur="1" fill="hold">
+                                          <p:stCondLst>
+                                            <p:cond delay="0"/>
+                                          </p:stCondLst>
+                                        </p:cTn>
+                                        <p:tgtEl>
+                                          <p:spTgt spid="4"/>
+                                        </p:tgtEl>
+                                        <p:attrNameLst>
+                                          <p:attrName>style.visibility</p:attrName>
+                                        </p:attrNameLst>
+                                      </p:cBhvr>
+                                      <p:to>
+                                        <p:strVal val="visible"/>
+                                      </p:to>
+                                    </p:set>
+                                    <p:anim calcmode="lin" valueType="num">
+                                      <p:cBhvr>
+                                        <p:cTn id="7" dur="500" fill="hold"/>
+                                        <p:tgtEl>
+                                          <p:spTgt spid="4"/>
+                                        </p:tgtEl>
+                                        <p:attrNameLst>
+                                          <p:attrName>ppt_w</p:attrName>
+                                        </p:attrNameLst>
+                                      </p:cBhvr>
+                                      <p:tavLst>
+                                        <p:tav tm="0">
+                                          <p:val>
+                                            <p:fltVal val="0"/>
+                                          </p:val>
+                                        </p:tav>
+                                        <p:tav tm="100000">
+                                          <p:val>
+                                            <p:strVal val="#ppt_w"/>
+                                          </p:val>
+                                        </p:tav>
+                                      </p:tavLst>
+                                    </p:anim>
+                                    <p:anim calcmode="lin" valueType="num">
+                                      <p:cBhvr>
+                                        <p:cTn id="8" dur="500" fill="hold"/>
+                                        <p:tgtEl>
+                                          <p:spTgt spid="4"/>
+                                        </p:tgtEl>
+                                        <p:attrNameLst>
+                                          <p:attrName>ppt_h</p:attrName>
+                                        </p:attrNameLst>
+                                      </p:cBhvr>
+                                      <p:tavLst>
+                                        <p:tav tm="0">
+                                          <p:val>
+                                            <p:fltVal val="0"/>
+                                          </p:val>
+                                        </p:tav>
+                                        <p:tav tm="100000">
+                                          <p:val>
+                                            <p:strVal val="#ppt_h"/>
+                                          </p:val>
+                                        </p:tav>
+                                      </p:tavLst>
+                                    </p:anim>
+                                    <p:animEffect transition="in" filter="fade">
+                                      <p:cBhvr>
+                                        <p:cTn id="9" dur="500"/>
+                                        <p:tgtEl>
+                                          <p:spTgt spid="4"/>
+                                        </p:tgtEl>
+                                      </p:cBhvr>
+                                    </p:animEffect>
                                   </p:childTnLst>
                                 </p:cTn>
                               </p:par>
@@ -42885,7 +43090,7 @@
         </p:blipFill>
         <p:spPr bwMode="auto">
           <a:xfrm>
-            <a:off x="1831345" y="4605450"/>
+            <a:off x="4096585" y="4605448"/>
             <a:ext cx="1072370" cy="1104267"/>
           </a:xfrm>
           <a:prstGeom prst="rect">
@@ -42932,8 +43137,8 @@
         </p:blipFill>
         <p:spPr bwMode="auto">
           <a:xfrm>
-            <a:off x="6661200" y="4587136"/>
-            <a:ext cx="1140898" cy="1140898"/>
+            <a:off x="6657030" y="4605448"/>
+            <a:ext cx="1168401" cy="1168401"/>
           </a:xfrm>
           <a:prstGeom prst="rect">
             <a:avLst/>
@@ -42979,7 +43184,7 @@
         </p:blipFill>
         <p:spPr bwMode="auto">
           <a:xfrm>
-            <a:off x="1762817" y="2270057"/>
+            <a:off x="1762817" y="2393088"/>
             <a:ext cx="1140898" cy="1140898"/>
           </a:xfrm>
           <a:prstGeom prst="rect">
@@ -43024,7 +43229,7 @@
         </p:blipFill>
         <p:spPr bwMode="auto">
           <a:xfrm>
-            <a:off x="4060883" y="2264944"/>
+            <a:off x="4060883" y="2387975"/>
             <a:ext cx="1437165" cy="1146011"/>
           </a:xfrm>
           <a:prstGeom prst="rect">
@@ -43069,55 +43274,8 @@
         </p:blipFill>
         <p:spPr bwMode="auto">
           <a:xfrm>
-            <a:off x="6657030" y="2264944"/>
+            <a:off x="6657030" y="2387975"/>
             <a:ext cx="1149238" cy="1140898"/>
-          </a:xfrm>
-          <a:prstGeom prst="rect">
-            <a:avLst/>
-          </a:prstGeom>
-          <a:noFill/>
-          <a:extLst>
-            <a:ext uri="{909E8E84-426E-40DD-AFC4-6F175D3DCCD1}">
-              <a14:hiddenFill xmlns:a14="http://schemas.microsoft.com/office/drawing/2010/main">
-                <a:solidFill>
-                  <a:srgbClr val="FFFFFF"/>
-                </a:solidFill>
-              </a14:hiddenFill>
-            </a:ext>
-          </a:extLst>
-        </p:spPr>
-      </p:pic>
-      <p:pic>
-        <p:nvPicPr>
-          <p:cNvPr id="1048" name="Picture 24" descr="Node Js Icon of Flat style - Available in SVG, PNG, EPS, AI &amp; Icon ...">
-            <a:extLst>
-              <a:ext uri="{FF2B5EF4-FFF2-40B4-BE49-F238E27FC236}">
-                <a16:creationId xmlns:a16="http://schemas.microsoft.com/office/drawing/2014/main" id="{02423DA5-E5A7-4204-9F15-B1C2DA32315D}"/>
-              </a:ext>
-            </a:extLst>
-          </p:cNvPr>
-          <p:cNvPicPr>
-            <a:picLocks noChangeAspect="1" noChangeArrowheads="1"/>
-          </p:cNvPicPr>
-          <p:nvPr/>
-        </p:nvPicPr>
-        <p:blipFill>
-          <a:blip r:embed="rId7">
-            <a:extLst>
-              <a:ext uri="{28A0092B-C50C-407E-A947-70E740481C1C}">
-                <a14:useLocalDpi xmlns:a14="http://schemas.microsoft.com/office/drawing/2010/main" val="0"/>
-              </a:ext>
-            </a:extLst>
-          </a:blip>
-          <a:srcRect/>
-          <a:stretch>
-            <a:fillRect/>
-          </a:stretch>
-        </p:blipFill>
-        <p:spPr bwMode="auto">
-          <a:xfrm>
-            <a:off x="4209017" y="4568820"/>
-            <a:ext cx="1140898" cy="1140898"/>
           </a:xfrm>
           <a:prstGeom prst="rect">
             <a:avLst/>
@@ -43149,7 +43307,7 @@
           <p:nvPr/>
         </p:nvPicPr>
         <p:blipFill>
-          <a:blip r:embed="rId8">
+          <a:blip r:embed="rId7">
             <a:extLst>
               <a:ext uri="{28A0092B-C50C-407E-A947-70E740481C1C}">
                 <a14:useLocalDpi xmlns:a14="http://schemas.microsoft.com/office/drawing/2010/main" val="0"/>
@@ -43163,7 +43321,7 @@
         </p:blipFill>
         <p:spPr bwMode="auto">
           <a:xfrm>
-            <a:off x="9121357" y="2291234"/>
+            <a:off x="9121357" y="2414265"/>
             <a:ext cx="1088318" cy="1088318"/>
           </a:xfrm>
           <a:prstGeom prst="rect">
@@ -43196,7 +43354,7 @@
           <p:nvPr/>
         </p:nvPicPr>
         <p:blipFill>
-          <a:blip r:embed="rId9">
+          <a:blip r:embed="rId8">
             <a:extLst>
               <a:ext uri="{28A0092B-C50C-407E-A947-70E740481C1C}">
                 <a14:useLocalDpi xmlns:a14="http://schemas.microsoft.com/office/drawing/2010/main" val="0"/>
@@ -43210,7 +43368,7 @@
         </p:blipFill>
         <p:spPr bwMode="auto">
           <a:xfrm>
-            <a:off x="9113383" y="4605451"/>
+            <a:off x="9130999" y="4605448"/>
             <a:ext cx="1104267" cy="1104267"/>
           </a:xfrm>
           <a:prstGeom prst="rect">
@@ -43265,6 +43423,36 @@
           </a:p>
         </p:txBody>
       </p:sp>
+      <p:pic>
+        <p:nvPicPr>
+          <p:cNvPr id="3" name="Imagem 2">
+            <a:extLst>
+              <a:ext uri="{FF2B5EF4-FFF2-40B4-BE49-F238E27FC236}">
+                <a16:creationId xmlns:a16="http://schemas.microsoft.com/office/drawing/2014/main" id="{A43DF01B-3E58-4B87-B7A7-68FE79FB51EB}"/>
+              </a:ext>
+            </a:extLst>
+          </p:cNvPr>
+          <p:cNvPicPr>
+            <a:picLocks noChangeAspect="1"/>
+          </p:cNvPicPr>
+          <p:nvPr/>
+        </p:nvPicPr>
+        <p:blipFill>
+          <a:blip r:embed="rId9"/>
+          <a:stretch>
+            <a:fillRect/>
+          </a:stretch>
+        </p:blipFill>
+        <p:spPr>
+          <a:xfrm>
+            <a:off x="1812897" y="4490831"/>
+            <a:ext cx="946177" cy="1146880"/>
+          </a:xfrm>
+          <a:prstGeom prst="rect">
+            <a:avLst/>
+          </a:prstGeom>
+        </p:spPr>
+      </p:pic>
     </p:spTree>
     <p:extLst>
       <p:ext uri="{BB962C8B-B14F-4D97-AF65-F5344CB8AC3E}">

--- a/Documentação/Apresentação - Sprint 3.pptx
+++ b/Documentação/Apresentação - Sprint 3.pptx
@@ -134,7 +134,7 @@
 <file path=ppt/revisionInfo.xml><?xml version="1.0" encoding="utf-8"?>
 <p1510:revInfo xmlns:a="http://schemas.openxmlformats.org/drawingml/2006/main" xmlns:r="http://schemas.openxmlformats.org/officeDocument/2006/relationships" xmlns:p1510="http://schemas.microsoft.com/office/powerpoint/2015/10/main">
   <p1510:revLst>
-    <p1510:client id="{A09FC4A9-89B9-4888-AEA2-D945178E12B3}" v="19" dt="2020-06-20T12:41:16.300"/>
+    <p1510:client id="{A09FC4A9-89B9-4888-AEA2-D945178E12B3}" v="25" dt="2020-06-20T13:26:14.939"/>
   </p1510:revLst>
 </p1510:revInfo>
 </file>
@@ -3694,12 +3694,12 @@
   <pc:docChgLst>
     <pc:chgData name="Fernando C Correa" userId="a08d7f3c16d54179" providerId="LiveId" clId="{A09FC4A9-89B9-4888-AEA2-D945178E12B3}"/>
     <pc:docChg chg="undo custSel modSld sldOrd">
-      <pc:chgData name="Fernando C Correa" userId="a08d7f3c16d54179" providerId="LiveId" clId="{A09FC4A9-89B9-4888-AEA2-D945178E12B3}" dt="2020-06-20T12:42:10.596" v="148" actId="1037"/>
+      <pc:chgData name="Fernando C Correa" userId="a08d7f3c16d54179" providerId="LiveId" clId="{A09FC4A9-89B9-4888-AEA2-D945178E12B3}" dt="2020-06-20T13:26:14.939" v="154"/>
       <pc:docMkLst>
         <pc:docMk/>
       </pc:docMkLst>
-      <pc:sldChg chg="addSp delSp modSp mod ord">
-        <pc:chgData name="Fernando C Correa" userId="a08d7f3c16d54179" providerId="LiveId" clId="{A09FC4A9-89B9-4888-AEA2-D945178E12B3}" dt="2020-06-20T12:41:41.491" v="98" actId="1076"/>
+      <pc:sldChg chg="addSp delSp modSp mod ord modAnim">
+        <pc:chgData name="Fernando C Correa" userId="a08d7f3c16d54179" providerId="LiveId" clId="{A09FC4A9-89B9-4888-AEA2-D945178E12B3}" dt="2020-06-20T13:26:06.598" v="153"/>
         <pc:sldMkLst>
           <pc:docMk/>
           <pc:sldMk cId="1295663715" sldId="289"/>
@@ -3769,8 +3769,8 @@
           </ac:spMkLst>
         </pc:spChg>
       </pc:sldChg>
-      <pc:sldChg chg="addSp delSp modSp mod">
-        <pc:chgData name="Fernando C Correa" userId="a08d7f3c16d54179" providerId="LiveId" clId="{A09FC4A9-89B9-4888-AEA2-D945178E12B3}" dt="2020-06-20T12:42:10.596" v="148" actId="1037"/>
+      <pc:sldChg chg="addSp delSp modSp mod modAnim">
+        <pc:chgData name="Fernando C Correa" userId="a08d7f3c16d54179" providerId="LiveId" clId="{A09FC4A9-89B9-4888-AEA2-D945178E12B3}" dt="2020-06-20T13:26:14.939" v="154"/>
         <pc:sldMkLst>
           <pc:docMk/>
           <pc:sldMk cId="3697814180" sldId="294"/>
@@ -3816,8 +3816,15 @@
           </ac:spMkLst>
         </pc:spChg>
       </pc:sldChg>
-      <pc:sldChg chg="addSp delSp modSp mod">
-        <pc:chgData name="Fernando C Correa" userId="a08d7f3c16d54179" providerId="LiveId" clId="{A09FC4A9-89B9-4888-AEA2-D945178E12B3}" dt="2020-06-20T12:25:38.920" v="16" actId="14100"/>
+      <pc:sldChg chg="modAnim">
+        <pc:chgData name="Fernando C Correa" userId="a08d7f3c16d54179" providerId="LiveId" clId="{A09FC4A9-89B9-4888-AEA2-D945178E12B3}" dt="2020-06-20T13:25:48.654" v="152"/>
+        <pc:sldMkLst>
+          <pc:docMk/>
+          <pc:sldMk cId="1350499800" sldId="298"/>
+        </pc:sldMkLst>
+      </pc:sldChg>
+      <pc:sldChg chg="addSp delSp modSp mod modAnim">
+        <pc:chgData name="Fernando C Correa" userId="a08d7f3c16d54179" providerId="LiveId" clId="{A09FC4A9-89B9-4888-AEA2-D945178E12B3}" dt="2020-06-20T13:25:29.803" v="150"/>
         <pc:sldMkLst>
           <pc:docMk/>
           <pc:sldMk cId="1216557380" sldId="310"/>
@@ -32022,105 +32029,6 @@
                       </p:childTnLst>
                     </p:cTn>
                   </p:par>
-                  <p:par>
-                    <p:cTn id="10" fill="hold">
-                      <p:stCondLst>
-                        <p:cond delay="indefinite"/>
-                      </p:stCondLst>
-                      <p:childTnLst>
-                        <p:par>
-                          <p:cTn id="11" fill="hold">
-                            <p:stCondLst>
-                              <p:cond delay="0"/>
-                            </p:stCondLst>
-                            <p:childTnLst>
-                              <p:par>
-                                <p:cTn id="12" presetID="53" presetClass="exit" presetSubtype="32" fill="hold" nodeType="clickEffect">
-                                  <p:stCondLst>
-                                    <p:cond delay="0"/>
-                                  </p:stCondLst>
-                                  <p:childTnLst>
-                                    <p:anim calcmode="lin" valueType="num">
-                                      <p:cBhvr>
-                                        <p:cTn id="13" dur="500"/>
-                                        <p:tgtEl>
-                                          <p:spTgt spid="11"/>
-                                        </p:tgtEl>
-                                        <p:attrNameLst>
-                                          <p:attrName>ppt_w</p:attrName>
-                                        </p:attrNameLst>
-                                      </p:cBhvr>
-                                      <p:tavLst>
-                                        <p:tav tm="0">
-                                          <p:val>
-                                            <p:strVal val="ppt_w"/>
-                                          </p:val>
-                                        </p:tav>
-                                        <p:tav tm="100000">
-                                          <p:val>
-                                            <p:fltVal val="0"/>
-                                          </p:val>
-                                        </p:tav>
-                                      </p:tavLst>
-                                    </p:anim>
-                                    <p:anim calcmode="lin" valueType="num">
-                                      <p:cBhvr>
-                                        <p:cTn id="14" dur="500"/>
-                                        <p:tgtEl>
-                                          <p:spTgt spid="11"/>
-                                        </p:tgtEl>
-                                        <p:attrNameLst>
-                                          <p:attrName>ppt_h</p:attrName>
-                                        </p:attrNameLst>
-                                      </p:cBhvr>
-                                      <p:tavLst>
-                                        <p:tav tm="0">
-                                          <p:val>
-                                            <p:strVal val="ppt_h"/>
-                                          </p:val>
-                                        </p:tav>
-                                        <p:tav tm="100000">
-                                          <p:val>
-                                            <p:fltVal val="0"/>
-                                          </p:val>
-                                        </p:tav>
-                                      </p:tavLst>
-                                    </p:anim>
-                                    <p:animEffect transition="out" filter="fade">
-                                      <p:cBhvr>
-                                        <p:cTn id="15" dur="500"/>
-                                        <p:tgtEl>
-                                          <p:spTgt spid="11"/>
-                                        </p:tgtEl>
-                                      </p:cBhvr>
-                                    </p:animEffect>
-                                    <p:set>
-                                      <p:cBhvr>
-                                        <p:cTn id="16" dur="1" fill="hold">
-                                          <p:stCondLst>
-                                            <p:cond delay="499"/>
-                                          </p:stCondLst>
-                                        </p:cTn>
-                                        <p:tgtEl>
-                                          <p:spTgt spid="11"/>
-                                        </p:tgtEl>
-                                        <p:attrNameLst>
-                                          <p:attrName>style.visibility</p:attrName>
-                                        </p:attrNameLst>
-                                      </p:cBhvr>
-                                      <p:to>
-                                        <p:strVal val="hidden"/>
-                                      </p:to>
-                                    </p:set>
-                                  </p:childTnLst>
-                                </p:cTn>
-                              </p:par>
-                            </p:childTnLst>
-                          </p:cTn>
-                        </p:par>
-                      </p:childTnLst>
-                    </p:cTn>
-                  </p:par>
                 </p:childTnLst>
               </p:cTn>
               <p:prevCondLst>
@@ -32957,6 +32865,105 @@
                                         </p:tgtEl>
                                       </p:cBhvr>
                                     </p:animEffect>
+                                  </p:childTnLst>
+                                </p:cTn>
+                              </p:par>
+                            </p:childTnLst>
+                          </p:cTn>
+                        </p:par>
+                      </p:childTnLst>
+                    </p:cTn>
+                  </p:par>
+                  <p:par>
+                    <p:cTn id="10" fill="hold">
+                      <p:stCondLst>
+                        <p:cond delay="indefinite"/>
+                      </p:stCondLst>
+                      <p:childTnLst>
+                        <p:par>
+                          <p:cTn id="11" fill="hold">
+                            <p:stCondLst>
+                              <p:cond delay="0"/>
+                            </p:stCondLst>
+                            <p:childTnLst>
+                              <p:par>
+                                <p:cTn id="12" presetID="53" presetClass="exit" presetSubtype="32" fill="hold" nodeType="clickEffect">
+                                  <p:stCondLst>
+                                    <p:cond delay="0"/>
+                                  </p:stCondLst>
+                                  <p:childTnLst>
+                                    <p:anim calcmode="lin" valueType="num">
+                                      <p:cBhvr>
+                                        <p:cTn id="13" dur="500"/>
+                                        <p:tgtEl>
+                                          <p:spTgt spid="4"/>
+                                        </p:tgtEl>
+                                        <p:attrNameLst>
+                                          <p:attrName>ppt_w</p:attrName>
+                                        </p:attrNameLst>
+                                      </p:cBhvr>
+                                      <p:tavLst>
+                                        <p:tav tm="0">
+                                          <p:val>
+                                            <p:strVal val="ppt_w"/>
+                                          </p:val>
+                                        </p:tav>
+                                        <p:tav tm="100000">
+                                          <p:val>
+                                            <p:fltVal val="0"/>
+                                          </p:val>
+                                        </p:tav>
+                                      </p:tavLst>
+                                    </p:anim>
+                                    <p:anim calcmode="lin" valueType="num">
+                                      <p:cBhvr>
+                                        <p:cTn id="14" dur="500"/>
+                                        <p:tgtEl>
+                                          <p:spTgt spid="4"/>
+                                        </p:tgtEl>
+                                        <p:attrNameLst>
+                                          <p:attrName>ppt_h</p:attrName>
+                                        </p:attrNameLst>
+                                      </p:cBhvr>
+                                      <p:tavLst>
+                                        <p:tav tm="0">
+                                          <p:val>
+                                            <p:strVal val="ppt_h"/>
+                                          </p:val>
+                                        </p:tav>
+                                        <p:tav tm="100000">
+                                          <p:val>
+                                            <p:fltVal val="0"/>
+                                          </p:val>
+                                        </p:tav>
+                                      </p:tavLst>
+                                    </p:anim>
+                                    <p:animEffect transition="out" filter="fade">
+                                      <p:cBhvr>
+                                        <p:cTn id="15" dur="500"/>
+                                        <p:tgtEl>
+                                          <p:spTgt spid="4"/>
+                                        </p:tgtEl>
+                                      </p:cBhvr>
+                                    </p:animEffect>
+                                    <p:set>
+                                      <p:cBhvr>
+                                        <p:cTn id="16" dur="1" fill="hold">
+                                          <p:stCondLst>
+                                            <p:cond delay="499"/>
+                                          </p:stCondLst>
+                                        </p:cTn>
+                                        <p:tgtEl>
+                                          <p:spTgt spid="4"/>
+                                        </p:tgtEl>
+                                        <p:attrNameLst>
+                                          <p:attrName>style.visibility</p:attrName>
+                                        </p:attrNameLst>
+                                      </p:cBhvr>
+                                      <p:to>
+                                        <p:strVal val="hidden"/>
+                                      </p:to>
+                                    </p:set>
                                   </p:childTnLst>
                                 </p:cTn>
                               </p:par>
@@ -42484,6 +42491,143 @@
   <p:clrMapOvr>
     <a:masterClrMapping/>
   </p:clrMapOvr>
+  <p:timing>
+    <p:tnLst>
+      <p:par>
+        <p:cTn id="1" dur="indefinite" restart="never" nodeType="tmRoot">
+          <p:childTnLst>
+            <p:seq concurrent="1" nextAc="seek">
+              <p:cTn id="2" dur="indefinite" nodeType="mainSeq">
+                <p:childTnLst>
+                  <p:par>
+                    <p:cTn id="3" fill="hold">
+                      <p:stCondLst>
+                        <p:cond delay="indefinite"/>
+                        <p:cond evt="onBegin" delay="0">
+                          <p:tn val="2"/>
+                        </p:cond>
+                      </p:stCondLst>
+                      <p:childTnLst>
+                        <p:par>
+                          <p:cTn id="4" fill="hold">
+                            <p:stCondLst>
+                              <p:cond delay="0"/>
+                            </p:stCondLst>
+                            <p:childTnLst>
+                              <p:par>
+                                <p:cTn id="5" presetID="53" presetClass="entr" presetSubtype="16" fill="hold" grpId="0" nodeType="withEffect">
+                                  <p:stCondLst>
+                                    <p:cond delay="0"/>
+                                  </p:stCondLst>
+                                  <p:childTnLst>
+                                    <p:set>
+                                      <p:cBhvr>
+                                        <p:cTn id="6" dur="1" fill="hold">
+                                          <p:stCondLst>
+                                            <p:cond delay="0"/>
+                                          </p:stCondLst>
+                                        </p:cTn>
+                                        <p:tgtEl>
+                                          <p:spTgt spid="5"/>
+                                        </p:tgtEl>
+                                        <p:attrNameLst>
+                                          <p:attrName>style.visibility</p:attrName>
+                                        </p:attrNameLst>
+                                      </p:cBhvr>
+                                      <p:to>
+                                        <p:strVal val="visible"/>
+                                      </p:to>
+                                    </p:set>
+                                    <p:anim calcmode="lin" valueType="num">
+                                      <p:cBhvr>
+                                        <p:cTn id="7" dur="500" fill="hold"/>
+                                        <p:tgtEl>
+                                          <p:spTgt spid="5"/>
+                                        </p:tgtEl>
+                                        <p:attrNameLst>
+                                          <p:attrName>ppt_w</p:attrName>
+                                        </p:attrNameLst>
+                                      </p:cBhvr>
+                                      <p:tavLst>
+                                        <p:tav tm="0">
+                                          <p:val>
+                                            <p:fltVal val="0"/>
+                                          </p:val>
+                                        </p:tav>
+                                        <p:tav tm="100000">
+                                          <p:val>
+                                            <p:strVal val="#ppt_w"/>
+                                          </p:val>
+                                        </p:tav>
+                                      </p:tavLst>
+                                    </p:anim>
+                                    <p:anim calcmode="lin" valueType="num">
+                                      <p:cBhvr>
+                                        <p:cTn id="8" dur="500" fill="hold"/>
+                                        <p:tgtEl>
+                                          <p:spTgt spid="5"/>
+                                        </p:tgtEl>
+                                        <p:attrNameLst>
+                                          <p:attrName>ppt_h</p:attrName>
+                                        </p:attrNameLst>
+                                      </p:cBhvr>
+                                      <p:tavLst>
+                                        <p:tav tm="0">
+                                          <p:val>
+                                            <p:fltVal val="0"/>
+                                          </p:val>
+                                        </p:tav>
+                                        <p:tav tm="100000">
+                                          <p:val>
+                                            <p:strVal val="#ppt_h"/>
+                                          </p:val>
+                                        </p:tav>
+                                      </p:tavLst>
+                                    </p:anim>
+                                    <p:animEffect transition="in" filter="fade">
+                                      <p:cBhvr>
+                                        <p:cTn id="9" dur="500"/>
+                                        <p:tgtEl>
+                                          <p:spTgt spid="5"/>
+                                        </p:tgtEl>
+                                      </p:cBhvr>
+                                    </p:animEffect>
+                                  </p:childTnLst>
+                                </p:cTn>
+                              </p:par>
+                            </p:childTnLst>
+                          </p:cTn>
+                        </p:par>
+                      </p:childTnLst>
+                    </p:cTn>
+                  </p:par>
+                </p:childTnLst>
+              </p:cTn>
+              <p:prevCondLst>
+                <p:cond evt="onPrev" delay="0">
+                  <p:tgtEl>
+                    <p:sldTgt/>
+                  </p:tgtEl>
+                </p:cond>
+              </p:prevCondLst>
+              <p:nextCondLst>
+                <p:cond evt="onNext" delay="0">
+                  <p:tgtEl>
+                    <p:sldTgt/>
+                  </p:tgtEl>
+                </p:cond>
+              </p:nextCondLst>
+            </p:seq>
+          </p:childTnLst>
+        </p:cTn>
+      </p:par>
+    </p:tnLst>
+    <p:bldLst>
+      <p:bldGraphic spid="5" grpId="0">
+        <p:bldAsOne/>
+      </p:bldGraphic>
+    </p:bldLst>
+  </p:timing>
 </p:sld>
 </file>
 
@@ -43463,6 +43607,705 @@
   <p:clrMapOvr>
     <a:masterClrMapping/>
   </p:clrMapOvr>
+  <p:timing>
+    <p:tnLst>
+      <p:par>
+        <p:cTn id="1" dur="indefinite" restart="never" nodeType="tmRoot">
+          <p:childTnLst>
+            <p:seq concurrent="1" nextAc="seek">
+              <p:cTn id="2" dur="indefinite" nodeType="mainSeq">
+                <p:childTnLst>
+                  <p:par>
+                    <p:cTn id="3" fill="hold">
+                      <p:stCondLst>
+                        <p:cond delay="indefinite"/>
+                        <p:cond evt="onBegin" delay="0">
+                          <p:tn val="2"/>
+                        </p:cond>
+                      </p:stCondLst>
+                      <p:childTnLst>
+                        <p:par>
+                          <p:cTn id="4" fill="hold">
+                            <p:stCondLst>
+                              <p:cond delay="0"/>
+                            </p:stCondLst>
+                            <p:childTnLst>
+                              <p:par>
+                                <p:cTn id="5" presetID="53" presetClass="entr" presetSubtype="16" fill="hold" nodeType="withEffect">
+                                  <p:stCondLst>
+                                    <p:cond delay="0"/>
+                                  </p:stCondLst>
+                                  <p:childTnLst>
+                                    <p:set>
+                                      <p:cBhvr>
+                                        <p:cTn id="6" dur="1" fill="hold">
+                                          <p:stCondLst>
+                                            <p:cond delay="0"/>
+                                          </p:stCondLst>
+                                        </p:cTn>
+                                        <p:tgtEl>
+                                          <p:spTgt spid="1036"/>
+                                        </p:tgtEl>
+                                        <p:attrNameLst>
+                                          <p:attrName>style.visibility</p:attrName>
+                                        </p:attrNameLst>
+                                      </p:cBhvr>
+                                      <p:to>
+                                        <p:strVal val="visible"/>
+                                      </p:to>
+                                    </p:set>
+                                    <p:anim calcmode="lin" valueType="num">
+                                      <p:cBhvr>
+                                        <p:cTn id="7" dur="500" fill="hold"/>
+                                        <p:tgtEl>
+                                          <p:spTgt spid="1036"/>
+                                        </p:tgtEl>
+                                        <p:attrNameLst>
+                                          <p:attrName>ppt_w</p:attrName>
+                                        </p:attrNameLst>
+                                      </p:cBhvr>
+                                      <p:tavLst>
+                                        <p:tav tm="0">
+                                          <p:val>
+                                            <p:fltVal val="0"/>
+                                          </p:val>
+                                        </p:tav>
+                                        <p:tav tm="100000">
+                                          <p:val>
+                                            <p:strVal val="#ppt_w"/>
+                                          </p:val>
+                                        </p:tav>
+                                      </p:tavLst>
+                                    </p:anim>
+                                    <p:anim calcmode="lin" valueType="num">
+                                      <p:cBhvr>
+                                        <p:cTn id="8" dur="500" fill="hold"/>
+                                        <p:tgtEl>
+                                          <p:spTgt spid="1036"/>
+                                        </p:tgtEl>
+                                        <p:attrNameLst>
+                                          <p:attrName>ppt_h</p:attrName>
+                                        </p:attrNameLst>
+                                      </p:cBhvr>
+                                      <p:tavLst>
+                                        <p:tav tm="0">
+                                          <p:val>
+                                            <p:fltVal val="0"/>
+                                          </p:val>
+                                        </p:tav>
+                                        <p:tav tm="100000">
+                                          <p:val>
+                                            <p:strVal val="#ppt_h"/>
+                                          </p:val>
+                                        </p:tav>
+                                      </p:tavLst>
+                                    </p:anim>
+                                    <p:animEffect transition="in" filter="fade">
+                                      <p:cBhvr>
+                                        <p:cTn id="9" dur="500"/>
+                                        <p:tgtEl>
+                                          <p:spTgt spid="1036"/>
+                                        </p:tgtEl>
+                                      </p:cBhvr>
+                                    </p:animEffect>
+                                  </p:childTnLst>
+                                </p:cTn>
+                              </p:par>
+                              <p:par>
+                                <p:cTn id="10" presetID="53" presetClass="entr" presetSubtype="16" fill="hold" nodeType="withEffect">
+                                  <p:stCondLst>
+                                    <p:cond delay="0"/>
+                                  </p:stCondLst>
+                                  <p:childTnLst>
+                                    <p:set>
+                                      <p:cBhvr>
+                                        <p:cTn id="11" dur="1" fill="hold">
+                                          <p:stCondLst>
+                                            <p:cond delay="0"/>
+                                          </p:stCondLst>
+                                        </p:cTn>
+                                        <p:tgtEl>
+                                          <p:spTgt spid="1038"/>
+                                        </p:tgtEl>
+                                        <p:attrNameLst>
+                                          <p:attrName>style.visibility</p:attrName>
+                                        </p:attrNameLst>
+                                      </p:cBhvr>
+                                      <p:to>
+                                        <p:strVal val="visible"/>
+                                      </p:to>
+                                    </p:set>
+                                    <p:anim calcmode="lin" valueType="num">
+                                      <p:cBhvr>
+                                        <p:cTn id="12" dur="500" fill="hold"/>
+                                        <p:tgtEl>
+                                          <p:spTgt spid="1038"/>
+                                        </p:tgtEl>
+                                        <p:attrNameLst>
+                                          <p:attrName>ppt_w</p:attrName>
+                                        </p:attrNameLst>
+                                      </p:cBhvr>
+                                      <p:tavLst>
+                                        <p:tav tm="0">
+                                          <p:val>
+                                            <p:fltVal val="0"/>
+                                          </p:val>
+                                        </p:tav>
+                                        <p:tav tm="100000">
+                                          <p:val>
+                                            <p:strVal val="#ppt_w"/>
+                                          </p:val>
+                                        </p:tav>
+                                      </p:tavLst>
+                                    </p:anim>
+                                    <p:anim calcmode="lin" valueType="num">
+                                      <p:cBhvr>
+                                        <p:cTn id="13" dur="500" fill="hold"/>
+                                        <p:tgtEl>
+                                          <p:spTgt spid="1038"/>
+                                        </p:tgtEl>
+                                        <p:attrNameLst>
+                                          <p:attrName>ppt_h</p:attrName>
+                                        </p:attrNameLst>
+                                      </p:cBhvr>
+                                      <p:tavLst>
+                                        <p:tav tm="0">
+                                          <p:val>
+                                            <p:fltVal val="0"/>
+                                          </p:val>
+                                        </p:tav>
+                                        <p:tav tm="100000">
+                                          <p:val>
+                                            <p:strVal val="#ppt_h"/>
+                                          </p:val>
+                                        </p:tav>
+                                      </p:tavLst>
+                                    </p:anim>
+                                    <p:animEffect transition="in" filter="fade">
+                                      <p:cBhvr>
+                                        <p:cTn id="14" dur="500"/>
+                                        <p:tgtEl>
+                                          <p:spTgt spid="1038"/>
+                                        </p:tgtEl>
+                                      </p:cBhvr>
+                                    </p:animEffect>
+                                  </p:childTnLst>
+                                </p:cTn>
+                              </p:par>
+                              <p:par>
+                                <p:cTn id="15" presetID="53" presetClass="entr" presetSubtype="16" fill="hold" nodeType="withEffect">
+                                  <p:stCondLst>
+                                    <p:cond delay="0"/>
+                                  </p:stCondLst>
+                                  <p:childTnLst>
+                                    <p:set>
+                                      <p:cBhvr>
+                                        <p:cTn id="16" dur="1" fill="hold">
+                                          <p:stCondLst>
+                                            <p:cond delay="0"/>
+                                          </p:stCondLst>
+                                        </p:cTn>
+                                        <p:tgtEl>
+                                          <p:spTgt spid="1040"/>
+                                        </p:tgtEl>
+                                        <p:attrNameLst>
+                                          <p:attrName>style.visibility</p:attrName>
+                                        </p:attrNameLst>
+                                      </p:cBhvr>
+                                      <p:to>
+                                        <p:strVal val="visible"/>
+                                      </p:to>
+                                    </p:set>
+                                    <p:anim calcmode="lin" valueType="num">
+                                      <p:cBhvr>
+                                        <p:cTn id="17" dur="500" fill="hold"/>
+                                        <p:tgtEl>
+                                          <p:spTgt spid="1040"/>
+                                        </p:tgtEl>
+                                        <p:attrNameLst>
+                                          <p:attrName>ppt_w</p:attrName>
+                                        </p:attrNameLst>
+                                      </p:cBhvr>
+                                      <p:tavLst>
+                                        <p:tav tm="0">
+                                          <p:val>
+                                            <p:fltVal val="0"/>
+                                          </p:val>
+                                        </p:tav>
+                                        <p:tav tm="100000">
+                                          <p:val>
+                                            <p:strVal val="#ppt_w"/>
+                                          </p:val>
+                                        </p:tav>
+                                      </p:tavLst>
+                                    </p:anim>
+                                    <p:anim calcmode="lin" valueType="num">
+                                      <p:cBhvr>
+                                        <p:cTn id="18" dur="500" fill="hold"/>
+                                        <p:tgtEl>
+                                          <p:spTgt spid="1040"/>
+                                        </p:tgtEl>
+                                        <p:attrNameLst>
+                                          <p:attrName>ppt_h</p:attrName>
+                                        </p:attrNameLst>
+                                      </p:cBhvr>
+                                      <p:tavLst>
+                                        <p:tav tm="0">
+                                          <p:val>
+                                            <p:fltVal val="0"/>
+                                          </p:val>
+                                        </p:tav>
+                                        <p:tav tm="100000">
+                                          <p:val>
+                                            <p:strVal val="#ppt_h"/>
+                                          </p:val>
+                                        </p:tav>
+                                      </p:tavLst>
+                                    </p:anim>
+                                    <p:animEffect transition="in" filter="fade">
+                                      <p:cBhvr>
+                                        <p:cTn id="19" dur="500"/>
+                                        <p:tgtEl>
+                                          <p:spTgt spid="1040"/>
+                                        </p:tgtEl>
+                                      </p:cBhvr>
+                                    </p:animEffect>
+                                  </p:childTnLst>
+                                </p:cTn>
+                              </p:par>
+                              <p:par>
+                                <p:cTn id="20" presetID="53" presetClass="entr" presetSubtype="16" fill="hold" nodeType="withEffect">
+                                  <p:stCondLst>
+                                    <p:cond delay="0"/>
+                                  </p:stCondLst>
+                                  <p:childTnLst>
+                                    <p:set>
+                                      <p:cBhvr>
+                                        <p:cTn id="21" dur="1" fill="hold">
+                                          <p:stCondLst>
+                                            <p:cond delay="0"/>
+                                          </p:stCondLst>
+                                        </p:cTn>
+                                        <p:tgtEl>
+                                          <p:spTgt spid="1050"/>
+                                        </p:tgtEl>
+                                        <p:attrNameLst>
+                                          <p:attrName>style.visibility</p:attrName>
+                                        </p:attrNameLst>
+                                      </p:cBhvr>
+                                      <p:to>
+                                        <p:strVal val="visible"/>
+                                      </p:to>
+                                    </p:set>
+                                    <p:anim calcmode="lin" valueType="num">
+                                      <p:cBhvr>
+                                        <p:cTn id="22" dur="500" fill="hold"/>
+                                        <p:tgtEl>
+                                          <p:spTgt spid="1050"/>
+                                        </p:tgtEl>
+                                        <p:attrNameLst>
+                                          <p:attrName>ppt_w</p:attrName>
+                                        </p:attrNameLst>
+                                      </p:cBhvr>
+                                      <p:tavLst>
+                                        <p:tav tm="0">
+                                          <p:val>
+                                            <p:fltVal val="0"/>
+                                          </p:val>
+                                        </p:tav>
+                                        <p:tav tm="100000">
+                                          <p:val>
+                                            <p:strVal val="#ppt_w"/>
+                                          </p:val>
+                                        </p:tav>
+                                      </p:tavLst>
+                                    </p:anim>
+                                    <p:anim calcmode="lin" valueType="num">
+                                      <p:cBhvr>
+                                        <p:cTn id="23" dur="500" fill="hold"/>
+                                        <p:tgtEl>
+                                          <p:spTgt spid="1050"/>
+                                        </p:tgtEl>
+                                        <p:attrNameLst>
+                                          <p:attrName>ppt_h</p:attrName>
+                                        </p:attrNameLst>
+                                      </p:cBhvr>
+                                      <p:tavLst>
+                                        <p:tav tm="0">
+                                          <p:val>
+                                            <p:fltVal val="0"/>
+                                          </p:val>
+                                        </p:tav>
+                                        <p:tav tm="100000">
+                                          <p:val>
+                                            <p:strVal val="#ppt_h"/>
+                                          </p:val>
+                                        </p:tav>
+                                      </p:tavLst>
+                                    </p:anim>
+                                    <p:animEffect transition="in" filter="fade">
+                                      <p:cBhvr>
+                                        <p:cTn id="24" dur="500"/>
+                                        <p:tgtEl>
+                                          <p:spTgt spid="1050"/>
+                                        </p:tgtEl>
+                                      </p:cBhvr>
+                                    </p:animEffect>
+                                  </p:childTnLst>
+                                </p:cTn>
+                              </p:par>
+                              <p:par>
+                                <p:cTn id="25" presetID="53" presetClass="entr" presetSubtype="16" fill="hold" nodeType="withEffect">
+                                  <p:stCondLst>
+                                    <p:cond delay="0"/>
+                                  </p:stCondLst>
+                                  <p:childTnLst>
+                                    <p:set>
+                                      <p:cBhvr>
+                                        <p:cTn id="26" dur="1" fill="hold">
+                                          <p:stCondLst>
+                                            <p:cond delay="0"/>
+                                          </p:stCondLst>
+                                        </p:cTn>
+                                        <p:tgtEl>
+                                          <p:spTgt spid="3"/>
+                                        </p:tgtEl>
+                                        <p:attrNameLst>
+                                          <p:attrName>style.visibility</p:attrName>
+                                        </p:attrNameLst>
+                                      </p:cBhvr>
+                                      <p:to>
+                                        <p:strVal val="visible"/>
+                                      </p:to>
+                                    </p:set>
+                                    <p:anim calcmode="lin" valueType="num">
+                                      <p:cBhvr>
+                                        <p:cTn id="27" dur="500" fill="hold"/>
+                                        <p:tgtEl>
+                                          <p:spTgt spid="3"/>
+                                        </p:tgtEl>
+                                        <p:attrNameLst>
+                                          <p:attrName>ppt_w</p:attrName>
+                                        </p:attrNameLst>
+                                      </p:cBhvr>
+                                      <p:tavLst>
+                                        <p:tav tm="0">
+                                          <p:val>
+                                            <p:fltVal val="0"/>
+                                          </p:val>
+                                        </p:tav>
+                                        <p:tav tm="100000">
+                                          <p:val>
+                                            <p:strVal val="#ppt_w"/>
+                                          </p:val>
+                                        </p:tav>
+                                      </p:tavLst>
+                                    </p:anim>
+                                    <p:anim calcmode="lin" valueType="num">
+                                      <p:cBhvr>
+                                        <p:cTn id="28" dur="500" fill="hold"/>
+                                        <p:tgtEl>
+                                          <p:spTgt spid="3"/>
+                                        </p:tgtEl>
+                                        <p:attrNameLst>
+                                          <p:attrName>ppt_h</p:attrName>
+                                        </p:attrNameLst>
+                                      </p:cBhvr>
+                                      <p:tavLst>
+                                        <p:tav tm="0">
+                                          <p:val>
+                                            <p:fltVal val="0"/>
+                                          </p:val>
+                                        </p:tav>
+                                        <p:tav tm="100000">
+                                          <p:val>
+                                            <p:strVal val="#ppt_h"/>
+                                          </p:val>
+                                        </p:tav>
+                                      </p:tavLst>
+                                    </p:anim>
+                                    <p:animEffect transition="in" filter="fade">
+                                      <p:cBhvr>
+                                        <p:cTn id="29" dur="500"/>
+                                        <p:tgtEl>
+                                          <p:spTgt spid="3"/>
+                                        </p:tgtEl>
+                                      </p:cBhvr>
+                                    </p:animEffect>
+                                  </p:childTnLst>
+                                </p:cTn>
+                              </p:par>
+                              <p:par>
+                                <p:cTn id="30" presetID="53" presetClass="entr" presetSubtype="16" fill="hold" nodeType="withEffect">
+                                  <p:stCondLst>
+                                    <p:cond delay="0"/>
+                                  </p:stCondLst>
+                                  <p:childTnLst>
+                                    <p:set>
+                                      <p:cBhvr>
+                                        <p:cTn id="31" dur="1" fill="hold">
+                                          <p:stCondLst>
+                                            <p:cond delay="0"/>
+                                          </p:stCondLst>
+                                        </p:cTn>
+                                        <p:tgtEl>
+                                          <p:spTgt spid="1028"/>
+                                        </p:tgtEl>
+                                        <p:attrNameLst>
+                                          <p:attrName>style.visibility</p:attrName>
+                                        </p:attrNameLst>
+                                      </p:cBhvr>
+                                      <p:to>
+                                        <p:strVal val="visible"/>
+                                      </p:to>
+                                    </p:set>
+                                    <p:anim calcmode="lin" valueType="num">
+                                      <p:cBhvr>
+                                        <p:cTn id="32" dur="500" fill="hold"/>
+                                        <p:tgtEl>
+                                          <p:spTgt spid="1028"/>
+                                        </p:tgtEl>
+                                        <p:attrNameLst>
+                                          <p:attrName>ppt_w</p:attrName>
+                                        </p:attrNameLst>
+                                      </p:cBhvr>
+                                      <p:tavLst>
+                                        <p:tav tm="0">
+                                          <p:val>
+                                            <p:fltVal val="0"/>
+                                          </p:val>
+                                        </p:tav>
+                                        <p:tav tm="100000">
+                                          <p:val>
+                                            <p:strVal val="#ppt_w"/>
+                                          </p:val>
+                                        </p:tav>
+                                      </p:tavLst>
+                                    </p:anim>
+                                    <p:anim calcmode="lin" valueType="num">
+                                      <p:cBhvr>
+                                        <p:cTn id="33" dur="500" fill="hold"/>
+                                        <p:tgtEl>
+                                          <p:spTgt spid="1028"/>
+                                        </p:tgtEl>
+                                        <p:attrNameLst>
+                                          <p:attrName>ppt_h</p:attrName>
+                                        </p:attrNameLst>
+                                      </p:cBhvr>
+                                      <p:tavLst>
+                                        <p:tav tm="0">
+                                          <p:val>
+                                            <p:fltVal val="0"/>
+                                          </p:val>
+                                        </p:tav>
+                                        <p:tav tm="100000">
+                                          <p:val>
+                                            <p:strVal val="#ppt_h"/>
+                                          </p:val>
+                                        </p:tav>
+                                      </p:tavLst>
+                                    </p:anim>
+                                    <p:animEffect transition="in" filter="fade">
+                                      <p:cBhvr>
+                                        <p:cTn id="34" dur="500"/>
+                                        <p:tgtEl>
+                                          <p:spTgt spid="1028"/>
+                                        </p:tgtEl>
+                                      </p:cBhvr>
+                                    </p:animEffect>
+                                  </p:childTnLst>
+                                </p:cTn>
+                              </p:par>
+                              <p:par>
+                                <p:cTn id="35" presetID="53" presetClass="entr" presetSubtype="16" fill="hold" nodeType="withEffect">
+                                  <p:stCondLst>
+                                    <p:cond delay="0"/>
+                                  </p:stCondLst>
+                                  <p:childTnLst>
+                                    <p:set>
+                                      <p:cBhvr>
+                                        <p:cTn id="36" dur="1" fill="hold">
+                                          <p:stCondLst>
+                                            <p:cond delay="0"/>
+                                          </p:stCondLst>
+                                        </p:cTn>
+                                        <p:tgtEl>
+                                          <p:spTgt spid="1030"/>
+                                        </p:tgtEl>
+                                        <p:attrNameLst>
+                                          <p:attrName>style.visibility</p:attrName>
+                                        </p:attrNameLst>
+                                      </p:cBhvr>
+                                      <p:to>
+                                        <p:strVal val="visible"/>
+                                      </p:to>
+                                    </p:set>
+                                    <p:anim calcmode="lin" valueType="num">
+                                      <p:cBhvr>
+                                        <p:cTn id="37" dur="500" fill="hold"/>
+                                        <p:tgtEl>
+                                          <p:spTgt spid="1030"/>
+                                        </p:tgtEl>
+                                        <p:attrNameLst>
+                                          <p:attrName>ppt_w</p:attrName>
+                                        </p:attrNameLst>
+                                      </p:cBhvr>
+                                      <p:tavLst>
+                                        <p:tav tm="0">
+                                          <p:val>
+                                            <p:fltVal val="0"/>
+                                          </p:val>
+                                        </p:tav>
+                                        <p:tav tm="100000">
+                                          <p:val>
+                                            <p:strVal val="#ppt_w"/>
+                                          </p:val>
+                                        </p:tav>
+                                      </p:tavLst>
+                                    </p:anim>
+                                    <p:anim calcmode="lin" valueType="num">
+                                      <p:cBhvr>
+                                        <p:cTn id="38" dur="500" fill="hold"/>
+                                        <p:tgtEl>
+                                          <p:spTgt spid="1030"/>
+                                        </p:tgtEl>
+                                        <p:attrNameLst>
+                                          <p:attrName>ppt_h</p:attrName>
+                                        </p:attrNameLst>
+                                      </p:cBhvr>
+                                      <p:tavLst>
+                                        <p:tav tm="0">
+                                          <p:val>
+                                            <p:fltVal val="0"/>
+                                          </p:val>
+                                        </p:tav>
+                                        <p:tav tm="100000">
+                                          <p:val>
+                                            <p:strVal val="#ppt_h"/>
+                                          </p:val>
+                                        </p:tav>
+                                      </p:tavLst>
+                                    </p:anim>
+                                    <p:animEffect transition="in" filter="fade">
+                                      <p:cBhvr>
+                                        <p:cTn id="39" dur="500"/>
+                                        <p:tgtEl>
+                                          <p:spTgt spid="1030"/>
+                                        </p:tgtEl>
+                                      </p:cBhvr>
+                                    </p:animEffect>
+                                  </p:childTnLst>
+                                </p:cTn>
+                              </p:par>
+                              <p:par>
+                                <p:cTn id="40" presetID="53" presetClass="entr" presetSubtype="16" fill="hold" nodeType="withEffect">
+                                  <p:stCondLst>
+                                    <p:cond delay="0"/>
+                                  </p:stCondLst>
+                                  <p:childTnLst>
+                                    <p:set>
+                                      <p:cBhvr>
+                                        <p:cTn id="41" dur="1" fill="hold">
+                                          <p:stCondLst>
+                                            <p:cond delay="0"/>
+                                          </p:stCondLst>
+                                        </p:cTn>
+                                        <p:tgtEl>
+                                          <p:spTgt spid="1052"/>
+                                        </p:tgtEl>
+                                        <p:attrNameLst>
+                                          <p:attrName>style.visibility</p:attrName>
+                                        </p:attrNameLst>
+                                      </p:cBhvr>
+                                      <p:to>
+                                        <p:strVal val="visible"/>
+                                      </p:to>
+                                    </p:set>
+                                    <p:anim calcmode="lin" valueType="num">
+                                      <p:cBhvr>
+                                        <p:cTn id="42" dur="500" fill="hold"/>
+                                        <p:tgtEl>
+                                          <p:spTgt spid="1052"/>
+                                        </p:tgtEl>
+                                        <p:attrNameLst>
+                                          <p:attrName>ppt_w</p:attrName>
+                                        </p:attrNameLst>
+                                      </p:cBhvr>
+                                      <p:tavLst>
+                                        <p:tav tm="0">
+                                          <p:val>
+                                            <p:fltVal val="0"/>
+                                          </p:val>
+                                        </p:tav>
+                                        <p:tav tm="100000">
+                                          <p:val>
+                                            <p:strVal val="#ppt_w"/>
+                                          </p:val>
+                                        </p:tav>
+                                      </p:tavLst>
+                                    </p:anim>
+                                    <p:anim calcmode="lin" valueType="num">
+                                      <p:cBhvr>
+                                        <p:cTn id="43" dur="500" fill="hold"/>
+                                        <p:tgtEl>
+                                          <p:spTgt spid="1052"/>
+                                        </p:tgtEl>
+                                        <p:attrNameLst>
+                                          <p:attrName>ppt_h</p:attrName>
+                                        </p:attrNameLst>
+                                      </p:cBhvr>
+                                      <p:tavLst>
+                                        <p:tav tm="0">
+                                          <p:val>
+                                            <p:fltVal val="0"/>
+                                          </p:val>
+                                        </p:tav>
+                                        <p:tav tm="100000">
+                                          <p:val>
+                                            <p:strVal val="#ppt_h"/>
+                                          </p:val>
+                                        </p:tav>
+                                      </p:tavLst>
+                                    </p:anim>
+                                    <p:animEffect transition="in" filter="fade">
+                                      <p:cBhvr>
+                                        <p:cTn id="44" dur="500"/>
+                                        <p:tgtEl>
+                                          <p:spTgt spid="1052"/>
+                                        </p:tgtEl>
+                                      </p:cBhvr>
+                                    </p:animEffect>
+                                  </p:childTnLst>
+                                </p:cTn>
+                              </p:par>
+                            </p:childTnLst>
+                          </p:cTn>
+                        </p:par>
+                      </p:childTnLst>
+                    </p:cTn>
+                  </p:par>
+                </p:childTnLst>
+              </p:cTn>
+              <p:prevCondLst>
+                <p:cond evt="onPrev" delay="0">
+                  <p:tgtEl>
+                    <p:sldTgt/>
+                  </p:tgtEl>
+                </p:cond>
+              </p:prevCondLst>
+              <p:nextCondLst>
+                <p:cond evt="onNext" delay="0">
+                  <p:tgtEl>
+                    <p:sldTgt/>
+                  </p:tgtEl>
+                </p:cond>
+              </p:nextCondLst>
+            </p:seq>
+          </p:childTnLst>
+        </p:cTn>
+      </p:par>
+    </p:tnLst>
+  </p:timing>
 </p:sld>
 </file>
 

--- a/Documentação/Apresentação - Sprint 3.pptx
+++ b/Documentação/Apresentação - Sprint 3.pptx
@@ -134,7 +134,7 @@
 <file path=ppt/revisionInfo.xml><?xml version="1.0" encoding="utf-8"?>
 <p1510:revInfo xmlns:a="http://schemas.openxmlformats.org/drawingml/2006/main" xmlns:r="http://schemas.openxmlformats.org/officeDocument/2006/relationships" xmlns:p1510="http://schemas.microsoft.com/office/powerpoint/2015/10/main">
   <p1510:revLst>
-    <p1510:client id="{A09FC4A9-89B9-4888-AEA2-D945178E12B3}" v="25" dt="2020-06-20T13:26:14.939"/>
+    <p1510:client id="{A09FC4A9-89B9-4888-AEA2-D945178E12B3}" v="54" dt="2020-06-20T15:06:09.630"/>
   </p1510:revLst>
 </p1510:revInfo>
 </file>
@@ -3694,7 +3694,7 @@
   <pc:docChgLst>
     <pc:chgData name="Fernando C Correa" userId="a08d7f3c16d54179" providerId="LiveId" clId="{A09FC4A9-89B9-4888-AEA2-D945178E12B3}"/>
     <pc:docChg chg="undo custSel modSld sldOrd">
-      <pc:chgData name="Fernando C Correa" userId="a08d7f3c16d54179" providerId="LiveId" clId="{A09FC4A9-89B9-4888-AEA2-D945178E12B3}" dt="2020-06-20T13:26:14.939" v="154"/>
+      <pc:chgData name="Fernando C Correa" userId="a08d7f3c16d54179" providerId="LiveId" clId="{A09FC4A9-89B9-4888-AEA2-D945178E12B3}" dt="2020-06-20T15:06:09.630" v="202"/>
       <pc:docMkLst>
         <pc:docMk/>
       </pc:docMkLst>
@@ -3816,12 +3816,74 @@
           </ac:spMkLst>
         </pc:spChg>
       </pc:sldChg>
+      <pc:sldChg chg="addSp delSp modSp mod addAnim delAnim modAnim">
+        <pc:chgData name="Fernando C Correa" userId="a08d7f3c16d54179" providerId="LiveId" clId="{A09FC4A9-89B9-4888-AEA2-D945178E12B3}" dt="2020-06-20T14:38:56.887" v="192"/>
+        <pc:sldMkLst>
+          <pc:docMk/>
+          <pc:sldMk cId="903407908" sldId="297"/>
+        </pc:sldMkLst>
+        <pc:spChg chg="ord">
+          <ac:chgData name="Fernando C Correa" userId="a08d7f3c16d54179" providerId="LiveId" clId="{A09FC4A9-89B9-4888-AEA2-D945178E12B3}" dt="2020-06-20T14:38:22.656" v="189" actId="167"/>
+          <ac:spMkLst>
+            <pc:docMk/>
+            <pc:sldMk cId="903407908" sldId="297"/>
+            <ac:spMk id="10" creationId="{00000000-0000-0000-0000-000000000000}"/>
+          </ac:spMkLst>
+        </pc:spChg>
+        <pc:graphicFrameChg chg="add del mod ord">
+          <ac:chgData name="Fernando C Correa" userId="a08d7f3c16d54179" providerId="LiveId" clId="{A09FC4A9-89B9-4888-AEA2-D945178E12B3}" dt="2020-06-20T14:38:14.538" v="186" actId="167"/>
+          <ac:graphicFrameMkLst>
+            <pc:docMk/>
+            <pc:sldMk cId="903407908" sldId="297"/>
+            <ac:graphicFrameMk id="16" creationId="{00000000-0000-0000-0000-000000000000}"/>
+          </ac:graphicFrameMkLst>
+        </pc:graphicFrameChg>
+        <pc:graphicFrameChg chg="del mod">
+          <ac:chgData name="Fernando C Correa" userId="a08d7f3c16d54179" providerId="LiveId" clId="{A09FC4A9-89B9-4888-AEA2-D945178E12B3}" dt="2020-06-20T14:38:20.703" v="188" actId="478"/>
+          <ac:graphicFrameMkLst>
+            <pc:docMk/>
+            <pc:sldMk cId="903407908" sldId="297"/>
+            <ac:graphicFrameMk id="17" creationId="{00000000-0000-0000-0000-000000000000}"/>
+          </ac:graphicFrameMkLst>
+        </pc:graphicFrameChg>
+        <pc:graphicFrameChg chg="add mod ord">
+          <ac:chgData name="Fernando C Correa" userId="a08d7f3c16d54179" providerId="LiveId" clId="{A09FC4A9-89B9-4888-AEA2-D945178E12B3}" dt="2020-06-20T14:37:46.834" v="175" actId="167"/>
+          <ac:graphicFrameMkLst>
+            <pc:docMk/>
+            <pc:sldMk cId="903407908" sldId="297"/>
+            <ac:graphicFrameMk id="18" creationId="{01586A72-D418-465D-8C0F-8D4C4B480A36}"/>
+          </ac:graphicFrameMkLst>
+        </pc:graphicFrameChg>
+      </pc:sldChg>
       <pc:sldChg chg="modAnim">
         <pc:chgData name="Fernando C Correa" userId="a08d7f3c16d54179" providerId="LiveId" clId="{A09FC4A9-89B9-4888-AEA2-D945178E12B3}" dt="2020-06-20T13:25:48.654" v="152"/>
         <pc:sldMkLst>
           <pc:docMk/>
           <pc:sldMk cId="1350499800" sldId="298"/>
         </pc:sldMkLst>
+      </pc:sldChg>
+      <pc:sldChg chg="addSp modSp mod modAnim">
+        <pc:chgData name="Fernando C Correa" userId="a08d7f3c16d54179" providerId="LiveId" clId="{A09FC4A9-89B9-4888-AEA2-D945178E12B3}" dt="2020-06-20T15:06:09.630" v="202"/>
+        <pc:sldMkLst>
+          <pc:docMk/>
+          <pc:sldMk cId="2462845540" sldId="300"/>
+        </pc:sldMkLst>
+        <pc:spChg chg="mod">
+          <ac:chgData name="Fernando C Correa" userId="a08d7f3c16d54179" providerId="LiveId" clId="{A09FC4A9-89B9-4888-AEA2-D945178E12B3}" dt="2020-06-20T15:05:42.934" v="200" actId="20577"/>
+          <ac:spMkLst>
+            <pc:docMk/>
+            <pc:sldMk cId="2462845540" sldId="300"/>
+            <ac:spMk id="2" creationId="{00000000-0000-0000-0000-000000000000}"/>
+          </ac:spMkLst>
+        </pc:spChg>
+        <pc:spChg chg="add mod">
+          <ac:chgData name="Fernando C Correa" userId="a08d7f3c16d54179" providerId="LiveId" clId="{A09FC4A9-89B9-4888-AEA2-D945178E12B3}" dt="2020-06-20T15:05:38.249" v="197" actId="14100"/>
+          <ac:spMkLst>
+            <pc:docMk/>
+            <pc:sldMk cId="2462845540" sldId="300"/>
+            <ac:spMk id="15" creationId="{DDCB4B7E-C66A-454A-869A-F37FB18E47D9}"/>
+          </ac:spMkLst>
+        </pc:spChg>
       </pc:sldChg>
       <pc:sldChg chg="addSp delSp modSp mod modAnim">
         <pc:chgData name="Fernando C Correa" userId="a08d7f3c16d54179" providerId="LiveId" clId="{A09FC4A9-89B9-4888-AEA2-D945178E12B3}" dt="2020-06-20T13:25:29.803" v="150"/>
@@ -13637,7 +13699,7 @@
 <dgm:dataModel xmlns:dgm="http://schemas.openxmlformats.org/drawingml/2006/diagram" xmlns:a="http://schemas.openxmlformats.org/drawingml/2006/main">
   <dgm:ptLst>
     <dgm:pt modelId="{4B683712-F7BD-4B62-B635-79D523067E2D}" type="doc">
-      <dgm:prSet loTypeId="urn:microsoft.com/office/officeart/2018/5/layout/IconLeafLabelList" loCatId="icon" qsTypeId="urn:microsoft.com/office/officeart/2005/8/quickstyle/simple1#4" qsCatId="simple" csTypeId="urn:microsoft.com/office/officeart/2018/5/colors/Iconchunking_neutralicon_colorful1" csCatId="colorful" phldr="1"/>
+      <dgm:prSet loTypeId="urn:microsoft.com/office/officeart/2018/5/layout/IconLeafLabelList" loCatId="icon" qsTypeId="urn:microsoft.com/office/officeart/2005/8/quickstyle/simple1#5" qsCatId="simple" csTypeId="urn:microsoft.com/office/officeart/2018/5/colors/Iconchunking_neutralicon_colorful1" csCatId="colorful" phldr="1"/>
       <dgm:spPr/>
       <dgm:t>
         <a:bodyPr/>
@@ -13661,7 +13723,144 @@
           </a:pPr>
           <a:r>
             <a:rPr lang="en-US" sz="1700" dirty="0"/>
-            <a:t>INOVAR</a:t>
+            <a:t>AGENDAR PARTIDAS</a:t>
+          </a:r>
+        </a:p>
+      </dgm:t>
+    </dgm:pt>
+    <dgm:pt modelId="{F4B56E81-EEE5-4B96-81DF-6B1E7FE5BA84}" type="parTrans" cxnId="{FEF2C952-E9A3-4DA4-B888-68E9F6B623A9}">
+      <dgm:prSet/>
+      <dgm:spPr/>
+      <dgm:t>
+        <a:bodyPr/>
+        <a:lstStyle/>
+        <a:p>
+          <a:endParaRPr lang="en-US"/>
+        </a:p>
+      </dgm:t>
+    </dgm:pt>
+    <dgm:pt modelId="{9089E99B-B71F-42A0-99F7-894C7BC967E3}" type="sibTrans" cxnId="{FEF2C952-E9A3-4DA4-B888-68E9F6B623A9}">
+      <dgm:prSet/>
+      <dgm:spPr/>
+      <dgm:t>
+        <a:bodyPr/>
+        <a:lstStyle/>
+        <a:p>
+          <a:endParaRPr lang="en-US"/>
+        </a:p>
+      </dgm:t>
+    </dgm:pt>
+    <dgm:pt modelId="{2D6ED641-651D-46F2-888B-1DF339955464}" type="pres">
+      <dgm:prSet presAssocID="{4B683712-F7BD-4B62-B635-79D523067E2D}" presName="root" presStyleCnt="0">
+        <dgm:presLayoutVars>
+          <dgm:dir/>
+          <dgm:resizeHandles val="exact"/>
+        </dgm:presLayoutVars>
+      </dgm:prSet>
+      <dgm:spPr/>
+    </dgm:pt>
+    <dgm:pt modelId="{4A450115-0D46-4D77-BF58-F7C99A8DCA48}" type="pres">
+      <dgm:prSet presAssocID="{A0A795E9-37AF-4675-BB24-E3A58366F43C}" presName="compNode" presStyleCnt="0"/>
+      <dgm:spPr/>
+    </dgm:pt>
+    <dgm:pt modelId="{582E2334-955E-4163-872D-A98422774408}" type="pres">
+      <dgm:prSet presAssocID="{A0A795E9-37AF-4675-BB24-E3A58366F43C}" presName="iconBgRect" presStyleLbl="bgShp" presStyleIdx="0" presStyleCnt="1" custScaleX="106488" custScaleY="106488" custLinFactNeighborX="700" custLinFactNeighborY="137"/>
+      <dgm:spPr>
+        <a:prstGeom prst="round2DiagRect">
+          <a:avLst>
+            <a:gd name="adj1" fmla="val 29727"/>
+            <a:gd name="adj2" fmla="val 0"/>
+          </a:avLst>
+        </a:prstGeom>
+        <a:solidFill>
+          <a:srgbClr val="70AD47"/>
+        </a:solidFill>
+      </dgm:spPr>
+    </dgm:pt>
+    <dgm:pt modelId="{08E7DCE9-8596-467F-8A72-49B9C12A5F46}" type="pres">
+      <dgm:prSet presAssocID="{A0A795E9-37AF-4675-BB24-E3A58366F43C}" presName="iconRect" presStyleLbl="node1" presStyleIdx="0" presStyleCnt="1" custScaleX="106053" custScaleY="106053"/>
+      <dgm:spPr>
+        <a:blipFill rotWithShape="1">
+          <a:blip xmlns:r="http://schemas.openxmlformats.org/officeDocument/2006/relationships" r:embed="rId1" cstate="print">
+            <a:extLst>
+              <a:ext uri="{28A0092B-C50C-407E-A947-70E740481C1C}">
+                <a14:useLocalDpi xmlns:a14="http://schemas.microsoft.com/office/drawing/2010/main" val="0"/>
+              </a:ext>
+            </a:extLst>
+          </a:blip>
+          <a:srcRect/>
+          <a:stretch>
+            <a:fillRect/>
+          </a:stretch>
+        </a:blipFill>
+        <a:ln>
+          <a:noFill/>
+        </a:ln>
+      </dgm:spPr>
+    </dgm:pt>
+    <dgm:pt modelId="{90CCE388-16C8-4C59-B847-B00E0B8233B9}" type="pres">
+      <dgm:prSet presAssocID="{A0A795E9-37AF-4675-BB24-E3A58366F43C}" presName="spaceRect" presStyleCnt="0"/>
+      <dgm:spPr/>
+    </dgm:pt>
+    <dgm:pt modelId="{F8BA48BD-C1FF-4456-ABC3-209B1052B25F}" type="pres">
+      <dgm:prSet presAssocID="{A0A795E9-37AF-4675-BB24-E3A58366F43C}" presName="textRect" presStyleLbl="revTx" presStyleIdx="0" presStyleCnt="1" custScaleX="255205" custScaleY="101190">
+        <dgm:presLayoutVars>
+          <dgm:chMax val="1"/>
+          <dgm:chPref val="1"/>
+        </dgm:presLayoutVars>
+      </dgm:prSet>
+      <dgm:spPr/>
+    </dgm:pt>
+  </dgm:ptLst>
+  <dgm:cxnLst>
+    <dgm:cxn modelId="{DEAF2B08-BEEF-42A0-AE62-CC15B19C1D57}" type="presOf" srcId="{A0A795E9-37AF-4675-BB24-E3A58366F43C}" destId="{F8BA48BD-C1FF-4456-ABC3-209B1052B25F}" srcOrd="0" destOrd="0" presId="urn:microsoft.com/office/officeart/2018/5/layout/IconLeafLabelList"/>
+    <dgm:cxn modelId="{C0A54228-16AE-4206-9FF3-4887B69909CC}" type="presOf" srcId="{4B683712-F7BD-4B62-B635-79D523067E2D}" destId="{2D6ED641-651D-46F2-888B-1DF339955464}" srcOrd="0" destOrd="0" presId="urn:microsoft.com/office/officeart/2018/5/layout/IconLeafLabelList"/>
+    <dgm:cxn modelId="{FEF2C952-E9A3-4DA4-B888-68E9F6B623A9}" srcId="{4B683712-F7BD-4B62-B635-79D523067E2D}" destId="{A0A795E9-37AF-4675-BB24-E3A58366F43C}" srcOrd="0" destOrd="0" parTransId="{F4B56E81-EEE5-4B96-81DF-6B1E7FE5BA84}" sibTransId="{9089E99B-B71F-42A0-99F7-894C7BC967E3}"/>
+    <dgm:cxn modelId="{2DE7F977-1D54-4CD4-9A4D-52F8CE8720CC}" type="presParOf" srcId="{2D6ED641-651D-46F2-888B-1DF339955464}" destId="{4A450115-0D46-4D77-BF58-F7C99A8DCA48}" srcOrd="0" destOrd="0" presId="urn:microsoft.com/office/officeart/2018/5/layout/IconLeafLabelList"/>
+    <dgm:cxn modelId="{3BB34498-1111-4D32-BC32-43384CCAC1FB}" type="presParOf" srcId="{4A450115-0D46-4D77-BF58-F7C99A8DCA48}" destId="{582E2334-955E-4163-872D-A98422774408}" srcOrd="0" destOrd="0" presId="urn:microsoft.com/office/officeart/2018/5/layout/IconLeafLabelList"/>
+    <dgm:cxn modelId="{4965D00C-B451-4DC4-862E-8020D8EA2D43}" type="presParOf" srcId="{4A450115-0D46-4D77-BF58-F7C99A8DCA48}" destId="{08E7DCE9-8596-467F-8A72-49B9C12A5F46}" srcOrd="1" destOrd="0" presId="urn:microsoft.com/office/officeart/2018/5/layout/IconLeafLabelList"/>
+    <dgm:cxn modelId="{540F20B5-6209-4540-8824-49FB89AC1AF8}" type="presParOf" srcId="{4A450115-0D46-4D77-BF58-F7C99A8DCA48}" destId="{90CCE388-16C8-4C59-B847-B00E0B8233B9}" srcOrd="2" destOrd="0" presId="urn:microsoft.com/office/officeart/2018/5/layout/IconLeafLabelList"/>
+    <dgm:cxn modelId="{7D03C59C-3A17-41FE-909A-735C414A9EE9}" type="presParOf" srcId="{4A450115-0D46-4D77-BF58-F7C99A8DCA48}" destId="{F8BA48BD-C1FF-4456-ABC3-209B1052B25F}" srcOrd="3" destOrd="0" presId="urn:microsoft.com/office/officeart/2018/5/layout/IconLeafLabelList"/>
+  </dgm:cxnLst>
+  <dgm:bg/>
+  <dgm:whole/>
+  <dgm:extLst>
+    <a:ext uri="http://schemas.microsoft.com/office/drawing/2008/diagram">
+      <dsp:dataModelExt xmlns:dsp="http://schemas.microsoft.com/office/drawing/2008/diagram" relId="rId6" minVer="http://schemas.openxmlformats.org/drawingml/2006/diagram"/>
+    </a:ext>
+  </dgm:extLst>
+</dgm:dataModel>
+</file>
+
+<file path=ppt/diagrams/data6.xml><?xml version="1.0" encoding="utf-8"?>
+<dgm:dataModel xmlns:dgm="http://schemas.openxmlformats.org/drawingml/2006/diagram" xmlns:a="http://schemas.openxmlformats.org/drawingml/2006/main">
+  <dgm:ptLst>
+    <dgm:pt modelId="{4B683712-F7BD-4B62-B635-79D523067E2D}" type="doc">
+      <dgm:prSet loTypeId="urn:microsoft.com/office/officeart/2018/5/layout/IconLeafLabelList" loCatId="icon" qsTypeId="urn:microsoft.com/office/officeart/2005/8/quickstyle/simple1#5" qsCatId="simple" csTypeId="urn:microsoft.com/office/officeart/2018/5/colors/Iconchunking_neutralicon_colorful1" csCatId="colorful" phldr="1"/>
+      <dgm:spPr/>
+      <dgm:t>
+        <a:bodyPr/>
+        <a:lstStyle/>
+        <a:p>
+          <a:endParaRPr lang="en-US"/>
+        </a:p>
+      </dgm:t>
+    </dgm:pt>
+    <dgm:pt modelId="{A0A795E9-37AF-4675-BB24-E3A58366F43C}">
+      <dgm:prSet custT="1"/>
+      <dgm:spPr/>
+      <dgm:t>
+        <a:bodyPr/>
+        <a:lstStyle/>
+        <a:p>
+          <a:pPr>
+            <a:lnSpc>
+              <a:spcPct val="100000"/>
+            </a:lnSpc>
+          </a:pPr>
+          <a:r>
+            <a:rPr lang="en-US" sz="1700" dirty="0"/>
+            <a:t>CONECTAR JOGADORES</a:t>
           </a:r>
         </a:p>
       </dgm:t>
@@ -13764,17 +13963,17 @@
   <dgm:whole/>
   <dgm:extLst>
     <a:ext uri="http://schemas.microsoft.com/office/drawing/2008/diagram">
-      <dsp:dataModelExt xmlns:dsp="http://schemas.microsoft.com/office/drawing/2008/diagram" relId="rId6" minVer="http://schemas.openxmlformats.org/drawingml/2006/diagram"/>
+      <dsp:dataModelExt xmlns:dsp="http://schemas.microsoft.com/office/drawing/2008/diagram" relId="rId11" minVer="http://schemas.openxmlformats.org/drawingml/2006/diagram"/>
     </a:ext>
   </dgm:extLst>
 </dgm:dataModel>
 </file>
 
-<file path=ppt/diagrams/data6.xml><?xml version="1.0" encoding="utf-8"?>
+<file path=ppt/diagrams/data7.xml><?xml version="1.0" encoding="utf-8"?>
 <dgm:dataModel xmlns:dgm="http://schemas.openxmlformats.org/drawingml/2006/diagram" xmlns:a="http://schemas.openxmlformats.org/drawingml/2006/main">
   <dgm:ptLst>
     <dgm:pt modelId="{4B683712-F7BD-4B62-B635-79D523067E2D}" type="doc">
-      <dgm:prSet loTypeId="urn:microsoft.com/office/officeart/2018/5/layout/IconLeafLabelList" loCatId="icon" qsTypeId="urn:microsoft.com/office/officeart/2005/8/quickstyle/simple1#5" qsCatId="simple" csTypeId="urn:microsoft.com/office/officeart/2018/5/colors/Iconchunking_neutralicon_colorful1" csCatId="colorful" phldr="1"/>
+      <dgm:prSet loTypeId="urn:microsoft.com/office/officeart/2018/5/layout/IconLeafLabelList" loCatId="icon" qsTypeId="urn:microsoft.com/office/officeart/2005/8/quickstyle/simple1#4" qsCatId="simple" csTypeId="urn:microsoft.com/office/officeart/2018/5/colors/Iconchunking_neutralicon_colorful1" csCatId="colorful" phldr="1"/>
       <dgm:spPr/>
       <dgm:t>
         <a:bodyPr/>
@@ -13798,144 +13997,7 @@
           </a:pPr>
           <a:r>
             <a:rPr lang="en-US" sz="1700" dirty="0"/>
-            <a:t>MATCHMAKING JUSTO</a:t>
-          </a:r>
-        </a:p>
-      </dgm:t>
-    </dgm:pt>
-    <dgm:pt modelId="{F4B56E81-EEE5-4B96-81DF-6B1E7FE5BA84}" type="parTrans" cxnId="{FEF2C952-E9A3-4DA4-B888-68E9F6B623A9}">
-      <dgm:prSet/>
-      <dgm:spPr/>
-      <dgm:t>
-        <a:bodyPr/>
-        <a:lstStyle/>
-        <a:p>
-          <a:endParaRPr lang="en-US"/>
-        </a:p>
-      </dgm:t>
-    </dgm:pt>
-    <dgm:pt modelId="{9089E99B-B71F-42A0-99F7-894C7BC967E3}" type="sibTrans" cxnId="{FEF2C952-E9A3-4DA4-B888-68E9F6B623A9}">
-      <dgm:prSet/>
-      <dgm:spPr/>
-      <dgm:t>
-        <a:bodyPr/>
-        <a:lstStyle/>
-        <a:p>
-          <a:endParaRPr lang="en-US"/>
-        </a:p>
-      </dgm:t>
-    </dgm:pt>
-    <dgm:pt modelId="{2D6ED641-651D-46F2-888B-1DF339955464}" type="pres">
-      <dgm:prSet presAssocID="{4B683712-F7BD-4B62-B635-79D523067E2D}" presName="root" presStyleCnt="0">
-        <dgm:presLayoutVars>
-          <dgm:dir/>
-          <dgm:resizeHandles val="exact"/>
-        </dgm:presLayoutVars>
-      </dgm:prSet>
-      <dgm:spPr/>
-    </dgm:pt>
-    <dgm:pt modelId="{4A450115-0D46-4D77-BF58-F7C99A8DCA48}" type="pres">
-      <dgm:prSet presAssocID="{A0A795E9-37AF-4675-BB24-E3A58366F43C}" presName="compNode" presStyleCnt="0"/>
-      <dgm:spPr/>
-    </dgm:pt>
-    <dgm:pt modelId="{582E2334-955E-4163-872D-A98422774408}" type="pres">
-      <dgm:prSet presAssocID="{A0A795E9-37AF-4675-BB24-E3A58366F43C}" presName="iconBgRect" presStyleLbl="bgShp" presStyleIdx="0" presStyleCnt="1" custScaleX="106488" custScaleY="106488" custLinFactNeighborX="700" custLinFactNeighborY="137"/>
-      <dgm:spPr>
-        <a:prstGeom prst="round2DiagRect">
-          <a:avLst>
-            <a:gd name="adj1" fmla="val 29727"/>
-            <a:gd name="adj2" fmla="val 0"/>
-          </a:avLst>
-        </a:prstGeom>
-        <a:solidFill>
-          <a:srgbClr val="70AD47"/>
-        </a:solidFill>
-      </dgm:spPr>
-    </dgm:pt>
-    <dgm:pt modelId="{08E7DCE9-8596-467F-8A72-49B9C12A5F46}" type="pres">
-      <dgm:prSet presAssocID="{A0A795E9-37AF-4675-BB24-E3A58366F43C}" presName="iconRect" presStyleLbl="node1" presStyleIdx="0" presStyleCnt="1" custScaleX="106053" custScaleY="106053"/>
-      <dgm:spPr>
-        <a:blipFill>
-          <a:blip xmlns:r="http://schemas.openxmlformats.org/officeDocument/2006/relationships" r:embed="rId1" cstate="print">
-            <a:extLst>
-              <a:ext uri="{28A0092B-C50C-407E-A947-70E740481C1C}">
-                <a14:useLocalDpi xmlns:a14="http://schemas.microsoft.com/office/drawing/2010/main" val="0"/>
-              </a:ext>
-            </a:extLst>
-          </a:blip>
-          <a:srcRect/>
-          <a:stretch>
-            <a:fillRect/>
-          </a:stretch>
-        </a:blipFill>
-        <a:ln>
-          <a:noFill/>
-        </a:ln>
-      </dgm:spPr>
-    </dgm:pt>
-    <dgm:pt modelId="{90CCE388-16C8-4C59-B847-B00E0B8233B9}" type="pres">
-      <dgm:prSet presAssocID="{A0A795E9-37AF-4675-BB24-E3A58366F43C}" presName="spaceRect" presStyleCnt="0"/>
-      <dgm:spPr/>
-    </dgm:pt>
-    <dgm:pt modelId="{F8BA48BD-C1FF-4456-ABC3-209B1052B25F}" type="pres">
-      <dgm:prSet presAssocID="{A0A795E9-37AF-4675-BB24-E3A58366F43C}" presName="textRect" presStyleLbl="revTx" presStyleIdx="0" presStyleCnt="1" custScaleX="156101" custScaleY="101190">
-        <dgm:presLayoutVars>
-          <dgm:chMax val="1"/>
-          <dgm:chPref val="1"/>
-        </dgm:presLayoutVars>
-      </dgm:prSet>
-      <dgm:spPr/>
-    </dgm:pt>
-  </dgm:ptLst>
-  <dgm:cxnLst>
-    <dgm:cxn modelId="{DEAF2B08-BEEF-42A0-AE62-CC15B19C1D57}" type="presOf" srcId="{A0A795E9-37AF-4675-BB24-E3A58366F43C}" destId="{F8BA48BD-C1FF-4456-ABC3-209B1052B25F}" srcOrd="0" destOrd="0" presId="urn:microsoft.com/office/officeart/2018/5/layout/IconLeafLabelList"/>
-    <dgm:cxn modelId="{C0A54228-16AE-4206-9FF3-4887B69909CC}" type="presOf" srcId="{4B683712-F7BD-4B62-B635-79D523067E2D}" destId="{2D6ED641-651D-46F2-888B-1DF339955464}" srcOrd="0" destOrd="0" presId="urn:microsoft.com/office/officeart/2018/5/layout/IconLeafLabelList"/>
-    <dgm:cxn modelId="{FEF2C952-E9A3-4DA4-B888-68E9F6B623A9}" srcId="{4B683712-F7BD-4B62-B635-79D523067E2D}" destId="{A0A795E9-37AF-4675-BB24-E3A58366F43C}" srcOrd="0" destOrd="0" parTransId="{F4B56E81-EEE5-4B96-81DF-6B1E7FE5BA84}" sibTransId="{9089E99B-B71F-42A0-99F7-894C7BC967E3}"/>
-    <dgm:cxn modelId="{2DE7F977-1D54-4CD4-9A4D-52F8CE8720CC}" type="presParOf" srcId="{2D6ED641-651D-46F2-888B-1DF339955464}" destId="{4A450115-0D46-4D77-BF58-F7C99A8DCA48}" srcOrd="0" destOrd="0" presId="urn:microsoft.com/office/officeart/2018/5/layout/IconLeafLabelList"/>
-    <dgm:cxn modelId="{3BB34498-1111-4D32-BC32-43384CCAC1FB}" type="presParOf" srcId="{4A450115-0D46-4D77-BF58-F7C99A8DCA48}" destId="{582E2334-955E-4163-872D-A98422774408}" srcOrd="0" destOrd="0" presId="urn:microsoft.com/office/officeart/2018/5/layout/IconLeafLabelList"/>
-    <dgm:cxn modelId="{4965D00C-B451-4DC4-862E-8020D8EA2D43}" type="presParOf" srcId="{4A450115-0D46-4D77-BF58-F7C99A8DCA48}" destId="{08E7DCE9-8596-467F-8A72-49B9C12A5F46}" srcOrd="1" destOrd="0" presId="urn:microsoft.com/office/officeart/2018/5/layout/IconLeafLabelList"/>
-    <dgm:cxn modelId="{540F20B5-6209-4540-8824-49FB89AC1AF8}" type="presParOf" srcId="{4A450115-0D46-4D77-BF58-F7C99A8DCA48}" destId="{90CCE388-16C8-4C59-B847-B00E0B8233B9}" srcOrd="2" destOrd="0" presId="urn:microsoft.com/office/officeart/2018/5/layout/IconLeafLabelList"/>
-    <dgm:cxn modelId="{7D03C59C-3A17-41FE-909A-735C414A9EE9}" type="presParOf" srcId="{4A450115-0D46-4D77-BF58-F7C99A8DCA48}" destId="{F8BA48BD-C1FF-4456-ABC3-209B1052B25F}" srcOrd="3" destOrd="0" presId="urn:microsoft.com/office/officeart/2018/5/layout/IconLeafLabelList"/>
-  </dgm:cxnLst>
-  <dgm:bg/>
-  <dgm:whole/>
-  <dgm:extLst>
-    <a:ext uri="http://schemas.microsoft.com/office/drawing/2008/diagram">
-      <dsp:dataModelExt xmlns:dsp="http://schemas.microsoft.com/office/drawing/2008/diagram" relId="rId11" minVer="http://schemas.openxmlformats.org/drawingml/2006/diagram"/>
-    </a:ext>
-  </dgm:extLst>
-</dgm:dataModel>
-</file>
-
-<file path=ppt/diagrams/data7.xml><?xml version="1.0" encoding="utf-8"?>
-<dgm:dataModel xmlns:dgm="http://schemas.openxmlformats.org/drawingml/2006/diagram" xmlns:a="http://schemas.openxmlformats.org/drawingml/2006/main">
-  <dgm:ptLst>
-    <dgm:pt modelId="{4B683712-F7BD-4B62-B635-79D523067E2D}" type="doc">
-      <dgm:prSet loTypeId="urn:microsoft.com/office/officeart/2018/5/layout/IconLeafLabelList" loCatId="icon" qsTypeId="urn:microsoft.com/office/officeart/2005/8/quickstyle/simple1#5" qsCatId="simple" csTypeId="urn:microsoft.com/office/officeart/2018/5/colors/Iconchunking_neutralicon_colorful1" csCatId="colorful" phldr="1"/>
-      <dgm:spPr/>
-      <dgm:t>
-        <a:bodyPr/>
-        <a:lstStyle/>
-        <a:p>
-          <a:endParaRPr lang="en-US"/>
-        </a:p>
-      </dgm:t>
-    </dgm:pt>
-    <dgm:pt modelId="{A0A795E9-37AF-4675-BB24-E3A58366F43C}">
-      <dgm:prSet custT="1"/>
-      <dgm:spPr/>
-      <dgm:t>
-        <a:bodyPr/>
-        <a:lstStyle/>
-        <a:p>
-          <a:pPr>
-            <a:lnSpc>
-              <a:spcPct val="100000"/>
-            </a:lnSpc>
-          </a:pPr>
-          <a:r>
-            <a:rPr lang="en-US" sz="1700" dirty="0"/>
-            <a:t>AGENDAR PARTIDAS</a:t>
+            <a:t>INOVAR</a:t>
           </a:r>
         </a:p>
       </dgm:t>
@@ -14072,7 +14134,7 @@
           </a:pPr>
           <a:r>
             <a:rPr lang="en-US" sz="1700" dirty="0"/>
-            <a:t>CONECTAR JOGADORES</a:t>
+            <a:t>MATCHMAKING JUSTO</a:t>
           </a:r>
         </a:p>
       </dgm:t>
@@ -14152,7 +14214,7 @@
       <dgm:spPr/>
     </dgm:pt>
     <dgm:pt modelId="{F8BA48BD-C1FF-4456-ABC3-209B1052B25F}" type="pres">
-      <dgm:prSet presAssocID="{A0A795E9-37AF-4675-BB24-E3A58366F43C}" presName="textRect" presStyleLbl="revTx" presStyleIdx="0" presStyleCnt="1" custScaleX="255205" custScaleY="101190">
+      <dgm:prSet presAssocID="{A0A795E9-37AF-4675-BB24-E3A58366F43C}" presName="textRect" presStyleLbl="revTx" presStyleIdx="0" presStyleCnt="1" custScaleX="156101" custScaleY="101190">
         <dgm:presLayoutVars>
           <dgm:chMax val="1"/>
           <dgm:chPref val="1"/>
@@ -15319,6 +15381,320 @@
         <a:prstGeom prst="rect">
           <a:avLst/>
         </a:prstGeom>
+        <a:blipFill rotWithShape="1">
+          <a:blip xmlns:r="http://schemas.openxmlformats.org/officeDocument/2006/relationships" r:embed="rId1" cstate="print">
+            <a:extLst>
+              <a:ext uri="{28A0092B-C50C-407E-A947-70E740481C1C}">
+                <a14:useLocalDpi xmlns:a14="http://schemas.microsoft.com/office/drawing/2010/main" val="0"/>
+              </a:ext>
+            </a:extLst>
+          </a:blip>
+          <a:srcRect/>
+          <a:stretch>
+            <a:fillRect/>
+          </a:stretch>
+        </a:blipFill>
+        <a:ln w="12700" cap="flat" cmpd="sng" algn="ctr">
+          <a:noFill/>
+          <a:prstDash val="solid"/>
+          <a:miter lim="800000"/>
+        </a:ln>
+        <a:effectLst/>
+      </dsp:spPr>
+      <dsp:style>
+        <a:lnRef idx="2">
+          <a:scrgbClr r="0" g="0" b="0"/>
+        </a:lnRef>
+        <a:fillRef idx="1">
+          <a:scrgbClr r="0" g="0" b="0"/>
+        </a:fillRef>
+        <a:effectRef idx="0">
+          <a:scrgbClr r="0" g="0" b="0"/>
+        </a:effectRef>
+        <a:fontRef idx="minor">
+          <a:schemeClr val="lt1"/>
+        </a:fontRef>
+      </dsp:style>
+    </dsp:sp>
+    <dsp:sp modelId="{F8BA48BD-C1FF-4456-ABC3-209B1052B25F}">
+      <dsp:nvSpPr>
+        <dsp:cNvPr id="0" name=""/>
+        <dsp:cNvSpPr/>
+      </dsp:nvSpPr>
+      <dsp:spPr>
+        <a:xfrm>
+          <a:off x="292120" y="1361325"/>
+          <a:ext cx="4248266" cy="673783"/>
+        </a:xfrm>
+        <a:prstGeom prst="rect">
+          <a:avLst/>
+        </a:prstGeom>
+        <a:noFill/>
+        <a:ln>
+          <a:noFill/>
+        </a:ln>
+        <a:effectLst/>
+      </dsp:spPr>
+      <dsp:style>
+        <a:lnRef idx="0">
+          <a:scrgbClr r="0" g="0" b="0"/>
+        </a:lnRef>
+        <a:fillRef idx="0">
+          <a:scrgbClr r="0" g="0" b="0"/>
+        </a:fillRef>
+        <a:effectRef idx="0">
+          <a:scrgbClr r="0" g="0" b="0"/>
+        </a:effectRef>
+        <a:fontRef idx="minor"/>
+      </dsp:style>
+      <dsp:txBody>
+        <a:bodyPr spcFirstLastPara="0" vert="horz" wrap="square" lIns="0" tIns="0" rIns="0" bIns="0" numCol="1" spcCol="1270" anchor="t" anchorCtr="0">
+          <a:noAutofit/>
+        </a:bodyPr>
+        <a:lstStyle/>
+        <a:p>
+          <a:pPr marL="0" lvl="0" indent="0" algn="ctr" defTabSz="755650">
+            <a:lnSpc>
+              <a:spcPct val="100000"/>
+            </a:lnSpc>
+            <a:spcBef>
+              <a:spcPct val="0"/>
+            </a:spcBef>
+            <a:spcAft>
+              <a:spcPct val="35000"/>
+            </a:spcAft>
+            <a:buNone/>
+          </a:pPr>
+          <a:r>
+            <a:rPr lang="en-US" sz="1700" kern="1200" dirty="0"/>
+            <a:t>AGENDAR PARTIDAS</a:t>
+          </a:r>
+        </a:p>
+      </dsp:txBody>
+      <dsp:txXfrm>
+        <a:off x="292120" y="1361325"/>
+        <a:ext cx="4248266" cy="673783"/>
+      </dsp:txXfrm>
+    </dsp:sp>
+  </dsp:spTree>
+</dsp:drawing>
+</file>
+
+<file path=ppt/diagrams/drawing6.xml><?xml version="1.0" encoding="utf-8"?>
+<dsp:drawing xmlns:dgm="http://schemas.openxmlformats.org/drawingml/2006/diagram" xmlns:dsp="http://schemas.microsoft.com/office/drawing/2008/diagram" xmlns:a="http://schemas.openxmlformats.org/drawingml/2006/main">
+  <dsp:spTree>
+    <dsp:nvGrpSpPr>
+      <dsp:cNvPr id="0" name=""/>
+      <dsp:cNvGrpSpPr/>
+    </dsp:nvGrpSpPr>
+    <dsp:grpSpPr/>
+    <dsp:sp modelId="{582E2334-955E-4163-872D-A98422774408}">
+      <dsp:nvSpPr>
+        <dsp:cNvPr id="0" name=""/>
+        <dsp:cNvSpPr/>
+      </dsp:nvSpPr>
+      <dsp:spPr>
+        <a:xfrm>
+          <a:off x="1882703" y="2018"/>
+          <a:ext cx="1081317" cy="1081317"/>
+        </a:xfrm>
+        <a:prstGeom prst="round2DiagRect">
+          <a:avLst>
+            <a:gd name="adj1" fmla="val 29727"/>
+            <a:gd name="adj2" fmla="val 0"/>
+          </a:avLst>
+        </a:prstGeom>
+        <a:solidFill>
+          <a:srgbClr val="70AD47"/>
+        </a:solidFill>
+        <a:ln>
+          <a:noFill/>
+        </a:ln>
+        <a:effectLst/>
+      </dsp:spPr>
+      <dsp:style>
+        <a:lnRef idx="0">
+          <a:scrgbClr r="0" g="0" b="0"/>
+        </a:lnRef>
+        <a:fillRef idx="1">
+          <a:scrgbClr r="0" g="0" b="0"/>
+        </a:fillRef>
+        <a:effectRef idx="0">
+          <a:scrgbClr r="0" g="0" b="0"/>
+        </a:effectRef>
+        <a:fontRef idx="minor"/>
+      </dsp:style>
+    </dsp:sp>
+    <dsp:sp modelId="{08E7DCE9-8596-467F-8A72-49B9C12A5F46}">
+      <dsp:nvSpPr>
+        <dsp:cNvPr id="0" name=""/>
+        <dsp:cNvSpPr/>
+      </dsp:nvSpPr>
+      <dsp:spPr>
+        <a:xfrm>
+          <a:off x="2107306" y="232339"/>
+          <a:ext cx="617893" cy="617893"/>
+        </a:xfrm>
+        <a:prstGeom prst="rect">
+          <a:avLst/>
+        </a:prstGeom>
+        <a:blipFill>
+          <a:blip xmlns:r="http://schemas.openxmlformats.org/officeDocument/2006/relationships" r:embed="rId1" cstate="print">
+            <a:extLst>
+              <a:ext uri="{28A0092B-C50C-407E-A947-70E740481C1C}">
+                <a14:useLocalDpi xmlns:a14="http://schemas.microsoft.com/office/drawing/2010/main" val="0"/>
+              </a:ext>
+            </a:extLst>
+          </a:blip>
+          <a:srcRect/>
+          <a:stretch>
+            <a:fillRect/>
+          </a:stretch>
+        </a:blipFill>
+        <a:ln w="12700" cap="flat" cmpd="sng" algn="ctr">
+          <a:noFill/>
+          <a:prstDash val="solid"/>
+          <a:miter lim="800000"/>
+        </a:ln>
+        <a:effectLst/>
+      </dsp:spPr>
+      <dsp:style>
+        <a:lnRef idx="2">
+          <a:scrgbClr r="0" g="0" b="0"/>
+        </a:lnRef>
+        <a:fillRef idx="1">
+          <a:scrgbClr r="0" g="0" b="0"/>
+        </a:fillRef>
+        <a:effectRef idx="0">
+          <a:scrgbClr r="0" g="0" b="0"/>
+        </a:effectRef>
+        <a:fontRef idx="minor">
+          <a:schemeClr val="lt1"/>
+        </a:fontRef>
+      </dsp:style>
+    </dsp:sp>
+    <dsp:sp modelId="{F8BA48BD-C1FF-4456-ABC3-209B1052B25F}">
+      <dsp:nvSpPr>
+        <dsp:cNvPr id="0" name=""/>
+        <dsp:cNvSpPr/>
+      </dsp:nvSpPr>
+      <dsp:spPr>
+        <a:xfrm>
+          <a:off x="292120" y="1361325"/>
+          <a:ext cx="4248266" cy="673783"/>
+        </a:xfrm>
+        <a:prstGeom prst="rect">
+          <a:avLst/>
+        </a:prstGeom>
+        <a:noFill/>
+        <a:ln>
+          <a:noFill/>
+        </a:ln>
+        <a:effectLst/>
+      </dsp:spPr>
+      <dsp:style>
+        <a:lnRef idx="0">
+          <a:scrgbClr r="0" g="0" b="0"/>
+        </a:lnRef>
+        <a:fillRef idx="0">
+          <a:scrgbClr r="0" g="0" b="0"/>
+        </a:fillRef>
+        <a:effectRef idx="0">
+          <a:scrgbClr r="0" g="0" b="0"/>
+        </a:effectRef>
+        <a:fontRef idx="minor"/>
+      </dsp:style>
+      <dsp:txBody>
+        <a:bodyPr spcFirstLastPara="0" vert="horz" wrap="square" lIns="0" tIns="0" rIns="0" bIns="0" numCol="1" spcCol="1270" anchor="t" anchorCtr="0">
+          <a:noAutofit/>
+        </a:bodyPr>
+        <a:lstStyle/>
+        <a:p>
+          <a:pPr marL="0" lvl="0" indent="0" algn="ctr" defTabSz="755650">
+            <a:lnSpc>
+              <a:spcPct val="100000"/>
+            </a:lnSpc>
+            <a:spcBef>
+              <a:spcPct val="0"/>
+            </a:spcBef>
+            <a:spcAft>
+              <a:spcPct val="35000"/>
+            </a:spcAft>
+            <a:buNone/>
+          </a:pPr>
+          <a:r>
+            <a:rPr lang="en-US" sz="1700" kern="1200" dirty="0"/>
+            <a:t>CONECTAR JOGADORES</a:t>
+          </a:r>
+        </a:p>
+      </dsp:txBody>
+      <dsp:txXfrm>
+        <a:off x="292120" y="1361325"/>
+        <a:ext cx="4248266" cy="673783"/>
+      </dsp:txXfrm>
+    </dsp:sp>
+  </dsp:spTree>
+</dsp:drawing>
+</file>
+
+<file path=ppt/diagrams/drawing7.xml><?xml version="1.0" encoding="utf-8"?>
+<dsp:drawing xmlns:dgm="http://schemas.openxmlformats.org/drawingml/2006/diagram" xmlns:dsp="http://schemas.microsoft.com/office/drawing/2008/diagram" xmlns:a="http://schemas.openxmlformats.org/drawingml/2006/main">
+  <dsp:spTree>
+    <dsp:nvGrpSpPr>
+      <dsp:cNvPr id="0" name=""/>
+      <dsp:cNvGrpSpPr/>
+    </dsp:nvGrpSpPr>
+    <dsp:grpSpPr/>
+    <dsp:sp modelId="{582E2334-955E-4163-872D-A98422774408}">
+      <dsp:nvSpPr>
+        <dsp:cNvPr id="0" name=""/>
+        <dsp:cNvSpPr/>
+      </dsp:nvSpPr>
+      <dsp:spPr>
+        <a:xfrm>
+          <a:off x="1882703" y="2018"/>
+          <a:ext cx="1081317" cy="1081317"/>
+        </a:xfrm>
+        <a:prstGeom prst="round2DiagRect">
+          <a:avLst>
+            <a:gd name="adj1" fmla="val 29727"/>
+            <a:gd name="adj2" fmla="val 0"/>
+          </a:avLst>
+        </a:prstGeom>
+        <a:solidFill>
+          <a:srgbClr val="70AD47"/>
+        </a:solidFill>
+        <a:ln>
+          <a:noFill/>
+        </a:ln>
+        <a:effectLst/>
+      </dsp:spPr>
+      <dsp:style>
+        <a:lnRef idx="0">
+          <a:scrgbClr r="0" g="0" b="0"/>
+        </a:lnRef>
+        <a:fillRef idx="1">
+          <a:scrgbClr r="0" g="0" b="0"/>
+        </a:fillRef>
+        <a:effectRef idx="0">
+          <a:scrgbClr r="0" g="0" b="0"/>
+        </a:effectRef>
+        <a:fontRef idx="minor"/>
+      </dsp:style>
+    </dsp:sp>
+    <dsp:sp modelId="{08E7DCE9-8596-467F-8A72-49B9C12A5F46}">
+      <dsp:nvSpPr>
+        <dsp:cNvPr id="0" name=""/>
+        <dsp:cNvSpPr/>
+      </dsp:nvSpPr>
+      <dsp:spPr>
+        <a:xfrm>
+          <a:off x="2107306" y="232339"/>
+          <a:ext cx="617893" cy="617893"/>
+        </a:xfrm>
+        <a:prstGeom prst="rect">
+          <a:avLst/>
+        </a:prstGeom>
         <a:blipFill>
           <a:blip xmlns:r="http://schemas.openxmlformats.org/officeDocument/2006/relationships" r:embed="rId1" cstate="print">
             <a:extLst>
@@ -15418,7 +15794,7 @@
 </dsp:drawing>
 </file>
 
-<file path=ppt/diagrams/drawing6.xml><?xml version="1.0" encoding="utf-8"?>
+<file path=ppt/diagrams/drawing8.xml><?xml version="1.0" encoding="utf-8"?>
 <dsp:drawing xmlns:dgm="http://schemas.openxmlformats.org/drawingml/2006/diagram" xmlns:dsp="http://schemas.microsoft.com/office/drawing/2008/diagram" xmlns:a="http://schemas.openxmlformats.org/drawingml/2006/main">
   <dsp:spTree>
     <dsp:nvGrpSpPr>
@@ -15569,320 +15945,6 @@
       <dsp:txXfrm>
         <a:off x="1116987" y="1361325"/>
         <a:ext cx="2598532" cy="673783"/>
-      </dsp:txXfrm>
-    </dsp:sp>
-  </dsp:spTree>
-</dsp:drawing>
-</file>
-
-<file path=ppt/diagrams/drawing7.xml><?xml version="1.0" encoding="utf-8"?>
-<dsp:drawing xmlns:dgm="http://schemas.openxmlformats.org/drawingml/2006/diagram" xmlns:dsp="http://schemas.microsoft.com/office/drawing/2008/diagram" xmlns:a="http://schemas.openxmlformats.org/drawingml/2006/main">
-  <dsp:spTree>
-    <dsp:nvGrpSpPr>
-      <dsp:cNvPr id="0" name=""/>
-      <dsp:cNvGrpSpPr/>
-    </dsp:nvGrpSpPr>
-    <dsp:grpSpPr/>
-    <dsp:sp modelId="{582E2334-955E-4163-872D-A98422774408}">
-      <dsp:nvSpPr>
-        <dsp:cNvPr id="0" name=""/>
-        <dsp:cNvSpPr/>
-      </dsp:nvSpPr>
-      <dsp:spPr>
-        <a:xfrm>
-          <a:off x="1882703" y="2018"/>
-          <a:ext cx="1081317" cy="1081317"/>
-        </a:xfrm>
-        <a:prstGeom prst="round2DiagRect">
-          <a:avLst>
-            <a:gd name="adj1" fmla="val 29727"/>
-            <a:gd name="adj2" fmla="val 0"/>
-          </a:avLst>
-        </a:prstGeom>
-        <a:solidFill>
-          <a:srgbClr val="70AD47"/>
-        </a:solidFill>
-        <a:ln>
-          <a:noFill/>
-        </a:ln>
-        <a:effectLst/>
-      </dsp:spPr>
-      <dsp:style>
-        <a:lnRef idx="0">
-          <a:scrgbClr r="0" g="0" b="0"/>
-        </a:lnRef>
-        <a:fillRef idx="1">
-          <a:scrgbClr r="0" g="0" b="0"/>
-        </a:fillRef>
-        <a:effectRef idx="0">
-          <a:scrgbClr r="0" g="0" b="0"/>
-        </a:effectRef>
-        <a:fontRef idx="minor"/>
-      </dsp:style>
-    </dsp:sp>
-    <dsp:sp modelId="{08E7DCE9-8596-467F-8A72-49B9C12A5F46}">
-      <dsp:nvSpPr>
-        <dsp:cNvPr id="0" name=""/>
-        <dsp:cNvSpPr/>
-      </dsp:nvSpPr>
-      <dsp:spPr>
-        <a:xfrm>
-          <a:off x="2107306" y="232339"/>
-          <a:ext cx="617893" cy="617893"/>
-        </a:xfrm>
-        <a:prstGeom prst="rect">
-          <a:avLst/>
-        </a:prstGeom>
-        <a:blipFill>
-          <a:blip xmlns:r="http://schemas.openxmlformats.org/officeDocument/2006/relationships" r:embed="rId1" cstate="print">
-            <a:extLst>
-              <a:ext uri="{28A0092B-C50C-407E-A947-70E740481C1C}">
-                <a14:useLocalDpi xmlns:a14="http://schemas.microsoft.com/office/drawing/2010/main" val="0"/>
-              </a:ext>
-            </a:extLst>
-          </a:blip>
-          <a:srcRect/>
-          <a:stretch>
-            <a:fillRect/>
-          </a:stretch>
-        </a:blipFill>
-        <a:ln w="12700" cap="flat" cmpd="sng" algn="ctr">
-          <a:noFill/>
-          <a:prstDash val="solid"/>
-          <a:miter lim="800000"/>
-        </a:ln>
-        <a:effectLst/>
-      </dsp:spPr>
-      <dsp:style>
-        <a:lnRef idx="2">
-          <a:scrgbClr r="0" g="0" b="0"/>
-        </a:lnRef>
-        <a:fillRef idx="1">
-          <a:scrgbClr r="0" g="0" b="0"/>
-        </a:fillRef>
-        <a:effectRef idx="0">
-          <a:scrgbClr r="0" g="0" b="0"/>
-        </a:effectRef>
-        <a:fontRef idx="minor">
-          <a:schemeClr val="lt1"/>
-        </a:fontRef>
-      </dsp:style>
-    </dsp:sp>
-    <dsp:sp modelId="{F8BA48BD-C1FF-4456-ABC3-209B1052B25F}">
-      <dsp:nvSpPr>
-        <dsp:cNvPr id="0" name=""/>
-        <dsp:cNvSpPr/>
-      </dsp:nvSpPr>
-      <dsp:spPr>
-        <a:xfrm>
-          <a:off x="292120" y="1361325"/>
-          <a:ext cx="4248266" cy="673783"/>
-        </a:xfrm>
-        <a:prstGeom prst="rect">
-          <a:avLst/>
-        </a:prstGeom>
-        <a:noFill/>
-        <a:ln>
-          <a:noFill/>
-        </a:ln>
-        <a:effectLst/>
-      </dsp:spPr>
-      <dsp:style>
-        <a:lnRef idx="0">
-          <a:scrgbClr r="0" g="0" b="0"/>
-        </a:lnRef>
-        <a:fillRef idx="0">
-          <a:scrgbClr r="0" g="0" b="0"/>
-        </a:fillRef>
-        <a:effectRef idx="0">
-          <a:scrgbClr r="0" g="0" b="0"/>
-        </a:effectRef>
-        <a:fontRef idx="minor"/>
-      </dsp:style>
-      <dsp:txBody>
-        <a:bodyPr spcFirstLastPara="0" vert="horz" wrap="square" lIns="0" tIns="0" rIns="0" bIns="0" numCol="1" spcCol="1270" anchor="t" anchorCtr="0">
-          <a:noAutofit/>
-        </a:bodyPr>
-        <a:lstStyle/>
-        <a:p>
-          <a:pPr marL="0" lvl="0" indent="0" algn="ctr" defTabSz="755650">
-            <a:lnSpc>
-              <a:spcPct val="100000"/>
-            </a:lnSpc>
-            <a:spcBef>
-              <a:spcPct val="0"/>
-            </a:spcBef>
-            <a:spcAft>
-              <a:spcPct val="35000"/>
-            </a:spcAft>
-            <a:buNone/>
-          </a:pPr>
-          <a:r>
-            <a:rPr lang="en-US" sz="1700" kern="1200" dirty="0"/>
-            <a:t>AGENDAR PARTIDAS</a:t>
-          </a:r>
-        </a:p>
-      </dsp:txBody>
-      <dsp:txXfrm>
-        <a:off x="292120" y="1361325"/>
-        <a:ext cx="4248266" cy="673783"/>
-      </dsp:txXfrm>
-    </dsp:sp>
-  </dsp:spTree>
-</dsp:drawing>
-</file>
-
-<file path=ppt/diagrams/drawing8.xml><?xml version="1.0" encoding="utf-8"?>
-<dsp:drawing xmlns:dgm="http://schemas.openxmlformats.org/drawingml/2006/diagram" xmlns:dsp="http://schemas.microsoft.com/office/drawing/2008/diagram" xmlns:a="http://schemas.openxmlformats.org/drawingml/2006/main">
-  <dsp:spTree>
-    <dsp:nvGrpSpPr>
-      <dsp:cNvPr id="0" name=""/>
-      <dsp:cNvGrpSpPr/>
-    </dsp:nvGrpSpPr>
-    <dsp:grpSpPr/>
-    <dsp:sp modelId="{582E2334-955E-4163-872D-A98422774408}">
-      <dsp:nvSpPr>
-        <dsp:cNvPr id="0" name=""/>
-        <dsp:cNvSpPr/>
-      </dsp:nvSpPr>
-      <dsp:spPr>
-        <a:xfrm>
-          <a:off x="1882703" y="2018"/>
-          <a:ext cx="1081317" cy="1081317"/>
-        </a:xfrm>
-        <a:prstGeom prst="round2DiagRect">
-          <a:avLst>
-            <a:gd name="adj1" fmla="val 29727"/>
-            <a:gd name="adj2" fmla="val 0"/>
-          </a:avLst>
-        </a:prstGeom>
-        <a:solidFill>
-          <a:srgbClr val="70AD47"/>
-        </a:solidFill>
-        <a:ln>
-          <a:noFill/>
-        </a:ln>
-        <a:effectLst/>
-      </dsp:spPr>
-      <dsp:style>
-        <a:lnRef idx="0">
-          <a:scrgbClr r="0" g="0" b="0"/>
-        </a:lnRef>
-        <a:fillRef idx="1">
-          <a:scrgbClr r="0" g="0" b="0"/>
-        </a:fillRef>
-        <a:effectRef idx="0">
-          <a:scrgbClr r="0" g="0" b="0"/>
-        </a:effectRef>
-        <a:fontRef idx="minor"/>
-      </dsp:style>
-    </dsp:sp>
-    <dsp:sp modelId="{08E7DCE9-8596-467F-8A72-49B9C12A5F46}">
-      <dsp:nvSpPr>
-        <dsp:cNvPr id="0" name=""/>
-        <dsp:cNvSpPr/>
-      </dsp:nvSpPr>
-      <dsp:spPr>
-        <a:xfrm>
-          <a:off x="2107306" y="232339"/>
-          <a:ext cx="617893" cy="617893"/>
-        </a:xfrm>
-        <a:prstGeom prst="rect">
-          <a:avLst/>
-        </a:prstGeom>
-        <a:blipFill>
-          <a:blip xmlns:r="http://schemas.openxmlformats.org/officeDocument/2006/relationships" r:embed="rId1" cstate="print">
-            <a:extLst>
-              <a:ext uri="{28A0092B-C50C-407E-A947-70E740481C1C}">
-                <a14:useLocalDpi xmlns:a14="http://schemas.microsoft.com/office/drawing/2010/main" val="0"/>
-              </a:ext>
-            </a:extLst>
-          </a:blip>
-          <a:srcRect/>
-          <a:stretch>
-            <a:fillRect/>
-          </a:stretch>
-        </a:blipFill>
-        <a:ln w="12700" cap="flat" cmpd="sng" algn="ctr">
-          <a:noFill/>
-          <a:prstDash val="solid"/>
-          <a:miter lim="800000"/>
-        </a:ln>
-        <a:effectLst/>
-      </dsp:spPr>
-      <dsp:style>
-        <a:lnRef idx="2">
-          <a:scrgbClr r="0" g="0" b="0"/>
-        </a:lnRef>
-        <a:fillRef idx="1">
-          <a:scrgbClr r="0" g="0" b="0"/>
-        </a:fillRef>
-        <a:effectRef idx="0">
-          <a:scrgbClr r="0" g="0" b="0"/>
-        </a:effectRef>
-        <a:fontRef idx="minor">
-          <a:schemeClr val="lt1"/>
-        </a:fontRef>
-      </dsp:style>
-    </dsp:sp>
-    <dsp:sp modelId="{F8BA48BD-C1FF-4456-ABC3-209B1052B25F}">
-      <dsp:nvSpPr>
-        <dsp:cNvPr id="0" name=""/>
-        <dsp:cNvSpPr/>
-      </dsp:nvSpPr>
-      <dsp:spPr>
-        <a:xfrm>
-          <a:off x="292120" y="1361325"/>
-          <a:ext cx="4248266" cy="673783"/>
-        </a:xfrm>
-        <a:prstGeom prst="rect">
-          <a:avLst/>
-        </a:prstGeom>
-        <a:noFill/>
-        <a:ln>
-          <a:noFill/>
-        </a:ln>
-        <a:effectLst/>
-      </dsp:spPr>
-      <dsp:style>
-        <a:lnRef idx="0">
-          <a:scrgbClr r="0" g="0" b="0"/>
-        </a:lnRef>
-        <a:fillRef idx="0">
-          <a:scrgbClr r="0" g="0" b="0"/>
-        </a:fillRef>
-        <a:effectRef idx="0">
-          <a:scrgbClr r="0" g="0" b="0"/>
-        </a:effectRef>
-        <a:fontRef idx="minor"/>
-      </dsp:style>
-      <dsp:txBody>
-        <a:bodyPr spcFirstLastPara="0" vert="horz" wrap="square" lIns="0" tIns="0" rIns="0" bIns="0" numCol="1" spcCol="1270" anchor="t" anchorCtr="0">
-          <a:noAutofit/>
-        </a:bodyPr>
-        <a:lstStyle/>
-        <a:p>
-          <a:pPr marL="0" lvl="0" indent="0" algn="ctr" defTabSz="755650">
-            <a:lnSpc>
-              <a:spcPct val="100000"/>
-            </a:lnSpc>
-            <a:spcBef>
-              <a:spcPct val="0"/>
-            </a:spcBef>
-            <a:spcAft>
-              <a:spcPct val="35000"/>
-            </a:spcAft>
-            <a:buNone/>
-          </a:pPr>
-          <a:r>
-            <a:rPr lang="en-US" sz="1700" kern="1200" dirty="0"/>
-            <a:t>CONECTAR JOGADORES</a:t>
-          </a:r>
-        </a:p>
-      </dsp:txBody>
-      <dsp:txXfrm>
-        <a:off x="292120" y="1361325"/>
-        <a:ext cx="4248266" cy="673783"/>
       </dsp:txXfrm>
     </dsp:sp>
   </dsp:spTree>
@@ -22463,7 +22525,7 @@
 </file>
 
 <file path=ppt/diagrams/quickStyle5.xml><?xml version="1.0" encoding="utf-8"?>
-<dgm:styleDef xmlns:dgm="http://schemas.openxmlformats.org/drawingml/2006/diagram" xmlns:a="http://schemas.openxmlformats.org/drawingml/2006/main" uniqueId="urn:microsoft.com/office/officeart/2005/8/quickstyle/simple1#4">
+<dgm:styleDef xmlns:dgm="http://schemas.openxmlformats.org/drawingml/2006/diagram" xmlns:a="http://schemas.openxmlformats.org/drawingml/2006/main" uniqueId="urn:microsoft.com/office/officeart/2005/8/quickstyle/simple1#5">
   <dgm:title val=""/>
   <dgm:desc val=""/>
   <dgm:catLst>
@@ -24531,7 +24593,7 @@
 </file>
 
 <file path=ppt/diagrams/quickStyle7.xml><?xml version="1.0" encoding="utf-8"?>
-<dgm:styleDef xmlns:dgm="http://schemas.openxmlformats.org/drawingml/2006/diagram" xmlns:a="http://schemas.openxmlformats.org/drawingml/2006/main" uniqueId="urn:microsoft.com/office/officeart/2005/8/quickstyle/simple1#5">
+<dgm:styleDef xmlns:dgm="http://schemas.openxmlformats.org/drawingml/2006/diagram" xmlns:a="http://schemas.openxmlformats.org/drawingml/2006/main" uniqueId="urn:microsoft.com/office/officeart/2005/8/quickstyle/simple1#4">
   <dgm:title val=""/>
   <dgm:desc val=""/>
   <dgm:catLst>
@@ -33556,7 +33618,7 @@
           <a:p>
             <a:r>
               <a:rPr lang="pt-BR" dirty="0"/>
-              <a:t>Planejamento x Pandemia</a:t>
+              <a:t>Planejamento</a:t>
             </a:r>
           </a:p>
         </p:txBody>
@@ -34209,6 +34271,60 @@
           </a:extLst>
         </p:spPr>
       </p:pic>
+      <p:sp>
+        <p:nvSpPr>
+          <p:cNvPr id="15" name="Título 1">
+            <a:extLst>
+              <a:ext uri="{FF2B5EF4-FFF2-40B4-BE49-F238E27FC236}">
+                <a16:creationId xmlns:a16="http://schemas.microsoft.com/office/drawing/2014/main" id="{DDCB4B7E-C66A-454A-869A-F37FB18E47D9}"/>
+              </a:ext>
+            </a:extLst>
+          </p:cNvPr>
+          <p:cNvSpPr txBox="1">
+            <a:spLocks/>
+          </p:cNvSpPr>
+          <p:nvPr/>
+        </p:nvSpPr>
+        <p:spPr>
+          <a:xfrm>
+            <a:off x="5039359" y="505584"/>
+            <a:ext cx="6655815" cy="1067634"/>
+          </a:xfrm>
+          <a:prstGeom prst="rect">
+            <a:avLst/>
+          </a:prstGeom>
+        </p:spPr>
+        <p:txBody>
+          <a:bodyPr vert="horz" lIns="91440" tIns="45720" rIns="91440" bIns="45720" rtlCol="0" anchor="ctr">
+            <a:normAutofit/>
+          </a:bodyPr>
+          <a:lstStyle>
+            <a:lvl1pPr algn="l" defTabSz="914400" rtl="0" eaLnBrk="1" latinLnBrk="0" hangingPunct="1">
+              <a:lnSpc>
+                <a:spcPct val="90000"/>
+              </a:lnSpc>
+              <a:spcBef>
+                <a:spcPct val="0"/>
+              </a:spcBef>
+              <a:buNone/>
+              <a:defRPr sz="4400" kern="1200">
+                <a:solidFill>
+                  <a:schemeClr val="tx1"/>
+                </a:solidFill>
+                <a:latin typeface="+mj-lt"/>
+                <a:ea typeface="+mj-ea"/>
+                <a:cs typeface="+mj-cs"/>
+              </a:defRPr>
+            </a:lvl1pPr>
+          </a:lstStyle>
+          <a:p>
+            <a:r>
+              <a:rPr lang="pt-BR" dirty="0"/>
+              <a:t>x Pandemia</a:t>
+            </a:r>
+          </a:p>
+        </p:txBody>
+      </p:sp>
     </p:spTree>
     <p:extLst>
       <p:ext uri="{BB962C8B-B14F-4D97-AF65-F5344CB8AC3E}">
@@ -34219,6 +34335,184 @@
   <p:clrMapOvr>
     <a:masterClrMapping/>
   </p:clrMapOvr>
+  <p:timing>
+    <p:tnLst>
+      <p:par>
+        <p:cTn id="1" dur="indefinite" restart="never" nodeType="tmRoot">
+          <p:childTnLst>
+            <p:seq concurrent="1" nextAc="seek">
+              <p:cTn id="2" dur="indefinite" nodeType="mainSeq">
+                <p:childTnLst>
+                  <p:par>
+                    <p:cTn id="3" fill="hold">
+                      <p:stCondLst>
+                        <p:cond delay="indefinite"/>
+                      </p:stCondLst>
+                      <p:childTnLst>
+                        <p:par>
+                          <p:cTn id="4" fill="hold">
+                            <p:stCondLst>
+                              <p:cond delay="0"/>
+                            </p:stCondLst>
+                            <p:childTnLst>
+                              <p:par>
+                                <p:cTn id="5" presetID="1" presetClass="entr" presetSubtype="0" fill="hold" grpId="0" nodeType="clickEffect">
+                                  <p:stCondLst>
+                                    <p:cond delay="0"/>
+                                  </p:stCondLst>
+                                  <p:childTnLst>
+                                    <p:set>
+                                      <p:cBhvr>
+                                        <p:cTn id="6" dur="1" fill="hold">
+                                          <p:stCondLst>
+                                            <p:cond delay="0"/>
+                                          </p:stCondLst>
+                                        </p:cTn>
+                                        <p:tgtEl>
+                                          <p:spTgt spid="15"/>
+                                        </p:tgtEl>
+                                        <p:attrNameLst>
+                                          <p:attrName>style.visibility</p:attrName>
+                                        </p:attrNameLst>
+                                      </p:cBhvr>
+                                      <p:to>
+                                        <p:strVal val="visible"/>
+                                      </p:to>
+                                    </p:set>
+                                  </p:childTnLst>
+                                </p:cTn>
+                              </p:par>
+                              <p:par>
+                                <p:cTn id="7" presetID="1" presetClass="entr" presetSubtype="0" fill="hold" nodeType="withEffect">
+                                  <p:stCondLst>
+                                    <p:cond delay="0"/>
+                                  </p:stCondLst>
+                                  <p:childTnLst>
+                                    <p:set>
+                                      <p:cBhvr>
+                                        <p:cTn id="8" dur="1" fill="hold">
+                                          <p:stCondLst>
+                                            <p:cond delay="0"/>
+                                          </p:stCondLst>
+                                        </p:cTn>
+                                        <p:tgtEl>
+                                          <p:spTgt spid="1026"/>
+                                        </p:tgtEl>
+                                        <p:attrNameLst>
+                                          <p:attrName>style.visibility</p:attrName>
+                                        </p:attrNameLst>
+                                      </p:cBhvr>
+                                      <p:to>
+                                        <p:strVal val="visible"/>
+                                      </p:to>
+                                    </p:set>
+                                  </p:childTnLst>
+                                </p:cTn>
+                              </p:par>
+                            </p:childTnLst>
+                          </p:cTn>
+                        </p:par>
+                      </p:childTnLst>
+                    </p:cTn>
+                  </p:par>
+                  <p:par>
+                    <p:cTn id="9" fill="hold">
+                      <p:stCondLst>
+                        <p:cond delay="indefinite"/>
+                      </p:stCondLst>
+                      <p:childTnLst>
+                        <p:par>
+                          <p:cTn id="10" fill="hold">
+                            <p:stCondLst>
+                              <p:cond delay="0"/>
+                            </p:stCondLst>
+                            <p:childTnLst>
+                              <p:par>
+                                <p:cTn id="11" presetID="1" presetClass="entr" presetSubtype="0" fill="hold" nodeType="clickEffect">
+                                  <p:stCondLst>
+                                    <p:cond delay="0"/>
+                                  </p:stCondLst>
+                                  <p:childTnLst>
+                                    <p:set>
+                                      <p:cBhvr>
+                                        <p:cTn id="12" dur="1" fill="hold">
+                                          <p:stCondLst>
+                                            <p:cond delay="0"/>
+                                          </p:stCondLst>
+                                        </p:cTn>
+                                        <p:tgtEl>
+                                          <p:spTgt spid="4"/>
+                                        </p:tgtEl>
+                                        <p:attrNameLst>
+                                          <p:attrName>style.visibility</p:attrName>
+                                        </p:attrNameLst>
+                                      </p:cBhvr>
+                                      <p:to>
+                                        <p:strVal val="visible"/>
+                                      </p:to>
+                                    </p:set>
+                                  </p:childTnLst>
+                                </p:cTn>
+                              </p:par>
+                              <p:par>
+                                <p:cTn id="13" presetID="1" presetClass="entr" presetSubtype="0" fill="hold" grpId="0" nodeType="withEffect">
+                                  <p:stCondLst>
+                                    <p:cond delay="0"/>
+                                  </p:stCondLst>
+                                  <p:childTnLst>
+                                    <p:set>
+                                      <p:cBhvr>
+                                        <p:cTn id="14" dur="1" fill="hold">
+                                          <p:stCondLst>
+                                            <p:cond delay="0"/>
+                                          </p:stCondLst>
+                                        </p:cTn>
+                                        <p:tgtEl>
+                                          <p:spTgt spid="11"/>
+                                        </p:tgtEl>
+                                        <p:attrNameLst>
+                                          <p:attrName>style.visibility</p:attrName>
+                                        </p:attrNameLst>
+                                      </p:cBhvr>
+                                      <p:to>
+                                        <p:strVal val="visible"/>
+                                      </p:to>
+                                    </p:set>
+                                  </p:childTnLst>
+                                </p:cTn>
+                              </p:par>
+                            </p:childTnLst>
+                          </p:cTn>
+                        </p:par>
+                      </p:childTnLst>
+                    </p:cTn>
+                  </p:par>
+                </p:childTnLst>
+              </p:cTn>
+              <p:prevCondLst>
+                <p:cond evt="onPrev" delay="0">
+                  <p:tgtEl>
+                    <p:sldTgt/>
+                  </p:tgtEl>
+                </p:cond>
+              </p:prevCondLst>
+              <p:nextCondLst>
+                <p:cond evt="onNext" delay="0">
+                  <p:tgtEl>
+                    <p:sldTgt/>
+                  </p:tgtEl>
+                </p:cond>
+              </p:nextCondLst>
+            </p:seq>
+          </p:childTnLst>
+        </p:cTn>
+      </p:par>
+    </p:tnLst>
+    <p:bldLst>
+      <p:bldP spid="11" grpId="0"/>
+      <p:bldP spid="15" grpId="0"/>
+    </p:bldLst>
+  </p:timing>
 </p:sld>
 </file>
 
@@ -41051,6 +41345,56 @@
           </a:p>
         </p:txBody>
       </p:sp>
+      <p:graphicFrame>
+        <p:nvGraphicFramePr>
+          <p:cNvPr id="16" name="Espaço Reservado para Conteúdo 2"/>
+          <p:cNvGraphicFramePr/>
+          <p:nvPr>
+            <p:extLst>
+              <p:ext uri="{D42A27DB-BD31-4B8C-83A1-F6EECF244321}">
+                <p14:modId xmlns:p14="http://schemas.microsoft.com/office/powerpoint/2010/main" val="4035029163"/>
+              </p:ext>
+            </p:extLst>
+          </p:nvPr>
+        </p:nvGraphicFramePr>
+        <p:xfrm>
+          <a:off x="5040117" y="2968216"/>
+          <a:ext cx="4832507" cy="2035736"/>
+        </p:xfrm>
+        <a:graphic>
+          <a:graphicData uri="http://schemas.openxmlformats.org/drawingml/2006/diagram">
+            <dgm:relIds xmlns:dgm="http://schemas.openxmlformats.org/drawingml/2006/diagram" xmlns:r="http://schemas.openxmlformats.org/officeDocument/2006/relationships" r:dm="rId2" r:lo="rId3" r:qs="rId4" r:cs="rId5"/>
+          </a:graphicData>
+        </a:graphic>
+      </p:graphicFrame>
+      <p:graphicFrame>
+        <p:nvGraphicFramePr>
+          <p:cNvPr id="18" name="Espaço Reservado para Conteúdo 2">
+            <a:extLst>
+              <a:ext uri="{FF2B5EF4-FFF2-40B4-BE49-F238E27FC236}">
+                <a16:creationId xmlns:a16="http://schemas.microsoft.com/office/drawing/2014/main" id="{01586A72-D418-465D-8C0F-8D4C4B480A36}"/>
+              </a:ext>
+            </a:extLst>
+          </p:cNvPr>
+          <p:cNvGraphicFramePr/>
+          <p:nvPr>
+            <p:extLst>
+              <p:ext uri="{D42A27DB-BD31-4B8C-83A1-F6EECF244321}">
+                <p14:modId xmlns:p14="http://schemas.microsoft.com/office/powerpoint/2010/main" val="3531499318"/>
+              </p:ext>
+            </p:extLst>
+          </p:nvPr>
+        </p:nvGraphicFramePr>
+        <p:xfrm>
+          <a:off x="1968658" y="2968216"/>
+          <a:ext cx="4832507" cy="2035736"/>
+        </p:xfrm>
+        <a:graphic>
+          <a:graphicData uri="http://schemas.openxmlformats.org/drawingml/2006/diagram">
+            <dgm:relIds xmlns:dgm="http://schemas.openxmlformats.org/drawingml/2006/diagram" xmlns:r="http://schemas.openxmlformats.org/officeDocument/2006/relationships" r:dm="rId7" r:lo="rId8" r:qs="rId9" r:cs="rId10"/>
+          </a:graphicData>
+        </a:graphic>
+      </p:graphicFrame>
       <p:sp>
         <p:nvSpPr>
           <p:cNvPr id="2" name="Título 1"/>
@@ -41447,7 +41791,7 @@
         </p:xfrm>
         <a:graphic>
           <a:graphicData uri="http://schemas.openxmlformats.org/drawingml/2006/diagram">
-            <dgm:relIds xmlns:dgm="http://schemas.openxmlformats.org/drawingml/2006/diagram" xmlns:r="http://schemas.openxmlformats.org/officeDocument/2006/relationships" r:dm="rId2" r:lo="rId3" r:qs="rId4" r:cs="rId5"/>
+            <dgm:relIds xmlns:dgm="http://schemas.openxmlformats.org/drawingml/2006/diagram" xmlns:r="http://schemas.openxmlformats.org/officeDocument/2006/relationships" r:dm="rId12" r:lo="rId13" r:qs="rId14" r:cs="rId15"/>
           </a:graphicData>
         </a:graphic>
       </p:graphicFrame>
@@ -41465,50 +41809,6 @@
         </p:nvGraphicFramePr>
         <p:xfrm>
           <a:off x="8213398" y="2968216"/>
-          <a:ext cx="4832507" cy="2035736"/>
-        </p:xfrm>
-        <a:graphic>
-          <a:graphicData uri="http://schemas.openxmlformats.org/drawingml/2006/diagram">
-            <dgm:relIds xmlns:dgm="http://schemas.openxmlformats.org/drawingml/2006/diagram" xmlns:r="http://schemas.openxmlformats.org/officeDocument/2006/relationships" r:dm="rId7" r:lo="rId8" r:qs="rId9" r:cs="rId10"/>
-          </a:graphicData>
-        </a:graphic>
-      </p:graphicFrame>
-      <p:graphicFrame>
-        <p:nvGraphicFramePr>
-          <p:cNvPr id="16" name="Espaço Reservado para Conteúdo 2"/>
-          <p:cNvGraphicFramePr/>
-          <p:nvPr>
-            <p:extLst>
-              <p:ext uri="{D42A27DB-BD31-4B8C-83A1-F6EECF244321}">
-                <p14:modId xmlns:p14="http://schemas.microsoft.com/office/powerpoint/2010/main" val="1469380478"/>
-              </p:ext>
-            </p:extLst>
-          </p:nvPr>
-        </p:nvGraphicFramePr>
-        <p:xfrm>
-          <a:off x="2190600" y="2968216"/>
-          <a:ext cx="4832507" cy="2035736"/>
-        </p:xfrm>
-        <a:graphic>
-          <a:graphicData uri="http://schemas.openxmlformats.org/drawingml/2006/diagram">
-            <dgm:relIds xmlns:dgm="http://schemas.openxmlformats.org/drawingml/2006/diagram" xmlns:r="http://schemas.openxmlformats.org/officeDocument/2006/relationships" r:dm="rId12" r:lo="rId13" r:qs="rId14" r:cs="rId15"/>
-          </a:graphicData>
-        </a:graphic>
-      </p:graphicFrame>
-      <p:graphicFrame>
-        <p:nvGraphicFramePr>
-          <p:cNvPr id="17" name="Espaço Reservado para Conteúdo 2"/>
-          <p:cNvGraphicFramePr/>
-          <p:nvPr>
-            <p:extLst>
-              <p:ext uri="{D42A27DB-BD31-4B8C-83A1-F6EECF244321}">
-                <p14:modId xmlns:p14="http://schemas.microsoft.com/office/powerpoint/2010/main" val="1754290828"/>
-              </p:ext>
-            </p:extLst>
-          </p:nvPr>
-        </p:nvGraphicFramePr>
-        <p:xfrm>
-          <a:off x="5208793" y="2968216"/>
           <a:ext cx="4832507" cy="2035736"/>
         </p:xfrm>
         <a:graphic>
@@ -41733,7 +42033,7 @@
                                           </p:stCondLst>
                                         </p:cTn>
                                         <p:tgtEl>
-                                          <p:spTgt spid="16"/>
+                                          <p:spTgt spid="18"/>
                                         </p:tgtEl>
                                         <p:attrNameLst>
                                           <p:attrName>style.visibility</p:attrName>
@@ -41747,7 +42047,7 @@
                                       <p:cBhvr>
                                         <p:cTn id="12" dur="500"/>
                                         <p:tgtEl>
-                                          <p:spTgt spid="16"/>
+                                          <p:spTgt spid="18"/>
                                         </p:tgtEl>
                                       </p:cBhvr>
                                     </p:animEffect>
@@ -41786,7 +42086,7 @@
                                           </p:stCondLst>
                                         </p:cTn>
                                         <p:tgtEl>
-                                          <p:spTgt spid="17"/>
+                                          <p:spTgt spid="16"/>
                                         </p:tgtEl>
                                         <p:attrNameLst>
                                           <p:attrName>style.visibility</p:attrName>
@@ -41800,7 +42100,7 @@
                                       <p:cBhvr>
                                         <p:cTn id="17" dur="500"/>
                                         <p:tgtEl>
-                                          <p:spTgt spid="17"/>
+                                          <p:spTgt spid="16"/>
                                         </p:tgtEl>
                                       </p:cBhvr>
                                     </p:animEffect>
@@ -41888,16 +42188,16 @@
       </p:par>
     </p:tnLst>
     <p:bldLst>
+      <p:bldGraphic spid="16" grpId="0">
+        <p:bldAsOne/>
+      </p:bldGraphic>
+      <p:bldGraphic spid="18" grpId="0">
+        <p:bldAsOne/>
+      </p:bldGraphic>
       <p:bldGraphic spid="11" grpId="0">
         <p:bldAsOne/>
       </p:bldGraphic>
       <p:bldGraphic spid="15" grpId="0">
-        <p:bldAsOne/>
-      </p:bldGraphic>
-      <p:bldGraphic spid="16" grpId="0">
-        <p:bldAsOne/>
-      </p:bldGraphic>
-      <p:bldGraphic spid="17" grpId="0">
         <p:bldAsOne/>
       </p:bldGraphic>
     </p:bldLst>

--- a/Documentação/Apresentação - Sprint 3.pptx
+++ b/Documentação/Apresentação - Sprint 3.pptx
@@ -25,6 +25,7 @@
     <p:sldId id="305" r:id="rId19"/>
     <p:sldId id="299" r:id="rId20"/>
     <p:sldId id="290" r:id="rId21"/>
+    <p:sldId id="311" r:id="rId22"/>
   </p:sldIdLst>
   <p:sldSz cx="12192000" cy="6858000"/>
   <p:notesSz cx="6858000" cy="9144000"/>
@@ -721,6 +722,3247 @@
     </pc:docChg>
   </pc:docChgLst>
   <pc:docChgLst>
+    <pc:chgData name="Fernando C Correa" userId="a08d7f3c16d54179" providerId="LiveId" clId="{6EC4B758-B45F-42C0-A207-A6CC0CF2CC0F}"/>
+    <pc:docChg chg="custSel addSld modSld sldOrd">
+      <pc:chgData name="Fernando C Correa" userId="a08d7f3c16d54179" providerId="LiveId" clId="{6EC4B758-B45F-42C0-A207-A6CC0CF2CC0F}" dt="2020-06-19T00:19:22.161" v="126"/>
+      <pc:docMkLst>
+        <pc:docMk/>
+      </pc:docMkLst>
+      <pc:sldChg chg="addSp delSp modSp add mod ord delAnim">
+        <pc:chgData name="Fernando C Correa" userId="a08d7f3c16d54179" providerId="LiveId" clId="{6EC4B758-B45F-42C0-A207-A6CC0CF2CC0F}" dt="2020-06-19T00:19:22.161" v="126"/>
+        <pc:sldMkLst>
+          <pc:docMk/>
+          <pc:sldMk cId="1216557380" sldId="310"/>
+        </pc:sldMkLst>
+        <pc:spChg chg="add del">
+          <ac:chgData name="Fernando C Correa" userId="a08d7f3c16d54179" providerId="LiveId" clId="{6EC4B758-B45F-42C0-A207-A6CC0CF2CC0F}" dt="2020-06-19T00:02:47.623" v="27" actId="478"/>
+          <ac:spMkLst>
+            <pc:docMk/>
+            <pc:sldMk cId="1216557380" sldId="310"/>
+            <ac:spMk id="3" creationId="{C4067438-8CD2-439C-9D91-898636A2B2ED}"/>
+          </ac:spMkLst>
+        </pc:spChg>
+        <pc:spChg chg="del mod">
+          <ac:chgData name="Fernando C Correa" userId="a08d7f3c16d54179" providerId="LiveId" clId="{6EC4B758-B45F-42C0-A207-A6CC0CF2CC0F}" dt="2020-06-18T23:50:40.874" v="6" actId="478"/>
+          <ac:spMkLst>
+            <pc:docMk/>
+            <pc:sldMk cId="1216557380" sldId="310"/>
+            <ac:spMk id="10" creationId="{00000000-0000-0000-0000-000000000000}"/>
+          </ac:spMkLst>
+        </pc:spChg>
+        <pc:spChg chg="del">
+          <ac:chgData name="Fernando C Correa" userId="a08d7f3c16d54179" providerId="LiveId" clId="{6EC4B758-B45F-42C0-A207-A6CC0CF2CC0F}" dt="2020-06-19T00:18:34.884" v="122" actId="478"/>
+          <ac:spMkLst>
+            <pc:docMk/>
+            <pc:sldMk cId="1216557380" sldId="310"/>
+            <ac:spMk id="16" creationId="{B929AAFC-5FD1-4FBC-9997-0574514F2D6D}"/>
+          </ac:spMkLst>
+        </pc:spChg>
+        <pc:spChg chg="del">
+          <ac:chgData name="Fernando C Correa" userId="a08d7f3c16d54179" providerId="LiveId" clId="{6EC4B758-B45F-42C0-A207-A6CC0CF2CC0F}" dt="2020-06-18T23:50:51.130" v="9" actId="478"/>
+          <ac:spMkLst>
+            <pc:docMk/>
+            <pc:sldMk cId="1216557380" sldId="310"/>
+            <ac:spMk id="21" creationId="{DEDAC65E-5A44-4D6B-8FD8-DE7536913038}"/>
+          </ac:spMkLst>
+        </pc:spChg>
+        <pc:spChg chg="add mod">
+          <ac:chgData name="Fernando C Correa" userId="a08d7f3c16d54179" providerId="LiveId" clId="{6EC4B758-B45F-42C0-A207-A6CC0CF2CC0F}" dt="2020-06-19T00:18:35.134" v="123"/>
+          <ac:spMkLst>
+            <pc:docMk/>
+            <pc:sldMk cId="1216557380" sldId="310"/>
+            <ac:spMk id="33" creationId="{4EC138E7-6E1A-465A-ABCA-96536386FA2F}"/>
+          </ac:spMkLst>
+        </pc:spChg>
+        <pc:picChg chg="add del mod">
+          <ac:chgData name="Fernando C Correa" userId="a08d7f3c16d54179" providerId="LiveId" clId="{6EC4B758-B45F-42C0-A207-A6CC0CF2CC0F}" dt="2020-06-19T00:03:02.717" v="30" actId="478"/>
+          <ac:picMkLst>
+            <pc:docMk/>
+            <pc:sldMk cId="1216557380" sldId="310"/>
+            <ac:picMk id="5" creationId="{02D9D256-F4A8-41E8-B5B9-7C389446A865}"/>
+          </ac:picMkLst>
+        </pc:picChg>
+        <pc:picChg chg="add del mod">
+          <ac:chgData name="Fernando C Correa" userId="a08d7f3c16d54179" providerId="LiveId" clId="{6EC4B758-B45F-42C0-A207-A6CC0CF2CC0F}" dt="2020-06-19T00:03:52.186" v="32" actId="478"/>
+          <ac:picMkLst>
+            <pc:docMk/>
+            <pc:sldMk cId="1216557380" sldId="310"/>
+            <ac:picMk id="7" creationId="{88BA9433-256E-4C5B-8E78-A369A413C4B6}"/>
+          </ac:picMkLst>
+        </pc:picChg>
+        <pc:picChg chg="del">
+          <ac:chgData name="Fernando C Correa" userId="a08d7f3c16d54179" providerId="LiveId" clId="{6EC4B758-B45F-42C0-A207-A6CC0CF2CC0F}" dt="2020-06-18T23:50:07.842" v="1" actId="478"/>
+          <ac:picMkLst>
+            <pc:docMk/>
+            <pc:sldMk cId="1216557380" sldId="310"/>
+            <ac:picMk id="8" creationId="{E7887945-5460-4B49-BFA8-1466756D37A0}"/>
+          </ac:picMkLst>
+        </pc:picChg>
+        <pc:picChg chg="add del mod">
+          <ac:chgData name="Fernando C Correa" userId="a08d7f3c16d54179" providerId="LiveId" clId="{6EC4B758-B45F-42C0-A207-A6CC0CF2CC0F}" dt="2020-06-18T23:50:40.874" v="6" actId="478"/>
+          <ac:picMkLst>
+            <pc:docMk/>
+            <pc:sldMk cId="1216557380" sldId="310"/>
+            <ac:picMk id="1026" creationId="{E2C4D506-071C-451A-A25B-277474AEA927}"/>
+          </ac:picMkLst>
+        </pc:picChg>
+        <pc:picChg chg="add mod">
+          <ac:chgData name="Fernando C Correa" userId="a08d7f3c16d54179" providerId="LiveId" clId="{6EC4B758-B45F-42C0-A207-A6CC0CF2CC0F}" dt="2020-06-19T00:18:01.635" v="116" actId="1076"/>
+          <ac:picMkLst>
+            <pc:docMk/>
+            <pc:sldMk cId="1216557380" sldId="310"/>
+            <ac:picMk id="1028" creationId="{D76B89FC-867A-4147-BA71-9560870E80C8}"/>
+          </ac:picMkLst>
+        </pc:picChg>
+        <pc:picChg chg="add mod">
+          <ac:chgData name="Fernando C Correa" userId="a08d7f3c16d54179" providerId="LiveId" clId="{6EC4B758-B45F-42C0-A207-A6CC0CF2CC0F}" dt="2020-06-19T00:17:48.852" v="113" actId="1076"/>
+          <ac:picMkLst>
+            <pc:docMk/>
+            <pc:sldMk cId="1216557380" sldId="310"/>
+            <ac:picMk id="1030" creationId="{1D444095-F87C-4CAA-AEB0-70F655079581}"/>
+          </ac:picMkLst>
+        </pc:picChg>
+        <pc:picChg chg="add del mod">
+          <ac:chgData name="Fernando C Correa" userId="a08d7f3c16d54179" providerId="LiveId" clId="{6EC4B758-B45F-42C0-A207-A6CC0CF2CC0F}" dt="2020-06-19T00:04:42.394" v="35" actId="478"/>
+          <ac:picMkLst>
+            <pc:docMk/>
+            <pc:sldMk cId="1216557380" sldId="310"/>
+            <ac:picMk id="1032" creationId="{DC985500-6753-4439-BD58-630E0B60A8D5}"/>
+          </ac:picMkLst>
+        </pc:picChg>
+        <pc:picChg chg="add del mod">
+          <ac:chgData name="Fernando C Correa" userId="a08d7f3c16d54179" providerId="LiveId" clId="{6EC4B758-B45F-42C0-A207-A6CC0CF2CC0F}" dt="2020-06-19T00:12:40.871" v="38" actId="478"/>
+          <ac:picMkLst>
+            <pc:docMk/>
+            <pc:sldMk cId="1216557380" sldId="310"/>
+            <ac:picMk id="1034" creationId="{F4FBE164-AFE1-4910-B468-1BEFB859B3E4}"/>
+          </ac:picMkLst>
+        </pc:picChg>
+        <pc:picChg chg="add mod">
+          <ac:chgData name="Fernando C Correa" userId="a08d7f3c16d54179" providerId="LiveId" clId="{6EC4B758-B45F-42C0-A207-A6CC0CF2CC0F}" dt="2020-06-19T00:18:04.970" v="117" actId="1076"/>
+          <ac:picMkLst>
+            <pc:docMk/>
+            <pc:sldMk cId="1216557380" sldId="310"/>
+            <ac:picMk id="1036" creationId="{4CB63698-D978-4CD6-8FD1-C022074D72D7}"/>
+          </ac:picMkLst>
+        </pc:picChg>
+        <pc:picChg chg="add mod">
+          <ac:chgData name="Fernando C Correa" userId="a08d7f3c16d54179" providerId="LiveId" clId="{6EC4B758-B45F-42C0-A207-A6CC0CF2CC0F}" dt="2020-06-19T00:18:07.101" v="118" actId="1076"/>
+          <ac:picMkLst>
+            <pc:docMk/>
+            <pc:sldMk cId="1216557380" sldId="310"/>
+            <ac:picMk id="1038" creationId="{1070BA75-767B-4C56-BCD0-3A6C324EE9BC}"/>
+          </ac:picMkLst>
+        </pc:picChg>
+        <pc:picChg chg="add mod">
+          <ac:chgData name="Fernando C Correa" userId="a08d7f3c16d54179" providerId="LiveId" clId="{6EC4B758-B45F-42C0-A207-A6CC0CF2CC0F}" dt="2020-06-19T00:18:11.926" v="119" actId="1076"/>
+          <ac:picMkLst>
+            <pc:docMk/>
+            <pc:sldMk cId="1216557380" sldId="310"/>
+            <ac:picMk id="1040" creationId="{3E94C683-13A5-473D-84E5-0EC77570D1A9}"/>
+          </ac:picMkLst>
+        </pc:picChg>
+        <pc:picChg chg="add del mod">
+          <ac:chgData name="Fernando C Correa" userId="a08d7f3c16d54179" providerId="LiveId" clId="{6EC4B758-B45F-42C0-A207-A6CC0CF2CC0F}" dt="2020-06-19T00:02:09.582" v="25" actId="478"/>
+          <ac:picMkLst>
+            <pc:docMk/>
+            <pc:sldMk cId="1216557380" sldId="310"/>
+            <ac:picMk id="1042" creationId="{F976BB1D-A18D-4721-B4A5-05E33E45C8BE}"/>
+          </ac:picMkLst>
+        </pc:picChg>
+        <pc:picChg chg="add del mod">
+          <ac:chgData name="Fernando C Correa" userId="a08d7f3c16d54179" providerId="LiveId" clId="{6EC4B758-B45F-42C0-A207-A6CC0CF2CC0F}" dt="2020-06-19T00:02:09.582" v="25" actId="478"/>
+          <ac:picMkLst>
+            <pc:docMk/>
+            <pc:sldMk cId="1216557380" sldId="310"/>
+            <ac:picMk id="1044" creationId="{28885620-9074-4DE9-A28C-FC338FFEDBCF}"/>
+          </ac:picMkLst>
+        </pc:picChg>
+        <pc:picChg chg="add mod">
+          <ac:chgData name="Fernando C Correa" userId="a08d7f3c16d54179" providerId="LiveId" clId="{6EC4B758-B45F-42C0-A207-A6CC0CF2CC0F}" dt="2020-06-19T00:17:58.209" v="115" actId="1076"/>
+          <ac:picMkLst>
+            <pc:docMk/>
+            <pc:sldMk cId="1216557380" sldId="310"/>
+            <ac:picMk id="1048" creationId="{02423DA5-E5A7-4204-9F15-B1C2DA32315D}"/>
+          </ac:picMkLst>
+        </pc:picChg>
+        <pc:picChg chg="add mod">
+          <ac:chgData name="Fernando C Correa" userId="a08d7f3c16d54179" providerId="LiveId" clId="{6EC4B758-B45F-42C0-A207-A6CC0CF2CC0F}" dt="2020-06-19T00:19:14.925" v="124" actId="1076"/>
+          <ac:picMkLst>
+            <pc:docMk/>
+            <pc:sldMk cId="1216557380" sldId="310"/>
+            <ac:picMk id="1050" creationId="{3436FD7C-0729-4A23-ABA2-8DE8F6568403}"/>
+          </ac:picMkLst>
+        </pc:picChg>
+        <pc:picChg chg="add mod">
+          <ac:chgData name="Fernando C Correa" userId="a08d7f3c16d54179" providerId="LiveId" clId="{6EC4B758-B45F-42C0-A207-A6CC0CF2CC0F}" dt="2020-06-19T00:17:54.236" v="114" actId="1076"/>
+          <ac:picMkLst>
+            <pc:docMk/>
+            <pc:sldMk cId="1216557380" sldId="310"/>
+            <ac:picMk id="1052" creationId="{393BA934-075A-4034-B5AE-B620E367AEAB}"/>
+          </ac:picMkLst>
+        </pc:picChg>
+      </pc:sldChg>
+    </pc:docChg>
+  </pc:docChgLst>
+  <pc:docChgLst>
+    <pc:chgData name="Fernando C Correa" userId="a08d7f3c16d54179" providerId="LiveId" clId="{BDD547D6-9985-4471-8D69-22FBC0393EC8}"/>
+    <pc:docChg chg="undo custSel mod addSld delSld modSld sldOrd">
+      <pc:chgData name="Fernando C Correa" userId="a08d7f3c16d54179" providerId="LiveId" clId="{BDD547D6-9985-4471-8D69-22FBC0393EC8}" dt="2020-06-13T13:09:11.758" v="233"/>
+      <pc:docMkLst>
+        <pc:docMk/>
+      </pc:docMkLst>
+      <pc:sldChg chg="modAnim">
+        <pc:chgData name="Fernando C Correa" userId="a08d7f3c16d54179" providerId="LiveId" clId="{BDD547D6-9985-4471-8D69-22FBC0393EC8}" dt="2020-06-13T12:56:23.801" v="132"/>
+        <pc:sldMkLst>
+          <pc:docMk/>
+          <pc:sldMk cId="3542761506" sldId="281"/>
+        </pc:sldMkLst>
+      </pc:sldChg>
+      <pc:sldChg chg="addSp delSp modSp mod setBg setClrOvrMap">
+        <pc:chgData name="Fernando C Correa" userId="a08d7f3c16d54179" providerId="LiveId" clId="{BDD547D6-9985-4471-8D69-22FBC0393EC8}" dt="2020-06-13T12:55:02.601" v="128" actId="1076"/>
+        <pc:sldMkLst>
+          <pc:docMk/>
+          <pc:sldMk cId="450903840" sldId="283"/>
+        </pc:sldMkLst>
+        <pc:spChg chg="mod ord">
+          <ac:chgData name="Fernando C Correa" userId="a08d7f3c16d54179" providerId="LiveId" clId="{BDD547D6-9985-4471-8D69-22FBC0393EC8}" dt="2020-06-13T12:55:02.601" v="128" actId="1076"/>
+          <ac:spMkLst>
+            <pc:docMk/>
+            <pc:sldMk cId="450903840" sldId="283"/>
+            <ac:spMk id="3" creationId="{00000000-0000-0000-0000-000000000000}"/>
+          </ac:spMkLst>
+        </pc:spChg>
+        <pc:spChg chg="mod ord">
+          <ac:chgData name="Fernando C Correa" userId="a08d7f3c16d54179" providerId="LiveId" clId="{BDD547D6-9985-4471-8D69-22FBC0393EC8}" dt="2020-06-13T12:53:13.696" v="111" actId="1038"/>
+          <ac:spMkLst>
+            <pc:docMk/>
+            <pc:sldMk cId="450903840" sldId="283"/>
+            <ac:spMk id="7" creationId="{D34E5B9C-57DC-422A-B626-426A4E3D6AC0}"/>
+          </ac:spMkLst>
+        </pc:spChg>
+        <pc:spChg chg="add mod">
+          <ac:chgData name="Fernando C Correa" userId="a08d7f3c16d54179" providerId="LiveId" clId="{BDD547D6-9985-4471-8D69-22FBC0393EC8}" dt="2020-06-13T12:54:34.439" v="125" actId="14100"/>
+          <ac:spMkLst>
+            <pc:docMk/>
+            <pc:sldMk cId="450903840" sldId="283"/>
+            <ac:spMk id="8" creationId="{3CC0DBC5-CBEA-44F5-B257-04EE3F7AB470}"/>
+          </ac:spMkLst>
+        </pc:spChg>
+        <pc:spChg chg="add del">
+          <ac:chgData name="Fernando C Correa" userId="a08d7f3c16d54179" providerId="LiveId" clId="{BDD547D6-9985-4471-8D69-22FBC0393EC8}" dt="2020-06-13T12:50:16.547" v="3" actId="26606"/>
+          <ac:spMkLst>
+            <pc:docMk/>
+            <pc:sldMk cId="450903840" sldId="283"/>
+            <ac:spMk id="12" creationId="{71B2258F-86CA-4D4D-8270-BC05FCDEBFB3}"/>
+          </ac:spMkLst>
+        </pc:spChg>
+        <pc:spChg chg="add del">
+          <ac:chgData name="Fernando C Correa" userId="a08d7f3c16d54179" providerId="LiveId" clId="{BDD547D6-9985-4471-8D69-22FBC0393EC8}" dt="2020-06-13T12:50:38.303" v="17" actId="26606"/>
+          <ac:spMkLst>
+            <pc:docMk/>
+            <pc:sldMk cId="450903840" sldId="283"/>
+            <ac:spMk id="34" creationId="{A3BAF07C-C39E-42EB-BB22-8D46691D9735}"/>
+          </ac:spMkLst>
+        </pc:spChg>
+        <pc:spChg chg="add del">
+          <ac:chgData name="Fernando C Correa" userId="a08d7f3c16d54179" providerId="LiveId" clId="{BDD547D6-9985-4471-8D69-22FBC0393EC8}" dt="2020-06-13T12:50:33.856" v="6" actId="26606"/>
+          <ac:spMkLst>
+            <pc:docMk/>
+            <pc:sldMk cId="450903840" sldId="283"/>
+            <ac:spMk id="49" creationId="{A3BAF07C-C39E-42EB-BB22-8D46691D9735}"/>
+          </ac:spMkLst>
+        </pc:spChg>
+        <pc:spChg chg="add mod">
+          <ac:chgData name="Fernando C Correa" userId="a08d7f3c16d54179" providerId="LiveId" clId="{BDD547D6-9985-4471-8D69-22FBC0393EC8}" dt="2020-06-13T12:54:40.117" v="126" actId="14100"/>
+          <ac:spMkLst>
+            <pc:docMk/>
+            <pc:sldMk cId="450903840" sldId="283"/>
+            <ac:spMk id="71" creationId="{FA87CC4B-67E8-46A8-83ED-B27931B4A556}"/>
+          </ac:spMkLst>
+        </pc:spChg>
+        <pc:spChg chg="add del">
+          <ac:chgData name="Fernando C Correa" userId="a08d7f3c16d54179" providerId="LiveId" clId="{BDD547D6-9985-4471-8D69-22FBC0393EC8}" dt="2020-06-13T12:50:35.004" v="9" actId="26606"/>
+          <ac:spMkLst>
+            <pc:docMk/>
+            <pc:sldMk cId="450903840" sldId="283"/>
+            <ac:spMk id="72" creationId="{1FBD4BA0-5E13-4403-B4A7-40DF3A0185D3}"/>
+          </ac:spMkLst>
+        </pc:spChg>
+        <pc:spChg chg="add del">
+          <ac:chgData name="Fernando C Correa" userId="a08d7f3c16d54179" providerId="LiveId" clId="{BDD547D6-9985-4471-8D69-22FBC0393EC8}" dt="2020-06-13T12:50:35.531" v="11" actId="26606"/>
+          <ac:spMkLst>
+            <pc:docMk/>
+            <pc:sldMk cId="450903840" sldId="283"/>
+            <ac:spMk id="75" creationId="{A3BAF07C-C39E-42EB-BB22-8D46691D9735}"/>
+          </ac:spMkLst>
+        </pc:spChg>
+        <pc:spChg chg="add del">
+          <ac:chgData name="Fernando C Correa" userId="a08d7f3c16d54179" providerId="LiveId" clId="{BDD547D6-9985-4471-8D69-22FBC0393EC8}" dt="2020-06-13T12:50:36.456" v="14" actId="26606"/>
+          <ac:spMkLst>
+            <pc:docMk/>
+            <pc:sldMk cId="450903840" sldId="283"/>
+            <ac:spMk id="78" creationId="{1FBD4BA0-5E13-4403-B4A7-40DF3A0185D3}"/>
+          </ac:spMkLst>
+        </pc:spChg>
+        <pc:spChg chg="add del">
+          <ac:chgData name="Fernando C Correa" userId="a08d7f3c16d54179" providerId="LiveId" clId="{BDD547D6-9985-4471-8D69-22FBC0393EC8}" dt="2020-06-13T12:50:38.294" v="16" actId="26606"/>
+          <ac:spMkLst>
+            <pc:docMk/>
+            <pc:sldMk cId="450903840" sldId="283"/>
+            <ac:spMk id="81" creationId="{A3BAF07C-C39E-42EB-BB22-8D46691D9735}"/>
+          </ac:spMkLst>
+        </pc:spChg>
+        <pc:grpChg chg="add del">
+          <ac:chgData name="Fernando C Correa" userId="a08d7f3c16d54179" providerId="LiveId" clId="{BDD547D6-9985-4471-8D69-22FBC0393EC8}" dt="2020-06-13T12:50:38.303" v="17" actId="26606"/>
+          <ac:grpSpMkLst>
+            <pc:docMk/>
+            <pc:sldMk cId="450903840" sldId="283"/>
+            <ac:grpSpMk id="35" creationId="{D8E9CF54-0466-4261-9E62-0249E60E1886}"/>
+          </ac:grpSpMkLst>
+        </pc:grpChg>
+        <pc:grpChg chg="add del">
+          <ac:chgData name="Fernando C Correa" userId="a08d7f3c16d54179" providerId="LiveId" clId="{BDD547D6-9985-4471-8D69-22FBC0393EC8}" dt="2020-06-13T12:50:33.856" v="6" actId="26606"/>
+          <ac:grpSpMkLst>
+            <pc:docMk/>
+            <pc:sldMk cId="450903840" sldId="283"/>
+            <ac:grpSpMk id="51" creationId="{D8E9CF54-0466-4261-9E62-0249E60E1886}"/>
+          </ac:grpSpMkLst>
+        </pc:grpChg>
+        <pc:grpChg chg="add del">
+          <ac:chgData name="Fernando C Correa" userId="a08d7f3c16d54179" providerId="LiveId" clId="{BDD547D6-9985-4471-8D69-22FBC0393EC8}" dt="2020-06-13T12:50:35.004" v="9" actId="26606"/>
+          <ac:grpSpMkLst>
+            <pc:docMk/>
+            <pc:sldMk cId="450903840" sldId="283"/>
+            <ac:grpSpMk id="73" creationId="{622F0806-F5D8-4CCD-A924-6CC3D7BB26F7}"/>
+          </ac:grpSpMkLst>
+        </pc:grpChg>
+        <pc:grpChg chg="add del">
+          <ac:chgData name="Fernando C Correa" userId="a08d7f3c16d54179" providerId="LiveId" clId="{BDD547D6-9985-4471-8D69-22FBC0393EC8}" dt="2020-06-13T12:50:35.531" v="11" actId="26606"/>
+          <ac:grpSpMkLst>
+            <pc:docMk/>
+            <pc:sldMk cId="450903840" sldId="283"/>
+            <ac:grpSpMk id="76" creationId="{D8E9CF54-0466-4261-9E62-0249E60E1886}"/>
+          </ac:grpSpMkLst>
+        </pc:grpChg>
+        <pc:grpChg chg="add del">
+          <ac:chgData name="Fernando C Correa" userId="a08d7f3c16d54179" providerId="LiveId" clId="{BDD547D6-9985-4471-8D69-22FBC0393EC8}" dt="2020-06-13T12:50:36.456" v="14" actId="26606"/>
+          <ac:grpSpMkLst>
+            <pc:docMk/>
+            <pc:sldMk cId="450903840" sldId="283"/>
+            <ac:grpSpMk id="79" creationId="{622F0806-F5D8-4CCD-A924-6CC3D7BB26F7}"/>
+          </ac:grpSpMkLst>
+        </pc:grpChg>
+        <pc:grpChg chg="add del">
+          <ac:chgData name="Fernando C Correa" userId="a08d7f3c16d54179" providerId="LiveId" clId="{BDD547D6-9985-4471-8D69-22FBC0393EC8}" dt="2020-06-13T12:50:38.294" v="16" actId="26606"/>
+          <ac:grpSpMkLst>
+            <pc:docMk/>
+            <pc:sldMk cId="450903840" sldId="283"/>
+            <ac:grpSpMk id="82" creationId="{D8E9CF54-0466-4261-9E62-0249E60E1886}"/>
+          </ac:grpSpMkLst>
+        </pc:grpChg>
+        <pc:picChg chg="add del mod ord">
+          <ac:chgData name="Fernando C Correa" userId="a08d7f3c16d54179" providerId="LiveId" clId="{BDD547D6-9985-4471-8D69-22FBC0393EC8}" dt="2020-06-13T12:52:04.308" v="41" actId="478"/>
+          <ac:picMkLst>
+            <pc:docMk/>
+            <pc:sldMk cId="450903840" sldId="283"/>
+            <ac:picMk id="4" creationId="{C59658C8-2D7A-4DCD-854A-2822D1795322}"/>
+          </ac:picMkLst>
+        </pc:picChg>
+        <pc:picChg chg="add mod">
+          <ac:chgData name="Fernando C Correa" userId="a08d7f3c16d54179" providerId="LiveId" clId="{BDD547D6-9985-4471-8D69-22FBC0393EC8}" dt="2020-06-13T12:53:05.776" v="62" actId="14100"/>
+          <ac:picMkLst>
+            <pc:docMk/>
+            <pc:sldMk cId="450903840" sldId="283"/>
+            <ac:picMk id="6" creationId="{0453BD22-6FB7-433F-B358-150D1AA68C37}"/>
+          </ac:picMkLst>
+        </pc:picChg>
+      </pc:sldChg>
+      <pc:sldChg chg="addSp delSp modSp mod ord">
+        <pc:chgData name="Fernando C Correa" userId="a08d7f3c16d54179" providerId="LiveId" clId="{BDD547D6-9985-4471-8D69-22FBC0393EC8}" dt="2020-06-13T13:09:00.020" v="229"/>
+        <pc:sldMkLst>
+          <pc:docMk/>
+          <pc:sldMk cId="4264086694" sldId="288"/>
+        </pc:sldMkLst>
+        <pc:picChg chg="add mod">
+          <ac:chgData name="Fernando C Correa" userId="a08d7f3c16d54179" providerId="LiveId" clId="{BDD547D6-9985-4471-8D69-22FBC0393EC8}" dt="2020-06-13T12:58:07.073" v="151" actId="1076"/>
+          <ac:picMkLst>
+            <pc:docMk/>
+            <pc:sldMk cId="4264086694" sldId="288"/>
+            <ac:picMk id="4" creationId="{1F3BC514-CB78-4155-AF11-BB61F4A3B76D}"/>
+          </ac:picMkLst>
+        </pc:picChg>
+        <pc:picChg chg="del">
+          <ac:chgData name="Fernando C Correa" userId="a08d7f3c16d54179" providerId="LiveId" clId="{BDD547D6-9985-4471-8D69-22FBC0393EC8}" dt="2020-06-13T12:57:55.833" v="147" actId="478"/>
+          <ac:picMkLst>
+            <pc:docMk/>
+            <pc:sldMk cId="4264086694" sldId="288"/>
+            <ac:picMk id="5" creationId="{719194C0-71DB-4079-83CE-40E5CD7645C0}"/>
+          </ac:picMkLst>
+        </pc:picChg>
+      </pc:sldChg>
+      <pc:sldChg chg="ord">
+        <pc:chgData name="Fernando C Correa" userId="a08d7f3c16d54179" providerId="LiveId" clId="{BDD547D6-9985-4471-8D69-22FBC0393EC8}" dt="2020-06-13T13:09:08.312" v="231"/>
+        <pc:sldMkLst>
+          <pc:docMk/>
+          <pc:sldMk cId="1295663715" sldId="289"/>
+        </pc:sldMkLst>
+      </pc:sldChg>
+      <pc:sldChg chg="addSp delSp modSp del mod">
+        <pc:chgData name="Fernando C Correa" userId="a08d7f3c16d54179" providerId="LiveId" clId="{BDD547D6-9985-4471-8D69-22FBC0393EC8}" dt="2020-06-13T13:04:30.446" v="203" actId="47"/>
+        <pc:sldMkLst>
+          <pc:docMk/>
+          <pc:sldMk cId="2022502932" sldId="293"/>
+        </pc:sldMkLst>
+        <pc:spChg chg="add del mod">
+          <ac:chgData name="Fernando C Correa" userId="a08d7f3c16d54179" providerId="LiveId" clId="{BDD547D6-9985-4471-8D69-22FBC0393EC8}" dt="2020-06-13T13:00:22.936" v="161"/>
+          <ac:spMkLst>
+            <pc:docMk/>
+            <pc:sldMk cId="2022502932" sldId="293"/>
+            <ac:spMk id="8" creationId="{92F8AF57-C061-4F06-ABAE-7F2B3E465A0E}"/>
+          </ac:spMkLst>
+        </pc:spChg>
+        <pc:spChg chg="add mod">
+          <ac:chgData name="Fernando C Correa" userId="a08d7f3c16d54179" providerId="LiveId" clId="{BDD547D6-9985-4471-8D69-22FBC0393EC8}" dt="2020-06-13T13:00:22.936" v="161"/>
+          <ac:spMkLst>
+            <pc:docMk/>
+            <pc:sldMk cId="2022502932" sldId="293"/>
+            <ac:spMk id="11" creationId="{978FC917-94D5-4C38-AEE6-3EC089673DDA}"/>
+          </ac:spMkLst>
+        </pc:spChg>
+        <pc:spChg chg="add mod">
+          <ac:chgData name="Fernando C Correa" userId="a08d7f3c16d54179" providerId="LiveId" clId="{BDD547D6-9985-4471-8D69-22FBC0393EC8}" dt="2020-06-13T13:00:22.936" v="161"/>
+          <ac:spMkLst>
+            <pc:docMk/>
+            <pc:sldMk cId="2022502932" sldId="293"/>
+            <ac:spMk id="15" creationId="{91BB7FE2-2C0C-43E0-BF9A-3C40E087E591}"/>
+          </ac:spMkLst>
+        </pc:spChg>
+        <pc:grpChg chg="add del mod">
+          <ac:chgData name="Fernando C Correa" userId="a08d7f3c16d54179" providerId="LiveId" clId="{BDD547D6-9985-4471-8D69-22FBC0393EC8}" dt="2020-06-13T13:00:22.936" v="161"/>
+          <ac:grpSpMkLst>
+            <pc:docMk/>
+            <pc:sldMk cId="2022502932" sldId="293"/>
+            <ac:grpSpMk id="9" creationId="{3B9F2973-9CA5-4D05-AB1A-387FE8576AD9}"/>
+          </ac:grpSpMkLst>
+        </pc:grpChg>
+        <pc:graphicFrameChg chg="add mod">
+          <ac:chgData name="Fernando C Correa" userId="a08d7f3c16d54179" providerId="LiveId" clId="{BDD547D6-9985-4471-8D69-22FBC0393EC8}" dt="2020-06-13T13:02:56.944" v="202"/>
+          <ac:graphicFrameMkLst>
+            <pc:docMk/>
+            <pc:sldMk cId="2022502932" sldId="293"/>
+            <ac:graphicFrameMk id="16" creationId="{C71FC8EC-A740-40A0-B5C8-AA4B5DFF8386}"/>
+          </ac:graphicFrameMkLst>
+        </pc:graphicFrameChg>
+        <pc:picChg chg="add del">
+          <ac:chgData name="Fernando C Correa" userId="a08d7f3c16d54179" providerId="LiveId" clId="{BDD547D6-9985-4471-8D69-22FBC0393EC8}" dt="2020-06-13T13:00:39.300" v="164" actId="478"/>
+          <ac:picMkLst>
+            <pc:docMk/>
+            <pc:sldMk cId="2022502932" sldId="293"/>
+            <ac:picMk id="62" creationId="{BCC4C255-968A-4BC3-A955-63028576C8DF}"/>
+          </ac:picMkLst>
+        </pc:picChg>
+      </pc:sldChg>
+      <pc:sldChg chg="modSp">
+        <pc:chgData name="Fernando C Correa" userId="a08d7f3c16d54179" providerId="LiveId" clId="{BDD547D6-9985-4471-8D69-22FBC0393EC8}" dt="2020-06-13T13:01:59.703" v="197" actId="1076"/>
+        <pc:sldMkLst>
+          <pc:docMk/>
+          <pc:sldMk cId="2602158399" sldId="296"/>
+        </pc:sldMkLst>
+        <pc:spChg chg="mod">
+          <ac:chgData name="Fernando C Correa" userId="a08d7f3c16d54179" providerId="LiveId" clId="{BDD547D6-9985-4471-8D69-22FBC0393EC8}" dt="2020-06-13T13:01:59.703" v="197" actId="1076"/>
+          <ac:spMkLst>
+            <pc:docMk/>
+            <pc:sldMk cId="2602158399" sldId="296"/>
+            <ac:spMk id="16" creationId="{4A3D8031-17D2-483B-9165-90F4DE2D70F4}"/>
+          </ac:spMkLst>
+        </pc:spChg>
+        <pc:spChg chg="mod">
+          <ac:chgData name="Fernando C Correa" userId="a08d7f3c16d54179" providerId="LiveId" clId="{BDD547D6-9985-4471-8D69-22FBC0393EC8}" dt="2020-06-13T13:01:59.703" v="197" actId="1076"/>
+          <ac:spMkLst>
+            <pc:docMk/>
+            <pc:sldMk cId="2602158399" sldId="296"/>
+            <ac:spMk id="19" creationId="{68F6DEB3-70A3-4BF4-8B2D-6E1AB8177828}"/>
+          </ac:spMkLst>
+        </pc:spChg>
+        <pc:spChg chg="mod">
+          <ac:chgData name="Fernando C Correa" userId="a08d7f3c16d54179" providerId="LiveId" clId="{BDD547D6-9985-4471-8D69-22FBC0393EC8}" dt="2020-06-13T13:01:59.703" v="197" actId="1076"/>
+          <ac:spMkLst>
+            <pc:docMk/>
+            <pc:sldMk cId="2602158399" sldId="296"/>
+            <ac:spMk id="24" creationId="{BC17027F-7803-4FE3-8399-202BED3AB6D0}"/>
+          </ac:spMkLst>
+        </pc:spChg>
+        <pc:spChg chg="mod">
+          <ac:chgData name="Fernando C Correa" userId="a08d7f3c16d54179" providerId="LiveId" clId="{BDD547D6-9985-4471-8D69-22FBC0393EC8}" dt="2020-06-13T13:01:59.703" v="197" actId="1076"/>
+          <ac:spMkLst>
+            <pc:docMk/>
+            <pc:sldMk cId="2602158399" sldId="296"/>
+            <ac:spMk id="28" creationId="{BC469A77-A7EE-4CB4-8E4C-DCC050D57D62}"/>
+          </ac:spMkLst>
+        </pc:spChg>
+        <pc:spChg chg="mod">
+          <ac:chgData name="Fernando C Correa" userId="a08d7f3c16d54179" providerId="LiveId" clId="{BDD547D6-9985-4471-8D69-22FBC0393EC8}" dt="2020-06-13T13:01:59.703" v="197" actId="1076"/>
+          <ac:spMkLst>
+            <pc:docMk/>
+            <pc:sldMk cId="2602158399" sldId="296"/>
+            <ac:spMk id="29" creationId="{DD4324BD-4086-4848-9198-B77789BF3807}"/>
+          </ac:spMkLst>
+        </pc:spChg>
+        <pc:spChg chg="mod">
+          <ac:chgData name="Fernando C Correa" userId="a08d7f3c16d54179" providerId="LiveId" clId="{BDD547D6-9985-4471-8D69-22FBC0393EC8}" dt="2020-06-13T13:01:59.703" v="197" actId="1076"/>
+          <ac:spMkLst>
+            <pc:docMk/>
+            <pc:sldMk cId="2602158399" sldId="296"/>
+            <ac:spMk id="33" creationId="{B543B89B-768B-47EC-BB9F-C055536C22B6}"/>
+          </ac:spMkLst>
+        </pc:spChg>
+        <pc:spChg chg="mod">
+          <ac:chgData name="Fernando C Correa" userId="a08d7f3c16d54179" providerId="LiveId" clId="{BDD547D6-9985-4471-8D69-22FBC0393EC8}" dt="2020-06-13T13:01:59.703" v="197" actId="1076"/>
+          <ac:spMkLst>
+            <pc:docMk/>
+            <pc:sldMk cId="2602158399" sldId="296"/>
+            <ac:spMk id="34" creationId="{DD72A077-704A-416F-8E83-896431DAA8EB}"/>
+          </ac:spMkLst>
+        </pc:spChg>
+        <pc:spChg chg="mod">
+          <ac:chgData name="Fernando C Correa" userId="a08d7f3c16d54179" providerId="LiveId" clId="{BDD547D6-9985-4471-8D69-22FBC0393EC8}" dt="2020-06-13T13:01:59.703" v="197" actId="1076"/>
+          <ac:spMkLst>
+            <pc:docMk/>
+            <pc:sldMk cId="2602158399" sldId="296"/>
+            <ac:spMk id="38" creationId="{A8D955FA-2077-4EB9-8FEF-F1D2DBDBD31E}"/>
+          </ac:spMkLst>
+        </pc:spChg>
+        <pc:spChg chg="mod">
+          <ac:chgData name="Fernando C Correa" userId="a08d7f3c16d54179" providerId="LiveId" clId="{BDD547D6-9985-4471-8D69-22FBC0393EC8}" dt="2020-06-13T13:01:59.703" v="197" actId="1076"/>
+          <ac:spMkLst>
+            <pc:docMk/>
+            <pc:sldMk cId="2602158399" sldId="296"/>
+            <ac:spMk id="39" creationId="{36980488-C9AD-44BF-9DF1-A2E4AD27E7BB}"/>
+          </ac:spMkLst>
+        </pc:spChg>
+        <pc:spChg chg="mod">
+          <ac:chgData name="Fernando C Correa" userId="a08d7f3c16d54179" providerId="LiveId" clId="{BDD547D6-9985-4471-8D69-22FBC0393EC8}" dt="2020-06-13T13:01:59.703" v="197" actId="1076"/>
+          <ac:spMkLst>
+            <pc:docMk/>
+            <pc:sldMk cId="2602158399" sldId="296"/>
+            <ac:spMk id="43" creationId="{5F832CFE-E431-4561-9E35-78F733771B06}"/>
+          </ac:spMkLst>
+        </pc:spChg>
+        <pc:spChg chg="mod">
+          <ac:chgData name="Fernando C Correa" userId="a08d7f3c16d54179" providerId="LiveId" clId="{BDD547D6-9985-4471-8D69-22FBC0393EC8}" dt="2020-06-13T13:01:59.703" v="197" actId="1076"/>
+          <ac:spMkLst>
+            <pc:docMk/>
+            <pc:sldMk cId="2602158399" sldId="296"/>
+            <ac:spMk id="44" creationId="{29CC72C0-3F4C-4C49-A359-4F0F44E6798A}"/>
+          </ac:spMkLst>
+        </pc:spChg>
+        <pc:spChg chg="mod">
+          <ac:chgData name="Fernando C Correa" userId="a08d7f3c16d54179" providerId="LiveId" clId="{BDD547D6-9985-4471-8D69-22FBC0393EC8}" dt="2020-06-13T13:01:59.703" v="197" actId="1076"/>
+          <ac:spMkLst>
+            <pc:docMk/>
+            <pc:sldMk cId="2602158399" sldId="296"/>
+            <ac:spMk id="45" creationId="{07B75210-3294-4AF0-8C9E-3C4AA843D05E}"/>
+          </ac:spMkLst>
+        </pc:spChg>
+        <pc:spChg chg="mod">
+          <ac:chgData name="Fernando C Correa" userId="a08d7f3c16d54179" providerId="LiveId" clId="{BDD547D6-9985-4471-8D69-22FBC0393EC8}" dt="2020-06-13T13:01:59.703" v="197" actId="1076"/>
+          <ac:spMkLst>
+            <pc:docMk/>
+            <pc:sldMk cId="2602158399" sldId="296"/>
+            <ac:spMk id="49" creationId="{53BFE470-B5B2-485F-94CA-535C8684DD5F}"/>
+          </ac:spMkLst>
+        </pc:spChg>
+        <pc:spChg chg="mod">
+          <ac:chgData name="Fernando C Correa" userId="a08d7f3c16d54179" providerId="LiveId" clId="{BDD547D6-9985-4471-8D69-22FBC0393EC8}" dt="2020-06-13T13:01:59.703" v="197" actId="1076"/>
+          <ac:spMkLst>
+            <pc:docMk/>
+            <pc:sldMk cId="2602158399" sldId="296"/>
+            <ac:spMk id="51" creationId="{6D9F163E-A50B-4064-A51A-092F7651CD2E}"/>
+          </ac:spMkLst>
+        </pc:spChg>
+        <pc:spChg chg="mod">
+          <ac:chgData name="Fernando C Correa" userId="a08d7f3c16d54179" providerId="LiveId" clId="{BDD547D6-9985-4471-8D69-22FBC0393EC8}" dt="2020-06-13T13:01:59.703" v="197" actId="1076"/>
+          <ac:spMkLst>
+            <pc:docMk/>
+            <pc:sldMk cId="2602158399" sldId="296"/>
+            <ac:spMk id="54" creationId="{3C0FED55-D186-4E30-B046-59F8924FC9CC}"/>
+          </ac:spMkLst>
+        </pc:spChg>
+        <pc:spChg chg="mod">
+          <ac:chgData name="Fernando C Correa" userId="a08d7f3c16d54179" providerId="LiveId" clId="{BDD547D6-9985-4471-8D69-22FBC0393EC8}" dt="2020-06-13T13:01:59.703" v="197" actId="1076"/>
+          <ac:spMkLst>
+            <pc:docMk/>
+            <pc:sldMk cId="2602158399" sldId="296"/>
+            <ac:spMk id="55" creationId="{2613465B-707B-4386-8895-2631B29F537D}"/>
+          </ac:spMkLst>
+        </pc:spChg>
+        <pc:spChg chg="mod">
+          <ac:chgData name="Fernando C Correa" userId="a08d7f3c16d54179" providerId="LiveId" clId="{BDD547D6-9985-4471-8D69-22FBC0393EC8}" dt="2020-06-13T13:01:59.703" v="197" actId="1076"/>
+          <ac:spMkLst>
+            <pc:docMk/>
+            <pc:sldMk cId="2602158399" sldId="296"/>
+            <ac:spMk id="58" creationId="{6B8346BA-BDA4-4050-ABFE-92CA319CE764}"/>
+          </ac:spMkLst>
+        </pc:spChg>
+        <pc:spChg chg="mod">
+          <ac:chgData name="Fernando C Correa" userId="a08d7f3c16d54179" providerId="LiveId" clId="{BDD547D6-9985-4471-8D69-22FBC0393EC8}" dt="2020-06-13T13:01:59.703" v="197" actId="1076"/>
+          <ac:spMkLst>
+            <pc:docMk/>
+            <pc:sldMk cId="2602158399" sldId="296"/>
+            <ac:spMk id="60" creationId="{C788DE36-5E28-434C-A4CA-E519F0A2B096}"/>
+          </ac:spMkLst>
+        </pc:spChg>
+        <pc:grpChg chg="mod">
+          <ac:chgData name="Fernando C Correa" userId="a08d7f3c16d54179" providerId="LiveId" clId="{BDD547D6-9985-4471-8D69-22FBC0393EC8}" dt="2020-06-13T13:01:59.703" v="197" actId="1076"/>
+          <ac:grpSpMkLst>
+            <pc:docMk/>
+            <pc:sldMk cId="2602158399" sldId="296"/>
+            <ac:grpSpMk id="15" creationId="{E9FF7A15-42E9-4313-8D04-09D0569D0196}"/>
+          </ac:grpSpMkLst>
+        </pc:grpChg>
+        <pc:picChg chg="mod">
+          <ac:chgData name="Fernando C Correa" userId="a08d7f3c16d54179" providerId="LiveId" clId="{BDD547D6-9985-4471-8D69-22FBC0393EC8}" dt="2020-06-13T13:01:59.703" v="197" actId="1076"/>
+          <ac:picMkLst>
+            <pc:docMk/>
+            <pc:sldMk cId="2602158399" sldId="296"/>
+            <ac:picMk id="17" creationId="{CEA00F93-F7D1-48DB-983F-C5A172708295}"/>
+          </ac:picMkLst>
+        </pc:picChg>
+        <pc:picChg chg="mod">
+          <ac:chgData name="Fernando C Correa" userId="a08d7f3c16d54179" providerId="LiveId" clId="{BDD547D6-9985-4471-8D69-22FBC0393EC8}" dt="2020-06-13T13:01:59.703" v="197" actId="1076"/>
+          <ac:picMkLst>
+            <pc:docMk/>
+            <pc:sldMk cId="2602158399" sldId="296"/>
+            <ac:picMk id="18" creationId="{C97D3599-BEA4-4B66-B383-661ADB6AFFC1}"/>
+          </ac:picMkLst>
+        </pc:picChg>
+        <pc:picChg chg="mod">
+          <ac:chgData name="Fernando C Correa" userId="a08d7f3c16d54179" providerId="LiveId" clId="{BDD547D6-9985-4471-8D69-22FBC0393EC8}" dt="2020-06-13T13:01:59.703" v="197" actId="1076"/>
+          <ac:picMkLst>
+            <pc:docMk/>
+            <pc:sldMk cId="2602158399" sldId="296"/>
+            <ac:picMk id="25" creationId="{92D307E8-D7FA-41EF-B88B-ABB1B5B59056}"/>
+          </ac:picMkLst>
+        </pc:picChg>
+        <pc:picChg chg="mod">
+          <ac:chgData name="Fernando C Correa" userId="a08d7f3c16d54179" providerId="LiveId" clId="{BDD547D6-9985-4471-8D69-22FBC0393EC8}" dt="2020-06-13T13:01:59.703" v="197" actId="1076"/>
+          <ac:picMkLst>
+            <pc:docMk/>
+            <pc:sldMk cId="2602158399" sldId="296"/>
+            <ac:picMk id="26" creationId="{8C063EEA-A4C4-40B6-B976-B9608C85BCC9}"/>
+          </ac:picMkLst>
+        </pc:picChg>
+        <pc:picChg chg="mod">
+          <ac:chgData name="Fernando C Correa" userId="a08d7f3c16d54179" providerId="LiveId" clId="{BDD547D6-9985-4471-8D69-22FBC0393EC8}" dt="2020-06-13T13:01:59.703" v="197" actId="1076"/>
+          <ac:picMkLst>
+            <pc:docMk/>
+            <pc:sldMk cId="2602158399" sldId="296"/>
+            <ac:picMk id="27" creationId="{38044D53-D848-432F-88E7-6074D70B6F5B}"/>
+          </ac:picMkLst>
+        </pc:picChg>
+        <pc:picChg chg="mod">
+          <ac:chgData name="Fernando C Correa" userId="a08d7f3c16d54179" providerId="LiveId" clId="{BDD547D6-9985-4471-8D69-22FBC0393EC8}" dt="2020-06-13T13:01:59.703" v="197" actId="1076"/>
+          <ac:picMkLst>
+            <pc:docMk/>
+            <pc:sldMk cId="2602158399" sldId="296"/>
+            <ac:picMk id="30" creationId="{ECAA8794-23CE-4539-B7E6-2F7FCCFE38F4}"/>
+          </ac:picMkLst>
+        </pc:picChg>
+        <pc:picChg chg="mod">
+          <ac:chgData name="Fernando C Correa" userId="a08d7f3c16d54179" providerId="LiveId" clId="{BDD547D6-9985-4471-8D69-22FBC0393EC8}" dt="2020-06-13T13:01:59.703" v="197" actId="1076"/>
+          <ac:picMkLst>
+            <pc:docMk/>
+            <pc:sldMk cId="2602158399" sldId="296"/>
+            <ac:picMk id="31" creationId="{BA9A953B-A980-40BD-B59E-2615134A7AB1}"/>
+          </ac:picMkLst>
+        </pc:picChg>
+        <pc:picChg chg="mod">
+          <ac:chgData name="Fernando C Correa" userId="a08d7f3c16d54179" providerId="LiveId" clId="{BDD547D6-9985-4471-8D69-22FBC0393EC8}" dt="2020-06-13T13:01:59.703" v="197" actId="1076"/>
+          <ac:picMkLst>
+            <pc:docMk/>
+            <pc:sldMk cId="2602158399" sldId="296"/>
+            <ac:picMk id="32" creationId="{2951D1B2-EB8E-48A1-ACCC-5C3BFD1425D9}"/>
+          </ac:picMkLst>
+        </pc:picChg>
+        <pc:picChg chg="mod">
+          <ac:chgData name="Fernando C Correa" userId="a08d7f3c16d54179" providerId="LiveId" clId="{BDD547D6-9985-4471-8D69-22FBC0393EC8}" dt="2020-06-13T13:01:59.703" v="197" actId="1076"/>
+          <ac:picMkLst>
+            <pc:docMk/>
+            <pc:sldMk cId="2602158399" sldId="296"/>
+            <ac:picMk id="35" creationId="{8AB0039D-F8B3-420E-8227-F47D2BEBA607}"/>
+          </ac:picMkLst>
+        </pc:picChg>
+        <pc:picChg chg="mod">
+          <ac:chgData name="Fernando C Correa" userId="a08d7f3c16d54179" providerId="LiveId" clId="{BDD547D6-9985-4471-8D69-22FBC0393EC8}" dt="2020-06-13T13:01:59.703" v="197" actId="1076"/>
+          <ac:picMkLst>
+            <pc:docMk/>
+            <pc:sldMk cId="2602158399" sldId="296"/>
+            <ac:picMk id="36" creationId="{A281C559-BA3E-41D0-BF49-F6B298074A37}"/>
+          </ac:picMkLst>
+        </pc:picChg>
+        <pc:picChg chg="mod">
+          <ac:chgData name="Fernando C Correa" userId="a08d7f3c16d54179" providerId="LiveId" clId="{BDD547D6-9985-4471-8D69-22FBC0393EC8}" dt="2020-06-13T13:01:59.703" v="197" actId="1076"/>
+          <ac:picMkLst>
+            <pc:docMk/>
+            <pc:sldMk cId="2602158399" sldId="296"/>
+            <ac:picMk id="37" creationId="{6583B8BD-B6B5-4387-BE17-995C748EA80A}"/>
+          </ac:picMkLst>
+        </pc:picChg>
+        <pc:picChg chg="mod">
+          <ac:chgData name="Fernando C Correa" userId="a08d7f3c16d54179" providerId="LiveId" clId="{BDD547D6-9985-4471-8D69-22FBC0393EC8}" dt="2020-06-13T13:01:59.703" v="197" actId="1076"/>
+          <ac:picMkLst>
+            <pc:docMk/>
+            <pc:sldMk cId="2602158399" sldId="296"/>
+            <ac:picMk id="40" creationId="{64ACA727-5796-4D15-BB85-8C3E8D82689A}"/>
+          </ac:picMkLst>
+        </pc:picChg>
+        <pc:picChg chg="mod">
+          <ac:chgData name="Fernando C Correa" userId="a08d7f3c16d54179" providerId="LiveId" clId="{BDD547D6-9985-4471-8D69-22FBC0393EC8}" dt="2020-06-13T13:01:59.703" v="197" actId="1076"/>
+          <ac:picMkLst>
+            <pc:docMk/>
+            <pc:sldMk cId="2602158399" sldId="296"/>
+            <ac:picMk id="41" creationId="{03C4FAAE-CD60-40D1-A85C-5317DB3FBD06}"/>
+          </ac:picMkLst>
+        </pc:picChg>
+        <pc:picChg chg="mod">
+          <ac:chgData name="Fernando C Correa" userId="a08d7f3c16d54179" providerId="LiveId" clId="{BDD547D6-9985-4471-8D69-22FBC0393EC8}" dt="2020-06-13T13:01:59.703" v="197" actId="1076"/>
+          <ac:picMkLst>
+            <pc:docMk/>
+            <pc:sldMk cId="2602158399" sldId="296"/>
+            <ac:picMk id="42" creationId="{DC4B6FCE-B796-4592-8B3D-5015D9E7CFA4}"/>
+          </ac:picMkLst>
+        </pc:picChg>
+        <pc:picChg chg="mod">
+          <ac:chgData name="Fernando C Correa" userId="a08d7f3c16d54179" providerId="LiveId" clId="{BDD547D6-9985-4471-8D69-22FBC0393EC8}" dt="2020-06-13T13:01:59.703" v="197" actId="1076"/>
+          <ac:picMkLst>
+            <pc:docMk/>
+            <pc:sldMk cId="2602158399" sldId="296"/>
+            <ac:picMk id="46" creationId="{734B15F5-445F-4B51-AB61-6A15B7389B1C}"/>
+          </ac:picMkLst>
+        </pc:picChg>
+        <pc:picChg chg="mod">
+          <ac:chgData name="Fernando C Correa" userId="a08d7f3c16d54179" providerId="LiveId" clId="{BDD547D6-9985-4471-8D69-22FBC0393EC8}" dt="2020-06-13T13:01:59.703" v="197" actId="1076"/>
+          <ac:picMkLst>
+            <pc:docMk/>
+            <pc:sldMk cId="2602158399" sldId="296"/>
+            <ac:picMk id="47" creationId="{C4280094-0DF8-42AD-A3C0-637B340633DE}"/>
+          </ac:picMkLst>
+        </pc:picChg>
+        <pc:picChg chg="mod">
+          <ac:chgData name="Fernando C Correa" userId="a08d7f3c16d54179" providerId="LiveId" clId="{BDD547D6-9985-4471-8D69-22FBC0393EC8}" dt="2020-06-13T13:01:59.703" v="197" actId="1076"/>
+          <ac:picMkLst>
+            <pc:docMk/>
+            <pc:sldMk cId="2602158399" sldId="296"/>
+            <ac:picMk id="48" creationId="{5666F17B-10F4-4143-BB41-AED60D3AD81D}"/>
+          </ac:picMkLst>
+        </pc:picChg>
+        <pc:picChg chg="mod">
+          <ac:chgData name="Fernando C Correa" userId="a08d7f3c16d54179" providerId="LiveId" clId="{BDD547D6-9985-4471-8D69-22FBC0393EC8}" dt="2020-06-13T13:01:59.703" v="197" actId="1076"/>
+          <ac:picMkLst>
+            <pc:docMk/>
+            <pc:sldMk cId="2602158399" sldId="296"/>
+            <ac:picMk id="50" creationId="{B60F9C1F-22B8-416F-8FE3-5CE644519419}"/>
+          </ac:picMkLst>
+        </pc:picChg>
+        <pc:picChg chg="mod">
+          <ac:chgData name="Fernando C Correa" userId="a08d7f3c16d54179" providerId="LiveId" clId="{BDD547D6-9985-4471-8D69-22FBC0393EC8}" dt="2020-06-13T13:01:59.703" v="197" actId="1076"/>
+          <ac:picMkLst>
+            <pc:docMk/>
+            <pc:sldMk cId="2602158399" sldId="296"/>
+            <ac:picMk id="52" creationId="{BAB8CD45-7511-4C73-AA48-C8281F2E0A3C}"/>
+          </ac:picMkLst>
+        </pc:picChg>
+        <pc:picChg chg="mod">
+          <ac:chgData name="Fernando C Correa" userId="a08d7f3c16d54179" providerId="LiveId" clId="{BDD547D6-9985-4471-8D69-22FBC0393EC8}" dt="2020-06-13T13:01:59.703" v="197" actId="1076"/>
+          <ac:picMkLst>
+            <pc:docMk/>
+            <pc:sldMk cId="2602158399" sldId="296"/>
+            <ac:picMk id="53" creationId="{FA07CA02-463C-4AF8-8906-77C7CABADC4E}"/>
+          </ac:picMkLst>
+        </pc:picChg>
+        <pc:picChg chg="mod">
+          <ac:chgData name="Fernando C Correa" userId="a08d7f3c16d54179" providerId="LiveId" clId="{BDD547D6-9985-4471-8D69-22FBC0393EC8}" dt="2020-06-13T13:01:59.703" v="197" actId="1076"/>
+          <ac:picMkLst>
+            <pc:docMk/>
+            <pc:sldMk cId="2602158399" sldId="296"/>
+            <ac:picMk id="56" creationId="{31FBB08B-7667-4E85-B518-97CE8E16E6AA}"/>
+          </ac:picMkLst>
+        </pc:picChg>
+        <pc:picChg chg="mod">
+          <ac:chgData name="Fernando C Correa" userId="a08d7f3c16d54179" providerId="LiveId" clId="{BDD547D6-9985-4471-8D69-22FBC0393EC8}" dt="2020-06-13T13:01:59.703" v="197" actId="1076"/>
+          <ac:picMkLst>
+            <pc:docMk/>
+            <pc:sldMk cId="2602158399" sldId="296"/>
+            <ac:picMk id="57" creationId="{EE6D6132-A431-4A02-A427-9CE4145E3BDD}"/>
+          </ac:picMkLst>
+        </pc:picChg>
+        <pc:picChg chg="mod">
+          <ac:chgData name="Fernando C Correa" userId="a08d7f3c16d54179" providerId="LiveId" clId="{BDD547D6-9985-4471-8D69-22FBC0393EC8}" dt="2020-06-13T13:01:59.703" v="197" actId="1076"/>
+          <ac:picMkLst>
+            <pc:docMk/>
+            <pc:sldMk cId="2602158399" sldId="296"/>
+            <ac:picMk id="59" creationId="{DD63712A-C03D-4F8C-BF84-89CEAB612CF7}"/>
+          </ac:picMkLst>
+        </pc:picChg>
+        <pc:picChg chg="mod">
+          <ac:chgData name="Fernando C Correa" userId="a08d7f3c16d54179" providerId="LiveId" clId="{BDD547D6-9985-4471-8D69-22FBC0393EC8}" dt="2020-06-13T13:01:59.703" v="197" actId="1076"/>
+          <ac:picMkLst>
+            <pc:docMk/>
+            <pc:sldMk cId="2602158399" sldId="296"/>
+            <ac:picMk id="61" creationId="{6FA2A99A-D947-4B1F-A5C1-8FDF6DC5EC8D}"/>
+          </ac:picMkLst>
+        </pc:picChg>
+        <pc:cxnChg chg="mod">
+          <ac:chgData name="Fernando C Correa" userId="a08d7f3c16d54179" providerId="LiveId" clId="{BDD547D6-9985-4471-8D69-22FBC0393EC8}" dt="2020-06-13T13:01:59.703" v="197" actId="1076"/>
+          <ac:cxnSpMkLst>
+            <pc:docMk/>
+            <pc:sldMk cId="2602158399" sldId="296"/>
+            <ac:cxnSpMk id="20" creationId="{998EDA69-6C46-47A3-930F-B1430385C2AE}"/>
+          </ac:cxnSpMkLst>
+        </pc:cxnChg>
+        <pc:cxnChg chg="mod">
+          <ac:chgData name="Fernando C Correa" userId="a08d7f3c16d54179" providerId="LiveId" clId="{BDD547D6-9985-4471-8D69-22FBC0393EC8}" dt="2020-06-13T13:01:59.703" v="197" actId="1076"/>
+          <ac:cxnSpMkLst>
+            <pc:docMk/>
+            <pc:sldMk cId="2602158399" sldId="296"/>
+            <ac:cxnSpMk id="21" creationId="{A3197A14-BF0B-4428-B5BA-ACECF64C5380}"/>
+          </ac:cxnSpMkLst>
+        </pc:cxnChg>
+        <pc:cxnChg chg="mod">
+          <ac:chgData name="Fernando C Correa" userId="a08d7f3c16d54179" providerId="LiveId" clId="{BDD547D6-9985-4471-8D69-22FBC0393EC8}" dt="2020-06-13T13:01:59.703" v="197" actId="1076"/>
+          <ac:cxnSpMkLst>
+            <pc:docMk/>
+            <pc:sldMk cId="2602158399" sldId="296"/>
+            <ac:cxnSpMk id="22" creationId="{3DB8BF4F-5A09-46EC-84F2-422FA9BDD61F}"/>
+          </ac:cxnSpMkLst>
+        </pc:cxnChg>
+        <pc:cxnChg chg="mod">
+          <ac:chgData name="Fernando C Correa" userId="a08d7f3c16d54179" providerId="LiveId" clId="{BDD547D6-9985-4471-8D69-22FBC0393EC8}" dt="2020-06-13T13:01:59.703" v="197" actId="1076"/>
+          <ac:cxnSpMkLst>
+            <pc:docMk/>
+            <pc:sldMk cId="2602158399" sldId="296"/>
+            <ac:cxnSpMk id="23" creationId="{ADCB89AA-7FF1-4CB6-B761-542025321EAD}"/>
+          </ac:cxnSpMkLst>
+        </pc:cxnChg>
+      </pc:sldChg>
+      <pc:sldChg chg="modAnim">
+        <pc:chgData name="Fernando C Correa" userId="a08d7f3c16d54179" providerId="LiveId" clId="{BDD547D6-9985-4471-8D69-22FBC0393EC8}" dt="2020-06-13T12:56:44.741" v="136"/>
+        <pc:sldMkLst>
+          <pc:docMk/>
+          <pc:sldMk cId="903407908" sldId="297"/>
+        </pc:sldMkLst>
+      </pc:sldChg>
+      <pc:sldChg chg="addSp delSp modSp mod modAnim">
+        <pc:chgData name="Fernando C Correa" userId="a08d7f3c16d54179" providerId="LiveId" clId="{BDD547D6-9985-4471-8D69-22FBC0393EC8}" dt="2020-06-13T12:57:20.395" v="142"/>
+        <pc:sldMkLst>
+          <pc:docMk/>
+          <pc:sldMk cId="1350499800" sldId="298"/>
+        </pc:sldMkLst>
+        <pc:spChg chg="add del mod">
+          <ac:chgData name="Fernando C Correa" userId="a08d7f3c16d54179" providerId="LiveId" clId="{BDD547D6-9985-4471-8D69-22FBC0393EC8}" dt="2020-06-13T12:57:17.751" v="141" actId="478"/>
+          <ac:spMkLst>
+            <pc:docMk/>
+            <pc:sldMk cId="1350499800" sldId="298"/>
+            <ac:spMk id="4" creationId="{C25171A5-7E0F-403E-B684-49B155917CC2}"/>
+          </ac:spMkLst>
+        </pc:spChg>
+        <pc:graphicFrameChg chg="add del mod">
+          <ac:chgData name="Fernando C Correa" userId="a08d7f3c16d54179" providerId="LiveId" clId="{BDD547D6-9985-4471-8D69-22FBC0393EC8}" dt="2020-06-13T12:57:20.395" v="142"/>
+          <ac:graphicFrameMkLst>
+            <pc:docMk/>
+            <pc:sldMk cId="1350499800" sldId="298"/>
+            <ac:graphicFrameMk id="5" creationId="{00000000-0000-0000-0000-000000000000}"/>
+          </ac:graphicFrameMkLst>
+        </pc:graphicFrameChg>
+      </pc:sldChg>
+      <pc:sldChg chg="add del">
+        <pc:chgData name="Fernando C Correa" userId="a08d7f3c16d54179" providerId="LiveId" clId="{BDD547D6-9985-4471-8D69-22FBC0393EC8}" dt="2020-06-13T13:04:30.475" v="204" actId="47"/>
+        <pc:sldMkLst>
+          <pc:docMk/>
+          <pc:sldMk cId="1928776125" sldId="299"/>
+        </pc:sldMkLst>
+      </pc:sldChg>
+      <pc:sldChg chg="addSp delSp modSp add mod ord">
+        <pc:chgData name="Fernando C Correa" userId="a08d7f3c16d54179" providerId="LiveId" clId="{BDD547D6-9985-4471-8D69-22FBC0393EC8}" dt="2020-06-13T13:09:11.758" v="233"/>
+        <pc:sldMkLst>
+          <pc:docMk/>
+          <pc:sldMk cId="2306638093" sldId="299"/>
+        </pc:sldMkLst>
+        <pc:spChg chg="mod">
+          <ac:chgData name="Fernando C Correa" userId="a08d7f3c16d54179" providerId="LiveId" clId="{BDD547D6-9985-4471-8D69-22FBC0393EC8}" dt="2020-06-13T13:08:05.251" v="220" actId="20577"/>
+          <ac:spMkLst>
+            <pc:docMk/>
+            <pc:sldMk cId="2306638093" sldId="299"/>
+            <ac:spMk id="2" creationId="{00000000-0000-0000-0000-000000000000}"/>
+          </ac:spMkLst>
+        </pc:spChg>
+        <pc:picChg chg="add mod">
+          <ac:chgData name="Fernando C Correa" userId="a08d7f3c16d54179" providerId="LiveId" clId="{BDD547D6-9985-4471-8D69-22FBC0393EC8}" dt="2020-06-13T13:08:12.939" v="221" actId="1076"/>
+          <ac:picMkLst>
+            <pc:docMk/>
+            <pc:sldMk cId="2306638093" sldId="299"/>
+            <ac:picMk id="3" creationId="{EEAC992E-ED94-44D0-8B15-D8F5ED685DAA}"/>
+          </ac:picMkLst>
+        </pc:picChg>
+        <pc:picChg chg="del">
+          <ac:chgData name="Fernando C Correa" userId="a08d7f3c16d54179" providerId="LiveId" clId="{BDD547D6-9985-4471-8D69-22FBC0393EC8}" dt="2020-06-13T13:07:42.049" v="206" actId="478"/>
+          <ac:picMkLst>
+            <pc:docMk/>
+            <pc:sldMk cId="2306638093" sldId="299"/>
+            <ac:picMk id="11" creationId="{D1E3D129-AEE4-4620-B9D7-636720389400}"/>
+          </ac:picMkLst>
+        </pc:picChg>
+      </pc:sldChg>
+    </pc:docChg>
+  </pc:docChgLst>
+  <pc:docChgLst>
+    <pc:chgData name="Fernando C Correa" userId="a08d7f3c16d54179" providerId="LiveId" clId="{DAECEB32-C126-44A1-B729-3AADB1682972}"/>
+    <pc:docChg chg="undo custSel addSld delSld modSld sldOrd">
+      <pc:chgData name="Fernando C Correa" userId="a08d7f3c16d54179" providerId="LiveId" clId="{DAECEB32-C126-44A1-B729-3AADB1682972}" dt="2020-06-18T22:40:15.195" v="2142"/>
+      <pc:docMkLst>
+        <pc:docMk/>
+      </pc:docMkLst>
+      <pc:sldChg chg="addSp modSp add del mod modAnim">
+        <pc:chgData name="Fernando C Correa" userId="a08d7f3c16d54179" providerId="LiveId" clId="{DAECEB32-C126-44A1-B729-3AADB1682972}" dt="2020-06-16T23:52:25.126" v="657" actId="2696"/>
+        <pc:sldMkLst>
+          <pc:docMk/>
+          <pc:sldMk cId="0" sldId="264"/>
+        </pc:sldMkLst>
+        <pc:picChg chg="mod">
+          <ac:chgData name="Fernando C Correa" userId="a08d7f3c16d54179" providerId="LiveId" clId="{DAECEB32-C126-44A1-B729-3AADB1682972}" dt="2020-06-16T23:46:48.244" v="546" actId="1076"/>
+          <ac:picMkLst>
+            <pc:docMk/>
+            <pc:sldMk cId="0" sldId="264"/>
+            <ac:picMk id="4" creationId="{00000000-0000-0000-0000-000000000000}"/>
+          </ac:picMkLst>
+        </pc:picChg>
+        <pc:picChg chg="add mod">
+          <ac:chgData name="Fernando C Correa" userId="a08d7f3c16d54179" providerId="LiveId" clId="{DAECEB32-C126-44A1-B729-3AADB1682972}" dt="2020-06-16T23:47:48.346" v="552" actId="1076"/>
+          <ac:picMkLst>
+            <pc:docMk/>
+            <pc:sldMk cId="0" sldId="264"/>
+            <ac:picMk id="5" creationId="{7A65702D-88BF-4DBA-9323-920BA15A8173}"/>
+          </ac:picMkLst>
+        </pc:picChg>
+      </pc:sldChg>
+      <pc:sldChg chg="addSp modSp mod modAnim">
+        <pc:chgData name="Fernando C Correa" userId="a08d7f3c16d54179" providerId="LiveId" clId="{DAECEB32-C126-44A1-B729-3AADB1682972}" dt="2020-06-17T02:53:24.961" v="2059" actId="1076"/>
+        <pc:sldMkLst>
+          <pc:docMk/>
+          <pc:sldMk cId="3542761506" sldId="281"/>
+        </pc:sldMkLst>
+        <pc:spChg chg="mod">
+          <ac:chgData name="Fernando C Correa" userId="a08d7f3c16d54179" providerId="LiveId" clId="{DAECEB32-C126-44A1-B729-3AADB1682972}" dt="2020-06-17T02:52:36.148" v="1960" actId="20577"/>
+          <ac:spMkLst>
+            <pc:docMk/>
+            <pc:sldMk cId="3542761506" sldId="281"/>
+            <ac:spMk id="2" creationId="{00000000-0000-0000-0000-000000000000}"/>
+          </ac:spMkLst>
+        </pc:spChg>
+        <pc:spChg chg="add mod">
+          <ac:chgData name="Fernando C Correa" userId="a08d7f3c16d54179" providerId="LiveId" clId="{DAECEB32-C126-44A1-B729-3AADB1682972}" dt="2020-06-17T02:52:39.799" v="1968" actId="20577"/>
+          <ac:spMkLst>
+            <pc:docMk/>
+            <pc:sldMk cId="3542761506" sldId="281"/>
+            <ac:spMk id="11" creationId="{F6860C7B-45AB-4527-8D46-334216B4FAC7}"/>
+          </ac:spMkLst>
+        </pc:spChg>
+        <pc:spChg chg="add mod">
+          <ac:chgData name="Fernando C Correa" userId="a08d7f3c16d54179" providerId="LiveId" clId="{DAECEB32-C126-44A1-B729-3AADB1682972}" dt="2020-06-17T02:53:24.961" v="2059" actId="1076"/>
+          <ac:spMkLst>
+            <pc:docMk/>
+            <pc:sldMk cId="3542761506" sldId="281"/>
+            <ac:spMk id="15" creationId="{DF55296A-B4B1-4455-AEC8-E88599BF720B}"/>
+          </ac:spMkLst>
+        </pc:spChg>
+        <pc:spChg chg="add mod">
+          <ac:chgData name="Fernando C Correa" userId="a08d7f3c16d54179" providerId="LiveId" clId="{DAECEB32-C126-44A1-B729-3AADB1682972}" dt="2020-06-17T02:53:24.961" v="2059" actId="1076"/>
+          <ac:spMkLst>
+            <pc:docMk/>
+            <pc:sldMk cId="3542761506" sldId="281"/>
+            <ac:spMk id="16" creationId="{3CA46EF6-3532-4FFA-BE31-84EB0DB00941}"/>
+          </ac:spMkLst>
+        </pc:spChg>
+      </pc:sldChg>
+      <pc:sldChg chg="addSp delSp modSp del mod">
+        <pc:chgData name="Fernando C Correa" userId="a08d7f3c16d54179" providerId="LiveId" clId="{DAECEB32-C126-44A1-B729-3AADB1682972}" dt="2020-06-17T01:22:07.612" v="1067" actId="47"/>
+        <pc:sldMkLst>
+          <pc:docMk/>
+          <pc:sldMk cId="1290913563" sldId="286"/>
+        </pc:sldMkLst>
+        <pc:spChg chg="mod">
+          <ac:chgData name="Fernando C Correa" userId="a08d7f3c16d54179" providerId="LiveId" clId="{DAECEB32-C126-44A1-B729-3AADB1682972}" dt="2020-06-17T01:05:30.054" v="915" actId="20577"/>
+          <ac:spMkLst>
+            <pc:docMk/>
+            <pc:sldMk cId="1290913563" sldId="286"/>
+            <ac:spMk id="2" creationId="{00000000-0000-0000-0000-000000000000}"/>
+          </ac:spMkLst>
+        </pc:spChg>
+        <pc:spChg chg="add mod">
+          <ac:chgData name="Fernando C Correa" userId="a08d7f3c16d54179" providerId="LiveId" clId="{DAECEB32-C126-44A1-B729-3AADB1682972}" dt="2020-06-17T01:21:19.096" v="1065"/>
+          <ac:spMkLst>
+            <pc:docMk/>
+            <pc:sldMk cId="1290913563" sldId="286"/>
+            <ac:spMk id="3" creationId="{ADC9990C-DB22-4C9E-AE0D-AFC17340A299}"/>
+          </ac:spMkLst>
+        </pc:spChg>
+        <pc:spChg chg="add del mod">
+          <ac:chgData name="Fernando C Correa" userId="a08d7f3c16d54179" providerId="LiveId" clId="{DAECEB32-C126-44A1-B729-3AADB1682972}" dt="2020-06-17T01:21:12.474" v="1053" actId="478"/>
+          <ac:spMkLst>
+            <pc:docMk/>
+            <pc:sldMk cId="1290913563" sldId="286"/>
+            <ac:spMk id="6" creationId="{C0FFF3D3-78AB-4F03-AEA3-F792F1C928B1}"/>
+          </ac:spMkLst>
+        </pc:spChg>
+        <pc:spChg chg="add mod">
+          <ac:chgData name="Fernando C Correa" userId="a08d7f3c16d54179" providerId="LiveId" clId="{DAECEB32-C126-44A1-B729-3AADB1682972}" dt="2020-06-17T01:06:31.961" v="950" actId="20577"/>
+          <ac:spMkLst>
+            <pc:docMk/>
+            <pc:sldMk cId="1290913563" sldId="286"/>
+            <ac:spMk id="10" creationId="{82A90620-2111-419C-8CC8-504DF323835F}"/>
+          </ac:spMkLst>
+        </pc:spChg>
+        <pc:picChg chg="add del mod modCrop">
+          <ac:chgData name="Fernando C Correa" userId="a08d7f3c16d54179" providerId="LiveId" clId="{DAECEB32-C126-44A1-B729-3AADB1682972}" dt="2020-06-17T01:21:15.701" v="1059" actId="478"/>
+          <ac:picMkLst>
+            <pc:docMk/>
+            <pc:sldMk cId="1290913563" sldId="286"/>
+            <ac:picMk id="4" creationId="{D4BB69D1-B7D1-40C5-AD81-DECBEAAE5E0F}"/>
+          </ac:picMkLst>
+        </pc:picChg>
+        <pc:picChg chg="add del mod">
+          <ac:chgData name="Fernando C Correa" userId="a08d7f3c16d54179" providerId="LiveId" clId="{DAECEB32-C126-44A1-B729-3AADB1682972}" dt="2020-06-17T01:21:15.296" v="1058"/>
+          <ac:picMkLst>
+            <pc:docMk/>
+            <pc:sldMk cId="1290913563" sldId="286"/>
+            <ac:picMk id="5" creationId="{FBACC7CA-267A-4720-8553-65FD46F1C96F}"/>
+          </ac:picMkLst>
+        </pc:picChg>
+        <pc:picChg chg="add del mod">
+          <ac:chgData name="Fernando C Correa" userId="a08d7f3c16d54179" providerId="LiveId" clId="{DAECEB32-C126-44A1-B729-3AADB1682972}" dt="2020-06-17T01:21:11.925" v="1052" actId="478"/>
+          <ac:picMkLst>
+            <pc:docMk/>
+            <pc:sldMk cId="1290913563" sldId="286"/>
+            <ac:picMk id="11" creationId="{8F1A4823-8682-41E7-A5C1-1ABA20505B18}"/>
+          </ac:picMkLst>
+        </pc:picChg>
+        <pc:picChg chg="del">
+          <ac:chgData name="Fernando C Correa" userId="a08d7f3c16d54179" providerId="LiveId" clId="{DAECEB32-C126-44A1-B729-3AADB1682972}" dt="2020-06-17T01:14:20.251" v="981" actId="478"/>
+          <ac:picMkLst>
+            <pc:docMk/>
+            <pc:sldMk cId="1290913563" sldId="286"/>
+            <ac:picMk id="15" creationId="{4E3D15D1-6C66-4859-8D2D-7DECB3E481F5}"/>
+          </ac:picMkLst>
+        </pc:picChg>
+      </pc:sldChg>
+      <pc:sldChg chg="addSp delSp modSp mod ord modAnim">
+        <pc:chgData name="Fernando C Correa" userId="a08d7f3c16d54179" providerId="LiveId" clId="{DAECEB32-C126-44A1-B729-3AADB1682972}" dt="2020-06-18T22:39:20.964" v="2135"/>
+        <pc:sldMkLst>
+          <pc:docMk/>
+          <pc:sldMk cId="2582316661" sldId="287"/>
+        </pc:sldMkLst>
+        <pc:spChg chg="mod">
+          <ac:chgData name="Fernando C Correa" userId="a08d7f3c16d54179" providerId="LiveId" clId="{DAECEB32-C126-44A1-B729-3AADB1682972}" dt="2020-06-17T02:17:43.528" v="1489" actId="20577"/>
+          <ac:spMkLst>
+            <pc:docMk/>
+            <pc:sldMk cId="2582316661" sldId="287"/>
+            <ac:spMk id="2" creationId="{00000000-0000-0000-0000-000000000000}"/>
+          </ac:spMkLst>
+        </pc:spChg>
+        <pc:spChg chg="add mod">
+          <ac:chgData name="Fernando C Correa" userId="a08d7f3c16d54179" providerId="LiveId" clId="{DAECEB32-C126-44A1-B729-3AADB1682972}" dt="2020-06-17T01:00:22.837" v="881" actId="403"/>
+          <ac:spMkLst>
+            <pc:docMk/>
+            <pc:sldMk cId="2582316661" sldId="287"/>
+            <ac:spMk id="3" creationId="{19035CAF-1C8B-4AE3-8033-3A58E61E6860}"/>
+          </ac:spMkLst>
+        </pc:spChg>
+        <pc:spChg chg="add mod">
+          <ac:chgData name="Fernando C Correa" userId="a08d7f3c16d54179" providerId="LiveId" clId="{DAECEB32-C126-44A1-B729-3AADB1682972}" dt="2020-06-17T00:58:47.618" v="865" actId="1035"/>
+          <ac:spMkLst>
+            <pc:docMk/>
+            <pc:sldMk cId="2582316661" sldId="287"/>
+            <ac:spMk id="9" creationId="{9DB075A3-56FB-45D0-9830-D7302566A0CB}"/>
+          </ac:spMkLst>
+        </pc:spChg>
+        <pc:spChg chg="add mod">
+          <ac:chgData name="Fernando C Correa" userId="a08d7f3c16d54179" providerId="LiveId" clId="{DAECEB32-C126-44A1-B729-3AADB1682972}" dt="2020-06-17T00:58:30.837" v="861" actId="1076"/>
+          <ac:spMkLst>
+            <pc:docMk/>
+            <pc:sldMk cId="2582316661" sldId="287"/>
+            <ac:spMk id="11" creationId="{16EB44B9-02AC-4947-965B-A08DBFC98023}"/>
+          </ac:spMkLst>
+        </pc:spChg>
+        <pc:spChg chg="add mod">
+          <ac:chgData name="Fernando C Correa" userId="a08d7f3c16d54179" providerId="LiveId" clId="{DAECEB32-C126-44A1-B729-3AADB1682972}" dt="2020-06-17T02:18:06.350" v="1511" actId="20577"/>
+          <ac:spMkLst>
+            <pc:docMk/>
+            <pc:sldMk cId="2582316661" sldId="287"/>
+            <ac:spMk id="15" creationId="{C818B3F3-69A1-4565-9EAF-104558DDDC7F}"/>
+          </ac:spMkLst>
+        </pc:spChg>
+        <pc:spChg chg="add del mod">
+          <ac:chgData name="Fernando C Correa" userId="a08d7f3c16d54179" providerId="LiveId" clId="{DAECEB32-C126-44A1-B729-3AADB1682972}" dt="2020-06-17T02:26:13.430" v="1685" actId="478"/>
+          <ac:spMkLst>
+            <pc:docMk/>
+            <pc:sldMk cId="2582316661" sldId="287"/>
+            <ac:spMk id="16" creationId="{B04DD2A7-5F80-4014-B800-C1E90F6A5FFE}"/>
+          </ac:spMkLst>
+        </pc:spChg>
+        <pc:spChg chg="add mod">
+          <ac:chgData name="Fernando C Correa" userId="a08d7f3c16d54179" providerId="LiveId" clId="{DAECEB32-C126-44A1-B729-3AADB1682972}" dt="2020-06-17T02:26:13.715" v="1686"/>
+          <ac:spMkLst>
+            <pc:docMk/>
+            <pc:sldMk cId="2582316661" sldId="287"/>
+            <ac:spMk id="17" creationId="{114594CB-68F1-49C6-9921-056A0B010C8E}"/>
+          </ac:spMkLst>
+        </pc:spChg>
+        <pc:picChg chg="mod">
+          <ac:chgData name="Fernando C Correa" userId="a08d7f3c16d54179" providerId="LiveId" clId="{DAECEB32-C126-44A1-B729-3AADB1682972}" dt="2020-06-17T01:01:31.102" v="891" actId="1076"/>
+          <ac:picMkLst>
+            <pc:docMk/>
+            <pc:sldMk cId="2582316661" sldId="287"/>
+            <ac:picMk id="4" creationId="{CE59E904-DE2E-44FD-8FAC-39DBA644EE5C}"/>
+          </ac:picMkLst>
+        </pc:picChg>
+      </pc:sldChg>
+      <pc:sldChg chg="del ord">
+        <pc:chgData name="Fernando C Correa" userId="a08d7f3c16d54179" providerId="LiveId" clId="{DAECEB32-C126-44A1-B729-3AADB1682972}" dt="2020-06-17T01:02:49.942" v="893" actId="47"/>
+        <pc:sldMkLst>
+          <pc:docMk/>
+          <pc:sldMk cId="4264086694" sldId="288"/>
+        </pc:sldMkLst>
+      </pc:sldChg>
+      <pc:sldChg chg="addSp modSp mod ord modAnim">
+        <pc:chgData name="Fernando C Correa" userId="a08d7f3c16d54179" providerId="LiveId" clId="{DAECEB32-C126-44A1-B729-3AADB1682972}" dt="2020-06-17T02:43:04.844" v="1943"/>
+        <pc:sldMkLst>
+          <pc:docMk/>
+          <pc:sldMk cId="1295663715" sldId="289"/>
+        </pc:sldMkLst>
+        <pc:spChg chg="mod">
+          <ac:chgData name="Fernando C Correa" userId="a08d7f3c16d54179" providerId="LiveId" clId="{DAECEB32-C126-44A1-B729-3AADB1682972}" dt="2020-06-17T02:34:03.691" v="1771"/>
+          <ac:spMkLst>
+            <pc:docMk/>
+            <pc:sldMk cId="1295663715" sldId="289"/>
+            <ac:spMk id="2" creationId="{00000000-0000-0000-0000-000000000000}"/>
+          </ac:spMkLst>
+        </pc:spChg>
+        <pc:spChg chg="add mod">
+          <ac:chgData name="Fernando C Correa" userId="a08d7f3c16d54179" providerId="LiveId" clId="{DAECEB32-C126-44A1-B729-3AADB1682972}" dt="2020-06-17T02:41:16.250" v="1915"/>
+          <ac:spMkLst>
+            <pc:docMk/>
+            <pc:sldMk cId="1295663715" sldId="289"/>
+            <ac:spMk id="8" creationId="{348AA170-19B8-4A63-90A8-909245589B0D}"/>
+          </ac:spMkLst>
+        </pc:spChg>
+        <pc:spChg chg="add mod">
+          <ac:chgData name="Fernando C Correa" userId="a08d7f3c16d54179" providerId="LiveId" clId="{DAECEB32-C126-44A1-B729-3AADB1682972}" dt="2020-06-17T02:41:29.637" v="1918" actId="14861"/>
+          <ac:spMkLst>
+            <pc:docMk/>
+            <pc:sldMk cId="1295663715" sldId="289"/>
+            <ac:spMk id="9" creationId="{6F8FD17E-2A3E-4994-BB19-C36F5C73DAF1}"/>
+          </ac:spMkLst>
+        </pc:spChg>
+        <pc:spChg chg="add mod">
+          <ac:chgData name="Fernando C Correa" userId="a08d7f3c16d54179" providerId="LiveId" clId="{DAECEB32-C126-44A1-B729-3AADB1682972}" dt="2020-06-17T02:41:16.250" v="1915"/>
+          <ac:spMkLst>
+            <pc:docMk/>
+            <pc:sldMk cId="1295663715" sldId="289"/>
+            <ac:spMk id="15" creationId="{E01DF4B4-465C-4836-823C-8ACF07B4A04E}"/>
+          </ac:spMkLst>
+        </pc:spChg>
+        <pc:spChg chg="add mod">
+          <ac:chgData name="Fernando C Correa" userId="a08d7f3c16d54179" providerId="LiveId" clId="{DAECEB32-C126-44A1-B729-3AADB1682972}" dt="2020-06-17T02:41:16.250" v="1915"/>
+          <ac:spMkLst>
+            <pc:docMk/>
+            <pc:sldMk cId="1295663715" sldId="289"/>
+            <ac:spMk id="16" creationId="{E7C95CF2-0E96-45FD-84F0-F8B4B80A1B9D}"/>
+          </ac:spMkLst>
+        </pc:spChg>
+        <pc:spChg chg="add mod">
+          <ac:chgData name="Fernando C Correa" userId="a08d7f3c16d54179" providerId="LiveId" clId="{DAECEB32-C126-44A1-B729-3AADB1682972}" dt="2020-06-17T02:41:16.250" v="1915"/>
+          <ac:spMkLst>
+            <pc:docMk/>
+            <pc:sldMk cId="1295663715" sldId="289"/>
+            <ac:spMk id="17" creationId="{4761BB05-E8FC-4963-83D4-851EAED86DFA}"/>
+          </ac:spMkLst>
+        </pc:spChg>
+        <pc:spChg chg="add mod">
+          <ac:chgData name="Fernando C Correa" userId="a08d7f3c16d54179" providerId="LiveId" clId="{DAECEB32-C126-44A1-B729-3AADB1682972}" dt="2020-06-17T02:41:37.094" v="1921" actId="1035"/>
+          <ac:spMkLst>
+            <pc:docMk/>
+            <pc:sldMk cId="1295663715" sldId="289"/>
+            <ac:spMk id="18" creationId="{DA8A93A9-B515-40BF-A842-1BA9BACDDF03}"/>
+          </ac:spMkLst>
+        </pc:spChg>
+        <pc:picChg chg="mod">
+          <ac:chgData name="Fernando C Correa" userId="a08d7f3c16d54179" providerId="LiveId" clId="{DAECEB32-C126-44A1-B729-3AADB1682972}" dt="2020-06-17T02:35:39.226" v="1829" actId="1076"/>
+          <ac:picMkLst>
+            <pc:docMk/>
+            <pc:sldMk cId="1295663715" sldId="289"/>
+            <ac:picMk id="11" creationId="{D1E3D129-AEE4-4620-B9D7-636720389400}"/>
+          </ac:picMkLst>
+        </pc:picChg>
+      </pc:sldChg>
+      <pc:sldChg chg="addSp delSp modSp mod modAnim">
+        <pc:chgData name="Fernando C Correa" userId="a08d7f3c16d54179" providerId="LiveId" clId="{DAECEB32-C126-44A1-B729-3AADB1682972}" dt="2020-06-17T02:31:00.021" v="1747"/>
+        <pc:sldMkLst>
+          <pc:docMk/>
+          <pc:sldMk cId="1001627628" sldId="290"/>
+        </pc:sldMkLst>
+        <pc:spChg chg="mod">
+          <ac:chgData name="Fernando C Correa" userId="a08d7f3c16d54179" providerId="LiveId" clId="{DAECEB32-C126-44A1-B729-3AADB1682972}" dt="2020-06-17T02:19:14.312" v="1534" actId="20577"/>
+          <ac:spMkLst>
+            <pc:docMk/>
+            <pc:sldMk cId="1001627628" sldId="290"/>
+            <ac:spMk id="2" creationId="{00000000-0000-0000-0000-000000000000}"/>
+          </ac:spMkLst>
+        </pc:spChg>
+        <pc:spChg chg="add mod">
+          <ac:chgData name="Fernando C Correa" userId="a08d7f3c16d54179" providerId="LiveId" clId="{DAECEB32-C126-44A1-B729-3AADB1682972}" dt="2020-06-17T02:23:21.750" v="1649" actId="14861"/>
+          <ac:spMkLst>
+            <pc:docMk/>
+            <pc:sldMk cId="1001627628" sldId="290"/>
+            <ac:spMk id="16" creationId="{EF23E5A8-6F84-4594-8BB9-57898F4F956C}"/>
+          </ac:spMkLst>
+        </pc:spChg>
+        <pc:spChg chg="add mod">
+          <ac:chgData name="Fernando C Correa" userId="a08d7f3c16d54179" providerId="LiveId" clId="{DAECEB32-C126-44A1-B729-3AADB1682972}" dt="2020-06-17T02:22:47.598" v="1605" actId="1076"/>
+          <ac:spMkLst>
+            <pc:docMk/>
+            <pc:sldMk cId="1001627628" sldId="290"/>
+            <ac:spMk id="17" creationId="{58B8F891-5766-456B-A822-47FAD62143AD}"/>
+          </ac:spMkLst>
+        </pc:spChg>
+        <pc:spChg chg="add mod">
+          <ac:chgData name="Fernando C Correa" userId="a08d7f3c16d54179" providerId="LiveId" clId="{DAECEB32-C126-44A1-B729-3AADB1682972}" dt="2020-06-17T02:22:23.553" v="1601"/>
+          <ac:spMkLst>
+            <pc:docMk/>
+            <pc:sldMk cId="1001627628" sldId="290"/>
+            <ac:spMk id="18" creationId="{E72E18B1-BBBF-45A0-994C-3F38AD146859}"/>
+          </ac:spMkLst>
+        </pc:spChg>
+        <pc:spChg chg="add mod">
+          <ac:chgData name="Fernando C Correa" userId="a08d7f3c16d54179" providerId="LiveId" clId="{DAECEB32-C126-44A1-B729-3AADB1682972}" dt="2020-06-17T02:22:23.553" v="1601"/>
+          <ac:spMkLst>
+            <pc:docMk/>
+            <pc:sldMk cId="1001627628" sldId="290"/>
+            <ac:spMk id="19" creationId="{CA019AD7-4970-43AB-9C11-F7BD91047774}"/>
+          </ac:spMkLst>
+        </pc:spChg>
+        <pc:spChg chg="add del mod">
+          <ac:chgData name="Fernando C Correa" userId="a08d7f3c16d54179" providerId="LiveId" clId="{DAECEB32-C126-44A1-B729-3AADB1682972}" dt="2020-06-17T02:26:25.679" v="1691" actId="478"/>
+          <ac:spMkLst>
+            <pc:docMk/>
+            <pc:sldMk cId="1001627628" sldId="290"/>
+            <ac:spMk id="20" creationId="{80FF1167-5AFF-4BE3-B1C1-D4B299D491F8}"/>
+          </ac:spMkLst>
+        </pc:spChg>
+        <pc:spChg chg="add mod">
+          <ac:chgData name="Fernando C Correa" userId="a08d7f3c16d54179" providerId="LiveId" clId="{DAECEB32-C126-44A1-B729-3AADB1682972}" dt="2020-06-17T02:26:32.360" v="1693" actId="14861"/>
+          <ac:spMkLst>
+            <pc:docMk/>
+            <pc:sldMk cId="1001627628" sldId="290"/>
+            <ac:spMk id="21" creationId="{4FCE83B2-ED4D-4145-A0B8-FA43DCFD9FFE}"/>
+          </ac:spMkLst>
+        </pc:spChg>
+        <pc:grpChg chg="add del mod">
+          <ac:chgData name="Fernando C Correa" userId="a08d7f3c16d54179" providerId="LiveId" clId="{DAECEB32-C126-44A1-B729-3AADB1682972}" dt="2020-06-17T02:20:13.041" v="1553" actId="165"/>
+          <ac:grpSpMkLst>
+            <pc:docMk/>
+            <pc:sldMk cId="1001627628" sldId="290"/>
+            <ac:grpSpMk id="3" creationId="{FE4DA8BA-FBC5-45F0-9417-7339509D2D96}"/>
+          </ac:grpSpMkLst>
+        </pc:grpChg>
+        <pc:grpChg chg="add mod">
+          <ac:chgData name="Fernando C Correa" userId="a08d7f3c16d54179" providerId="LiveId" clId="{DAECEB32-C126-44A1-B729-3AADB1682972}" dt="2020-06-17T02:29:42.855" v="1732" actId="1076"/>
+          <ac:grpSpMkLst>
+            <pc:docMk/>
+            <pc:sldMk cId="1001627628" sldId="290"/>
+            <ac:grpSpMk id="5" creationId="{47A4E389-A66A-4606-888E-8E12D8DD919F}"/>
+          </ac:grpSpMkLst>
+        </pc:grpChg>
+        <pc:grpChg chg="del">
+          <ac:chgData name="Fernando C Correa" userId="a08d7f3c16d54179" providerId="LiveId" clId="{DAECEB32-C126-44A1-B729-3AADB1682972}" dt="2020-06-16T20:51:12.389" v="127" actId="478"/>
+          <ac:grpSpMkLst>
+            <pc:docMk/>
+            <pc:sldMk cId="1001627628" sldId="290"/>
+            <ac:grpSpMk id="11" creationId="{E4EA4F72-EFE3-4F09-A7E7-6AABF9ABBF18}"/>
+          </ac:grpSpMkLst>
+        </pc:grpChg>
+        <pc:picChg chg="add del">
+          <ac:chgData name="Fernando C Correa" userId="a08d7f3c16d54179" providerId="LiveId" clId="{DAECEB32-C126-44A1-B729-3AADB1682972}" dt="2020-06-16T20:48:49.865" v="96"/>
+          <ac:picMkLst>
+            <pc:docMk/>
+            <pc:sldMk cId="1001627628" sldId="290"/>
+            <ac:picMk id="3" creationId="{2CEEE7BF-8D17-4379-AAED-E345EDE50F01}"/>
+          </ac:picMkLst>
+        </pc:picChg>
+        <pc:picChg chg="add del mod topLvl">
+          <ac:chgData name="Fernando C Correa" userId="a08d7f3c16d54179" providerId="LiveId" clId="{DAECEB32-C126-44A1-B729-3AADB1682972}" dt="2020-06-17T02:29:21.906" v="1725" actId="478"/>
+          <ac:picMkLst>
+            <pc:docMk/>
+            <pc:sldMk cId="1001627628" sldId="290"/>
+            <ac:picMk id="4" creationId="{EF1B15BB-D535-47AA-9FA1-D1125164EE2C}"/>
+          </ac:picMkLst>
+        </pc:picChg>
+        <pc:picChg chg="add del">
+          <ac:chgData name="Fernando C Correa" userId="a08d7f3c16d54179" providerId="LiveId" clId="{DAECEB32-C126-44A1-B729-3AADB1682972}" dt="2020-06-16T20:50:12.803" v="108"/>
+          <ac:picMkLst>
+            <pc:docMk/>
+            <pc:sldMk cId="1001627628" sldId="290"/>
+            <ac:picMk id="5" creationId="{57B42D8F-8F08-4DDC-B52B-83270FC6B39C}"/>
+          </ac:picMkLst>
+        </pc:picChg>
+        <pc:picChg chg="add del mod topLvl">
+          <ac:chgData name="Fernando C Correa" userId="a08d7f3c16d54179" providerId="LiveId" clId="{DAECEB32-C126-44A1-B729-3AADB1682972}" dt="2020-06-17T02:29:22.372" v="1726" actId="478"/>
+          <ac:picMkLst>
+            <pc:docMk/>
+            <pc:sldMk cId="1001627628" sldId="290"/>
+            <ac:picMk id="6" creationId="{86E18F85-66AB-4286-98CE-080A6189E506}"/>
+          </ac:picMkLst>
+        </pc:picChg>
+        <pc:picChg chg="add del mod topLvl">
+          <ac:chgData name="Fernando C Correa" userId="a08d7f3c16d54179" providerId="LiveId" clId="{DAECEB32-C126-44A1-B729-3AADB1682972}" dt="2020-06-17T02:29:23.430" v="1728" actId="478"/>
+          <ac:picMkLst>
+            <pc:docMk/>
+            <pc:sldMk cId="1001627628" sldId="290"/>
+            <ac:picMk id="7" creationId="{639E2F4F-9550-4925-80F7-305D25DF9580}"/>
+          </ac:picMkLst>
+        </pc:picChg>
+        <pc:picChg chg="add del mod topLvl">
+          <ac:chgData name="Fernando C Correa" userId="a08d7f3c16d54179" providerId="LiveId" clId="{DAECEB32-C126-44A1-B729-3AADB1682972}" dt="2020-06-17T02:29:23.034" v="1727" actId="478"/>
+          <ac:picMkLst>
+            <pc:docMk/>
+            <pc:sldMk cId="1001627628" sldId="290"/>
+            <ac:picMk id="15" creationId="{E3972336-02C1-47CD-97B1-80ABC70FA9B7}"/>
+          </ac:picMkLst>
+        </pc:picChg>
+        <pc:picChg chg="add del mod">
+          <ac:chgData name="Fernando C Correa" userId="a08d7f3c16d54179" providerId="LiveId" clId="{DAECEB32-C126-44A1-B729-3AADB1682972}" dt="2020-06-16T20:49:11.465" v="104" actId="478"/>
+          <ac:picMkLst>
+            <pc:docMk/>
+            <pc:sldMk cId="1001627628" sldId="290"/>
+            <ac:picMk id="16" creationId="{20781BF0-8212-4D1A-9E98-63B0F1909496}"/>
+          </ac:picMkLst>
+        </pc:picChg>
+        <pc:picChg chg="add del mod">
+          <ac:chgData name="Fernando C Correa" userId="a08d7f3c16d54179" providerId="LiveId" clId="{DAECEB32-C126-44A1-B729-3AADB1682972}" dt="2020-06-16T20:50:41.242" v="120" actId="478"/>
+          <ac:picMkLst>
+            <pc:docMk/>
+            <pc:sldMk cId="1001627628" sldId="290"/>
+            <ac:picMk id="17" creationId="{040851DC-21ED-45C7-8F74-D947F2610DF4}"/>
+          </ac:picMkLst>
+        </pc:picChg>
+        <pc:picChg chg="del topLvl">
+          <ac:chgData name="Fernando C Correa" userId="a08d7f3c16d54179" providerId="LiveId" clId="{DAECEB32-C126-44A1-B729-3AADB1682972}" dt="2020-06-16T20:51:12.389" v="127" actId="478"/>
+          <ac:picMkLst>
+            <pc:docMk/>
+            <pc:sldMk cId="1001627628" sldId="290"/>
+            <ac:picMk id="18" creationId="{E06E4486-40EB-49C0-BDD4-6308F01F4996}"/>
+          </ac:picMkLst>
+        </pc:picChg>
+        <pc:picChg chg="add mod">
+          <ac:chgData name="Fernando C Correa" userId="a08d7f3c16d54179" providerId="LiveId" clId="{DAECEB32-C126-44A1-B729-3AADB1682972}" dt="2020-06-17T02:29:34.883" v="1730" actId="164"/>
+          <ac:picMkLst>
+            <pc:docMk/>
+            <pc:sldMk cId="1001627628" sldId="290"/>
+            <ac:picMk id="22" creationId="{8D54C705-47F9-4144-8360-13503B9AABC4}"/>
+          </ac:picMkLst>
+        </pc:picChg>
+        <pc:picChg chg="add mod">
+          <ac:chgData name="Fernando C Correa" userId="a08d7f3c16d54179" providerId="LiveId" clId="{DAECEB32-C126-44A1-B729-3AADB1682972}" dt="2020-06-17T02:29:34.883" v="1730" actId="164"/>
+          <ac:picMkLst>
+            <pc:docMk/>
+            <pc:sldMk cId="1001627628" sldId="290"/>
+            <ac:picMk id="23" creationId="{5A516734-AEA0-4764-B0B6-A4E4D46DFBF7}"/>
+          </ac:picMkLst>
+        </pc:picChg>
+        <pc:picChg chg="add mod">
+          <ac:chgData name="Fernando C Correa" userId="a08d7f3c16d54179" providerId="LiveId" clId="{DAECEB32-C126-44A1-B729-3AADB1682972}" dt="2020-06-17T02:29:34.883" v="1730" actId="164"/>
+          <ac:picMkLst>
+            <pc:docMk/>
+            <pc:sldMk cId="1001627628" sldId="290"/>
+            <ac:picMk id="24" creationId="{D36C2A91-41AB-42D7-B966-BD1F43686DCE}"/>
+          </ac:picMkLst>
+        </pc:picChg>
+        <pc:picChg chg="add mod">
+          <ac:chgData name="Fernando C Correa" userId="a08d7f3c16d54179" providerId="LiveId" clId="{DAECEB32-C126-44A1-B729-3AADB1682972}" dt="2020-06-17T02:29:34.883" v="1730" actId="164"/>
+          <ac:picMkLst>
+            <pc:docMk/>
+            <pc:sldMk cId="1001627628" sldId="290"/>
+            <ac:picMk id="25" creationId="{092F571E-673D-4044-9922-F99EF299C1E8}"/>
+          </ac:picMkLst>
+        </pc:picChg>
+      </pc:sldChg>
+      <pc:sldChg chg="addSp delSp modSp del mod">
+        <pc:chgData name="Fernando C Correa" userId="a08d7f3c16d54179" providerId="LiveId" clId="{DAECEB32-C126-44A1-B729-3AADB1682972}" dt="2020-06-17T01:02:48.552" v="892" actId="47"/>
+        <pc:sldMkLst>
+          <pc:docMk/>
+          <pc:sldMk cId="1034810671" sldId="291"/>
+        </pc:sldMkLst>
+        <pc:picChg chg="add mod">
+          <ac:chgData name="Fernando C Correa" userId="a08d7f3c16d54179" providerId="LiveId" clId="{DAECEB32-C126-44A1-B729-3AADB1682972}" dt="2020-06-16T20:15:12.102" v="77" actId="1076"/>
+          <ac:picMkLst>
+            <pc:docMk/>
+            <pc:sldMk cId="1034810671" sldId="291"/>
+            <ac:picMk id="4" creationId="{1BED938E-3B90-421B-BA22-8FB3C8FFB03D}"/>
+          </ac:picMkLst>
+        </pc:picChg>
+        <pc:picChg chg="del">
+          <ac:chgData name="Fernando C Correa" userId="a08d7f3c16d54179" providerId="LiveId" clId="{DAECEB32-C126-44A1-B729-3AADB1682972}" dt="2020-06-16T20:14:54.021" v="73" actId="478"/>
+          <ac:picMkLst>
+            <pc:docMk/>
+            <pc:sldMk cId="1034810671" sldId="291"/>
+            <ac:picMk id="8" creationId="{3968D855-CD48-4E97-8B57-CF08A2ABD60F}"/>
+          </ac:picMkLst>
+        </pc:picChg>
+      </pc:sldChg>
+      <pc:sldChg chg="addSp delSp modSp mod ord modAnim">
+        <pc:chgData name="Fernando C Correa" userId="a08d7f3c16d54179" providerId="LiveId" clId="{DAECEB32-C126-44A1-B729-3AADB1682972}" dt="2020-06-18T22:39:42.892" v="2138"/>
+        <pc:sldMkLst>
+          <pc:docMk/>
+          <pc:sldMk cId="1133719789" sldId="292"/>
+        </pc:sldMkLst>
+        <pc:spChg chg="mod">
+          <ac:chgData name="Fernando C Correa" userId="a08d7f3c16d54179" providerId="LiveId" clId="{DAECEB32-C126-44A1-B729-3AADB1682972}" dt="2020-06-17T01:49:48.265" v="1339" actId="20577"/>
+          <ac:spMkLst>
+            <pc:docMk/>
+            <pc:sldMk cId="1133719789" sldId="292"/>
+            <ac:spMk id="2" creationId="{00000000-0000-0000-0000-000000000000}"/>
+          </ac:spMkLst>
+        </pc:spChg>
+        <pc:spChg chg="add del mod">
+          <ac:chgData name="Fernando C Correa" userId="a08d7f3c16d54179" providerId="LiveId" clId="{DAECEB32-C126-44A1-B729-3AADB1682972}" dt="2020-06-17T01:44:03.929" v="1273" actId="478"/>
+          <ac:spMkLst>
+            <pc:docMk/>
+            <pc:sldMk cId="1133719789" sldId="292"/>
+            <ac:spMk id="8" creationId="{100D0501-C208-4D52-BB83-B46B58A14494}"/>
+          </ac:spMkLst>
+        </pc:spChg>
+        <pc:spChg chg="add del mod">
+          <ac:chgData name="Fernando C Correa" userId="a08d7f3c16d54179" providerId="LiveId" clId="{DAECEB32-C126-44A1-B729-3AADB1682972}" dt="2020-06-17T01:44:02.352" v="1272" actId="478"/>
+          <ac:spMkLst>
+            <pc:docMk/>
+            <pc:sldMk cId="1133719789" sldId="292"/>
+            <ac:spMk id="11" creationId="{1FB947FA-E56F-405D-8DE0-4B99C927F88B}"/>
+          </ac:spMkLst>
+        </pc:spChg>
+        <pc:spChg chg="add del mod">
+          <ac:chgData name="Fernando C Correa" userId="a08d7f3c16d54179" providerId="LiveId" clId="{DAECEB32-C126-44A1-B729-3AADB1682972}" dt="2020-06-17T01:55:16.131" v="1421" actId="478"/>
+          <ac:spMkLst>
+            <pc:docMk/>
+            <pc:sldMk cId="1133719789" sldId="292"/>
+            <ac:spMk id="15" creationId="{50862E59-0086-484E-A27F-F905223CB386}"/>
+          </ac:spMkLst>
+        </pc:spChg>
+        <pc:spChg chg="add del mod">
+          <ac:chgData name="Fernando C Correa" userId="a08d7f3c16d54179" providerId="LiveId" clId="{DAECEB32-C126-44A1-B729-3AADB1682972}" dt="2020-06-17T01:55:16.131" v="1421" actId="478"/>
+          <ac:spMkLst>
+            <pc:docMk/>
+            <pc:sldMk cId="1133719789" sldId="292"/>
+            <ac:spMk id="16" creationId="{8546C8D4-D84C-48A5-947E-91047C3D05E2}"/>
+          </ac:spMkLst>
+        </pc:spChg>
+        <pc:spChg chg="add del mod">
+          <ac:chgData name="Fernando C Correa" userId="a08d7f3c16d54179" providerId="LiveId" clId="{DAECEB32-C126-44A1-B729-3AADB1682972}" dt="2020-06-17T01:55:16.131" v="1421" actId="478"/>
+          <ac:spMkLst>
+            <pc:docMk/>
+            <pc:sldMk cId="1133719789" sldId="292"/>
+            <ac:spMk id="17" creationId="{73A57A06-BDA0-4028-8162-698A21C1C005}"/>
+          </ac:spMkLst>
+        </pc:spChg>
+        <pc:spChg chg="add del mod">
+          <ac:chgData name="Fernando C Correa" userId="a08d7f3c16d54179" providerId="LiveId" clId="{DAECEB32-C126-44A1-B729-3AADB1682972}" dt="2020-06-17T01:55:16.131" v="1421" actId="478"/>
+          <ac:spMkLst>
+            <pc:docMk/>
+            <pc:sldMk cId="1133719789" sldId="292"/>
+            <ac:spMk id="18" creationId="{BF6C8972-DEAF-42C3-8508-D54305EC0DFD}"/>
+          </ac:spMkLst>
+        </pc:spChg>
+        <pc:spChg chg="add del mod">
+          <ac:chgData name="Fernando C Correa" userId="a08d7f3c16d54179" providerId="LiveId" clId="{DAECEB32-C126-44A1-B729-3AADB1682972}" dt="2020-06-17T01:55:16.131" v="1421" actId="478"/>
+          <ac:spMkLst>
+            <pc:docMk/>
+            <pc:sldMk cId="1133719789" sldId="292"/>
+            <ac:spMk id="19" creationId="{AFC76C44-5525-412A-816B-37810D290FE1}"/>
+          </ac:spMkLst>
+        </pc:spChg>
+        <pc:spChg chg="add del mod">
+          <ac:chgData name="Fernando C Correa" userId="a08d7f3c16d54179" providerId="LiveId" clId="{DAECEB32-C126-44A1-B729-3AADB1682972}" dt="2020-06-17T01:56:15.226" v="1435" actId="478"/>
+          <ac:spMkLst>
+            <pc:docMk/>
+            <pc:sldMk cId="1133719789" sldId="292"/>
+            <ac:spMk id="20" creationId="{1876AF6B-8771-40DE-8BF7-81BE0607CF31}"/>
+          </ac:spMkLst>
+        </pc:spChg>
+        <pc:spChg chg="add del mod">
+          <ac:chgData name="Fernando C Correa" userId="a08d7f3c16d54179" providerId="LiveId" clId="{DAECEB32-C126-44A1-B729-3AADB1682972}" dt="2020-06-17T02:31:50.431" v="1753" actId="478"/>
+          <ac:spMkLst>
+            <pc:docMk/>
+            <pc:sldMk cId="1133719789" sldId="292"/>
+            <ac:spMk id="21" creationId="{6EFC9E13-B947-42F3-8559-58B8161D1524}"/>
+          </ac:spMkLst>
+        </pc:spChg>
+        <pc:spChg chg="add del mod">
+          <ac:chgData name="Fernando C Correa" userId="a08d7f3c16d54179" providerId="LiveId" clId="{DAECEB32-C126-44A1-B729-3AADB1682972}" dt="2020-06-17T02:31:50.431" v="1753" actId="478"/>
+          <ac:spMkLst>
+            <pc:docMk/>
+            <pc:sldMk cId="1133719789" sldId="292"/>
+            <ac:spMk id="22" creationId="{EFFA5066-FBB3-414A-A52E-C81A93761281}"/>
+          </ac:spMkLst>
+        </pc:spChg>
+        <pc:spChg chg="add del mod">
+          <ac:chgData name="Fernando C Correa" userId="a08d7f3c16d54179" providerId="LiveId" clId="{DAECEB32-C126-44A1-B729-3AADB1682972}" dt="2020-06-17T02:31:50.431" v="1753" actId="478"/>
+          <ac:spMkLst>
+            <pc:docMk/>
+            <pc:sldMk cId="1133719789" sldId="292"/>
+            <ac:spMk id="23" creationId="{EE9FF0B2-227B-4C64-BE5D-15D40D11178F}"/>
+          </ac:spMkLst>
+        </pc:spChg>
+        <pc:spChg chg="add del mod">
+          <ac:chgData name="Fernando C Correa" userId="a08d7f3c16d54179" providerId="LiveId" clId="{DAECEB32-C126-44A1-B729-3AADB1682972}" dt="2020-06-17T02:31:50.431" v="1753" actId="478"/>
+          <ac:spMkLst>
+            <pc:docMk/>
+            <pc:sldMk cId="1133719789" sldId="292"/>
+            <ac:spMk id="24" creationId="{893C28A0-AA48-4E7C-808E-AA077E296288}"/>
+          </ac:spMkLst>
+        </pc:spChg>
+        <pc:spChg chg="add del mod">
+          <ac:chgData name="Fernando C Correa" userId="a08d7f3c16d54179" providerId="LiveId" clId="{DAECEB32-C126-44A1-B729-3AADB1682972}" dt="2020-06-17T02:41:01.220" v="1904" actId="478"/>
+          <ac:spMkLst>
+            <pc:docMk/>
+            <pc:sldMk cId="1133719789" sldId="292"/>
+            <ac:spMk id="25" creationId="{5C37E21A-99CB-45C8-956C-1E5511212340}"/>
+          </ac:spMkLst>
+        </pc:spChg>
+        <pc:spChg chg="add del mod">
+          <ac:chgData name="Fernando C Correa" userId="a08d7f3c16d54179" providerId="LiveId" clId="{DAECEB32-C126-44A1-B729-3AADB1682972}" dt="2020-06-17T02:41:02.234" v="1905" actId="478"/>
+          <ac:spMkLst>
+            <pc:docMk/>
+            <pc:sldMk cId="1133719789" sldId="292"/>
+            <ac:spMk id="26" creationId="{1DAF1F2A-44B2-4A58-BAEC-E89D274D2CA7}"/>
+          </ac:spMkLst>
+        </pc:spChg>
+        <pc:spChg chg="add del mod">
+          <ac:chgData name="Fernando C Correa" userId="a08d7f3c16d54179" providerId="LiveId" clId="{DAECEB32-C126-44A1-B729-3AADB1682972}" dt="2020-06-17T02:41:03.214" v="1906" actId="478"/>
+          <ac:spMkLst>
+            <pc:docMk/>
+            <pc:sldMk cId="1133719789" sldId="292"/>
+            <ac:spMk id="27" creationId="{95C6FE59-418B-4261-BD26-EBEAE75B9167}"/>
+          </ac:spMkLst>
+        </pc:spChg>
+        <pc:spChg chg="add del mod">
+          <ac:chgData name="Fernando C Correa" userId="a08d7f3c16d54179" providerId="LiveId" clId="{DAECEB32-C126-44A1-B729-3AADB1682972}" dt="2020-06-17T02:41:05.470" v="1907" actId="478"/>
+          <ac:spMkLst>
+            <pc:docMk/>
+            <pc:sldMk cId="1133719789" sldId="292"/>
+            <ac:spMk id="28" creationId="{051E44C7-2E46-4AE6-B2D3-B3A74AAB0BE3}"/>
+          </ac:spMkLst>
+        </pc:spChg>
+        <pc:spChg chg="add mod">
+          <ac:chgData name="Fernando C Correa" userId="a08d7f3c16d54179" providerId="LiveId" clId="{DAECEB32-C126-44A1-B729-3AADB1682972}" dt="2020-06-17T02:41:06.395" v="1908"/>
+          <ac:spMkLst>
+            <pc:docMk/>
+            <pc:sldMk cId="1133719789" sldId="292"/>
+            <ac:spMk id="29" creationId="{A1657144-AF5E-408F-9E61-BD940D345385}"/>
+          </ac:spMkLst>
+        </pc:spChg>
+        <pc:spChg chg="add mod">
+          <ac:chgData name="Fernando C Correa" userId="a08d7f3c16d54179" providerId="LiveId" clId="{DAECEB32-C126-44A1-B729-3AADB1682972}" dt="2020-06-17T02:42:19.724" v="1937" actId="14861"/>
+          <ac:spMkLst>
+            <pc:docMk/>
+            <pc:sldMk cId="1133719789" sldId="292"/>
+            <ac:spMk id="30" creationId="{050664DE-319C-4C8E-B8DF-C970A34688B9}"/>
+          </ac:spMkLst>
+        </pc:spChg>
+        <pc:spChg chg="add mod">
+          <ac:chgData name="Fernando C Correa" userId="a08d7f3c16d54179" providerId="LiveId" clId="{DAECEB32-C126-44A1-B729-3AADB1682972}" dt="2020-06-17T02:43:38.305" v="1946" actId="1035"/>
+          <ac:spMkLst>
+            <pc:docMk/>
+            <pc:sldMk cId="1133719789" sldId="292"/>
+            <ac:spMk id="31" creationId="{76319E44-84CF-41F9-8A19-12D147AA52B8}"/>
+          </ac:spMkLst>
+        </pc:spChg>
+        <pc:spChg chg="add mod">
+          <ac:chgData name="Fernando C Correa" userId="a08d7f3c16d54179" providerId="LiveId" clId="{DAECEB32-C126-44A1-B729-3AADB1682972}" dt="2020-06-17T02:41:06.395" v="1908"/>
+          <ac:spMkLst>
+            <pc:docMk/>
+            <pc:sldMk cId="1133719789" sldId="292"/>
+            <ac:spMk id="32" creationId="{1B683343-351F-4A9A-A7FA-3CDF6D0F1804}"/>
+          </ac:spMkLst>
+        </pc:spChg>
+        <pc:spChg chg="add mod">
+          <ac:chgData name="Fernando C Correa" userId="a08d7f3c16d54179" providerId="LiveId" clId="{DAECEB32-C126-44A1-B729-3AADB1682972}" dt="2020-06-17T02:41:06.395" v="1908"/>
+          <ac:spMkLst>
+            <pc:docMk/>
+            <pc:sldMk cId="1133719789" sldId="292"/>
+            <ac:spMk id="33" creationId="{7A61C4D9-9EF7-4FA7-96B3-518920507396}"/>
+          </ac:spMkLst>
+        </pc:spChg>
+        <pc:spChg chg="add mod">
+          <ac:chgData name="Fernando C Correa" userId="a08d7f3c16d54179" providerId="LiveId" clId="{DAECEB32-C126-44A1-B729-3AADB1682972}" dt="2020-06-17T02:41:06.395" v="1908"/>
+          <ac:spMkLst>
+            <pc:docMk/>
+            <pc:sldMk cId="1133719789" sldId="292"/>
+            <ac:spMk id="34" creationId="{5E51E72A-94AB-4D54-9578-8E482782613D}"/>
+          </ac:spMkLst>
+        </pc:spChg>
+        <pc:picChg chg="mod">
+          <ac:chgData name="Fernando C Correa" userId="a08d7f3c16d54179" providerId="LiveId" clId="{DAECEB32-C126-44A1-B729-3AADB1682972}" dt="2020-06-17T02:35:25.486" v="1826" actId="1076"/>
+          <ac:picMkLst>
+            <pc:docMk/>
+            <pc:sldMk cId="1133719789" sldId="292"/>
+            <ac:picMk id="9" creationId="{1F8FFC06-1BCE-4133-BFC4-47909DC42705}"/>
+          </ac:picMkLst>
+        </pc:picChg>
+      </pc:sldChg>
+      <pc:sldChg chg="addSp delSp modSp mod modAnim">
+        <pc:chgData name="Fernando C Correa" userId="a08d7f3c16d54179" providerId="LiveId" clId="{DAECEB32-C126-44A1-B729-3AADB1682972}" dt="2020-06-18T22:39:49.404" v="2140"/>
+        <pc:sldMkLst>
+          <pc:docMk/>
+          <pc:sldMk cId="3697814180" sldId="294"/>
+        </pc:sldMkLst>
+        <pc:spChg chg="mod">
+          <ac:chgData name="Fernando C Correa" userId="a08d7f3c16d54179" providerId="LiveId" clId="{DAECEB32-C126-44A1-B729-3AADB1682972}" dt="2020-06-17T02:34:01.009" v="1770"/>
+          <ac:spMkLst>
+            <pc:docMk/>
+            <pc:sldMk cId="3697814180" sldId="294"/>
+            <ac:spMk id="2" creationId="{00000000-0000-0000-0000-000000000000}"/>
+          </ac:spMkLst>
+        </pc:spChg>
+        <pc:spChg chg="add mod">
+          <ac:chgData name="Fernando C Correa" userId="a08d7f3c16d54179" providerId="LiveId" clId="{DAECEB32-C126-44A1-B729-3AADB1682972}" dt="2020-06-17T02:41:14.551" v="1914"/>
+          <ac:spMkLst>
+            <pc:docMk/>
+            <pc:sldMk cId="3697814180" sldId="294"/>
+            <ac:spMk id="11" creationId="{8EDF2009-2F02-48C7-BDA7-12762DFBACAD}"/>
+          </ac:spMkLst>
+        </pc:spChg>
+        <pc:spChg chg="add mod">
+          <ac:chgData name="Fernando C Correa" userId="a08d7f3c16d54179" providerId="LiveId" clId="{DAECEB32-C126-44A1-B729-3AADB1682972}" dt="2020-06-17T02:41:42.753" v="1923" actId="14861"/>
+          <ac:spMkLst>
+            <pc:docMk/>
+            <pc:sldMk cId="3697814180" sldId="294"/>
+            <ac:spMk id="15" creationId="{09C80A9F-46E9-4D57-BC1B-12B5ACE33AC8}"/>
+          </ac:spMkLst>
+        </pc:spChg>
+        <pc:spChg chg="add mod">
+          <ac:chgData name="Fernando C Correa" userId="a08d7f3c16d54179" providerId="LiveId" clId="{DAECEB32-C126-44A1-B729-3AADB1682972}" dt="2020-06-17T02:41:14.551" v="1914"/>
+          <ac:spMkLst>
+            <pc:docMk/>
+            <pc:sldMk cId="3697814180" sldId="294"/>
+            <ac:spMk id="16" creationId="{5A45E2C7-6875-4531-89AC-DFCCC35DF660}"/>
+          </ac:spMkLst>
+        </pc:spChg>
+        <pc:spChg chg="add mod">
+          <ac:chgData name="Fernando C Correa" userId="a08d7f3c16d54179" providerId="LiveId" clId="{DAECEB32-C126-44A1-B729-3AADB1682972}" dt="2020-06-17T02:41:14.551" v="1914"/>
+          <ac:spMkLst>
+            <pc:docMk/>
+            <pc:sldMk cId="3697814180" sldId="294"/>
+            <ac:spMk id="17" creationId="{901B5BC6-D638-4BE0-B37B-1A203C864D2E}"/>
+          </ac:spMkLst>
+        </pc:spChg>
+        <pc:spChg chg="add mod">
+          <ac:chgData name="Fernando C Correa" userId="a08d7f3c16d54179" providerId="LiveId" clId="{DAECEB32-C126-44A1-B729-3AADB1682972}" dt="2020-06-17T15:51:28.331" v="2097" actId="1035"/>
+          <ac:spMkLst>
+            <pc:docMk/>
+            <pc:sldMk cId="3697814180" sldId="294"/>
+            <ac:spMk id="18" creationId="{28727A08-76AD-4CC1-81E1-A9E265979E09}"/>
+          </ac:spMkLst>
+        </pc:spChg>
+        <pc:spChg chg="add mod">
+          <ac:chgData name="Fernando C Correa" userId="a08d7f3c16d54179" providerId="LiveId" clId="{DAECEB32-C126-44A1-B729-3AADB1682972}" dt="2020-06-17T02:41:14.551" v="1914"/>
+          <ac:spMkLst>
+            <pc:docMk/>
+            <pc:sldMk cId="3697814180" sldId="294"/>
+            <ac:spMk id="19" creationId="{780807C2-BAF7-460E-A962-492C349F6F41}"/>
+          </ac:spMkLst>
+        </pc:spChg>
+        <pc:picChg chg="add mod">
+          <ac:chgData name="Fernando C Correa" userId="a08d7f3c16d54179" providerId="LiveId" clId="{DAECEB32-C126-44A1-B729-3AADB1682972}" dt="2020-06-17T02:35:35.789" v="1828" actId="1076"/>
+          <ac:picMkLst>
+            <pc:docMk/>
+            <pc:sldMk cId="3697814180" sldId="294"/>
+            <ac:picMk id="4" creationId="{21FC4F3E-E211-47D7-8ACC-E0A2CA159B1A}"/>
+          </ac:picMkLst>
+        </pc:picChg>
+        <pc:picChg chg="del mod">
+          <ac:chgData name="Fernando C Correa" userId="a08d7f3c16d54179" providerId="LiveId" clId="{DAECEB32-C126-44A1-B729-3AADB1682972}" dt="2020-06-17T00:37:45.756" v="760" actId="478"/>
+          <ac:picMkLst>
+            <pc:docMk/>
+            <pc:sldMk cId="3697814180" sldId="294"/>
+            <ac:picMk id="8" creationId="{F57F7578-876D-417C-8950-659CF2829DCC}"/>
+          </ac:picMkLst>
+        </pc:picChg>
+      </pc:sldChg>
+      <pc:sldChg chg="addSp delSp modSp mod modAnim">
+        <pc:chgData name="Fernando C Correa" userId="a08d7f3c16d54179" providerId="LiveId" clId="{DAECEB32-C126-44A1-B729-3AADB1682972}" dt="2020-06-18T22:39:45.765" v="2139"/>
+        <pc:sldMkLst>
+          <pc:docMk/>
+          <pc:sldMk cId="244390866" sldId="295"/>
+        </pc:sldMkLst>
+        <pc:spChg chg="mod">
+          <ac:chgData name="Fernando C Correa" userId="a08d7f3c16d54179" providerId="LiveId" clId="{DAECEB32-C126-44A1-B729-3AADB1682972}" dt="2020-06-17T01:49:52.169" v="1352" actId="20577"/>
+          <ac:spMkLst>
+            <pc:docMk/>
+            <pc:sldMk cId="244390866" sldId="295"/>
+            <ac:spMk id="2" creationId="{00000000-0000-0000-0000-000000000000}"/>
+          </ac:spMkLst>
+        </pc:spChg>
+        <pc:spChg chg="add del mod">
+          <ac:chgData name="Fernando C Correa" userId="a08d7f3c16d54179" providerId="LiveId" clId="{DAECEB32-C126-44A1-B729-3AADB1682972}" dt="2020-06-17T01:44:12.983" v="1296" actId="478"/>
+          <ac:spMkLst>
+            <pc:docMk/>
+            <pc:sldMk cId="244390866" sldId="295"/>
+            <ac:spMk id="15" creationId="{70D321B4-DD15-44BF-A39D-2BDBDAF4905E}"/>
+          </ac:spMkLst>
+        </pc:spChg>
+        <pc:spChg chg="add del mod">
+          <ac:chgData name="Fernando C Correa" userId="a08d7f3c16d54179" providerId="LiveId" clId="{DAECEB32-C126-44A1-B729-3AADB1682972}" dt="2020-06-17T01:44:12.983" v="1296" actId="478"/>
+          <ac:spMkLst>
+            <pc:docMk/>
+            <pc:sldMk cId="244390866" sldId="295"/>
+            <ac:spMk id="16" creationId="{1C108D5C-3A5E-4C73-90AC-E2101F00C505}"/>
+          </ac:spMkLst>
+        </pc:spChg>
+        <pc:spChg chg="add del mod">
+          <ac:chgData name="Fernando C Correa" userId="a08d7f3c16d54179" providerId="LiveId" clId="{DAECEB32-C126-44A1-B729-3AADB1682972}" dt="2020-06-17T01:55:18.773" v="1423" actId="478"/>
+          <ac:spMkLst>
+            <pc:docMk/>
+            <pc:sldMk cId="244390866" sldId="295"/>
+            <ac:spMk id="17" creationId="{707431A0-847E-41C2-AB78-3E392D9B4000}"/>
+          </ac:spMkLst>
+        </pc:spChg>
+        <pc:spChg chg="add del mod">
+          <ac:chgData name="Fernando C Correa" userId="a08d7f3c16d54179" providerId="LiveId" clId="{DAECEB32-C126-44A1-B729-3AADB1682972}" dt="2020-06-17T01:55:18.773" v="1423" actId="478"/>
+          <ac:spMkLst>
+            <pc:docMk/>
+            <pc:sldMk cId="244390866" sldId="295"/>
+            <ac:spMk id="18" creationId="{A26D93EB-807A-4DCC-A4E7-7F86FCA8E558}"/>
+          </ac:spMkLst>
+        </pc:spChg>
+        <pc:spChg chg="add del mod">
+          <ac:chgData name="Fernando C Correa" userId="a08d7f3c16d54179" providerId="LiveId" clId="{DAECEB32-C126-44A1-B729-3AADB1682972}" dt="2020-06-17T01:55:18.773" v="1423" actId="478"/>
+          <ac:spMkLst>
+            <pc:docMk/>
+            <pc:sldMk cId="244390866" sldId="295"/>
+            <ac:spMk id="19" creationId="{DD0828F4-8D8B-40CA-96F0-C63275AC5D34}"/>
+          </ac:spMkLst>
+        </pc:spChg>
+        <pc:spChg chg="add del mod">
+          <ac:chgData name="Fernando C Correa" userId="a08d7f3c16d54179" providerId="LiveId" clId="{DAECEB32-C126-44A1-B729-3AADB1682972}" dt="2020-06-17T01:55:18.773" v="1423" actId="478"/>
+          <ac:spMkLst>
+            <pc:docMk/>
+            <pc:sldMk cId="244390866" sldId="295"/>
+            <ac:spMk id="20" creationId="{0EFA3667-3B3F-4A48-8B3A-D37DD984E665}"/>
+          </ac:spMkLst>
+        </pc:spChg>
+        <pc:spChg chg="add del mod">
+          <ac:chgData name="Fernando C Correa" userId="a08d7f3c16d54179" providerId="LiveId" clId="{DAECEB32-C126-44A1-B729-3AADB1682972}" dt="2020-06-17T01:55:18.773" v="1423" actId="478"/>
+          <ac:spMkLst>
+            <pc:docMk/>
+            <pc:sldMk cId="244390866" sldId="295"/>
+            <ac:spMk id="21" creationId="{00CCE6D4-733D-4217-A027-5F2EC497C697}"/>
+          </ac:spMkLst>
+        </pc:spChg>
+        <pc:spChg chg="add del mod">
+          <ac:chgData name="Fernando C Correa" userId="a08d7f3c16d54179" providerId="LiveId" clId="{DAECEB32-C126-44A1-B729-3AADB1682972}" dt="2020-06-17T01:55:24.466" v="1425" actId="478"/>
+          <ac:spMkLst>
+            <pc:docMk/>
+            <pc:sldMk cId="244390866" sldId="295"/>
+            <ac:spMk id="22" creationId="{5E86E159-B072-4751-B493-D514DEB68E84}"/>
+          </ac:spMkLst>
+        </pc:spChg>
+        <pc:spChg chg="add del mod">
+          <ac:chgData name="Fernando C Correa" userId="a08d7f3c16d54179" providerId="LiveId" clId="{DAECEB32-C126-44A1-B729-3AADB1682972}" dt="2020-06-17T02:31:45.503" v="1752" actId="478"/>
+          <ac:spMkLst>
+            <pc:docMk/>
+            <pc:sldMk cId="244390866" sldId="295"/>
+            <ac:spMk id="23" creationId="{51EA033F-DC27-469C-A87E-F289087CCF2D}"/>
+          </ac:spMkLst>
+        </pc:spChg>
+        <pc:spChg chg="add del mod">
+          <ac:chgData name="Fernando C Correa" userId="a08d7f3c16d54179" providerId="LiveId" clId="{DAECEB32-C126-44A1-B729-3AADB1682972}" dt="2020-06-17T02:31:45.503" v="1752" actId="478"/>
+          <ac:spMkLst>
+            <pc:docMk/>
+            <pc:sldMk cId="244390866" sldId="295"/>
+            <ac:spMk id="24" creationId="{80E36AE2-0903-49A2-962B-BDFBAAAD9054}"/>
+          </ac:spMkLst>
+        </pc:spChg>
+        <pc:spChg chg="add del mod">
+          <ac:chgData name="Fernando C Correa" userId="a08d7f3c16d54179" providerId="LiveId" clId="{DAECEB32-C126-44A1-B729-3AADB1682972}" dt="2020-06-17T02:31:45.503" v="1752" actId="478"/>
+          <ac:spMkLst>
+            <pc:docMk/>
+            <pc:sldMk cId="244390866" sldId="295"/>
+            <ac:spMk id="25" creationId="{A0F7CDE4-CA4A-4670-B2DB-68DAD25BF45C}"/>
+          </ac:spMkLst>
+        </pc:spChg>
+        <pc:spChg chg="add del mod">
+          <ac:chgData name="Fernando C Correa" userId="a08d7f3c16d54179" providerId="LiveId" clId="{DAECEB32-C126-44A1-B729-3AADB1682972}" dt="2020-06-17T02:31:45.503" v="1752" actId="478"/>
+          <ac:spMkLst>
+            <pc:docMk/>
+            <pc:sldMk cId="244390866" sldId="295"/>
+            <ac:spMk id="26" creationId="{E61F3BF5-5141-4F12-A484-8F7765709D2B}"/>
+          </ac:spMkLst>
+        </pc:spChg>
+        <pc:spChg chg="add del mod">
+          <ac:chgData name="Fernando C Correa" userId="a08d7f3c16d54179" providerId="LiveId" clId="{DAECEB32-C126-44A1-B729-3AADB1682972}" dt="2020-06-17T02:41:08.987" v="1909" actId="478"/>
+          <ac:spMkLst>
+            <pc:docMk/>
+            <pc:sldMk cId="244390866" sldId="295"/>
+            <ac:spMk id="27" creationId="{2924F776-B2F4-43F3-B0B8-39EE2F0130D6}"/>
+          </ac:spMkLst>
+        </pc:spChg>
+        <pc:spChg chg="add del mod">
+          <ac:chgData name="Fernando C Correa" userId="a08d7f3c16d54179" providerId="LiveId" clId="{DAECEB32-C126-44A1-B729-3AADB1682972}" dt="2020-06-17T02:41:10.007" v="1910" actId="478"/>
+          <ac:spMkLst>
+            <pc:docMk/>
+            <pc:sldMk cId="244390866" sldId="295"/>
+            <ac:spMk id="28" creationId="{CA6D821E-ACBA-4143-961E-75E1FBBAD60A}"/>
+          </ac:spMkLst>
+        </pc:spChg>
+        <pc:spChg chg="add del mod">
+          <ac:chgData name="Fernando C Correa" userId="a08d7f3c16d54179" providerId="LiveId" clId="{DAECEB32-C126-44A1-B729-3AADB1682972}" dt="2020-06-17T02:41:10.586" v="1911" actId="478"/>
+          <ac:spMkLst>
+            <pc:docMk/>
+            <pc:sldMk cId="244390866" sldId="295"/>
+            <ac:spMk id="29" creationId="{FD8E68AD-9AF8-410D-8361-93980EF26B7F}"/>
+          </ac:spMkLst>
+        </pc:spChg>
+        <pc:spChg chg="add del mod">
+          <ac:chgData name="Fernando C Correa" userId="a08d7f3c16d54179" providerId="LiveId" clId="{DAECEB32-C126-44A1-B729-3AADB1682972}" dt="2020-06-17T02:41:11.183" v="1912" actId="478"/>
+          <ac:spMkLst>
+            <pc:docMk/>
+            <pc:sldMk cId="244390866" sldId="295"/>
+            <ac:spMk id="30" creationId="{E253C523-CBF3-4C51-990A-833754FDDBC6}"/>
+          </ac:spMkLst>
+        </pc:spChg>
+        <pc:spChg chg="add mod">
+          <ac:chgData name="Fernando C Correa" userId="a08d7f3c16d54179" providerId="LiveId" clId="{DAECEB32-C126-44A1-B729-3AADB1682972}" dt="2020-06-17T02:41:12.113" v="1913"/>
+          <ac:spMkLst>
+            <pc:docMk/>
+            <pc:sldMk cId="244390866" sldId="295"/>
+            <ac:spMk id="31" creationId="{D60C8166-18CD-4C69-AF27-80CD76588BF4}"/>
+          </ac:spMkLst>
+        </pc:spChg>
+        <pc:spChg chg="add mod">
+          <ac:chgData name="Fernando C Correa" userId="a08d7f3c16d54179" providerId="LiveId" clId="{DAECEB32-C126-44A1-B729-3AADB1682972}" dt="2020-06-17T02:41:57.683" v="1929" actId="1036"/>
+          <ac:spMkLst>
+            <pc:docMk/>
+            <pc:sldMk cId="244390866" sldId="295"/>
+            <ac:spMk id="32" creationId="{93397BB8-2445-4308-B20F-E71B9D0C130D}"/>
+          </ac:spMkLst>
+        </pc:spChg>
+        <pc:spChg chg="add mod">
+          <ac:chgData name="Fernando C Correa" userId="a08d7f3c16d54179" providerId="LiveId" clId="{DAECEB32-C126-44A1-B729-3AADB1682972}" dt="2020-06-17T02:41:12.113" v="1913"/>
+          <ac:spMkLst>
+            <pc:docMk/>
+            <pc:sldMk cId="244390866" sldId="295"/>
+            <ac:spMk id="33" creationId="{DDFB502B-FCC1-4F3A-8757-216A944D8BBE}"/>
+          </ac:spMkLst>
+        </pc:spChg>
+        <pc:spChg chg="add mod">
+          <ac:chgData name="Fernando C Correa" userId="a08d7f3c16d54179" providerId="LiveId" clId="{DAECEB32-C126-44A1-B729-3AADB1682972}" dt="2020-06-17T02:42:05.025" v="1932" actId="1035"/>
+          <ac:spMkLst>
+            <pc:docMk/>
+            <pc:sldMk cId="244390866" sldId="295"/>
+            <ac:spMk id="34" creationId="{007E6495-B930-4DD7-93E1-E74FF0F17F86}"/>
+          </ac:spMkLst>
+        </pc:spChg>
+        <pc:spChg chg="add mod">
+          <ac:chgData name="Fernando C Correa" userId="a08d7f3c16d54179" providerId="LiveId" clId="{DAECEB32-C126-44A1-B729-3AADB1682972}" dt="2020-06-17T02:41:12.113" v="1913"/>
+          <ac:spMkLst>
+            <pc:docMk/>
+            <pc:sldMk cId="244390866" sldId="295"/>
+            <ac:spMk id="35" creationId="{EA88C6C0-C770-43D9-A157-5771E6FCCF86}"/>
+          </ac:spMkLst>
+        </pc:spChg>
+        <pc:spChg chg="add mod">
+          <ac:chgData name="Fernando C Correa" userId="a08d7f3c16d54179" providerId="LiveId" clId="{DAECEB32-C126-44A1-B729-3AADB1682972}" dt="2020-06-17T02:41:12.113" v="1913"/>
+          <ac:spMkLst>
+            <pc:docMk/>
+            <pc:sldMk cId="244390866" sldId="295"/>
+            <ac:spMk id="36" creationId="{46625C5E-DFD4-4BC4-B341-FB7024ED34A0}"/>
+          </ac:spMkLst>
+        </pc:spChg>
+        <pc:picChg chg="add mod">
+          <ac:chgData name="Fernando C Correa" userId="a08d7f3c16d54179" providerId="LiveId" clId="{DAECEB32-C126-44A1-B729-3AADB1682972}" dt="2020-06-17T02:35:30.162" v="1827" actId="1076"/>
+          <ac:picMkLst>
+            <pc:docMk/>
+            <pc:sldMk cId="244390866" sldId="295"/>
+            <ac:picMk id="4" creationId="{FD2437F9-163B-4909-8EB6-FF66395CFCA8}"/>
+          </ac:picMkLst>
+        </pc:picChg>
+        <pc:picChg chg="del">
+          <ac:chgData name="Fernando C Correa" userId="a08d7f3c16d54179" providerId="LiveId" clId="{DAECEB32-C126-44A1-B729-3AADB1682972}" dt="2020-06-16T23:58:54.718" v="658" actId="478"/>
+          <ac:picMkLst>
+            <pc:docMk/>
+            <pc:sldMk cId="244390866" sldId="295"/>
+            <ac:picMk id="11" creationId="{5E5FFD33-0256-424A-8BC7-4179A52A21E0}"/>
+          </ac:picMkLst>
+        </pc:picChg>
+      </pc:sldChg>
+      <pc:sldChg chg="addSp delSp modSp mod ord delAnim modAnim">
+        <pc:chgData name="Fernando C Correa" userId="a08d7f3c16d54179" providerId="LiveId" clId="{DAECEB32-C126-44A1-B729-3AADB1682972}" dt="2020-06-18T22:39:31.583" v="2136"/>
+        <pc:sldMkLst>
+          <pc:docMk/>
+          <pc:sldMk cId="2602158399" sldId="296"/>
+        </pc:sldMkLst>
+        <pc:spChg chg="mod">
+          <ac:chgData name="Fernando C Correa" userId="a08d7f3c16d54179" providerId="LiveId" clId="{DAECEB32-C126-44A1-B729-3AADB1682972}" dt="2020-06-16T23:49:38.968" v="586" actId="20577"/>
+          <ac:spMkLst>
+            <pc:docMk/>
+            <pc:sldMk cId="2602158399" sldId="296"/>
+            <ac:spMk id="2" creationId="{00000000-0000-0000-0000-000000000000}"/>
+          </ac:spMkLst>
+        </pc:spChg>
+        <pc:spChg chg="add del mod topLvl">
+          <ac:chgData name="Fernando C Correa" userId="a08d7f3c16d54179" providerId="LiveId" clId="{DAECEB32-C126-44A1-B729-3AADB1682972}" dt="2020-06-17T01:25:29.691" v="1088" actId="478"/>
+          <ac:spMkLst>
+            <pc:docMk/>
+            <pc:sldMk cId="2602158399" sldId="296"/>
+            <ac:spMk id="3" creationId="{415B03D9-DB79-4EA4-8F71-81D4EAB861DF}"/>
+          </ac:spMkLst>
+        </pc:spChg>
+        <pc:spChg chg="add del mod">
+          <ac:chgData name="Fernando C Correa" userId="a08d7f3c16d54179" providerId="LiveId" clId="{DAECEB32-C126-44A1-B729-3AADB1682972}" dt="2020-06-17T01:53:13.912" v="1410" actId="478"/>
+          <ac:spMkLst>
+            <pc:docMk/>
+            <pc:sldMk cId="2602158399" sldId="296"/>
+            <ac:spMk id="7" creationId="{73FB2FD1-ECDB-477E-ACF4-9C001DC1DEC2}"/>
+          </ac:spMkLst>
+        </pc:spChg>
+        <pc:spChg chg="add del mod">
+          <ac:chgData name="Fernando C Correa" userId="a08d7f3c16d54179" providerId="LiveId" clId="{DAECEB32-C126-44A1-B729-3AADB1682972}" dt="2020-06-17T01:54:37.488" v="1416" actId="478"/>
+          <ac:spMkLst>
+            <pc:docMk/>
+            <pc:sldMk cId="2602158399" sldId="296"/>
+            <ac:spMk id="9" creationId="{DE5E99F9-37E0-41C9-A6C9-D7CD23F4BA11}"/>
+          </ac:spMkLst>
+        </pc:spChg>
+        <pc:spChg chg="add mod">
+          <ac:chgData name="Fernando C Correa" userId="a08d7f3c16d54179" providerId="LiveId" clId="{DAECEB32-C126-44A1-B729-3AADB1682972}" dt="2020-06-16T23:51:35.481" v="650" actId="164"/>
+          <ac:spMkLst>
+            <pc:docMk/>
+            <pc:sldMk cId="2602158399" sldId="296"/>
+            <ac:spMk id="11" creationId="{42AF36B1-0B69-4AA7-9D2F-A7F74B8B6360}"/>
+          </ac:spMkLst>
+        </pc:spChg>
+        <pc:spChg chg="add del mod">
+          <ac:chgData name="Fernando C Correa" userId="a08d7f3c16d54179" providerId="LiveId" clId="{DAECEB32-C126-44A1-B729-3AADB1682972}" dt="2020-06-17T01:24:17.306" v="1084" actId="478"/>
+          <ac:spMkLst>
+            <pc:docMk/>
+            <pc:sldMk cId="2602158399" sldId="296"/>
+            <ac:spMk id="15" creationId="{E9FF7445-76A3-4BA1-8B14-665F23D3A567}"/>
+          </ac:spMkLst>
+        </pc:spChg>
+        <pc:spChg chg="add mod ord">
+          <ac:chgData name="Fernando C Correa" userId="a08d7f3c16d54179" providerId="LiveId" clId="{DAECEB32-C126-44A1-B729-3AADB1682972}" dt="2020-06-17T02:40:29.529" v="1902" actId="1037"/>
+          <ac:spMkLst>
+            <pc:docMk/>
+            <pc:sldMk cId="2602158399" sldId="296"/>
+            <ac:spMk id="16" creationId="{B929AAFC-5FD1-4FBC-9997-0574514F2D6D}"/>
+          </ac:spMkLst>
+        </pc:spChg>
+        <pc:spChg chg="add mod">
+          <ac:chgData name="Fernando C Correa" userId="a08d7f3c16d54179" providerId="LiveId" clId="{DAECEB32-C126-44A1-B729-3AADB1682972}" dt="2020-06-17T02:38:37.810" v="1868" actId="1076"/>
+          <ac:spMkLst>
+            <pc:docMk/>
+            <pc:sldMk cId="2602158399" sldId="296"/>
+            <ac:spMk id="17" creationId="{F7374B40-D7D8-4146-9028-B7AE3FA19233}"/>
+          </ac:spMkLst>
+        </pc:spChg>
+        <pc:spChg chg="add mod">
+          <ac:chgData name="Fernando C Correa" userId="a08d7f3c16d54179" providerId="LiveId" clId="{DAECEB32-C126-44A1-B729-3AADB1682972}" dt="2020-06-17T02:38:37.810" v="1868" actId="1076"/>
+          <ac:spMkLst>
+            <pc:docMk/>
+            <pc:sldMk cId="2602158399" sldId="296"/>
+            <ac:spMk id="18" creationId="{0579A070-173E-4D8B-98FC-347B77DB9ADE}"/>
+          </ac:spMkLst>
+        </pc:spChg>
+        <pc:spChg chg="add mod">
+          <ac:chgData name="Fernando C Correa" userId="a08d7f3c16d54179" providerId="LiveId" clId="{DAECEB32-C126-44A1-B729-3AADB1682972}" dt="2020-06-17T02:38:37.810" v="1868" actId="1076"/>
+          <ac:spMkLst>
+            <pc:docMk/>
+            <pc:sldMk cId="2602158399" sldId="296"/>
+            <ac:spMk id="19" creationId="{D02F0A36-42C0-442F-B708-AE0077EDEF45}"/>
+          </ac:spMkLst>
+        </pc:spChg>
+        <pc:spChg chg="add del">
+          <ac:chgData name="Fernando C Correa" userId="a08d7f3c16d54179" providerId="LiveId" clId="{DAECEB32-C126-44A1-B729-3AADB1682972}" dt="2020-06-17T01:58:34.020" v="1456" actId="478"/>
+          <ac:spMkLst>
+            <pc:docMk/>
+            <pc:sldMk cId="2602158399" sldId="296"/>
+            <ac:spMk id="20" creationId="{14F4DDF6-A2C9-4848-851C-F5D45FBF2987}"/>
+          </ac:spMkLst>
+        </pc:spChg>
+        <pc:spChg chg="add ord">
+          <ac:chgData name="Fernando C Correa" userId="a08d7f3c16d54179" providerId="LiveId" clId="{DAECEB32-C126-44A1-B729-3AADB1682972}" dt="2020-06-17T01:58:47.952" v="1458" actId="167"/>
+          <ac:spMkLst>
+            <pc:docMk/>
+            <pc:sldMk cId="2602158399" sldId="296"/>
+            <ac:spMk id="21" creationId="{DEDAC65E-5A44-4D6B-8FD8-DE7536913038}"/>
+          </ac:spMkLst>
+        </pc:spChg>
+        <pc:spChg chg="add del mod">
+          <ac:chgData name="Fernando C Correa" userId="a08d7f3c16d54179" providerId="LiveId" clId="{DAECEB32-C126-44A1-B729-3AADB1682972}" dt="2020-06-17T01:59:38.190" v="1474" actId="11529"/>
+          <ac:spMkLst>
+            <pc:docMk/>
+            <pc:sldMk cId="2602158399" sldId="296"/>
+            <ac:spMk id="22" creationId="{4645B119-9819-4AF8-B23E-940291934B69}"/>
+          </ac:spMkLst>
+        </pc:spChg>
+        <pc:spChg chg="add mod">
+          <ac:chgData name="Fernando C Correa" userId="a08d7f3c16d54179" providerId="LiveId" clId="{DAECEB32-C126-44A1-B729-3AADB1682972}" dt="2020-06-17T02:38:37.810" v="1868" actId="1076"/>
+          <ac:spMkLst>
+            <pc:docMk/>
+            <pc:sldMk cId="2602158399" sldId="296"/>
+            <ac:spMk id="23" creationId="{AEDD1AB6-8654-4748-AFEB-266F993341D8}"/>
+          </ac:spMkLst>
+        </pc:spChg>
+        <pc:spChg chg="add mod">
+          <ac:chgData name="Fernando C Correa" userId="a08d7f3c16d54179" providerId="LiveId" clId="{DAECEB32-C126-44A1-B729-3AADB1682972}" dt="2020-06-17T02:38:37.810" v="1868" actId="1076"/>
+          <ac:spMkLst>
+            <pc:docMk/>
+            <pc:sldMk cId="2602158399" sldId="296"/>
+            <ac:spMk id="24" creationId="{E02B5E74-D9F0-4003-BD68-3101ACF02AC9}"/>
+          </ac:spMkLst>
+        </pc:spChg>
+        <pc:grpChg chg="add del mod">
+          <ac:chgData name="Fernando C Correa" userId="a08d7f3c16d54179" providerId="LiveId" clId="{DAECEB32-C126-44A1-B729-3AADB1682972}" dt="2020-06-17T01:25:29.691" v="1088" actId="478"/>
+          <ac:grpSpMkLst>
+            <pc:docMk/>
+            <pc:sldMk cId="2602158399" sldId="296"/>
+            <ac:grpSpMk id="5" creationId="{6FAAF7DE-43D4-44F2-B91B-7964DB50D745}"/>
+          </ac:grpSpMkLst>
+        </pc:grpChg>
+        <pc:grpChg chg="add del mod">
+          <ac:chgData name="Fernando C Correa" userId="a08d7f3c16d54179" providerId="LiveId" clId="{DAECEB32-C126-44A1-B729-3AADB1682972}" dt="2020-06-17T00:40:30.437" v="767" actId="21"/>
+          <ac:grpSpMkLst>
+            <pc:docMk/>
+            <pc:sldMk cId="2602158399" sldId="296"/>
+            <ac:grpSpMk id="6" creationId="{96338F10-A041-4372-B2F5-A664726D9BA0}"/>
+          </ac:grpSpMkLst>
+        </pc:grpChg>
+        <pc:grpChg chg="del">
+          <ac:chgData name="Fernando C Correa" userId="a08d7f3c16d54179" providerId="LiveId" clId="{DAECEB32-C126-44A1-B729-3AADB1682972}" dt="2020-06-16T21:18:23.630" v="135" actId="478"/>
+          <ac:grpSpMkLst>
+            <pc:docMk/>
+            <pc:sldMk cId="2602158399" sldId="296"/>
+            <ac:grpSpMk id="15" creationId="{E9FF7A15-42E9-4313-8D04-09D0569D0196}"/>
+          </ac:grpSpMkLst>
+        </pc:grpChg>
+        <pc:picChg chg="add mod modCrop">
+          <ac:chgData name="Fernando C Correa" userId="a08d7f3c16d54179" providerId="LiveId" clId="{DAECEB32-C126-44A1-B729-3AADB1682972}" dt="2020-06-16T23:52:10.868" v="654" actId="1076"/>
+          <ac:picMkLst>
+            <pc:docMk/>
+            <pc:sldMk cId="2602158399" sldId="296"/>
+            <ac:picMk id="4" creationId="{3B8A8F53-123C-4439-9517-915F069EB640}"/>
+          </ac:picMkLst>
+        </pc:picChg>
+        <pc:picChg chg="add mod topLvl">
+          <ac:chgData name="Fernando C Correa" userId="a08d7f3c16d54179" providerId="LiveId" clId="{DAECEB32-C126-44A1-B729-3AADB1682972}" dt="2020-06-17T01:31:36.502" v="1168" actId="1076"/>
+          <ac:picMkLst>
+            <pc:docMk/>
+            <pc:sldMk cId="2602158399" sldId="296"/>
+            <ac:picMk id="8" creationId="{E7887945-5460-4B49-BFA8-1466756D37A0}"/>
+          </ac:picMkLst>
+        </pc:picChg>
+      </pc:sldChg>
+      <pc:sldChg chg="addSp delSp modSp mod modAnim">
+        <pc:chgData name="Fernando C Correa" userId="a08d7f3c16d54179" providerId="LiveId" clId="{DAECEB32-C126-44A1-B729-3AADB1682972}" dt="2020-06-17T02:54:14.840" v="2071" actId="1038"/>
+        <pc:sldMkLst>
+          <pc:docMk/>
+          <pc:sldMk cId="903407908" sldId="297"/>
+        </pc:sldMkLst>
+        <pc:spChg chg="mod">
+          <ac:chgData name="Fernando C Correa" userId="a08d7f3c16d54179" providerId="LiveId" clId="{DAECEB32-C126-44A1-B729-3AADB1682972}" dt="2020-06-17T02:52:33.565" v="1957" actId="20577"/>
+          <ac:spMkLst>
+            <pc:docMk/>
+            <pc:sldMk cId="903407908" sldId="297"/>
+            <ac:spMk id="2" creationId="{00000000-0000-0000-0000-000000000000}"/>
+          </ac:spMkLst>
+        </pc:spChg>
+        <pc:spChg chg="add del mod">
+          <ac:chgData name="Fernando C Correa" userId="a08d7f3c16d54179" providerId="LiveId" clId="{DAECEB32-C126-44A1-B729-3AADB1682972}" dt="2020-06-17T02:52:18.956" v="1949"/>
+          <ac:spMkLst>
+            <pc:docMk/>
+            <pc:sldMk cId="903407908" sldId="297"/>
+            <ac:spMk id="18" creationId="{7B8B747E-9DE3-4591-98FD-6F242200B481}"/>
+          </ac:spMkLst>
+        </pc:spChg>
+        <pc:spChg chg="add del mod">
+          <ac:chgData name="Fernando C Correa" userId="a08d7f3c16d54179" providerId="LiveId" clId="{DAECEB32-C126-44A1-B729-3AADB1682972}" dt="2020-06-17T02:52:18.956" v="1949"/>
+          <ac:spMkLst>
+            <pc:docMk/>
+            <pc:sldMk cId="903407908" sldId="297"/>
+            <ac:spMk id="19" creationId="{C2056704-906D-4A43-981B-0C82E8F81CFB}"/>
+          </ac:spMkLst>
+        </pc:spChg>
+        <pc:spChg chg="add del mod">
+          <ac:chgData name="Fernando C Correa" userId="a08d7f3c16d54179" providerId="LiveId" clId="{DAECEB32-C126-44A1-B729-3AADB1682972}" dt="2020-06-17T02:52:18.956" v="1949"/>
+          <ac:spMkLst>
+            <pc:docMk/>
+            <pc:sldMk cId="903407908" sldId="297"/>
+            <ac:spMk id="20" creationId="{AB1F2FA3-2A9F-42CB-9D7D-AB377DBA90A6}"/>
+          </ac:spMkLst>
+        </pc:spChg>
+        <pc:spChg chg="add mod">
+          <ac:chgData name="Fernando C Correa" userId="a08d7f3c16d54179" providerId="LiveId" clId="{DAECEB32-C126-44A1-B729-3AADB1682972}" dt="2020-06-17T02:52:50.851" v="2002" actId="20577"/>
+          <ac:spMkLst>
+            <pc:docMk/>
+            <pc:sldMk cId="903407908" sldId="297"/>
+            <ac:spMk id="21" creationId="{4BBC1F64-6A9A-4756-AE3A-5530F848BDB4}"/>
+          </ac:spMkLst>
+        </pc:spChg>
+        <pc:spChg chg="add mod">
+          <ac:chgData name="Fernando C Correa" userId="a08d7f3c16d54179" providerId="LiveId" clId="{DAECEB32-C126-44A1-B729-3AADB1682972}" dt="2020-06-17T02:54:14.840" v="2071" actId="1038"/>
+          <ac:spMkLst>
+            <pc:docMk/>
+            <pc:sldMk cId="903407908" sldId="297"/>
+            <ac:spMk id="22" creationId="{5FFDAF72-6237-4B4A-A954-A30A3C1FCBF2}"/>
+          </ac:spMkLst>
+        </pc:spChg>
+        <pc:spChg chg="add del mod">
+          <ac:chgData name="Fernando C Correa" userId="a08d7f3c16d54179" providerId="LiveId" clId="{DAECEB32-C126-44A1-B729-3AADB1682972}" dt="2020-06-17T02:53:47.680" v="2063" actId="478"/>
+          <ac:spMkLst>
+            <pc:docMk/>
+            <pc:sldMk cId="903407908" sldId="297"/>
+            <ac:spMk id="23" creationId="{D8C59A70-562F-40D3-A4DE-5E7DAB2E4FD2}"/>
+          </ac:spMkLst>
+        </pc:spChg>
+        <pc:spChg chg="add del mod">
+          <ac:chgData name="Fernando C Correa" userId="a08d7f3c16d54179" providerId="LiveId" clId="{DAECEB32-C126-44A1-B729-3AADB1682972}" dt="2020-06-17T02:53:58.518" v="2067" actId="478"/>
+          <ac:spMkLst>
+            <pc:docMk/>
+            <pc:sldMk cId="903407908" sldId="297"/>
+            <ac:spMk id="24" creationId="{566E65F7-9B29-4662-B30B-62FB59DACB57}"/>
+          </ac:spMkLst>
+        </pc:spChg>
+        <pc:spChg chg="add mod">
+          <ac:chgData name="Fernando C Correa" userId="a08d7f3c16d54179" providerId="LiveId" clId="{DAECEB32-C126-44A1-B729-3AADB1682972}" dt="2020-06-17T02:53:41.780" v="2062"/>
+          <ac:spMkLst>
+            <pc:docMk/>
+            <pc:sldMk cId="903407908" sldId="297"/>
+            <ac:spMk id="25" creationId="{58201C95-5404-4900-AA68-CFFD1575D4E1}"/>
+          </ac:spMkLst>
+        </pc:spChg>
+      </pc:sldChg>
+      <pc:sldChg chg="addSp modSp mod">
+        <pc:chgData name="Fernando C Correa" userId="a08d7f3c16d54179" providerId="LiveId" clId="{DAECEB32-C126-44A1-B729-3AADB1682972}" dt="2020-06-17T02:54:38.800" v="2096" actId="1035"/>
+        <pc:sldMkLst>
+          <pc:docMk/>
+          <pc:sldMk cId="1350499800" sldId="298"/>
+        </pc:sldMkLst>
+        <pc:spChg chg="mod">
+          <ac:chgData name="Fernando C Correa" userId="a08d7f3c16d54179" providerId="LiveId" clId="{DAECEB32-C126-44A1-B729-3AADB1682972}" dt="2020-06-17T02:52:31.251" v="1954" actId="20577"/>
+          <ac:spMkLst>
+            <pc:docMk/>
+            <pc:sldMk cId="1350499800" sldId="298"/>
+            <ac:spMk id="2" creationId="{00000000-0000-0000-0000-000000000000}"/>
+          </ac:spMkLst>
+        </pc:spChg>
+        <pc:spChg chg="add mod">
+          <ac:chgData name="Fernando C Correa" userId="a08d7f3c16d54179" providerId="LiveId" clId="{DAECEB32-C126-44A1-B729-3AADB1682972}" dt="2020-06-17T02:53:02.012" v="2036" actId="20577"/>
+          <ac:spMkLst>
+            <pc:docMk/>
+            <pc:sldMk cId="1350499800" sldId="298"/>
+            <ac:spMk id="8" creationId="{9839AFDD-8E4F-4858-BBB3-0373BB83BE39}"/>
+          </ac:spMkLst>
+        </pc:spChg>
+        <pc:spChg chg="add mod">
+          <ac:chgData name="Fernando C Correa" userId="a08d7f3c16d54179" providerId="LiveId" clId="{DAECEB32-C126-44A1-B729-3AADB1682972}" dt="2020-06-17T02:54:32.804" v="2095" actId="1038"/>
+          <ac:spMkLst>
+            <pc:docMk/>
+            <pc:sldMk cId="1350499800" sldId="298"/>
+            <ac:spMk id="9" creationId="{97F2FEA5-53F9-420C-8D02-55CB953267D0}"/>
+          </ac:spMkLst>
+        </pc:spChg>
+        <pc:spChg chg="add mod">
+          <ac:chgData name="Fernando C Correa" userId="a08d7f3c16d54179" providerId="LiveId" clId="{DAECEB32-C126-44A1-B729-3AADB1682972}" dt="2020-06-17T02:54:38.800" v="2096" actId="1035"/>
+          <ac:spMkLst>
+            <pc:docMk/>
+            <pc:sldMk cId="1350499800" sldId="298"/>
+            <ac:spMk id="11" creationId="{6E983EDC-9D44-4171-BB6B-3CD66677F0D3}"/>
+          </ac:spMkLst>
+        </pc:spChg>
+      </pc:sldChg>
+      <pc:sldChg chg="addSp delSp modSp mod modAnim">
+        <pc:chgData name="Fernando C Correa" userId="a08d7f3c16d54179" providerId="LiveId" clId="{DAECEB32-C126-44A1-B729-3AADB1682972}" dt="2020-06-18T22:40:08.667" v="2141"/>
+        <pc:sldMkLst>
+          <pc:docMk/>
+          <pc:sldMk cId="2306638093" sldId="299"/>
+        </pc:sldMkLst>
+        <pc:spChg chg="mod">
+          <ac:chgData name="Fernando C Correa" userId="a08d7f3c16d54179" providerId="LiveId" clId="{DAECEB32-C126-44A1-B729-3AADB1682972}" dt="2020-06-17T02:18:52.853" v="1525"/>
+          <ac:spMkLst>
+            <pc:docMk/>
+            <pc:sldMk cId="2306638093" sldId="299"/>
+            <ac:spMk id="2" creationId="{00000000-0000-0000-0000-000000000000}"/>
+          </ac:spMkLst>
+        </pc:spChg>
+        <pc:spChg chg="add mod">
+          <ac:chgData name="Fernando C Correa" userId="a08d7f3c16d54179" providerId="LiveId" clId="{DAECEB32-C126-44A1-B729-3AADB1682972}" dt="2020-06-17T02:18:28.655" v="1519" actId="403"/>
+          <ac:spMkLst>
+            <pc:docMk/>
+            <pc:sldMk cId="2306638093" sldId="299"/>
+            <ac:spMk id="8" creationId="{76B61B70-686C-4452-8B44-A25D894711B0}"/>
+          </ac:spMkLst>
+        </pc:spChg>
+        <pc:spChg chg="add mod">
+          <ac:chgData name="Fernando C Correa" userId="a08d7f3c16d54179" providerId="LiveId" clId="{DAECEB32-C126-44A1-B729-3AADB1682972}" dt="2020-06-17T02:18:16.657" v="1515"/>
+          <ac:spMkLst>
+            <pc:docMk/>
+            <pc:sldMk cId="2306638093" sldId="299"/>
+            <ac:spMk id="9" creationId="{222C1FF2-278B-4340-9D9F-C78F6E5CF15B}"/>
+          </ac:spMkLst>
+        </pc:spChg>
+        <pc:spChg chg="add mod">
+          <ac:chgData name="Fernando C Correa" userId="a08d7f3c16d54179" providerId="LiveId" clId="{DAECEB32-C126-44A1-B729-3AADB1682972}" dt="2020-06-17T02:18:16.657" v="1515"/>
+          <ac:spMkLst>
+            <pc:docMk/>
+            <pc:sldMk cId="2306638093" sldId="299"/>
+            <ac:spMk id="11" creationId="{4E984021-D7FD-4490-8DBE-80F9AF9A814D}"/>
+          </ac:spMkLst>
+        </pc:spChg>
+        <pc:spChg chg="add mod">
+          <ac:chgData name="Fernando C Correa" userId="a08d7f3c16d54179" providerId="LiveId" clId="{DAECEB32-C126-44A1-B729-3AADB1682972}" dt="2020-06-17T02:18:22.857" v="1517" actId="14861"/>
+          <ac:spMkLst>
+            <pc:docMk/>
+            <pc:sldMk cId="2306638093" sldId="299"/>
+            <ac:spMk id="15" creationId="{CBB9C317-0489-467D-AFF5-5A6026DDF8C0}"/>
+          </ac:spMkLst>
+        </pc:spChg>
+        <pc:spChg chg="add del mod">
+          <ac:chgData name="Fernando C Correa" userId="a08d7f3c16d54179" providerId="LiveId" clId="{DAECEB32-C126-44A1-B729-3AADB1682972}" dt="2020-06-17T02:23:58.925" v="1663" actId="478"/>
+          <ac:spMkLst>
+            <pc:docMk/>
+            <pc:sldMk cId="2306638093" sldId="299"/>
+            <ac:spMk id="16" creationId="{74578A1D-92D6-4816-8506-2830C9C44E93}"/>
+          </ac:spMkLst>
+        </pc:spChg>
+        <pc:spChg chg="add del mod">
+          <ac:chgData name="Fernando C Correa" userId="a08d7f3c16d54179" providerId="LiveId" clId="{DAECEB32-C126-44A1-B729-3AADB1682972}" dt="2020-06-17T02:25:25.528" v="1677"/>
+          <ac:spMkLst>
+            <pc:docMk/>
+            <pc:sldMk cId="2306638093" sldId="299"/>
+            <ac:spMk id="17" creationId="{A384F257-E03F-432B-AABC-47833AA5A85E}"/>
+          </ac:spMkLst>
+        </pc:spChg>
+        <pc:spChg chg="add mod">
+          <ac:chgData name="Fernando C Correa" userId="a08d7f3c16d54179" providerId="LiveId" clId="{DAECEB32-C126-44A1-B729-3AADB1682972}" dt="2020-06-17T02:26:21.802" v="1689"/>
+          <ac:spMkLst>
+            <pc:docMk/>
+            <pc:sldMk cId="2306638093" sldId="299"/>
+            <ac:spMk id="19" creationId="{801D3AE1-4492-47FE-B780-B74F5D1C0856}"/>
+          </ac:spMkLst>
+        </pc:spChg>
+        <pc:picChg chg="mod">
+          <ac:chgData name="Fernando C Correa" userId="a08d7f3c16d54179" providerId="LiveId" clId="{DAECEB32-C126-44A1-B729-3AADB1682972}" dt="2020-06-17T02:18:36.702" v="1522" actId="1076"/>
+          <ac:picMkLst>
+            <pc:docMk/>
+            <pc:sldMk cId="2306638093" sldId="299"/>
+            <ac:picMk id="3" creationId="{EEAC992E-ED94-44D0-8B15-D8F5ED685DAA}"/>
+          </ac:picMkLst>
+        </pc:picChg>
+        <pc:picChg chg="add del mod">
+          <ac:chgData name="Fernando C Correa" userId="a08d7f3c16d54179" providerId="LiveId" clId="{DAECEB32-C126-44A1-B729-3AADB1682972}" dt="2020-06-17T02:25:30.146" v="1679" actId="478"/>
+          <ac:picMkLst>
+            <pc:docMk/>
+            <pc:sldMk cId="2306638093" sldId="299"/>
+            <ac:picMk id="18" creationId="{C7833F18-91D0-486C-A64F-4D8D5CB571E8}"/>
+          </ac:picMkLst>
+        </pc:picChg>
+      </pc:sldChg>
+      <pc:sldChg chg="addSp delSp modSp add mod ord">
+        <pc:chgData name="Fernando C Correa" userId="a08d7f3c16d54179" providerId="LiveId" clId="{DAECEB32-C126-44A1-B729-3AADB1682972}" dt="2020-06-17T01:12:39.378" v="974" actId="20577"/>
+        <pc:sldMkLst>
+          <pc:docMk/>
+          <pc:sldMk cId="2462845540" sldId="300"/>
+        </pc:sldMkLst>
+        <pc:spChg chg="mod">
+          <ac:chgData name="Fernando C Correa" userId="a08d7f3c16d54179" providerId="LiveId" clId="{DAECEB32-C126-44A1-B729-3AADB1682972}" dt="2020-06-16T23:38:07.351" v="408" actId="20577"/>
+          <ac:spMkLst>
+            <pc:docMk/>
+            <pc:sldMk cId="2462845540" sldId="300"/>
+            <ac:spMk id="2" creationId="{00000000-0000-0000-0000-000000000000}"/>
+          </ac:spMkLst>
+        </pc:spChg>
+        <pc:spChg chg="add mod">
+          <ac:chgData name="Fernando C Correa" userId="a08d7f3c16d54179" providerId="LiveId" clId="{DAECEB32-C126-44A1-B729-3AADB1682972}" dt="2020-06-17T01:12:19.592" v="963" actId="14100"/>
+          <ac:spMkLst>
+            <pc:docMk/>
+            <pc:sldMk cId="2462845540" sldId="300"/>
+            <ac:spMk id="3" creationId="{0A469168-9659-4B5B-9B7B-D50FEC1E813C}"/>
+          </ac:spMkLst>
+        </pc:spChg>
+        <pc:spChg chg="add del mod">
+          <ac:chgData name="Fernando C Correa" userId="a08d7f3c16d54179" providerId="LiveId" clId="{DAECEB32-C126-44A1-B729-3AADB1682972}" dt="2020-06-16T23:31:12.989" v="222" actId="478"/>
+          <ac:spMkLst>
+            <pc:docMk/>
+            <pc:sldMk cId="2462845540" sldId="300"/>
+            <ac:spMk id="9" creationId="{DBBB2635-D3D3-43AA-B39C-534ED30D4390}"/>
+          </ac:spMkLst>
+        </pc:spChg>
+        <pc:spChg chg="del">
+          <ac:chgData name="Fernando C Correa" userId="a08d7f3c16d54179" providerId="LiveId" clId="{DAECEB32-C126-44A1-B729-3AADB1682972}" dt="2020-06-16T19:48:00.487" v="20" actId="478"/>
+          <ac:spMkLst>
+            <pc:docMk/>
+            <pc:sldMk cId="2462845540" sldId="300"/>
+            <ac:spMk id="10" creationId="{00000000-0000-0000-0000-000000000000}"/>
+          </ac:spMkLst>
+        </pc:spChg>
+        <pc:spChg chg="add mod">
+          <ac:chgData name="Fernando C Correa" userId="a08d7f3c16d54179" providerId="LiveId" clId="{DAECEB32-C126-44A1-B729-3AADB1682972}" dt="2020-06-17T01:12:39.378" v="974" actId="20577"/>
+          <ac:spMkLst>
+            <pc:docMk/>
+            <pc:sldMk cId="2462845540" sldId="300"/>
+            <ac:spMk id="11" creationId="{FB2E8868-434F-4638-9E06-D8C315433624}"/>
+          </ac:spMkLst>
+        </pc:spChg>
+        <pc:picChg chg="add del mod">
+          <ac:chgData name="Fernando C Correa" userId="a08d7f3c16d54179" providerId="LiveId" clId="{DAECEB32-C126-44A1-B729-3AADB1682972}" dt="2020-06-16T19:46:05.066" v="4" actId="478"/>
+          <ac:picMkLst>
+            <pc:docMk/>
+            <pc:sldMk cId="2462845540" sldId="300"/>
+            <ac:picMk id="3" creationId="{B704A7BC-0A8A-4B1B-9D05-A4A66FDFBC36}"/>
+          </ac:picMkLst>
+        </pc:picChg>
+        <pc:picChg chg="add mod">
+          <ac:chgData name="Fernando C Correa" userId="a08d7f3c16d54179" providerId="LiveId" clId="{DAECEB32-C126-44A1-B729-3AADB1682972}" dt="2020-06-17T00:10:22.850" v="672" actId="1076"/>
+          <ac:picMkLst>
+            <pc:docMk/>
+            <pc:sldMk cId="2462845540" sldId="300"/>
+            <ac:picMk id="4" creationId="{DC48B066-7753-45E3-BCE0-FF0376C71B93}"/>
+          </ac:picMkLst>
+        </pc:picChg>
+        <pc:picChg chg="add del mod">
+          <ac:chgData name="Fernando C Correa" userId="a08d7f3c16d54179" providerId="LiveId" clId="{DAECEB32-C126-44A1-B729-3AADB1682972}" dt="2020-06-16T21:47:50.792" v="148" actId="478"/>
+          <ac:picMkLst>
+            <pc:docMk/>
+            <pc:sldMk cId="2462845540" sldId="300"/>
+            <ac:picMk id="5" creationId="{05D0ED45-D674-4D1C-9168-43929F63670A}"/>
+          </ac:picMkLst>
+        </pc:picChg>
+        <pc:picChg chg="del">
+          <ac:chgData name="Fernando C Correa" userId="a08d7f3c16d54179" providerId="LiveId" clId="{DAECEB32-C126-44A1-B729-3AADB1682972}" dt="2020-06-16T19:45:58.530" v="1" actId="478"/>
+          <ac:picMkLst>
+            <pc:docMk/>
+            <pc:sldMk cId="2462845540" sldId="300"/>
+            <ac:picMk id="8" creationId="{F57F7578-876D-417C-8950-659CF2829DCC}"/>
+          </ac:picMkLst>
+        </pc:picChg>
+        <pc:picChg chg="add del mod">
+          <ac:chgData name="Fernando C Correa" userId="a08d7f3c16d54179" providerId="LiveId" clId="{DAECEB32-C126-44A1-B729-3AADB1682972}" dt="2020-06-16T19:56:06.768" v="68" actId="478"/>
+          <ac:picMkLst>
+            <pc:docMk/>
+            <pc:sldMk cId="2462845540" sldId="300"/>
+            <ac:picMk id="15" creationId="{0E85ABA3-1D94-4E56-A367-933CC7E51027}"/>
+          </ac:picMkLst>
+        </pc:picChg>
+        <pc:picChg chg="add mod">
+          <ac:chgData name="Fernando C Correa" userId="a08d7f3c16d54179" providerId="LiveId" clId="{DAECEB32-C126-44A1-B729-3AADB1682972}" dt="2020-06-17T00:10:45.303" v="755" actId="1037"/>
+          <ac:picMkLst>
+            <pc:docMk/>
+            <pc:sldMk cId="2462845540" sldId="300"/>
+            <ac:picMk id="1026" creationId="{1356F577-AD0C-4D62-AF08-6365B660B8E0}"/>
+          </ac:picMkLst>
+        </pc:picChg>
+        <pc:picChg chg="add del">
+          <ac:chgData name="Fernando C Correa" userId="a08d7f3c16d54179" providerId="LiveId" clId="{DAECEB32-C126-44A1-B729-3AADB1682972}" dt="2020-06-16T19:48:00.487" v="20" actId="478"/>
+          <ac:picMkLst>
+            <pc:docMk/>
+            <pc:sldMk cId="2462845540" sldId="300"/>
+            <ac:picMk id="1026" creationId="{1AE3563D-E69E-405F-8AE2-6C3F957B8582}"/>
+          </ac:picMkLst>
+        </pc:picChg>
+        <pc:picChg chg="add del mod">
+          <ac:chgData name="Fernando C Correa" userId="a08d7f3c16d54179" providerId="LiveId" clId="{DAECEB32-C126-44A1-B729-3AADB1682972}" dt="2020-06-17T00:10:10.842" v="667" actId="478"/>
+          <ac:picMkLst>
+            <pc:docMk/>
+            <pc:sldMk cId="2462845540" sldId="300"/>
+            <ac:picMk id="1028" creationId="{4D52BBEE-2B65-4A2C-8909-4A9068D56737}"/>
+          </ac:picMkLst>
+        </pc:picChg>
+        <pc:picChg chg="add mod">
+          <ac:chgData name="Fernando C Correa" userId="a08d7f3c16d54179" providerId="LiveId" clId="{DAECEB32-C126-44A1-B729-3AADB1682972}" dt="2020-06-17T00:10:33.981" v="675" actId="166"/>
+          <ac:picMkLst>
+            <pc:docMk/>
+            <pc:sldMk cId="2462845540" sldId="300"/>
+            <ac:picMk id="1030" creationId="{5FA43E33-8005-4382-9B8C-63CBEE494F0D}"/>
+          </ac:picMkLst>
+        </pc:picChg>
+        <pc:picChg chg="add del mod">
+          <ac:chgData name="Fernando C Correa" userId="a08d7f3c16d54179" providerId="LiveId" clId="{DAECEB32-C126-44A1-B729-3AADB1682972}" dt="2020-06-16T19:56:06.022" v="67" actId="478"/>
+          <ac:picMkLst>
+            <pc:docMk/>
+            <pc:sldMk cId="2462845540" sldId="300"/>
+            <ac:picMk id="1032" creationId="{2D90E7C1-77A2-43FD-ACA3-C9E93D064031}"/>
+          </ac:picMkLst>
+        </pc:picChg>
+      </pc:sldChg>
+      <pc:sldChg chg="add del">
+        <pc:chgData name="Fernando C Correa" userId="a08d7f3c16d54179" providerId="LiveId" clId="{DAECEB32-C126-44A1-B729-3AADB1682972}" dt="2020-06-17T00:41:20.116" v="773" actId="47"/>
+        <pc:sldMkLst>
+          <pc:docMk/>
+          <pc:sldMk cId="227931716" sldId="301"/>
+        </pc:sldMkLst>
+      </pc:sldChg>
+      <pc:sldChg chg="add del ord">
+        <pc:chgData name="Fernando C Correa" userId="a08d7f3c16d54179" providerId="LiveId" clId="{DAECEB32-C126-44A1-B729-3AADB1682972}" dt="2020-06-17T00:41:20.905" v="774" actId="47"/>
+        <pc:sldMkLst>
+          <pc:docMk/>
+          <pc:sldMk cId="1426705781" sldId="302"/>
+        </pc:sldMkLst>
+      </pc:sldChg>
+      <pc:sldChg chg="addSp delSp modSp add mod delAnim modAnim">
+        <pc:chgData name="Fernando C Correa" userId="a08d7f3c16d54179" providerId="LiveId" clId="{DAECEB32-C126-44A1-B729-3AADB1682972}" dt="2020-06-18T22:39:34.202" v="2137"/>
+        <pc:sldMkLst>
+          <pc:docMk/>
+          <pc:sldMk cId="1298849621" sldId="303"/>
+        </pc:sldMkLst>
+        <pc:spChg chg="del">
+          <ac:chgData name="Fernando C Correa" userId="a08d7f3c16d54179" providerId="LiveId" clId="{DAECEB32-C126-44A1-B729-3AADB1682972}" dt="2020-06-17T02:38:51.506" v="1873" actId="478"/>
+          <ac:spMkLst>
+            <pc:docMk/>
+            <pc:sldMk cId="1298849621" sldId="303"/>
+            <ac:spMk id="10" creationId="{00000000-0000-0000-0000-000000000000}"/>
+          </ac:spMkLst>
+        </pc:spChg>
+        <pc:spChg chg="del mod topLvl">
+          <ac:chgData name="Fernando C Correa" userId="a08d7f3c16d54179" providerId="LiveId" clId="{DAECEB32-C126-44A1-B729-3AADB1682972}" dt="2020-06-17T01:25:22.450" v="1087" actId="478"/>
+          <ac:spMkLst>
+            <pc:docMk/>
+            <pc:sldMk cId="1298849621" sldId="303"/>
+            <ac:spMk id="16" creationId="{91E883F1-8EF7-411E-A05E-24165369F0A7}"/>
+          </ac:spMkLst>
+        </pc:spChg>
+        <pc:spChg chg="add del mod">
+          <ac:chgData name="Fernando C Correa" userId="a08d7f3c16d54179" providerId="LiveId" clId="{DAECEB32-C126-44A1-B729-3AADB1682972}" dt="2020-06-17T01:24:34.097" v="1086" actId="478"/>
+          <ac:spMkLst>
+            <pc:docMk/>
+            <pc:sldMk cId="1298849621" sldId="303"/>
+            <ac:spMk id="17" creationId="{37959AA7-8A52-4962-9CB0-85BA95E1CD04}"/>
+          </ac:spMkLst>
+        </pc:spChg>
+        <pc:spChg chg="add del mod">
+          <ac:chgData name="Fernando C Correa" userId="a08d7f3c16d54179" providerId="LiveId" clId="{DAECEB32-C126-44A1-B729-3AADB1682972}" dt="2020-06-17T01:59:57.501" v="1476" actId="478"/>
+          <ac:spMkLst>
+            <pc:docMk/>
+            <pc:sldMk cId="1298849621" sldId="303"/>
+            <ac:spMk id="18" creationId="{DEF22804-DE74-451E-A09C-614AD3888324}"/>
+          </ac:spMkLst>
+        </pc:spChg>
+        <pc:spChg chg="add del mod">
+          <ac:chgData name="Fernando C Correa" userId="a08d7f3c16d54179" providerId="LiveId" clId="{DAECEB32-C126-44A1-B729-3AADB1682972}" dt="2020-06-17T01:59:58.361" v="1477" actId="478"/>
+          <ac:spMkLst>
+            <pc:docMk/>
+            <pc:sldMk cId="1298849621" sldId="303"/>
+            <ac:spMk id="19" creationId="{242142D5-57C5-4228-AD6A-DBB98CE772E5}"/>
+          </ac:spMkLst>
+        </pc:spChg>
+        <pc:spChg chg="add del mod">
+          <ac:chgData name="Fernando C Correa" userId="a08d7f3c16d54179" providerId="LiveId" clId="{DAECEB32-C126-44A1-B729-3AADB1682972}" dt="2020-06-17T01:55:12.959" v="1419" actId="478"/>
+          <ac:spMkLst>
+            <pc:docMk/>
+            <pc:sldMk cId="1298849621" sldId="303"/>
+            <ac:spMk id="20" creationId="{32B0225A-99F4-4622-96DE-05FA18A6AA9D}"/>
+          </ac:spMkLst>
+        </pc:spChg>
+        <pc:spChg chg="add del mod">
+          <ac:chgData name="Fernando C Correa" userId="a08d7f3c16d54179" providerId="LiveId" clId="{DAECEB32-C126-44A1-B729-3AADB1682972}" dt="2020-06-17T02:31:54.753" v="1754" actId="478"/>
+          <ac:spMkLst>
+            <pc:docMk/>
+            <pc:sldMk cId="1298849621" sldId="303"/>
+            <ac:spMk id="21" creationId="{00B7053D-99FF-40D3-AE66-E13492C3277A}"/>
+          </ac:spMkLst>
+        </pc:spChg>
+        <pc:spChg chg="add del mod">
+          <ac:chgData name="Fernando C Correa" userId="a08d7f3c16d54179" providerId="LiveId" clId="{DAECEB32-C126-44A1-B729-3AADB1682972}" dt="2020-06-17T02:31:54.753" v="1754" actId="478"/>
+          <ac:spMkLst>
+            <pc:docMk/>
+            <pc:sldMk cId="1298849621" sldId="303"/>
+            <ac:spMk id="22" creationId="{6DA62363-5008-4733-BD21-E712CEB152A4}"/>
+          </ac:spMkLst>
+        </pc:spChg>
+        <pc:spChg chg="add del mod">
+          <ac:chgData name="Fernando C Correa" userId="a08d7f3c16d54179" providerId="LiveId" clId="{DAECEB32-C126-44A1-B729-3AADB1682972}" dt="2020-06-17T02:31:54.753" v="1754" actId="478"/>
+          <ac:spMkLst>
+            <pc:docMk/>
+            <pc:sldMk cId="1298849621" sldId="303"/>
+            <ac:spMk id="23" creationId="{EC5D6182-CD8C-4BD1-AD7B-8DFF28ABCB9D}"/>
+          </ac:spMkLst>
+        </pc:spChg>
+        <pc:spChg chg="add del mod">
+          <ac:chgData name="Fernando C Correa" userId="a08d7f3c16d54179" providerId="LiveId" clId="{DAECEB32-C126-44A1-B729-3AADB1682972}" dt="2020-06-17T02:31:54.753" v="1754" actId="478"/>
+          <ac:spMkLst>
+            <pc:docMk/>
+            <pc:sldMk cId="1298849621" sldId="303"/>
+            <ac:spMk id="24" creationId="{BD1C89E2-7181-4D5B-939B-8F641A1DDB0E}"/>
+          </ac:spMkLst>
+        </pc:spChg>
+        <pc:spChg chg="add del mod">
+          <ac:chgData name="Fernando C Correa" userId="a08d7f3c16d54179" providerId="LiveId" clId="{DAECEB32-C126-44A1-B729-3AADB1682972}" dt="2020-06-17T02:37:58.836" v="1862" actId="478"/>
+          <ac:spMkLst>
+            <pc:docMk/>
+            <pc:sldMk cId="1298849621" sldId="303"/>
+            <ac:spMk id="25" creationId="{F27E6D77-6963-49CB-BD12-906C80BF6DE5}"/>
+          </ac:spMkLst>
+        </pc:spChg>
+        <pc:spChg chg="add del mod">
+          <ac:chgData name="Fernando C Correa" userId="a08d7f3c16d54179" providerId="LiveId" clId="{DAECEB32-C126-44A1-B729-3AADB1682972}" dt="2020-06-17T02:37:58.836" v="1862" actId="478"/>
+          <ac:spMkLst>
+            <pc:docMk/>
+            <pc:sldMk cId="1298849621" sldId="303"/>
+            <ac:spMk id="26" creationId="{63AEC2EC-CC6C-4DEB-A57A-87060E136C08}"/>
+          </ac:spMkLst>
+        </pc:spChg>
+        <pc:spChg chg="add del mod">
+          <ac:chgData name="Fernando C Correa" userId="a08d7f3c16d54179" providerId="LiveId" clId="{DAECEB32-C126-44A1-B729-3AADB1682972}" dt="2020-06-17T02:37:58.836" v="1862" actId="478"/>
+          <ac:spMkLst>
+            <pc:docMk/>
+            <pc:sldMk cId="1298849621" sldId="303"/>
+            <ac:spMk id="27" creationId="{EDF86E12-CBB2-4A6C-B35C-78F93692FDB1}"/>
+          </ac:spMkLst>
+        </pc:spChg>
+        <pc:spChg chg="add del mod">
+          <ac:chgData name="Fernando C Correa" userId="a08d7f3c16d54179" providerId="LiveId" clId="{DAECEB32-C126-44A1-B729-3AADB1682972}" dt="2020-06-17T02:37:58.836" v="1862" actId="478"/>
+          <ac:spMkLst>
+            <pc:docMk/>
+            <pc:sldMk cId="1298849621" sldId="303"/>
+            <ac:spMk id="28" creationId="{0A5BCCCD-83A4-49F4-8232-52B31F155EE1}"/>
+          </ac:spMkLst>
+        </pc:spChg>
+        <pc:spChg chg="add del mod">
+          <ac:chgData name="Fernando C Correa" userId="a08d7f3c16d54179" providerId="LiveId" clId="{DAECEB32-C126-44A1-B729-3AADB1682972}" dt="2020-06-17T02:38:48.568" v="1869" actId="478"/>
+          <ac:spMkLst>
+            <pc:docMk/>
+            <pc:sldMk cId="1298849621" sldId="303"/>
+            <ac:spMk id="29" creationId="{3CFCE5F1-644F-482F-8E08-0A5FBA4637AB}"/>
+          </ac:spMkLst>
+        </pc:spChg>
+        <pc:spChg chg="add del mod">
+          <ac:chgData name="Fernando C Correa" userId="a08d7f3c16d54179" providerId="LiveId" clId="{DAECEB32-C126-44A1-B729-3AADB1682972}" dt="2020-06-17T02:38:49.355" v="1870" actId="478"/>
+          <ac:spMkLst>
+            <pc:docMk/>
+            <pc:sldMk cId="1298849621" sldId="303"/>
+            <ac:spMk id="30" creationId="{C3969BE2-0CDD-4E70-9FA5-197423473D1C}"/>
+          </ac:spMkLst>
+        </pc:spChg>
+        <pc:spChg chg="add del mod">
+          <ac:chgData name="Fernando C Correa" userId="a08d7f3c16d54179" providerId="LiveId" clId="{DAECEB32-C126-44A1-B729-3AADB1682972}" dt="2020-06-17T02:38:50.502" v="1871" actId="478"/>
+          <ac:spMkLst>
+            <pc:docMk/>
+            <pc:sldMk cId="1298849621" sldId="303"/>
+            <ac:spMk id="31" creationId="{9075C745-F0D0-4E91-A8CA-43E0C0072B84}"/>
+          </ac:spMkLst>
+        </pc:spChg>
+        <pc:spChg chg="add del mod">
+          <ac:chgData name="Fernando C Correa" userId="a08d7f3c16d54179" providerId="LiveId" clId="{DAECEB32-C126-44A1-B729-3AADB1682972}" dt="2020-06-17T02:38:50.993" v="1872" actId="478"/>
+          <ac:spMkLst>
+            <pc:docMk/>
+            <pc:sldMk cId="1298849621" sldId="303"/>
+            <ac:spMk id="32" creationId="{02B406BA-6615-4D0E-82B4-D113E632B645}"/>
+          </ac:spMkLst>
+        </pc:spChg>
+        <pc:spChg chg="add del mod">
+          <ac:chgData name="Fernando C Correa" userId="a08d7f3c16d54179" providerId="LiveId" clId="{DAECEB32-C126-44A1-B729-3AADB1682972}" dt="2020-06-17T02:38:55.054" v="1875" actId="478"/>
+          <ac:spMkLst>
+            <pc:docMk/>
+            <pc:sldMk cId="1298849621" sldId="303"/>
+            <ac:spMk id="33" creationId="{9621423B-9269-4EA1-8C8D-C00C631CC754}"/>
+          </ac:spMkLst>
+        </pc:spChg>
+        <pc:spChg chg="add del mod">
+          <ac:chgData name="Fernando C Correa" userId="a08d7f3c16d54179" providerId="LiveId" clId="{DAECEB32-C126-44A1-B729-3AADB1682972}" dt="2020-06-17T02:38:55.944" v="1876" actId="478"/>
+          <ac:spMkLst>
+            <pc:docMk/>
+            <pc:sldMk cId="1298849621" sldId="303"/>
+            <ac:spMk id="34" creationId="{ED55CABA-14AB-4329-ADE1-E3355AB00079}"/>
+          </ac:spMkLst>
+        </pc:spChg>
+        <pc:spChg chg="add mod">
+          <ac:chgData name="Fernando C Correa" userId="a08d7f3c16d54179" providerId="LiveId" clId="{DAECEB32-C126-44A1-B729-3AADB1682972}" dt="2020-06-17T02:39:08.254" v="1881" actId="1036"/>
+          <ac:spMkLst>
+            <pc:docMk/>
+            <pc:sldMk cId="1298849621" sldId="303"/>
+            <ac:spMk id="35" creationId="{DD2EBC17-698B-4BC0-839E-5442A0E6E9BB}"/>
+          </ac:spMkLst>
+        </pc:spChg>
+        <pc:spChg chg="add mod">
+          <ac:chgData name="Fernando C Correa" userId="a08d7f3c16d54179" providerId="LiveId" clId="{DAECEB32-C126-44A1-B729-3AADB1682972}" dt="2020-06-17T02:40:29.846" v="1903" actId="1038"/>
+          <ac:spMkLst>
+            <pc:docMk/>
+            <pc:sldMk cId="1298849621" sldId="303"/>
+            <ac:spMk id="36" creationId="{C909FB2D-4E94-48D6-A874-6DA2AE5A1A51}"/>
+          </ac:spMkLst>
+        </pc:spChg>
+        <pc:spChg chg="add mod">
+          <ac:chgData name="Fernando C Correa" userId="a08d7f3c16d54179" providerId="LiveId" clId="{DAECEB32-C126-44A1-B729-3AADB1682972}" dt="2020-06-17T02:38:57.299" v="1877"/>
+          <ac:spMkLst>
+            <pc:docMk/>
+            <pc:sldMk cId="1298849621" sldId="303"/>
+            <ac:spMk id="37" creationId="{AABFD444-1308-42F0-B888-45A1A45045DB}"/>
+          </ac:spMkLst>
+        </pc:spChg>
+        <pc:spChg chg="add mod">
+          <ac:chgData name="Fernando C Correa" userId="a08d7f3c16d54179" providerId="LiveId" clId="{DAECEB32-C126-44A1-B729-3AADB1682972}" dt="2020-06-17T02:38:57.299" v="1877"/>
+          <ac:spMkLst>
+            <pc:docMk/>
+            <pc:sldMk cId="1298849621" sldId="303"/>
+            <ac:spMk id="38" creationId="{30E43F49-6ED1-4CE3-B5B0-D29C8F780C70}"/>
+          </ac:spMkLst>
+        </pc:spChg>
+        <pc:spChg chg="add mod">
+          <ac:chgData name="Fernando C Correa" userId="a08d7f3c16d54179" providerId="LiveId" clId="{DAECEB32-C126-44A1-B729-3AADB1682972}" dt="2020-06-17T02:38:57.299" v="1877"/>
+          <ac:spMkLst>
+            <pc:docMk/>
+            <pc:sldMk cId="1298849621" sldId="303"/>
+            <ac:spMk id="39" creationId="{365E7FF9-A331-4A8B-BA0F-81BB6DF0F86D}"/>
+          </ac:spMkLst>
+        </pc:spChg>
+        <pc:spChg chg="add mod">
+          <ac:chgData name="Fernando C Correa" userId="a08d7f3c16d54179" providerId="LiveId" clId="{DAECEB32-C126-44A1-B729-3AADB1682972}" dt="2020-06-17T02:39:00.922" v="1878" actId="404"/>
+          <ac:spMkLst>
+            <pc:docMk/>
+            <pc:sldMk cId="1298849621" sldId="303"/>
+            <ac:spMk id="40" creationId="{FAD746AB-1F96-4F3A-8333-7F5F79BCF21E}"/>
+          </ac:spMkLst>
+        </pc:spChg>
+        <pc:grpChg chg="del">
+          <ac:chgData name="Fernando C Correa" userId="a08d7f3c16d54179" providerId="LiveId" clId="{DAECEB32-C126-44A1-B729-3AADB1682972}" dt="2020-06-17T00:40:34.349" v="769" actId="478"/>
+          <ac:grpSpMkLst>
+            <pc:docMk/>
+            <pc:sldMk cId="1298849621" sldId="303"/>
+            <ac:grpSpMk id="5" creationId="{6FAAF7DE-43D4-44F2-B91B-7964DB50D745}"/>
+          </ac:grpSpMkLst>
+        </pc:grpChg>
+        <pc:grpChg chg="add del mod">
+          <ac:chgData name="Fernando C Correa" userId="a08d7f3c16d54179" providerId="LiveId" clId="{DAECEB32-C126-44A1-B729-3AADB1682972}" dt="2020-06-17T01:25:22.450" v="1087" actId="478"/>
+          <ac:grpSpMkLst>
+            <pc:docMk/>
+            <pc:sldMk cId="1298849621" sldId="303"/>
+            <ac:grpSpMk id="11" creationId="{13A90E00-530A-4F48-802E-B5B7BCD2F114}"/>
+          </ac:grpSpMkLst>
+        </pc:grpChg>
+        <pc:picChg chg="mod topLvl">
+          <ac:chgData name="Fernando C Correa" userId="a08d7f3c16d54179" providerId="LiveId" clId="{DAECEB32-C126-44A1-B729-3AADB1682972}" dt="2020-06-17T02:00:05.442" v="1478" actId="1076"/>
+          <ac:picMkLst>
+            <pc:docMk/>
+            <pc:sldMk cId="1298849621" sldId="303"/>
+            <ac:picMk id="15" creationId="{9EFFC1ED-EB5D-40C9-8C8D-2B87AAB8168C}"/>
+          </ac:picMkLst>
+        </pc:picChg>
+      </pc:sldChg>
+      <pc:sldChg chg="addSp delSp modSp add mod delAnim modAnim">
+        <pc:chgData name="Fernando C Correa" userId="a08d7f3c16d54179" providerId="LiveId" clId="{DAECEB32-C126-44A1-B729-3AADB1682972}" dt="2020-06-18T22:39:04.278" v="2134"/>
+        <pc:sldMkLst>
+          <pc:docMk/>
+          <pc:sldMk cId="2190780406" sldId="304"/>
+        </pc:sldMkLst>
+        <pc:spChg chg="mod">
+          <ac:chgData name="Fernando C Correa" userId="a08d7f3c16d54179" providerId="LiveId" clId="{DAECEB32-C126-44A1-B729-3AADB1682972}" dt="2020-06-17T02:17:47.791" v="1490"/>
+          <ac:spMkLst>
+            <pc:docMk/>
+            <pc:sldMk cId="2190780406" sldId="304"/>
+            <ac:spMk id="2" creationId="{00000000-0000-0000-0000-000000000000}"/>
+          </ac:spMkLst>
+        </pc:spChg>
+        <pc:spChg chg="mod">
+          <ac:chgData name="Fernando C Correa" userId="a08d7f3c16d54179" providerId="LiveId" clId="{DAECEB32-C126-44A1-B729-3AADB1682972}" dt="2020-06-17T01:00:57.801" v="883" actId="14861"/>
+          <ac:spMkLst>
+            <pc:docMk/>
+            <pc:sldMk cId="2190780406" sldId="304"/>
+            <ac:spMk id="9" creationId="{9DB075A3-56FB-45D0-9830-D7302566A0CB}"/>
+          </ac:spMkLst>
+        </pc:spChg>
+        <pc:spChg chg="add mod">
+          <ac:chgData name="Fernando C Correa" userId="a08d7f3c16d54179" providerId="LiveId" clId="{DAECEB32-C126-44A1-B729-3AADB1682972}" dt="2020-06-17T02:18:09.190" v="1512"/>
+          <ac:spMkLst>
+            <pc:docMk/>
+            <pc:sldMk cId="2190780406" sldId="304"/>
+            <ac:spMk id="16" creationId="{DE7433E1-F016-48B0-8744-19C111456B85}"/>
+          </ac:spMkLst>
+        </pc:spChg>
+        <pc:spChg chg="add del mod">
+          <ac:chgData name="Fernando C Correa" userId="a08d7f3c16d54179" providerId="LiveId" clId="{DAECEB32-C126-44A1-B729-3AADB1682972}" dt="2020-06-17T02:23:51.499" v="1659" actId="478"/>
+          <ac:spMkLst>
+            <pc:docMk/>
+            <pc:sldMk cId="2190780406" sldId="304"/>
+            <ac:spMk id="17" creationId="{F1BCBA0F-55D5-4849-8768-F16C59B94E83}"/>
+          </ac:spMkLst>
+        </pc:spChg>
+        <pc:spChg chg="add del mod">
+          <ac:chgData name="Fernando C Correa" userId="a08d7f3c16d54179" providerId="LiveId" clId="{DAECEB32-C126-44A1-B729-3AADB1682972}" dt="2020-06-17T02:23:50.367" v="1658" actId="478"/>
+          <ac:spMkLst>
+            <pc:docMk/>
+            <pc:sldMk cId="2190780406" sldId="304"/>
+            <ac:spMk id="18" creationId="{659942B3-24BD-4014-AF22-BADF5133F2EC}"/>
+          </ac:spMkLst>
+        </pc:spChg>
+        <pc:spChg chg="add del mod">
+          <ac:chgData name="Fernando C Correa" userId="a08d7f3c16d54179" providerId="LiveId" clId="{DAECEB32-C126-44A1-B729-3AADB1682972}" dt="2020-06-17T02:25:56.668" v="1681" actId="478"/>
+          <ac:spMkLst>
+            <pc:docMk/>
+            <pc:sldMk cId="2190780406" sldId="304"/>
+            <ac:spMk id="19" creationId="{974D8D49-F80C-48C7-856E-1EF50F0BAE56}"/>
+          </ac:spMkLst>
+        </pc:spChg>
+        <pc:spChg chg="add mod">
+          <ac:chgData name="Fernando C Correa" userId="a08d7f3c16d54179" providerId="LiveId" clId="{DAECEB32-C126-44A1-B729-3AADB1682972}" dt="2020-06-17T02:26:04.959" v="1684" actId="1035"/>
+          <ac:spMkLst>
+            <pc:docMk/>
+            <pc:sldMk cId="2190780406" sldId="304"/>
+            <ac:spMk id="20" creationId="{E81768B2-0974-4D89-BB1D-234A1ECBF059}"/>
+          </ac:spMkLst>
+        </pc:spChg>
+        <pc:picChg chg="del">
+          <ac:chgData name="Fernando C Correa" userId="a08d7f3c16d54179" providerId="LiveId" clId="{DAECEB32-C126-44A1-B729-3AADB1682972}" dt="2020-06-17T00:59:04.878" v="868" actId="478"/>
+          <ac:picMkLst>
+            <pc:docMk/>
+            <pc:sldMk cId="2190780406" sldId="304"/>
+            <ac:picMk id="4" creationId="{CE59E904-DE2E-44FD-8FAC-39DBA644EE5C}"/>
+          </ac:picMkLst>
+        </pc:picChg>
+        <pc:picChg chg="add del mod">
+          <ac:chgData name="Fernando C Correa" userId="a08d7f3c16d54179" providerId="LiveId" clId="{DAECEB32-C126-44A1-B729-3AADB1682972}" dt="2020-06-18T22:34:54.829" v="2117" actId="478"/>
+          <ac:picMkLst>
+            <pc:docMk/>
+            <pc:sldMk cId="2190780406" sldId="304"/>
+            <ac:picMk id="5" creationId="{89752C3D-A82D-43D5-9165-13EE32B69AE5}"/>
+          </ac:picMkLst>
+        </pc:picChg>
+        <pc:picChg chg="add del mod">
+          <ac:chgData name="Fernando C Correa" userId="a08d7f3c16d54179" providerId="LiveId" clId="{DAECEB32-C126-44A1-B729-3AADB1682972}" dt="2020-06-18T22:36:17.834" v="2124" actId="478"/>
+          <ac:picMkLst>
+            <pc:docMk/>
+            <pc:sldMk cId="2190780406" sldId="304"/>
+            <ac:picMk id="7" creationId="{91554513-C358-446F-ABDC-9AC81E9B4E24}"/>
+          </ac:picMkLst>
+        </pc:picChg>
+        <pc:picChg chg="add del mod">
+          <ac:chgData name="Fernando C Correa" userId="a08d7f3c16d54179" providerId="LiveId" clId="{DAECEB32-C126-44A1-B729-3AADB1682972}" dt="2020-06-18T22:33:16.915" v="2099" actId="478"/>
+          <ac:picMkLst>
+            <pc:docMk/>
+            <pc:sldMk cId="2190780406" sldId="304"/>
+            <ac:picMk id="15" creationId="{A03E8544-6208-4BA9-93EB-9C6D1B7FED2F}"/>
+          </ac:picMkLst>
+        </pc:picChg>
+        <pc:picChg chg="add mod">
+          <ac:chgData name="Fernando C Correa" userId="a08d7f3c16d54179" providerId="LiveId" clId="{DAECEB32-C126-44A1-B729-3AADB1682972}" dt="2020-06-18T22:38:54.383" v="2132" actId="1076"/>
+          <ac:picMkLst>
+            <pc:docMk/>
+            <pc:sldMk cId="2190780406" sldId="304"/>
+            <ac:picMk id="17" creationId="{08DAA0A6-4CA7-4D6E-B5EA-8E5E5D8DDEC5}"/>
+          </ac:picMkLst>
+        </pc:picChg>
+      </pc:sldChg>
+      <pc:sldChg chg="addSp delSp modSp add mod modAnim">
+        <pc:chgData name="Fernando C Correa" userId="a08d7f3c16d54179" providerId="LiveId" clId="{DAECEB32-C126-44A1-B729-3AADB1682972}" dt="2020-06-18T22:40:15.195" v="2142"/>
+        <pc:sldMkLst>
+          <pc:docMk/>
+          <pc:sldMk cId="1108433508" sldId="305"/>
+        </pc:sldMkLst>
+        <pc:spChg chg="mod">
+          <ac:chgData name="Fernando C Correa" userId="a08d7f3c16d54179" providerId="LiveId" clId="{DAECEB32-C126-44A1-B729-3AADB1682972}" dt="2020-06-17T02:17:48.948" v="1491"/>
+          <ac:spMkLst>
+            <pc:docMk/>
+            <pc:sldMk cId="1108433508" sldId="305"/>
+            <ac:spMk id="2" creationId="{00000000-0000-0000-0000-000000000000}"/>
+          </ac:spMkLst>
+        </pc:spChg>
+        <pc:spChg chg="mod">
+          <ac:chgData name="Fernando C Correa" userId="a08d7f3c16d54179" providerId="LiveId" clId="{DAECEB32-C126-44A1-B729-3AADB1682972}" dt="2020-06-17T01:01:13.897" v="886" actId="14861"/>
+          <ac:spMkLst>
+            <pc:docMk/>
+            <pc:sldMk cId="1108433508" sldId="305"/>
+            <ac:spMk id="11" creationId="{16EB44B9-02AC-4947-965B-A08DBFC98023}"/>
+          </ac:spMkLst>
+        </pc:spChg>
+        <pc:spChg chg="add mod">
+          <ac:chgData name="Fernando C Correa" userId="a08d7f3c16d54179" providerId="LiveId" clId="{DAECEB32-C126-44A1-B729-3AADB1682972}" dt="2020-06-17T02:18:10.048" v="1513"/>
+          <ac:spMkLst>
+            <pc:docMk/>
+            <pc:sldMk cId="1108433508" sldId="305"/>
+            <ac:spMk id="16" creationId="{9CAE165D-3AF6-4FCE-B520-4EEFC17CCA76}"/>
+          </ac:spMkLst>
+        </pc:spChg>
+        <pc:spChg chg="add del mod">
+          <ac:chgData name="Fernando C Correa" userId="a08d7f3c16d54179" providerId="LiveId" clId="{DAECEB32-C126-44A1-B729-3AADB1682972}" dt="2020-06-17T02:23:55.170" v="1661" actId="478"/>
+          <ac:spMkLst>
+            <pc:docMk/>
+            <pc:sldMk cId="1108433508" sldId="305"/>
+            <ac:spMk id="17" creationId="{870486AD-7A8E-4215-93BE-A1A37CCB92F5}"/>
+          </ac:spMkLst>
+        </pc:spChg>
+        <pc:spChg chg="add del mod">
+          <ac:chgData name="Fernando C Correa" userId="a08d7f3c16d54179" providerId="LiveId" clId="{DAECEB32-C126-44A1-B729-3AADB1682972}" dt="2020-06-17T02:26:18.629" v="1687" actId="478"/>
+          <ac:spMkLst>
+            <pc:docMk/>
+            <pc:sldMk cId="1108433508" sldId="305"/>
+            <ac:spMk id="18" creationId="{74EB7E30-C5B4-4282-A710-7697524D2F24}"/>
+          </ac:spMkLst>
+        </pc:spChg>
+        <pc:spChg chg="add mod">
+          <ac:chgData name="Fernando C Correa" userId="a08d7f3c16d54179" providerId="LiveId" clId="{DAECEB32-C126-44A1-B729-3AADB1682972}" dt="2020-06-17T02:26:18.871" v="1688"/>
+          <ac:spMkLst>
+            <pc:docMk/>
+            <pc:sldMk cId="1108433508" sldId="305"/>
+            <ac:spMk id="19" creationId="{A35B23B1-1021-49FF-AFA3-419F50FF7B69}"/>
+          </ac:spMkLst>
+        </pc:spChg>
+        <pc:picChg chg="del">
+          <ac:chgData name="Fernando C Correa" userId="a08d7f3c16d54179" providerId="LiveId" clId="{DAECEB32-C126-44A1-B729-3AADB1682972}" dt="2020-06-17T00:59:23.905" v="876" actId="478"/>
+          <ac:picMkLst>
+            <pc:docMk/>
+            <pc:sldMk cId="1108433508" sldId="305"/>
+            <ac:picMk id="4" creationId="{CE59E904-DE2E-44FD-8FAC-39DBA644EE5C}"/>
+          </ac:picMkLst>
+        </pc:picChg>
+        <pc:picChg chg="add mod">
+          <ac:chgData name="Fernando C Correa" userId="a08d7f3c16d54179" providerId="LiveId" clId="{DAECEB32-C126-44A1-B729-3AADB1682972}" dt="2020-06-17T02:18:39.473" v="1523" actId="1076"/>
+          <ac:picMkLst>
+            <pc:docMk/>
+            <pc:sldMk cId="1108433508" sldId="305"/>
+            <ac:picMk id="15" creationId="{62BC3115-E732-4ECB-969D-3C5D1EFDDC7C}"/>
+          </ac:picMkLst>
+        </pc:picChg>
+      </pc:sldChg>
+      <pc:sldChg chg="addSp delSp modSp add del mod">
+        <pc:chgData name="Fernando C Correa" userId="a08d7f3c16d54179" providerId="LiveId" clId="{DAECEB32-C126-44A1-B729-3AADB1682972}" dt="2020-06-17T01:22:10.330" v="1068" actId="47"/>
+        <pc:sldMkLst>
+          <pc:docMk/>
+          <pc:sldMk cId="4089909747" sldId="306"/>
+        </pc:sldMkLst>
+        <pc:spChg chg="add del mod">
+          <ac:chgData name="Fernando C Correa" userId="a08d7f3c16d54179" providerId="LiveId" clId="{DAECEB32-C126-44A1-B729-3AADB1682972}" dt="2020-06-17T01:21:10.871" v="1049" actId="478"/>
+          <ac:spMkLst>
+            <pc:docMk/>
+            <pc:sldMk cId="4089909747" sldId="306"/>
+            <ac:spMk id="16" creationId="{C2FFB967-D7A9-4302-B5ED-452AA0E310E3}"/>
+          </ac:spMkLst>
+        </pc:spChg>
+        <pc:spChg chg="add mod">
+          <ac:chgData name="Fernando C Correa" userId="a08d7f3c16d54179" providerId="LiveId" clId="{DAECEB32-C126-44A1-B729-3AADB1682972}" dt="2020-06-17T01:21:18.065" v="1063" actId="404"/>
+          <ac:spMkLst>
+            <pc:docMk/>
+            <pc:sldMk cId="4089909747" sldId="306"/>
+            <ac:spMk id="17" creationId="{35C698DF-301F-4EDE-B6DA-F4F0DF2CCC68}"/>
+          </ac:spMkLst>
+        </pc:spChg>
+        <pc:spChg chg="add mod">
+          <ac:chgData name="Fernando C Correa" userId="a08d7f3c16d54179" providerId="LiveId" clId="{DAECEB32-C126-44A1-B729-3AADB1682972}" dt="2020-06-17T01:21:16.906" v="1061" actId="14861"/>
+          <ac:spMkLst>
+            <pc:docMk/>
+            <pc:sldMk cId="4089909747" sldId="306"/>
+            <ac:spMk id="18" creationId="{610213D2-BACA-4B72-A835-AFEB1589A77E}"/>
+          </ac:spMkLst>
+        </pc:spChg>
+        <pc:picChg chg="add mod">
+          <ac:chgData name="Fernando C Correa" userId="a08d7f3c16d54179" providerId="LiveId" clId="{DAECEB32-C126-44A1-B729-3AADB1682972}" dt="2020-06-17T01:21:10.514" v="1048" actId="1076"/>
+          <ac:picMkLst>
+            <pc:docMk/>
+            <pc:sldMk cId="4089909747" sldId="306"/>
+            <ac:picMk id="3" creationId="{29CBDD1E-0AF7-45F9-84D5-EB37009A651F}"/>
+          </ac:picMkLst>
+        </pc:picChg>
+        <pc:picChg chg="add del mod modCrop">
+          <ac:chgData name="Fernando C Correa" userId="a08d7f3c16d54179" providerId="LiveId" clId="{DAECEB32-C126-44A1-B729-3AADB1682972}" dt="2020-06-17T01:21:10.871" v="1049" actId="478"/>
+          <ac:picMkLst>
+            <pc:docMk/>
+            <pc:sldMk cId="4089909747" sldId="306"/>
+            <ac:picMk id="10" creationId="{0F6FBFBF-7EA7-4332-BC5B-850168EEA23E}"/>
+          </ac:picMkLst>
+        </pc:picChg>
+        <pc:picChg chg="del">
+          <ac:chgData name="Fernando C Correa" userId="a08d7f3c16d54179" providerId="LiveId" clId="{DAECEB32-C126-44A1-B729-3AADB1682972}" dt="2020-06-17T01:15:27.431" v="988" actId="478"/>
+          <ac:picMkLst>
+            <pc:docMk/>
+            <pc:sldMk cId="4089909747" sldId="306"/>
+            <ac:picMk id="11" creationId="{8F1A4823-8682-41E7-A5C1-1ABA20505B18}"/>
+          </ac:picMkLst>
+        </pc:picChg>
+        <pc:picChg chg="add del mod">
+          <ac:chgData name="Fernando C Correa" userId="a08d7f3c16d54179" providerId="LiveId" clId="{DAECEB32-C126-44A1-B729-3AADB1682972}" dt="2020-06-17T01:15:44.163" v="998" actId="478"/>
+          <ac:picMkLst>
+            <pc:docMk/>
+            <pc:sldMk cId="4089909747" sldId="306"/>
+            <ac:picMk id="15" creationId="{4E3D15D1-6C66-4859-8D2D-7DECB3E481F5}"/>
+          </ac:picMkLst>
+        </pc:picChg>
+      </pc:sldChg>
+      <pc:sldChg chg="modSp add mod">
+        <pc:chgData name="Fernando C Correa" userId="a08d7f3c16d54179" providerId="LiveId" clId="{DAECEB32-C126-44A1-B729-3AADB1682972}" dt="2020-06-17T01:22:18.711" v="1080" actId="20577"/>
+        <pc:sldMkLst>
+          <pc:docMk/>
+          <pc:sldMk cId="2406040227" sldId="307"/>
+        </pc:sldMkLst>
+        <pc:spChg chg="mod">
+          <ac:chgData name="Fernando C Correa" userId="a08d7f3c16d54179" providerId="LiveId" clId="{DAECEB32-C126-44A1-B729-3AADB1682972}" dt="2020-06-17T01:22:18.711" v="1080" actId="20577"/>
+          <ac:spMkLst>
+            <pc:docMk/>
+            <pc:sldMk cId="2406040227" sldId="307"/>
+            <ac:spMk id="2" creationId="{00000000-0000-0000-0000-000000000000}"/>
+          </ac:spMkLst>
+        </pc:spChg>
+      </pc:sldChg>
+      <pc:sldChg chg="addSp delSp modSp add mod delAnim modAnim">
+        <pc:chgData name="Fernando C Correa" userId="a08d7f3c16d54179" providerId="LiveId" clId="{DAECEB32-C126-44A1-B729-3AADB1682972}" dt="2020-06-18T22:35:59.168" v="2122"/>
+        <pc:sldMkLst>
+          <pc:docMk/>
+          <pc:sldMk cId="1166053751" sldId="308"/>
+        </pc:sldMkLst>
+        <pc:picChg chg="add mod">
+          <ac:chgData name="Fernando C Correa" userId="a08d7f3c16d54179" providerId="LiveId" clId="{DAECEB32-C126-44A1-B729-3AADB1682972}" dt="2020-06-18T22:33:43.104" v="2107" actId="1076"/>
+          <ac:picMkLst>
+            <pc:docMk/>
+            <pc:sldMk cId="1166053751" sldId="308"/>
+            <ac:picMk id="5" creationId="{C0EB70A9-CA61-4D0B-9BF3-2C20CA891859}"/>
+          </ac:picMkLst>
+        </pc:picChg>
+        <pc:picChg chg="del">
+          <ac:chgData name="Fernando C Correa" userId="a08d7f3c16d54179" providerId="LiveId" clId="{DAECEB32-C126-44A1-B729-3AADB1682972}" dt="2020-06-18T22:33:19.238" v="2100" actId="478"/>
+          <ac:picMkLst>
+            <pc:docMk/>
+            <pc:sldMk cId="1166053751" sldId="308"/>
+            <ac:picMk id="15" creationId="{A03E8544-6208-4BA9-93EB-9C6D1B7FED2F}"/>
+          </ac:picMkLst>
+        </pc:picChg>
+      </pc:sldChg>
+      <pc:sldChg chg="delSp modSp add del mod">
+        <pc:chgData name="Fernando C Correa" userId="a08d7f3c16d54179" providerId="LiveId" clId="{DAECEB32-C126-44A1-B729-3AADB1682972}" dt="2020-06-17T02:31:03.540" v="1748" actId="47"/>
+        <pc:sldMkLst>
+          <pc:docMk/>
+          <pc:sldMk cId="4245811857" sldId="308"/>
+        </pc:sldMkLst>
+        <pc:grpChg chg="del mod">
+          <ac:chgData name="Fernando C Correa" userId="a08d7f3c16d54179" providerId="LiveId" clId="{DAECEB32-C126-44A1-B729-3AADB1682972}" dt="2020-06-17T02:28:09.227" v="1710" actId="165"/>
+          <ac:grpSpMkLst>
+            <pc:docMk/>
+            <pc:sldMk cId="4245811857" sldId="308"/>
+            <ac:grpSpMk id="11" creationId="{E4EA4F72-EFE3-4F09-A7E7-6AABF9ABBF18}"/>
+          </ac:grpSpMkLst>
+        </pc:grpChg>
+        <pc:picChg chg="mod topLvl">
+          <ac:chgData name="Fernando C Correa" userId="a08d7f3c16d54179" providerId="LiveId" clId="{DAECEB32-C126-44A1-B729-3AADB1682972}" dt="2020-06-17T02:29:00.873" v="1722" actId="14100"/>
+          <ac:picMkLst>
+            <pc:docMk/>
+            <pc:sldMk cId="4245811857" sldId="308"/>
+            <ac:picMk id="15" creationId="{E3972336-02C1-47CD-97B1-80ABC70FA9B7}"/>
+          </ac:picMkLst>
+        </pc:picChg>
+        <pc:picChg chg="mod topLvl">
+          <ac:chgData name="Fernando C Correa" userId="a08d7f3c16d54179" providerId="LiveId" clId="{DAECEB32-C126-44A1-B729-3AADB1682972}" dt="2020-06-17T02:28:48.863" v="1719" actId="1036"/>
+          <ac:picMkLst>
+            <pc:docMk/>
+            <pc:sldMk cId="4245811857" sldId="308"/>
+            <ac:picMk id="16" creationId="{20781BF0-8212-4D1A-9E98-63B0F1909496}"/>
+          </ac:picMkLst>
+        </pc:picChg>
+        <pc:picChg chg="mod topLvl">
+          <ac:chgData name="Fernando C Correa" userId="a08d7f3c16d54179" providerId="LiveId" clId="{DAECEB32-C126-44A1-B729-3AADB1682972}" dt="2020-06-17T02:29:06.078" v="1723" actId="1076"/>
+          <ac:picMkLst>
+            <pc:docMk/>
+            <pc:sldMk cId="4245811857" sldId="308"/>
+            <ac:picMk id="17" creationId="{040851DC-21ED-45C7-8F74-D947F2610DF4}"/>
+          </ac:picMkLst>
+        </pc:picChg>
+        <pc:picChg chg="mod topLvl">
+          <ac:chgData name="Fernando C Correa" userId="a08d7f3c16d54179" providerId="LiveId" clId="{DAECEB32-C126-44A1-B729-3AADB1682972}" dt="2020-06-17T02:29:13.692" v="1724" actId="1076"/>
+          <ac:picMkLst>
+            <pc:docMk/>
+            <pc:sldMk cId="4245811857" sldId="308"/>
+            <ac:picMk id="18" creationId="{E06E4486-40EB-49C0-BDD4-6308F01F4996}"/>
+          </ac:picMkLst>
+        </pc:picChg>
+      </pc:sldChg>
+      <pc:sldChg chg="add">
+        <pc:chgData name="Fernando C Correa" userId="a08d7f3c16d54179" providerId="LiveId" clId="{DAECEB32-C126-44A1-B729-3AADB1682972}" dt="2020-06-18T22:36:15.291" v="2123"/>
+        <pc:sldMkLst>
+          <pc:docMk/>
+          <pc:sldMk cId="1834702266" sldId="309"/>
+        </pc:sldMkLst>
+      </pc:sldChg>
+    </pc:docChg>
+  </pc:docChgLst>
+  <pc:docChgLst>
+    <pc:chgData name="Fernando C Correa" userId="a08d7f3c16d54179" providerId="LiveId" clId="{A09FC4A9-89B9-4888-AEA2-D945178E12B3}"/>
+    <pc:docChg chg="undo custSel modSld sldOrd">
+      <pc:chgData name="Fernando C Correa" userId="a08d7f3c16d54179" providerId="LiveId" clId="{A09FC4A9-89B9-4888-AEA2-D945178E12B3}" dt="2020-06-20T15:06:09.630" v="202"/>
+      <pc:docMkLst>
+        <pc:docMk/>
+      </pc:docMkLst>
+      <pc:sldChg chg="addSp delSp modSp mod ord modAnim">
+        <pc:chgData name="Fernando C Correa" userId="a08d7f3c16d54179" providerId="LiveId" clId="{A09FC4A9-89B9-4888-AEA2-D945178E12B3}" dt="2020-06-20T13:26:06.598" v="153"/>
+        <pc:sldMkLst>
+          <pc:docMk/>
+          <pc:sldMk cId="1295663715" sldId="289"/>
+        </pc:sldMkLst>
+        <pc:spChg chg="ord">
+          <ac:chgData name="Fernando C Correa" userId="a08d7f3c16d54179" providerId="LiveId" clId="{A09FC4A9-89B9-4888-AEA2-D945178E12B3}" dt="2020-06-20T12:40:54.820" v="32" actId="167"/>
+          <ac:spMkLst>
+            <pc:docMk/>
+            <pc:sldMk cId="1295663715" sldId="289"/>
+            <ac:spMk id="10" creationId="{00000000-0000-0000-0000-000000000000}"/>
+          </ac:spMkLst>
+        </pc:spChg>
+        <pc:spChg chg="add del">
+          <ac:chgData name="Fernando C Correa" userId="a08d7f3c16d54179" providerId="LiveId" clId="{A09FC4A9-89B9-4888-AEA2-D945178E12B3}" dt="2020-06-20T12:41:07.795" v="39" actId="478"/>
+          <ac:spMkLst>
+            <pc:docMk/>
+            <pc:sldMk cId="1295663715" sldId="289"/>
+            <ac:spMk id="17" creationId="{4761BB05-E8FC-4963-83D4-851EAED86DFA}"/>
+          </ac:spMkLst>
+        </pc:spChg>
+        <pc:spChg chg="add del ord">
+          <ac:chgData name="Fernando C Correa" userId="a08d7f3c16d54179" providerId="LiveId" clId="{A09FC4A9-89B9-4888-AEA2-D945178E12B3}" dt="2020-06-20T12:41:16.072" v="44" actId="478"/>
+          <ac:spMkLst>
+            <pc:docMk/>
+            <pc:sldMk cId="1295663715" sldId="289"/>
+            <ac:spMk id="18" creationId="{DA8A93A9-B515-40BF-A842-1BA9BACDDF03}"/>
+          </ac:spMkLst>
+        </pc:spChg>
+        <pc:spChg chg="add del mod ord">
+          <ac:chgData name="Fernando C Correa" userId="a08d7f3c16d54179" providerId="LiveId" clId="{A09FC4A9-89B9-4888-AEA2-D945178E12B3}" dt="2020-06-20T12:41:04.346" v="38" actId="21"/>
+          <ac:spMkLst>
+            <pc:docMk/>
+            <pc:sldMk cId="1295663715" sldId="289"/>
+            <ac:spMk id="19" creationId="{D6DAFE08-3EB6-416E-940C-0BA817B1B286}"/>
+          </ac:spMkLst>
+        </pc:spChg>
+        <pc:spChg chg="add del mod">
+          <ac:chgData name="Fernando C Correa" userId="a08d7f3c16d54179" providerId="LiveId" clId="{A09FC4A9-89B9-4888-AEA2-D945178E12B3}" dt="2020-06-20T12:41:12.822" v="43" actId="21"/>
+          <ac:spMkLst>
+            <pc:docMk/>
+            <pc:sldMk cId="1295663715" sldId="289"/>
+            <ac:spMk id="20" creationId="{A7971381-7BB0-4BBF-86C2-C637A2718284}"/>
+          </ac:spMkLst>
+        </pc:spChg>
+        <pc:spChg chg="add del mod">
+          <ac:chgData name="Fernando C Correa" userId="a08d7f3c16d54179" providerId="LiveId" clId="{A09FC4A9-89B9-4888-AEA2-D945178E12B3}" dt="2020-06-20T12:40:52.838" v="30"/>
+          <ac:spMkLst>
+            <pc:docMk/>
+            <pc:sldMk cId="1295663715" sldId="289"/>
+            <ac:spMk id="21" creationId="{4A6D4019-8BD7-448B-AAFF-5F30FE658407}"/>
+          </ac:spMkLst>
+        </pc:spChg>
+        <pc:spChg chg="add mod">
+          <ac:chgData name="Fernando C Correa" userId="a08d7f3c16d54179" providerId="LiveId" clId="{A09FC4A9-89B9-4888-AEA2-D945178E12B3}" dt="2020-06-20T12:41:32.346" v="97" actId="14100"/>
+          <ac:spMkLst>
+            <pc:docMk/>
+            <pc:sldMk cId="1295663715" sldId="289"/>
+            <ac:spMk id="22" creationId="{276CEF92-A27F-46D5-A699-D11C071CE94C}"/>
+          </ac:spMkLst>
+        </pc:spChg>
+        <pc:spChg chg="add mod">
+          <ac:chgData name="Fernando C Correa" userId="a08d7f3c16d54179" providerId="LiveId" clId="{A09FC4A9-89B9-4888-AEA2-D945178E12B3}" dt="2020-06-20T12:41:41.491" v="98" actId="1076"/>
+          <ac:spMkLst>
+            <pc:docMk/>
+            <pc:sldMk cId="1295663715" sldId="289"/>
+            <ac:spMk id="23" creationId="{D079E717-9756-4A5D-9DAC-F0B2C45B7484}"/>
+          </ac:spMkLst>
+        </pc:spChg>
+      </pc:sldChg>
+      <pc:sldChg chg="addSp delSp modSp mod modAnim">
+        <pc:chgData name="Fernando C Correa" userId="a08d7f3c16d54179" providerId="LiveId" clId="{A09FC4A9-89B9-4888-AEA2-D945178E12B3}" dt="2020-06-20T13:26:14.939" v="154"/>
+        <pc:sldMkLst>
+          <pc:docMk/>
+          <pc:sldMk cId="3697814180" sldId="294"/>
+        </pc:sldMkLst>
+        <pc:spChg chg="ord">
+          <ac:chgData name="Fernando C Correa" userId="a08d7f3c16d54179" providerId="LiveId" clId="{A09FC4A9-89B9-4888-AEA2-D945178E12B3}" dt="2020-06-20T12:40:23.350" v="23" actId="167"/>
+          <ac:spMkLst>
+            <pc:docMk/>
+            <pc:sldMk cId="3697814180" sldId="294"/>
+            <ac:spMk id="10" creationId="{00000000-0000-0000-0000-000000000000}"/>
+          </ac:spMkLst>
+        </pc:spChg>
+        <pc:spChg chg="del">
+          <ac:chgData name="Fernando C Correa" userId="a08d7f3c16d54179" providerId="LiveId" clId="{A09FC4A9-89B9-4888-AEA2-D945178E12B3}" dt="2020-06-20T12:40:13.096" v="21" actId="21"/>
+          <ac:spMkLst>
+            <pc:docMk/>
+            <pc:sldMk cId="3697814180" sldId="294"/>
+            <ac:spMk id="18" creationId="{28727A08-76AD-4CC1-81E1-A9E265979E09}"/>
+          </ac:spMkLst>
+        </pc:spChg>
+        <pc:spChg chg="del">
+          <ac:chgData name="Fernando C Correa" userId="a08d7f3c16d54179" providerId="LiveId" clId="{A09FC4A9-89B9-4888-AEA2-D945178E12B3}" dt="2020-06-20T12:40:13.096" v="21" actId="21"/>
+          <ac:spMkLst>
+            <pc:docMk/>
+            <pc:sldMk cId="3697814180" sldId="294"/>
+            <ac:spMk id="19" creationId="{780807C2-BAF7-460E-A962-492C349F6F41}"/>
+          </ac:spMkLst>
+        </pc:spChg>
+        <pc:spChg chg="add mod ord">
+          <ac:chgData name="Fernando C Correa" userId="a08d7f3c16d54179" providerId="LiveId" clId="{A09FC4A9-89B9-4888-AEA2-D945178E12B3}" dt="2020-06-20T12:41:55.232" v="118" actId="20577"/>
+          <ac:spMkLst>
+            <pc:docMk/>
+            <pc:sldMk cId="3697814180" sldId="294"/>
+            <ac:spMk id="20" creationId="{5B526848-867A-48AA-8A3A-D54E0A419896}"/>
+          </ac:spMkLst>
+        </pc:spChg>
+        <pc:spChg chg="add mod ord">
+          <ac:chgData name="Fernando C Correa" userId="a08d7f3c16d54179" providerId="LiveId" clId="{A09FC4A9-89B9-4888-AEA2-D945178E12B3}" dt="2020-06-20T12:42:10.596" v="148" actId="1037"/>
+          <ac:spMkLst>
+            <pc:docMk/>
+            <pc:sldMk cId="3697814180" sldId="294"/>
+            <ac:spMk id="21" creationId="{66EB59FA-89AE-4F0D-A3A6-FCAD79115ED1}"/>
+          </ac:spMkLst>
+        </pc:spChg>
+      </pc:sldChg>
+      <pc:sldChg chg="addSp delSp modSp mod addAnim delAnim modAnim">
+        <pc:chgData name="Fernando C Correa" userId="a08d7f3c16d54179" providerId="LiveId" clId="{A09FC4A9-89B9-4888-AEA2-D945178E12B3}" dt="2020-06-20T14:38:56.887" v="192"/>
+        <pc:sldMkLst>
+          <pc:docMk/>
+          <pc:sldMk cId="903407908" sldId="297"/>
+        </pc:sldMkLst>
+        <pc:spChg chg="ord">
+          <ac:chgData name="Fernando C Correa" userId="a08d7f3c16d54179" providerId="LiveId" clId="{A09FC4A9-89B9-4888-AEA2-D945178E12B3}" dt="2020-06-20T14:38:22.656" v="189" actId="167"/>
+          <ac:spMkLst>
+            <pc:docMk/>
+            <pc:sldMk cId="903407908" sldId="297"/>
+            <ac:spMk id="10" creationId="{00000000-0000-0000-0000-000000000000}"/>
+          </ac:spMkLst>
+        </pc:spChg>
+        <pc:graphicFrameChg chg="add del mod ord">
+          <ac:chgData name="Fernando C Correa" userId="a08d7f3c16d54179" providerId="LiveId" clId="{A09FC4A9-89B9-4888-AEA2-D945178E12B3}" dt="2020-06-20T14:38:14.538" v="186" actId="167"/>
+          <ac:graphicFrameMkLst>
+            <pc:docMk/>
+            <pc:sldMk cId="903407908" sldId="297"/>
+            <ac:graphicFrameMk id="16" creationId="{00000000-0000-0000-0000-000000000000}"/>
+          </ac:graphicFrameMkLst>
+        </pc:graphicFrameChg>
+        <pc:graphicFrameChg chg="del mod">
+          <ac:chgData name="Fernando C Correa" userId="a08d7f3c16d54179" providerId="LiveId" clId="{A09FC4A9-89B9-4888-AEA2-D945178E12B3}" dt="2020-06-20T14:38:20.703" v="188" actId="478"/>
+          <ac:graphicFrameMkLst>
+            <pc:docMk/>
+            <pc:sldMk cId="903407908" sldId="297"/>
+            <ac:graphicFrameMk id="17" creationId="{00000000-0000-0000-0000-000000000000}"/>
+          </ac:graphicFrameMkLst>
+        </pc:graphicFrameChg>
+        <pc:graphicFrameChg chg="add mod ord">
+          <ac:chgData name="Fernando C Correa" userId="a08d7f3c16d54179" providerId="LiveId" clId="{A09FC4A9-89B9-4888-AEA2-D945178E12B3}" dt="2020-06-20T14:37:46.834" v="175" actId="167"/>
+          <ac:graphicFrameMkLst>
+            <pc:docMk/>
+            <pc:sldMk cId="903407908" sldId="297"/>
+            <ac:graphicFrameMk id="18" creationId="{01586A72-D418-465D-8C0F-8D4C4B480A36}"/>
+          </ac:graphicFrameMkLst>
+        </pc:graphicFrameChg>
+      </pc:sldChg>
+      <pc:sldChg chg="modAnim">
+        <pc:chgData name="Fernando C Correa" userId="a08d7f3c16d54179" providerId="LiveId" clId="{A09FC4A9-89B9-4888-AEA2-D945178E12B3}" dt="2020-06-20T13:25:48.654" v="152"/>
+        <pc:sldMkLst>
+          <pc:docMk/>
+          <pc:sldMk cId="1350499800" sldId="298"/>
+        </pc:sldMkLst>
+      </pc:sldChg>
+      <pc:sldChg chg="addSp modSp mod modAnim">
+        <pc:chgData name="Fernando C Correa" userId="a08d7f3c16d54179" providerId="LiveId" clId="{A09FC4A9-89B9-4888-AEA2-D945178E12B3}" dt="2020-06-20T15:06:09.630" v="202"/>
+        <pc:sldMkLst>
+          <pc:docMk/>
+          <pc:sldMk cId="2462845540" sldId="300"/>
+        </pc:sldMkLst>
+        <pc:spChg chg="mod">
+          <ac:chgData name="Fernando C Correa" userId="a08d7f3c16d54179" providerId="LiveId" clId="{A09FC4A9-89B9-4888-AEA2-D945178E12B3}" dt="2020-06-20T15:05:42.934" v="200" actId="20577"/>
+          <ac:spMkLst>
+            <pc:docMk/>
+            <pc:sldMk cId="2462845540" sldId="300"/>
+            <ac:spMk id="2" creationId="{00000000-0000-0000-0000-000000000000}"/>
+          </ac:spMkLst>
+        </pc:spChg>
+        <pc:spChg chg="add mod">
+          <ac:chgData name="Fernando C Correa" userId="a08d7f3c16d54179" providerId="LiveId" clId="{A09FC4A9-89B9-4888-AEA2-D945178E12B3}" dt="2020-06-20T15:05:38.249" v="197" actId="14100"/>
+          <ac:spMkLst>
+            <pc:docMk/>
+            <pc:sldMk cId="2462845540" sldId="300"/>
+            <ac:spMk id="15" creationId="{DDCB4B7E-C66A-454A-869A-F37FB18E47D9}"/>
+          </ac:spMkLst>
+        </pc:spChg>
+      </pc:sldChg>
+      <pc:sldChg chg="addSp delSp modSp mod modAnim">
+        <pc:chgData name="Fernando C Correa" userId="a08d7f3c16d54179" providerId="LiveId" clId="{A09FC4A9-89B9-4888-AEA2-D945178E12B3}" dt="2020-06-20T13:25:29.803" v="150"/>
+        <pc:sldMkLst>
+          <pc:docMk/>
+          <pc:sldMk cId="1216557380" sldId="310"/>
+        </pc:sldMkLst>
+        <pc:picChg chg="add mod">
+          <ac:chgData name="Fernando C Correa" userId="a08d7f3c16d54179" providerId="LiveId" clId="{A09FC4A9-89B9-4888-AEA2-D945178E12B3}" dt="2020-06-20T12:25:38.920" v="16" actId="14100"/>
+          <ac:picMkLst>
+            <pc:docMk/>
+            <pc:sldMk cId="1216557380" sldId="310"/>
+            <ac:picMk id="3" creationId="{A43DF01B-3E58-4B87-B7A7-68FE79FB51EB}"/>
+          </ac:picMkLst>
+        </pc:picChg>
+        <pc:picChg chg="mod">
+          <ac:chgData name="Fernando C Correa" userId="a08d7f3c16d54179" providerId="LiveId" clId="{A09FC4A9-89B9-4888-AEA2-D945178E12B3}" dt="2020-06-20T12:25:29.372" v="13" actId="1076"/>
+          <ac:picMkLst>
+            <pc:docMk/>
+            <pc:sldMk cId="1216557380" sldId="310"/>
+            <ac:picMk id="1028" creationId="{D76B89FC-867A-4147-BA71-9560870E80C8}"/>
+          </ac:picMkLst>
+        </pc:picChg>
+        <pc:picChg chg="mod">
+          <ac:chgData name="Fernando C Correa" userId="a08d7f3c16d54179" providerId="LiveId" clId="{A09FC4A9-89B9-4888-AEA2-D945178E12B3}" dt="2020-06-20T12:25:31.982" v="14" actId="1076"/>
+          <ac:picMkLst>
+            <pc:docMk/>
+            <pc:sldMk cId="1216557380" sldId="310"/>
+            <ac:picMk id="1030" creationId="{1D444095-F87C-4CAA-AEB0-70F655079581}"/>
+          </ac:picMkLst>
+        </pc:picChg>
+        <pc:picChg chg="mod">
+          <ac:chgData name="Fernando C Correa" userId="a08d7f3c16d54179" providerId="LiveId" clId="{A09FC4A9-89B9-4888-AEA2-D945178E12B3}" dt="2020-06-20T12:18:51.484" v="8" actId="1076"/>
+          <ac:picMkLst>
+            <pc:docMk/>
+            <pc:sldMk cId="1216557380" sldId="310"/>
+            <ac:picMk id="1036" creationId="{4CB63698-D978-4CD6-8FD1-C022074D72D7}"/>
+          </ac:picMkLst>
+        </pc:picChg>
+        <pc:picChg chg="mod">
+          <ac:chgData name="Fernando C Correa" userId="a08d7f3c16d54179" providerId="LiveId" clId="{A09FC4A9-89B9-4888-AEA2-D945178E12B3}" dt="2020-06-20T12:18:51.484" v="8" actId="1076"/>
+          <ac:picMkLst>
+            <pc:docMk/>
+            <pc:sldMk cId="1216557380" sldId="310"/>
+            <ac:picMk id="1038" creationId="{1070BA75-767B-4C56-BCD0-3A6C324EE9BC}"/>
+          </ac:picMkLst>
+        </pc:picChg>
+        <pc:picChg chg="mod">
+          <ac:chgData name="Fernando C Correa" userId="a08d7f3c16d54179" providerId="LiveId" clId="{A09FC4A9-89B9-4888-AEA2-D945178E12B3}" dt="2020-06-20T12:18:51.484" v="8" actId="1076"/>
+          <ac:picMkLst>
+            <pc:docMk/>
+            <pc:sldMk cId="1216557380" sldId="310"/>
+            <ac:picMk id="1040" creationId="{3E94C683-13A5-473D-84E5-0EC77570D1A9}"/>
+          </ac:picMkLst>
+        </pc:picChg>
+        <pc:picChg chg="del">
+          <ac:chgData name="Fernando C Correa" userId="a08d7f3c16d54179" providerId="LiveId" clId="{A09FC4A9-89B9-4888-AEA2-D945178E12B3}" dt="2020-06-20T12:18:03.152" v="0" actId="478"/>
+          <ac:picMkLst>
+            <pc:docMk/>
+            <pc:sldMk cId="1216557380" sldId="310"/>
+            <ac:picMk id="1048" creationId="{02423DA5-E5A7-4204-9F15-B1C2DA32315D}"/>
+          </ac:picMkLst>
+        </pc:picChg>
+        <pc:picChg chg="mod">
+          <ac:chgData name="Fernando C Correa" userId="a08d7f3c16d54179" providerId="LiveId" clId="{A09FC4A9-89B9-4888-AEA2-D945178E12B3}" dt="2020-06-20T12:18:51.484" v="8" actId="1076"/>
+          <ac:picMkLst>
+            <pc:docMk/>
+            <pc:sldMk cId="1216557380" sldId="310"/>
+            <ac:picMk id="1050" creationId="{3436FD7C-0729-4A23-ABA2-8DE8F6568403}"/>
+          </ac:picMkLst>
+        </pc:picChg>
+        <pc:picChg chg="mod">
+          <ac:chgData name="Fernando C Correa" userId="a08d7f3c16d54179" providerId="LiveId" clId="{A09FC4A9-89B9-4888-AEA2-D945178E12B3}" dt="2020-06-20T12:25:35.085" v="15" actId="1076"/>
+          <ac:picMkLst>
+            <pc:docMk/>
+            <pc:sldMk cId="1216557380" sldId="310"/>
+            <ac:picMk id="1052" creationId="{393BA934-075A-4034-B5AE-B620E367AEAB}"/>
+          </ac:picMkLst>
+        </pc:picChg>
+      </pc:sldChg>
+    </pc:docChg>
+  </pc:docChgLst>
+  <pc:docChgLst>
     <pc:chgData name="Fernando C Correa" userId="a08d7f3c16d54179" providerId="LiveId" clId="{20649838-E016-4F14-B833-D71429BBD211}"/>
     <pc:docChg chg="undo custSel mod addSld delSld modSld sldOrd">
       <pc:chgData name="Fernando C Correa" userId="a08d7f3c16d54179" providerId="LiveId" clId="{20649838-E016-4F14-B833-D71429BBD211}" dt="2020-06-02T00:22:53.881" v="323" actId="47"/>
@@ -1617,3247 +4859,6 @@
           <pc:docMk/>
           <pc:sldMk cId="1350499800" sldId="298"/>
         </pc:sldMkLst>
-      </pc:sldChg>
-    </pc:docChg>
-  </pc:docChgLst>
-  <pc:docChgLst>
-    <pc:chgData name="Fernando C Correa" userId="a08d7f3c16d54179" providerId="LiveId" clId="{DAECEB32-C126-44A1-B729-3AADB1682972}"/>
-    <pc:docChg chg="undo custSel addSld delSld modSld sldOrd">
-      <pc:chgData name="Fernando C Correa" userId="a08d7f3c16d54179" providerId="LiveId" clId="{DAECEB32-C126-44A1-B729-3AADB1682972}" dt="2020-06-18T22:40:15.195" v="2142"/>
-      <pc:docMkLst>
-        <pc:docMk/>
-      </pc:docMkLst>
-      <pc:sldChg chg="addSp modSp add del mod modAnim">
-        <pc:chgData name="Fernando C Correa" userId="a08d7f3c16d54179" providerId="LiveId" clId="{DAECEB32-C126-44A1-B729-3AADB1682972}" dt="2020-06-16T23:52:25.126" v="657" actId="2696"/>
-        <pc:sldMkLst>
-          <pc:docMk/>
-          <pc:sldMk cId="0" sldId="264"/>
-        </pc:sldMkLst>
-        <pc:picChg chg="mod">
-          <ac:chgData name="Fernando C Correa" userId="a08d7f3c16d54179" providerId="LiveId" clId="{DAECEB32-C126-44A1-B729-3AADB1682972}" dt="2020-06-16T23:46:48.244" v="546" actId="1076"/>
-          <ac:picMkLst>
-            <pc:docMk/>
-            <pc:sldMk cId="0" sldId="264"/>
-            <ac:picMk id="4" creationId="{00000000-0000-0000-0000-000000000000}"/>
-          </ac:picMkLst>
-        </pc:picChg>
-        <pc:picChg chg="add mod">
-          <ac:chgData name="Fernando C Correa" userId="a08d7f3c16d54179" providerId="LiveId" clId="{DAECEB32-C126-44A1-B729-3AADB1682972}" dt="2020-06-16T23:47:48.346" v="552" actId="1076"/>
-          <ac:picMkLst>
-            <pc:docMk/>
-            <pc:sldMk cId="0" sldId="264"/>
-            <ac:picMk id="5" creationId="{7A65702D-88BF-4DBA-9323-920BA15A8173}"/>
-          </ac:picMkLst>
-        </pc:picChg>
-      </pc:sldChg>
-      <pc:sldChg chg="addSp modSp mod modAnim">
-        <pc:chgData name="Fernando C Correa" userId="a08d7f3c16d54179" providerId="LiveId" clId="{DAECEB32-C126-44A1-B729-3AADB1682972}" dt="2020-06-17T02:53:24.961" v="2059" actId="1076"/>
-        <pc:sldMkLst>
-          <pc:docMk/>
-          <pc:sldMk cId="3542761506" sldId="281"/>
-        </pc:sldMkLst>
-        <pc:spChg chg="mod">
-          <ac:chgData name="Fernando C Correa" userId="a08d7f3c16d54179" providerId="LiveId" clId="{DAECEB32-C126-44A1-B729-3AADB1682972}" dt="2020-06-17T02:52:36.148" v="1960" actId="20577"/>
-          <ac:spMkLst>
-            <pc:docMk/>
-            <pc:sldMk cId="3542761506" sldId="281"/>
-            <ac:spMk id="2" creationId="{00000000-0000-0000-0000-000000000000}"/>
-          </ac:spMkLst>
-        </pc:spChg>
-        <pc:spChg chg="add mod">
-          <ac:chgData name="Fernando C Correa" userId="a08d7f3c16d54179" providerId="LiveId" clId="{DAECEB32-C126-44A1-B729-3AADB1682972}" dt="2020-06-17T02:52:39.799" v="1968" actId="20577"/>
-          <ac:spMkLst>
-            <pc:docMk/>
-            <pc:sldMk cId="3542761506" sldId="281"/>
-            <ac:spMk id="11" creationId="{F6860C7B-45AB-4527-8D46-334216B4FAC7}"/>
-          </ac:spMkLst>
-        </pc:spChg>
-        <pc:spChg chg="add mod">
-          <ac:chgData name="Fernando C Correa" userId="a08d7f3c16d54179" providerId="LiveId" clId="{DAECEB32-C126-44A1-B729-3AADB1682972}" dt="2020-06-17T02:53:24.961" v="2059" actId="1076"/>
-          <ac:spMkLst>
-            <pc:docMk/>
-            <pc:sldMk cId="3542761506" sldId="281"/>
-            <ac:spMk id="15" creationId="{DF55296A-B4B1-4455-AEC8-E88599BF720B}"/>
-          </ac:spMkLst>
-        </pc:spChg>
-        <pc:spChg chg="add mod">
-          <ac:chgData name="Fernando C Correa" userId="a08d7f3c16d54179" providerId="LiveId" clId="{DAECEB32-C126-44A1-B729-3AADB1682972}" dt="2020-06-17T02:53:24.961" v="2059" actId="1076"/>
-          <ac:spMkLst>
-            <pc:docMk/>
-            <pc:sldMk cId="3542761506" sldId="281"/>
-            <ac:spMk id="16" creationId="{3CA46EF6-3532-4FFA-BE31-84EB0DB00941}"/>
-          </ac:spMkLst>
-        </pc:spChg>
-      </pc:sldChg>
-      <pc:sldChg chg="addSp delSp modSp del mod">
-        <pc:chgData name="Fernando C Correa" userId="a08d7f3c16d54179" providerId="LiveId" clId="{DAECEB32-C126-44A1-B729-3AADB1682972}" dt="2020-06-17T01:22:07.612" v="1067" actId="47"/>
-        <pc:sldMkLst>
-          <pc:docMk/>
-          <pc:sldMk cId="1290913563" sldId="286"/>
-        </pc:sldMkLst>
-        <pc:spChg chg="mod">
-          <ac:chgData name="Fernando C Correa" userId="a08d7f3c16d54179" providerId="LiveId" clId="{DAECEB32-C126-44A1-B729-3AADB1682972}" dt="2020-06-17T01:05:30.054" v="915" actId="20577"/>
-          <ac:spMkLst>
-            <pc:docMk/>
-            <pc:sldMk cId="1290913563" sldId="286"/>
-            <ac:spMk id="2" creationId="{00000000-0000-0000-0000-000000000000}"/>
-          </ac:spMkLst>
-        </pc:spChg>
-        <pc:spChg chg="add mod">
-          <ac:chgData name="Fernando C Correa" userId="a08d7f3c16d54179" providerId="LiveId" clId="{DAECEB32-C126-44A1-B729-3AADB1682972}" dt="2020-06-17T01:21:19.096" v="1065"/>
-          <ac:spMkLst>
-            <pc:docMk/>
-            <pc:sldMk cId="1290913563" sldId="286"/>
-            <ac:spMk id="3" creationId="{ADC9990C-DB22-4C9E-AE0D-AFC17340A299}"/>
-          </ac:spMkLst>
-        </pc:spChg>
-        <pc:spChg chg="add del mod">
-          <ac:chgData name="Fernando C Correa" userId="a08d7f3c16d54179" providerId="LiveId" clId="{DAECEB32-C126-44A1-B729-3AADB1682972}" dt="2020-06-17T01:21:12.474" v="1053" actId="478"/>
-          <ac:spMkLst>
-            <pc:docMk/>
-            <pc:sldMk cId="1290913563" sldId="286"/>
-            <ac:spMk id="6" creationId="{C0FFF3D3-78AB-4F03-AEA3-F792F1C928B1}"/>
-          </ac:spMkLst>
-        </pc:spChg>
-        <pc:spChg chg="add mod">
-          <ac:chgData name="Fernando C Correa" userId="a08d7f3c16d54179" providerId="LiveId" clId="{DAECEB32-C126-44A1-B729-3AADB1682972}" dt="2020-06-17T01:06:31.961" v="950" actId="20577"/>
-          <ac:spMkLst>
-            <pc:docMk/>
-            <pc:sldMk cId="1290913563" sldId="286"/>
-            <ac:spMk id="10" creationId="{82A90620-2111-419C-8CC8-504DF323835F}"/>
-          </ac:spMkLst>
-        </pc:spChg>
-        <pc:picChg chg="add del mod modCrop">
-          <ac:chgData name="Fernando C Correa" userId="a08d7f3c16d54179" providerId="LiveId" clId="{DAECEB32-C126-44A1-B729-3AADB1682972}" dt="2020-06-17T01:21:15.701" v="1059" actId="478"/>
-          <ac:picMkLst>
-            <pc:docMk/>
-            <pc:sldMk cId="1290913563" sldId="286"/>
-            <ac:picMk id="4" creationId="{D4BB69D1-B7D1-40C5-AD81-DECBEAAE5E0F}"/>
-          </ac:picMkLst>
-        </pc:picChg>
-        <pc:picChg chg="add del mod">
-          <ac:chgData name="Fernando C Correa" userId="a08d7f3c16d54179" providerId="LiveId" clId="{DAECEB32-C126-44A1-B729-3AADB1682972}" dt="2020-06-17T01:21:15.296" v="1058"/>
-          <ac:picMkLst>
-            <pc:docMk/>
-            <pc:sldMk cId="1290913563" sldId="286"/>
-            <ac:picMk id="5" creationId="{FBACC7CA-267A-4720-8553-65FD46F1C96F}"/>
-          </ac:picMkLst>
-        </pc:picChg>
-        <pc:picChg chg="add del mod">
-          <ac:chgData name="Fernando C Correa" userId="a08d7f3c16d54179" providerId="LiveId" clId="{DAECEB32-C126-44A1-B729-3AADB1682972}" dt="2020-06-17T01:21:11.925" v="1052" actId="478"/>
-          <ac:picMkLst>
-            <pc:docMk/>
-            <pc:sldMk cId="1290913563" sldId="286"/>
-            <ac:picMk id="11" creationId="{8F1A4823-8682-41E7-A5C1-1ABA20505B18}"/>
-          </ac:picMkLst>
-        </pc:picChg>
-        <pc:picChg chg="del">
-          <ac:chgData name="Fernando C Correa" userId="a08d7f3c16d54179" providerId="LiveId" clId="{DAECEB32-C126-44A1-B729-3AADB1682972}" dt="2020-06-17T01:14:20.251" v="981" actId="478"/>
-          <ac:picMkLst>
-            <pc:docMk/>
-            <pc:sldMk cId="1290913563" sldId="286"/>
-            <ac:picMk id="15" creationId="{4E3D15D1-6C66-4859-8D2D-7DECB3E481F5}"/>
-          </ac:picMkLst>
-        </pc:picChg>
-      </pc:sldChg>
-      <pc:sldChg chg="addSp delSp modSp mod ord modAnim">
-        <pc:chgData name="Fernando C Correa" userId="a08d7f3c16d54179" providerId="LiveId" clId="{DAECEB32-C126-44A1-B729-3AADB1682972}" dt="2020-06-18T22:39:20.964" v="2135"/>
-        <pc:sldMkLst>
-          <pc:docMk/>
-          <pc:sldMk cId="2582316661" sldId="287"/>
-        </pc:sldMkLst>
-        <pc:spChg chg="mod">
-          <ac:chgData name="Fernando C Correa" userId="a08d7f3c16d54179" providerId="LiveId" clId="{DAECEB32-C126-44A1-B729-3AADB1682972}" dt="2020-06-17T02:17:43.528" v="1489" actId="20577"/>
-          <ac:spMkLst>
-            <pc:docMk/>
-            <pc:sldMk cId="2582316661" sldId="287"/>
-            <ac:spMk id="2" creationId="{00000000-0000-0000-0000-000000000000}"/>
-          </ac:spMkLst>
-        </pc:spChg>
-        <pc:spChg chg="add mod">
-          <ac:chgData name="Fernando C Correa" userId="a08d7f3c16d54179" providerId="LiveId" clId="{DAECEB32-C126-44A1-B729-3AADB1682972}" dt="2020-06-17T01:00:22.837" v="881" actId="403"/>
-          <ac:spMkLst>
-            <pc:docMk/>
-            <pc:sldMk cId="2582316661" sldId="287"/>
-            <ac:spMk id="3" creationId="{19035CAF-1C8B-4AE3-8033-3A58E61E6860}"/>
-          </ac:spMkLst>
-        </pc:spChg>
-        <pc:spChg chg="add mod">
-          <ac:chgData name="Fernando C Correa" userId="a08d7f3c16d54179" providerId="LiveId" clId="{DAECEB32-C126-44A1-B729-3AADB1682972}" dt="2020-06-17T00:58:47.618" v="865" actId="1035"/>
-          <ac:spMkLst>
-            <pc:docMk/>
-            <pc:sldMk cId="2582316661" sldId="287"/>
-            <ac:spMk id="9" creationId="{9DB075A3-56FB-45D0-9830-D7302566A0CB}"/>
-          </ac:spMkLst>
-        </pc:spChg>
-        <pc:spChg chg="add mod">
-          <ac:chgData name="Fernando C Correa" userId="a08d7f3c16d54179" providerId="LiveId" clId="{DAECEB32-C126-44A1-B729-3AADB1682972}" dt="2020-06-17T00:58:30.837" v="861" actId="1076"/>
-          <ac:spMkLst>
-            <pc:docMk/>
-            <pc:sldMk cId="2582316661" sldId="287"/>
-            <ac:spMk id="11" creationId="{16EB44B9-02AC-4947-965B-A08DBFC98023}"/>
-          </ac:spMkLst>
-        </pc:spChg>
-        <pc:spChg chg="add mod">
-          <ac:chgData name="Fernando C Correa" userId="a08d7f3c16d54179" providerId="LiveId" clId="{DAECEB32-C126-44A1-B729-3AADB1682972}" dt="2020-06-17T02:18:06.350" v="1511" actId="20577"/>
-          <ac:spMkLst>
-            <pc:docMk/>
-            <pc:sldMk cId="2582316661" sldId="287"/>
-            <ac:spMk id="15" creationId="{C818B3F3-69A1-4565-9EAF-104558DDDC7F}"/>
-          </ac:spMkLst>
-        </pc:spChg>
-        <pc:spChg chg="add del mod">
-          <ac:chgData name="Fernando C Correa" userId="a08d7f3c16d54179" providerId="LiveId" clId="{DAECEB32-C126-44A1-B729-3AADB1682972}" dt="2020-06-17T02:26:13.430" v="1685" actId="478"/>
-          <ac:spMkLst>
-            <pc:docMk/>
-            <pc:sldMk cId="2582316661" sldId="287"/>
-            <ac:spMk id="16" creationId="{B04DD2A7-5F80-4014-B800-C1E90F6A5FFE}"/>
-          </ac:spMkLst>
-        </pc:spChg>
-        <pc:spChg chg="add mod">
-          <ac:chgData name="Fernando C Correa" userId="a08d7f3c16d54179" providerId="LiveId" clId="{DAECEB32-C126-44A1-B729-3AADB1682972}" dt="2020-06-17T02:26:13.715" v="1686"/>
-          <ac:spMkLst>
-            <pc:docMk/>
-            <pc:sldMk cId="2582316661" sldId="287"/>
-            <ac:spMk id="17" creationId="{114594CB-68F1-49C6-9921-056A0B010C8E}"/>
-          </ac:spMkLst>
-        </pc:spChg>
-        <pc:picChg chg="mod">
-          <ac:chgData name="Fernando C Correa" userId="a08d7f3c16d54179" providerId="LiveId" clId="{DAECEB32-C126-44A1-B729-3AADB1682972}" dt="2020-06-17T01:01:31.102" v="891" actId="1076"/>
-          <ac:picMkLst>
-            <pc:docMk/>
-            <pc:sldMk cId="2582316661" sldId="287"/>
-            <ac:picMk id="4" creationId="{CE59E904-DE2E-44FD-8FAC-39DBA644EE5C}"/>
-          </ac:picMkLst>
-        </pc:picChg>
-      </pc:sldChg>
-      <pc:sldChg chg="del ord">
-        <pc:chgData name="Fernando C Correa" userId="a08d7f3c16d54179" providerId="LiveId" clId="{DAECEB32-C126-44A1-B729-3AADB1682972}" dt="2020-06-17T01:02:49.942" v="893" actId="47"/>
-        <pc:sldMkLst>
-          <pc:docMk/>
-          <pc:sldMk cId="4264086694" sldId="288"/>
-        </pc:sldMkLst>
-      </pc:sldChg>
-      <pc:sldChg chg="addSp modSp mod ord modAnim">
-        <pc:chgData name="Fernando C Correa" userId="a08d7f3c16d54179" providerId="LiveId" clId="{DAECEB32-C126-44A1-B729-3AADB1682972}" dt="2020-06-17T02:43:04.844" v="1943"/>
-        <pc:sldMkLst>
-          <pc:docMk/>
-          <pc:sldMk cId="1295663715" sldId="289"/>
-        </pc:sldMkLst>
-        <pc:spChg chg="mod">
-          <ac:chgData name="Fernando C Correa" userId="a08d7f3c16d54179" providerId="LiveId" clId="{DAECEB32-C126-44A1-B729-3AADB1682972}" dt="2020-06-17T02:34:03.691" v="1771"/>
-          <ac:spMkLst>
-            <pc:docMk/>
-            <pc:sldMk cId="1295663715" sldId="289"/>
-            <ac:spMk id="2" creationId="{00000000-0000-0000-0000-000000000000}"/>
-          </ac:spMkLst>
-        </pc:spChg>
-        <pc:spChg chg="add mod">
-          <ac:chgData name="Fernando C Correa" userId="a08d7f3c16d54179" providerId="LiveId" clId="{DAECEB32-C126-44A1-B729-3AADB1682972}" dt="2020-06-17T02:41:16.250" v="1915"/>
-          <ac:spMkLst>
-            <pc:docMk/>
-            <pc:sldMk cId="1295663715" sldId="289"/>
-            <ac:spMk id="8" creationId="{348AA170-19B8-4A63-90A8-909245589B0D}"/>
-          </ac:spMkLst>
-        </pc:spChg>
-        <pc:spChg chg="add mod">
-          <ac:chgData name="Fernando C Correa" userId="a08d7f3c16d54179" providerId="LiveId" clId="{DAECEB32-C126-44A1-B729-3AADB1682972}" dt="2020-06-17T02:41:29.637" v="1918" actId="14861"/>
-          <ac:spMkLst>
-            <pc:docMk/>
-            <pc:sldMk cId="1295663715" sldId="289"/>
-            <ac:spMk id="9" creationId="{6F8FD17E-2A3E-4994-BB19-C36F5C73DAF1}"/>
-          </ac:spMkLst>
-        </pc:spChg>
-        <pc:spChg chg="add mod">
-          <ac:chgData name="Fernando C Correa" userId="a08d7f3c16d54179" providerId="LiveId" clId="{DAECEB32-C126-44A1-B729-3AADB1682972}" dt="2020-06-17T02:41:16.250" v="1915"/>
-          <ac:spMkLst>
-            <pc:docMk/>
-            <pc:sldMk cId="1295663715" sldId="289"/>
-            <ac:spMk id="15" creationId="{E01DF4B4-465C-4836-823C-8ACF07B4A04E}"/>
-          </ac:spMkLst>
-        </pc:spChg>
-        <pc:spChg chg="add mod">
-          <ac:chgData name="Fernando C Correa" userId="a08d7f3c16d54179" providerId="LiveId" clId="{DAECEB32-C126-44A1-B729-3AADB1682972}" dt="2020-06-17T02:41:16.250" v="1915"/>
-          <ac:spMkLst>
-            <pc:docMk/>
-            <pc:sldMk cId="1295663715" sldId="289"/>
-            <ac:spMk id="16" creationId="{E7C95CF2-0E96-45FD-84F0-F8B4B80A1B9D}"/>
-          </ac:spMkLst>
-        </pc:spChg>
-        <pc:spChg chg="add mod">
-          <ac:chgData name="Fernando C Correa" userId="a08d7f3c16d54179" providerId="LiveId" clId="{DAECEB32-C126-44A1-B729-3AADB1682972}" dt="2020-06-17T02:41:16.250" v="1915"/>
-          <ac:spMkLst>
-            <pc:docMk/>
-            <pc:sldMk cId="1295663715" sldId="289"/>
-            <ac:spMk id="17" creationId="{4761BB05-E8FC-4963-83D4-851EAED86DFA}"/>
-          </ac:spMkLst>
-        </pc:spChg>
-        <pc:spChg chg="add mod">
-          <ac:chgData name="Fernando C Correa" userId="a08d7f3c16d54179" providerId="LiveId" clId="{DAECEB32-C126-44A1-B729-3AADB1682972}" dt="2020-06-17T02:41:37.094" v="1921" actId="1035"/>
-          <ac:spMkLst>
-            <pc:docMk/>
-            <pc:sldMk cId="1295663715" sldId="289"/>
-            <ac:spMk id="18" creationId="{DA8A93A9-B515-40BF-A842-1BA9BACDDF03}"/>
-          </ac:spMkLst>
-        </pc:spChg>
-        <pc:picChg chg="mod">
-          <ac:chgData name="Fernando C Correa" userId="a08d7f3c16d54179" providerId="LiveId" clId="{DAECEB32-C126-44A1-B729-3AADB1682972}" dt="2020-06-17T02:35:39.226" v="1829" actId="1076"/>
-          <ac:picMkLst>
-            <pc:docMk/>
-            <pc:sldMk cId="1295663715" sldId="289"/>
-            <ac:picMk id="11" creationId="{D1E3D129-AEE4-4620-B9D7-636720389400}"/>
-          </ac:picMkLst>
-        </pc:picChg>
-      </pc:sldChg>
-      <pc:sldChg chg="addSp delSp modSp mod modAnim">
-        <pc:chgData name="Fernando C Correa" userId="a08d7f3c16d54179" providerId="LiveId" clId="{DAECEB32-C126-44A1-B729-3AADB1682972}" dt="2020-06-17T02:31:00.021" v="1747"/>
-        <pc:sldMkLst>
-          <pc:docMk/>
-          <pc:sldMk cId="1001627628" sldId="290"/>
-        </pc:sldMkLst>
-        <pc:spChg chg="mod">
-          <ac:chgData name="Fernando C Correa" userId="a08d7f3c16d54179" providerId="LiveId" clId="{DAECEB32-C126-44A1-B729-3AADB1682972}" dt="2020-06-17T02:19:14.312" v="1534" actId="20577"/>
-          <ac:spMkLst>
-            <pc:docMk/>
-            <pc:sldMk cId="1001627628" sldId="290"/>
-            <ac:spMk id="2" creationId="{00000000-0000-0000-0000-000000000000}"/>
-          </ac:spMkLst>
-        </pc:spChg>
-        <pc:spChg chg="add mod">
-          <ac:chgData name="Fernando C Correa" userId="a08d7f3c16d54179" providerId="LiveId" clId="{DAECEB32-C126-44A1-B729-3AADB1682972}" dt="2020-06-17T02:23:21.750" v="1649" actId="14861"/>
-          <ac:spMkLst>
-            <pc:docMk/>
-            <pc:sldMk cId="1001627628" sldId="290"/>
-            <ac:spMk id="16" creationId="{EF23E5A8-6F84-4594-8BB9-57898F4F956C}"/>
-          </ac:spMkLst>
-        </pc:spChg>
-        <pc:spChg chg="add mod">
-          <ac:chgData name="Fernando C Correa" userId="a08d7f3c16d54179" providerId="LiveId" clId="{DAECEB32-C126-44A1-B729-3AADB1682972}" dt="2020-06-17T02:22:47.598" v="1605" actId="1076"/>
-          <ac:spMkLst>
-            <pc:docMk/>
-            <pc:sldMk cId="1001627628" sldId="290"/>
-            <ac:spMk id="17" creationId="{58B8F891-5766-456B-A822-47FAD62143AD}"/>
-          </ac:spMkLst>
-        </pc:spChg>
-        <pc:spChg chg="add mod">
-          <ac:chgData name="Fernando C Correa" userId="a08d7f3c16d54179" providerId="LiveId" clId="{DAECEB32-C126-44A1-B729-3AADB1682972}" dt="2020-06-17T02:22:23.553" v="1601"/>
-          <ac:spMkLst>
-            <pc:docMk/>
-            <pc:sldMk cId="1001627628" sldId="290"/>
-            <ac:spMk id="18" creationId="{E72E18B1-BBBF-45A0-994C-3F38AD146859}"/>
-          </ac:spMkLst>
-        </pc:spChg>
-        <pc:spChg chg="add mod">
-          <ac:chgData name="Fernando C Correa" userId="a08d7f3c16d54179" providerId="LiveId" clId="{DAECEB32-C126-44A1-B729-3AADB1682972}" dt="2020-06-17T02:22:23.553" v="1601"/>
-          <ac:spMkLst>
-            <pc:docMk/>
-            <pc:sldMk cId="1001627628" sldId="290"/>
-            <ac:spMk id="19" creationId="{CA019AD7-4970-43AB-9C11-F7BD91047774}"/>
-          </ac:spMkLst>
-        </pc:spChg>
-        <pc:spChg chg="add del mod">
-          <ac:chgData name="Fernando C Correa" userId="a08d7f3c16d54179" providerId="LiveId" clId="{DAECEB32-C126-44A1-B729-3AADB1682972}" dt="2020-06-17T02:26:25.679" v="1691" actId="478"/>
-          <ac:spMkLst>
-            <pc:docMk/>
-            <pc:sldMk cId="1001627628" sldId="290"/>
-            <ac:spMk id="20" creationId="{80FF1167-5AFF-4BE3-B1C1-D4B299D491F8}"/>
-          </ac:spMkLst>
-        </pc:spChg>
-        <pc:spChg chg="add mod">
-          <ac:chgData name="Fernando C Correa" userId="a08d7f3c16d54179" providerId="LiveId" clId="{DAECEB32-C126-44A1-B729-3AADB1682972}" dt="2020-06-17T02:26:32.360" v="1693" actId="14861"/>
-          <ac:spMkLst>
-            <pc:docMk/>
-            <pc:sldMk cId="1001627628" sldId="290"/>
-            <ac:spMk id="21" creationId="{4FCE83B2-ED4D-4145-A0B8-FA43DCFD9FFE}"/>
-          </ac:spMkLst>
-        </pc:spChg>
-        <pc:grpChg chg="add del mod">
-          <ac:chgData name="Fernando C Correa" userId="a08d7f3c16d54179" providerId="LiveId" clId="{DAECEB32-C126-44A1-B729-3AADB1682972}" dt="2020-06-17T02:20:13.041" v="1553" actId="165"/>
-          <ac:grpSpMkLst>
-            <pc:docMk/>
-            <pc:sldMk cId="1001627628" sldId="290"/>
-            <ac:grpSpMk id="3" creationId="{FE4DA8BA-FBC5-45F0-9417-7339509D2D96}"/>
-          </ac:grpSpMkLst>
-        </pc:grpChg>
-        <pc:grpChg chg="add mod">
-          <ac:chgData name="Fernando C Correa" userId="a08d7f3c16d54179" providerId="LiveId" clId="{DAECEB32-C126-44A1-B729-3AADB1682972}" dt="2020-06-17T02:29:42.855" v="1732" actId="1076"/>
-          <ac:grpSpMkLst>
-            <pc:docMk/>
-            <pc:sldMk cId="1001627628" sldId="290"/>
-            <ac:grpSpMk id="5" creationId="{47A4E389-A66A-4606-888E-8E12D8DD919F}"/>
-          </ac:grpSpMkLst>
-        </pc:grpChg>
-        <pc:grpChg chg="del">
-          <ac:chgData name="Fernando C Correa" userId="a08d7f3c16d54179" providerId="LiveId" clId="{DAECEB32-C126-44A1-B729-3AADB1682972}" dt="2020-06-16T20:51:12.389" v="127" actId="478"/>
-          <ac:grpSpMkLst>
-            <pc:docMk/>
-            <pc:sldMk cId="1001627628" sldId="290"/>
-            <ac:grpSpMk id="11" creationId="{E4EA4F72-EFE3-4F09-A7E7-6AABF9ABBF18}"/>
-          </ac:grpSpMkLst>
-        </pc:grpChg>
-        <pc:picChg chg="add del">
-          <ac:chgData name="Fernando C Correa" userId="a08d7f3c16d54179" providerId="LiveId" clId="{DAECEB32-C126-44A1-B729-3AADB1682972}" dt="2020-06-16T20:48:49.865" v="96"/>
-          <ac:picMkLst>
-            <pc:docMk/>
-            <pc:sldMk cId="1001627628" sldId="290"/>
-            <ac:picMk id="3" creationId="{2CEEE7BF-8D17-4379-AAED-E345EDE50F01}"/>
-          </ac:picMkLst>
-        </pc:picChg>
-        <pc:picChg chg="add del mod topLvl">
-          <ac:chgData name="Fernando C Correa" userId="a08d7f3c16d54179" providerId="LiveId" clId="{DAECEB32-C126-44A1-B729-3AADB1682972}" dt="2020-06-17T02:29:21.906" v="1725" actId="478"/>
-          <ac:picMkLst>
-            <pc:docMk/>
-            <pc:sldMk cId="1001627628" sldId="290"/>
-            <ac:picMk id="4" creationId="{EF1B15BB-D535-47AA-9FA1-D1125164EE2C}"/>
-          </ac:picMkLst>
-        </pc:picChg>
-        <pc:picChg chg="add del">
-          <ac:chgData name="Fernando C Correa" userId="a08d7f3c16d54179" providerId="LiveId" clId="{DAECEB32-C126-44A1-B729-3AADB1682972}" dt="2020-06-16T20:50:12.803" v="108"/>
-          <ac:picMkLst>
-            <pc:docMk/>
-            <pc:sldMk cId="1001627628" sldId="290"/>
-            <ac:picMk id="5" creationId="{57B42D8F-8F08-4DDC-B52B-83270FC6B39C}"/>
-          </ac:picMkLst>
-        </pc:picChg>
-        <pc:picChg chg="add del mod topLvl">
-          <ac:chgData name="Fernando C Correa" userId="a08d7f3c16d54179" providerId="LiveId" clId="{DAECEB32-C126-44A1-B729-3AADB1682972}" dt="2020-06-17T02:29:22.372" v="1726" actId="478"/>
-          <ac:picMkLst>
-            <pc:docMk/>
-            <pc:sldMk cId="1001627628" sldId="290"/>
-            <ac:picMk id="6" creationId="{86E18F85-66AB-4286-98CE-080A6189E506}"/>
-          </ac:picMkLst>
-        </pc:picChg>
-        <pc:picChg chg="add del mod topLvl">
-          <ac:chgData name="Fernando C Correa" userId="a08d7f3c16d54179" providerId="LiveId" clId="{DAECEB32-C126-44A1-B729-3AADB1682972}" dt="2020-06-17T02:29:23.430" v="1728" actId="478"/>
-          <ac:picMkLst>
-            <pc:docMk/>
-            <pc:sldMk cId="1001627628" sldId="290"/>
-            <ac:picMk id="7" creationId="{639E2F4F-9550-4925-80F7-305D25DF9580}"/>
-          </ac:picMkLst>
-        </pc:picChg>
-        <pc:picChg chg="add del mod topLvl">
-          <ac:chgData name="Fernando C Correa" userId="a08d7f3c16d54179" providerId="LiveId" clId="{DAECEB32-C126-44A1-B729-3AADB1682972}" dt="2020-06-17T02:29:23.034" v="1727" actId="478"/>
-          <ac:picMkLst>
-            <pc:docMk/>
-            <pc:sldMk cId="1001627628" sldId="290"/>
-            <ac:picMk id="15" creationId="{E3972336-02C1-47CD-97B1-80ABC70FA9B7}"/>
-          </ac:picMkLst>
-        </pc:picChg>
-        <pc:picChg chg="add del mod">
-          <ac:chgData name="Fernando C Correa" userId="a08d7f3c16d54179" providerId="LiveId" clId="{DAECEB32-C126-44A1-B729-3AADB1682972}" dt="2020-06-16T20:49:11.465" v="104" actId="478"/>
-          <ac:picMkLst>
-            <pc:docMk/>
-            <pc:sldMk cId="1001627628" sldId="290"/>
-            <ac:picMk id="16" creationId="{20781BF0-8212-4D1A-9E98-63B0F1909496}"/>
-          </ac:picMkLst>
-        </pc:picChg>
-        <pc:picChg chg="add del mod">
-          <ac:chgData name="Fernando C Correa" userId="a08d7f3c16d54179" providerId="LiveId" clId="{DAECEB32-C126-44A1-B729-3AADB1682972}" dt="2020-06-16T20:50:41.242" v="120" actId="478"/>
-          <ac:picMkLst>
-            <pc:docMk/>
-            <pc:sldMk cId="1001627628" sldId="290"/>
-            <ac:picMk id="17" creationId="{040851DC-21ED-45C7-8F74-D947F2610DF4}"/>
-          </ac:picMkLst>
-        </pc:picChg>
-        <pc:picChg chg="del topLvl">
-          <ac:chgData name="Fernando C Correa" userId="a08d7f3c16d54179" providerId="LiveId" clId="{DAECEB32-C126-44A1-B729-3AADB1682972}" dt="2020-06-16T20:51:12.389" v="127" actId="478"/>
-          <ac:picMkLst>
-            <pc:docMk/>
-            <pc:sldMk cId="1001627628" sldId="290"/>
-            <ac:picMk id="18" creationId="{E06E4486-40EB-49C0-BDD4-6308F01F4996}"/>
-          </ac:picMkLst>
-        </pc:picChg>
-        <pc:picChg chg="add mod">
-          <ac:chgData name="Fernando C Correa" userId="a08d7f3c16d54179" providerId="LiveId" clId="{DAECEB32-C126-44A1-B729-3AADB1682972}" dt="2020-06-17T02:29:34.883" v="1730" actId="164"/>
-          <ac:picMkLst>
-            <pc:docMk/>
-            <pc:sldMk cId="1001627628" sldId="290"/>
-            <ac:picMk id="22" creationId="{8D54C705-47F9-4144-8360-13503B9AABC4}"/>
-          </ac:picMkLst>
-        </pc:picChg>
-        <pc:picChg chg="add mod">
-          <ac:chgData name="Fernando C Correa" userId="a08d7f3c16d54179" providerId="LiveId" clId="{DAECEB32-C126-44A1-B729-3AADB1682972}" dt="2020-06-17T02:29:34.883" v="1730" actId="164"/>
-          <ac:picMkLst>
-            <pc:docMk/>
-            <pc:sldMk cId="1001627628" sldId="290"/>
-            <ac:picMk id="23" creationId="{5A516734-AEA0-4764-B0B6-A4E4D46DFBF7}"/>
-          </ac:picMkLst>
-        </pc:picChg>
-        <pc:picChg chg="add mod">
-          <ac:chgData name="Fernando C Correa" userId="a08d7f3c16d54179" providerId="LiveId" clId="{DAECEB32-C126-44A1-B729-3AADB1682972}" dt="2020-06-17T02:29:34.883" v="1730" actId="164"/>
-          <ac:picMkLst>
-            <pc:docMk/>
-            <pc:sldMk cId="1001627628" sldId="290"/>
-            <ac:picMk id="24" creationId="{D36C2A91-41AB-42D7-B966-BD1F43686DCE}"/>
-          </ac:picMkLst>
-        </pc:picChg>
-        <pc:picChg chg="add mod">
-          <ac:chgData name="Fernando C Correa" userId="a08d7f3c16d54179" providerId="LiveId" clId="{DAECEB32-C126-44A1-B729-3AADB1682972}" dt="2020-06-17T02:29:34.883" v="1730" actId="164"/>
-          <ac:picMkLst>
-            <pc:docMk/>
-            <pc:sldMk cId="1001627628" sldId="290"/>
-            <ac:picMk id="25" creationId="{092F571E-673D-4044-9922-F99EF299C1E8}"/>
-          </ac:picMkLst>
-        </pc:picChg>
-      </pc:sldChg>
-      <pc:sldChg chg="addSp delSp modSp del mod">
-        <pc:chgData name="Fernando C Correa" userId="a08d7f3c16d54179" providerId="LiveId" clId="{DAECEB32-C126-44A1-B729-3AADB1682972}" dt="2020-06-17T01:02:48.552" v="892" actId="47"/>
-        <pc:sldMkLst>
-          <pc:docMk/>
-          <pc:sldMk cId="1034810671" sldId="291"/>
-        </pc:sldMkLst>
-        <pc:picChg chg="add mod">
-          <ac:chgData name="Fernando C Correa" userId="a08d7f3c16d54179" providerId="LiveId" clId="{DAECEB32-C126-44A1-B729-3AADB1682972}" dt="2020-06-16T20:15:12.102" v="77" actId="1076"/>
-          <ac:picMkLst>
-            <pc:docMk/>
-            <pc:sldMk cId="1034810671" sldId="291"/>
-            <ac:picMk id="4" creationId="{1BED938E-3B90-421B-BA22-8FB3C8FFB03D}"/>
-          </ac:picMkLst>
-        </pc:picChg>
-        <pc:picChg chg="del">
-          <ac:chgData name="Fernando C Correa" userId="a08d7f3c16d54179" providerId="LiveId" clId="{DAECEB32-C126-44A1-B729-3AADB1682972}" dt="2020-06-16T20:14:54.021" v="73" actId="478"/>
-          <ac:picMkLst>
-            <pc:docMk/>
-            <pc:sldMk cId="1034810671" sldId="291"/>
-            <ac:picMk id="8" creationId="{3968D855-CD48-4E97-8B57-CF08A2ABD60F}"/>
-          </ac:picMkLst>
-        </pc:picChg>
-      </pc:sldChg>
-      <pc:sldChg chg="addSp delSp modSp mod ord modAnim">
-        <pc:chgData name="Fernando C Correa" userId="a08d7f3c16d54179" providerId="LiveId" clId="{DAECEB32-C126-44A1-B729-3AADB1682972}" dt="2020-06-18T22:39:42.892" v="2138"/>
-        <pc:sldMkLst>
-          <pc:docMk/>
-          <pc:sldMk cId="1133719789" sldId="292"/>
-        </pc:sldMkLst>
-        <pc:spChg chg="mod">
-          <ac:chgData name="Fernando C Correa" userId="a08d7f3c16d54179" providerId="LiveId" clId="{DAECEB32-C126-44A1-B729-3AADB1682972}" dt="2020-06-17T01:49:48.265" v="1339" actId="20577"/>
-          <ac:spMkLst>
-            <pc:docMk/>
-            <pc:sldMk cId="1133719789" sldId="292"/>
-            <ac:spMk id="2" creationId="{00000000-0000-0000-0000-000000000000}"/>
-          </ac:spMkLst>
-        </pc:spChg>
-        <pc:spChg chg="add del mod">
-          <ac:chgData name="Fernando C Correa" userId="a08d7f3c16d54179" providerId="LiveId" clId="{DAECEB32-C126-44A1-B729-3AADB1682972}" dt="2020-06-17T01:44:03.929" v="1273" actId="478"/>
-          <ac:spMkLst>
-            <pc:docMk/>
-            <pc:sldMk cId="1133719789" sldId="292"/>
-            <ac:spMk id="8" creationId="{100D0501-C208-4D52-BB83-B46B58A14494}"/>
-          </ac:spMkLst>
-        </pc:spChg>
-        <pc:spChg chg="add del mod">
-          <ac:chgData name="Fernando C Correa" userId="a08d7f3c16d54179" providerId="LiveId" clId="{DAECEB32-C126-44A1-B729-3AADB1682972}" dt="2020-06-17T01:44:02.352" v="1272" actId="478"/>
-          <ac:spMkLst>
-            <pc:docMk/>
-            <pc:sldMk cId="1133719789" sldId="292"/>
-            <ac:spMk id="11" creationId="{1FB947FA-E56F-405D-8DE0-4B99C927F88B}"/>
-          </ac:spMkLst>
-        </pc:spChg>
-        <pc:spChg chg="add del mod">
-          <ac:chgData name="Fernando C Correa" userId="a08d7f3c16d54179" providerId="LiveId" clId="{DAECEB32-C126-44A1-B729-3AADB1682972}" dt="2020-06-17T01:55:16.131" v="1421" actId="478"/>
-          <ac:spMkLst>
-            <pc:docMk/>
-            <pc:sldMk cId="1133719789" sldId="292"/>
-            <ac:spMk id="15" creationId="{50862E59-0086-484E-A27F-F905223CB386}"/>
-          </ac:spMkLst>
-        </pc:spChg>
-        <pc:spChg chg="add del mod">
-          <ac:chgData name="Fernando C Correa" userId="a08d7f3c16d54179" providerId="LiveId" clId="{DAECEB32-C126-44A1-B729-3AADB1682972}" dt="2020-06-17T01:55:16.131" v="1421" actId="478"/>
-          <ac:spMkLst>
-            <pc:docMk/>
-            <pc:sldMk cId="1133719789" sldId="292"/>
-            <ac:spMk id="16" creationId="{8546C8D4-D84C-48A5-947E-91047C3D05E2}"/>
-          </ac:spMkLst>
-        </pc:spChg>
-        <pc:spChg chg="add del mod">
-          <ac:chgData name="Fernando C Correa" userId="a08d7f3c16d54179" providerId="LiveId" clId="{DAECEB32-C126-44A1-B729-3AADB1682972}" dt="2020-06-17T01:55:16.131" v="1421" actId="478"/>
-          <ac:spMkLst>
-            <pc:docMk/>
-            <pc:sldMk cId="1133719789" sldId="292"/>
-            <ac:spMk id="17" creationId="{73A57A06-BDA0-4028-8162-698A21C1C005}"/>
-          </ac:spMkLst>
-        </pc:spChg>
-        <pc:spChg chg="add del mod">
-          <ac:chgData name="Fernando C Correa" userId="a08d7f3c16d54179" providerId="LiveId" clId="{DAECEB32-C126-44A1-B729-3AADB1682972}" dt="2020-06-17T01:55:16.131" v="1421" actId="478"/>
-          <ac:spMkLst>
-            <pc:docMk/>
-            <pc:sldMk cId="1133719789" sldId="292"/>
-            <ac:spMk id="18" creationId="{BF6C8972-DEAF-42C3-8508-D54305EC0DFD}"/>
-          </ac:spMkLst>
-        </pc:spChg>
-        <pc:spChg chg="add del mod">
-          <ac:chgData name="Fernando C Correa" userId="a08d7f3c16d54179" providerId="LiveId" clId="{DAECEB32-C126-44A1-B729-3AADB1682972}" dt="2020-06-17T01:55:16.131" v="1421" actId="478"/>
-          <ac:spMkLst>
-            <pc:docMk/>
-            <pc:sldMk cId="1133719789" sldId="292"/>
-            <ac:spMk id="19" creationId="{AFC76C44-5525-412A-816B-37810D290FE1}"/>
-          </ac:spMkLst>
-        </pc:spChg>
-        <pc:spChg chg="add del mod">
-          <ac:chgData name="Fernando C Correa" userId="a08d7f3c16d54179" providerId="LiveId" clId="{DAECEB32-C126-44A1-B729-3AADB1682972}" dt="2020-06-17T01:56:15.226" v="1435" actId="478"/>
-          <ac:spMkLst>
-            <pc:docMk/>
-            <pc:sldMk cId="1133719789" sldId="292"/>
-            <ac:spMk id="20" creationId="{1876AF6B-8771-40DE-8BF7-81BE0607CF31}"/>
-          </ac:spMkLst>
-        </pc:spChg>
-        <pc:spChg chg="add del mod">
-          <ac:chgData name="Fernando C Correa" userId="a08d7f3c16d54179" providerId="LiveId" clId="{DAECEB32-C126-44A1-B729-3AADB1682972}" dt="2020-06-17T02:31:50.431" v="1753" actId="478"/>
-          <ac:spMkLst>
-            <pc:docMk/>
-            <pc:sldMk cId="1133719789" sldId="292"/>
-            <ac:spMk id="21" creationId="{6EFC9E13-B947-42F3-8559-58B8161D1524}"/>
-          </ac:spMkLst>
-        </pc:spChg>
-        <pc:spChg chg="add del mod">
-          <ac:chgData name="Fernando C Correa" userId="a08d7f3c16d54179" providerId="LiveId" clId="{DAECEB32-C126-44A1-B729-3AADB1682972}" dt="2020-06-17T02:31:50.431" v="1753" actId="478"/>
-          <ac:spMkLst>
-            <pc:docMk/>
-            <pc:sldMk cId="1133719789" sldId="292"/>
-            <ac:spMk id="22" creationId="{EFFA5066-FBB3-414A-A52E-C81A93761281}"/>
-          </ac:spMkLst>
-        </pc:spChg>
-        <pc:spChg chg="add del mod">
-          <ac:chgData name="Fernando C Correa" userId="a08d7f3c16d54179" providerId="LiveId" clId="{DAECEB32-C126-44A1-B729-3AADB1682972}" dt="2020-06-17T02:31:50.431" v="1753" actId="478"/>
-          <ac:spMkLst>
-            <pc:docMk/>
-            <pc:sldMk cId="1133719789" sldId="292"/>
-            <ac:spMk id="23" creationId="{EE9FF0B2-227B-4C64-BE5D-15D40D11178F}"/>
-          </ac:spMkLst>
-        </pc:spChg>
-        <pc:spChg chg="add del mod">
-          <ac:chgData name="Fernando C Correa" userId="a08d7f3c16d54179" providerId="LiveId" clId="{DAECEB32-C126-44A1-B729-3AADB1682972}" dt="2020-06-17T02:31:50.431" v="1753" actId="478"/>
-          <ac:spMkLst>
-            <pc:docMk/>
-            <pc:sldMk cId="1133719789" sldId="292"/>
-            <ac:spMk id="24" creationId="{893C28A0-AA48-4E7C-808E-AA077E296288}"/>
-          </ac:spMkLst>
-        </pc:spChg>
-        <pc:spChg chg="add del mod">
-          <ac:chgData name="Fernando C Correa" userId="a08d7f3c16d54179" providerId="LiveId" clId="{DAECEB32-C126-44A1-B729-3AADB1682972}" dt="2020-06-17T02:41:01.220" v="1904" actId="478"/>
-          <ac:spMkLst>
-            <pc:docMk/>
-            <pc:sldMk cId="1133719789" sldId="292"/>
-            <ac:spMk id="25" creationId="{5C37E21A-99CB-45C8-956C-1E5511212340}"/>
-          </ac:spMkLst>
-        </pc:spChg>
-        <pc:spChg chg="add del mod">
-          <ac:chgData name="Fernando C Correa" userId="a08d7f3c16d54179" providerId="LiveId" clId="{DAECEB32-C126-44A1-B729-3AADB1682972}" dt="2020-06-17T02:41:02.234" v="1905" actId="478"/>
-          <ac:spMkLst>
-            <pc:docMk/>
-            <pc:sldMk cId="1133719789" sldId="292"/>
-            <ac:spMk id="26" creationId="{1DAF1F2A-44B2-4A58-BAEC-E89D274D2CA7}"/>
-          </ac:spMkLst>
-        </pc:spChg>
-        <pc:spChg chg="add del mod">
-          <ac:chgData name="Fernando C Correa" userId="a08d7f3c16d54179" providerId="LiveId" clId="{DAECEB32-C126-44A1-B729-3AADB1682972}" dt="2020-06-17T02:41:03.214" v="1906" actId="478"/>
-          <ac:spMkLst>
-            <pc:docMk/>
-            <pc:sldMk cId="1133719789" sldId="292"/>
-            <ac:spMk id="27" creationId="{95C6FE59-418B-4261-BD26-EBEAE75B9167}"/>
-          </ac:spMkLst>
-        </pc:spChg>
-        <pc:spChg chg="add del mod">
-          <ac:chgData name="Fernando C Correa" userId="a08d7f3c16d54179" providerId="LiveId" clId="{DAECEB32-C126-44A1-B729-3AADB1682972}" dt="2020-06-17T02:41:05.470" v="1907" actId="478"/>
-          <ac:spMkLst>
-            <pc:docMk/>
-            <pc:sldMk cId="1133719789" sldId="292"/>
-            <ac:spMk id="28" creationId="{051E44C7-2E46-4AE6-B2D3-B3A74AAB0BE3}"/>
-          </ac:spMkLst>
-        </pc:spChg>
-        <pc:spChg chg="add mod">
-          <ac:chgData name="Fernando C Correa" userId="a08d7f3c16d54179" providerId="LiveId" clId="{DAECEB32-C126-44A1-B729-3AADB1682972}" dt="2020-06-17T02:41:06.395" v="1908"/>
-          <ac:spMkLst>
-            <pc:docMk/>
-            <pc:sldMk cId="1133719789" sldId="292"/>
-            <ac:spMk id="29" creationId="{A1657144-AF5E-408F-9E61-BD940D345385}"/>
-          </ac:spMkLst>
-        </pc:spChg>
-        <pc:spChg chg="add mod">
-          <ac:chgData name="Fernando C Correa" userId="a08d7f3c16d54179" providerId="LiveId" clId="{DAECEB32-C126-44A1-B729-3AADB1682972}" dt="2020-06-17T02:42:19.724" v="1937" actId="14861"/>
-          <ac:spMkLst>
-            <pc:docMk/>
-            <pc:sldMk cId="1133719789" sldId="292"/>
-            <ac:spMk id="30" creationId="{050664DE-319C-4C8E-B8DF-C970A34688B9}"/>
-          </ac:spMkLst>
-        </pc:spChg>
-        <pc:spChg chg="add mod">
-          <ac:chgData name="Fernando C Correa" userId="a08d7f3c16d54179" providerId="LiveId" clId="{DAECEB32-C126-44A1-B729-3AADB1682972}" dt="2020-06-17T02:43:38.305" v="1946" actId="1035"/>
-          <ac:spMkLst>
-            <pc:docMk/>
-            <pc:sldMk cId="1133719789" sldId="292"/>
-            <ac:spMk id="31" creationId="{76319E44-84CF-41F9-8A19-12D147AA52B8}"/>
-          </ac:spMkLst>
-        </pc:spChg>
-        <pc:spChg chg="add mod">
-          <ac:chgData name="Fernando C Correa" userId="a08d7f3c16d54179" providerId="LiveId" clId="{DAECEB32-C126-44A1-B729-3AADB1682972}" dt="2020-06-17T02:41:06.395" v="1908"/>
-          <ac:spMkLst>
-            <pc:docMk/>
-            <pc:sldMk cId="1133719789" sldId="292"/>
-            <ac:spMk id="32" creationId="{1B683343-351F-4A9A-A7FA-3CDF6D0F1804}"/>
-          </ac:spMkLst>
-        </pc:spChg>
-        <pc:spChg chg="add mod">
-          <ac:chgData name="Fernando C Correa" userId="a08d7f3c16d54179" providerId="LiveId" clId="{DAECEB32-C126-44A1-B729-3AADB1682972}" dt="2020-06-17T02:41:06.395" v="1908"/>
-          <ac:spMkLst>
-            <pc:docMk/>
-            <pc:sldMk cId="1133719789" sldId="292"/>
-            <ac:spMk id="33" creationId="{7A61C4D9-9EF7-4FA7-96B3-518920507396}"/>
-          </ac:spMkLst>
-        </pc:spChg>
-        <pc:spChg chg="add mod">
-          <ac:chgData name="Fernando C Correa" userId="a08d7f3c16d54179" providerId="LiveId" clId="{DAECEB32-C126-44A1-B729-3AADB1682972}" dt="2020-06-17T02:41:06.395" v="1908"/>
-          <ac:spMkLst>
-            <pc:docMk/>
-            <pc:sldMk cId="1133719789" sldId="292"/>
-            <ac:spMk id="34" creationId="{5E51E72A-94AB-4D54-9578-8E482782613D}"/>
-          </ac:spMkLst>
-        </pc:spChg>
-        <pc:picChg chg="mod">
-          <ac:chgData name="Fernando C Correa" userId="a08d7f3c16d54179" providerId="LiveId" clId="{DAECEB32-C126-44A1-B729-3AADB1682972}" dt="2020-06-17T02:35:25.486" v="1826" actId="1076"/>
-          <ac:picMkLst>
-            <pc:docMk/>
-            <pc:sldMk cId="1133719789" sldId="292"/>
-            <ac:picMk id="9" creationId="{1F8FFC06-1BCE-4133-BFC4-47909DC42705}"/>
-          </ac:picMkLst>
-        </pc:picChg>
-      </pc:sldChg>
-      <pc:sldChg chg="addSp delSp modSp mod modAnim">
-        <pc:chgData name="Fernando C Correa" userId="a08d7f3c16d54179" providerId="LiveId" clId="{DAECEB32-C126-44A1-B729-3AADB1682972}" dt="2020-06-18T22:39:49.404" v="2140"/>
-        <pc:sldMkLst>
-          <pc:docMk/>
-          <pc:sldMk cId="3697814180" sldId="294"/>
-        </pc:sldMkLst>
-        <pc:spChg chg="mod">
-          <ac:chgData name="Fernando C Correa" userId="a08d7f3c16d54179" providerId="LiveId" clId="{DAECEB32-C126-44A1-B729-3AADB1682972}" dt="2020-06-17T02:34:01.009" v="1770"/>
-          <ac:spMkLst>
-            <pc:docMk/>
-            <pc:sldMk cId="3697814180" sldId="294"/>
-            <ac:spMk id="2" creationId="{00000000-0000-0000-0000-000000000000}"/>
-          </ac:spMkLst>
-        </pc:spChg>
-        <pc:spChg chg="add mod">
-          <ac:chgData name="Fernando C Correa" userId="a08d7f3c16d54179" providerId="LiveId" clId="{DAECEB32-C126-44A1-B729-3AADB1682972}" dt="2020-06-17T02:41:14.551" v="1914"/>
-          <ac:spMkLst>
-            <pc:docMk/>
-            <pc:sldMk cId="3697814180" sldId="294"/>
-            <ac:spMk id="11" creationId="{8EDF2009-2F02-48C7-BDA7-12762DFBACAD}"/>
-          </ac:spMkLst>
-        </pc:spChg>
-        <pc:spChg chg="add mod">
-          <ac:chgData name="Fernando C Correa" userId="a08d7f3c16d54179" providerId="LiveId" clId="{DAECEB32-C126-44A1-B729-3AADB1682972}" dt="2020-06-17T02:41:42.753" v="1923" actId="14861"/>
-          <ac:spMkLst>
-            <pc:docMk/>
-            <pc:sldMk cId="3697814180" sldId="294"/>
-            <ac:spMk id="15" creationId="{09C80A9F-46E9-4D57-BC1B-12B5ACE33AC8}"/>
-          </ac:spMkLst>
-        </pc:spChg>
-        <pc:spChg chg="add mod">
-          <ac:chgData name="Fernando C Correa" userId="a08d7f3c16d54179" providerId="LiveId" clId="{DAECEB32-C126-44A1-B729-3AADB1682972}" dt="2020-06-17T02:41:14.551" v="1914"/>
-          <ac:spMkLst>
-            <pc:docMk/>
-            <pc:sldMk cId="3697814180" sldId="294"/>
-            <ac:spMk id="16" creationId="{5A45E2C7-6875-4531-89AC-DFCCC35DF660}"/>
-          </ac:spMkLst>
-        </pc:spChg>
-        <pc:spChg chg="add mod">
-          <ac:chgData name="Fernando C Correa" userId="a08d7f3c16d54179" providerId="LiveId" clId="{DAECEB32-C126-44A1-B729-3AADB1682972}" dt="2020-06-17T02:41:14.551" v="1914"/>
-          <ac:spMkLst>
-            <pc:docMk/>
-            <pc:sldMk cId="3697814180" sldId="294"/>
-            <ac:spMk id="17" creationId="{901B5BC6-D638-4BE0-B37B-1A203C864D2E}"/>
-          </ac:spMkLst>
-        </pc:spChg>
-        <pc:spChg chg="add mod">
-          <ac:chgData name="Fernando C Correa" userId="a08d7f3c16d54179" providerId="LiveId" clId="{DAECEB32-C126-44A1-B729-3AADB1682972}" dt="2020-06-17T15:51:28.331" v="2097" actId="1035"/>
-          <ac:spMkLst>
-            <pc:docMk/>
-            <pc:sldMk cId="3697814180" sldId="294"/>
-            <ac:spMk id="18" creationId="{28727A08-76AD-4CC1-81E1-A9E265979E09}"/>
-          </ac:spMkLst>
-        </pc:spChg>
-        <pc:spChg chg="add mod">
-          <ac:chgData name="Fernando C Correa" userId="a08d7f3c16d54179" providerId="LiveId" clId="{DAECEB32-C126-44A1-B729-3AADB1682972}" dt="2020-06-17T02:41:14.551" v="1914"/>
-          <ac:spMkLst>
-            <pc:docMk/>
-            <pc:sldMk cId="3697814180" sldId="294"/>
-            <ac:spMk id="19" creationId="{780807C2-BAF7-460E-A962-492C349F6F41}"/>
-          </ac:spMkLst>
-        </pc:spChg>
-        <pc:picChg chg="add mod">
-          <ac:chgData name="Fernando C Correa" userId="a08d7f3c16d54179" providerId="LiveId" clId="{DAECEB32-C126-44A1-B729-3AADB1682972}" dt="2020-06-17T02:35:35.789" v="1828" actId="1076"/>
-          <ac:picMkLst>
-            <pc:docMk/>
-            <pc:sldMk cId="3697814180" sldId="294"/>
-            <ac:picMk id="4" creationId="{21FC4F3E-E211-47D7-8ACC-E0A2CA159B1A}"/>
-          </ac:picMkLst>
-        </pc:picChg>
-        <pc:picChg chg="del mod">
-          <ac:chgData name="Fernando C Correa" userId="a08d7f3c16d54179" providerId="LiveId" clId="{DAECEB32-C126-44A1-B729-3AADB1682972}" dt="2020-06-17T00:37:45.756" v="760" actId="478"/>
-          <ac:picMkLst>
-            <pc:docMk/>
-            <pc:sldMk cId="3697814180" sldId="294"/>
-            <ac:picMk id="8" creationId="{F57F7578-876D-417C-8950-659CF2829DCC}"/>
-          </ac:picMkLst>
-        </pc:picChg>
-      </pc:sldChg>
-      <pc:sldChg chg="addSp delSp modSp mod modAnim">
-        <pc:chgData name="Fernando C Correa" userId="a08d7f3c16d54179" providerId="LiveId" clId="{DAECEB32-C126-44A1-B729-3AADB1682972}" dt="2020-06-18T22:39:45.765" v="2139"/>
-        <pc:sldMkLst>
-          <pc:docMk/>
-          <pc:sldMk cId="244390866" sldId="295"/>
-        </pc:sldMkLst>
-        <pc:spChg chg="mod">
-          <ac:chgData name="Fernando C Correa" userId="a08d7f3c16d54179" providerId="LiveId" clId="{DAECEB32-C126-44A1-B729-3AADB1682972}" dt="2020-06-17T01:49:52.169" v="1352" actId="20577"/>
-          <ac:spMkLst>
-            <pc:docMk/>
-            <pc:sldMk cId="244390866" sldId="295"/>
-            <ac:spMk id="2" creationId="{00000000-0000-0000-0000-000000000000}"/>
-          </ac:spMkLst>
-        </pc:spChg>
-        <pc:spChg chg="add del mod">
-          <ac:chgData name="Fernando C Correa" userId="a08d7f3c16d54179" providerId="LiveId" clId="{DAECEB32-C126-44A1-B729-3AADB1682972}" dt="2020-06-17T01:44:12.983" v="1296" actId="478"/>
-          <ac:spMkLst>
-            <pc:docMk/>
-            <pc:sldMk cId="244390866" sldId="295"/>
-            <ac:spMk id="15" creationId="{70D321B4-DD15-44BF-A39D-2BDBDAF4905E}"/>
-          </ac:spMkLst>
-        </pc:spChg>
-        <pc:spChg chg="add del mod">
-          <ac:chgData name="Fernando C Correa" userId="a08d7f3c16d54179" providerId="LiveId" clId="{DAECEB32-C126-44A1-B729-3AADB1682972}" dt="2020-06-17T01:44:12.983" v="1296" actId="478"/>
-          <ac:spMkLst>
-            <pc:docMk/>
-            <pc:sldMk cId="244390866" sldId="295"/>
-            <ac:spMk id="16" creationId="{1C108D5C-3A5E-4C73-90AC-E2101F00C505}"/>
-          </ac:spMkLst>
-        </pc:spChg>
-        <pc:spChg chg="add del mod">
-          <ac:chgData name="Fernando C Correa" userId="a08d7f3c16d54179" providerId="LiveId" clId="{DAECEB32-C126-44A1-B729-3AADB1682972}" dt="2020-06-17T01:55:18.773" v="1423" actId="478"/>
-          <ac:spMkLst>
-            <pc:docMk/>
-            <pc:sldMk cId="244390866" sldId="295"/>
-            <ac:spMk id="17" creationId="{707431A0-847E-41C2-AB78-3E392D9B4000}"/>
-          </ac:spMkLst>
-        </pc:spChg>
-        <pc:spChg chg="add del mod">
-          <ac:chgData name="Fernando C Correa" userId="a08d7f3c16d54179" providerId="LiveId" clId="{DAECEB32-C126-44A1-B729-3AADB1682972}" dt="2020-06-17T01:55:18.773" v="1423" actId="478"/>
-          <ac:spMkLst>
-            <pc:docMk/>
-            <pc:sldMk cId="244390866" sldId="295"/>
-            <ac:spMk id="18" creationId="{A26D93EB-807A-4DCC-A4E7-7F86FCA8E558}"/>
-          </ac:spMkLst>
-        </pc:spChg>
-        <pc:spChg chg="add del mod">
-          <ac:chgData name="Fernando C Correa" userId="a08d7f3c16d54179" providerId="LiveId" clId="{DAECEB32-C126-44A1-B729-3AADB1682972}" dt="2020-06-17T01:55:18.773" v="1423" actId="478"/>
-          <ac:spMkLst>
-            <pc:docMk/>
-            <pc:sldMk cId="244390866" sldId="295"/>
-            <ac:spMk id="19" creationId="{DD0828F4-8D8B-40CA-96F0-C63275AC5D34}"/>
-          </ac:spMkLst>
-        </pc:spChg>
-        <pc:spChg chg="add del mod">
-          <ac:chgData name="Fernando C Correa" userId="a08d7f3c16d54179" providerId="LiveId" clId="{DAECEB32-C126-44A1-B729-3AADB1682972}" dt="2020-06-17T01:55:18.773" v="1423" actId="478"/>
-          <ac:spMkLst>
-            <pc:docMk/>
-            <pc:sldMk cId="244390866" sldId="295"/>
-            <ac:spMk id="20" creationId="{0EFA3667-3B3F-4A48-8B3A-D37DD984E665}"/>
-          </ac:spMkLst>
-        </pc:spChg>
-        <pc:spChg chg="add del mod">
-          <ac:chgData name="Fernando C Correa" userId="a08d7f3c16d54179" providerId="LiveId" clId="{DAECEB32-C126-44A1-B729-3AADB1682972}" dt="2020-06-17T01:55:18.773" v="1423" actId="478"/>
-          <ac:spMkLst>
-            <pc:docMk/>
-            <pc:sldMk cId="244390866" sldId="295"/>
-            <ac:spMk id="21" creationId="{00CCE6D4-733D-4217-A027-5F2EC497C697}"/>
-          </ac:spMkLst>
-        </pc:spChg>
-        <pc:spChg chg="add del mod">
-          <ac:chgData name="Fernando C Correa" userId="a08d7f3c16d54179" providerId="LiveId" clId="{DAECEB32-C126-44A1-B729-3AADB1682972}" dt="2020-06-17T01:55:24.466" v="1425" actId="478"/>
-          <ac:spMkLst>
-            <pc:docMk/>
-            <pc:sldMk cId="244390866" sldId="295"/>
-            <ac:spMk id="22" creationId="{5E86E159-B072-4751-B493-D514DEB68E84}"/>
-          </ac:spMkLst>
-        </pc:spChg>
-        <pc:spChg chg="add del mod">
-          <ac:chgData name="Fernando C Correa" userId="a08d7f3c16d54179" providerId="LiveId" clId="{DAECEB32-C126-44A1-B729-3AADB1682972}" dt="2020-06-17T02:31:45.503" v="1752" actId="478"/>
-          <ac:spMkLst>
-            <pc:docMk/>
-            <pc:sldMk cId="244390866" sldId="295"/>
-            <ac:spMk id="23" creationId="{51EA033F-DC27-469C-A87E-F289087CCF2D}"/>
-          </ac:spMkLst>
-        </pc:spChg>
-        <pc:spChg chg="add del mod">
-          <ac:chgData name="Fernando C Correa" userId="a08d7f3c16d54179" providerId="LiveId" clId="{DAECEB32-C126-44A1-B729-3AADB1682972}" dt="2020-06-17T02:31:45.503" v="1752" actId="478"/>
-          <ac:spMkLst>
-            <pc:docMk/>
-            <pc:sldMk cId="244390866" sldId="295"/>
-            <ac:spMk id="24" creationId="{80E36AE2-0903-49A2-962B-BDFBAAAD9054}"/>
-          </ac:spMkLst>
-        </pc:spChg>
-        <pc:spChg chg="add del mod">
-          <ac:chgData name="Fernando C Correa" userId="a08d7f3c16d54179" providerId="LiveId" clId="{DAECEB32-C126-44A1-B729-3AADB1682972}" dt="2020-06-17T02:31:45.503" v="1752" actId="478"/>
-          <ac:spMkLst>
-            <pc:docMk/>
-            <pc:sldMk cId="244390866" sldId="295"/>
-            <ac:spMk id="25" creationId="{A0F7CDE4-CA4A-4670-B2DB-68DAD25BF45C}"/>
-          </ac:spMkLst>
-        </pc:spChg>
-        <pc:spChg chg="add del mod">
-          <ac:chgData name="Fernando C Correa" userId="a08d7f3c16d54179" providerId="LiveId" clId="{DAECEB32-C126-44A1-B729-3AADB1682972}" dt="2020-06-17T02:31:45.503" v="1752" actId="478"/>
-          <ac:spMkLst>
-            <pc:docMk/>
-            <pc:sldMk cId="244390866" sldId="295"/>
-            <ac:spMk id="26" creationId="{E61F3BF5-5141-4F12-A484-8F7765709D2B}"/>
-          </ac:spMkLst>
-        </pc:spChg>
-        <pc:spChg chg="add del mod">
-          <ac:chgData name="Fernando C Correa" userId="a08d7f3c16d54179" providerId="LiveId" clId="{DAECEB32-C126-44A1-B729-3AADB1682972}" dt="2020-06-17T02:41:08.987" v="1909" actId="478"/>
-          <ac:spMkLst>
-            <pc:docMk/>
-            <pc:sldMk cId="244390866" sldId="295"/>
-            <ac:spMk id="27" creationId="{2924F776-B2F4-43F3-B0B8-39EE2F0130D6}"/>
-          </ac:spMkLst>
-        </pc:spChg>
-        <pc:spChg chg="add del mod">
-          <ac:chgData name="Fernando C Correa" userId="a08d7f3c16d54179" providerId="LiveId" clId="{DAECEB32-C126-44A1-B729-3AADB1682972}" dt="2020-06-17T02:41:10.007" v="1910" actId="478"/>
-          <ac:spMkLst>
-            <pc:docMk/>
-            <pc:sldMk cId="244390866" sldId="295"/>
-            <ac:spMk id="28" creationId="{CA6D821E-ACBA-4143-961E-75E1FBBAD60A}"/>
-          </ac:spMkLst>
-        </pc:spChg>
-        <pc:spChg chg="add del mod">
-          <ac:chgData name="Fernando C Correa" userId="a08d7f3c16d54179" providerId="LiveId" clId="{DAECEB32-C126-44A1-B729-3AADB1682972}" dt="2020-06-17T02:41:10.586" v="1911" actId="478"/>
-          <ac:spMkLst>
-            <pc:docMk/>
-            <pc:sldMk cId="244390866" sldId="295"/>
-            <ac:spMk id="29" creationId="{FD8E68AD-9AF8-410D-8361-93980EF26B7F}"/>
-          </ac:spMkLst>
-        </pc:spChg>
-        <pc:spChg chg="add del mod">
-          <ac:chgData name="Fernando C Correa" userId="a08d7f3c16d54179" providerId="LiveId" clId="{DAECEB32-C126-44A1-B729-3AADB1682972}" dt="2020-06-17T02:41:11.183" v="1912" actId="478"/>
-          <ac:spMkLst>
-            <pc:docMk/>
-            <pc:sldMk cId="244390866" sldId="295"/>
-            <ac:spMk id="30" creationId="{E253C523-CBF3-4C51-990A-833754FDDBC6}"/>
-          </ac:spMkLst>
-        </pc:spChg>
-        <pc:spChg chg="add mod">
-          <ac:chgData name="Fernando C Correa" userId="a08d7f3c16d54179" providerId="LiveId" clId="{DAECEB32-C126-44A1-B729-3AADB1682972}" dt="2020-06-17T02:41:12.113" v="1913"/>
-          <ac:spMkLst>
-            <pc:docMk/>
-            <pc:sldMk cId="244390866" sldId="295"/>
-            <ac:spMk id="31" creationId="{D60C8166-18CD-4C69-AF27-80CD76588BF4}"/>
-          </ac:spMkLst>
-        </pc:spChg>
-        <pc:spChg chg="add mod">
-          <ac:chgData name="Fernando C Correa" userId="a08d7f3c16d54179" providerId="LiveId" clId="{DAECEB32-C126-44A1-B729-3AADB1682972}" dt="2020-06-17T02:41:57.683" v="1929" actId="1036"/>
-          <ac:spMkLst>
-            <pc:docMk/>
-            <pc:sldMk cId="244390866" sldId="295"/>
-            <ac:spMk id="32" creationId="{93397BB8-2445-4308-B20F-E71B9D0C130D}"/>
-          </ac:spMkLst>
-        </pc:spChg>
-        <pc:spChg chg="add mod">
-          <ac:chgData name="Fernando C Correa" userId="a08d7f3c16d54179" providerId="LiveId" clId="{DAECEB32-C126-44A1-B729-3AADB1682972}" dt="2020-06-17T02:41:12.113" v="1913"/>
-          <ac:spMkLst>
-            <pc:docMk/>
-            <pc:sldMk cId="244390866" sldId="295"/>
-            <ac:spMk id="33" creationId="{DDFB502B-FCC1-4F3A-8757-216A944D8BBE}"/>
-          </ac:spMkLst>
-        </pc:spChg>
-        <pc:spChg chg="add mod">
-          <ac:chgData name="Fernando C Correa" userId="a08d7f3c16d54179" providerId="LiveId" clId="{DAECEB32-C126-44A1-B729-3AADB1682972}" dt="2020-06-17T02:42:05.025" v="1932" actId="1035"/>
-          <ac:spMkLst>
-            <pc:docMk/>
-            <pc:sldMk cId="244390866" sldId="295"/>
-            <ac:spMk id="34" creationId="{007E6495-B930-4DD7-93E1-E74FF0F17F86}"/>
-          </ac:spMkLst>
-        </pc:spChg>
-        <pc:spChg chg="add mod">
-          <ac:chgData name="Fernando C Correa" userId="a08d7f3c16d54179" providerId="LiveId" clId="{DAECEB32-C126-44A1-B729-3AADB1682972}" dt="2020-06-17T02:41:12.113" v="1913"/>
-          <ac:spMkLst>
-            <pc:docMk/>
-            <pc:sldMk cId="244390866" sldId="295"/>
-            <ac:spMk id="35" creationId="{EA88C6C0-C770-43D9-A157-5771E6FCCF86}"/>
-          </ac:spMkLst>
-        </pc:spChg>
-        <pc:spChg chg="add mod">
-          <ac:chgData name="Fernando C Correa" userId="a08d7f3c16d54179" providerId="LiveId" clId="{DAECEB32-C126-44A1-B729-3AADB1682972}" dt="2020-06-17T02:41:12.113" v="1913"/>
-          <ac:spMkLst>
-            <pc:docMk/>
-            <pc:sldMk cId="244390866" sldId="295"/>
-            <ac:spMk id="36" creationId="{46625C5E-DFD4-4BC4-B341-FB7024ED34A0}"/>
-          </ac:spMkLst>
-        </pc:spChg>
-        <pc:picChg chg="add mod">
-          <ac:chgData name="Fernando C Correa" userId="a08d7f3c16d54179" providerId="LiveId" clId="{DAECEB32-C126-44A1-B729-3AADB1682972}" dt="2020-06-17T02:35:30.162" v="1827" actId="1076"/>
-          <ac:picMkLst>
-            <pc:docMk/>
-            <pc:sldMk cId="244390866" sldId="295"/>
-            <ac:picMk id="4" creationId="{FD2437F9-163B-4909-8EB6-FF66395CFCA8}"/>
-          </ac:picMkLst>
-        </pc:picChg>
-        <pc:picChg chg="del">
-          <ac:chgData name="Fernando C Correa" userId="a08d7f3c16d54179" providerId="LiveId" clId="{DAECEB32-C126-44A1-B729-3AADB1682972}" dt="2020-06-16T23:58:54.718" v="658" actId="478"/>
-          <ac:picMkLst>
-            <pc:docMk/>
-            <pc:sldMk cId="244390866" sldId="295"/>
-            <ac:picMk id="11" creationId="{5E5FFD33-0256-424A-8BC7-4179A52A21E0}"/>
-          </ac:picMkLst>
-        </pc:picChg>
-      </pc:sldChg>
-      <pc:sldChg chg="addSp delSp modSp mod ord delAnim modAnim">
-        <pc:chgData name="Fernando C Correa" userId="a08d7f3c16d54179" providerId="LiveId" clId="{DAECEB32-C126-44A1-B729-3AADB1682972}" dt="2020-06-18T22:39:31.583" v="2136"/>
-        <pc:sldMkLst>
-          <pc:docMk/>
-          <pc:sldMk cId="2602158399" sldId="296"/>
-        </pc:sldMkLst>
-        <pc:spChg chg="mod">
-          <ac:chgData name="Fernando C Correa" userId="a08d7f3c16d54179" providerId="LiveId" clId="{DAECEB32-C126-44A1-B729-3AADB1682972}" dt="2020-06-16T23:49:38.968" v="586" actId="20577"/>
-          <ac:spMkLst>
-            <pc:docMk/>
-            <pc:sldMk cId="2602158399" sldId="296"/>
-            <ac:spMk id="2" creationId="{00000000-0000-0000-0000-000000000000}"/>
-          </ac:spMkLst>
-        </pc:spChg>
-        <pc:spChg chg="add del mod topLvl">
-          <ac:chgData name="Fernando C Correa" userId="a08d7f3c16d54179" providerId="LiveId" clId="{DAECEB32-C126-44A1-B729-3AADB1682972}" dt="2020-06-17T01:25:29.691" v="1088" actId="478"/>
-          <ac:spMkLst>
-            <pc:docMk/>
-            <pc:sldMk cId="2602158399" sldId="296"/>
-            <ac:spMk id="3" creationId="{415B03D9-DB79-4EA4-8F71-81D4EAB861DF}"/>
-          </ac:spMkLst>
-        </pc:spChg>
-        <pc:spChg chg="add del mod">
-          <ac:chgData name="Fernando C Correa" userId="a08d7f3c16d54179" providerId="LiveId" clId="{DAECEB32-C126-44A1-B729-3AADB1682972}" dt="2020-06-17T01:53:13.912" v="1410" actId="478"/>
-          <ac:spMkLst>
-            <pc:docMk/>
-            <pc:sldMk cId="2602158399" sldId="296"/>
-            <ac:spMk id="7" creationId="{73FB2FD1-ECDB-477E-ACF4-9C001DC1DEC2}"/>
-          </ac:spMkLst>
-        </pc:spChg>
-        <pc:spChg chg="add del mod">
-          <ac:chgData name="Fernando C Correa" userId="a08d7f3c16d54179" providerId="LiveId" clId="{DAECEB32-C126-44A1-B729-3AADB1682972}" dt="2020-06-17T01:54:37.488" v="1416" actId="478"/>
-          <ac:spMkLst>
-            <pc:docMk/>
-            <pc:sldMk cId="2602158399" sldId="296"/>
-            <ac:spMk id="9" creationId="{DE5E99F9-37E0-41C9-A6C9-D7CD23F4BA11}"/>
-          </ac:spMkLst>
-        </pc:spChg>
-        <pc:spChg chg="add mod">
-          <ac:chgData name="Fernando C Correa" userId="a08d7f3c16d54179" providerId="LiveId" clId="{DAECEB32-C126-44A1-B729-3AADB1682972}" dt="2020-06-16T23:51:35.481" v="650" actId="164"/>
-          <ac:spMkLst>
-            <pc:docMk/>
-            <pc:sldMk cId="2602158399" sldId="296"/>
-            <ac:spMk id="11" creationId="{42AF36B1-0B69-4AA7-9D2F-A7F74B8B6360}"/>
-          </ac:spMkLst>
-        </pc:spChg>
-        <pc:spChg chg="add del mod">
-          <ac:chgData name="Fernando C Correa" userId="a08d7f3c16d54179" providerId="LiveId" clId="{DAECEB32-C126-44A1-B729-3AADB1682972}" dt="2020-06-17T01:24:17.306" v="1084" actId="478"/>
-          <ac:spMkLst>
-            <pc:docMk/>
-            <pc:sldMk cId="2602158399" sldId="296"/>
-            <ac:spMk id="15" creationId="{E9FF7445-76A3-4BA1-8B14-665F23D3A567}"/>
-          </ac:spMkLst>
-        </pc:spChg>
-        <pc:spChg chg="add mod ord">
-          <ac:chgData name="Fernando C Correa" userId="a08d7f3c16d54179" providerId="LiveId" clId="{DAECEB32-C126-44A1-B729-3AADB1682972}" dt="2020-06-17T02:40:29.529" v="1902" actId="1037"/>
-          <ac:spMkLst>
-            <pc:docMk/>
-            <pc:sldMk cId="2602158399" sldId="296"/>
-            <ac:spMk id="16" creationId="{B929AAFC-5FD1-4FBC-9997-0574514F2D6D}"/>
-          </ac:spMkLst>
-        </pc:spChg>
-        <pc:spChg chg="add mod">
-          <ac:chgData name="Fernando C Correa" userId="a08d7f3c16d54179" providerId="LiveId" clId="{DAECEB32-C126-44A1-B729-3AADB1682972}" dt="2020-06-17T02:38:37.810" v="1868" actId="1076"/>
-          <ac:spMkLst>
-            <pc:docMk/>
-            <pc:sldMk cId="2602158399" sldId="296"/>
-            <ac:spMk id="17" creationId="{F7374B40-D7D8-4146-9028-B7AE3FA19233}"/>
-          </ac:spMkLst>
-        </pc:spChg>
-        <pc:spChg chg="add mod">
-          <ac:chgData name="Fernando C Correa" userId="a08d7f3c16d54179" providerId="LiveId" clId="{DAECEB32-C126-44A1-B729-3AADB1682972}" dt="2020-06-17T02:38:37.810" v="1868" actId="1076"/>
-          <ac:spMkLst>
-            <pc:docMk/>
-            <pc:sldMk cId="2602158399" sldId="296"/>
-            <ac:spMk id="18" creationId="{0579A070-173E-4D8B-98FC-347B77DB9ADE}"/>
-          </ac:spMkLst>
-        </pc:spChg>
-        <pc:spChg chg="add mod">
-          <ac:chgData name="Fernando C Correa" userId="a08d7f3c16d54179" providerId="LiveId" clId="{DAECEB32-C126-44A1-B729-3AADB1682972}" dt="2020-06-17T02:38:37.810" v="1868" actId="1076"/>
-          <ac:spMkLst>
-            <pc:docMk/>
-            <pc:sldMk cId="2602158399" sldId="296"/>
-            <ac:spMk id="19" creationId="{D02F0A36-42C0-442F-B708-AE0077EDEF45}"/>
-          </ac:spMkLst>
-        </pc:spChg>
-        <pc:spChg chg="add del">
-          <ac:chgData name="Fernando C Correa" userId="a08d7f3c16d54179" providerId="LiveId" clId="{DAECEB32-C126-44A1-B729-3AADB1682972}" dt="2020-06-17T01:58:34.020" v="1456" actId="478"/>
-          <ac:spMkLst>
-            <pc:docMk/>
-            <pc:sldMk cId="2602158399" sldId="296"/>
-            <ac:spMk id="20" creationId="{14F4DDF6-A2C9-4848-851C-F5D45FBF2987}"/>
-          </ac:spMkLst>
-        </pc:spChg>
-        <pc:spChg chg="add ord">
-          <ac:chgData name="Fernando C Correa" userId="a08d7f3c16d54179" providerId="LiveId" clId="{DAECEB32-C126-44A1-B729-3AADB1682972}" dt="2020-06-17T01:58:47.952" v="1458" actId="167"/>
-          <ac:spMkLst>
-            <pc:docMk/>
-            <pc:sldMk cId="2602158399" sldId="296"/>
-            <ac:spMk id="21" creationId="{DEDAC65E-5A44-4D6B-8FD8-DE7536913038}"/>
-          </ac:spMkLst>
-        </pc:spChg>
-        <pc:spChg chg="add del mod">
-          <ac:chgData name="Fernando C Correa" userId="a08d7f3c16d54179" providerId="LiveId" clId="{DAECEB32-C126-44A1-B729-3AADB1682972}" dt="2020-06-17T01:59:38.190" v="1474" actId="11529"/>
-          <ac:spMkLst>
-            <pc:docMk/>
-            <pc:sldMk cId="2602158399" sldId="296"/>
-            <ac:spMk id="22" creationId="{4645B119-9819-4AF8-B23E-940291934B69}"/>
-          </ac:spMkLst>
-        </pc:spChg>
-        <pc:spChg chg="add mod">
-          <ac:chgData name="Fernando C Correa" userId="a08d7f3c16d54179" providerId="LiveId" clId="{DAECEB32-C126-44A1-B729-3AADB1682972}" dt="2020-06-17T02:38:37.810" v="1868" actId="1076"/>
-          <ac:spMkLst>
-            <pc:docMk/>
-            <pc:sldMk cId="2602158399" sldId="296"/>
-            <ac:spMk id="23" creationId="{AEDD1AB6-8654-4748-AFEB-266F993341D8}"/>
-          </ac:spMkLst>
-        </pc:spChg>
-        <pc:spChg chg="add mod">
-          <ac:chgData name="Fernando C Correa" userId="a08d7f3c16d54179" providerId="LiveId" clId="{DAECEB32-C126-44A1-B729-3AADB1682972}" dt="2020-06-17T02:38:37.810" v="1868" actId="1076"/>
-          <ac:spMkLst>
-            <pc:docMk/>
-            <pc:sldMk cId="2602158399" sldId="296"/>
-            <ac:spMk id="24" creationId="{E02B5E74-D9F0-4003-BD68-3101ACF02AC9}"/>
-          </ac:spMkLst>
-        </pc:spChg>
-        <pc:grpChg chg="add del mod">
-          <ac:chgData name="Fernando C Correa" userId="a08d7f3c16d54179" providerId="LiveId" clId="{DAECEB32-C126-44A1-B729-3AADB1682972}" dt="2020-06-17T01:25:29.691" v="1088" actId="478"/>
-          <ac:grpSpMkLst>
-            <pc:docMk/>
-            <pc:sldMk cId="2602158399" sldId="296"/>
-            <ac:grpSpMk id="5" creationId="{6FAAF7DE-43D4-44F2-B91B-7964DB50D745}"/>
-          </ac:grpSpMkLst>
-        </pc:grpChg>
-        <pc:grpChg chg="add del mod">
-          <ac:chgData name="Fernando C Correa" userId="a08d7f3c16d54179" providerId="LiveId" clId="{DAECEB32-C126-44A1-B729-3AADB1682972}" dt="2020-06-17T00:40:30.437" v="767" actId="21"/>
-          <ac:grpSpMkLst>
-            <pc:docMk/>
-            <pc:sldMk cId="2602158399" sldId="296"/>
-            <ac:grpSpMk id="6" creationId="{96338F10-A041-4372-B2F5-A664726D9BA0}"/>
-          </ac:grpSpMkLst>
-        </pc:grpChg>
-        <pc:grpChg chg="del">
-          <ac:chgData name="Fernando C Correa" userId="a08d7f3c16d54179" providerId="LiveId" clId="{DAECEB32-C126-44A1-B729-3AADB1682972}" dt="2020-06-16T21:18:23.630" v="135" actId="478"/>
-          <ac:grpSpMkLst>
-            <pc:docMk/>
-            <pc:sldMk cId="2602158399" sldId="296"/>
-            <ac:grpSpMk id="15" creationId="{E9FF7A15-42E9-4313-8D04-09D0569D0196}"/>
-          </ac:grpSpMkLst>
-        </pc:grpChg>
-        <pc:picChg chg="add mod modCrop">
-          <ac:chgData name="Fernando C Correa" userId="a08d7f3c16d54179" providerId="LiveId" clId="{DAECEB32-C126-44A1-B729-3AADB1682972}" dt="2020-06-16T23:52:10.868" v="654" actId="1076"/>
-          <ac:picMkLst>
-            <pc:docMk/>
-            <pc:sldMk cId="2602158399" sldId="296"/>
-            <ac:picMk id="4" creationId="{3B8A8F53-123C-4439-9517-915F069EB640}"/>
-          </ac:picMkLst>
-        </pc:picChg>
-        <pc:picChg chg="add mod topLvl">
-          <ac:chgData name="Fernando C Correa" userId="a08d7f3c16d54179" providerId="LiveId" clId="{DAECEB32-C126-44A1-B729-3AADB1682972}" dt="2020-06-17T01:31:36.502" v="1168" actId="1076"/>
-          <ac:picMkLst>
-            <pc:docMk/>
-            <pc:sldMk cId="2602158399" sldId="296"/>
-            <ac:picMk id="8" creationId="{E7887945-5460-4B49-BFA8-1466756D37A0}"/>
-          </ac:picMkLst>
-        </pc:picChg>
-      </pc:sldChg>
-      <pc:sldChg chg="addSp delSp modSp mod modAnim">
-        <pc:chgData name="Fernando C Correa" userId="a08d7f3c16d54179" providerId="LiveId" clId="{DAECEB32-C126-44A1-B729-3AADB1682972}" dt="2020-06-17T02:54:14.840" v="2071" actId="1038"/>
-        <pc:sldMkLst>
-          <pc:docMk/>
-          <pc:sldMk cId="903407908" sldId="297"/>
-        </pc:sldMkLst>
-        <pc:spChg chg="mod">
-          <ac:chgData name="Fernando C Correa" userId="a08d7f3c16d54179" providerId="LiveId" clId="{DAECEB32-C126-44A1-B729-3AADB1682972}" dt="2020-06-17T02:52:33.565" v="1957" actId="20577"/>
-          <ac:spMkLst>
-            <pc:docMk/>
-            <pc:sldMk cId="903407908" sldId="297"/>
-            <ac:spMk id="2" creationId="{00000000-0000-0000-0000-000000000000}"/>
-          </ac:spMkLst>
-        </pc:spChg>
-        <pc:spChg chg="add del mod">
-          <ac:chgData name="Fernando C Correa" userId="a08d7f3c16d54179" providerId="LiveId" clId="{DAECEB32-C126-44A1-B729-3AADB1682972}" dt="2020-06-17T02:52:18.956" v="1949"/>
-          <ac:spMkLst>
-            <pc:docMk/>
-            <pc:sldMk cId="903407908" sldId="297"/>
-            <ac:spMk id="18" creationId="{7B8B747E-9DE3-4591-98FD-6F242200B481}"/>
-          </ac:spMkLst>
-        </pc:spChg>
-        <pc:spChg chg="add del mod">
-          <ac:chgData name="Fernando C Correa" userId="a08d7f3c16d54179" providerId="LiveId" clId="{DAECEB32-C126-44A1-B729-3AADB1682972}" dt="2020-06-17T02:52:18.956" v="1949"/>
-          <ac:spMkLst>
-            <pc:docMk/>
-            <pc:sldMk cId="903407908" sldId="297"/>
-            <ac:spMk id="19" creationId="{C2056704-906D-4A43-981B-0C82E8F81CFB}"/>
-          </ac:spMkLst>
-        </pc:spChg>
-        <pc:spChg chg="add del mod">
-          <ac:chgData name="Fernando C Correa" userId="a08d7f3c16d54179" providerId="LiveId" clId="{DAECEB32-C126-44A1-B729-3AADB1682972}" dt="2020-06-17T02:52:18.956" v="1949"/>
-          <ac:spMkLst>
-            <pc:docMk/>
-            <pc:sldMk cId="903407908" sldId="297"/>
-            <ac:spMk id="20" creationId="{AB1F2FA3-2A9F-42CB-9D7D-AB377DBA90A6}"/>
-          </ac:spMkLst>
-        </pc:spChg>
-        <pc:spChg chg="add mod">
-          <ac:chgData name="Fernando C Correa" userId="a08d7f3c16d54179" providerId="LiveId" clId="{DAECEB32-C126-44A1-B729-3AADB1682972}" dt="2020-06-17T02:52:50.851" v="2002" actId="20577"/>
-          <ac:spMkLst>
-            <pc:docMk/>
-            <pc:sldMk cId="903407908" sldId="297"/>
-            <ac:spMk id="21" creationId="{4BBC1F64-6A9A-4756-AE3A-5530F848BDB4}"/>
-          </ac:spMkLst>
-        </pc:spChg>
-        <pc:spChg chg="add mod">
-          <ac:chgData name="Fernando C Correa" userId="a08d7f3c16d54179" providerId="LiveId" clId="{DAECEB32-C126-44A1-B729-3AADB1682972}" dt="2020-06-17T02:54:14.840" v="2071" actId="1038"/>
-          <ac:spMkLst>
-            <pc:docMk/>
-            <pc:sldMk cId="903407908" sldId="297"/>
-            <ac:spMk id="22" creationId="{5FFDAF72-6237-4B4A-A954-A30A3C1FCBF2}"/>
-          </ac:spMkLst>
-        </pc:spChg>
-        <pc:spChg chg="add del mod">
-          <ac:chgData name="Fernando C Correa" userId="a08d7f3c16d54179" providerId="LiveId" clId="{DAECEB32-C126-44A1-B729-3AADB1682972}" dt="2020-06-17T02:53:47.680" v="2063" actId="478"/>
-          <ac:spMkLst>
-            <pc:docMk/>
-            <pc:sldMk cId="903407908" sldId="297"/>
-            <ac:spMk id="23" creationId="{D8C59A70-562F-40D3-A4DE-5E7DAB2E4FD2}"/>
-          </ac:spMkLst>
-        </pc:spChg>
-        <pc:spChg chg="add del mod">
-          <ac:chgData name="Fernando C Correa" userId="a08d7f3c16d54179" providerId="LiveId" clId="{DAECEB32-C126-44A1-B729-3AADB1682972}" dt="2020-06-17T02:53:58.518" v="2067" actId="478"/>
-          <ac:spMkLst>
-            <pc:docMk/>
-            <pc:sldMk cId="903407908" sldId="297"/>
-            <ac:spMk id="24" creationId="{566E65F7-9B29-4662-B30B-62FB59DACB57}"/>
-          </ac:spMkLst>
-        </pc:spChg>
-        <pc:spChg chg="add mod">
-          <ac:chgData name="Fernando C Correa" userId="a08d7f3c16d54179" providerId="LiveId" clId="{DAECEB32-C126-44A1-B729-3AADB1682972}" dt="2020-06-17T02:53:41.780" v="2062"/>
-          <ac:spMkLst>
-            <pc:docMk/>
-            <pc:sldMk cId="903407908" sldId="297"/>
-            <ac:spMk id="25" creationId="{58201C95-5404-4900-AA68-CFFD1575D4E1}"/>
-          </ac:spMkLst>
-        </pc:spChg>
-      </pc:sldChg>
-      <pc:sldChg chg="addSp modSp mod">
-        <pc:chgData name="Fernando C Correa" userId="a08d7f3c16d54179" providerId="LiveId" clId="{DAECEB32-C126-44A1-B729-3AADB1682972}" dt="2020-06-17T02:54:38.800" v="2096" actId="1035"/>
-        <pc:sldMkLst>
-          <pc:docMk/>
-          <pc:sldMk cId="1350499800" sldId="298"/>
-        </pc:sldMkLst>
-        <pc:spChg chg="mod">
-          <ac:chgData name="Fernando C Correa" userId="a08d7f3c16d54179" providerId="LiveId" clId="{DAECEB32-C126-44A1-B729-3AADB1682972}" dt="2020-06-17T02:52:31.251" v="1954" actId="20577"/>
-          <ac:spMkLst>
-            <pc:docMk/>
-            <pc:sldMk cId="1350499800" sldId="298"/>
-            <ac:spMk id="2" creationId="{00000000-0000-0000-0000-000000000000}"/>
-          </ac:spMkLst>
-        </pc:spChg>
-        <pc:spChg chg="add mod">
-          <ac:chgData name="Fernando C Correa" userId="a08d7f3c16d54179" providerId="LiveId" clId="{DAECEB32-C126-44A1-B729-3AADB1682972}" dt="2020-06-17T02:53:02.012" v="2036" actId="20577"/>
-          <ac:spMkLst>
-            <pc:docMk/>
-            <pc:sldMk cId="1350499800" sldId="298"/>
-            <ac:spMk id="8" creationId="{9839AFDD-8E4F-4858-BBB3-0373BB83BE39}"/>
-          </ac:spMkLst>
-        </pc:spChg>
-        <pc:spChg chg="add mod">
-          <ac:chgData name="Fernando C Correa" userId="a08d7f3c16d54179" providerId="LiveId" clId="{DAECEB32-C126-44A1-B729-3AADB1682972}" dt="2020-06-17T02:54:32.804" v="2095" actId="1038"/>
-          <ac:spMkLst>
-            <pc:docMk/>
-            <pc:sldMk cId="1350499800" sldId="298"/>
-            <ac:spMk id="9" creationId="{97F2FEA5-53F9-420C-8D02-55CB953267D0}"/>
-          </ac:spMkLst>
-        </pc:spChg>
-        <pc:spChg chg="add mod">
-          <ac:chgData name="Fernando C Correa" userId="a08d7f3c16d54179" providerId="LiveId" clId="{DAECEB32-C126-44A1-B729-3AADB1682972}" dt="2020-06-17T02:54:38.800" v="2096" actId="1035"/>
-          <ac:spMkLst>
-            <pc:docMk/>
-            <pc:sldMk cId="1350499800" sldId="298"/>
-            <ac:spMk id="11" creationId="{6E983EDC-9D44-4171-BB6B-3CD66677F0D3}"/>
-          </ac:spMkLst>
-        </pc:spChg>
-      </pc:sldChg>
-      <pc:sldChg chg="addSp delSp modSp mod modAnim">
-        <pc:chgData name="Fernando C Correa" userId="a08d7f3c16d54179" providerId="LiveId" clId="{DAECEB32-C126-44A1-B729-3AADB1682972}" dt="2020-06-18T22:40:08.667" v="2141"/>
-        <pc:sldMkLst>
-          <pc:docMk/>
-          <pc:sldMk cId="2306638093" sldId="299"/>
-        </pc:sldMkLst>
-        <pc:spChg chg="mod">
-          <ac:chgData name="Fernando C Correa" userId="a08d7f3c16d54179" providerId="LiveId" clId="{DAECEB32-C126-44A1-B729-3AADB1682972}" dt="2020-06-17T02:18:52.853" v="1525"/>
-          <ac:spMkLst>
-            <pc:docMk/>
-            <pc:sldMk cId="2306638093" sldId="299"/>
-            <ac:spMk id="2" creationId="{00000000-0000-0000-0000-000000000000}"/>
-          </ac:spMkLst>
-        </pc:spChg>
-        <pc:spChg chg="add mod">
-          <ac:chgData name="Fernando C Correa" userId="a08d7f3c16d54179" providerId="LiveId" clId="{DAECEB32-C126-44A1-B729-3AADB1682972}" dt="2020-06-17T02:18:28.655" v="1519" actId="403"/>
-          <ac:spMkLst>
-            <pc:docMk/>
-            <pc:sldMk cId="2306638093" sldId="299"/>
-            <ac:spMk id="8" creationId="{76B61B70-686C-4452-8B44-A25D894711B0}"/>
-          </ac:spMkLst>
-        </pc:spChg>
-        <pc:spChg chg="add mod">
-          <ac:chgData name="Fernando C Correa" userId="a08d7f3c16d54179" providerId="LiveId" clId="{DAECEB32-C126-44A1-B729-3AADB1682972}" dt="2020-06-17T02:18:16.657" v="1515"/>
-          <ac:spMkLst>
-            <pc:docMk/>
-            <pc:sldMk cId="2306638093" sldId="299"/>
-            <ac:spMk id="9" creationId="{222C1FF2-278B-4340-9D9F-C78F6E5CF15B}"/>
-          </ac:spMkLst>
-        </pc:spChg>
-        <pc:spChg chg="add mod">
-          <ac:chgData name="Fernando C Correa" userId="a08d7f3c16d54179" providerId="LiveId" clId="{DAECEB32-C126-44A1-B729-3AADB1682972}" dt="2020-06-17T02:18:16.657" v="1515"/>
-          <ac:spMkLst>
-            <pc:docMk/>
-            <pc:sldMk cId="2306638093" sldId="299"/>
-            <ac:spMk id="11" creationId="{4E984021-D7FD-4490-8DBE-80F9AF9A814D}"/>
-          </ac:spMkLst>
-        </pc:spChg>
-        <pc:spChg chg="add mod">
-          <ac:chgData name="Fernando C Correa" userId="a08d7f3c16d54179" providerId="LiveId" clId="{DAECEB32-C126-44A1-B729-3AADB1682972}" dt="2020-06-17T02:18:22.857" v="1517" actId="14861"/>
-          <ac:spMkLst>
-            <pc:docMk/>
-            <pc:sldMk cId="2306638093" sldId="299"/>
-            <ac:spMk id="15" creationId="{CBB9C317-0489-467D-AFF5-5A6026DDF8C0}"/>
-          </ac:spMkLst>
-        </pc:spChg>
-        <pc:spChg chg="add del mod">
-          <ac:chgData name="Fernando C Correa" userId="a08d7f3c16d54179" providerId="LiveId" clId="{DAECEB32-C126-44A1-B729-3AADB1682972}" dt="2020-06-17T02:23:58.925" v="1663" actId="478"/>
-          <ac:spMkLst>
-            <pc:docMk/>
-            <pc:sldMk cId="2306638093" sldId="299"/>
-            <ac:spMk id="16" creationId="{74578A1D-92D6-4816-8506-2830C9C44E93}"/>
-          </ac:spMkLst>
-        </pc:spChg>
-        <pc:spChg chg="add del mod">
-          <ac:chgData name="Fernando C Correa" userId="a08d7f3c16d54179" providerId="LiveId" clId="{DAECEB32-C126-44A1-B729-3AADB1682972}" dt="2020-06-17T02:25:25.528" v="1677"/>
-          <ac:spMkLst>
-            <pc:docMk/>
-            <pc:sldMk cId="2306638093" sldId="299"/>
-            <ac:spMk id="17" creationId="{A384F257-E03F-432B-AABC-47833AA5A85E}"/>
-          </ac:spMkLst>
-        </pc:spChg>
-        <pc:spChg chg="add mod">
-          <ac:chgData name="Fernando C Correa" userId="a08d7f3c16d54179" providerId="LiveId" clId="{DAECEB32-C126-44A1-B729-3AADB1682972}" dt="2020-06-17T02:26:21.802" v="1689"/>
-          <ac:spMkLst>
-            <pc:docMk/>
-            <pc:sldMk cId="2306638093" sldId="299"/>
-            <ac:spMk id="19" creationId="{801D3AE1-4492-47FE-B780-B74F5D1C0856}"/>
-          </ac:spMkLst>
-        </pc:spChg>
-        <pc:picChg chg="mod">
-          <ac:chgData name="Fernando C Correa" userId="a08d7f3c16d54179" providerId="LiveId" clId="{DAECEB32-C126-44A1-B729-3AADB1682972}" dt="2020-06-17T02:18:36.702" v="1522" actId="1076"/>
-          <ac:picMkLst>
-            <pc:docMk/>
-            <pc:sldMk cId="2306638093" sldId="299"/>
-            <ac:picMk id="3" creationId="{EEAC992E-ED94-44D0-8B15-D8F5ED685DAA}"/>
-          </ac:picMkLst>
-        </pc:picChg>
-        <pc:picChg chg="add del mod">
-          <ac:chgData name="Fernando C Correa" userId="a08d7f3c16d54179" providerId="LiveId" clId="{DAECEB32-C126-44A1-B729-3AADB1682972}" dt="2020-06-17T02:25:30.146" v="1679" actId="478"/>
-          <ac:picMkLst>
-            <pc:docMk/>
-            <pc:sldMk cId="2306638093" sldId="299"/>
-            <ac:picMk id="18" creationId="{C7833F18-91D0-486C-A64F-4D8D5CB571E8}"/>
-          </ac:picMkLst>
-        </pc:picChg>
-      </pc:sldChg>
-      <pc:sldChg chg="addSp delSp modSp add mod ord">
-        <pc:chgData name="Fernando C Correa" userId="a08d7f3c16d54179" providerId="LiveId" clId="{DAECEB32-C126-44A1-B729-3AADB1682972}" dt="2020-06-17T01:12:39.378" v="974" actId="20577"/>
-        <pc:sldMkLst>
-          <pc:docMk/>
-          <pc:sldMk cId="2462845540" sldId="300"/>
-        </pc:sldMkLst>
-        <pc:spChg chg="mod">
-          <ac:chgData name="Fernando C Correa" userId="a08d7f3c16d54179" providerId="LiveId" clId="{DAECEB32-C126-44A1-B729-3AADB1682972}" dt="2020-06-16T23:38:07.351" v="408" actId="20577"/>
-          <ac:spMkLst>
-            <pc:docMk/>
-            <pc:sldMk cId="2462845540" sldId="300"/>
-            <ac:spMk id="2" creationId="{00000000-0000-0000-0000-000000000000}"/>
-          </ac:spMkLst>
-        </pc:spChg>
-        <pc:spChg chg="add mod">
-          <ac:chgData name="Fernando C Correa" userId="a08d7f3c16d54179" providerId="LiveId" clId="{DAECEB32-C126-44A1-B729-3AADB1682972}" dt="2020-06-17T01:12:19.592" v="963" actId="14100"/>
-          <ac:spMkLst>
-            <pc:docMk/>
-            <pc:sldMk cId="2462845540" sldId="300"/>
-            <ac:spMk id="3" creationId="{0A469168-9659-4B5B-9B7B-D50FEC1E813C}"/>
-          </ac:spMkLst>
-        </pc:spChg>
-        <pc:spChg chg="add del mod">
-          <ac:chgData name="Fernando C Correa" userId="a08d7f3c16d54179" providerId="LiveId" clId="{DAECEB32-C126-44A1-B729-3AADB1682972}" dt="2020-06-16T23:31:12.989" v="222" actId="478"/>
-          <ac:spMkLst>
-            <pc:docMk/>
-            <pc:sldMk cId="2462845540" sldId="300"/>
-            <ac:spMk id="9" creationId="{DBBB2635-D3D3-43AA-B39C-534ED30D4390}"/>
-          </ac:spMkLst>
-        </pc:spChg>
-        <pc:spChg chg="del">
-          <ac:chgData name="Fernando C Correa" userId="a08d7f3c16d54179" providerId="LiveId" clId="{DAECEB32-C126-44A1-B729-3AADB1682972}" dt="2020-06-16T19:48:00.487" v="20" actId="478"/>
-          <ac:spMkLst>
-            <pc:docMk/>
-            <pc:sldMk cId="2462845540" sldId="300"/>
-            <ac:spMk id="10" creationId="{00000000-0000-0000-0000-000000000000}"/>
-          </ac:spMkLst>
-        </pc:spChg>
-        <pc:spChg chg="add mod">
-          <ac:chgData name="Fernando C Correa" userId="a08d7f3c16d54179" providerId="LiveId" clId="{DAECEB32-C126-44A1-B729-3AADB1682972}" dt="2020-06-17T01:12:39.378" v="974" actId="20577"/>
-          <ac:spMkLst>
-            <pc:docMk/>
-            <pc:sldMk cId="2462845540" sldId="300"/>
-            <ac:spMk id="11" creationId="{FB2E8868-434F-4638-9E06-D8C315433624}"/>
-          </ac:spMkLst>
-        </pc:spChg>
-        <pc:picChg chg="add del mod">
-          <ac:chgData name="Fernando C Correa" userId="a08d7f3c16d54179" providerId="LiveId" clId="{DAECEB32-C126-44A1-B729-3AADB1682972}" dt="2020-06-16T19:46:05.066" v="4" actId="478"/>
-          <ac:picMkLst>
-            <pc:docMk/>
-            <pc:sldMk cId="2462845540" sldId="300"/>
-            <ac:picMk id="3" creationId="{B704A7BC-0A8A-4B1B-9D05-A4A66FDFBC36}"/>
-          </ac:picMkLst>
-        </pc:picChg>
-        <pc:picChg chg="add mod">
-          <ac:chgData name="Fernando C Correa" userId="a08d7f3c16d54179" providerId="LiveId" clId="{DAECEB32-C126-44A1-B729-3AADB1682972}" dt="2020-06-17T00:10:22.850" v="672" actId="1076"/>
-          <ac:picMkLst>
-            <pc:docMk/>
-            <pc:sldMk cId="2462845540" sldId="300"/>
-            <ac:picMk id="4" creationId="{DC48B066-7753-45E3-BCE0-FF0376C71B93}"/>
-          </ac:picMkLst>
-        </pc:picChg>
-        <pc:picChg chg="add del mod">
-          <ac:chgData name="Fernando C Correa" userId="a08d7f3c16d54179" providerId="LiveId" clId="{DAECEB32-C126-44A1-B729-3AADB1682972}" dt="2020-06-16T21:47:50.792" v="148" actId="478"/>
-          <ac:picMkLst>
-            <pc:docMk/>
-            <pc:sldMk cId="2462845540" sldId="300"/>
-            <ac:picMk id="5" creationId="{05D0ED45-D674-4D1C-9168-43929F63670A}"/>
-          </ac:picMkLst>
-        </pc:picChg>
-        <pc:picChg chg="del">
-          <ac:chgData name="Fernando C Correa" userId="a08d7f3c16d54179" providerId="LiveId" clId="{DAECEB32-C126-44A1-B729-3AADB1682972}" dt="2020-06-16T19:45:58.530" v="1" actId="478"/>
-          <ac:picMkLst>
-            <pc:docMk/>
-            <pc:sldMk cId="2462845540" sldId="300"/>
-            <ac:picMk id="8" creationId="{F57F7578-876D-417C-8950-659CF2829DCC}"/>
-          </ac:picMkLst>
-        </pc:picChg>
-        <pc:picChg chg="add del mod">
-          <ac:chgData name="Fernando C Correa" userId="a08d7f3c16d54179" providerId="LiveId" clId="{DAECEB32-C126-44A1-B729-3AADB1682972}" dt="2020-06-16T19:56:06.768" v="68" actId="478"/>
-          <ac:picMkLst>
-            <pc:docMk/>
-            <pc:sldMk cId="2462845540" sldId="300"/>
-            <ac:picMk id="15" creationId="{0E85ABA3-1D94-4E56-A367-933CC7E51027}"/>
-          </ac:picMkLst>
-        </pc:picChg>
-        <pc:picChg chg="add mod">
-          <ac:chgData name="Fernando C Correa" userId="a08d7f3c16d54179" providerId="LiveId" clId="{DAECEB32-C126-44A1-B729-3AADB1682972}" dt="2020-06-17T00:10:45.303" v="755" actId="1037"/>
-          <ac:picMkLst>
-            <pc:docMk/>
-            <pc:sldMk cId="2462845540" sldId="300"/>
-            <ac:picMk id="1026" creationId="{1356F577-AD0C-4D62-AF08-6365B660B8E0}"/>
-          </ac:picMkLst>
-        </pc:picChg>
-        <pc:picChg chg="add del">
-          <ac:chgData name="Fernando C Correa" userId="a08d7f3c16d54179" providerId="LiveId" clId="{DAECEB32-C126-44A1-B729-3AADB1682972}" dt="2020-06-16T19:48:00.487" v="20" actId="478"/>
-          <ac:picMkLst>
-            <pc:docMk/>
-            <pc:sldMk cId="2462845540" sldId="300"/>
-            <ac:picMk id="1026" creationId="{1AE3563D-E69E-405F-8AE2-6C3F957B8582}"/>
-          </ac:picMkLst>
-        </pc:picChg>
-        <pc:picChg chg="add del mod">
-          <ac:chgData name="Fernando C Correa" userId="a08d7f3c16d54179" providerId="LiveId" clId="{DAECEB32-C126-44A1-B729-3AADB1682972}" dt="2020-06-17T00:10:10.842" v="667" actId="478"/>
-          <ac:picMkLst>
-            <pc:docMk/>
-            <pc:sldMk cId="2462845540" sldId="300"/>
-            <ac:picMk id="1028" creationId="{4D52BBEE-2B65-4A2C-8909-4A9068D56737}"/>
-          </ac:picMkLst>
-        </pc:picChg>
-        <pc:picChg chg="add mod">
-          <ac:chgData name="Fernando C Correa" userId="a08d7f3c16d54179" providerId="LiveId" clId="{DAECEB32-C126-44A1-B729-3AADB1682972}" dt="2020-06-17T00:10:33.981" v="675" actId="166"/>
-          <ac:picMkLst>
-            <pc:docMk/>
-            <pc:sldMk cId="2462845540" sldId="300"/>
-            <ac:picMk id="1030" creationId="{5FA43E33-8005-4382-9B8C-63CBEE494F0D}"/>
-          </ac:picMkLst>
-        </pc:picChg>
-        <pc:picChg chg="add del mod">
-          <ac:chgData name="Fernando C Correa" userId="a08d7f3c16d54179" providerId="LiveId" clId="{DAECEB32-C126-44A1-B729-3AADB1682972}" dt="2020-06-16T19:56:06.022" v="67" actId="478"/>
-          <ac:picMkLst>
-            <pc:docMk/>
-            <pc:sldMk cId="2462845540" sldId="300"/>
-            <ac:picMk id="1032" creationId="{2D90E7C1-77A2-43FD-ACA3-C9E93D064031}"/>
-          </ac:picMkLst>
-        </pc:picChg>
-      </pc:sldChg>
-      <pc:sldChg chg="add del">
-        <pc:chgData name="Fernando C Correa" userId="a08d7f3c16d54179" providerId="LiveId" clId="{DAECEB32-C126-44A1-B729-3AADB1682972}" dt="2020-06-17T00:41:20.116" v="773" actId="47"/>
-        <pc:sldMkLst>
-          <pc:docMk/>
-          <pc:sldMk cId="227931716" sldId="301"/>
-        </pc:sldMkLst>
-      </pc:sldChg>
-      <pc:sldChg chg="add del ord">
-        <pc:chgData name="Fernando C Correa" userId="a08d7f3c16d54179" providerId="LiveId" clId="{DAECEB32-C126-44A1-B729-3AADB1682972}" dt="2020-06-17T00:41:20.905" v="774" actId="47"/>
-        <pc:sldMkLst>
-          <pc:docMk/>
-          <pc:sldMk cId="1426705781" sldId="302"/>
-        </pc:sldMkLst>
-      </pc:sldChg>
-      <pc:sldChg chg="addSp delSp modSp add mod delAnim modAnim">
-        <pc:chgData name="Fernando C Correa" userId="a08d7f3c16d54179" providerId="LiveId" clId="{DAECEB32-C126-44A1-B729-3AADB1682972}" dt="2020-06-18T22:39:34.202" v="2137"/>
-        <pc:sldMkLst>
-          <pc:docMk/>
-          <pc:sldMk cId="1298849621" sldId="303"/>
-        </pc:sldMkLst>
-        <pc:spChg chg="del">
-          <ac:chgData name="Fernando C Correa" userId="a08d7f3c16d54179" providerId="LiveId" clId="{DAECEB32-C126-44A1-B729-3AADB1682972}" dt="2020-06-17T02:38:51.506" v="1873" actId="478"/>
-          <ac:spMkLst>
-            <pc:docMk/>
-            <pc:sldMk cId="1298849621" sldId="303"/>
-            <ac:spMk id="10" creationId="{00000000-0000-0000-0000-000000000000}"/>
-          </ac:spMkLst>
-        </pc:spChg>
-        <pc:spChg chg="del mod topLvl">
-          <ac:chgData name="Fernando C Correa" userId="a08d7f3c16d54179" providerId="LiveId" clId="{DAECEB32-C126-44A1-B729-3AADB1682972}" dt="2020-06-17T01:25:22.450" v="1087" actId="478"/>
-          <ac:spMkLst>
-            <pc:docMk/>
-            <pc:sldMk cId="1298849621" sldId="303"/>
-            <ac:spMk id="16" creationId="{91E883F1-8EF7-411E-A05E-24165369F0A7}"/>
-          </ac:spMkLst>
-        </pc:spChg>
-        <pc:spChg chg="add del mod">
-          <ac:chgData name="Fernando C Correa" userId="a08d7f3c16d54179" providerId="LiveId" clId="{DAECEB32-C126-44A1-B729-3AADB1682972}" dt="2020-06-17T01:24:34.097" v="1086" actId="478"/>
-          <ac:spMkLst>
-            <pc:docMk/>
-            <pc:sldMk cId="1298849621" sldId="303"/>
-            <ac:spMk id="17" creationId="{37959AA7-8A52-4962-9CB0-85BA95E1CD04}"/>
-          </ac:spMkLst>
-        </pc:spChg>
-        <pc:spChg chg="add del mod">
-          <ac:chgData name="Fernando C Correa" userId="a08d7f3c16d54179" providerId="LiveId" clId="{DAECEB32-C126-44A1-B729-3AADB1682972}" dt="2020-06-17T01:59:57.501" v="1476" actId="478"/>
-          <ac:spMkLst>
-            <pc:docMk/>
-            <pc:sldMk cId="1298849621" sldId="303"/>
-            <ac:spMk id="18" creationId="{DEF22804-DE74-451E-A09C-614AD3888324}"/>
-          </ac:spMkLst>
-        </pc:spChg>
-        <pc:spChg chg="add del mod">
-          <ac:chgData name="Fernando C Correa" userId="a08d7f3c16d54179" providerId="LiveId" clId="{DAECEB32-C126-44A1-B729-3AADB1682972}" dt="2020-06-17T01:59:58.361" v="1477" actId="478"/>
-          <ac:spMkLst>
-            <pc:docMk/>
-            <pc:sldMk cId="1298849621" sldId="303"/>
-            <ac:spMk id="19" creationId="{242142D5-57C5-4228-AD6A-DBB98CE772E5}"/>
-          </ac:spMkLst>
-        </pc:spChg>
-        <pc:spChg chg="add del mod">
-          <ac:chgData name="Fernando C Correa" userId="a08d7f3c16d54179" providerId="LiveId" clId="{DAECEB32-C126-44A1-B729-3AADB1682972}" dt="2020-06-17T01:55:12.959" v="1419" actId="478"/>
-          <ac:spMkLst>
-            <pc:docMk/>
-            <pc:sldMk cId="1298849621" sldId="303"/